--- a/Module 214 - Fabrication_Ethernet.pptx
+++ b/Module 214 - Fabrication_Ethernet.pptx
@@ -11,8 +11,9 @@
     <p:sldId id="262" r:id="rId5"/>
     <p:sldId id="263" r:id="rId6"/>
     <p:sldId id="264" r:id="rId7"/>
-    <p:sldId id="266" r:id="rId8"/>
-    <p:sldId id="265" r:id="rId9"/>
+    <p:sldId id="267" r:id="rId8"/>
+    <p:sldId id="266" r:id="rId9"/>
+    <p:sldId id="265" r:id="rId10"/>
   </p:sldIdLst>
   <p:sldSz cx="12192000" cy="6858000"/>
   <p:notesSz cx="6858000" cy="9144000"/>
@@ -310,7 +311,7 @@
           <a:p>
             <a:fld id="{D406E69D-613E-4019-8533-7F772451DAA2}" type="datetimeFigureOut">
               <a:rPr lang="fr-CH" smtClean="0"/>
-              <a:t>18.02.2019</a:t>
+              <a:t>01.04.2019</a:t>
             </a:fld>
             <a:endParaRPr lang="fr-CH"/>
           </a:p>
@@ -746,7 +747,7 @@
           <a:p>
             <a:fld id="{D406E69D-613E-4019-8533-7F772451DAA2}" type="datetimeFigureOut">
               <a:rPr lang="fr-CH" smtClean="0"/>
-              <a:t>18.02.2019</a:t>
+              <a:t>01.04.2019</a:t>
             </a:fld>
             <a:endParaRPr lang="fr-CH"/>
           </a:p>
@@ -996,7 +997,7 @@
           <a:p>
             <a:fld id="{D406E69D-613E-4019-8533-7F772451DAA2}" type="datetimeFigureOut">
               <a:rPr lang="fr-CH" smtClean="0"/>
-              <a:t>18.02.2019</a:t>
+              <a:t>01.04.2019</a:t>
             </a:fld>
             <a:endParaRPr lang="fr-CH"/>
           </a:p>
@@ -1304,7 +1305,7 @@
           <a:p>
             <a:fld id="{D406E69D-613E-4019-8533-7F772451DAA2}" type="datetimeFigureOut">
               <a:rPr lang="fr-CH" smtClean="0"/>
-              <a:t>18.02.2019</a:t>
+              <a:t>01.04.2019</a:t>
             </a:fld>
             <a:endParaRPr lang="fr-CH"/>
           </a:p>
@@ -1622,7 +1623,7 @@
           <a:p>
             <a:fld id="{D406E69D-613E-4019-8533-7F772451DAA2}" type="datetimeFigureOut">
               <a:rPr lang="fr-CH" smtClean="0"/>
-              <a:t>18.02.2019</a:t>
+              <a:t>01.04.2019</a:t>
             </a:fld>
             <a:endParaRPr lang="fr-CH"/>
           </a:p>
@@ -1924,7 +1925,7 @@
           <a:p>
             <a:fld id="{D406E69D-613E-4019-8533-7F772451DAA2}" type="datetimeFigureOut">
               <a:rPr lang="fr-CH" smtClean="0"/>
-              <a:t>18.02.2019</a:t>
+              <a:t>01.04.2019</a:t>
             </a:fld>
             <a:endParaRPr lang="fr-CH"/>
           </a:p>
@@ -2291,7 +2292,7 @@
           <a:p>
             <a:fld id="{D406E69D-613E-4019-8533-7F772451DAA2}" type="datetimeFigureOut">
               <a:rPr lang="fr-CH" smtClean="0"/>
-              <a:t>18.02.2019</a:t>
+              <a:t>01.04.2019</a:t>
             </a:fld>
             <a:endParaRPr lang="fr-CH"/>
           </a:p>
@@ -2465,7 +2466,7 @@
           <a:p>
             <a:fld id="{D406E69D-613E-4019-8533-7F772451DAA2}" type="datetimeFigureOut">
               <a:rPr lang="fr-CH" smtClean="0"/>
-              <a:t>18.02.2019</a:t>
+              <a:t>01.04.2019</a:t>
             </a:fld>
             <a:endParaRPr lang="fr-CH"/>
           </a:p>
@@ -2645,7 +2646,7 @@
           <a:p>
             <a:fld id="{D406E69D-613E-4019-8533-7F772451DAA2}" type="datetimeFigureOut">
               <a:rPr lang="fr-CH" smtClean="0"/>
-              <a:t>18.02.2019</a:t>
+              <a:t>01.04.2019</a:t>
             </a:fld>
             <a:endParaRPr lang="fr-CH"/>
           </a:p>
@@ -2815,7 +2816,7 @@
           <a:p>
             <a:fld id="{D406E69D-613E-4019-8533-7F772451DAA2}" type="datetimeFigureOut">
               <a:rPr lang="fr-CH" smtClean="0"/>
-              <a:t>18.02.2019</a:t>
+              <a:t>01.04.2019</a:t>
             </a:fld>
             <a:endParaRPr lang="fr-CH"/>
           </a:p>
@@ -3065,7 +3066,7 @@
           <a:p>
             <a:fld id="{D406E69D-613E-4019-8533-7F772451DAA2}" type="datetimeFigureOut">
               <a:rPr lang="fr-CH" smtClean="0"/>
-              <a:t>18.02.2019</a:t>
+              <a:t>01.04.2019</a:t>
             </a:fld>
             <a:endParaRPr lang="fr-CH"/>
           </a:p>
@@ -3301,7 +3302,7 @@
           <a:p>
             <a:fld id="{D406E69D-613E-4019-8533-7F772451DAA2}" type="datetimeFigureOut">
               <a:rPr lang="fr-CH" smtClean="0"/>
-              <a:t>18.02.2019</a:t>
+              <a:t>01.04.2019</a:t>
             </a:fld>
             <a:endParaRPr lang="fr-CH"/>
           </a:p>
@@ -3683,7 +3684,7 @@
           <a:p>
             <a:fld id="{D406E69D-613E-4019-8533-7F772451DAA2}" type="datetimeFigureOut">
               <a:rPr lang="fr-CH" smtClean="0"/>
-              <a:t>18.02.2019</a:t>
+              <a:t>01.04.2019</a:t>
             </a:fld>
             <a:endParaRPr lang="fr-CH"/>
           </a:p>
@@ -3801,7 +3802,7 @@
           <a:p>
             <a:fld id="{D406E69D-613E-4019-8533-7F772451DAA2}" type="datetimeFigureOut">
               <a:rPr lang="fr-CH" smtClean="0"/>
-              <a:t>18.02.2019</a:t>
+              <a:t>01.04.2019</a:t>
             </a:fld>
             <a:endParaRPr lang="fr-CH"/>
           </a:p>
@@ -3896,7 +3897,7 @@
           <a:p>
             <a:fld id="{D406E69D-613E-4019-8533-7F772451DAA2}" type="datetimeFigureOut">
               <a:rPr lang="fr-CH" smtClean="0"/>
-              <a:t>18.02.2019</a:t>
+              <a:t>01.04.2019</a:t>
             </a:fld>
             <a:endParaRPr lang="fr-CH"/>
           </a:p>
@@ -4151,7 +4152,7 @@
           <a:p>
             <a:fld id="{D406E69D-613E-4019-8533-7F772451DAA2}" type="datetimeFigureOut">
               <a:rPr lang="fr-CH" smtClean="0"/>
-              <a:t>18.02.2019</a:t>
+              <a:t>01.04.2019</a:t>
             </a:fld>
             <a:endParaRPr lang="fr-CH"/>
           </a:p>
@@ -4434,7 +4435,7 @@
           <a:p>
             <a:fld id="{D406E69D-613E-4019-8533-7F772451DAA2}" type="datetimeFigureOut">
               <a:rPr lang="fr-CH" smtClean="0"/>
-              <a:t>18.02.2019</a:t>
+              <a:t>01.04.2019</a:t>
             </a:fld>
             <a:endParaRPr lang="fr-CH"/>
           </a:p>
@@ -4840,7 +4841,7 @@
           <a:p>
             <a:fld id="{D406E69D-613E-4019-8533-7F772451DAA2}" type="datetimeFigureOut">
               <a:rPr lang="fr-CH" smtClean="0"/>
-              <a:t>18.02.2019</a:t>
+              <a:t>01.04.2019</a:t>
             </a:fld>
             <a:endParaRPr lang="fr-CH"/>
           </a:p>
@@ -5401,13 +5402,7 @@
               <a:rPr lang="fr-CH" sz="4400" dirty="0" smtClean="0">
                 <a:cs typeface="Arial" panose="020B0604020202020204" pitchFamily="34" charset="0"/>
               </a:rPr>
-              <a:t>Module 214 </a:t>
-            </a:r>
-            <a:r>
-              <a:rPr lang="fr-CH" sz="4400" dirty="0" smtClean="0">
-                <a:cs typeface="Arial" panose="020B0604020202020204" pitchFamily="34" charset="0"/>
-              </a:rPr>
-              <a:t>–</a:t>
+              <a:t>Module 214 –</a:t>
             </a:r>
             <a:br>
               <a:rPr lang="fr-CH" sz="4400" dirty="0" smtClean="0">
@@ -5983,6 +5978,87 @@
       </p:grpSpPr>
       <p:sp>
         <p:nvSpPr>
+          <p:cNvPr id="3" name="Content Placeholder 2"/>
+          <p:cNvSpPr>
+            <a:spLocks noGrp="1"/>
+          </p:cNvSpPr>
+          <p:nvPr>
+            <p:ph idx="1"/>
+          </p:nvPr>
+        </p:nvSpPr>
+        <p:spPr/>
+        <p:txBody>
+          <a:bodyPr/>
+          <a:lstStyle/>
+          <a:p>
+            <a:endParaRPr lang="fr-CH" dirty="0"/>
+          </a:p>
+        </p:txBody>
+      </p:sp>
+      <p:sp>
+        <p:nvSpPr>
+          <p:cNvPr id="5" name="Title 1"/>
+          <p:cNvSpPr>
+            <a:spLocks noGrp="1"/>
+          </p:cNvSpPr>
+          <p:nvPr>
+            <p:ph type="title"/>
+          </p:nvPr>
+        </p:nvSpPr>
+        <p:spPr>
+          <a:xfrm>
+            <a:off x="684212" y="4487332"/>
+            <a:ext cx="8534400" cy="1507067"/>
+          </a:xfrm>
+        </p:spPr>
+        <p:txBody>
+          <a:bodyPr/>
+          <a:lstStyle/>
+          <a:p>
+            <a:r>
+              <a:rPr lang="fr-CH" dirty="0" smtClean="0"/>
+              <a:t>La technologie </a:t>
+            </a:r>
+            <a:r>
+              <a:rPr lang="fr-CH" dirty="0" err="1" smtClean="0"/>
+              <a:t>poe</a:t>
+            </a:r>
+            <a:endParaRPr lang="fr-CH" dirty="0"/>
+          </a:p>
+        </p:txBody>
+      </p:sp>
+    </p:spTree>
+    <p:extLst>
+      <p:ext uri="{BB962C8B-B14F-4D97-AF65-F5344CB8AC3E}">
+        <p14:creationId xmlns:p14="http://schemas.microsoft.com/office/powerpoint/2010/main" val="2309920135"/>
+      </p:ext>
+    </p:extLst>
+  </p:cSld>
+  <p:clrMapOvr>
+    <a:masterClrMapping/>
+  </p:clrMapOvr>
+</p:sld>
+</file>
+
+<file path=ppt/slides/slide8.xml><?xml version="1.0" encoding="utf-8"?>
+<p:sld xmlns:a="http://schemas.openxmlformats.org/drawingml/2006/main" xmlns:r="http://schemas.openxmlformats.org/officeDocument/2006/relationships" xmlns:p="http://schemas.openxmlformats.org/presentationml/2006/main">
+  <p:cSld>
+    <p:spTree>
+      <p:nvGrpSpPr>
+        <p:cNvPr id="1" name=""/>
+        <p:cNvGrpSpPr/>
+        <p:nvPr/>
+      </p:nvGrpSpPr>
+      <p:grpSpPr>
+        <a:xfrm>
+          <a:off x="0" y="0"/>
+          <a:ext cx="0" cy="0"/>
+          <a:chOff x="0" y="0"/>
+          <a:chExt cx="0" cy="0"/>
+        </a:xfrm>
+      </p:grpSpPr>
+      <p:sp>
+        <p:nvSpPr>
           <p:cNvPr id="2" name="Title 1"/>
           <p:cNvSpPr>
             <a:spLocks noGrp="1"/>
@@ -6043,7 +6119,7 @@
 </p:sld>
 </file>
 
-<file path=ppt/slides/slide8.xml><?xml version="1.0" encoding="utf-8"?>
+<file path=ppt/slides/slide9.xml><?xml version="1.0" encoding="utf-8"?>
 <p:sld xmlns:a="http://schemas.openxmlformats.org/drawingml/2006/main" xmlns:r="http://schemas.openxmlformats.org/officeDocument/2006/relationships" xmlns:p="http://schemas.openxmlformats.org/presentationml/2006/main">
   <p:cSld>
     <p:spTree>

--- a/Module 214 - Fabrication_Ethernet.pptx
+++ b/Module 214 - Fabrication_Ethernet.pptx
@@ -26,12 +26,19 @@
     <p:sldId id="271" r:id="rId20"/>
     <p:sldId id="274" r:id="rId21"/>
     <p:sldId id="260" r:id="rId22"/>
-    <p:sldId id="262" r:id="rId23"/>
-    <p:sldId id="263" r:id="rId24"/>
-    <p:sldId id="264" r:id="rId25"/>
-    <p:sldId id="266" r:id="rId26"/>
-    <p:sldId id="265" r:id="rId27"/>
-    <p:sldId id="287" r:id="rId28"/>
+    <p:sldId id="288" r:id="rId23"/>
+    <p:sldId id="289" r:id="rId24"/>
+    <p:sldId id="290" r:id="rId25"/>
+    <p:sldId id="291" r:id="rId26"/>
+    <p:sldId id="292" r:id="rId27"/>
+    <p:sldId id="293" r:id="rId28"/>
+    <p:sldId id="294" r:id="rId29"/>
+    <p:sldId id="262" r:id="rId30"/>
+    <p:sldId id="263" r:id="rId31"/>
+    <p:sldId id="264" r:id="rId32"/>
+    <p:sldId id="266" r:id="rId33"/>
+    <p:sldId id="265" r:id="rId34"/>
+    <p:sldId id="287" r:id="rId35"/>
   </p:sldIdLst>
   <p:sldSz cx="12192000" cy="6858000"/>
   <p:notesSz cx="6858000" cy="9144000"/>
@@ -184,7 +191,7 @@
           </a:lstStyle>
           <a:p>
             <a:r>
-              <a:rPr lang="en-US" smtClean="0"/>
+              <a:rPr lang="en-US"/>
               <a:t>Click to edit Master title style</a:t>
             </a:r>
             <a:endParaRPr lang="en-US" dirty="0"/>
@@ -305,7 +312,7 @@
           </a:lstStyle>
           <a:p>
             <a:r>
-              <a:rPr lang="en-US" smtClean="0"/>
+              <a:rPr lang="en-US"/>
               <a:t>Click to edit Master subtitle style</a:t>
             </a:r>
             <a:endParaRPr lang="en-US" dirty="0"/>
@@ -329,7 +336,7 @@
           <a:p>
             <a:fld id="{D406E69D-613E-4019-8533-7F772451DAA2}" type="datetimeFigureOut">
               <a:rPr lang="fr-CH" smtClean="0"/>
-              <a:t>14.04.2019</a:t>
+              <a:t>17.04.2019</a:t>
             </a:fld>
             <a:endParaRPr lang="fr-CH"/>
           </a:p>
@@ -371,7 +378,7 @@
           <a:p>
             <a:fld id="{CE6FAF98-85C3-4CED-96AD-EC23129ABD35}" type="slidenum">
               <a:rPr lang="fr-CH" smtClean="0"/>
-              <a:t>‹#›</a:t>
+              <a:t>‹N°›</a:t>
             </a:fld>
             <a:endParaRPr lang="fr-CH"/>
           </a:p>
@@ -598,7 +605,7 @@
           <a:lstStyle/>
           <a:p>
             <a:r>
-              <a:rPr lang="en-US" smtClean="0"/>
+              <a:rPr lang="en-US"/>
               <a:t>Click to edit Master title style</a:t>
             </a:r>
             <a:endParaRPr lang="en-US" dirty="0"/>
@@ -685,7 +692,7 @@
           </a:lstStyle>
           <a:p>
             <a:r>
-              <a:rPr lang="en-US" smtClean="0"/>
+              <a:rPr lang="en-US"/>
               <a:t>Click icon to add picture</a:t>
             </a:r>
             <a:endParaRPr lang="en-US" dirty="0"/>
@@ -742,7 +749,7 @@
           <a:p>
             <a:pPr lvl="0"/>
             <a:r>
-              <a:rPr lang="en-US" smtClean="0"/>
+              <a:rPr lang="en-US"/>
               <a:t>Click to edit Master text styles</a:t>
             </a:r>
           </a:p>
@@ -765,7 +772,7 @@
           <a:p>
             <a:fld id="{D406E69D-613E-4019-8533-7F772451DAA2}" type="datetimeFigureOut">
               <a:rPr lang="fr-CH" smtClean="0"/>
-              <a:t>14.04.2019</a:t>
+              <a:t>17.04.2019</a:t>
             </a:fld>
             <a:endParaRPr lang="fr-CH"/>
           </a:p>
@@ -807,7 +814,7 @@
           <a:p>
             <a:fld id="{CE6FAF98-85C3-4CED-96AD-EC23129ABD35}" type="slidenum">
               <a:rPr lang="fr-CH" smtClean="0"/>
-              <a:t>‹#›</a:t>
+              <a:t>‹N°›</a:t>
             </a:fld>
             <a:endParaRPr lang="fr-CH"/>
           </a:p>
@@ -870,7 +877,7 @@
           </a:lstStyle>
           <a:p>
             <a:r>
-              <a:rPr lang="en-US" smtClean="0"/>
+              <a:rPr lang="en-US"/>
               <a:t>Click to edit Master title style</a:t>
             </a:r>
             <a:endParaRPr lang="en-US" dirty="0"/>
@@ -992,7 +999,7 @@
           <a:p>
             <a:pPr lvl="0"/>
             <a:r>
-              <a:rPr lang="en-US" smtClean="0"/>
+              <a:rPr lang="en-US"/>
               <a:t>Click to edit Master text styles</a:t>
             </a:r>
           </a:p>
@@ -1015,7 +1022,7 @@
           <a:p>
             <a:fld id="{D406E69D-613E-4019-8533-7F772451DAA2}" type="datetimeFigureOut">
               <a:rPr lang="fr-CH" smtClean="0"/>
-              <a:t>14.04.2019</a:t>
+              <a:t>17.04.2019</a:t>
             </a:fld>
             <a:endParaRPr lang="fr-CH"/>
           </a:p>
@@ -1057,7 +1064,7 @@
           <a:p>
             <a:fld id="{CE6FAF98-85C3-4CED-96AD-EC23129ABD35}" type="slidenum">
               <a:rPr lang="fr-CH" smtClean="0"/>
-              <a:t>‹#›</a:t>
+              <a:t>‹N°›</a:t>
             </a:fld>
             <a:endParaRPr lang="fr-CH"/>
           </a:p>
@@ -1124,7 +1131,7 @@
           </a:lstStyle>
           <a:p>
             <a:r>
-              <a:rPr lang="en-US" smtClean="0"/>
+              <a:rPr lang="en-US"/>
               <a:t>Click to edit Master title style</a:t>
             </a:r>
             <a:endParaRPr lang="en-US" dirty="0"/>
@@ -1179,7 +1186,7 @@
           <a:p>
             <a:pPr lvl="0"/>
             <a:r>
-              <a:rPr lang="en-US" smtClean="0"/>
+              <a:rPr lang="en-US"/>
               <a:t>Click to edit Master text styles</a:t>
             </a:r>
           </a:p>
@@ -1300,7 +1307,7 @@
           <a:p>
             <a:pPr lvl="0"/>
             <a:r>
-              <a:rPr lang="en-US" smtClean="0"/>
+              <a:rPr lang="en-US"/>
               <a:t>Click to edit Master text styles</a:t>
             </a:r>
           </a:p>
@@ -1323,7 +1330,7 @@
           <a:p>
             <a:fld id="{D406E69D-613E-4019-8533-7F772451DAA2}" type="datetimeFigureOut">
               <a:rPr lang="fr-CH" smtClean="0"/>
-              <a:t>14.04.2019</a:t>
+              <a:t>17.04.2019</a:t>
             </a:fld>
             <a:endParaRPr lang="fr-CH"/>
           </a:p>
@@ -1365,7 +1372,7 @@
           <a:p>
             <a:fld id="{CE6FAF98-85C3-4CED-96AD-EC23129ABD35}" type="slidenum">
               <a:rPr lang="fr-CH" smtClean="0"/>
-              <a:t>‹#›</a:t>
+              <a:t>‹N°›</a:t>
             </a:fld>
             <a:endParaRPr lang="fr-CH"/>
           </a:p>
@@ -1496,7 +1503,7 @@
           </a:lstStyle>
           <a:p>
             <a:r>
-              <a:rPr lang="en-US" smtClean="0"/>
+              <a:rPr lang="en-US"/>
               <a:t>Click to edit Master title style</a:t>
             </a:r>
             <a:endParaRPr lang="en-US" dirty="0"/>
@@ -1618,7 +1625,7 @@
           <a:p>
             <a:pPr lvl="0"/>
             <a:r>
-              <a:rPr lang="en-US" smtClean="0"/>
+              <a:rPr lang="en-US"/>
               <a:t>Click to edit Master text styles</a:t>
             </a:r>
           </a:p>
@@ -1641,7 +1648,7 @@
           <a:p>
             <a:fld id="{D406E69D-613E-4019-8533-7F772451DAA2}" type="datetimeFigureOut">
               <a:rPr lang="fr-CH" smtClean="0"/>
-              <a:t>14.04.2019</a:t>
+              <a:t>17.04.2019</a:t>
             </a:fld>
             <a:endParaRPr lang="fr-CH"/>
           </a:p>
@@ -1683,7 +1690,7 @@
           <a:p>
             <a:fld id="{CE6FAF98-85C3-4CED-96AD-EC23129ABD35}" type="slidenum">
               <a:rPr lang="fr-CH" smtClean="0"/>
-              <a:t>‹#›</a:t>
+              <a:t>‹N°›</a:t>
             </a:fld>
             <a:endParaRPr lang="fr-CH"/>
           </a:p>
@@ -1750,7 +1757,7 @@
           </a:lstStyle>
           <a:p>
             <a:r>
-              <a:rPr lang="en-US" smtClean="0"/>
+              <a:rPr lang="en-US"/>
               <a:t>Click to edit Master title style</a:t>
             </a:r>
             <a:endParaRPr lang="en-US" dirty="0"/>
@@ -1799,7 +1806,7 @@
               <a:buNone/>
             </a:pPr>
             <a:r>
-              <a:rPr lang="en-US" smtClean="0"/>
+              <a:rPr lang="en-US"/>
               <a:t>Click to edit Master text styles</a:t>
             </a:r>
           </a:p>
@@ -1920,7 +1927,7 @@
           <a:p>
             <a:pPr lvl="0"/>
             <a:r>
-              <a:rPr lang="en-US" smtClean="0"/>
+              <a:rPr lang="en-US"/>
               <a:t>Click to edit Master text styles</a:t>
             </a:r>
           </a:p>
@@ -1943,7 +1950,7 @@
           <a:p>
             <a:fld id="{D406E69D-613E-4019-8533-7F772451DAA2}" type="datetimeFigureOut">
               <a:rPr lang="fr-CH" smtClean="0"/>
-              <a:t>14.04.2019</a:t>
+              <a:t>17.04.2019</a:t>
             </a:fld>
             <a:endParaRPr lang="fr-CH"/>
           </a:p>
@@ -1985,7 +1992,7 @@
           <a:p>
             <a:fld id="{CE6FAF98-85C3-4CED-96AD-EC23129ABD35}" type="slidenum">
               <a:rPr lang="fr-CH" smtClean="0"/>
-              <a:t>‹#›</a:t>
+              <a:t>‹N°›</a:t>
             </a:fld>
             <a:endParaRPr lang="fr-CH"/>
           </a:p>
@@ -2117,7 +2124,7 @@
           <a:p>
             <a:pPr marL="0" lvl="0"/>
             <a:r>
-              <a:rPr lang="en-US" smtClean="0"/>
+              <a:rPr lang="en-US"/>
               <a:t>Click to edit Master title style</a:t>
             </a:r>
             <a:endParaRPr lang="en-US" dirty="0"/>
@@ -2166,7 +2173,7 @@
               <a:buNone/>
             </a:pPr>
             <a:r>
-              <a:rPr lang="en-US" smtClean="0"/>
+              <a:rPr lang="en-US"/>
               <a:t>Click to edit Master text styles</a:t>
             </a:r>
           </a:p>
@@ -2287,7 +2294,7 @@
           <a:p>
             <a:pPr lvl="0"/>
             <a:r>
-              <a:rPr lang="en-US" smtClean="0"/>
+              <a:rPr lang="en-US"/>
               <a:t>Click to edit Master text styles</a:t>
             </a:r>
           </a:p>
@@ -2310,7 +2317,7 @@
           <a:p>
             <a:fld id="{D406E69D-613E-4019-8533-7F772451DAA2}" type="datetimeFigureOut">
               <a:rPr lang="fr-CH" smtClean="0"/>
-              <a:t>14.04.2019</a:t>
+              <a:t>17.04.2019</a:t>
             </a:fld>
             <a:endParaRPr lang="fr-CH"/>
           </a:p>
@@ -2352,7 +2359,7 @@
           <a:p>
             <a:fld id="{CE6FAF98-85C3-4CED-96AD-EC23129ABD35}" type="slidenum">
               <a:rPr lang="fr-CH" smtClean="0"/>
-              <a:t>‹#›</a:t>
+              <a:t>‹N°›</a:t>
             </a:fld>
             <a:endParaRPr lang="fr-CH"/>
           </a:p>
@@ -2408,7 +2415,7 @@
           </a:lstStyle>
           <a:p>
             <a:r>
-              <a:rPr lang="en-US" smtClean="0"/>
+              <a:rPr lang="en-US"/>
               <a:t>Click to edit Master title style</a:t>
             </a:r>
             <a:endParaRPr lang="en-US" dirty="0"/>
@@ -2432,35 +2439,35 @@
           <a:p>
             <a:pPr lvl="0"/>
             <a:r>
-              <a:rPr lang="en-US" smtClean="0"/>
+              <a:rPr lang="en-US"/>
               <a:t>Click to edit Master text styles</a:t>
             </a:r>
           </a:p>
           <a:p>
             <a:pPr lvl="1"/>
             <a:r>
-              <a:rPr lang="en-US" smtClean="0"/>
+              <a:rPr lang="en-US"/>
               <a:t>Second level</a:t>
             </a:r>
           </a:p>
           <a:p>
             <a:pPr lvl="2"/>
             <a:r>
-              <a:rPr lang="en-US" smtClean="0"/>
+              <a:rPr lang="en-US"/>
               <a:t>Third level</a:t>
             </a:r>
           </a:p>
           <a:p>
             <a:pPr lvl="3"/>
             <a:r>
-              <a:rPr lang="en-US" smtClean="0"/>
+              <a:rPr lang="en-US"/>
               <a:t>Fourth level</a:t>
             </a:r>
           </a:p>
           <a:p>
             <a:pPr lvl="4"/>
             <a:r>
-              <a:rPr lang="en-US" smtClean="0"/>
+              <a:rPr lang="en-US"/>
               <a:t>Fifth level</a:t>
             </a:r>
             <a:endParaRPr lang="en-US" dirty="0"/>
@@ -2484,7 +2491,7 @@
           <a:p>
             <a:fld id="{D406E69D-613E-4019-8533-7F772451DAA2}" type="datetimeFigureOut">
               <a:rPr lang="fr-CH" smtClean="0"/>
-              <a:t>14.04.2019</a:t>
+              <a:t>17.04.2019</a:t>
             </a:fld>
             <a:endParaRPr lang="fr-CH"/>
           </a:p>
@@ -2526,7 +2533,7 @@
           <a:p>
             <a:fld id="{CE6FAF98-85C3-4CED-96AD-EC23129ABD35}" type="slidenum">
               <a:rPr lang="fr-CH" smtClean="0"/>
-              <a:t>‹#›</a:t>
+              <a:t>‹N°›</a:t>
             </a:fld>
             <a:endParaRPr lang="fr-CH"/>
           </a:p>
@@ -2583,7 +2590,7 @@
           <a:lstStyle/>
           <a:p>
             <a:r>
-              <a:rPr lang="en-US" smtClean="0"/>
+              <a:rPr lang="en-US"/>
               <a:t>Click to edit Master title style</a:t>
             </a:r>
             <a:endParaRPr lang="en-US" dirty="0"/>
@@ -2612,35 +2619,35 @@
           <a:p>
             <a:pPr lvl="0"/>
             <a:r>
-              <a:rPr lang="en-US" smtClean="0"/>
+              <a:rPr lang="en-US"/>
               <a:t>Click to edit Master text styles</a:t>
             </a:r>
           </a:p>
           <a:p>
             <a:pPr lvl="1"/>
             <a:r>
-              <a:rPr lang="en-US" smtClean="0"/>
+              <a:rPr lang="en-US"/>
               <a:t>Second level</a:t>
             </a:r>
           </a:p>
           <a:p>
             <a:pPr lvl="2"/>
             <a:r>
-              <a:rPr lang="en-US" smtClean="0"/>
+              <a:rPr lang="en-US"/>
               <a:t>Third level</a:t>
             </a:r>
           </a:p>
           <a:p>
             <a:pPr lvl="3"/>
             <a:r>
-              <a:rPr lang="en-US" smtClean="0"/>
+              <a:rPr lang="en-US"/>
               <a:t>Fourth level</a:t>
             </a:r>
           </a:p>
           <a:p>
             <a:pPr lvl="4"/>
             <a:r>
-              <a:rPr lang="en-US" smtClean="0"/>
+              <a:rPr lang="en-US"/>
               <a:t>Fifth level</a:t>
             </a:r>
             <a:endParaRPr lang="en-US" dirty="0"/>
@@ -2664,7 +2671,7 @@
           <a:p>
             <a:fld id="{D406E69D-613E-4019-8533-7F772451DAA2}" type="datetimeFigureOut">
               <a:rPr lang="fr-CH" smtClean="0"/>
-              <a:t>14.04.2019</a:t>
+              <a:t>17.04.2019</a:t>
             </a:fld>
             <a:endParaRPr lang="fr-CH"/>
           </a:p>
@@ -2706,7 +2713,7 @@
           <a:p>
             <a:fld id="{CE6FAF98-85C3-4CED-96AD-EC23129ABD35}" type="slidenum">
               <a:rPr lang="fr-CH" smtClean="0"/>
-              <a:t>‹#›</a:t>
+              <a:t>‹N°›</a:t>
             </a:fld>
             <a:endParaRPr lang="fr-CH"/>
           </a:p>
@@ -2758,7 +2765,7 @@
           <a:lstStyle/>
           <a:p>
             <a:r>
-              <a:rPr lang="en-US" smtClean="0"/>
+              <a:rPr lang="en-US"/>
               <a:t>Click to edit Master title style</a:t>
             </a:r>
             <a:endParaRPr lang="en-US" dirty="0"/>
@@ -2782,35 +2789,35 @@
           <a:p>
             <a:pPr lvl="0"/>
             <a:r>
-              <a:rPr lang="en-US" smtClean="0"/>
+              <a:rPr lang="en-US"/>
               <a:t>Click to edit Master text styles</a:t>
             </a:r>
           </a:p>
           <a:p>
             <a:pPr lvl="1"/>
             <a:r>
-              <a:rPr lang="en-US" smtClean="0"/>
+              <a:rPr lang="en-US"/>
               <a:t>Second level</a:t>
             </a:r>
           </a:p>
           <a:p>
             <a:pPr lvl="2"/>
             <a:r>
-              <a:rPr lang="en-US" smtClean="0"/>
+              <a:rPr lang="en-US"/>
               <a:t>Third level</a:t>
             </a:r>
           </a:p>
           <a:p>
             <a:pPr lvl="3"/>
             <a:r>
-              <a:rPr lang="en-US" smtClean="0"/>
+              <a:rPr lang="en-US"/>
               <a:t>Fourth level</a:t>
             </a:r>
           </a:p>
           <a:p>
             <a:pPr lvl="4"/>
             <a:r>
-              <a:rPr lang="en-US" smtClean="0"/>
+              <a:rPr lang="en-US"/>
               <a:t>Fifth level</a:t>
             </a:r>
             <a:endParaRPr lang="en-US" dirty="0"/>
@@ -2834,7 +2841,7 @@
           <a:p>
             <a:fld id="{D406E69D-613E-4019-8533-7F772451DAA2}" type="datetimeFigureOut">
               <a:rPr lang="fr-CH" smtClean="0"/>
-              <a:t>14.04.2019</a:t>
+              <a:t>17.04.2019</a:t>
             </a:fld>
             <a:endParaRPr lang="fr-CH"/>
           </a:p>
@@ -2876,7 +2883,7 @@
           <a:p>
             <a:fld id="{CE6FAF98-85C3-4CED-96AD-EC23129ABD35}" type="slidenum">
               <a:rPr lang="fr-CH" smtClean="0"/>
-              <a:t>‹#›</a:t>
+              <a:t>‹N°›</a:t>
             </a:fld>
             <a:endParaRPr lang="fr-CH"/>
           </a:p>
@@ -2939,7 +2946,7 @@
           </a:lstStyle>
           <a:p>
             <a:r>
-              <a:rPr lang="en-US" smtClean="0"/>
+              <a:rPr lang="en-US"/>
               <a:t>Click to edit Master title style</a:t>
             </a:r>
             <a:endParaRPr lang="en-US" dirty="0"/>
@@ -3061,7 +3068,7 @@
           <a:p>
             <a:pPr lvl="0"/>
             <a:r>
-              <a:rPr lang="en-US" smtClean="0"/>
+              <a:rPr lang="en-US"/>
               <a:t>Click to edit Master text styles</a:t>
             </a:r>
           </a:p>
@@ -3084,7 +3091,7 @@
           <a:p>
             <a:fld id="{D406E69D-613E-4019-8533-7F772451DAA2}" type="datetimeFigureOut">
               <a:rPr lang="fr-CH" smtClean="0"/>
-              <a:t>14.04.2019</a:t>
+              <a:t>17.04.2019</a:t>
             </a:fld>
             <a:endParaRPr lang="fr-CH"/>
           </a:p>
@@ -3126,7 +3133,7 @@
           <a:p>
             <a:fld id="{CE6FAF98-85C3-4CED-96AD-EC23129ABD35}" type="slidenum">
               <a:rPr lang="fr-CH" smtClean="0"/>
-              <a:t>‹#›</a:t>
+              <a:t>‹N°›</a:t>
             </a:fld>
             <a:endParaRPr lang="fr-CH"/>
           </a:p>
@@ -3178,7 +3185,7 @@
           <a:lstStyle/>
           <a:p>
             <a:r>
-              <a:rPr lang="en-US" smtClean="0"/>
+              <a:rPr lang="en-US"/>
               <a:t>Click to edit Master title style</a:t>
             </a:r>
             <a:endParaRPr lang="en-US" dirty="0"/>
@@ -3209,35 +3216,35 @@
           <a:p>
             <a:pPr lvl="0"/>
             <a:r>
-              <a:rPr lang="en-US" smtClean="0"/>
+              <a:rPr lang="en-US"/>
               <a:t>Click to edit Master text styles</a:t>
             </a:r>
           </a:p>
           <a:p>
             <a:pPr lvl="1"/>
             <a:r>
-              <a:rPr lang="en-US" smtClean="0"/>
+              <a:rPr lang="en-US"/>
               <a:t>Second level</a:t>
             </a:r>
           </a:p>
           <a:p>
             <a:pPr lvl="2"/>
             <a:r>
-              <a:rPr lang="en-US" smtClean="0"/>
+              <a:rPr lang="en-US"/>
               <a:t>Third level</a:t>
             </a:r>
           </a:p>
           <a:p>
             <a:pPr lvl="3"/>
             <a:r>
-              <a:rPr lang="en-US" smtClean="0"/>
+              <a:rPr lang="en-US"/>
               <a:t>Fourth level</a:t>
             </a:r>
           </a:p>
           <a:p>
             <a:pPr lvl="4"/>
             <a:r>
-              <a:rPr lang="en-US" smtClean="0"/>
+              <a:rPr lang="en-US"/>
               <a:t>Fifth level</a:t>
             </a:r>
             <a:endParaRPr lang="en-US" dirty="0"/>
@@ -3268,35 +3275,35 @@
           <a:p>
             <a:pPr lvl="0"/>
             <a:r>
-              <a:rPr lang="en-US" smtClean="0"/>
+              <a:rPr lang="en-US"/>
               <a:t>Click to edit Master text styles</a:t>
             </a:r>
           </a:p>
           <a:p>
             <a:pPr lvl="1"/>
             <a:r>
-              <a:rPr lang="en-US" smtClean="0"/>
+              <a:rPr lang="en-US"/>
               <a:t>Second level</a:t>
             </a:r>
           </a:p>
           <a:p>
             <a:pPr lvl="2"/>
             <a:r>
-              <a:rPr lang="en-US" smtClean="0"/>
+              <a:rPr lang="en-US"/>
               <a:t>Third level</a:t>
             </a:r>
           </a:p>
           <a:p>
             <a:pPr lvl="3"/>
             <a:r>
-              <a:rPr lang="en-US" smtClean="0"/>
+              <a:rPr lang="en-US"/>
               <a:t>Fourth level</a:t>
             </a:r>
           </a:p>
           <a:p>
             <a:pPr lvl="4"/>
             <a:r>
-              <a:rPr lang="en-US" smtClean="0"/>
+              <a:rPr lang="en-US"/>
               <a:t>Fifth level</a:t>
             </a:r>
             <a:endParaRPr lang="en-US" dirty="0"/>
@@ -3320,7 +3327,7 @@
           <a:p>
             <a:fld id="{D406E69D-613E-4019-8533-7F772451DAA2}" type="datetimeFigureOut">
               <a:rPr lang="fr-CH" smtClean="0"/>
-              <a:t>14.04.2019</a:t>
+              <a:t>17.04.2019</a:t>
             </a:fld>
             <a:endParaRPr lang="fr-CH"/>
           </a:p>
@@ -3362,7 +3369,7 @@
           <a:p>
             <a:fld id="{CE6FAF98-85C3-4CED-96AD-EC23129ABD35}" type="slidenum">
               <a:rPr lang="fr-CH" smtClean="0"/>
-              <a:t>‹#›</a:t>
+              <a:t>‹N°›</a:t>
             </a:fld>
             <a:endParaRPr lang="fr-CH"/>
           </a:p>
@@ -3418,7 +3425,7 @@
           </a:lstStyle>
           <a:p>
             <a:r>
-              <a:rPr lang="en-US" smtClean="0"/>
+              <a:rPr lang="en-US"/>
               <a:t>Click to edit Master title style</a:t>
             </a:r>
             <a:endParaRPr lang="en-US" dirty="0"/>
@@ -3490,7 +3497,7 @@
           <a:p>
             <a:pPr lvl="0"/>
             <a:r>
-              <a:rPr lang="en-US" smtClean="0"/>
+              <a:rPr lang="en-US"/>
               <a:t>Click to edit Master text styles</a:t>
             </a:r>
           </a:p>
@@ -3520,35 +3527,35 @@
           <a:p>
             <a:pPr lvl="0"/>
             <a:r>
-              <a:rPr lang="en-US" smtClean="0"/>
+              <a:rPr lang="en-US"/>
               <a:t>Click to edit Master text styles</a:t>
             </a:r>
           </a:p>
           <a:p>
             <a:pPr lvl="1"/>
             <a:r>
-              <a:rPr lang="en-US" smtClean="0"/>
+              <a:rPr lang="en-US"/>
               <a:t>Second level</a:t>
             </a:r>
           </a:p>
           <a:p>
             <a:pPr lvl="2"/>
             <a:r>
-              <a:rPr lang="en-US" smtClean="0"/>
+              <a:rPr lang="en-US"/>
               <a:t>Third level</a:t>
             </a:r>
           </a:p>
           <a:p>
             <a:pPr lvl="3"/>
             <a:r>
-              <a:rPr lang="en-US" smtClean="0"/>
+              <a:rPr lang="en-US"/>
               <a:t>Fourth level</a:t>
             </a:r>
           </a:p>
           <a:p>
             <a:pPr lvl="4"/>
             <a:r>
-              <a:rPr lang="en-US" smtClean="0"/>
+              <a:rPr lang="en-US"/>
               <a:t>Fifth level</a:t>
             </a:r>
             <a:endParaRPr lang="en-US" dirty="0"/>
@@ -3620,7 +3627,7 @@
           <a:p>
             <a:pPr lvl="0"/>
             <a:r>
-              <a:rPr lang="en-US" smtClean="0"/>
+              <a:rPr lang="en-US"/>
               <a:t>Click to edit Master text styles</a:t>
             </a:r>
           </a:p>
@@ -3650,35 +3657,35 @@
           <a:p>
             <a:pPr lvl="0"/>
             <a:r>
-              <a:rPr lang="en-US" smtClean="0"/>
+              <a:rPr lang="en-US"/>
               <a:t>Click to edit Master text styles</a:t>
             </a:r>
           </a:p>
           <a:p>
             <a:pPr lvl="1"/>
             <a:r>
-              <a:rPr lang="en-US" smtClean="0"/>
+              <a:rPr lang="en-US"/>
               <a:t>Second level</a:t>
             </a:r>
           </a:p>
           <a:p>
             <a:pPr lvl="2"/>
             <a:r>
-              <a:rPr lang="en-US" smtClean="0"/>
+              <a:rPr lang="en-US"/>
               <a:t>Third level</a:t>
             </a:r>
           </a:p>
           <a:p>
             <a:pPr lvl="3"/>
             <a:r>
-              <a:rPr lang="en-US" smtClean="0"/>
+              <a:rPr lang="en-US"/>
               <a:t>Fourth level</a:t>
             </a:r>
           </a:p>
           <a:p>
             <a:pPr lvl="4"/>
             <a:r>
-              <a:rPr lang="en-US" smtClean="0"/>
+              <a:rPr lang="en-US"/>
               <a:t>Fifth level</a:t>
             </a:r>
             <a:endParaRPr lang="en-US" dirty="0"/>
@@ -3702,7 +3709,7 @@
           <a:p>
             <a:fld id="{D406E69D-613E-4019-8533-7F772451DAA2}" type="datetimeFigureOut">
               <a:rPr lang="fr-CH" smtClean="0"/>
-              <a:t>14.04.2019</a:t>
+              <a:t>17.04.2019</a:t>
             </a:fld>
             <a:endParaRPr lang="fr-CH"/>
           </a:p>
@@ -3744,7 +3751,7 @@
           <a:p>
             <a:fld id="{CE6FAF98-85C3-4CED-96AD-EC23129ABD35}" type="slidenum">
               <a:rPr lang="fr-CH" smtClean="0"/>
-              <a:t>‹#›</a:t>
+              <a:t>‹N°›</a:t>
             </a:fld>
             <a:endParaRPr lang="fr-CH"/>
           </a:p>
@@ -3796,7 +3803,7 @@
           <a:lstStyle/>
           <a:p>
             <a:r>
-              <a:rPr lang="en-US" smtClean="0"/>
+              <a:rPr lang="en-US"/>
               <a:t>Click to edit Master title style</a:t>
             </a:r>
             <a:endParaRPr lang="en-US" dirty="0"/>
@@ -3820,7 +3827,7 @@
           <a:p>
             <a:fld id="{D406E69D-613E-4019-8533-7F772451DAA2}" type="datetimeFigureOut">
               <a:rPr lang="fr-CH" smtClean="0"/>
-              <a:t>14.04.2019</a:t>
+              <a:t>17.04.2019</a:t>
             </a:fld>
             <a:endParaRPr lang="fr-CH"/>
           </a:p>
@@ -3862,7 +3869,7 @@
           <a:p>
             <a:fld id="{CE6FAF98-85C3-4CED-96AD-EC23129ABD35}" type="slidenum">
               <a:rPr lang="fr-CH" smtClean="0"/>
-              <a:t>‹#›</a:t>
+              <a:t>‹N°›</a:t>
             </a:fld>
             <a:endParaRPr lang="fr-CH"/>
           </a:p>
@@ -3915,7 +3922,7 @@
           <a:p>
             <a:fld id="{D406E69D-613E-4019-8533-7F772451DAA2}" type="datetimeFigureOut">
               <a:rPr lang="fr-CH" smtClean="0"/>
-              <a:t>14.04.2019</a:t>
+              <a:t>17.04.2019</a:t>
             </a:fld>
             <a:endParaRPr lang="fr-CH"/>
           </a:p>
@@ -3957,7 +3964,7 @@
           <a:p>
             <a:fld id="{CE6FAF98-85C3-4CED-96AD-EC23129ABD35}" type="slidenum">
               <a:rPr lang="fr-CH" smtClean="0"/>
-              <a:t>‹#›</a:t>
+              <a:t>‹N°›</a:t>
             </a:fld>
             <a:endParaRPr lang="fr-CH"/>
           </a:p>
@@ -4020,7 +4027,7 @@
           </a:lstStyle>
           <a:p>
             <a:r>
-              <a:rPr lang="en-US" smtClean="0"/>
+              <a:rPr lang="en-US"/>
               <a:t>Click to edit Master title style</a:t>
             </a:r>
             <a:endParaRPr lang="en-US" dirty="0"/>
@@ -4051,35 +4058,35 @@
           <a:p>
             <a:pPr lvl="0"/>
             <a:r>
-              <a:rPr lang="en-US" smtClean="0"/>
+              <a:rPr lang="en-US"/>
               <a:t>Click to edit Master text styles</a:t>
             </a:r>
           </a:p>
           <a:p>
             <a:pPr lvl="1"/>
             <a:r>
-              <a:rPr lang="en-US" smtClean="0"/>
+              <a:rPr lang="en-US"/>
               <a:t>Second level</a:t>
             </a:r>
           </a:p>
           <a:p>
             <a:pPr lvl="2"/>
             <a:r>
-              <a:rPr lang="en-US" smtClean="0"/>
+              <a:rPr lang="en-US"/>
               <a:t>Third level</a:t>
             </a:r>
           </a:p>
           <a:p>
             <a:pPr lvl="3"/>
             <a:r>
-              <a:rPr lang="en-US" smtClean="0"/>
+              <a:rPr lang="en-US"/>
               <a:t>Fourth level</a:t>
             </a:r>
           </a:p>
           <a:p>
             <a:pPr lvl="4"/>
             <a:r>
-              <a:rPr lang="en-US" smtClean="0"/>
+              <a:rPr lang="en-US"/>
               <a:t>Fifth level</a:t>
             </a:r>
             <a:endParaRPr lang="en-US" dirty="0"/>
@@ -4147,7 +4154,7 @@
           <a:p>
             <a:pPr lvl="0"/>
             <a:r>
-              <a:rPr lang="en-US" smtClean="0"/>
+              <a:rPr lang="en-US"/>
               <a:t>Click to edit Master text styles</a:t>
             </a:r>
           </a:p>
@@ -4170,7 +4177,7 @@
           <a:p>
             <a:fld id="{D406E69D-613E-4019-8533-7F772451DAA2}" type="datetimeFigureOut">
               <a:rPr lang="fr-CH" smtClean="0"/>
-              <a:t>14.04.2019</a:t>
+              <a:t>17.04.2019</a:t>
             </a:fld>
             <a:endParaRPr lang="fr-CH"/>
           </a:p>
@@ -4212,7 +4219,7 @@
           <a:p>
             <a:fld id="{CE6FAF98-85C3-4CED-96AD-EC23129ABD35}" type="slidenum">
               <a:rPr lang="fr-CH" smtClean="0"/>
-              <a:t>‹#›</a:t>
+              <a:t>‹N°›</a:t>
             </a:fld>
             <a:endParaRPr lang="fr-CH"/>
           </a:p>
@@ -4275,7 +4282,7 @@
           </a:lstStyle>
           <a:p>
             <a:r>
-              <a:rPr lang="en-US" smtClean="0"/>
+              <a:rPr lang="en-US"/>
               <a:t>Click to edit Master title style</a:t>
             </a:r>
             <a:endParaRPr lang="en-US" dirty="0"/>
@@ -4362,7 +4369,7 @@
           </a:lstStyle>
           <a:p>
             <a:r>
-              <a:rPr lang="en-US" smtClean="0"/>
+              <a:rPr lang="en-US"/>
               <a:t>Click icon to add picture</a:t>
             </a:r>
             <a:endParaRPr lang="en-US" dirty="0"/>
@@ -4430,7 +4437,7 @@
           <a:p>
             <a:pPr lvl="0"/>
             <a:r>
-              <a:rPr lang="en-US" smtClean="0"/>
+              <a:rPr lang="en-US"/>
               <a:t>Click to edit Master text styles</a:t>
             </a:r>
           </a:p>
@@ -4453,7 +4460,7 @@
           <a:p>
             <a:fld id="{D406E69D-613E-4019-8533-7F772451DAA2}" type="datetimeFigureOut">
               <a:rPr lang="fr-CH" smtClean="0"/>
-              <a:t>14.04.2019</a:t>
+              <a:t>17.04.2019</a:t>
             </a:fld>
             <a:endParaRPr lang="fr-CH"/>
           </a:p>
@@ -4495,7 +4502,7 @@
           <a:p>
             <a:fld id="{CE6FAF98-85C3-4CED-96AD-EC23129ABD35}" type="slidenum">
               <a:rPr lang="fr-CH" smtClean="0"/>
-              <a:t>‹#›</a:t>
+              <a:t>‹N°›</a:t>
             </a:fld>
             <a:endParaRPr lang="fr-CH"/>
           </a:p>
@@ -4753,7 +4760,7 @@
           <a:lstStyle/>
           <a:p>
             <a:r>
-              <a:rPr lang="en-US" smtClean="0"/>
+              <a:rPr lang="en-US"/>
               <a:t>Click to edit Master title style</a:t>
             </a:r>
             <a:endParaRPr lang="en-US" dirty="0"/>
@@ -4787,35 +4794,35 @@
           <a:p>
             <a:pPr lvl="0"/>
             <a:r>
-              <a:rPr lang="en-US" smtClean="0"/>
+              <a:rPr lang="en-US"/>
               <a:t>Click to edit Master text styles</a:t>
             </a:r>
           </a:p>
           <a:p>
             <a:pPr lvl="1"/>
             <a:r>
-              <a:rPr lang="en-US" smtClean="0"/>
+              <a:rPr lang="en-US"/>
               <a:t>Second level</a:t>
             </a:r>
           </a:p>
           <a:p>
             <a:pPr lvl="2"/>
             <a:r>
-              <a:rPr lang="en-US" smtClean="0"/>
+              <a:rPr lang="en-US"/>
               <a:t>Third level</a:t>
             </a:r>
           </a:p>
           <a:p>
             <a:pPr lvl="3"/>
             <a:r>
-              <a:rPr lang="en-US" smtClean="0"/>
+              <a:rPr lang="en-US"/>
               <a:t>Fourth level</a:t>
             </a:r>
           </a:p>
           <a:p>
             <a:pPr lvl="4"/>
             <a:r>
-              <a:rPr lang="en-US" smtClean="0"/>
+              <a:rPr lang="en-US"/>
               <a:t>Fifth level</a:t>
             </a:r>
             <a:endParaRPr lang="en-US" dirty="0"/>
@@ -4859,7 +4866,7 @@
           <a:p>
             <a:fld id="{D406E69D-613E-4019-8533-7F772451DAA2}" type="datetimeFigureOut">
               <a:rPr lang="fr-CH" smtClean="0"/>
-              <a:t>14.04.2019</a:t>
+              <a:t>17.04.2019</a:t>
             </a:fld>
             <a:endParaRPr lang="fr-CH"/>
           </a:p>
@@ -4941,7 +4948,7 @@
           <a:p>
             <a:fld id="{CE6FAF98-85C3-4CED-96AD-EC23129ABD35}" type="slidenum">
               <a:rPr lang="fr-CH" smtClean="0"/>
-              <a:t>‹#›</a:t>
+              <a:t>‹N°›</a:t>
             </a:fld>
             <a:endParaRPr lang="fr-CH"/>
           </a:p>
@@ -5417,25 +5424,22 @@
           <a:lstStyle/>
           <a:p>
             <a:r>
-              <a:rPr lang="fr-CH" sz="4400" dirty="0" smtClean="0">
+              <a:rPr lang="fr-CH" sz="4400" dirty="0">
                 <a:cs typeface="Arial" panose="020B0604020202020204" pitchFamily="34" charset="0"/>
               </a:rPr>
               <a:t>Module 214 </a:t>
             </a:r>
             <a:br>
-              <a:rPr lang="fr-CH" sz="4400" dirty="0" smtClean="0">
+              <a:rPr lang="fr-CH" sz="4400" dirty="0">
                 <a:cs typeface="Arial" panose="020B0604020202020204" pitchFamily="34" charset="0"/>
               </a:rPr>
             </a:br>
             <a:r>
-              <a:rPr lang="fr-CH" sz="4400" dirty="0" smtClean="0">
+              <a:rPr lang="fr-CH" sz="4400" dirty="0">
                 <a:cs typeface="Arial" panose="020B0604020202020204" pitchFamily="34" charset="0"/>
               </a:rPr>
               <a:t>Fabrication de câble Ethernet</a:t>
             </a:r>
-            <a:endParaRPr lang="fr-CH" sz="4400" dirty="0">
-              <a:cs typeface="Arial" panose="020B0604020202020204" pitchFamily="34" charset="0"/>
-            </a:endParaRPr>
           </a:p>
         </p:txBody>
       </p:sp>
@@ -5462,7 +5466,7 @@
           <a:lstStyle/>
           <a:p>
             <a:r>
-              <a:rPr lang="fr-CH" dirty="0" smtClean="0">
+              <a:rPr lang="fr-CH" dirty="0">
                 <a:solidFill>
                   <a:schemeClr val="tx1"/>
                 </a:solidFill>
@@ -5470,7 +5474,7 @@
               <a:t>Winston </a:t>
             </a:r>
             <a:r>
-              <a:rPr lang="fr-CH" b="1" dirty="0" smtClean="0">
+              <a:rPr lang="fr-CH" b="1" dirty="0">
                 <a:solidFill>
                   <a:schemeClr val="tx1"/>
                 </a:solidFill>
@@ -5478,7 +5482,7 @@
               <a:t>Forti</a:t>
             </a:r>
             <a:r>
-              <a:rPr lang="fr-CH" dirty="0" smtClean="0">
+              <a:rPr lang="fr-CH" dirty="0">
                 <a:solidFill>
                   <a:schemeClr val="tx1"/>
                 </a:solidFill>
@@ -5486,7 +5490,7 @@
               <a:t> </a:t>
             </a:r>
             <a:r>
-              <a:rPr lang="fr-CH" b="1" dirty="0" smtClean="0">
+              <a:rPr lang="fr-CH" b="1" dirty="0">
                 <a:solidFill>
                   <a:schemeClr val="tx1"/>
                 </a:solidFill>
@@ -5504,7 +5508,7 @@
               <a:t>Alexis </a:t>
             </a:r>
             <a:r>
-              <a:rPr lang="fr-CH" b="1" dirty="0" smtClean="0">
+              <a:rPr lang="fr-CH" b="1" dirty="0">
                 <a:solidFill>
                   <a:schemeClr val="tx1"/>
                 </a:solidFill>
@@ -5532,7 +5536,7 @@
           </a:p>
           <a:p>
             <a:r>
-              <a:rPr lang="fr-CH" dirty="0" smtClean="0">
+              <a:rPr lang="fr-CH" dirty="0">
                 <a:solidFill>
                   <a:schemeClr val="tx1"/>
                 </a:solidFill>
@@ -5540,7 +5544,7 @@
               <a:t>Quentin </a:t>
             </a:r>
             <a:r>
-              <a:rPr lang="fr-CH" b="1" dirty="0" smtClean="0">
+              <a:rPr lang="fr-CH" b="1" dirty="0">
                 <a:solidFill>
                   <a:schemeClr val="tx1"/>
                 </a:solidFill>
@@ -5550,7 +5554,7 @@
           </a:p>
           <a:p>
             <a:r>
-              <a:rPr lang="fr-CH" dirty="0" smtClean="0">
+              <a:rPr lang="fr-CH" dirty="0">
                 <a:solidFill>
                   <a:schemeClr val="tx1"/>
                 </a:solidFill>
@@ -5558,14 +5562,14 @@
               <a:t>Dylan </a:t>
             </a:r>
             <a:r>
-              <a:rPr lang="fr-CH" b="1" dirty="0" smtClean="0">
+              <a:rPr lang="fr-CH" b="1" dirty="0">
                 <a:solidFill>
                   <a:schemeClr val="tx1"/>
                 </a:solidFill>
               </a:rPr>
               <a:t>Guiducci</a:t>
             </a:r>
-            <a:endParaRPr lang="fr-CH" dirty="0" smtClean="0">
+            <a:endParaRPr lang="fr-CH" dirty="0">
               <a:solidFill>
                 <a:schemeClr val="tx1"/>
               </a:solidFill>
@@ -5583,13 +5587,6 @@
   <p:clrMapOvr>
     <a:masterClrMapping/>
   </p:clrMapOvr>
-  <p:timing>
-    <p:tnLst>
-      <p:par>
-        <p:cTn id="1" dur="indefinite" restart="never" nodeType="tmRoot"/>
-      </p:par>
-    </p:tnLst>
-  </p:timing>
 </p:sld>
 </file>
 
@@ -5636,7 +5633,7 @@
               <a:buNone/>
             </a:pPr>
             <a:r>
-              <a:rPr lang="fr-CH" dirty="0" smtClean="0">
+              <a:rPr lang="fr-CH" dirty="0">
                 <a:solidFill>
                   <a:schemeClr val="tx1"/>
                 </a:solidFill>
@@ -5668,16 +5665,12 @@
           <a:lstStyle/>
           <a:p>
             <a:r>
-              <a:rPr lang="fr-CH" b="1" u="sng" dirty="0" smtClean="0"/>
+              <a:rPr lang="fr-CH" b="1" u="sng" dirty="0"/>
               <a:t>Comment mettre en place la technologie PoE</a:t>
             </a:r>
             <a:r>
-              <a:rPr lang="fr-CH" b="1" dirty="0" smtClean="0"/>
-              <a:t> </a:t>
-            </a:r>
-            <a:r>
               <a:rPr lang="fr-CH" b="1" dirty="0"/>
-              <a:t>?</a:t>
+              <a:t> ?</a:t>
             </a:r>
           </a:p>
           <a:p>
@@ -6012,18 +6005,13 @@
           </a:lstStyle>
           <a:p>
             <a:r>
-              <a:rPr lang="fr-CH" dirty="0" smtClean="0">
+              <a:rPr lang="fr-CH" dirty="0">
                 <a:solidFill>
                   <a:schemeClr val="tx1"/>
                 </a:solidFill>
               </a:rPr>
               <a:t>Switch PoE</a:t>
             </a:r>
-            <a:endParaRPr lang="fr-CH" dirty="0" smtClean="0">
-              <a:solidFill>
-                <a:schemeClr val="tx1"/>
-              </a:solidFill>
-            </a:endParaRPr>
           </a:p>
         </p:txBody>
       </p:sp>
@@ -6051,10 +6039,9 @@
           <a:p>
             <a:pPr algn="ctr"/>
             <a:r>
-              <a:rPr lang="fr-CH" sz="2800" dirty="0" smtClean="0"/>
+              <a:rPr lang="fr-CH" sz="2800" dirty="0"/>
               <a:t>La technologie PoE</a:t>
             </a:r>
-            <a:endParaRPr lang="fr-CH" sz="2800" dirty="0"/>
           </a:p>
         </p:txBody>
       </p:sp>
@@ -6411,14 +6398,13 @@
           <a:lstStyle/>
           <a:p>
             <a:r>
-              <a:rPr lang="fr-CH" b="1" u="sng" dirty="0" smtClean="0"/>
+              <a:rPr lang="fr-CH" b="1" u="sng" dirty="0"/>
               <a:t>Comment fonctionne </a:t>
             </a:r>
             <a:r>
-              <a:rPr lang="fr-CH" b="1" dirty="0" smtClean="0"/>
+              <a:rPr lang="fr-CH" b="1" dirty="0"/>
               <a:t>?</a:t>
             </a:r>
-            <a:endParaRPr lang="fr-CH" b="1" dirty="0"/>
           </a:p>
           <a:p>
             <a:endParaRPr lang="fr-CH" b="1" u="sng" dirty="0"/>
@@ -6479,10 +6465,9 @@
           <a:p>
             <a:pPr algn="ctr"/>
             <a:r>
-              <a:rPr lang="fr-CH" sz="2800" dirty="0" smtClean="0"/>
+              <a:rPr lang="fr-CH" sz="2800" dirty="0"/>
               <a:t>La technologie PoE</a:t>
             </a:r>
-            <a:endParaRPr lang="fr-CH" sz="2800" dirty="0"/>
           </a:p>
         </p:txBody>
       </p:sp>
@@ -6741,18 +6726,17 @@
           <a:lstStyle/>
           <a:p>
             <a:r>
-              <a:rPr lang="fr-CH" b="1" u="sng" dirty="0" err="1" smtClean="0"/>
+              <a:rPr lang="fr-CH" b="1" u="sng" dirty="0" err="1"/>
               <a:t>Sépratareur</a:t>
             </a:r>
             <a:r>
-              <a:rPr lang="fr-CH" b="1" u="sng" dirty="0" smtClean="0"/>
+              <a:rPr lang="fr-CH" b="1" u="sng" dirty="0"/>
               <a:t> PoE ou PoE Splitter</a:t>
             </a:r>
             <a:r>
-              <a:rPr lang="fr-CH" b="1" dirty="0" smtClean="0"/>
+              <a:rPr lang="fr-CH" b="1" dirty="0"/>
               <a:t>?</a:t>
             </a:r>
-            <a:endParaRPr lang="fr-CH" b="1" dirty="0"/>
           </a:p>
           <a:p>
             <a:endParaRPr lang="fr-CH" b="1" u="sng" dirty="0"/>
@@ -6783,10 +6767,9 @@
           <a:p>
             <a:pPr algn="ctr"/>
             <a:r>
-              <a:rPr lang="fr-CH" sz="2800" dirty="0" smtClean="0"/>
+              <a:rPr lang="fr-CH" sz="2800" dirty="0"/>
               <a:t>La technologie PoE</a:t>
             </a:r>
-            <a:endParaRPr lang="fr-CH" sz="2800" dirty="0"/>
           </a:p>
         </p:txBody>
       </p:sp>
@@ -6932,7 +6915,7 @@
               <a:buNone/>
             </a:pPr>
             <a:r>
-              <a:rPr lang="fr-CH" sz="2800" b="1" dirty="0" smtClean="0">
+              <a:rPr lang="fr-CH" sz="2800" b="1" dirty="0">
                 <a:solidFill>
                   <a:schemeClr val="tx1"/>
                 </a:solidFill>
@@ -6984,7 +6967,12 @@
               </a:rPr>
               <a:t>Simplifier le câblage </a:t>
             </a:r>
-            <a:endParaRPr lang="fr-CH" dirty="0" smtClean="0">
+          </a:p>
+          <a:p>
+            <a:pPr marL="0" indent="0">
+              <a:buNone/>
+            </a:pPr>
+            <a:endParaRPr lang="fr-CH" dirty="0">
               <a:solidFill>
                 <a:schemeClr val="tx1"/>
               </a:solidFill>
@@ -6992,23 +6980,13 @@
           </a:p>
           <a:p>
             <a:pPr marL="0" indent="0">
-              <a:buNone/>
-            </a:pPr>
-            <a:endParaRPr lang="fr-CH" dirty="0" smtClean="0">
-              <a:solidFill>
-                <a:schemeClr val="tx1"/>
-              </a:solidFill>
-            </a:endParaRPr>
-          </a:p>
-          <a:p>
-            <a:pPr marL="0" indent="0">
               <a:lnSpc>
                 <a:spcPct val="150000"/>
               </a:lnSpc>
               <a:buNone/>
             </a:pPr>
             <a:r>
-              <a:rPr lang="fr-CH" sz="2800" b="1" dirty="0" smtClean="0">
+              <a:rPr lang="fr-CH" sz="2800" b="1" dirty="0">
                 <a:solidFill>
                   <a:schemeClr val="tx1"/>
                 </a:solidFill>
@@ -7063,7 +7041,7 @@
           <a:lstStyle/>
           <a:p>
             <a:r>
-              <a:rPr lang="fr-CH" b="1" u="sng" dirty="0" smtClean="0"/>
+              <a:rPr lang="fr-CH" b="1" u="sng" dirty="0"/>
               <a:t>Avantage et inconvenants de la technologie PoE</a:t>
             </a:r>
             <a:endParaRPr lang="fr-CH" b="1" dirty="0"/>
@@ -7097,10 +7075,9 @@
           <a:p>
             <a:pPr algn="ctr"/>
             <a:r>
-              <a:rPr lang="fr-CH" sz="2800" dirty="0" smtClean="0"/>
+              <a:rPr lang="fr-CH" sz="2800" dirty="0"/>
               <a:t>La technologie PoE</a:t>
             </a:r>
-            <a:endParaRPr lang="fr-CH" sz="2800" dirty="0"/>
           </a:p>
         </p:txBody>
       </p:sp>
@@ -7542,7 +7519,7 @@
               </a:lnSpc>
             </a:pPr>
             <a:r>
-              <a:rPr lang="fr-CH" sz="2800" dirty="0" smtClean="0">
+              <a:rPr lang="fr-CH" sz="2800" dirty="0">
                 <a:solidFill>
                   <a:schemeClr val="tx1"/>
                 </a:solidFill>
@@ -7557,7 +7534,7 @@
               </a:lnSpc>
             </a:pPr>
             <a:r>
-              <a:rPr lang="fr-CH" sz="2800" dirty="0" smtClean="0">
+              <a:rPr lang="fr-CH" sz="2800" dirty="0">
                 <a:solidFill>
                   <a:schemeClr val="tx1"/>
                 </a:solidFill>
@@ -7572,7 +7549,7 @@
               </a:lnSpc>
             </a:pPr>
             <a:r>
-              <a:rPr lang="fr-CH" sz="2800" dirty="0" smtClean="0">
+              <a:rPr lang="fr-CH" sz="2800" dirty="0">
                 <a:solidFill>
                   <a:schemeClr val="tx1"/>
                 </a:solidFill>
@@ -7587,18 +7564,13 @@
               </a:lnSpc>
             </a:pPr>
             <a:r>
-              <a:rPr lang="fr-CH" sz="2800" dirty="0" smtClean="0">
+              <a:rPr lang="fr-CH" sz="2800" dirty="0">
                 <a:solidFill>
                   <a:schemeClr val="tx1"/>
                 </a:solidFill>
               </a:rPr>
               <a:t>CAT8</a:t>
             </a:r>
-            <a:endParaRPr lang="fr-CH" sz="2800" dirty="0">
-              <a:solidFill>
-                <a:schemeClr val="tx1"/>
-              </a:solidFill>
-            </a:endParaRPr>
           </a:p>
         </p:txBody>
       </p:sp>
@@ -7626,10 +7598,9 @@
           <a:p>
             <a:pPr algn="ctr"/>
             <a:r>
-              <a:rPr lang="fr-CH" sz="2800" dirty="0" smtClean="0"/>
+              <a:rPr lang="fr-CH" sz="2800" dirty="0"/>
               <a:t>Les catégories des câbles Ethernet</a:t>
             </a:r>
-            <a:endParaRPr lang="fr-CH" sz="2800" dirty="0"/>
           </a:p>
         </p:txBody>
       </p:sp>
@@ -7643,13 +7614,6 @@
   <p:clrMapOvr>
     <a:masterClrMapping/>
   </p:clrMapOvr>
-  <p:timing>
-    <p:tnLst>
-      <p:par>
-        <p:cTn id="1" dur="indefinite" restart="never" nodeType="tmRoot"/>
-      </p:par>
-    </p:tnLst>
-  </p:timing>
 </p:sld>
 </file>
 
@@ -7718,10 +7682,9 @@
           <a:p>
             <a:pPr algn="ctr"/>
             <a:r>
-              <a:rPr lang="fr-CH" sz="2800" dirty="0" smtClean="0"/>
+              <a:rPr lang="fr-CH" sz="2800" dirty="0"/>
               <a:t>CATEGORIE 5</a:t>
             </a:r>
-            <a:endParaRPr lang="fr-CH" sz="2800" dirty="0"/>
           </a:p>
         </p:txBody>
       </p:sp>
@@ -7735,13 +7698,6 @@
   <p:clrMapOvr>
     <a:masterClrMapping/>
   </p:clrMapOvr>
-  <p:timing>
-    <p:tnLst>
-      <p:par>
-        <p:cTn id="1" dur="indefinite" restart="never" nodeType="tmRoot"/>
-      </p:par>
-    </p:tnLst>
-  </p:timing>
 </p:sld>
 </file>
 
@@ -7810,10 +7766,9 @@
           <a:p>
             <a:pPr algn="ctr"/>
             <a:r>
-              <a:rPr lang="fr-CH" sz="2800" dirty="0" smtClean="0"/>
+              <a:rPr lang="fr-CH" sz="2800" dirty="0"/>
               <a:t>CATEGORIE 5E</a:t>
             </a:r>
-            <a:endParaRPr lang="fr-CH" sz="2800" dirty="0"/>
           </a:p>
         </p:txBody>
       </p:sp>
@@ -7827,13 +7782,6 @@
   <p:clrMapOvr>
     <a:masterClrMapping/>
   </p:clrMapOvr>
-  <p:timing>
-    <p:tnLst>
-      <p:par>
-        <p:cTn id="1" dur="indefinite" restart="never" nodeType="tmRoot"/>
-      </p:par>
-    </p:tnLst>
-  </p:timing>
 </p:sld>
 </file>
 
@@ -7880,7 +7828,7 @@
               <a:buNone/>
             </a:pPr>
             <a:r>
-              <a:rPr lang="fr-CH" b="1" u="sng" dirty="0" smtClean="0">
+              <a:rPr lang="fr-CH" b="1" u="sng" dirty="0">
                 <a:solidFill>
                   <a:schemeClr val="tx1"/>
                 </a:solidFill>
@@ -7891,7 +7839,7 @@
           <a:p>
             <a:pPr lvl="1"/>
             <a:r>
-              <a:rPr lang="fr-CH" dirty="0" smtClean="0">
+              <a:rPr lang="fr-CH" dirty="0">
                 <a:solidFill>
                   <a:schemeClr val="tx1"/>
                 </a:solidFill>
@@ -7899,7 +7847,7 @@
               <a:t>Vitesse atteignant </a:t>
             </a:r>
             <a:r>
-              <a:rPr lang="fr-CH" b="1" dirty="0" smtClean="0">
+              <a:rPr lang="fr-CH" b="1" dirty="0">
                 <a:solidFill>
                   <a:schemeClr val="tx1"/>
                 </a:solidFill>
@@ -7907,7 +7855,7 @@
               <a:t>1Gb &gt; 10Gb par sec </a:t>
             </a:r>
             <a:r>
-              <a:rPr lang="fr-CH" dirty="0" smtClean="0">
+              <a:rPr lang="fr-CH" dirty="0">
                 <a:solidFill>
                   <a:schemeClr val="tx1"/>
                 </a:solidFill>
@@ -7915,7 +7863,7 @@
               <a:t>pour une distance de </a:t>
             </a:r>
             <a:r>
-              <a:rPr lang="fr-CH" b="1" dirty="0" smtClean="0">
+              <a:rPr lang="fr-CH" b="1" dirty="0">
                 <a:solidFill>
                   <a:schemeClr val="tx1"/>
                 </a:solidFill>
@@ -7926,7 +7874,7 @@
           <a:p>
             <a:pPr lvl="1"/>
             <a:r>
-              <a:rPr lang="fr-CH" dirty="0" smtClean="0">
+              <a:rPr lang="fr-CH" dirty="0">
                 <a:solidFill>
                   <a:schemeClr val="tx1"/>
                 </a:solidFill>
@@ -7934,7 +7882,7 @@
               <a:t>Une </a:t>
             </a:r>
             <a:r>
-              <a:rPr lang="fr-CH" b="1" dirty="0" smtClean="0">
+              <a:rPr lang="fr-CH" b="1" dirty="0">
                 <a:solidFill>
                   <a:schemeClr val="tx1"/>
                 </a:solidFill>
@@ -7942,7 +7890,7 @@
               <a:t>fréquence</a:t>
             </a:r>
             <a:r>
-              <a:rPr lang="fr-CH" dirty="0" smtClean="0">
+              <a:rPr lang="fr-CH" dirty="0">
                 <a:solidFill>
                   <a:schemeClr val="tx1"/>
                 </a:solidFill>
@@ -7950,7 +7898,7 @@
               <a:t> qui peut atteindre les </a:t>
             </a:r>
             <a:r>
-              <a:rPr lang="fr-CH" b="1" dirty="0" smtClean="0">
+              <a:rPr lang="fr-CH" b="1" dirty="0">
                 <a:solidFill>
                   <a:schemeClr val="tx1"/>
                 </a:solidFill>
@@ -7962,7 +7910,7 @@
             <a:pPr marL="457200" lvl="1" indent="0">
               <a:buNone/>
             </a:pPr>
-            <a:endParaRPr lang="fr-CH" dirty="0" smtClean="0">
+            <a:endParaRPr lang="fr-CH" dirty="0">
               <a:solidFill>
                 <a:schemeClr val="tx1"/>
               </a:solidFill>
@@ -7973,7 +7921,7 @@
               <a:buNone/>
             </a:pPr>
             <a:r>
-              <a:rPr lang="fr-CH" b="1" u="sng" dirty="0" smtClean="0">
+              <a:rPr lang="fr-CH" b="1" u="sng" dirty="0">
                 <a:solidFill>
                   <a:schemeClr val="tx1"/>
                 </a:solidFill>
@@ -7984,7 +7932,7 @@
           <a:p>
             <a:pPr lvl="1"/>
             <a:r>
-              <a:rPr lang="fr-CH" dirty="0" smtClean="0">
+              <a:rPr lang="fr-CH" dirty="0">
                 <a:solidFill>
                   <a:schemeClr val="tx1"/>
                 </a:solidFill>
@@ -7992,7 +7940,7 @@
               <a:t>Protégé par une gaine en </a:t>
             </a:r>
             <a:r>
-              <a:rPr lang="fr-CH" b="1" dirty="0" smtClean="0">
+              <a:rPr lang="fr-CH" b="1" dirty="0">
                 <a:solidFill>
                   <a:schemeClr val="tx1"/>
                 </a:solidFill>
@@ -8003,7 +7951,7 @@
           <a:p>
             <a:pPr lvl="1"/>
             <a:r>
-              <a:rPr lang="fr-CH" dirty="0" smtClean="0">
+              <a:rPr lang="fr-CH" dirty="0">
                 <a:solidFill>
                   <a:schemeClr val="tx1"/>
                 </a:solidFill>
@@ -8011,7 +7959,7 @@
               <a:t>4 paires torsadées conducteur non-blindé du type </a:t>
             </a:r>
             <a:r>
-              <a:rPr lang="fr-CH" b="1" dirty="0" smtClean="0">
+              <a:rPr lang="fr-CH" b="1" dirty="0">
                 <a:solidFill>
                   <a:schemeClr val="tx1"/>
                 </a:solidFill>
@@ -8022,18 +7970,18 @@
           <a:p>
             <a:pPr lvl="1"/>
             <a:r>
-              <a:rPr lang="fr-CH" dirty="0" smtClean="0"/>
+              <a:rPr lang="fr-CH" dirty="0"/>
               <a:t>Paires Plus </a:t>
             </a:r>
             <a:r>
-              <a:rPr lang="fr-CH" b="1" dirty="0" smtClean="0"/>
+              <a:rPr lang="fr-CH" b="1" dirty="0"/>
               <a:t>larges</a:t>
             </a:r>
             <a:r>
-              <a:rPr lang="fr-CH" dirty="0" smtClean="0"/>
+              <a:rPr lang="fr-CH" dirty="0"/>
               <a:t> que les CAT5,5E</a:t>
             </a:r>
-            <a:endParaRPr lang="fr-CH" b="1" dirty="0" smtClean="0">
+            <a:endParaRPr lang="fr-CH" b="1" dirty="0">
               <a:solidFill>
                 <a:schemeClr val="tx1"/>
               </a:solidFill>
@@ -8042,7 +7990,7 @@
           <a:p>
             <a:pPr lvl="1"/>
             <a:r>
-              <a:rPr lang="fr-CH" b="1" dirty="0" smtClean="0">
+              <a:rPr lang="fr-CH" b="1" dirty="0">
                 <a:solidFill>
                   <a:schemeClr val="tx1"/>
                 </a:solidFill>
@@ -8050,7 +7998,7 @@
               <a:t>Séparateur</a:t>
             </a:r>
             <a:r>
-              <a:rPr lang="fr-CH" dirty="0" smtClean="0">
+              <a:rPr lang="fr-CH" dirty="0">
                 <a:solidFill>
                   <a:schemeClr val="tx1"/>
                 </a:solidFill>
@@ -8058,7 +8006,7 @@
               <a:t> </a:t>
             </a:r>
             <a:r>
-              <a:rPr lang="fr-CH" b="1" dirty="0" smtClean="0">
+              <a:rPr lang="fr-CH" b="1" dirty="0">
                 <a:solidFill>
                   <a:schemeClr val="tx1"/>
                 </a:solidFill>
@@ -8066,7 +8014,7 @@
               <a:t>longitudinal</a:t>
             </a:r>
             <a:r>
-              <a:rPr lang="fr-CH" dirty="0" smtClean="0">
+              <a:rPr lang="fr-CH" dirty="0">
                 <a:solidFill>
                   <a:schemeClr val="tx1"/>
                 </a:solidFill>
@@ -8076,7 +8024,7 @@
           </a:p>
           <a:p>
             <a:pPr lvl="1"/>
-            <a:endParaRPr lang="fr-CH" dirty="0" smtClean="0">
+            <a:endParaRPr lang="fr-CH" dirty="0">
               <a:solidFill>
                 <a:schemeClr val="tx1"/>
               </a:solidFill>
@@ -8086,7 +8034,7 @@
             <a:pPr marL="0" indent="0">
               <a:buNone/>
             </a:pPr>
-            <a:endParaRPr lang="fr-CH" b="1" dirty="0" smtClean="0">
+            <a:endParaRPr lang="fr-CH" b="1" dirty="0">
               <a:solidFill>
                 <a:schemeClr val="tx1"/>
               </a:solidFill>
@@ -8165,10 +8113,9 @@
           <a:p>
             <a:pPr algn="ctr"/>
             <a:r>
-              <a:rPr lang="fr-CH" dirty="0" smtClean="0"/>
+              <a:rPr lang="fr-CH" dirty="0"/>
               <a:t>PVC</a:t>
             </a:r>
-            <a:endParaRPr lang="fr-CH" dirty="0"/>
           </a:p>
         </p:txBody>
       </p:sp>
@@ -8236,10 +8183,9 @@
           <a:p>
             <a:pPr algn="ctr"/>
             <a:r>
-              <a:rPr lang="fr-CH" sz="1200" dirty="0" smtClean="0"/>
+              <a:rPr lang="fr-CH" sz="1200" dirty="0"/>
               <a:t>Paire torsadés souples</a:t>
             </a:r>
-            <a:endParaRPr lang="fr-CH" sz="1200" dirty="0"/>
           </a:p>
         </p:txBody>
       </p:sp>
@@ -8278,10 +8224,9 @@
           <a:p>
             <a:pPr algn="ctr"/>
             <a:r>
-              <a:rPr lang="fr-CH" sz="1200" dirty="0" smtClean="0"/>
+              <a:rPr lang="fr-CH" sz="1200" dirty="0"/>
               <a:t>Séparateur longitudinal</a:t>
             </a:r>
-            <a:endParaRPr lang="fr-CH" sz="1200" dirty="0"/>
           </a:p>
         </p:txBody>
       </p:sp>
@@ -8309,10 +8254,9 @@
           <a:p>
             <a:pPr algn="ctr"/>
             <a:r>
-              <a:rPr lang="fr-CH" sz="2800" dirty="0" smtClean="0"/>
+              <a:rPr lang="fr-CH" sz="2800" dirty="0"/>
               <a:t>CATEGORIE 6</a:t>
             </a:r>
-            <a:endParaRPr lang="fr-CH" sz="2800" dirty="0"/>
           </a:p>
         </p:txBody>
       </p:sp>
@@ -9143,24 +9087,12 @@
               <a:t>La catégorie 6A est une </a:t>
             </a:r>
             <a:r>
-              <a:rPr lang="fr-CH" sz="2000" b="1" dirty="0" smtClean="0"/>
+              <a:rPr lang="fr-CH" sz="2000" b="1" dirty="0"/>
               <a:t>amélioration technique</a:t>
             </a:r>
             <a:r>
-              <a:rPr lang="fr-CH" sz="2000" dirty="0" smtClean="0"/>
-              <a:t> </a:t>
-            </a:r>
-            <a:r>
               <a:rPr lang="fr-CH" sz="2000" dirty="0"/>
-              <a:t>de la catégorie </a:t>
-            </a:r>
-            <a:r>
-              <a:rPr lang="fr-CH" sz="2000" dirty="0" smtClean="0"/>
-              <a:t>6</a:t>
-            </a:r>
-            <a:r>
-              <a:rPr lang="fr-CH" sz="2000" dirty="0"/>
-              <a:t/>
+              <a:t> de la catégorie 6</a:t>
             </a:r>
             <a:br>
               <a:rPr lang="fr-CH" sz="2000" dirty="0"/>
@@ -9194,7 +9126,7 @@
             <a:pPr marL="0" indent="0">
               <a:buNone/>
             </a:pPr>
-            <a:endParaRPr lang="fr-CH" dirty="0" smtClean="0">
+            <a:endParaRPr lang="fr-CH" dirty="0">
               <a:solidFill>
                 <a:schemeClr val="tx1"/>
               </a:solidFill>
@@ -9205,14 +9137,14 @@
               <a:buNone/>
             </a:pPr>
             <a:r>
-              <a:rPr lang="fr-CH" b="1" u="sng" dirty="0" smtClean="0">
+              <a:rPr lang="fr-CH" b="1" u="sng" dirty="0">
                 <a:solidFill>
                   <a:schemeClr val="tx1"/>
                 </a:solidFill>
               </a:rPr>
               <a:t>Caractéristique technique:</a:t>
             </a:r>
-            <a:endParaRPr lang="fr-CH" dirty="0" smtClean="0">
+            <a:endParaRPr lang="fr-CH" dirty="0">
               <a:solidFill>
                 <a:schemeClr val="tx1"/>
               </a:solidFill>
@@ -9221,20 +9153,12 @@
           <a:p>
             <a:pPr lvl="1"/>
             <a:r>
-              <a:rPr lang="fr-CH" dirty="0" smtClean="0">
+              <a:rPr lang="fr-CH" dirty="0">
                 <a:solidFill>
                   <a:schemeClr val="tx1"/>
                 </a:solidFill>
               </a:rPr>
-              <a:t>Vitesse </a:t>
-            </a:r>
-            <a:r>
-              <a:rPr lang="fr-CH" dirty="0">
-                <a:solidFill>
-                  <a:schemeClr val="tx1"/>
-                </a:solidFill>
-              </a:rPr>
-              <a:t>atteignant </a:t>
+              <a:t>Vitesse atteignant </a:t>
             </a:r>
             <a:r>
               <a:rPr lang="fr-CH" b="1" dirty="0">
@@ -9253,18 +9177,13 @@
               <a:t>pour une distance de </a:t>
             </a:r>
             <a:r>
-              <a:rPr lang="fr-CH" b="1" dirty="0" smtClean="0">
+              <a:rPr lang="fr-CH" b="1" dirty="0">
                 <a:solidFill>
                   <a:schemeClr val="tx1"/>
                 </a:solidFill>
               </a:rPr>
               <a:t>100Mètres</a:t>
             </a:r>
-            <a:endParaRPr lang="fr-CH" b="1" dirty="0">
-              <a:solidFill>
-                <a:schemeClr val="tx1"/>
-              </a:solidFill>
-            </a:endParaRPr>
           </a:p>
           <a:p>
             <a:pPr lvl="1"/>
@@ -9298,27 +9217,14 @@
                   <a:schemeClr val="tx1"/>
                 </a:solidFill>
               </a:rPr>
-              <a:t>les </a:t>
-            </a:r>
-            <a:r>
-              <a:rPr lang="fr-CH" b="1" dirty="0" smtClean="0">
-                <a:solidFill>
-                  <a:schemeClr val="tx1"/>
-                </a:solidFill>
-              </a:rPr>
-              <a:t>500 Mhz</a:t>
-            </a:r>
-            <a:endParaRPr lang="fr-CH" b="1" dirty="0">
-              <a:solidFill>
-                <a:schemeClr val="tx1"/>
-              </a:solidFill>
-            </a:endParaRPr>
+              <a:t>les 500 Mhz</a:t>
+            </a:r>
           </a:p>
           <a:p>
             <a:pPr marL="0" indent="0">
               <a:buNone/>
             </a:pPr>
-            <a:endParaRPr lang="fr-CH" dirty="0" smtClean="0">
+            <a:endParaRPr lang="fr-CH" dirty="0">
               <a:solidFill>
                 <a:schemeClr val="tx1"/>
               </a:solidFill>
@@ -9546,10 +9452,9 @@
           <a:p>
             <a:pPr algn="ctr"/>
             <a:r>
-              <a:rPr lang="fr-CH" sz="2800" dirty="0" smtClean="0"/>
+              <a:rPr lang="fr-CH" sz="2800" dirty="0"/>
               <a:t>CATEGORIE 6A</a:t>
             </a:r>
-            <a:endParaRPr lang="fr-CH" sz="2800" dirty="0"/>
           </a:p>
         </p:txBody>
       </p:sp>
@@ -10111,7 +10016,7 @@
               <a:buNone/>
             </a:pPr>
             <a:r>
-              <a:rPr lang="fr-CH" b="1" u="sng" dirty="0" smtClean="0">
+              <a:rPr lang="fr-CH" b="1" u="sng" dirty="0">
                 <a:solidFill>
                   <a:schemeClr val="tx1"/>
                 </a:solidFill>
@@ -10122,7 +10027,7 @@
           <a:p>
             <a:pPr lvl="1"/>
             <a:r>
-              <a:rPr lang="fr-CH" dirty="0" smtClean="0">
+              <a:rPr lang="fr-CH" dirty="0">
                 <a:solidFill>
                   <a:schemeClr val="tx1"/>
                 </a:solidFill>
@@ -10130,31 +10035,15 @@
               <a:t>Vitesse atteignant </a:t>
             </a:r>
             <a:r>
-              <a:rPr lang="fr-CH" b="1" dirty="0" smtClean="0">
+              <a:rPr lang="fr-CH" b="1" dirty="0">
                 <a:solidFill>
                   <a:schemeClr val="tx1"/>
                 </a:solidFill>
               </a:rPr>
-              <a:t>40Gb </a:t>
-            </a:r>
-            <a:r>
-              <a:rPr lang="fr-CH" b="1" dirty="0">
-                <a:solidFill>
-                  <a:schemeClr val="tx1"/>
-                </a:solidFill>
-              </a:rPr>
-              <a:t>par </a:t>
-            </a:r>
-            <a:r>
-              <a:rPr lang="fr-CH" b="1" dirty="0" smtClean="0">
-                <a:solidFill>
-                  <a:schemeClr val="tx1"/>
-                </a:solidFill>
-              </a:rPr>
-              <a:t>sec </a:t>
-            </a:r>
-            <a:r>
-              <a:rPr lang="fr-CH" dirty="0" smtClean="0">
+              <a:t>40Gb par sec </a:t>
+            </a:r>
+            <a:r>
+              <a:rPr lang="fr-CH" dirty="0">
                 <a:solidFill>
                   <a:schemeClr val="tx1"/>
                 </a:solidFill>
@@ -10162,7 +10051,7 @@
               <a:t>pour une distance de </a:t>
             </a:r>
             <a:r>
-              <a:rPr lang="fr-CH" b="1" dirty="0" smtClean="0">
+              <a:rPr lang="fr-CH" b="1" dirty="0">
                 <a:solidFill>
                   <a:schemeClr val="tx1"/>
                 </a:solidFill>
@@ -10173,7 +10062,7 @@
           <a:p>
             <a:pPr lvl="1"/>
             <a:r>
-              <a:rPr lang="fr-CH" dirty="0" smtClean="0">
+              <a:rPr lang="fr-CH" dirty="0">
                 <a:solidFill>
                   <a:schemeClr val="tx1"/>
                 </a:solidFill>
@@ -10181,7 +10070,7 @@
               <a:t>Une </a:t>
             </a:r>
             <a:r>
-              <a:rPr lang="fr-CH" b="1" dirty="0" smtClean="0">
+              <a:rPr lang="fr-CH" b="1" dirty="0">
                 <a:solidFill>
                   <a:schemeClr val="tx1"/>
                 </a:solidFill>
@@ -10189,7 +10078,7 @@
               <a:t>fréquence</a:t>
             </a:r>
             <a:r>
-              <a:rPr lang="fr-CH" dirty="0" smtClean="0">
+              <a:rPr lang="fr-CH" dirty="0">
                 <a:solidFill>
                   <a:schemeClr val="tx1"/>
                 </a:solidFill>
@@ -10197,7 +10086,7 @@
               <a:t> qui peut atteindre les </a:t>
             </a:r>
             <a:r>
-              <a:rPr lang="fr-CH" b="1" dirty="0" smtClean="0">
+              <a:rPr lang="fr-CH" b="1" dirty="0">
                 <a:solidFill>
                   <a:schemeClr val="tx1"/>
                 </a:solidFill>
@@ -10209,7 +10098,7 @@
             <a:pPr marL="457200" lvl="1" indent="0">
               <a:buNone/>
             </a:pPr>
-            <a:endParaRPr lang="fr-CH" dirty="0" smtClean="0">
+            <a:endParaRPr lang="fr-CH" dirty="0">
               <a:solidFill>
                 <a:schemeClr val="tx1"/>
               </a:solidFill>
@@ -10220,7 +10109,7 @@
               <a:buNone/>
             </a:pPr>
             <a:r>
-              <a:rPr lang="fr-CH" b="1" u="sng" dirty="0" smtClean="0">
+              <a:rPr lang="fr-CH" b="1" u="sng" dirty="0">
                 <a:solidFill>
                   <a:schemeClr val="tx1"/>
                 </a:solidFill>
@@ -10231,7 +10120,7 @@
           <a:p>
             <a:pPr lvl="1"/>
             <a:r>
-              <a:rPr lang="fr-CH" dirty="0" smtClean="0">
+              <a:rPr lang="fr-CH" dirty="0">
                 <a:solidFill>
                   <a:schemeClr val="tx1"/>
                 </a:solidFill>
@@ -10239,7 +10128,7 @@
               <a:t>Protégé par une gaine en </a:t>
             </a:r>
             <a:r>
-              <a:rPr lang="fr-CH" b="1" dirty="0" smtClean="0">
+              <a:rPr lang="fr-CH" b="1" dirty="0">
                 <a:solidFill>
                   <a:schemeClr val="tx1"/>
                 </a:solidFill>
@@ -10250,7 +10139,7 @@
           <a:p>
             <a:pPr lvl="1"/>
             <a:r>
-              <a:rPr lang="fr-CH" dirty="0" smtClean="0">
+              <a:rPr lang="fr-CH" dirty="0">
                 <a:solidFill>
                   <a:schemeClr val="tx1"/>
                 </a:solidFill>
@@ -10258,7 +10147,7 @@
               <a:t>4 paires torsadées conducteur </a:t>
             </a:r>
             <a:r>
-              <a:rPr lang="fr-CH" b="1" dirty="0" smtClean="0">
+              <a:rPr lang="fr-CH" b="1" dirty="0">
                 <a:solidFill>
                   <a:schemeClr val="tx1"/>
                 </a:solidFill>
@@ -10266,7 +10155,7 @@
               <a:t>blindées</a:t>
             </a:r>
             <a:r>
-              <a:rPr lang="fr-CH" dirty="0" smtClean="0">
+              <a:rPr lang="fr-CH" dirty="0">
                 <a:solidFill>
                   <a:schemeClr val="tx1"/>
                 </a:solidFill>
@@ -10274,7 +10163,7 @@
               <a:t> </a:t>
             </a:r>
             <a:r>
-              <a:rPr lang="fr-CH" b="1" dirty="0" smtClean="0">
+              <a:rPr lang="fr-CH" b="1" dirty="0">
                 <a:solidFill>
                   <a:schemeClr val="tx1"/>
                 </a:solidFill>
@@ -10285,36 +10174,12 @@
           <a:p>
             <a:pPr lvl="1"/>
             <a:r>
-              <a:rPr lang="fr-CH" dirty="0" smtClean="0">
+              <a:rPr lang="fr-CH" dirty="0">
                 <a:solidFill>
                   <a:schemeClr val="tx1"/>
                 </a:solidFill>
               </a:rPr>
-              <a:t>Blindage collective des paires torsadés pour réduire </a:t>
-            </a:r>
-            <a:r>
-              <a:rPr lang="fr-CH" dirty="0">
-                <a:solidFill>
-                  <a:schemeClr val="tx1"/>
-                </a:solidFill>
-              </a:rPr>
-              <a:t>les </a:t>
-            </a:r>
-            <a:r>
-              <a:rPr lang="fr-CH" dirty="0" smtClean="0">
-                <a:solidFill>
-                  <a:schemeClr val="tx1"/>
-                </a:solidFill>
-              </a:rPr>
-              <a:t>phénomènes </a:t>
-            </a:r>
-            <a:r>
-              <a:rPr lang="fr-CH" dirty="0">
-                <a:solidFill>
-                  <a:schemeClr val="tx1"/>
-                </a:solidFill>
-              </a:rPr>
-              <a:t>parasitaires liés à la </a:t>
+              <a:t>Blindage collective des paires torsadés pour réduire les phénomènes parasitaires liés à la </a:t>
             </a:r>
             <a:r>
               <a:rPr lang="fr-CH" b="1" dirty="0">
@@ -10324,11 +10189,6 @@
               </a:rPr>
               <a:t>diaphonie </a:t>
             </a:r>
-            <a:endParaRPr lang="fr-CH" b="1" dirty="0" smtClean="0">
-              <a:solidFill>
-                <a:schemeClr val="tx1"/>
-              </a:solidFill>
-            </a:endParaRPr>
           </a:p>
         </p:txBody>
       </p:sp>
@@ -10454,10 +10314,9 @@
           <a:p>
             <a:pPr algn="ctr"/>
             <a:r>
-              <a:rPr lang="fr-CH" dirty="0" smtClean="0"/>
+              <a:rPr lang="fr-CH" dirty="0"/>
               <a:t>PVC</a:t>
             </a:r>
-            <a:endParaRPr lang="fr-CH" dirty="0"/>
           </a:p>
         </p:txBody>
       </p:sp>
@@ -10496,7 +10355,7 @@
           <a:p>
             <a:pPr algn="ctr"/>
             <a:r>
-              <a:rPr lang="fr-CH" dirty="0" err="1" smtClean="0"/>
+              <a:rPr lang="fr-CH" dirty="0" err="1"/>
               <a:t>Bl.Coll</a:t>
             </a:r>
             <a:endParaRPr lang="fr-CH" dirty="0"/>
@@ -10538,7 +10397,7 @@
           <a:p>
             <a:pPr algn="ctr"/>
             <a:r>
-              <a:rPr lang="fr-CH" dirty="0" err="1" smtClean="0"/>
+              <a:rPr lang="fr-CH" dirty="0" err="1"/>
               <a:t>Bl.Ind</a:t>
             </a:r>
             <a:endParaRPr lang="fr-CH" dirty="0"/>
@@ -10569,10 +10428,9 @@
           <a:p>
             <a:pPr algn="ctr"/>
             <a:r>
-              <a:rPr lang="fr-CH" sz="2800" dirty="0" smtClean="0"/>
+              <a:rPr lang="fr-CH" sz="2800" dirty="0"/>
               <a:t>CATEGORIE 7</a:t>
             </a:r>
-            <a:endParaRPr lang="fr-CH" sz="2800" dirty="0"/>
           </a:p>
         </p:txBody>
       </p:sp>
@@ -11371,10 +11229,9 @@
           <a:lstStyle/>
           <a:p>
             <a:r>
-              <a:rPr lang="fr-CH" dirty="0" smtClean="0"/>
+              <a:rPr lang="fr-CH" dirty="0"/>
               <a:t>Présentation</a:t>
             </a:r>
-            <a:endParaRPr lang="fr-CH" dirty="0"/>
           </a:p>
         </p:txBody>
       </p:sp>
@@ -11406,7 +11263,7 @@
               </a:lnSpc>
             </a:pPr>
             <a:r>
-              <a:rPr lang="fr-CH" sz="2600" dirty="0" smtClean="0">
+              <a:rPr lang="fr-CH" sz="2600" dirty="0">
                 <a:solidFill>
                   <a:schemeClr val="tx1"/>
                 </a:solidFill>
@@ -11421,7 +11278,7 @@
               </a:lnSpc>
             </a:pPr>
             <a:r>
-              <a:rPr lang="fr-CH" sz="2600" dirty="0" smtClean="0">
+              <a:rPr lang="fr-CH" sz="2600" dirty="0">
                 <a:solidFill>
                   <a:schemeClr val="tx1"/>
                 </a:solidFill>
@@ -11436,7 +11293,7 @@
               </a:lnSpc>
             </a:pPr>
             <a:r>
-              <a:rPr lang="fr-CH" sz="2600" dirty="0" smtClean="0">
+              <a:rPr lang="fr-CH" sz="2600" dirty="0">
                 <a:solidFill>
                   <a:schemeClr val="tx1"/>
                 </a:solidFill>
@@ -11451,7 +11308,7 @@
               </a:lnSpc>
             </a:pPr>
             <a:r>
-              <a:rPr lang="fr-CH" sz="2600" dirty="0" smtClean="0">
+              <a:rPr lang="fr-CH" sz="2600" dirty="0">
                 <a:solidFill>
                   <a:schemeClr val="tx1"/>
                 </a:solidFill>
@@ -11466,18 +11323,13 @@
               </a:lnSpc>
             </a:pPr>
             <a:r>
-              <a:rPr lang="fr-CH" sz="2600" dirty="0" smtClean="0">
+              <a:rPr lang="fr-CH" sz="2600" dirty="0">
                 <a:solidFill>
                   <a:schemeClr val="tx1"/>
                 </a:solidFill>
               </a:rPr>
               <a:t>Catégories des câbles Ethernet</a:t>
             </a:r>
-            <a:endParaRPr lang="fr-CH" sz="2600" dirty="0">
-              <a:solidFill>
-                <a:schemeClr val="tx1"/>
-              </a:solidFill>
-            </a:endParaRPr>
           </a:p>
           <a:p>
             <a:pPr>
@@ -11486,7 +11338,7 @@
               </a:lnSpc>
             </a:pPr>
             <a:r>
-              <a:rPr lang="fr-CH" sz="2600" dirty="0" smtClean="0">
+              <a:rPr lang="fr-CH" sz="2600" dirty="0">
                 <a:solidFill>
                   <a:schemeClr val="tx1"/>
                 </a:solidFill>
@@ -11501,7 +11353,7 @@
               </a:lnSpc>
             </a:pPr>
             <a:r>
-              <a:rPr lang="fr-CH" sz="2600" dirty="0" smtClean="0">
+              <a:rPr lang="fr-CH" sz="2600" dirty="0">
                 <a:solidFill>
                   <a:schemeClr val="tx1"/>
                 </a:solidFill>
@@ -11516,7 +11368,7 @@
               </a:lnSpc>
             </a:pPr>
             <a:r>
-              <a:rPr lang="fr-CH" sz="2600" dirty="0" smtClean="0">
+              <a:rPr lang="fr-CH" sz="2600" dirty="0">
                 <a:solidFill>
                   <a:schemeClr val="tx1"/>
                 </a:solidFill>
@@ -11531,7 +11383,7 @@
               </a:lnSpc>
             </a:pPr>
             <a:r>
-              <a:rPr lang="fr-CH" sz="2600" dirty="0" smtClean="0">
+              <a:rPr lang="fr-CH" sz="2600" dirty="0">
                 <a:solidFill>
                   <a:schemeClr val="tx1"/>
                 </a:solidFill>
@@ -11554,13 +11406,6 @@
   <p:clrMapOvr>
     <a:masterClrMapping/>
   </p:clrMapOvr>
-  <p:timing>
-    <p:tnLst>
-      <p:par>
-        <p:cTn id="1" dur="indefinite" restart="never" nodeType="tmRoot"/>
-      </p:par>
-    </p:tnLst>
-  </p:timing>
 </p:sld>
 </file>
 
@@ -11605,10 +11450,9 @@
           <a:p>
             <a:pPr algn="ctr"/>
             <a:r>
-              <a:rPr lang="fr-CH" sz="2800" dirty="0" smtClean="0"/>
+              <a:rPr lang="fr-CH" sz="2800" dirty="0"/>
               <a:t>CATEGORIE 8</a:t>
             </a:r>
-            <a:endParaRPr lang="fr-CH" sz="2800" dirty="0"/>
           </a:p>
         </p:txBody>
       </p:sp>
@@ -11646,13 +11490,6 @@
   <p:clrMapOvr>
     <a:masterClrMapping/>
   </p:clrMapOvr>
-  <p:timing>
-    <p:tnLst>
-      <p:par>
-        <p:cTn id="1" dur="indefinite" restart="never" nodeType="tmRoot"/>
-      </p:par>
-    </p:tnLst>
-  </p:timing>
 </p:sld>
 </file>
 
@@ -11675,30 +11512,6 @@
       </p:grpSpPr>
       <p:sp>
         <p:nvSpPr>
-          <p:cNvPr id="7" name="Content Placeholder 2"/>
-          <p:cNvSpPr>
-            <a:spLocks noGrp="1"/>
-          </p:cNvSpPr>
-          <p:nvPr>
-            <p:ph idx="1"/>
-          </p:nvPr>
-        </p:nvSpPr>
-        <p:spPr>
-          <a:xfrm>
-            <a:off x="277793" y="902826"/>
-            <a:ext cx="11539959" cy="5660020"/>
-          </a:xfrm>
-        </p:spPr>
-        <p:txBody>
-          <a:bodyPr/>
-          <a:lstStyle/>
-          <a:p>
-            <a:endParaRPr lang="fr-CH" dirty="0"/>
-          </a:p>
-        </p:txBody>
-      </p:sp>
-      <p:sp>
-        <p:nvSpPr>
           <p:cNvPr id="8" name="Title 1"/>
           <p:cNvSpPr>
             <a:spLocks noGrp="1"/>
@@ -11721,10 +11534,586 @@
           <a:p>
             <a:pPr algn="ctr"/>
             <a:r>
-              <a:rPr lang="fr-CH" sz="2800" dirty="0" smtClean="0"/>
+              <a:rPr lang="fr-CH" sz="2800" dirty="0"/>
               <a:t>BLINDAGE</a:t>
             </a:r>
-            <a:endParaRPr lang="fr-CH" sz="2800" dirty="0"/>
+          </a:p>
+        </p:txBody>
+      </p:sp>
+      <p:sp>
+        <p:nvSpPr>
+          <p:cNvPr id="5" name="Content Placeholder 2">
+            <a:extLst>
+              <a:ext uri="{FF2B5EF4-FFF2-40B4-BE49-F238E27FC236}">
+                <a16:creationId xmlns:a16="http://schemas.microsoft.com/office/drawing/2014/main" id="{F8CDF8D4-22A3-4F52-B3A1-BDF90524C006}"/>
+              </a:ext>
+            </a:extLst>
+          </p:cNvPr>
+          <p:cNvSpPr txBox="1">
+            <a:spLocks/>
+          </p:cNvSpPr>
+          <p:nvPr/>
+        </p:nvSpPr>
+        <p:spPr>
+          <a:xfrm>
+            <a:off x="2002421" y="873270"/>
+            <a:ext cx="8615680" cy="980363"/>
+          </a:xfrm>
+          <a:prstGeom prst="rect">
+            <a:avLst/>
+          </a:prstGeom>
+        </p:spPr>
+        <p:txBody>
+          <a:bodyPr vert="horz" lIns="91440" tIns="45720" rIns="91440" bIns="45720" rtlCol="0">
+            <a:noAutofit/>
+          </a:bodyPr>
+          <a:lstStyle>
+            <a:lvl1pPr marL="342900" indent="-342900" algn="l" defTabSz="457200" rtl="0" eaLnBrk="1" latinLnBrk="0" hangingPunct="1">
+              <a:spcBef>
+                <a:spcPts val="1000"/>
+              </a:spcBef>
+              <a:spcAft>
+                <a:spcPts val="0"/>
+              </a:spcAft>
+              <a:buClr>
+                <a:schemeClr val="bg2">
+                  <a:lumMod val="40000"/>
+                  <a:lumOff val="60000"/>
+                </a:schemeClr>
+              </a:buClr>
+              <a:buSzPct val="80000"/>
+              <a:buFont typeface="Wingdings 3" charset="2"/>
+              <a:buChar char=""/>
+              <a:defRPr sz="2000" b="0" i="0" kern="1200">
+                <a:solidFill>
+                  <a:schemeClr val="tx1"/>
+                </a:solidFill>
+                <a:latin typeface="+mj-lt"/>
+                <a:ea typeface="+mj-ea"/>
+                <a:cs typeface="+mj-cs"/>
+              </a:defRPr>
+            </a:lvl1pPr>
+            <a:lvl2pPr marL="742950" indent="-285750" algn="l" defTabSz="457200" rtl="0" eaLnBrk="1" latinLnBrk="0" hangingPunct="1">
+              <a:spcBef>
+                <a:spcPts val="1000"/>
+              </a:spcBef>
+              <a:spcAft>
+                <a:spcPts val="0"/>
+              </a:spcAft>
+              <a:buClr>
+                <a:schemeClr val="bg2">
+                  <a:lumMod val="40000"/>
+                  <a:lumOff val="60000"/>
+                </a:schemeClr>
+              </a:buClr>
+              <a:buSzPct val="80000"/>
+              <a:buFont typeface="Wingdings 3" charset="2"/>
+              <a:buChar char=""/>
+              <a:defRPr sz="1800" b="0" i="0" kern="1200">
+                <a:solidFill>
+                  <a:schemeClr val="tx1"/>
+                </a:solidFill>
+                <a:latin typeface="+mj-lt"/>
+                <a:ea typeface="+mj-ea"/>
+                <a:cs typeface="+mj-cs"/>
+              </a:defRPr>
+            </a:lvl2pPr>
+            <a:lvl3pPr marL="1143000" indent="-228600" algn="l" defTabSz="457200" rtl="0" eaLnBrk="1" latinLnBrk="0" hangingPunct="1">
+              <a:spcBef>
+                <a:spcPts val="1000"/>
+              </a:spcBef>
+              <a:spcAft>
+                <a:spcPts val="0"/>
+              </a:spcAft>
+              <a:buClr>
+                <a:schemeClr val="bg2">
+                  <a:lumMod val="40000"/>
+                  <a:lumOff val="60000"/>
+                </a:schemeClr>
+              </a:buClr>
+              <a:buSzPct val="80000"/>
+              <a:buFont typeface="Wingdings 3" charset="2"/>
+              <a:buChar char=""/>
+              <a:defRPr sz="1600" b="0" i="0" kern="1200">
+                <a:solidFill>
+                  <a:schemeClr val="tx1"/>
+                </a:solidFill>
+                <a:latin typeface="+mj-lt"/>
+                <a:ea typeface="+mj-ea"/>
+                <a:cs typeface="+mj-cs"/>
+              </a:defRPr>
+            </a:lvl3pPr>
+            <a:lvl4pPr marL="1600200" indent="-228600" algn="l" defTabSz="457200" rtl="0" eaLnBrk="1" latinLnBrk="0" hangingPunct="1">
+              <a:spcBef>
+                <a:spcPts val="1000"/>
+              </a:spcBef>
+              <a:spcAft>
+                <a:spcPts val="0"/>
+              </a:spcAft>
+              <a:buClr>
+                <a:schemeClr val="bg2">
+                  <a:lumMod val="40000"/>
+                  <a:lumOff val="60000"/>
+                </a:schemeClr>
+              </a:buClr>
+              <a:buSzPct val="80000"/>
+              <a:buFont typeface="Wingdings 3" charset="2"/>
+              <a:buChar char=""/>
+              <a:defRPr sz="1400" b="0" i="0" kern="1200">
+                <a:solidFill>
+                  <a:schemeClr val="tx1"/>
+                </a:solidFill>
+                <a:latin typeface="+mj-lt"/>
+                <a:ea typeface="+mj-ea"/>
+                <a:cs typeface="+mj-cs"/>
+              </a:defRPr>
+            </a:lvl4pPr>
+            <a:lvl5pPr marL="2057400" indent="-228600" algn="l" defTabSz="457200" rtl="0" eaLnBrk="1" latinLnBrk="0" hangingPunct="1">
+              <a:spcBef>
+                <a:spcPts val="1000"/>
+              </a:spcBef>
+              <a:spcAft>
+                <a:spcPts val="0"/>
+              </a:spcAft>
+              <a:buClr>
+                <a:schemeClr val="bg2">
+                  <a:lumMod val="40000"/>
+                  <a:lumOff val="60000"/>
+                </a:schemeClr>
+              </a:buClr>
+              <a:buSzPct val="80000"/>
+              <a:buFont typeface="Wingdings 3" charset="2"/>
+              <a:buChar char=""/>
+              <a:defRPr sz="1400" b="0" i="0" kern="1200">
+                <a:solidFill>
+                  <a:schemeClr val="tx1"/>
+                </a:solidFill>
+                <a:latin typeface="+mj-lt"/>
+                <a:ea typeface="+mj-ea"/>
+                <a:cs typeface="+mj-cs"/>
+              </a:defRPr>
+            </a:lvl5pPr>
+            <a:lvl6pPr marL="2506000" indent="-228600" algn="l" defTabSz="457200" rtl="0" eaLnBrk="1" latinLnBrk="0" hangingPunct="1">
+              <a:spcBef>
+                <a:spcPts val="1000"/>
+              </a:spcBef>
+              <a:spcAft>
+                <a:spcPts val="0"/>
+              </a:spcAft>
+              <a:buClr>
+                <a:schemeClr val="bg2">
+                  <a:lumMod val="40000"/>
+                  <a:lumOff val="60000"/>
+                </a:schemeClr>
+              </a:buClr>
+              <a:buSzPct val="80000"/>
+              <a:buFont typeface="Wingdings 3" charset="2"/>
+              <a:buChar char=""/>
+              <a:defRPr sz="1400" b="0" i="0" kern="1200">
+                <a:solidFill>
+                  <a:schemeClr val="tx1"/>
+                </a:solidFill>
+                <a:latin typeface="+mj-lt"/>
+                <a:ea typeface="+mj-ea"/>
+                <a:cs typeface="+mj-cs"/>
+              </a:defRPr>
+            </a:lvl6pPr>
+            <a:lvl7pPr marL="2971800" indent="-228600" algn="l" defTabSz="457200" rtl="0" eaLnBrk="1" latinLnBrk="0" hangingPunct="1">
+              <a:spcBef>
+                <a:spcPts val="1000"/>
+              </a:spcBef>
+              <a:spcAft>
+                <a:spcPts val="0"/>
+              </a:spcAft>
+              <a:buClr>
+                <a:schemeClr val="bg2">
+                  <a:lumMod val="40000"/>
+                  <a:lumOff val="60000"/>
+                </a:schemeClr>
+              </a:buClr>
+              <a:buSzPct val="80000"/>
+              <a:buFont typeface="Wingdings 3" charset="2"/>
+              <a:buChar char=""/>
+              <a:defRPr sz="1400" b="0" i="0" kern="1200">
+                <a:solidFill>
+                  <a:schemeClr val="tx1"/>
+                </a:solidFill>
+                <a:latin typeface="+mj-lt"/>
+                <a:ea typeface="+mj-ea"/>
+                <a:cs typeface="+mj-cs"/>
+              </a:defRPr>
+            </a:lvl7pPr>
+            <a:lvl8pPr marL="3429000" indent="-228600" algn="l" defTabSz="457200" rtl="0" eaLnBrk="1" latinLnBrk="0" hangingPunct="1">
+              <a:spcBef>
+                <a:spcPts val="1000"/>
+              </a:spcBef>
+              <a:spcAft>
+                <a:spcPts val="0"/>
+              </a:spcAft>
+              <a:buClr>
+                <a:schemeClr val="bg2">
+                  <a:lumMod val="40000"/>
+                  <a:lumOff val="60000"/>
+                </a:schemeClr>
+              </a:buClr>
+              <a:buSzPct val="80000"/>
+              <a:buFont typeface="Wingdings 3" charset="2"/>
+              <a:buChar char=""/>
+              <a:defRPr sz="1400" b="0" i="0" kern="1200">
+                <a:solidFill>
+                  <a:schemeClr val="tx1"/>
+                </a:solidFill>
+                <a:latin typeface="+mj-lt"/>
+                <a:ea typeface="+mj-ea"/>
+                <a:cs typeface="+mj-cs"/>
+              </a:defRPr>
+            </a:lvl8pPr>
+            <a:lvl9pPr marL="3886200" indent="-228600" algn="l" defTabSz="457200" rtl="0" eaLnBrk="1" latinLnBrk="0" hangingPunct="1">
+              <a:spcBef>
+                <a:spcPts val="1000"/>
+              </a:spcBef>
+              <a:spcAft>
+                <a:spcPts val="0"/>
+              </a:spcAft>
+              <a:buClr>
+                <a:schemeClr val="bg2">
+                  <a:lumMod val="40000"/>
+                  <a:lumOff val="60000"/>
+                </a:schemeClr>
+              </a:buClr>
+              <a:buSzPct val="80000"/>
+              <a:buFont typeface="Wingdings 3" charset="2"/>
+              <a:buChar char=""/>
+              <a:defRPr sz="1400" b="0" i="0" kern="1200">
+                <a:solidFill>
+                  <a:schemeClr val="tx1"/>
+                </a:solidFill>
+                <a:latin typeface="+mj-lt"/>
+                <a:ea typeface="+mj-ea"/>
+                <a:cs typeface="+mj-cs"/>
+              </a:defRPr>
+            </a:lvl9pPr>
+          </a:lstStyle>
+          <a:p>
+            <a:pPr marL="0" indent="0" algn="ctr">
+              <a:buFont typeface="Wingdings 3" charset="2"/>
+              <a:buNone/>
+            </a:pPr>
+            <a:r>
+              <a:rPr lang="fr-CH" sz="6000" dirty="0"/>
+              <a:t>Pourquoi le blindage?</a:t>
+            </a:r>
+            <a:endParaRPr lang="fr-CH" sz="2400" dirty="0"/>
+          </a:p>
+        </p:txBody>
+      </p:sp>
+      <p:sp>
+        <p:nvSpPr>
+          <p:cNvPr id="6" name="Content Placeholder 2">
+            <a:extLst>
+              <a:ext uri="{FF2B5EF4-FFF2-40B4-BE49-F238E27FC236}">
+                <a16:creationId xmlns:a16="http://schemas.microsoft.com/office/drawing/2014/main" id="{8D58F6CE-D1F4-48B3-95BD-E6A6BBA27883}"/>
+              </a:ext>
+            </a:extLst>
+          </p:cNvPr>
+          <p:cNvSpPr txBox="1">
+            <a:spLocks/>
+          </p:cNvSpPr>
+          <p:nvPr/>
+        </p:nvSpPr>
+        <p:spPr>
+          <a:xfrm>
+            <a:off x="552032" y="3050885"/>
+            <a:ext cx="10999503" cy="3091949"/>
+          </a:xfrm>
+          <a:prstGeom prst="rect">
+            <a:avLst/>
+          </a:prstGeom>
+        </p:spPr>
+        <p:txBody>
+          <a:bodyPr vert="horz" lIns="91440" tIns="45720" rIns="91440" bIns="45720" rtlCol="0">
+            <a:normAutofit fontScale="92500" lnSpcReduction="20000"/>
+          </a:bodyPr>
+          <a:lstStyle>
+            <a:lvl1pPr marL="342900" indent="-342900" algn="l" defTabSz="457200" rtl="0" eaLnBrk="1" latinLnBrk="0" hangingPunct="1">
+              <a:spcBef>
+                <a:spcPts val="1000"/>
+              </a:spcBef>
+              <a:spcAft>
+                <a:spcPts val="0"/>
+              </a:spcAft>
+              <a:buClr>
+                <a:schemeClr val="bg2">
+                  <a:lumMod val="40000"/>
+                  <a:lumOff val="60000"/>
+                </a:schemeClr>
+              </a:buClr>
+              <a:buSzPct val="80000"/>
+              <a:buFont typeface="Wingdings 3" charset="2"/>
+              <a:buChar char=""/>
+              <a:defRPr sz="2000" b="0" i="0" kern="1200">
+                <a:solidFill>
+                  <a:schemeClr val="tx1"/>
+                </a:solidFill>
+                <a:latin typeface="+mj-lt"/>
+                <a:ea typeface="+mj-ea"/>
+                <a:cs typeface="+mj-cs"/>
+              </a:defRPr>
+            </a:lvl1pPr>
+            <a:lvl2pPr marL="742950" indent="-285750" algn="l" defTabSz="457200" rtl="0" eaLnBrk="1" latinLnBrk="0" hangingPunct="1">
+              <a:spcBef>
+                <a:spcPts val="1000"/>
+              </a:spcBef>
+              <a:spcAft>
+                <a:spcPts val="0"/>
+              </a:spcAft>
+              <a:buClr>
+                <a:schemeClr val="bg2">
+                  <a:lumMod val="40000"/>
+                  <a:lumOff val="60000"/>
+                </a:schemeClr>
+              </a:buClr>
+              <a:buSzPct val="80000"/>
+              <a:buFont typeface="Wingdings 3" charset="2"/>
+              <a:buChar char=""/>
+              <a:defRPr sz="1800" b="0" i="0" kern="1200">
+                <a:solidFill>
+                  <a:schemeClr val="tx1"/>
+                </a:solidFill>
+                <a:latin typeface="+mj-lt"/>
+                <a:ea typeface="+mj-ea"/>
+                <a:cs typeface="+mj-cs"/>
+              </a:defRPr>
+            </a:lvl2pPr>
+            <a:lvl3pPr marL="1143000" indent="-228600" algn="l" defTabSz="457200" rtl="0" eaLnBrk="1" latinLnBrk="0" hangingPunct="1">
+              <a:spcBef>
+                <a:spcPts val="1000"/>
+              </a:spcBef>
+              <a:spcAft>
+                <a:spcPts val="0"/>
+              </a:spcAft>
+              <a:buClr>
+                <a:schemeClr val="bg2">
+                  <a:lumMod val="40000"/>
+                  <a:lumOff val="60000"/>
+                </a:schemeClr>
+              </a:buClr>
+              <a:buSzPct val="80000"/>
+              <a:buFont typeface="Wingdings 3" charset="2"/>
+              <a:buChar char=""/>
+              <a:defRPr sz="1600" b="0" i="0" kern="1200">
+                <a:solidFill>
+                  <a:schemeClr val="tx1"/>
+                </a:solidFill>
+                <a:latin typeface="+mj-lt"/>
+                <a:ea typeface="+mj-ea"/>
+                <a:cs typeface="+mj-cs"/>
+              </a:defRPr>
+            </a:lvl3pPr>
+            <a:lvl4pPr marL="1600200" indent="-228600" algn="l" defTabSz="457200" rtl="0" eaLnBrk="1" latinLnBrk="0" hangingPunct="1">
+              <a:spcBef>
+                <a:spcPts val="1000"/>
+              </a:spcBef>
+              <a:spcAft>
+                <a:spcPts val="0"/>
+              </a:spcAft>
+              <a:buClr>
+                <a:schemeClr val="bg2">
+                  <a:lumMod val="40000"/>
+                  <a:lumOff val="60000"/>
+                </a:schemeClr>
+              </a:buClr>
+              <a:buSzPct val="80000"/>
+              <a:buFont typeface="Wingdings 3" charset="2"/>
+              <a:buChar char=""/>
+              <a:defRPr sz="1400" b="0" i="0" kern="1200">
+                <a:solidFill>
+                  <a:schemeClr val="tx1"/>
+                </a:solidFill>
+                <a:latin typeface="+mj-lt"/>
+                <a:ea typeface="+mj-ea"/>
+                <a:cs typeface="+mj-cs"/>
+              </a:defRPr>
+            </a:lvl4pPr>
+            <a:lvl5pPr marL="2057400" indent="-228600" algn="l" defTabSz="457200" rtl="0" eaLnBrk="1" latinLnBrk="0" hangingPunct="1">
+              <a:spcBef>
+                <a:spcPts val="1000"/>
+              </a:spcBef>
+              <a:spcAft>
+                <a:spcPts val="0"/>
+              </a:spcAft>
+              <a:buClr>
+                <a:schemeClr val="bg2">
+                  <a:lumMod val="40000"/>
+                  <a:lumOff val="60000"/>
+                </a:schemeClr>
+              </a:buClr>
+              <a:buSzPct val="80000"/>
+              <a:buFont typeface="Wingdings 3" charset="2"/>
+              <a:buChar char=""/>
+              <a:defRPr sz="1400" b="0" i="0" kern="1200">
+                <a:solidFill>
+                  <a:schemeClr val="tx1"/>
+                </a:solidFill>
+                <a:latin typeface="+mj-lt"/>
+                <a:ea typeface="+mj-ea"/>
+                <a:cs typeface="+mj-cs"/>
+              </a:defRPr>
+            </a:lvl5pPr>
+            <a:lvl6pPr marL="2506000" indent="-228600" algn="l" defTabSz="457200" rtl="0" eaLnBrk="1" latinLnBrk="0" hangingPunct="1">
+              <a:spcBef>
+                <a:spcPts val="1000"/>
+              </a:spcBef>
+              <a:spcAft>
+                <a:spcPts val="0"/>
+              </a:spcAft>
+              <a:buClr>
+                <a:schemeClr val="bg2">
+                  <a:lumMod val="40000"/>
+                  <a:lumOff val="60000"/>
+                </a:schemeClr>
+              </a:buClr>
+              <a:buSzPct val="80000"/>
+              <a:buFont typeface="Wingdings 3" charset="2"/>
+              <a:buChar char=""/>
+              <a:defRPr sz="1400" b="0" i="0" kern="1200">
+                <a:solidFill>
+                  <a:schemeClr val="tx1"/>
+                </a:solidFill>
+                <a:latin typeface="+mj-lt"/>
+                <a:ea typeface="+mj-ea"/>
+                <a:cs typeface="+mj-cs"/>
+              </a:defRPr>
+            </a:lvl6pPr>
+            <a:lvl7pPr marL="2971800" indent="-228600" algn="l" defTabSz="457200" rtl="0" eaLnBrk="1" latinLnBrk="0" hangingPunct="1">
+              <a:spcBef>
+                <a:spcPts val="1000"/>
+              </a:spcBef>
+              <a:spcAft>
+                <a:spcPts val="0"/>
+              </a:spcAft>
+              <a:buClr>
+                <a:schemeClr val="bg2">
+                  <a:lumMod val="40000"/>
+                  <a:lumOff val="60000"/>
+                </a:schemeClr>
+              </a:buClr>
+              <a:buSzPct val="80000"/>
+              <a:buFont typeface="Wingdings 3" charset="2"/>
+              <a:buChar char=""/>
+              <a:defRPr sz="1400" b="0" i="0" kern="1200">
+                <a:solidFill>
+                  <a:schemeClr val="tx1"/>
+                </a:solidFill>
+                <a:latin typeface="+mj-lt"/>
+                <a:ea typeface="+mj-ea"/>
+                <a:cs typeface="+mj-cs"/>
+              </a:defRPr>
+            </a:lvl7pPr>
+            <a:lvl8pPr marL="3429000" indent="-228600" algn="l" defTabSz="457200" rtl="0" eaLnBrk="1" latinLnBrk="0" hangingPunct="1">
+              <a:spcBef>
+                <a:spcPts val="1000"/>
+              </a:spcBef>
+              <a:spcAft>
+                <a:spcPts val="0"/>
+              </a:spcAft>
+              <a:buClr>
+                <a:schemeClr val="bg2">
+                  <a:lumMod val="40000"/>
+                  <a:lumOff val="60000"/>
+                </a:schemeClr>
+              </a:buClr>
+              <a:buSzPct val="80000"/>
+              <a:buFont typeface="Wingdings 3" charset="2"/>
+              <a:buChar char=""/>
+              <a:defRPr sz="1400" b="0" i="0" kern="1200">
+                <a:solidFill>
+                  <a:schemeClr val="tx1"/>
+                </a:solidFill>
+                <a:latin typeface="+mj-lt"/>
+                <a:ea typeface="+mj-ea"/>
+                <a:cs typeface="+mj-cs"/>
+              </a:defRPr>
+            </a:lvl8pPr>
+            <a:lvl9pPr marL="3886200" indent="-228600" algn="l" defTabSz="457200" rtl="0" eaLnBrk="1" latinLnBrk="0" hangingPunct="1">
+              <a:spcBef>
+                <a:spcPts val="1000"/>
+              </a:spcBef>
+              <a:spcAft>
+                <a:spcPts val="0"/>
+              </a:spcAft>
+              <a:buClr>
+                <a:schemeClr val="bg2">
+                  <a:lumMod val="40000"/>
+                  <a:lumOff val="60000"/>
+                </a:schemeClr>
+              </a:buClr>
+              <a:buSzPct val="80000"/>
+              <a:buFont typeface="Wingdings 3" charset="2"/>
+              <a:buChar char=""/>
+              <a:defRPr sz="1400" b="0" i="0" kern="1200">
+                <a:solidFill>
+                  <a:schemeClr val="tx1"/>
+                </a:solidFill>
+                <a:latin typeface="+mj-lt"/>
+                <a:ea typeface="+mj-ea"/>
+                <a:cs typeface="+mj-cs"/>
+              </a:defRPr>
+            </a:lvl9pPr>
+          </a:lstStyle>
+          <a:p>
+            <a:pPr marL="0" indent="0">
+              <a:buFont typeface="Wingdings 3" charset="2"/>
+              <a:buNone/>
+            </a:pPr>
+            <a:r>
+              <a:rPr lang="fr-CH" sz="2800" dirty="0"/>
+              <a:t>Protection contre les interférence externes (champs électromagnétique, radiation, etc.).</a:t>
+            </a:r>
+            <a:endParaRPr lang="fr-CH" sz="2400" dirty="0"/>
+          </a:p>
+          <a:p>
+            <a:pPr marL="0" indent="0">
+              <a:buFont typeface="Wingdings 3" charset="2"/>
+              <a:buNone/>
+            </a:pPr>
+            <a:endParaRPr lang="fr-CH" sz="2400" dirty="0"/>
+          </a:p>
+          <a:p>
+            <a:pPr marL="0" indent="0">
+              <a:buNone/>
+            </a:pPr>
+            <a:r>
+              <a:rPr lang="fr-CH" sz="2400" dirty="0"/>
+              <a:t>Moins d’interférences = plus de performance.</a:t>
+            </a:r>
+          </a:p>
+          <a:p>
+            <a:pPr marL="0" indent="0">
+              <a:buNone/>
+            </a:pPr>
+            <a:endParaRPr lang="fr-CH" sz="2400" dirty="0"/>
+          </a:p>
+          <a:p>
+            <a:pPr marL="0" indent="0">
+              <a:buNone/>
+            </a:pPr>
+            <a:r>
+              <a:rPr lang="fr-CH" sz="2400" dirty="0"/>
+              <a:t>Réduction des coûts d’installation:</a:t>
+            </a:r>
+          </a:p>
+          <a:p>
+            <a:r>
+              <a:rPr lang="fr-CH" sz="2400" dirty="0"/>
+              <a:t>	Sans blindage environ 225mm de distance des courants forts</a:t>
+            </a:r>
+          </a:p>
+          <a:p>
+            <a:r>
+              <a:rPr lang="fr-CH" dirty="0"/>
+              <a:t>	Avec un bon blindage 24mm.</a:t>
+            </a:r>
           </a:p>
         </p:txBody>
       </p:sp>
@@ -11741,9 +12130,142 @@
   <p:timing>
     <p:tnLst>
       <p:par>
-        <p:cTn id="1" dur="indefinite" restart="never" nodeType="tmRoot"/>
+        <p:cTn id="1" dur="indefinite" restart="never" nodeType="tmRoot">
+          <p:childTnLst>
+            <p:seq concurrent="1" nextAc="seek">
+              <p:cTn id="2" dur="indefinite" nodeType="mainSeq">
+                <p:childTnLst>
+                  <p:par>
+                    <p:cTn id="3" fill="hold">
+                      <p:stCondLst>
+                        <p:cond delay="indefinite"/>
+                      </p:stCondLst>
+                      <p:childTnLst>
+                        <p:par>
+                          <p:cTn id="4" fill="hold">
+                            <p:stCondLst>
+                              <p:cond delay="0"/>
+                            </p:stCondLst>
+                            <p:childTnLst>
+                              <p:par>
+                                <p:cTn id="5" presetID="10" presetClass="entr" presetSubtype="0" fill="hold" grpId="0" nodeType="clickEffect">
+                                  <p:stCondLst>
+                                    <p:cond delay="0"/>
+                                  </p:stCondLst>
+                                  <p:childTnLst>
+                                    <p:set>
+                                      <p:cBhvr>
+                                        <p:cTn id="6" dur="1" fill="hold">
+                                          <p:stCondLst>
+                                            <p:cond delay="0"/>
+                                          </p:stCondLst>
+                                        </p:cTn>
+                                        <p:tgtEl>
+                                          <p:spTgt spid="5"/>
+                                        </p:tgtEl>
+                                        <p:attrNameLst>
+                                          <p:attrName>style.visibility</p:attrName>
+                                        </p:attrNameLst>
+                                      </p:cBhvr>
+                                      <p:to>
+                                        <p:strVal val="visible"/>
+                                      </p:to>
+                                    </p:set>
+                                    <p:animEffect transition="in" filter="fade">
+                                      <p:cBhvr>
+                                        <p:cTn id="7" dur="500"/>
+                                        <p:tgtEl>
+                                          <p:spTgt spid="5"/>
+                                        </p:tgtEl>
+                                      </p:cBhvr>
+                                    </p:animEffect>
+                                  </p:childTnLst>
+                                </p:cTn>
+                              </p:par>
+                            </p:childTnLst>
+                          </p:cTn>
+                        </p:par>
+                      </p:childTnLst>
+                    </p:cTn>
+                  </p:par>
+                  <p:par>
+                    <p:cTn id="8" fill="hold">
+                      <p:stCondLst>
+                        <p:cond delay="indefinite"/>
+                      </p:stCondLst>
+                      <p:childTnLst>
+                        <p:par>
+                          <p:cTn id="9" fill="hold">
+                            <p:stCondLst>
+                              <p:cond delay="0"/>
+                            </p:stCondLst>
+                            <p:childTnLst>
+                              <p:par>
+                                <p:cTn id="10" presetID="10" presetClass="entr" presetSubtype="0" fill="hold" grpId="0" nodeType="clickEffect">
+                                  <p:stCondLst>
+                                    <p:cond delay="0"/>
+                                  </p:stCondLst>
+                                  <p:childTnLst>
+                                    <p:set>
+                                      <p:cBhvr>
+                                        <p:cTn id="11" dur="1" fill="hold">
+                                          <p:stCondLst>
+                                            <p:cond delay="0"/>
+                                          </p:stCondLst>
+                                        </p:cTn>
+                                        <p:tgtEl>
+                                          <p:spTgt spid="6"/>
+                                        </p:tgtEl>
+                                        <p:attrNameLst>
+                                          <p:attrName>style.visibility</p:attrName>
+                                        </p:attrNameLst>
+                                      </p:cBhvr>
+                                      <p:to>
+                                        <p:strVal val="visible"/>
+                                      </p:to>
+                                    </p:set>
+                                    <p:animEffect transition="in" filter="fade">
+                                      <p:cBhvr>
+                                        <p:cTn id="12" dur="500"/>
+                                        <p:tgtEl>
+                                          <p:spTgt spid="6"/>
+                                        </p:tgtEl>
+                                      </p:cBhvr>
+                                    </p:animEffect>
+                                  </p:childTnLst>
+                                </p:cTn>
+                              </p:par>
+                            </p:childTnLst>
+                          </p:cTn>
+                        </p:par>
+                      </p:childTnLst>
+                    </p:cTn>
+                  </p:par>
+                </p:childTnLst>
+              </p:cTn>
+              <p:prevCondLst>
+                <p:cond evt="onPrev" delay="0">
+                  <p:tgtEl>
+                    <p:sldTgt/>
+                  </p:tgtEl>
+                </p:cond>
+              </p:prevCondLst>
+              <p:nextCondLst>
+                <p:cond evt="onNext" delay="0">
+                  <p:tgtEl>
+                    <p:sldTgt/>
+                  </p:tgtEl>
+                </p:cond>
+              </p:nextCondLst>
+            </p:seq>
+          </p:childTnLst>
+        </p:cTn>
       </p:par>
     </p:tnLst>
+    <p:bldLst>
+      <p:bldP spid="5" grpId="0"/>
+      <p:bldP spid="6" grpId="0"/>
+    </p:bldLst>
   </p:timing>
 </p:sld>
 </file>
@@ -11767,76 +12289,157 @@
       </p:grpSpPr>
       <p:sp>
         <p:nvSpPr>
-          <p:cNvPr id="5" name="Content Placeholder 2"/>
-          <p:cNvSpPr>
-            <a:spLocks noGrp="1"/>
+          <p:cNvPr id="4" name="Title 1">
+            <a:extLst>
+              <a:ext uri="{FF2B5EF4-FFF2-40B4-BE49-F238E27FC236}">
+                <a16:creationId xmlns:a16="http://schemas.microsoft.com/office/drawing/2014/main" id="{02619F9C-EB8C-47C2-8D51-281BE6C9E803}"/>
+              </a:ext>
+            </a:extLst>
+          </p:cNvPr>
+          <p:cNvSpPr txBox="1">
+            <a:spLocks/>
           </p:cNvSpPr>
-          <p:nvPr>
-            <p:ph idx="1"/>
-          </p:nvPr>
+          <p:nvPr/>
         </p:nvSpPr>
         <p:spPr>
           <a:xfrm>
-            <a:off x="277793" y="902826"/>
-            <a:ext cx="11539959" cy="5660020"/>
+            <a:off x="1" y="0"/>
+            <a:ext cx="2002420" cy="510199"/>
           </a:xfrm>
-        </p:spPr>
-        <p:txBody>
-          <a:bodyPr/>
-          <a:lstStyle/>
-          <a:p>
-            <a:endParaRPr lang="fr-CH" dirty="0"/>
-          </a:p>
-        </p:txBody>
-      </p:sp>
-      <p:sp>
-        <p:nvSpPr>
-          <p:cNvPr id="6" name="Title 1"/>
-          <p:cNvSpPr>
-            <a:spLocks noGrp="1"/>
-          </p:cNvSpPr>
-          <p:nvPr>
-            <p:ph type="title"/>
-          </p:nvPr>
-        </p:nvSpPr>
-        <p:spPr>
-          <a:xfrm>
-            <a:off x="0" y="0"/>
-            <a:ext cx="3032567" cy="510199"/>
-          </a:xfrm>
+          <a:prstGeom prst="rect">
+            <a:avLst/>
+          </a:prstGeom>
         </p:spPr>
         <p:txBody>
           <a:bodyPr numCol="1">
             <a:noAutofit/>
           </a:bodyPr>
-          <a:lstStyle/>
+          <a:lstStyle>
+            <a:lvl1pPr algn="l" defTabSz="457200" rtl="0" eaLnBrk="1" latinLnBrk="0" hangingPunct="1">
+              <a:spcBef>
+                <a:spcPct val="0"/>
+              </a:spcBef>
+              <a:buNone/>
+              <a:defRPr sz="3600" kern="1200" cap="all">
+                <a:ln w="3175" cmpd="sng">
+                  <a:noFill/>
+                </a:ln>
+                <a:solidFill>
+                  <a:schemeClr val="tx1"/>
+                </a:solidFill>
+                <a:effectLst/>
+                <a:latin typeface="+mj-lt"/>
+                <a:ea typeface="+mj-ea"/>
+                <a:cs typeface="+mj-cs"/>
+              </a:defRPr>
+            </a:lvl1pPr>
+            <a:lvl2pPr eaLnBrk="1" hangingPunct="1">
+              <a:defRPr>
+                <a:solidFill>
+                  <a:schemeClr val="tx2"/>
+                </a:solidFill>
+              </a:defRPr>
+            </a:lvl2pPr>
+            <a:lvl3pPr eaLnBrk="1" hangingPunct="1">
+              <a:defRPr>
+                <a:solidFill>
+                  <a:schemeClr val="tx2"/>
+                </a:solidFill>
+              </a:defRPr>
+            </a:lvl3pPr>
+            <a:lvl4pPr eaLnBrk="1" hangingPunct="1">
+              <a:defRPr>
+                <a:solidFill>
+                  <a:schemeClr val="tx2"/>
+                </a:solidFill>
+              </a:defRPr>
+            </a:lvl4pPr>
+            <a:lvl5pPr eaLnBrk="1" hangingPunct="1">
+              <a:defRPr>
+                <a:solidFill>
+                  <a:schemeClr val="tx2"/>
+                </a:solidFill>
+              </a:defRPr>
+            </a:lvl5pPr>
+            <a:lvl6pPr eaLnBrk="1" hangingPunct="1">
+              <a:defRPr>
+                <a:solidFill>
+                  <a:schemeClr val="tx2"/>
+                </a:solidFill>
+              </a:defRPr>
+            </a:lvl6pPr>
+            <a:lvl7pPr eaLnBrk="1" hangingPunct="1">
+              <a:defRPr>
+                <a:solidFill>
+                  <a:schemeClr val="tx2"/>
+                </a:solidFill>
+              </a:defRPr>
+            </a:lvl7pPr>
+            <a:lvl8pPr eaLnBrk="1" hangingPunct="1">
+              <a:defRPr>
+                <a:solidFill>
+                  <a:schemeClr val="tx2"/>
+                </a:solidFill>
+              </a:defRPr>
+            </a:lvl8pPr>
+            <a:lvl9pPr eaLnBrk="1" hangingPunct="1">
+              <a:defRPr>
+                <a:solidFill>
+                  <a:schemeClr val="tx2"/>
+                </a:solidFill>
+              </a:defRPr>
+            </a:lvl9pPr>
+          </a:lstStyle>
           <a:p>
             <a:pPr algn="ctr"/>
             <a:r>
-              <a:rPr lang="fr-CH" sz="2800" dirty="0" smtClean="0"/>
-              <a:t>CONNECTIQUES</a:t>
+              <a:rPr lang="fr-CH" sz="2800"/>
+              <a:t>BLINDAGE</a:t>
             </a:r>
             <a:endParaRPr lang="fr-CH" sz="2800" dirty="0"/>
           </a:p>
         </p:txBody>
       </p:sp>
+      <p:pic>
+        <p:nvPicPr>
+          <p:cNvPr id="9" name="Image 8">
+            <a:extLst>
+              <a:ext uri="{FF2B5EF4-FFF2-40B4-BE49-F238E27FC236}">
+                <a16:creationId xmlns:a16="http://schemas.microsoft.com/office/drawing/2014/main" id="{581026FC-1090-4023-909F-15FCFF27EEA7}"/>
+              </a:ext>
+            </a:extLst>
+          </p:cNvPr>
+          <p:cNvPicPr>
+            <a:picLocks noChangeAspect="1"/>
+          </p:cNvPicPr>
+          <p:nvPr/>
+        </p:nvPicPr>
+        <p:blipFill>
+          <a:blip r:embed="rId2"/>
+          <a:stretch>
+            <a:fillRect/>
+          </a:stretch>
+        </p:blipFill>
+        <p:spPr>
+          <a:xfrm>
+            <a:off x="1446129" y="741984"/>
+            <a:ext cx="9011526" cy="4134816"/>
+          </a:xfrm>
+          <a:prstGeom prst="rect">
+            <a:avLst/>
+          </a:prstGeom>
+        </p:spPr>
+      </p:pic>
     </p:spTree>
     <p:extLst>
       <p:ext uri="{BB962C8B-B14F-4D97-AF65-F5344CB8AC3E}">
-        <p14:creationId xmlns:p14="http://schemas.microsoft.com/office/powerpoint/2010/main" val="4028687980"/>
+        <p14:creationId xmlns:p14="http://schemas.microsoft.com/office/powerpoint/2010/main" val="1837768049"/>
       </p:ext>
     </p:extLst>
   </p:cSld>
   <p:clrMapOvr>
     <a:masterClrMapping/>
   </p:clrMapOvr>
-  <p:timing>
-    <p:tnLst>
-      <p:par>
-        <p:cTn id="1" dur="indefinite" restart="never" nodeType="tmRoot"/>
-      </p:par>
-    </p:tnLst>
-  </p:timing>
 </p:sld>
 </file>
 
@@ -11859,76 +12462,206 @@
       </p:grpSpPr>
       <p:sp>
         <p:nvSpPr>
-          <p:cNvPr id="5" name="Content Placeholder 2"/>
-          <p:cNvSpPr>
-            <a:spLocks noGrp="1"/>
+          <p:cNvPr id="4" name="Title 1">
+            <a:extLst>
+              <a:ext uri="{FF2B5EF4-FFF2-40B4-BE49-F238E27FC236}">
+                <a16:creationId xmlns:a16="http://schemas.microsoft.com/office/drawing/2014/main" id="{02619F9C-EB8C-47C2-8D51-281BE6C9E803}"/>
+              </a:ext>
+            </a:extLst>
+          </p:cNvPr>
+          <p:cNvSpPr txBox="1">
+            <a:spLocks/>
           </p:cNvSpPr>
-          <p:nvPr>
-            <p:ph idx="1"/>
-          </p:nvPr>
-        </p:nvSpPr>
-        <p:spPr>
-          <a:xfrm>
-            <a:off x="277793" y="902826"/>
-            <a:ext cx="11539959" cy="5660020"/>
-          </a:xfrm>
-        </p:spPr>
-        <p:txBody>
-          <a:bodyPr/>
-          <a:lstStyle/>
-          <a:p>
-            <a:endParaRPr lang="fr-CH" dirty="0"/>
-          </a:p>
-        </p:txBody>
-      </p:sp>
-      <p:sp>
-        <p:nvSpPr>
-          <p:cNvPr id="6" name="Title 1"/>
-          <p:cNvSpPr>
-            <a:spLocks noGrp="1"/>
-          </p:cNvSpPr>
-          <p:nvPr>
-            <p:ph type="title"/>
-          </p:nvPr>
+          <p:nvPr/>
         </p:nvSpPr>
         <p:spPr>
           <a:xfrm>
             <a:off x="1" y="0"/>
-            <a:ext cx="1689904" cy="510199"/>
+            <a:ext cx="2002420" cy="510199"/>
           </a:xfrm>
+          <a:prstGeom prst="rect">
+            <a:avLst/>
+          </a:prstGeom>
         </p:spPr>
         <p:txBody>
           <a:bodyPr numCol="1">
             <a:noAutofit/>
           </a:bodyPr>
+          <a:lstStyle>
+            <a:lvl1pPr algn="l" defTabSz="457200" rtl="0" eaLnBrk="1" latinLnBrk="0" hangingPunct="1">
+              <a:spcBef>
+                <a:spcPct val="0"/>
+              </a:spcBef>
+              <a:buNone/>
+              <a:defRPr sz="3600" kern="1200" cap="all">
+                <a:ln w="3175" cmpd="sng">
+                  <a:noFill/>
+                </a:ln>
+                <a:solidFill>
+                  <a:schemeClr val="tx1"/>
+                </a:solidFill>
+                <a:effectLst/>
+                <a:latin typeface="+mj-lt"/>
+                <a:ea typeface="+mj-ea"/>
+                <a:cs typeface="+mj-cs"/>
+              </a:defRPr>
+            </a:lvl1pPr>
+            <a:lvl2pPr eaLnBrk="1" hangingPunct="1">
+              <a:defRPr>
+                <a:solidFill>
+                  <a:schemeClr val="tx2"/>
+                </a:solidFill>
+              </a:defRPr>
+            </a:lvl2pPr>
+            <a:lvl3pPr eaLnBrk="1" hangingPunct="1">
+              <a:defRPr>
+                <a:solidFill>
+                  <a:schemeClr val="tx2"/>
+                </a:solidFill>
+              </a:defRPr>
+            </a:lvl3pPr>
+            <a:lvl4pPr eaLnBrk="1" hangingPunct="1">
+              <a:defRPr>
+                <a:solidFill>
+                  <a:schemeClr val="tx2"/>
+                </a:solidFill>
+              </a:defRPr>
+            </a:lvl4pPr>
+            <a:lvl5pPr eaLnBrk="1" hangingPunct="1">
+              <a:defRPr>
+                <a:solidFill>
+                  <a:schemeClr val="tx2"/>
+                </a:solidFill>
+              </a:defRPr>
+            </a:lvl5pPr>
+            <a:lvl6pPr eaLnBrk="1" hangingPunct="1">
+              <a:defRPr>
+                <a:solidFill>
+                  <a:schemeClr val="tx2"/>
+                </a:solidFill>
+              </a:defRPr>
+            </a:lvl6pPr>
+            <a:lvl7pPr eaLnBrk="1" hangingPunct="1">
+              <a:defRPr>
+                <a:solidFill>
+                  <a:schemeClr val="tx2"/>
+                </a:solidFill>
+              </a:defRPr>
+            </a:lvl7pPr>
+            <a:lvl8pPr eaLnBrk="1" hangingPunct="1">
+              <a:defRPr>
+                <a:solidFill>
+                  <a:schemeClr val="tx2"/>
+                </a:solidFill>
+              </a:defRPr>
+            </a:lvl8pPr>
+            <a:lvl9pPr eaLnBrk="1" hangingPunct="1">
+              <a:defRPr>
+                <a:solidFill>
+                  <a:schemeClr val="tx2"/>
+                </a:solidFill>
+              </a:defRPr>
+            </a:lvl9pPr>
+          </a:lstStyle>
+          <a:p>
+            <a:pPr algn="ctr"/>
+            <a:r>
+              <a:rPr lang="fr-CH" sz="2800"/>
+              <a:t>BLINDAGE</a:t>
+            </a:r>
+            <a:endParaRPr lang="fr-CH" sz="2800" dirty="0"/>
+          </a:p>
+        </p:txBody>
+      </p:sp>
+      <p:sp>
+        <p:nvSpPr>
+          <p:cNvPr id="2" name="ZoneTexte 1">
+            <a:extLst>
+              <a:ext uri="{FF2B5EF4-FFF2-40B4-BE49-F238E27FC236}">
+                <a16:creationId xmlns:a16="http://schemas.microsoft.com/office/drawing/2014/main" id="{08E408DC-C551-47B5-8C33-FA0FF463FB0C}"/>
+              </a:ext>
+            </a:extLst>
+          </p:cNvPr>
+          <p:cNvSpPr txBox="1"/>
+          <p:nvPr/>
+        </p:nvSpPr>
+        <p:spPr>
+          <a:xfrm>
+            <a:off x="2506716" y="782320"/>
+            <a:ext cx="8252580" cy="646331"/>
+          </a:xfrm>
+          <a:prstGeom prst="rect">
+            <a:avLst/>
+          </a:prstGeom>
+          <a:noFill/>
+        </p:spPr>
+        <p:txBody>
+          <a:bodyPr wrap="none" rtlCol="0">
+            <a:spAutoFit/>
+          </a:bodyPr>
           <a:lstStyle/>
           <a:p>
             <a:pPr algn="ctr"/>
             <a:r>
-              <a:rPr lang="fr-CH" sz="2800" dirty="0" smtClean="0"/>
-              <a:t>NORMES</a:t>
-            </a:r>
-            <a:endParaRPr lang="fr-CH" sz="2800" dirty="0"/>
-          </a:p>
-        </p:txBody>
-      </p:sp>
+              <a:rPr lang="fr-CH" sz="3600" b="1" dirty="0"/>
+              <a:t>U/UTP (UTP) :</a:t>
+            </a:r>
+            <a:r>
+              <a:rPr lang="fr-CH" sz="3600" dirty="0"/>
+              <a:t>Unshielded twisted Pairs</a:t>
+            </a:r>
+          </a:p>
+        </p:txBody>
+      </p:sp>
+      <p:pic>
+        <p:nvPicPr>
+          <p:cNvPr id="5" name="Picture 14" descr="C:\Users\wmeisen\AppData\Local\Microsoft\Windows\INetCache\Content.MSO\A42E0746.tmp">
+            <a:extLst>
+              <a:ext uri="{FF2B5EF4-FFF2-40B4-BE49-F238E27FC236}">
+                <a16:creationId xmlns:a16="http://schemas.microsoft.com/office/drawing/2014/main" id="{DB87F8D8-06EF-4D76-BC3D-CB6B00B6B72E}"/>
+              </a:ext>
+            </a:extLst>
+          </p:cNvPr>
+          <p:cNvPicPr/>
+          <p:nvPr/>
+        </p:nvPicPr>
+        <p:blipFill>
+          <a:blip r:embed="rId2">
+            <a:extLst>
+              <a:ext uri="{28A0092B-C50C-407E-A947-70E740481C1C}">
+                <a14:useLocalDpi xmlns:a14="http://schemas.microsoft.com/office/drawing/2010/main" val="0"/>
+              </a:ext>
+            </a:extLst>
+          </a:blip>
+          <a:srcRect/>
+          <a:stretch>
+            <a:fillRect/>
+          </a:stretch>
+        </p:blipFill>
+        <p:spPr bwMode="auto">
+          <a:xfrm>
+            <a:off x="3138739" y="1971041"/>
+            <a:ext cx="5914522" cy="3576320"/>
+          </a:xfrm>
+          <a:prstGeom prst="rect">
+            <a:avLst/>
+          </a:prstGeom>
+          <a:noFill/>
+          <a:ln>
+            <a:noFill/>
+          </a:ln>
+        </p:spPr>
+      </p:pic>
     </p:spTree>
     <p:extLst>
       <p:ext uri="{BB962C8B-B14F-4D97-AF65-F5344CB8AC3E}">
-        <p14:creationId xmlns:p14="http://schemas.microsoft.com/office/powerpoint/2010/main" val="237110104"/>
+        <p14:creationId xmlns:p14="http://schemas.microsoft.com/office/powerpoint/2010/main" val="2353321244"/>
       </p:ext>
     </p:extLst>
   </p:cSld>
   <p:clrMapOvr>
     <a:masterClrMapping/>
   </p:clrMapOvr>
-  <p:timing>
-    <p:tnLst>
-      <p:par>
-        <p:cTn id="1" dur="indefinite" restart="never" nodeType="tmRoot"/>
-      </p:par>
-    </p:tnLst>
-  </p:timing>
 </p:sld>
 </file>
 
@@ -11951,6 +12684,1156 @@
       </p:grpSpPr>
       <p:sp>
         <p:nvSpPr>
+          <p:cNvPr id="4" name="Title 1">
+            <a:extLst>
+              <a:ext uri="{FF2B5EF4-FFF2-40B4-BE49-F238E27FC236}">
+                <a16:creationId xmlns:a16="http://schemas.microsoft.com/office/drawing/2014/main" id="{02619F9C-EB8C-47C2-8D51-281BE6C9E803}"/>
+              </a:ext>
+            </a:extLst>
+          </p:cNvPr>
+          <p:cNvSpPr txBox="1">
+            <a:spLocks/>
+          </p:cNvSpPr>
+          <p:nvPr/>
+        </p:nvSpPr>
+        <p:spPr>
+          <a:xfrm>
+            <a:off x="1" y="0"/>
+            <a:ext cx="2002420" cy="510199"/>
+          </a:xfrm>
+          <a:prstGeom prst="rect">
+            <a:avLst/>
+          </a:prstGeom>
+        </p:spPr>
+        <p:txBody>
+          <a:bodyPr numCol="1">
+            <a:noAutofit/>
+          </a:bodyPr>
+          <a:lstStyle>
+            <a:lvl1pPr algn="l" defTabSz="457200" rtl="0" eaLnBrk="1" latinLnBrk="0" hangingPunct="1">
+              <a:spcBef>
+                <a:spcPct val="0"/>
+              </a:spcBef>
+              <a:buNone/>
+              <a:defRPr sz="3600" kern="1200" cap="all">
+                <a:ln w="3175" cmpd="sng">
+                  <a:noFill/>
+                </a:ln>
+                <a:solidFill>
+                  <a:schemeClr val="tx1"/>
+                </a:solidFill>
+                <a:effectLst/>
+                <a:latin typeface="+mj-lt"/>
+                <a:ea typeface="+mj-ea"/>
+                <a:cs typeface="+mj-cs"/>
+              </a:defRPr>
+            </a:lvl1pPr>
+            <a:lvl2pPr eaLnBrk="1" hangingPunct="1">
+              <a:defRPr>
+                <a:solidFill>
+                  <a:schemeClr val="tx2"/>
+                </a:solidFill>
+              </a:defRPr>
+            </a:lvl2pPr>
+            <a:lvl3pPr eaLnBrk="1" hangingPunct="1">
+              <a:defRPr>
+                <a:solidFill>
+                  <a:schemeClr val="tx2"/>
+                </a:solidFill>
+              </a:defRPr>
+            </a:lvl3pPr>
+            <a:lvl4pPr eaLnBrk="1" hangingPunct="1">
+              <a:defRPr>
+                <a:solidFill>
+                  <a:schemeClr val="tx2"/>
+                </a:solidFill>
+              </a:defRPr>
+            </a:lvl4pPr>
+            <a:lvl5pPr eaLnBrk="1" hangingPunct="1">
+              <a:defRPr>
+                <a:solidFill>
+                  <a:schemeClr val="tx2"/>
+                </a:solidFill>
+              </a:defRPr>
+            </a:lvl5pPr>
+            <a:lvl6pPr eaLnBrk="1" hangingPunct="1">
+              <a:defRPr>
+                <a:solidFill>
+                  <a:schemeClr val="tx2"/>
+                </a:solidFill>
+              </a:defRPr>
+            </a:lvl6pPr>
+            <a:lvl7pPr eaLnBrk="1" hangingPunct="1">
+              <a:defRPr>
+                <a:solidFill>
+                  <a:schemeClr val="tx2"/>
+                </a:solidFill>
+              </a:defRPr>
+            </a:lvl7pPr>
+            <a:lvl8pPr eaLnBrk="1" hangingPunct="1">
+              <a:defRPr>
+                <a:solidFill>
+                  <a:schemeClr val="tx2"/>
+                </a:solidFill>
+              </a:defRPr>
+            </a:lvl8pPr>
+            <a:lvl9pPr eaLnBrk="1" hangingPunct="1">
+              <a:defRPr>
+                <a:solidFill>
+                  <a:schemeClr val="tx2"/>
+                </a:solidFill>
+              </a:defRPr>
+            </a:lvl9pPr>
+          </a:lstStyle>
+          <a:p>
+            <a:pPr algn="ctr"/>
+            <a:r>
+              <a:rPr lang="fr-CH" sz="2800"/>
+              <a:t>BLINDAGE</a:t>
+            </a:r>
+            <a:endParaRPr lang="fr-CH" sz="2800" dirty="0"/>
+          </a:p>
+        </p:txBody>
+      </p:sp>
+      <p:sp>
+        <p:nvSpPr>
+          <p:cNvPr id="2" name="ZoneTexte 1">
+            <a:extLst>
+              <a:ext uri="{FF2B5EF4-FFF2-40B4-BE49-F238E27FC236}">
+                <a16:creationId xmlns:a16="http://schemas.microsoft.com/office/drawing/2014/main" id="{08E408DC-C551-47B5-8C33-FA0FF463FB0C}"/>
+              </a:ext>
+            </a:extLst>
+          </p:cNvPr>
+          <p:cNvSpPr txBox="1"/>
+          <p:nvPr/>
+        </p:nvSpPr>
+        <p:spPr>
+          <a:xfrm>
+            <a:off x="2506716" y="782320"/>
+            <a:ext cx="7244291" cy="646331"/>
+          </a:xfrm>
+          <a:prstGeom prst="rect">
+            <a:avLst/>
+          </a:prstGeom>
+          <a:noFill/>
+        </p:spPr>
+        <p:txBody>
+          <a:bodyPr wrap="none" rtlCol="0">
+            <a:spAutoFit/>
+          </a:bodyPr>
+          <a:lstStyle/>
+          <a:p>
+            <a:pPr algn="ctr"/>
+            <a:r>
+              <a:rPr lang="fr-CH" sz="3600" b="1" dirty="0"/>
+              <a:t>F/UTP (FTP) :</a:t>
+            </a:r>
+            <a:r>
+              <a:rPr lang="fr-CH" sz="3600" dirty="0"/>
+              <a:t>  Foiled Twisted Pairs</a:t>
+            </a:r>
+          </a:p>
+        </p:txBody>
+      </p:sp>
+      <p:pic>
+        <p:nvPicPr>
+          <p:cNvPr id="6" name="Picture 16" descr="RÃ©sultat de recherche d'images pour &quot;paire torsadÃ©e F/UTP&quot;">
+            <a:extLst>
+              <a:ext uri="{FF2B5EF4-FFF2-40B4-BE49-F238E27FC236}">
+                <a16:creationId xmlns:a16="http://schemas.microsoft.com/office/drawing/2014/main" id="{2BCB4FA7-7321-47D4-A2CA-C79743355770}"/>
+              </a:ext>
+            </a:extLst>
+          </p:cNvPr>
+          <p:cNvPicPr/>
+          <p:nvPr/>
+        </p:nvPicPr>
+        <p:blipFill>
+          <a:blip r:embed="rId2">
+            <a:extLst>
+              <a:ext uri="{28A0092B-C50C-407E-A947-70E740481C1C}">
+                <a14:useLocalDpi xmlns:a14="http://schemas.microsoft.com/office/drawing/2010/main" val="0"/>
+              </a:ext>
+            </a:extLst>
+          </a:blip>
+          <a:srcRect/>
+          <a:stretch>
+            <a:fillRect/>
+          </a:stretch>
+        </p:blipFill>
+        <p:spPr bwMode="auto">
+          <a:xfrm>
+            <a:off x="3164840" y="1767840"/>
+            <a:ext cx="5862320" cy="3921760"/>
+          </a:xfrm>
+          <a:prstGeom prst="rect">
+            <a:avLst/>
+          </a:prstGeom>
+          <a:noFill/>
+          <a:ln>
+            <a:noFill/>
+          </a:ln>
+        </p:spPr>
+      </p:pic>
+    </p:spTree>
+    <p:extLst>
+      <p:ext uri="{BB962C8B-B14F-4D97-AF65-F5344CB8AC3E}">
+        <p14:creationId xmlns:p14="http://schemas.microsoft.com/office/powerpoint/2010/main" val="3143791951"/>
+      </p:ext>
+    </p:extLst>
+  </p:cSld>
+  <p:clrMapOvr>
+    <a:masterClrMapping/>
+  </p:clrMapOvr>
+</p:sld>
+</file>
+
+<file path=ppt/slides/slide25.xml><?xml version="1.0" encoding="utf-8"?>
+<p:sld xmlns:a="http://schemas.openxmlformats.org/drawingml/2006/main" xmlns:r="http://schemas.openxmlformats.org/officeDocument/2006/relationships" xmlns:p="http://schemas.openxmlformats.org/presentationml/2006/main">
+  <p:cSld>
+    <p:spTree>
+      <p:nvGrpSpPr>
+        <p:cNvPr id="1" name=""/>
+        <p:cNvGrpSpPr/>
+        <p:nvPr/>
+      </p:nvGrpSpPr>
+      <p:grpSpPr>
+        <a:xfrm>
+          <a:off x="0" y="0"/>
+          <a:ext cx="0" cy="0"/>
+          <a:chOff x="0" y="0"/>
+          <a:chExt cx="0" cy="0"/>
+        </a:xfrm>
+      </p:grpSpPr>
+      <p:sp>
+        <p:nvSpPr>
+          <p:cNvPr id="4" name="Title 1">
+            <a:extLst>
+              <a:ext uri="{FF2B5EF4-FFF2-40B4-BE49-F238E27FC236}">
+                <a16:creationId xmlns:a16="http://schemas.microsoft.com/office/drawing/2014/main" id="{02619F9C-EB8C-47C2-8D51-281BE6C9E803}"/>
+              </a:ext>
+            </a:extLst>
+          </p:cNvPr>
+          <p:cNvSpPr txBox="1">
+            <a:spLocks/>
+          </p:cNvSpPr>
+          <p:nvPr/>
+        </p:nvSpPr>
+        <p:spPr>
+          <a:xfrm>
+            <a:off x="1" y="0"/>
+            <a:ext cx="2002420" cy="510199"/>
+          </a:xfrm>
+          <a:prstGeom prst="rect">
+            <a:avLst/>
+          </a:prstGeom>
+        </p:spPr>
+        <p:txBody>
+          <a:bodyPr numCol="1">
+            <a:noAutofit/>
+          </a:bodyPr>
+          <a:lstStyle>
+            <a:lvl1pPr algn="l" defTabSz="457200" rtl="0" eaLnBrk="1" latinLnBrk="0" hangingPunct="1">
+              <a:spcBef>
+                <a:spcPct val="0"/>
+              </a:spcBef>
+              <a:buNone/>
+              <a:defRPr sz="3600" kern="1200" cap="all">
+                <a:ln w="3175" cmpd="sng">
+                  <a:noFill/>
+                </a:ln>
+                <a:solidFill>
+                  <a:schemeClr val="tx1"/>
+                </a:solidFill>
+                <a:effectLst/>
+                <a:latin typeface="+mj-lt"/>
+                <a:ea typeface="+mj-ea"/>
+                <a:cs typeface="+mj-cs"/>
+              </a:defRPr>
+            </a:lvl1pPr>
+            <a:lvl2pPr eaLnBrk="1" hangingPunct="1">
+              <a:defRPr>
+                <a:solidFill>
+                  <a:schemeClr val="tx2"/>
+                </a:solidFill>
+              </a:defRPr>
+            </a:lvl2pPr>
+            <a:lvl3pPr eaLnBrk="1" hangingPunct="1">
+              <a:defRPr>
+                <a:solidFill>
+                  <a:schemeClr val="tx2"/>
+                </a:solidFill>
+              </a:defRPr>
+            </a:lvl3pPr>
+            <a:lvl4pPr eaLnBrk="1" hangingPunct="1">
+              <a:defRPr>
+                <a:solidFill>
+                  <a:schemeClr val="tx2"/>
+                </a:solidFill>
+              </a:defRPr>
+            </a:lvl4pPr>
+            <a:lvl5pPr eaLnBrk="1" hangingPunct="1">
+              <a:defRPr>
+                <a:solidFill>
+                  <a:schemeClr val="tx2"/>
+                </a:solidFill>
+              </a:defRPr>
+            </a:lvl5pPr>
+            <a:lvl6pPr eaLnBrk="1" hangingPunct="1">
+              <a:defRPr>
+                <a:solidFill>
+                  <a:schemeClr val="tx2"/>
+                </a:solidFill>
+              </a:defRPr>
+            </a:lvl6pPr>
+            <a:lvl7pPr eaLnBrk="1" hangingPunct="1">
+              <a:defRPr>
+                <a:solidFill>
+                  <a:schemeClr val="tx2"/>
+                </a:solidFill>
+              </a:defRPr>
+            </a:lvl7pPr>
+            <a:lvl8pPr eaLnBrk="1" hangingPunct="1">
+              <a:defRPr>
+                <a:solidFill>
+                  <a:schemeClr val="tx2"/>
+                </a:solidFill>
+              </a:defRPr>
+            </a:lvl8pPr>
+            <a:lvl9pPr eaLnBrk="1" hangingPunct="1">
+              <a:defRPr>
+                <a:solidFill>
+                  <a:schemeClr val="tx2"/>
+                </a:solidFill>
+              </a:defRPr>
+            </a:lvl9pPr>
+          </a:lstStyle>
+          <a:p>
+            <a:pPr algn="ctr"/>
+            <a:r>
+              <a:rPr lang="fr-CH" sz="2800"/>
+              <a:t>BLINDAGE</a:t>
+            </a:r>
+            <a:endParaRPr lang="fr-CH" sz="2800" dirty="0"/>
+          </a:p>
+        </p:txBody>
+      </p:sp>
+      <p:sp>
+        <p:nvSpPr>
+          <p:cNvPr id="2" name="ZoneTexte 1">
+            <a:extLst>
+              <a:ext uri="{FF2B5EF4-FFF2-40B4-BE49-F238E27FC236}">
+                <a16:creationId xmlns:a16="http://schemas.microsoft.com/office/drawing/2014/main" id="{08E408DC-C551-47B5-8C33-FA0FF463FB0C}"/>
+              </a:ext>
+            </a:extLst>
+          </p:cNvPr>
+          <p:cNvSpPr txBox="1"/>
+          <p:nvPr/>
+        </p:nvSpPr>
+        <p:spPr>
+          <a:xfrm>
+            <a:off x="2697056" y="782320"/>
+            <a:ext cx="6863610" cy="646331"/>
+          </a:xfrm>
+          <a:prstGeom prst="rect">
+            <a:avLst/>
+          </a:prstGeom>
+          <a:noFill/>
+        </p:spPr>
+        <p:txBody>
+          <a:bodyPr wrap="none" rtlCol="0">
+            <a:spAutoFit/>
+          </a:bodyPr>
+          <a:lstStyle/>
+          <a:p>
+            <a:pPr algn="ctr"/>
+            <a:r>
+              <a:rPr lang="fr-CH" sz="3600" b="1" dirty="0">
+                <a:latin typeface="Calibri" panose="020F0502020204030204" pitchFamily="34" charset="0"/>
+                <a:ea typeface="Calibri" panose="020F0502020204030204" pitchFamily="34" charset="0"/>
+                <a:cs typeface="Arial" panose="020B0604020202020204" pitchFamily="34" charset="0"/>
+              </a:rPr>
+              <a:t>U/FTP (STP) : </a:t>
+            </a:r>
+            <a:r>
+              <a:rPr lang="fr-CH" sz="3600" dirty="0">
+                <a:latin typeface="Calibri" panose="020F0502020204030204" pitchFamily="34" charset="0"/>
+                <a:ea typeface="Calibri" panose="020F0502020204030204" pitchFamily="34" charset="0"/>
+                <a:cs typeface="Arial" panose="020B0604020202020204" pitchFamily="34" charset="0"/>
+              </a:rPr>
+              <a:t>Shielded Twisted Pairs</a:t>
+            </a:r>
+            <a:endParaRPr lang="fr-CH" sz="3600" dirty="0"/>
+          </a:p>
+        </p:txBody>
+      </p:sp>
+      <p:pic>
+        <p:nvPicPr>
+          <p:cNvPr id="5" name="Picture 17" descr="RÃ©sultat de recherche d'images pour &quot;paire torsadÃ©e U/FTP&quot;">
+            <a:extLst>
+              <a:ext uri="{FF2B5EF4-FFF2-40B4-BE49-F238E27FC236}">
+                <a16:creationId xmlns:a16="http://schemas.microsoft.com/office/drawing/2014/main" id="{C285CD3B-FCE6-4B9F-ADED-4D7689EB7309}"/>
+              </a:ext>
+            </a:extLst>
+          </p:cNvPr>
+          <p:cNvPicPr/>
+          <p:nvPr/>
+        </p:nvPicPr>
+        <p:blipFill>
+          <a:blip r:embed="rId2" cstate="print">
+            <a:extLst>
+              <a:ext uri="{28A0092B-C50C-407E-A947-70E740481C1C}">
+                <a14:useLocalDpi xmlns:a14="http://schemas.microsoft.com/office/drawing/2010/main" val="0"/>
+              </a:ext>
+            </a:extLst>
+          </a:blip>
+          <a:srcRect/>
+          <a:stretch>
+            <a:fillRect/>
+          </a:stretch>
+        </p:blipFill>
+        <p:spPr bwMode="auto">
+          <a:xfrm>
+            <a:off x="3110865" y="1676400"/>
+            <a:ext cx="5970270" cy="4122737"/>
+          </a:xfrm>
+          <a:prstGeom prst="rect">
+            <a:avLst/>
+          </a:prstGeom>
+          <a:noFill/>
+          <a:ln>
+            <a:noFill/>
+          </a:ln>
+        </p:spPr>
+      </p:pic>
+    </p:spTree>
+    <p:extLst>
+      <p:ext uri="{BB962C8B-B14F-4D97-AF65-F5344CB8AC3E}">
+        <p14:creationId xmlns:p14="http://schemas.microsoft.com/office/powerpoint/2010/main" val="4221719561"/>
+      </p:ext>
+    </p:extLst>
+  </p:cSld>
+  <p:clrMapOvr>
+    <a:masterClrMapping/>
+  </p:clrMapOvr>
+</p:sld>
+</file>
+
+<file path=ppt/slides/slide26.xml><?xml version="1.0" encoding="utf-8"?>
+<p:sld xmlns:a="http://schemas.openxmlformats.org/drawingml/2006/main" xmlns:r="http://schemas.openxmlformats.org/officeDocument/2006/relationships" xmlns:p="http://schemas.openxmlformats.org/presentationml/2006/main">
+  <p:cSld>
+    <p:spTree>
+      <p:nvGrpSpPr>
+        <p:cNvPr id="1" name=""/>
+        <p:cNvGrpSpPr/>
+        <p:nvPr/>
+      </p:nvGrpSpPr>
+      <p:grpSpPr>
+        <a:xfrm>
+          <a:off x="0" y="0"/>
+          <a:ext cx="0" cy="0"/>
+          <a:chOff x="0" y="0"/>
+          <a:chExt cx="0" cy="0"/>
+        </a:xfrm>
+      </p:grpSpPr>
+      <p:sp>
+        <p:nvSpPr>
+          <p:cNvPr id="4" name="Title 1">
+            <a:extLst>
+              <a:ext uri="{FF2B5EF4-FFF2-40B4-BE49-F238E27FC236}">
+                <a16:creationId xmlns:a16="http://schemas.microsoft.com/office/drawing/2014/main" id="{02619F9C-EB8C-47C2-8D51-281BE6C9E803}"/>
+              </a:ext>
+            </a:extLst>
+          </p:cNvPr>
+          <p:cNvSpPr txBox="1">
+            <a:spLocks/>
+          </p:cNvSpPr>
+          <p:nvPr/>
+        </p:nvSpPr>
+        <p:spPr>
+          <a:xfrm>
+            <a:off x="1" y="0"/>
+            <a:ext cx="2002420" cy="510199"/>
+          </a:xfrm>
+          <a:prstGeom prst="rect">
+            <a:avLst/>
+          </a:prstGeom>
+        </p:spPr>
+        <p:txBody>
+          <a:bodyPr numCol="1">
+            <a:noAutofit/>
+          </a:bodyPr>
+          <a:lstStyle>
+            <a:lvl1pPr algn="l" defTabSz="457200" rtl="0" eaLnBrk="1" latinLnBrk="0" hangingPunct="1">
+              <a:spcBef>
+                <a:spcPct val="0"/>
+              </a:spcBef>
+              <a:buNone/>
+              <a:defRPr sz="3600" kern="1200" cap="all">
+                <a:ln w="3175" cmpd="sng">
+                  <a:noFill/>
+                </a:ln>
+                <a:solidFill>
+                  <a:schemeClr val="tx1"/>
+                </a:solidFill>
+                <a:effectLst/>
+                <a:latin typeface="+mj-lt"/>
+                <a:ea typeface="+mj-ea"/>
+                <a:cs typeface="+mj-cs"/>
+              </a:defRPr>
+            </a:lvl1pPr>
+            <a:lvl2pPr eaLnBrk="1" hangingPunct="1">
+              <a:defRPr>
+                <a:solidFill>
+                  <a:schemeClr val="tx2"/>
+                </a:solidFill>
+              </a:defRPr>
+            </a:lvl2pPr>
+            <a:lvl3pPr eaLnBrk="1" hangingPunct="1">
+              <a:defRPr>
+                <a:solidFill>
+                  <a:schemeClr val="tx2"/>
+                </a:solidFill>
+              </a:defRPr>
+            </a:lvl3pPr>
+            <a:lvl4pPr eaLnBrk="1" hangingPunct="1">
+              <a:defRPr>
+                <a:solidFill>
+                  <a:schemeClr val="tx2"/>
+                </a:solidFill>
+              </a:defRPr>
+            </a:lvl4pPr>
+            <a:lvl5pPr eaLnBrk="1" hangingPunct="1">
+              <a:defRPr>
+                <a:solidFill>
+                  <a:schemeClr val="tx2"/>
+                </a:solidFill>
+              </a:defRPr>
+            </a:lvl5pPr>
+            <a:lvl6pPr eaLnBrk="1" hangingPunct="1">
+              <a:defRPr>
+                <a:solidFill>
+                  <a:schemeClr val="tx2"/>
+                </a:solidFill>
+              </a:defRPr>
+            </a:lvl6pPr>
+            <a:lvl7pPr eaLnBrk="1" hangingPunct="1">
+              <a:defRPr>
+                <a:solidFill>
+                  <a:schemeClr val="tx2"/>
+                </a:solidFill>
+              </a:defRPr>
+            </a:lvl7pPr>
+            <a:lvl8pPr eaLnBrk="1" hangingPunct="1">
+              <a:defRPr>
+                <a:solidFill>
+                  <a:schemeClr val="tx2"/>
+                </a:solidFill>
+              </a:defRPr>
+            </a:lvl8pPr>
+            <a:lvl9pPr eaLnBrk="1" hangingPunct="1">
+              <a:defRPr>
+                <a:solidFill>
+                  <a:schemeClr val="tx2"/>
+                </a:solidFill>
+              </a:defRPr>
+            </a:lvl9pPr>
+          </a:lstStyle>
+          <a:p>
+            <a:pPr algn="ctr"/>
+            <a:r>
+              <a:rPr lang="fr-CH" sz="2800"/>
+              <a:t>BLINDAGE</a:t>
+            </a:r>
+            <a:endParaRPr lang="fr-CH" sz="2800" dirty="0"/>
+          </a:p>
+        </p:txBody>
+      </p:sp>
+      <p:sp>
+        <p:nvSpPr>
+          <p:cNvPr id="2" name="ZoneTexte 1">
+            <a:extLst>
+              <a:ext uri="{FF2B5EF4-FFF2-40B4-BE49-F238E27FC236}">
+                <a16:creationId xmlns:a16="http://schemas.microsoft.com/office/drawing/2014/main" id="{08E408DC-C551-47B5-8C33-FA0FF463FB0C}"/>
+              </a:ext>
+            </a:extLst>
+          </p:cNvPr>
+          <p:cNvSpPr txBox="1"/>
+          <p:nvPr/>
+        </p:nvSpPr>
+        <p:spPr>
+          <a:xfrm>
+            <a:off x="1755259" y="782320"/>
+            <a:ext cx="8747203" cy="646331"/>
+          </a:xfrm>
+          <a:prstGeom prst="rect">
+            <a:avLst/>
+          </a:prstGeom>
+          <a:noFill/>
+        </p:spPr>
+        <p:txBody>
+          <a:bodyPr wrap="none" rtlCol="0">
+            <a:spAutoFit/>
+          </a:bodyPr>
+          <a:lstStyle/>
+          <a:p>
+            <a:pPr algn="ctr"/>
+            <a:r>
+              <a:rPr lang="fr-CH" sz="3600" b="1" dirty="0">
+                <a:latin typeface="Calibri" panose="020F0502020204030204" pitchFamily="34" charset="0"/>
+                <a:ea typeface="Calibri" panose="020F0502020204030204" pitchFamily="34" charset="0"/>
+                <a:cs typeface="Arial" panose="020B0604020202020204" pitchFamily="34" charset="0"/>
+              </a:rPr>
+              <a:t>F/FTP (FFTP) : </a:t>
+            </a:r>
+            <a:r>
+              <a:rPr lang="fr-CH" sz="3600" dirty="0">
+                <a:latin typeface="Calibri" panose="020F0502020204030204" pitchFamily="34" charset="0"/>
+                <a:ea typeface="Calibri" panose="020F0502020204030204" pitchFamily="34" charset="0"/>
+                <a:cs typeface="Arial" panose="020B0604020202020204" pitchFamily="34" charset="0"/>
+              </a:rPr>
+              <a:t>Foilded and foilded twisted pair</a:t>
+            </a:r>
+            <a:endParaRPr lang="fr-CH" sz="3600" dirty="0"/>
+          </a:p>
+        </p:txBody>
+      </p:sp>
+      <p:pic>
+        <p:nvPicPr>
+          <p:cNvPr id="6" name="Picture 18" descr="RÃ©sultat de recherche d'images pour &quot;paire torsadÃ©e U/FTP&quot;">
+            <a:extLst>
+              <a:ext uri="{FF2B5EF4-FFF2-40B4-BE49-F238E27FC236}">
+                <a16:creationId xmlns:a16="http://schemas.microsoft.com/office/drawing/2014/main" id="{9D8E18DB-E786-4429-9285-47D633DE094F}"/>
+              </a:ext>
+            </a:extLst>
+          </p:cNvPr>
+          <p:cNvPicPr/>
+          <p:nvPr/>
+        </p:nvPicPr>
+        <p:blipFill>
+          <a:blip r:embed="rId2">
+            <a:extLst>
+              <a:ext uri="{28A0092B-C50C-407E-A947-70E740481C1C}">
+                <a14:useLocalDpi xmlns:a14="http://schemas.microsoft.com/office/drawing/2010/main" val="0"/>
+              </a:ext>
+            </a:extLst>
+          </a:blip>
+          <a:srcRect/>
+          <a:stretch>
+            <a:fillRect/>
+          </a:stretch>
+        </p:blipFill>
+        <p:spPr bwMode="auto">
+          <a:xfrm>
+            <a:off x="3117373" y="1700772"/>
+            <a:ext cx="5957254" cy="4242828"/>
+          </a:xfrm>
+          <a:prstGeom prst="rect">
+            <a:avLst/>
+          </a:prstGeom>
+          <a:noFill/>
+          <a:ln>
+            <a:noFill/>
+          </a:ln>
+        </p:spPr>
+      </p:pic>
+    </p:spTree>
+    <p:extLst>
+      <p:ext uri="{BB962C8B-B14F-4D97-AF65-F5344CB8AC3E}">
+        <p14:creationId xmlns:p14="http://schemas.microsoft.com/office/powerpoint/2010/main" val="4232835828"/>
+      </p:ext>
+    </p:extLst>
+  </p:cSld>
+  <p:clrMapOvr>
+    <a:masterClrMapping/>
+  </p:clrMapOvr>
+</p:sld>
+</file>
+
+<file path=ppt/slides/slide27.xml><?xml version="1.0" encoding="utf-8"?>
+<p:sld xmlns:a="http://schemas.openxmlformats.org/drawingml/2006/main" xmlns:r="http://schemas.openxmlformats.org/officeDocument/2006/relationships" xmlns:p="http://schemas.openxmlformats.org/presentationml/2006/main">
+  <p:cSld>
+    <p:spTree>
+      <p:nvGrpSpPr>
+        <p:cNvPr id="1" name=""/>
+        <p:cNvGrpSpPr/>
+        <p:nvPr/>
+      </p:nvGrpSpPr>
+      <p:grpSpPr>
+        <a:xfrm>
+          <a:off x="0" y="0"/>
+          <a:ext cx="0" cy="0"/>
+          <a:chOff x="0" y="0"/>
+          <a:chExt cx="0" cy="0"/>
+        </a:xfrm>
+      </p:grpSpPr>
+      <p:sp>
+        <p:nvSpPr>
+          <p:cNvPr id="4" name="Title 1">
+            <a:extLst>
+              <a:ext uri="{FF2B5EF4-FFF2-40B4-BE49-F238E27FC236}">
+                <a16:creationId xmlns:a16="http://schemas.microsoft.com/office/drawing/2014/main" id="{02619F9C-EB8C-47C2-8D51-281BE6C9E803}"/>
+              </a:ext>
+            </a:extLst>
+          </p:cNvPr>
+          <p:cNvSpPr txBox="1">
+            <a:spLocks/>
+          </p:cNvSpPr>
+          <p:nvPr/>
+        </p:nvSpPr>
+        <p:spPr>
+          <a:xfrm>
+            <a:off x="1" y="0"/>
+            <a:ext cx="2002420" cy="510199"/>
+          </a:xfrm>
+          <a:prstGeom prst="rect">
+            <a:avLst/>
+          </a:prstGeom>
+        </p:spPr>
+        <p:txBody>
+          <a:bodyPr numCol="1">
+            <a:noAutofit/>
+          </a:bodyPr>
+          <a:lstStyle>
+            <a:lvl1pPr algn="l" defTabSz="457200" rtl="0" eaLnBrk="1" latinLnBrk="0" hangingPunct="1">
+              <a:spcBef>
+                <a:spcPct val="0"/>
+              </a:spcBef>
+              <a:buNone/>
+              <a:defRPr sz="3600" kern="1200" cap="all">
+                <a:ln w="3175" cmpd="sng">
+                  <a:noFill/>
+                </a:ln>
+                <a:solidFill>
+                  <a:schemeClr val="tx1"/>
+                </a:solidFill>
+                <a:effectLst/>
+                <a:latin typeface="+mj-lt"/>
+                <a:ea typeface="+mj-ea"/>
+                <a:cs typeface="+mj-cs"/>
+              </a:defRPr>
+            </a:lvl1pPr>
+            <a:lvl2pPr eaLnBrk="1" hangingPunct="1">
+              <a:defRPr>
+                <a:solidFill>
+                  <a:schemeClr val="tx2"/>
+                </a:solidFill>
+              </a:defRPr>
+            </a:lvl2pPr>
+            <a:lvl3pPr eaLnBrk="1" hangingPunct="1">
+              <a:defRPr>
+                <a:solidFill>
+                  <a:schemeClr val="tx2"/>
+                </a:solidFill>
+              </a:defRPr>
+            </a:lvl3pPr>
+            <a:lvl4pPr eaLnBrk="1" hangingPunct="1">
+              <a:defRPr>
+                <a:solidFill>
+                  <a:schemeClr val="tx2"/>
+                </a:solidFill>
+              </a:defRPr>
+            </a:lvl4pPr>
+            <a:lvl5pPr eaLnBrk="1" hangingPunct="1">
+              <a:defRPr>
+                <a:solidFill>
+                  <a:schemeClr val="tx2"/>
+                </a:solidFill>
+              </a:defRPr>
+            </a:lvl5pPr>
+            <a:lvl6pPr eaLnBrk="1" hangingPunct="1">
+              <a:defRPr>
+                <a:solidFill>
+                  <a:schemeClr val="tx2"/>
+                </a:solidFill>
+              </a:defRPr>
+            </a:lvl6pPr>
+            <a:lvl7pPr eaLnBrk="1" hangingPunct="1">
+              <a:defRPr>
+                <a:solidFill>
+                  <a:schemeClr val="tx2"/>
+                </a:solidFill>
+              </a:defRPr>
+            </a:lvl7pPr>
+            <a:lvl8pPr eaLnBrk="1" hangingPunct="1">
+              <a:defRPr>
+                <a:solidFill>
+                  <a:schemeClr val="tx2"/>
+                </a:solidFill>
+              </a:defRPr>
+            </a:lvl8pPr>
+            <a:lvl9pPr eaLnBrk="1" hangingPunct="1">
+              <a:defRPr>
+                <a:solidFill>
+                  <a:schemeClr val="tx2"/>
+                </a:solidFill>
+              </a:defRPr>
+            </a:lvl9pPr>
+          </a:lstStyle>
+          <a:p>
+            <a:pPr algn="ctr"/>
+            <a:r>
+              <a:rPr lang="fr-CH" sz="2800"/>
+              <a:t>BLINDAGE</a:t>
+            </a:r>
+            <a:endParaRPr lang="fr-CH" sz="2800" dirty="0"/>
+          </a:p>
+        </p:txBody>
+      </p:sp>
+      <p:sp>
+        <p:nvSpPr>
+          <p:cNvPr id="2" name="ZoneTexte 1">
+            <a:extLst>
+              <a:ext uri="{FF2B5EF4-FFF2-40B4-BE49-F238E27FC236}">
+                <a16:creationId xmlns:a16="http://schemas.microsoft.com/office/drawing/2014/main" id="{08E408DC-C551-47B5-8C33-FA0FF463FB0C}"/>
+              </a:ext>
+            </a:extLst>
+          </p:cNvPr>
+          <p:cNvSpPr txBox="1"/>
+          <p:nvPr/>
+        </p:nvSpPr>
+        <p:spPr>
+          <a:xfrm>
+            <a:off x="1629200" y="763954"/>
+            <a:ext cx="8933599" cy="646331"/>
+          </a:xfrm>
+          <a:prstGeom prst="rect">
+            <a:avLst/>
+          </a:prstGeom>
+          <a:noFill/>
+        </p:spPr>
+        <p:txBody>
+          <a:bodyPr wrap="none" rtlCol="0">
+            <a:spAutoFit/>
+          </a:bodyPr>
+          <a:lstStyle/>
+          <a:p>
+            <a:pPr algn="ctr"/>
+            <a:r>
+              <a:rPr lang="fr-CH" sz="3600" b="1" dirty="0">
+                <a:latin typeface="Calibri" panose="020F0502020204030204" pitchFamily="34" charset="0"/>
+                <a:ea typeface="Calibri" panose="020F0502020204030204" pitchFamily="34" charset="0"/>
+                <a:cs typeface="Arial" panose="020B0604020202020204" pitchFamily="34" charset="0"/>
+              </a:rPr>
+              <a:t>SF/UTP (SFTP) : </a:t>
+            </a:r>
+            <a:r>
+              <a:rPr lang="fr-CH" sz="3600" dirty="0">
+                <a:latin typeface="Calibri" panose="020F0502020204030204" pitchFamily="34" charset="0"/>
+                <a:ea typeface="Calibri" panose="020F0502020204030204" pitchFamily="34" charset="0"/>
+                <a:cs typeface="Arial" panose="020B0604020202020204" pitchFamily="34" charset="0"/>
+              </a:rPr>
+              <a:t>Shielded Foilded Twisted Pairs </a:t>
+            </a:r>
+            <a:endParaRPr lang="fr-CH" sz="3600" dirty="0"/>
+          </a:p>
+        </p:txBody>
+      </p:sp>
+      <p:pic>
+        <p:nvPicPr>
+          <p:cNvPr id="5" name="Picture 19">
+            <a:extLst>
+              <a:ext uri="{FF2B5EF4-FFF2-40B4-BE49-F238E27FC236}">
+                <a16:creationId xmlns:a16="http://schemas.microsoft.com/office/drawing/2014/main" id="{13636A98-632D-420B-8319-4B91165B5181}"/>
+              </a:ext>
+            </a:extLst>
+          </p:cNvPr>
+          <p:cNvPicPr/>
+          <p:nvPr/>
+        </p:nvPicPr>
+        <p:blipFill rotWithShape="1">
+          <a:blip r:embed="rId2">
+            <a:extLst>
+              <a:ext uri="{28A0092B-C50C-407E-A947-70E740481C1C}">
+                <a14:useLocalDpi xmlns:a14="http://schemas.microsoft.com/office/drawing/2010/main" val="0"/>
+              </a:ext>
+            </a:extLst>
+          </a:blip>
+          <a:srcRect l="14209" t="11722" r="3603" b="20039"/>
+          <a:stretch/>
+        </p:blipFill>
+        <p:spPr bwMode="auto">
+          <a:xfrm>
+            <a:off x="3229451" y="1700772"/>
+            <a:ext cx="5733098" cy="4070108"/>
+          </a:xfrm>
+          <a:prstGeom prst="rect">
+            <a:avLst/>
+          </a:prstGeom>
+          <a:ln>
+            <a:noFill/>
+          </a:ln>
+          <a:extLst>
+            <a:ext uri="{53640926-AAD7-44D8-BBD7-CCE9431645EC}">
+              <a14:shadowObscured xmlns:a14="http://schemas.microsoft.com/office/drawing/2010/main"/>
+            </a:ext>
+          </a:extLst>
+        </p:spPr>
+      </p:pic>
+    </p:spTree>
+    <p:extLst>
+      <p:ext uri="{BB962C8B-B14F-4D97-AF65-F5344CB8AC3E}">
+        <p14:creationId xmlns:p14="http://schemas.microsoft.com/office/powerpoint/2010/main" val="4040377957"/>
+      </p:ext>
+    </p:extLst>
+  </p:cSld>
+  <p:clrMapOvr>
+    <a:masterClrMapping/>
+  </p:clrMapOvr>
+</p:sld>
+</file>
+
+<file path=ppt/slides/slide28.xml><?xml version="1.0" encoding="utf-8"?>
+<p:sld xmlns:a="http://schemas.openxmlformats.org/drawingml/2006/main" xmlns:r="http://schemas.openxmlformats.org/officeDocument/2006/relationships" xmlns:p="http://schemas.openxmlformats.org/presentationml/2006/main">
+  <p:cSld>
+    <p:spTree>
+      <p:nvGrpSpPr>
+        <p:cNvPr id="1" name=""/>
+        <p:cNvGrpSpPr/>
+        <p:nvPr/>
+      </p:nvGrpSpPr>
+      <p:grpSpPr>
+        <a:xfrm>
+          <a:off x="0" y="0"/>
+          <a:ext cx="0" cy="0"/>
+          <a:chOff x="0" y="0"/>
+          <a:chExt cx="0" cy="0"/>
+        </a:xfrm>
+      </p:grpSpPr>
+      <p:sp>
+        <p:nvSpPr>
+          <p:cNvPr id="4" name="Title 1">
+            <a:extLst>
+              <a:ext uri="{FF2B5EF4-FFF2-40B4-BE49-F238E27FC236}">
+                <a16:creationId xmlns:a16="http://schemas.microsoft.com/office/drawing/2014/main" id="{02619F9C-EB8C-47C2-8D51-281BE6C9E803}"/>
+              </a:ext>
+            </a:extLst>
+          </p:cNvPr>
+          <p:cNvSpPr txBox="1">
+            <a:spLocks/>
+          </p:cNvSpPr>
+          <p:nvPr/>
+        </p:nvSpPr>
+        <p:spPr>
+          <a:xfrm>
+            <a:off x="1" y="0"/>
+            <a:ext cx="2002420" cy="510199"/>
+          </a:xfrm>
+          <a:prstGeom prst="rect">
+            <a:avLst/>
+          </a:prstGeom>
+        </p:spPr>
+        <p:txBody>
+          <a:bodyPr numCol="1">
+            <a:noAutofit/>
+          </a:bodyPr>
+          <a:lstStyle>
+            <a:lvl1pPr algn="l" defTabSz="457200" rtl="0" eaLnBrk="1" latinLnBrk="0" hangingPunct="1">
+              <a:spcBef>
+                <a:spcPct val="0"/>
+              </a:spcBef>
+              <a:buNone/>
+              <a:defRPr sz="3600" kern="1200" cap="all">
+                <a:ln w="3175" cmpd="sng">
+                  <a:noFill/>
+                </a:ln>
+                <a:solidFill>
+                  <a:schemeClr val="tx1"/>
+                </a:solidFill>
+                <a:effectLst/>
+                <a:latin typeface="+mj-lt"/>
+                <a:ea typeface="+mj-ea"/>
+                <a:cs typeface="+mj-cs"/>
+              </a:defRPr>
+            </a:lvl1pPr>
+            <a:lvl2pPr eaLnBrk="1" hangingPunct="1">
+              <a:defRPr>
+                <a:solidFill>
+                  <a:schemeClr val="tx2"/>
+                </a:solidFill>
+              </a:defRPr>
+            </a:lvl2pPr>
+            <a:lvl3pPr eaLnBrk="1" hangingPunct="1">
+              <a:defRPr>
+                <a:solidFill>
+                  <a:schemeClr val="tx2"/>
+                </a:solidFill>
+              </a:defRPr>
+            </a:lvl3pPr>
+            <a:lvl4pPr eaLnBrk="1" hangingPunct="1">
+              <a:defRPr>
+                <a:solidFill>
+                  <a:schemeClr val="tx2"/>
+                </a:solidFill>
+              </a:defRPr>
+            </a:lvl4pPr>
+            <a:lvl5pPr eaLnBrk="1" hangingPunct="1">
+              <a:defRPr>
+                <a:solidFill>
+                  <a:schemeClr val="tx2"/>
+                </a:solidFill>
+              </a:defRPr>
+            </a:lvl5pPr>
+            <a:lvl6pPr eaLnBrk="1" hangingPunct="1">
+              <a:defRPr>
+                <a:solidFill>
+                  <a:schemeClr val="tx2"/>
+                </a:solidFill>
+              </a:defRPr>
+            </a:lvl6pPr>
+            <a:lvl7pPr eaLnBrk="1" hangingPunct="1">
+              <a:defRPr>
+                <a:solidFill>
+                  <a:schemeClr val="tx2"/>
+                </a:solidFill>
+              </a:defRPr>
+            </a:lvl7pPr>
+            <a:lvl8pPr eaLnBrk="1" hangingPunct="1">
+              <a:defRPr>
+                <a:solidFill>
+                  <a:schemeClr val="tx2"/>
+                </a:solidFill>
+              </a:defRPr>
+            </a:lvl8pPr>
+            <a:lvl9pPr eaLnBrk="1" hangingPunct="1">
+              <a:defRPr>
+                <a:solidFill>
+                  <a:schemeClr val="tx2"/>
+                </a:solidFill>
+              </a:defRPr>
+            </a:lvl9pPr>
+          </a:lstStyle>
+          <a:p>
+            <a:pPr algn="ctr"/>
+            <a:r>
+              <a:rPr lang="fr-CH" sz="2800"/>
+              <a:t>BLINDAGE</a:t>
+            </a:r>
+            <a:endParaRPr lang="fr-CH" sz="2800" dirty="0"/>
+          </a:p>
+        </p:txBody>
+      </p:sp>
+      <p:sp>
+        <p:nvSpPr>
+          <p:cNvPr id="2" name="ZoneTexte 1">
+            <a:extLst>
+              <a:ext uri="{FF2B5EF4-FFF2-40B4-BE49-F238E27FC236}">
+                <a16:creationId xmlns:a16="http://schemas.microsoft.com/office/drawing/2014/main" id="{08E408DC-C551-47B5-8C33-FA0FF463FB0C}"/>
+              </a:ext>
+            </a:extLst>
+          </p:cNvPr>
+          <p:cNvSpPr txBox="1"/>
+          <p:nvPr/>
+        </p:nvSpPr>
+        <p:spPr>
+          <a:xfrm>
+            <a:off x="1466689" y="782320"/>
+            <a:ext cx="9324348" cy="646331"/>
+          </a:xfrm>
+          <a:prstGeom prst="rect">
+            <a:avLst/>
+          </a:prstGeom>
+          <a:noFill/>
+        </p:spPr>
+        <p:txBody>
+          <a:bodyPr wrap="none" rtlCol="0">
+            <a:spAutoFit/>
+          </a:bodyPr>
+          <a:lstStyle/>
+          <a:p>
+            <a:pPr algn="ctr"/>
+            <a:r>
+              <a:rPr lang="fr-CH" sz="3600" b="1" dirty="0">
+                <a:latin typeface="Calibri" panose="020F0502020204030204" pitchFamily="34" charset="0"/>
+                <a:ea typeface="Calibri" panose="020F0502020204030204" pitchFamily="34" charset="0"/>
+                <a:cs typeface="Arial" panose="020B0604020202020204" pitchFamily="34" charset="0"/>
+              </a:rPr>
+              <a:t>S/FTP(SSTP) : </a:t>
+            </a:r>
+            <a:r>
+              <a:rPr lang="fr-CH" sz="3600" dirty="0">
+                <a:latin typeface="Calibri" panose="020F0502020204030204" pitchFamily="34" charset="0"/>
+                <a:ea typeface="Calibri" panose="020F0502020204030204" pitchFamily="34" charset="0"/>
+                <a:cs typeface="Arial" panose="020B0604020202020204" pitchFamily="34" charset="0"/>
+              </a:rPr>
+              <a:t>Shielded And Foilded Twisted Pairs </a:t>
+            </a:r>
+            <a:endParaRPr lang="fr-CH" sz="3600" dirty="0"/>
+          </a:p>
+        </p:txBody>
+      </p:sp>
+      <p:pic>
+        <p:nvPicPr>
+          <p:cNvPr id="6" name="Picture 20">
+            <a:extLst>
+              <a:ext uri="{FF2B5EF4-FFF2-40B4-BE49-F238E27FC236}">
+                <a16:creationId xmlns:a16="http://schemas.microsoft.com/office/drawing/2014/main" id="{C7598FC5-56B3-45F2-AD6E-4CFF22FFEDAE}"/>
+              </a:ext>
+            </a:extLst>
+          </p:cNvPr>
+          <p:cNvPicPr/>
+          <p:nvPr/>
+        </p:nvPicPr>
+        <p:blipFill rotWithShape="1">
+          <a:blip r:embed="rId2">
+            <a:extLst>
+              <a:ext uri="{28A0092B-C50C-407E-A947-70E740481C1C}">
+                <a14:useLocalDpi xmlns:a14="http://schemas.microsoft.com/office/drawing/2010/main" val="0"/>
+              </a:ext>
+            </a:extLst>
+          </a:blip>
+          <a:srcRect b="18695"/>
+          <a:stretch/>
+        </p:blipFill>
+        <p:spPr bwMode="auto">
+          <a:xfrm>
+            <a:off x="3076098" y="1611313"/>
+            <a:ext cx="6039803" cy="3824287"/>
+          </a:xfrm>
+          <a:prstGeom prst="rect">
+            <a:avLst/>
+          </a:prstGeom>
+          <a:ln>
+            <a:noFill/>
+          </a:ln>
+          <a:extLst>
+            <a:ext uri="{53640926-AAD7-44D8-BBD7-CCE9431645EC}">
+              <a14:shadowObscured xmlns:a14="http://schemas.microsoft.com/office/drawing/2010/main"/>
+            </a:ext>
+          </a:extLst>
+        </p:spPr>
+      </p:pic>
+    </p:spTree>
+    <p:extLst>
+      <p:ext uri="{BB962C8B-B14F-4D97-AF65-F5344CB8AC3E}">
+        <p14:creationId xmlns:p14="http://schemas.microsoft.com/office/powerpoint/2010/main" val="678803078"/>
+      </p:ext>
+    </p:extLst>
+  </p:cSld>
+  <p:clrMapOvr>
+    <a:masterClrMapping/>
+  </p:clrMapOvr>
+</p:sld>
+</file>
+
+<file path=ppt/slides/slide29.xml><?xml version="1.0" encoding="utf-8"?>
+<p:sld xmlns:a="http://schemas.openxmlformats.org/drawingml/2006/main" xmlns:r="http://schemas.openxmlformats.org/officeDocument/2006/relationships" xmlns:p="http://schemas.openxmlformats.org/presentationml/2006/main">
+  <p:cSld>
+    <p:spTree>
+      <p:nvGrpSpPr>
+        <p:cNvPr id="1" name=""/>
+        <p:cNvGrpSpPr/>
+        <p:nvPr/>
+      </p:nvGrpSpPr>
+      <p:grpSpPr>
+        <a:xfrm>
+          <a:off x="0" y="0"/>
+          <a:ext cx="0" cy="0"/>
+          <a:chOff x="0" y="0"/>
+          <a:chExt cx="0" cy="0"/>
+        </a:xfrm>
+      </p:grpSpPr>
+      <p:sp>
+        <p:nvSpPr>
           <p:cNvPr id="5" name="Content Placeholder 2"/>
           <p:cNvSpPr>
             <a:spLocks noGrp="1"/>
@@ -11986,7 +13869,7 @@
         <p:spPr>
           <a:xfrm>
             <a:off x="0" y="0"/>
-            <a:ext cx="2488557" cy="510199"/>
+            <a:ext cx="3032567" cy="510199"/>
           </a:xfrm>
         </p:spPr>
         <p:txBody>
@@ -11997,10 +13880,261 @@
           <a:p>
             <a:pPr algn="ctr"/>
             <a:r>
-              <a:rPr lang="fr-CH" sz="2800" dirty="0" smtClean="0"/>
+              <a:rPr lang="fr-CH" sz="2800" dirty="0"/>
+              <a:t>CONNECTIQUES</a:t>
+            </a:r>
+          </a:p>
+        </p:txBody>
+      </p:sp>
+    </p:spTree>
+    <p:extLst>
+      <p:ext uri="{BB962C8B-B14F-4D97-AF65-F5344CB8AC3E}">
+        <p14:creationId xmlns:p14="http://schemas.microsoft.com/office/powerpoint/2010/main" val="4028687980"/>
+      </p:ext>
+    </p:extLst>
+  </p:cSld>
+  <p:clrMapOvr>
+    <a:masterClrMapping/>
+  </p:clrMapOvr>
+</p:sld>
+</file>
+
+<file path=ppt/slides/slide3.xml><?xml version="1.0" encoding="utf-8"?>
+<p:sld xmlns:a="http://schemas.openxmlformats.org/drawingml/2006/main" xmlns:r="http://schemas.openxmlformats.org/officeDocument/2006/relationships" xmlns:p="http://schemas.openxmlformats.org/presentationml/2006/main">
+  <p:cSld>
+    <p:spTree>
+      <p:nvGrpSpPr>
+        <p:cNvPr id="1" name=""/>
+        <p:cNvGrpSpPr/>
+        <p:nvPr/>
+      </p:nvGrpSpPr>
+      <p:grpSpPr>
+        <a:xfrm>
+          <a:off x="0" y="0"/>
+          <a:ext cx="0" cy="0"/>
+          <a:chOff x="0" y="0"/>
+          <a:chExt cx="0" cy="0"/>
+        </a:xfrm>
+      </p:grpSpPr>
+      <p:sp>
+        <p:nvSpPr>
+          <p:cNvPr id="3" name="Content Placeholder 2"/>
+          <p:cNvSpPr>
+            <a:spLocks noGrp="1"/>
+          </p:cNvSpPr>
+          <p:nvPr>
+            <p:ph idx="1"/>
+          </p:nvPr>
+        </p:nvSpPr>
+        <p:spPr>
+          <a:xfrm>
+            <a:off x="277793" y="902826"/>
+            <a:ext cx="11539959" cy="5660020"/>
+          </a:xfrm>
+        </p:spPr>
+        <p:txBody>
+          <a:bodyPr/>
+          <a:lstStyle/>
+          <a:p>
+            <a:endParaRPr lang="fr-CH" dirty="0"/>
+          </a:p>
+        </p:txBody>
+      </p:sp>
+      <p:sp>
+        <p:nvSpPr>
+          <p:cNvPr id="4" name="Title 1"/>
+          <p:cNvSpPr>
+            <a:spLocks noGrp="1"/>
+          </p:cNvSpPr>
+          <p:nvPr>
+            <p:ph type="title"/>
+          </p:nvPr>
+        </p:nvSpPr>
+        <p:spPr>
+          <a:xfrm>
+            <a:off x="0" y="0"/>
+            <a:ext cx="2916820" cy="510199"/>
+          </a:xfrm>
+        </p:spPr>
+        <p:txBody>
+          <a:bodyPr numCol="1">
+            <a:noAutofit/>
+          </a:bodyPr>
+          <a:lstStyle/>
+          <a:p>
+            <a:pPr algn="ctr"/>
+            <a:r>
+              <a:rPr lang="fr-CH" sz="2800" dirty="0"/>
+              <a:t>Introduction</a:t>
+            </a:r>
+          </a:p>
+        </p:txBody>
+      </p:sp>
+    </p:spTree>
+    <p:extLst>
+      <p:ext uri="{BB962C8B-B14F-4D97-AF65-F5344CB8AC3E}">
+        <p14:creationId xmlns:p14="http://schemas.microsoft.com/office/powerpoint/2010/main" val="3456633582"/>
+      </p:ext>
+    </p:extLst>
+  </p:cSld>
+  <p:clrMapOvr>
+    <a:masterClrMapping/>
+  </p:clrMapOvr>
+</p:sld>
+</file>
+
+<file path=ppt/slides/slide30.xml><?xml version="1.0" encoding="utf-8"?>
+<p:sld xmlns:a="http://schemas.openxmlformats.org/drawingml/2006/main" xmlns:r="http://schemas.openxmlformats.org/officeDocument/2006/relationships" xmlns:p="http://schemas.openxmlformats.org/presentationml/2006/main">
+  <p:cSld>
+    <p:spTree>
+      <p:nvGrpSpPr>
+        <p:cNvPr id="1" name=""/>
+        <p:cNvGrpSpPr/>
+        <p:nvPr/>
+      </p:nvGrpSpPr>
+      <p:grpSpPr>
+        <a:xfrm>
+          <a:off x="0" y="0"/>
+          <a:ext cx="0" cy="0"/>
+          <a:chOff x="0" y="0"/>
+          <a:chExt cx="0" cy="0"/>
+        </a:xfrm>
+      </p:grpSpPr>
+      <p:sp>
+        <p:nvSpPr>
+          <p:cNvPr id="5" name="Content Placeholder 2"/>
+          <p:cNvSpPr>
+            <a:spLocks noGrp="1"/>
+          </p:cNvSpPr>
+          <p:nvPr>
+            <p:ph idx="1"/>
+          </p:nvPr>
+        </p:nvSpPr>
+        <p:spPr>
+          <a:xfrm>
+            <a:off x="277793" y="902826"/>
+            <a:ext cx="11539959" cy="5660020"/>
+          </a:xfrm>
+        </p:spPr>
+        <p:txBody>
+          <a:bodyPr/>
+          <a:lstStyle/>
+          <a:p>
+            <a:endParaRPr lang="fr-CH" dirty="0"/>
+          </a:p>
+        </p:txBody>
+      </p:sp>
+      <p:sp>
+        <p:nvSpPr>
+          <p:cNvPr id="6" name="Title 1"/>
+          <p:cNvSpPr>
+            <a:spLocks noGrp="1"/>
+          </p:cNvSpPr>
+          <p:nvPr>
+            <p:ph type="title"/>
+          </p:nvPr>
+        </p:nvSpPr>
+        <p:spPr>
+          <a:xfrm>
+            <a:off x="1" y="0"/>
+            <a:ext cx="1689904" cy="510199"/>
+          </a:xfrm>
+        </p:spPr>
+        <p:txBody>
+          <a:bodyPr numCol="1">
+            <a:noAutofit/>
+          </a:bodyPr>
+          <a:lstStyle/>
+          <a:p>
+            <a:pPr algn="ctr"/>
+            <a:r>
+              <a:rPr lang="fr-CH" sz="2800" dirty="0"/>
+              <a:t>NORMES</a:t>
+            </a:r>
+          </a:p>
+        </p:txBody>
+      </p:sp>
+    </p:spTree>
+    <p:extLst>
+      <p:ext uri="{BB962C8B-B14F-4D97-AF65-F5344CB8AC3E}">
+        <p14:creationId xmlns:p14="http://schemas.microsoft.com/office/powerpoint/2010/main" val="237110104"/>
+      </p:ext>
+    </p:extLst>
+  </p:cSld>
+  <p:clrMapOvr>
+    <a:masterClrMapping/>
+  </p:clrMapOvr>
+</p:sld>
+</file>
+
+<file path=ppt/slides/slide31.xml><?xml version="1.0" encoding="utf-8"?>
+<p:sld xmlns:a="http://schemas.openxmlformats.org/drawingml/2006/main" xmlns:r="http://schemas.openxmlformats.org/officeDocument/2006/relationships" xmlns:p="http://schemas.openxmlformats.org/presentationml/2006/main">
+  <p:cSld>
+    <p:spTree>
+      <p:nvGrpSpPr>
+        <p:cNvPr id="1" name=""/>
+        <p:cNvGrpSpPr/>
+        <p:nvPr/>
+      </p:nvGrpSpPr>
+      <p:grpSpPr>
+        <a:xfrm>
+          <a:off x="0" y="0"/>
+          <a:ext cx="0" cy="0"/>
+          <a:chOff x="0" y="0"/>
+          <a:chExt cx="0" cy="0"/>
+        </a:xfrm>
+      </p:grpSpPr>
+      <p:sp>
+        <p:nvSpPr>
+          <p:cNvPr id="5" name="Content Placeholder 2"/>
+          <p:cNvSpPr>
+            <a:spLocks noGrp="1"/>
+          </p:cNvSpPr>
+          <p:nvPr>
+            <p:ph idx="1"/>
+          </p:nvPr>
+        </p:nvSpPr>
+        <p:spPr>
+          <a:xfrm>
+            <a:off x="277793" y="902826"/>
+            <a:ext cx="11539959" cy="5660020"/>
+          </a:xfrm>
+        </p:spPr>
+        <p:txBody>
+          <a:bodyPr/>
+          <a:lstStyle/>
+          <a:p>
+            <a:endParaRPr lang="fr-CH" dirty="0"/>
+          </a:p>
+        </p:txBody>
+      </p:sp>
+      <p:sp>
+        <p:nvSpPr>
+          <p:cNvPr id="6" name="Title 1"/>
+          <p:cNvSpPr>
+            <a:spLocks noGrp="1"/>
+          </p:cNvSpPr>
+          <p:nvPr>
+            <p:ph type="title"/>
+          </p:nvPr>
+        </p:nvSpPr>
+        <p:spPr>
+          <a:xfrm>
+            <a:off x="0" y="0"/>
+            <a:ext cx="2488557" cy="510199"/>
+          </a:xfrm>
+        </p:spPr>
+        <p:txBody>
+          <a:bodyPr numCol="1">
+            <a:noAutofit/>
+          </a:bodyPr>
+          <a:lstStyle/>
+          <a:p>
+            <a:pPr algn="ctr"/>
+            <a:r>
+              <a:rPr lang="fr-CH" sz="2800" dirty="0"/>
               <a:t>FABRICATION</a:t>
             </a:r>
-            <a:endParaRPr lang="fr-CH" sz="2800" dirty="0"/>
           </a:p>
         </p:txBody>
       </p:sp>
@@ -12014,17 +14148,10 @@
   <p:clrMapOvr>
     <a:masterClrMapping/>
   </p:clrMapOvr>
-  <p:timing>
-    <p:tnLst>
-      <p:par>
-        <p:cTn id="1" dur="indefinite" restart="never" nodeType="tmRoot"/>
-      </p:par>
-    </p:tnLst>
-  </p:timing>
 </p:sld>
 </file>
 
-<file path=ppt/slides/slide25.xml><?xml version="1.0" encoding="utf-8"?>
+<file path=ppt/slides/slide32.xml><?xml version="1.0" encoding="utf-8"?>
 <p:sld xmlns:a="http://schemas.openxmlformats.org/drawingml/2006/main" xmlns:r="http://schemas.openxmlformats.org/officeDocument/2006/relationships" xmlns:p="http://schemas.openxmlformats.org/presentationml/2006/main">
   <p:cSld>
     <p:spTree>
@@ -12051,17 +14178,10 @@
   <p:clrMapOvr>
     <a:masterClrMapping/>
   </p:clrMapOvr>
-  <p:timing>
-    <p:tnLst>
-      <p:par>
-        <p:cTn id="1" dur="indefinite" restart="never" nodeType="tmRoot"/>
-      </p:par>
-    </p:tnLst>
-  </p:timing>
 </p:sld>
 </file>
 
-<file path=ppt/slides/slide26.xml><?xml version="1.0" encoding="utf-8"?>
+<file path=ppt/slides/slide33.xml><?xml version="1.0" encoding="utf-8"?>
 <p:sld xmlns:a="http://schemas.openxmlformats.org/drawingml/2006/main" xmlns:r="http://schemas.openxmlformats.org/officeDocument/2006/relationships" xmlns:p="http://schemas.openxmlformats.org/presentationml/2006/main">
   <p:cSld>
     <p:spTree>
@@ -12101,14 +14221,11 @@
           <a:lstStyle/>
           <a:p>
             <a:r>
-              <a:rPr lang="fr-CH" sz="8000" dirty="0" smtClean="0">
+              <a:rPr lang="fr-CH" sz="8000" dirty="0">
                 <a:cs typeface="Arial" panose="020B0604020202020204" pitchFamily="34" charset="0"/>
               </a:rPr>
               <a:t>Merci de votre écoute </a:t>
             </a:r>
-            <a:endParaRPr lang="fr-CH" sz="8000" dirty="0">
-              <a:cs typeface="Arial" panose="020B0604020202020204" pitchFamily="34" charset="0"/>
-            </a:endParaRPr>
           </a:p>
         </p:txBody>
       </p:sp>
@@ -12122,17 +14239,10 @@
   <p:clrMapOvr>
     <a:masterClrMapping/>
   </p:clrMapOvr>
-  <p:timing>
-    <p:tnLst>
-      <p:par>
-        <p:cTn id="1" dur="indefinite" restart="never" nodeType="tmRoot"/>
-      </p:par>
-    </p:tnLst>
-  </p:timing>
 </p:sld>
 </file>
 
-<file path=ppt/slides/slide27.xml><?xml version="1.0" encoding="utf-8"?>
+<file path=ppt/slides/slide34.xml><?xml version="1.0" encoding="utf-8"?>
 <p:sld xmlns:a="http://schemas.openxmlformats.org/drawingml/2006/main" xmlns:r="http://schemas.openxmlformats.org/officeDocument/2006/relationships" xmlns:p="http://schemas.openxmlformats.org/presentationml/2006/main">
   <p:cSld>
     <p:spTree>
@@ -12172,22 +14282,18 @@
           <a:lstStyle/>
           <a:p>
             <a:r>
-              <a:rPr lang="fr-CH" sz="8000" dirty="0" smtClean="0">
+              <a:rPr lang="fr-CH" sz="8000" dirty="0">
                 <a:cs typeface="Arial" panose="020B0604020202020204" pitchFamily="34" charset="0"/>
               </a:rPr>
               <a:t>Question </a:t>
             </a:r>
             <a:r>
-              <a:rPr lang="fr-CH" sz="23900" dirty="0" smtClean="0">
+              <a:rPr lang="fr-CH" sz="23900" dirty="0">
                 <a:latin typeface="Andalus" panose="02020603050405020304" pitchFamily="18" charset="-78"/>
                 <a:cs typeface="Andalus" panose="02020603050405020304" pitchFamily="18" charset="-78"/>
               </a:rPr>
               <a:t>?</a:t>
             </a:r>
-            <a:endParaRPr lang="fr-CH" sz="23900" dirty="0">
-              <a:latin typeface="Andalus" panose="02020603050405020304" pitchFamily="18" charset="-78"/>
-              <a:cs typeface="Andalus" panose="02020603050405020304" pitchFamily="18" charset="-78"/>
-            </a:endParaRPr>
           </a:p>
         </p:txBody>
       </p:sp>
@@ -12201,105 +14307,6 @@
   <p:clrMapOvr>
     <a:masterClrMapping/>
   </p:clrMapOvr>
-  <p:timing>
-    <p:tnLst>
-      <p:par>
-        <p:cTn id="1" dur="indefinite" restart="never" nodeType="tmRoot"/>
-      </p:par>
-    </p:tnLst>
-  </p:timing>
-</p:sld>
-</file>
-
-<file path=ppt/slides/slide3.xml><?xml version="1.0" encoding="utf-8"?>
-<p:sld xmlns:a="http://schemas.openxmlformats.org/drawingml/2006/main" xmlns:r="http://schemas.openxmlformats.org/officeDocument/2006/relationships" xmlns:p="http://schemas.openxmlformats.org/presentationml/2006/main">
-  <p:cSld>
-    <p:spTree>
-      <p:nvGrpSpPr>
-        <p:cNvPr id="1" name=""/>
-        <p:cNvGrpSpPr/>
-        <p:nvPr/>
-      </p:nvGrpSpPr>
-      <p:grpSpPr>
-        <a:xfrm>
-          <a:off x="0" y="0"/>
-          <a:ext cx="0" cy="0"/>
-          <a:chOff x="0" y="0"/>
-          <a:chExt cx="0" cy="0"/>
-        </a:xfrm>
-      </p:grpSpPr>
-      <p:sp>
-        <p:nvSpPr>
-          <p:cNvPr id="3" name="Content Placeholder 2"/>
-          <p:cNvSpPr>
-            <a:spLocks noGrp="1"/>
-          </p:cNvSpPr>
-          <p:nvPr>
-            <p:ph idx="1"/>
-          </p:nvPr>
-        </p:nvSpPr>
-        <p:spPr>
-          <a:xfrm>
-            <a:off x="277793" y="902826"/>
-            <a:ext cx="11539959" cy="5660020"/>
-          </a:xfrm>
-        </p:spPr>
-        <p:txBody>
-          <a:bodyPr/>
-          <a:lstStyle/>
-          <a:p>
-            <a:endParaRPr lang="fr-CH" dirty="0"/>
-          </a:p>
-        </p:txBody>
-      </p:sp>
-      <p:sp>
-        <p:nvSpPr>
-          <p:cNvPr id="4" name="Title 1"/>
-          <p:cNvSpPr>
-            <a:spLocks noGrp="1"/>
-          </p:cNvSpPr>
-          <p:nvPr>
-            <p:ph type="title"/>
-          </p:nvPr>
-        </p:nvSpPr>
-        <p:spPr>
-          <a:xfrm>
-            <a:off x="0" y="0"/>
-            <a:ext cx="2916820" cy="510199"/>
-          </a:xfrm>
-        </p:spPr>
-        <p:txBody>
-          <a:bodyPr numCol="1">
-            <a:noAutofit/>
-          </a:bodyPr>
-          <a:lstStyle/>
-          <a:p>
-            <a:pPr algn="ctr"/>
-            <a:r>
-              <a:rPr lang="fr-CH" sz="2800" dirty="0" smtClean="0"/>
-              <a:t>Introduction</a:t>
-            </a:r>
-            <a:endParaRPr lang="fr-CH" sz="2800" dirty="0"/>
-          </a:p>
-        </p:txBody>
-      </p:sp>
-    </p:spTree>
-    <p:extLst>
-      <p:ext uri="{BB962C8B-B14F-4D97-AF65-F5344CB8AC3E}">
-        <p14:creationId xmlns:p14="http://schemas.microsoft.com/office/powerpoint/2010/main" val="3456633582"/>
-      </p:ext>
-    </p:extLst>
-  </p:cSld>
-  <p:clrMapOvr>
-    <a:masterClrMapping/>
-  </p:clrMapOvr>
-  <p:timing>
-    <p:tnLst>
-      <p:par>
-        <p:cTn id="1" dur="indefinite" restart="never" nodeType="tmRoot"/>
-      </p:par>
-    </p:tnLst>
-  </p:timing>
 </p:sld>
 </file>
 
@@ -12368,10 +14375,9 @@
           <a:p>
             <a:pPr algn="ctr"/>
             <a:r>
-              <a:rPr lang="fr-CH" sz="2800" dirty="0" smtClean="0"/>
+              <a:rPr lang="fr-CH" sz="2800" dirty="0"/>
               <a:t>Historique</a:t>
             </a:r>
-            <a:endParaRPr lang="fr-CH" sz="2800" dirty="0"/>
           </a:p>
         </p:txBody>
       </p:sp>
@@ -12385,13 +14391,6 @@
   <p:clrMapOvr>
     <a:masterClrMapping/>
   </p:clrMapOvr>
-  <p:timing>
-    <p:tnLst>
-      <p:par>
-        <p:cTn id="1" dur="indefinite" restart="never" nodeType="tmRoot"/>
-      </p:par>
-    </p:tnLst>
-  </p:timing>
 </p:sld>
 </file>
 
@@ -12460,10 +14459,9 @@
           <a:p>
             <a:pPr algn="ctr"/>
             <a:r>
-              <a:rPr lang="fr-CH" sz="2800" dirty="0" smtClean="0"/>
+              <a:rPr lang="fr-CH" sz="2800" dirty="0"/>
               <a:t>USAGE</a:t>
             </a:r>
-            <a:endParaRPr lang="fr-CH" sz="2800" dirty="0"/>
           </a:p>
         </p:txBody>
       </p:sp>
@@ -12477,13 +14475,6 @@
   <p:clrMapOvr>
     <a:masterClrMapping/>
   </p:clrMapOvr>
-  <p:timing>
-    <p:tnLst>
-      <p:par>
-        <p:cTn id="1" dur="indefinite" restart="never" nodeType="tmRoot"/>
-      </p:par>
-    </p:tnLst>
-  </p:timing>
 </p:sld>
 </file>
 
@@ -12528,10 +14519,9 @@
           <a:p>
             <a:pPr algn="ctr"/>
             <a:r>
-              <a:rPr lang="fr-CH" sz="2800" dirty="0" smtClean="0"/>
+              <a:rPr lang="fr-CH" sz="2800" dirty="0"/>
               <a:t>La technologie PoE</a:t>
             </a:r>
-            <a:endParaRPr lang="fr-CH" sz="2800" dirty="0"/>
           </a:p>
         </p:txBody>
       </p:sp>
@@ -12789,27 +14779,27 @@
               <a:buNone/>
             </a:pPr>
             <a:r>
-              <a:rPr lang="fr-CH" sz="6000" b="1" dirty="0" smtClean="0"/>
+              <a:rPr lang="fr-CH" sz="6000" b="1" dirty="0"/>
               <a:t>P</a:t>
             </a:r>
             <a:r>
-              <a:rPr lang="fr-CH" sz="6000" dirty="0" smtClean="0"/>
+              <a:rPr lang="fr-CH" sz="6000" dirty="0"/>
               <a:t>ower </a:t>
             </a:r>
             <a:r>
-              <a:rPr lang="fr-CH" sz="6000" b="1" dirty="0" smtClean="0"/>
+              <a:rPr lang="fr-CH" sz="6000" b="1" dirty="0"/>
               <a:t>o</a:t>
             </a:r>
             <a:r>
-              <a:rPr lang="fr-CH" sz="6000" dirty="0" smtClean="0"/>
+              <a:rPr lang="fr-CH" sz="6000" dirty="0"/>
               <a:t>ver </a:t>
             </a:r>
             <a:r>
-              <a:rPr lang="fr-CH" sz="6000" b="1" dirty="0" smtClean="0"/>
+              <a:rPr lang="fr-CH" sz="6000" b="1" dirty="0"/>
               <a:t>E</a:t>
             </a:r>
             <a:r>
-              <a:rPr lang="fr-CH" sz="6000" dirty="0" smtClean="0"/>
+              <a:rPr lang="fr-CH" sz="6000" dirty="0"/>
               <a:t>thernet</a:t>
             </a:r>
             <a:endParaRPr lang="fr-CH" sz="2400" dirty="0"/>
@@ -13070,11 +15060,11 @@
               <a:buNone/>
             </a:pPr>
             <a:r>
-              <a:rPr lang="fr-CH" sz="2800" dirty="0" smtClean="0"/>
+              <a:rPr lang="fr-CH" sz="2800" dirty="0"/>
               <a:t>U</a:t>
             </a:r>
             <a:r>
-              <a:rPr lang="fr-CH" sz="2400" dirty="0" smtClean="0"/>
+              <a:rPr lang="fr-CH" sz="2400" dirty="0"/>
               <a:t>ne technologie qui permet d’envoyer du signal Ethernet et du signal électrique en même temps sur un câble Ethernet pour des périphérique réseaux . </a:t>
             </a:r>
           </a:p>
@@ -13083,23 +15073,15 @@
               <a:buFont typeface="Wingdings 3" charset="2"/>
               <a:buNone/>
             </a:pPr>
-            <a:endParaRPr lang="fr-CH" sz="2400" dirty="0" smtClean="0"/>
+            <a:endParaRPr lang="fr-CH" sz="2400" dirty="0"/>
           </a:p>
           <a:p>
             <a:pPr marL="0" indent="0">
               <a:buNone/>
             </a:pPr>
             <a:r>
-              <a:rPr lang="fr-CH" sz="2400" dirty="0" smtClean="0"/>
-              <a:t>Ratifiée et publié en </a:t>
-            </a:r>
-            <a:r>
               <a:rPr lang="fr-CH" sz="2400" dirty="0"/>
-              <a:t>le 11 juillet </a:t>
-            </a:r>
-            <a:r>
-              <a:rPr lang="fr-CH" sz="2400" dirty="0" smtClean="0"/>
-              <a:t>2003</a:t>
+              <a:t>Ratifiée et publié en le 11 juillet 2003</a:t>
             </a:r>
           </a:p>
           <a:p>
@@ -13108,15 +15090,7 @@
             </a:pPr>
             <a:r>
               <a:rPr lang="fr-CH" sz="2400" dirty="0"/>
-              <a:t>La technologie </a:t>
-            </a:r>
-            <a:r>
-              <a:rPr lang="fr-CH" sz="2400" dirty="0" smtClean="0"/>
-              <a:t>PoE </a:t>
-            </a:r>
-            <a:r>
-              <a:rPr lang="fr-CH" sz="2400" dirty="0"/>
-              <a:t>est définie par la norme IEEE 802.3af. La norme IEEE 802.3at est appelé POE+ et qui est une amélioration.</a:t>
+              <a:t>La technologie PoE est définie par la norme IEEE 802.3af. La norme IEEE 802.3at est appelé POE+ et qui est une amélioration.</a:t>
             </a:r>
           </a:p>
           <a:p>
@@ -13381,15 +15355,15 @@
               <a:buNone/>
             </a:pPr>
             <a:r>
-              <a:rPr lang="fr-CH" sz="3200" dirty="0" smtClean="0"/>
+              <a:rPr lang="fr-CH" sz="3200" dirty="0"/>
               <a:t> </a:t>
             </a:r>
             <a:r>
-              <a:rPr lang="fr-CH" sz="3200" i="1" dirty="0" smtClean="0"/>
+              <a:rPr lang="fr-CH" sz="3200" i="1" dirty="0"/>
               <a:t>Alimentation électrique par câble Ethernet</a:t>
             </a:r>
             <a:r>
-              <a:rPr lang="fr-CH" sz="3200" dirty="0" smtClean="0"/>
+              <a:rPr lang="fr-CH" sz="3200" dirty="0"/>
               <a:t>.</a:t>
             </a:r>
           </a:p>
@@ -13645,18 +15619,13 @@
               <a:buNone/>
             </a:pPr>
             <a:r>
-              <a:rPr lang="fr-CH" sz="1800" b="1" u="sng" dirty="0" smtClean="0">
+              <a:rPr lang="fr-CH" sz="1800" b="1" u="sng" dirty="0">
                 <a:solidFill>
                   <a:schemeClr val="tx1"/>
                 </a:solidFill>
               </a:rPr>
               <a:t>Exemple de périphériques qui utilise la technologie PoE</a:t>
             </a:r>
-            <a:endParaRPr lang="fr-CH" sz="1800" b="1" u="sng" dirty="0">
-              <a:solidFill>
-                <a:schemeClr val="tx1"/>
-              </a:solidFill>
-            </a:endParaRPr>
           </a:p>
         </p:txBody>
       </p:sp>
@@ -13843,18 +15812,13 @@
           <a:p>
             <a:pPr algn="ctr"/>
             <a:r>
-              <a:rPr lang="fr-CH" sz="2400" dirty="0" smtClean="0">
+              <a:rPr lang="fr-CH" sz="2400" dirty="0">
                 <a:solidFill>
                   <a:schemeClr val="tx1"/>
                 </a:solidFill>
               </a:rPr>
               <a:t>Access Point</a:t>
             </a:r>
-            <a:endParaRPr lang="fr-CH" sz="2400" dirty="0">
-              <a:solidFill>
-                <a:schemeClr val="tx1"/>
-              </a:solidFill>
-            </a:endParaRPr>
           </a:p>
         </p:txBody>
       </p:sp>
@@ -13954,7 +15918,7 @@
           <a:p>
             <a:pPr algn="ctr"/>
             <a:r>
-              <a:rPr lang="fr-CH" sz="2800" dirty="0" smtClean="0">
+              <a:rPr lang="fr-CH" sz="2800" dirty="0">
                 <a:solidFill>
                   <a:schemeClr val="tx1"/>
                 </a:solidFill>
@@ -13962,18 +15926,13 @@
               <a:t>Téléphone</a:t>
             </a:r>
             <a:r>
-              <a:rPr lang="fr-CH" sz="3200" dirty="0" smtClean="0">
+              <a:rPr lang="fr-CH" sz="3200" dirty="0">
                 <a:solidFill>
                   <a:schemeClr val="tx1"/>
                 </a:solidFill>
               </a:rPr>
               <a:t> </a:t>
             </a:r>
-            <a:endParaRPr lang="fr-CH" sz="3200" dirty="0">
-              <a:solidFill>
-                <a:schemeClr val="tx1"/>
-              </a:solidFill>
-            </a:endParaRPr>
           </a:p>
         </p:txBody>
       </p:sp>
@@ -14073,7 +16032,7 @@
           <a:p>
             <a:pPr algn="ctr"/>
             <a:r>
-              <a:rPr lang="fr-CH" sz="2800" dirty="0" smtClean="0">
+              <a:rPr lang="fr-CH" sz="2800" dirty="0">
                 <a:solidFill>
                   <a:schemeClr val="tx1"/>
                 </a:solidFill>
@@ -14081,22 +16040,17 @@
               <a:t>Camera</a:t>
             </a:r>
             <a:r>
-              <a:rPr lang="fr-CH" sz="3200" dirty="0" smtClean="0"/>
+              <a:rPr lang="fr-CH" sz="3200" dirty="0"/>
               <a:t> </a:t>
             </a:r>
             <a:r>
-              <a:rPr lang="fr-CH" sz="3200" dirty="0" smtClean="0">
+              <a:rPr lang="fr-CH" sz="3200" dirty="0">
                 <a:solidFill>
                   <a:schemeClr val="tx1"/>
                 </a:solidFill>
               </a:rPr>
               <a:t>surveillance</a:t>
             </a:r>
-            <a:endParaRPr lang="fr-CH" sz="3200" dirty="0">
-              <a:solidFill>
-                <a:schemeClr val="tx1"/>
-              </a:solidFill>
-            </a:endParaRPr>
           </a:p>
         </p:txBody>
       </p:sp>
@@ -14124,10 +16078,9 @@
           <a:p>
             <a:pPr algn="ctr"/>
             <a:r>
-              <a:rPr lang="fr-CH" sz="2800" dirty="0" smtClean="0"/>
+              <a:rPr lang="fr-CH" sz="2800" dirty="0"/>
               <a:t>La technologie PoE</a:t>
             </a:r>
-            <a:endParaRPr lang="fr-CH" sz="2800" dirty="0"/>
           </a:p>
         </p:txBody>
       </p:sp>
@@ -14548,7 +16501,7 @@
               <a:buNone/>
             </a:pPr>
             <a:r>
-              <a:rPr lang="fr-CH" b="1" u="sng" dirty="0" smtClean="0">
+              <a:rPr lang="fr-CH" b="1" u="sng" dirty="0">
                 <a:solidFill>
                   <a:schemeClr val="tx1"/>
                 </a:solidFill>
@@ -14559,20 +16512,12 @@
           <a:p>
             <a:pPr lvl="2"/>
             <a:r>
-              <a:rPr lang="fr-CH" sz="1800" dirty="0" smtClean="0">
+              <a:rPr lang="fr-CH" sz="1800" dirty="0">
                 <a:solidFill>
                   <a:schemeClr val="tx1"/>
                 </a:solidFill>
               </a:rPr>
-              <a:t>Cette </a:t>
-            </a:r>
-            <a:r>
-              <a:rPr lang="fr-CH" sz="1800" dirty="0">
-                <a:solidFill>
-                  <a:schemeClr val="tx1"/>
-                </a:solidFill>
-              </a:rPr>
-              <a:t>technologie permet de faire passer une tension de </a:t>
+              <a:t>Cette technologie permet de faire passer une tension de </a:t>
             </a:r>
             <a:r>
               <a:rPr lang="fr-CH" sz="1800" b="1" dirty="0">
@@ -14612,21 +16557,13 @@
                   <a:schemeClr val="tx1"/>
                 </a:solidFill>
               </a:rPr>
-              <a:t>voir </a:t>
-            </a:r>
-            <a:r>
-              <a:rPr lang="fr-CH" sz="1800" b="1" dirty="0" smtClean="0">
-                <a:solidFill>
-                  <a:schemeClr val="tx1"/>
-                </a:solidFill>
-              </a:rPr>
-              <a:t>plus.</a:t>
+              <a:t>voir plus.</a:t>
             </a:r>
           </a:p>
           <a:p>
             <a:pPr lvl="2"/>
             <a:r>
-              <a:rPr lang="fr-CH" sz="1800" dirty="0" smtClean="0">
+              <a:rPr lang="fr-CH" sz="1800" dirty="0">
                 <a:solidFill>
                   <a:schemeClr val="tx1"/>
                 </a:solidFill>
@@ -14712,7 +16649,7 @@
               <a:tabLst/>
             </a:pPr>
             <a:r>
-              <a:rPr kumimoji="0" lang="fr-CH" altLang="fr-FR" b="1" i="0" u="sng" strike="noStrike" cap="none" normalizeH="0" baseline="0" dirty="0" smtClean="0">
+              <a:rPr kumimoji="0" lang="fr-CH" altLang="fr-FR" b="1" i="0" u="sng" strike="noStrike" cap="none" normalizeH="0" baseline="0" dirty="0">
                 <a:ln>
                   <a:noFill/>
                 </a:ln>
@@ -14779,10 +16716,9 @@
           <a:p>
             <a:pPr algn="ctr"/>
             <a:r>
-              <a:rPr lang="fr-CH" sz="2800" dirty="0" smtClean="0"/>
+              <a:rPr lang="fr-CH" sz="2800" dirty="0"/>
               <a:t>La technologie PoE</a:t>
             </a:r>
-            <a:endParaRPr lang="fr-CH" sz="2800" dirty="0"/>
           </a:p>
         </p:txBody>
       </p:sp>
@@ -15179,7 +17115,7 @@
               <a:tabLst/>
             </a:pPr>
             <a:r>
-              <a:rPr kumimoji="0" lang="fr-CH" altLang="fr-FR" sz="2000" b="1" i="0" u="sng" strike="noStrike" cap="none" normalizeH="0" baseline="0" dirty="0" smtClean="0">
+              <a:rPr kumimoji="0" lang="fr-CH" altLang="fr-FR" sz="2000" b="1" i="0" u="sng" strike="noStrike" cap="none" normalizeH="0" baseline="0" dirty="0">
                 <a:ln>
                   <a:noFill/>
                 </a:ln>
@@ -15208,7 +17144,7 @@
               <a:buNone/>
               <a:tabLst/>
             </a:pPr>
-            <a:endParaRPr kumimoji="0" lang="fr-CH" altLang="fr-FR" sz="1800" b="0" i="0" u="sng" strike="noStrike" cap="none" normalizeH="0" baseline="0" dirty="0" smtClean="0">
+            <a:endParaRPr kumimoji="0" lang="fr-CH" altLang="fr-FR" sz="1800" b="0" i="0" u="sng" strike="noStrike" cap="none" normalizeH="0" baseline="0" dirty="0">
               <a:ln>
                 <a:noFill/>
               </a:ln>
@@ -15273,10 +17209,9 @@
           <a:p>
             <a:pPr algn="ctr"/>
             <a:r>
-              <a:rPr lang="fr-CH" sz="2800" dirty="0" smtClean="0"/>
+              <a:rPr lang="fr-CH" sz="2800" dirty="0"/>
               <a:t>La technologie PoE</a:t>
             </a:r>
-            <a:endParaRPr lang="fr-CH" sz="2800" dirty="0"/>
           </a:p>
         </p:txBody>
       </p:sp>

--- a/Module 214 - Fabrication_Ethernet.pptx
+++ b/Module 214 - Fabrication_Ethernet.pptx
@@ -34,11 +34,10 @@
     <p:sldId id="293" r:id="rId28"/>
     <p:sldId id="294" r:id="rId29"/>
     <p:sldId id="262" r:id="rId30"/>
-    <p:sldId id="263" r:id="rId31"/>
-    <p:sldId id="264" r:id="rId32"/>
-    <p:sldId id="266" r:id="rId33"/>
+    <p:sldId id="295" r:id="rId31"/>
+    <p:sldId id="263" r:id="rId32"/>
+    <p:sldId id="264" r:id="rId33"/>
     <p:sldId id="265" r:id="rId34"/>
-    <p:sldId id="287" r:id="rId35"/>
   </p:sldIdLst>
   <p:sldSz cx="12192000" cy="6858000"/>
   <p:notesSz cx="6858000" cy="9144000"/>
@@ -336,7 +335,7 @@
           <a:p>
             <a:fld id="{D406E69D-613E-4019-8533-7F772451DAA2}" type="datetimeFigureOut">
               <a:rPr lang="fr-CH" smtClean="0"/>
-              <a:t>17.04.2019</a:t>
+              <a:t>25.04.2019</a:t>
             </a:fld>
             <a:endParaRPr lang="fr-CH"/>
           </a:p>
@@ -772,7 +771,7 @@
           <a:p>
             <a:fld id="{D406E69D-613E-4019-8533-7F772451DAA2}" type="datetimeFigureOut">
               <a:rPr lang="fr-CH" smtClean="0"/>
-              <a:t>17.04.2019</a:t>
+              <a:t>25.04.2019</a:t>
             </a:fld>
             <a:endParaRPr lang="fr-CH"/>
           </a:p>
@@ -1022,7 +1021,7 @@
           <a:p>
             <a:fld id="{D406E69D-613E-4019-8533-7F772451DAA2}" type="datetimeFigureOut">
               <a:rPr lang="fr-CH" smtClean="0"/>
-              <a:t>17.04.2019</a:t>
+              <a:t>25.04.2019</a:t>
             </a:fld>
             <a:endParaRPr lang="fr-CH"/>
           </a:p>
@@ -1330,7 +1329,7 @@
           <a:p>
             <a:fld id="{D406E69D-613E-4019-8533-7F772451DAA2}" type="datetimeFigureOut">
               <a:rPr lang="fr-CH" smtClean="0"/>
-              <a:t>17.04.2019</a:t>
+              <a:t>25.04.2019</a:t>
             </a:fld>
             <a:endParaRPr lang="fr-CH"/>
           </a:p>
@@ -1648,7 +1647,7 @@
           <a:p>
             <a:fld id="{D406E69D-613E-4019-8533-7F772451DAA2}" type="datetimeFigureOut">
               <a:rPr lang="fr-CH" smtClean="0"/>
-              <a:t>17.04.2019</a:t>
+              <a:t>25.04.2019</a:t>
             </a:fld>
             <a:endParaRPr lang="fr-CH"/>
           </a:p>
@@ -1950,7 +1949,7 @@
           <a:p>
             <a:fld id="{D406E69D-613E-4019-8533-7F772451DAA2}" type="datetimeFigureOut">
               <a:rPr lang="fr-CH" smtClean="0"/>
-              <a:t>17.04.2019</a:t>
+              <a:t>25.04.2019</a:t>
             </a:fld>
             <a:endParaRPr lang="fr-CH"/>
           </a:p>
@@ -2317,7 +2316,7 @@
           <a:p>
             <a:fld id="{D406E69D-613E-4019-8533-7F772451DAA2}" type="datetimeFigureOut">
               <a:rPr lang="fr-CH" smtClean="0"/>
-              <a:t>17.04.2019</a:t>
+              <a:t>25.04.2019</a:t>
             </a:fld>
             <a:endParaRPr lang="fr-CH"/>
           </a:p>
@@ -2491,7 +2490,7 @@
           <a:p>
             <a:fld id="{D406E69D-613E-4019-8533-7F772451DAA2}" type="datetimeFigureOut">
               <a:rPr lang="fr-CH" smtClean="0"/>
-              <a:t>17.04.2019</a:t>
+              <a:t>25.04.2019</a:t>
             </a:fld>
             <a:endParaRPr lang="fr-CH"/>
           </a:p>
@@ -2671,7 +2670,7 @@
           <a:p>
             <a:fld id="{D406E69D-613E-4019-8533-7F772451DAA2}" type="datetimeFigureOut">
               <a:rPr lang="fr-CH" smtClean="0"/>
-              <a:t>17.04.2019</a:t>
+              <a:t>25.04.2019</a:t>
             </a:fld>
             <a:endParaRPr lang="fr-CH"/>
           </a:p>
@@ -2841,7 +2840,7 @@
           <a:p>
             <a:fld id="{D406E69D-613E-4019-8533-7F772451DAA2}" type="datetimeFigureOut">
               <a:rPr lang="fr-CH" smtClean="0"/>
-              <a:t>17.04.2019</a:t>
+              <a:t>25.04.2019</a:t>
             </a:fld>
             <a:endParaRPr lang="fr-CH"/>
           </a:p>
@@ -3091,7 +3090,7 @@
           <a:p>
             <a:fld id="{D406E69D-613E-4019-8533-7F772451DAA2}" type="datetimeFigureOut">
               <a:rPr lang="fr-CH" smtClean="0"/>
-              <a:t>17.04.2019</a:t>
+              <a:t>25.04.2019</a:t>
             </a:fld>
             <a:endParaRPr lang="fr-CH"/>
           </a:p>
@@ -3327,7 +3326,7 @@
           <a:p>
             <a:fld id="{D406E69D-613E-4019-8533-7F772451DAA2}" type="datetimeFigureOut">
               <a:rPr lang="fr-CH" smtClean="0"/>
-              <a:t>17.04.2019</a:t>
+              <a:t>25.04.2019</a:t>
             </a:fld>
             <a:endParaRPr lang="fr-CH"/>
           </a:p>
@@ -3709,7 +3708,7 @@
           <a:p>
             <a:fld id="{D406E69D-613E-4019-8533-7F772451DAA2}" type="datetimeFigureOut">
               <a:rPr lang="fr-CH" smtClean="0"/>
-              <a:t>17.04.2019</a:t>
+              <a:t>25.04.2019</a:t>
             </a:fld>
             <a:endParaRPr lang="fr-CH"/>
           </a:p>
@@ -3827,7 +3826,7 @@
           <a:p>
             <a:fld id="{D406E69D-613E-4019-8533-7F772451DAA2}" type="datetimeFigureOut">
               <a:rPr lang="fr-CH" smtClean="0"/>
-              <a:t>17.04.2019</a:t>
+              <a:t>25.04.2019</a:t>
             </a:fld>
             <a:endParaRPr lang="fr-CH"/>
           </a:p>
@@ -3922,7 +3921,7 @@
           <a:p>
             <a:fld id="{D406E69D-613E-4019-8533-7F772451DAA2}" type="datetimeFigureOut">
               <a:rPr lang="fr-CH" smtClean="0"/>
-              <a:t>17.04.2019</a:t>
+              <a:t>25.04.2019</a:t>
             </a:fld>
             <a:endParaRPr lang="fr-CH"/>
           </a:p>
@@ -4177,7 +4176,7 @@
           <a:p>
             <a:fld id="{D406E69D-613E-4019-8533-7F772451DAA2}" type="datetimeFigureOut">
               <a:rPr lang="fr-CH" smtClean="0"/>
-              <a:t>17.04.2019</a:t>
+              <a:t>25.04.2019</a:t>
             </a:fld>
             <a:endParaRPr lang="fr-CH"/>
           </a:p>
@@ -4460,7 +4459,7 @@
           <a:p>
             <a:fld id="{D406E69D-613E-4019-8533-7F772451DAA2}" type="datetimeFigureOut">
               <a:rPr lang="fr-CH" smtClean="0"/>
-              <a:t>17.04.2019</a:t>
+              <a:t>25.04.2019</a:t>
             </a:fld>
             <a:endParaRPr lang="fr-CH"/>
           </a:p>
@@ -4866,7 +4865,7 @@
           <a:p>
             <a:fld id="{D406E69D-613E-4019-8533-7F772451DAA2}" type="datetimeFigureOut">
               <a:rPr lang="fr-CH" smtClean="0"/>
-              <a:t>17.04.2019</a:t>
+              <a:t>25.04.2019</a:t>
             </a:fld>
             <a:endParaRPr lang="fr-CH"/>
           </a:p>
@@ -11229,9 +11228,10 @@
           <a:lstStyle/>
           <a:p>
             <a:r>
-              <a:rPr lang="fr-CH" dirty="0"/>
-              <a:t>Présentation</a:t>
-            </a:r>
+              <a:rPr lang="fr-CH" dirty="0" smtClean="0"/>
+              <a:t>SOMMAIRE</a:t>
+            </a:r>
+            <a:endParaRPr lang="fr-CH" dirty="0"/>
           </a:p>
         </p:txBody>
       </p:sp>
@@ -13834,30 +13834,6 @@
       </p:grpSpPr>
       <p:sp>
         <p:nvSpPr>
-          <p:cNvPr id="5" name="Content Placeholder 2"/>
-          <p:cNvSpPr>
-            <a:spLocks noGrp="1"/>
-          </p:cNvSpPr>
-          <p:nvPr>
-            <p:ph idx="1"/>
-          </p:nvPr>
-        </p:nvSpPr>
-        <p:spPr>
-          <a:xfrm>
-            <a:off x="277793" y="902826"/>
-            <a:ext cx="11539959" cy="5660020"/>
-          </a:xfrm>
-        </p:spPr>
-        <p:txBody>
-          <a:bodyPr/>
-          <a:lstStyle/>
-          <a:p>
-            <a:endParaRPr lang="fr-CH" dirty="0"/>
-          </a:p>
-        </p:txBody>
-      </p:sp>
-      <p:sp>
-        <p:nvSpPr>
           <p:cNvPr id="6" name="Title 1"/>
           <p:cNvSpPr>
             <a:spLocks noGrp="1"/>
@@ -13883,6 +13859,150 @@
               <a:rPr lang="fr-CH" sz="2800" dirty="0"/>
               <a:t>CONNECTIQUES</a:t>
             </a:r>
+          </a:p>
+        </p:txBody>
+      </p:sp>
+      <p:sp>
+        <p:nvSpPr>
+          <p:cNvPr id="2" name="ZoneTexte 1"/>
+          <p:cNvSpPr txBox="1"/>
+          <p:nvPr/>
+        </p:nvSpPr>
+        <p:spPr>
+          <a:xfrm>
+            <a:off x="951721" y="802434"/>
+            <a:ext cx="5747657" cy="584775"/>
+          </a:xfrm>
+          <a:prstGeom prst="rect">
+            <a:avLst/>
+          </a:prstGeom>
+          <a:noFill/>
+        </p:spPr>
+        <p:txBody>
+          <a:bodyPr wrap="square" rtlCol="0">
+            <a:spAutoFit/>
+          </a:bodyPr>
+          <a:lstStyle/>
+          <a:p>
+            <a:r>
+              <a:rPr lang="fr-CH" sz="3200" b="1" dirty="0" smtClean="0"/>
+              <a:t>RJ-45 - </a:t>
+            </a:r>
+            <a:r>
+              <a:rPr lang="fr-CH" sz="3200" i="1" dirty="0" smtClean="0"/>
+              <a:t>Registered Jack 45</a:t>
+            </a:r>
+            <a:endParaRPr lang="fr-CH" sz="3200" i="1" dirty="0"/>
+          </a:p>
+        </p:txBody>
+      </p:sp>
+      <p:pic>
+        <p:nvPicPr>
+          <p:cNvPr id="3" name="Image 2"/>
+          <p:cNvPicPr>
+            <a:picLocks noChangeAspect="1"/>
+          </p:cNvPicPr>
+          <p:nvPr/>
+        </p:nvPicPr>
+        <p:blipFill>
+          <a:blip r:embed="rId2" cstate="print">
+            <a:extLst>
+              <a:ext uri="{28A0092B-C50C-407E-A947-70E740481C1C}">
+                <a14:useLocalDpi xmlns:a14="http://schemas.microsoft.com/office/drawing/2010/main" val="0"/>
+              </a:ext>
+            </a:extLst>
+          </a:blip>
+          <a:stretch>
+            <a:fillRect/>
+          </a:stretch>
+        </p:blipFill>
+        <p:spPr>
+          <a:xfrm>
+            <a:off x="9451908" y="1387209"/>
+            <a:ext cx="2041849" cy="2041849"/>
+          </a:xfrm>
+          <a:prstGeom prst="rect">
+            <a:avLst/>
+          </a:prstGeom>
+        </p:spPr>
+      </p:pic>
+      <p:sp>
+        <p:nvSpPr>
+          <p:cNvPr id="4" name="ZoneTexte 3"/>
+          <p:cNvSpPr txBox="1"/>
+          <p:nvPr/>
+        </p:nvSpPr>
+        <p:spPr>
+          <a:xfrm>
+            <a:off x="1240971" y="1754155"/>
+            <a:ext cx="7940351" cy="3831818"/>
+          </a:xfrm>
+          <a:prstGeom prst="rect">
+            <a:avLst/>
+          </a:prstGeom>
+          <a:noFill/>
+        </p:spPr>
+        <p:txBody>
+          <a:bodyPr wrap="square" rtlCol="0">
+            <a:spAutoFit/>
+          </a:bodyPr>
+          <a:lstStyle/>
+          <a:p>
+            <a:pPr>
+              <a:lnSpc>
+                <a:spcPct val="150000"/>
+              </a:lnSpc>
+            </a:pPr>
+            <a:r>
+              <a:rPr lang="fr-CH" dirty="0" smtClean="0"/>
+              <a:t>Il permet l’interconnexion d’équipements réseaux ou de téléphonies. </a:t>
+            </a:r>
+          </a:p>
+          <a:p>
+            <a:pPr>
+              <a:lnSpc>
+                <a:spcPct val="150000"/>
+              </a:lnSpc>
+            </a:pPr>
+            <a:endParaRPr lang="fr-CH" dirty="0" smtClean="0"/>
+          </a:p>
+          <a:p>
+            <a:pPr>
+              <a:lnSpc>
+                <a:spcPct val="150000"/>
+              </a:lnSpc>
+            </a:pPr>
+            <a:r>
+              <a:rPr lang="fr-CH" dirty="0" smtClean="0"/>
+              <a:t>Un RJ-45 possède 8 broches où les paires torsadées passeront.</a:t>
+            </a:r>
+          </a:p>
+          <a:p>
+            <a:endParaRPr lang="fr-CH" dirty="0"/>
+          </a:p>
+          <a:p>
+            <a:endParaRPr lang="fr-CH" dirty="0"/>
+          </a:p>
+          <a:p>
+            <a:endParaRPr lang="fr-CH" dirty="0" smtClean="0"/>
+          </a:p>
+          <a:p>
+            <a:endParaRPr lang="fr-CH" dirty="0"/>
+          </a:p>
+          <a:p>
+            <a:endParaRPr lang="fr-CH" dirty="0" smtClean="0"/>
+          </a:p>
+          <a:p>
+            <a:endParaRPr lang="fr-CH" dirty="0"/>
+          </a:p>
+          <a:p>
+            <a:endParaRPr lang="fr-CH" dirty="0" smtClean="0"/>
+          </a:p>
+          <a:p>
+            <a:endParaRPr lang="fr-CH" dirty="0"/>
+          </a:p>
+          <a:p>
+            <a:endParaRPr lang="fr-CH" dirty="0"/>
           </a:p>
         </p:txBody>
       </p:sp>
@@ -13918,30 +14038,6 @@
       </p:grpSpPr>
       <p:sp>
         <p:nvSpPr>
-          <p:cNvPr id="3" name="Content Placeholder 2"/>
-          <p:cNvSpPr>
-            <a:spLocks noGrp="1"/>
-          </p:cNvSpPr>
-          <p:nvPr>
-            <p:ph idx="1"/>
-          </p:nvPr>
-        </p:nvSpPr>
-        <p:spPr>
-          <a:xfrm>
-            <a:off x="277793" y="902826"/>
-            <a:ext cx="11539959" cy="5660020"/>
-          </a:xfrm>
-        </p:spPr>
-        <p:txBody>
-          <a:bodyPr/>
-          <a:lstStyle/>
-          <a:p>
-            <a:endParaRPr lang="fr-CH" dirty="0"/>
-          </a:p>
-        </p:txBody>
-      </p:sp>
-      <p:sp>
-        <p:nvSpPr>
           <p:cNvPr id="4" name="Title 1"/>
           <p:cNvSpPr>
             <a:spLocks noGrp="1"/>
@@ -13967,6 +14063,348 @@
               <a:rPr lang="fr-CH" sz="2800" dirty="0"/>
               <a:t>Introduction</a:t>
             </a:r>
+          </a:p>
+        </p:txBody>
+      </p:sp>
+      <p:sp>
+        <p:nvSpPr>
+          <p:cNvPr id="5" name="Content Placeholder 2"/>
+          <p:cNvSpPr txBox="1">
+            <a:spLocks/>
+          </p:cNvSpPr>
+          <p:nvPr/>
+        </p:nvSpPr>
+        <p:spPr>
+          <a:xfrm>
+            <a:off x="0" y="1399593"/>
+            <a:ext cx="10216729" cy="3546074"/>
+          </a:xfrm>
+          <a:prstGeom prst="rect">
+            <a:avLst/>
+          </a:prstGeom>
+        </p:spPr>
+        <p:txBody>
+          <a:bodyPr vert="horz" lIns="91440" tIns="45720" rIns="91440" bIns="45720" rtlCol="0" anchor="ctr">
+            <a:normAutofit/>
+          </a:bodyPr>
+          <a:lstStyle>
+            <a:lvl1pPr marL="285750" indent="-285750" algn="l" defTabSz="457200" rtl="0" eaLnBrk="1" latinLnBrk="0" hangingPunct="1">
+              <a:spcBef>
+                <a:spcPct val="20000"/>
+              </a:spcBef>
+              <a:spcAft>
+                <a:spcPts val="600"/>
+              </a:spcAft>
+              <a:buClr>
+                <a:schemeClr val="tx1"/>
+              </a:buClr>
+              <a:buSzPct val="80000"/>
+              <a:buFont typeface="Wingdings 3" panose="05040102010807070707" pitchFamily="18" charset="2"/>
+              <a:buChar char=""/>
+              <a:defRPr sz="2000" kern="1200" cap="none">
+                <a:solidFill>
+                  <a:schemeClr val="bg2">
+                    <a:lumMod val="75000"/>
+                  </a:schemeClr>
+                </a:solidFill>
+                <a:effectLst/>
+                <a:latin typeface="+mn-lt"/>
+                <a:ea typeface="+mn-ea"/>
+                <a:cs typeface="+mn-cs"/>
+              </a:defRPr>
+            </a:lvl1pPr>
+            <a:lvl2pPr marL="742950" indent="-285750" algn="l" defTabSz="457200" rtl="0" eaLnBrk="1" latinLnBrk="0" hangingPunct="1">
+              <a:spcBef>
+                <a:spcPct val="20000"/>
+              </a:spcBef>
+              <a:spcAft>
+                <a:spcPts val="600"/>
+              </a:spcAft>
+              <a:buClr>
+                <a:schemeClr val="tx1"/>
+              </a:buClr>
+              <a:buSzPct val="80000"/>
+              <a:buFont typeface="Wingdings 3" panose="05040102010807070707" pitchFamily="18" charset="2"/>
+              <a:buChar char=""/>
+              <a:defRPr sz="1800" kern="1200" cap="none">
+                <a:solidFill>
+                  <a:schemeClr val="bg2">
+                    <a:lumMod val="75000"/>
+                  </a:schemeClr>
+                </a:solidFill>
+                <a:effectLst/>
+                <a:latin typeface="+mn-lt"/>
+                <a:ea typeface="+mn-ea"/>
+                <a:cs typeface="+mn-cs"/>
+              </a:defRPr>
+            </a:lvl2pPr>
+            <a:lvl3pPr marL="1200150" indent="-285750" algn="l" defTabSz="457200" rtl="0" eaLnBrk="1" latinLnBrk="0" hangingPunct="1">
+              <a:spcBef>
+                <a:spcPct val="20000"/>
+              </a:spcBef>
+              <a:spcAft>
+                <a:spcPts val="600"/>
+              </a:spcAft>
+              <a:buClr>
+                <a:schemeClr val="tx1"/>
+              </a:buClr>
+              <a:buSzPct val="80000"/>
+              <a:buFont typeface="Wingdings 3" panose="05040102010807070707" pitchFamily="18" charset="2"/>
+              <a:buChar char=""/>
+              <a:defRPr sz="1600" kern="1200" cap="none">
+                <a:solidFill>
+                  <a:schemeClr val="bg2">
+                    <a:lumMod val="75000"/>
+                  </a:schemeClr>
+                </a:solidFill>
+                <a:effectLst/>
+                <a:latin typeface="+mn-lt"/>
+                <a:ea typeface="+mn-ea"/>
+                <a:cs typeface="+mn-cs"/>
+              </a:defRPr>
+            </a:lvl3pPr>
+            <a:lvl4pPr marL="1543050" indent="-171450" algn="l" defTabSz="457200" rtl="0" eaLnBrk="1" latinLnBrk="0" hangingPunct="1">
+              <a:spcBef>
+                <a:spcPct val="20000"/>
+              </a:spcBef>
+              <a:spcAft>
+                <a:spcPts val="600"/>
+              </a:spcAft>
+              <a:buClr>
+                <a:schemeClr val="tx1"/>
+              </a:buClr>
+              <a:buSzPct val="80000"/>
+              <a:buFont typeface="Wingdings 3" panose="05040102010807070707" pitchFamily="18" charset="2"/>
+              <a:buChar char=""/>
+              <a:defRPr sz="1400" kern="1200" cap="none">
+                <a:solidFill>
+                  <a:schemeClr val="bg2">
+                    <a:lumMod val="75000"/>
+                  </a:schemeClr>
+                </a:solidFill>
+                <a:effectLst/>
+                <a:latin typeface="+mn-lt"/>
+                <a:ea typeface="+mn-ea"/>
+                <a:cs typeface="+mn-cs"/>
+              </a:defRPr>
+            </a:lvl4pPr>
+            <a:lvl5pPr marL="2000250" indent="-171450" algn="l" defTabSz="457200" rtl="0" eaLnBrk="1" latinLnBrk="0" hangingPunct="1">
+              <a:spcBef>
+                <a:spcPct val="20000"/>
+              </a:spcBef>
+              <a:spcAft>
+                <a:spcPts val="600"/>
+              </a:spcAft>
+              <a:buClr>
+                <a:schemeClr val="tx1"/>
+              </a:buClr>
+              <a:buSzPct val="80000"/>
+              <a:buFont typeface="Wingdings 3" panose="05040102010807070707" pitchFamily="18" charset="2"/>
+              <a:buChar char=""/>
+              <a:defRPr sz="1400" kern="1200" cap="none">
+                <a:solidFill>
+                  <a:schemeClr val="bg2">
+                    <a:lumMod val="75000"/>
+                  </a:schemeClr>
+                </a:solidFill>
+                <a:effectLst/>
+                <a:latin typeface="+mn-lt"/>
+                <a:ea typeface="+mn-ea"/>
+                <a:cs typeface="+mn-cs"/>
+              </a:defRPr>
+            </a:lvl5pPr>
+            <a:lvl6pPr marL="2514600" indent="-228600" algn="l" defTabSz="457200" rtl="0" eaLnBrk="1" latinLnBrk="0" hangingPunct="1">
+              <a:spcBef>
+                <a:spcPct val="20000"/>
+              </a:spcBef>
+              <a:spcAft>
+                <a:spcPts val="600"/>
+              </a:spcAft>
+              <a:buClr>
+                <a:schemeClr val="tx1"/>
+              </a:buClr>
+              <a:buSzPct val="80000"/>
+              <a:buFont typeface="Wingdings 3" panose="05040102010807070707" pitchFamily="18" charset="2"/>
+              <a:buChar char=""/>
+              <a:defRPr sz="1400" kern="1200" cap="none">
+                <a:solidFill>
+                  <a:schemeClr val="bg2">
+                    <a:lumMod val="75000"/>
+                  </a:schemeClr>
+                </a:solidFill>
+                <a:effectLst/>
+                <a:latin typeface="+mn-lt"/>
+                <a:ea typeface="+mn-ea"/>
+                <a:cs typeface="+mn-cs"/>
+              </a:defRPr>
+            </a:lvl6pPr>
+            <a:lvl7pPr marL="2971800" indent="-228600" algn="l" defTabSz="457200" rtl="0" eaLnBrk="1" latinLnBrk="0" hangingPunct="1">
+              <a:spcBef>
+                <a:spcPct val="20000"/>
+              </a:spcBef>
+              <a:spcAft>
+                <a:spcPts val="600"/>
+              </a:spcAft>
+              <a:buClr>
+                <a:schemeClr val="tx1"/>
+              </a:buClr>
+              <a:buSzPct val="80000"/>
+              <a:buFont typeface="Wingdings 3" panose="05040102010807070707" pitchFamily="18" charset="2"/>
+              <a:buChar char=""/>
+              <a:defRPr sz="1400" kern="1200" cap="none">
+                <a:solidFill>
+                  <a:schemeClr val="bg2">
+                    <a:lumMod val="75000"/>
+                  </a:schemeClr>
+                </a:solidFill>
+                <a:effectLst/>
+                <a:latin typeface="+mn-lt"/>
+                <a:ea typeface="+mn-ea"/>
+                <a:cs typeface="+mn-cs"/>
+              </a:defRPr>
+            </a:lvl7pPr>
+            <a:lvl8pPr marL="3429000" indent="-228600" algn="l" defTabSz="457200" rtl="0" eaLnBrk="1" latinLnBrk="0" hangingPunct="1">
+              <a:spcBef>
+                <a:spcPct val="20000"/>
+              </a:spcBef>
+              <a:spcAft>
+                <a:spcPts val="600"/>
+              </a:spcAft>
+              <a:buClr>
+                <a:schemeClr val="tx1"/>
+              </a:buClr>
+              <a:buSzPct val="80000"/>
+              <a:buFont typeface="Wingdings 3" panose="05040102010807070707" pitchFamily="18" charset="2"/>
+              <a:buChar char=""/>
+              <a:defRPr sz="1400" kern="1200" cap="none">
+                <a:solidFill>
+                  <a:schemeClr val="bg2">
+                    <a:lumMod val="75000"/>
+                  </a:schemeClr>
+                </a:solidFill>
+                <a:effectLst/>
+                <a:latin typeface="+mn-lt"/>
+                <a:ea typeface="+mn-ea"/>
+                <a:cs typeface="+mn-cs"/>
+              </a:defRPr>
+            </a:lvl8pPr>
+            <a:lvl9pPr marL="3886200" indent="-228600" algn="l" defTabSz="457200" rtl="0" eaLnBrk="1" latinLnBrk="0" hangingPunct="1">
+              <a:spcBef>
+                <a:spcPct val="20000"/>
+              </a:spcBef>
+              <a:spcAft>
+                <a:spcPts val="600"/>
+              </a:spcAft>
+              <a:buClr>
+                <a:schemeClr val="tx1"/>
+              </a:buClr>
+              <a:buSzPct val="80000"/>
+              <a:buFont typeface="Wingdings 3" panose="05040102010807070707" pitchFamily="18" charset="2"/>
+              <a:buChar char=""/>
+              <a:defRPr sz="1400" kern="1200" cap="none">
+                <a:solidFill>
+                  <a:schemeClr val="bg2">
+                    <a:lumMod val="75000"/>
+                  </a:schemeClr>
+                </a:solidFill>
+                <a:effectLst/>
+                <a:latin typeface="+mn-lt"/>
+                <a:ea typeface="+mn-ea"/>
+                <a:cs typeface="+mn-cs"/>
+              </a:defRPr>
+            </a:lvl9pPr>
+          </a:lstStyle>
+          <a:p>
+            <a:pPr lvl="1">
+              <a:lnSpc>
+                <a:spcPct val="150000"/>
+              </a:lnSpc>
+            </a:pPr>
+            <a:r>
+              <a:rPr lang="fr-CH" sz="2400" dirty="0" smtClean="0">
+                <a:solidFill>
+                  <a:schemeClr val="tx1"/>
+                </a:solidFill>
+              </a:rPr>
+              <a:t>Sujet : La fabrication d’un câble Ethernet</a:t>
+            </a:r>
+          </a:p>
+          <a:p>
+            <a:pPr lvl="1">
+              <a:lnSpc>
+                <a:spcPct val="150000"/>
+              </a:lnSpc>
+            </a:pPr>
+            <a:r>
+              <a:rPr lang="fr-CH" sz="2400" dirty="0" smtClean="0">
+                <a:solidFill>
+                  <a:schemeClr val="tx1"/>
+                </a:solidFill>
+              </a:rPr>
+              <a:t>Cette présentation à comme objectifs :</a:t>
+            </a:r>
+          </a:p>
+          <a:p>
+            <a:pPr lvl="2">
+              <a:lnSpc>
+                <a:spcPct val="150000"/>
+              </a:lnSpc>
+            </a:pPr>
+            <a:r>
+              <a:rPr lang="fr-CH" sz="2200" dirty="0" smtClean="0">
+                <a:solidFill>
+                  <a:schemeClr val="tx1"/>
+                </a:solidFill>
+              </a:rPr>
+              <a:t>Décrire et présenter les différentes normes, catégories et technologies d’un câble Ethernet</a:t>
+            </a:r>
+          </a:p>
+          <a:p>
+            <a:pPr lvl="2">
+              <a:lnSpc>
+                <a:spcPct val="150000"/>
+              </a:lnSpc>
+            </a:pPr>
+            <a:r>
+              <a:rPr lang="fr-CH" sz="2200" dirty="0">
+                <a:solidFill>
+                  <a:schemeClr val="tx1"/>
+                </a:solidFill>
+              </a:rPr>
+              <a:t>D</a:t>
+            </a:r>
+            <a:r>
+              <a:rPr lang="fr-CH" sz="2200" dirty="0" smtClean="0">
+                <a:solidFill>
+                  <a:schemeClr val="tx1"/>
+                </a:solidFill>
+              </a:rPr>
+              <a:t>émontrer la fabrication d’un câble RJ-45</a:t>
+            </a:r>
+          </a:p>
+          <a:p>
+            <a:pPr lvl="2">
+              <a:lnSpc>
+                <a:spcPct val="150000"/>
+              </a:lnSpc>
+            </a:pPr>
+            <a:endParaRPr lang="fr-CH" sz="2200" dirty="0" smtClean="0">
+              <a:solidFill>
+                <a:schemeClr val="tx1"/>
+              </a:solidFill>
+            </a:endParaRPr>
+          </a:p>
+          <a:p>
+            <a:pPr lvl="2">
+              <a:lnSpc>
+                <a:spcPct val="150000"/>
+              </a:lnSpc>
+            </a:pPr>
+            <a:endParaRPr lang="fr-CH" sz="2200" dirty="0" smtClean="0">
+              <a:solidFill>
+                <a:schemeClr val="tx1"/>
+              </a:solidFill>
+            </a:endParaRPr>
           </a:p>
         </p:txBody>
       </p:sp>
@@ -14002,30 +14440,6 @@
       </p:grpSpPr>
       <p:sp>
         <p:nvSpPr>
-          <p:cNvPr id="5" name="Content Placeholder 2"/>
-          <p:cNvSpPr>
-            <a:spLocks noGrp="1"/>
-          </p:cNvSpPr>
-          <p:nvPr>
-            <p:ph idx="1"/>
-          </p:nvPr>
-        </p:nvSpPr>
-        <p:spPr>
-          <a:xfrm>
-            <a:off x="277793" y="902826"/>
-            <a:ext cx="11539959" cy="5660020"/>
-          </a:xfrm>
-        </p:spPr>
-        <p:txBody>
-          <a:bodyPr/>
-          <a:lstStyle/>
-          <a:p>
-            <a:endParaRPr lang="fr-CH" dirty="0"/>
-          </a:p>
-        </p:txBody>
-      </p:sp>
-      <p:sp>
-        <p:nvSpPr>
           <p:cNvPr id="6" name="Title 1"/>
           <p:cNvSpPr>
             <a:spLocks noGrp="1"/>
@@ -14036,8 +14450,8 @@
         </p:nvSpPr>
         <p:spPr>
           <a:xfrm>
-            <a:off x="1" y="0"/>
-            <a:ext cx="1689904" cy="510199"/>
+            <a:off x="0" y="0"/>
+            <a:ext cx="3032567" cy="510199"/>
           </a:xfrm>
         </p:spPr>
         <p:txBody>
@@ -14049,15 +14463,143 @@
             <a:pPr algn="ctr"/>
             <a:r>
               <a:rPr lang="fr-CH" sz="2800" dirty="0"/>
-              <a:t>NORMES</a:t>
-            </a:r>
-          </a:p>
-        </p:txBody>
-      </p:sp>
+              <a:t>CONNECTIQUES</a:t>
+            </a:r>
+          </a:p>
+        </p:txBody>
+      </p:sp>
+      <p:sp>
+        <p:nvSpPr>
+          <p:cNvPr id="2" name="ZoneTexte 1"/>
+          <p:cNvSpPr txBox="1"/>
+          <p:nvPr/>
+        </p:nvSpPr>
+        <p:spPr>
+          <a:xfrm>
+            <a:off x="951721" y="802434"/>
+            <a:ext cx="5747657" cy="584775"/>
+          </a:xfrm>
+          <a:prstGeom prst="rect">
+            <a:avLst/>
+          </a:prstGeom>
+          <a:noFill/>
+        </p:spPr>
+        <p:txBody>
+          <a:bodyPr wrap="square" rtlCol="0">
+            <a:spAutoFit/>
+          </a:bodyPr>
+          <a:lstStyle/>
+          <a:p>
+            <a:r>
+              <a:rPr lang="fr-CH" sz="3200" b="1" dirty="0" smtClean="0"/>
+              <a:t>RJ-45 - </a:t>
+            </a:r>
+            <a:r>
+              <a:rPr lang="fr-CH" sz="3200" i="1" dirty="0" smtClean="0"/>
+              <a:t>Registered Jack 45</a:t>
+            </a:r>
+            <a:endParaRPr lang="fr-CH" sz="3200" i="1" dirty="0"/>
+          </a:p>
+        </p:txBody>
+      </p:sp>
+      <p:sp>
+        <p:nvSpPr>
+          <p:cNvPr id="4" name="ZoneTexte 3"/>
+          <p:cNvSpPr txBox="1"/>
+          <p:nvPr/>
+        </p:nvSpPr>
+        <p:spPr>
+          <a:xfrm>
+            <a:off x="1240971" y="1754155"/>
+            <a:ext cx="7940351" cy="3554819"/>
+          </a:xfrm>
+          <a:prstGeom prst="rect">
+            <a:avLst/>
+          </a:prstGeom>
+          <a:noFill/>
+        </p:spPr>
+        <p:txBody>
+          <a:bodyPr wrap="square" rtlCol="0">
+            <a:spAutoFit/>
+          </a:bodyPr>
+          <a:lstStyle/>
+          <a:p>
+            <a:pPr>
+              <a:lnSpc>
+                <a:spcPct val="150000"/>
+              </a:lnSpc>
+            </a:pPr>
+            <a:r>
+              <a:rPr lang="fr-CH" b="1" dirty="0" smtClean="0"/>
+              <a:t>Différentes applications :</a:t>
+            </a:r>
+            <a:endParaRPr lang="fr-CH" b="1" dirty="0"/>
+          </a:p>
+          <a:p>
+            <a:pPr>
+              <a:lnSpc>
+                <a:spcPct val="150000"/>
+              </a:lnSpc>
+            </a:pPr>
+            <a:r>
+              <a:rPr lang="fr-CH" dirty="0" smtClean="0"/>
+              <a:t>Suivant la paire torsadée utilisée sur une broche, l’application sera différentes.</a:t>
+            </a:r>
+          </a:p>
+          <a:p>
+            <a:endParaRPr lang="fr-CH" dirty="0"/>
+          </a:p>
+          <a:p>
+            <a:endParaRPr lang="fr-CH" dirty="0" smtClean="0"/>
+          </a:p>
+          <a:p>
+            <a:endParaRPr lang="fr-CH" dirty="0"/>
+          </a:p>
+          <a:p>
+            <a:endParaRPr lang="fr-CH" dirty="0" smtClean="0"/>
+          </a:p>
+          <a:p>
+            <a:endParaRPr lang="fr-CH" dirty="0"/>
+          </a:p>
+          <a:p>
+            <a:endParaRPr lang="fr-CH" dirty="0" smtClean="0"/>
+          </a:p>
+          <a:p>
+            <a:endParaRPr lang="fr-CH" dirty="0"/>
+          </a:p>
+          <a:p>
+            <a:endParaRPr lang="fr-CH" dirty="0"/>
+          </a:p>
+        </p:txBody>
+      </p:sp>
+      <p:pic>
+        <p:nvPicPr>
+          <p:cNvPr id="5" name="Image 4"/>
+          <p:cNvPicPr>
+            <a:picLocks noChangeAspect="1"/>
+          </p:cNvPicPr>
+          <p:nvPr/>
+        </p:nvPicPr>
+        <p:blipFill>
+          <a:blip r:embed="rId2"/>
+          <a:stretch>
+            <a:fillRect/>
+          </a:stretch>
+        </p:blipFill>
+        <p:spPr>
+          <a:xfrm>
+            <a:off x="3920027" y="3217401"/>
+            <a:ext cx="4351946" cy="2458519"/>
+          </a:xfrm>
+          <a:prstGeom prst="rect">
+            <a:avLst/>
+          </a:prstGeom>
+        </p:spPr>
+      </p:pic>
     </p:spTree>
     <p:extLst>
       <p:ext uri="{BB962C8B-B14F-4D97-AF65-F5344CB8AC3E}">
-        <p14:creationId xmlns:p14="http://schemas.microsoft.com/office/powerpoint/2010/main" val="237110104"/>
+        <p14:creationId xmlns:p14="http://schemas.microsoft.com/office/powerpoint/2010/main" val="1775298629"/>
       </p:ext>
     </p:extLst>
   </p:cSld>
@@ -14120,8 +14662,8 @@
         </p:nvSpPr>
         <p:spPr>
           <a:xfrm>
-            <a:off x="0" y="0"/>
-            <a:ext cx="2488557" cy="510199"/>
+            <a:off x="1" y="0"/>
+            <a:ext cx="1689904" cy="510199"/>
           </a:xfrm>
         </p:spPr>
         <p:txBody>
@@ -14133,7 +14675,7 @@
             <a:pPr algn="ctr"/>
             <a:r>
               <a:rPr lang="fr-CH" sz="2800" dirty="0"/>
-              <a:t>FABRICATION</a:t>
+              <a:t>NORMES</a:t>
             </a:r>
           </a:p>
         </p:txBody>
@@ -14141,7 +14683,7 @@
     </p:spTree>
     <p:extLst>
       <p:ext uri="{BB962C8B-B14F-4D97-AF65-F5344CB8AC3E}">
-        <p14:creationId xmlns:p14="http://schemas.microsoft.com/office/powerpoint/2010/main" val="1207272401"/>
+        <p14:creationId xmlns:p14="http://schemas.microsoft.com/office/powerpoint/2010/main" val="237110104"/>
       </p:ext>
     </p:extLst>
   </p:cSld>
@@ -14168,10 +14710,64 @@
           <a:chExt cx="0" cy="0"/>
         </a:xfrm>
       </p:grpSpPr>
+      <p:sp>
+        <p:nvSpPr>
+          <p:cNvPr id="5" name="Content Placeholder 2"/>
+          <p:cNvSpPr>
+            <a:spLocks noGrp="1"/>
+          </p:cNvSpPr>
+          <p:nvPr>
+            <p:ph idx="1"/>
+          </p:nvPr>
+        </p:nvSpPr>
+        <p:spPr>
+          <a:xfrm>
+            <a:off x="277793" y="902826"/>
+            <a:ext cx="11539959" cy="5660020"/>
+          </a:xfrm>
+        </p:spPr>
+        <p:txBody>
+          <a:bodyPr/>
+          <a:lstStyle/>
+          <a:p>
+            <a:endParaRPr lang="fr-CH" dirty="0"/>
+          </a:p>
+        </p:txBody>
+      </p:sp>
+      <p:sp>
+        <p:nvSpPr>
+          <p:cNvPr id="6" name="Title 1"/>
+          <p:cNvSpPr>
+            <a:spLocks noGrp="1"/>
+          </p:cNvSpPr>
+          <p:nvPr>
+            <p:ph type="title"/>
+          </p:nvPr>
+        </p:nvSpPr>
+        <p:spPr>
+          <a:xfrm>
+            <a:off x="0" y="0"/>
+            <a:ext cx="2488557" cy="510199"/>
+          </a:xfrm>
+        </p:spPr>
+        <p:txBody>
+          <a:bodyPr numCol="1">
+            <a:noAutofit/>
+          </a:bodyPr>
+          <a:lstStyle/>
+          <a:p>
+            <a:pPr algn="ctr"/>
+            <a:r>
+              <a:rPr lang="fr-CH" sz="2800" dirty="0"/>
+              <a:t>FABRICATION</a:t>
+            </a:r>
+          </a:p>
+        </p:txBody>
+      </p:sp>
     </p:spTree>
     <p:extLst>
       <p:ext uri="{BB962C8B-B14F-4D97-AF65-F5344CB8AC3E}">
-        <p14:creationId xmlns:p14="http://schemas.microsoft.com/office/powerpoint/2010/main" val="728918343"/>
+        <p14:creationId xmlns:p14="http://schemas.microsoft.com/office/powerpoint/2010/main" val="1207272401"/>
       </p:ext>
     </p:extLst>
   </p:cSld>
@@ -14210,22 +14806,60 @@
         </p:nvSpPr>
         <p:spPr>
           <a:xfrm rot="10800000" flipV="1">
-            <a:off x="305687" y="844953"/>
+            <a:off x="1312243" y="1"/>
             <a:ext cx="9567515" cy="2476981"/>
           </a:xfrm>
         </p:spPr>
         <p:txBody>
-          <a:bodyPr>
+          <a:bodyPr anchor="ctr">
             <a:noAutofit/>
           </a:bodyPr>
           <a:lstStyle/>
           <a:p>
             <a:r>
-              <a:rPr lang="fr-CH" sz="8000" dirty="0">
+              <a:rPr lang="fr-CH" sz="5400" dirty="0">
                 <a:cs typeface="Arial" panose="020B0604020202020204" pitchFamily="34" charset="0"/>
               </a:rPr>
               <a:t>Merci de votre écoute </a:t>
             </a:r>
+          </a:p>
+        </p:txBody>
+      </p:sp>
+      <p:sp>
+        <p:nvSpPr>
+          <p:cNvPr id="3" name="Rectangle 2"/>
+          <p:cNvSpPr/>
+          <p:nvPr/>
+        </p:nvSpPr>
+        <p:spPr>
+          <a:xfrm>
+            <a:off x="1312243" y="2476983"/>
+            <a:ext cx="5512585" cy="1862048"/>
+          </a:xfrm>
+          <a:prstGeom prst="rect">
+            <a:avLst/>
+          </a:prstGeom>
+        </p:spPr>
+        <p:txBody>
+          <a:bodyPr wrap="square">
+            <a:spAutoFit/>
+          </a:bodyPr>
+          <a:lstStyle/>
+          <a:p>
+            <a:r>
+              <a:rPr lang="fr-CH" sz="4800" dirty="0" smtClean="0">
+                <a:cs typeface="Arial" panose="020B0604020202020204" pitchFamily="34" charset="0"/>
+              </a:rPr>
+              <a:t>Des questions </a:t>
+            </a:r>
+            <a:r>
+              <a:rPr lang="fr-CH" sz="11500" dirty="0">
+                <a:latin typeface="Andalus" panose="02020603050405020304" pitchFamily="18" charset="-78"/>
+                <a:cs typeface="Andalus" panose="02020603050405020304" pitchFamily="18" charset="-78"/>
+              </a:rPr>
+              <a:t>?</a:t>
+            </a:r>
+            <a:endParaRPr lang="fr-CH" sz="2000" dirty="0"/>
           </a:p>
         </p:txBody>
       </p:sp>
@@ -14233,74 +14867,6 @@
     <p:extLst>
       <p:ext uri="{BB962C8B-B14F-4D97-AF65-F5344CB8AC3E}">
         <p14:creationId xmlns:p14="http://schemas.microsoft.com/office/powerpoint/2010/main" val="3904854099"/>
-      </p:ext>
-    </p:extLst>
-  </p:cSld>
-  <p:clrMapOvr>
-    <a:masterClrMapping/>
-  </p:clrMapOvr>
-</p:sld>
-</file>
-
-<file path=ppt/slides/slide34.xml><?xml version="1.0" encoding="utf-8"?>
-<p:sld xmlns:a="http://schemas.openxmlformats.org/drawingml/2006/main" xmlns:r="http://schemas.openxmlformats.org/officeDocument/2006/relationships" xmlns:p="http://schemas.openxmlformats.org/presentationml/2006/main">
-  <p:cSld>
-    <p:spTree>
-      <p:nvGrpSpPr>
-        <p:cNvPr id="1" name=""/>
-        <p:cNvGrpSpPr/>
-        <p:nvPr/>
-      </p:nvGrpSpPr>
-      <p:grpSpPr>
-        <a:xfrm>
-          <a:off x="0" y="0"/>
-          <a:ext cx="0" cy="0"/>
-          <a:chOff x="0" y="0"/>
-          <a:chExt cx="0" cy="0"/>
-        </a:xfrm>
-      </p:grpSpPr>
-      <p:sp>
-        <p:nvSpPr>
-          <p:cNvPr id="2" name="Title 1"/>
-          <p:cNvSpPr>
-            <a:spLocks noGrp="1"/>
-          </p:cNvSpPr>
-          <p:nvPr>
-            <p:ph type="ctrTitle"/>
-          </p:nvPr>
-        </p:nvSpPr>
-        <p:spPr>
-          <a:xfrm rot="10800000" flipV="1">
-            <a:off x="375135" y="1273217"/>
-            <a:ext cx="9567515" cy="2476981"/>
-          </a:xfrm>
-        </p:spPr>
-        <p:txBody>
-          <a:bodyPr>
-            <a:noAutofit/>
-          </a:bodyPr>
-          <a:lstStyle/>
-          <a:p>
-            <a:r>
-              <a:rPr lang="fr-CH" sz="8000" dirty="0">
-                <a:cs typeface="Arial" panose="020B0604020202020204" pitchFamily="34" charset="0"/>
-              </a:rPr>
-              <a:t>Question </a:t>
-            </a:r>
-            <a:r>
-              <a:rPr lang="fr-CH" sz="23900" dirty="0">
-                <a:latin typeface="Andalus" panose="02020603050405020304" pitchFamily="18" charset="-78"/>
-                <a:cs typeface="Andalus" panose="02020603050405020304" pitchFamily="18" charset="-78"/>
-              </a:rPr>
-              <a:t>?</a:t>
-            </a:r>
-          </a:p>
-        </p:txBody>
-      </p:sp>
-    </p:spTree>
-    <p:extLst>
-      <p:ext uri="{BB962C8B-B14F-4D97-AF65-F5344CB8AC3E}">
-        <p14:creationId xmlns:p14="http://schemas.microsoft.com/office/powerpoint/2010/main" val="1360412453"/>
       </p:ext>
     </p:extLst>
   </p:cSld>

--- a/Module 214 - Fabrication_Ethernet.pptx
+++ b/Module 214 - Fabrication_Ethernet.pptx
@@ -35,9 +35,12 @@
     <p:sldId id="294" r:id="rId29"/>
     <p:sldId id="262" r:id="rId30"/>
     <p:sldId id="295" r:id="rId31"/>
-    <p:sldId id="263" r:id="rId32"/>
-    <p:sldId id="264" r:id="rId33"/>
-    <p:sldId id="265" r:id="rId34"/>
+    <p:sldId id="297" r:id="rId32"/>
+    <p:sldId id="296" r:id="rId33"/>
+    <p:sldId id="298" r:id="rId34"/>
+    <p:sldId id="263" r:id="rId35"/>
+    <p:sldId id="264" r:id="rId36"/>
+    <p:sldId id="265" r:id="rId37"/>
   </p:sldIdLst>
   <p:sldSz cx="12192000" cy="6858000"/>
   <p:notesSz cx="6858000" cy="9144000"/>
@@ -13918,7 +13921,7 @@
         </p:blipFill>
         <p:spPr>
           <a:xfrm>
-            <a:off x="9451908" y="1387209"/>
+            <a:off x="7501811" y="1906585"/>
             <a:ext cx="2041849" cy="2041849"/>
           </a:xfrm>
           <a:prstGeom prst="rect">
@@ -13935,7 +13938,7 @@
         <p:spPr>
           <a:xfrm>
             <a:off x="1240971" y="1754155"/>
-            <a:ext cx="7940351" cy="3831818"/>
+            <a:ext cx="8630817" cy="6324808"/>
           </a:xfrm>
           <a:prstGeom prst="rect">
             <a:avLst/>
@@ -13954,8 +13957,8 @@
               </a:lnSpc>
             </a:pPr>
             <a:r>
-              <a:rPr lang="fr-CH" dirty="0" smtClean="0"/>
-              <a:t>Il permet l’interconnexion d’équipements réseaux ou de téléphonies. </a:t>
+              <a:rPr lang="fr-CH" b="1" u="sng" dirty="0" smtClean="0"/>
+              <a:t>Usages RJ-45</a:t>
             </a:r>
           </a:p>
           <a:p>
@@ -13964,7 +13967,10 @@
                 <a:spcPct val="150000"/>
               </a:lnSpc>
             </a:pPr>
-            <a:endParaRPr lang="fr-CH" dirty="0" smtClean="0"/>
+            <a:r>
+              <a:rPr lang="fr-CH" dirty="0" smtClean="0"/>
+              <a:t>Interconnexion d’interfaces physiques.</a:t>
+            </a:r>
           </a:p>
           <a:p>
             <a:pPr>
@@ -13974,8 +13980,94 @@
             </a:pPr>
             <a:r>
               <a:rPr lang="fr-CH" dirty="0" smtClean="0"/>
-              <a:t>Un RJ-45 possède 8 broches où les paires torsadées passeront.</a:t>
-            </a:r>
+              <a:t>Equipement réseaux.</a:t>
+            </a:r>
+          </a:p>
+          <a:p>
+            <a:pPr>
+              <a:lnSpc>
+                <a:spcPct val="150000"/>
+              </a:lnSpc>
+            </a:pPr>
+            <a:r>
+              <a:rPr lang="fr-CH" dirty="0" smtClean="0"/>
+              <a:t>Téléphonie.</a:t>
+            </a:r>
+          </a:p>
+          <a:p>
+            <a:pPr>
+              <a:lnSpc>
+                <a:spcPct val="150000"/>
+              </a:lnSpc>
+            </a:pPr>
+            <a:r>
+              <a:rPr lang="fr-CH" dirty="0" err="1" smtClean="0"/>
+              <a:t>PoE</a:t>
+            </a:r>
+            <a:r>
+              <a:rPr lang="fr-CH" dirty="0" smtClean="0"/>
+              <a:t>.</a:t>
+            </a:r>
+          </a:p>
+          <a:p>
+            <a:pPr>
+              <a:lnSpc>
+                <a:spcPct val="150000"/>
+              </a:lnSpc>
+            </a:pPr>
+            <a:endParaRPr lang="fr-CH" dirty="0"/>
+          </a:p>
+          <a:p>
+            <a:pPr>
+              <a:lnSpc>
+                <a:spcPct val="150000"/>
+              </a:lnSpc>
+            </a:pPr>
+            <a:r>
+              <a:rPr lang="fr-CH" b="1" u="sng" dirty="0" smtClean="0"/>
+              <a:t>Fonctionnement</a:t>
+            </a:r>
+            <a:endParaRPr lang="fr-CH" dirty="0" smtClean="0"/>
+          </a:p>
+          <a:p>
+            <a:pPr>
+              <a:lnSpc>
+                <a:spcPct val="150000"/>
+              </a:lnSpc>
+            </a:pPr>
+            <a:r>
+              <a:rPr lang="fr-CH" dirty="0" smtClean="0"/>
+              <a:t>Il possède </a:t>
+            </a:r>
+            <a:r>
+              <a:rPr lang="fr-CH" dirty="0" smtClean="0"/>
+              <a:t>8 broches où les paires torsadées </a:t>
+            </a:r>
+            <a:r>
+              <a:rPr lang="fr-CH" dirty="0" smtClean="0"/>
+              <a:t>passent.</a:t>
+            </a:r>
+            <a:endParaRPr lang="fr-CH" dirty="0"/>
+          </a:p>
+          <a:p>
+            <a:pPr>
+              <a:lnSpc>
+                <a:spcPct val="150000"/>
+              </a:lnSpc>
+            </a:pPr>
+            <a:r>
+              <a:rPr lang="fr-CH" dirty="0" smtClean="0"/>
+              <a:t>Le RJ-45 respecte le standard</a:t>
+            </a:r>
+            <a:r>
+              <a:rPr lang="fr-CH" dirty="0" smtClean="0"/>
+              <a:t> </a:t>
+            </a:r>
+            <a:r>
+              <a:rPr lang="fr-CH" b="1" dirty="0" smtClean="0"/>
+              <a:t>TIA/EIA-568-B.</a:t>
+            </a:r>
+            <a:endParaRPr lang="fr-CH" b="1" dirty="0" smtClean="0"/>
           </a:p>
           <a:p>
             <a:endParaRPr lang="fr-CH" dirty="0"/>
@@ -14351,7 +14443,7 @@
               </a:lnSpc>
             </a:pPr>
             <a:r>
-              <a:rPr lang="fr-CH" sz="2200" dirty="0" smtClean="0">
+              <a:rPr lang="fr-CH" sz="2000" dirty="0" smtClean="0">
                 <a:solidFill>
                   <a:schemeClr val="tx1"/>
                 </a:solidFill>
@@ -14366,7 +14458,7 @@
               </a:lnSpc>
             </a:pPr>
             <a:r>
-              <a:rPr lang="fr-CH" sz="2200" dirty="0">
+              <a:rPr lang="fr-CH" sz="2000" dirty="0">
                 <a:solidFill>
                   <a:schemeClr val="tx1"/>
                 </a:solidFill>
@@ -14374,7 +14466,7 @@
               <a:t>D</a:t>
             </a:r>
             <a:r>
-              <a:rPr lang="fr-CH" sz="2200" dirty="0" smtClean="0">
+              <a:rPr lang="fr-CH" sz="2000" dirty="0" smtClean="0">
                 <a:solidFill>
                   <a:schemeClr val="tx1"/>
                 </a:solidFill>
@@ -14510,8 +14602,8 @@
         </p:nvSpPr>
         <p:spPr>
           <a:xfrm>
-            <a:off x="1240971" y="1754155"/>
-            <a:ext cx="7940351" cy="3554819"/>
+            <a:off x="1259633" y="1439991"/>
+            <a:ext cx="9060024" cy="3139321"/>
           </a:xfrm>
           <a:prstGeom prst="rect">
             <a:avLst/>
@@ -14530,10 +14622,14 @@
               </a:lnSpc>
             </a:pPr>
             <a:r>
-              <a:rPr lang="fr-CH" b="1" dirty="0" smtClean="0"/>
-              <a:t>Différentes applications :</a:t>
-            </a:r>
-            <a:endParaRPr lang="fr-CH" b="1" dirty="0"/>
+              <a:rPr lang="fr-CH" b="1" u="sng" dirty="0" smtClean="0"/>
+              <a:t>Différentes </a:t>
+            </a:r>
+            <a:r>
+              <a:rPr lang="fr-CH" b="1" u="sng" dirty="0" smtClean="0"/>
+              <a:t>applications</a:t>
+            </a:r>
+            <a:endParaRPr lang="fr-CH" b="1" u="sng" dirty="0"/>
           </a:p>
           <a:p>
             <a:pPr>
@@ -14588,7 +14684,7 @@
         </p:blipFill>
         <p:spPr>
           <a:xfrm>
-            <a:off x="3920027" y="3217401"/>
+            <a:off x="3613672" y="2806855"/>
             <a:ext cx="4351946" cy="2458519"/>
           </a:xfrm>
           <a:prstGeom prst="rect">
@@ -14628,30 +14724,6 @@
       </p:grpSpPr>
       <p:sp>
         <p:nvSpPr>
-          <p:cNvPr id="5" name="Content Placeholder 2"/>
-          <p:cNvSpPr>
-            <a:spLocks noGrp="1"/>
-          </p:cNvSpPr>
-          <p:nvPr>
-            <p:ph idx="1"/>
-          </p:nvPr>
-        </p:nvSpPr>
-        <p:spPr>
-          <a:xfrm>
-            <a:off x="277793" y="902826"/>
-            <a:ext cx="11539959" cy="5660020"/>
-          </a:xfrm>
-        </p:spPr>
-        <p:txBody>
-          <a:bodyPr/>
-          <a:lstStyle/>
-          <a:p>
-            <a:endParaRPr lang="fr-CH" dirty="0"/>
-          </a:p>
-        </p:txBody>
-      </p:sp>
-      <p:sp>
-        <p:nvSpPr>
           <p:cNvPr id="6" name="Title 1"/>
           <p:cNvSpPr>
             <a:spLocks noGrp="1"/>
@@ -14662,8 +14734,8 @@
         </p:nvSpPr>
         <p:spPr>
           <a:xfrm>
-            <a:off x="1" y="0"/>
-            <a:ext cx="1689904" cy="510199"/>
+            <a:off x="0" y="0"/>
+            <a:ext cx="3032567" cy="510199"/>
           </a:xfrm>
         </p:spPr>
         <p:txBody>
@@ -14675,15 +14747,153 @@
             <a:pPr algn="ctr"/>
             <a:r>
               <a:rPr lang="fr-CH" sz="2800" dirty="0"/>
-              <a:t>NORMES</a:t>
-            </a:r>
+              <a:t>CONNECTIQUES</a:t>
+            </a:r>
+          </a:p>
+        </p:txBody>
+      </p:sp>
+      <p:sp>
+        <p:nvSpPr>
+          <p:cNvPr id="2" name="ZoneTexte 1"/>
+          <p:cNvSpPr txBox="1"/>
+          <p:nvPr/>
+        </p:nvSpPr>
+        <p:spPr>
+          <a:xfrm>
+            <a:off x="951721" y="802434"/>
+            <a:ext cx="8780108" cy="584775"/>
+          </a:xfrm>
+          <a:prstGeom prst="rect">
+            <a:avLst/>
+          </a:prstGeom>
+          <a:noFill/>
+        </p:spPr>
+        <p:txBody>
+          <a:bodyPr wrap="square" rtlCol="0">
+            <a:spAutoFit/>
+          </a:bodyPr>
+          <a:lstStyle/>
+          <a:p>
+            <a:r>
+              <a:rPr lang="fr-CH" sz="3200" b="1" dirty="0"/>
+              <a:t>RJ-45 Femelle- </a:t>
+            </a:r>
+            <a:r>
+              <a:rPr lang="fr-CH" sz="3200" i="1" dirty="0"/>
+              <a:t>Registered Jack 45 Femelle</a:t>
+            </a:r>
+            <a:endParaRPr lang="fr-CH" sz="3200" i="1" dirty="0"/>
+          </a:p>
+        </p:txBody>
+      </p:sp>
+      <p:pic>
+        <p:nvPicPr>
+          <p:cNvPr id="7" name="Image 6" descr="Image associÃ©e"/>
+          <p:cNvPicPr/>
+          <p:nvPr/>
+        </p:nvPicPr>
+        <p:blipFill>
+          <a:blip r:embed="rId2" cstate="print">
+            <a:extLst>
+              <a:ext uri="{28A0092B-C50C-407E-A947-70E740481C1C}">
+                <a14:useLocalDpi xmlns:a14="http://schemas.microsoft.com/office/drawing/2010/main" val="0"/>
+              </a:ext>
+            </a:extLst>
+          </a:blip>
+          <a:srcRect/>
+          <a:stretch>
+            <a:fillRect/>
+          </a:stretch>
+        </p:blipFill>
+        <p:spPr bwMode="auto">
+          <a:xfrm>
+            <a:off x="7977674" y="2665157"/>
+            <a:ext cx="2453951" cy="1969854"/>
+          </a:xfrm>
+          <a:prstGeom prst="rect">
+            <a:avLst/>
+          </a:prstGeom>
+          <a:noFill/>
+          <a:ln>
+            <a:noFill/>
+          </a:ln>
+        </p:spPr>
+      </p:pic>
+      <p:sp>
+        <p:nvSpPr>
+          <p:cNvPr id="9" name="ZoneTexte 8"/>
+          <p:cNvSpPr txBox="1"/>
+          <p:nvPr/>
+        </p:nvSpPr>
+        <p:spPr>
+          <a:xfrm>
+            <a:off x="1371599" y="1579949"/>
+            <a:ext cx="7940351" cy="2862322"/>
+          </a:xfrm>
+          <a:prstGeom prst="rect">
+            <a:avLst/>
+          </a:prstGeom>
+          <a:noFill/>
+        </p:spPr>
+        <p:txBody>
+          <a:bodyPr wrap="square" rtlCol="0">
+            <a:spAutoFit/>
+          </a:bodyPr>
+          <a:lstStyle/>
+          <a:p>
+            <a:pPr>
+              <a:lnSpc>
+                <a:spcPct val="150000"/>
+              </a:lnSpc>
+            </a:pPr>
+            <a:r>
+              <a:rPr lang="fr-CH" b="1" u="sng" dirty="0" smtClean="0"/>
+              <a:t>U</a:t>
+            </a:r>
+            <a:r>
+              <a:rPr lang="fr-CH" b="1" u="sng" dirty="0" smtClean="0"/>
+              <a:t>sage RJ-45 Femelle</a:t>
+            </a:r>
+          </a:p>
+          <a:p>
+            <a:pPr>
+              <a:lnSpc>
+                <a:spcPct val="150000"/>
+              </a:lnSpc>
+            </a:pPr>
+            <a:r>
+              <a:rPr lang="fr-CH" dirty="0" smtClean="0"/>
+              <a:t>Interconnecter une interface RJ-45 mâle avec une autre interface</a:t>
+            </a:r>
+            <a:endParaRPr lang="fr-CH" dirty="0"/>
+          </a:p>
+          <a:p>
+            <a:endParaRPr lang="fr-CH" dirty="0" smtClean="0"/>
+          </a:p>
+          <a:p>
+            <a:endParaRPr lang="fr-CH" dirty="0"/>
+          </a:p>
+          <a:p>
+            <a:endParaRPr lang="fr-CH" dirty="0" smtClean="0"/>
+          </a:p>
+          <a:p>
+            <a:endParaRPr lang="fr-CH" dirty="0"/>
+          </a:p>
+          <a:p>
+            <a:endParaRPr lang="fr-CH" dirty="0" smtClean="0"/>
+          </a:p>
+          <a:p>
+            <a:endParaRPr lang="fr-CH" dirty="0"/>
+          </a:p>
+          <a:p>
+            <a:endParaRPr lang="fr-CH" dirty="0"/>
           </a:p>
         </p:txBody>
       </p:sp>
     </p:spTree>
     <p:extLst>
       <p:ext uri="{BB962C8B-B14F-4D97-AF65-F5344CB8AC3E}">
-        <p14:creationId xmlns:p14="http://schemas.microsoft.com/office/powerpoint/2010/main" val="237110104"/>
+        <p14:creationId xmlns:p14="http://schemas.microsoft.com/office/powerpoint/2010/main" val="3242361094"/>
       </p:ext>
     </p:extLst>
   </p:cSld>
@@ -14712,6 +14922,702 @@
       </p:grpSpPr>
       <p:sp>
         <p:nvSpPr>
+          <p:cNvPr id="6" name="Title 1"/>
+          <p:cNvSpPr>
+            <a:spLocks noGrp="1"/>
+          </p:cNvSpPr>
+          <p:nvPr>
+            <p:ph type="title"/>
+          </p:nvPr>
+        </p:nvSpPr>
+        <p:spPr>
+          <a:xfrm>
+            <a:off x="0" y="0"/>
+            <a:ext cx="3032567" cy="510199"/>
+          </a:xfrm>
+        </p:spPr>
+        <p:txBody>
+          <a:bodyPr numCol="1">
+            <a:noAutofit/>
+          </a:bodyPr>
+          <a:lstStyle/>
+          <a:p>
+            <a:pPr algn="ctr"/>
+            <a:r>
+              <a:rPr lang="fr-CH" sz="2800" dirty="0"/>
+              <a:t>CONNECTIQUES</a:t>
+            </a:r>
+          </a:p>
+        </p:txBody>
+      </p:sp>
+      <p:sp>
+        <p:nvSpPr>
+          <p:cNvPr id="2" name="ZoneTexte 1"/>
+          <p:cNvSpPr txBox="1"/>
+          <p:nvPr/>
+        </p:nvSpPr>
+        <p:spPr>
+          <a:xfrm>
+            <a:off x="951721" y="802434"/>
+            <a:ext cx="5747657" cy="584775"/>
+          </a:xfrm>
+          <a:prstGeom prst="rect">
+            <a:avLst/>
+          </a:prstGeom>
+          <a:noFill/>
+        </p:spPr>
+        <p:txBody>
+          <a:bodyPr wrap="square" rtlCol="0">
+            <a:spAutoFit/>
+          </a:bodyPr>
+          <a:lstStyle/>
+          <a:p>
+            <a:r>
+              <a:rPr lang="fr-CH" sz="3200" b="1" dirty="0" smtClean="0"/>
+              <a:t>RJ-11 </a:t>
+            </a:r>
+            <a:r>
+              <a:rPr lang="fr-CH" sz="3200" b="1" dirty="0" smtClean="0"/>
+              <a:t>- </a:t>
+            </a:r>
+            <a:r>
+              <a:rPr lang="fr-CH" sz="3200" i="1" dirty="0" smtClean="0"/>
+              <a:t>Registered Jack </a:t>
+            </a:r>
+            <a:r>
+              <a:rPr lang="fr-CH" sz="3200" i="1" dirty="0" smtClean="0"/>
+              <a:t>11</a:t>
+            </a:r>
+            <a:endParaRPr lang="fr-CH" sz="3200" i="1" dirty="0"/>
+          </a:p>
+        </p:txBody>
+      </p:sp>
+      <p:sp>
+        <p:nvSpPr>
+          <p:cNvPr id="4" name="ZoneTexte 3"/>
+          <p:cNvSpPr txBox="1"/>
+          <p:nvPr/>
+        </p:nvSpPr>
+        <p:spPr>
+          <a:xfrm>
+            <a:off x="1240971" y="1754155"/>
+            <a:ext cx="7940351" cy="5078313"/>
+          </a:xfrm>
+          <a:prstGeom prst="rect">
+            <a:avLst/>
+          </a:prstGeom>
+          <a:noFill/>
+        </p:spPr>
+        <p:txBody>
+          <a:bodyPr wrap="square" rtlCol="0">
+            <a:spAutoFit/>
+          </a:bodyPr>
+          <a:lstStyle/>
+          <a:p>
+            <a:pPr>
+              <a:lnSpc>
+                <a:spcPct val="150000"/>
+              </a:lnSpc>
+            </a:pPr>
+            <a:r>
+              <a:rPr lang="fr-CH" b="1" u="sng" dirty="0" smtClean="0"/>
+              <a:t>Usage du RJ-11</a:t>
+            </a:r>
+          </a:p>
+          <a:p>
+            <a:pPr>
+              <a:lnSpc>
+                <a:spcPct val="150000"/>
+              </a:lnSpc>
+            </a:pPr>
+            <a:r>
+              <a:rPr lang="fr-CH" dirty="0" smtClean="0"/>
+              <a:t>Téléphonie</a:t>
+            </a:r>
+          </a:p>
+          <a:p>
+            <a:pPr>
+              <a:lnSpc>
+                <a:spcPct val="150000"/>
+              </a:lnSpc>
+            </a:pPr>
+            <a:r>
+              <a:rPr lang="fr-CH" dirty="0" smtClean="0"/>
+              <a:t>Réseau local</a:t>
+            </a:r>
+          </a:p>
+          <a:p>
+            <a:pPr>
+              <a:lnSpc>
+                <a:spcPct val="150000"/>
+              </a:lnSpc>
+            </a:pPr>
+            <a:r>
+              <a:rPr lang="fr-CH" dirty="0" err="1" smtClean="0"/>
+              <a:t>PoE</a:t>
+            </a:r>
+            <a:endParaRPr lang="fr-CH" dirty="0" smtClean="0"/>
+          </a:p>
+          <a:p>
+            <a:pPr>
+              <a:lnSpc>
+                <a:spcPct val="150000"/>
+              </a:lnSpc>
+            </a:pPr>
+            <a:r>
+              <a:rPr lang="fr-CH" b="1" u="sng" dirty="0" smtClean="0"/>
+              <a:t>Fonctionnement</a:t>
+            </a:r>
+            <a:endParaRPr lang="fr-CH" b="1" u="sng" dirty="0" smtClean="0"/>
+          </a:p>
+          <a:p>
+            <a:pPr>
+              <a:lnSpc>
+                <a:spcPct val="150000"/>
+              </a:lnSpc>
+            </a:pPr>
+            <a:r>
+              <a:rPr lang="fr-CH" dirty="0" smtClean="0"/>
+              <a:t>Un </a:t>
+            </a:r>
+            <a:r>
+              <a:rPr lang="fr-CH" dirty="0" smtClean="0"/>
+              <a:t>RJ-11 </a:t>
+            </a:r>
+            <a:r>
+              <a:rPr lang="fr-CH" dirty="0" smtClean="0"/>
+              <a:t>possède </a:t>
+            </a:r>
+            <a:r>
+              <a:rPr lang="fr-CH" dirty="0" smtClean="0"/>
+              <a:t>4 </a:t>
+            </a:r>
+            <a:r>
+              <a:rPr lang="fr-CH" dirty="0" smtClean="0"/>
+              <a:t>broches où les paires torsadées </a:t>
+            </a:r>
+            <a:r>
+              <a:rPr lang="fr-CH" dirty="0" smtClean="0"/>
+              <a:t>passent.</a:t>
+            </a:r>
+            <a:endParaRPr lang="fr-CH" dirty="0" smtClean="0"/>
+          </a:p>
+          <a:p>
+            <a:endParaRPr lang="fr-CH" dirty="0"/>
+          </a:p>
+          <a:p>
+            <a:endParaRPr lang="fr-CH" dirty="0"/>
+          </a:p>
+          <a:p>
+            <a:endParaRPr lang="fr-CH" dirty="0" smtClean="0"/>
+          </a:p>
+          <a:p>
+            <a:endParaRPr lang="fr-CH" dirty="0"/>
+          </a:p>
+          <a:p>
+            <a:endParaRPr lang="fr-CH" dirty="0" smtClean="0"/>
+          </a:p>
+          <a:p>
+            <a:endParaRPr lang="fr-CH" dirty="0"/>
+          </a:p>
+          <a:p>
+            <a:endParaRPr lang="fr-CH" dirty="0" smtClean="0"/>
+          </a:p>
+          <a:p>
+            <a:endParaRPr lang="fr-CH" dirty="0"/>
+          </a:p>
+          <a:p>
+            <a:endParaRPr lang="fr-CH" dirty="0"/>
+          </a:p>
+        </p:txBody>
+      </p:sp>
+      <p:pic>
+        <p:nvPicPr>
+          <p:cNvPr id="5" name="Image 4"/>
+          <p:cNvPicPr>
+            <a:picLocks noChangeAspect="1"/>
+          </p:cNvPicPr>
+          <p:nvPr/>
+        </p:nvPicPr>
+        <p:blipFill>
+          <a:blip r:embed="rId2">
+            <a:extLst>
+              <a:ext uri="{28A0092B-C50C-407E-A947-70E740481C1C}">
+                <a14:useLocalDpi xmlns:a14="http://schemas.microsoft.com/office/drawing/2010/main" val="0"/>
+              </a:ext>
+            </a:extLst>
+          </a:blip>
+          <a:stretch>
+            <a:fillRect/>
+          </a:stretch>
+        </p:blipFill>
+        <p:spPr>
+          <a:xfrm>
+            <a:off x="7613829" y="1754155"/>
+            <a:ext cx="2171765" cy="2018464"/>
+          </a:xfrm>
+          <a:prstGeom prst="rect">
+            <a:avLst/>
+          </a:prstGeom>
+        </p:spPr>
+      </p:pic>
+      <p:pic>
+        <p:nvPicPr>
+          <p:cNvPr id="7" name="Image 6"/>
+          <p:cNvPicPr/>
+          <p:nvPr/>
+        </p:nvPicPr>
+        <p:blipFill rotWithShape="1">
+          <a:blip r:embed="rId3">
+            <a:extLst>
+              <a:ext uri="{28A0092B-C50C-407E-A947-70E740481C1C}">
+                <a14:useLocalDpi xmlns:a14="http://schemas.microsoft.com/office/drawing/2010/main" val="0"/>
+              </a:ext>
+            </a:extLst>
+          </a:blip>
+          <a:srcRect t="1981" r="41723" b="1"/>
+          <a:stretch/>
+        </p:blipFill>
+        <p:spPr bwMode="auto">
+          <a:xfrm>
+            <a:off x="3923580" y="4413379"/>
+            <a:ext cx="2575131" cy="1978090"/>
+          </a:xfrm>
+          <a:prstGeom prst="rect">
+            <a:avLst/>
+          </a:prstGeom>
+          <a:ln>
+            <a:noFill/>
+          </a:ln>
+          <a:extLst>
+            <a:ext uri="{53640926-AAD7-44D8-BBD7-CCE9431645EC}">
+              <a14:shadowObscured xmlns:a14="http://schemas.microsoft.com/office/drawing/2010/main"/>
+            </a:ext>
+          </a:extLst>
+        </p:spPr>
+      </p:pic>
+    </p:spTree>
+    <p:extLst>
+      <p:ext uri="{BB962C8B-B14F-4D97-AF65-F5344CB8AC3E}">
+        <p14:creationId xmlns:p14="http://schemas.microsoft.com/office/powerpoint/2010/main" val="2972093120"/>
+      </p:ext>
+    </p:extLst>
+  </p:cSld>
+  <p:clrMapOvr>
+    <a:masterClrMapping/>
+  </p:clrMapOvr>
+</p:sld>
+</file>
+
+<file path=ppt/slides/slide33.xml><?xml version="1.0" encoding="utf-8"?>
+<p:sld xmlns:a="http://schemas.openxmlformats.org/drawingml/2006/main" xmlns:r="http://schemas.openxmlformats.org/officeDocument/2006/relationships" xmlns:p="http://schemas.openxmlformats.org/presentationml/2006/main">
+  <p:cSld>
+    <p:spTree>
+      <p:nvGrpSpPr>
+        <p:cNvPr id="1" name=""/>
+        <p:cNvGrpSpPr/>
+        <p:nvPr/>
+      </p:nvGrpSpPr>
+      <p:grpSpPr>
+        <a:xfrm>
+          <a:off x="0" y="0"/>
+          <a:ext cx="0" cy="0"/>
+          <a:chOff x="0" y="0"/>
+          <a:chExt cx="0" cy="0"/>
+        </a:xfrm>
+      </p:grpSpPr>
+      <p:sp>
+        <p:nvSpPr>
+          <p:cNvPr id="6" name="Title 1"/>
+          <p:cNvSpPr>
+            <a:spLocks noGrp="1"/>
+          </p:cNvSpPr>
+          <p:nvPr>
+            <p:ph type="title"/>
+          </p:nvPr>
+        </p:nvSpPr>
+        <p:spPr>
+          <a:xfrm>
+            <a:off x="0" y="0"/>
+            <a:ext cx="3032567" cy="510199"/>
+          </a:xfrm>
+        </p:spPr>
+        <p:txBody>
+          <a:bodyPr numCol="1">
+            <a:noAutofit/>
+          </a:bodyPr>
+          <a:lstStyle/>
+          <a:p>
+            <a:pPr algn="ctr"/>
+            <a:r>
+              <a:rPr lang="fr-CH" sz="2800" dirty="0"/>
+              <a:t>CONNECTIQUES</a:t>
+            </a:r>
+          </a:p>
+        </p:txBody>
+      </p:sp>
+      <p:sp>
+        <p:nvSpPr>
+          <p:cNvPr id="2" name="ZoneTexte 1"/>
+          <p:cNvSpPr txBox="1"/>
+          <p:nvPr/>
+        </p:nvSpPr>
+        <p:spPr>
+          <a:xfrm>
+            <a:off x="951721" y="802434"/>
+            <a:ext cx="5747657" cy="1077218"/>
+          </a:xfrm>
+          <a:prstGeom prst="rect">
+            <a:avLst/>
+          </a:prstGeom>
+          <a:noFill/>
+        </p:spPr>
+        <p:txBody>
+          <a:bodyPr wrap="square" rtlCol="0">
+            <a:spAutoFit/>
+          </a:bodyPr>
+          <a:lstStyle/>
+          <a:p>
+            <a:r>
+              <a:rPr lang="fr-CH" sz="3200" b="1" dirty="0" smtClean="0"/>
+              <a:t>RJ-11 Femelle </a:t>
+            </a:r>
+            <a:r>
+              <a:rPr lang="fr-CH" sz="3200" b="1" dirty="0" smtClean="0"/>
+              <a:t>- </a:t>
+            </a:r>
+            <a:r>
+              <a:rPr lang="fr-CH" sz="3200" i="1" dirty="0" smtClean="0"/>
+              <a:t>Registered Jack </a:t>
+            </a:r>
+            <a:r>
+              <a:rPr lang="fr-CH" sz="3200" i="1" dirty="0" smtClean="0"/>
+              <a:t>11</a:t>
+            </a:r>
+            <a:endParaRPr lang="fr-CH" sz="3200" i="1" dirty="0"/>
+          </a:p>
+        </p:txBody>
+      </p:sp>
+      <p:sp>
+        <p:nvSpPr>
+          <p:cNvPr id="4" name="ZoneTexte 3"/>
+          <p:cNvSpPr txBox="1"/>
+          <p:nvPr/>
+        </p:nvSpPr>
+        <p:spPr>
+          <a:xfrm>
+            <a:off x="1240971" y="1754155"/>
+            <a:ext cx="7940351" cy="5078313"/>
+          </a:xfrm>
+          <a:prstGeom prst="rect">
+            <a:avLst/>
+          </a:prstGeom>
+          <a:noFill/>
+        </p:spPr>
+        <p:txBody>
+          <a:bodyPr wrap="square" rtlCol="0">
+            <a:spAutoFit/>
+          </a:bodyPr>
+          <a:lstStyle/>
+          <a:p>
+            <a:pPr>
+              <a:lnSpc>
+                <a:spcPct val="150000"/>
+              </a:lnSpc>
+            </a:pPr>
+            <a:r>
+              <a:rPr lang="fr-CH" b="1" u="sng" dirty="0" smtClean="0"/>
+              <a:t>Usage du RJ-11</a:t>
+            </a:r>
+          </a:p>
+          <a:p>
+            <a:pPr>
+              <a:lnSpc>
+                <a:spcPct val="150000"/>
+              </a:lnSpc>
+            </a:pPr>
+            <a:r>
+              <a:rPr lang="fr-CH" dirty="0" smtClean="0"/>
+              <a:t>Téléphonie</a:t>
+            </a:r>
+          </a:p>
+          <a:p>
+            <a:pPr>
+              <a:lnSpc>
+                <a:spcPct val="150000"/>
+              </a:lnSpc>
+            </a:pPr>
+            <a:r>
+              <a:rPr lang="fr-CH" dirty="0" smtClean="0"/>
+              <a:t>Réseau local</a:t>
+            </a:r>
+          </a:p>
+          <a:p>
+            <a:pPr>
+              <a:lnSpc>
+                <a:spcPct val="150000"/>
+              </a:lnSpc>
+            </a:pPr>
+            <a:r>
+              <a:rPr lang="fr-CH" dirty="0" err="1" smtClean="0"/>
+              <a:t>PoE</a:t>
+            </a:r>
+            <a:endParaRPr lang="fr-CH" dirty="0" smtClean="0"/>
+          </a:p>
+          <a:p>
+            <a:pPr>
+              <a:lnSpc>
+                <a:spcPct val="150000"/>
+              </a:lnSpc>
+            </a:pPr>
+            <a:r>
+              <a:rPr lang="fr-CH" b="1" u="sng" dirty="0" smtClean="0"/>
+              <a:t>Fonctionnement</a:t>
+            </a:r>
+            <a:endParaRPr lang="fr-CH" b="1" u="sng" dirty="0" smtClean="0"/>
+          </a:p>
+          <a:p>
+            <a:pPr>
+              <a:lnSpc>
+                <a:spcPct val="150000"/>
+              </a:lnSpc>
+            </a:pPr>
+            <a:r>
+              <a:rPr lang="fr-CH" dirty="0" smtClean="0"/>
+              <a:t>Un </a:t>
+            </a:r>
+            <a:r>
+              <a:rPr lang="fr-CH" dirty="0" smtClean="0"/>
+              <a:t>RJ-11 </a:t>
+            </a:r>
+            <a:r>
+              <a:rPr lang="fr-CH" dirty="0" smtClean="0"/>
+              <a:t>possède </a:t>
+            </a:r>
+            <a:r>
+              <a:rPr lang="fr-CH" dirty="0" smtClean="0"/>
+              <a:t>4 </a:t>
+            </a:r>
+            <a:r>
+              <a:rPr lang="fr-CH" dirty="0" smtClean="0"/>
+              <a:t>broches où les paires torsadées </a:t>
+            </a:r>
+            <a:r>
+              <a:rPr lang="fr-CH" dirty="0" smtClean="0"/>
+              <a:t>passent.</a:t>
+            </a:r>
+            <a:endParaRPr lang="fr-CH" dirty="0" smtClean="0"/>
+          </a:p>
+          <a:p>
+            <a:endParaRPr lang="fr-CH" dirty="0"/>
+          </a:p>
+          <a:p>
+            <a:endParaRPr lang="fr-CH" dirty="0"/>
+          </a:p>
+          <a:p>
+            <a:endParaRPr lang="fr-CH" dirty="0" smtClean="0"/>
+          </a:p>
+          <a:p>
+            <a:endParaRPr lang="fr-CH" dirty="0"/>
+          </a:p>
+          <a:p>
+            <a:endParaRPr lang="fr-CH" dirty="0" smtClean="0"/>
+          </a:p>
+          <a:p>
+            <a:endParaRPr lang="fr-CH" dirty="0"/>
+          </a:p>
+          <a:p>
+            <a:endParaRPr lang="fr-CH" dirty="0" smtClean="0"/>
+          </a:p>
+          <a:p>
+            <a:endParaRPr lang="fr-CH" dirty="0"/>
+          </a:p>
+          <a:p>
+            <a:endParaRPr lang="fr-CH" dirty="0"/>
+          </a:p>
+        </p:txBody>
+      </p:sp>
+      <p:pic>
+        <p:nvPicPr>
+          <p:cNvPr id="5" name="Image 4"/>
+          <p:cNvPicPr>
+            <a:picLocks noChangeAspect="1"/>
+          </p:cNvPicPr>
+          <p:nvPr/>
+        </p:nvPicPr>
+        <p:blipFill>
+          <a:blip r:embed="rId2">
+            <a:extLst>
+              <a:ext uri="{28A0092B-C50C-407E-A947-70E740481C1C}">
+                <a14:useLocalDpi xmlns:a14="http://schemas.microsoft.com/office/drawing/2010/main" val="0"/>
+              </a:ext>
+            </a:extLst>
+          </a:blip>
+          <a:stretch>
+            <a:fillRect/>
+          </a:stretch>
+        </p:blipFill>
+        <p:spPr>
+          <a:xfrm>
+            <a:off x="7613829" y="1754155"/>
+            <a:ext cx="2171765" cy="2018464"/>
+          </a:xfrm>
+          <a:prstGeom prst="rect">
+            <a:avLst/>
+          </a:prstGeom>
+        </p:spPr>
+      </p:pic>
+      <p:pic>
+        <p:nvPicPr>
+          <p:cNvPr id="7" name="Image 6"/>
+          <p:cNvPicPr/>
+          <p:nvPr/>
+        </p:nvPicPr>
+        <p:blipFill rotWithShape="1">
+          <a:blip r:embed="rId3">
+            <a:extLst>
+              <a:ext uri="{28A0092B-C50C-407E-A947-70E740481C1C}">
+                <a14:useLocalDpi xmlns:a14="http://schemas.microsoft.com/office/drawing/2010/main" val="0"/>
+              </a:ext>
+            </a:extLst>
+          </a:blip>
+          <a:srcRect t="1981" r="41723" b="1"/>
+          <a:stretch/>
+        </p:blipFill>
+        <p:spPr bwMode="auto">
+          <a:xfrm>
+            <a:off x="3923580" y="4413379"/>
+            <a:ext cx="2575131" cy="1978090"/>
+          </a:xfrm>
+          <a:prstGeom prst="rect">
+            <a:avLst/>
+          </a:prstGeom>
+          <a:ln>
+            <a:noFill/>
+          </a:ln>
+          <a:extLst>
+            <a:ext uri="{53640926-AAD7-44D8-BBD7-CCE9431645EC}">
+              <a14:shadowObscured xmlns:a14="http://schemas.microsoft.com/office/drawing/2010/main"/>
+            </a:ext>
+          </a:extLst>
+        </p:spPr>
+      </p:pic>
+    </p:spTree>
+    <p:extLst>
+      <p:ext uri="{BB962C8B-B14F-4D97-AF65-F5344CB8AC3E}">
+        <p14:creationId xmlns:p14="http://schemas.microsoft.com/office/powerpoint/2010/main" val="3659849013"/>
+      </p:ext>
+    </p:extLst>
+  </p:cSld>
+  <p:clrMapOvr>
+    <a:masterClrMapping/>
+  </p:clrMapOvr>
+</p:sld>
+</file>
+
+<file path=ppt/slides/slide34.xml><?xml version="1.0" encoding="utf-8"?>
+<p:sld xmlns:a="http://schemas.openxmlformats.org/drawingml/2006/main" xmlns:r="http://schemas.openxmlformats.org/officeDocument/2006/relationships" xmlns:p="http://schemas.openxmlformats.org/presentationml/2006/main">
+  <p:cSld>
+    <p:spTree>
+      <p:nvGrpSpPr>
+        <p:cNvPr id="1" name=""/>
+        <p:cNvGrpSpPr/>
+        <p:nvPr/>
+      </p:nvGrpSpPr>
+      <p:grpSpPr>
+        <a:xfrm>
+          <a:off x="0" y="0"/>
+          <a:ext cx="0" cy="0"/>
+          <a:chOff x="0" y="0"/>
+          <a:chExt cx="0" cy="0"/>
+        </a:xfrm>
+      </p:grpSpPr>
+      <p:sp>
+        <p:nvSpPr>
+          <p:cNvPr id="5" name="Content Placeholder 2"/>
+          <p:cNvSpPr>
+            <a:spLocks noGrp="1"/>
+          </p:cNvSpPr>
+          <p:nvPr>
+            <p:ph idx="1"/>
+          </p:nvPr>
+        </p:nvSpPr>
+        <p:spPr>
+          <a:xfrm>
+            <a:off x="277793" y="902826"/>
+            <a:ext cx="11539959" cy="5660020"/>
+          </a:xfrm>
+        </p:spPr>
+        <p:txBody>
+          <a:bodyPr/>
+          <a:lstStyle/>
+          <a:p>
+            <a:endParaRPr lang="fr-CH" dirty="0"/>
+          </a:p>
+        </p:txBody>
+      </p:sp>
+      <p:sp>
+        <p:nvSpPr>
+          <p:cNvPr id="6" name="Title 1"/>
+          <p:cNvSpPr>
+            <a:spLocks noGrp="1"/>
+          </p:cNvSpPr>
+          <p:nvPr>
+            <p:ph type="title"/>
+          </p:nvPr>
+        </p:nvSpPr>
+        <p:spPr>
+          <a:xfrm>
+            <a:off x="1" y="0"/>
+            <a:ext cx="1689904" cy="510199"/>
+          </a:xfrm>
+        </p:spPr>
+        <p:txBody>
+          <a:bodyPr numCol="1">
+            <a:noAutofit/>
+          </a:bodyPr>
+          <a:lstStyle/>
+          <a:p>
+            <a:pPr algn="ctr"/>
+            <a:r>
+              <a:rPr lang="fr-CH" sz="2800" dirty="0"/>
+              <a:t>NORMES</a:t>
+            </a:r>
+          </a:p>
+        </p:txBody>
+      </p:sp>
+    </p:spTree>
+    <p:extLst>
+      <p:ext uri="{BB962C8B-B14F-4D97-AF65-F5344CB8AC3E}">
+        <p14:creationId xmlns:p14="http://schemas.microsoft.com/office/powerpoint/2010/main" val="237110104"/>
+      </p:ext>
+    </p:extLst>
+  </p:cSld>
+  <p:clrMapOvr>
+    <a:masterClrMapping/>
+  </p:clrMapOvr>
+</p:sld>
+</file>
+
+<file path=ppt/slides/slide35.xml><?xml version="1.0" encoding="utf-8"?>
+<p:sld xmlns:a="http://schemas.openxmlformats.org/drawingml/2006/main" xmlns:r="http://schemas.openxmlformats.org/officeDocument/2006/relationships" xmlns:p="http://schemas.openxmlformats.org/presentationml/2006/main">
+  <p:cSld>
+    <p:spTree>
+      <p:nvGrpSpPr>
+        <p:cNvPr id="1" name=""/>
+        <p:cNvGrpSpPr/>
+        <p:nvPr/>
+      </p:nvGrpSpPr>
+      <p:grpSpPr>
+        <a:xfrm>
+          <a:off x="0" y="0"/>
+          <a:ext cx="0" cy="0"/>
+          <a:chOff x="0" y="0"/>
+          <a:chExt cx="0" cy="0"/>
+        </a:xfrm>
+      </p:grpSpPr>
+      <p:sp>
+        <p:nvSpPr>
           <p:cNvPr id="5" name="Content Placeholder 2"/>
           <p:cNvSpPr>
             <a:spLocks noGrp="1"/>
@@ -14777,7 +15683,7 @@
 </p:sld>
 </file>
 
-<file path=ppt/slides/slide33.xml><?xml version="1.0" encoding="utf-8"?>
+<file path=ppt/slides/slide36.xml><?xml version="1.0" encoding="utf-8"?>
 <p:sld xmlns:a="http://schemas.openxmlformats.org/drawingml/2006/main" xmlns:r="http://schemas.openxmlformats.org/officeDocument/2006/relationships" xmlns:p="http://schemas.openxmlformats.org/presentationml/2006/main">
   <p:cSld>
     <p:spTree>

--- a/Module 214 - Fabrication_Ethernet.pptx
+++ b/Module 214 - Fabrication_Ethernet.pptx
@@ -14037,15 +14037,7 @@
             </a:pPr>
             <a:r>
               <a:rPr lang="fr-CH" dirty="0" smtClean="0"/>
-              <a:t>Il possède </a:t>
-            </a:r>
-            <a:r>
-              <a:rPr lang="fr-CH" dirty="0" smtClean="0"/>
-              <a:t>8 broches où les paires torsadées </a:t>
-            </a:r>
-            <a:r>
-              <a:rPr lang="fr-CH" dirty="0" smtClean="0"/>
-              <a:t>passent.</a:t>
+              <a:t>Il possède 8 broches où les paires torsadées passent.</a:t>
             </a:r>
             <a:endParaRPr lang="fr-CH" dirty="0"/>
           </a:p>
@@ -14057,17 +14049,12 @@
             </a:pPr>
             <a:r>
               <a:rPr lang="fr-CH" dirty="0" smtClean="0"/>
-              <a:t>Le RJ-45 respecte le standard</a:t>
-            </a:r>
-            <a:r>
-              <a:rPr lang="fr-CH" dirty="0" smtClean="0"/>
-              <a:t> </a:t>
+              <a:t>Le RJ-45 respecte le standard </a:t>
             </a:r>
             <a:r>
               <a:rPr lang="fr-CH" b="1" dirty="0" smtClean="0"/>
               <a:t>TIA/EIA-568-B.</a:t>
             </a:r>
-            <a:endParaRPr lang="fr-CH" b="1" dirty="0" smtClean="0"/>
           </a:p>
           <a:p>
             <a:endParaRPr lang="fr-CH" dirty="0"/>
@@ -14168,7 +14155,7 @@
         </p:nvSpPr>
         <p:spPr>
           <a:xfrm>
-            <a:off x="0" y="1399593"/>
+            <a:off x="615821" y="1698172"/>
             <a:ext cx="10216729" cy="3546074"/>
           </a:xfrm>
           <a:prstGeom prst="rect">
@@ -14413,7 +14400,7 @@
               </a:lnSpc>
             </a:pPr>
             <a:r>
-              <a:rPr lang="fr-CH" sz="2400" dirty="0" smtClean="0">
+              <a:rPr lang="fr-CH" sz="2000" dirty="0" smtClean="0">
                 <a:solidFill>
                   <a:schemeClr val="tx1"/>
                 </a:solidFill>
@@ -14428,7 +14415,7 @@
               </a:lnSpc>
             </a:pPr>
             <a:r>
-              <a:rPr lang="fr-CH" sz="2400" dirty="0" smtClean="0">
+              <a:rPr lang="fr-CH" sz="2000" dirty="0" smtClean="0">
                 <a:solidFill>
                   <a:schemeClr val="tx1"/>
                 </a:solidFill>
@@ -14443,7 +14430,7 @@
               </a:lnSpc>
             </a:pPr>
             <a:r>
-              <a:rPr lang="fr-CH" sz="2000" dirty="0" smtClean="0">
+              <a:rPr lang="fr-CH" sz="1800" dirty="0" smtClean="0">
                 <a:solidFill>
                   <a:schemeClr val="tx1"/>
                 </a:solidFill>
@@ -14458,7 +14445,7 @@
               </a:lnSpc>
             </a:pPr>
             <a:r>
-              <a:rPr lang="fr-CH" sz="2000" dirty="0">
+              <a:rPr lang="fr-CH" sz="1800" dirty="0">
                 <a:solidFill>
                   <a:schemeClr val="tx1"/>
                 </a:solidFill>
@@ -14466,7 +14453,7 @@
               <a:t>D</a:t>
             </a:r>
             <a:r>
-              <a:rPr lang="fr-CH" sz="2000" dirty="0" smtClean="0">
+              <a:rPr lang="fr-CH" sz="1800" dirty="0" smtClean="0">
                 <a:solidFill>
                   <a:schemeClr val="tx1"/>
                 </a:solidFill>
@@ -14603,7 +14590,7 @@
         <p:spPr>
           <a:xfrm>
             <a:off x="1259633" y="1439991"/>
-            <a:ext cx="9060024" cy="3139321"/>
+            <a:ext cx="9060024" cy="3554819"/>
           </a:xfrm>
           <a:prstGeom prst="rect">
             <a:avLst/>
@@ -14623,11 +14610,7 @@
             </a:pPr>
             <a:r>
               <a:rPr lang="fr-CH" b="1" u="sng" dirty="0" smtClean="0"/>
-              <a:t>Différentes </a:t>
-            </a:r>
-            <a:r>
-              <a:rPr lang="fr-CH" b="1" u="sng" dirty="0" smtClean="0"/>
-              <a:t>applications</a:t>
+              <a:t>Différentes applications</a:t>
             </a:r>
             <a:endParaRPr lang="fr-CH" b="1" u="sng" dirty="0"/>
           </a:p>
@@ -14639,8 +14622,40 @@
             </a:pPr>
             <a:r>
               <a:rPr lang="fr-CH" dirty="0" smtClean="0"/>
-              <a:t>Suivant la paire torsadée utilisée sur une broche, l’application sera différentes.</a:t>
-            </a:r>
+              <a:t>Suivant la paire </a:t>
+            </a:r>
+            <a:r>
+              <a:rPr lang="fr-CH" dirty="0" smtClean="0"/>
+              <a:t>torsadée utilisée </a:t>
+            </a:r>
+            <a:r>
+              <a:rPr lang="fr-CH" dirty="0" smtClean="0"/>
+              <a:t>sur une </a:t>
+            </a:r>
+            <a:r>
+              <a:rPr lang="fr-CH" dirty="0" smtClean="0"/>
+              <a:t>broche,</a:t>
+            </a:r>
+          </a:p>
+          <a:p>
+            <a:pPr>
+              <a:lnSpc>
+                <a:spcPct val="150000"/>
+              </a:lnSpc>
+            </a:pPr>
+            <a:r>
+              <a:rPr lang="fr-CH" dirty="0" smtClean="0"/>
+              <a:t>l’application </a:t>
+            </a:r>
+            <a:r>
+              <a:rPr lang="fr-CH" dirty="0" smtClean="0"/>
+              <a:t>sera </a:t>
+            </a:r>
+            <a:r>
+              <a:rPr lang="fr-CH" dirty="0" smtClean="0"/>
+              <a:t>différente.</a:t>
+            </a:r>
+            <a:endParaRPr lang="fr-CH" dirty="0" smtClean="0"/>
           </a:p>
           <a:p>
             <a:endParaRPr lang="fr-CH" dirty="0"/>
@@ -14684,7 +14699,7 @@
         </p:blipFill>
         <p:spPr>
           <a:xfrm>
-            <a:off x="3613672" y="2806855"/>
+            <a:off x="7299264" y="1387209"/>
             <a:ext cx="4351946" cy="2458519"/>
           </a:xfrm>
           <a:prstGeom prst="rect">
@@ -14782,7 +14797,6 @@
               <a:rPr lang="fr-CH" sz="3200" i="1" dirty="0"/>
               <a:t>Registered Jack 45 Femelle</a:t>
             </a:r>
-            <a:endParaRPr lang="fr-CH" sz="3200" i="1" dirty="0"/>
           </a:p>
         </p:txBody>
       </p:sp>
@@ -14807,8 +14821,8 @@
         </p:blipFill>
         <p:spPr bwMode="auto">
           <a:xfrm>
-            <a:off x="7977674" y="2665157"/>
-            <a:ext cx="2453951" cy="1969854"/>
+            <a:off x="7046914" y="1669070"/>
+            <a:ext cx="2397968" cy="2028142"/>
           </a:xfrm>
           <a:prstGeom prst="rect">
             <a:avLst/>
@@ -14827,8 +14841,8 @@
         </p:nvSpPr>
         <p:spPr>
           <a:xfrm>
-            <a:off x="1371599" y="1579949"/>
-            <a:ext cx="7940351" cy="2862322"/>
+            <a:off x="1082350" y="1876609"/>
+            <a:ext cx="5066523" cy="4108817"/>
           </a:xfrm>
           <a:prstGeom prst="rect">
             <a:avLst/>
@@ -14848,11 +14862,7 @@
             </a:pPr>
             <a:r>
               <a:rPr lang="fr-CH" b="1" u="sng" dirty="0" smtClean="0"/>
-              <a:t>U</a:t>
-            </a:r>
-            <a:r>
-              <a:rPr lang="fr-CH" b="1" u="sng" dirty="0" smtClean="0"/>
-              <a:t>sage RJ-45 Femelle</a:t>
+              <a:t>Usage RJ-45 Femelle</a:t>
             </a:r>
           </a:p>
           <a:p>
@@ -14863,7 +14873,26 @@
             </a:pPr>
             <a:r>
               <a:rPr lang="fr-CH" dirty="0" smtClean="0"/>
-              <a:t>Interconnecter une interface RJ-45 mâle avec une autre interface</a:t>
+              <a:t>Interconnecter une interface RJ-45 </a:t>
+            </a:r>
+            <a:r>
+              <a:rPr lang="fr-CH" dirty="0" smtClean="0"/>
+              <a:t>mâle</a:t>
+            </a:r>
+          </a:p>
+          <a:p>
+            <a:pPr>
+              <a:lnSpc>
+                <a:spcPct val="150000"/>
+              </a:lnSpc>
+            </a:pPr>
+            <a:r>
+              <a:rPr lang="fr-CH" dirty="0" smtClean="0"/>
+              <a:t>avec </a:t>
+            </a:r>
+            <a:r>
+              <a:rPr lang="fr-CH" dirty="0" smtClean="0"/>
+              <a:t>une autre interface</a:t>
             </a:r>
             <a:endParaRPr lang="fr-CH" dirty="0"/>
           </a:p>
@@ -14880,12 +14909,87 @@
             <a:endParaRPr lang="fr-CH" dirty="0"/>
           </a:p>
           <a:p>
+            <a:pPr>
+              <a:lnSpc>
+                <a:spcPct val="150000"/>
+              </a:lnSpc>
+            </a:pPr>
+            <a:r>
+              <a:rPr lang="fr-CH" b="1" u="sng" dirty="0" smtClean="0"/>
+              <a:t>Fonctionnement</a:t>
+            </a:r>
+          </a:p>
+          <a:p>
+            <a:pPr>
+              <a:lnSpc>
+                <a:spcPct val="150000"/>
+              </a:lnSpc>
+            </a:pPr>
+            <a:r>
+              <a:rPr lang="fr-CH" dirty="0" smtClean="0"/>
+              <a:t>Le câblage se fait de la manière suivante :</a:t>
+            </a:r>
             <a:endParaRPr lang="fr-CH" dirty="0" smtClean="0"/>
           </a:p>
           <a:p>
+            <a:endParaRPr lang="fr-CH" dirty="0" smtClean="0"/>
+          </a:p>
+          <a:p>
             <a:endParaRPr lang="fr-CH" dirty="0"/>
           </a:p>
           <a:p>
+            <a:endParaRPr lang="fr-CH" dirty="0"/>
+          </a:p>
+        </p:txBody>
+      </p:sp>
+      <p:pic>
+        <p:nvPicPr>
+          <p:cNvPr id="8" name="Image 7"/>
+          <p:cNvPicPr/>
+          <p:nvPr/>
+        </p:nvPicPr>
+        <p:blipFill>
+          <a:blip r:embed="rId3"/>
+          <a:stretch>
+            <a:fillRect/>
+          </a:stretch>
+        </p:blipFill>
+        <p:spPr>
+          <a:xfrm>
+            <a:off x="6148873" y="3929153"/>
+            <a:ext cx="4194053" cy="2415663"/>
+          </a:xfrm>
+          <a:prstGeom prst="rect">
+            <a:avLst/>
+          </a:prstGeom>
+        </p:spPr>
+      </p:pic>
+      <p:sp>
+        <p:nvSpPr>
+          <p:cNvPr id="4" name="ZoneTexte 3"/>
+          <p:cNvSpPr txBox="1"/>
+          <p:nvPr/>
+        </p:nvSpPr>
+        <p:spPr>
+          <a:xfrm>
+            <a:off x="5748779" y="6344816"/>
+            <a:ext cx="4994239" cy="369332"/>
+          </a:xfrm>
+          <a:prstGeom prst="rect">
+            <a:avLst/>
+          </a:prstGeom>
+          <a:noFill/>
+        </p:spPr>
+        <p:txBody>
+          <a:bodyPr wrap="square" rtlCol="0">
+            <a:spAutoFit/>
+          </a:bodyPr>
+          <a:lstStyle/>
+          <a:p>
+            <a:r>
+              <a:rPr lang="fr-CH" dirty="0" smtClean="0"/>
+              <a:t>Branchement pour la nombre 568a et 568b</a:t>
+            </a:r>
             <a:endParaRPr lang="fr-CH" dirty="0"/>
           </a:p>
         </p:txBody>
@@ -14974,19 +15078,11 @@
           <a:p>
             <a:r>
               <a:rPr lang="fr-CH" sz="3200" b="1" dirty="0" smtClean="0"/>
-              <a:t>RJ-11 </a:t>
-            </a:r>
-            <a:r>
-              <a:rPr lang="fr-CH" sz="3200" b="1" dirty="0" smtClean="0"/>
-              <a:t>- </a:t>
+              <a:t>RJ-11 - </a:t>
             </a:r>
             <a:r>
               <a:rPr lang="fr-CH" sz="3200" i="1" dirty="0" smtClean="0"/>
-              <a:t>Registered Jack </a:t>
-            </a:r>
-            <a:r>
-              <a:rPr lang="fr-CH" sz="3200" i="1" dirty="0" smtClean="0"/>
-              <a:t>11</a:t>
+              <a:t>Registered Jack 11</a:t>
             </a:r>
             <a:endParaRPr lang="fr-CH" sz="3200" i="1" dirty="0"/>
           </a:p>
@@ -15068,7 +15164,6 @@
               <a:rPr lang="fr-CH" b="1" u="sng" dirty="0" smtClean="0"/>
               <a:t>Fonctionnement</a:t>
             </a:r>
-            <a:endParaRPr lang="fr-CH" b="1" u="sng" dirty="0" smtClean="0"/>
           </a:p>
           <a:p>
             <a:pPr>
@@ -15078,29 +15173,8 @@
             </a:pPr>
             <a:r>
               <a:rPr lang="fr-CH" dirty="0" smtClean="0"/>
-              <a:t>Un </a:t>
-            </a:r>
-            <a:r>
-              <a:rPr lang="fr-CH" dirty="0" smtClean="0"/>
-              <a:t>RJ-11 </a:t>
-            </a:r>
-            <a:r>
-              <a:rPr lang="fr-CH" dirty="0" smtClean="0"/>
-              <a:t>possède </a:t>
-            </a:r>
-            <a:r>
-              <a:rPr lang="fr-CH" dirty="0" smtClean="0"/>
-              <a:t>4 </a:t>
-            </a:r>
-            <a:r>
-              <a:rPr lang="fr-CH" dirty="0" smtClean="0"/>
-              <a:t>broches où les paires torsadées </a:t>
-            </a:r>
-            <a:r>
-              <a:rPr lang="fr-CH" dirty="0" smtClean="0"/>
-              <a:t>passent.</a:t>
-            </a:r>
-            <a:endParaRPr lang="fr-CH" dirty="0" smtClean="0"/>
+              <a:t>Un RJ-11 possède 4 broches où les paires torsadées passent.</a:t>
+            </a:r>
           </a:p>
           <a:p>
             <a:endParaRPr lang="fr-CH" dirty="0"/>
@@ -15280,19 +15354,11 @@
           <a:p>
             <a:r>
               <a:rPr lang="fr-CH" sz="3200" b="1" dirty="0" smtClean="0"/>
-              <a:t>RJ-11 Femelle </a:t>
-            </a:r>
-            <a:r>
-              <a:rPr lang="fr-CH" sz="3200" b="1" dirty="0" smtClean="0"/>
-              <a:t>- </a:t>
+              <a:t>RJ-11 Femelle - </a:t>
             </a:r>
             <a:r>
               <a:rPr lang="fr-CH" sz="3200" i="1" dirty="0" smtClean="0"/>
-              <a:t>Registered Jack </a:t>
-            </a:r>
-            <a:r>
-              <a:rPr lang="fr-CH" sz="3200" i="1" dirty="0" smtClean="0"/>
-              <a:t>11</a:t>
+              <a:t>Registered Jack 11</a:t>
             </a:r>
             <a:endParaRPr lang="fr-CH" sz="3200" i="1" dirty="0"/>
           </a:p>
@@ -15327,8 +15393,13 @@
             </a:pPr>
             <a:r>
               <a:rPr lang="fr-CH" b="1" u="sng" dirty="0" smtClean="0"/>
-              <a:t>Usage du RJ-11</a:t>
-            </a:r>
+              <a:t>Usage du </a:t>
+            </a:r>
+            <a:r>
+              <a:rPr lang="fr-CH" b="1" u="sng" dirty="0" smtClean="0"/>
+              <a:t>RJ-11 femelle</a:t>
+            </a:r>
+            <a:endParaRPr lang="fr-CH" b="1" u="sng" dirty="0" smtClean="0"/>
           </a:p>
           <a:p>
             <a:pPr>
@@ -15374,7 +15445,6 @@
               <a:rPr lang="fr-CH" b="1" u="sng" dirty="0" smtClean="0"/>
               <a:t>Fonctionnement</a:t>
             </a:r>
-            <a:endParaRPr lang="fr-CH" b="1" u="sng" dirty="0" smtClean="0"/>
           </a:p>
           <a:p>
             <a:pPr>
@@ -15384,34 +15454,25 @@
             </a:pPr>
             <a:r>
               <a:rPr lang="fr-CH" dirty="0" smtClean="0"/>
-              <a:t>Un </a:t>
-            </a:r>
-            <a:r>
-              <a:rPr lang="fr-CH" dirty="0" smtClean="0"/>
-              <a:t>RJ-11 </a:t>
-            </a:r>
-            <a:r>
-              <a:rPr lang="fr-CH" dirty="0" smtClean="0"/>
-              <a:t>possède </a:t>
-            </a:r>
-            <a:r>
-              <a:rPr lang="fr-CH" dirty="0" smtClean="0"/>
-              <a:t>4 </a:t>
-            </a:r>
-            <a:r>
-              <a:rPr lang="fr-CH" dirty="0" smtClean="0"/>
-              <a:t>broches où les paires torsadées </a:t>
-            </a:r>
-            <a:r>
-              <a:rPr lang="fr-CH" dirty="0" smtClean="0"/>
-              <a:t>passent.</a:t>
-            </a:r>
+              <a:t>Un RJ-11 possède 4 broches où les paires torsadées passent.</a:t>
+            </a:r>
+          </a:p>
+          <a:p>
+            <a:endParaRPr lang="fr-CH" dirty="0"/>
+          </a:p>
+          <a:p>
+            <a:endParaRPr lang="fr-CH" dirty="0"/>
+          </a:p>
+          <a:p>
             <a:endParaRPr lang="fr-CH" dirty="0" smtClean="0"/>
           </a:p>
           <a:p>
             <a:endParaRPr lang="fr-CH" dirty="0"/>
           </a:p>
           <a:p>
+            <a:endParaRPr lang="fr-CH" dirty="0" smtClean="0"/>
+          </a:p>
+          <a:p>
             <a:endParaRPr lang="fr-CH" dirty="0"/>
           </a:p>
           <a:p>
@@ -15421,87 +15482,10 @@
             <a:endParaRPr lang="fr-CH" dirty="0"/>
           </a:p>
           <a:p>
-            <a:endParaRPr lang="fr-CH" dirty="0" smtClean="0"/>
-          </a:p>
-          <a:p>
             <a:endParaRPr lang="fr-CH" dirty="0"/>
           </a:p>
-          <a:p>
-            <a:endParaRPr lang="fr-CH" dirty="0" smtClean="0"/>
-          </a:p>
-          <a:p>
-            <a:endParaRPr lang="fr-CH" dirty="0"/>
-          </a:p>
-          <a:p>
-            <a:endParaRPr lang="fr-CH" dirty="0"/>
-          </a:p>
-        </p:txBody>
-      </p:sp>
-      <p:pic>
-        <p:nvPicPr>
-          <p:cNvPr id="5" name="Image 4"/>
-          <p:cNvPicPr>
-            <a:picLocks noChangeAspect="1"/>
-          </p:cNvPicPr>
-          <p:nvPr/>
-        </p:nvPicPr>
-        <p:blipFill>
-          <a:blip r:embed="rId2">
-            <a:extLst>
-              <a:ext uri="{28A0092B-C50C-407E-A947-70E740481C1C}">
-                <a14:useLocalDpi xmlns:a14="http://schemas.microsoft.com/office/drawing/2010/main" val="0"/>
-              </a:ext>
-            </a:extLst>
-          </a:blip>
-          <a:stretch>
-            <a:fillRect/>
-          </a:stretch>
-        </p:blipFill>
-        <p:spPr>
-          <a:xfrm>
-            <a:off x="7613829" y="1754155"/>
-            <a:ext cx="2171765" cy="2018464"/>
-          </a:xfrm>
-          <a:prstGeom prst="rect">
-            <a:avLst/>
-          </a:prstGeom>
-        </p:spPr>
-      </p:pic>
-      <p:pic>
-        <p:nvPicPr>
-          <p:cNvPr id="7" name="Image 6"/>
-          <p:cNvPicPr/>
-          <p:nvPr/>
-        </p:nvPicPr>
-        <p:blipFill rotWithShape="1">
-          <a:blip r:embed="rId3">
-            <a:extLst>
-              <a:ext uri="{28A0092B-C50C-407E-A947-70E740481C1C}">
-                <a14:useLocalDpi xmlns:a14="http://schemas.microsoft.com/office/drawing/2010/main" val="0"/>
-              </a:ext>
-            </a:extLst>
-          </a:blip>
-          <a:srcRect t="1981" r="41723" b="1"/>
-          <a:stretch/>
-        </p:blipFill>
-        <p:spPr bwMode="auto">
-          <a:xfrm>
-            <a:off x="3923580" y="4413379"/>
-            <a:ext cx="2575131" cy="1978090"/>
-          </a:xfrm>
-          <a:prstGeom prst="rect">
-            <a:avLst/>
-          </a:prstGeom>
-          <a:ln>
-            <a:noFill/>
-          </a:ln>
-          <a:extLst>
-            <a:ext uri="{53640926-AAD7-44D8-BBD7-CCE9431645EC}">
-              <a14:shadowObscured xmlns:a14="http://schemas.microsoft.com/office/drawing/2010/main"/>
-            </a:ext>
-          </a:extLst>
-        </p:spPr>
-      </p:pic>
+        </p:txBody>
+      </p:sp>
     </p:spTree>
     <p:extLst>
       <p:ext uri="{BB962C8B-B14F-4D97-AF65-F5344CB8AC3E}">

--- a/Module 214 - Fabrication_Ethernet.pptx
+++ b/Module 214 - Fabrication_Ethernet.pptx
@@ -9,38 +9,39 @@
     <p:sldId id="283" r:id="rId3"/>
     <p:sldId id="284" r:id="rId4"/>
     <p:sldId id="285" r:id="rId5"/>
-    <p:sldId id="286" r:id="rId6"/>
-    <p:sldId id="275" r:id="rId7"/>
-    <p:sldId id="280" r:id="rId8"/>
-    <p:sldId id="276" r:id="rId9"/>
-    <p:sldId id="277" r:id="rId10"/>
-    <p:sldId id="278" r:id="rId11"/>
-    <p:sldId id="279" r:id="rId12"/>
-    <p:sldId id="282" r:id="rId13"/>
-    <p:sldId id="281" r:id="rId14"/>
-    <p:sldId id="261" r:id="rId15"/>
-    <p:sldId id="273" r:id="rId16"/>
-    <p:sldId id="272" r:id="rId17"/>
-    <p:sldId id="268" r:id="rId18"/>
-    <p:sldId id="269" r:id="rId19"/>
-    <p:sldId id="271" r:id="rId20"/>
-    <p:sldId id="274" r:id="rId21"/>
-    <p:sldId id="260" r:id="rId22"/>
-    <p:sldId id="288" r:id="rId23"/>
-    <p:sldId id="289" r:id="rId24"/>
-    <p:sldId id="290" r:id="rId25"/>
-    <p:sldId id="291" r:id="rId26"/>
-    <p:sldId id="292" r:id="rId27"/>
-    <p:sldId id="293" r:id="rId28"/>
-    <p:sldId id="294" r:id="rId29"/>
-    <p:sldId id="262" r:id="rId30"/>
-    <p:sldId id="295" r:id="rId31"/>
-    <p:sldId id="297" r:id="rId32"/>
-    <p:sldId id="296" r:id="rId33"/>
-    <p:sldId id="298" r:id="rId34"/>
-    <p:sldId id="263" r:id="rId35"/>
-    <p:sldId id="264" r:id="rId36"/>
-    <p:sldId id="265" r:id="rId37"/>
+    <p:sldId id="300" r:id="rId6"/>
+    <p:sldId id="286" r:id="rId7"/>
+    <p:sldId id="275" r:id="rId8"/>
+    <p:sldId id="280" r:id="rId9"/>
+    <p:sldId id="276" r:id="rId10"/>
+    <p:sldId id="277" r:id="rId11"/>
+    <p:sldId id="278" r:id="rId12"/>
+    <p:sldId id="279" r:id="rId13"/>
+    <p:sldId id="282" r:id="rId14"/>
+    <p:sldId id="281" r:id="rId15"/>
+    <p:sldId id="261" r:id="rId16"/>
+    <p:sldId id="273" r:id="rId17"/>
+    <p:sldId id="272" r:id="rId18"/>
+    <p:sldId id="268" r:id="rId19"/>
+    <p:sldId id="269" r:id="rId20"/>
+    <p:sldId id="271" r:id="rId21"/>
+    <p:sldId id="274" r:id="rId22"/>
+    <p:sldId id="260" r:id="rId23"/>
+    <p:sldId id="288" r:id="rId24"/>
+    <p:sldId id="289" r:id="rId25"/>
+    <p:sldId id="290" r:id="rId26"/>
+    <p:sldId id="291" r:id="rId27"/>
+    <p:sldId id="292" r:id="rId28"/>
+    <p:sldId id="293" r:id="rId29"/>
+    <p:sldId id="294" r:id="rId30"/>
+    <p:sldId id="262" r:id="rId31"/>
+    <p:sldId id="295" r:id="rId32"/>
+    <p:sldId id="297" r:id="rId33"/>
+    <p:sldId id="296" r:id="rId34"/>
+    <p:sldId id="298" r:id="rId35"/>
+    <p:sldId id="263" r:id="rId36"/>
+    <p:sldId id="264" r:id="rId37"/>
+    <p:sldId id="265" r:id="rId38"/>
   </p:sldIdLst>
   <p:sldSz cx="12192000" cy="6858000"/>
   <p:notesSz cx="6858000" cy="9144000"/>
@@ -338,7 +339,7 @@
           <a:p>
             <a:fld id="{D406E69D-613E-4019-8533-7F772451DAA2}" type="datetimeFigureOut">
               <a:rPr lang="fr-CH" smtClean="0"/>
-              <a:t>25.04.2019</a:t>
+              <a:t>26.04.2019</a:t>
             </a:fld>
             <a:endParaRPr lang="fr-CH"/>
           </a:p>
@@ -774,7 +775,7 @@
           <a:p>
             <a:fld id="{D406E69D-613E-4019-8533-7F772451DAA2}" type="datetimeFigureOut">
               <a:rPr lang="fr-CH" smtClean="0"/>
-              <a:t>25.04.2019</a:t>
+              <a:t>26.04.2019</a:t>
             </a:fld>
             <a:endParaRPr lang="fr-CH"/>
           </a:p>
@@ -1024,7 +1025,7 @@
           <a:p>
             <a:fld id="{D406E69D-613E-4019-8533-7F772451DAA2}" type="datetimeFigureOut">
               <a:rPr lang="fr-CH" smtClean="0"/>
-              <a:t>25.04.2019</a:t>
+              <a:t>26.04.2019</a:t>
             </a:fld>
             <a:endParaRPr lang="fr-CH"/>
           </a:p>
@@ -1332,7 +1333,7 @@
           <a:p>
             <a:fld id="{D406E69D-613E-4019-8533-7F772451DAA2}" type="datetimeFigureOut">
               <a:rPr lang="fr-CH" smtClean="0"/>
-              <a:t>25.04.2019</a:t>
+              <a:t>26.04.2019</a:t>
             </a:fld>
             <a:endParaRPr lang="fr-CH"/>
           </a:p>
@@ -1650,7 +1651,7 @@
           <a:p>
             <a:fld id="{D406E69D-613E-4019-8533-7F772451DAA2}" type="datetimeFigureOut">
               <a:rPr lang="fr-CH" smtClean="0"/>
-              <a:t>25.04.2019</a:t>
+              <a:t>26.04.2019</a:t>
             </a:fld>
             <a:endParaRPr lang="fr-CH"/>
           </a:p>
@@ -1952,7 +1953,7 @@
           <a:p>
             <a:fld id="{D406E69D-613E-4019-8533-7F772451DAA2}" type="datetimeFigureOut">
               <a:rPr lang="fr-CH" smtClean="0"/>
-              <a:t>25.04.2019</a:t>
+              <a:t>26.04.2019</a:t>
             </a:fld>
             <a:endParaRPr lang="fr-CH"/>
           </a:p>
@@ -2319,7 +2320,7 @@
           <a:p>
             <a:fld id="{D406E69D-613E-4019-8533-7F772451DAA2}" type="datetimeFigureOut">
               <a:rPr lang="fr-CH" smtClean="0"/>
-              <a:t>25.04.2019</a:t>
+              <a:t>26.04.2019</a:t>
             </a:fld>
             <a:endParaRPr lang="fr-CH"/>
           </a:p>
@@ -2493,7 +2494,7 @@
           <a:p>
             <a:fld id="{D406E69D-613E-4019-8533-7F772451DAA2}" type="datetimeFigureOut">
               <a:rPr lang="fr-CH" smtClean="0"/>
-              <a:t>25.04.2019</a:t>
+              <a:t>26.04.2019</a:t>
             </a:fld>
             <a:endParaRPr lang="fr-CH"/>
           </a:p>
@@ -2673,7 +2674,7 @@
           <a:p>
             <a:fld id="{D406E69D-613E-4019-8533-7F772451DAA2}" type="datetimeFigureOut">
               <a:rPr lang="fr-CH" smtClean="0"/>
-              <a:t>25.04.2019</a:t>
+              <a:t>26.04.2019</a:t>
             </a:fld>
             <a:endParaRPr lang="fr-CH"/>
           </a:p>
@@ -2843,7 +2844,7 @@
           <a:p>
             <a:fld id="{D406E69D-613E-4019-8533-7F772451DAA2}" type="datetimeFigureOut">
               <a:rPr lang="fr-CH" smtClean="0"/>
-              <a:t>25.04.2019</a:t>
+              <a:t>26.04.2019</a:t>
             </a:fld>
             <a:endParaRPr lang="fr-CH"/>
           </a:p>
@@ -3093,7 +3094,7 @@
           <a:p>
             <a:fld id="{D406E69D-613E-4019-8533-7F772451DAA2}" type="datetimeFigureOut">
               <a:rPr lang="fr-CH" smtClean="0"/>
-              <a:t>25.04.2019</a:t>
+              <a:t>26.04.2019</a:t>
             </a:fld>
             <a:endParaRPr lang="fr-CH"/>
           </a:p>
@@ -3329,7 +3330,7 @@
           <a:p>
             <a:fld id="{D406E69D-613E-4019-8533-7F772451DAA2}" type="datetimeFigureOut">
               <a:rPr lang="fr-CH" smtClean="0"/>
-              <a:t>25.04.2019</a:t>
+              <a:t>26.04.2019</a:t>
             </a:fld>
             <a:endParaRPr lang="fr-CH"/>
           </a:p>
@@ -3711,7 +3712,7 @@
           <a:p>
             <a:fld id="{D406E69D-613E-4019-8533-7F772451DAA2}" type="datetimeFigureOut">
               <a:rPr lang="fr-CH" smtClean="0"/>
-              <a:t>25.04.2019</a:t>
+              <a:t>26.04.2019</a:t>
             </a:fld>
             <a:endParaRPr lang="fr-CH"/>
           </a:p>
@@ -3829,7 +3830,7 @@
           <a:p>
             <a:fld id="{D406E69D-613E-4019-8533-7F772451DAA2}" type="datetimeFigureOut">
               <a:rPr lang="fr-CH" smtClean="0"/>
-              <a:t>25.04.2019</a:t>
+              <a:t>26.04.2019</a:t>
             </a:fld>
             <a:endParaRPr lang="fr-CH"/>
           </a:p>
@@ -3924,7 +3925,7 @@
           <a:p>
             <a:fld id="{D406E69D-613E-4019-8533-7F772451DAA2}" type="datetimeFigureOut">
               <a:rPr lang="fr-CH" smtClean="0"/>
-              <a:t>25.04.2019</a:t>
+              <a:t>26.04.2019</a:t>
             </a:fld>
             <a:endParaRPr lang="fr-CH"/>
           </a:p>
@@ -4179,7 +4180,7 @@
           <a:p>
             <a:fld id="{D406E69D-613E-4019-8533-7F772451DAA2}" type="datetimeFigureOut">
               <a:rPr lang="fr-CH" smtClean="0"/>
-              <a:t>25.04.2019</a:t>
+              <a:t>26.04.2019</a:t>
             </a:fld>
             <a:endParaRPr lang="fr-CH"/>
           </a:p>
@@ -4462,7 +4463,7 @@
           <a:p>
             <a:fld id="{D406E69D-613E-4019-8533-7F772451DAA2}" type="datetimeFigureOut">
               <a:rPr lang="fr-CH" smtClean="0"/>
-              <a:t>25.04.2019</a:t>
+              <a:t>26.04.2019</a:t>
             </a:fld>
             <a:endParaRPr lang="fr-CH"/>
           </a:p>
@@ -4868,7 +4869,7 @@
           <a:p>
             <a:fld id="{D406E69D-613E-4019-8533-7F772451DAA2}" type="datetimeFigureOut">
               <a:rPr lang="fr-CH" smtClean="0"/>
-              <a:t>25.04.2019</a:t>
+              <a:t>26.04.2019</a:t>
             </a:fld>
             <a:endParaRPr lang="fr-CH"/>
           </a:p>
@@ -5611,6 +5612,351 @@
       </p:grpSpPr>
       <p:sp>
         <p:nvSpPr>
+          <p:cNvPr id="6" name="Rectangle 1"/>
+          <p:cNvSpPr>
+            <a:spLocks noChangeArrowheads="1"/>
+          </p:cNvSpPr>
+          <p:nvPr/>
+        </p:nvSpPr>
+        <p:spPr bwMode="auto">
+          <a:xfrm>
+            <a:off x="574431" y="1399530"/>
+            <a:ext cx="3575018" cy="610415"/>
+          </a:xfrm>
+          <a:prstGeom prst="rect">
+            <a:avLst/>
+          </a:prstGeom>
+          <a:noFill/>
+          <a:ln>
+            <a:noFill/>
+          </a:ln>
+          <a:effectLst/>
+          <a:extLst>
+            <a:ext uri="{909E8E84-426E-40DD-AFC4-6F175D3DCCD1}">
+              <a14:hiddenFill xmlns:a14="http://schemas.microsoft.com/office/drawing/2010/main">
+                <a:solidFill>
+                  <a:schemeClr val="accent1"/>
+                </a:solidFill>
+              </a14:hiddenFill>
+            </a:ext>
+            <a:ext uri="{91240B29-F687-4F45-9708-019B960494DF}">
+              <a14:hiddenLine xmlns:a14="http://schemas.microsoft.com/office/drawing/2010/main" w="9525">
+                <a:solidFill>
+                  <a:schemeClr val="tx1"/>
+                </a:solidFill>
+                <a:miter lim="800000"/>
+                <a:headEnd/>
+                <a:tailEnd/>
+              </a14:hiddenLine>
+            </a:ext>
+            <a:ext uri="{AF507438-7753-43E0-B8FC-AC1667EBCBE1}">
+              <a14:hiddenEffects xmlns:a14="http://schemas.microsoft.com/office/drawing/2010/main">
+                <a:effectLst>
+                  <a:outerShdw dist="35921" dir="2700000" algn="ctr" rotWithShape="0">
+                    <a:schemeClr val="bg2"/>
+                  </a:outerShdw>
+                </a:effectLst>
+              </a14:hiddenEffects>
+            </a:ext>
+          </a:extLst>
+        </p:spPr>
+        <p:txBody>
+          <a:bodyPr vert="horz" wrap="none" lIns="91440" tIns="25392" rIns="91440" bIns="0" numCol="1" anchor="ctr" anchorCtr="0" compatLnSpc="1">
+            <a:prstTxWarp prst="textNoShape">
+              <a:avLst/>
+            </a:prstTxWarp>
+            <a:spAutoFit/>
+          </a:bodyPr>
+          <a:lstStyle/>
+          <a:p>
+            <a:pPr marL="0" marR="0" lvl="0" indent="0" algn="l" defTabSz="914400" rtl="0" eaLnBrk="0" fontAlgn="base" latinLnBrk="0" hangingPunct="0">
+              <a:lnSpc>
+                <a:spcPct val="100000"/>
+              </a:lnSpc>
+              <a:spcBef>
+                <a:spcPct val="0"/>
+              </a:spcBef>
+              <a:spcAft>
+                <a:spcPct val="0"/>
+              </a:spcAft>
+              <a:buClrTx/>
+              <a:buSzTx/>
+              <a:buFontTx/>
+              <a:buNone/>
+              <a:tabLst/>
+            </a:pPr>
+            <a:r>
+              <a:rPr kumimoji="0" lang="fr-CH" altLang="fr-FR" sz="2000" b="1" i="0" u="sng" strike="noStrike" cap="none" normalizeH="0" baseline="0" dirty="0">
+                <a:ln>
+                  <a:noFill/>
+                </a:ln>
+                <a:effectLst/>
+                <a:latin typeface="Century Gothic (Headings)"/>
+                <a:ea typeface="Times New Roman" panose="02020603050405020304" pitchFamily="18" charset="0"/>
+                <a:cs typeface="Times New Roman" panose="02020603050405020304" pitchFamily="18" charset="0"/>
+              </a:rPr>
+              <a:t>Les différentes classes PoE</a:t>
+            </a:r>
+          </a:p>
+          <a:p>
+            <a:pPr marL="0" marR="0" lvl="0" indent="0" algn="l" defTabSz="914400" rtl="0" eaLnBrk="0" fontAlgn="base" latinLnBrk="0" hangingPunct="0">
+              <a:lnSpc>
+                <a:spcPct val="100000"/>
+              </a:lnSpc>
+              <a:spcBef>
+                <a:spcPct val="0"/>
+              </a:spcBef>
+              <a:spcAft>
+                <a:spcPct val="0"/>
+              </a:spcAft>
+              <a:buClrTx/>
+              <a:buSzTx/>
+              <a:buFontTx/>
+              <a:buNone/>
+              <a:tabLst/>
+            </a:pPr>
+            <a:endParaRPr kumimoji="0" lang="fr-CH" altLang="fr-FR" sz="1800" b="0" i="0" u="sng" strike="noStrike" cap="none" normalizeH="0" baseline="0" dirty="0">
+              <a:ln>
+                <a:noFill/>
+              </a:ln>
+              <a:solidFill>
+                <a:schemeClr val="tx1"/>
+              </a:solidFill>
+              <a:effectLst/>
+              <a:latin typeface="Arial" panose="020B0604020202020204" pitchFamily="34" charset="0"/>
+            </a:endParaRPr>
+          </a:p>
+        </p:txBody>
+      </p:sp>
+      <p:pic>
+        <p:nvPicPr>
+          <p:cNvPr id="11" name="Content Placeholder 10"/>
+          <p:cNvPicPr>
+            <a:picLocks noGrp="1" noChangeAspect="1"/>
+          </p:cNvPicPr>
+          <p:nvPr>
+            <p:ph idx="1"/>
+          </p:nvPr>
+        </p:nvPicPr>
+        <p:blipFill rotWithShape="1">
+          <a:blip r:embed="rId2">
+            <a:extLst>
+              <a:ext uri="{28A0092B-C50C-407E-A947-70E740481C1C}">
+                <a14:useLocalDpi xmlns:a14="http://schemas.microsoft.com/office/drawing/2010/main" val="0"/>
+              </a:ext>
+            </a:extLst>
+          </a:blip>
+          <a:srcRect l="1295" t="4786" r="1353" b="4831"/>
+          <a:stretch/>
+        </p:blipFill>
+        <p:spPr>
+          <a:xfrm>
+            <a:off x="890955" y="2237167"/>
+            <a:ext cx="10305568" cy="3202342"/>
+          </a:xfrm>
+        </p:spPr>
+      </p:pic>
+      <p:sp>
+        <p:nvSpPr>
+          <p:cNvPr id="12" name="Title 1"/>
+          <p:cNvSpPr>
+            <a:spLocks noGrp="1"/>
+          </p:cNvSpPr>
+          <p:nvPr>
+            <p:ph type="title"/>
+          </p:nvPr>
+        </p:nvSpPr>
+        <p:spPr>
+          <a:xfrm>
+            <a:off x="0" y="0"/>
+            <a:ext cx="4039565" cy="510199"/>
+          </a:xfrm>
+        </p:spPr>
+        <p:txBody>
+          <a:bodyPr numCol="1">
+            <a:noAutofit/>
+          </a:bodyPr>
+          <a:lstStyle/>
+          <a:p>
+            <a:pPr algn="ctr"/>
+            <a:r>
+              <a:rPr lang="fr-CH" sz="2800" dirty="0"/>
+              <a:t>La technologie PoE</a:t>
+            </a:r>
+          </a:p>
+        </p:txBody>
+      </p:sp>
+    </p:spTree>
+    <p:extLst>
+      <p:ext uri="{BB962C8B-B14F-4D97-AF65-F5344CB8AC3E}">
+        <p14:creationId xmlns:p14="http://schemas.microsoft.com/office/powerpoint/2010/main" val="489894130"/>
+      </p:ext>
+    </p:extLst>
+  </p:cSld>
+  <p:clrMapOvr>
+    <a:masterClrMapping/>
+  </p:clrMapOvr>
+  <p:timing>
+    <p:tnLst>
+      <p:par>
+        <p:cTn id="1" dur="indefinite" restart="never" nodeType="tmRoot">
+          <p:childTnLst>
+            <p:seq concurrent="1" nextAc="seek">
+              <p:cTn id="2" dur="indefinite" nodeType="mainSeq">
+                <p:childTnLst>
+                  <p:par>
+                    <p:cTn id="3" fill="hold">
+                      <p:stCondLst>
+                        <p:cond delay="indefinite"/>
+                      </p:stCondLst>
+                      <p:childTnLst>
+                        <p:par>
+                          <p:cTn id="4" fill="hold">
+                            <p:stCondLst>
+                              <p:cond delay="0"/>
+                            </p:stCondLst>
+                            <p:childTnLst>
+                              <p:par>
+                                <p:cTn id="5" presetID="10" presetClass="entr" presetSubtype="0" fill="hold" grpId="0" nodeType="clickEffect">
+                                  <p:stCondLst>
+                                    <p:cond delay="0"/>
+                                  </p:stCondLst>
+                                  <p:childTnLst>
+                                    <p:set>
+                                      <p:cBhvr>
+                                        <p:cTn id="6" dur="1" fill="hold">
+                                          <p:stCondLst>
+                                            <p:cond delay="0"/>
+                                          </p:stCondLst>
+                                        </p:cTn>
+                                        <p:tgtEl>
+                                          <p:spTgt spid="6"/>
+                                        </p:tgtEl>
+                                        <p:attrNameLst>
+                                          <p:attrName>style.visibility</p:attrName>
+                                        </p:attrNameLst>
+                                      </p:cBhvr>
+                                      <p:to>
+                                        <p:strVal val="visible"/>
+                                      </p:to>
+                                    </p:set>
+                                    <p:animEffect transition="in" filter="fade">
+                                      <p:cBhvr>
+                                        <p:cTn id="7" dur="500"/>
+                                        <p:tgtEl>
+                                          <p:spTgt spid="6"/>
+                                        </p:tgtEl>
+                                      </p:cBhvr>
+                                    </p:animEffect>
+                                  </p:childTnLst>
+                                </p:cTn>
+                              </p:par>
+                            </p:childTnLst>
+                          </p:cTn>
+                        </p:par>
+                      </p:childTnLst>
+                    </p:cTn>
+                  </p:par>
+                  <p:par>
+                    <p:cTn id="8" fill="hold">
+                      <p:stCondLst>
+                        <p:cond delay="indefinite"/>
+                      </p:stCondLst>
+                      <p:childTnLst>
+                        <p:par>
+                          <p:cTn id="9" fill="hold">
+                            <p:stCondLst>
+                              <p:cond delay="0"/>
+                            </p:stCondLst>
+                            <p:childTnLst>
+                              <p:par>
+                                <p:cTn id="10" presetID="10" presetClass="entr" presetSubtype="0" fill="hold" nodeType="clickEffect">
+                                  <p:stCondLst>
+                                    <p:cond delay="0"/>
+                                  </p:stCondLst>
+                                  <p:childTnLst>
+                                    <p:set>
+                                      <p:cBhvr>
+                                        <p:cTn id="11" dur="1" fill="hold">
+                                          <p:stCondLst>
+                                            <p:cond delay="0"/>
+                                          </p:stCondLst>
+                                        </p:cTn>
+                                        <p:tgtEl>
+                                          <p:spTgt spid="11"/>
+                                        </p:tgtEl>
+                                        <p:attrNameLst>
+                                          <p:attrName>style.visibility</p:attrName>
+                                        </p:attrNameLst>
+                                      </p:cBhvr>
+                                      <p:to>
+                                        <p:strVal val="visible"/>
+                                      </p:to>
+                                    </p:set>
+                                    <p:animEffect transition="in" filter="fade">
+                                      <p:cBhvr>
+                                        <p:cTn id="12" dur="500"/>
+                                        <p:tgtEl>
+                                          <p:spTgt spid="11"/>
+                                        </p:tgtEl>
+                                      </p:cBhvr>
+                                    </p:animEffect>
+                                  </p:childTnLst>
+                                </p:cTn>
+                              </p:par>
+                            </p:childTnLst>
+                          </p:cTn>
+                        </p:par>
+                      </p:childTnLst>
+                    </p:cTn>
+                  </p:par>
+                </p:childTnLst>
+              </p:cTn>
+              <p:prevCondLst>
+                <p:cond evt="onPrev" delay="0">
+                  <p:tgtEl>
+                    <p:sldTgt/>
+                  </p:tgtEl>
+                </p:cond>
+              </p:prevCondLst>
+              <p:nextCondLst>
+                <p:cond evt="onNext" delay="0">
+                  <p:tgtEl>
+                    <p:sldTgt/>
+                  </p:tgtEl>
+                </p:cond>
+              </p:nextCondLst>
+            </p:seq>
+          </p:childTnLst>
+        </p:cTn>
+      </p:par>
+    </p:tnLst>
+    <p:bldLst>
+      <p:bldP spid="6" grpId="0"/>
+    </p:bldLst>
+  </p:timing>
+</p:sld>
+</file>
+
+<file path=ppt/slides/slide11.xml><?xml version="1.0" encoding="utf-8"?>
+<p:sld xmlns:a="http://schemas.openxmlformats.org/drawingml/2006/main" xmlns:r="http://schemas.openxmlformats.org/officeDocument/2006/relationships" xmlns:p="http://schemas.openxmlformats.org/presentationml/2006/main">
+  <p:cSld>
+    <p:spTree>
+      <p:nvGrpSpPr>
+        <p:cNvPr id="1" name=""/>
+        <p:cNvGrpSpPr/>
+        <p:nvPr/>
+      </p:nvGrpSpPr>
+      <p:grpSpPr>
+        <a:xfrm>
+          <a:off x="0" y="0"/>
+          <a:ext cx="0" cy="0"/>
+          <a:chOff x="0" y="0"/>
+          <a:chExt cx="0" cy="0"/>
+        </a:xfrm>
+      </p:grpSpPr>
+      <p:sp>
+        <p:nvSpPr>
           <p:cNvPr id="3" name="Content Placeholder 2"/>
           <p:cNvSpPr>
             <a:spLocks noGrp="1"/>
@@ -6332,7 +6678,7 @@
 </p:sld>
 </file>
 
-<file path=ppt/slides/slide11.xml><?xml version="1.0" encoding="utf-8"?>
+<file path=ppt/slides/slide12.xml><?xml version="1.0" encoding="utf-8"?>
 <p:sld xmlns:a="http://schemas.openxmlformats.org/drawingml/2006/main" xmlns:r="http://schemas.openxmlformats.org/officeDocument/2006/relationships" xmlns:p="http://schemas.openxmlformats.org/presentationml/2006/main">
   <p:cSld>
     <p:spTree>
@@ -6660,7 +7006,7 @@
 </p:sld>
 </file>
 
-<file path=ppt/slides/slide12.xml><?xml version="1.0" encoding="utf-8"?>
+<file path=ppt/slides/slide13.xml><?xml version="1.0" encoding="utf-8"?>
 <p:sld xmlns:a="http://schemas.openxmlformats.org/drawingml/2006/main" xmlns:r="http://schemas.openxmlformats.org/officeDocument/2006/relationships" xmlns:p="http://schemas.openxmlformats.org/presentationml/2006/main">
   <p:cSld>
     <p:spTree>
@@ -6874,7 +7220,7 @@
 </p:sld>
 </file>
 
-<file path=ppt/slides/slide13.xml><?xml version="1.0" encoding="utf-8"?>
+<file path=ppt/slides/slide14.xml><?xml version="1.0" encoding="utf-8"?>
 <p:sld xmlns:a="http://schemas.openxmlformats.org/drawingml/2006/main" xmlns:r="http://schemas.openxmlformats.org/officeDocument/2006/relationships" xmlns:p="http://schemas.openxmlformats.org/presentationml/2006/main">
   <p:cSld>
     <p:spTree>
@@ -7476,7 +7822,7 @@
 </p:sld>
 </file>
 
-<file path=ppt/slides/slide14.xml><?xml version="1.0" encoding="utf-8"?>
+<file path=ppt/slides/slide15.xml><?xml version="1.0" encoding="utf-8"?>
 <p:sld xmlns:a="http://schemas.openxmlformats.org/drawingml/2006/main" xmlns:r="http://schemas.openxmlformats.org/officeDocument/2006/relationships" xmlns:p="http://schemas.openxmlformats.org/presentationml/2006/main">
   <p:cSld>
     <p:spTree>
@@ -7610,90 +7956,6 @@
     <p:extLst>
       <p:ext uri="{BB962C8B-B14F-4D97-AF65-F5344CB8AC3E}">
         <p14:creationId xmlns:p14="http://schemas.microsoft.com/office/powerpoint/2010/main" val="3551929532"/>
-      </p:ext>
-    </p:extLst>
-  </p:cSld>
-  <p:clrMapOvr>
-    <a:masterClrMapping/>
-  </p:clrMapOvr>
-</p:sld>
-</file>
-
-<file path=ppt/slides/slide15.xml><?xml version="1.0" encoding="utf-8"?>
-<p:sld xmlns:a="http://schemas.openxmlformats.org/drawingml/2006/main" xmlns:r="http://schemas.openxmlformats.org/officeDocument/2006/relationships" xmlns:p="http://schemas.openxmlformats.org/presentationml/2006/main">
-  <p:cSld>
-    <p:spTree>
-      <p:nvGrpSpPr>
-        <p:cNvPr id="1" name=""/>
-        <p:cNvGrpSpPr/>
-        <p:nvPr/>
-      </p:nvGrpSpPr>
-      <p:grpSpPr>
-        <a:xfrm>
-          <a:off x="0" y="0"/>
-          <a:ext cx="0" cy="0"/>
-          <a:chOff x="0" y="0"/>
-          <a:chExt cx="0" cy="0"/>
-        </a:xfrm>
-      </p:grpSpPr>
-      <p:sp>
-        <p:nvSpPr>
-          <p:cNvPr id="5" name="Content Placeholder 2"/>
-          <p:cNvSpPr>
-            <a:spLocks noGrp="1"/>
-          </p:cNvSpPr>
-          <p:nvPr>
-            <p:ph idx="1"/>
-          </p:nvPr>
-        </p:nvSpPr>
-        <p:spPr>
-          <a:xfrm>
-            <a:off x="277793" y="902826"/>
-            <a:ext cx="11539959" cy="5660020"/>
-          </a:xfrm>
-        </p:spPr>
-        <p:txBody>
-          <a:bodyPr/>
-          <a:lstStyle/>
-          <a:p>
-            <a:endParaRPr lang="fr-CH" dirty="0"/>
-          </a:p>
-        </p:txBody>
-      </p:sp>
-      <p:sp>
-        <p:nvSpPr>
-          <p:cNvPr id="6" name="Title 1"/>
-          <p:cNvSpPr>
-            <a:spLocks noGrp="1"/>
-          </p:cNvSpPr>
-          <p:nvPr>
-            <p:ph type="title"/>
-          </p:nvPr>
-        </p:nvSpPr>
-        <p:spPr>
-          <a:xfrm>
-            <a:off x="0" y="0"/>
-            <a:ext cx="2511706" cy="510199"/>
-          </a:xfrm>
-        </p:spPr>
-        <p:txBody>
-          <a:bodyPr numCol="1">
-            <a:noAutofit/>
-          </a:bodyPr>
-          <a:lstStyle/>
-          <a:p>
-            <a:pPr algn="ctr"/>
-            <a:r>
-              <a:rPr lang="fr-CH" sz="2800" dirty="0"/>
-              <a:t>CATEGORIE 5</a:t>
-            </a:r>
-          </a:p>
-        </p:txBody>
-      </p:sp>
-    </p:spTree>
-    <p:extLst>
-      <p:ext uri="{BB962C8B-B14F-4D97-AF65-F5344CB8AC3E}">
-        <p14:creationId xmlns:p14="http://schemas.microsoft.com/office/powerpoint/2010/main" val="3479421088"/>
       </p:ext>
     </p:extLst>
   </p:cSld>
@@ -7757,6 +8019,90 @@
         <p:spPr>
           <a:xfrm>
             <a:off x="0" y="0"/>
+            <a:ext cx="2511706" cy="510199"/>
+          </a:xfrm>
+        </p:spPr>
+        <p:txBody>
+          <a:bodyPr numCol="1">
+            <a:noAutofit/>
+          </a:bodyPr>
+          <a:lstStyle/>
+          <a:p>
+            <a:pPr algn="ctr"/>
+            <a:r>
+              <a:rPr lang="fr-CH" sz="2800" dirty="0"/>
+              <a:t>CATEGORIE 5</a:t>
+            </a:r>
+          </a:p>
+        </p:txBody>
+      </p:sp>
+    </p:spTree>
+    <p:extLst>
+      <p:ext uri="{BB962C8B-B14F-4D97-AF65-F5344CB8AC3E}">
+        <p14:creationId xmlns:p14="http://schemas.microsoft.com/office/powerpoint/2010/main" val="3479421088"/>
+      </p:ext>
+    </p:extLst>
+  </p:cSld>
+  <p:clrMapOvr>
+    <a:masterClrMapping/>
+  </p:clrMapOvr>
+</p:sld>
+</file>
+
+<file path=ppt/slides/slide17.xml><?xml version="1.0" encoding="utf-8"?>
+<p:sld xmlns:a="http://schemas.openxmlformats.org/drawingml/2006/main" xmlns:r="http://schemas.openxmlformats.org/officeDocument/2006/relationships" xmlns:p="http://schemas.openxmlformats.org/presentationml/2006/main">
+  <p:cSld>
+    <p:spTree>
+      <p:nvGrpSpPr>
+        <p:cNvPr id="1" name=""/>
+        <p:cNvGrpSpPr/>
+        <p:nvPr/>
+      </p:nvGrpSpPr>
+      <p:grpSpPr>
+        <a:xfrm>
+          <a:off x="0" y="0"/>
+          <a:ext cx="0" cy="0"/>
+          <a:chOff x="0" y="0"/>
+          <a:chExt cx="0" cy="0"/>
+        </a:xfrm>
+      </p:grpSpPr>
+      <p:sp>
+        <p:nvSpPr>
+          <p:cNvPr id="5" name="Content Placeholder 2"/>
+          <p:cNvSpPr>
+            <a:spLocks noGrp="1"/>
+          </p:cNvSpPr>
+          <p:nvPr>
+            <p:ph idx="1"/>
+          </p:nvPr>
+        </p:nvSpPr>
+        <p:spPr>
+          <a:xfrm>
+            <a:off x="277793" y="902826"/>
+            <a:ext cx="11539959" cy="5660020"/>
+          </a:xfrm>
+        </p:spPr>
+        <p:txBody>
+          <a:bodyPr/>
+          <a:lstStyle/>
+          <a:p>
+            <a:endParaRPr lang="fr-CH" dirty="0"/>
+          </a:p>
+        </p:txBody>
+      </p:sp>
+      <p:sp>
+        <p:nvSpPr>
+          <p:cNvPr id="6" name="Title 1"/>
+          <p:cNvSpPr>
+            <a:spLocks noGrp="1"/>
+          </p:cNvSpPr>
+          <p:nvPr>
+            <p:ph type="title"/>
+          </p:nvPr>
+        </p:nvSpPr>
+        <p:spPr>
+          <a:xfrm>
+            <a:off x="0" y="0"/>
             <a:ext cx="2720051" cy="510199"/>
           </a:xfrm>
         </p:spPr>
@@ -7787,7 +8133,7 @@
 </p:sld>
 </file>
 
-<file path=ppt/slides/slide17.xml><?xml version="1.0" encoding="utf-8"?>
+<file path=ppt/slides/slide18.xml><?xml version="1.0" encoding="utf-8"?>
 <p:sld xmlns:a="http://schemas.openxmlformats.org/drawingml/2006/main" xmlns:r="http://schemas.openxmlformats.org/officeDocument/2006/relationships" xmlns:p="http://schemas.openxmlformats.org/presentationml/2006/main">
   <p:cSld>
     <p:spTree>
@@ -9045,7 +9391,7 @@
 </p:sld>
 </file>
 
-<file path=ppt/slides/slide18.xml><?xml version="1.0" encoding="utf-8"?>
+<file path=ppt/slides/slide19.xml><?xml version="1.0" encoding="utf-8"?>
 <p:sld xmlns:a="http://schemas.openxmlformats.org/drawingml/2006/main" xmlns:r="http://schemas.openxmlformats.org/officeDocument/2006/relationships" xmlns:p="http://schemas.openxmlformats.org/presentationml/2006/main">
   <p:cSld>
     <p:spTree>
@@ -9975,7 +10321,225 @@
 </p:sld>
 </file>
 
-<file path=ppt/slides/slide19.xml><?xml version="1.0" encoding="utf-8"?>
+<file path=ppt/slides/slide2.xml><?xml version="1.0" encoding="utf-8"?>
+<p:sld xmlns:a="http://schemas.openxmlformats.org/drawingml/2006/main" xmlns:r="http://schemas.openxmlformats.org/officeDocument/2006/relationships" xmlns:p="http://schemas.openxmlformats.org/presentationml/2006/main">
+  <p:cSld>
+    <p:spTree>
+      <p:nvGrpSpPr>
+        <p:cNvPr id="1" name=""/>
+        <p:cNvGrpSpPr/>
+        <p:nvPr/>
+      </p:nvGrpSpPr>
+      <p:grpSpPr>
+        <a:xfrm>
+          <a:off x="0" y="0"/>
+          <a:ext cx="0" cy="0"/>
+          <a:chOff x="0" y="0"/>
+          <a:chExt cx="0" cy="0"/>
+        </a:xfrm>
+      </p:grpSpPr>
+      <p:sp>
+        <p:nvSpPr>
+          <p:cNvPr id="2" name="Title 1"/>
+          <p:cNvSpPr>
+            <a:spLocks noGrp="1"/>
+          </p:cNvSpPr>
+          <p:nvPr>
+            <p:ph type="title"/>
+          </p:nvPr>
+        </p:nvSpPr>
+        <p:spPr>
+          <a:xfrm>
+            <a:off x="646112" y="452718"/>
+            <a:ext cx="4273130" cy="716325"/>
+          </a:xfrm>
+        </p:spPr>
+        <p:txBody>
+          <a:bodyPr/>
+          <a:lstStyle/>
+          <a:p>
+            <a:r>
+              <a:rPr lang="fr-CH" dirty="0"/>
+              <a:t>SOMMAIRE</a:t>
+            </a:r>
+          </a:p>
+        </p:txBody>
+      </p:sp>
+      <p:sp>
+        <p:nvSpPr>
+          <p:cNvPr id="3" name="Content Placeholder 2"/>
+          <p:cNvSpPr>
+            <a:spLocks noGrp="1"/>
+          </p:cNvSpPr>
+          <p:nvPr>
+            <p:ph idx="1"/>
+          </p:nvPr>
+        </p:nvSpPr>
+        <p:spPr>
+          <a:xfrm>
+            <a:off x="999140" y="1520483"/>
+            <a:ext cx="10216729" cy="5042363"/>
+          </a:xfrm>
+        </p:spPr>
+        <p:txBody>
+          <a:bodyPr>
+            <a:normAutofit fontScale="77500" lnSpcReduction="20000"/>
+          </a:bodyPr>
+          <a:lstStyle/>
+          <a:p>
+            <a:pPr>
+              <a:lnSpc>
+                <a:spcPct val="150000"/>
+              </a:lnSpc>
+            </a:pPr>
+            <a:r>
+              <a:rPr lang="fr-CH" sz="2600" dirty="0">
+                <a:solidFill>
+                  <a:schemeClr val="tx1"/>
+                </a:solidFill>
+              </a:rPr>
+              <a:t>Introduction</a:t>
+            </a:r>
+          </a:p>
+          <a:p>
+            <a:pPr>
+              <a:lnSpc>
+                <a:spcPct val="150000"/>
+              </a:lnSpc>
+            </a:pPr>
+            <a:r>
+              <a:rPr lang="fr-CH" sz="2600" dirty="0">
+                <a:solidFill>
+                  <a:schemeClr val="tx1"/>
+                </a:solidFill>
+              </a:rPr>
+              <a:t>Historique</a:t>
+            </a:r>
+          </a:p>
+          <a:p>
+            <a:pPr>
+              <a:lnSpc>
+                <a:spcPct val="150000"/>
+              </a:lnSpc>
+            </a:pPr>
+            <a:r>
+              <a:rPr lang="fr-CH" sz="2600" dirty="0">
+                <a:solidFill>
+                  <a:schemeClr val="tx1"/>
+                </a:solidFill>
+              </a:rPr>
+              <a:t>Usage</a:t>
+            </a:r>
+          </a:p>
+          <a:p>
+            <a:pPr>
+              <a:lnSpc>
+                <a:spcPct val="150000"/>
+              </a:lnSpc>
+            </a:pPr>
+            <a:r>
+              <a:rPr lang="fr-CH" sz="2600" dirty="0">
+                <a:solidFill>
+                  <a:schemeClr val="tx1"/>
+                </a:solidFill>
+              </a:rPr>
+              <a:t>La Technologie PoE</a:t>
+            </a:r>
+          </a:p>
+          <a:p>
+            <a:pPr>
+              <a:lnSpc>
+                <a:spcPct val="150000"/>
+              </a:lnSpc>
+            </a:pPr>
+            <a:r>
+              <a:rPr lang="fr-CH" sz="2600" dirty="0">
+                <a:solidFill>
+                  <a:schemeClr val="tx1"/>
+                </a:solidFill>
+              </a:rPr>
+              <a:t>Catégories des câbles Ethernet</a:t>
+            </a:r>
+          </a:p>
+          <a:p>
+            <a:pPr>
+              <a:lnSpc>
+                <a:spcPct val="150000"/>
+              </a:lnSpc>
+            </a:pPr>
+            <a:r>
+              <a:rPr lang="fr-CH" sz="2600" dirty="0">
+                <a:solidFill>
+                  <a:schemeClr val="tx1"/>
+                </a:solidFill>
+              </a:rPr>
+              <a:t>Blindages</a:t>
+            </a:r>
+          </a:p>
+          <a:p>
+            <a:pPr>
+              <a:lnSpc>
+                <a:spcPct val="150000"/>
+              </a:lnSpc>
+            </a:pPr>
+            <a:r>
+              <a:rPr lang="fr-CH" sz="2600" dirty="0">
+                <a:solidFill>
+                  <a:schemeClr val="tx1"/>
+                </a:solidFill>
+              </a:rPr>
+              <a:t>Connectiques</a:t>
+            </a:r>
+          </a:p>
+          <a:p>
+            <a:pPr>
+              <a:lnSpc>
+                <a:spcPct val="150000"/>
+              </a:lnSpc>
+            </a:pPr>
+            <a:r>
+              <a:rPr lang="fr-CH" sz="2600" dirty="0">
+                <a:solidFill>
+                  <a:schemeClr val="tx1"/>
+                </a:solidFill>
+              </a:rPr>
+              <a:t>Normes</a:t>
+            </a:r>
+          </a:p>
+          <a:p>
+            <a:pPr>
+              <a:lnSpc>
+                <a:spcPct val="150000"/>
+              </a:lnSpc>
+            </a:pPr>
+            <a:r>
+              <a:rPr lang="fr-CH" sz="2600" dirty="0">
+                <a:solidFill>
+                  <a:schemeClr val="tx1"/>
+                </a:solidFill>
+              </a:rPr>
+              <a:t>Fabrication</a:t>
+            </a:r>
+          </a:p>
+          <a:p>
+            <a:endParaRPr lang="fr-CH" dirty="0"/>
+          </a:p>
+        </p:txBody>
+      </p:sp>
+    </p:spTree>
+    <p:extLst>
+      <p:ext uri="{BB962C8B-B14F-4D97-AF65-F5344CB8AC3E}">
+        <p14:creationId xmlns:p14="http://schemas.microsoft.com/office/powerpoint/2010/main" val="829066155"/>
+      </p:ext>
+    </p:extLst>
+  </p:cSld>
+  <p:clrMapOvr>
+    <a:masterClrMapping/>
+  </p:clrMapOvr>
+</p:sld>
+</file>
+
+<file path=ppt/slides/slide20.xml><?xml version="1.0" encoding="utf-8"?>
 <p:sld xmlns:a="http://schemas.openxmlformats.org/drawingml/2006/main" xmlns:r="http://schemas.openxmlformats.org/officeDocument/2006/relationships" xmlns:p="http://schemas.openxmlformats.org/presentationml/2006/main">
   <p:cSld>
     <p:spTree>
@@ -11193,226 +11757,7 @@
 </p:sld>
 </file>
 
-<file path=ppt/slides/slide2.xml><?xml version="1.0" encoding="utf-8"?>
-<p:sld xmlns:a="http://schemas.openxmlformats.org/drawingml/2006/main" xmlns:r="http://schemas.openxmlformats.org/officeDocument/2006/relationships" xmlns:p="http://schemas.openxmlformats.org/presentationml/2006/main">
-  <p:cSld>
-    <p:spTree>
-      <p:nvGrpSpPr>
-        <p:cNvPr id="1" name=""/>
-        <p:cNvGrpSpPr/>
-        <p:nvPr/>
-      </p:nvGrpSpPr>
-      <p:grpSpPr>
-        <a:xfrm>
-          <a:off x="0" y="0"/>
-          <a:ext cx="0" cy="0"/>
-          <a:chOff x="0" y="0"/>
-          <a:chExt cx="0" cy="0"/>
-        </a:xfrm>
-      </p:grpSpPr>
-      <p:sp>
-        <p:nvSpPr>
-          <p:cNvPr id="2" name="Title 1"/>
-          <p:cNvSpPr>
-            <a:spLocks noGrp="1"/>
-          </p:cNvSpPr>
-          <p:nvPr>
-            <p:ph type="title"/>
-          </p:nvPr>
-        </p:nvSpPr>
-        <p:spPr>
-          <a:xfrm>
-            <a:off x="646112" y="452718"/>
-            <a:ext cx="4273130" cy="716325"/>
-          </a:xfrm>
-        </p:spPr>
-        <p:txBody>
-          <a:bodyPr/>
-          <a:lstStyle/>
-          <a:p>
-            <a:r>
-              <a:rPr lang="fr-CH" dirty="0" smtClean="0"/>
-              <a:t>SOMMAIRE</a:t>
-            </a:r>
-            <a:endParaRPr lang="fr-CH" dirty="0"/>
-          </a:p>
-        </p:txBody>
-      </p:sp>
-      <p:sp>
-        <p:nvSpPr>
-          <p:cNvPr id="3" name="Content Placeholder 2"/>
-          <p:cNvSpPr>
-            <a:spLocks noGrp="1"/>
-          </p:cNvSpPr>
-          <p:nvPr>
-            <p:ph idx="1"/>
-          </p:nvPr>
-        </p:nvSpPr>
-        <p:spPr>
-          <a:xfrm>
-            <a:off x="999140" y="1520483"/>
-            <a:ext cx="10216729" cy="5042363"/>
-          </a:xfrm>
-        </p:spPr>
-        <p:txBody>
-          <a:bodyPr>
-            <a:normAutofit fontScale="77500" lnSpcReduction="20000"/>
-          </a:bodyPr>
-          <a:lstStyle/>
-          <a:p>
-            <a:pPr>
-              <a:lnSpc>
-                <a:spcPct val="150000"/>
-              </a:lnSpc>
-            </a:pPr>
-            <a:r>
-              <a:rPr lang="fr-CH" sz="2600" dirty="0">
-                <a:solidFill>
-                  <a:schemeClr val="tx1"/>
-                </a:solidFill>
-              </a:rPr>
-              <a:t>Introduction</a:t>
-            </a:r>
-          </a:p>
-          <a:p>
-            <a:pPr>
-              <a:lnSpc>
-                <a:spcPct val="150000"/>
-              </a:lnSpc>
-            </a:pPr>
-            <a:r>
-              <a:rPr lang="fr-CH" sz="2600" dirty="0">
-                <a:solidFill>
-                  <a:schemeClr val="tx1"/>
-                </a:solidFill>
-              </a:rPr>
-              <a:t>Historique</a:t>
-            </a:r>
-          </a:p>
-          <a:p>
-            <a:pPr>
-              <a:lnSpc>
-                <a:spcPct val="150000"/>
-              </a:lnSpc>
-            </a:pPr>
-            <a:r>
-              <a:rPr lang="fr-CH" sz="2600" dirty="0">
-                <a:solidFill>
-                  <a:schemeClr val="tx1"/>
-                </a:solidFill>
-              </a:rPr>
-              <a:t>Usage</a:t>
-            </a:r>
-          </a:p>
-          <a:p>
-            <a:pPr>
-              <a:lnSpc>
-                <a:spcPct val="150000"/>
-              </a:lnSpc>
-            </a:pPr>
-            <a:r>
-              <a:rPr lang="fr-CH" sz="2600" dirty="0">
-                <a:solidFill>
-                  <a:schemeClr val="tx1"/>
-                </a:solidFill>
-              </a:rPr>
-              <a:t>La Technologie PoE</a:t>
-            </a:r>
-          </a:p>
-          <a:p>
-            <a:pPr>
-              <a:lnSpc>
-                <a:spcPct val="150000"/>
-              </a:lnSpc>
-            </a:pPr>
-            <a:r>
-              <a:rPr lang="fr-CH" sz="2600" dirty="0">
-                <a:solidFill>
-                  <a:schemeClr val="tx1"/>
-                </a:solidFill>
-              </a:rPr>
-              <a:t>Catégories des câbles Ethernet</a:t>
-            </a:r>
-          </a:p>
-          <a:p>
-            <a:pPr>
-              <a:lnSpc>
-                <a:spcPct val="150000"/>
-              </a:lnSpc>
-            </a:pPr>
-            <a:r>
-              <a:rPr lang="fr-CH" sz="2600" dirty="0">
-                <a:solidFill>
-                  <a:schemeClr val="tx1"/>
-                </a:solidFill>
-              </a:rPr>
-              <a:t>Blindages</a:t>
-            </a:r>
-          </a:p>
-          <a:p>
-            <a:pPr>
-              <a:lnSpc>
-                <a:spcPct val="150000"/>
-              </a:lnSpc>
-            </a:pPr>
-            <a:r>
-              <a:rPr lang="fr-CH" sz="2600" dirty="0">
-                <a:solidFill>
-                  <a:schemeClr val="tx1"/>
-                </a:solidFill>
-              </a:rPr>
-              <a:t>Connectiques</a:t>
-            </a:r>
-          </a:p>
-          <a:p>
-            <a:pPr>
-              <a:lnSpc>
-                <a:spcPct val="150000"/>
-              </a:lnSpc>
-            </a:pPr>
-            <a:r>
-              <a:rPr lang="fr-CH" sz="2600" dirty="0">
-                <a:solidFill>
-                  <a:schemeClr val="tx1"/>
-                </a:solidFill>
-              </a:rPr>
-              <a:t>Normes</a:t>
-            </a:r>
-          </a:p>
-          <a:p>
-            <a:pPr>
-              <a:lnSpc>
-                <a:spcPct val="150000"/>
-              </a:lnSpc>
-            </a:pPr>
-            <a:r>
-              <a:rPr lang="fr-CH" sz="2600" dirty="0">
-                <a:solidFill>
-                  <a:schemeClr val="tx1"/>
-                </a:solidFill>
-              </a:rPr>
-              <a:t>Fabrication</a:t>
-            </a:r>
-          </a:p>
-          <a:p>
-            <a:endParaRPr lang="fr-CH" dirty="0"/>
-          </a:p>
-        </p:txBody>
-      </p:sp>
-    </p:spTree>
-    <p:extLst>
-      <p:ext uri="{BB962C8B-B14F-4D97-AF65-F5344CB8AC3E}">
-        <p14:creationId xmlns:p14="http://schemas.microsoft.com/office/powerpoint/2010/main" val="829066155"/>
-      </p:ext>
-    </p:extLst>
-  </p:cSld>
-  <p:clrMapOvr>
-    <a:masterClrMapping/>
-  </p:clrMapOvr>
-</p:sld>
-</file>
-
-<file path=ppt/slides/slide20.xml><?xml version="1.0" encoding="utf-8"?>
+<file path=ppt/slides/slide21.xml><?xml version="1.0" encoding="utf-8"?>
 <p:sld xmlns:a="http://schemas.openxmlformats.org/drawingml/2006/main" xmlns:r="http://schemas.openxmlformats.org/officeDocument/2006/relationships" xmlns:p="http://schemas.openxmlformats.org/presentationml/2006/main">
   <p:cSld>
     <p:spTree>
@@ -11496,7 +11841,7 @@
 </p:sld>
 </file>
 
-<file path=ppt/slides/slide21.xml><?xml version="1.0" encoding="utf-8"?>
+<file path=ppt/slides/slide22.xml><?xml version="1.0" encoding="utf-8"?>
 <p:sld xmlns:a="http://schemas.openxmlformats.org/drawingml/2006/main" xmlns:r="http://schemas.openxmlformats.org/officeDocument/2006/relationships" xmlns:p="http://schemas.openxmlformats.org/presentationml/2006/main">
   <p:cSld>
     <p:spTree>
@@ -12273,179 +12618,6 @@
 </p:sld>
 </file>
 
-<file path=ppt/slides/slide22.xml><?xml version="1.0" encoding="utf-8"?>
-<p:sld xmlns:a="http://schemas.openxmlformats.org/drawingml/2006/main" xmlns:r="http://schemas.openxmlformats.org/officeDocument/2006/relationships" xmlns:p="http://schemas.openxmlformats.org/presentationml/2006/main">
-  <p:cSld>
-    <p:spTree>
-      <p:nvGrpSpPr>
-        <p:cNvPr id="1" name=""/>
-        <p:cNvGrpSpPr/>
-        <p:nvPr/>
-      </p:nvGrpSpPr>
-      <p:grpSpPr>
-        <a:xfrm>
-          <a:off x="0" y="0"/>
-          <a:ext cx="0" cy="0"/>
-          <a:chOff x="0" y="0"/>
-          <a:chExt cx="0" cy="0"/>
-        </a:xfrm>
-      </p:grpSpPr>
-      <p:sp>
-        <p:nvSpPr>
-          <p:cNvPr id="4" name="Title 1">
-            <a:extLst>
-              <a:ext uri="{FF2B5EF4-FFF2-40B4-BE49-F238E27FC236}">
-                <a16:creationId xmlns:a16="http://schemas.microsoft.com/office/drawing/2014/main" id="{02619F9C-EB8C-47C2-8D51-281BE6C9E803}"/>
-              </a:ext>
-            </a:extLst>
-          </p:cNvPr>
-          <p:cNvSpPr txBox="1">
-            <a:spLocks/>
-          </p:cNvSpPr>
-          <p:nvPr/>
-        </p:nvSpPr>
-        <p:spPr>
-          <a:xfrm>
-            <a:off x="1" y="0"/>
-            <a:ext cx="2002420" cy="510199"/>
-          </a:xfrm>
-          <a:prstGeom prst="rect">
-            <a:avLst/>
-          </a:prstGeom>
-        </p:spPr>
-        <p:txBody>
-          <a:bodyPr numCol="1">
-            <a:noAutofit/>
-          </a:bodyPr>
-          <a:lstStyle>
-            <a:lvl1pPr algn="l" defTabSz="457200" rtl="0" eaLnBrk="1" latinLnBrk="0" hangingPunct="1">
-              <a:spcBef>
-                <a:spcPct val="0"/>
-              </a:spcBef>
-              <a:buNone/>
-              <a:defRPr sz="3600" kern="1200" cap="all">
-                <a:ln w="3175" cmpd="sng">
-                  <a:noFill/>
-                </a:ln>
-                <a:solidFill>
-                  <a:schemeClr val="tx1"/>
-                </a:solidFill>
-                <a:effectLst/>
-                <a:latin typeface="+mj-lt"/>
-                <a:ea typeface="+mj-ea"/>
-                <a:cs typeface="+mj-cs"/>
-              </a:defRPr>
-            </a:lvl1pPr>
-            <a:lvl2pPr eaLnBrk="1" hangingPunct="1">
-              <a:defRPr>
-                <a:solidFill>
-                  <a:schemeClr val="tx2"/>
-                </a:solidFill>
-              </a:defRPr>
-            </a:lvl2pPr>
-            <a:lvl3pPr eaLnBrk="1" hangingPunct="1">
-              <a:defRPr>
-                <a:solidFill>
-                  <a:schemeClr val="tx2"/>
-                </a:solidFill>
-              </a:defRPr>
-            </a:lvl3pPr>
-            <a:lvl4pPr eaLnBrk="1" hangingPunct="1">
-              <a:defRPr>
-                <a:solidFill>
-                  <a:schemeClr val="tx2"/>
-                </a:solidFill>
-              </a:defRPr>
-            </a:lvl4pPr>
-            <a:lvl5pPr eaLnBrk="1" hangingPunct="1">
-              <a:defRPr>
-                <a:solidFill>
-                  <a:schemeClr val="tx2"/>
-                </a:solidFill>
-              </a:defRPr>
-            </a:lvl5pPr>
-            <a:lvl6pPr eaLnBrk="1" hangingPunct="1">
-              <a:defRPr>
-                <a:solidFill>
-                  <a:schemeClr val="tx2"/>
-                </a:solidFill>
-              </a:defRPr>
-            </a:lvl6pPr>
-            <a:lvl7pPr eaLnBrk="1" hangingPunct="1">
-              <a:defRPr>
-                <a:solidFill>
-                  <a:schemeClr val="tx2"/>
-                </a:solidFill>
-              </a:defRPr>
-            </a:lvl7pPr>
-            <a:lvl8pPr eaLnBrk="1" hangingPunct="1">
-              <a:defRPr>
-                <a:solidFill>
-                  <a:schemeClr val="tx2"/>
-                </a:solidFill>
-              </a:defRPr>
-            </a:lvl8pPr>
-            <a:lvl9pPr eaLnBrk="1" hangingPunct="1">
-              <a:defRPr>
-                <a:solidFill>
-                  <a:schemeClr val="tx2"/>
-                </a:solidFill>
-              </a:defRPr>
-            </a:lvl9pPr>
-          </a:lstStyle>
-          <a:p>
-            <a:pPr algn="ctr"/>
-            <a:r>
-              <a:rPr lang="fr-CH" sz="2800"/>
-              <a:t>BLINDAGE</a:t>
-            </a:r>
-            <a:endParaRPr lang="fr-CH" sz="2800" dirty="0"/>
-          </a:p>
-        </p:txBody>
-      </p:sp>
-      <p:pic>
-        <p:nvPicPr>
-          <p:cNvPr id="9" name="Image 8">
-            <a:extLst>
-              <a:ext uri="{FF2B5EF4-FFF2-40B4-BE49-F238E27FC236}">
-                <a16:creationId xmlns:a16="http://schemas.microsoft.com/office/drawing/2014/main" id="{581026FC-1090-4023-909F-15FCFF27EEA7}"/>
-              </a:ext>
-            </a:extLst>
-          </p:cNvPr>
-          <p:cNvPicPr>
-            <a:picLocks noChangeAspect="1"/>
-          </p:cNvPicPr>
-          <p:nvPr/>
-        </p:nvPicPr>
-        <p:blipFill>
-          <a:blip r:embed="rId2"/>
-          <a:stretch>
-            <a:fillRect/>
-          </a:stretch>
-        </p:blipFill>
-        <p:spPr>
-          <a:xfrm>
-            <a:off x="1446129" y="741984"/>
-            <a:ext cx="9011526" cy="4134816"/>
-          </a:xfrm>
-          <a:prstGeom prst="rect">
-            <a:avLst/>
-          </a:prstGeom>
-        </p:spPr>
-      </p:pic>
-    </p:spTree>
-    <p:extLst>
-      <p:ext uri="{BB962C8B-B14F-4D97-AF65-F5344CB8AC3E}">
-        <p14:creationId xmlns:p14="http://schemas.microsoft.com/office/powerpoint/2010/main" val="1837768049"/>
-      </p:ext>
-    </p:extLst>
-  </p:cSld>
-  <p:clrMapOvr>
-    <a:masterClrMapping/>
-  </p:clrMapOvr>
-</p:sld>
-</file>
-
 <file path=ppt/slides/slide23.xml><?xml version="1.0" encoding="utf-8"?>
 <p:sld xmlns:a="http://schemas.openxmlformats.org/drawingml/2006/main" xmlns:r="http://schemas.openxmlformats.org/officeDocument/2006/relationships" xmlns:p="http://schemas.openxmlformats.org/presentationml/2006/main">
   <p:cSld>
@@ -12576,89 +12748,40 @@
           </a:p>
         </p:txBody>
       </p:sp>
-      <p:sp>
-        <p:nvSpPr>
-          <p:cNvPr id="2" name="ZoneTexte 1">
+      <p:pic>
+        <p:nvPicPr>
+          <p:cNvPr id="9" name="Image 8">
             <a:extLst>
               <a:ext uri="{FF2B5EF4-FFF2-40B4-BE49-F238E27FC236}">
-                <a16:creationId xmlns:a16="http://schemas.microsoft.com/office/drawing/2014/main" id="{08E408DC-C551-47B5-8C33-FA0FF463FB0C}"/>
+                <a16:creationId xmlns:a16="http://schemas.microsoft.com/office/drawing/2014/main" id="{581026FC-1090-4023-909F-15FCFF27EEA7}"/>
               </a:ext>
             </a:extLst>
           </p:cNvPr>
-          <p:cNvSpPr txBox="1"/>
+          <p:cNvPicPr>
+            <a:picLocks noChangeAspect="1"/>
+          </p:cNvPicPr>
           <p:nvPr/>
-        </p:nvSpPr>
+        </p:nvPicPr>
+        <p:blipFill>
+          <a:blip r:embed="rId2"/>
+          <a:stretch>
+            <a:fillRect/>
+          </a:stretch>
+        </p:blipFill>
         <p:spPr>
           <a:xfrm>
-            <a:off x="2506716" y="782320"/>
-            <a:ext cx="8252580" cy="646331"/>
+            <a:off x="1446129" y="741984"/>
+            <a:ext cx="9011526" cy="4134816"/>
           </a:xfrm>
           <a:prstGeom prst="rect">
             <a:avLst/>
           </a:prstGeom>
-          <a:noFill/>
-        </p:spPr>
-        <p:txBody>
-          <a:bodyPr wrap="none" rtlCol="0">
-            <a:spAutoFit/>
-          </a:bodyPr>
-          <a:lstStyle/>
-          <a:p>
-            <a:pPr algn="ctr"/>
-            <a:r>
-              <a:rPr lang="fr-CH" sz="3600" b="1" dirty="0"/>
-              <a:t>U/UTP (UTP) :</a:t>
-            </a:r>
-            <a:r>
-              <a:rPr lang="fr-CH" sz="3600" dirty="0"/>
-              <a:t>Unshielded twisted Pairs</a:t>
-            </a:r>
-          </a:p>
-        </p:txBody>
-      </p:sp>
-      <p:pic>
-        <p:nvPicPr>
-          <p:cNvPr id="5" name="Picture 14" descr="C:\Users\wmeisen\AppData\Local\Microsoft\Windows\INetCache\Content.MSO\A42E0746.tmp">
-            <a:extLst>
-              <a:ext uri="{FF2B5EF4-FFF2-40B4-BE49-F238E27FC236}">
-                <a16:creationId xmlns:a16="http://schemas.microsoft.com/office/drawing/2014/main" id="{DB87F8D8-06EF-4D76-BC3D-CB6B00B6B72E}"/>
-              </a:ext>
-            </a:extLst>
-          </p:cNvPr>
-          <p:cNvPicPr/>
-          <p:nvPr/>
-        </p:nvPicPr>
-        <p:blipFill>
-          <a:blip r:embed="rId2">
-            <a:extLst>
-              <a:ext uri="{28A0092B-C50C-407E-A947-70E740481C1C}">
-                <a14:useLocalDpi xmlns:a14="http://schemas.microsoft.com/office/drawing/2010/main" val="0"/>
-              </a:ext>
-            </a:extLst>
-          </a:blip>
-          <a:srcRect/>
-          <a:stretch>
-            <a:fillRect/>
-          </a:stretch>
-        </p:blipFill>
-        <p:spPr bwMode="auto">
-          <a:xfrm>
-            <a:off x="3138739" y="1971041"/>
-            <a:ext cx="5914522" cy="3576320"/>
-          </a:xfrm>
-          <a:prstGeom prst="rect">
-            <a:avLst/>
-          </a:prstGeom>
-          <a:noFill/>
-          <a:ln>
-            <a:noFill/>
-          </a:ln>
         </p:spPr>
       </p:pic>
     </p:spTree>
     <p:extLst>
       <p:ext uri="{BB962C8B-B14F-4D97-AF65-F5344CB8AC3E}">
-        <p14:creationId xmlns:p14="http://schemas.microsoft.com/office/powerpoint/2010/main" val="2353321244"/>
+        <p14:creationId xmlns:p14="http://schemas.microsoft.com/office/powerpoint/2010/main" val="1837768049"/>
       </p:ext>
     </p:extLst>
   </p:cSld>
@@ -12813,7 +12936,7 @@
         <p:spPr>
           <a:xfrm>
             <a:off x="2506716" y="782320"/>
-            <a:ext cx="7244291" cy="646331"/>
+            <a:ext cx="8252580" cy="646331"/>
           </a:xfrm>
           <a:prstGeom prst="rect">
             <a:avLst/>
@@ -12829,21 +12952,21 @@
             <a:pPr algn="ctr"/>
             <a:r>
               <a:rPr lang="fr-CH" sz="3600" b="1" dirty="0"/>
-              <a:t>F/UTP (FTP) :</a:t>
+              <a:t>U/UTP (UTP) :</a:t>
             </a:r>
             <a:r>
               <a:rPr lang="fr-CH" sz="3600" dirty="0"/>
-              <a:t>  Foiled Twisted Pairs</a:t>
+              <a:t>Unshielded twisted Pairs</a:t>
             </a:r>
           </a:p>
         </p:txBody>
       </p:sp>
       <p:pic>
         <p:nvPicPr>
-          <p:cNvPr id="6" name="Picture 16" descr="RÃ©sultat de recherche d'images pour &quot;paire torsadÃ©e F/UTP&quot;">
+          <p:cNvPr id="5" name="Picture 14" descr="C:\Users\wmeisen\AppData\Local\Microsoft\Windows\INetCache\Content.MSO\A42E0746.tmp">
             <a:extLst>
               <a:ext uri="{FF2B5EF4-FFF2-40B4-BE49-F238E27FC236}">
-                <a16:creationId xmlns:a16="http://schemas.microsoft.com/office/drawing/2014/main" id="{2BCB4FA7-7321-47D4-A2CA-C79743355770}"/>
+                <a16:creationId xmlns:a16="http://schemas.microsoft.com/office/drawing/2014/main" id="{DB87F8D8-06EF-4D76-BC3D-CB6B00B6B72E}"/>
               </a:ext>
             </a:extLst>
           </p:cNvPr>
@@ -12865,8 +12988,8 @@
         </p:blipFill>
         <p:spPr bwMode="auto">
           <a:xfrm>
-            <a:off x="3164840" y="1767840"/>
-            <a:ext cx="5862320" cy="3921760"/>
+            <a:off x="3138739" y="1971041"/>
+            <a:ext cx="5914522" cy="3576320"/>
           </a:xfrm>
           <a:prstGeom prst="rect">
             <a:avLst/>
@@ -12880,7 +13003,7 @@
     </p:spTree>
     <p:extLst>
       <p:ext uri="{BB962C8B-B14F-4D97-AF65-F5344CB8AC3E}">
-        <p14:creationId xmlns:p14="http://schemas.microsoft.com/office/powerpoint/2010/main" val="3143791951"/>
+        <p14:creationId xmlns:p14="http://schemas.microsoft.com/office/powerpoint/2010/main" val="2353321244"/>
       </p:ext>
     </p:extLst>
   </p:cSld>
@@ -13034,8 +13157,8 @@
         </p:nvSpPr>
         <p:spPr>
           <a:xfrm>
-            <a:off x="2697056" y="782320"/>
-            <a:ext cx="6863610" cy="646331"/>
+            <a:off x="2506716" y="782320"/>
+            <a:ext cx="7244291" cy="646331"/>
           </a:xfrm>
           <a:prstGeom prst="rect">
             <a:avLst/>
@@ -13050,31 +13173,22 @@
           <a:p>
             <a:pPr algn="ctr"/>
             <a:r>
-              <a:rPr lang="fr-CH" sz="3600" b="1" dirty="0">
-                <a:latin typeface="Calibri" panose="020F0502020204030204" pitchFamily="34" charset="0"/>
-                <a:ea typeface="Calibri" panose="020F0502020204030204" pitchFamily="34" charset="0"/>
-                <a:cs typeface="Arial" panose="020B0604020202020204" pitchFamily="34" charset="0"/>
-              </a:rPr>
-              <a:t>U/FTP (STP) : </a:t>
-            </a:r>
-            <a:r>
-              <a:rPr lang="fr-CH" sz="3600" dirty="0">
-                <a:latin typeface="Calibri" panose="020F0502020204030204" pitchFamily="34" charset="0"/>
-                <a:ea typeface="Calibri" panose="020F0502020204030204" pitchFamily="34" charset="0"/>
-                <a:cs typeface="Arial" panose="020B0604020202020204" pitchFamily="34" charset="0"/>
-              </a:rPr>
-              <a:t>Shielded Twisted Pairs</a:t>
-            </a:r>
-            <a:endParaRPr lang="fr-CH" sz="3600" dirty="0"/>
+              <a:rPr lang="fr-CH" sz="3600" b="1" dirty="0"/>
+              <a:t>F/UTP (FTP) :</a:t>
+            </a:r>
+            <a:r>
+              <a:rPr lang="fr-CH" sz="3600" dirty="0"/>
+              <a:t>  Foiled Twisted Pairs</a:t>
+            </a:r>
           </a:p>
         </p:txBody>
       </p:sp>
       <p:pic>
         <p:nvPicPr>
-          <p:cNvPr id="5" name="Picture 17" descr="RÃ©sultat de recherche d'images pour &quot;paire torsadÃ©e U/FTP&quot;">
+          <p:cNvPr id="6" name="Picture 16" descr="RÃ©sultat de recherche d'images pour &quot;paire torsadÃ©e F/UTP&quot;">
             <a:extLst>
               <a:ext uri="{FF2B5EF4-FFF2-40B4-BE49-F238E27FC236}">
-                <a16:creationId xmlns:a16="http://schemas.microsoft.com/office/drawing/2014/main" id="{C285CD3B-FCE6-4B9F-ADED-4D7689EB7309}"/>
+                <a16:creationId xmlns:a16="http://schemas.microsoft.com/office/drawing/2014/main" id="{2BCB4FA7-7321-47D4-A2CA-C79743355770}"/>
               </a:ext>
             </a:extLst>
           </p:cNvPr>
@@ -13082,7 +13196,7 @@
           <p:nvPr/>
         </p:nvPicPr>
         <p:blipFill>
-          <a:blip r:embed="rId2" cstate="print">
+          <a:blip r:embed="rId2">
             <a:extLst>
               <a:ext uri="{28A0092B-C50C-407E-A947-70E740481C1C}">
                 <a14:useLocalDpi xmlns:a14="http://schemas.microsoft.com/office/drawing/2010/main" val="0"/>
@@ -13096,8 +13210,8 @@
         </p:blipFill>
         <p:spPr bwMode="auto">
           <a:xfrm>
-            <a:off x="3110865" y="1676400"/>
-            <a:ext cx="5970270" cy="4122737"/>
+            <a:off x="3164840" y="1767840"/>
+            <a:ext cx="5862320" cy="3921760"/>
           </a:xfrm>
           <a:prstGeom prst="rect">
             <a:avLst/>
@@ -13111,7 +13225,7 @@
     </p:spTree>
     <p:extLst>
       <p:ext uri="{BB962C8B-B14F-4D97-AF65-F5344CB8AC3E}">
-        <p14:creationId xmlns:p14="http://schemas.microsoft.com/office/powerpoint/2010/main" val="4221719561"/>
+        <p14:creationId xmlns:p14="http://schemas.microsoft.com/office/powerpoint/2010/main" val="3143791951"/>
       </p:ext>
     </p:extLst>
   </p:cSld>
@@ -13265,8 +13379,8 @@
         </p:nvSpPr>
         <p:spPr>
           <a:xfrm>
-            <a:off x="1755259" y="782320"/>
-            <a:ext cx="8747203" cy="646331"/>
+            <a:off x="2697056" y="782320"/>
+            <a:ext cx="6863610" cy="646331"/>
           </a:xfrm>
           <a:prstGeom prst="rect">
             <a:avLst/>
@@ -13286,7 +13400,7 @@
                 <a:ea typeface="Calibri" panose="020F0502020204030204" pitchFamily="34" charset="0"/>
                 <a:cs typeface="Arial" panose="020B0604020202020204" pitchFamily="34" charset="0"/>
               </a:rPr>
-              <a:t>F/FTP (FFTP) : </a:t>
+              <a:t>U/FTP (STP) : </a:t>
             </a:r>
             <a:r>
               <a:rPr lang="fr-CH" sz="3600" dirty="0">
@@ -13294,7 +13408,7 @@
                 <a:ea typeface="Calibri" panose="020F0502020204030204" pitchFamily="34" charset="0"/>
                 <a:cs typeface="Arial" panose="020B0604020202020204" pitchFamily="34" charset="0"/>
               </a:rPr>
-              <a:t>Foilded and foilded twisted pair</a:t>
+              <a:t>Shielded Twisted Pairs</a:t>
             </a:r>
             <a:endParaRPr lang="fr-CH" sz="3600" dirty="0"/>
           </a:p>
@@ -13302,10 +13416,10 @@
       </p:sp>
       <p:pic>
         <p:nvPicPr>
-          <p:cNvPr id="6" name="Picture 18" descr="RÃ©sultat de recherche d'images pour &quot;paire torsadÃ©e U/FTP&quot;">
+          <p:cNvPr id="5" name="Picture 17" descr="RÃ©sultat de recherche d'images pour &quot;paire torsadÃ©e U/FTP&quot;">
             <a:extLst>
               <a:ext uri="{FF2B5EF4-FFF2-40B4-BE49-F238E27FC236}">
-                <a16:creationId xmlns:a16="http://schemas.microsoft.com/office/drawing/2014/main" id="{9D8E18DB-E786-4429-9285-47D633DE094F}"/>
+                <a16:creationId xmlns:a16="http://schemas.microsoft.com/office/drawing/2014/main" id="{C285CD3B-FCE6-4B9F-ADED-4D7689EB7309}"/>
               </a:ext>
             </a:extLst>
           </p:cNvPr>
@@ -13313,7 +13427,7 @@
           <p:nvPr/>
         </p:nvPicPr>
         <p:blipFill>
-          <a:blip r:embed="rId2">
+          <a:blip r:embed="rId2" cstate="print">
             <a:extLst>
               <a:ext uri="{28A0092B-C50C-407E-A947-70E740481C1C}">
                 <a14:useLocalDpi xmlns:a14="http://schemas.microsoft.com/office/drawing/2010/main" val="0"/>
@@ -13327,8 +13441,8 @@
         </p:blipFill>
         <p:spPr bwMode="auto">
           <a:xfrm>
-            <a:off x="3117373" y="1700772"/>
-            <a:ext cx="5957254" cy="4242828"/>
+            <a:off x="3110865" y="1676400"/>
+            <a:ext cx="5970270" cy="4122737"/>
           </a:xfrm>
           <a:prstGeom prst="rect">
             <a:avLst/>
@@ -13342,7 +13456,7 @@
     </p:spTree>
     <p:extLst>
       <p:ext uri="{BB962C8B-B14F-4D97-AF65-F5344CB8AC3E}">
-        <p14:creationId xmlns:p14="http://schemas.microsoft.com/office/powerpoint/2010/main" val="4232835828"/>
+        <p14:creationId xmlns:p14="http://schemas.microsoft.com/office/powerpoint/2010/main" val="4221719561"/>
       </p:ext>
     </p:extLst>
   </p:cSld>
@@ -13496,8 +13610,8 @@
         </p:nvSpPr>
         <p:spPr>
           <a:xfrm>
-            <a:off x="1629200" y="763954"/>
-            <a:ext cx="8933599" cy="646331"/>
+            <a:off x="1755259" y="782320"/>
+            <a:ext cx="8747203" cy="646331"/>
           </a:xfrm>
           <a:prstGeom prst="rect">
             <a:avLst/>
@@ -13517,7 +13631,7 @@
                 <a:ea typeface="Calibri" panose="020F0502020204030204" pitchFamily="34" charset="0"/>
                 <a:cs typeface="Arial" panose="020B0604020202020204" pitchFamily="34" charset="0"/>
               </a:rPr>
-              <a:t>SF/UTP (SFTP) : </a:t>
+              <a:t>F/FTP (FFTP) : </a:t>
             </a:r>
             <a:r>
               <a:rPr lang="fr-CH" sz="3600" dirty="0">
@@ -13525,7 +13639,7 @@
                 <a:ea typeface="Calibri" panose="020F0502020204030204" pitchFamily="34" charset="0"/>
                 <a:cs typeface="Arial" panose="020B0604020202020204" pitchFamily="34" charset="0"/>
               </a:rPr>
-              <a:t>Shielded Foilded Twisted Pairs </a:t>
+              <a:t>Foilded and foilded twisted pair</a:t>
             </a:r>
             <a:endParaRPr lang="fr-CH" sz="3600" dirty="0"/>
           </a:p>
@@ -13533,17 +13647,17 @@
       </p:sp>
       <p:pic>
         <p:nvPicPr>
-          <p:cNvPr id="5" name="Picture 19">
+          <p:cNvPr id="6" name="Picture 18" descr="RÃ©sultat de recherche d'images pour &quot;paire torsadÃ©e U/FTP&quot;">
             <a:extLst>
               <a:ext uri="{FF2B5EF4-FFF2-40B4-BE49-F238E27FC236}">
-                <a16:creationId xmlns:a16="http://schemas.microsoft.com/office/drawing/2014/main" id="{13636A98-632D-420B-8319-4B91165B5181}"/>
+                <a16:creationId xmlns:a16="http://schemas.microsoft.com/office/drawing/2014/main" id="{9D8E18DB-E786-4429-9285-47D633DE094F}"/>
               </a:ext>
             </a:extLst>
           </p:cNvPr>
           <p:cNvPicPr/>
           <p:nvPr/>
         </p:nvPicPr>
-        <p:blipFill rotWithShape="1">
+        <p:blipFill>
           <a:blip r:embed="rId2">
             <a:extLst>
               <a:ext uri="{28A0092B-C50C-407E-A947-70E740481C1C}">
@@ -13551,31 +13665,29 @@
               </a:ext>
             </a:extLst>
           </a:blip>
-          <a:srcRect l="14209" t="11722" r="3603" b="20039"/>
-          <a:stretch/>
+          <a:srcRect/>
+          <a:stretch>
+            <a:fillRect/>
+          </a:stretch>
         </p:blipFill>
         <p:spPr bwMode="auto">
           <a:xfrm>
-            <a:off x="3229451" y="1700772"/>
-            <a:ext cx="5733098" cy="4070108"/>
+            <a:off x="3117373" y="1700772"/>
+            <a:ext cx="5957254" cy="4242828"/>
           </a:xfrm>
           <a:prstGeom prst="rect">
             <a:avLst/>
           </a:prstGeom>
+          <a:noFill/>
           <a:ln>
             <a:noFill/>
           </a:ln>
-          <a:extLst>
-            <a:ext uri="{53640926-AAD7-44D8-BBD7-CCE9431645EC}">
-              <a14:shadowObscured xmlns:a14="http://schemas.microsoft.com/office/drawing/2010/main"/>
-            </a:ext>
-          </a:extLst>
         </p:spPr>
       </p:pic>
     </p:spTree>
     <p:extLst>
       <p:ext uri="{BB962C8B-B14F-4D97-AF65-F5344CB8AC3E}">
-        <p14:creationId xmlns:p14="http://schemas.microsoft.com/office/powerpoint/2010/main" val="4040377957"/>
+        <p14:creationId xmlns:p14="http://schemas.microsoft.com/office/powerpoint/2010/main" val="4232835828"/>
       </p:ext>
     </p:extLst>
   </p:cSld>
@@ -13729,6 +13841,239 @@
         </p:nvSpPr>
         <p:spPr>
           <a:xfrm>
+            <a:off x="1629200" y="763954"/>
+            <a:ext cx="8933599" cy="646331"/>
+          </a:xfrm>
+          <a:prstGeom prst="rect">
+            <a:avLst/>
+          </a:prstGeom>
+          <a:noFill/>
+        </p:spPr>
+        <p:txBody>
+          <a:bodyPr wrap="none" rtlCol="0">
+            <a:spAutoFit/>
+          </a:bodyPr>
+          <a:lstStyle/>
+          <a:p>
+            <a:pPr algn="ctr"/>
+            <a:r>
+              <a:rPr lang="fr-CH" sz="3600" b="1" dirty="0">
+                <a:latin typeface="Calibri" panose="020F0502020204030204" pitchFamily="34" charset="0"/>
+                <a:ea typeface="Calibri" panose="020F0502020204030204" pitchFamily="34" charset="0"/>
+                <a:cs typeface="Arial" panose="020B0604020202020204" pitchFamily="34" charset="0"/>
+              </a:rPr>
+              <a:t>SF/UTP (SFTP) : </a:t>
+            </a:r>
+            <a:r>
+              <a:rPr lang="fr-CH" sz="3600" dirty="0">
+                <a:latin typeface="Calibri" panose="020F0502020204030204" pitchFamily="34" charset="0"/>
+                <a:ea typeface="Calibri" panose="020F0502020204030204" pitchFamily="34" charset="0"/>
+                <a:cs typeface="Arial" panose="020B0604020202020204" pitchFamily="34" charset="0"/>
+              </a:rPr>
+              <a:t>Shielded Foilded Twisted Pairs </a:t>
+            </a:r>
+            <a:endParaRPr lang="fr-CH" sz="3600" dirty="0"/>
+          </a:p>
+        </p:txBody>
+      </p:sp>
+      <p:pic>
+        <p:nvPicPr>
+          <p:cNvPr id="5" name="Picture 19">
+            <a:extLst>
+              <a:ext uri="{FF2B5EF4-FFF2-40B4-BE49-F238E27FC236}">
+                <a16:creationId xmlns:a16="http://schemas.microsoft.com/office/drawing/2014/main" id="{13636A98-632D-420B-8319-4B91165B5181}"/>
+              </a:ext>
+            </a:extLst>
+          </p:cNvPr>
+          <p:cNvPicPr/>
+          <p:nvPr/>
+        </p:nvPicPr>
+        <p:blipFill rotWithShape="1">
+          <a:blip r:embed="rId2">
+            <a:extLst>
+              <a:ext uri="{28A0092B-C50C-407E-A947-70E740481C1C}">
+                <a14:useLocalDpi xmlns:a14="http://schemas.microsoft.com/office/drawing/2010/main" val="0"/>
+              </a:ext>
+            </a:extLst>
+          </a:blip>
+          <a:srcRect l="14209" t="11722" r="3603" b="20039"/>
+          <a:stretch/>
+        </p:blipFill>
+        <p:spPr bwMode="auto">
+          <a:xfrm>
+            <a:off x="3229451" y="1700772"/>
+            <a:ext cx="5733098" cy="4070108"/>
+          </a:xfrm>
+          <a:prstGeom prst="rect">
+            <a:avLst/>
+          </a:prstGeom>
+          <a:ln>
+            <a:noFill/>
+          </a:ln>
+          <a:extLst>
+            <a:ext uri="{53640926-AAD7-44D8-BBD7-CCE9431645EC}">
+              <a14:shadowObscured xmlns:a14="http://schemas.microsoft.com/office/drawing/2010/main"/>
+            </a:ext>
+          </a:extLst>
+        </p:spPr>
+      </p:pic>
+    </p:spTree>
+    <p:extLst>
+      <p:ext uri="{BB962C8B-B14F-4D97-AF65-F5344CB8AC3E}">
+        <p14:creationId xmlns:p14="http://schemas.microsoft.com/office/powerpoint/2010/main" val="4040377957"/>
+      </p:ext>
+    </p:extLst>
+  </p:cSld>
+  <p:clrMapOvr>
+    <a:masterClrMapping/>
+  </p:clrMapOvr>
+</p:sld>
+</file>
+
+<file path=ppt/slides/slide29.xml><?xml version="1.0" encoding="utf-8"?>
+<p:sld xmlns:a="http://schemas.openxmlformats.org/drawingml/2006/main" xmlns:r="http://schemas.openxmlformats.org/officeDocument/2006/relationships" xmlns:p="http://schemas.openxmlformats.org/presentationml/2006/main">
+  <p:cSld>
+    <p:spTree>
+      <p:nvGrpSpPr>
+        <p:cNvPr id="1" name=""/>
+        <p:cNvGrpSpPr/>
+        <p:nvPr/>
+      </p:nvGrpSpPr>
+      <p:grpSpPr>
+        <a:xfrm>
+          <a:off x="0" y="0"/>
+          <a:ext cx="0" cy="0"/>
+          <a:chOff x="0" y="0"/>
+          <a:chExt cx="0" cy="0"/>
+        </a:xfrm>
+      </p:grpSpPr>
+      <p:sp>
+        <p:nvSpPr>
+          <p:cNvPr id="4" name="Title 1">
+            <a:extLst>
+              <a:ext uri="{FF2B5EF4-FFF2-40B4-BE49-F238E27FC236}">
+                <a16:creationId xmlns:a16="http://schemas.microsoft.com/office/drawing/2014/main" id="{02619F9C-EB8C-47C2-8D51-281BE6C9E803}"/>
+              </a:ext>
+            </a:extLst>
+          </p:cNvPr>
+          <p:cNvSpPr txBox="1">
+            <a:spLocks/>
+          </p:cNvSpPr>
+          <p:nvPr/>
+        </p:nvSpPr>
+        <p:spPr>
+          <a:xfrm>
+            <a:off x="1" y="0"/>
+            <a:ext cx="2002420" cy="510199"/>
+          </a:xfrm>
+          <a:prstGeom prst="rect">
+            <a:avLst/>
+          </a:prstGeom>
+        </p:spPr>
+        <p:txBody>
+          <a:bodyPr numCol="1">
+            <a:noAutofit/>
+          </a:bodyPr>
+          <a:lstStyle>
+            <a:lvl1pPr algn="l" defTabSz="457200" rtl="0" eaLnBrk="1" latinLnBrk="0" hangingPunct="1">
+              <a:spcBef>
+                <a:spcPct val="0"/>
+              </a:spcBef>
+              <a:buNone/>
+              <a:defRPr sz="3600" kern="1200" cap="all">
+                <a:ln w="3175" cmpd="sng">
+                  <a:noFill/>
+                </a:ln>
+                <a:solidFill>
+                  <a:schemeClr val="tx1"/>
+                </a:solidFill>
+                <a:effectLst/>
+                <a:latin typeface="+mj-lt"/>
+                <a:ea typeface="+mj-ea"/>
+                <a:cs typeface="+mj-cs"/>
+              </a:defRPr>
+            </a:lvl1pPr>
+            <a:lvl2pPr eaLnBrk="1" hangingPunct="1">
+              <a:defRPr>
+                <a:solidFill>
+                  <a:schemeClr val="tx2"/>
+                </a:solidFill>
+              </a:defRPr>
+            </a:lvl2pPr>
+            <a:lvl3pPr eaLnBrk="1" hangingPunct="1">
+              <a:defRPr>
+                <a:solidFill>
+                  <a:schemeClr val="tx2"/>
+                </a:solidFill>
+              </a:defRPr>
+            </a:lvl3pPr>
+            <a:lvl4pPr eaLnBrk="1" hangingPunct="1">
+              <a:defRPr>
+                <a:solidFill>
+                  <a:schemeClr val="tx2"/>
+                </a:solidFill>
+              </a:defRPr>
+            </a:lvl4pPr>
+            <a:lvl5pPr eaLnBrk="1" hangingPunct="1">
+              <a:defRPr>
+                <a:solidFill>
+                  <a:schemeClr val="tx2"/>
+                </a:solidFill>
+              </a:defRPr>
+            </a:lvl5pPr>
+            <a:lvl6pPr eaLnBrk="1" hangingPunct="1">
+              <a:defRPr>
+                <a:solidFill>
+                  <a:schemeClr val="tx2"/>
+                </a:solidFill>
+              </a:defRPr>
+            </a:lvl6pPr>
+            <a:lvl7pPr eaLnBrk="1" hangingPunct="1">
+              <a:defRPr>
+                <a:solidFill>
+                  <a:schemeClr val="tx2"/>
+                </a:solidFill>
+              </a:defRPr>
+            </a:lvl7pPr>
+            <a:lvl8pPr eaLnBrk="1" hangingPunct="1">
+              <a:defRPr>
+                <a:solidFill>
+                  <a:schemeClr val="tx2"/>
+                </a:solidFill>
+              </a:defRPr>
+            </a:lvl8pPr>
+            <a:lvl9pPr eaLnBrk="1" hangingPunct="1">
+              <a:defRPr>
+                <a:solidFill>
+                  <a:schemeClr val="tx2"/>
+                </a:solidFill>
+              </a:defRPr>
+            </a:lvl9pPr>
+          </a:lstStyle>
+          <a:p>
+            <a:pPr algn="ctr"/>
+            <a:r>
+              <a:rPr lang="fr-CH" sz="2800"/>
+              <a:t>BLINDAGE</a:t>
+            </a:r>
+            <a:endParaRPr lang="fr-CH" sz="2800" dirty="0"/>
+          </a:p>
+        </p:txBody>
+      </p:sp>
+      <p:sp>
+        <p:nvSpPr>
+          <p:cNvPr id="2" name="ZoneTexte 1">
+            <a:extLst>
+              <a:ext uri="{FF2B5EF4-FFF2-40B4-BE49-F238E27FC236}">
+                <a16:creationId xmlns:a16="http://schemas.microsoft.com/office/drawing/2014/main" id="{08E408DC-C551-47B5-8C33-FA0FF463FB0C}"/>
+              </a:ext>
+            </a:extLst>
+          </p:cNvPr>
+          <p:cNvSpPr txBox="1"/>
+          <p:nvPr/>
+        </p:nvSpPr>
+        <p:spPr>
+          <a:xfrm>
             <a:off x="1466689" y="782320"/>
             <a:ext cx="9324348" cy="646331"/>
           </a:xfrm>
@@ -13818,7 +14163,401 @@
 </p:sld>
 </file>
 
-<file path=ppt/slides/slide29.xml><?xml version="1.0" encoding="utf-8"?>
+<file path=ppt/slides/slide3.xml><?xml version="1.0" encoding="utf-8"?>
+<p:sld xmlns:a="http://schemas.openxmlformats.org/drawingml/2006/main" xmlns:r="http://schemas.openxmlformats.org/officeDocument/2006/relationships" xmlns:p="http://schemas.openxmlformats.org/presentationml/2006/main">
+  <p:cSld>
+    <p:spTree>
+      <p:nvGrpSpPr>
+        <p:cNvPr id="1" name=""/>
+        <p:cNvGrpSpPr/>
+        <p:nvPr/>
+      </p:nvGrpSpPr>
+      <p:grpSpPr>
+        <a:xfrm>
+          <a:off x="0" y="0"/>
+          <a:ext cx="0" cy="0"/>
+          <a:chOff x="0" y="0"/>
+          <a:chExt cx="0" cy="0"/>
+        </a:xfrm>
+      </p:grpSpPr>
+      <p:sp>
+        <p:nvSpPr>
+          <p:cNvPr id="4" name="Title 1"/>
+          <p:cNvSpPr>
+            <a:spLocks noGrp="1"/>
+          </p:cNvSpPr>
+          <p:nvPr>
+            <p:ph type="title"/>
+          </p:nvPr>
+        </p:nvSpPr>
+        <p:spPr>
+          <a:xfrm>
+            <a:off x="0" y="0"/>
+            <a:ext cx="2916820" cy="510199"/>
+          </a:xfrm>
+        </p:spPr>
+        <p:txBody>
+          <a:bodyPr numCol="1">
+            <a:noAutofit/>
+          </a:bodyPr>
+          <a:lstStyle/>
+          <a:p>
+            <a:pPr algn="ctr"/>
+            <a:r>
+              <a:rPr lang="fr-CH" sz="2800" dirty="0"/>
+              <a:t>Introduction</a:t>
+            </a:r>
+          </a:p>
+        </p:txBody>
+      </p:sp>
+      <p:sp>
+        <p:nvSpPr>
+          <p:cNvPr id="5" name="Content Placeholder 2"/>
+          <p:cNvSpPr txBox="1">
+            <a:spLocks/>
+          </p:cNvSpPr>
+          <p:nvPr/>
+        </p:nvSpPr>
+        <p:spPr>
+          <a:xfrm>
+            <a:off x="615821" y="1698172"/>
+            <a:ext cx="10216729" cy="3546074"/>
+          </a:xfrm>
+          <a:prstGeom prst="rect">
+            <a:avLst/>
+          </a:prstGeom>
+        </p:spPr>
+        <p:txBody>
+          <a:bodyPr vert="horz" lIns="91440" tIns="45720" rIns="91440" bIns="45720" rtlCol="0" anchor="ctr">
+            <a:normAutofit/>
+          </a:bodyPr>
+          <a:lstStyle>
+            <a:lvl1pPr marL="285750" indent="-285750" algn="l" defTabSz="457200" rtl="0" eaLnBrk="1" latinLnBrk="0" hangingPunct="1">
+              <a:spcBef>
+                <a:spcPct val="20000"/>
+              </a:spcBef>
+              <a:spcAft>
+                <a:spcPts val="600"/>
+              </a:spcAft>
+              <a:buClr>
+                <a:schemeClr val="tx1"/>
+              </a:buClr>
+              <a:buSzPct val="80000"/>
+              <a:buFont typeface="Wingdings 3" panose="05040102010807070707" pitchFamily="18" charset="2"/>
+              <a:buChar char=""/>
+              <a:defRPr sz="2000" kern="1200" cap="none">
+                <a:solidFill>
+                  <a:schemeClr val="bg2">
+                    <a:lumMod val="75000"/>
+                  </a:schemeClr>
+                </a:solidFill>
+                <a:effectLst/>
+                <a:latin typeface="+mn-lt"/>
+                <a:ea typeface="+mn-ea"/>
+                <a:cs typeface="+mn-cs"/>
+              </a:defRPr>
+            </a:lvl1pPr>
+            <a:lvl2pPr marL="742950" indent="-285750" algn="l" defTabSz="457200" rtl="0" eaLnBrk="1" latinLnBrk="0" hangingPunct="1">
+              <a:spcBef>
+                <a:spcPct val="20000"/>
+              </a:spcBef>
+              <a:spcAft>
+                <a:spcPts val="600"/>
+              </a:spcAft>
+              <a:buClr>
+                <a:schemeClr val="tx1"/>
+              </a:buClr>
+              <a:buSzPct val="80000"/>
+              <a:buFont typeface="Wingdings 3" panose="05040102010807070707" pitchFamily="18" charset="2"/>
+              <a:buChar char=""/>
+              <a:defRPr sz="1800" kern="1200" cap="none">
+                <a:solidFill>
+                  <a:schemeClr val="bg2">
+                    <a:lumMod val="75000"/>
+                  </a:schemeClr>
+                </a:solidFill>
+                <a:effectLst/>
+                <a:latin typeface="+mn-lt"/>
+                <a:ea typeface="+mn-ea"/>
+                <a:cs typeface="+mn-cs"/>
+              </a:defRPr>
+            </a:lvl2pPr>
+            <a:lvl3pPr marL="1200150" indent="-285750" algn="l" defTabSz="457200" rtl="0" eaLnBrk="1" latinLnBrk="0" hangingPunct="1">
+              <a:spcBef>
+                <a:spcPct val="20000"/>
+              </a:spcBef>
+              <a:spcAft>
+                <a:spcPts val="600"/>
+              </a:spcAft>
+              <a:buClr>
+                <a:schemeClr val="tx1"/>
+              </a:buClr>
+              <a:buSzPct val="80000"/>
+              <a:buFont typeface="Wingdings 3" panose="05040102010807070707" pitchFamily="18" charset="2"/>
+              <a:buChar char=""/>
+              <a:defRPr sz="1600" kern="1200" cap="none">
+                <a:solidFill>
+                  <a:schemeClr val="bg2">
+                    <a:lumMod val="75000"/>
+                  </a:schemeClr>
+                </a:solidFill>
+                <a:effectLst/>
+                <a:latin typeface="+mn-lt"/>
+                <a:ea typeface="+mn-ea"/>
+                <a:cs typeface="+mn-cs"/>
+              </a:defRPr>
+            </a:lvl3pPr>
+            <a:lvl4pPr marL="1543050" indent="-171450" algn="l" defTabSz="457200" rtl="0" eaLnBrk="1" latinLnBrk="0" hangingPunct="1">
+              <a:spcBef>
+                <a:spcPct val="20000"/>
+              </a:spcBef>
+              <a:spcAft>
+                <a:spcPts val="600"/>
+              </a:spcAft>
+              <a:buClr>
+                <a:schemeClr val="tx1"/>
+              </a:buClr>
+              <a:buSzPct val="80000"/>
+              <a:buFont typeface="Wingdings 3" panose="05040102010807070707" pitchFamily="18" charset="2"/>
+              <a:buChar char=""/>
+              <a:defRPr sz="1400" kern="1200" cap="none">
+                <a:solidFill>
+                  <a:schemeClr val="bg2">
+                    <a:lumMod val="75000"/>
+                  </a:schemeClr>
+                </a:solidFill>
+                <a:effectLst/>
+                <a:latin typeface="+mn-lt"/>
+                <a:ea typeface="+mn-ea"/>
+                <a:cs typeface="+mn-cs"/>
+              </a:defRPr>
+            </a:lvl4pPr>
+            <a:lvl5pPr marL="2000250" indent="-171450" algn="l" defTabSz="457200" rtl="0" eaLnBrk="1" latinLnBrk="0" hangingPunct="1">
+              <a:spcBef>
+                <a:spcPct val="20000"/>
+              </a:spcBef>
+              <a:spcAft>
+                <a:spcPts val="600"/>
+              </a:spcAft>
+              <a:buClr>
+                <a:schemeClr val="tx1"/>
+              </a:buClr>
+              <a:buSzPct val="80000"/>
+              <a:buFont typeface="Wingdings 3" panose="05040102010807070707" pitchFamily="18" charset="2"/>
+              <a:buChar char=""/>
+              <a:defRPr sz="1400" kern="1200" cap="none">
+                <a:solidFill>
+                  <a:schemeClr val="bg2">
+                    <a:lumMod val="75000"/>
+                  </a:schemeClr>
+                </a:solidFill>
+                <a:effectLst/>
+                <a:latin typeface="+mn-lt"/>
+                <a:ea typeface="+mn-ea"/>
+                <a:cs typeface="+mn-cs"/>
+              </a:defRPr>
+            </a:lvl5pPr>
+            <a:lvl6pPr marL="2514600" indent="-228600" algn="l" defTabSz="457200" rtl="0" eaLnBrk="1" latinLnBrk="0" hangingPunct="1">
+              <a:spcBef>
+                <a:spcPct val="20000"/>
+              </a:spcBef>
+              <a:spcAft>
+                <a:spcPts val="600"/>
+              </a:spcAft>
+              <a:buClr>
+                <a:schemeClr val="tx1"/>
+              </a:buClr>
+              <a:buSzPct val="80000"/>
+              <a:buFont typeface="Wingdings 3" panose="05040102010807070707" pitchFamily="18" charset="2"/>
+              <a:buChar char=""/>
+              <a:defRPr sz="1400" kern="1200" cap="none">
+                <a:solidFill>
+                  <a:schemeClr val="bg2">
+                    <a:lumMod val="75000"/>
+                  </a:schemeClr>
+                </a:solidFill>
+                <a:effectLst/>
+                <a:latin typeface="+mn-lt"/>
+                <a:ea typeface="+mn-ea"/>
+                <a:cs typeface="+mn-cs"/>
+              </a:defRPr>
+            </a:lvl6pPr>
+            <a:lvl7pPr marL="2971800" indent="-228600" algn="l" defTabSz="457200" rtl="0" eaLnBrk="1" latinLnBrk="0" hangingPunct="1">
+              <a:spcBef>
+                <a:spcPct val="20000"/>
+              </a:spcBef>
+              <a:spcAft>
+                <a:spcPts val="600"/>
+              </a:spcAft>
+              <a:buClr>
+                <a:schemeClr val="tx1"/>
+              </a:buClr>
+              <a:buSzPct val="80000"/>
+              <a:buFont typeface="Wingdings 3" panose="05040102010807070707" pitchFamily="18" charset="2"/>
+              <a:buChar char=""/>
+              <a:defRPr sz="1400" kern="1200" cap="none">
+                <a:solidFill>
+                  <a:schemeClr val="bg2">
+                    <a:lumMod val="75000"/>
+                  </a:schemeClr>
+                </a:solidFill>
+                <a:effectLst/>
+                <a:latin typeface="+mn-lt"/>
+                <a:ea typeface="+mn-ea"/>
+                <a:cs typeface="+mn-cs"/>
+              </a:defRPr>
+            </a:lvl7pPr>
+            <a:lvl8pPr marL="3429000" indent="-228600" algn="l" defTabSz="457200" rtl="0" eaLnBrk="1" latinLnBrk="0" hangingPunct="1">
+              <a:spcBef>
+                <a:spcPct val="20000"/>
+              </a:spcBef>
+              <a:spcAft>
+                <a:spcPts val="600"/>
+              </a:spcAft>
+              <a:buClr>
+                <a:schemeClr val="tx1"/>
+              </a:buClr>
+              <a:buSzPct val="80000"/>
+              <a:buFont typeface="Wingdings 3" panose="05040102010807070707" pitchFamily="18" charset="2"/>
+              <a:buChar char=""/>
+              <a:defRPr sz="1400" kern="1200" cap="none">
+                <a:solidFill>
+                  <a:schemeClr val="bg2">
+                    <a:lumMod val="75000"/>
+                  </a:schemeClr>
+                </a:solidFill>
+                <a:effectLst/>
+                <a:latin typeface="+mn-lt"/>
+                <a:ea typeface="+mn-ea"/>
+                <a:cs typeface="+mn-cs"/>
+              </a:defRPr>
+            </a:lvl8pPr>
+            <a:lvl9pPr marL="3886200" indent="-228600" algn="l" defTabSz="457200" rtl="0" eaLnBrk="1" latinLnBrk="0" hangingPunct="1">
+              <a:spcBef>
+                <a:spcPct val="20000"/>
+              </a:spcBef>
+              <a:spcAft>
+                <a:spcPts val="600"/>
+              </a:spcAft>
+              <a:buClr>
+                <a:schemeClr val="tx1"/>
+              </a:buClr>
+              <a:buSzPct val="80000"/>
+              <a:buFont typeface="Wingdings 3" panose="05040102010807070707" pitchFamily="18" charset="2"/>
+              <a:buChar char=""/>
+              <a:defRPr sz="1400" kern="1200" cap="none">
+                <a:solidFill>
+                  <a:schemeClr val="bg2">
+                    <a:lumMod val="75000"/>
+                  </a:schemeClr>
+                </a:solidFill>
+                <a:effectLst/>
+                <a:latin typeface="+mn-lt"/>
+                <a:ea typeface="+mn-ea"/>
+                <a:cs typeface="+mn-cs"/>
+              </a:defRPr>
+            </a:lvl9pPr>
+          </a:lstStyle>
+          <a:p>
+            <a:pPr lvl="1">
+              <a:lnSpc>
+                <a:spcPct val="150000"/>
+              </a:lnSpc>
+            </a:pPr>
+            <a:r>
+              <a:rPr lang="fr-CH" sz="2000" dirty="0">
+                <a:solidFill>
+                  <a:schemeClr val="tx1"/>
+                </a:solidFill>
+              </a:rPr>
+              <a:t>Sujet : La fabrication d’un câble Ethernet</a:t>
+            </a:r>
+          </a:p>
+          <a:p>
+            <a:pPr lvl="1">
+              <a:lnSpc>
+                <a:spcPct val="150000"/>
+              </a:lnSpc>
+            </a:pPr>
+            <a:r>
+              <a:rPr lang="fr-CH" sz="2000" dirty="0">
+                <a:solidFill>
+                  <a:schemeClr val="tx1"/>
+                </a:solidFill>
+              </a:rPr>
+              <a:t>Cette présentation à comme objectifs :</a:t>
+            </a:r>
+          </a:p>
+          <a:p>
+            <a:pPr lvl="2">
+              <a:lnSpc>
+                <a:spcPct val="150000"/>
+              </a:lnSpc>
+            </a:pPr>
+            <a:r>
+              <a:rPr lang="fr-CH" sz="1800" dirty="0">
+                <a:solidFill>
+                  <a:schemeClr val="tx1"/>
+                </a:solidFill>
+              </a:rPr>
+              <a:t>Décrire et présenter les différentes normes, catégories et technologies d’un câble Ethernet</a:t>
+            </a:r>
+          </a:p>
+          <a:p>
+            <a:pPr lvl="2">
+              <a:lnSpc>
+                <a:spcPct val="150000"/>
+              </a:lnSpc>
+            </a:pPr>
+            <a:r>
+              <a:rPr lang="fr-CH" sz="1800" dirty="0">
+                <a:solidFill>
+                  <a:schemeClr val="tx1"/>
+                </a:solidFill>
+              </a:rPr>
+              <a:t>Démontrer la fabrication d’un câble RJ-45</a:t>
+            </a:r>
+          </a:p>
+          <a:p>
+            <a:pPr lvl="2">
+              <a:lnSpc>
+                <a:spcPct val="150000"/>
+              </a:lnSpc>
+            </a:pPr>
+            <a:endParaRPr lang="fr-CH" sz="2200" dirty="0">
+              <a:solidFill>
+                <a:schemeClr val="tx1"/>
+              </a:solidFill>
+            </a:endParaRPr>
+          </a:p>
+          <a:p>
+            <a:pPr lvl="2">
+              <a:lnSpc>
+                <a:spcPct val="150000"/>
+              </a:lnSpc>
+            </a:pPr>
+            <a:endParaRPr lang="fr-CH" sz="2200" dirty="0">
+              <a:solidFill>
+                <a:schemeClr val="tx1"/>
+              </a:solidFill>
+            </a:endParaRPr>
+          </a:p>
+        </p:txBody>
+      </p:sp>
+    </p:spTree>
+    <p:extLst>
+      <p:ext uri="{BB962C8B-B14F-4D97-AF65-F5344CB8AC3E}">
+        <p14:creationId xmlns:p14="http://schemas.microsoft.com/office/powerpoint/2010/main" val="3456633582"/>
+      </p:ext>
+    </p:extLst>
+  </p:cSld>
+  <p:clrMapOvr>
+    <a:masterClrMapping/>
+  </p:clrMapOvr>
+</p:sld>
+</file>
+
+<file path=ppt/slides/slide30.xml><?xml version="1.0" encoding="utf-8"?>
 <p:sld xmlns:a="http://schemas.openxmlformats.org/drawingml/2006/main" xmlns:r="http://schemas.openxmlformats.org/officeDocument/2006/relationships" xmlns:p="http://schemas.openxmlformats.org/presentationml/2006/main">
   <p:cSld>
     <p:spTree>
@@ -13888,14 +14627,13 @@
           <a:lstStyle/>
           <a:p>
             <a:r>
-              <a:rPr lang="fr-CH" sz="3200" b="1" dirty="0" smtClean="0"/>
+              <a:rPr lang="fr-CH" sz="3200" b="1" dirty="0"/>
               <a:t>RJ-45 - </a:t>
             </a:r>
             <a:r>
-              <a:rPr lang="fr-CH" sz="3200" i="1" dirty="0" smtClean="0"/>
+              <a:rPr lang="fr-CH" sz="3200" i="1" dirty="0"/>
               <a:t>Registered Jack 45</a:t>
             </a:r>
-            <a:endParaRPr lang="fr-CH" sz="3200" i="1" dirty="0"/>
           </a:p>
         </p:txBody>
       </p:sp>
@@ -13957,7 +14695,7 @@
               </a:lnSpc>
             </a:pPr>
             <a:r>
-              <a:rPr lang="fr-CH" b="1" u="sng" dirty="0" smtClean="0"/>
+              <a:rPr lang="fr-CH" b="1" u="sng" dirty="0"/>
               <a:t>Usages RJ-45</a:t>
             </a:r>
           </a:p>
@@ -13968,7 +14706,7 @@
               </a:lnSpc>
             </a:pPr>
             <a:r>
-              <a:rPr lang="fr-CH" dirty="0" smtClean="0"/>
+              <a:rPr lang="fr-CH" dirty="0"/>
               <a:t>Interconnexion d’interfaces physiques.</a:t>
             </a:r>
           </a:p>
@@ -13979,7 +14717,7 @@
               </a:lnSpc>
             </a:pPr>
             <a:r>
-              <a:rPr lang="fr-CH" dirty="0" smtClean="0"/>
+              <a:rPr lang="fr-CH" dirty="0"/>
               <a:t>Equipement réseaux.</a:t>
             </a:r>
           </a:p>
@@ -13990,7 +14728,7 @@
               </a:lnSpc>
             </a:pPr>
             <a:r>
-              <a:rPr lang="fr-CH" dirty="0" smtClean="0"/>
+              <a:rPr lang="fr-CH" dirty="0"/>
               <a:t>Téléphonie.</a:t>
             </a:r>
           </a:p>
@@ -14001,11 +14739,11 @@
               </a:lnSpc>
             </a:pPr>
             <a:r>
-              <a:rPr lang="fr-CH" dirty="0" err="1" smtClean="0"/>
+              <a:rPr lang="fr-CH" dirty="0" err="1"/>
               <a:t>PoE</a:t>
             </a:r>
             <a:r>
-              <a:rPr lang="fr-CH" dirty="0" smtClean="0"/>
+              <a:rPr lang="fr-CH" dirty="0"/>
               <a:t>.</a:t>
             </a:r>
           </a:p>
@@ -14024,10 +14762,10 @@
               </a:lnSpc>
             </a:pPr>
             <a:r>
-              <a:rPr lang="fr-CH" b="1" u="sng" dirty="0" smtClean="0"/>
+              <a:rPr lang="fr-CH" b="1" u="sng" dirty="0"/>
               <a:t>Fonctionnement</a:t>
             </a:r>
-            <a:endParaRPr lang="fr-CH" dirty="0" smtClean="0"/>
+            <a:endParaRPr lang="fr-CH" dirty="0"/>
           </a:p>
           <a:p>
             <a:pPr>
@@ -14036,10 +14774,9 @@
               </a:lnSpc>
             </a:pPr>
             <a:r>
-              <a:rPr lang="fr-CH" dirty="0" smtClean="0"/>
+              <a:rPr lang="fr-CH" dirty="0"/>
               <a:t>Il possède 8 broches où les paires torsadées passent.</a:t>
             </a:r>
-            <a:endParaRPr lang="fr-CH" dirty="0"/>
           </a:p>
           <a:p>
             <a:pPr>
@@ -14048,11 +14785,11 @@
               </a:lnSpc>
             </a:pPr>
             <a:r>
-              <a:rPr lang="fr-CH" dirty="0" smtClean="0"/>
+              <a:rPr lang="fr-CH" dirty="0"/>
               <a:t>Le RJ-45 respecte le standard </a:t>
             </a:r>
             <a:r>
-              <a:rPr lang="fr-CH" b="1" dirty="0" smtClean="0"/>
+              <a:rPr lang="fr-CH" b="1" dirty="0"/>
               <a:t>TIA/EIA-568-B.</a:t>
             </a:r>
           </a:p>
@@ -14063,19 +14800,19 @@
             <a:endParaRPr lang="fr-CH" dirty="0"/>
           </a:p>
           <a:p>
-            <a:endParaRPr lang="fr-CH" dirty="0" smtClean="0"/>
-          </a:p>
-          <a:p>
             <a:endParaRPr lang="fr-CH" dirty="0"/>
           </a:p>
           <a:p>
-            <a:endParaRPr lang="fr-CH" dirty="0" smtClean="0"/>
-          </a:p>
-          <a:p>
             <a:endParaRPr lang="fr-CH" dirty="0"/>
           </a:p>
           <a:p>
-            <a:endParaRPr lang="fr-CH" dirty="0" smtClean="0"/>
+            <a:endParaRPr lang="fr-CH" dirty="0"/>
+          </a:p>
+          <a:p>
+            <a:endParaRPr lang="fr-CH" dirty="0"/>
+          </a:p>
+          <a:p>
+            <a:endParaRPr lang="fr-CH" dirty="0"/>
           </a:p>
           <a:p>
             <a:endParaRPr lang="fr-CH" dirty="0"/>
@@ -14098,409 +14835,7 @@
 </p:sld>
 </file>
 
-<file path=ppt/slides/slide3.xml><?xml version="1.0" encoding="utf-8"?>
-<p:sld xmlns:a="http://schemas.openxmlformats.org/drawingml/2006/main" xmlns:r="http://schemas.openxmlformats.org/officeDocument/2006/relationships" xmlns:p="http://schemas.openxmlformats.org/presentationml/2006/main">
-  <p:cSld>
-    <p:spTree>
-      <p:nvGrpSpPr>
-        <p:cNvPr id="1" name=""/>
-        <p:cNvGrpSpPr/>
-        <p:nvPr/>
-      </p:nvGrpSpPr>
-      <p:grpSpPr>
-        <a:xfrm>
-          <a:off x="0" y="0"/>
-          <a:ext cx="0" cy="0"/>
-          <a:chOff x="0" y="0"/>
-          <a:chExt cx="0" cy="0"/>
-        </a:xfrm>
-      </p:grpSpPr>
-      <p:sp>
-        <p:nvSpPr>
-          <p:cNvPr id="4" name="Title 1"/>
-          <p:cNvSpPr>
-            <a:spLocks noGrp="1"/>
-          </p:cNvSpPr>
-          <p:nvPr>
-            <p:ph type="title"/>
-          </p:nvPr>
-        </p:nvSpPr>
-        <p:spPr>
-          <a:xfrm>
-            <a:off x="0" y="0"/>
-            <a:ext cx="2916820" cy="510199"/>
-          </a:xfrm>
-        </p:spPr>
-        <p:txBody>
-          <a:bodyPr numCol="1">
-            <a:noAutofit/>
-          </a:bodyPr>
-          <a:lstStyle/>
-          <a:p>
-            <a:pPr algn="ctr"/>
-            <a:r>
-              <a:rPr lang="fr-CH" sz="2800" dirty="0"/>
-              <a:t>Introduction</a:t>
-            </a:r>
-          </a:p>
-        </p:txBody>
-      </p:sp>
-      <p:sp>
-        <p:nvSpPr>
-          <p:cNvPr id="5" name="Content Placeholder 2"/>
-          <p:cNvSpPr txBox="1">
-            <a:spLocks/>
-          </p:cNvSpPr>
-          <p:nvPr/>
-        </p:nvSpPr>
-        <p:spPr>
-          <a:xfrm>
-            <a:off x="615821" y="1698172"/>
-            <a:ext cx="10216729" cy="3546074"/>
-          </a:xfrm>
-          <a:prstGeom prst="rect">
-            <a:avLst/>
-          </a:prstGeom>
-        </p:spPr>
-        <p:txBody>
-          <a:bodyPr vert="horz" lIns="91440" tIns="45720" rIns="91440" bIns="45720" rtlCol="0" anchor="ctr">
-            <a:normAutofit/>
-          </a:bodyPr>
-          <a:lstStyle>
-            <a:lvl1pPr marL="285750" indent="-285750" algn="l" defTabSz="457200" rtl="0" eaLnBrk="1" latinLnBrk="0" hangingPunct="1">
-              <a:spcBef>
-                <a:spcPct val="20000"/>
-              </a:spcBef>
-              <a:spcAft>
-                <a:spcPts val="600"/>
-              </a:spcAft>
-              <a:buClr>
-                <a:schemeClr val="tx1"/>
-              </a:buClr>
-              <a:buSzPct val="80000"/>
-              <a:buFont typeface="Wingdings 3" panose="05040102010807070707" pitchFamily="18" charset="2"/>
-              <a:buChar char=""/>
-              <a:defRPr sz="2000" kern="1200" cap="none">
-                <a:solidFill>
-                  <a:schemeClr val="bg2">
-                    <a:lumMod val="75000"/>
-                  </a:schemeClr>
-                </a:solidFill>
-                <a:effectLst/>
-                <a:latin typeface="+mn-lt"/>
-                <a:ea typeface="+mn-ea"/>
-                <a:cs typeface="+mn-cs"/>
-              </a:defRPr>
-            </a:lvl1pPr>
-            <a:lvl2pPr marL="742950" indent="-285750" algn="l" defTabSz="457200" rtl="0" eaLnBrk="1" latinLnBrk="0" hangingPunct="1">
-              <a:spcBef>
-                <a:spcPct val="20000"/>
-              </a:spcBef>
-              <a:spcAft>
-                <a:spcPts val="600"/>
-              </a:spcAft>
-              <a:buClr>
-                <a:schemeClr val="tx1"/>
-              </a:buClr>
-              <a:buSzPct val="80000"/>
-              <a:buFont typeface="Wingdings 3" panose="05040102010807070707" pitchFamily="18" charset="2"/>
-              <a:buChar char=""/>
-              <a:defRPr sz="1800" kern="1200" cap="none">
-                <a:solidFill>
-                  <a:schemeClr val="bg2">
-                    <a:lumMod val="75000"/>
-                  </a:schemeClr>
-                </a:solidFill>
-                <a:effectLst/>
-                <a:latin typeface="+mn-lt"/>
-                <a:ea typeface="+mn-ea"/>
-                <a:cs typeface="+mn-cs"/>
-              </a:defRPr>
-            </a:lvl2pPr>
-            <a:lvl3pPr marL="1200150" indent="-285750" algn="l" defTabSz="457200" rtl="0" eaLnBrk="1" latinLnBrk="0" hangingPunct="1">
-              <a:spcBef>
-                <a:spcPct val="20000"/>
-              </a:spcBef>
-              <a:spcAft>
-                <a:spcPts val="600"/>
-              </a:spcAft>
-              <a:buClr>
-                <a:schemeClr val="tx1"/>
-              </a:buClr>
-              <a:buSzPct val="80000"/>
-              <a:buFont typeface="Wingdings 3" panose="05040102010807070707" pitchFamily="18" charset="2"/>
-              <a:buChar char=""/>
-              <a:defRPr sz="1600" kern="1200" cap="none">
-                <a:solidFill>
-                  <a:schemeClr val="bg2">
-                    <a:lumMod val="75000"/>
-                  </a:schemeClr>
-                </a:solidFill>
-                <a:effectLst/>
-                <a:latin typeface="+mn-lt"/>
-                <a:ea typeface="+mn-ea"/>
-                <a:cs typeface="+mn-cs"/>
-              </a:defRPr>
-            </a:lvl3pPr>
-            <a:lvl4pPr marL="1543050" indent="-171450" algn="l" defTabSz="457200" rtl="0" eaLnBrk="1" latinLnBrk="0" hangingPunct="1">
-              <a:spcBef>
-                <a:spcPct val="20000"/>
-              </a:spcBef>
-              <a:spcAft>
-                <a:spcPts val="600"/>
-              </a:spcAft>
-              <a:buClr>
-                <a:schemeClr val="tx1"/>
-              </a:buClr>
-              <a:buSzPct val="80000"/>
-              <a:buFont typeface="Wingdings 3" panose="05040102010807070707" pitchFamily="18" charset="2"/>
-              <a:buChar char=""/>
-              <a:defRPr sz="1400" kern="1200" cap="none">
-                <a:solidFill>
-                  <a:schemeClr val="bg2">
-                    <a:lumMod val="75000"/>
-                  </a:schemeClr>
-                </a:solidFill>
-                <a:effectLst/>
-                <a:latin typeface="+mn-lt"/>
-                <a:ea typeface="+mn-ea"/>
-                <a:cs typeface="+mn-cs"/>
-              </a:defRPr>
-            </a:lvl4pPr>
-            <a:lvl5pPr marL="2000250" indent="-171450" algn="l" defTabSz="457200" rtl="0" eaLnBrk="1" latinLnBrk="0" hangingPunct="1">
-              <a:spcBef>
-                <a:spcPct val="20000"/>
-              </a:spcBef>
-              <a:spcAft>
-                <a:spcPts val="600"/>
-              </a:spcAft>
-              <a:buClr>
-                <a:schemeClr val="tx1"/>
-              </a:buClr>
-              <a:buSzPct val="80000"/>
-              <a:buFont typeface="Wingdings 3" panose="05040102010807070707" pitchFamily="18" charset="2"/>
-              <a:buChar char=""/>
-              <a:defRPr sz="1400" kern="1200" cap="none">
-                <a:solidFill>
-                  <a:schemeClr val="bg2">
-                    <a:lumMod val="75000"/>
-                  </a:schemeClr>
-                </a:solidFill>
-                <a:effectLst/>
-                <a:latin typeface="+mn-lt"/>
-                <a:ea typeface="+mn-ea"/>
-                <a:cs typeface="+mn-cs"/>
-              </a:defRPr>
-            </a:lvl5pPr>
-            <a:lvl6pPr marL="2514600" indent="-228600" algn="l" defTabSz="457200" rtl="0" eaLnBrk="1" latinLnBrk="0" hangingPunct="1">
-              <a:spcBef>
-                <a:spcPct val="20000"/>
-              </a:spcBef>
-              <a:spcAft>
-                <a:spcPts val="600"/>
-              </a:spcAft>
-              <a:buClr>
-                <a:schemeClr val="tx1"/>
-              </a:buClr>
-              <a:buSzPct val="80000"/>
-              <a:buFont typeface="Wingdings 3" panose="05040102010807070707" pitchFamily="18" charset="2"/>
-              <a:buChar char=""/>
-              <a:defRPr sz="1400" kern="1200" cap="none">
-                <a:solidFill>
-                  <a:schemeClr val="bg2">
-                    <a:lumMod val="75000"/>
-                  </a:schemeClr>
-                </a:solidFill>
-                <a:effectLst/>
-                <a:latin typeface="+mn-lt"/>
-                <a:ea typeface="+mn-ea"/>
-                <a:cs typeface="+mn-cs"/>
-              </a:defRPr>
-            </a:lvl6pPr>
-            <a:lvl7pPr marL="2971800" indent="-228600" algn="l" defTabSz="457200" rtl="0" eaLnBrk="1" latinLnBrk="0" hangingPunct="1">
-              <a:spcBef>
-                <a:spcPct val="20000"/>
-              </a:spcBef>
-              <a:spcAft>
-                <a:spcPts val="600"/>
-              </a:spcAft>
-              <a:buClr>
-                <a:schemeClr val="tx1"/>
-              </a:buClr>
-              <a:buSzPct val="80000"/>
-              <a:buFont typeface="Wingdings 3" panose="05040102010807070707" pitchFamily="18" charset="2"/>
-              <a:buChar char=""/>
-              <a:defRPr sz="1400" kern="1200" cap="none">
-                <a:solidFill>
-                  <a:schemeClr val="bg2">
-                    <a:lumMod val="75000"/>
-                  </a:schemeClr>
-                </a:solidFill>
-                <a:effectLst/>
-                <a:latin typeface="+mn-lt"/>
-                <a:ea typeface="+mn-ea"/>
-                <a:cs typeface="+mn-cs"/>
-              </a:defRPr>
-            </a:lvl7pPr>
-            <a:lvl8pPr marL="3429000" indent="-228600" algn="l" defTabSz="457200" rtl="0" eaLnBrk="1" latinLnBrk="0" hangingPunct="1">
-              <a:spcBef>
-                <a:spcPct val="20000"/>
-              </a:spcBef>
-              <a:spcAft>
-                <a:spcPts val="600"/>
-              </a:spcAft>
-              <a:buClr>
-                <a:schemeClr val="tx1"/>
-              </a:buClr>
-              <a:buSzPct val="80000"/>
-              <a:buFont typeface="Wingdings 3" panose="05040102010807070707" pitchFamily="18" charset="2"/>
-              <a:buChar char=""/>
-              <a:defRPr sz="1400" kern="1200" cap="none">
-                <a:solidFill>
-                  <a:schemeClr val="bg2">
-                    <a:lumMod val="75000"/>
-                  </a:schemeClr>
-                </a:solidFill>
-                <a:effectLst/>
-                <a:latin typeface="+mn-lt"/>
-                <a:ea typeface="+mn-ea"/>
-                <a:cs typeface="+mn-cs"/>
-              </a:defRPr>
-            </a:lvl8pPr>
-            <a:lvl9pPr marL="3886200" indent="-228600" algn="l" defTabSz="457200" rtl="0" eaLnBrk="1" latinLnBrk="0" hangingPunct="1">
-              <a:spcBef>
-                <a:spcPct val="20000"/>
-              </a:spcBef>
-              <a:spcAft>
-                <a:spcPts val="600"/>
-              </a:spcAft>
-              <a:buClr>
-                <a:schemeClr val="tx1"/>
-              </a:buClr>
-              <a:buSzPct val="80000"/>
-              <a:buFont typeface="Wingdings 3" panose="05040102010807070707" pitchFamily="18" charset="2"/>
-              <a:buChar char=""/>
-              <a:defRPr sz="1400" kern="1200" cap="none">
-                <a:solidFill>
-                  <a:schemeClr val="bg2">
-                    <a:lumMod val="75000"/>
-                  </a:schemeClr>
-                </a:solidFill>
-                <a:effectLst/>
-                <a:latin typeface="+mn-lt"/>
-                <a:ea typeface="+mn-ea"/>
-                <a:cs typeface="+mn-cs"/>
-              </a:defRPr>
-            </a:lvl9pPr>
-          </a:lstStyle>
-          <a:p>
-            <a:pPr lvl="1">
-              <a:lnSpc>
-                <a:spcPct val="150000"/>
-              </a:lnSpc>
-            </a:pPr>
-            <a:r>
-              <a:rPr lang="fr-CH" sz="2000" dirty="0" smtClean="0">
-                <a:solidFill>
-                  <a:schemeClr val="tx1"/>
-                </a:solidFill>
-              </a:rPr>
-              <a:t>Sujet : La fabrication d’un câble Ethernet</a:t>
-            </a:r>
-          </a:p>
-          <a:p>
-            <a:pPr lvl="1">
-              <a:lnSpc>
-                <a:spcPct val="150000"/>
-              </a:lnSpc>
-            </a:pPr>
-            <a:r>
-              <a:rPr lang="fr-CH" sz="2000" dirty="0" smtClean="0">
-                <a:solidFill>
-                  <a:schemeClr val="tx1"/>
-                </a:solidFill>
-              </a:rPr>
-              <a:t>Cette présentation à comme objectifs :</a:t>
-            </a:r>
-          </a:p>
-          <a:p>
-            <a:pPr lvl="2">
-              <a:lnSpc>
-                <a:spcPct val="150000"/>
-              </a:lnSpc>
-            </a:pPr>
-            <a:r>
-              <a:rPr lang="fr-CH" sz="1800" dirty="0" smtClean="0">
-                <a:solidFill>
-                  <a:schemeClr val="tx1"/>
-                </a:solidFill>
-              </a:rPr>
-              <a:t>Décrire et présenter les différentes normes, catégories et technologies d’un câble Ethernet</a:t>
-            </a:r>
-          </a:p>
-          <a:p>
-            <a:pPr lvl="2">
-              <a:lnSpc>
-                <a:spcPct val="150000"/>
-              </a:lnSpc>
-            </a:pPr>
-            <a:r>
-              <a:rPr lang="fr-CH" sz="1800" dirty="0">
-                <a:solidFill>
-                  <a:schemeClr val="tx1"/>
-                </a:solidFill>
-              </a:rPr>
-              <a:t>D</a:t>
-            </a:r>
-            <a:r>
-              <a:rPr lang="fr-CH" sz="1800" dirty="0" smtClean="0">
-                <a:solidFill>
-                  <a:schemeClr val="tx1"/>
-                </a:solidFill>
-              </a:rPr>
-              <a:t>émontrer la fabrication d’un câble RJ-45</a:t>
-            </a:r>
-          </a:p>
-          <a:p>
-            <a:pPr lvl="2">
-              <a:lnSpc>
-                <a:spcPct val="150000"/>
-              </a:lnSpc>
-            </a:pPr>
-            <a:endParaRPr lang="fr-CH" sz="2200" dirty="0" smtClean="0">
-              <a:solidFill>
-                <a:schemeClr val="tx1"/>
-              </a:solidFill>
-            </a:endParaRPr>
-          </a:p>
-          <a:p>
-            <a:pPr lvl="2">
-              <a:lnSpc>
-                <a:spcPct val="150000"/>
-              </a:lnSpc>
-            </a:pPr>
-            <a:endParaRPr lang="fr-CH" sz="2200" dirty="0" smtClean="0">
-              <a:solidFill>
-                <a:schemeClr val="tx1"/>
-              </a:solidFill>
-            </a:endParaRPr>
-          </a:p>
-        </p:txBody>
-      </p:sp>
-    </p:spTree>
-    <p:extLst>
-      <p:ext uri="{BB962C8B-B14F-4D97-AF65-F5344CB8AC3E}">
-        <p14:creationId xmlns:p14="http://schemas.microsoft.com/office/powerpoint/2010/main" val="3456633582"/>
-      </p:ext>
-    </p:extLst>
-  </p:cSld>
-  <p:clrMapOvr>
-    <a:masterClrMapping/>
-  </p:clrMapOvr>
-</p:sld>
-</file>
-
-<file path=ppt/slides/slide30.xml><?xml version="1.0" encoding="utf-8"?>
+<file path=ppt/slides/slide31.xml><?xml version="1.0" encoding="utf-8"?>
 <p:sld xmlns:a="http://schemas.openxmlformats.org/drawingml/2006/main" xmlns:r="http://schemas.openxmlformats.org/officeDocument/2006/relationships" xmlns:p="http://schemas.openxmlformats.org/presentationml/2006/main">
   <p:cSld>
     <p:spTree>
@@ -14570,14 +14905,13 @@
           <a:lstStyle/>
           <a:p>
             <a:r>
-              <a:rPr lang="fr-CH" sz="3200" b="1" dirty="0" smtClean="0"/>
+              <a:rPr lang="fr-CH" sz="3200" b="1" dirty="0"/>
               <a:t>RJ-45 - </a:t>
             </a:r>
             <a:r>
-              <a:rPr lang="fr-CH" sz="3200" i="1" dirty="0" smtClean="0"/>
+              <a:rPr lang="fr-CH" sz="3200" i="1" dirty="0"/>
               <a:t>Registered Jack 45</a:t>
             </a:r>
-            <a:endParaRPr lang="fr-CH" sz="3200" i="1" dirty="0"/>
           </a:p>
         </p:txBody>
       </p:sp>
@@ -14609,10 +14943,9 @@
               </a:lnSpc>
             </a:pPr>
             <a:r>
-              <a:rPr lang="fr-CH" b="1" u="sng" dirty="0" smtClean="0"/>
+              <a:rPr lang="fr-CH" b="1" u="sng" dirty="0"/>
               <a:t>Différentes applications</a:t>
             </a:r>
-            <a:endParaRPr lang="fr-CH" b="1" u="sng" dirty="0"/>
           </a:p>
           <a:p>
             <a:pPr>
@@ -14621,20 +14954,8 @@
               </a:lnSpc>
             </a:pPr>
             <a:r>
-              <a:rPr lang="fr-CH" dirty="0" smtClean="0"/>
-              <a:t>Suivant la paire </a:t>
-            </a:r>
-            <a:r>
-              <a:rPr lang="fr-CH" dirty="0" smtClean="0"/>
-              <a:t>torsadée utilisée </a:t>
-            </a:r>
-            <a:r>
-              <a:rPr lang="fr-CH" dirty="0" smtClean="0"/>
-              <a:t>sur une </a:t>
-            </a:r>
-            <a:r>
-              <a:rPr lang="fr-CH" dirty="0" smtClean="0"/>
-              <a:t>broche,</a:t>
+              <a:rPr lang="fr-CH" dirty="0"/>
+              <a:t>Suivant la paire torsadée utilisée sur une broche,</a:t>
             </a:r>
           </a:p>
           <a:p>
@@ -14644,36 +14965,27 @@
               </a:lnSpc>
             </a:pPr>
             <a:r>
-              <a:rPr lang="fr-CH" dirty="0" smtClean="0"/>
-              <a:t>l’application </a:t>
-            </a:r>
-            <a:r>
-              <a:rPr lang="fr-CH" dirty="0" smtClean="0"/>
-              <a:t>sera </a:t>
-            </a:r>
-            <a:r>
-              <a:rPr lang="fr-CH" dirty="0" smtClean="0"/>
-              <a:t>différente.</a:t>
-            </a:r>
-            <a:endParaRPr lang="fr-CH" dirty="0" smtClean="0"/>
+              <a:rPr lang="fr-CH" dirty="0"/>
+              <a:t>l’application sera différente.</a:t>
+            </a:r>
           </a:p>
           <a:p>
             <a:endParaRPr lang="fr-CH" dirty="0"/>
           </a:p>
           <a:p>
-            <a:endParaRPr lang="fr-CH" dirty="0" smtClean="0"/>
-          </a:p>
-          <a:p>
             <a:endParaRPr lang="fr-CH" dirty="0"/>
           </a:p>
           <a:p>
-            <a:endParaRPr lang="fr-CH" dirty="0" smtClean="0"/>
-          </a:p>
-          <a:p>
             <a:endParaRPr lang="fr-CH" dirty="0"/>
           </a:p>
           <a:p>
-            <a:endParaRPr lang="fr-CH" dirty="0" smtClean="0"/>
+            <a:endParaRPr lang="fr-CH" dirty="0"/>
+          </a:p>
+          <a:p>
+            <a:endParaRPr lang="fr-CH" dirty="0"/>
+          </a:p>
+          <a:p>
+            <a:endParaRPr lang="fr-CH" dirty="0"/>
           </a:p>
           <a:p>
             <a:endParaRPr lang="fr-CH" dirty="0"/>
@@ -14720,7 +15032,7 @@
 </p:sld>
 </file>
 
-<file path=ppt/slides/slide31.xml><?xml version="1.0" encoding="utf-8"?>
+<file path=ppt/slides/slide32.xml><?xml version="1.0" encoding="utf-8"?>
 <p:sld xmlns:a="http://schemas.openxmlformats.org/drawingml/2006/main" xmlns:r="http://schemas.openxmlformats.org/officeDocument/2006/relationships" xmlns:p="http://schemas.openxmlformats.org/presentationml/2006/main">
   <p:cSld>
     <p:spTree>
@@ -14861,7 +15173,7 @@
               </a:lnSpc>
             </a:pPr>
             <a:r>
-              <a:rPr lang="fr-CH" b="1" u="sng" dirty="0" smtClean="0"/>
+              <a:rPr lang="fr-CH" b="1" u="sng" dirty="0"/>
               <a:t>Usage RJ-45 Femelle</a:t>
             </a:r>
           </a:p>
@@ -14872,12 +15184,8 @@
               </a:lnSpc>
             </a:pPr>
             <a:r>
-              <a:rPr lang="fr-CH" dirty="0" smtClean="0"/>
-              <a:t>Interconnecter une interface RJ-45 </a:t>
-            </a:r>
-            <a:r>
-              <a:rPr lang="fr-CH" dirty="0" smtClean="0"/>
-              <a:t>mâle</a:t>
+              <a:rPr lang="fr-CH" dirty="0"/>
+              <a:t>Interconnecter une interface RJ-45 mâle</a:t>
             </a:r>
           </a:p>
           <a:p>
@@ -14887,23 +15195,18 @@
               </a:lnSpc>
             </a:pPr>
             <a:r>
-              <a:rPr lang="fr-CH" dirty="0" smtClean="0"/>
-              <a:t>avec </a:t>
-            </a:r>
-            <a:r>
-              <a:rPr lang="fr-CH" dirty="0" smtClean="0"/>
-              <a:t>une autre interface</a:t>
-            </a:r>
+              <a:rPr lang="fr-CH" dirty="0"/>
+              <a:t>avec une autre interface</a:t>
+            </a:r>
+          </a:p>
+          <a:p>
             <a:endParaRPr lang="fr-CH" dirty="0"/>
           </a:p>
           <a:p>
-            <a:endParaRPr lang="fr-CH" dirty="0" smtClean="0"/>
-          </a:p>
-          <a:p>
             <a:endParaRPr lang="fr-CH" dirty="0"/>
           </a:p>
           <a:p>
-            <a:endParaRPr lang="fr-CH" dirty="0" smtClean="0"/>
+            <a:endParaRPr lang="fr-CH" dirty="0"/>
           </a:p>
           <a:p>
             <a:endParaRPr lang="fr-CH" dirty="0"/>
@@ -14915,7 +15218,7 @@
               </a:lnSpc>
             </a:pPr>
             <a:r>
-              <a:rPr lang="fr-CH" b="1" u="sng" dirty="0" smtClean="0"/>
+              <a:rPr lang="fr-CH" b="1" u="sng" dirty="0"/>
               <a:t>Fonctionnement</a:t>
             </a:r>
           </a:p>
@@ -14926,13 +15229,12 @@
               </a:lnSpc>
             </a:pPr>
             <a:r>
-              <a:rPr lang="fr-CH" dirty="0" smtClean="0"/>
+              <a:rPr lang="fr-CH" dirty="0"/>
               <a:t>Le câblage se fait de la manière suivante :</a:t>
             </a:r>
-            <a:endParaRPr lang="fr-CH" dirty="0" smtClean="0"/>
-          </a:p>
-          <a:p>
-            <a:endParaRPr lang="fr-CH" dirty="0" smtClean="0"/>
+          </a:p>
+          <a:p>
+            <a:endParaRPr lang="fr-CH" dirty="0"/>
           </a:p>
           <a:p>
             <a:endParaRPr lang="fr-CH" dirty="0"/>
@@ -14987,10 +15289,9 @@
           <a:lstStyle/>
           <a:p>
             <a:r>
-              <a:rPr lang="fr-CH" dirty="0" smtClean="0"/>
+              <a:rPr lang="fr-CH" dirty="0"/>
               <a:t>Branchement pour la nombre 568a et 568b</a:t>
             </a:r>
-            <a:endParaRPr lang="fr-CH" dirty="0"/>
           </a:p>
         </p:txBody>
       </p:sp>
@@ -15007,7 +15308,7 @@
 </p:sld>
 </file>
 
-<file path=ppt/slides/slide32.xml><?xml version="1.0" encoding="utf-8"?>
+<file path=ppt/slides/slide33.xml><?xml version="1.0" encoding="utf-8"?>
 <p:sld xmlns:a="http://schemas.openxmlformats.org/drawingml/2006/main" xmlns:r="http://schemas.openxmlformats.org/officeDocument/2006/relationships" xmlns:p="http://schemas.openxmlformats.org/presentationml/2006/main">
   <p:cSld>
     <p:spTree>
@@ -15077,14 +15378,13 @@
           <a:lstStyle/>
           <a:p>
             <a:r>
-              <a:rPr lang="fr-CH" sz="3200" b="1" dirty="0" smtClean="0"/>
+              <a:rPr lang="fr-CH" sz="3200" b="1" dirty="0"/>
               <a:t>RJ-11 - </a:t>
             </a:r>
             <a:r>
-              <a:rPr lang="fr-CH" sz="3200" i="1" dirty="0" smtClean="0"/>
+              <a:rPr lang="fr-CH" sz="3200" i="1" dirty="0"/>
               <a:t>Registered Jack 11</a:t>
             </a:r>
-            <a:endParaRPr lang="fr-CH" sz="3200" i="1" dirty="0"/>
           </a:p>
         </p:txBody>
       </p:sp>
@@ -15116,7 +15416,7 @@
               </a:lnSpc>
             </a:pPr>
             <a:r>
-              <a:rPr lang="fr-CH" b="1" u="sng" dirty="0" smtClean="0"/>
+              <a:rPr lang="fr-CH" b="1" u="sng" dirty="0"/>
               <a:t>Usage du RJ-11</a:t>
             </a:r>
           </a:p>
@@ -15127,7 +15427,7 @@
               </a:lnSpc>
             </a:pPr>
             <a:r>
-              <a:rPr lang="fr-CH" dirty="0" smtClean="0"/>
+              <a:rPr lang="fr-CH" dirty="0"/>
               <a:t>Téléphonie</a:t>
             </a:r>
           </a:p>
@@ -15138,7 +15438,7 @@
               </a:lnSpc>
             </a:pPr>
             <a:r>
-              <a:rPr lang="fr-CH" dirty="0" smtClean="0"/>
+              <a:rPr lang="fr-CH" dirty="0"/>
               <a:t>Réseau local</a:t>
             </a:r>
           </a:p>
@@ -15149,10 +15449,10 @@
               </a:lnSpc>
             </a:pPr>
             <a:r>
-              <a:rPr lang="fr-CH" dirty="0" err="1" smtClean="0"/>
+              <a:rPr lang="fr-CH" dirty="0" err="1"/>
               <a:t>PoE</a:t>
             </a:r>
-            <a:endParaRPr lang="fr-CH" dirty="0" smtClean="0"/>
+            <a:endParaRPr lang="fr-CH" dirty="0"/>
           </a:p>
           <a:p>
             <a:pPr>
@@ -15161,7 +15461,7 @@
               </a:lnSpc>
             </a:pPr>
             <a:r>
-              <a:rPr lang="fr-CH" b="1" u="sng" dirty="0" smtClean="0"/>
+              <a:rPr lang="fr-CH" b="1" u="sng" dirty="0"/>
               <a:t>Fonctionnement</a:t>
             </a:r>
           </a:p>
@@ -15172,7 +15472,7 @@
               </a:lnSpc>
             </a:pPr>
             <a:r>
-              <a:rPr lang="fr-CH" dirty="0" smtClean="0"/>
+              <a:rPr lang="fr-CH" dirty="0"/>
               <a:t>Un RJ-11 possède 4 broches où les paires torsadées passent.</a:t>
             </a:r>
           </a:p>
@@ -15183,19 +15483,19 @@
             <a:endParaRPr lang="fr-CH" dirty="0"/>
           </a:p>
           <a:p>
-            <a:endParaRPr lang="fr-CH" dirty="0" smtClean="0"/>
-          </a:p>
-          <a:p>
             <a:endParaRPr lang="fr-CH" dirty="0"/>
           </a:p>
           <a:p>
-            <a:endParaRPr lang="fr-CH" dirty="0" smtClean="0"/>
-          </a:p>
-          <a:p>
             <a:endParaRPr lang="fr-CH" dirty="0"/>
           </a:p>
           <a:p>
-            <a:endParaRPr lang="fr-CH" dirty="0" smtClean="0"/>
+            <a:endParaRPr lang="fr-CH" dirty="0"/>
+          </a:p>
+          <a:p>
+            <a:endParaRPr lang="fr-CH" dirty="0"/>
+          </a:p>
+          <a:p>
+            <a:endParaRPr lang="fr-CH" dirty="0"/>
           </a:p>
           <a:p>
             <a:endParaRPr lang="fr-CH" dirty="0"/>
@@ -15283,7 +15583,7 @@
 </p:sld>
 </file>
 
-<file path=ppt/slides/slide33.xml><?xml version="1.0" encoding="utf-8"?>
+<file path=ppt/slides/slide34.xml><?xml version="1.0" encoding="utf-8"?>
 <p:sld xmlns:a="http://schemas.openxmlformats.org/drawingml/2006/main" xmlns:r="http://schemas.openxmlformats.org/officeDocument/2006/relationships" xmlns:p="http://schemas.openxmlformats.org/presentationml/2006/main">
   <p:cSld>
     <p:spTree>
@@ -15353,14 +15653,13 @@
           <a:lstStyle/>
           <a:p>
             <a:r>
-              <a:rPr lang="fr-CH" sz="3200" b="1" dirty="0" smtClean="0"/>
+              <a:rPr lang="fr-CH" sz="3200" b="1" dirty="0"/>
               <a:t>RJ-11 Femelle - </a:t>
             </a:r>
             <a:r>
-              <a:rPr lang="fr-CH" sz="3200" i="1" dirty="0" smtClean="0"/>
+              <a:rPr lang="fr-CH" sz="3200" i="1" dirty="0"/>
               <a:t>Registered Jack 11</a:t>
             </a:r>
-            <a:endParaRPr lang="fr-CH" sz="3200" i="1" dirty="0"/>
           </a:p>
         </p:txBody>
       </p:sp>
@@ -15392,14 +15691,9 @@
               </a:lnSpc>
             </a:pPr>
             <a:r>
-              <a:rPr lang="fr-CH" b="1" u="sng" dirty="0" smtClean="0"/>
-              <a:t>Usage du </a:t>
-            </a:r>
-            <a:r>
-              <a:rPr lang="fr-CH" b="1" u="sng" dirty="0" smtClean="0"/>
-              <a:t>RJ-11 femelle</a:t>
-            </a:r>
-            <a:endParaRPr lang="fr-CH" b="1" u="sng" dirty="0" smtClean="0"/>
+              <a:rPr lang="fr-CH" b="1" u="sng" dirty="0"/>
+              <a:t>Usage du RJ-11 femelle</a:t>
+            </a:r>
           </a:p>
           <a:p>
             <a:pPr>
@@ -15408,7 +15702,7 @@
               </a:lnSpc>
             </a:pPr>
             <a:r>
-              <a:rPr lang="fr-CH" dirty="0" smtClean="0"/>
+              <a:rPr lang="fr-CH" dirty="0"/>
               <a:t>Téléphonie</a:t>
             </a:r>
           </a:p>
@@ -15419,7 +15713,7 @@
               </a:lnSpc>
             </a:pPr>
             <a:r>
-              <a:rPr lang="fr-CH" dirty="0" smtClean="0"/>
+              <a:rPr lang="fr-CH" dirty="0"/>
               <a:t>Réseau local</a:t>
             </a:r>
           </a:p>
@@ -15430,10 +15724,10 @@
               </a:lnSpc>
             </a:pPr>
             <a:r>
-              <a:rPr lang="fr-CH" dirty="0" err="1" smtClean="0"/>
+              <a:rPr lang="fr-CH" dirty="0" err="1"/>
               <a:t>PoE</a:t>
             </a:r>
-            <a:endParaRPr lang="fr-CH" dirty="0" smtClean="0"/>
+            <a:endParaRPr lang="fr-CH" dirty="0"/>
           </a:p>
           <a:p>
             <a:pPr>
@@ -15442,7 +15736,7 @@
               </a:lnSpc>
             </a:pPr>
             <a:r>
-              <a:rPr lang="fr-CH" b="1" u="sng" dirty="0" smtClean="0"/>
+              <a:rPr lang="fr-CH" b="1" u="sng" dirty="0"/>
               <a:t>Fonctionnement</a:t>
             </a:r>
           </a:p>
@@ -15453,7 +15747,7 @@
               </a:lnSpc>
             </a:pPr>
             <a:r>
-              <a:rPr lang="fr-CH" dirty="0" smtClean="0"/>
+              <a:rPr lang="fr-CH" dirty="0"/>
               <a:t>Un RJ-11 possède 4 broches où les paires torsadées passent.</a:t>
             </a:r>
           </a:p>
@@ -15464,19 +15758,19 @@
             <a:endParaRPr lang="fr-CH" dirty="0"/>
           </a:p>
           <a:p>
-            <a:endParaRPr lang="fr-CH" dirty="0" smtClean="0"/>
-          </a:p>
-          <a:p>
             <a:endParaRPr lang="fr-CH" dirty="0"/>
           </a:p>
           <a:p>
-            <a:endParaRPr lang="fr-CH" dirty="0" smtClean="0"/>
-          </a:p>
-          <a:p>
             <a:endParaRPr lang="fr-CH" dirty="0"/>
           </a:p>
           <a:p>
-            <a:endParaRPr lang="fr-CH" dirty="0" smtClean="0"/>
+            <a:endParaRPr lang="fr-CH" dirty="0"/>
+          </a:p>
+          <a:p>
+            <a:endParaRPr lang="fr-CH" dirty="0"/>
+          </a:p>
+          <a:p>
+            <a:endParaRPr lang="fr-CH" dirty="0"/>
           </a:p>
           <a:p>
             <a:endParaRPr lang="fr-CH" dirty="0"/>
@@ -15490,90 +15784,6 @@
     <p:extLst>
       <p:ext uri="{BB962C8B-B14F-4D97-AF65-F5344CB8AC3E}">
         <p14:creationId xmlns:p14="http://schemas.microsoft.com/office/powerpoint/2010/main" val="3659849013"/>
-      </p:ext>
-    </p:extLst>
-  </p:cSld>
-  <p:clrMapOvr>
-    <a:masterClrMapping/>
-  </p:clrMapOvr>
-</p:sld>
-</file>
-
-<file path=ppt/slides/slide34.xml><?xml version="1.0" encoding="utf-8"?>
-<p:sld xmlns:a="http://schemas.openxmlformats.org/drawingml/2006/main" xmlns:r="http://schemas.openxmlformats.org/officeDocument/2006/relationships" xmlns:p="http://schemas.openxmlformats.org/presentationml/2006/main">
-  <p:cSld>
-    <p:spTree>
-      <p:nvGrpSpPr>
-        <p:cNvPr id="1" name=""/>
-        <p:cNvGrpSpPr/>
-        <p:nvPr/>
-      </p:nvGrpSpPr>
-      <p:grpSpPr>
-        <a:xfrm>
-          <a:off x="0" y="0"/>
-          <a:ext cx="0" cy="0"/>
-          <a:chOff x="0" y="0"/>
-          <a:chExt cx="0" cy="0"/>
-        </a:xfrm>
-      </p:grpSpPr>
-      <p:sp>
-        <p:nvSpPr>
-          <p:cNvPr id="5" name="Content Placeholder 2"/>
-          <p:cNvSpPr>
-            <a:spLocks noGrp="1"/>
-          </p:cNvSpPr>
-          <p:nvPr>
-            <p:ph idx="1"/>
-          </p:nvPr>
-        </p:nvSpPr>
-        <p:spPr>
-          <a:xfrm>
-            <a:off x="277793" y="902826"/>
-            <a:ext cx="11539959" cy="5660020"/>
-          </a:xfrm>
-        </p:spPr>
-        <p:txBody>
-          <a:bodyPr/>
-          <a:lstStyle/>
-          <a:p>
-            <a:endParaRPr lang="fr-CH" dirty="0"/>
-          </a:p>
-        </p:txBody>
-      </p:sp>
-      <p:sp>
-        <p:nvSpPr>
-          <p:cNvPr id="6" name="Title 1"/>
-          <p:cNvSpPr>
-            <a:spLocks noGrp="1"/>
-          </p:cNvSpPr>
-          <p:nvPr>
-            <p:ph type="title"/>
-          </p:nvPr>
-        </p:nvSpPr>
-        <p:spPr>
-          <a:xfrm>
-            <a:off x="1" y="0"/>
-            <a:ext cx="1689904" cy="510199"/>
-          </a:xfrm>
-        </p:spPr>
-        <p:txBody>
-          <a:bodyPr numCol="1">
-            <a:noAutofit/>
-          </a:bodyPr>
-          <a:lstStyle/>
-          <a:p>
-            <a:pPr algn="ctr"/>
-            <a:r>
-              <a:rPr lang="fr-CH" sz="2800" dirty="0"/>
-              <a:t>NORMES</a:t>
-            </a:r>
-          </a:p>
-        </p:txBody>
-      </p:sp>
-    </p:spTree>
-    <p:extLst>
-      <p:ext uri="{BB962C8B-B14F-4D97-AF65-F5344CB8AC3E}">
-        <p14:creationId xmlns:p14="http://schemas.microsoft.com/office/powerpoint/2010/main" val="237110104"/>
       </p:ext>
     </p:extLst>
   </p:cSld>
@@ -15636,6 +15846,90 @@
         </p:nvSpPr>
         <p:spPr>
           <a:xfrm>
+            <a:off x="1" y="0"/>
+            <a:ext cx="1689904" cy="510199"/>
+          </a:xfrm>
+        </p:spPr>
+        <p:txBody>
+          <a:bodyPr numCol="1">
+            <a:noAutofit/>
+          </a:bodyPr>
+          <a:lstStyle/>
+          <a:p>
+            <a:pPr algn="ctr"/>
+            <a:r>
+              <a:rPr lang="fr-CH" sz="2800" dirty="0"/>
+              <a:t>NORMES</a:t>
+            </a:r>
+          </a:p>
+        </p:txBody>
+      </p:sp>
+    </p:spTree>
+    <p:extLst>
+      <p:ext uri="{BB962C8B-B14F-4D97-AF65-F5344CB8AC3E}">
+        <p14:creationId xmlns:p14="http://schemas.microsoft.com/office/powerpoint/2010/main" val="237110104"/>
+      </p:ext>
+    </p:extLst>
+  </p:cSld>
+  <p:clrMapOvr>
+    <a:masterClrMapping/>
+  </p:clrMapOvr>
+</p:sld>
+</file>
+
+<file path=ppt/slides/slide36.xml><?xml version="1.0" encoding="utf-8"?>
+<p:sld xmlns:a="http://schemas.openxmlformats.org/drawingml/2006/main" xmlns:r="http://schemas.openxmlformats.org/officeDocument/2006/relationships" xmlns:p="http://schemas.openxmlformats.org/presentationml/2006/main">
+  <p:cSld>
+    <p:spTree>
+      <p:nvGrpSpPr>
+        <p:cNvPr id="1" name=""/>
+        <p:cNvGrpSpPr/>
+        <p:nvPr/>
+      </p:nvGrpSpPr>
+      <p:grpSpPr>
+        <a:xfrm>
+          <a:off x="0" y="0"/>
+          <a:ext cx="0" cy="0"/>
+          <a:chOff x="0" y="0"/>
+          <a:chExt cx="0" cy="0"/>
+        </a:xfrm>
+      </p:grpSpPr>
+      <p:sp>
+        <p:nvSpPr>
+          <p:cNvPr id="5" name="Content Placeholder 2"/>
+          <p:cNvSpPr>
+            <a:spLocks noGrp="1"/>
+          </p:cNvSpPr>
+          <p:nvPr>
+            <p:ph idx="1"/>
+          </p:nvPr>
+        </p:nvSpPr>
+        <p:spPr>
+          <a:xfrm>
+            <a:off x="277793" y="902826"/>
+            <a:ext cx="11539959" cy="5660020"/>
+          </a:xfrm>
+        </p:spPr>
+        <p:txBody>
+          <a:bodyPr/>
+          <a:lstStyle/>
+          <a:p>
+            <a:endParaRPr lang="fr-CH" dirty="0"/>
+          </a:p>
+        </p:txBody>
+      </p:sp>
+      <p:sp>
+        <p:nvSpPr>
+          <p:cNvPr id="6" name="Title 1"/>
+          <p:cNvSpPr>
+            <a:spLocks noGrp="1"/>
+          </p:cNvSpPr>
+          <p:nvPr>
+            <p:ph type="title"/>
+          </p:nvPr>
+        </p:nvSpPr>
+        <p:spPr>
+          <a:xfrm>
             <a:off x="0" y="0"/>
             <a:ext cx="2488557" cy="510199"/>
           </a:xfrm>
@@ -15667,7 +15961,7 @@
 </p:sld>
 </file>
 
-<file path=ppt/slides/slide36.xml><?xml version="1.0" encoding="utf-8"?>
+<file path=ppt/slides/slide37.xml><?xml version="1.0" encoding="utf-8"?>
 <p:sld xmlns:a="http://schemas.openxmlformats.org/drawingml/2006/main" xmlns:r="http://schemas.openxmlformats.org/officeDocument/2006/relationships" xmlns:p="http://schemas.openxmlformats.org/presentationml/2006/main">
   <p:cSld>
     <p:spTree>
@@ -15737,7 +16031,7 @@
           <a:lstStyle/>
           <a:p>
             <a:r>
-              <a:rPr lang="fr-CH" sz="4800" dirty="0" smtClean="0">
+              <a:rPr lang="fr-CH" sz="4800" dirty="0">
                 <a:cs typeface="Arial" panose="020B0604020202020204" pitchFamily="34" charset="0"/>
               </a:rPr>
               <a:t>Des questions </a:t>
@@ -15795,15 +16089,30 @@
         </p:nvSpPr>
         <p:spPr>
           <a:xfrm>
-            <a:off x="277793" y="902826"/>
-            <a:ext cx="11539959" cy="5660020"/>
+            <a:off x="530979" y="1339645"/>
+            <a:ext cx="11539959" cy="510199"/>
           </a:xfrm>
         </p:spPr>
         <p:txBody>
           <a:bodyPr/>
           <a:lstStyle/>
           <a:p>
-            <a:endParaRPr lang="fr-CH" dirty="0"/>
+            <a:pPr>
+              <a:spcBef>
+                <a:spcPts val="0"/>
+              </a:spcBef>
+              <a:spcAft>
+                <a:spcPts val="0"/>
+              </a:spcAft>
+            </a:pPr>
+            <a:r>
+              <a:rPr lang="fr-CH" dirty="0">
+                <a:solidFill>
+                  <a:schemeClr val="tx1"/>
+                </a:solidFill>
+              </a:rPr>
+              <a:t>Le protocole a été inventé en mai 1973 par deux chercheurs Xerox</a:t>
+            </a:r>
           </a:p>
         </p:txBody>
       </p:sp>
@@ -15837,6 +16146,269 @@
           </a:p>
         </p:txBody>
       </p:sp>
+      <p:grpSp>
+        <p:nvGrpSpPr>
+          <p:cNvPr id="8" name="Groupe 7">
+            <a:extLst>
+              <a:ext uri="{FF2B5EF4-FFF2-40B4-BE49-F238E27FC236}">
+                <a16:creationId xmlns:a16="http://schemas.microsoft.com/office/drawing/2014/main" id="{45CE9A5B-2BF5-4887-83F2-4BE1643502B9}"/>
+              </a:ext>
+            </a:extLst>
+          </p:cNvPr>
+          <p:cNvGrpSpPr/>
+          <p:nvPr/>
+        </p:nvGrpSpPr>
+        <p:grpSpPr>
+          <a:xfrm>
+            <a:off x="1474498" y="2218908"/>
+            <a:ext cx="1743075" cy="2081624"/>
+            <a:chOff x="1467663" y="1689372"/>
+            <a:chExt cx="1743075" cy="2081624"/>
+          </a:xfrm>
+        </p:grpSpPr>
+        <p:pic>
+          <p:nvPicPr>
+            <p:cNvPr id="2" name="Image 1">
+              <a:extLst>
+                <a:ext uri="{FF2B5EF4-FFF2-40B4-BE49-F238E27FC236}">
+                  <a16:creationId xmlns:a16="http://schemas.microsoft.com/office/drawing/2014/main" id="{650A4185-1561-4B95-A05D-FEDD73B2D58C}"/>
+                </a:ext>
+              </a:extLst>
+            </p:cNvPr>
+            <p:cNvPicPr>
+              <a:picLocks noChangeAspect="1"/>
+            </p:cNvPicPr>
+            <p:nvPr/>
+          </p:nvPicPr>
+          <p:blipFill rotWithShape="1">
+            <a:blip r:embed="rId2"/>
+            <a:srcRect l="5001" r="32083"/>
+            <a:stretch/>
+          </p:blipFill>
+          <p:spPr>
+            <a:xfrm>
+              <a:off x="1467663" y="1689372"/>
+              <a:ext cx="1743075" cy="1712292"/>
+            </a:xfrm>
+            <a:prstGeom prst="rect">
+              <a:avLst/>
+            </a:prstGeom>
+          </p:spPr>
+        </p:pic>
+        <p:sp>
+          <p:nvSpPr>
+            <p:cNvPr id="6" name="ZoneTexte 5">
+              <a:extLst>
+                <a:ext uri="{FF2B5EF4-FFF2-40B4-BE49-F238E27FC236}">
+                  <a16:creationId xmlns:a16="http://schemas.microsoft.com/office/drawing/2014/main" id="{3CCBC606-F3FD-4F1A-ACB0-51D37C16A945}"/>
+                </a:ext>
+              </a:extLst>
+            </p:cNvPr>
+            <p:cNvSpPr txBox="1"/>
+            <p:nvPr/>
+          </p:nvSpPr>
+          <p:spPr>
+            <a:xfrm>
+              <a:off x="1467663" y="3401664"/>
+              <a:ext cx="1743075" cy="369332"/>
+            </a:xfrm>
+            <a:prstGeom prst="rect">
+              <a:avLst/>
+            </a:prstGeom>
+            <a:noFill/>
+          </p:spPr>
+          <p:txBody>
+            <a:bodyPr wrap="square" rtlCol="0">
+              <a:spAutoFit/>
+            </a:bodyPr>
+            <a:lstStyle/>
+            <a:p>
+              <a:pPr algn="ctr"/>
+              <a:r>
+                <a:rPr lang="fr-CH" dirty="0"/>
+                <a:t>Bob </a:t>
+              </a:r>
+              <a:r>
+                <a:rPr lang="fr-CH" dirty="0" err="1"/>
+                <a:t>Metcalf</a:t>
+              </a:r>
+              <a:endParaRPr lang="fr-CH" dirty="0"/>
+            </a:p>
+          </p:txBody>
+        </p:sp>
+      </p:grpSp>
+      <p:grpSp>
+        <p:nvGrpSpPr>
+          <p:cNvPr id="9" name="Groupe 8">
+            <a:extLst>
+              <a:ext uri="{FF2B5EF4-FFF2-40B4-BE49-F238E27FC236}">
+                <a16:creationId xmlns:a16="http://schemas.microsoft.com/office/drawing/2014/main" id="{35BF348F-7788-4FD2-B7A6-7B1F65FFCFDA}"/>
+              </a:ext>
+            </a:extLst>
+          </p:cNvPr>
+          <p:cNvGrpSpPr/>
+          <p:nvPr/>
+        </p:nvGrpSpPr>
+        <p:grpSpPr>
+          <a:xfrm>
+            <a:off x="4557882" y="2218908"/>
+            <a:ext cx="1743076" cy="2099435"/>
+            <a:chOff x="4443527" y="1689372"/>
+            <a:chExt cx="1743076" cy="2099435"/>
+          </a:xfrm>
+        </p:grpSpPr>
+        <p:pic>
+          <p:nvPicPr>
+            <p:cNvPr id="1028" name="Picture 4" descr="https://ieeecs-media.computer.org/wp-media/2018/04/11182850/davidboggs-e1523471453351.jpg">
+              <a:extLst>
+                <a:ext uri="{FF2B5EF4-FFF2-40B4-BE49-F238E27FC236}">
+                  <a16:creationId xmlns:a16="http://schemas.microsoft.com/office/drawing/2014/main" id="{26ACF9C1-B83F-407C-9C49-41DED14C035C}"/>
+                </a:ext>
+              </a:extLst>
+            </p:cNvPr>
+            <p:cNvPicPr>
+              <a:picLocks noChangeAspect="1" noChangeArrowheads="1"/>
+            </p:cNvPicPr>
+            <p:nvPr/>
+          </p:nvPicPr>
+          <p:blipFill rotWithShape="1">
+            <a:blip r:embed="rId3">
+              <a:extLst>
+                <a:ext uri="{28A0092B-C50C-407E-A947-70E740481C1C}">
+                  <a14:useLocalDpi xmlns:a14="http://schemas.microsoft.com/office/drawing/2010/main" val="0"/>
+                </a:ext>
+              </a:extLst>
+            </a:blip>
+            <a:srcRect t="1766"/>
+            <a:stretch/>
+          </p:blipFill>
+          <p:spPr bwMode="auto">
+            <a:xfrm>
+              <a:off x="4443528" y="1689372"/>
+              <a:ext cx="1743075" cy="1712292"/>
+            </a:xfrm>
+            <a:prstGeom prst="rect">
+              <a:avLst/>
+            </a:prstGeom>
+            <a:noFill/>
+            <a:extLst>
+              <a:ext uri="{909E8E84-426E-40DD-AFC4-6F175D3DCCD1}">
+                <a14:hiddenFill xmlns:a14="http://schemas.microsoft.com/office/drawing/2010/main">
+                  <a:solidFill>
+                    <a:srgbClr val="FFFFFF"/>
+                  </a:solidFill>
+                </a14:hiddenFill>
+              </a:ext>
+            </a:extLst>
+          </p:spPr>
+        </p:pic>
+        <p:sp>
+          <p:nvSpPr>
+            <p:cNvPr id="10" name="ZoneTexte 9">
+              <a:extLst>
+                <a:ext uri="{FF2B5EF4-FFF2-40B4-BE49-F238E27FC236}">
+                  <a16:creationId xmlns:a16="http://schemas.microsoft.com/office/drawing/2014/main" id="{6DBF9C99-3A06-4889-B38A-43FE2DD859D8}"/>
+                </a:ext>
+              </a:extLst>
+            </p:cNvPr>
+            <p:cNvSpPr txBox="1"/>
+            <p:nvPr/>
+          </p:nvSpPr>
+          <p:spPr>
+            <a:xfrm>
+              <a:off x="4443527" y="3419475"/>
+              <a:ext cx="1743075" cy="369332"/>
+            </a:xfrm>
+            <a:prstGeom prst="rect">
+              <a:avLst/>
+            </a:prstGeom>
+            <a:noFill/>
+          </p:spPr>
+          <p:txBody>
+            <a:bodyPr wrap="square" rtlCol="0">
+              <a:spAutoFit/>
+            </a:bodyPr>
+            <a:lstStyle/>
+            <a:p>
+              <a:pPr algn="ctr"/>
+              <a:r>
+                <a:rPr lang="fr-CH" dirty="0"/>
+                <a:t>David Boggs</a:t>
+              </a:r>
+            </a:p>
+          </p:txBody>
+        </p:sp>
+      </p:grpSp>
+      <p:sp>
+        <p:nvSpPr>
+          <p:cNvPr id="7" name="ZoneTexte 6">
+            <a:extLst>
+              <a:ext uri="{FF2B5EF4-FFF2-40B4-BE49-F238E27FC236}">
+                <a16:creationId xmlns:a16="http://schemas.microsoft.com/office/drawing/2014/main" id="{1A93F582-9049-457B-9589-571AD11F982B}"/>
+              </a:ext>
+            </a:extLst>
+          </p:cNvPr>
+          <p:cNvSpPr txBox="1"/>
+          <p:nvPr/>
+        </p:nvSpPr>
+        <p:spPr>
+          <a:xfrm>
+            <a:off x="530979" y="4638825"/>
+            <a:ext cx="9937626" cy="369332"/>
+          </a:xfrm>
+          <a:prstGeom prst="rect">
+            <a:avLst/>
+          </a:prstGeom>
+          <a:noFill/>
+        </p:spPr>
+        <p:txBody>
+          <a:bodyPr wrap="square" rtlCol="0">
+            <a:spAutoFit/>
+          </a:bodyPr>
+          <a:lstStyle/>
+          <a:p>
+            <a:r>
+              <a:rPr lang="fr-CH" dirty="0"/>
+              <a:t>Lors des premiers tests, les vitesses de transmission de données atteignaient 2,94 Mbit/s</a:t>
+            </a:r>
+          </a:p>
+        </p:txBody>
+      </p:sp>
+      <p:sp>
+        <p:nvSpPr>
+          <p:cNvPr id="11" name="ZoneTexte 10">
+            <a:extLst>
+              <a:ext uri="{FF2B5EF4-FFF2-40B4-BE49-F238E27FC236}">
+                <a16:creationId xmlns:a16="http://schemas.microsoft.com/office/drawing/2014/main" id="{7785E246-28F5-4FEA-A6C4-269F51F6041C}"/>
+              </a:ext>
+            </a:extLst>
+          </p:cNvPr>
+          <p:cNvSpPr txBox="1"/>
+          <p:nvPr/>
+        </p:nvSpPr>
+        <p:spPr>
+          <a:xfrm>
+            <a:off x="923636" y="701964"/>
+            <a:ext cx="2844800" cy="461665"/>
+          </a:xfrm>
+          <a:prstGeom prst="rect">
+            <a:avLst/>
+          </a:prstGeom>
+          <a:noFill/>
+        </p:spPr>
+        <p:txBody>
+          <a:bodyPr wrap="square" rtlCol="0">
+            <a:spAutoFit/>
+          </a:bodyPr>
+          <a:lstStyle/>
+          <a:p>
+            <a:r>
+              <a:rPr lang="fr-CH" sz="2400" u="sng" dirty="0"/>
+              <a:t>Par Qui ?</a:t>
+            </a:r>
+          </a:p>
+        </p:txBody>
+      </p:sp>
     </p:spTree>
     <p:extLst>
       <p:ext uri="{BB962C8B-B14F-4D97-AF65-F5344CB8AC3E}">
@@ -15847,10 +16419,1257 @@
   <p:clrMapOvr>
     <a:masterClrMapping/>
   </p:clrMapOvr>
+  <p:timing>
+    <p:tnLst>
+      <p:par>
+        <p:cTn id="1" dur="indefinite" restart="never" nodeType="tmRoot">
+          <p:childTnLst>
+            <p:seq concurrent="1" nextAc="seek">
+              <p:cTn id="2" dur="indefinite" nodeType="mainSeq">
+                <p:childTnLst>
+                  <p:par>
+                    <p:cTn id="3" fill="hold">
+                      <p:stCondLst>
+                        <p:cond delay="indefinite"/>
+                      </p:stCondLst>
+                      <p:childTnLst>
+                        <p:par>
+                          <p:cTn id="4" fill="hold">
+                            <p:stCondLst>
+                              <p:cond delay="0"/>
+                            </p:stCondLst>
+                            <p:childTnLst>
+                              <p:par>
+                                <p:cTn id="5" presetID="10" presetClass="entr" presetSubtype="0" fill="hold" grpId="0" nodeType="clickEffect">
+                                  <p:stCondLst>
+                                    <p:cond delay="0"/>
+                                  </p:stCondLst>
+                                  <p:childTnLst>
+                                    <p:set>
+                                      <p:cBhvr>
+                                        <p:cTn id="6" dur="1" fill="hold">
+                                          <p:stCondLst>
+                                            <p:cond delay="0"/>
+                                          </p:stCondLst>
+                                        </p:cTn>
+                                        <p:tgtEl>
+                                          <p:spTgt spid="4">
+                                            <p:txEl>
+                                              <p:pRg st="0" end="0"/>
+                                            </p:txEl>
+                                          </p:spTgt>
+                                        </p:tgtEl>
+                                        <p:attrNameLst>
+                                          <p:attrName>style.visibility</p:attrName>
+                                        </p:attrNameLst>
+                                      </p:cBhvr>
+                                      <p:to>
+                                        <p:strVal val="visible"/>
+                                      </p:to>
+                                    </p:set>
+                                    <p:animEffect transition="in" filter="fade">
+                                      <p:cBhvr>
+                                        <p:cTn id="7" dur="500"/>
+                                        <p:tgtEl>
+                                          <p:spTgt spid="4">
+                                            <p:txEl>
+                                              <p:pRg st="0" end="0"/>
+                                            </p:txEl>
+                                          </p:spTgt>
+                                        </p:tgtEl>
+                                      </p:cBhvr>
+                                    </p:animEffect>
+                                  </p:childTnLst>
+                                </p:cTn>
+                              </p:par>
+                            </p:childTnLst>
+                          </p:cTn>
+                        </p:par>
+                      </p:childTnLst>
+                    </p:cTn>
+                  </p:par>
+                  <p:par>
+                    <p:cTn id="8" fill="hold">
+                      <p:stCondLst>
+                        <p:cond delay="indefinite"/>
+                      </p:stCondLst>
+                      <p:childTnLst>
+                        <p:par>
+                          <p:cTn id="9" fill="hold">
+                            <p:stCondLst>
+                              <p:cond delay="0"/>
+                            </p:stCondLst>
+                            <p:childTnLst>
+                              <p:par>
+                                <p:cTn id="10" presetID="53" presetClass="entr" presetSubtype="16" fill="hold" nodeType="clickEffect">
+                                  <p:stCondLst>
+                                    <p:cond delay="0"/>
+                                  </p:stCondLst>
+                                  <p:childTnLst>
+                                    <p:set>
+                                      <p:cBhvr>
+                                        <p:cTn id="11" dur="1" fill="hold">
+                                          <p:stCondLst>
+                                            <p:cond delay="0"/>
+                                          </p:stCondLst>
+                                        </p:cTn>
+                                        <p:tgtEl>
+                                          <p:spTgt spid="8"/>
+                                        </p:tgtEl>
+                                        <p:attrNameLst>
+                                          <p:attrName>style.visibility</p:attrName>
+                                        </p:attrNameLst>
+                                      </p:cBhvr>
+                                      <p:to>
+                                        <p:strVal val="visible"/>
+                                      </p:to>
+                                    </p:set>
+                                    <p:anim calcmode="lin" valueType="num">
+                                      <p:cBhvr>
+                                        <p:cTn id="12" dur="500" fill="hold"/>
+                                        <p:tgtEl>
+                                          <p:spTgt spid="8"/>
+                                        </p:tgtEl>
+                                        <p:attrNameLst>
+                                          <p:attrName>ppt_w</p:attrName>
+                                        </p:attrNameLst>
+                                      </p:cBhvr>
+                                      <p:tavLst>
+                                        <p:tav tm="0">
+                                          <p:val>
+                                            <p:fltVal val="0"/>
+                                          </p:val>
+                                        </p:tav>
+                                        <p:tav tm="100000">
+                                          <p:val>
+                                            <p:strVal val="#ppt_w"/>
+                                          </p:val>
+                                        </p:tav>
+                                      </p:tavLst>
+                                    </p:anim>
+                                    <p:anim calcmode="lin" valueType="num">
+                                      <p:cBhvr>
+                                        <p:cTn id="13" dur="500" fill="hold"/>
+                                        <p:tgtEl>
+                                          <p:spTgt spid="8"/>
+                                        </p:tgtEl>
+                                        <p:attrNameLst>
+                                          <p:attrName>ppt_h</p:attrName>
+                                        </p:attrNameLst>
+                                      </p:cBhvr>
+                                      <p:tavLst>
+                                        <p:tav tm="0">
+                                          <p:val>
+                                            <p:fltVal val="0"/>
+                                          </p:val>
+                                        </p:tav>
+                                        <p:tav tm="100000">
+                                          <p:val>
+                                            <p:strVal val="#ppt_h"/>
+                                          </p:val>
+                                        </p:tav>
+                                      </p:tavLst>
+                                    </p:anim>
+                                    <p:animEffect transition="in" filter="fade">
+                                      <p:cBhvr>
+                                        <p:cTn id="14" dur="500"/>
+                                        <p:tgtEl>
+                                          <p:spTgt spid="8"/>
+                                        </p:tgtEl>
+                                      </p:cBhvr>
+                                    </p:animEffect>
+                                  </p:childTnLst>
+                                </p:cTn>
+                              </p:par>
+                            </p:childTnLst>
+                          </p:cTn>
+                        </p:par>
+                      </p:childTnLst>
+                    </p:cTn>
+                  </p:par>
+                  <p:par>
+                    <p:cTn id="15" fill="hold">
+                      <p:stCondLst>
+                        <p:cond delay="indefinite"/>
+                      </p:stCondLst>
+                      <p:childTnLst>
+                        <p:par>
+                          <p:cTn id="16" fill="hold">
+                            <p:stCondLst>
+                              <p:cond delay="0"/>
+                            </p:stCondLst>
+                            <p:childTnLst>
+                              <p:par>
+                                <p:cTn id="17" presetID="53" presetClass="entr" presetSubtype="16" fill="hold" nodeType="clickEffect">
+                                  <p:stCondLst>
+                                    <p:cond delay="0"/>
+                                  </p:stCondLst>
+                                  <p:childTnLst>
+                                    <p:set>
+                                      <p:cBhvr>
+                                        <p:cTn id="18" dur="1" fill="hold">
+                                          <p:stCondLst>
+                                            <p:cond delay="0"/>
+                                          </p:stCondLst>
+                                        </p:cTn>
+                                        <p:tgtEl>
+                                          <p:spTgt spid="9"/>
+                                        </p:tgtEl>
+                                        <p:attrNameLst>
+                                          <p:attrName>style.visibility</p:attrName>
+                                        </p:attrNameLst>
+                                      </p:cBhvr>
+                                      <p:to>
+                                        <p:strVal val="visible"/>
+                                      </p:to>
+                                    </p:set>
+                                    <p:anim calcmode="lin" valueType="num">
+                                      <p:cBhvr>
+                                        <p:cTn id="19" dur="500" fill="hold"/>
+                                        <p:tgtEl>
+                                          <p:spTgt spid="9"/>
+                                        </p:tgtEl>
+                                        <p:attrNameLst>
+                                          <p:attrName>ppt_w</p:attrName>
+                                        </p:attrNameLst>
+                                      </p:cBhvr>
+                                      <p:tavLst>
+                                        <p:tav tm="0">
+                                          <p:val>
+                                            <p:fltVal val="0"/>
+                                          </p:val>
+                                        </p:tav>
+                                        <p:tav tm="100000">
+                                          <p:val>
+                                            <p:strVal val="#ppt_w"/>
+                                          </p:val>
+                                        </p:tav>
+                                      </p:tavLst>
+                                    </p:anim>
+                                    <p:anim calcmode="lin" valueType="num">
+                                      <p:cBhvr>
+                                        <p:cTn id="20" dur="500" fill="hold"/>
+                                        <p:tgtEl>
+                                          <p:spTgt spid="9"/>
+                                        </p:tgtEl>
+                                        <p:attrNameLst>
+                                          <p:attrName>ppt_h</p:attrName>
+                                        </p:attrNameLst>
+                                      </p:cBhvr>
+                                      <p:tavLst>
+                                        <p:tav tm="0">
+                                          <p:val>
+                                            <p:fltVal val="0"/>
+                                          </p:val>
+                                        </p:tav>
+                                        <p:tav tm="100000">
+                                          <p:val>
+                                            <p:strVal val="#ppt_h"/>
+                                          </p:val>
+                                        </p:tav>
+                                      </p:tavLst>
+                                    </p:anim>
+                                    <p:animEffect transition="in" filter="fade">
+                                      <p:cBhvr>
+                                        <p:cTn id="21" dur="500"/>
+                                        <p:tgtEl>
+                                          <p:spTgt spid="9"/>
+                                        </p:tgtEl>
+                                      </p:cBhvr>
+                                    </p:animEffect>
+                                  </p:childTnLst>
+                                </p:cTn>
+                              </p:par>
+                            </p:childTnLst>
+                          </p:cTn>
+                        </p:par>
+                      </p:childTnLst>
+                    </p:cTn>
+                  </p:par>
+                  <p:par>
+                    <p:cTn id="22" fill="hold">
+                      <p:stCondLst>
+                        <p:cond delay="indefinite"/>
+                      </p:stCondLst>
+                      <p:childTnLst>
+                        <p:par>
+                          <p:cTn id="23" fill="hold">
+                            <p:stCondLst>
+                              <p:cond delay="0"/>
+                            </p:stCondLst>
+                            <p:childTnLst>
+                              <p:par>
+                                <p:cTn id="24" presetID="10" presetClass="entr" presetSubtype="0" fill="hold" grpId="0" nodeType="clickEffect">
+                                  <p:stCondLst>
+                                    <p:cond delay="0"/>
+                                  </p:stCondLst>
+                                  <p:childTnLst>
+                                    <p:set>
+                                      <p:cBhvr>
+                                        <p:cTn id="25" dur="1" fill="hold">
+                                          <p:stCondLst>
+                                            <p:cond delay="0"/>
+                                          </p:stCondLst>
+                                        </p:cTn>
+                                        <p:tgtEl>
+                                          <p:spTgt spid="7"/>
+                                        </p:tgtEl>
+                                        <p:attrNameLst>
+                                          <p:attrName>style.visibility</p:attrName>
+                                        </p:attrNameLst>
+                                      </p:cBhvr>
+                                      <p:to>
+                                        <p:strVal val="visible"/>
+                                      </p:to>
+                                    </p:set>
+                                    <p:animEffect transition="in" filter="fade">
+                                      <p:cBhvr>
+                                        <p:cTn id="26" dur="500"/>
+                                        <p:tgtEl>
+                                          <p:spTgt spid="7"/>
+                                        </p:tgtEl>
+                                      </p:cBhvr>
+                                    </p:animEffect>
+                                  </p:childTnLst>
+                                </p:cTn>
+                              </p:par>
+                            </p:childTnLst>
+                          </p:cTn>
+                        </p:par>
+                      </p:childTnLst>
+                    </p:cTn>
+                  </p:par>
+                </p:childTnLst>
+              </p:cTn>
+              <p:prevCondLst>
+                <p:cond evt="onPrev" delay="0">
+                  <p:tgtEl>
+                    <p:sldTgt/>
+                  </p:tgtEl>
+                </p:cond>
+              </p:prevCondLst>
+              <p:nextCondLst>
+                <p:cond evt="onNext" delay="0">
+                  <p:tgtEl>
+                    <p:sldTgt/>
+                  </p:tgtEl>
+                </p:cond>
+              </p:nextCondLst>
+            </p:seq>
+          </p:childTnLst>
+        </p:cTn>
+      </p:par>
+    </p:tnLst>
+    <p:bldLst>
+      <p:bldP spid="4" grpId="0" build="p"/>
+      <p:bldP spid="7" grpId="0"/>
+    </p:bldLst>
+  </p:timing>
 </p:sld>
 </file>
 
 <file path=ppt/slides/slide5.xml><?xml version="1.0" encoding="utf-8"?>
+<p:sld xmlns:a="http://schemas.openxmlformats.org/drawingml/2006/main" xmlns:r="http://schemas.openxmlformats.org/officeDocument/2006/relationships" xmlns:p="http://schemas.openxmlformats.org/presentationml/2006/main">
+  <p:cSld>
+    <p:spTree>
+      <p:nvGrpSpPr>
+        <p:cNvPr id="1" name=""/>
+        <p:cNvGrpSpPr/>
+        <p:nvPr/>
+      </p:nvGrpSpPr>
+      <p:grpSpPr>
+        <a:xfrm>
+          <a:off x="0" y="0"/>
+          <a:ext cx="0" cy="0"/>
+          <a:chOff x="0" y="0"/>
+          <a:chExt cx="0" cy="0"/>
+        </a:xfrm>
+      </p:grpSpPr>
+      <p:sp>
+        <p:nvSpPr>
+          <p:cNvPr id="4" name="Content Placeholder 2"/>
+          <p:cNvSpPr>
+            <a:spLocks noGrp="1"/>
+          </p:cNvSpPr>
+          <p:nvPr>
+            <p:ph idx="1"/>
+          </p:nvPr>
+        </p:nvSpPr>
+        <p:spPr>
+          <a:xfrm>
+            <a:off x="1304580" y="1496325"/>
+            <a:ext cx="10229385" cy="747773"/>
+          </a:xfrm>
+        </p:spPr>
+        <p:txBody>
+          <a:bodyPr>
+            <a:normAutofit/>
+          </a:bodyPr>
+          <a:lstStyle/>
+          <a:p>
+            <a:pPr>
+              <a:spcBef>
+                <a:spcPts val="0"/>
+              </a:spcBef>
+              <a:spcAft>
+                <a:spcPts val="0"/>
+              </a:spcAft>
+            </a:pPr>
+            <a:r>
+              <a:rPr lang="fr-CH" dirty="0">
+                <a:solidFill>
+                  <a:schemeClr val="tx1"/>
+                </a:solidFill>
+              </a:rPr>
+              <a:t>Pour pouvoir connecter une imprimante à un PC avec un protocole universel</a:t>
+            </a:r>
+          </a:p>
+          <a:p>
+            <a:pPr>
+              <a:spcBef>
+                <a:spcPts val="0"/>
+              </a:spcBef>
+              <a:spcAft>
+                <a:spcPts val="0"/>
+              </a:spcAft>
+            </a:pPr>
+            <a:r>
+              <a:rPr lang="fr-CH" dirty="0">
+                <a:solidFill>
+                  <a:schemeClr val="tx1"/>
+                </a:solidFill>
+                <a:latin typeface="Century Gothic (Headings)"/>
+                <a:ea typeface="Calibri" panose="020F0502020204030204" pitchFamily="34" charset="0"/>
+                <a:cs typeface="Arial" panose="020B0604020202020204" pitchFamily="34" charset="0"/>
+              </a:rPr>
+              <a:t>Il </a:t>
+            </a:r>
+            <a:r>
+              <a:rPr lang="fr-CH" dirty="0">
+                <a:solidFill>
+                  <a:schemeClr val="tx1"/>
+                </a:solidFill>
+                <a:ea typeface="Calibri" panose="020F0502020204030204" pitchFamily="34" charset="0"/>
+                <a:cs typeface="Arial" panose="020B0604020202020204" pitchFamily="34" charset="0"/>
+              </a:rPr>
+              <a:t>n’existait</a:t>
+            </a:r>
+            <a:r>
+              <a:rPr lang="fr-CH" dirty="0">
+                <a:solidFill>
+                  <a:schemeClr val="tx1"/>
+                </a:solidFill>
+                <a:latin typeface="Century Gothic (Headings)"/>
+                <a:ea typeface="Calibri" panose="020F0502020204030204" pitchFamily="34" charset="0"/>
+                <a:cs typeface="Arial" panose="020B0604020202020204" pitchFamily="34" charset="0"/>
+              </a:rPr>
+              <a:t> aucun protocole universel à cette époque</a:t>
+            </a:r>
+            <a:endParaRPr lang="fr-CH" dirty="0">
+              <a:solidFill>
+                <a:schemeClr val="tx1"/>
+              </a:solidFill>
+              <a:latin typeface="Century Gothic (Headings)"/>
+            </a:endParaRPr>
+          </a:p>
+        </p:txBody>
+      </p:sp>
+      <p:sp>
+        <p:nvSpPr>
+          <p:cNvPr id="5" name="Title 1"/>
+          <p:cNvSpPr>
+            <a:spLocks noGrp="1"/>
+          </p:cNvSpPr>
+          <p:nvPr>
+            <p:ph type="title"/>
+          </p:nvPr>
+        </p:nvSpPr>
+        <p:spPr>
+          <a:xfrm>
+            <a:off x="0" y="0"/>
+            <a:ext cx="2222339" cy="510199"/>
+          </a:xfrm>
+        </p:spPr>
+        <p:txBody>
+          <a:bodyPr numCol="1">
+            <a:noAutofit/>
+          </a:bodyPr>
+          <a:lstStyle/>
+          <a:p>
+            <a:pPr algn="ctr"/>
+            <a:r>
+              <a:rPr lang="fr-CH" sz="2800" dirty="0"/>
+              <a:t>Historique</a:t>
+            </a:r>
+          </a:p>
+        </p:txBody>
+      </p:sp>
+      <p:sp>
+        <p:nvSpPr>
+          <p:cNvPr id="11" name="ZoneTexte 10">
+            <a:extLst>
+              <a:ext uri="{FF2B5EF4-FFF2-40B4-BE49-F238E27FC236}">
+                <a16:creationId xmlns:a16="http://schemas.microsoft.com/office/drawing/2014/main" id="{7785E246-28F5-4FEA-A6C4-269F51F6041C}"/>
+              </a:ext>
+            </a:extLst>
+          </p:cNvPr>
+          <p:cNvSpPr txBox="1"/>
+          <p:nvPr/>
+        </p:nvSpPr>
+        <p:spPr>
+          <a:xfrm>
+            <a:off x="923636" y="701964"/>
+            <a:ext cx="2844800" cy="461665"/>
+          </a:xfrm>
+          <a:prstGeom prst="rect">
+            <a:avLst/>
+          </a:prstGeom>
+          <a:noFill/>
+        </p:spPr>
+        <p:txBody>
+          <a:bodyPr wrap="square" rtlCol="0">
+            <a:spAutoFit/>
+          </a:bodyPr>
+          <a:lstStyle/>
+          <a:p>
+            <a:pPr marL="0" marR="0" lvl="0" indent="0" algn="l" defTabSz="914400" rtl="0" eaLnBrk="1" fontAlgn="auto" latinLnBrk="0" hangingPunct="1">
+              <a:lnSpc>
+                <a:spcPct val="100000"/>
+              </a:lnSpc>
+              <a:spcBef>
+                <a:spcPts val="0"/>
+              </a:spcBef>
+              <a:spcAft>
+                <a:spcPts val="0"/>
+              </a:spcAft>
+              <a:buClrTx/>
+              <a:buSzTx/>
+              <a:buFontTx/>
+              <a:buNone/>
+              <a:tabLst/>
+              <a:defRPr/>
+            </a:pPr>
+            <a:r>
+              <a:rPr kumimoji="0" lang="fr-CH" sz="2400" b="0" i="0" u="sng" strike="noStrike" kern="1200" cap="none" spc="0" normalizeH="0" baseline="0" noProof="0" dirty="0">
+                <a:ln>
+                  <a:noFill/>
+                </a:ln>
+                <a:solidFill>
+                  <a:prstClr val="white"/>
+                </a:solidFill>
+                <a:effectLst/>
+                <a:uLnTx/>
+                <a:uFillTx/>
+                <a:latin typeface="+mj-lt"/>
+                <a:ea typeface="+mn-ea"/>
+                <a:cs typeface="+mn-cs"/>
+              </a:rPr>
+              <a:t>Pourquoi</a:t>
+            </a:r>
+            <a:r>
+              <a:rPr kumimoji="0" lang="fr-CH" sz="2400" b="0" i="0" u="sng" strike="noStrike" kern="1200" cap="none" spc="0" normalizeH="0" baseline="0" noProof="0" dirty="0">
+                <a:ln>
+                  <a:noFill/>
+                </a:ln>
+                <a:solidFill>
+                  <a:prstClr val="white"/>
+                </a:solidFill>
+                <a:effectLst/>
+                <a:uLnTx/>
+                <a:uFillTx/>
+                <a:latin typeface="Century Gothic" panose="020B0502020202020204"/>
+                <a:ea typeface="+mn-ea"/>
+                <a:cs typeface="+mn-cs"/>
+              </a:rPr>
+              <a:t> ?</a:t>
+            </a:r>
+          </a:p>
+        </p:txBody>
+      </p:sp>
+      <p:sp>
+        <p:nvSpPr>
+          <p:cNvPr id="14" name="ZoneTexte 13">
+            <a:extLst>
+              <a:ext uri="{FF2B5EF4-FFF2-40B4-BE49-F238E27FC236}">
+                <a16:creationId xmlns:a16="http://schemas.microsoft.com/office/drawing/2014/main" id="{62641573-ED7D-433D-81BF-0492492F1156}"/>
+              </a:ext>
+            </a:extLst>
+          </p:cNvPr>
+          <p:cNvSpPr txBox="1"/>
+          <p:nvPr/>
+        </p:nvSpPr>
+        <p:spPr>
+          <a:xfrm>
+            <a:off x="923636" y="3198167"/>
+            <a:ext cx="5172364" cy="461665"/>
+          </a:xfrm>
+          <a:prstGeom prst="rect">
+            <a:avLst/>
+          </a:prstGeom>
+          <a:noFill/>
+        </p:spPr>
+        <p:txBody>
+          <a:bodyPr wrap="square" rtlCol="0">
+            <a:spAutoFit/>
+          </a:bodyPr>
+          <a:lstStyle/>
+          <a:p>
+            <a:pPr marL="0" marR="0" lvl="0" indent="0" algn="l" defTabSz="914400" rtl="0" eaLnBrk="1" fontAlgn="auto" latinLnBrk="0" hangingPunct="1">
+              <a:lnSpc>
+                <a:spcPct val="100000"/>
+              </a:lnSpc>
+              <a:spcBef>
+                <a:spcPts val="0"/>
+              </a:spcBef>
+              <a:spcAft>
+                <a:spcPts val="0"/>
+              </a:spcAft>
+              <a:buClrTx/>
+              <a:buSzTx/>
+              <a:buFontTx/>
+              <a:buNone/>
+              <a:tabLst/>
+              <a:defRPr/>
+            </a:pPr>
+            <a:r>
+              <a:rPr kumimoji="0" lang="fr-CH" sz="2400" b="0" i="0" u="sng" strike="noStrike" kern="1200" cap="none" spc="0" normalizeH="0" baseline="0" noProof="0" dirty="0">
+                <a:ln>
+                  <a:noFill/>
+                </a:ln>
+                <a:solidFill>
+                  <a:prstClr val="white"/>
+                </a:solidFill>
+                <a:effectLst/>
+                <a:uLnTx/>
+                <a:uFillTx/>
+                <a:latin typeface="Century Gothic" panose="020B0502020202020204"/>
+                <a:ea typeface="+mn-ea"/>
+                <a:cs typeface="+mn-cs"/>
+              </a:rPr>
+              <a:t>Les avancée </a:t>
+            </a:r>
+            <a:r>
+              <a:rPr kumimoji="0" lang="fr-CH" sz="2400" b="0" i="0" u="sng" strike="noStrike" kern="1200" cap="none" spc="0" normalizeH="0" baseline="0" noProof="0" dirty="0">
+                <a:ln>
+                  <a:noFill/>
+                </a:ln>
+                <a:solidFill>
+                  <a:prstClr val="white"/>
+                </a:solidFill>
+                <a:effectLst/>
+                <a:uLnTx/>
+                <a:uFillTx/>
+                <a:latin typeface="+mj-lt"/>
+                <a:ea typeface="+mn-ea"/>
+                <a:cs typeface="+mn-cs"/>
+              </a:rPr>
+              <a:t>depuis</a:t>
+            </a:r>
+            <a:r>
+              <a:rPr kumimoji="0" lang="fr-CH" sz="2400" b="0" i="0" u="sng" strike="noStrike" kern="1200" cap="none" spc="0" normalizeH="0" baseline="0" noProof="0" dirty="0">
+                <a:ln>
+                  <a:noFill/>
+                </a:ln>
+                <a:solidFill>
+                  <a:prstClr val="white"/>
+                </a:solidFill>
+                <a:effectLst/>
+                <a:uLnTx/>
+                <a:uFillTx/>
+                <a:latin typeface="Century Gothic" panose="020B0502020202020204"/>
+                <a:ea typeface="+mn-ea"/>
+                <a:cs typeface="+mn-cs"/>
+              </a:rPr>
+              <a:t> sa création :</a:t>
+            </a:r>
+          </a:p>
+        </p:txBody>
+      </p:sp>
+      <p:sp>
+        <p:nvSpPr>
+          <p:cNvPr id="15" name="Content Placeholder 2">
+            <a:extLst>
+              <a:ext uri="{FF2B5EF4-FFF2-40B4-BE49-F238E27FC236}">
+                <a16:creationId xmlns:a16="http://schemas.microsoft.com/office/drawing/2014/main" id="{714B2A4D-02FA-44D2-923C-DD9509380C18}"/>
+              </a:ext>
+            </a:extLst>
+          </p:cNvPr>
+          <p:cNvSpPr txBox="1">
+            <a:spLocks/>
+          </p:cNvSpPr>
+          <p:nvPr/>
+        </p:nvSpPr>
+        <p:spPr>
+          <a:xfrm>
+            <a:off x="1304580" y="3992528"/>
+            <a:ext cx="10229385" cy="747773"/>
+          </a:xfrm>
+          <a:prstGeom prst="rect">
+            <a:avLst/>
+          </a:prstGeom>
+        </p:spPr>
+        <p:txBody>
+          <a:bodyPr vert="horz" lIns="91440" tIns="45720" rIns="91440" bIns="45720" rtlCol="0" anchor="ctr">
+            <a:normAutofit/>
+          </a:bodyPr>
+          <a:lstStyle>
+            <a:lvl1pPr marL="285750" indent="-285750" algn="l" defTabSz="457200" rtl="0" eaLnBrk="1" latinLnBrk="0" hangingPunct="1">
+              <a:spcBef>
+                <a:spcPct val="20000"/>
+              </a:spcBef>
+              <a:spcAft>
+                <a:spcPts val="600"/>
+              </a:spcAft>
+              <a:buClr>
+                <a:schemeClr val="tx1"/>
+              </a:buClr>
+              <a:buSzPct val="80000"/>
+              <a:buFont typeface="Wingdings 3" panose="05040102010807070707" pitchFamily="18" charset="2"/>
+              <a:buChar char=""/>
+              <a:defRPr sz="2000" kern="1200" cap="none">
+                <a:solidFill>
+                  <a:schemeClr val="bg2">
+                    <a:lumMod val="75000"/>
+                  </a:schemeClr>
+                </a:solidFill>
+                <a:effectLst/>
+                <a:latin typeface="+mn-lt"/>
+                <a:ea typeface="+mn-ea"/>
+                <a:cs typeface="+mn-cs"/>
+              </a:defRPr>
+            </a:lvl1pPr>
+            <a:lvl2pPr marL="742950" indent="-285750" algn="l" defTabSz="457200" rtl="0" eaLnBrk="1" latinLnBrk="0" hangingPunct="1">
+              <a:spcBef>
+                <a:spcPct val="20000"/>
+              </a:spcBef>
+              <a:spcAft>
+                <a:spcPts val="600"/>
+              </a:spcAft>
+              <a:buClr>
+                <a:schemeClr val="tx1"/>
+              </a:buClr>
+              <a:buSzPct val="80000"/>
+              <a:buFont typeface="Wingdings 3" panose="05040102010807070707" pitchFamily="18" charset="2"/>
+              <a:buChar char=""/>
+              <a:defRPr sz="1800" kern="1200" cap="none">
+                <a:solidFill>
+                  <a:schemeClr val="bg2">
+                    <a:lumMod val="75000"/>
+                  </a:schemeClr>
+                </a:solidFill>
+                <a:effectLst/>
+                <a:latin typeface="+mn-lt"/>
+                <a:ea typeface="+mn-ea"/>
+                <a:cs typeface="+mn-cs"/>
+              </a:defRPr>
+            </a:lvl2pPr>
+            <a:lvl3pPr marL="1200150" indent="-285750" algn="l" defTabSz="457200" rtl="0" eaLnBrk="1" latinLnBrk="0" hangingPunct="1">
+              <a:spcBef>
+                <a:spcPct val="20000"/>
+              </a:spcBef>
+              <a:spcAft>
+                <a:spcPts val="600"/>
+              </a:spcAft>
+              <a:buClr>
+                <a:schemeClr val="tx1"/>
+              </a:buClr>
+              <a:buSzPct val="80000"/>
+              <a:buFont typeface="Wingdings 3" panose="05040102010807070707" pitchFamily="18" charset="2"/>
+              <a:buChar char=""/>
+              <a:defRPr sz="1600" kern="1200" cap="none">
+                <a:solidFill>
+                  <a:schemeClr val="bg2">
+                    <a:lumMod val="75000"/>
+                  </a:schemeClr>
+                </a:solidFill>
+                <a:effectLst/>
+                <a:latin typeface="+mn-lt"/>
+                <a:ea typeface="+mn-ea"/>
+                <a:cs typeface="+mn-cs"/>
+              </a:defRPr>
+            </a:lvl3pPr>
+            <a:lvl4pPr marL="1543050" indent="-171450" algn="l" defTabSz="457200" rtl="0" eaLnBrk="1" latinLnBrk="0" hangingPunct="1">
+              <a:spcBef>
+                <a:spcPct val="20000"/>
+              </a:spcBef>
+              <a:spcAft>
+                <a:spcPts val="600"/>
+              </a:spcAft>
+              <a:buClr>
+                <a:schemeClr val="tx1"/>
+              </a:buClr>
+              <a:buSzPct val="80000"/>
+              <a:buFont typeface="Wingdings 3" panose="05040102010807070707" pitchFamily="18" charset="2"/>
+              <a:buChar char=""/>
+              <a:defRPr sz="1400" kern="1200" cap="none">
+                <a:solidFill>
+                  <a:schemeClr val="bg2">
+                    <a:lumMod val="75000"/>
+                  </a:schemeClr>
+                </a:solidFill>
+                <a:effectLst/>
+                <a:latin typeface="+mn-lt"/>
+                <a:ea typeface="+mn-ea"/>
+                <a:cs typeface="+mn-cs"/>
+              </a:defRPr>
+            </a:lvl4pPr>
+            <a:lvl5pPr marL="2000250" indent="-171450" algn="l" defTabSz="457200" rtl="0" eaLnBrk="1" latinLnBrk="0" hangingPunct="1">
+              <a:spcBef>
+                <a:spcPct val="20000"/>
+              </a:spcBef>
+              <a:spcAft>
+                <a:spcPts val="600"/>
+              </a:spcAft>
+              <a:buClr>
+                <a:schemeClr val="tx1"/>
+              </a:buClr>
+              <a:buSzPct val="80000"/>
+              <a:buFont typeface="Wingdings 3" panose="05040102010807070707" pitchFamily="18" charset="2"/>
+              <a:buChar char=""/>
+              <a:defRPr sz="1400" kern="1200" cap="none">
+                <a:solidFill>
+                  <a:schemeClr val="bg2">
+                    <a:lumMod val="75000"/>
+                  </a:schemeClr>
+                </a:solidFill>
+                <a:effectLst/>
+                <a:latin typeface="+mn-lt"/>
+                <a:ea typeface="+mn-ea"/>
+                <a:cs typeface="+mn-cs"/>
+              </a:defRPr>
+            </a:lvl5pPr>
+            <a:lvl6pPr marL="2514600" indent="-228600" algn="l" defTabSz="457200" rtl="0" eaLnBrk="1" latinLnBrk="0" hangingPunct="1">
+              <a:spcBef>
+                <a:spcPct val="20000"/>
+              </a:spcBef>
+              <a:spcAft>
+                <a:spcPts val="600"/>
+              </a:spcAft>
+              <a:buClr>
+                <a:schemeClr val="tx1"/>
+              </a:buClr>
+              <a:buSzPct val="80000"/>
+              <a:buFont typeface="Wingdings 3" panose="05040102010807070707" pitchFamily="18" charset="2"/>
+              <a:buChar char=""/>
+              <a:defRPr sz="1400" kern="1200" cap="none">
+                <a:solidFill>
+                  <a:schemeClr val="bg2">
+                    <a:lumMod val="75000"/>
+                  </a:schemeClr>
+                </a:solidFill>
+                <a:effectLst/>
+                <a:latin typeface="+mn-lt"/>
+                <a:ea typeface="+mn-ea"/>
+                <a:cs typeface="+mn-cs"/>
+              </a:defRPr>
+            </a:lvl6pPr>
+            <a:lvl7pPr marL="2971800" indent="-228600" algn="l" defTabSz="457200" rtl="0" eaLnBrk="1" latinLnBrk="0" hangingPunct="1">
+              <a:spcBef>
+                <a:spcPct val="20000"/>
+              </a:spcBef>
+              <a:spcAft>
+                <a:spcPts val="600"/>
+              </a:spcAft>
+              <a:buClr>
+                <a:schemeClr val="tx1"/>
+              </a:buClr>
+              <a:buSzPct val="80000"/>
+              <a:buFont typeface="Wingdings 3" panose="05040102010807070707" pitchFamily="18" charset="2"/>
+              <a:buChar char=""/>
+              <a:defRPr sz="1400" kern="1200" cap="none">
+                <a:solidFill>
+                  <a:schemeClr val="bg2">
+                    <a:lumMod val="75000"/>
+                  </a:schemeClr>
+                </a:solidFill>
+                <a:effectLst/>
+                <a:latin typeface="+mn-lt"/>
+                <a:ea typeface="+mn-ea"/>
+                <a:cs typeface="+mn-cs"/>
+              </a:defRPr>
+            </a:lvl7pPr>
+            <a:lvl8pPr marL="3429000" indent="-228600" algn="l" defTabSz="457200" rtl="0" eaLnBrk="1" latinLnBrk="0" hangingPunct="1">
+              <a:spcBef>
+                <a:spcPct val="20000"/>
+              </a:spcBef>
+              <a:spcAft>
+                <a:spcPts val="600"/>
+              </a:spcAft>
+              <a:buClr>
+                <a:schemeClr val="tx1"/>
+              </a:buClr>
+              <a:buSzPct val="80000"/>
+              <a:buFont typeface="Wingdings 3" panose="05040102010807070707" pitchFamily="18" charset="2"/>
+              <a:buChar char=""/>
+              <a:defRPr sz="1400" kern="1200" cap="none">
+                <a:solidFill>
+                  <a:schemeClr val="bg2">
+                    <a:lumMod val="75000"/>
+                  </a:schemeClr>
+                </a:solidFill>
+                <a:effectLst/>
+                <a:latin typeface="+mn-lt"/>
+                <a:ea typeface="+mn-ea"/>
+                <a:cs typeface="+mn-cs"/>
+              </a:defRPr>
+            </a:lvl8pPr>
+            <a:lvl9pPr marL="3886200" indent="-228600" algn="l" defTabSz="457200" rtl="0" eaLnBrk="1" latinLnBrk="0" hangingPunct="1">
+              <a:spcBef>
+                <a:spcPct val="20000"/>
+              </a:spcBef>
+              <a:spcAft>
+                <a:spcPts val="600"/>
+              </a:spcAft>
+              <a:buClr>
+                <a:schemeClr val="tx1"/>
+              </a:buClr>
+              <a:buSzPct val="80000"/>
+              <a:buFont typeface="Wingdings 3" panose="05040102010807070707" pitchFamily="18" charset="2"/>
+              <a:buChar char=""/>
+              <a:defRPr sz="1400" kern="1200" cap="none">
+                <a:solidFill>
+                  <a:schemeClr val="bg2">
+                    <a:lumMod val="75000"/>
+                  </a:schemeClr>
+                </a:solidFill>
+                <a:effectLst/>
+                <a:latin typeface="+mn-lt"/>
+                <a:ea typeface="+mn-ea"/>
+                <a:cs typeface="+mn-cs"/>
+              </a:defRPr>
+            </a:lvl9pPr>
+          </a:lstStyle>
+          <a:p>
+            <a:pPr>
+              <a:spcBef>
+                <a:spcPts val="0"/>
+              </a:spcBef>
+              <a:spcAft>
+                <a:spcPts val="0"/>
+              </a:spcAft>
+            </a:pPr>
+            <a:r>
+              <a:rPr lang="fr-CH" dirty="0">
+                <a:solidFill>
+                  <a:schemeClr val="tx1"/>
+                </a:solidFill>
+              </a:rPr>
+              <a:t>Nouvelle catégorie de câble</a:t>
+            </a:r>
+          </a:p>
+          <a:p>
+            <a:pPr>
+              <a:spcBef>
+                <a:spcPts val="0"/>
+              </a:spcBef>
+              <a:spcAft>
+                <a:spcPts val="0"/>
+              </a:spcAft>
+            </a:pPr>
+            <a:r>
+              <a:rPr lang="fr-CH" dirty="0">
+                <a:solidFill>
+                  <a:schemeClr val="tx1"/>
+                </a:solidFill>
+              </a:rPr>
+              <a:t>Nouvelle norme (</a:t>
+            </a:r>
+            <a:r>
+              <a:rPr lang="it-IT" dirty="0">
+                <a:solidFill>
+                  <a:schemeClr val="tx1"/>
+                </a:solidFill>
+              </a:rPr>
+              <a:t>IEEE 802.3 et TIA/EIA-568</a:t>
+            </a:r>
+            <a:r>
+              <a:rPr lang="fr-CH" dirty="0">
+                <a:solidFill>
+                  <a:schemeClr val="tx1"/>
+                </a:solidFill>
+              </a:rPr>
+              <a:t> )</a:t>
+            </a:r>
+          </a:p>
+        </p:txBody>
+      </p:sp>
+    </p:spTree>
+    <p:extLst>
+      <p:ext uri="{BB962C8B-B14F-4D97-AF65-F5344CB8AC3E}">
+        <p14:creationId xmlns:p14="http://schemas.microsoft.com/office/powerpoint/2010/main" val="1670583051"/>
+      </p:ext>
+    </p:extLst>
+  </p:cSld>
+  <p:clrMapOvr>
+    <a:masterClrMapping/>
+  </p:clrMapOvr>
+  <p:timing>
+    <p:tnLst>
+      <p:par>
+        <p:cTn id="1" dur="indefinite" restart="never" nodeType="tmRoot">
+          <p:childTnLst>
+            <p:seq concurrent="1" nextAc="seek">
+              <p:cTn id="2" dur="indefinite" nodeType="mainSeq">
+                <p:childTnLst>
+                  <p:par>
+                    <p:cTn id="3" fill="hold">
+                      <p:stCondLst>
+                        <p:cond delay="indefinite"/>
+                      </p:stCondLst>
+                      <p:childTnLst>
+                        <p:par>
+                          <p:cTn id="4" fill="hold">
+                            <p:stCondLst>
+                              <p:cond delay="0"/>
+                            </p:stCondLst>
+                            <p:childTnLst>
+                              <p:par>
+                                <p:cTn id="5" presetID="10" presetClass="entr" presetSubtype="0" fill="hold" grpId="0" nodeType="clickEffect">
+                                  <p:stCondLst>
+                                    <p:cond delay="0"/>
+                                  </p:stCondLst>
+                                  <p:childTnLst>
+                                    <p:set>
+                                      <p:cBhvr>
+                                        <p:cTn id="6" dur="1" fill="hold">
+                                          <p:stCondLst>
+                                            <p:cond delay="0"/>
+                                          </p:stCondLst>
+                                        </p:cTn>
+                                        <p:tgtEl>
+                                          <p:spTgt spid="4">
+                                            <p:txEl>
+                                              <p:pRg st="0" end="0"/>
+                                            </p:txEl>
+                                          </p:spTgt>
+                                        </p:tgtEl>
+                                        <p:attrNameLst>
+                                          <p:attrName>style.visibility</p:attrName>
+                                        </p:attrNameLst>
+                                      </p:cBhvr>
+                                      <p:to>
+                                        <p:strVal val="visible"/>
+                                      </p:to>
+                                    </p:set>
+                                    <p:animEffect transition="in" filter="fade">
+                                      <p:cBhvr>
+                                        <p:cTn id="7" dur="500"/>
+                                        <p:tgtEl>
+                                          <p:spTgt spid="4">
+                                            <p:txEl>
+                                              <p:pRg st="0" end="0"/>
+                                            </p:txEl>
+                                          </p:spTgt>
+                                        </p:tgtEl>
+                                      </p:cBhvr>
+                                    </p:animEffect>
+                                  </p:childTnLst>
+                                </p:cTn>
+                              </p:par>
+                            </p:childTnLst>
+                          </p:cTn>
+                        </p:par>
+                      </p:childTnLst>
+                    </p:cTn>
+                  </p:par>
+                  <p:par>
+                    <p:cTn id="8" fill="hold">
+                      <p:stCondLst>
+                        <p:cond delay="indefinite"/>
+                      </p:stCondLst>
+                      <p:childTnLst>
+                        <p:par>
+                          <p:cTn id="9" fill="hold">
+                            <p:stCondLst>
+                              <p:cond delay="0"/>
+                            </p:stCondLst>
+                            <p:childTnLst>
+                              <p:par>
+                                <p:cTn id="10" presetID="10" presetClass="entr" presetSubtype="0" fill="hold" grpId="0" nodeType="clickEffect">
+                                  <p:stCondLst>
+                                    <p:cond delay="0"/>
+                                  </p:stCondLst>
+                                  <p:childTnLst>
+                                    <p:set>
+                                      <p:cBhvr>
+                                        <p:cTn id="11" dur="1" fill="hold">
+                                          <p:stCondLst>
+                                            <p:cond delay="0"/>
+                                          </p:stCondLst>
+                                        </p:cTn>
+                                        <p:tgtEl>
+                                          <p:spTgt spid="4">
+                                            <p:txEl>
+                                              <p:pRg st="1" end="1"/>
+                                            </p:txEl>
+                                          </p:spTgt>
+                                        </p:tgtEl>
+                                        <p:attrNameLst>
+                                          <p:attrName>style.visibility</p:attrName>
+                                        </p:attrNameLst>
+                                      </p:cBhvr>
+                                      <p:to>
+                                        <p:strVal val="visible"/>
+                                      </p:to>
+                                    </p:set>
+                                    <p:animEffect transition="in" filter="fade">
+                                      <p:cBhvr>
+                                        <p:cTn id="12" dur="500"/>
+                                        <p:tgtEl>
+                                          <p:spTgt spid="4">
+                                            <p:txEl>
+                                              <p:pRg st="1" end="1"/>
+                                            </p:txEl>
+                                          </p:spTgt>
+                                        </p:tgtEl>
+                                      </p:cBhvr>
+                                    </p:animEffect>
+                                  </p:childTnLst>
+                                </p:cTn>
+                              </p:par>
+                            </p:childTnLst>
+                          </p:cTn>
+                        </p:par>
+                      </p:childTnLst>
+                    </p:cTn>
+                  </p:par>
+                  <p:par>
+                    <p:cTn id="13" fill="hold">
+                      <p:stCondLst>
+                        <p:cond delay="indefinite"/>
+                      </p:stCondLst>
+                      <p:childTnLst>
+                        <p:par>
+                          <p:cTn id="14" fill="hold">
+                            <p:stCondLst>
+                              <p:cond delay="0"/>
+                            </p:stCondLst>
+                            <p:childTnLst>
+                              <p:par>
+                                <p:cTn id="15" presetID="10" presetClass="entr" presetSubtype="0" fill="hold" grpId="0" nodeType="clickEffect">
+                                  <p:stCondLst>
+                                    <p:cond delay="0"/>
+                                  </p:stCondLst>
+                                  <p:childTnLst>
+                                    <p:set>
+                                      <p:cBhvr>
+                                        <p:cTn id="16" dur="1" fill="hold">
+                                          <p:stCondLst>
+                                            <p:cond delay="0"/>
+                                          </p:stCondLst>
+                                        </p:cTn>
+                                        <p:tgtEl>
+                                          <p:spTgt spid="14"/>
+                                        </p:tgtEl>
+                                        <p:attrNameLst>
+                                          <p:attrName>style.visibility</p:attrName>
+                                        </p:attrNameLst>
+                                      </p:cBhvr>
+                                      <p:to>
+                                        <p:strVal val="visible"/>
+                                      </p:to>
+                                    </p:set>
+                                    <p:animEffect transition="in" filter="fade">
+                                      <p:cBhvr>
+                                        <p:cTn id="17" dur="500"/>
+                                        <p:tgtEl>
+                                          <p:spTgt spid="14"/>
+                                        </p:tgtEl>
+                                      </p:cBhvr>
+                                    </p:animEffect>
+                                  </p:childTnLst>
+                                </p:cTn>
+                              </p:par>
+                            </p:childTnLst>
+                          </p:cTn>
+                        </p:par>
+                      </p:childTnLst>
+                    </p:cTn>
+                  </p:par>
+                  <p:par>
+                    <p:cTn id="18" fill="hold">
+                      <p:stCondLst>
+                        <p:cond delay="indefinite"/>
+                      </p:stCondLst>
+                      <p:childTnLst>
+                        <p:par>
+                          <p:cTn id="19" fill="hold">
+                            <p:stCondLst>
+                              <p:cond delay="0"/>
+                            </p:stCondLst>
+                            <p:childTnLst>
+                              <p:par>
+                                <p:cTn id="20" presetID="10" presetClass="entr" presetSubtype="0" fill="hold" grpId="0" nodeType="clickEffect">
+                                  <p:stCondLst>
+                                    <p:cond delay="0"/>
+                                  </p:stCondLst>
+                                  <p:childTnLst>
+                                    <p:set>
+                                      <p:cBhvr>
+                                        <p:cTn id="21" dur="1" fill="hold">
+                                          <p:stCondLst>
+                                            <p:cond delay="0"/>
+                                          </p:stCondLst>
+                                        </p:cTn>
+                                        <p:tgtEl>
+                                          <p:spTgt spid="15"/>
+                                        </p:tgtEl>
+                                        <p:attrNameLst>
+                                          <p:attrName>style.visibility</p:attrName>
+                                        </p:attrNameLst>
+                                      </p:cBhvr>
+                                      <p:to>
+                                        <p:strVal val="visible"/>
+                                      </p:to>
+                                    </p:set>
+                                    <p:animEffect transition="in" filter="fade">
+                                      <p:cBhvr>
+                                        <p:cTn id="22" dur="500"/>
+                                        <p:tgtEl>
+                                          <p:spTgt spid="15"/>
+                                        </p:tgtEl>
+                                      </p:cBhvr>
+                                    </p:animEffect>
+                                  </p:childTnLst>
+                                </p:cTn>
+                              </p:par>
+                            </p:childTnLst>
+                          </p:cTn>
+                        </p:par>
+                      </p:childTnLst>
+                    </p:cTn>
+                  </p:par>
+                </p:childTnLst>
+              </p:cTn>
+              <p:prevCondLst>
+                <p:cond evt="onPrev" delay="0">
+                  <p:tgtEl>
+                    <p:sldTgt/>
+                  </p:tgtEl>
+                </p:cond>
+              </p:prevCondLst>
+              <p:nextCondLst>
+                <p:cond evt="onNext" delay="0">
+                  <p:tgtEl>
+                    <p:sldTgt/>
+                  </p:tgtEl>
+                </p:cond>
+              </p:nextCondLst>
+            </p:seq>
+          </p:childTnLst>
+        </p:cTn>
+      </p:par>
+    </p:tnLst>
+    <p:bldLst>
+      <p:bldP spid="4" grpId="0" uiExpand="1" build="p"/>
+      <p:bldP spid="14" grpId="0"/>
+      <p:bldP spid="15" grpId="0"/>
+    </p:bldLst>
+  </p:timing>
+</p:sld>
+</file>
+
+<file path=ppt/slides/slide6.xml><?xml version="1.0" encoding="utf-8"?>
 <p:sld xmlns:a="http://schemas.openxmlformats.org/drawingml/2006/main" xmlns:r="http://schemas.openxmlformats.org/officeDocument/2006/relationships" xmlns:p="http://schemas.openxmlformats.org/presentationml/2006/main">
   <p:cSld>
     <p:spTree>
@@ -15934,7 +17753,7 @@
 </p:sld>
 </file>
 
-<file path=ppt/slides/slide6.xml><?xml version="1.0" encoding="utf-8"?>
+<file path=ppt/slides/slide7.xml><?xml version="1.0" encoding="utf-8"?>
 <p:sld xmlns:a="http://schemas.openxmlformats.org/drawingml/2006/main" xmlns:r="http://schemas.openxmlformats.org/officeDocument/2006/relationships" xmlns:p="http://schemas.openxmlformats.org/presentationml/2006/main">
   <p:cSld>
     <p:spTree>
@@ -17032,7 +18851,7 @@
 </p:sld>
 </file>
 
-<file path=ppt/slides/slide7.xml><?xml version="1.0" encoding="utf-8"?>
+<file path=ppt/slides/slide8.xml><?xml version="1.0" encoding="utf-8"?>
 <p:sld xmlns:a="http://schemas.openxmlformats.org/drawingml/2006/main" xmlns:r="http://schemas.openxmlformats.org/officeDocument/2006/relationships" xmlns:p="http://schemas.openxmlformats.org/presentationml/2006/main">
   <p:cSld>
     <p:spTree>
@@ -17914,7 +19733,7 @@
 </p:sld>
 </file>
 
-<file path=ppt/slides/slide8.xml><?xml version="1.0" encoding="utf-8"?>
+<file path=ppt/slides/slide9.xml><?xml version="1.0" encoding="utf-8"?>
 <p:sld xmlns:a="http://schemas.openxmlformats.org/drawingml/2006/main" xmlns:r="http://schemas.openxmlformats.org/officeDocument/2006/relationships" xmlns:p="http://schemas.openxmlformats.org/presentationml/2006/main">
   <p:cSld>
     <p:spTree>
@@ -18478,351 +20297,6 @@
 </p:sld>
 </file>
 
-<file path=ppt/slides/slide9.xml><?xml version="1.0" encoding="utf-8"?>
-<p:sld xmlns:a="http://schemas.openxmlformats.org/drawingml/2006/main" xmlns:r="http://schemas.openxmlformats.org/officeDocument/2006/relationships" xmlns:p="http://schemas.openxmlformats.org/presentationml/2006/main">
-  <p:cSld>
-    <p:spTree>
-      <p:nvGrpSpPr>
-        <p:cNvPr id="1" name=""/>
-        <p:cNvGrpSpPr/>
-        <p:nvPr/>
-      </p:nvGrpSpPr>
-      <p:grpSpPr>
-        <a:xfrm>
-          <a:off x="0" y="0"/>
-          <a:ext cx="0" cy="0"/>
-          <a:chOff x="0" y="0"/>
-          <a:chExt cx="0" cy="0"/>
-        </a:xfrm>
-      </p:grpSpPr>
-      <p:sp>
-        <p:nvSpPr>
-          <p:cNvPr id="6" name="Rectangle 1"/>
-          <p:cNvSpPr>
-            <a:spLocks noChangeArrowheads="1"/>
-          </p:cNvSpPr>
-          <p:nvPr/>
-        </p:nvSpPr>
-        <p:spPr bwMode="auto">
-          <a:xfrm>
-            <a:off x="574431" y="1399530"/>
-            <a:ext cx="3575018" cy="610415"/>
-          </a:xfrm>
-          <a:prstGeom prst="rect">
-            <a:avLst/>
-          </a:prstGeom>
-          <a:noFill/>
-          <a:ln>
-            <a:noFill/>
-          </a:ln>
-          <a:effectLst/>
-          <a:extLst>
-            <a:ext uri="{909E8E84-426E-40DD-AFC4-6F175D3DCCD1}">
-              <a14:hiddenFill xmlns:a14="http://schemas.microsoft.com/office/drawing/2010/main">
-                <a:solidFill>
-                  <a:schemeClr val="accent1"/>
-                </a:solidFill>
-              </a14:hiddenFill>
-            </a:ext>
-            <a:ext uri="{91240B29-F687-4F45-9708-019B960494DF}">
-              <a14:hiddenLine xmlns:a14="http://schemas.microsoft.com/office/drawing/2010/main" w="9525">
-                <a:solidFill>
-                  <a:schemeClr val="tx1"/>
-                </a:solidFill>
-                <a:miter lim="800000"/>
-                <a:headEnd/>
-                <a:tailEnd/>
-              </a14:hiddenLine>
-            </a:ext>
-            <a:ext uri="{AF507438-7753-43E0-B8FC-AC1667EBCBE1}">
-              <a14:hiddenEffects xmlns:a14="http://schemas.microsoft.com/office/drawing/2010/main">
-                <a:effectLst>
-                  <a:outerShdw dist="35921" dir="2700000" algn="ctr" rotWithShape="0">
-                    <a:schemeClr val="bg2"/>
-                  </a:outerShdw>
-                </a:effectLst>
-              </a14:hiddenEffects>
-            </a:ext>
-          </a:extLst>
-        </p:spPr>
-        <p:txBody>
-          <a:bodyPr vert="horz" wrap="none" lIns="91440" tIns="25392" rIns="91440" bIns="0" numCol="1" anchor="ctr" anchorCtr="0" compatLnSpc="1">
-            <a:prstTxWarp prst="textNoShape">
-              <a:avLst/>
-            </a:prstTxWarp>
-            <a:spAutoFit/>
-          </a:bodyPr>
-          <a:lstStyle/>
-          <a:p>
-            <a:pPr marL="0" marR="0" lvl="0" indent="0" algn="l" defTabSz="914400" rtl="0" eaLnBrk="0" fontAlgn="base" latinLnBrk="0" hangingPunct="0">
-              <a:lnSpc>
-                <a:spcPct val="100000"/>
-              </a:lnSpc>
-              <a:spcBef>
-                <a:spcPct val="0"/>
-              </a:spcBef>
-              <a:spcAft>
-                <a:spcPct val="0"/>
-              </a:spcAft>
-              <a:buClrTx/>
-              <a:buSzTx/>
-              <a:buFontTx/>
-              <a:buNone/>
-              <a:tabLst/>
-            </a:pPr>
-            <a:r>
-              <a:rPr kumimoji="0" lang="fr-CH" altLang="fr-FR" sz="2000" b="1" i="0" u="sng" strike="noStrike" cap="none" normalizeH="0" baseline="0" dirty="0">
-                <a:ln>
-                  <a:noFill/>
-                </a:ln>
-                <a:effectLst/>
-                <a:latin typeface="Century Gothic (Headings)"/>
-                <a:ea typeface="Times New Roman" panose="02020603050405020304" pitchFamily="18" charset="0"/>
-                <a:cs typeface="Times New Roman" panose="02020603050405020304" pitchFamily="18" charset="0"/>
-              </a:rPr>
-              <a:t>Les différentes classes PoE</a:t>
-            </a:r>
-          </a:p>
-          <a:p>
-            <a:pPr marL="0" marR="0" lvl="0" indent="0" algn="l" defTabSz="914400" rtl="0" eaLnBrk="0" fontAlgn="base" latinLnBrk="0" hangingPunct="0">
-              <a:lnSpc>
-                <a:spcPct val="100000"/>
-              </a:lnSpc>
-              <a:spcBef>
-                <a:spcPct val="0"/>
-              </a:spcBef>
-              <a:spcAft>
-                <a:spcPct val="0"/>
-              </a:spcAft>
-              <a:buClrTx/>
-              <a:buSzTx/>
-              <a:buFontTx/>
-              <a:buNone/>
-              <a:tabLst/>
-            </a:pPr>
-            <a:endParaRPr kumimoji="0" lang="fr-CH" altLang="fr-FR" sz="1800" b="0" i="0" u="sng" strike="noStrike" cap="none" normalizeH="0" baseline="0" dirty="0">
-              <a:ln>
-                <a:noFill/>
-              </a:ln>
-              <a:solidFill>
-                <a:schemeClr val="tx1"/>
-              </a:solidFill>
-              <a:effectLst/>
-              <a:latin typeface="Arial" panose="020B0604020202020204" pitchFamily="34" charset="0"/>
-            </a:endParaRPr>
-          </a:p>
-        </p:txBody>
-      </p:sp>
-      <p:pic>
-        <p:nvPicPr>
-          <p:cNvPr id="11" name="Content Placeholder 10"/>
-          <p:cNvPicPr>
-            <a:picLocks noGrp="1" noChangeAspect="1"/>
-          </p:cNvPicPr>
-          <p:nvPr>
-            <p:ph idx="1"/>
-          </p:nvPr>
-        </p:nvPicPr>
-        <p:blipFill rotWithShape="1">
-          <a:blip r:embed="rId2">
-            <a:extLst>
-              <a:ext uri="{28A0092B-C50C-407E-A947-70E740481C1C}">
-                <a14:useLocalDpi xmlns:a14="http://schemas.microsoft.com/office/drawing/2010/main" val="0"/>
-              </a:ext>
-            </a:extLst>
-          </a:blip>
-          <a:srcRect l="1295" t="4786" r="1353" b="4831"/>
-          <a:stretch/>
-        </p:blipFill>
-        <p:spPr>
-          <a:xfrm>
-            <a:off x="890955" y="2237167"/>
-            <a:ext cx="10305568" cy="3202342"/>
-          </a:xfrm>
-        </p:spPr>
-      </p:pic>
-      <p:sp>
-        <p:nvSpPr>
-          <p:cNvPr id="12" name="Title 1"/>
-          <p:cNvSpPr>
-            <a:spLocks noGrp="1"/>
-          </p:cNvSpPr>
-          <p:nvPr>
-            <p:ph type="title"/>
-          </p:nvPr>
-        </p:nvSpPr>
-        <p:spPr>
-          <a:xfrm>
-            <a:off x="0" y="0"/>
-            <a:ext cx="4039565" cy="510199"/>
-          </a:xfrm>
-        </p:spPr>
-        <p:txBody>
-          <a:bodyPr numCol="1">
-            <a:noAutofit/>
-          </a:bodyPr>
-          <a:lstStyle/>
-          <a:p>
-            <a:pPr algn="ctr"/>
-            <a:r>
-              <a:rPr lang="fr-CH" sz="2800" dirty="0"/>
-              <a:t>La technologie PoE</a:t>
-            </a:r>
-          </a:p>
-        </p:txBody>
-      </p:sp>
-    </p:spTree>
-    <p:extLst>
-      <p:ext uri="{BB962C8B-B14F-4D97-AF65-F5344CB8AC3E}">
-        <p14:creationId xmlns:p14="http://schemas.microsoft.com/office/powerpoint/2010/main" val="489894130"/>
-      </p:ext>
-    </p:extLst>
-  </p:cSld>
-  <p:clrMapOvr>
-    <a:masterClrMapping/>
-  </p:clrMapOvr>
-  <p:timing>
-    <p:tnLst>
-      <p:par>
-        <p:cTn id="1" dur="indefinite" restart="never" nodeType="tmRoot">
-          <p:childTnLst>
-            <p:seq concurrent="1" nextAc="seek">
-              <p:cTn id="2" dur="indefinite" nodeType="mainSeq">
-                <p:childTnLst>
-                  <p:par>
-                    <p:cTn id="3" fill="hold">
-                      <p:stCondLst>
-                        <p:cond delay="indefinite"/>
-                      </p:stCondLst>
-                      <p:childTnLst>
-                        <p:par>
-                          <p:cTn id="4" fill="hold">
-                            <p:stCondLst>
-                              <p:cond delay="0"/>
-                            </p:stCondLst>
-                            <p:childTnLst>
-                              <p:par>
-                                <p:cTn id="5" presetID="10" presetClass="entr" presetSubtype="0" fill="hold" grpId="0" nodeType="clickEffect">
-                                  <p:stCondLst>
-                                    <p:cond delay="0"/>
-                                  </p:stCondLst>
-                                  <p:childTnLst>
-                                    <p:set>
-                                      <p:cBhvr>
-                                        <p:cTn id="6" dur="1" fill="hold">
-                                          <p:stCondLst>
-                                            <p:cond delay="0"/>
-                                          </p:stCondLst>
-                                        </p:cTn>
-                                        <p:tgtEl>
-                                          <p:spTgt spid="6"/>
-                                        </p:tgtEl>
-                                        <p:attrNameLst>
-                                          <p:attrName>style.visibility</p:attrName>
-                                        </p:attrNameLst>
-                                      </p:cBhvr>
-                                      <p:to>
-                                        <p:strVal val="visible"/>
-                                      </p:to>
-                                    </p:set>
-                                    <p:animEffect transition="in" filter="fade">
-                                      <p:cBhvr>
-                                        <p:cTn id="7" dur="500"/>
-                                        <p:tgtEl>
-                                          <p:spTgt spid="6"/>
-                                        </p:tgtEl>
-                                      </p:cBhvr>
-                                    </p:animEffect>
-                                  </p:childTnLst>
-                                </p:cTn>
-                              </p:par>
-                            </p:childTnLst>
-                          </p:cTn>
-                        </p:par>
-                      </p:childTnLst>
-                    </p:cTn>
-                  </p:par>
-                  <p:par>
-                    <p:cTn id="8" fill="hold">
-                      <p:stCondLst>
-                        <p:cond delay="indefinite"/>
-                      </p:stCondLst>
-                      <p:childTnLst>
-                        <p:par>
-                          <p:cTn id="9" fill="hold">
-                            <p:stCondLst>
-                              <p:cond delay="0"/>
-                            </p:stCondLst>
-                            <p:childTnLst>
-                              <p:par>
-                                <p:cTn id="10" presetID="10" presetClass="entr" presetSubtype="0" fill="hold" nodeType="clickEffect">
-                                  <p:stCondLst>
-                                    <p:cond delay="0"/>
-                                  </p:stCondLst>
-                                  <p:childTnLst>
-                                    <p:set>
-                                      <p:cBhvr>
-                                        <p:cTn id="11" dur="1" fill="hold">
-                                          <p:stCondLst>
-                                            <p:cond delay="0"/>
-                                          </p:stCondLst>
-                                        </p:cTn>
-                                        <p:tgtEl>
-                                          <p:spTgt spid="11"/>
-                                        </p:tgtEl>
-                                        <p:attrNameLst>
-                                          <p:attrName>style.visibility</p:attrName>
-                                        </p:attrNameLst>
-                                      </p:cBhvr>
-                                      <p:to>
-                                        <p:strVal val="visible"/>
-                                      </p:to>
-                                    </p:set>
-                                    <p:animEffect transition="in" filter="fade">
-                                      <p:cBhvr>
-                                        <p:cTn id="12" dur="500"/>
-                                        <p:tgtEl>
-                                          <p:spTgt spid="11"/>
-                                        </p:tgtEl>
-                                      </p:cBhvr>
-                                    </p:animEffect>
-                                  </p:childTnLst>
-                                </p:cTn>
-                              </p:par>
-                            </p:childTnLst>
-                          </p:cTn>
-                        </p:par>
-                      </p:childTnLst>
-                    </p:cTn>
-                  </p:par>
-                </p:childTnLst>
-              </p:cTn>
-              <p:prevCondLst>
-                <p:cond evt="onPrev" delay="0">
-                  <p:tgtEl>
-                    <p:sldTgt/>
-                  </p:tgtEl>
-                </p:cond>
-              </p:prevCondLst>
-              <p:nextCondLst>
-                <p:cond evt="onNext" delay="0">
-                  <p:tgtEl>
-                    <p:sldTgt/>
-                  </p:tgtEl>
-                </p:cond>
-              </p:nextCondLst>
-            </p:seq>
-          </p:childTnLst>
-        </p:cTn>
-      </p:par>
-    </p:tnLst>
-    <p:bldLst>
-      <p:bldP spid="6" grpId="0"/>
-    </p:bldLst>
-  </p:timing>
-</p:sld>
-</file>
-
 <file path=ppt/theme/theme1.xml><?xml version="1.0" encoding="utf-8"?>
 <a:theme xmlns:a="http://schemas.openxmlformats.org/drawingml/2006/main" name="Slice">
   <a:themeElements>

--- a/Module 214 - Fabrication_Ethernet.pptx
+++ b/Module 214 - Fabrication_Ethernet.pptx
@@ -12,36 +12,33 @@
     <p:sldId id="300" r:id="rId6"/>
     <p:sldId id="286" r:id="rId7"/>
     <p:sldId id="275" r:id="rId8"/>
-    <p:sldId id="280" r:id="rId9"/>
-    <p:sldId id="276" r:id="rId10"/>
-    <p:sldId id="277" r:id="rId11"/>
-    <p:sldId id="278" r:id="rId12"/>
-    <p:sldId id="279" r:id="rId13"/>
-    <p:sldId id="282" r:id="rId14"/>
-    <p:sldId id="281" r:id="rId15"/>
-    <p:sldId id="261" r:id="rId16"/>
-    <p:sldId id="273" r:id="rId17"/>
-    <p:sldId id="272" r:id="rId18"/>
-    <p:sldId id="268" r:id="rId19"/>
-    <p:sldId id="269" r:id="rId20"/>
-    <p:sldId id="271" r:id="rId21"/>
-    <p:sldId id="274" r:id="rId22"/>
-    <p:sldId id="260" r:id="rId23"/>
-    <p:sldId id="288" r:id="rId24"/>
-    <p:sldId id="289" r:id="rId25"/>
-    <p:sldId id="290" r:id="rId26"/>
-    <p:sldId id="291" r:id="rId27"/>
-    <p:sldId id="292" r:id="rId28"/>
-    <p:sldId id="293" r:id="rId29"/>
-    <p:sldId id="294" r:id="rId30"/>
-    <p:sldId id="262" r:id="rId31"/>
-    <p:sldId id="295" r:id="rId32"/>
-    <p:sldId id="297" r:id="rId33"/>
-    <p:sldId id="296" r:id="rId34"/>
-    <p:sldId id="298" r:id="rId35"/>
-    <p:sldId id="263" r:id="rId36"/>
-    <p:sldId id="264" r:id="rId37"/>
-    <p:sldId id="265" r:id="rId38"/>
+    <p:sldId id="301" r:id="rId9"/>
+    <p:sldId id="302" r:id="rId10"/>
+    <p:sldId id="303" r:id="rId11"/>
+    <p:sldId id="304" r:id="rId12"/>
+    <p:sldId id="261" r:id="rId13"/>
+    <p:sldId id="273" r:id="rId14"/>
+    <p:sldId id="272" r:id="rId15"/>
+    <p:sldId id="305" r:id="rId16"/>
+    <p:sldId id="306" r:id="rId17"/>
+    <p:sldId id="307" r:id="rId18"/>
+    <p:sldId id="274" r:id="rId19"/>
+    <p:sldId id="260" r:id="rId20"/>
+    <p:sldId id="288" r:id="rId21"/>
+    <p:sldId id="289" r:id="rId22"/>
+    <p:sldId id="290" r:id="rId23"/>
+    <p:sldId id="291" r:id="rId24"/>
+    <p:sldId id="292" r:id="rId25"/>
+    <p:sldId id="293" r:id="rId26"/>
+    <p:sldId id="294" r:id="rId27"/>
+    <p:sldId id="262" r:id="rId28"/>
+    <p:sldId id="295" r:id="rId29"/>
+    <p:sldId id="297" r:id="rId30"/>
+    <p:sldId id="296" r:id="rId31"/>
+    <p:sldId id="298" r:id="rId32"/>
+    <p:sldId id="263" r:id="rId33"/>
+    <p:sldId id="264" r:id="rId34"/>
+    <p:sldId id="265" r:id="rId35"/>
   </p:sldIdLst>
   <p:sldSz cx="12192000" cy="6858000"/>
   <p:notesSz cx="6858000" cy="9144000"/>
@@ -339,7 +336,7 @@
           <a:p>
             <a:fld id="{D406E69D-613E-4019-8533-7F772451DAA2}" type="datetimeFigureOut">
               <a:rPr lang="fr-CH" smtClean="0"/>
-              <a:t>26.04.2019</a:t>
+              <a:t>27.04.2019</a:t>
             </a:fld>
             <a:endParaRPr lang="fr-CH"/>
           </a:p>
@@ -775,7 +772,7 @@
           <a:p>
             <a:fld id="{D406E69D-613E-4019-8533-7F772451DAA2}" type="datetimeFigureOut">
               <a:rPr lang="fr-CH" smtClean="0"/>
-              <a:t>26.04.2019</a:t>
+              <a:t>27.04.2019</a:t>
             </a:fld>
             <a:endParaRPr lang="fr-CH"/>
           </a:p>
@@ -1025,7 +1022,7 @@
           <a:p>
             <a:fld id="{D406E69D-613E-4019-8533-7F772451DAA2}" type="datetimeFigureOut">
               <a:rPr lang="fr-CH" smtClean="0"/>
-              <a:t>26.04.2019</a:t>
+              <a:t>27.04.2019</a:t>
             </a:fld>
             <a:endParaRPr lang="fr-CH"/>
           </a:p>
@@ -1333,7 +1330,7 @@
           <a:p>
             <a:fld id="{D406E69D-613E-4019-8533-7F772451DAA2}" type="datetimeFigureOut">
               <a:rPr lang="fr-CH" smtClean="0"/>
-              <a:t>26.04.2019</a:t>
+              <a:t>27.04.2019</a:t>
             </a:fld>
             <a:endParaRPr lang="fr-CH"/>
           </a:p>
@@ -1651,7 +1648,7 @@
           <a:p>
             <a:fld id="{D406E69D-613E-4019-8533-7F772451DAA2}" type="datetimeFigureOut">
               <a:rPr lang="fr-CH" smtClean="0"/>
-              <a:t>26.04.2019</a:t>
+              <a:t>27.04.2019</a:t>
             </a:fld>
             <a:endParaRPr lang="fr-CH"/>
           </a:p>
@@ -1953,7 +1950,7 @@
           <a:p>
             <a:fld id="{D406E69D-613E-4019-8533-7F772451DAA2}" type="datetimeFigureOut">
               <a:rPr lang="fr-CH" smtClean="0"/>
-              <a:t>26.04.2019</a:t>
+              <a:t>27.04.2019</a:t>
             </a:fld>
             <a:endParaRPr lang="fr-CH"/>
           </a:p>
@@ -2320,7 +2317,7 @@
           <a:p>
             <a:fld id="{D406E69D-613E-4019-8533-7F772451DAA2}" type="datetimeFigureOut">
               <a:rPr lang="fr-CH" smtClean="0"/>
-              <a:t>26.04.2019</a:t>
+              <a:t>27.04.2019</a:t>
             </a:fld>
             <a:endParaRPr lang="fr-CH"/>
           </a:p>
@@ -2494,7 +2491,7 @@
           <a:p>
             <a:fld id="{D406E69D-613E-4019-8533-7F772451DAA2}" type="datetimeFigureOut">
               <a:rPr lang="fr-CH" smtClean="0"/>
-              <a:t>26.04.2019</a:t>
+              <a:t>27.04.2019</a:t>
             </a:fld>
             <a:endParaRPr lang="fr-CH"/>
           </a:p>
@@ -2674,7 +2671,7 @@
           <a:p>
             <a:fld id="{D406E69D-613E-4019-8533-7F772451DAA2}" type="datetimeFigureOut">
               <a:rPr lang="fr-CH" smtClean="0"/>
-              <a:t>26.04.2019</a:t>
+              <a:t>27.04.2019</a:t>
             </a:fld>
             <a:endParaRPr lang="fr-CH"/>
           </a:p>
@@ -2844,7 +2841,7 @@
           <a:p>
             <a:fld id="{D406E69D-613E-4019-8533-7F772451DAA2}" type="datetimeFigureOut">
               <a:rPr lang="fr-CH" smtClean="0"/>
-              <a:t>26.04.2019</a:t>
+              <a:t>27.04.2019</a:t>
             </a:fld>
             <a:endParaRPr lang="fr-CH"/>
           </a:p>
@@ -3094,7 +3091,7 @@
           <a:p>
             <a:fld id="{D406E69D-613E-4019-8533-7F772451DAA2}" type="datetimeFigureOut">
               <a:rPr lang="fr-CH" smtClean="0"/>
-              <a:t>26.04.2019</a:t>
+              <a:t>27.04.2019</a:t>
             </a:fld>
             <a:endParaRPr lang="fr-CH"/>
           </a:p>
@@ -3330,7 +3327,7 @@
           <a:p>
             <a:fld id="{D406E69D-613E-4019-8533-7F772451DAA2}" type="datetimeFigureOut">
               <a:rPr lang="fr-CH" smtClean="0"/>
-              <a:t>26.04.2019</a:t>
+              <a:t>27.04.2019</a:t>
             </a:fld>
             <a:endParaRPr lang="fr-CH"/>
           </a:p>
@@ -3712,7 +3709,7 @@
           <a:p>
             <a:fld id="{D406E69D-613E-4019-8533-7F772451DAA2}" type="datetimeFigureOut">
               <a:rPr lang="fr-CH" smtClean="0"/>
-              <a:t>26.04.2019</a:t>
+              <a:t>27.04.2019</a:t>
             </a:fld>
             <a:endParaRPr lang="fr-CH"/>
           </a:p>
@@ -3830,7 +3827,7 @@
           <a:p>
             <a:fld id="{D406E69D-613E-4019-8533-7F772451DAA2}" type="datetimeFigureOut">
               <a:rPr lang="fr-CH" smtClean="0"/>
-              <a:t>26.04.2019</a:t>
+              <a:t>27.04.2019</a:t>
             </a:fld>
             <a:endParaRPr lang="fr-CH"/>
           </a:p>
@@ -3925,7 +3922,7 @@
           <a:p>
             <a:fld id="{D406E69D-613E-4019-8533-7F772451DAA2}" type="datetimeFigureOut">
               <a:rPr lang="fr-CH" smtClean="0"/>
-              <a:t>26.04.2019</a:t>
+              <a:t>27.04.2019</a:t>
             </a:fld>
             <a:endParaRPr lang="fr-CH"/>
           </a:p>
@@ -4180,7 +4177,7 @@
           <a:p>
             <a:fld id="{D406E69D-613E-4019-8533-7F772451DAA2}" type="datetimeFigureOut">
               <a:rPr lang="fr-CH" smtClean="0"/>
-              <a:t>26.04.2019</a:t>
+              <a:t>27.04.2019</a:t>
             </a:fld>
             <a:endParaRPr lang="fr-CH"/>
           </a:p>
@@ -4463,7 +4460,7 @@
           <a:p>
             <a:fld id="{D406E69D-613E-4019-8533-7F772451DAA2}" type="datetimeFigureOut">
               <a:rPr lang="fr-CH" smtClean="0"/>
-              <a:t>26.04.2019</a:t>
+              <a:t>27.04.2019</a:t>
             </a:fld>
             <a:endParaRPr lang="fr-CH"/>
           </a:p>
@@ -4869,7 +4866,7 @@
           <a:p>
             <a:fld id="{D406E69D-613E-4019-8533-7F772451DAA2}" type="datetimeFigureOut">
               <a:rPr lang="fr-CH" smtClean="0"/>
-              <a:t>26.04.2019</a:t>
+              <a:t>27.04.2019</a:t>
             </a:fld>
             <a:endParaRPr lang="fr-CH"/>
           </a:p>
@@ -5789,7 +5786,7 @@
     </p:spTree>
     <p:extLst>
       <p:ext uri="{BB962C8B-B14F-4D97-AF65-F5344CB8AC3E}">
-        <p14:creationId xmlns:p14="http://schemas.microsoft.com/office/powerpoint/2010/main" val="489894130"/>
+        <p14:creationId xmlns:p14="http://schemas.microsoft.com/office/powerpoint/2010/main" val="1308374156"/>
       </p:ext>
     </p:extLst>
   </p:cSld>
@@ -5962,1288 +5959,6 @@
             <a:spLocks noGrp="1"/>
           </p:cNvSpPr>
           <p:nvPr>
-            <p:ph type="body" idx="1"/>
-          </p:nvPr>
-        </p:nvSpPr>
-        <p:spPr>
-          <a:xfrm>
-            <a:off x="1907663" y="2556827"/>
-            <a:ext cx="1842888" cy="445912"/>
-          </a:xfrm>
-        </p:spPr>
-        <p:txBody>
-          <a:bodyPr>
-            <a:normAutofit/>
-          </a:bodyPr>
-          <a:lstStyle/>
-          <a:p>
-            <a:pPr marL="0" indent="0">
-              <a:buNone/>
-            </a:pPr>
-            <a:r>
-              <a:rPr lang="fr-CH" dirty="0">
-                <a:solidFill>
-                  <a:schemeClr val="tx1"/>
-                </a:solidFill>
-              </a:rPr>
-              <a:t>Injecteur PoE</a:t>
-            </a:r>
-          </a:p>
-        </p:txBody>
-      </p:sp>
-      <p:sp>
-        <p:nvSpPr>
-          <p:cNvPr id="7" name="Rectangle 6"/>
-          <p:cNvSpPr/>
-          <p:nvPr/>
-        </p:nvSpPr>
-        <p:spPr>
-          <a:xfrm>
-            <a:off x="652040" y="1406588"/>
-            <a:ext cx="5528841" cy="646331"/>
-          </a:xfrm>
-          <a:prstGeom prst="rect">
-            <a:avLst/>
-          </a:prstGeom>
-        </p:spPr>
-        <p:txBody>
-          <a:bodyPr wrap="square">
-            <a:spAutoFit/>
-          </a:bodyPr>
-          <a:lstStyle/>
-          <a:p>
-            <a:r>
-              <a:rPr lang="fr-CH" b="1" u="sng" dirty="0"/>
-              <a:t>Comment mettre en place la technologie PoE</a:t>
-            </a:r>
-            <a:r>
-              <a:rPr lang="fr-CH" b="1" dirty="0"/>
-              <a:t> ?</a:t>
-            </a:r>
-          </a:p>
-          <a:p>
-            <a:endParaRPr lang="fr-CH" b="1" u="sng" dirty="0"/>
-          </a:p>
-        </p:txBody>
-      </p:sp>
-      <p:pic>
-        <p:nvPicPr>
-          <p:cNvPr id="9" name="Picture 8"/>
-          <p:cNvPicPr>
-            <a:picLocks noChangeAspect="1"/>
-          </p:cNvPicPr>
-          <p:nvPr/>
-        </p:nvPicPr>
-        <p:blipFill rotWithShape="1">
-          <a:blip r:embed="rId2">
-            <a:extLst>
-              <a:ext uri="{28A0092B-C50C-407E-A947-70E740481C1C}">
-                <a14:useLocalDpi xmlns:a14="http://schemas.microsoft.com/office/drawing/2010/main" val="0"/>
-              </a:ext>
-            </a:extLst>
-          </a:blip>
-          <a:srcRect t="7257" b="9530"/>
-          <a:stretch/>
-        </p:blipFill>
-        <p:spPr>
-          <a:xfrm>
-            <a:off x="1250337" y="3044142"/>
-            <a:ext cx="3157541" cy="2627454"/>
-          </a:xfrm>
-          <a:prstGeom prst="rect">
-            <a:avLst/>
-          </a:prstGeom>
-        </p:spPr>
-      </p:pic>
-      <p:pic>
-        <p:nvPicPr>
-          <p:cNvPr id="10" name="Picture 9"/>
-          <p:cNvPicPr>
-            <a:picLocks noChangeAspect="1"/>
-          </p:cNvPicPr>
-          <p:nvPr/>
-        </p:nvPicPr>
-        <p:blipFill rotWithShape="1">
-          <a:blip r:embed="rId3">
-            <a:extLst>
-              <a:ext uri="{28A0092B-C50C-407E-A947-70E740481C1C}">
-                <a14:useLocalDpi xmlns:a14="http://schemas.microsoft.com/office/drawing/2010/main" val="0"/>
-              </a:ext>
-            </a:extLst>
-          </a:blip>
-          <a:srcRect t="23291" b="20295"/>
-          <a:stretch/>
-        </p:blipFill>
-        <p:spPr>
-          <a:xfrm>
-            <a:off x="6317560" y="3044142"/>
-            <a:ext cx="4657451" cy="2627454"/>
-          </a:xfrm>
-          <a:prstGeom prst="rect">
-            <a:avLst/>
-          </a:prstGeom>
-        </p:spPr>
-      </p:pic>
-      <p:sp>
-        <p:nvSpPr>
-          <p:cNvPr id="12" name="Content Placeholder 2"/>
-          <p:cNvSpPr txBox="1">
-            <a:spLocks/>
-          </p:cNvSpPr>
-          <p:nvPr/>
-        </p:nvSpPr>
-        <p:spPr>
-          <a:xfrm>
-            <a:off x="7884622" y="2598230"/>
-            <a:ext cx="1523329" cy="445912"/>
-          </a:xfrm>
-          <a:prstGeom prst="rect">
-            <a:avLst/>
-          </a:prstGeom>
-        </p:spPr>
-        <p:txBody>
-          <a:bodyPr vert="horz" lIns="91440" tIns="45720" rIns="91440" bIns="45720" rtlCol="0" anchor="t">
-            <a:normAutofit/>
-          </a:bodyPr>
-          <a:lstStyle>
-            <a:lvl1pPr marL="0" indent="0" algn="l" defTabSz="457200" rtl="0" eaLnBrk="1" latinLnBrk="0" hangingPunct="1">
-              <a:spcBef>
-                <a:spcPts val="1000"/>
-              </a:spcBef>
-              <a:spcAft>
-                <a:spcPts val="0"/>
-              </a:spcAft>
-              <a:buClr>
-                <a:schemeClr val="bg2">
-                  <a:lumMod val="40000"/>
-                  <a:lumOff val="60000"/>
-                </a:schemeClr>
-              </a:buClr>
-              <a:buSzPct val="80000"/>
-              <a:buFont typeface="Wingdings 3" charset="2"/>
-              <a:buNone/>
-              <a:defRPr sz="2000" b="0" i="0" kern="1200" cap="none">
-                <a:solidFill>
-                  <a:schemeClr val="bg2">
-                    <a:lumMod val="40000"/>
-                    <a:lumOff val="60000"/>
-                  </a:schemeClr>
-                </a:solidFill>
-                <a:latin typeface="+mj-lt"/>
-                <a:ea typeface="+mj-ea"/>
-                <a:cs typeface="+mj-cs"/>
-              </a:defRPr>
-            </a:lvl1pPr>
-            <a:lvl2pPr marL="457200" indent="0" algn="l" defTabSz="457200" rtl="0" eaLnBrk="1" latinLnBrk="0" hangingPunct="1">
-              <a:spcBef>
-                <a:spcPts val="1000"/>
-              </a:spcBef>
-              <a:spcAft>
-                <a:spcPts val="0"/>
-              </a:spcAft>
-              <a:buClr>
-                <a:schemeClr val="bg2">
-                  <a:lumMod val="40000"/>
-                  <a:lumOff val="60000"/>
-                </a:schemeClr>
-              </a:buClr>
-              <a:buSzPct val="80000"/>
-              <a:buFont typeface="Wingdings 3" charset="2"/>
-              <a:buNone/>
-              <a:defRPr sz="1800" b="0" i="0" kern="1200">
-                <a:solidFill>
-                  <a:schemeClr val="tx1">
-                    <a:tint val="75000"/>
-                  </a:schemeClr>
-                </a:solidFill>
-                <a:latin typeface="+mj-lt"/>
-                <a:ea typeface="+mj-ea"/>
-                <a:cs typeface="+mj-cs"/>
-              </a:defRPr>
-            </a:lvl2pPr>
-            <a:lvl3pPr marL="914400" indent="0" algn="l" defTabSz="457200" rtl="0" eaLnBrk="1" latinLnBrk="0" hangingPunct="1">
-              <a:spcBef>
-                <a:spcPts val="1000"/>
-              </a:spcBef>
-              <a:spcAft>
-                <a:spcPts val="0"/>
-              </a:spcAft>
-              <a:buClr>
-                <a:schemeClr val="bg2">
-                  <a:lumMod val="40000"/>
-                  <a:lumOff val="60000"/>
-                </a:schemeClr>
-              </a:buClr>
-              <a:buSzPct val="80000"/>
-              <a:buFont typeface="Wingdings 3" charset="2"/>
-              <a:buNone/>
-              <a:defRPr sz="1600" b="0" i="0" kern="1200">
-                <a:solidFill>
-                  <a:schemeClr val="tx1">
-                    <a:tint val="75000"/>
-                  </a:schemeClr>
-                </a:solidFill>
-                <a:latin typeface="+mj-lt"/>
-                <a:ea typeface="+mj-ea"/>
-                <a:cs typeface="+mj-cs"/>
-              </a:defRPr>
-            </a:lvl3pPr>
-            <a:lvl4pPr marL="1371600" indent="0" algn="l" defTabSz="457200" rtl="0" eaLnBrk="1" latinLnBrk="0" hangingPunct="1">
-              <a:spcBef>
-                <a:spcPts val="1000"/>
-              </a:spcBef>
-              <a:spcAft>
-                <a:spcPts val="0"/>
-              </a:spcAft>
-              <a:buClr>
-                <a:schemeClr val="bg2">
-                  <a:lumMod val="40000"/>
-                  <a:lumOff val="60000"/>
-                </a:schemeClr>
-              </a:buClr>
-              <a:buSzPct val="80000"/>
-              <a:buFont typeface="Wingdings 3" charset="2"/>
-              <a:buNone/>
-              <a:defRPr sz="1400" b="0" i="0" kern="1200">
-                <a:solidFill>
-                  <a:schemeClr val="tx1">
-                    <a:tint val="75000"/>
-                  </a:schemeClr>
-                </a:solidFill>
-                <a:latin typeface="+mj-lt"/>
-                <a:ea typeface="+mj-ea"/>
-                <a:cs typeface="+mj-cs"/>
-              </a:defRPr>
-            </a:lvl4pPr>
-            <a:lvl5pPr marL="1828800" indent="0" algn="l" defTabSz="457200" rtl="0" eaLnBrk="1" latinLnBrk="0" hangingPunct="1">
-              <a:spcBef>
-                <a:spcPts val="1000"/>
-              </a:spcBef>
-              <a:spcAft>
-                <a:spcPts val="0"/>
-              </a:spcAft>
-              <a:buClr>
-                <a:schemeClr val="bg2">
-                  <a:lumMod val="40000"/>
-                  <a:lumOff val="60000"/>
-                </a:schemeClr>
-              </a:buClr>
-              <a:buSzPct val="80000"/>
-              <a:buFont typeface="Wingdings 3" charset="2"/>
-              <a:buNone/>
-              <a:defRPr sz="1400" b="0" i="0" kern="1200">
-                <a:solidFill>
-                  <a:schemeClr val="tx1">
-                    <a:tint val="75000"/>
-                  </a:schemeClr>
-                </a:solidFill>
-                <a:latin typeface="+mj-lt"/>
-                <a:ea typeface="+mj-ea"/>
-                <a:cs typeface="+mj-cs"/>
-              </a:defRPr>
-            </a:lvl5pPr>
-            <a:lvl6pPr marL="2286000" indent="0" algn="l" defTabSz="457200" rtl="0" eaLnBrk="1" latinLnBrk="0" hangingPunct="1">
-              <a:spcBef>
-                <a:spcPts val="1000"/>
-              </a:spcBef>
-              <a:spcAft>
-                <a:spcPts val="0"/>
-              </a:spcAft>
-              <a:buClr>
-                <a:schemeClr val="bg2">
-                  <a:lumMod val="40000"/>
-                  <a:lumOff val="60000"/>
-                </a:schemeClr>
-              </a:buClr>
-              <a:buSzPct val="80000"/>
-              <a:buFont typeface="Wingdings 3" charset="2"/>
-              <a:buNone/>
-              <a:defRPr sz="1400" b="0" i="0" kern="1200">
-                <a:solidFill>
-                  <a:schemeClr val="tx1">
-                    <a:tint val="75000"/>
-                  </a:schemeClr>
-                </a:solidFill>
-                <a:latin typeface="+mj-lt"/>
-                <a:ea typeface="+mj-ea"/>
-                <a:cs typeface="+mj-cs"/>
-              </a:defRPr>
-            </a:lvl6pPr>
-            <a:lvl7pPr marL="2743200" indent="0" algn="l" defTabSz="457200" rtl="0" eaLnBrk="1" latinLnBrk="0" hangingPunct="1">
-              <a:spcBef>
-                <a:spcPts val="1000"/>
-              </a:spcBef>
-              <a:spcAft>
-                <a:spcPts val="0"/>
-              </a:spcAft>
-              <a:buClr>
-                <a:schemeClr val="bg2">
-                  <a:lumMod val="40000"/>
-                  <a:lumOff val="60000"/>
-                </a:schemeClr>
-              </a:buClr>
-              <a:buSzPct val="80000"/>
-              <a:buFont typeface="Wingdings 3" charset="2"/>
-              <a:buNone/>
-              <a:defRPr sz="1400" b="0" i="0" kern="1200">
-                <a:solidFill>
-                  <a:schemeClr val="tx1">
-                    <a:tint val="75000"/>
-                  </a:schemeClr>
-                </a:solidFill>
-                <a:latin typeface="+mj-lt"/>
-                <a:ea typeface="+mj-ea"/>
-                <a:cs typeface="+mj-cs"/>
-              </a:defRPr>
-            </a:lvl7pPr>
-            <a:lvl8pPr marL="3200400" indent="0" algn="l" defTabSz="457200" rtl="0" eaLnBrk="1" latinLnBrk="0" hangingPunct="1">
-              <a:spcBef>
-                <a:spcPts val="1000"/>
-              </a:spcBef>
-              <a:spcAft>
-                <a:spcPts val="0"/>
-              </a:spcAft>
-              <a:buClr>
-                <a:schemeClr val="bg2">
-                  <a:lumMod val="40000"/>
-                  <a:lumOff val="60000"/>
-                </a:schemeClr>
-              </a:buClr>
-              <a:buSzPct val="80000"/>
-              <a:buFont typeface="Wingdings 3" charset="2"/>
-              <a:buNone/>
-              <a:defRPr sz="1400" b="0" i="0" kern="1200">
-                <a:solidFill>
-                  <a:schemeClr val="tx1">
-                    <a:tint val="75000"/>
-                  </a:schemeClr>
-                </a:solidFill>
-                <a:latin typeface="+mj-lt"/>
-                <a:ea typeface="+mj-ea"/>
-                <a:cs typeface="+mj-cs"/>
-              </a:defRPr>
-            </a:lvl8pPr>
-            <a:lvl9pPr marL="3657600" indent="0" algn="l" defTabSz="457200" rtl="0" eaLnBrk="1" latinLnBrk="0" hangingPunct="1">
-              <a:spcBef>
-                <a:spcPts val="1000"/>
-              </a:spcBef>
-              <a:spcAft>
-                <a:spcPts val="0"/>
-              </a:spcAft>
-              <a:buClr>
-                <a:schemeClr val="bg2">
-                  <a:lumMod val="40000"/>
-                  <a:lumOff val="60000"/>
-                </a:schemeClr>
-              </a:buClr>
-              <a:buSzPct val="80000"/>
-              <a:buFont typeface="Wingdings 3" charset="2"/>
-              <a:buNone/>
-              <a:defRPr sz="1400" b="0" i="0" kern="1200">
-                <a:solidFill>
-                  <a:schemeClr val="tx1">
-                    <a:tint val="75000"/>
-                  </a:schemeClr>
-                </a:solidFill>
-                <a:latin typeface="+mj-lt"/>
-                <a:ea typeface="+mj-ea"/>
-                <a:cs typeface="+mj-cs"/>
-              </a:defRPr>
-            </a:lvl9pPr>
-          </a:lstStyle>
-          <a:p>
-            <a:r>
-              <a:rPr lang="fr-CH" dirty="0">
-                <a:solidFill>
-                  <a:schemeClr val="tx1"/>
-                </a:solidFill>
-              </a:rPr>
-              <a:t>Switch PoE</a:t>
-            </a:r>
-          </a:p>
-        </p:txBody>
-      </p:sp>
-      <p:sp>
-        <p:nvSpPr>
-          <p:cNvPr id="13" name="Title 1"/>
-          <p:cNvSpPr>
-            <a:spLocks noGrp="1"/>
-          </p:cNvSpPr>
-          <p:nvPr>
-            <p:ph type="title"/>
-          </p:nvPr>
-        </p:nvSpPr>
-        <p:spPr>
-          <a:xfrm>
-            <a:off x="0" y="0"/>
-            <a:ext cx="4039565" cy="510199"/>
-          </a:xfrm>
-        </p:spPr>
-        <p:txBody>
-          <a:bodyPr numCol="1">
-            <a:noAutofit/>
-          </a:bodyPr>
-          <a:lstStyle/>
-          <a:p>
-            <a:pPr algn="ctr"/>
-            <a:r>
-              <a:rPr lang="fr-CH" sz="2800" dirty="0"/>
-              <a:t>La technologie PoE</a:t>
-            </a:r>
-          </a:p>
-        </p:txBody>
-      </p:sp>
-    </p:spTree>
-    <p:extLst>
-      <p:ext uri="{BB962C8B-B14F-4D97-AF65-F5344CB8AC3E}">
-        <p14:creationId xmlns:p14="http://schemas.microsoft.com/office/powerpoint/2010/main" val="1293984387"/>
-      </p:ext>
-    </p:extLst>
-  </p:cSld>
-  <p:clrMapOvr>
-    <a:masterClrMapping/>
-  </p:clrMapOvr>
-  <p:timing>
-    <p:tnLst>
-      <p:par>
-        <p:cTn id="1" dur="indefinite" restart="never" nodeType="tmRoot">
-          <p:childTnLst>
-            <p:seq concurrent="1" nextAc="seek">
-              <p:cTn id="2" dur="indefinite" nodeType="mainSeq">
-                <p:childTnLst>
-                  <p:par>
-                    <p:cTn id="3" fill="hold">
-                      <p:stCondLst>
-                        <p:cond delay="indefinite"/>
-                      </p:stCondLst>
-                      <p:childTnLst>
-                        <p:par>
-                          <p:cTn id="4" fill="hold">
-                            <p:stCondLst>
-                              <p:cond delay="0"/>
-                            </p:stCondLst>
-                            <p:childTnLst>
-                              <p:par>
-                                <p:cTn id="5" presetID="10" presetClass="entr" presetSubtype="0" fill="hold" grpId="0" nodeType="clickEffect">
-                                  <p:stCondLst>
-                                    <p:cond delay="0"/>
-                                  </p:stCondLst>
-                                  <p:childTnLst>
-                                    <p:set>
-                                      <p:cBhvr>
-                                        <p:cTn id="6" dur="1" fill="hold">
-                                          <p:stCondLst>
-                                            <p:cond delay="0"/>
-                                          </p:stCondLst>
-                                        </p:cTn>
-                                        <p:tgtEl>
-                                          <p:spTgt spid="7"/>
-                                        </p:tgtEl>
-                                        <p:attrNameLst>
-                                          <p:attrName>style.visibility</p:attrName>
-                                        </p:attrNameLst>
-                                      </p:cBhvr>
-                                      <p:to>
-                                        <p:strVal val="visible"/>
-                                      </p:to>
-                                    </p:set>
-                                    <p:animEffect transition="in" filter="fade">
-                                      <p:cBhvr>
-                                        <p:cTn id="7" dur="500"/>
-                                        <p:tgtEl>
-                                          <p:spTgt spid="7"/>
-                                        </p:tgtEl>
-                                      </p:cBhvr>
-                                    </p:animEffect>
-                                  </p:childTnLst>
-                                </p:cTn>
-                              </p:par>
-                            </p:childTnLst>
-                          </p:cTn>
-                        </p:par>
-                      </p:childTnLst>
-                    </p:cTn>
-                  </p:par>
-                  <p:par>
-                    <p:cTn id="8" fill="hold">
-                      <p:stCondLst>
-                        <p:cond delay="indefinite"/>
-                      </p:stCondLst>
-                      <p:childTnLst>
-                        <p:par>
-                          <p:cTn id="9" fill="hold">
-                            <p:stCondLst>
-                              <p:cond delay="0"/>
-                            </p:stCondLst>
-                            <p:childTnLst>
-                              <p:par>
-                                <p:cTn id="10" presetID="10" presetClass="entr" presetSubtype="0" fill="hold" nodeType="clickEffect">
-                                  <p:stCondLst>
-                                    <p:cond delay="0"/>
-                                  </p:stCondLst>
-                                  <p:childTnLst>
-                                    <p:set>
-                                      <p:cBhvr>
-                                        <p:cTn id="11" dur="1" fill="hold">
-                                          <p:stCondLst>
-                                            <p:cond delay="0"/>
-                                          </p:stCondLst>
-                                        </p:cTn>
-                                        <p:tgtEl>
-                                          <p:spTgt spid="9"/>
-                                        </p:tgtEl>
-                                        <p:attrNameLst>
-                                          <p:attrName>style.visibility</p:attrName>
-                                        </p:attrNameLst>
-                                      </p:cBhvr>
-                                      <p:to>
-                                        <p:strVal val="visible"/>
-                                      </p:to>
-                                    </p:set>
-                                    <p:animEffect transition="in" filter="fade">
-                                      <p:cBhvr>
-                                        <p:cTn id="12" dur="500"/>
-                                        <p:tgtEl>
-                                          <p:spTgt spid="9"/>
-                                        </p:tgtEl>
-                                      </p:cBhvr>
-                                    </p:animEffect>
-                                  </p:childTnLst>
-                                </p:cTn>
-                              </p:par>
-                              <p:par>
-                                <p:cTn id="13" presetID="10" presetClass="entr" presetSubtype="0" fill="hold" grpId="0" nodeType="withEffect">
-                                  <p:stCondLst>
-                                    <p:cond delay="0"/>
-                                  </p:stCondLst>
-                                  <p:childTnLst>
-                                    <p:set>
-                                      <p:cBhvr>
-                                        <p:cTn id="14" dur="1" fill="hold">
-                                          <p:stCondLst>
-                                            <p:cond delay="0"/>
-                                          </p:stCondLst>
-                                        </p:cTn>
-                                        <p:tgtEl>
-                                          <p:spTgt spid="3">
-                                            <p:txEl>
-                                              <p:pRg st="0" end="0"/>
-                                            </p:txEl>
-                                          </p:spTgt>
-                                        </p:tgtEl>
-                                        <p:attrNameLst>
-                                          <p:attrName>style.visibility</p:attrName>
-                                        </p:attrNameLst>
-                                      </p:cBhvr>
-                                      <p:to>
-                                        <p:strVal val="visible"/>
-                                      </p:to>
-                                    </p:set>
-                                    <p:animEffect transition="in" filter="fade">
-                                      <p:cBhvr>
-                                        <p:cTn id="15" dur="500"/>
-                                        <p:tgtEl>
-                                          <p:spTgt spid="3">
-                                            <p:txEl>
-                                              <p:pRg st="0" end="0"/>
-                                            </p:txEl>
-                                          </p:spTgt>
-                                        </p:tgtEl>
-                                      </p:cBhvr>
-                                    </p:animEffect>
-                                  </p:childTnLst>
-                                </p:cTn>
-                              </p:par>
-                            </p:childTnLst>
-                          </p:cTn>
-                        </p:par>
-                      </p:childTnLst>
-                    </p:cTn>
-                  </p:par>
-                  <p:par>
-                    <p:cTn id="16" fill="hold">
-                      <p:stCondLst>
-                        <p:cond delay="indefinite"/>
-                      </p:stCondLst>
-                      <p:childTnLst>
-                        <p:par>
-                          <p:cTn id="17" fill="hold">
-                            <p:stCondLst>
-                              <p:cond delay="0"/>
-                            </p:stCondLst>
-                            <p:childTnLst>
-                              <p:par>
-                                <p:cTn id="18" presetID="10" presetClass="entr" presetSubtype="0" fill="hold" nodeType="clickEffect">
-                                  <p:stCondLst>
-                                    <p:cond delay="0"/>
-                                  </p:stCondLst>
-                                  <p:childTnLst>
-                                    <p:set>
-                                      <p:cBhvr>
-                                        <p:cTn id="19" dur="1" fill="hold">
-                                          <p:stCondLst>
-                                            <p:cond delay="0"/>
-                                          </p:stCondLst>
-                                        </p:cTn>
-                                        <p:tgtEl>
-                                          <p:spTgt spid="10"/>
-                                        </p:tgtEl>
-                                        <p:attrNameLst>
-                                          <p:attrName>style.visibility</p:attrName>
-                                        </p:attrNameLst>
-                                      </p:cBhvr>
-                                      <p:to>
-                                        <p:strVal val="visible"/>
-                                      </p:to>
-                                    </p:set>
-                                    <p:animEffect transition="in" filter="fade">
-                                      <p:cBhvr>
-                                        <p:cTn id="20" dur="500"/>
-                                        <p:tgtEl>
-                                          <p:spTgt spid="10"/>
-                                        </p:tgtEl>
-                                      </p:cBhvr>
-                                    </p:animEffect>
-                                  </p:childTnLst>
-                                </p:cTn>
-                              </p:par>
-                              <p:par>
-                                <p:cTn id="21" presetID="10" presetClass="entr" presetSubtype="0" fill="hold" grpId="0" nodeType="withEffect">
-                                  <p:stCondLst>
-                                    <p:cond delay="0"/>
-                                  </p:stCondLst>
-                                  <p:childTnLst>
-                                    <p:set>
-                                      <p:cBhvr>
-                                        <p:cTn id="22" dur="1" fill="hold">
-                                          <p:stCondLst>
-                                            <p:cond delay="0"/>
-                                          </p:stCondLst>
-                                        </p:cTn>
-                                        <p:tgtEl>
-                                          <p:spTgt spid="12"/>
-                                        </p:tgtEl>
-                                        <p:attrNameLst>
-                                          <p:attrName>style.visibility</p:attrName>
-                                        </p:attrNameLst>
-                                      </p:cBhvr>
-                                      <p:to>
-                                        <p:strVal val="visible"/>
-                                      </p:to>
-                                    </p:set>
-                                    <p:animEffect transition="in" filter="fade">
-                                      <p:cBhvr>
-                                        <p:cTn id="23" dur="500"/>
-                                        <p:tgtEl>
-                                          <p:spTgt spid="12"/>
-                                        </p:tgtEl>
-                                      </p:cBhvr>
-                                    </p:animEffect>
-                                  </p:childTnLst>
-                                </p:cTn>
-                              </p:par>
-                            </p:childTnLst>
-                          </p:cTn>
-                        </p:par>
-                      </p:childTnLst>
-                    </p:cTn>
-                  </p:par>
-                </p:childTnLst>
-              </p:cTn>
-              <p:prevCondLst>
-                <p:cond evt="onPrev" delay="0">
-                  <p:tgtEl>
-                    <p:sldTgt/>
-                  </p:tgtEl>
-                </p:cond>
-              </p:prevCondLst>
-              <p:nextCondLst>
-                <p:cond evt="onNext" delay="0">
-                  <p:tgtEl>
-                    <p:sldTgt/>
-                  </p:tgtEl>
-                </p:cond>
-              </p:nextCondLst>
-            </p:seq>
-          </p:childTnLst>
-        </p:cTn>
-      </p:par>
-    </p:tnLst>
-    <p:bldLst>
-      <p:bldP spid="3" grpId="0" build="p"/>
-      <p:bldP spid="7" grpId="0"/>
-      <p:bldP spid="12" grpId="0"/>
-    </p:bldLst>
-  </p:timing>
-</p:sld>
-</file>
-
-<file path=ppt/slides/slide12.xml><?xml version="1.0" encoding="utf-8"?>
-<p:sld xmlns:a="http://schemas.openxmlformats.org/drawingml/2006/main" xmlns:r="http://schemas.openxmlformats.org/officeDocument/2006/relationships" xmlns:p="http://schemas.openxmlformats.org/presentationml/2006/main">
-  <p:cSld>
-    <p:spTree>
-      <p:nvGrpSpPr>
-        <p:cNvPr id="1" name=""/>
-        <p:cNvGrpSpPr/>
-        <p:nvPr/>
-      </p:nvGrpSpPr>
-      <p:grpSpPr>
-        <a:xfrm>
-          <a:off x="0" y="0"/>
-          <a:ext cx="0" cy="0"/>
-          <a:chOff x="0" y="0"/>
-          <a:chExt cx="0" cy="0"/>
-        </a:xfrm>
-      </p:grpSpPr>
-      <p:pic>
-        <p:nvPicPr>
-          <p:cNvPr id="4" name="Content Placeholder 3"/>
-          <p:cNvPicPr>
-            <a:picLocks noGrp="1" noChangeAspect="1"/>
-          </p:cNvPicPr>
-          <p:nvPr>
-            <p:ph idx="1"/>
-          </p:nvPr>
-        </p:nvPicPr>
-        <p:blipFill>
-          <a:blip r:embed="rId2" cstate="print">
-            <a:extLst>
-              <a:ext uri="{28A0092B-C50C-407E-A947-70E740481C1C}">
-                <a14:useLocalDpi xmlns:a14="http://schemas.microsoft.com/office/drawing/2010/main" val="0"/>
-              </a:ext>
-            </a:extLst>
-          </a:blip>
-          <a:stretch>
-            <a:fillRect/>
-          </a:stretch>
-        </p:blipFill>
-        <p:spPr>
-          <a:xfrm>
-            <a:off x="871960" y="1728185"/>
-            <a:ext cx="4756243" cy="4756243"/>
-          </a:xfrm>
-        </p:spPr>
-      </p:pic>
-      <p:sp>
-        <p:nvSpPr>
-          <p:cNvPr id="5" name="Rectangle 4"/>
-          <p:cNvSpPr/>
-          <p:nvPr/>
-        </p:nvSpPr>
-        <p:spPr>
-          <a:xfrm>
-            <a:off x="698339" y="1082497"/>
-            <a:ext cx="5528841" cy="646331"/>
-          </a:xfrm>
-          <a:prstGeom prst="rect">
-            <a:avLst/>
-          </a:prstGeom>
-        </p:spPr>
-        <p:txBody>
-          <a:bodyPr wrap="square">
-            <a:spAutoFit/>
-          </a:bodyPr>
-          <a:lstStyle/>
-          <a:p>
-            <a:r>
-              <a:rPr lang="fr-CH" b="1" u="sng" dirty="0"/>
-              <a:t>Comment fonctionne </a:t>
-            </a:r>
-            <a:r>
-              <a:rPr lang="fr-CH" b="1" dirty="0"/>
-              <a:t>?</a:t>
-            </a:r>
-          </a:p>
-          <a:p>
-            <a:endParaRPr lang="fr-CH" b="1" u="sng" dirty="0"/>
-          </a:p>
-        </p:txBody>
-      </p:sp>
-      <p:pic>
-        <p:nvPicPr>
-          <p:cNvPr id="7" name="Picture 6"/>
-          <p:cNvPicPr>
-            <a:picLocks noChangeAspect="1"/>
-          </p:cNvPicPr>
-          <p:nvPr/>
-        </p:nvPicPr>
-        <p:blipFill>
-          <a:blip r:embed="rId3">
-            <a:extLst>
-              <a:ext uri="{28A0092B-C50C-407E-A947-70E740481C1C}">
-                <a14:useLocalDpi xmlns:a14="http://schemas.microsoft.com/office/drawing/2010/main" val="0"/>
-              </a:ext>
-            </a:extLst>
-          </a:blip>
-          <a:stretch>
-            <a:fillRect/>
-          </a:stretch>
-        </p:blipFill>
-        <p:spPr>
-          <a:xfrm>
-            <a:off x="6227180" y="1728185"/>
-            <a:ext cx="4755600" cy="4755600"/>
-          </a:xfrm>
-          <a:prstGeom prst="rect">
-            <a:avLst/>
-          </a:prstGeom>
-        </p:spPr>
-      </p:pic>
-      <p:sp>
-        <p:nvSpPr>
-          <p:cNvPr id="8" name="Title 1"/>
-          <p:cNvSpPr>
-            <a:spLocks noGrp="1"/>
-          </p:cNvSpPr>
-          <p:nvPr>
-            <p:ph type="title"/>
-          </p:nvPr>
-        </p:nvSpPr>
-        <p:spPr>
-          <a:xfrm>
-            <a:off x="0" y="0"/>
-            <a:ext cx="4039565" cy="510199"/>
-          </a:xfrm>
-        </p:spPr>
-        <p:txBody>
-          <a:bodyPr numCol="1">
-            <a:noAutofit/>
-          </a:bodyPr>
-          <a:lstStyle/>
-          <a:p>
-            <a:pPr algn="ctr"/>
-            <a:r>
-              <a:rPr lang="fr-CH" sz="2800" dirty="0"/>
-              <a:t>La technologie PoE</a:t>
-            </a:r>
-          </a:p>
-        </p:txBody>
-      </p:sp>
-    </p:spTree>
-    <p:extLst>
-      <p:ext uri="{BB962C8B-B14F-4D97-AF65-F5344CB8AC3E}">
-        <p14:creationId xmlns:p14="http://schemas.microsoft.com/office/powerpoint/2010/main" val="1799800144"/>
-      </p:ext>
-    </p:extLst>
-  </p:cSld>
-  <p:clrMapOvr>
-    <a:masterClrMapping/>
-  </p:clrMapOvr>
-  <p:timing>
-    <p:tnLst>
-      <p:par>
-        <p:cTn id="1" dur="indefinite" restart="never" nodeType="tmRoot">
-          <p:childTnLst>
-            <p:seq concurrent="1" nextAc="seek">
-              <p:cTn id="2" dur="indefinite" nodeType="mainSeq">
-                <p:childTnLst>
-                  <p:par>
-                    <p:cTn id="3" fill="hold">
-                      <p:stCondLst>
-                        <p:cond delay="indefinite"/>
-                      </p:stCondLst>
-                      <p:childTnLst>
-                        <p:par>
-                          <p:cTn id="4" fill="hold">
-                            <p:stCondLst>
-                              <p:cond delay="0"/>
-                            </p:stCondLst>
-                            <p:childTnLst>
-                              <p:par>
-                                <p:cTn id="5" presetID="10" presetClass="entr" presetSubtype="0" fill="hold" grpId="0" nodeType="clickEffect">
-                                  <p:stCondLst>
-                                    <p:cond delay="0"/>
-                                  </p:stCondLst>
-                                  <p:childTnLst>
-                                    <p:set>
-                                      <p:cBhvr>
-                                        <p:cTn id="6" dur="1" fill="hold">
-                                          <p:stCondLst>
-                                            <p:cond delay="0"/>
-                                          </p:stCondLst>
-                                        </p:cTn>
-                                        <p:tgtEl>
-                                          <p:spTgt spid="5"/>
-                                        </p:tgtEl>
-                                        <p:attrNameLst>
-                                          <p:attrName>style.visibility</p:attrName>
-                                        </p:attrNameLst>
-                                      </p:cBhvr>
-                                      <p:to>
-                                        <p:strVal val="visible"/>
-                                      </p:to>
-                                    </p:set>
-                                    <p:animEffect transition="in" filter="fade">
-                                      <p:cBhvr>
-                                        <p:cTn id="7" dur="500"/>
-                                        <p:tgtEl>
-                                          <p:spTgt spid="5"/>
-                                        </p:tgtEl>
-                                      </p:cBhvr>
-                                    </p:animEffect>
-                                  </p:childTnLst>
-                                </p:cTn>
-                              </p:par>
-                            </p:childTnLst>
-                          </p:cTn>
-                        </p:par>
-                      </p:childTnLst>
-                    </p:cTn>
-                  </p:par>
-                  <p:par>
-                    <p:cTn id="8" fill="hold">
-                      <p:stCondLst>
-                        <p:cond delay="indefinite"/>
-                      </p:stCondLst>
-                      <p:childTnLst>
-                        <p:par>
-                          <p:cTn id="9" fill="hold">
-                            <p:stCondLst>
-                              <p:cond delay="0"/>
-                            </p:stCondLst>
-                            <p:childTnLst>
-                              <p:par>
-                                <p:cTn id="10" presetID="10" presetClass="entr" presetSubtype="0" fill="hold" nodeType="clickEffect">
-                                  <p:stCondLst>
-                                    <p:cond delay="0"/>
-                                  </p:stCondLst>
-                                  <p:childTnLst>
-                                    <p:set>
-                                      <p:cBhvr>
-                                        <p:cTn id="11" dur="1" fill="hold">
-                                          <p:stCondLst>
-                                            <p:cond delay="0"/>
-                                          </p:stCondLst>
-                                        </p:cTn>
-                                        <p:tgtEl>
-                                          <p:spTgt spid="4"/>
-                                        </p:tgtEl>
-                                        <p:attrNameLst>
-                                          <p:attrName>style.visibility</p:attrName>
-                                        </p:attrNameLst>
-                                      </p:cBhvr>
-                                      <p:to>
-                                        <p:strVal val="visible"/>
-                                      </p:to>
-                                    </p:set>
-                                    <p:animEffect transition="in" filter="fade">
-                                      <p:cBhvr>
-                                        <p:cTn id="12" dur="500"/>
-                                        <p:tgtEl>
-                                          <p:spTgt spid="4"/>
-                                        </p:tgtEl>
-                                      </p:cBhvr>
-                                    </p:animEffect>
-                                  </p:childTnLst>
-                                </p:cTn>
-                              </p:par>
-                              <p:par>
-                                <p:cTn id="13" presetID="10" presetClass="entr" presetSubtype="0" fill="hold" nodeType="withEffect">
-                                  <p:stCondLst>
-                                    <p:cond delay="0"/>
-                                  </p:stCondLst>
-                                  <p:childTnLst>
-                                    <p:set>
-                                      <p:cBhvr>
-                                        <p:cTn id="14" dur="1" fill="hold">
-                                          <p:stCondLst>
-                                            <p:cond delay="0"/>
-                                          </p:stCondLst>
-                                        </p:cTn>
-                                        <p:tgtEl>
-                                          <p:spTgt spid="7"/>
-                                        </p:tgtEl>
-                                        <p:attrNameLst>
-                                          <p:attrName>style.visibility</p:attrName>
-                                        </p:attrNameLst>
-                                      </p:cBhvr>
-                                      <p:to>
-                                        <p:strVal val="visible"/>
-                                      </p:to>
-                                    </p:set>
-                                    <p:animEffect transition="in" filter="fade">
-                                      <p:cBhvr>
-                                        <p:cTn id="15" dur="500"/>
-                                        <p:tgtEl>
-                                          <p:spTgt spid="7"/>
-                                        </p:tgtEl>
-                                      </p:cBhvr>
-                                    </p:animEffect>
-                                  </p:childTnLst>
-                                </p:cTn>
-                              </p:par>
-                            </p:childTnLst>
-                          </p:cTn>
-                        </p:par>
-                      </p:childTnLst>
-                    </p:cTn>
-                  </p:par>
-                </p:childTnLst>
-              </p:cTn>
-              <p:prevCondLst>
-                <p:cond evt="onPrev" delay="0">
-                  <p:tgtEl>
-                    <p:sldTgt/>
-                  </p:tgtEl>
-                </p:cond>
-              </p:prevCondLst>
-              <p:nextCondLst>
-                <p:cond evt="onNext" delay="0">
-                  <p:tgtEl>
-                    <p:sldTgt/>
-                  </p:tgtEl>
-                </p:cond>
-              </p:nextCondLst>
-            </p:seq>
-          </p:childTnLst>
-        </p:cTn>
-      </p:par>
-    </p:tnLst>
-    <p:bldLst>
-      <p:bldP spid="5" grpId="0"/>
-    </p:bldLst>
-  </p:timing>
-</p:sld>
-</file>
-
-<file path=ppt/slides/slide13.xml><?xml version="1.0" encoding="utf-8"?>
-<p:sld xmlns:a="http://schemas.openxmlformats.org/drawingml/2006/main" xmlns:r="http://schemas.openxmlformats.org/officeDocument/2006/relationships" xmlns:p="http://schemas.openxmlformats.org/presentationml/2006/main">
-  <p:cSld>
-    <p:spTree>
-      <p:nvGrpSpPr>
-        <p:cNvPr id="1" name=""/>
-        <p:cNvGrpSpPr/>
-        <p:nvPr/>
-      </p:nvGrpSpPr>
-      <p:grpSpPr>
-        <a:xfrm>
-          <a:off x="0" y="0"/>
-          <a:ext cx="0" cy="0"/>
-          <a:chOff x="0" y="0"/>
-          <a:chExt cx="0" cy="0"/>
-        </a:xfrm>
-      </p:grpSpPr>
-      <p:pic>
-        <p:nvPicPr>
-          <p:cNvPr id="7" name="Content Placeholder 6"/>
-          <p:cNvPicPr>
-            <a:picLocks noGrp="1" noChangeAspect="1"/>
-          </p:cNvPicPr>
-          <p:nvPr>
-            <p:ph idx="1"/>
-          </p:nvPr>
-        </p:nvPicPr>
-        <p:blipFill>
-          <a:blip r:embed="rId2">
-            <a:extLst>
-              <a:ext uri="{28A0092B-C50C-407E-A947-70E740481C1C}">
-                <a14:useLocalDpi xmlns:a14="http://schemas.microsoft.com/office/drawing/2010/main" val="0"/>
-              </a:ext>
-            </a:extLst>
-          </a:blip>
-          <a:stretch>
-            <a:fillRect/>
-          </a:stretch>
-        </p:blipFill>
-        <p:spPr>
-          <a:xfrm>
-            <a:off x="982339" y="1543634"/>
-            <a:ext cx="10026692" cy="4938342"/>
-          </a:xfrm>
-        </p:spPr>
-      </p:pic>
-      <p:sp>
-        <p:nvSpPr>
-          <p:cNvPr id="9" name="Rectangle 8"/>
-          <p:cNvSpPr/>
-          <p:nvPr/>
-        </p:nvSpPr>
-        <p:spPr>
-          <a:xfrm>
-            <a:off x="165903" y="767411"/>
-            <a:ext cx="5528841" cy="646331"/>
-          </a:xfrm>
-          <a:prstGeom prst="rect">
-            <a:avLst/>
-          </a:prstGeom>
-        </p:spPr>
-        <p:txBody>
-          <a:bodyPr wrap="square">
-            <a:spAutoFit/>
-          </a:bodyPr>
-          <a:lstStyle/>
-          <a:p>
-            <a:r>
-              <a:rPr lang="fr-CH" b="1" u="sng" dirty="0" err="1"/>
-              <a:t>Sépratareur</a:t>
-            </a:r>
-            <a:r>
-              <a:rPr lang="fr-CH" b="1" u="sng" dirty="0"/>
-              <a:t> PoE ou PoE Splitter</a:t>
-            </a:r>
-            <a:r>
-              <a:rPr lang="fr-CH" b="1" dirty="0"/>
-              <a:t>?</a:t>
-            </a:r>
-          </a:p>
-          <a:p>
-            <a:endParaRPr lang="fr-CH" b="1" u="sng" dirty="0"/>
-          </a:p>
-        </p:txBody>
-      </p:sp>
-      <p:sp>
-        <p:nvSpPr>
-          <p:cNvPr id="10" name="Title 1"/>
-          <p:cNvSpPr>
-            <a:spLocks noGrp="1"/>
-          </p:cNvSpPr>
-          <p:nvPr>
-            <p:ph type="title"/>
-          </p:nvPr>
-        </p:nvSpPr>
-        <p:spPr>
-          <a:xfrm>
-            <a:off x="0" y="0"/>
-            <a:ext cx="4039565" cy="510199"/>
-          </a:xfrm>
-        </p:spPr>
-        <p:txBody>
-          <a:bodyPr numCol="1">
-            <a:noAutofit/>
-          </a:bodyPr>
-          <a:lstStyle/>
-          <a:p>
-            <a:pPr algn="ctr"/>
-            <a:r>
-              <a:rPr lang="fr-CH" sz="2800" dirty="0"/>
-              <a:t>La technologie PoE</a:t>
-            </a:r>
-          </a:p>
-        </p:txBody>
-      </p:sp>
-    </p:spTree>
-    <p:extLst>
-      <p:ext uri="{BB962C8B-B14F-4D97-AF65-F5344CB8AC3E}">
-        <p14:creationId xmlns:p14="http://schemas.microsoft.com/office/powerpoint/2010/main" val="4096183305"/>
-      </p:ext>
-    </p:extLst>
-  </p:cSld>
-  <p:clrMapOvr>
-    <a:masterClrMapping/>
-  </p:clrMapOvr>
-  <p:timing>
-    <p:tnLst>
-      <p:par>
-        <p:cTn id="1" dur="indefinite" restart="never" nodeType="tmRoot">
-          <p:childTnLst>
-            <p:seq concurrent="1" nextAc="seek">
-              <p:cTn id="2" dur="indefinite" nodeType="mainSeq">
-                <p:childTnLst>
-                  <p:par>
-                    <p:cTn id="3" fill="hold">
-                      <p:stCondLst>
-                        <p:cond delay="indefinite"/>
-                      </p:stCondLst>
-                      <p:childTnLst>
-                        <p:par>
-                          <p:cTn id="4" fill="hold">
-                            <p:stCondLst>
-                              <p:cond delay="0"/>
-                            </p:stCondLst>
-                            <p:childTnLst>
-                              <p:par>
-                                <p:cTn id="5" presetID="10" presetClass="entr" presetSubtype="0" fill="hold" grpId="0" nodeType="clickEffect">
-                                  <p:stCondLst>
-                                    <p:cond delay="0"/>
-                                  </p:stCondLst>
-                                  <p:childTnLst>
-                                    <p:set>
-                                      <p:cBhvr>
-                                        <p:cTn id="6" dur="1" fill="hold">
-                                          <p:stCondLst>
-                                            <p:cond delay="0"/>
-                                          </p:stCondLst>
-                                        </p:cTn>
-                                        <p:tgtEl>
-                                          <p:spTgt spid="9"/>
-                                        </p:tgtEl>
-                                        <p:attrNameLst>
-                                          <p:attrName>style.visibility</p:attrName>
-                                        </p:attrNameLst>
-                                      </p:cBhvr>
-                                      <p:to>
-                                        <p:strVal val="visible"/>
-                                      </p:to>
-                                    </p:set>
-                                    <p:animEffect transition="in" filter="fade">
-                                      <p:cBhvr>
-                                        <p:cTn id="7" dur="500"/>
-                                        <p:tgtEl>
-                                          <p:spTgt spid="9"/>
-                                        </p:tgtEl>
-                                      </p:cBhvr>
-                                    </p:animEffect>
-                                  </p:childTnLst>
-                                </p:cTn>
-                              </p:par>
-                            </p:childTnLst>
-                          </p:cTn>
-                        </p:par>
-                      </p:childTnLst>
-                    </p:cTn>
-                  </p:par>
-                </p:childTnLst>
-              </p:cTn>
-              <p:prevCondLst>
-                <p:cond evt="onPrev" delay="0">
-                  <p:tgtEl>
-                    <p:sldTgt/>
-                  </p:tgtEl>
-                </p:cond>
-              </p:prevCondLst>
-              <p:nextCondLst>
-                <p:cond evt="onNext" delay="0">
-                  <p:tgtEl>
-                    <p:sldTgt/>
-                  </p:tgtEl>
-                </p:cond>
-              </p:nextCondLst>
-            </p:seq>
-          </p:childTnLst>
-        </p:cTn>
-      </p:par>
-    </p:tnLst>
-    <p:bldLst>
-      <p:bldP spid="9" grpId="0"/>
-    </p:bldLst>
-  </p:timing>
-</p:sld>
-</file>
-
-<file path=ppt/slides/slide14.xml><?xml version="1.0" encoding="utf-8"?>
-<p:sld xmlns:a="http://schemas.openxmlformats.org/drawingml/2006/main" xmlns:r="http://schemas.openxmlformats.org/officeDocument/2006/relationships" xmlns:p="http://schemas.openxmlformats.org/presentationml/2006/main">
-  <p:cSld>
-    <p:spTree>
-      <p:nvGrpSpPr>
-        <p:cNvPr id="1" name=""/>
-        <p:cNvGrpSpPr/>
-        <p:nvPr/>
-      </p:nvGrpSpPr>
-      <p:grpSpPr>
-        <a:xfrm>
-          <a:off x="0" y="0"/>
-          <a:ext cx="0" cy="0"/>
-          <a:chOff x="0" y="0"/>
-          <a:chExt cx="0" cy="0"/>
-        </a:xfrm>
-      </p:grpSpPr>
-      <p:sp>
-        <p:nvSpPr>
-          <p:cNvPr id="3" name="Content Placeholder 2"/>
-          <p:cNvSpPr>
-            <a:spLocks noGrp="1"/>
-          </p:cNvSpPr>
-          <p:nvPr>
             <p:ph idx="1"/>
           </p:nvPr>
         </p:nvSpPr>
@@ -7268,7 +5983,7 @@
                   <a:schemeClr val="tx1"/>
                 </a:solidFill>
               </a:rPr>
-              <a:t>Avantage </a:t>
+              <a:t>Avantages </a:t>
             </a:r>
           </a:p>
           <a:p>
@@ -7313,7 +6028,7 @@
                   <a:schemeClr val="tx1"/>
                 </a:solidFill>
               </a:rPr>
-              <a:t>Simplifier le câblage </a:t>
+              <a:t>Simplification du câblage </a:t>
             </a:r>
           </a:p>
           <a:p>
@@ -7339,7 +6054,7 @@
                   <a:schemeClr val="tx1"/>
                 </a:solidFill>
               </a:rPr>
-              <a:t>Désavantage</a:t>
+              <a:t>Désavantages</a:t>
             </a:r>
           </a:p>
           <a:p>
@@ -7375,8 +6090,8 @@
         </p:nvSpPr>
         <p:spPr>
           <a:xfrm>
-            <a:off x="640465" y="1154632"/>
-            <a:ext cx="5679312" cy="646331"/>
+            <a:off x="640464" y="1154632"/>
+            <a:ext cx="6016367" cy="646331"/>
           </a:xfrm>
           <a:prstGeom prst="rect">
             <a:avLst/>
@@ -7390,7 +6105,7 @@
           <a:p>
             <a:r>
               <a:rPr lang="fr-CH" b="1" u="sng" dirty="0"/>
-              <a:t>Avantage et inconvenants de la technologie PoE</a:t>
+              <a:t>Avantage et Désavantages de la technologie PoE</a:t>
             </a:r>
             <a:endParaRPr lang="fr-CH" b="1" dirty="0"/>
           </a:p>
@@ -7432,7 +6147,7 @@
     </p:spTree>
     <p:extLst>
       <p:ext uri="{BB962C8B-B14F-4D97-AF65-F5344CB8AC3E}">
-        <p14:creationId xmlns:p14="http://schemas.microsoft.com/office/powerpoint/2010/main" val="2106287699"/>
+        <p14:creationId xmlns:p14="http://schemas.microsoft.com/office/powerpoint/2010/main" val="3171219496"/>
       </p:ext>
     </p:extLst>
   </p:cSld>
@@ -7822,6 +6537,317 @@
 </p:sld>
 </file>
 
+<file path=ppt/slides/slide12.xml><?xml version="1.0" encoding="utf-8"?>
+<p:sld xmlns:a="http://schemas.openxmlformats.org/drawingml/2006/main" xmlns:r="http://schemas.openxmlformats.org/officeDocument/2006/relationships" xmlns:p="http://schemas.openxmlformats.org/presentationml/2006/main">
+  <p:cSld>
+    <p:spTree>
+      <p:nvGrpSpPr>
+        <p:cNvPr id="1" name=""/>
+        <p:cNvGrpSpPr/>
+        <p:nvPr/>
+      </p:nvGrpSpPr>
+      <p:grpSpPr>
+        <a:xfrm>
+          <a:off x="0" y="0"/>
+          <a:ext cx="0" cy="0"/>
+          <a:chOff x="0" y="0"/>
+          <a:chExt cx="0" cy="0"/>
+        </a:xfrm>
+      </p:grpSpPr>
+      <p:sp>
+        <p:nvSpPr>
+          <p:cNvPr id="3" name="Content Placeholder 2"/>
+          <p:cNvSpPr>
+            <a:spLocks noGrp="1"/>
+          </p:cNvSpPr>
+          <p:nvPr>
+            <p:ph idx="1"/>
+          </p:nvPr>
+        </p:nvSpPr>
+        <p:spPr>
+          <a:xfrm>
+            <a:off x="478280" y="1033010"/>
+            <a:ext cx="11385771" cy="5529836"/>
+          </a:xfrm>
+        </p:spPr>
+        <p:txBody>
+          <a:bodyPr>
+            <a:normAutofit/>
+          </a:bodyPr>
+          <a:lstStyle/>
+          <a:p>
+            <a:pPr>
+              <a:lnSpc>
+                <a:spcPct val="150000"/>
+              </a:lnSpc>
+            </a:pPr>
+            <a:r>
+              <a:rPr lang="fr-CH" sz="2800" dirty="0">
+                <a:solidFill>
+                  <a:schemeClr val="tx1"/>
+                </a:solidFill>
+              </a:rPr>
+              <a:t>CAT5 / 5E</a:t>
+            </a:r>
+          </a:p>
+          <a:p>
+            <a:pPr>
+              <a:lnSpc>
+                <a:spcPct val="150000"/>
+              </a:lnSpc>
+            </a:pPr>
+            <a:r>
+              <a:rPr lang="fr-CH" sz="2800" dirty="0">
+                <a:solidFill>
+                  <a:schemeClr val="tx1"/>
+                </a:solidFill>
+              </a:rPr>
+              <a:t>CAT6 / 6A</a:t>
+            </a:r>
+          </a:p>
+          <a:p>
+            <a:pPr>
+              <a:lnSpc>
+                <a:spcPct val="150000"/>
+              </a:lnSpc>
+            </a:pPr>
+            <a:r>
+              <a:rPr lang="fr-CH" sz="2800" dirty="0">
+                <a:solidFill>
+                  <a:schemeClr val="tx1"/>
+                </a:solidFill>
+              </a:rPr>
+              <a:t>CAT7</a:t>
+            </a:r>
+          </a:p>
+          <a:p>
+            <a:pPr>
+              <a:lnSpc>
+                <a:spcPct val="150000"/>
+              </a:lnSpc>
+            </a:pPr>
+            <a:r>
+              <a:rPr lang="fr-CH" sz="2800" dirty="0">
+                <a:solidFill>
+                  <a:schemeClr val="tx1"/>
+                </a:solidFill>
+              </a:rPr>
+              <a:t>CAT8</a:t>
+            </a:r>
+          </a:p>
+        </p:txBody>
+      </p:sp>
+      <p:sp>
+        <p:nvSpPr>
+          <p:cNvPr id="6" name="Title 1"/>
+          <p:cNvSpPr>
+            <a:spLocks noGrp="1"/>
+          </p:cNvSpPr>
+          <p:nvPr>
+            <p:ph type="title"/>
+          </p:nvPr>
+        </p:nvSpPr>
+        <p:spPr>
+          <a:xfrm>
+            <a:off x="0" y="0"/>
+            <a:ext cx="6840638" cy="510199"/>
+          </a:xfrm>
+        </p:spPr>
+        <p:txBody>
+          <a:bodyPr numCol="1">
+            <a:noAutofit/>
+          </a:bodyPr>
+          <a:lstStyle/>
+          <a:p>
+            <a:pPr algn="ctr"/>
+            <a:r>
+              <a:rPr lang="fr-CH" sz="2800" dirty="0"/>
+              <a:t>Les catégories des câbles Ethernet</a:t>
+            </a:r>
+          </a:p>
+        </p:txBody>
+      </p:sp>
+    </p:spTree>
+    <p:extLst>
+      <p:ext uri="{BB962C8B-B14F-4D97-AF65-F5344CB8AC3E}">
+        <p14:creationId xmlns:p14="http://schemas.microsoft.com/office/powerpoint/2010/main" val="3551929532"/>
+      </p:ext>
+    </p:extLst>
+  </p:cSld>
+  <p:clrMapOvr>
+    <a:masterClrMapping/>
+  </p:clrMapOvr>
+</p:sld>
+</file>
+
+<file path=ppt/slides/slide13.xml><?xml version="1.0" encoding="utf-8"?>
+<p:sld xmlns:a="http://schemas.openxmlformats.org/drawingml/2006/main" xmlns:r="http://schemas.openxmlformats.org/officeDocument/2006/relationships" xmlns:p="http://schemas.openxmlformats.org/presentationml/2006/main">
+  <p:cSld>
+    <p:spTree>
+      <p:nvGrpSpPr>
+        <p:cNvPr id="1" name=""/>
+        <p:cNvGrpSpPr/>
+        <p:nvPr/>
+      </p:nvGrpSpPr>
+      <p:grpSpPr>
+        <a:xfrm>
+          <a:off x="0" y="0"/>
+          <a:ext cx="0" cy="0"/>
+          <a:chOff x="0" y="0"/>
+          <a:chExt cx="0" cy="0"/>
+        </a:xfrm>
+      </p:grpSpPr>
+      <p:sp>
+        <p:nvSpPr>
+          <p:cNvPr id="5" name="Content Placeholder 2"/>
+          <p:cNvSpPr>
+            <a:spLocks noGrp="1"/>
+          </p:cNvSpPr>
+          <p:nvPr>
+            <p:ph idx="1"/>
+          </p:nvPr>
+        </p:nvSpPr>
+        <p:spPr>
+          <a:xfrm>
+            <a:off x="277793" y="902826"/>
+            <a:ext cx="11539959" cy="5660020"/>
+          </a:xfrm>
+        </p:spPr>
+        <p:txBody>
+          <a:bodyPr/>
+          <a:lstStyle/>
+          <a:p>
+            <a:endParaRPr lang="fr-CH" dirty="0"/>
+          </a:p>
+        </p:txBody>
+      </p:sp>
+      <p:sp>
+        <p:nvSpPr>
+          <p:cNvPr id="6" name="Title 1"/>
+          <p:cNvSpPr>
+            <a:spLocks noGrp="1"/>
+          </p:cNvSpPr>
+          <p:nvPr>
+            <p:ph type="title"/>
+          </p:nvPr>
+        </p:nvSpPr>
+        <p:spPr>
+          <a:xfrm>
+            <a:off x="0" y="0"/>
+            <a:ext cx="2511706" cy="510199"/>
+          </a:xfrm>
+        </p:spPr>
+        <p:txBody>
+          <a:bodyPr numCol="1">
+            <a:noAutofit/>
+          </a:bodyPr>
+          <a:lstStyle/>
+          <a:p>
+            <a:pPr algn="ctr"/>
+            <a:r>
+              <a:rPr lang="fr-CH" sz="2800" dirty="0"/>
+              <a:t>CATEGORIE 5</a:t>
+            </a:r>
+          </a:p>
+        </p:txBody>
+      </p:sp>
+    </p:spTree>
+    <p:extLst>
+      <p:ext uri="{BB962C8B-B14F-4D97-AF65-F5344CB8AC3E}">
+        <p14:creationId xmlns:p14="http://schemas.microsoft.com/office/powerpoint/2010/main" val="3479421088"/>
+      </p:ext>
+    </p:extLst>
+  </p:cSld>
+  <p:clrMapOvr>
+    <a:masterClrMapping/>
+  </p:clrMapOvr>
+</p:sld>
+</file>
+
+<file path=ppt/slides/slide14.xml><?xml version="1.0" encoding="utf-8"?>
+<p:sld xmlns:a="http://schemas.openxmlformats.org/drawingml/2006/main" xmlns:r="http://schemas.openxmlformats.org/officeDocument/2006/relationships" xmlns:p="http://schemas.openxmlformats.org/presentationml/2006/main">
+  <p:cSld>
+    <p:spTree>
+      <p:nvGrpSpPr>
+        <p:cNvPr id="1" name=""/>
+        <p:cNvGrpSpPr/>
+        <p:nvPr/>
+      </p:nvGrpSpPr>
+      <p:grpSpPr>
+        <a:xfrm>
+          <a:off x="0" y="0"/>
+          <a:ext cx="0" cy="0"/>
+          <a:chOff x="0" y="0"/>
+          <a:chExt cx="0" cy="0"/>
+        </a:xfrm>
+      </p:grpSpPr>
+      <p:sp>
+        <p:nvSpPr>
+          <p:cNvPr id="5" name="Content Placeholder 2"/>
+          <p:cNvSpPr>
+            <a:spLocks noGrp="1"/>
+          </p:cNvSpPr>
+          <p:nvPr>
+            <p:ph idx="1"/>
+          </p:nvPr>
+        </p:nvSpPr>
+        <p:spPr>
+          <a:xfrm>
+            <a:off x="277793" y="902826"/>
+            <a:ext cx="11539959" cy="5660020"/>
+          </a:xfrm>
+        </p:spPr>
+        <p:txBody>
+          <a:bodyPr/>
+          <a:lstStyle/>
+          <a:p>
+            <a:endParaRPr lang="fr-CH" dirty="0"/>
+          </a:p>
+        </p:txBody>
+      </p:sp>
+      <p:sp>
+        <p:nvSpPr>
+          <p:cNvPr id="6" name="Title 1"/>
+          <p:cNvSpPr>
+            <a:spLocks noGrp="1"/>
+          </p:cNvSpPr>
+          <p:nvPr>
+            <p:ph type="title"/>
+          </p:nvPr>
+        </p:nvSpPr>
+        <p:spPr>
+          <a:xfrm>
+            <a:off x="0" y="0"/>
+            <a:ext cx="2720051" cy="510199"/>
+          </a:xfrm>
+        </p:spPr>
+        <p:txBody>
+          <a:bodyPr numCol="1">
+            <a:noAutofit/>
+          </a:bodyPr>
+          <a:lstStyle/>
+          <a:p>
+            <a:pPr algn="ctr"/>
+            <a:r>
+              <a:rPr lang="fr-CH" sz="2800" dirty="0"/>
+              <a:t>CATEGORIE 5E</a:t>
+            </a:r>
+          </a:p>
+        </p:txBody>
+      </p:sp>
+    </p:spTree>
+    <p:extLst>
+      <p:ext uri="{BB962C8B-B14F-4D97-AF65-F5344CB8AC3E}">
+        <p14:creationId xmlns:p14="http://schemas.microsoft.com/office/powerpoint/2010/main" val="3813941676"/>
+      </p:ext>
+    </p:extLst>
+  </p:cSld>
+  <p:clrMapOvr>
+    <a:masterClrMapping/>
+  </p:clrMapOvr>
+</p:sld>
+</file>
+
 <file path=ppt/slides/slide15.xml><?xml version="1.0" encoding="utf-8"?>
 <p:sld xmlns:a="http://schemas.openxmlformats.org/drawingml/2006/main" xmlns:r="http://schemas.openxmlformats.org/officeDocument/2006/relationships" xmlns:p="http://schemas.openxmlformats.org/presentationml/2006/main">
   <p:cSld>
@@ -7851,8 +6877,8 @@
         </p:nvSpPr>
         <p:spPr>
           <a:xfrm>
-            <a:off x="478280" y="1033010"/>
-            <a:ext cx="11385771" cy="5529836"/>
+            <a:off x="496642" y="1402954"/>
+            <a:ext cx="6244127" cy="4376521"/>
           </a:xfrm>
         </p:spPr>
         <p:txBody>
@@ -7861,327 +6887,16 @@
           </a:bodyPr>
           <a:lstStyle/>
           <a:p>
-            <a:pPr>
-              <a:lnSpc>
-                <a:spcPct val="150000"/>
-              </a:lnSpc>
+            <a:pPr marL="0" indent="0">
+              <a:buNone/>
             </a:pPr>
             <a:r>
-              <a:rPr lang="fr-CH" sz="2800" dirty="0">
+              <a:rPr lang="fr-CH" b="1" u="sng" dirty="0">
                 <a:solidFill>
                   <a:schemeClr val="tx1"/>
                 </a:solidFill>
               </a:rPr>
-              <a:t>CAT5 / 5E</a:t>
-            </a:r>
-          </a:p>
-          <a:p>
-            <a:pPr>
-              <a:lnSpc>
-                <a:spcPct val="150000"/>
-              </a:lnSpc>
-            </a:pPr>
-            <a:r>
-              <a:rPr lang="fr-CH" sz="2800" dirty="0">
-                <a:solidFill>
-                  <a:schemeClr val="tx1"/>
-                </a:solidFill>
-              </a:rPr>
-              <a:t>CAT6 / 6A</a:t>
-            </a:r>
-          </a:p>
-          <a:p>
-            <a:pPr>
-              <a:lnSpc>
-                <a:spcPct val="150000"/>
-              </a:lnSpc>
-            </a:pPr>
-            <a:r>
-              <a:rPr lang="fr-CH" sz="2800" dirty="0">
-                <a:solidFill>
-                  <a:schemeClr val="tx1"/>
-                </a:solidFill>
-              </a:rPr>
-              <a:t>CAT7</a:t>
-            </a:r>
-          </a:p>
-          <a:p>
-            <a:pPr>
-              <a:lnSpc>
-                <a:spcPct val="150000"/>
-              </a:lnSpc>
-            </a:pPr>
-            <a:r>
-              <a:rPr lang="fr-CH" sz="2800" dirty="0">
-                <a:solidFill>
-                  <a:schemeClr val="tx1"/>
-                </a:solidFill>
-              </a:rPr>
-              <a:t>CAT8</a:t>
-            </a:r>
-          </a:p>
-        </p:txBody>
-      </p:sp>
-      <p:sp>
-        <p:nvSpPr>
-          <p:cNvPr id="6" name="Title 1"/>
-          <p:cNvSpPr>
-            <a:spLocks noGrp="1"/>
-          </p:cNvSpPr>
-          <p:nvPr>
-            <p:ph type="title"/>
-          </p:nvPr>
-        </p:nvSpPr>
-        <p:spPr>
-          <a:xfrm>
-            <a:off x="0" y="0"/>
-            <a:ext cx="6840638" cy="510199"/>
-          </a:xfrm>
-        </p:spPr>
-        <p:txBody>
-          <a:bodyPr numCol="1">
-            <a:noAutofit/>
-          </a:bodyPr>
-          <a:lstStyle/>
-          <a:p>
-            <a:pPr algn="ctr"/>
-            <a:r>
-              <a:rPr lang="fr-CH" sz="2800" dirty="0"/>
-              <a:t>Les catégories des câbles Ethernet</a:t>
-            </a:r>
-          </a:p>
-        </p:txBody>
-      </p:sp>
-    </p:spTree>
-    <p:extLst>
-      <p:ext uri="{BB962C8B-B14F-4D97-AF65-F5344CB8AC3E}">
-        <p14:creationId xmlns:p14="http://schemas.microsoft.com/office/powerpoint/2010/main" val="3551929532"/>
-      </p:ext>
-    </p:extLst>
-  </p:cSld>
-  <p:clrMapOvr>
-    <a:masterClrMapping/>
-  </p:clrMapOvr>
-</p:sld>
-</file>
-
-<file path=ppt/slides/slide16.xml><?xml version="1.0" encoding="utf-8"?>
-<p:sld xmlns:a="http://schemas.openxmlformats.org/drawingml/2006/main" xmlns:r="http://schemas.openxmlformats.org/officeDocument/2006/relationships" xmlns:p="http://schemas.openxmlformats.org/presentationml/2006/main">
-  <p:cSld>
-    <p:spTree>
-      <p:nvGrpSpPr>
-        <p:cNvPr id="1" name=""/>
-        <p:cNvGrpSpPr/>
-        <p:nvPr/>
-      </p:nvGrpSpPr>
-      <p:grpSpPr>
-        <a:xfrm>
-          <a:off x="0" y="0"/>
-          <a:ext cx="0" cy="0"/>
-          <a:chOff x="0" y="0"/>
-          <a:chExt cx="0" cy="0"/>
-        </a:xfrm>
-      </p:grpSpPr>
-      <p:sp>
-        <p:nvSpPr>
-          <p:cNvPr id="5" name="Content Placeholder 2"/>
-          <p:cNvSpPr>
-            <a:spLocks noGrp="1"/>
-          </p:cNvSpPr>
-          <p:nvPr>
-            <p:ph idx="1"/>
-          </p:nvPr>
-        </p:nvSpPr>
-        <p:spPr>
-          <a:xfrm>
-            <a:off x="277793" y="902826"/>
-            <a:ext cx="11539959" cy="5660020"/>
-          </a:xfrm>
-        </p:spPr>
-        <p:txBody>
-          <a:bodyPr/>
-          <a:lstStyle/>
-          <a:p>
-            <a:endParaRPr lang="fr-CH" dirty="0"/>
-          </a:p>
-        </p:txBody>
-      </p:sp>
-      <p:sp>
-        <p:nvSpPr>
-          <p:cNvPr id="6" name="Title 1"/>
-          <p:cNvSpPr>
-            <a:spLocks noGrp="1"/>
-          </p:cNvSpPr>
-          <p:nvPr>
-            <p:ph type="title"/>
-          </p:nvPr>
-        </p:nvSpPr>
-        <p:spPr>
-          <a:xfrm>
-            <a:off x="0" y="0"/>
-            <a:ext cx="2511706" cy="510199"/>
-          </a:xfrm>
-        </p:spPr>
-        <p:txBody>
-          <a:bodyPr numCol="1">
-            <a:noAutofit/>
-          </a:bodyPr>
-          <a:lstStyle/>
-          <a:p>
-            <a:pPr algn="ctr"/>
-            <a:r>
-              <a:rPr lang="fr-CH" sz="2800" dirty="0"/>
-              <a:t>CATEGORIE 5</a:t>
-            </a:r>
-          </a:p>
-        </p:txBody>
-      </p:sp>
-    </p:spTree>
-    <p:extLst>
-      <p:ext uri="{BB962C8B-B14F-4D97-AF65-F5344CB8AC3E}">
-        <p14:creationId xmlns:p14="http://schemas.microsoft.com/office/powerpoint/2010/main" val="3479421088"/>
-      </p:ext>
-    </p:extLst>
-  </p:cSld>
-  <p:clrMapOvr>
-    <a:masterClrMapping/>
-  </p:clrMapOvr>
-</p:sld>
-</file>
-
-<file path=ppt/slides/slide17.xml><?xml version="1.0" encoding="utf-8"?>
-<p:sld xmlns:a="http://schemas.openxmlformats.org/drawingml/2006/main" xmlns:r="http://schemas.openxmlformats.org/officeDocument/2006/relationships" xmlns:p="http://schemas.openxmlformats.org/presentationml/2006/main">
-  <p:cSld>
-    <p:spTree>
-      <p:nvGrpSpPr>
-        <p:cNvPr id="1" name=""/>
-        <p:cNvGrpSpPr/>
-        <p:nvPr/>
-      </p:nvGrpSpPr>
-      <p:grpSpPr>
-        <a:xfrm>
-          <a:off x="0" y="0"/>
-          <a:ext cx="0" cy="0"/>
-          <a:chOff x="0" y="0"/>
-          <a:chExt cx="0" cy="0"/>
-        </a:xfrm>
-      </p:grpSpPr>
-      <p:sp>
-        <p:nvSpPr>
-          <p:cNvPr id="5" name="Content Placeholder 2"/>
-          <p:cNvSpPr>
-            <a:spLocks noGrp="1"/>
-          </p:cNvSpPr>
-          <p:nvPr>
-            <p:ph idx="1"/>
-          </p:nvPr>
-        </p:nvSpPr>
-        <p:spPr>
-          <a:xfrm>
-            <a:off x="277793" y="902826"/>
-            <a:ext cx="11539959" cy="5660020"/>
-          </a:xfrm>
-        </p:spPr>
-        <p:txBody>
-          <a:bodyPr/>
-          <a:lstStyle/>
-          <a:p>
-            <a:endParaRPr lang="fr-CH" dirty="0"/>
-          </a:p>
-        </p:txBody>
-      </p:sp>
-      <p:sp>
-        <p:nvSpPr>
-          <p:cNvPr id="6" name="Title 1"/>
-          <p:cNvSpPr>
-            <a:spLocks noGrp="1"/>
-          </p:cNvSpPr>
-          <p:nvPr>
-            <p:ph type="title"/>
-          </p:nvPr>
-        </p:nvSpPr>
-        <p:spPr>
-          <a:xfrm>
-            <a:off x="0" y="0"/>
-            <a:ext cx="2720051" cy="510199"/>
-          </a:xfrm>
-        </p:spPr>
-        <p:txBody>
-          <a:bodyPr numCol="1">
-            <a:noAutofit/>
-          </a:bodyPr>
-          <a:lstStyle/>
-          <a:p>
-            <a:pPr algn="ctr"/>
-            <a:r>
-              <a:rPr lang="fr-CH" sz="2800" dirty="0"/>
-              <a:t>CATEGORIE 5E</a:t>
-            </a:r>
-          </a:p>
-        </p:txBody>
-      </p:sp>
-    </p:spTree>
-    <p:extLst>
-      <p:ext uri="{BB962C8B-B14F-4D97-AF65-F5344CB8AC3E}">
-        <p14:creationId xmlns:p14="http://schemas.microsoft.com/office/powerpoint/2010/main" val="3813941676"/>
-      </p:ext>
-    </p:extLst>
-  </p:cSld>
-  <p:clrMapOvr>
-    <a:masterClrMapping/>
-  </p:clrMapOvr>
-</p:sld>
-</file>
-
-<file path=ppt/slides/slide18.xml><?xml version="1.0" encoding="utf-8"?>
-<p:sld xmlns:a="http://schemas.openxmlformats.org/drawingml/2006/main" xmlns:r="http://schemas.openxmlformats.org/officeDocument/2006/relationships" xmlns:p="http://schemas.openxmlformats.org/presentationml/2006/main">
-  <p:cSld>
-    <p:spTree>
-      <p:nvGrpSpPr>
-        <p:cNvPr id="1" name=""/>
-        <p:cNvGrpSpPr/>
-        <p:nvPr/>
-      </p:nvGrpSpPr>
-      <p:grpSpPr>
-        <a:xfrm>
-          <a:off x="0" y="0"/>
-          <a:ext cx="0" cy="0"/>
-          <a:chOff x="0" y="0"/>
-          <a:chExt cx="0" cy="0"/>
-        </a:xfrm>
-      </p:grpSpPr>
-      <p:sp>
-        <p:nvSpPr>
-          <p:cNvPr id="3" name="Content Placeholder 2"/>
-          <p:cNvSpPr>
-            <a:spLocks noGrp="1"/>
-          </p:cNvSpPr>
-          <p:nvPr>
-            <p:ph idx="1"/>
-          </p:nvPr>
-        </p:nvSpPr>
-        <p:spPr>
-          <a:xfrm>
-            <a:off x="426304" y="1778093"/>
-            <a:ext cx="6244127" cy="4376521"/>
-          </a:xfrm>
-        </p:spPr>
-        <p:txBody>
-          <a:bodyPr>
-            <a:normAutofit fontScale="92500" lnSpcReduction="10000"/>
-          </a:bodyPr>
-          <a:lstStyle/>
-          <a:p>
-            <a:pPr marL="0" indent="0">
-              <a:buNone/>
-            </a:pPr>
-            <a:r>
-              <a:rPr lang="fr-CH" b="1" u="sng" dirty="0">
-                <a:solidFill>
-                  <a:schemeClr val="tx1"/>
-                </a:solidFill>
-              </a:rPr>
-              <a:t>Caractéristique technique:</a:t>
+              <a:t>Caractéristiques technique:</a:t>
             </a:r>
           </a:p>
           <a:p>
@@ -8200,7 +6915,7 @@
                   <a:schemeClr val="tx1"/>
                 </a:solidFill>
               </a:rPr>
-              <a:t>1Gb &gt; 10Gb par sec </a:t>
+              <a:t>1Gb &gt; 10Gb/Seconde </a:t>
             </a:r>
             <a:r>
               <a:rPr lang="fr-CH" dirty="0">
@@ -8274,104 +6989,13 @@
                   <a:schemeClr val="tx1"/>
                 </a:solidFill>
               </a:rPr>
-              <a:t>Caractéristique Physique: </a:t>
-            </a:r>
-          </a:p>
-          <a:p>
-            <a:pPr lvl="1"/>
-            <a:r>
-              <a:rPr lang="fr-CH" dirty="0">
-                <a:solidFill>
-                  <a:schemeClr val="tx1"/>
-                </a:solidFill>
-              </a:rPr>
-              <a:t>Protégé par une gaine en </a:t>
-            </a:r>
-            <a:r>
-              <a:rPr lang="fr-CH" b="1" dirty="0">
-                <a:solidFill>
-                  <a:schemeClr val="tx1"/>
-                </a:solidFill>
-              </a:rPr>
-              <a:t>PVC</a:t>
-            </a:r>
-          </a:p>
-          <a:p>
-            <a:pPr lvl="1"/>
-            <a:r>
-              <a:rPr lang="fr-CH" dirty="0">
-                <a:solidFill>
-                  <a:schemeClr val="tx1"/>
-                </a:solidFill>
-              </a:rPr>
-              <a:t>4 paires torsadées conducteur non-blindé du type </a:t>
-            </a:r>
-            <a:r>
-              <a:rPr lang="fr-CH" b="1" dirty="0">
-                <a:solidFill>
-                  <a:schemeClr val="tx1"/>
-                </a:solidFill>
-              </a:rPr>
-              <a:t>souple</a:t>
-            </a:r>
-          </a:p>
-          <a:p>
-            <a:pPr lvl="1"/>
-            <a:r>
-              <a:rPr lang="fr-CH" dirty="0"/>
-              <a:t>Paires Plus </a:t>
-            </a:r>
-            <a:r>
-              <a:rPr lang="fr-CH" b="1" dirty="0"/>
-              <a:t>larges</a:t>
-            </a:r>
-            <a:r>
-              <a:rPr lang="fr-CH" dirty="0"/>
-              <a:t> que les CAT5,5E</a:t>
-            </a:r>
-            <a:endParaRPr lang="fr-CH" b="1" dirty="0">
-              <a:solidFill>
-                <a:schemeClr val="tx1"/>
-              </a:solidFill>
-            </a:endParaRPr>
-          </a:p>
-          <a:p>
-            <a:pPr lvl="1"/>
-            <a:r>
-              <a:rPr lang="fr-CH" b="1" dirty="0">
-                <a:solidFill>
-                  <a:schemeClr val="tx1"/>
-                </a:solidFill>
-              </a:rPr>
-              <a:t>Séparateur</a:t>
-            </a:r>
-            <a:r>
-              <a:rPr lang="fr-CH" dirty="0">
-                <a:solidFill>
-                  <a:schemeClr val="tx1"/>
-                </a:solidFill>
-              </a:rPr>
-              <a:t> </a:t>
-            </a:r>
-            <a:r>
-              <a:rPr lang="fr-CH" b="1" dirty="0">
-                <a:solidFill>
-                  <a:schemeClr val="tx1"/>
-                </a:solidFill>
-              </a:rPr>
-              <a:t>longitudinal</a:t>
-            </a:r>
-            <a:r>
-              <a:rPr lang="fr-CH" dirty="0">
-                <a:solidFill>
-                  <a:schemeClr val="tx1"/>
-                </a:solidFill>
-              </a:rPr>
-              <a:t> qui isole les 4 paires torsadés et qui aide à résister aux interférences électromagnétique</a:t>
-            </a:r>
-          </a:p>
-          <a:p>
-            <a:pPr lvl="1"/>
+              <a:t>Caractéristiques Physique: </a:t>
+            </a:r>
+          </a:p>
+          <a:p>
+            <a:pPr marL="457200" lvl="1" indent="0">
+              <a:buNone/>
+            </a:pPr>
             <a:endParaRPr lang="fr-CH" dirty="0">
               <a:solidFill>
                 <a:schemeClr val="tx1"/>
@@ -8611,7 +7235,7 @@
     </p:spTree>
     <p:extLst>
       <p:ext uri="{BB962C8B-B14F-4D97-AF65-F5344CB8AC3E}">
-        <p14:creationId xmlns:p14="http://schemas.microsoft.com/office/powerpoint/2010/main" val="3978977824"/>
+        <p14:creationId xmlns:p14="http://schemas.microsoft.com/office/powerpoint/2010/main" val="1671159684"/>
       </p:ext>
     </p:extLst>
   </p:cSld>
@@ -8971,7 +7595,7 @@
                             </p:stCondLst>
                             <p:childTnLst>
                               <p:par>
-                                <p:cTn id="33" presetID="10" presetClass="entr" presetSubtype="0" fill="hold" nodeType="clickEffect">
+                                <p:cTn id="33" presetID="10" presetClass="entr" presetSubtype="0" fill="hold" grpId="0" nodeType="clickEffect">
                                   <p:stCondLst>
                                     <p:cond delay="0"/>
                                   </p:stCondLst>
@@ -8984,11 +7608,7 @@
                                           </p:stCondLst>
                                         </p:cTn>
                                         <p:tgtEl>
-                                          <p:spTgt spid="3">
-                                            <p:txEl>
-                                              <p:pRg st="5" end="5"/>
-                                            </p:txEl>
-                                          </p:spTgt>
+                                          <p:spTgt spid="8"/>
                                         </p:tgtEl>
                                         <p:attrNameLst>
                                           <p:attrName>style.visibility</p:attrName>
@@ -9002,11 +7622,7 @@
                                       <p:cBhvr>
                                         <p:cTn id="35" dur="500"/>
                                         <p:tgtEl>
-                                          <p:spTgt spid="3">
-                                            <p:txEl>
-                                              <p:pRg st="5" end="5"/>
-                                            </p:txEl>
-                                          </p:spTgt>
+                                          <p:spTgt spid="8"/>
                                         </p:tgtEl>
                                       </p:cBhvr>
                                     </p:animEffect>
@@ -9045,7 +7661,7 @@
                                           </p:stCondLst>
                                         </p:cTn>
                                         <p:tgtEl>
-                                          <p:spTgt spid="8"/>
+                                          <p:spTgt spid="16"/>
                                         </p:tgtEl>
                                         <p:attrNameLst>
                                           <p:attrName>style.visibility</p:attrName>
@@ -9059,7 +7675,7 @@
                                       <p:cBhvr>
                                         <p:cTn id="40" dur="500"/>
                                         <p:tgtEl>
-                                          <p:spTgt spid="8"/>
+                                          <p:spTgt spid="16"/>
                                         </p:tgtEl>
                                       </p:cBhvr>
                                     </p:animEffect>
@@ -9085,7 +7701,7 @@
                             </p:stCondLst>
                             <p:childTnLst>
                               <p:par>
-                                <p:cTn id="43" presetID="10" presetClass="entr" presetSubtype="0" fill="hold" nodeType="clickEffect">
+                                <p:cTn id="43" presetID="10" presetClass="entr" presetSubtype="0" fill="hold" grpId="0" nodeType="clickEffect">
                                   <p:stCondLst>
                                     <p:cond delay="0"/>
                                   </p:stCondLst>
@@ -9093,242 +7709,6 @@
                                     <p:set>
                                       <p:cBhvr>
                                         <p:cTn id="44" dur="1" fill="hold">
-                                          <p:stCondLst>
-                                            <p:cond delay="0"/>
-                                          </p:stCondLst>
-                                        </p:cTn>
-                                        <p:tgtEl>
-                                          <p:spTgt spid="3">
-                                            <p:txEl>
-                                              <p:pRg st="6" end="6"/>
-                                            </p:txEl>
-                                          </p:spTgt>
-                                        </p:tgtEl>
-                                        <p:attrNameLst>
-                                          <p:attrName>style.visibility</p:attrName>
-                                        </p:attrNameLst>
-                                      </p:cBhvr>
-                                      <p:to>
-                                        <p:strVal val="visible"/>
-                                      </p:to>
-                                    </p:set>
-                                    <p:animEffect transition="in" filter="fade">
-                                      <p:cBhvr>
-                                        <p:cTn id="45" dur="500"/>
-                                        <p:tgtEl>
-                                          <p:spTgt spid="3">
-                                            <p:txEl>
-                                              <p:pRg st="6" end="6"/>
-                                            </p:txEl>
-                                          </p:spTgt>
-                                        </p:tgtEl>
-                                      </p:cBhvr>
-                                    </p:animEffect>
-                                  </p:childTnLst>
-                                </p:cTn>
-                              </p:par>
-                            </p:childTnLst>
-                          </p:cTn>
-                        </p:par>
-                      </p:childTnLst>
-                    </p:cTn>
-                  </p:par>
-                  <p:par>
-                    <p:cTn id="46" fill="hold">
-                      <p:stCondLst>
-                        <p:cond delay="indefinite"/>
-                      </p:stCondLst>
-                      <p:childTnLst>
-                        <p:par>
-                          <p:cTn id="47" fill="hold">
-                            <p:stCondLst>
-                              <p:cond delay="0"/>
-                            </p:stCondLst>
-                            <p:childTnLst>
-                              <p:par>
-                                <p:cTn id="48" presetID="10" presetClass="entr" presetSubtype="0" fill="hold" nodeType="clickEffect">
-                                  <p:stCondLst>
-                                    <p:cond delay="0"/>
-                                  </p:stCondLst>
-                                  <p:childTnLst>
-                                    <p:set>
-                                      <p:cBhvr>
-                                        <p:cTn id="49" dur="1" fill="hold">
-                                          <p:stCondLst>
-                                            <p:cond delay="0"/>
-                                          </p:stCondLst>
-                                        </p:cTn>
-                                        <p:tgtEl>
-                                          <p:spTgt spid="3">
-                                            <p:txEl>
-                                              <p:pRg st="7" end="7"/>
-                                            </p:txEl>
-                                          </p:spTgt>
-                                        </p:tgtEl>
-                                        <p:attrNameLst>
-                                          <p:attrName>style.visibility</p:attrName>
-                                        </p:attrNameLst>
-                                      </p:cBhvr>
-                                      <p:to>
-                                        <p:strVal val="visible"/>
-                                      </p:to>
-                                    </p:set>
-                                    <p:animEffect transition="in" filter="fade">
-                                      <p:cBhvr>
-                                        <p:cTn id="50" dur="500"/>
-                                        <p:tgtEl>
-                                          <p:spTgt spid="3">
-                                            <p:txEl>
-                                              <p:pRg st="7" end="7"/>
-                                            </p:txEl>
-                                          </p:spTgt>
-                                        </p:tgtEl>
-                                      </p:cBhvr>
-                                    </p:animEffect>
-                                  </p:childTnLst>
-                                </p:cTn>
-                              </p:par>
-                            </p:childTnLst>
-                          </p:cTn>
-                        </p:par>
-                      </p:childTnLst>
-                    </p:cTn>
-                  </p:par>
-                  <p:par>
-                    <p:cTn id="51" fill="hold">
-                      <p:stCondLst>
-                        <p:cond delay="indefinite"/>
-                      </p:stCondLst>
-                      <p:childTnLst>
-                        <p:par>
-                          <p:cTn id="52" fill="hold">
-                            <p:stCondLst>
-                              <p:cond delay="0"/>
-                            </p:stCondLst>
-                            <p:childTnLst>
-                              <p:par>
-                                <p:cTn id="53" presetID="10" presetClass="entr" presetSubtype="0" fill="hold" grpId="0" nodeType="clickEffect">
-                                  <p:stCondLst>
-                                    <p:cond delay="0"/>
-                                  </p:stCondLst>
-                                  <p:childTnLst>
-                                    <p:set>
-                                      <p:cBhvr>
-                                        <p:cTn id="54" dur="1" fill="hold">
-                                          <p:stCondLst>
-                                            <p:cond delay="0"/>
-                                          </p:stCondLst>
-                                        </p:cTn>
-                                        <p:tgtEl>
-                                          <p:spTgt spid="16"/>
-                                        </p:tgtEl>
-                                        <p:attrNameLst>
-                                          <p:attrName>style.visibility</p:attrName>
-                                        </p:attrNameLst>
-                                      </p:cBhvr>
-                                      <p:to>
-                                        <p:strVal val="visible"/>
-                                      </p:to>
-                                    </p:set>
-                                    <p:animEffect transition="in" filter="fade">
-                                      <p:cBhvr>
-                                        <p:cTn id="55" dur="500"/>
-                                        <p:tgtEl>
-                                          <p:spTgt spid="16"/>
-                                        </p:tgtEl>
-                                      </p:cBhvr>
-                                    </p:animEffect>
-                                  </p:childTnLst>
-                                </p:cTn>
-                              </p:par>
-                            </p:childTnLst>
-                          </p:cTn>
-                        </p:par>
-                      </p:childTnLst>
-                    </p:cTn>
-                  </p:par>
-                  <p:par>
-                    <p:cTn id="56" fill="hold">
-                      <p:stCondLst>
-                        <p:cond delay="indefinite"/>
-                      </p:stCondLst>
-                      <p:childTnLst>
-                        <p:par>
-                          <p:cTn id="57" fill="hold">
-                            <p:stCondLst>
-                              <p:cond delay="0"/>
-                            </p:stCondLst>
-                            <p:childTnLst>
-                              <p:par>
-                                <p:cTn id="58" presetID="10" presetClass="entr" presetSubtype="0" fill="hold" nodeType="clickEffect">
-                                  <p:stCondLst>
-                                    <p:cond delay="0"/>
-                                  </p:stCondLst>
-                                  <p:childTnLst>
-                                    <p:set>
-                                      <p:cBhvr>
-                                        <p:cTn id="59" dur="1" fill="hold">
-                                          <p:stCondLst>
-                                            <p:cond delay="0"/>
-                                          </p:stCondLst>
-                                        </p:cTn>
-                                        <p:tgtEl>
-                                          <p:spTgt spid="3">
-                                            <p:txEl>
-                                              <p:pRg st="8" end="8"/>
-                                            </p:txEl>
-                                          </p:spTgt>
-                                        </p:tgtEl>
-                                        <p:attrNameLst>
-                                          <p:attrName>style.visibility</p:attrName>
-                                        </p:attrNameLst>
-                                      </p:cBhvr>
-                                      <p:to>
-                                        <p:strVal val="visible"/>
-                                      </p:to>
-                                    </p:set>
-                                    <p:animEffect transition="in" filter="fade">
-                                      <p:cBhvr>
-                                        <p:cTn id="60" dur="500"/>
-                                        <p:tgtEl>
-                                          <p:spTgt spid="3">
-                                            <p:txEl>
-                                              <p:pRg st="8" end="8"/>
-                                            </p:txEl>
-                                          </p:spTgt>
-                                        </p:tgtEl>
-                                      </p:cBhvr>
-                                    </p:animEffect>
-                                  </p:childTnLst>
-                                </p:cTn>
-                              </p:par>
-                            </p:childTnLst>
-                          </p:cTn>
-                        </p:par>
-                      </p:childTnLst>
-                    </p:cTn>
-                  </p:par>
-                  <p:par>
-                    <p:cTn id="61" fill="hold">
-                      <p:stCondLst>
-                        <p:cond delay="indefinite"/>
-                      </p:stCondLst>
-                      <p:childTnLst>
-                        <p:par>
-                          <p:cTn id="62" fill="hold">
-                            <p:stCondLst>
-                              <p:cond delay="0"/>
-                            </p:stCondLst>
-                            <p:childTnLst>
-                              <p:par>
-                                <p:cTn id="63" presetID="10" presetClass="entr" presetSubtype="0" fill="hold" grpId="0" nodeType="clickEffect">
-                                  <p:stCondLst>
-                                    <p:cond delay="0"/>
-                                  </p:stCondLst>
-                                  <p:childTnLst>
-                                    <p:set>
-                                      <p:cBhvr>
-                                        <p:cTn id="64" dur="1" fill="hold">
                                           <p:stCondLst>
                                             <p:cond delay="0"/>
                                           </p:stCondLst>
@@ -9346,7 +7726,7 @@
                                     </p:set>
                                     <p:animEffect transition="in" filter="fade">
                                       <p:cBhvr>
-                                        <p:cTn id="65" dur="500"/>
+                                        <p:cTn id="45" dur="500"/>
                                         <p:tgtEl>
                                           <p:spTgt spid="17"/>
                                         </p:tgtEl>
@@ -9391,7 +7771,7 @@
 </p:sld>
 </file>
 
-<file path=ppt/slides/slide19.xml><?xml version="1.0" encoding="utf-8"?>
+<file path=ppt/slides/slide16.xml><?xml version="1.0" encoding="utf-8"?>
 <p:sld xmlns:a="http://schemas.openxmlformats.org/drawingml/2006/main" xmlns:r="http://schemas.openxmlformats.org/officeDocument/2006/relationships" xmlns:p="http://schemas.openxmlformats.org/presentationml/2006/main">
   <p:cSld>
     <p:spTree>
@@ -9467,7 +7847,7 @@
         </p:spPr>
         <p:txBody>
           <a:bodyPr>
-            <a:normAutofit lnSpcReduction="10000"/>
+            <a:normAutofit/>
           </a:bodyPr>
           <a:lstStyle/>
           <a:p>
@@ -9490,7 +7870,7 @@
                   <a:schemeClr val="tx1"/>
                 </a:solidFill>
               </a:rPr>
-              <a:t>Caractéristique technique:</a:t>
+              <a:t>Caractéristiques techniques:</a:t>
             </a:r>
             <a:endParaRPr lang="fr-CH" dirty="0">
               <a:solidFill>
@@ -9583,118 +7963,13 @@
               <a:buNone/>
             </a:pPr>
             <a:r>
-              <a:rPr lang="fr-CH" b="1" u="sng" dirty="0">
+              <a:rPr lang="fr-CH" dirty="0">
                 <a:solidFill>
                   <a:schemeClr val="tx1"/>
                 </a:solidFill>
               </a:rPr>
-              <a:t>Caractéristique Physique: </a:t>
-            </a:r>
-          </a:p>
-          <a:p>
-            <a:pPr lvl="1"/>
-            <a:r>
-              <a:rPr lang="fr-CH" dirty="0">
-                <a:solidFill>
-                  <a:schemeClr val="tx1"/>
-                </a:solidFill>
-              </a:rPr>
-              <a:t>Paires Plus </a:t>
-            </a:r>
-            <a:r>
-              <a:rPr lang="fr-CH" b="1" dirty="0">
-                <a:solidFill>
-                  <a:schemeClr val="tx1"/>
-                </a:solidFill>
-              </a:rPr>
-              <a:t>larges</a:t>
-            </a:r>
-            <a:r>
-              <a:rPr lang="fr-CH" dirty="0">
-                <a:solidFill>
-                  <a:schemeClr val="tx1"/>
-                </a:solidFill>
-              </a:rPr>
-              <a:t> que les CAT5,5E</a:t>
-            </a:r>
-          </a:p>
-          <a:p>
-            <a:pPr lvl="1"/>
-            <a:r>
-              <a:rPr lang="fr-CH" dirty="0">
-                <a:solidFill>
-                  <a:schemeClr val="tx1"/>
-                </a:solidFill>
-              </a:rPr>
-              <a:t>Protégé par une gaine en </a:t>
-            </a:r>
-            <a:r>
-              <a:rPr lang="fr-CH" b="1" dirty="0">
-                <a:solidFill>
-                  <a:schemeClr val="tx1"/>
-                </a:solidFill>
-              </a:rPr>
-              <a:t>PVC</a:t>
-            </a:r>
-          </a:p>
-          <a:p>
-            <a:pPr lvl="1"/>
-            <a:r>
-              <a:rPr lang="fr-CH" dirty="0">
-                <a:solidFill>
-                  <a:schemeClr val="tx1"/>
-                </a:solidFill>
-              </a:rPr>
-              <a:t>4 paires torsadées conducteur non-blindé du type </a:t>
-            </a:r>
-            <a:r>
-              <a:rPr lang="fr-CH" b="1" dirty="0">
-                <a:solidFill>
-                  <a:schemeClr val="tx1"/>
-                </a:solidFill>
-              </a:rPr>
-              <a:t>souple</a:t>
-            </a:r>
-          </a:p>
-          <a:p>
-            <a:pPr lvl="1"/>
-            <a:r>
-              <a:rPr lang="fr-CH" b="1" dirty="0">
-                <a:solidFill>
-                  <a:schemeClr val="tx1"/>
-                </a:solidFill>
-              </a:rPr>
-              <a:t>Séparateur</a:t>
-            </a:r>
-            <a:r>
-              <a:rPr lang="fr-CH" dirty="0">
-                <a:solidFill>
-                  <a:schemeClr val="tx1"/>
-                </a:solidFill>
-              </a:rPr>
-              <a:t> </a:t>
-            </a:r>
-            <a:r>
-              <a:rPr lang="fr-CH" b="1" dirty="0">
-                <a:solidFill>
-                  <a:schemeClr val="tx1"/>
-                </a:solidFill>
-              </a:rPr>
-              <a:t>longitudinal</a:t>
-            </a:r>
-            <a:r>
-              <a:rPr lang="fr-CH" dirty="0">
-                <a:solidFill>
-                  <a:schemeClr val="tx1"/>
-                </a:solidFill>
-              </a:rPr>
-              <a:t> qui isole les 4 paires torsadés et qui aide à résister aux interférences électromagnétique</a:t>
-            </a:r>
-          </a:p>
-          <a:p>
-            <a:pPr marL="0" indent="0">
-              <a:buNone/>
-            </a:pPr>
+              <a:t>Caractéristiques Physiques identiques à la CAT6</a:t>
+            </a:r>
             <a:endParaRPr lang="fr-CH" dirty="0"/>
           </a:p>
         </p:txBody>
@@ -9809,7 +8084,7 @@
     </p:spTree>
     <p:extLst>
       <p:ext uri="{BB962C8B-B14F-4D97-AF65-F5344CB8AC3E}">
-        <p14:creationId xmlns:p14="http://schemas.microsoft.com/office/powerpoint/2010/main" val="1522100920"/>
+        <p14:creationId xmlns:p14="http://schemas.microsoft.com/office/powerpoint/2010/main" val="918530571"/>
       </p:ext>
     </p:extLst>
   </p:cSld>
@@ -10115,178 +8390,6 @@
                                   </p:childTnLst>
                                 </p:cTn>
                               </p:par>
-                              <p:par>
-                                <p:cTn id="28" presetID="10" presetClass="entr" presetSubtype="0" fill="hold" nodeType="withEffect">
-                                  <p:stCondLst>
-                                    <p:cond delay="0"/>
-                                  </p:stCondLst>
-                                  <p:childTnLst>
-                                    <p:set>
-                                      <p:cBhvr>
-                                        <p:cTn id="29" dur="1" fill="hold">
-                                          <p:stCondLst>
-                                            <p:cond delay="0"/>
-                                          </p:stCondLst>
-                                        </p:cTn>
-                                        <p:tgtEl>
-                                          <p:spTgt spid="3">
-                                            <p:txEl>
-                                              <p:pRg st="6" end="6"/>
-                                            </p:txEl>
-                                          </p:spTgt>
-                                        </p:tgtEl>
-                                        <p:attrNameLst>
-                                          <p:attrName>style.visibility</p:attrName>
-                                        </p:attrNameLst>
-                                      </p:cBhvr>
-                                      <p:to>
-                                        <p:strVal val="visible"/>
-                                      </p:to>
-                                    </p:set>
-                                    <p:animEffect transition="in" filter="fade">
-                                      <p:cBhvr>
-                                        <p:cTn id="30" dur="500"/>
-                                        <p:tgtEl>
-                                          <p:spTgt spid="3">
-                                            <p:txEl>
-                                              <p:pRg st="6" end="6"/>
-                                            </p:txEl>
-                                          </p:spTgt>
-                                        </p:tgtEl>
-                                      </p:cBhvr>
-                                    </p:animEffect>
-                                  </p:childTnLst>
-                                </p:cTn>
-                              </p:par>
-                              <p:par>
-                                <p:cTn id="31" presetID="10" presetClass="entr" presetSubtype="0" fill="hold" nodeType="withEffect">
-                                  <p:stCondLst>
-                                    <p:cond delay="0"/>
-                                  </p:stCondLst>
-                                  <p:childTnLst>
-                                    <p:set>
-                                      <p:cBhvr>
-                                        <p:cTn id="32" dur="1" fill="hold">
-                                          <p:stCondLst>
-                                            <p:cond delay="0"/>
-                                          </p:stCondLst>
-                                        </p:cTn>
-                                        <p:tgtEl>
-                                          <p:spTgt spid="3">
-                                            <p:txEl>
-                                              <p:pRg st="7" end="7"/>
-                                            </p:txEl>
-                                          </p:spTgt>
-                                        </p:tgtEl>
-                                        <p:attrNameLst>
-                                          <p:attrName>style.visibility</p:attrName>
-                                        </p:attrNameLst>
-                                      </p:cBhvr>
-                                      <p:to>
-                                        <p:strVal val="visible"/>
-                                      </p:to>
-                                    </p:set>
-                                    <p:animEffect transition="in" filter="fade">
-                                      <p:cBhvr>
-                                        <p:cTn id="33" dur="500"/>
-                                        <p:tgtEl>
-                                          <p:spTgt spid="3">
-                                            <p:txEl>
-                                              <p:pRg st="7" end="7"/>
-                                            </p:txEl>
-                                          </p:spTgt>
-                                        </p:tgtEl>
-                                      </p:cBhvr>
-                                    </p:animEffect>
-                                  </p:childTnLst>
-                                </p:cTn>
-                              </p:par>
-                              <p:par>
-                                <p:cTn id="34" presetID="10" presetClass="entr" presetSubtype="0" fill="hold" nodeType="withEffect">
-                                  <p:stCondLst>
-                                    <p:cond delay="0"/>
-                                  </p:stCondLst>
-                                  <p:childTnLst>
-                                    <p:set>
-                                      <p:cBhvr>
-                                        <p:cTn id="35" dur="1" fill="hold">
-                                          <p:stCondLst>
-                                            <p:cond delay="0"/>
-                                          </p:stCondLst>
-                                        </p:cTn>
-                                        <p:tgtEl>
-                                          <p:spTgt spid="3">
-                                            <p:txEl>
-                                              <p:pRg st="8" end="8"/>
-                                            </p:txEl>
-                                          </p:spTgt>
-                                        </p:tgtEl>
-                                        <p:attrNameLst>
-                                          <p:attrName>style.visibility</p:attrName>
-                                        </p:attrNameLst>
-                                      </p:cBhvr>
-                                      <p:to>
-                                        <p:strVal val="visible"/>
-                                      </p:to>
-                                    </p:set>
-                                    <p:animEffect transition="in" filter="fade">
-                                      <p:cBhvr>
-                                        <p:cTn id="36" dur="500"/>
-                                        <p:tgtEl>
-                                          <p:spTgt spid="3">
-                                            <p:txEl>
-                                              <p:pRg st="8" end="8"/>
-                                            </p:txEl>
-                                          </p:spTgt>
-                                        </p:tgtEl>
-                                      </p:cBhvr>
-                                    </p:animEffect>
-                                  </p:childTnLst>
-                                </p:cTn>
-                              </p:par>
-                              <p:par>
-                                <p:cTn id="37" presetID="10" presetClass="entr" presetSubtype="0" fill="hold" nodeType="withEffect">
-                                  <p:stCondLst>
-                                    <p:cond delay="0"/>
-                                  </p:stCondLst>
-                                  <p:childTnLst>
-                                    <p:set>
-                                      <p:cBhvr>
-                                        <p:cTn id="38" dur="1" fill="hold">
-                                          <p:stCondLst>
-                                            <p:cond delay="0"/>
-                                          </p:stCondLst>
-                                        </p:cTn>
-                                        <p:tgtEl>
-                                          <p:spTgt spid="3">
-                                            <p:txEl>
-                                              <p:pRg st="9" end="9"/>
-                                            </p:txEl>
-                                          </p:spTgt>
-                                        </p:tgtEl>
-                                        <p:attrNameLst>
-                                          <p:attrName>style.visibility</p:attrName>
-                                        </p:attrNameLst>
-                                      </p:cBhvr>
-                                      <p:to>
-                                        <p:strVal val="visible"/>
-                                      </p:to>
-                                    </p:set>
-                                    <p:animEffect transition="in" filter="fade">
-                                      <p:cBhvr>
-                                        <p:cTn id="39" dur="500"/>
-                                        <p:tgtEl>
-                                          <p:spTgt spid="3">
-                                            <p:txEl>
-                                              <p:pRg st="9" end="9"/>
-                                            </p:txEl>
-                                          </p:spTgt>
-                                        </p:tgtEl>
-                                      </p:cBhvr>
-                                    </p:animEffect>
-                                  </p:childTnLst>
-                                </p:cTn>
-                              </p:par>
                             </p:childTnLst>
                           </p:cTn>
                         </p:par>
@@ -10321,7 +8424,7 @@
 </p:sld>
 </file>
 
-<file path=ppt/slides/slide2.xml><?xml version="1.0" encoding="utf-8"?>
+<file path=ppt/slides/slide17.xml><?xml version="1.0" encoding="utf-8"?>
 <p:sld xmlns:a="http://schemas.openxmlformats.org/drawingml/2006/main" xmlns:r="http://schemas.openxmlformats.org/officeDocument/2006/relationships" xmlns:p="http://schemas.openxmlformats.org/presentationml/2006/main">
   <p:cSld>
     <p:spTree>
@@ -10340,33 +8443,6 @@
       </p:grpSpPr>
       <p:sp>
         <p:nvSpPr>
-          <p:cNvPr id="2" name="Title 1"/>
-          <p:cNvSpPr>
-            <a:spLocks noGrp="1"/>
-          </p:cNvSpPr>
-          <p:nvPr>
-            <p:ph type="title"/>
-          </p:nvPr>
-        </p:nvSpPr>
-        <p:spPr>
-          <a:xfrm>
-            <a:off x="646112" y="452718"/>
-            <a:ext cx="4273130" cy="716325"/>
-          </a:xfrm>
-        </p:spPr>
-        <p:txBody>
-          <a:bodyPr/>
-          <a:lstStyle/>
-          <a:p>
-            <a:r>
-              <a:rPr lang="fr-CH" dirty="0"/>
-              <a:t>SOMMAIRE</a:t>
-            </a:r>
-          </a:p>
-        </p:txBody>
-      </p:sp>
-      <p:sp>
-        <p:nvSpPr>
           <p:cNvPr id="3" name="Content Placeholder 2"/>
           <p:cNvSpPr>
             <a:spLocks noGrp="1"/>
@@ -10377,198 +8453,7 @@
         </p:nvSpPr>
         <p:spPr>
           <a:xfrm>
-            <a:off x="999140" y="1520483"/>
-            <a:ext cx="10216729" cy="5042363"/>
-          </a:xfrm>
-        </p:spPr>
-        <p:txBody>
-          <a:bodyPr>
-            <a:normAutofit fontScale="77500" lnSpcReduction="20000"/>
-          </a:bodyPr>
-          <a:lstStyle/>
-          <a:p>
-            <a:pPr>
-              <a:lnSpc>
-                <a:spcPct val="150000"/>
-              </a:lnSpc>
-            </a:pPr>
-            <a:r>
-              <a:rPr lang="fr-CH" sz="2600" dirty="0">
-                <a:solidFill>
-                  <a:schemeClr val="tx1"/>
-                </a:solidFill>
-              </a:rPr>
-              <a:t>Introduction</a:t>
-            </a:r>
-          </a:p>
-          <a:p>
-            <a:pPr>
-              <a:lnSpc>
-                <a:spcPct val="150000"/>
-              </a:lnSpc>
-            </a:pPr>
-            <a:r>
-              <a:rPr lang="fr-CH" sz="2600" dirty="0">
-                <a:solidFill>
-                  <a:schemeClr val="tx1"/>
-                </a:solidFill>
-              </a:rPr>
-              <a:t>Historique</a:t>
-            </a:r>
-          </a:p>
-          <a:p>
-            <a:pPr>
-              <a:lnSpc>
-                <a:spcPct val="150000"/>
-              </a:lnSpc>
-            </a:pPr>
-            <a:r>
-              <a:rPr lang="fr-CH" sz="2600" dirty="0">
-                <a:solidFill>
-                  <a:schemeClr val="tx1"/>
-                </a:solidFill>
-              </a:rPr>
-              <a:t>Usage</a:t>
-            </a:r>
-          </a:p>
-          <a:p>
-            <a:pPr>
-              <a:lnSpc>
-                <a:spcPct val="150000"/>
-              </a:lnSpc>
-            </a:pPr>
-            <a:r>
-              <a:rPr lang="fr-CH" sz="2600" dirty="0">
-                <a:solidFill>
-                  <a:schemeClr val="tx1"/>
-                </a:solidFill>
-              </a:rPr>
-              <a:t>La Technologie PoE</a:t>
-            </a:r>
-          </a:p>
-          <a:p>
-            <a:pPr>
-              <a:lnSpc>
-                <a:spcPct val="150000"/>
-              </a:lnSpc>
-            </a:pPr>
-            <a:r>
-              <a:rPr lang="fr-CH" sz="2600" dirty="0">
-                <a:solidFill>
-                  <a:schemeClr val="tx1"/>
-                </a:solidFill>
-              </a:rPr>
-              <a:t>Catégories des câbles Ethernet</a:t>
-            </a:r>
-          </a:p>
-          <a:p>
-            <a:pPr>
-              <a:lnSpc>
-                <a:spcPct val="150000"/>
-              </a:lnSpc>
-            </a:pPr>
-            <a:r>
-              <a:rPr lang="fr-CH" sz="2600" dirty="0">
-                <a:solidFill>
-                  <a:schemeClr val="tx1"/>
-                </a:solidFill>
-              </a:rPr>
-              <a:t>Blindages</a:t>
-            </a:r>
-          </a:p>
-          <a:p>
-            <a:pPr>
-              <a:lnSpc>
-                <a:spcPct val="150000"/>
-              </a:lnSpc>
-            </a:pPr>
-            <a:r>
-              <a:rPr lang="fr-CH" sz="2600" dirty="0">
-                <a:solidFill>
-                  <a:schemeClr val="tx1"/>
-                </a:solidFill>
-              </a:rPr>
-              <a:t>Connectiques</a:t>
-            </a:r>
-          </a:p>
-          <a:p>
-            <a:pPr>
-              <a:lnSpc>
-                <a:spcPct val="150000"/>
-              </a:lnSpc>
-            </a:pPr>
-            <a:r>
-              <a:rPr lang="fr-CH" sz="2600" dirty="0">
-                <a:solidFill>
-                  <a:schemeClr val="tx1"/>
-                </a:solidFill>
-              </a:rPr>
-              <a:t>Normes</a:t>
-            </a:r>
-          </a:p>
-          <a:p>
-            <a:pPr>
-              <a:lnSpc>
-                <a:spcPct val="150000"/>
-              </a:lnSpc>
-            </a:pPr>
-            <a:r>
-              <a:rPr lang="fr-CH" sz="2600" dirty="0">
-                <a:solidFill>
-                  <a:schemeClr val="tx1"/>
-                </a:solidFill>
-              </a:rPr>
-              <a:t>Fabrication</a:t>
-            </a:r>
-          </a:p>
-          <a:p>
-            <a:endParaRPr lang="fr-CH" dirty="0"/>
-          </a:p>
-        </p:txBody>
-      </p:sp>
-    </p:spTree>
-    <p:extLst>
-      <p:ext uri="{BB962C8B-B14F-4D97-AF65-F5344CB8AC3E}">
-        <p14:creationId xmlns:p14="http://schemas.microsoft.com/office/powerpoint/2010/main" val="829066155"/>
-      </p:ext>
-    </p:extLst>
-  </p:cSld>
-  <p:clrMapOvr>
-    <a:masterClrMapping/>
-  </p:clrMapOvr>
-</p:sld>
-</file>
-
-<file path=ppt/slides/slide20.xml><?xml version="1.0" encoding="utf-8"?>
-<p:sld xmlns:a="http://schemas.openxmlformats.org/drawingml/2006/main" xmlns:r="http://schemas.openxmlformats.org/officeDocument/2006/relationships" xmlns:p="http://schemas.openxmlformats.org/presentationml/2006/main">
-  <p:cSld>
-    <p:spTree>
-      <p:nvGrpSpPr>
-        <p:cNvPr id="1" name=""/>
-        <p:cNvGrpSpPr/>
-        <p:nvPr/>
-      </p:nvGrpSpPr>
-      <p:grpSpPr>
-        <a:xfrm>
-          <a:off x="0" y="0"/>
-          <a:ext cx="0" cy="0"/>
-          <a:chOff x="0" y="0"/>
-          <a:chExt cx="0" cy="0"/>
-        </a:xfrm>
-      </p:grpSpPr>
-      <p:sp>
-        <p:nvSpPr>
-          <p:cNvPr id="3" name="Content Placeholder 2"/>
-          <p:cNvSpPr>
-            <a:spLocks noGrp="1"/>
-          </p:cNvSpPr>
-          <p:nvPr>
-            <p:ph idx="1"/>
-          </p:nvPr>
-        </p:nvSpPr>
-        <p:spPr>
-          <a:xfrm>
-            <a:off x="426304" y="1778093"/>
+            <a:off x="520089" y="782845"/>
             <a:ext cx="6302742" cy="4376521"/>
           </a:xfrm>
         </p:spPr>
@@ -10587,7 +8472,7 @@
                   <a:schemeClr val="tx1"/>
                 </a:solidFill>
               </a:rPr>
-              <a:t>Caractéristique technique:</a:t>
+              <a:t>Caractéristiques techniques:</a:t>
             </a:r>
           </a:p>
           <a:p>
@@ -10680,80 +8565,7 @@
                   <a:schemeClr val="tx1"/>
                 </a:solidFill>
               </a:rPr>
-              <a:t>Caractéristique Physique: </a:t>
-            </a:r>
-          </a:p>
-          <a:p>
-            <a:pPr lvl="1"/>
-            <a:r>
-              <a:rPr lang="fr-CH" dirty="0">
-                <a:solidFill>
-                  <a:schemeClr val="tx1"/>
-                </a:solidFill>
-              </a:rPr>
-              <a:t>Protégé par une gaine en </a:t>
-            </a:r>
-            <a:r>
-              <a:rPr lang="fr-CH" b="1" dirty="0">
-                <a:solidFill>
-                  <a:schemeClr val="tx1"/>
-                </a:solidFill>
-              </a:rPr>
-              <a:t>PVC</a:t>
-            </a:r>
-          </a:p>
-          <a:p>
-            <a:pPr lvl="1"/>
-            <a:r>
-              <a:rPr lang="fr-CH" dirty="0">
-                <a:solidFill>
-                  <a:schemeClr val="tx1"/>
-                </a:solidFill>
-              </a:rPr>
-              <a:t>4 paires torsadées conducteur </a:t>
-            </a:r>
-            <a:r>
-              <a:rPr lang="fr-CH" b="1" dirty="0">
-                <a:solidFill>
-                  <a:schemeClr val="tx1"/>
-                </a:solidFill>
-              </a:rPr>
-              <a:t>blindées</a:t>
-            </a:r>
-            <a:r>
-              <a:rPr lang="fr-CH" dirty="0">
-                <a:solidFill>
-                  <a:schemeClr val="tx1"/>
-                </a:solidFill>
-              </a:rPr>
-              <a:t> </a:t>
-            </a:r>
-            <a:r>
-              <a:rPr lang="fr-CH" b="1" dirty="0">
-                <a:solidFill>
-                  <a:schemeClr val="tx1"/>
-                </a:solidFill>
-              </a:rPr>
-              <a:t>individuellement</a:t>
-            </a:r>
-          </a:p>
-          <a:p>
-            <a:pPr lvl="1"/>
-            <a:r>
-              <a:rPr lang="fr-CH" dirty="0">
-                <a:solidFill>
-                  <a:schemeClr val="tx1"/>
-                </a:solidFill>
-              </a:rPr>
-              <a:t>Blindage collective des paires torsadés pour réduire les phénomènes parasitaires liés à la </a:t>
-            </a:r>
-            <a:r>
-              <a:rPr lang="fr-CH" b="1" dirty="0">
-                <a:solidFill>
-                  <a:schemeClr val="tx1"/>
-                </a:solidFill>
-              </a:rPr>
-              <a:t>diaphonie </a:t>
+              <a:t>Caractéristiques Physiques: </a:t>
             </a:r>
           </a:p>
         </p:txBody>
@@ -11003,7 +8815,7 @@
     </p:spTree>
     <p:extLst>
       <p:ext uri="{BB962C8B-B14F-4D97-AF65-F5344CB8AC3E}">
-        <p14:creationId xmlns:p14="http://schemas.microsoft.com/office/powerpoint/2010/main" val="1783515654"/>
+        <p14:creationId xmlns:p14="http://schemas.microsoft.com/office/powerpoint/2010/main" val="189204547"/>
       </p:ext>
     </p:extLst>
   </p:cSld>
@@ -11398,7 +9210,7 @@
                             </p:stCondLst>
                             <p:childTnLst>
                               <p:par>
-                                <p:cTn id="36" presetID="10" presetClass="entr" presetSubtype="0" fill="hold" nodeType="clickEffect">
+                                <p:cTn id="36" presetID="10" presetClass="entr" presetSubtype="0" fill="hold" grpId="0" nodeType="clickEffect">
                                   <p:stCondLst>
                                     <p:cond delay="0"/>
                                   </p:stCondLst>
@@ -11411,11 +9223,7 @@
                                           </p:stCondLst>
                                         </p:cTn>
                                         <p:tgtEl>
-                                          <p:spTgt spid="3">
-                                            <p:txEl>
-                                              <p:pRg st="5" end="5"/>
-                                            </p:txEl>
-                                          </p:spTgt>
+                                          <p:spTgt spid="11"/>
                                         </p:tgtEl>
                                         <p:attrNameLst>
                                           <p:attrName>style.visibility</p:attrName>
@@ -11429,11 +9237,7 @@
                                       <p:cBhvr>
                                         <p:cTn id="38" dur="500"/>
                                         <p:tgtEl>
-                                          <p:spTgt spid="3">
-                                            <p:txEl>
-                                              <p:pRg st="5" end="5"/>
-                                            </p:txEl>
-                                          </p:spTgt>
+                                          <p:spTgt spid="11"/>
                                         </p:tgtEl>
                                       </p:cBhvr>
                                     </p:animEffect>
@@ -11472,7 +9276,7 @@
                                           </p:stCondLst>
                                         </p:cTn>
                                         <p:tgtEl>
-                                          <p:spTgt spid="11"/>
+                                          <p:spTgt spid="12"/>
                                         </p:tgtEl>
                                         <p:attrNameLst>
                                           <p:attrName>style.visibility</p:attrName>
@@ -11486,7 +9290,7 @@
                                       <p:cBhvr>
                                         <p:cTn id="43" dur="500"/>
                                         <p:tgtEl>
-                                          <p:spTgt spid="11"/>
+                                          <p:spTgt spid="12"/>
                                         </p:tgtEl>
                                       </p:cBhvr>
                                     </p:animEffect>
@@ -11512,7 +9316,7 @@
                             </p:stCondLst>
                             <p:childTnLst>
                               <p:par>
-                                <p:cTn id="46" presetID="10" presetClass="entr" presetSubtype="0" fill="hold" nodeType="clickEffect">
+                                <p:cTn id="46" presetID="10" presetClass="entr" presetSubtype="0" fill="hold" grpId="0" nodeType="clickEffect">
                                   <p:stCondLst>
                                     <p:cond delay="0"/>
                                   </p:stCondLst>
@@ -11520,181 +9324,6 @@
                                     <p:set>
                                       <p:cBhvr>
                                         <p:cTn id="47" dur="1" fill="hold">
-                                          <p:stCondLst>
-                                            <p:cond delay="0"/>
-                                          </p:stCondLst>
-                                        </p:cTn>
-                                        <p:tgtEl>
-                                          <p:spTgt spid="3">
-                                            <p:txEl>
-                                              <p:pRg st="6" end="6"/>
-                                            </p:txEl>
-                                          </p:spTgt>
-                                        </p:tgtEl>
-                                        <p:attrNameLst>
-                                          <p:attrName>style.visibility</p:attrName>
-                                        </p:attrNameLst>
-                                      </p:cBhvr>
-                                      <p:to>
-                                        <p:strVal val="visible"/>
-                                      </p:to>
-                                    </p:set>
-                                    <p:animEffect transition="in" filter="fade">
-                                      <p:cBhvr>
-                                        <p:cTn id="48" dur="500"/>
-                                        <p:tgtEl>
-                                          <p:spTgt spid="3">
-                                            <p:txEl>
-                                              <p:pRg st="6" end="6"/>
-                                            </p:txEl>
-                                          </p:spTgt>
-                                        </p:tgtEl>
-                                      </p:cBhvr>
-                                    </p:animEffect>
-                                  </p:childTnLst>
-                                </p:cTn>
-                              </p:par>
-                            </p:childTnLst>
-                          </p:cTn>
-                        </p:par>
-                      </p:childTnLst>
-                    </p:cTn>
-                  </p:par>
-                  <p:par>
-                    <p:cTn id="49" fill="hold">
-                      <p:stCondLst>
-                        <p:cond delay="indefinite"/>
-                      </p:stCondLst>
-                      <p:childTnLst>
-                        <p:par>
-                          <p:cTn id="50" fill="hold">
-                            <p:stCondLst>
-                              <p:cond delay="0"/>
-                            </p:stCondLst>
-                            <p:childTnLst>
-                              <p:par>
-                                <p:cTn id="51" presetID="10" presetClass="entr" presetSubtype="0" fill="hold" grpId="0" nodeType="clickEffect">
-                                  <p:stCondLst>
-                                    <p:cond delay="0"/>
-                                  </p:stCondLst>
-                                  <p:childTnLst>
-                                    <p:set>
-                                      <p:cBhvr>
-                                        <p:cTn id="52" dur="1" fill="hold">
-                                          <p:stCondLst>
-                                            <p:cond delay="0"/>
-                                          </p:stCondLst>
-                                        </p:cTn>
-                                        <p:tgtEl>
-                                          <p:spTgt spid="12"/>
-                                        </p:tgtEl>
-                                        <p:attrNameLst>
-                                          <p:attrName>style.visibility</p:attrName>
-                                        </p:attrNameLst>
-                                      </p:cBhvr>
-                                      <p:to>
-                                        <p:strVal val="visible"/>
-                                      </p:to>
-                                    </p:set>
-                                    <p:animEffect transition="in" filter="fade">
-                                      <p:cBhvr>
-                                        <p:cTn id="53" dur="500"/>
-                                        <p:tgtEl>
-                                          <p:spTgt spid="12"/>
-                                        </p:tgtEl>
-                                      </p:cBhvr>
-                                    </p:animEffect>
-                                  </p:childTnLst>
-                                </p:cTn>
-                              </p:par>
-                            </p:childTnLst>
-                          </p:cTn>
-                        </p:par>
-                      </p:childTnLst>
-                    </p:cTn>
-                  </p:par>
-                  <p:par>
-                    <p:cTn id="54" fill="hold">
-                      <p:stCondLst>
-                        <p:cond delay="indefinite"/>
-                      </p:stCondLst>
-                      <p:childTnLst>
-                        <p:par>
-                          <p:cTn id="55" fill="hold">
-                            <p:stCondLst>
-                              <p:cond delay="0"/>
-                            </p:stCondLst>
-                            <p:childTnLst>
-                              <p:par>
-                                <p:cTn id="56" presetID="10" presetClass="entr" presetSubtype="0" fill="hold" nodeType="clickEffect">
-                                  <p:stCondLst>
-                                    <p:cond delay="0"/>
-                                  </p:stCondLst>
-                                  <p:childTnLst>
-                                    <p:set>
-                                      <p:cBhvr>
-                                        <p:cTn id="57" dur="1" fill="hold">
-                                          <p:stCondLst>
-                                            <p:cond delay="0"/>
-                                          </p:stCondLst>
-                                        </p:cTn>
-                                        <p:tgtEl>
-                                          <p:spTgt spid="3">
-                                            <p:txEl>
-                                              <p:pRg st="7" end="7"/>
-                                            </p:txEl>
-                                          </p:spTgt>
-                                        </p:tgtEl>
-                                        <p:attrNameLst>
-                                          <p:attrName>style.visibility</p:attrName>
-                                        </p:attrNameLst>
-                                      </p:cBhvr>
-                                      <p:to>
-                                        <p:strVal val="visible"/>
-                                      </p:to>
-                                    </p:set>
-                                    <p:animEffect transition="in" filter="fade">
-                                      <p:cBhvr>
-                                        <p:cTn id="58" dur="500"/>
-                                        <p:tgtEl>
-                                          <p:spTgt spid="3">
-                                            <p:txEl>
-                                              <p:pRg st="7" end="7"/>
-                                            </p:txEl>
-                                          </p:spTgt>
-                                        </p:tgtEl>
-                                      </p:cBhvr>
-                                    </p:animEffect>
-                                  </p:childTnLst>
-                                </p:cTn>
-                              </p:par>
-                            </p:childTnLst>
-                          </p:cTn>
-                        </p:par>
-                      </p:childTnLst>
-                    </p:cTn>
-                  </p:par>
-                  <p:par>
-                    <p:cTn id="59" fill="hold">
-                      <p:stCondLst>
-                        <p:cond delay="indefinite"/>
-                      </p:stCondLst>
-                      <p:childTnLst>
-                        <p:par>
-                          <p:cTn id="60" fill="hold">
-                            <p:stCondLst>
-                              <p:cond delay="0"/>
-                            </p:stCondLst>
-                            <p:childTnLst>
-                              <p:par>
-                                <p:cTn id="61" presetID="10" presetClass="entr" presetSubtype="0" fill="hold" grpId="0" nodeType="clickEffect">
-                                  <p:stCondLst>
-                                    <p:cond delay="0"/>
-                                  </p:stCondLst>
-                                  <p:childTnLst>
-                                    <p:set>
-                                      <p:cBhvr>
-                                        <p:cTn id="62" dur="1" fill="hold">
                                           <p:stCondLst>
                                             <p:cond delay="0"/>
                                           </p:stCondLst>
@@ -11712,7 +9341,7 @@
                                     </p:set>
                                     <p:animEffect transition="in" filter="fade">
                                       <p:cBhvr>
-                                        <p:cTn id="63" dur="500"/>
+                                        <p:cTn id="48" dur="500"/>
                                         <p:tgtEl>
                                           <p:spTgt spid="19"/>
                                         </p:tgtEl>
@@ -11757,7 +9386,7 @@
 </p:sld>
 </file>
 
-<file path=ppt/slides/slide21.xml><?xml version="1.0" encoding="utf-8"?>
+<file path=ppt/slides/slide18.xml><?xml version="1.0" encoding="utf-8"?>
 <p:sld xmlns:a="http://schemas.openxmlformats.org/drawingml/2006/main" xmlns:r="http://schemas.openxmlformats.org/officeDocument/2006/relationships" xmlns:p="http://schemas.openxmlformats.org/presentationml/2006/main">
   <p:cSld>
     <p:spTree>
@@ -11841,7 +9470,7 @@
 </p:sld>
 </file>
 
-<file path=ppt/slides/slide22.xml><?xml version="1.0" encoding="utf-8"?>
+<file path=ppt/slides/slide19.xml><?xml version="1.0" encoding="utf-8"?>
 <p:sld xmlns:a="http://schemas.openxmlformats.org/drawingml/2006/main" xmlns:r="http://schemas.openxmlformats.org/officeDocument/2006/relationships" xmlns:p="http://schemas.openxmlformats.org/presentationml/2006/main">
   <p:cSld>
     <p:spTree>
@@ -12618,7 +10247,225 @@
 </p:sld>
 </file>
 
-<file path=ppt/slides/slide23.xml><?xml version="1.0" encoding="utf-8"?>
+<file path=ppt/slides/slide2.xml><?xml version="1.0" encoding="utf-8"?>
+<p:sld xmlns:a="http://schemas.openxmlformats.org/drawingml/2006/main" xmlns:r="http://schemas.openxmlformats.org/officeDocument/2006/relationships" xmlns:p="http://schemas.openxmlformats.org/presentationml/2006/main">
+  <p:cSld>
+    <p:spTree>
+      <p:nvGrpSpPr>
+        <p:cNvPr id="1" name=""/>
+        <p:cNvGrpSpPr/>
+        <p:nvPr/>
+      </p:nvGrpSpPr>
+      <p:grpSpPr>
+        <a:xfrm>
+          <a:off x="0" y="0"/>
+          <a:ext cx="0" cy="0"/>
+          <a:chOff x="0" y="0"/>
+          <a:chExt cx="0" cy="0"/>
+        </a:xfrm>
+      </p:grpSpPr>
+      <p:sp>
+        <p:nvSpPr>
+          <p:cNvPr id="2" name="Title 1"/>
+          <p:cNvSpPr>
+            <a:spLocks noGrp="1"/>
+          </p:cNvSpPr>
+          <p:nvPr>
+            <p:ph type="title"/>
+          </p:nvPr>
+        </p:nvSpPr>
+        <p:spPr>
+          <a:xfrm>
+            <a:off x="646112" y="452718"/>
+            <a:ext cx="4273130" cy="716325"/>
+          </a:xfrm>
+        </p:spPr>
+        <p:txBody>
+          <a:bodyPr/>
+          <a:lstStyle/>
+          <a:p>
+            <a:r>
+              <a:rPr lang="fr-CH" dirty="0"/>
+              <a:t>SOMMAIRE</a:t>
+            </a:r>
+          </a:p>
+        </p:txBody>
+      </p:sp>
+      <p:sp>
+        <p:nvSpPr>
+          <p:cNvPr id="3" name="Content Placeholder 2"/>
+          <p:cNvSpPr>
+            <a:spLocks noGrp="1"/>
+          </p:cNvSpPr>
+          <p:nvPr>
+            <p:ph idx="1"/>
+          </p:nvPr>
+        </p:nvSpPr>
+        <p:spPr>
+          <a:xfrm>
+            <a:off x="999140" y="1520483"/>
+            <a:ext cx="10216729" cy="5042363"/>
+          </a:xfrm>
+        </p:spPr>
+        <p:txBody>
+          <a:bodyPr>
+            <a:normAutofit fontScale="77500" lnSpcReduction="20000"/>
+          </a:bodyPr>
+          <a:lstStyle/>
+          <a:p>
+            <a:pPr>
+              <a:lnSpc>
+                <a:spcPct val="150000"/>
+              </a:lnSpc>
+            </a:pPr>
+            <a:r>
+              <a:rPr lang="fr-CH" sz="2600" dirty="0">
+                <a:solidFill>
+                  <a:schemeClr val="tx1"/>
+                </a:solidFill>
+              </a:rPr>
+              <a:t>Introduction</a:t>
+            </a:r>
+          </a:p>
+          <a:p>
+            <a:pPr>
+              <a:lnSpc>
+                <a:spcPct val="150000"/>
+              </a:lnSpc>
+            </a:pPr>
+            <a:r>
+              <a:rPr lang="fr-CH" sz="2600" dirty="0">
+                <a:solidFill>
+                  <a:schemeClr val="tx1"/>
+                </a:solidFill>
+              </a:rPr>
+              <a:t>Historique</a:t>
+            </a:r>
+          </a:p>
+          <a:p>
+            <a:pPr>
+              <a:lnSpc>
+                <a:spcPct val="150000"/>
+              </a:lnSpc>
+            </a:pPr>
+            <a:r>
+              <a:rPr lang="fr-CH" sz="2600" dirty="0">
+                <a:solidFill>
+                  <a:schemeClr val="tx1"/>
+                </a:solidFill>
+              </a:rPr>
+              <a:t>Usage</a:t>
+            </a:r>
+          </a:p>
+          <a:p>
+            <a:pPr>
+              <a:lnSpc>
+                <a:spcPct val="150000"/>
+              </a:lnSpc>
+            </a:pPr>
+            <a:r>
+              <a:rPr lang="fr-CH" sz="2600" dirty="0">
+                <a:solidFill>
+                  <a:schemeClr val="tx1"/>
+                </a:solidFill>
+              </a:rPr>
+              <a:t>La Technologie PoE</a:t>
+            </a:r>
+          </a:p>
+          <a:p>
+            <a:pPr>
+              <a:lnSpc>
+                <a:spcPct val="150000"/>
+              </a:lnSpc>
+            </a:pPr>
+            <a:r>
+              <a:rPr lang="fr-CH" sz="2600" dirty="0">
+                <a:solidFill>
+                  <a:schemeClr val="tx1"/>
+                </a:solidFill>
+              </a:rPr>
+              <a:t>Catégories des câbles Ethernet</a:t>
+            </a:r>
+          </a:p>
+          <a:p>
+            <a:pPr>
+              <a:lnSpc>
+                <a:spcPct val="150000"/>
+              </a:lnSpc>
+            </a:pPr>
+            <a:r>
+              <a:rPr lang="fr-CH" sz="2600" dirty="0">
+                <a:solidFill>
+                  <a:schemeClr val="tx1"/>
+                </a:solidFill>
+              </a:rPr>
+              <a:t>Blindages</a:t>
+            </a:r>
+          </a:p>
+          <a:p>
+            <a:pPr>
+              <a:lnSpc>
+                <a:spcPct val="150000"/>
+              </a:lnSpc>
+            </a:pPr>
+            <a:r>
+              <a:rPr lang="fr-CH" sz="2600" dirty="0">
+                <a:solidFill>
+                  <a:schemeClr val="tx1"/>
+                </a:solidFill>
+              </a:rPr>
+              <a:t>Connectiques</a:t>
+            </a:r>
+          </a:p>
+          <a:p>
+            <a:pPr>
+              <a:lnSpc>
+                <a:spcPct val="150000"/>
+              </a:lnSpc>
+            </a:pPr>
+            <a:r>
+              <a:rPr lang="fr-CH" sz="2600" dirty="0">
+                <a:solidFill>
+                  <a:schemeClr val="tx1"/>
+                </a:solidFill>
+              </a:rPr>
+              <a:t>Normes</a:t>
+            </a:r>
+          </a:p>
+          <a:p>
+            <a:pPr>
+              <a:lnSpc>
+                <a:spcPct val="150000"/>
+              </a:lnSpc>
+            </a:pPr>
+            <a:r>
+              <a:rPr lang="fr-CH" sz="2600" dirty="0">
+                <a:solidFill>
+                  <a:schemeClr val="tx1"/>
+                </a:solidFill>
+              </a:rPr>
+              <a:t>Fabrication</a:t>
+            </a:r>
+          </a:p>
+          <a:p>
+            <a:endParaRPr lang="fr-CH" dirty="0"/>
+          </a:p>
+        </p:txBody>
+      </p:sp>
+    </p:spTree>
+    <p:extLst>
+      <p:ext uri="{BB962C8B-B14F-4D97-AF65-F5344CB8AC3E}">
+        <p14:creationId xmlns:p14="http://schemas.microsoft.com/office/powerpoint/2010/main" val="829066155"/>
+      </p:ext>
+    </p:extLst>
+  </p:cSld>
+  <p:clrMapOvr>
+    <a:masterClrMapping/>
+  </p:clrMapOvr>
+</p:sld>
+</file>
+
+<file path=ppt/slides/slide20.xml><?xml version="1.0" encoding="utf-8"?>
 <p:sld xmlns:a="http://schemas.openxmlformats.org/drawingml/2006/main" xmlns:r="http://schemas.openxmlformats.org/officeDocument/2006/relationships" xmlns:p="http://schemas.openxmlformats.org/presentationml/2006/main">
   <p:cSld>
     <p:spTree>
@@ -12791,7 +10638,7 @@
 </p:sld>
 </file>
 
-<file path=ppt/slides/slide24.xml><?xml version="1.0" encoding="utf-8"?>
+<file path=ppt/slides/slide21.xml><?xml version="1.0" encoding="utf-8"?>
 <p:sld xmlns:a="http://schemas.openxmlformats.org/drawingml/2006/main" xmlns:r="http://schemas.openxmlformats.org/officeDocument/2006/relationships" xmlns:p="http://schemas.openxmlformats.org/presentationml/2006/main">
   <p:cSld>
     <p:spTree>
@@ -13013,7 +10860,7 @@
 </p:sld>
 </file>
 
-<file path=ppt/slides/slide25.xml><?xml version="1.0" encoding="utf-8"?>
+<file path=ppt/slides/slide22.xml><?xml version="1.0" encoding="utf-8"?>
 <p:sld xmlns:a="http://schemas.openxmlformats.org/drawingml/2006/main" xmlns:r="http://schemas.openxmlformats.org/officeDocument/2006/relationships" xmlns:p="http://schemas.openxmlformats.org/presentationml/2006/main">
   <p:cSld>
     <p:spTree>
@@ -13235,7 +11082,7 @@
 </p:sld>
 </file>
 
-<file path=ppt/slides/slide26.xml><?xml version="1.0" encoding="utf-8"?>
+<file path=ppt/slides/slide23.xml><?xml version="1.0" encoding="utf-8"?>
 <p:sld xmlns:a="http://schemas.openxmlformats.org/drawingml/2006/main" xmlns:r="http://schemas.openxmlformats.org/officeDocument/2006/relationships" xmlns:p="http://schemas.openxmlformats.org/presentationml/2006/main">
   <p:cSld>
     <p:spTree>
@@ -13466,7 +11313,7 @@
 </p:sld>
 </file>
 
-<file path=ppt/slides/slide27.xml><?xml version="1.0" encoding="utf-8"?>
+<file path=ppt/slides/slide24.xml><?xml version="1.0" encoding="utf-8"?>
 <p:sld xmlns:a="http://schemas.openxmlformats.org/drawingml/2006/main" xmlns:r="http://schemas.openxmlformats.org/officeDocument/2006/relationships" xmlns:p="http://schemas.openxmlformats.org/presentationml/2006/main">
   <p:cSld>
     <p:spTree>
@@ -13697,7 +11544,7 @@
 </p:sld>
 </file>
 
-<file path=ppt/slides/slide28.xml><?xml version="1.0" encoding="utf-8"?>
+<file path=ppt/slides/slide25.xml><?xml version="1.0" encoding="utf-8"?>
 <p:sld xmlns:a="http://schemas.openxmlformats.org/drawingml/2006/main" xmlns:r="http://schemas.openxmlformats.org/officeDocument/2006/relationships" xmlns:p="http://schemas.openxmlformats.org/presentationml/2006/main">
   <p:cSld>
     <p:spTree>
@@ -13930,7 +11777,7 @@
 </p:sld>
 </file>
 
-<file path=ppt/slides/slide29.xml><?xml version="1.0" encoding="utf-8"?>
+<file path=ppt/slides/slide26.xml><?xml version="1.0" encoding="utf-8"?>
 <p:sld xmlns:a="http://schemas.openxmlformats.org/drawingml/2006/main" xmlns:r="http://schemas.openxmlformats.org/officeDocument/2006/relationships" xmlns:p="http://schemas.openxmlformats.org/presentationml/2006/main">
   <p:cSld>
     <p:spTree>
@@ -14163,401 +12010,7 @@
 </p:sld>
 </file>
 
-<file path=ppt/slides/slide3.xml><?xml version="1.0" encoding="utf-8"?>
-<p:sld xmlns:a="http://schemas.openxmlformats.org/drawingml/2006/main" xmlns:r="http://schemas.openxmlformats.org/officeDocument/2006/relationships" xmlns:p="http://schemas.openxmlformats.org/presentationml/2006/main">
-  <p:cSld>
-    <p:spTree>
-      <p:nvGrpSpPr>
-        <p:cNvPr id="1" name=""/>
-        <p:cNvGrpSpPr/>
-        <p:nvPr/>
-      </p:nvGrpSpPr>
-      <p:grpSpPr>
-        <a:xfrm>
-          <a:off x="0" y="0"/>
-          <a:ext cx="0" cy="0"/>
-          <a:chOff x="0" y="0"/>
-          <a:chExt cx="0" cy="0"/>
-        </a:xfrm>
-      </p:grpSpPr>
-      <p:sp>
-        <p:nvSpPr>
-          <p:cNvPr id="4" name="Title 1"/>
-          <p:cNvSpPr>
-            <a:spLocks noGrp="1"/>
-          </p:cNvSpPr>
-          <p:nvPr>
-            <p:ph type="title"/>
-          </p:nvPr>
-        </p:nvSpPr>
-        <p:spPr>
-          <a:xfrm>
-            <a:off x="0" y="0"/>
-            <a:ext cx="2916820" cy="510199"/>
-          </a:xfrm>
-        </p:spPr>
-        <p:txBody>
-          <a:bodyPr numCol="1">
-            <a:noAutofit/>
-          </a:bodyPr>
-          <a:lstStyle/>
-          <a:p>
-            <a:pPr algn="ctr"/>
-            <a:r>
-              <a:rPr lang="fr-CH" sz="2800" dirty="0"/>
-              <a:t>Introduction</a:t>
-            </a:r>
-          </a:p>
-        </p:txBody>
-      </p:sp>
-      <p:sp>
-        <p:nvSpPr>
-          <p:cNvPr id="5" name="Content Placeholder 2"/>
-          <p:cNvSpPr txBox="1">
-            <a:spLocks/>
-          </p:cNvSpPr>
-          <p:nvPr/>
-        </p:nvSpPr>
-        <p:spPr>
-          <a:xfrm>
-            <a:off x="615821" y="1698172"/>
-            <a:ext cx="10216729" cy="3546074"/>
-          </a:xfrm>
-          <a:prstGeom prst="rect">
-            <a:avLst/>
-          </a:prstGeom>
-        </p:spPr>
-        <p:txBody>
-          <a:bodyPr vert="horz" lIns="91440" tIns="45720" rIns="91440" bIns="45720" rtlCol="0" anchor="ctr">
-            <a:normAutofit/>
-          </a:bodyPr>
-          <a:lstStyle>
-            <a:lvl1pPr marL="285750" indent="-285750" algn="l" defTabSz="457200" rtl="0" eaLnBrk="1" latinLnBrk="0" hangingPunct="1">
-              <a:spcBef>
-                <a:spcPct val="20000"/>
-              </a:spcBef>
-              <a:spcAft>
-                <a:spcPts val="600"/>
-              </a:spcAft>
-              <a:buClr>
-                <a:schemeClr val="tx1"/>
-              </a:buClr>
-              <a:buSzPct val="80000"/>
-              <a:buFont typeface="Wingdings 3" panose="05040102010807070707" pitchFamily="18" charset="2"/>
-              <a:buChar char=""/>
-              <a:defRPr sz="2000" kern="1200" cap="none">
-                <a:solidFill>
-                  <a:schemeClr val="bg2">
-                    <a:lumMod val="75000"/>
-                  </a:schemeClr>
-                </a:solidFill>
-                <a:effectLst/>
-                <a:latin typeface="+mn-lt"/>
-                <a:ea typeface="+mn-ea"/>
-                <a:cs typeface="+mn-cs"/>
-              </a:defRPr>
-            </a:lvl1pPr>
-            <a:lvl2pPr marL="742950" indent="-285750" algn="l" defTabSz="457200" rtl="0" eaLnBrk="1" latinLnBrk="0" hangingPunct="1">
-              <a:spcBef>
-                <a:spcPct val="20000"/>
-              </a:spcBef>
-              <a:spcAft>
-                <a:spcPts val="600"/>
-              </a:spcAft>
-              <a:buClr>
-                <a:schemeClr val="tx1"/>
-              </a:buClr>
-              <a:buSzPct val="80000"/>
-              <a:buFont typeface="Wingdings 3" panose="05040102010807070707" pitchFamily="18" charset="2"/>
-              <a:buChar char=""/>
-              <a:defRPr sz="1800" kern="1200" cap="none">
-                <a:solidFill>
-                  <a:schemeClr val="bg2">
-                    <a:lumMod val="75000"/>
-                  </a:schemeClr>
-                </a:solidFill>
-                <a:effectLst/>
-                <a:latin typeface="+mn-lt"/>
-                <a:ea typeface="+mn-ea"/>
-                <a:cs typeface="+mn-cs"/>
-              </a:defRPr>
-            </a:lvl2pPr>
-            <a:lvl3pPr marL="1200150" indent="-285750" algn="l" defTabSz="457200" rtl="0" eaLnBrk="1" latinLnBrk="0" hangingPunct="1">
-              <a:spcBef>
-                <a:spcPct val="20000"/>
-              </a:spcBef>
-              <a:spcAft>
-                <a:spcPts val="600"/>
-              </a:spcAft>
-              <a:buClr>
-                <a:schemeClr val="tx1"/>
-              </a:buClr>
-              <a:buSzPct val="80000"/>
-              <a:buFont typeface="Wingdings 3" panose="05040102010807070707" pitchFamily="18" charset="2"/>
-              <a:buChar char=""/>
-              <a:defRPr sz="1600" kern="1200" cap="none">
-                <a:solidFill>
-                  <a:schemeClr val="bg2">
-                    <a:lumMod val="75000"/>
-                  </a:schemeClr>
-                </a:solidFill>
-                <a:effectLst/>
-                <a:latin typeface="+mn-lt"/>
-                <a:ea typeface="+mn-ea"/>
-                <a:cs typeface="+mn-cs"/>
-              </a:defRPr>
-            </a:lvl3pPr>
-            <a:lvl4pPr marL="1543050" indent="-171450" algn="l" defTabSz="457200" rtl="0" eaLnBrk="1" latinLnBrk="0" hangingPunct="1">
-              <a:spcBef>
-                <a:spcPct val="20000"/>
-              </a:spcBef>
-              <a:spcAft>
-                <a:spcPts val="600"/>
-              </a:spcAft>
-              <a:buClr>
-                <a:schemeClr val="tx1"/>
-              </a:buClr>
-              <a:buSzPct val="80000"/>
-              <a:buFont typeface="Wingdings 3" panose="05040102010807070707" pitchFamily="18" charset="2"/>
-              <a:buChar char=""/>
-              <a:defRPr sz="1400" kern="1200" cap="none">
-                <a:solidFill>
-                  <a:schemeClr val="bg2">
-                    <a:lumMod val="75000"/>
-                  </a:schemeClr>
-                </a:solidFill>
-                <a:effectLst/>
-                <a:latin typeface="+mn-lt"/>
-                <a:ea typeface="+mn-ea"/>
-                <a:cs typeface="+mn-cs"/>
-              </a:defRPr>
-            </a:lvl4pPr>
-            <a:lvl5pPr marL="2000250" indent="-171450" algn="l" defTabSz="457200" rtl="0" eaLnBrk="1" latinLnBrk="0" hangingPunct="1">
-              <a:spcBef>
-                <a:spcPct val="20000"/>
-              </a:spcBef>
-              <a:spcAft>
-                <a:spcPts val="600"/>
-              </a:spcAft>
-              <a:buClr>
-                <a:schemeClr val="tx1"/>
-              </a:buClr>
-              <a:buSzPct val="80000"/>
-              <a:buFont typeface="Wingdings 3" panose="05040102010807070707" pitchFamily="18" charset="2"/>
-              <a:buChar char=""/>
-              <a:defRPr sz="1400" kern="1200" cap="none">
-                <a:solidFill>
-                  <a:schemeClr val="bg2">
-                    <a:lumMod val="75000"/>
-                  </a:schemeClr>
-                </a:solidFill>
-                <a:effectLst/>
-                <a:latin typeface="+mn-lt"/>
-                <a:ea typeface="+mn-ea"/>
-                <a:cs typeface="+mn-cs"/>
-              </a:defRPr>
-            </a:lvl5pPr>
-            <a:lvl6pPr marL="2514600" indent="-228600" algn="l" defTabSz="457200" rtl="0" eaLnBrk="1" latinLnBrk="0" hangingPunct="1">
-              <a:spcBef>
-                <a:spcPct val="20000"/>
-              </a:spcBef>
-              <a:spcAft>
-                <a:spcPts val="600"/>
-              </a:spcAft>
-              <a:buClr>
-                <a:schemeClr val="tx1"/>
-              </a:buClr>
-              <a:buSzPct val="80000"/>
-              <a:buFont typeface="Wingdings 3" panose="05040102010807070707" pitchFamily="18" charset="2"/>
-              <a:buChar char=""/>
-              <a:defRPr sz="1400" kern="1200" cap="none">
-                <a:solidFill>
-                  <a:schemeClr val="bg2">
-                    <a:lumMod val="75000"/>
-                  </a:schemeClr>
-                </a:solidFill>
-                <a:effectLst/>
-                <a:latin typeface="+mn-lt"/>
-                <a:ea typeface="+mn-ea"/>
-                <a:cs typeface="+mn-cs"/>
-              </a:defRPr>
-            </a:lvl6pPr>
-            <a:lvl7pPr marL="2971800" indent="-228600" algn="l" defTabSz="457200" rtl="0" eaLnBrk="1" latinLnBrk="0" hangingPunct="1">
-              <a:spcBef>
-                <a:spcPct val="20000"/>
-              </a:spcBef>
-              <a:spcAft>
-                <a:spcPts val="600"/>
-              </a:spcAft>
-              <a:buClr>
-                <a:schemeClr val="tx1"/>
-              </a:buClr>
-              <a:buSzPct val="80000"/>
-              <a:buFont typeface="Wingdings 3" panose="05040102010807070707" pitchFamily="18" charset="2"/>
-              <a:buChar char=""/>
-              <a:defRPr sz="1400" kern="1200" cap="none">
-                <a:solidFill>
-                  <a:schemeClr val="bg2">
-                    <a:lumMod val="75000"/>
-                  </a:schemeClr>
-                </a:solidFill>
-                <a:effectLst/>
-                <a:latin typeface="+mn-lt"/>
-                <a:ea typeface="+mn-ea"/>
-                <a:cs typeface="+mn-cs"/>
-              </a:defRPr>
-            </a:lvl7pPr>
-            <a:lvl8pPr marL="3429000" indent="-228600" algn="l" defTabSz="457200" rtl="0" eaLnBrk="1" latinLnBrk="0" hangingPunct="1">
-              <a:spcBef>
-                <a:spcPct val="20000"/>
-              </a:spcBef>
-              <a:spcAft>
-                <a:spcPts val="600"/>
-              </a:spcAft>
-              <a:buClr>
-                <a:schemeClr val="tx1"/>
-              </a:buClr>
-              <a:buSzPct val="80000"/>
-              <a:buFont typeface="Wingdings 3" panose="05040102010807070707" pitchFamily="18" charset="2"/>
-              <a:buChar char=""/>
-              <a:defRPr sz="1400" kern="1200" cap="none">
-                <a:solidFill>
-                  <a:schemeClr val="bg2">
-                    <a:lumMod val="75000"/>
-                  </a:schemeClr>
-                </a:solidFill>
-                <a:effectLst/>
-                <a:latin typeface="+mn-lt"/>
-                <a:ea typeface="+mn-ea"/>
-                <a:cs typeface="+mn-cs"/>
-              </a:defRPr>
-            </a:lvl8pPr>
-            <a:lvl9pPr marL="3886200" indent="-228600" algn="l" defTabSz="457200" rtl="0" eaLnBrk="1" latinLnBrk="0" hangingPunct="1">
-              <a:spcBef>
-                <a:spcPct val="20000"/>
-              </a:spcBef>
-              <a:spcAft>
-                <a:spcPts val="600"/>
-              </a:spcAft>
-              <a:buClr>
-                <a:schemeClr val="tx1"/>
-              </a:buClr>
-              <a:buSzPct val="80000"/>
-              <a:buFont typeface="Wingdings 3" panose="05040102010807070707" pitchFamily="18" charset="2"/>
-              <a:buChar char=""/>
-              <a:defRPr sz="1400" kern="1200" cap="none">
-                <a:solidFill>
-                  <a:schemeClr val="bg2">
-                    <a:lumMod val="75000"/>
-                  </a:schemeClr>
-                </a:solidFill>
-                <a:effectLst/>
-                <a:latin typeface="+mn-lt"/>
-                <a:ea typeface="+mn-ea"/>
-                <a:cs typeface="+mn-cs"/>
-              </a:defRPr>
-            </a:lvl9pPr>
-          </a:lstStyle>
-          <a:p>
-            <a:pPr lvl="1">
-              <a:lnSpc>
-                <a:spcPct val="150000"/>
-              </a:lnSpc>
-            </a:pPr>
-            <a:r>
-              <a:rPr lang="fr-CH" sz="2000" dirty="0">
-                <a:solidFill>
-                  <a:schemeClr val="tx1"/>
-                </a:solidFill>
-              </a:rPr>
-              <a:t>Sujet : La fabrication d’un câble Ethernet</a:t>
-            </a:r>
-          </a:p>
-          <a:p>
-            <a:pPr lvl="1">
-              <a:lnSpc>
-                <a:spcPct val="150000"/>
-              </a:lnSpc>
-            </a:pPr>
-            <a:r>
-              <a:rPr lang="fr-CH" sz="2000" dirty="0">
-                <a:solidFill>
-                  <a:schemeClr val="tx1"/>
-                </a:solidFill>
-              </a:rPr>
-              <a:t>Cette présentation à comme objectifs :</a:t>
-            </a:r>
-          </a:p>
-          <a:p>
-            <a:pPr lvl="2">
-              <a:lnSpc>
-                <a:spcPct val="150000"/>
-              </a:lnSpc>
-            </a:pPr>
-            <a:r>
-              <a:rPr lang="fr-CH" sz="1800" dirty="0">
-                <a:solidFill>
-                  <a:schemeClr val="tx1"/>
-                </a:solidFill>
-              </a:rPr>
-              <a:t>Décrire et présenter les différentes normes, catégories et technologies d’un câble Ethernet</a:t>
-            </a:r>
-          </a:p>
-          <a:p>
-            <a:pPr lvl="2">
-              <a:lnSpc>
-                <a:spcPct val="150000"/>
-              </a:lnSpc>
-            </a:pPr>
-            <a:r>
-              <a:rPr lang="fr-CH" sz="1800" dirty="0">
-                <a:solidFill>
-                  <a:schemeClr val="tx1"/>
-                </a:solidFill>
-              </a:rPr>
-              <a:t>Démontrer la fabrication d’un câble RJ-45</a:t>
-            </a:r>
-          </a:p>
-          <a:p>
-            <a:pPr lvl="2">
-              <a:lnSpc>
-                <a:spcPct val="150000"/>
-              </a:lnSpc>
-            </a:pPr>
-            <a:endParaRPr lang="fr-CH" sz="2200" dirty="0">
-              <a:solidFill>
-                <a:schemeClr val="tx1"/>
-              </a:solidFill>
-            </a:endParaRPr>
-          </a:p>
-          <a:p>
-            <a:pPr lvl="2">
-              <a:lnSpc>
-                <a:spcPct val="150000"/>
-              </a:lnSpc>
-            </a:pPr>
-            <a:endParaRPr lang="fr-CH" sz="2200" dirty="0">
-              <a:solidFill>
-                <a:schemeClr val="tx1"/>
-              </a:solidFill>
-            </a:endParaRPr>
-          </a:p>
-        </p:txBody>
-      </p:sp>
-    </p:spTree>
-    <p:extLst>
-      <p:ext uri="{BB962C8B-B14F-4D97-AF65-F5344CB8AC3E}">
-        <p14:creationId xmlns:p14="http://schemas.microsoft.com/office/powerpoint/2010/main" val="3456633582"/>
-      </p:ext>
-    </p:extLst>
-  </p:cSld>
-  <p:clrMapOvr>
-    <a:masterClrMapping/>
-  </p:clrMapOvr>
-</p:sld>
-</file>
-
-<file path=ppt/slides/slide30.xml><?xml version="1.0" encoding="utf-8"?>
+<file path=ppt/slides/slide27.xml><?xml version="1.0" encoding="utf-8"?>
 <p:sld xmlns:a="http://schemas.openxmlformats.org/drawingml/2006/main" xmlns:r="http://schemas.openxmlformats.org/officeDocument/2006/relationships" xmlns:p="http://schemas.openxmlformats.org/presentationml/2006/main">
   <p:cSld>
     <p:spTree>
@@ -14835,7 +12288,7 @@
 </p:sld>
 </file>
 
-<file path=ppt/slides/slide31.xml><?xml version="1.0" encoding="utf-8"?>
+<file path=ppt/slides/slide28.xml><?xml version="1.0" encoding="utf-8"?>
 <p:sld xmlns:a="http://schemas.openxmlformats.org/drawingml/2006/main" xmlns:r="http://schemas.openxmlformats.org/officeDocument/2006/relationships" xmlns:p="http://schemas.openxmlformats.org/presentationml/2006/main">
   <p:cSld>
     <p:spTree>
@@ -15032,7 +12485,7 @@
 </p:sld>
 </file>
 
-<file path=ppt/slides/slide32.xml><?xml version="1.0" encoding="utf-8"?>
+<file path=ppt/slides/slide29.xml><?xml version="1.0" encoding="utf-8"?>
 <p:sld xmlns:a="http://schemas.openxmlformats.org/drawingml/2006/main" xmlns:r="http://schemas.openxmlformats.org/officeDocument/2006/relationships" xmlns:p="http://schemas.openxmlformats.org/presentationml/2006/main">
   <p:cSld>
     <p:spTree>
@@ -15308,7 +12761,401 @@
 </p:sld>
 </file>
 
-<file path=ppt/slides/slide33.xml><?xml version="1.0" encoding="utf-8"?>
+<file path=ppt/slides/slide3.xml><?xml version="1.0" encoding="utf-8"?>
+<p:sld xmlns:a="http://schemas.openxmlformats.org/drawingml/2006/main" xmlns:r="http://schemas.openxmlformats.org/officeDocument/2006/relationships" xmlns:p="http://schemas.openxmlformats.org/presentationml/2006/main">
+  <p:cSld>
+    <p:spTree>
+      <p:nvGrpSpPr>
+        <p:cNvPr id="1" name=""/>
+        <p:cNvGrpSpPr/>
+        <p:nvPr/>
+      </p:nvGrpSpPr>
+      <p:grpSpPr>
+        <a:xfrm>
+          <a:off x="0" y="0"/>
+          <a:ext cx="0" cy="0"/>
+          <a:chOff x="0" y="0"/>
+          <a:chExt cx="0" cy="0"/>
+        </a:xfrm>
+      </p:grpSpPr>
+      <p:sp>
+        <p:nvSpPr>
+          <p:cNvPr id="4" name="Title 1"/>
+          <p:cNvSpPr>
+            <a:spLocks noGrp="1"/>
+          </p:cNvSpPr>
+          <p:nvPr>
+            <p:ph type="title"/>
+          </p:nvPr>
+        </p:nvSpPr>
+        <p:spPr>
+          <a:xfrm>
+            <a:off x="0" y="0"/>
+            <a:ext cx="2916820" cy="510199"/>
+          </a:xfrm>
+        </p:spPr>
+        <p:txBody>
+          <a:bodyPr numCol="1">
+            <a:noAutofit/>
+          </a:bodyPr>
+          <a:lstStyle/>
+          <a:p>
+            <a:pPr algn="ctr"/>
+            <a:r>
+              <a:rPr lang="fr-CH" sz="2800" dirty="0"/>
+              <a:t>Introduction</a:t>
+            </a:r>
+          </a:p>
+        </p:txBody>
+      </p:sp>
+      <p:sp>
+        <p:nvSpPr>
+          <p:cNvPr id="5" name="Content Placeholder 2"/>
+          <p:cNvSpPr txBox="1">
+            <a:spLocks/>
+          </p:cNvSpPr>
+          <p:nvPr/>
+        </p:nvSpPr>
+        <p:spPr>
+          <a:xfrm>
+            <a:off x="615821" y="1698172"/>
+            <a:ext cx="10216729" cy="3546074"/>
+          </a:xfrm>
+          <a:prstGeom prst="rect">
+            <a:avLst/>
+          </a:prstGeom>
+        </p:spPr>
+        <p:txBody>
+          <a:bodyPr vert="horz" lIns="91440" tIns="45720" rIns="91440" bIns="45720" rtlCol="0" anchor="ctr">
+            <a:normAutofit/>
+          </a:bodyPr>
+          <a:lstStyle>
+            <a:lvl1pPr marL="285750" indent="-285750" algn="l" defTabSz="457200" rtl="0" eaLnBrk="1" latinLnBrk="0" hangingPunct="1">
+              <a:spcBef>
+                <a:spcPct val="20000"/>
+              </a:spcBef>
+              <a:spcAft>
+                <a:spcPts val="600"/>
+              </a:spcAft>
+              <a:buClr>
+                <a:schemeClr val="tx1"/>
+              </a:buClr>
+              <a:buSzPct val="80000"/>
+              <a:buFont typeface="Wingdings 3" panose="05040102010807070707" pitchFamily="18" charset="2"/>
+              <a:buChar char=""/>
+              <a:defRPr sz="2000" kern="1200" cap="none">
+                <a:solidFill>
+                  <a:schemeClr val="bg2">
+                    <a:lumMod val="75000"/>
+                  </a:schemeClr>
+                </a:solidFill>
+                <a:effectLst/>
+                <a:latin typeface="+mn-lt"/>
+                <a:ea typeface="+mn-ea"/>
+                <a:cs typeface="+mn-cs"/>
+              </a:defRPr>
+            </a:lvl1pPr>
+            <a:lvl2pPr marL="742950" indent="-285750" algn="l" defTabSz="457200" rtl="0" eaLnBrk="1" latinLnBrk="0" hangingPunct="1">
+              <a:spcBef>
+                <a:spcPct val="20000"/>
+              </a:spcBef>
+              <a:spcAft>
+                <a:spcPts val="600"/>
+              </a:spcAft>
+              <a:buClr>
+                <a:schemeClr val="tx1"/>
+              </a:buClr>
+              <a:buSzPct val="80000"/>
+              <a:buFont typeface="Wingdings 3" panose="05040102010807070707" pitchFamily="18" charset="2"/>
+              <a:buChar char=""/>
+              <a:defRPr sz="1800" kern="1200" cap="none">
+                <a:solidFill>
+                  <a:schemeClr val="bg2">
+                    <a:lumMod val="75000"/>
+                  </a:schemeClr>
+                </a:solidFill>
+                <a:effectLst/>
+                <a:latin typeface="+mn-lt"/>
+                <a:ea typeface="+mn-ea"/>
+                <a:cs typeface="+mn-cs"/>
+              </a:defRPr>
+            </a:lvl2pPr>
+            <a:lvl3pPr marL="1200150" indent="-285750" algn="l" defTabSz="457200" rtl="0" eaLnBrk="1" latinLnBrk="0" hangingPunct="1">
+              <a:spcBef>
+                <a:spcPct val="20000"/>
+              </a:spcBef>
+              <a:spcAft>
+                <a:spcPts val="600"/>
+              </a:spcAft>
+              <a:buClr>
+                <a:schemeClr val="tx1"/>
+              </a:buClr>
+              <a:buSzPct val="80000"/>
+              <a:buFont typeface="Wingdings 3" panose="05040102010807070707" pitchFamily="18" charset="2"/>
+              <a:buChar char=""/>
+              <a:defRPr sz="1600" kern="1200" cap="none">
+                <a:solidFill>
+                  <a:schemeClr val="bg2">
+                    <a:lumMod val="75000"/>
+                  </a:schemeClr>
+                </a:solidFill>
+                <a:effectLst/>
+                <a:latin typeface="+mn-lt"/>
+                <a:ea typeface="+mn-ea"/>
+                <a:cs typeface="+mn-cs"/>
+              </a:defRPr>
+            </a:lvl3pPr>
+            <a:lvl4pPr marL="1543050" indent="-171450" algn="l" defTabSz="457200" rtl="0" eaLnBrk="1" latinLnBrk="0" hangingPunct="1">
+              <a:spcBef>
+                <a:spcPct val="20000"/>
+              </a:spcBef>
+              <a:spcAft>
+                <a:spcPts val="600"/>
+              </a:spcAft>
+              <a:buClr>
+                <a:schemeClr val="tx1"/>
+              </a:buClr>
+              <a:buSzPct val="80000"/>
+              <a:buFont typeface="Wingdings 3" panose="05040102010807070707" pitchFamily="18" charset="2"/>
+              <a:buChar char=""/>
+              <a:defRPr sz="1400" kern="1200" cap="none">
+                <a:solidFill>
+                  <a:schemeClr val="bg2">
+                    <a:lumMod val="75000"/>
+                  </a:schemeClr>
+                </a:solidFill>
+                <a:effectLst/>
+                <a:latin typeface="+mn-lt"/>
+                <a:ea typeface="+mn-ea"/>
+                <a:cs typeface="+mn-cs"/>
+              </a:defRPr>
+            </a:lvl4pPr>
+            <a:lvl5pPr marL="2000250" indent="-171450" algn="l" defTabSz="457200" rtl="0" eaLnBrk="1" latinLnBrk="0" hangingPunct="1">
+              <a:spcBef>
+                <a:spcPct val="20000"/>
+              </a:spcBef>
+              <a:spcAft>
+                <a:spcPts val="600"/>
+              </a:spcAft>
+              <a:buClr>
+                <a:schemeClr val="tx1"/>
+              </a:buClr>
+              <a:buSzPct val="80000"/>
+              <a:buFont typeface="Wingdings 3" panose="05040102010807070707" pitchFamily="18" charset="2"/>
+              <a:buChar char=""/>
+              <a:defRPr sz="1400" kern="1200" cap="none">
+                <a:solidFill>
+                  <a:schemeClr val="bg2">
+                    <a:lumMod val="75000"/>
+                  </a:schemeClr>
+                </a:solidFill>
+                <a:effectLst/>
+                <a:latin typeface="+mn-lt"/>
+                <a:ea typeface="+mn-ea"/>
+                <a:cs typeface="+mn-cs"/>
+              </a:defRPr>
+            </a:lvl5pPr>
+            <a:lvl6pPr marL="2514600" indent="-228600" algn="l" defTabSz="457200" rtl="0" eaLnBrk="1" latinLnBrk="0" hangingPunct="1">
+              <a:spcBef>
+                <a:spcPct val="20000"/>
+              </a:spcBef>
+              <a:spcAft>
+                <a:spcPts val="600"/>
+              </a:spcAft>
+              <a:buClr>
+                <a:schemeClr val="tx1"/>
+              </a:buClr>
+              <a:buSzPct val="80000"/>
+              <a:buFont typeface="Wingdings 3" panose="05040102010807070707" pitchFamily="18" charset="2"/>
+              <a:buChar char=""/>
+              <a:defRPr sz="1400" kern="1200" cap="none">
+                <a:solidFill>
+                  <a:schemeClr val="bg2">
+                    <a:lumMod val="75000"/>
+                  </a:schemeClr>
+                </a:solidFill>
+                <a:effectLst/>
+                <a:latin typeface="+mn-lt"/>
+                <a:ea typeface="+mn-ea"/>
+                <a:cs typeface="+mn-cs"/>
+              </a:defRPr>
+            </a:lvl6pPr>
+            <a:lvl7pPr marL="2971800" indent="-228600" algn="l" defTabSz="457200" rtl="0" eaLnBrk="1" latinLnBrk="0" hangingPunct="1">
+              <a:spcBef>
+                <a:spcPct val="20000"/>
+              </a:spcBef>
+              <a:spcAft>
+                <a:spcPts val="600"/>
+              </a:spcAft>
+              <a:buClr>
+                <a:schemeClr val="tx1"/>
+              </a:buClr>
+              <a:buSzPct val="80000"/>
+              <a:buFont typeface="Wingdings 3" panose="05040102010807070707" pitchFamily="18" charset="2"/>
+              <a:buChar char=""/>
+              <a:defRPr sz="1400" kern="1200" cap="none">
+                <a:solidFill>
+                  <a:schemeClr val="bg2">
+                    <a:lumMod val="75000"/>
+                  </a:schemeClr>
+                </a:solidFill>
+                <a:effectLst/>
+                <a:latin typeface="+mn-lt"/>
+                <a:ea typeface="+mn-ea"/>
+                <a:cs typeface="+mn-cs"/>
+              </a:defRPr>
+            </a:lvl7pPr>
+            <a:lvl8pPr marL="3429000" indent="-228600" algn="l" defTabSz="457200" rtl="0" eaLnBrk="1" latinLnBrk="0" hangingPunct="1">
+              <a:spcBef>
+                <a:spcPct val="20000"/>
+              </a:spcBef>
+              <a:spcAft>
+                <a:spcPts val="600"/>
+              </a:spcAft>
+              <a:buClr>
+                <a:schemeClr val="tx1"/>
+              </a:buClr>
+              <a:buSzPct val="80000"/>
+              <a:buFont typeface="Wingdings 3" panose="05040102010807070707" pitchFamily="18" charset="2"/>
+              <a:buChar char=""/>
+              <a:defRPr sz="1400" kern="1200" cap="none">
+                <a:solidFill>
+                  <a:schemeClr val="bg2">
+                    <a:lumMod val="75000"/>
+                  </a:schemeClr>
+                </a:solidFill>
+                <a:effectLst/>
+                <a:latin typeface="+mn-lt"/>
+                <a:ea typeface="+mn-ea"/>
+                <a:cs typeface="+mn-cs"/>
+              </a:defRPr>
+            </a:lvl8pPr>
+            <a:lvl9pPr marL="3886200" indent="-228600" algn="l" defTabSz="457200" rtl="0" eaLnBrk="1" latinLnBrk="0" hangingPunct="1">
+              <a:spcBef>
+                <a:spcPct val="20000"/>
+              </a:spcBef>
+              <a:spcAft>
+                <a:spcPts val="600"/>
+              </a:spcAft>
+              <a:buClr>
+                <a:schemeClr val="tx1"/>
+              </a:buClr>
+              <a:buSzPct val="80000"/>
+              <a:buFont typeface="Wingdings 3" panose="05040102010807070707" pitchFamily="18" charset="2"/>
+              <a:buChar char=""/>
+              <a:defRPr sz="1400" kern="1200" cap="none">
+                <a:solidFill>
+                  <a:schemeClr val="bg2">
+                    <a:lumMod val="75000"/>
+                  </a:schemeClr>
+                </a:solidFill>
+                <a:effectLst/>
+                <a:latin typeface="+mn-lt"/>
+                <a:ea typeface="+mn-ea"/>
+                <a:cs typeface="+mn-cs"/>
+              </a:defRPr>
+            </a:lvl9pPr>
+          </a:lstStyle>
+          <a:p>
+            <a:pPr lvl="1">
+              <a:lnSpc>
+                <a:spcPct val="150000"/>
+              </a:lnSpc>
+            </a:pPr>
+            <a:r>
+              <a:rPr lang="fr-CH" sz="2000" dirty="0">
+                <a:solidFill>
+                  <a:schemeClr val="tx1"/>
+                </a:solidFill>
+              </a:rPr>
+              <a:t>Sujet : La fabrication d’un câble Ethernet</a:t>
+            </a:r>
+          </a:p>
+          <a:p>
+            <a:pPr lvl="1">
+              <a:lnSpc>
+                <a:spcPct val="150000"/>
+              </a:lnSpc>
+            </a:pPr>
+            <a:r>
+              <a:rPr lang="fr-CH" sz="2000" dirty="0">
+                <a:solidFill>
+                  <a:schemeClr val="tx1"/>
+                </a:solidFill>
+              </a:rPr>
+              <a:t>Cette présentation à comme objectifs :</a:t>
+            </a:r>
+          </a:p>
+          <a:p>
+            <a:pPr lvl="2">
+              <a:lnSpc>
+                <a:spcPct val="150000"/>
+              </a:lnSpc>
+            </a:pPr>
+            <a:r>
+              <a:rPr lang="fr-CH" sz="1800" dirty="0">
+                <a:solidFill>
+                  <a:schemeClr val="tx1"/>
+                </a:solidFill>
+              </a:rPr>
+              <a:t>Décrire et présenter les différentes normes, catégories et technologies d’un câble Ethernet</a:t>
+            </a:r>
+          </a:p>
+          <a:p>
+            <a:pPr lvl="2">
+              <a:lnSpc>
+                <a:spcPct val="150000"/>
+              </a:lnSpc>
+            </a:pPr>
+            <a:r>
+              <a:rPr lang="fr-CH" sz="1800" dirty="0">
+                <a:solidFill>
+                  <a:schemeClr val="tx1"/>
+                </a:solidFill>
+              </a:rPr>
+              <a:t>Démontrer la fabrication d’un câble RJ-45</a:t>
+            </a:r>
+          </a:p>
+          <a:p>
+            <a:pPr lvl="2">
+              <a:lnSpc>
+                <a:spcPct val="150000"/>
+              </a:lnSpc>
+            </a:pPr>
+            <a:endParaRPr lang="fr-CH" sz="2200" dirty="0">
+              <a:solidFill>
+                <a:schemeClr val="tx1"/>
+              </a:solidFill>
+            </a:endParaRPr>
+          </a:p>
+          <a:p>
+            <a:pPr lvl="2">
+              <a:lnSpc>
+                <a:spcPct val="150000"/>
+              </a:lnSpc>
+            </a:pPr>
+            <a:endParaRPr lang="fr-CH" sz="2200" dirty="0">
+              <a:solidFill>
+                <a:schemeClr val="tx1"/>
+              </a:solidFill>
+            </a:endParaRPr>
+          </a:p>
+        </p:txBody>
+      </p:sp>
+    </p:spTree>
+    <p:extLst>
+      <p:ext uri="{BB962C8B-B14F-4D97-AF65-F5344CB8AC3E}">
+        <p14:creationId xmlns:p14="http://schemas.microsoft.com/office/powerpoint/2010/main" val="3456633582"/>
+      </p:ext>
+    </p:extLst>
+  </p:cSld>
+  <p:clrMapOvr>
+    <a:masterClrMapping/>
+  </p:clrMapOvr>
+</p:sld>
+</file>
+
+<file path=ppt/slides/slide30.xml><?xml version="1.0" encoding="utf-8"?>
 <p:sld xmlns:a="http://schemas.openxmlformats.org/drawingml/2006/main" xmlns:r="http://schemas.openxmlformats.org/officeDocument/2006/relationships" xmlns:p="http://schemas.openxmlformats.org/presentationml/2006/main">
   <p:cSld>
     <p:spTree>
@@ -15583,7 +13430,7 @@
 </p:sld>
 </file>
 
-<file path=ppt/slides/slide34.xml><?xml version="1.0" encoding="utf-8"?>
+<file path=ppt/slides/slide31.xml><?xml version="1.0" encoding="utf-8"?>
 <p:sld xmlns:a="http://schemas.openxmlformats.org/drawingml/2006/main" xmlns:r="http://schemas.openxmlformats.org/officeDocument/2006/relationships" xmlns:p="http://schemas.openxmlformats.org/presentationml/2006/main">
   <p:cSld>
     <p:spTree>
@@ -15793,7 +13640,7 @@
 </p:sld>
 </file>
 
-<file path=ppt/slides/slide35.xml><?xml version="1.0" encoding="utf-8"?>
+<file path=ppt/slides/slide32.xml><?xml version="1.0" encoding="utf-8"?>
 <p:sld xmlns:a="http://schemas.openxmlformats.org/drawingml/2006/main" xmlns:r="http://schemas.openxmlformats.org/officeDocument/2006/relationships" xmlns:p="http://schemas.openxmlformats.org/presentationml/2006/main">
   <p:cSld>
     <p:spTree>
@@ -15877,7 +13724,7 @@
 </p:sld>
 </file>
 
-<file path=ppt/slides/slide36.xml><?xml version="1.0" encoding="utf-8"?>
+<file path=ppt/slides/slide33.xml><?xml version="1.0" encoding="utf-8"?>
 <p:sld xmlns:a="http://schemas.openxmlformats.org/drawingml/2006/main" xmlns:r="http://schemas.openxmlformats.org/officeDocument/2006/relationships" xmlns:p="http://schemas.openxmlformats.org/presentationml/2006/main">
   <p:cSld>
     <p:spTree>
@@ -15961,7 +13808,7 @@
 </p:sld>
 </file>
 
-<file path=ppt/slides/slide37.xml><?xml version="1.0" encoding="utf-8"?>
+<file path=ppt/slides/slide34.xml><?xml version="1.0" encoding="utf-8"?>
 <p:sld xmlns:a="http://schemas.openxmlformats.org/drawingml/2006/main" xmlns:r="http://schemas.openxmlformats.org/officeDocument/2006/relationships" xmlns:p="http://schemas.openxmlformats.org/presentationml/2006/main">
   <p:cSld>
     <p:spTree>
@@ -18100,7 +15947,7 @@
         </p:spPr>
         <p:txBody>
           <a:bodyPr vert="horz" lIns="91440" tIns="45720" rIns="91440" bIns="45720" rtlCol="0">
-            <a:normAutofit lnSpcReduction="10000"/>
+            <a:normAutofit/>
           </a:bodyPr>
           <a:lstStyle>
             <a:lvl1pPr marL="342900" indent="-342900" algn="l" defTabSz="457200" rtl="0" eaLnBrk="1" latinLnBrk="0" hangingPunct="1">
@@ -18335,12 +16182,8 @@
               <a:buNone/>
             </a:pPr>
             <a:r>
-              <a:rPr lang="fr-CH" sz="2800" dirty="0"/>
-              <a:t>U</a:t>
-            </a:r>
-            <a:r>
               <a:rPr lang="fr-CH" sz="2400" dirty="0"/>
-              <a:t>ne technologie qui permet d’envoyer du signal Ethernet et du signal électrique en même temps sur un câble Ethernet pour des périphérique réseaux . </a:t>
+              <a:t>Transmission de données et alimentation électrique à travers un câble Ethernet.</a:t>
             </a:r>
           </a:p>
           <a:p>
@@ -18356,291 +16199,24 @@
             </a:pPr>
             <a:r>
               <a:rPr lang="fr-CH" sz="2400" dirty="0"/>
-              <a:t>Ratifiée et publié en le 11 juillet 2003</a:t>
+              <a:t>Ratifiée et publiée en juillet 2003</a:t>
             </a:r>
           </a:p>
           <a:p>
             <a:pPr marL="0" indent="0">
               <a:buNone/>
             </a:pPr>
+            <a:endParaRPr lang="fr-CH" sz="2400" dirty="0"/>
+          </a:p>
+          <a:p>
+            <a:pPr marL="0" indent="0">
+              <a:buNone/>
+            </a:pPr>
             <a:r>
               <a:rPr lang="fr-CH" sz="2400" dirty="0"/>
-              <a:t>La technologie PoE est définie par la norme IEEE 802.3af. La norme IEEE 802.3at est appelé POE+ et qui est une amélioration.</a:t>
-            </a:r>
-          </a:p>
-          <a:p>
-            <a:pPr marL="0" indent="0">
-              <a:buNone/>
-            </a:pPr>
+              <a:t>Régie par les normes: IEEE 802.af et IEEE 802.at.</a:t>
+            </a:r>
             <a:endParaRPr lang="fr-CH" dirty="0"/>
-          </a:p>
-        </p:txBody>
-      </p:sp>
-      <p:sp>
-        <p:nvSpPr>
-          <p:cNvPr id="7" name="Content Placeholder 2"/>
-          <p:cNvSpPr txBox="1">
-            <a:spLocks/>
-          </p:cNvSpPr>
-          <p:nvPr/>
-        </p:nvSpPr>
-        <p:spPr>
-          <a:xfrm>
-            <a:off x="1750744" y="2216705"/>
-            <a:ext cx="8909539" cy="834180"/>
-          </a:xfrm>
-          <a:prstGeom prst="rect">
-            <a:avLst/>
-          </a:prstGeom>
-        </p:spPr>
-        <p:txBody>
-          <a:bodyPr vert="horz" lIns="91440" tIns="45720" rIns="91440" bIns="45720" rtlCol="0">
-            <a:noAutofit/>
-          </a:bodyPr>
-          <a:lstStyle>
-            <a:lvl1pPr marL="342900" indent="-342900" algn="l" defTabSz="457200" rtl="0" eaLnBrk="1" latinLnBrk="0" hangingPunct="1">
-              <a:spcBef>
-                <a:spcPts val="1000"/>
-              </a:spcBef>
-              <a:spcAft>
-                <a:spcPts val="0"/>
-              </a:spcAft>
-              <a:buClr>
-                <a:schemeClr val="bg2">
-                  <a:lumMod val="40000"/>
-                  <a:lumOff val="60000"/>
-                </a:schemeClr>
-              </a:buClr>
-              <a:buSzPct val="80000"/>
-              <a:buFont typeface="Wingdings 3" charset="2"/>
-              <a:buChar char=""/>
-              <a:defRPr sz="2000" b="0" i="0" kern="1200">
-                <a:solidFill>
-                  <a:schemeClr val="tx1"/>
-                </a:solidFill>
-                <a:latin typeface="+mj-lt"/>
-                <a:ea typeface="+mj-ea"/>
-                <a:cs typeface="+mj-cs"/>
-              </a:defRPr>
-            </a:lvl1pPr>
-            <a:lvl2pPr marL="742950" indent="-285750" algn="l" defTabSz="457200" rtl="0" eaLnBrk="1" latinLnBrk="0" hangingPunct="1">
-              <a:spcBef>
-                <a:spcPts val="1000"/>
-              </a:spcBef>
-              <a:spcAft>
-                <a:spcPts val="0"/>
-              </a:spcAft>
-              <a:buClr>
-                <a:schemeClr val="bg2">
-                  <a:lumMod val="40000"/>
-                  <a:lumOff val="60000"/>
-                </a:schemeClr>
-              </a:buClr>
-              <a:buSzPct val="80000"/>
-              <a:buFont typeface="Wingdings 3" charset="2"/>
-              <a:buChar char=""/>
-              <a:defRPr sz="1800" b="0" i="0" kern="1200">
-                <a:solidFill>
-                  <a:schemeClr val="tx1"/>
-                </a:solidFill>
-                <a:latin typeface="+mj-lt"/>
-                <a:ea typeface="+mj-ea"/>
-                <a:cs typeface="+mj-cs"/>
-              </a:defRPr>
-            </a:lvl2pPr>
-            <a:lvl3pPr marL="1143000" indent="-228600" algn="l" defTabSz="457200" rtl="0" eaLnBrk="1" latinLnBrk="0" hangingPunct="1">
-              <a:spcBef>
-                <a:spcPts val="1000"/>
-              </a:spcBef>
-              <a:spcAft>
-                <a:spcPts val="0"/>
-              </a:spcAft>
-              <a:buClr>
-                <a:schemeClr val="bg2">
-                  <a:lumMod val="40000"/>
-                  <a:lumOff val="60000"/>
-                </a:schemeClr>
-              </a:buClr>
-              <a:buSzPct val="80000"/>
-              <a:buFont typeface="Wingdings 3" charset="2"/>
-              <a:buChar char=""/>
-              <a:defRPr sz="1600" b="0" i="0" kern="1200">
-                <a:solidFill>
-                  <a:schemeClr val="tx1"/>
-                </a:solidFill>
-                <a:latin typeface="+mj-lt"/>
-                <a:ea typeface="+mj-ea"/>
-                <a:cs typeface="+mj-cs"/>
-              </a:defRPr>
-            </a:lvl3pPr>
-            <a:lvl4pPr marL="1600200" indent="-228600" algn="l" defTabSz="457200" rtl="0" eaLnBrk="1" latinLnBrk="0" hangingPunct="1">
-              <a:spcBef>
-                <a:spcPts val="1000"/>
-              </a:spcBef>
-              <a:spcAft>
-                <a:spcPts val="0"/>
-              </a:spcAft>
-              <a:buClr>
-                <a:schemeClr val="bg2">
-                  <a:lumMod val="40000"/>
-                  <a:lumOff val="60000"/>
-                </a:schemeClr>
-              </a:buClr>
-              <a:buSzPct val="80000"/>
-              <a:buFont typeface="Wingdings 3" charset="2"/>
-              <a:buChar char=""/>
-              <a:defRPr sz="1400" b="0" i="0" kern="1200">
-                <a:solidFill>
-                  <a:schemeClr val="tx1"/>
-                </a:solidFill>
-                <a:latin typeface="+mj-lt"/>
-                <a:ea typeface="+mj-ea"/>
-                <a:cs typeface="+mj-cs"/>
-              </a:defRPr>
-            </a:lvl4pPr>
-            <a:lvl5pPr marL="2057400" indent="-228600" algn="l" defTabSz="457200" rtl="0" eaLnBrk="1" latinLnBrk="0" hangingPunct="1">
-              <a:spcBef>
-                <a:spcPts val="1000"/>
-              </a:spcBef>
-              <a:spcAft>
-                <a:spcPts val="0"/>
-              </a:spcAft>
-              <a:buClr>
-                <a:schemeClr val="bg2">
-                  <a:lumMod val="40000"/>
-                  <a:lumOff val="60000"/>
-                </a:schemeClr>
-              </a:buClr>
-              <a:buSzPct val="80000"/>
-              <a:buFont typeface="Wingdings 3" charset="2"/>
-              <a:buChar char=""/>
-              <a:defRPr sz="1400" b="0" i="0" kern="1200">
-                <a:solidFill>
-                  <a:schemeClr val="tx1"/>
-                </a:solidFill>
-                <a:latin typeface="+mj-lt"/>
-                <a:ea typeface="+mj-ea"/>
-                <a:cs typeface="+mj-cs"/>
-              </a:defRPr>
-            </a:lvl5pPr>
-            <a:lvl6pPr marL="2506000" indent="-228600" algn="l" defTabSz="457200" rtl="0" eaLnBrk="1" latinLnBrk="0" hangingPunct="1">
-              <a:spcBef>
-                <a:spcPts val="1000"/>
-              </a:spcBef>
-              <a:spcAft>
-                <a:spcPts val="0"/>
-              </a:spcAft>
-              <a:buClr>
-                <a:schemeClr val="bg2">
-                  <a:lumMod val="40000"/>
-                  <a:lumOff val="60000"/>
-                </a:schemeClr>
-              </a:buClr>
-              <a:buSzPct val="80000"/>
-              <a:buFont typeface="Wingdings 3" charset="2"/>
-              <a:buChar char=""/>
-              <a:defRPr sz="1400" b="0" i="0" kern="1200">
-                <a:solidFill>
-                  <a:schemeClr val="tx1"/>
-                </a:solidFill>
-                <a:latin typeface="+mj-lt"/>
-                <a:ea typeface="+mj-ea"/>
-                <a:cs typeface="+mj-cs"/>
-              </a:defRPr>
-            </a:lvl6pPr>
-            <a:lvl7pPr marL="2971800" indent="-228600" algn="l" defTabSz="457200" rtl="0" eaLnBrk="1" latinLnBrk="0" hangingPunct="1">
-              <a:spcBef>
-                <a:spcPts val="1000"/>
-              </a:spcBef>
-              <a:spcAft>
-                <a:spcPts val="0"/>
-              </a:spcAft>
-              <a:buClr>
-                <a:schemeClr val="bg2">
-                  <a:lumMod val="40000"/>
-                  <a:lumOff val="60000"/>
-                </a:schemeClr>
-              </a:buClr>
-              <a:buSzPct val="80000"/>
-              <a:buFont typeface="Wingdings 3" charset="2"/>
-              <a:buChar char=""/>
-              <a:defRPr sz="1400" b="0" i="0" kern="1200">
-                <a:solidFill>
-                  <a:schemeClr val="tx1"/>
-                </a:solidFill>
-                <a:latin typeface="+mj-lt"/>
-                <a:ea typeface="+mj-ea"/>
-                <a:cs typeface="+mj-cs"/>
-              </a:defRPr>
-            </a:lvl7pPr>
-            <a:lvl8pPr marL="3429000" indent="-228600" algn="l" defTabSz="457200" rtl="0" eaLnBrk="1" latinLnBrk="0" hangingPunct="1">
-              <a:spcBef>
-                <a:spcPts val="1000"/>
-              </a:spcBef>
-              <a:spcAft>
-                <a:spcPts val="0"/>
-              </a:spcAft>
-              <a:buClr>
-                <a:schemeClr val="bg2">
-                  <a:lumMod val="40000"/>
-                  <a:lumOff val="60000"/>
-                </a:schemeClr>
-              </a:buClr>
-              <a:buSzPct val="80000"/>
-              <a:buFont typeface="Wingdings 3" charset="2"/>
-              <a:buChar char=""/>
-              <a:defRPr sz="1400" b="0" i="0" kern="1200">
-                <a:solidFill>
-                  <a:schemeClr val="tx1"/>
-                </a:solidFill>
-                <a:latin typeface="+mj-lt"/>
-                <a:ea typeface="+mj-ea"/>
-                <a:cs typeface="+mj-cs"/>
-              </a:defRPr>
-            </a:lvl8pPr>
-            <a:lvl9pPr marL="3886200" indent="-228600" algn="l" defTabSz="457200" rtl="0" eaLnBrk="1" latinLnBrk="0" hangingPunct="1">
-              <a:spcBef>
-                <a:spcPts val="1000"/>
-              </a:spcBef>
-              <a:spcAft>
-                <a:spcPts val="0"/>
-              </a:spcAft>
-              <a:buClr>
-                <a:schemeClr val="bg2">
-                  <a:lumMod val="40000"/>
-                  <a:lumOff val="60000"/>
-                </a:schemeClr>
-              </a:buClr>
-              <a:buSzPct val="80000"/>
-              <a:buFont typeface="Wingdings 3" charset="2"/>
-              <a:buChar char=""/>
-              <a:defRPr sz="1400" b="0" i="0" kern="1200">
-                <a:solidFill>
-                  <a:schemeClr val="tx1"/>
-                </a:solidFill>
-                <a:latin typeface="+mj-lt"/>
-                <a:ea typeface="+mj-ea"/>
-                <a:cs typeface="+mj-cs"/>
-              </a:defRPr>
-            </a:lvl9pPr>
-          </a:lstStyle>
-          <a:p>
-            <a:pPr marL="0" indent="0">
-              <a:buFont typeface="Wingdings 3" charset="2"/>
-              <a:buNone/>
-            </a:pPr>
-            <a:r>
-              <a:rPr lang="fr-CH" sz="3200" dirty="0"/>
-              <a:t> </a:t>
-            </a:r>
-            <a:r>
-              <a:rPr lang="fr-CH" sz="3200" i="1" dirty="0"/>
-              <a:t>Alimentation électrique par câble Ethernet</a:t>
-            </a:r>
-            <a:r>
-              <a:rPr lang="fr-CH" sz="3200" dirty="0"/>
-              <a:t>.</a:t>
-            </a:r>
           </a:p>
         </p:txBody>
       </p:sp>
@@ -18741,7 +16317,7 @@
                                           </p:stCondLst>
                                         </p:cTn>
                                         <p:tgtEl>
-                                          <p:spTgt spid="7"/>
+                                          <p:spTgt spid="5"/>
                                         </p:tgtEl>
                                         <p:attrNameLst>
                                           <p:attrName>style.visibility</p:attrName>
@@ -18754,59 +16330,6 @@
                                     <p:animEffect transition="in" filter="fade">
                                       <p:cBhvr>
                                         <p:cTn id="12" dur="500"/>
-                                        <p:tgtEl>
-                                          <p:spTgt spid="7"/>
-                                        </p:tgtEl>
-                                      </p:cBhvr>
-                                    </p:animEffect>
-                                  </p:childTnLst>
-                                </p:cTn>
-                              </p:par>
-                            </p:childTnLst>
-                          </p:cTn>
-                        </p:par>
-                      </p:childTnLst>
-                    </p:cTn>
-                  </p:par>
-                  <p:par>
-                    <p:cTn id="13" fill="hold">
-                      <p:stCondLst>
-                        <p:cond delay="indefinite"/>
-                      </p:stCondLst>
-                      <p:childTnLst>
-                        <p:par>
-                          <p:cTn id="14" fill="hold">
-                            <p:stCondLst>
-                              <p:cond delay="0"/>
-                            </p:stCondLst>
-                            <p:childTnLst>
-                              <p:par>
-                                <p:cTn id="15" presetID="10" presetClass="entr" presetSubtype="0" fill="hold" grpId="0" nodeType="clickEffect">
-                                  <p:stCondLst>
-                                    <p:cond delay="0"/>
-                                  </p:stCondLst>
-                                  <p:childTnLst>
-                                    <p:set>
-                                      <p:cBhvr>
-                                        <p:cTn id="16" dur="1" fill="hold">
-                                          <p:stCondLst>
-                                            <p:cond delay="0"/>
-                                          </p:stCondLst>
-                                        </p:cTn>
-                                        <p:tgtEl>
-                                          <p:spTgt spid="5"/>
-                                        </p:tgtEl>
-                                        <p:attrNameLst>
-                                          <p:attrName>style.visibility</p:attrName>
-                                        </p:attrNameLst>
-                                      </p:cBhvr>
-                                      <p:to>
-                                        <p:strVal val="visible"/>
-                                      </p:to>
-                                    </p:set>
-                                    <p:animEffect transition="in" filter="fade">
-                                      <p:cBhvr>
-                                        <p:cTn id="17" dur="500"/>
                                         <p:tgtEl>
                                           <p:spTgt spid="5"/>
                                         </p:tgtEl>
@@ -18845,7 +16368,6 @@
     <p:bldLst>
       <p:bldP spid="4" grpId="0"/>
       <p:bldP spid="5" grpId="0"/>
-      <p:bldP spid="7" grpId="0"/>
     </p:bldLst>
   </p:timing>
 </p:sld>
@@ -18875,13 +16397,13 @@
             <a:spLocks noGrp="1"/>
           </p:cNvSpPr>
           <p:nvPr>
-            <p:ph idx="1"/>
+            <p:ph type="body" idx="1"/>
           </p:nvPr>
         </p:nvSpPr>
         <p:spPr>
           <a:xfrm>
-            <a:off x="331815" y="1177546"/>
-            <a:ext cx="6867637" cy="836449"/>
+            <a:off x="9083097" y="2556827"/>
+            <a:ext cx="1842888" cy="445912"/>
           </a:xfrm>
         </p:spPr>
         <p:txBody>
@@ -18894,45 +16416,51 @@
               <a:buNone/>
             </a:pPr>
             <a:r>
-              <a:rPr lang="fr-CH" sz="1800" b="1" u="sng" dirty="0">
+              <a:rPr lang="fr-CH" dirty="0">
                 <a:solidFill>
                   <a:schemeClr val="tx1"/>
                 </a:solidFill>
               </a:rPr>
-              <a:t>Exemple de périphériques qui utilise la technologie PoE</a:t>
-            </a:r>
-          </a:p>
-        </p:txBody>
-      </p:sp>
-      <p:pic>
-        <p:nvPicPr>
-          <p:cNvPr id="8" name="Picture 7"/>
-          <p:cNvPicPr>
-            <a:picLocks noChangeAspect="1"/>
-          </p:cNvPicPr>
+              <a:t>Injecteur PoE</a:t>
+            </a:r>
+          </a:p>
+        </p:txBody>
+      </p:sp>
+      <p:sp>
+        <p:nvSpPr>
+          <p:cNvPr id="7" name="Rectangle 6"/>
+          <p:cNvSpPr/>
           <p:nvPr/>
-        </p:nvPicPr>
-        <p:blipFill rotWithShape="1">
-          <a:blip r:embed="rId2" cstate="print">
-            <a:extLst>
-              <a:ext uri="{28A0092B-C50C-407E-A947-70E740481C1C}">
-                <a14:useLocalDpi xmlns:a14="http://schemas.microsoft.com/office/drawing/2010/main" val="0"/>
-              </a:ext>
-            </a:extLst>
-          </a:blip>
-          <a:srcRect l="18148" r="18148"/>
-          <a:stretch/>
-        </p:blipFill>
+        </p:nvSpPr>
         <p:spPr>
           <a:xfrm>
-            <a:off x="4876800" y="2803197"/>
-            <a:ext cx="1920035" cy="2009338"/>
+            <a:off x="652040" y="1406588"/>
+            <a:ext cx="5528841" cy="646331"/>
           </a:xfrm>
           <a:prstGeom prst="rect">
             <a:avLst/>
           </a:prstGeom>
         </p:spPr>
-      </p:pic>
+        <p:txBody>
+          <a:bodyPr wrap="square">
+            <a:spAutoFit/>
+          </a:bodyPr>
+          <a:lstStyle/>
+          <a:p>
+            <a:r>
+              <a:rPr lang="fr-CH" b="1" u="sng" dirty="0"/>
+              <a:t>Comment mettre en place la technologie PoE</a:t>
+            </a:r>
+            <a:r>
+              <a:rPr lang="fr-CH" b="1" dirty="0"/>
+              <a:t> ?</a:t>
+            </a:r>
+          </a:p>
+          <a:p>
+            <a:endParaRPr lang="fr-CH" b="1" u="sng" dirty="0"/>
+          </a:p>
+        </p:txBody>
+      </p:sp>
       <p:pic>
         <p:nvPicPr>
           <p:cNvPr id="9" name="Picture 8"/>
@@ -18942,6 +16470,344 @@
           <p:nvPr/>
         </p:nvPicPr>
         <p:blipFill rotWithShape="1">
+          <a:blip r:embed="rId2">
+            <a:extLst>
+              <a:ext uri="{28A0092B-C50C-407E-A947-70E740481C1C}">
+                <a14:useLocalDpi xmlns:a14="http://schemas.microsoft.com/office/drawing/2010/main" val="0"/>
+              </a:ext>
+            </a:extLst>
+          </a:blip>
+          <a:srcRect t="7257" b="9530"/>
+          <a:stretch/>
+        </p:blipFill>
+        <p:spPr>
+          <a:xfrm>
+            <a:off x="8640043" y="3142250"/>
+            <a:ext cx="2728997" cy="2270854"/>
+          </a:xfrm>
+          <a:prstGeom prst="rect">
+            <a:avLst/>
+          </a:prstGeom>
+        </p:spPr>
+      </p:pic>
+      <p:sp>
+        <p:nvSpPr>
+          <p:cNvPr id="12" name="Content Placeholder 2"/>
+          <p:cNvSpPr txBox="1">
+            <a:spLocks/>
+          </p:cNvSpPr>
+          <p:nvPr/>
+        </p:nvSpPr>
+        <p:spPr>
+          <a:xfrm>
+            <a:off x="3515641" y="2578622"/>
+            <a:ext cx="1523329" cy="445912"/>
+          </a:xfrm>
+          <a:prstGeom prst="rect">
+            <a:avLst/>
+          </a:prstGeom>
+        </p:spPr>
+        <p:txBody>
+          <a:bodyPr vert="horz" lIns="91440" tIns="45720" rIns="91440" bIns="45720" rtlCol="0" anchor="t">
+            <a:normAutofit/>
+          </a:bodyPr>
+          <a:lstStyle>
+            <a:lvl1pPr marL="0" indent="0" algn="l" defTabSz="457200" rtl="0" eaLnBrk="1" latinLnBrk="0" hangingPunct="1">
+              <a:spcBef>
+                <a:spcPts val="1000"/>
+              </a:spcBef>
+              <a:spcAft>
+                <a:spcPts val="0"/>
+              </a:spcAft>
+              <a:buClr>
+                <a:schemeClr val="bg2">
+                  <a:lumMod val="40000"/>
+                  <a:lumOff val="60000"/>
+                </a:schemeClr>
+              </a:buClr>
+              <a:buSzPct val="80000"/>
+              <a:buFont typeface="Wingdings 3" charset="2"/>
+              <a:buNone/>
+              <a:defRPr sz="2000" b="0" i="0" kern="1200" cap="none">
+                <a:solidFill>
+                  <a:schemeClr val="bg2">
+                    <a:lumMod val="40000"/>
+                    <a:lumOff val="60000"/>
+                  </a:schemeClr>
+                </a:solidFill>
+                <a:latin typeface="+mj-lt"/>
+                <a:ea typeface="+mj-ea"/>
+                <a:cs typeface="+mj-cs"/>
+              </a:defRPr>
+            </a:lvl1pPr>
+            <a:lvl2pPr marL="457200" indent="0" algn="l" defTabSz="457200" rtl="0" eaLnBrk="1" latinLnBrk="0" hangingPunct="1">
+              <a:spcBef>
+                <a:spcPts val="1000"/>
+              </a:spcBef>
+              <a:spcAft>
+                <a:spcPts val="0"/>
+              </a:spcAft>
+              <a:buClr>
+                <a:schemeClr val="bg2">
+                  <a:lumMod val="40000"/>
+                  <a:lumOff val="60000"/>
+                </a:schemeClr>
+              </a:buClr>
+              <a:buSzPct val="80000"/>
+              <a:buFont typeface="Wingdings 3" charset="2"/>
+              <a:buNone/>
+              <a:defRPr sz="1800" b="0" i="0" kern="1200">
+                <a:solidFill>
+                  <a:schemeClr val="tx1">
+                    <a:tint val="75000"/>
+                  </a:schemeClr>
+                </a:solidFill>
+                <a:latin typeface="+mj-lt"/>
+                <a:ea typeface="+mj-ea"/>
+                <a:cs typeface="+mj-cs"/>
+              </a:defRPr>
+            </a:lvl2pPr>
+            <a:lvl3pPr marL="914400" indent="0" algn="l" defTabSz="457200" rtl="0" eaLnBrk="1" latinLnBrk="0" hangingPunct="1">
+              <a:spcBef>
+                <a:spcPts val="1000"/>
+              </a:spcBef>
+              <a:spcAft>
+                <a:spcPts val="0"/>
+              </a:spcAft>
+              <a:buClr>
+                <a:schemeClr val="bg2">
+                  <a:lumMod val="40000"/>
+                  <a:lumOff val="60000"/>
+                </a:schemeClr>
+              </a:buClr>
+              <a:buSzPct val="80000"/>
+              <a:buFont typeface="Wingdings 3" charset="2"/>
+              <a:buNone/>
+              <a:defRPr sz="1600" b="0" i="0" kern="1200">
+                <a:solidFill>
+                  <a:schemeClr val="tx1">
+                    <a:tint val="75000"/>
+                  </a:schemeClr>
+                </a:solidFill>
+                <a:latin typeface="+mj-lt"/>
+                <a:ea typeface="+mj-ea"/>
+                <a:cs typeface="+mj-cs"/>
+              </a:defRPr>
+            </a:lvl3pPr>
+            <a:lvl4pPr marL="1371600" indent="0" algn="l" defTabSz="457200" rtl="0" eaLnBrk="1" latinLnBrk="0" hangingPunct="1">
+              <a:spcBef>
+                <a:spcPts val="1000"/>
+              </a:spcBef>
+              <a:spcAft>
+                <a:spcPts val="0"/>
+              </a:spcAft>
+              <a:buClr>
+                <a:schemeClr val="bg2">
+                  <a:lumMod val="40000"/>
+                  <a:lumOff val="60000"/>
+                </a:schemeClr>
+              </a:buClr>
+              <a:buSzPct val="80000"/>
+              <a:buFont typeface="Wingdings 3" charset="2"/>
+              <a:buNone/>
+              <a:defRPr sz="1400" b="0" i="0" kern="1200">
+                <a:solidFill>
+                  <a:schemeClr val="tx1">
+                    <a:tint val="75000"/>
+                  </a:schemeClr>
+                </a:solidFill>
+                <a:latin typeface="+mj-lt"/>
+                <a:ea typeface="+mj-ea"/>
+                <a:cs typeface="+mj-cs"/>
+              </a:defRPr>
+            </a:lvl4pPr>
+            <a:lvl5pPr marL="1828800" indent="0" algn="l" defTabSz="457200" rtl="0" eaLnBrk="1" latinLnBrk="0" hangingPunct="1">
+              <a:spcBef>
+                <a:spcPts val="1000"/>
+              </a:spcBef>
+              <a:spcAft>
+                <a:spcPts val="0"/>
+              </a:spcAft>
+              <a:buClr>
+                <a:schemeClr val="bg2">
+                  <a:lumMod val="40000"/>
+                  <a:lumOff val="60000"/>
+                </a:schemeClr>
+              </a:buClr>
+              <a:buSzPct val="80000"/>
+              <a:buFont typeface="Wingdings 3" charset="2"/>
+              <a:buNone/>
+              <a:defRPr sz="1400" b="0" i="0" kern="1200">
+                <a:solidFill>
+                  <a:schemeClr val="tx1">
+                    <a:tint val="75000"/>
+                  </a:schemeClr>
+                </a:solidFill>
+                <a:latin typeface="+mj-lt"/>
+                <a:ea typeface="+mj-ea"/>
+                <a:cs typeface="+mj-cs"/>
+              </a:defRPr>
+            </a:lvl5pPr>
+            <a:lvl6pPr marL="2286000" indent="0" algn="l" defTabSz="457200" rtl="0" eaLnBrk="1" latinLnBrk="0" hangingPunct="1">
+              <a:spcBef>
+                <a:spcPts val="1000"/>
+              </a:spcBef>
+              <a:spcAft>
+                <a:spcPts val="0"/>
+              </a:spcAft>
+              <a:buClr>
+                <a:schemeClr val="bg2">
+                  <a:lumMod val="40000"/>
+                  <a:lumOff val="60000"/>
+                </a:schemeClr>
+              </a:buClr>
+              <a:buSzPct val="80000"/>
+              <a:buFont typeface="Wingdings 3" charset="2"/>
+              <a:buNone/>
+              <a:defRPr sz="1400" b="0" i="0" kern="1200">
+                <a:solidFill>
+                  <a:schemeClr val="tx1">
+                    <a:tint val="75000"/>
+                  </a:schemeClr>
+                </a:solidFill>
+                <a:latin typeface="+mj-lt"/>
+                <a:ea typeface="+mj-ea"/>
+                <a:cs typeface="+mj-cs"/>
+              </a:defRPr>
+            </a:lvl6pPr>
+            <a:lvl7pPr marL="2743200" indent="0" algn="l" defTabSz="457200" rtl="0" eaLnBrk="1" latinLnBrk="0" hangingPunct="1">
+              <a:spcBef>
+                <a:spcPts val="1000"/>
+              </a:spcBef>
+              <a:spcAft>
+                <a:spcPts val="0"/>
+              </a:spcAft>
+              <a:buClr>
+                <a:schemeClr val="bg2">
+                  <a:lumMod val="40000"/>
+                  <a:lumOff val="60000"/>
+                </a:schemeClr>
+              </a:buClr>
+              <a:buSzPct val="80000"/>
+              <a:buFont typeface="Wingdings 3" charset="2"/>
+              <a:buNone/>
+              <a:defRPr sz="1400" b="0" i="0" kern="1200">
+                <a:solidFill>
+                  <a:schemeClr val="tx1">
+                    <a:tint val="75000"/>
+                  </a:schemeClr>
+                </a:solidFill>
+                <a:latin typeface="+mj-lt"/>
+                <a:ea typeface="+mj-ea"/>
+                <a:cs typeface="+mj-cs"/>
+              </a:defRPr>
+            </a:lvl7pPr>
+            <a:lvl8pPr marL="3200400" indent="0" algn="l" defTabSz="457200" rtl="0" eaLnBrk="1" latinLnBrk="0" hangingPunct="1">
+              <a:spcBef>
+                <a:spcPts val="1000"/>
+              </a:spcBef>
+              <a:spcAft>
+                <a:spcPts val="0"/>
+              </a:spcAft>
+              <a:buClr>
+                <a:schemeClr val="bg2">
+                  <a:lumMod val="40000"/>
+                  <a:lumOff val="60000"/>
+                </a:schemeClr>
+              </a:buClr>
+              <a:buSzPct val="80000"/>
+              <a:buFont typeface="Wingdings 3" charset="2"/>
+              <a:buNone/>
+              <a:defRPr sz="1400" b="0" i="0" kern="1200">
+                <a:solidFill>
+                  <a:schemeClr val="tx1">
+                    <a:tint val="75000"/>
+                  </a:schemeClr>
+                </a:solidFill>
+                <a:latin typeface="+mj-lt"/>
+                <a:ea typeface="+mj-ea"/>
+                <a:cs typeface="+mj-cs"/>
+              </a:defRPr>
+            </a:lvl8pPr>
+            <a:lvl9pPr marL="3657600" indent="0" algn="l" defTabSz="457200" rtl="0" eaLnBrk="1" latinLnBrk="0" hangingPunct="1">
+              <a:spcBef>
+                <a:spcPts val="1000"/>
+              </a:spcBef>
+              <a:spcAft>
+                <a:spcPts val="0"/>
+              </a:spcAft>
+              <a:buClr>
+                <a:schemeClr val="bg2">
+                  <a:lumMod val="40000"/>
+                  <a:lumOff val="60000"/>
+                </a:schemeClr>
+              </a:buClr>
+              <a:buSzPct val="80000"/>
+              <a:buFont typeface="Wingdings 3" charset="2"/>
+              <a:buNone/>
+              <a:defRPr sz="1400" b="0" i="0" kern="1200">
+                <a:solidFill>
+                  <a:schemeClr val="tx1">
+                    <a:tint val="75000"/>
+                  </a:schemeClr>
+                </a:solidFill>
+                <a:latin typeface="+mj-lt"/>
+                <a:ea typeface="+mj-ea"/>
+                <a:cs typeface="+mj-cs"/>
+              </a:defRPr>
+            </a:lvl9pPr>
+          </a:lstStyle>
+          <a:p>
+            <a:r>
+              <a:rPr lang="fr-CH" dirty="0">
+                <a:solidFill>
+                  <a:schemeClr val="tx1"/>
+                </a:solidFill>
+              </a:rPr>
+              <a:t>Switch PoE</a:t>
+            </a:r>
+          </a:p>
+        </p:txBody>
+      </p:sp>
+      <p:sp>
+        <p:nvSpPr>
+          <p:cNvPr id="13" name="Title 1"/>
+          <p:cNvSpPr>
+            <a:spLocks noGrp="1"/>
+          </p:cNvSpPr>
+          <p:nvPr>
+            <p:ph type="title"/>
+          </p:nvPr>
+        </p:nvSpPr>
+        <p:spPr>
+          <a:xfrm>
+            <a:off x="0" y="0"/>
+            <a:ext cx="4039565" cy="510199"/>
+          </a:xfrm>
+        </p:spPr>
+        <p:txBody>
+          <a:bodyPr numCol="1">
+            <a:noAutofit/>
+          </a:bodyPr>
+          <a:lstStyle/>
+          <a:p>
+            <a:pPr algn="ctr"/>
+            <a:r>
+              <a:rPr lang="fr-CH" sz="2800" dirty="0"/>
+              <a:t>La technologie PoE</a:t>
+            </a:r>
+          </a:p>
+        </p:txBody>
+      </p:sp>
+      <p:pic>
+        <p:nvPicPr>
+          <p:cNvPr id="8" name="Picture 7"/>
+          <p:cNvPicPr>
+            <a:picLocks noChangeAspect="1"/>
+          </p:cNvPicPr>
+          <p:nvPr/>
+        </p:nvPicPr>
+        <p:blipFill>
           <a:blip r:embed="rId3" cstate="print">
             <a:extLst>
               <a:ext uri="{28A0092B-C50C-407E-A947-70E740481C1C}">
@@ -18949,420 +16815,24 @@
               </a:ext>
             </a:extLst>
           </a:blip>
-          <a:srcRect l="7408" t="2259" r="8333" b="13944"/>
-          <a:stretch/>
+          <a:stretch>
+            <a:fillRect/>
+          </a:stretch>
         </p:blipFill>
         <p:spPr>
           <a:xfrm>
-            <a:off x="1184031" y="2803197"/>
-            <a:ext cx="2002546" cy="1991543"/>
+            <a:off x="1098379" y="3142250"/>
+            <a:ext cx="6357855" cy="2270854"/>
           </a:xfrm>
           <a:prstGeom prst="rect">
             <a:avLst/>
           </a:prstGeom>
         </p:spPr>
       </p:pic>
-      <p:pic>
-        <p:nvPicPr>
-          <p:cNvPr id="10" name="Picture 9"/>
-          <p:cNvPicPr>
-            <a:picLocks noChangeAspect="1"/>
-          </p:cNvPicPr>
-          <p:nvPr/>
-        </p:nvPicPr>
-        <p:blipFill rotWithShape="1">
-          <a:blip r:embed="rId4" cstate="print">
-            <a:extLst>
-              <a:ext uri="{28A0092B-C50C-407E-A947-70E740481C1C}">
-                <a14:useLocalDpi xmlns:a14="http://schemas.microsoft.com/office/drawing/2010/main" val="0"/>
-              </a:ext>
-            </a:extLst>
-          </a:blip>
-          <a:srcRect l="15938" r="17745"/>
-          <a:stretch/>
-        </p:blipFill>
-        <p:spPr>
-          <a:xfrm>
-            <a:off x="8757282" y="2864848"/>
-            <a:ext cx="1876144" cy="1886036"/>
-          </a:xfrm>
-          <a:prstGeom prst="rect">
-            <a:avLst/>
-          </a:prstGeom>
-        </p:spPr>
-      </p:pic>
-      <p:sp>
-        <p:nvSpPr>
-          <p:cNvPr id="12" name="Title 1"/>
-          <p:cNvSpPr txBox="1">
-            <a:spLocks/>
-          </p:cNvSpPr>
-          <p:nvPr/>
-        </p:nvSpPr>
-        <p:spPr>
-          <a:xfrm>
-            <a:off x="1073975" y="4994691"/>
-            <a:ext cx="2222658" cy="368584"/>
-          </a:xfrm>
-          <a:prstGeom prst="rect">
-            <a:avLst/>
-          </a:prstGeom>
-        </p:spPr>
-        <p:txBody>
-          <a:bodyPr vert="horz" lIns="91440" tIns="45720" rIns="91440" bIns="45720" numCol="1" rtlCol="0" anchor="t">
-            <a:noAutofit/>
-          </a:bodyPr>
-          <a:lstStyle>
-            <a:lvl1pPr algn="l" defTabSz="457200" rtl="0" eaLnBrk="1" latinLnBrk="0" hangingPunct="1">
-              <a:spcBef>
-                <a:spcPct val="0"/>
-              </a:spcBef>
-              <a:buNone/>
-              <a:defRPr sz="4200" b="0" i="0" kern="1200">
-                <a:solidFill>
-                  <a:schemeClr val="tx2"/>
-                </a:solidFill>
-                <a:latin typeface="+mj-lt"/>
-                <a:ea typeface="+mj-ea"/>
-                <a:cs typeface="+mj-cs"/>
-              </a:defRPr>
-            </a:lvl1pPr>
-            <a:lvl2pPr eaLnBrk="1" hangingPunct="1">
-              <a:defRPr>
-                <a:solidFill>
-                  <a:schemeClr val="tx2"/>
-                </a:solidFill>
-              </a:defRPr>
-            </a:lvl2pPr>
-            <a:lvl3pPr eaLnBrk="1" hangingPunct="1">
-              <a:defRPr>
-                <a:solidFill>
-                  <a:schemeClr val="tx2"/>
-                </a:solidFill>
-              </a:defRPr>
-            </a:lvl3pPr>
-            <a:lvl4pPr eaLnBrk="1" hangingPunct="1">
-              <a:defRPr>
-                <a:solidFill>
-                  <a:schemeClr val="tx2"/>
-                </a:solidFill>
-              </a:defRPr>
-            </a:lvl4pPr>
-            <a:lvl5pPr eaLnBrk="1" hangingPunct="1">
-              <a:defRPr>
-                <a:solidFill>
-                  <a:schemeClr val="tx2"/>
-                </a:solidFill>
-              </a:defRPr>
-            </a:lvl5pPr>
-            <a:lvl6pPr eaLnBrk="1" hangingPunct="1">
-              <a:defRPr>
-                <a:solidFill>
-                  <a:schemeClr val="tx2"/>
-                </a:solidFill>
-              </a:defRPr>
-            </a:lvl6pPr>
-            <a:lvl7pPr eaLnBrk="1" hangingPunct="1">
-              <a:defRPr>
-                <a:solidFill>
-                  <a:schemeClr val="tx2"/>
-                </a:solidFill>
-              </a:defRPr>
-            </a:lvl7pPr>
-            <a:lvl8pPr eaLnBrk="1" hangingPunct="1">
-              <a:defRPr>
-                <a:solidFill>
-                  <a:schemeClr val="tx2"/>
-                </a:solidFill>
-              </a:defRPr>
-            </a:lvl8pPr>
-            <a:lvl9pPr eaLnBrk="1" hangingPunct="1">
-              <a:defRPr>
-                <a:solidFill>
-                  <a:schemeClr val="tx2"/>
-                </a:solidFill>
-              </a:defRPr>
-            </a:lvl9pPr>
-          </a:lstStyle>
-          <a:p>
-            <a:pPr algn="ctr"/>
-            <a:r>
-              <a:rPr lang="fr-CH" sz="2400" dirty="0">
-                <a:solidFill>
-                  <a:schemeClr val="tx1"/>
-                </a:solidFill>
-              </a:rPr>
-              <a:t>Access Point</a:t>
-            </a:r>
-          </a:p>
-        </p:txBody>
-      </p:sp>
-      <p:sp>
-        <p:nvSpPr>
-          <p:cNvPr id="13" name="Title 1"/>
-          <p:cNvSpPr txBox="1">
-            <a:spLocks/>
-          </p:cNvSpPr>
-          <p:nvPr/>
-        </p:nvSpPr>
-        <p:spPr>
-          <a:xfrm>
-            <a:off x="4623478" y="4869954"/>
-            <a:ext cx="2426678" cy="493321"/>
-          </a:xfrm>
-          <a:prstGeom prst="rect">
-            <a:avLst/>
-          </a:prstGeom>
-        </p:spPr>
-        <p:txBody>
-          <a:bodyPr vert="horz" lIns="91440" tIns="45720" rIns="91440" bIns="45720" numCol="1" rtlCol="0" anchor="t">
-            <a:noAutofit/>
-          </a:bodyPr>
-          <a:lstStyle>
-            <a:lvl1pPr algn="l" defTabSz="457200" rtl="0" eaLnBrk="1" latinLnBrk="0" hangingPunct="1">
-              <a:spcBef>
-                <a:spcPct val="0"/>
-              </a:spcBef>
-              <a:buNone/>
-              <a:defRPr sz="4200" b="0" i="0" kern="1200">
-                <a:solidFill>
-                  <a:schemeClr val="tx2"/>
-                </a:solidFill>
-                <a:latin typeface="+mj-lt"/>
-                <a:ea typeface="+mj-ea"/>
-                <a:cs typeface="+mj-cs"/>
-              </a:defRPr>
-            </a:lvl1pPr>
-            <a:lvl2pPr eaLnBrk="1" hangingPunct="1">
-              <a:defRPr>
-                <a:solidFill>
-                  <a:schemeClr val="tx2"/>
-                </a:solidFill>
-              </a:defRPr>
-            </a:lvl2pPr>
-            <a:lvl3pPr eaLnBrk="1" hangingPunct="1">
-              <a:defRPr>
-                <a:solidFill>
-                  <a:schemeClr val="tx2"/>
-                </a:solidFill>
-              </a:defRPr>
-            </a:lvl3pPr>
-            <a:lvl4pPr eaLnBrk="1" hangingPunct="1">
-              <a:defRPr>
-                <a:solidFill>
-                  <a:schemeClr val="tx2"/>
-                </a:solidFill>
-              </a:defRPr>
-            </a:lvl4pPr>
-            <a:lvl5pPr eaLnBrk="1" hangingPunct="1">
-              <a:defRPr>
-                <a:solidFill>
-                  <a:schemeClr val="tx2"/>
-                </a:solidFill>
-              </a:defRPr>
-            </a:lvl5pPr>
-            <a:lvl6pPr eaLnBrk="1" hangingPunct="1">
-              <a:defRPr>
-                <a:solidFill>
-                  <a:schemeClr val="tx2"/>
-                </a:solidFill>
-              </a:defRPr>
-            </a:lvl6pPr>
-            <a:lvl7pPr eaLnBrk="1" hangingPunct="1">
-              <a:defRPr>
-                <a:solidFill>
-                  <a:schemeClr val="tx2"/>
-                </a:solidFill>
-              </a:defRPr>
-            </a:lvl7pPr>
-            <a:lvl8pPr eaLnBrk="1" hangingPunct="1">
-              <a:defRPr>
-                <a:solidFill>
-                  <a:schemeClr val="tx2"/>
-                </a:solidFill>
-              </a:defRPr>
-            </a:lvl8pPr>
-            <a:lvl9pPr eaLnBrk="1" hangingPunct="1">
-              <a:defRPr>
-                <a:solidFill>
-                  <a:schemeClr val="tx2"/>
-                </a:solidFill>
-              </a:defRPr>
-            </a:lvl9pPr>
-          </a:lstStyle>
-          <a:p>
-            <a:pPr algn="ctr"/>
-            <a:r>
-              <a:rPr lang="fr-CH" sz="2800" dirty="0">
-                <a:solidFill>
-                  <a:schemeClr val="tx1"/>
-                </a:solidFill>
-              </a:rPr>
-              <a:t>Téléphone</a:t>
-            </a:r>
-            <a:r>
-              <a:rPr lang="fr-CH" sz="3200" dirty="0">
-                <a:solidFill>
-                  <a:schemeClr val="tx1"/>
-                </a:solidFill>
-              </a:rPr>
-              <a:t> </a:t>
-            </a:r>
-          </a:p>
-        </p:txBody>
-      </p:sp>
-      <p:sp>
-        <p:nvSpPr>
-          <p:cNvPr id="14" name="Title 1"/>
-          <p:cNvSpPr txBox="1">
-            <a:spLocks/>
-          </p:cNvSpPr>
-          <p:nvPr/>
-        </p:nvSpPr>
-        <p:spPr>
-          <a:xfrm>
-            <a:off x="7649677" y="4905447"/>
-            <a:ext cx="4091354" cy="422337"/>
-          </a:xfrm>
-          <a:prstGeom prst="rect">
-            <a:avLst/>
-          </a:prstGeom>
-        </p:spPr>
-        <p:txBody>
-          <a:bodyPr vert="horz" lIns="91440" tIns="45720" rIns="91440" bIns="45720" numCol="1" rtlCol="0" anchor="t">
-            <a:noAutofit/>
-          </a:bodyPr>
-          <a:lstStyle>
-            <a:lvl1pPr algn="l" defTabSz="457200" rtl="0" eaLnBrk="1" latinLnBrk="0" hangingPunct="1">
-              <a:spcBef>
-                <a:spcPct val="0"/>
-              </a:spcBef>
-              <a:buNone/>
-              <a:defRPr sz="4200" b="0" i="0" kern="1200">
-                <a:solidFill>
-                  <a:schemeClr val="tx2"/>
-                </a:solidFill>
-                <a:latin typeface="+mj-lt"/>
-                <a:ea typeface="+mj-ea"/>
-                <a:cs typeface="+mj-cs"/>
-              </a:defRPr>
-            </a:lvl1pPr>
-            <a:lvl2pPr eaLnBrk="1" hangingPunct="1">
-              <a:defRPr>
-                <a:solidFill>
-                  <a:schemeClr val="tx2"/>
-                </a:solidFill>
-              </a:defRPr>
-            </a:lvl2pPr>
-            <a:lvl3pPr eaLnBrk="1" hangingPunct="1">
-              <a:defRPr>
-                <a:solidFill>
-                  <a:schemeClr val="tx2"/>
-                </a:solidFill>
-              </a:defRPr>
-            </a:lvl3pPr>
-            <a:lvl4pPr eaLnBrk="1" hangingPunct="1">
-              <a:defRPr>
-                <a:solidFill>
-                  <a:schemeClr val="tx2"/>
-                </a:solidFill>
-              </a:defRPr>
-            </a:lvl4pPr>
-            <a:lvl5pPr eaLnBrk="1" hangingPunct="1">
-              <a:defRPr>
-                <a:solidFill>
-                  <a:schemeClr val="tx2"/>
-                </a:solidFill>
-              </a:defRPr>
-            </a:lvl5pPr>
-            <a:lvl6pPr eaLnBrk="1" hangingPunct="1">
-              <a:defRPr>
-                <a:solidFill>
-                  <a:schemeClr val="tx2"/>
-                </a:solidFill>
-              </a:defRPr>
-            </a:lvl6pPr>
-            <a:lvl7pPr eaLnBrk="1" hangingPunct="1">
-              <a:defRPr>
-                <a:solidFill>
-                  <a:schemeClr val="tx2"/>
-                </a:solidFill>
-              </a:defRPr>
-            </a:lvl7pPr>
-            <a:lvl8pPr eaLnBrk="1" hangingPunct="1">
-              <a:defRPr>
-                <a:solidFill>
-                  <a:schemeClr val="tx2"/>
-                </a:solidFill>
-              </a:defRPr>
-            </a:lvl8pPr>
-            <a:lvl9pPr eaLnBrk="1" hangingPunct="1">
-              <a:defRPr>
-                <a:solidFill>
-                  <a:schemeClr val="tx2"/>
-                </a:solidFill>
-              </a:defRPr>
-            </a:lvl9pPr>
-          </a:lstStyle>
-          <a:p>
-            <a:pPr algn="ctr"/>
-            <a:r>
-              <a:rPr lang="fr-CH" sz="2800" dirty="0">
-                <a:solidFill>
-                  <a:schemeClr val="tx1"/>
-                </a:solidFill>
-              </a:rPr>
-              <a:t>Camera</a:t>
-            </a:r>
-            <a:r>
-              <a:rPr lang="fr-CH" sz="3200" dirty="0"/>
-              <a:t> </a:t>
-            </a:r>
-            <a:r>
-              <a:rPr lang="fr-CH" sz="3200" dirty="0">
-                <a:solidFill>
-                  <a:schemeClr val="tx1"/>
-                </a:solidFill>
-              </a:rPr>
-              <a:t>surveillance</a:t>
-            </a:r>
-          </a:p>
-        </p:txBody>
-      </p:sp>
-      <p:sp>
-        <p:nvSpPr>
-          <p:cNvPr id="15" name="Title 1"/>
-          <p:cNvSpPr>
-            <a:spLocks noGrp="1"/>
-          </p:cNvSpPr>
-          <p:nvPr>
-            <p:ph type="title"/>
-          </p:nvPr>
-        </p:nvSpPr>
-        <p:spPr>
-          <a:xfrm>
-            <a:off x="0" y="0"/>
-            <a:ext cx="4039565" cy="510199"/>
-          </a:xfrm>
-        </p:spPr>
-        <p:txBody>
-          <a:bodyPr numCol="1">
-            <a:noAutofit/>
-          </a:bodyPr>
-          <a:lstStyle/>
-          <a:p>
-            <a:pPr algn="ctr"/>
-            <a:r>
-              <a:rPr lang="fr-CH" sz="2800" dirty="0"/>
-              <a:t>La technologie PoE</a:t>
-            </a:r>
-          </a:p>
-        </p:txBody>
-      </p:sp>
     </p:spTree>
     <p:extLst>
       <p:ext uri="{BB962C8B-B14F-4D97-AF65-F5344CB8AC3E}">
-        <p14:creationId xmlns:p14="http://schemas.microsoft.com/office/powerpoint/2010/main" val="730350564"/>
+        <p14:creationId xmlns:p14="http://schemas.microsoft.com/office/powerpoint/2010/main" val="3923688457"/>
       </p:ext>
     </p:extLst>
   </p:cSld>
@@ -19403,11 +16873,7 @@
                                           </p:stCondLst>
                                         </p:cTn>
                                         <p:tgtEl>
-                                          <p:spTgt spid="3">
-                                            <p:txEl>
-                                              <p:pRg st="0" end="0"/>
-                                            </p:txEl>
-                                          </p:spTgt>
+                                          <p:spTgt spid="7"/>
                                         </p:tgtEl>
                                         <p:attrNameLst>
                                           <p:attrName>style.visibility</p:attrName>
@@ -19421,11 +16887,7 @@
                                       <p:cBhvr>
                                         <p:cTn id="7" dur="500"/>
                                         <p:tgtEl>
-                                          <p:spTgt spid="3">
-                                            <p:txEl>
-                                              <p:pRg st="0" end="0"/>
-                                            </p:txEl>
-                                          </p:spTgt>
+                                          <p:spTgt spid="7"/>
                                         </p:tgtEl>
                                       </p:cBhvr>
                                     </p:animEffect>
@@ -19451,7 +16913,7 @@
                             </p:stCondLst>
                             <p:childTnLst>
                               <p:par>
-                                <p:cTn id="10" presetID="10" presetClass="entr" presetSubtype="0" fill="hold" nodeType="clickEffect">
+                                <p:cTn id="10" presetID="10" presetClass="entr" presetSubtype="0" fill="hold" grpId="0" nodeType="clickEffect">
                                   <p:stCondLst>
                                     <p:cond delay="0"/>
                                   </p:stCondLst>
@@ -19459,41 +16921,6 @@
                                     <p:set>
                                       <p:cBhvr>
                                         <p:cTn id="11" dur="1" fill="hold">
-                                          <p:stCondLst>
-                                            <p:cond delay="0"/>
-                                          </p:stCondLst>
-                                        </p:cTn>
-                                        <p:tgtEl>
-                                          <p:spTgt spid="9"/>
-                                        </p:tgtEl>
-                                        <p:attrNameLst>
-                                          <p:attrName>style.visibility</p:attrName>
-                                        </p:attrNameLst>
-                                      </p:cBhvr>
-                                      <p:to>
-                                        <p:strVal val="visible"/>
-                                      </p:to>
-                                    </p:set>
-                                    <p:animEffect transition="in" filter="fade">
-                                      <p:cBhvr>
-                                        <p:cTn id="12" dur="500"/>
-                                        <p:tgtEl>
-                                          <p:spTgt spid="9"/>
-                                        </p:tgtEl>
-                                      </p:cBhvr>
-                                    </p:animEffect>
-                                  </p:childTnLst>
-                                </p:cTn>
-                              </p:par>
-                              <p:par>
-                                <p:cTn id="13" presetID="10" presetClass="entr" presetSubtype="0" fill="hold" grpId="0" nodeType="withEffect">
-                                  <p:stCondLst>
-                                    <p:cond delay="0"/>
-                                  </p:stCondLst>
-                                  <p:childTnLst>
-                                    <p:set>
-                                      <p:cBhvr>
-                                        <p:cTn id="14" dur="1" fill="hold">
                                           <p:stCondLst>
                                             <p:cond delay="0"/>
                                           </p:stCondLst>
@@ -19511,9 +16938,44 @@
                                     </p:set>
                                     <p:animEffect transition="in" filter="fade">
                                       <p:cBhvr>
+                                        <p:cTn id="12" dur="500"/>
+                                        <p:tgtEl>
+                                          <p:spTgt spid="12"/>
+                                        </p:tgtEl>
+                                      </p:cBhvr>
+                                    </p:animEffect>
+                                  </p:childTnLst>
+                                </p:cTn>
+                              </p:par>
+                              <p:par>
+                                <p:cTn id="13" presetID="10" presetClass="entr" presetSubtype="0" fill="hold" nodeType="withEffect">
+                                  <p:stCondLst>
+                                    <p:cond delay="0"/>
+                                  </p:stCondLst>
+                                  <p:childTnLst>
+                                    <p:set>
+                                      <p:cBhvr>
+                                        <p:cTn id="14" dur="1" fill="hold">
+                                          <p:stCondLst>
+                                            <p:cond delay="0"/>
+                                          </p:stCondLst>
+                                        </p:cTn>
+                                        <p:tgtEl>
+                                          <p:spTgt spid="8"/>
+                                        </p:tgtEl>
+                                        <p:attrNameLst>
+                                          <p:attrName>style.visibility</p:attrName>
+                                        </p:attrNameLst>
+                                      </p:cBhvr>
+                                      <p:to>
+                                        <p:strVal val="visible"/>
+                                      </p:to>
+                                    </p:set>
+                                    <p:animEffect transition="in" filter="fade">
+                                      <p:cBhvr>
                                         <p:cTn id="15" dur="500"/>
                                         <p:tgtEl>
-                                          <p:spTgt spid="12"/>
+                                          <p:spTgt spid="8"/>
                                         </p:tgtEl>
                                       </p:cBhvr>
                                     </p:animEffect>
@@ -19539,7 +17001,7 @@
                             </p:stCondLst>
                             <p:childTnLst>
                               <p:par>
-                                <p:cTn id="18" presetID="10" presetClass="entr" presetSubtype="0" fill="hold" nodeType="clickEffect">
+                                <p:cTn id="18" presetID="10" presetClass="entr" presetSubtype="0" fill="hold" grpId="0" nodeType="clickEffect">
                                   <p:stCondLst>
                                     <p:cond delay="0"/>
                                   </p:stCondLst>
@@ -19552,7 +17014,11 @@
                                           </p:stCondLst>
                                         </p:cTn>
                                         <p:tgtEl>
-                                          <p:spTgt spid="8"/>
+                                          <p:spTgt spid="3">
+                                            <p:txEl>
+                                              <p:pRg st="0" end="0"/>
+                                            </p:txEl>
+                                          </p:spTgt>
                                         </p:tgtEl>
                                         <p:attrNameLst>
                                           <p:attrName>style.visibility</p:attrName>
@@ -19566,7 +17032,11 @@
                                       <p:cBhvr>
                                         <p:cTn id="20" dur="500"/>
                                         <p:tgtEl>
-                                          <p:spTgt spid="8"/>
+                                          <p:spTgt spid="3">
+                                            <p:txEl>
+                                              <p:pRg st="0" end="0"/>
+                                            </p:txEl>
+                                          </p:spTgt>
                                         </p:tgtEl>
                                       </p:cBhvr>
                                     </p:animEffect>
@@ -19574,7 +17044,7 @@
                                 </p:cTn>
                               </p:par>
                               <p:par>
-                                <p:cTn id="21" presetID="10" presetClass="entr" presetSubtype="0" fill="hold" grpId="0" nodeType="withEffect">
+                                <p:cTn id="21" presetID="10" presetClass="entr" presetSubtype="0" fill="hold" nodeType="withEffect">
                                   <p:stCondLst>
                                     <p:cond delay="0"/>
                                   </p:stCondLst>
@@ -19587,7 +17057,7 @@
                                           </p:stCondLst>
                                         </p:cTn>
                                         <p:tgtEl>
-                                          <p:spTgt spid="13"/>
+                                          <p:spTgt spid="9"/>
                                         </p:tgtEl>
                                         <p:attrNameLst>
                                           <p:attrName>style.visibility</p:attrName>
@@ -19601,95 +17071,7 @@
                                       <p:cBhvr>
                                         <p:cTn id="23" dur="500"/>
                                         <p:tgtEl>
-                                          <p:spTgt spid="13"/>
-                                        </p:tgtEl>
-                                      </p:cBhvr>
-                                    </p:animEffect>
-                                  </p:childTnLst>
-                                </p:cTn>
-                              </p:par>
-                            </p:childTnLst>
-                          </p:cTn>
-                        </p:par>
-                      </p:childTnLst>
-                    </p:cTn>
-                  </p:par>
-                  <p:par>
-                    <p:cTn id="24" fill="hold">
-                      <p:stCondLst>
-                        <p:cond delay="indefinite"/>
-                      </p:stCondLst>
-                      <p:childTnLst>
-                        <p:par>
-                          <p:cTn id="25" fill="hold">
-                            <p:stCondLst>
-                              <p:cond delay="0"/>
-                            </p:stCondLst>
-                            <p:childTnLst>
-                              <p:par>
-                                <p:cTn id="26" presetID="10" presetClass="entr" presetSubtype="0" fill="hold" nodeType="clickEffect">
-                                  <p:stCondLst>
-                                    <p:cond delay="0"/>
-                                  </p:stCondLst>
-                                  <p:childTnLst>
-                                    <p:set>
-                                      <p:cBhvr>
-                                        <p:cTn id="27" dur="1" fill="hold">
-                                          <p:stCondLst>
-                                            <p:cond delay="0"/>
-                                          </p:stCondLst>
-                                        </p:cTn>
-                                        <p:tgtEl>
-                                          <p:spTgt spid="10"/>
-                                        </p:tgtEl>
-                                        <p:attrNameLst>
-                                          <p:attrName>style.visibility</p:attrName>
-                                        </p:attrNameLst>
-                                      </p:cBhvr>
-                                      <p:to>
-                                        <p:strVal val="visible"/>
-                                      </p:to>
-                                    </p:set>
-                                    <p:animEffect transition="in" filter="fade">
-                                      <p:cBhvr>
-                                        <p:cTn id="28" dur="500"/>
-                                        <p:tgtEl>
-                                          <p:spTgt spid="10"/>
-                                        </p:tgtEl>
-                                      </p:cBhvr>
-                                    </p:animEffect>
-                                  </p:childTnLst>
-                                </p:cTn>
-                              </p:par>
-                              <p:par>
-                                <p:cTn id="29" presetID="10" presetClass="entr" presetSubtype="0" fill="hold" grpId="0" nodeType="withEffect">
-                                  <p:stCondLst>
-                                    <p:cond delay="0"/>
-                                  </p:stCondLst>
-                                  <p:childTnLst>
-                                    <p:set>
-                                      <p:cBhvr>
-                                        <p:cTn id="30" dur="1" fill="hold">
-                                          <p:stCondLst>
-                                            <p:cond delay="0"/>
-                                          </p:stCondLst>
-                                        </p:cTn>
-                                        <p:tgtEl>
-                                          <p:spTgt spid="14"/>
-                                        </p:tgtEl>
-                                        <p:attrNameLst>
-                                          <p:attrName>style.visibility</p:attrName>
-                                        </p:attrNameLst>
-                                      </p:cBhvr>
-                                      <p:to>
-                                        <p:strVal val="visible"/>
-                                      </p:to>
-                                    </p:set>
-                                    <p:animEffect transition="in" filter="fade">
-                                      <p:cBhvr>
-                                        <p:cTn id="31" dur="500"/>
-                                        <p:tgtEl>
-                                          <p:spTgt spid="14"/>
+                                          <p:spTgt spid="9"/>
                                         </p:tgtEl>
                                       </p:cBhvr>
                                     </p:animEffect>
@@ -19725,9 +17107,8 @@
     </p:tnLst>
     <p:bldLst>
       <p:bldP spid="3" grpId="0" build="p"/>
+      <p:bldP spid="7" grpId="0"/>
       <p:bldP spid="12" grpId="0"/>
-      <p:bldP spid="13" grpId="0"/>
-      <p:bldP spid="14" grpId="0"/>
     </p:bldLst>
   </p:timing>
 </p:sld>
@@ -19752,195 +17133,72 @@
       </p:grpSpPr>
       <p:sp>
         <p:nvSpPr>
-          <p:cNvPr id="3" name="Content Placeholder 2"/>
+          <p:cNvPr id="5" name="Rectangle 4"/>
+          <p:cNvSpPr/>
+          <p:nvPr/>
+        </p:nvSpPr>
+        <p:spPr>
+          <a:xfrm>
+            <a:off x="745232" y="1082496"/>
+            <a:ext cx="5528841" cy="646331"/>
+          </a:xfrm>
+          <a:prstGeom prst="rect">
+            <a:avLst/>
+          </a:prstGeom>
+        </p:spPr>
+        <p:txBody>
+          <a:bodyPr wrap="square">
+            <a:spAutoFit/>
+          </a:bodyPr>
+          <a:lstStyle/>
+          <a:p>
+            <a:r>
+              <a:rPr lang="fr-CH" b="1" u="sng" dirty="0"/>
+              <a:t>Comment fonctionne </a:t>
+            </a:r>
+            <a:r>
+              <a:rPr lang="fr-CH" b="1" dirty="0"/>
+              <a:t>?</a:t>
+            </a:r>
+          </a:p>
+          <a:p>
+            <a:endParaRPr lang="fr-CH" b="1" u="sng" dirty="0"/>
+          </a:p>
+        </p:txBody>
+      </p:sp>
+      <p:sp>
+        <p:nvSpPr>
+          <p:cNvPr id="8" name="Title 1"/>
           <p:cNvSpPr>
             <a:spLocks noGrp="1"/>
           </p:cNvSpPr>
           <p:nvPr>
-            <p:ph idx="1"/>
+            <p:ph type="title"/>
           </p:nvPr>
         </p:nvSpPr>
         <p:spPr>
           <a:xfrm>
-            <a:off x="468924" y="1254370"/>
-            <a:ext cx="11324492" cy="1395045"/>
+            <a:off x="0" y="0"/>
+            <a:ext cx="4039565" cy="510199"/>
           </a:xfrm>
         </p:spPr>
         <p:txBody>
-          <a:bodyPr>
-            <a:normAutofit lnSpcReduction="10000"/>
+          <a:bodyPr numCol="1">
+            <a:noAutofit/>
           </a:bodyPr>
           <a:lstStyle/>
           <a:p>
-            <a:pPr marL="457200" lvl="1" indent="0">
-              <a:buNone/>
-            </a:pPr>
-            <a:r>
-              <a:rPr lang="fr-CH" b="1" u="sng" dirty="0">
-                <a:solidFill>
-                  <a:schemeClr val="tx1"/>
-                </a:solidFill>
-              </a:rPr>
-              <a:t>Caractéristique technique:</a:t>
-            </a:r>
-          </a:p>
-          <a:p>
-            <a:pPr lvl="2"/>
-            <a:r>
-              <a:rPr lang="fr-CH" sz="1800" dirty="0">
-                <a:solidFill>
-                  <a:schemeClr val="tx1"/>
-                </a:solidFill>
-              </a:rPr>
-              <a:t>Cette technologie permet de faire passer une tension de </a:t>
-            </a:r>
-            <a:r>
-              <a:rPr lang="fr-CH" sz="1800" b="1" dirty="0">
-                <a:solidFill>
-                  <a:schemeClr val="tx1"/>
-                </a:solidFill>
-              </a:rPr>
-              <a:t>48 Volts </a:t>
-            </a:r>
-            <a:r>
-              <a:rPr lang="fr-CH" sz="1800" dirty="0">
-                <a:solidFill>
-                  <a:schemeClr val="tx1"/>
-                </a:solidFill>
-              </a:rPr>
-              <a:t>environ et </a:t>
-            </a:r>
-            <a:r>
-              <a:rPr lang="fr-CH" sz="1800" b="1" dirty="0">
-                <a:solidFill>
-                  <a:schemeClr val="tx1"/>
-                </a:solidFill>
-              </a:rPr>
-              <a:t>12 Wat </a:t>
-            </a:r>
-            <a:r>
-              <a:rPr lang="fr-CH" sz="1800" dirty="0">
-                <a:solidFill>
-                  <a:schemeClr val="tx1"/>
-                </a:solidFill>
-              </a:rPr>
-              <a:t>de puissance électronique </a:t>
-            </a:r>
-            <a:r>
-              <a:rPr lang="fr-CH" sz="1800" b="1" dirty="0">
-                <a:solidFill>
-                  <a:schemeClr val="tx1"/>
-                </a:solidFill>
-              </a:rPr>
-              <a:t>voir plus.</a:t>
-            </a:r>
-          </a:p>
-          <a:p>
-            <a:pPr lvl="2"/>
-            <a:r>
-              <a:rPr lang="fr-CH" sz="1800" dirty="0">
-                <a:solidFill>
-                  <a:schemeClr val="tx1"/>
-                </a:solidFill>
-              </a:rPr>
-              <a:t>Une vitesse de transmission de donnés qui peut aller à 100Mb/Seconde</a:t>
-            </a:r>
-          </a:p>
-        </p:txBody>
-      </p:sp>
-      <p:sp>
-        <p:nvSpPr>
-          <p:cNvPr id="6" name="Rectangle 1"/>
-          <p:cNvSpPr>
-            <a:spLocks noChangeArrowheads="1"/>
-          </p:cNvSpPr>
-          <p:nvPr/>
-        </p:nvSpPr>
-        <p:spPr bwMode="auto">
-          <a:xfrm>
-            <a:off x="837585" y="2802895"/>
-            <a:ext cx="3910262" cy="302639"/>
-          </a:xfrm>
-          <a:prstGeom prst="rect">
-            <a:avLst/>
-          </a:prstGeom>
-          <a:noFill/>
-          <a:ln>
-            <a:noFill/>
-          </a:ln>
-          <a:effectLst/>
-          <a:extLst>
-            <a:ext uri="{909E8E84-426E-40DD-AFC4-6F175D3DCCD1}">
-              <a14:hiddenFill xmlns:a14="http://schemas.microsoft.com/office/drawing/2010/main">
-                <a:solidFill>
-                  <a:schemeClr val="accent1"/>
-                </a:solidFill>
-              </a14:hiddenFill>
-            </a:ext>
-            <a:ext uri="{91240B29-F687-4F45-9708-019B960494DF}">
-              <a14:hiddenLine xmlns:a14="http://schemas.microsoft.com/office/drawing/2010/main" w="9525">
-                <a:solidFill>
-                  <a:schemeClr val="tx1"/>
-                </a:solidFill>
-                <a:miter lim="800000"/>
-                <a:headEnd/>
-                <a:tailEnd/>
-              </a14:hiddenLine>
-            </a:ext>
-            <a:ext uri="{AF507438-7753-43E0-B8FC-AC1667EBCBE1}">
-              <a14:hiddenEffects xmlns:a14="http://schemas.microsoft.com/office/drawing/2010/main">
-                <a:effectLst>
-                  <a:outerShdw dist="35921" dir="2700000" algn="ctr" rotWithShape="0">
-                    <a:schemeClr val="bg2"/>
-                  </a:outerShdw>
-                </a:effectLst>
-              </a14:hiddenEffects>
-            </a:ext>
-          </a:extLst>
-        </p:spPr>
-        <p:txBody>
-          <a:bodyPr vert="horz" wrap="square" lIns="91440" tIns="25392" rIns="91440" bIns="0" numCol="1" anchor="ctr" anchorCtr="0" compatLnSpc="1">
-            <a:prstTxWarp prst="textNoShape">
-              <a:avLst/>
-            </a:prstTxWarp>
-            <a:spAutoFit/>
-          </a:bodyPr>
-          <a:lstStyle/>
-          <a:p>
-            <a:pPr marL="0" marR="0" lvl="0" indent="0" algn="l" defTabSz="914400" rtl="0" eaLnBrk="0" fontAlgn="base" latinLnBrk="0" hangingPunct="0">
-              <a:lnSpc>
-                <a:spcPct val="100000"/>
-              </a:lnSpc>
-              <a:spcBef>
-                <a:spcPct val="0"/>
-              </a:spcBef>
-              <a:spcAft>
-                <a:spcPct val="0"/>
-              </a:spcAft>
-              <a:buClrTx/>
-              <a:buSzTx/>
-              <a:buFontTx/>
-              <a:buNone/>
-              <a:tabLst/>
-            </a:pPr>
-            <a:r>
-              <a:rPr kumimoji="0" lang="fr-CH" altLang="fr-FR" b="1" i="0" u="sng" strike="noStrike" cap="none" normalizeH="0" baseline="0" dirty="0">
-                <a:ln>
-                  <a:noFill/>
-                </a:ln>
-                <a:effectLst/>
-                <a:latin typeface="Century Gothic (Headings)"/>
-                <a:ea typeface="Times New Roman" panose="02020603050405020304" pitchFamily="18" charset="0"/>
-                <a:cs typeface="Times New Roman" panose="02020603050405020304" pitchFamily="18" charset="0"/>
-              </a:rPr>
-              <a:t>Les Normes 802.3af et 802.3at</a:t>
+            <a:pPr algn="ctr"/>
+            <a:r>
+              <a:rPr lang="fr-CH" sz="2800" dirty="0"/>
+              <a:t>La technologie PoE</a:t>
             </a:r>
           </a:p>
         </p:txBody>
       </p:sp>
       <p:pic>
         <p:nvPicPr>
-          <p:cNvPr id="7" name="Picture 6"/>
+          <p:cNvPr id="2" name="Picture 1"/>
           <p:cNvPicPr>
             <a:picLocks noChangeAspect="1"/>
           </p:cNvPicPr>
@@ -19954,53 +17212,52 @@
               </a:ext>
             </a:extLst>
           </a:blip>
-          <a:srcRect l="1482" t="3236" r="2338" b="3236"/>
+          <a:srcRect l="4053" r="2726"/>
           <a:stretch/>
         </p:blipFill>
         <p:spPr>
           <a:xfrm>
-            <a:off x="2605146" y="3259014"/>
-            <a:ext cx="7069015" cy="3282463"/>
+            <a:off x="818384" y="1865988"/>
+            <a:ext cx="5662246" cy="4178838"/>
           </a:xfrm>
           <a:prstGeom prst="rect">
             <a:avLst/>
           </a:prstGeom>
         </p:spPr>
       </p:pic>
-      <p:sp>
-        <p:nvSpPr>
-          <p:cNvPr id="8" name="Title 1"/>
-          <p:cNvSpPr>
-            <a:spLocks noGrp="1"/>
-          </p:cNvSpPr>
-          <p:nvPr>
-            <p:ph type="title"/>
-          </p:nvPr>
-        </p:nvSpPr>
+      <p:pic>
+        <p:nvPicPr>
+          <p:cNvPr id="4" name="Picture 3"/>
+          <p:cNvPicPr>
+            <a:picLocks noChangeAspect="1"/>
+          </p:cNvPicPr>
+          <p:nvPr/>
+        </p:nvPicPr>
+        <p:blipFill rotWithShape="1">
+          <a:blip r:embed="rId3">
+            <a:extLst>
+              <a:ext uri="{28A0092B-C50C-407E-A947-70E740481C1C}">
+                <a14:useLocalDpi xmlns:a14="http://schemas.microsoft.com/office/drawing/2010/main" val="0"/>
+              </a:ext>
+            </a:extLst>
+          </a:blip>
+          <a:srcRect l="7842" r="10044"/>
+          <a:stretch/>
+        </p:blipFill>
         <p:spPr>
           <a:xfrm>
-            <a:off x="0" y="0"/>
-            <a:ext cx="4039565" cy="510199"/>
+            <a:off x="7323875" y="1865988"/>
+            <a:ext cx="4173416" cy="4178839"/>
           </a:xfrm>
+          <a:prstGeom prst="rect">
+            <a:avLst/>
+          </a:prstGeom>
         </p:spPr>
-        <p:txBody>
-          <a:bodyPr numCol="1">
-            <a:noAutofit/>
-          </a:bodyPr>
-          <a:lstStyle/>
-          <a:p>
-            <a:pPr algn="ctr"/>
-            <a:r>
-              <a:rPr lang="fr-CH" sz="2800" dirty="0"/>
-              <a:t>La technologie PoE</a:t>
-            </a:r>
-          </a:p>
-        </p:txBody>
-      </p:sp>
+      </p:pic>
     </p:spTree>
     <p:extLst>
       <p:ext uri="{BB962C8B-B14F-4D97-AF65-F5344CB8AC3E}">
-        <p14:creationId xmlns:p14="http://schemas.microsoft.com/office/powerpoint/2010/main" val="3615339778"/>
+        <p14:creationId xmlns:p14="http://schemas.microsoft.com/office/powerpoint/2010/main" val="3163419319"/>
       </p:ext>
     </p:extLst>
   </p:cSld>
@@ -20041,11 +17298,7 @@
                                           </p:stCondLst>
                                         </p:cTn>
                                         <p:tgtEl>
-                                          <p:spTgt spid="3">
-                                            <p:txEl>
-                                              <p:pRg st="0" end="0"/>
-                                            </p:txEl>
-                                          </p:spTgt>
+                                          <p:spTgt spid="5"/>
                                         </p:tgtEl>
                                         <p:attrNameLst>
                                           <p:attrName>style.visibility</p:attrName>
@@ -20059,97 +17312,7 @@
                                       <p:cBhvr>
                                         <p:cTn id="7" dur="500"/>
                                         <p:tgtEl>
-                                          <p:spTgt spid="3">
-                                            <p:txEl>
-                                              <p:pRg st="0" end="0"/>
-                                            </p:txEl>
-                                          </p:spTgt>
-                                        </p:tgtEl>
-                                      </p:cBhvr>
-                                    </p:animEffect>
-                                  </p:childTnLst>
-                                </p:cTn>
-                              </p:par>
-                              <p:par>
-                                <p:cTn id="8" presetID="10" presetClass="entr" presetSubtype="0" fill="hold" grpId="0" nodeType="withEffect">
-                                  <p:stCondLst>
-                                    <p:cond delay="0"/>
-                                  </p:stCondLst>
-                                  <p:childTnLst>
-                                    <p:set>
-                                      <p:cBhvr>
-                                        <p:cTn id="9" dur="1" fill="hold">
-                                          <p:stCondLst>
-                                            <p:cond delay="0"/>
-                                          </p:stCondLst>
-                                        </p:cTn>
-                                        <p:tgtEl>
-                                          <p:spTgt spid="3">
-                                            <p:txEl>
-                                              <p:pRg st="1" end="1"/>
-                                            </p:txEl>
-                                          </p:spTgt>
-                                        </p:tgtEl>
-                                        <p:attrNameLst>
-                                          <p:attrName>style.visibility</p:attrName>
-                                        </p:attrNameLst>
-                                      </p:cBhvr>
-                                      <p:to>
-                                        <p:strVal val="visible"/>
-                                      </p:to>
-                                    </p:set>
-                                    <p:animEffect transition="in" filter="fade">
-                                      <p:cBhvr>
-                                        <p:cTn id="10" dur="500"/>
-                                        <p:tgtEl>
-                                          <p:spTgt spid="3">
-                                            <p:txEl>
-                                              <p:pRg st="1" end="1"/>
-                                            </p:txEl>
-                                          </p:spTgt>
-                                        </p:tgtEl>
-                                      </p:cBhvr>
-                                    </p:animEffect>
-                                  </p:childTnLst>
-                                </p:cTn>
-                              </p:par>
-                              <p:par>
-                                <p:cTn id="11" presetID="10" presetClass="entr" presetSubtype="0" fill="hold" grpId="0" nodeType="withEffect">
-                                  <p:stCondLst>
-                                    <p:cond delay="0"/>
-                                  </p:stCondLst>
-                                  <p:childTnLst>
-                                    <p:set>
-                                      <p:cBhvr>
-                                        <p:cTn id="12" dur="1" fill="hold">
-                                          <p:stCondLst>
-                                            <p:cond delay="0"/>
-                                          </p:stCondLst>
-                                        </p:cTn>
-                                        <p:tgtEl>
-                                          <p:spTgt spid="3">
-                                            <p:txEl>
-                                              <p:pRg st="2" end="2"/>
-                                            </p:txEl>
-                                          </p:spTgt>
-                                        </p:tgtEl>
-                                        <p:attrNameLst>
-                                          <p:attrName>style.visibility</p:attrName>
-                                        </p:attrNameLst>
-                                      </p:cBhvr>
-                                      <p:to>
-                                        <p:strVal val="visible"/>
-                                      </p:to>
-                                    </p:set>
-                                    <p:animEffect transition="in" filter="fade">
-                                      <p:cBhvr>
-                                        <p:cTn id="13" dur="500"/>
-                                        <p:tgtEl>
-                                          <p:spTgt spid="3">
-                                            <p:txEl>
-                                              <p:pRg st="2" end="2"/>
-                                            </p:txEl>
-                                          </p:spTgt>
+                                          <p:spTgt spid="5"/>
                                         </p:tgtEl>
                                       </p:cBhvr>
                                     </p:animEffect>
@@ -20163,32 +17326,32 @@
                     </p:cTn>
                   </p:par>
                   <p:par>
-                    <p:cTn id="14" fill="hold">
+                    <p:cTn id="8" fill="hold">
                       <p:stCondLst>
                         <p:cond delay="indefinite"/>
                       </p:stCondLst>
                       <p:childTnLst>
                         <p:par>
-                          <p:cTn id="15" fill="hold">
+                          <p:cTn id="9" fill="hold">
                             <p:stCondLst>
                               <p:cond delay="0"/>
                             </p:stCondLst>
                             <p:childTnLst>
                               <p:par>
-                                <p:cTn id="16" presetID="10" presetClass="entr" presetSubtype="0" fill="hold" grpId="0" nodeType="clickEffect">
+                                <p:cTn id="10" presetID="10" presetClass="entr" presetSubtype="0" fill="hold" nodeType="clickEffect">
                                   <p:stCondLst>
                                     <p:cond delay="0"/>
                                   </p:stCondLst>
                                   <p:childTnLst>
                                     <p:set>
                                       <p:cBhvr>
-                                        <p:cTn id="17" dur="1" fill="hold">
+                                        <p:cTn id="11" dur="1" fill="hold">
                                           <p:stCondLst>
                                             <p:cond delay="0"/>
                                           </p:stCondLst>
                                         </p:cTn>
                                         <p:tgtEl>
-                                          <p:spTgt spid="6"/>
+                                          <p:spTgt spid="2"/>
                                         </p:tgtEl>
                                         <p:attrNameLst>
                                           <p:attrName>style.visibility</p:attrName>
@@ -20200,9 +17363,9 @@
                                     </p:set>
                                     <p:animEffect transition="in" filter="fade">
                                       <p:cBhvr>
-                                        <p:cTn id="18" dur="500"/>
+                                        <p:cTn id="12" dur="500"/>
                                         <p:tgtEl>
-                                          <p:spTgt spid="6"/>
+                                          <p:spTgt spid="2"/>
                                         </p:tgtEl>
                                       </p:cBhvr>
                                     </p:animEffect>
@@ -20216,32 +17379,32 @@
                     </p:cTn>
                   </p:par>
                   <p:par>
-                    <p:cTn id="19" fill="hold">
+                    <p:cTn id="13" fill="hold">
                       <p:stCondLst>
                         <p:cond delay="indefinite"/>
                       </p:stCondLst>
                       <p:childTnLst>
                         <p:par>
-                          <p:cTn id="20" fill="hold">
+                          <p:cTn id="14" fill="hold">
                             <p:stCondLst>
                               <p:cond delay="0"/>
                             </p:stCondLst>
                             <p:childTnLst>
                               <p:par>
-                                <p:cTn id="21" presetID="10" presetClass="entr" presetSubtype="0" fill="hold" nodeType="clickEffect">
+                                <p:cTn id="15" presetID="10" presetClass="entr" presetSubtype="0" fill="hold" nodeType="clickEffect">
                                   <p:stCondLst>
                                     <p:cond delay="0"/>
                                   </p:stCondLst>
                                   <p:childTnLst>
                                     <p:set>
                                       <p:cBhvr>
-                                        <p:cTn id="22" dur="1" fill="hold">
+                                        <p:cTn id="16" dur="1" fill="hold">
                                           <p:stCondLst>
                                             <p:cond delay="0"/>
                                           </p:stCondLst>
                                         </p:cTn>
                                         <p:tgtEl>
-                                          <p:spTgt spid="7"/>
+                                          <p:spTgt spid="4"/>
                                         </p:tgtEl>
                                         <p:attrNameLst>
                                           <p:attrName>style.visibility</p:attrName>
@@ -20253,9 +17416,9 @@
                                     </p:set>
                                     <p:animEffect transition="in" filter="fade">
                                       <p:cBhvr>
-                                        <p:cTn id="23" dur="500"/>
+                                        <p:cTn id="17" dur="500"/>
                                         <p:tgtEl>
-                                          <p:spTgt spid="7"/>
+                                          <p:spTgt spid="4"/>
                                         </p:tgtEl>
                                       </p:cBhvr>
                                     </p:animEffect>
@@ -20290,8 +17453,7 @@
       </p:par>
     </p:tnLst>
     <p:bldLst>
-      <p:bldP spid="3" grpId="0" build="p"/>
-      <p:bldP spid="6" grpId="0"/>
+      <p:bldP spid="5" grpId="0"/>
     </p:bldLst>
   </p:timing>
 </p:sld>

--- a/Module 214 - Fabrication_Ethernet.pptx
+++ b/Module 214 - Fabrication_Ethernet.pptx
@@ -15545,15 +15545,36 @@
         </p:nvSpPr>
         <p:spPr>
           <a:xfrm>
-            <a:off x="277793" y="902826"/>
-            <a:ext cx="11539959" cy="5660020"/>
+            <a:off x="0" y="510199"/>
+            <a:ext cx="11007305" cy="4071667"/>
           </a:xfrm>
         </p:spPr>
         <p:txBody>
-          <a:bodyPr/>
+          <a:bodyPr>
+            <a:normAutofit/>
+          </a:bodyPr>
           <a:lstStyle/>
           <a:p>
-            <a:endParaRPr lang="fr-CH" dirty="0"/>
+            <a:pPr algn="r"/>
+            <a:r>
+              <a:rPr lang="fr-CH" sz="3600" dirty="0">
+                <a:solidFill>
+                  <a:schemeClr val="tx1"/>
+                </a:solidFill>
+              </a:rPr>
+              <a:t>Le câble Ethernet est utilisé dans la communication, on le retrouve principalement dans les réseaux locaux informatiques et téléphoniques.</a:t>
+            </a:r>
+          </a:p>
+          <a:p>
+            <a:pPr algn="r"/>
+            <a:r>
+              <a:rPr lang="fr-CH" sz="3600" dirty="0">
+                <a:solidFill>
+                  <a:schemeClr val="tx1"/>
+                </a:solidFill>
+              </a:rPr>
+              <a:t>Ordinateurs, imprimantes, Switches, caméras de surveillance, etc.</a:t>
+            </a:r>
           </a:p>
         </p:txBody>
       </p:sp>

--- a/Module 214 - Fabrication_Ethernet.pptx
+++ b/Module 214 - Fabrication_Ethernet.pptx
@@ -37,8 +37,10 @@
     <p:sldId id="296" r:id="rId31"/>
     <p:sldId id="298" r:id="rId32"/>
     <p:sldId id="263" r:id="rId33"/>
-    <p:sldId id="264" r:id="rId34"/>
-    <p:sldId id="265" r:id="rId35"/>
+    <p:sldId id="309" r:id="rId34"/>
+    <p:sldId id="308" r:id="rId35"/>
+    <p:sldId id="264" r:id="rId36"/>
+    <p:sldId id="265" r:id="rId37"/>
   </p:sldIdLst>
   <p:sldSz cx="12192000" cy="6858000"/>
   <p:notesSz cx="6858000" cy="9144000"/>
@@ -138,6 +140,50 @@
     </a:lvl9pPr>
   </p:defaultTextStyle>
   <p:extLst>
+    <p:ext uri="{521415D9-36F7-43E2-AB2F-B90AF26B5E84}">
+      <p14:sectionLst xmlns:p14="http://schemas.microsoft.com/office/powerpoint/2010/main">
+        <p14:section name="Section par défaut" id="{E4984EEA-9CF1-47EC-83EB-FE43C2621253}">
+          <p14:sldIdLst>
+            <p14:sldId id="256"/>
+            <p14:sldId id="283"/>
+            <p14:sldId id="284"/>
+            <p14:sldId id="285"/>
+            <p14:sldId id="300"/>
+            <p14:sldId id="286"/>
+            <p14:sldId id="275"/>
+            <p14:sldId id="301"/>
+            <p14:sldId id="302"/>
+            <p14:sldId id="303"/>
+            <p14:sldId id="304"/>
+            <p14:sldId id="261"/>
+            <p14:sldId id="273"/>
+            <p14:sldId id="272"/>
+            <p14:sldId id="305"/>
+            <p14:sldId id="306"/>
+            <p14:sldId id="307"/>
+            <p14:sldId id="274"/>
+            <p14:sldId id="260"/>
+            <p14:sldId id="288"/>
+            <p14:sldId id="289"/>
+            <p14:sldId id="290"/>
+            <p14:sldId id="291"/>
+            <p14:sldId id="292"/>
+            <p14:sldId id="293"/>
+            <p14:sldId id="294"/>
+            <p14:sldId id="262"/>
+            <p14:sldId id="295"/>
+            <p14:sldId id="297"/>
+            <p14:sldId id="296"/>
+            <p14:sldId id="298"/>
+            <p14:sldId id="263"/>
+            <p14:sldId id="309"/>
+            <p14:sldId id="308"/>
+            <p14:sldId id="264"/>
+            <p14:sldId id="265"/>
+          </p14:sldIdLst>
+        </p14:section>
+      </p14:sectionLst>
+    </p:ext>
     <p:ext uri="{EFAFB233-063F-42B5-8137-9DF3F51BA10A}">
       <p15:sldGuideLst xmlns:p15="http://schemas.microsoft.com/office/powerpoint/2012/main"/>
     </p:ext>
@@ -336,7 +382,7 @@
           <a:p>
             <a:fld id="{D406E69D-613E-4019-8533-7F772451DAA2}" type="datetimeFigureOut">
               <a:rPr lang="fr-CH" smtClean="0"/>
-              <a:t>27.04.2019</a:t>
+              <a:t>28.04.2019</a:t>
             </a:fld>
             <a:endParaRPr lang="fr-CH"/>
           </a:p>
@@ -772,7 +818,7 @@
           <a:p>
             <a:fld id="{D406E69D-613E-4019-8533-7F772451DAA2}" type="datetimeFigureOut">
               <a:rPr lang="fr-CH" smtClean="0"/>
-              <a:t>27.04.2019</a:t>
+              <a:t>28.04.2019</a:t>
             </a:fld>
             <a:endParaRPr lang="fr-CH"/>
           </a:p>
@@ -1022,7 +1068,7 @@
           <a:p>
             <a:fld id="{D406E69D-613E-4019-8533-7F772451DAA2}" type="datetimeFigureOut">
               <a:rPr lang="fr-CH" smtClean="0"/>
-              <a:t>27.04.2019</a:t>
+              <a:t>28.04.2019</a:t>
             </a:fld>
             <a:endParaRPr lang="fr-CH"/>
           </a:p>
@@ -1330,7 +1376,7 @@
           <a:p>
             <a:fld id="{D406E69D-613E-4019-8533-7F772451DAA2}" type="datetimeFigureOut">
               <a:rPr lang="fr-CH" smtClean="0"/>
-              <a:t>27.04.2019</a:t>
+              <a:t>28.04.2019</a:t>
             </a:fld>
             <a:endParaRPr lang="fr-CH"/>
           </a:p>
@@ -1648,7 +1694,7 @@
           <a:p>
             <a:fld id="{D406E69D-613E-4019-8533-7F772451DAA2}" type="datetimeFigureOut">
               <a:rPr lang="fr-CH" smtClean="0"/>
-              <a:t>27.04.2019</a:t>
+              <a:t>28.04.2019</a:t>
             </a:fld>
             <a:endParaRPr lang="fr-CH"/>
           </a:p>
@@ -1950,7 +1996,7 @@
           <a:p>
             <a:fld id="{D406E69D-613E-4019-8533-7F772451DAA2}" type="datetimeFigureOut">
               <a:rPr lang="fr-CH" smtClean="0"/>
-              <a:t>27.04.2019</a:t>
+              <a:t>28.04.2019</a:t>
             </a:fld>
             <a:endParaRPr lang="fr-CH"/>
           </a:p>
@@ -2317,7 +2363,7 @@
           <a:p>
             <a:fld id="{D406E69D-613E-4019-8533-7F772451DAA2}" type="datetimeFigureOut">
               <a:rPr lang="fr-CH" smtClean="0"/>
-              <a:t>27.04.2019</a:t>
+              <a:t>28.04.2019</a:t>
             </a:fld>
             <a:endParaRPr lang="fr-CH"/>
           </a:p>
@@ -2491,7 +2537,7 @@
           <a:p>
             <a:fld id="{D406E69D-613E-4019-8533-7F772451DAA2}" type="datetimeFigureOut">
               <a:rPr lang="fr-CH" smtClean="0"/>
-              <a:t>27.04.2019</a:t>
+              <a:t>28.04.2019</a:t>
             </a:fld>
             <a:endParaRPr lang="fr-CH"/>
           </a:p>
@@ -2671,7 +2717,7 @@
           <a:p>
             <a:fld id="{D406E69D-613E-4019-8533-7F772451DAA2}" type="datetimeFigureOut">
               <a:rPr lang="fr-CH" smtClean="0"/>
-              <a:t>27.04.2019</a:t>
+              <a:t>28.04.2019</a:t>
             </a:fld>
             <a:endParaRPr lang="fr-CH"/>
           </a:p>
@@ -2841,7 +2887,7 @@
           <a:p>
             <a:fld id="{D406E69D-613E-4019-8533-7F772451DAA2}" type="datetimeFigureOut">
               <a:rPr lang="fr-CH" smtClean="0"/>
-              <a:t>27.04.2019</a:t>
+              <a:t>28.04.2019</a:t>
             </a:fld>
             <a:endParaRPr lang="fr-CH"/>
           </a:p>
@@ -3091,7 +3137,7 @@
           <a:p>
             <a:fld id="{D406E69D-613E-4019-8533-7F772451DAA2}" type="datetimeFigureOut">
               <a:rPr lang="fr-CH" smtClean="0"/>
-              <a:t>27.04.2019</a:t>
+              <a:t>28.04.2019</a:t>
             </a:fld>
             <a:endParaRPr lang="fr-CH"/>
           </a:p>
@@ -3327,7 +3373,7 @@
           <a:p>
             <a:fld id="{D406E69D-613E-4019-8533-7F772451DAA2}" type="datetimeFigureOut">
               <a:rPr lang="fr-CH" smtClean="0"/>
-              <a:t>27.04.2019</a:t>
+              <a:t>28.04.2019</a:t>
             </a:fld>
             <a:endParaRPr lang="fr-CH"/>
           </a:p>
@@ -3709,7 +3755,7 @@
           <a:p>
             <a:fld id="{D406E69D-613E-4019-8533-7F772451DAA2}" type="datetimeFigureOut">
               <a:rPr lang="fr-CH" smtClean="0"/>
-              <a:t>27.04.2019</a:t>
+              <a:t>28.04.2019</a:t>
             </a:fld>
             <a:endParaRPr lang="fr-CH"/>
           </a:p>
@@ -3827,7 +3873,7 @@
           <a:p>
             <a:fld id="{D406E69D-613E-4019-8533-7F772451DAA2}" type="datetimeFigureOut">
               <a:rPr lang="fr-CH" smtClean="0"/>
-              <a:t>27.04.2019</a:t>
+              <a:t>28.04.2019</a:t>
             </a:fld>
             <a:endParaRPr lang="fr-CH"/>
           </a:p>
@@ -3922,7 +3968,7 @@
           <a:p>
             <a:fld id="{D406E69D-613E-4019-8533-7F772451DAA2}" type="datetimeFigureOut">
               <a:rPr lang="fr-CH" smtClean="0"/>
-              <a:t>27.04.2019</a:t>
+              <a:t>28.04.2019</a:t>
             </a:fld>
             <a:endParaRPr lang="fr-CH"/>
           </a:p>
@@ -4177,7 +4223,7 @@
           <a:p>
             <a:fld id="{D406E69D-613E-4019-8533-7F772451DAA2}" type="datetimeFigureOut">
               <a:rPr lang="fr-CH" smtClean="0"/>
-              <a:t>27.04.2019</a:t>
+              <a:t>28.04.2019</a:t>
             </a:fld>
             <a:endParaRPr lang="fr-CH"/>
           </a:p>
@@ -4460,7 +4506,7 @@
           <a:p>
             <a:fld id="{D406E69D-613E-4019-8533-7F772451DAA2}" type="datetimeFigureOut">
               <a:rPr lang="fr-CH" smtClean="0"/>
-              <a:t>27.04.2019</a:t>
+              <a:t>28.04.2019</a:t>
             </a:fld>
             <a:endParaRPr lang="fr-CH"/>
           </a:p>
@@ -4866,7 +4912,7 @@
           <a:p>
             <a:fld id="{D406E69D-613E-4019-8533-7F772451DAA2}" type="datetimeFigureOut">
               <a:rPr lang="fr-CH" smtClean="0"/>
-              <a:t>27.04.2019</a:t>
+              <a:t>28.04.2019</a:t>
             </a:fld>
             <a:endParaRPr lang="fr-CH"/>
           </a:p>
@@ -13669,15 +13715,42 @@
         </p:nvSpPr>
         <p:spPr>
           <a:xfrm>
-            <a:off x="277793" y="902826"/>
-            <a:ext cx="11539959" cy="5660020"/>
+            <a:off x="326020" y="634971"/>
+            <a:ext cx="11539959" cy="510199"/>
           </a:xfrm>
         </p:spPr>
         <p:txBody>
-          <a:bodyPr/>
+          <a:bodyPr>
+            <a:normAutofit/>
+          </a:bodyPr>
           <a:lstStyle/>
           <a:p>
-            <a:endParaRPr lang="fr-CH" dirty="0"/>
+            <a:pPr marL="0" indent="0">
+              <a:buNone/>
+            </a:pPr>
+            <a:r>
+              <a:rPr lang="it-IT" sz="2400" dirty="0">
+                <a:solidFill>
+                  <a:schemeClr val="tx1"/>
+                </a:solidFill>
+              </a:rPr>
+              <a:t>IEEE </a:t>
+            </a:r>
+            <a:r>
+              <a:rPr lang="it-IT" sz="2400" dirty="0">
+                <a:solidFill>
+                  <a:schemeClr val="tx1"/>
+                </a:solidFill>
+                <a:latin typeface="+mj-lt"/>
+              </a:rPr>
+              <a:t>802.3</a:t>
+            </a:r>
+            <a:endParaRPr lang="fr-CH" sz="2400" dirty="0">
+              <a:solidFill>
+                <a:schemeClr val="tx1"/>
+              </a:solidFill>
+              <a:latin typeface="+mj-lt"/>
+            </a:endParaRPr>
           </a:p>
         </p:txBody>
       </p:sp>
@@ -13711,6 +13784,367 @@
           </a:p>
         </p:txBody>
       </p:sp>
+      <p:sp>
+        <p:nvSpPr>
+          <p:cNvPr id="2" name="ZoneTexte 1">
+            <a:extLst>
+              <a:ext uri="{FF2B5EF4-FFF2-40B4-BE49-F238E27FC236}">
+                <a16:creationId xmlns:a16="http://schemas.microsoft.com/office/drawing/2014/main" id="{A35CA12C-1266-4CF7-B4FA-9BCC04FF0A7A}"/>
+              </a:ext>
+            </a:extLst>
+          </p:cNvPr>
+          <p:cNvSpPr txBox="1"/>
+          <p:nvPr/>
+        </p:nvSpPr>
+        <p:spPr>
+          <a:xfrm>
+            <a:off x="609601" y="1302327"/>
+            <a:ext cx="8589818" cy="646331"/>
+          </a:xfrm>
+          <a:prstGeom prst="rect">
+            <a:avLst/>
+          </a:prstGeom>
+          <a:noFill/>
+        </p:spPr>
+        <p:txBody>
+          <a:bodyPr wrap="square" rtlCol="0">
+            <a:spAutoFit/>
+          </a:bodyPr>
+          <a:lstStyle/>
+          <a:p>
+            <a:r>
+              <a:rPr lang="fr-CH" dirty="0"/>
+              <a:t>IEEE signifie « Institute of </a:t>
+            </a:r>
+            <a:r>
+              <a:rPr lang="fr-CH" dirty="0" err="1"/>
+              <a:t>Electrical</a:t>
+            </a:r>
+            <a:r>
+              <a:rPr lang="fr-CH" dirty="0"/>
+              <a:t> and Electronics </a:t>
+            </a:r>
+            <a:r>
+              <a:rPr lang="fr-CH" dirty="0" err="1"/>
+              <a:t>Engineers</a:t>
+            </a:r>
+            <a:r>
+              <a:rPr lang="fr-CH" dirty="0"/>
+              <a:t> » ou en français « Institut d'ingénieurs en électricité et électronique »</a:t>
+            </a:r>
+          </a:p>
+        </p:txBody>
+      </p:sp>
+      <p:sp>
+        <p:nvSpPr>
+          <p:cNvPr id="3" name="ZoneTexte 2">
+            <a:extLst>
+              <a:ext uri="{FF2B5EF4-FFF2-40B4-BE49-F238E27FC236}">
+                <a16:creationId xmlns:a16="http://schemas.microsoft.com/office/drawing/2014/main" id="{A87DECA1-1134-4B40-9A37-999B0F16999A}"/>
+              </a:ext>
+            </a:extLst>
+          </p:cNvPr>
+          <p:cNvSpPr txBox="1"/>
+          <p:nvPr/>
+        </p:nvSpPr>
+        <p:spPr>
+          <a:xfrm>
+            <a:off x="609601" y="2216727"/>
+            <a:ext cx="8589818" cy="646331"/>
+          </a:xfrm>
+          <a:prstGeom prst="rect">
+            <a:avLst/>
+          </a:prstGeom>
+          <a:noFill/>
+        </p:spPr>
+        <p:txBody>
+          <a:bodyPr wrap="square" rtlCol="0">
+            <a:spAutoFit/>
+          </a:bodyPr>
+          <a:lstStyle/>
+          <a:p>
+            <a:r>
+              <a:rPr lang="fr-CH" dirty="0"/>
+              <a:t>Ils ont créé plusieurs normes dont la IEEE 802.3 qui fait référence à un ensemble de protocoles qui définissent les réseaux locaux (LAN).</a:t>
+            </a:r>
+          </a:p>
+        </p:txBody>
+      </p:sp>
+      <p:sp>
+        <p:nvSpPr>
+          <p:cNvPr id="4" name="ZoneTexte 3">
+            <a:extLst>
+              <a:ext uri="{FF2B5EF4-FFF2-40B4-BE49-F238E27FC236}">
+                <a16:creationId xmlns:a16="http://schemas.microsoft.com/office/drawing/2014/main" id="{4484CECE-1614-4AEE-A3E5-0B7519852559}"/>
+              </a:ext>
+            </a:extLst>
+          </p:cNvPr>
+          <p:cNvSpPr txBox="1"/>
+          <p:nvPr/>
+        </p:nvSpPr>
+        <p:spPr>
+          <a:xfrm>
+            <a:off x="609601" y="3429000"/>
+            <a:ext cx="2974109" cy="369332"/>
+          </a:xfrm>
+          <a:prstGeom prst="rect">
+            <a:avLst/>
+          </a:prstGeom>
+          <a:noFill/>
+        </p:spPr>
+        <p:txBody>
+          <a:bodyPr wrap="square" rtlCol="0">
+            <a:spAutoFit/>
+          </a:bodyPr>
+          <a:lstStyle/>
+          <a:p>
+            <a:r>
+              <a:rPr lang="fr-CH" b="1" dirty="0">
+                <a:latin typeface="+mj-lt"/>
+              </a:rPr>
+              <a:t>Les deux opérations :</a:t>
+            </a:r>
+          </a:p>
+        </p:txBody>
+      </p:sp>
+      <p:grpSp>
+        <p:nvGrpSpPr>
+          <p:cNvPr id="9" name="Groupe 8">
+            <a:extLst>
+              <a:ext uri="{FF2B5EF4-FFF2-40B4-BE49-F238E27FC236}">
+                <a16:creationId xmlns:a16="http://schemas.microsoft.com/office/drawing/2014/main" id="{23D82E5C-A968-44F6-8506-2728DD4691EC}"/>
+              </a:ext>
+            </a:extLst>
+          </p:cNvPr>
+          <p:cNvGrpSpPr/>
+          <p:nvPr/>
+        </p:nvGrpSpPr>
+        <p:grpSpPr>
+          <a:xfrm>
+            <a:off x="1525390" y="3810277"/>
+            <a:ext cx="7923410" cy="1184940"/>
+            <a:chOff x="1525390" y="3810277"/>
+            <a:chExt cx="7923410" cy="1184940"/>
+          </a:xfrm>
+        </p:grpSpPr>
+        <p:sp>
+          <p:nvSpPr>
+            <p:cNvPr id="7" name="Rectangle 6">
+              <a:extLst>
+                <a:ext uri="{FF2B5EF4-FFF2-40B4-BE49-F238E27FC236}">
+                  <a16:creationId xmlns:a16="http://schemas.microsoft.com/office/drawing/2014/main" id="{9916E7EC-0F54-4B06-88D6-BC6EA432DDDE}"/>
+                </a:ext>
+              </a:extLst>
+            </p:cNvPr>
+            <p:cNvSpPr/>
+            <p:nvPr/>
+          </p:nvSpPr>
+          <p:spPr>
+            <a:xfrm>
+              <a:off x="1525390" y="3810277"/>
+              <a:ext cx="2058320" cy="369332"/>
+            </a:xfrm>
+            <a:prstGeom prst="rect">
+              <a:avLst/>
+            </a:prstGeom>
+          </p:spPr>
+          <p:txBody>
+            <a:bodyPr wrap="none">
+              <a:spAutoFit/>
+            </a:bodyPr>
+            <a:lstStyle/>
+            <a:p>
+              <a:r>
+                <a:rPr lang="fr-CH" dirty="0">
+                  <a:latin typeface="Calibri" panose="020F0502020204030204" pitchFamily="34" charset="0"/>
+                  <a:ea typeface="Calibri" panose="020F0502020204030204" pitchFamily="34" charset="0"/>
+                  <a:cs typeface="Arial" panose="020B0604020202020204" pitchFamily="34" charset="0"/>
+                </a:rPr>
+                <a:t>le mode </a:t>
+              </a:r>
+              <a:r>
+                <a:rPr lang="fr-CH" dirty="0" err="1">
+                  <a:latin typeface="Calibri" panose="020F0502020204030204" pitchFamily="34" charset="0"/>
+                  <a:ea typeface="Calibri" panose="020F0502020204030204" pitchFamily="34" charset="0"/>
+                  <a:cs typeface="Arial" panose="020B0604020202020204" pitchFamily="34" charset="0"/>
+                </a:rPr>
+                <a:t>half</a:t>
+              </a:r>
+              <a:r>
+                <a:rPr lang="fr-CH" dirty="0">
+                  <a:latin typeface="Calibri" panose="020F0502020204030204" pitchFamily="34" charset="0"/>
+                  <a:ea typeface="Calibri" panose="020F0502020204030204" pitchFamily="34" charset="0"/>
+                  <a:cs typeface="Arial" panose="020B0604020202020204" pitchFamily="34" charset="0"/>
+                </a:rPr>
+                <a:t>-duplex</a:t>
+              </a:r>
+              <a:endParaRPr lang="fr-CH" dirty="0"/>
+            </a:p>
+          </p:txBody>
+        </p:sp>
+        <p:sp>
+          <p:nvSpPr>
+            <p:cNvPr id="8" name="ZoneTexte 7">
+              <a:extLst>
+                <a:ext uri="{FF2B5EF4-FFF2-40B4-BE49-F238E27FC236}">
+                  <a16:creationId xmlns:a16="http://schemas.microsoft.com/office/drawing/2014/main" id="{D91180B7-05B4-4F84-BBE4-1ABBF07A8C2A}"/>
+                </a:ext>
+              </a:extLst>
+            </p:cNvPr>
+            <p:cNvSpPr txBox="1"/>
+            <p:nvPr/>
+          </p:nvSpPr>
+          <p:spPr>
+            <a:xfrm>
+              <a:off x="3707705" y="3994943"/>
+              <a:ext cx="5741095" cy="1000274"/>
+            </a:xfrm>
+            <a:prstGeom prst="rect">
+              <a:avLst/>
+            </a:prstGeom>
+            <a:noFill/>
+          </p:spPr>
+          <p:txBody>
+            <a:bodyPr wrap="square" rtlCol="0">
+              <a:spAutoFit/>
+            </a:bodyPr>
+            <a:lstStyle/>
+            <a:p>
+              <a:pPr>
+                <a:spcAft>
+                  <a:spcPts val="600"/>
+                </a:spcAft>
+              </a:pPr>
+              <a:r>
+                <a:rPr lang="fr-CH" dirty="0"/>
+                <a:t>Ressemble au fonctionnement d’un talkie-walkie.</a:t>
+              </a:r>
+            </a:p>
+            <a:p>
+              <a:pPr>
+                <a:spcAft>
+                  <a:spcPts val="600"/>
+                </a:spcAft>
+              </a:pPr>
+              <a:r>
+                <a:rPr lang="fr-CH" dirty="0"/>
+                <a:t>Il peut recevoir et envoyer des données que d’un seul périphérique à la fois.</a:t>
+              </a:r>
+            </a:p>
+          </p:txBody>
+        </p:sp>
+      </p:grpSp>
+      <p:grpSp>
+        <p:nvGrpSpPr>
+          <p:cNvPr id="10" name="Groupe 9">
+            <a:extLst>
+              <a:ext uri="{FF2B5EF4-FFF2-40B4-BE49-F238E27FC236}">
+                <a16:creationId xmlns:a16="http://schemas.microsoft.com/office/drawing/2014/main" id="{465546DD-A06A-4710-95C0-C71CCAD0287A}"/>
+              </a:ext>
+            </a:extLst>
+          </p:cNvPr>
+          <p:cNvGrpSpPr/>
+          <p:nvPr/>
+        </p:nvGrpSpPr>
+        <p:grpSpPr>
+          <a:xfrm>
+            <a:off x="1525390" y="5120361"/>
+            <a:ext cx="7923410" cy="1184940"/>
+            <a:chOff x="1525390" y="3810277"/>
+            <a:chExt cx="7923410" cy="1184940"/>
+          </a:xfrm>
+        </p:grpSpPr>
+        <p:sp>
+          <p:nvSpPr>
+            <p:cNvPr id="11" name="Rectangle 10">
+              <a:extLst>
+                <a:ext uri="{FF2B5EF4-FFF2-40B4-BE49-F238E27FC236}">
+                  <a16:creationId xmlns:a16="http://schemas.microsoft.com/office/drawing/2014/main" id="{91B49790-0484-4C5B-A768-A3CEE69E7730}"/>
+                </a:ext>
+              </a:extLst>
+            </p:cNvPr>
+            <p:cNvSpPr/>
+            <p:nvPr/>
+          </p:nvSpPr>
+          <p:spPr>
+            <a:xfrm>
+              <a:off x="1525390" y="3810277"/>
+              <a:ext cx="2000612" cy="369332"/>
+            </a:xfrm>
+            <a:prstGeom prst="rect">
+              <a:avLst/>
+            </a:prstGeom>
+          </p:spPr>
+          <p:txBody>
+            <a:bodyPr wrap="none">
+              <a:spAutoFit/>
+            </a:bodyPr>
+            <a:lstStyle/>
+            <a:p>
+              <a:r>
+                <a:rPr lang="fr-CH" dirty="0">
+                  <a:latin typeface="Calibri" panose="020F0502020204030204" pitchFamily="34" charset="0"/>
+                  <a:ea typeface="Calibri" panose="020F0502020204030204" pitchFamily="34" charset="0"/>
+                  <a:cs typeface="Arial" panose="020B0604020202020204" pitchFamily="34" charset="0"/>
+                </a:rPr>
+                <a:t>le mode full-duplex</a:t>
+              </a:r>
+              <a:endParaRPr lang="fr-CH" dirty="0"/>
+            </a:p>
+          </p:txBody>
+        </p:sp>
+        <p:sp>
+          <p:nvSpPr>
+            <p:cNvPr id="12" name="ZoneTexte 11">
+              <a:extLst>
+                <a:ext uri="{FF2B5EF4-FFF2-40B4-BE49-F238E27FC236}">
+                  <a16:creationId xmlns:a16="http://schemas.microsoft.com/office/drawing/2014/main" id="{CE58D107-D557-4FAB-855F-DF42D305D917}"/>
+                </a:ext>
+              </a:extLst>
+            </p:cNvPr>
+            <p:cNvSpPr txBox="1"/>
+            <p:nvPr/>
+          </p:nvSpPr>
+          <p:spPr>
+            <a:xfrm>
+              <a:off x="3707705" y="3994943"/>
+              <a:ext cx="5741095" cy="1000274"/>
+            </a:xfrm>
+            <a:prstGeom prst="rect">
+              <a:avLst/>
+            </a:prstGeom>
+            <a:noFill/>
+          </p:spPr>
+          <p:txBody>
+            <a:bodyPr wrap="square" rtlCol="0">
+              <a:spAutoFit/>
+            </a:bodyPr>
+            <a:lstStyle/>
+            <a:p>
+              <a:pPr>
+                <a:spcAft>
+                  <a:spcPts val="600"/>
+                </a:spcAft>
+              </a:pPr>
+              <a:r>
+                <a:rPr lang="fr-CH" dirty="0"/>
+                <a:t>Ressemble au fonctionnement d’un talkie-walkie.</a:t>
+              </a:r>
+            </a:p>
+            <a:p>
+              <a:pPr>
+                <a:spcAft>
+                  <a:spcPts val="600"/>
+                </a:spcAft>
+              </a:pPr>
+              <a:r>
+                <a:rPr lang="fr-CH" dirty="0"/>
+                <a:t>Il peut recevoir et envoyer des données de plusieurs périphériques simultanément.</a:t>
+              </a:r>
+            </a:p>
+          </p:txBody>
+        </p:sp>
+      </p:grpSp>
     </p:spTree>
     <p:extLst>
       <p:ext uri="{BB962C8B-B14F-4D97-AF65-F5344CB8AC3E}">
@@ -13753,6 +14187,352 @@
         </p:nvSpPr>
         <p:spPr>
           <a:xfrm>
+            <a:off x="326020" y="634971"/>
+            <a:ext cx="11539959" cy="510199"/>
+          </a:xfrm>
+        </p:spPr>
+        <p:txBody>
+          <a:bodyPr>
+            <a:normAutofit/>
+          </a:bodyPr>
+          <a:lstStyle/>
+          <a:p>
+            <a:pPr marL="0" indent="0">
+              <a:buNone/>
+            </a:pPr>
+            <a:r>
+              <a:rPr lang="it-IT" sz="2400" dirty="0">
+                <a:solidFill>
+                  <a:schemeClr val="tx1"/>
+                </a:solidFill>
+              </a:rPr>
+              <a:t>IEEE </a:t>
+            </a:r>
+            <a:r>
+              <a:rPr lang="it-IT" sz="2400" dirty="0">
+                <a:solidFill>
+                  <a:schemeClr val="tx1"/>
+                </a:solidFill>
+                <a:latin typeface="+mj-lt"/>
+              </a:rPr>
+              <a:t>802.3</a:t>
+            </a:r>
+            <a:endParaRPr lang="fr-CH" sz="2400" dirty="0">
+              <a:solidFill>
+                <a:schemeClr val="tx1"/>
+              </a:solidFill>
+              <a:latin typeface="+mj-lt"/>
+            </a:endParaRPr>
+          </a:p>
+        </p:txBody>
+      </p:sp>
+      <p:sp>
+        <p:nvSpPr>
+          <p:cNvPr id="6" name="Title 1"/>
+          <p:cNvSpPr>
+            <a:spLocks noGrp="1"/>
+          </p:cNvSpPr>
+          <p:nvPr>
+            <p:ph type="title"/>
+          </p:nvPr>
+        </p:nvSpPr>
+        <p:spPr>
+          <a:xfrm>
+            <a:off x="1" y="0"/>
+            <a:ext cx="1689904" cy="510199"/>
+          </a:xfrm>
+        </p:spPr>
+        <p:txBody>
+          <a:bodyPr numCol="1">
+            <a:noAutofit/>
+          </a:bodyPr>
+          <a:lstStyle/>
+          <a:p>
+            <a:pPr algn="ctr"/>
+            <a:r>
+              <a:rPr lang="fr-CH" sz="2800" dirty="0"/>
+              <a:t>NORMES</a:t>
+            </a:r>
+          </a:p>
+        </p:txBody>
+      </p:sp>
+      <p:sp>
+        <p:nvSpPr>
+          <p:cNvPr id="14" name="ZoneTexte 13">
+            <a:extLst>
+              <a:ext uri="{FF2B5EF4-FFF2-40B4-BE49-F238E27FC236}">
+                <a16:creationId xmlns:a16="http://schemas.microsoft.com/office/drawing/2014/main" id="{DCFCBA6D-32BF-45B9-913E-FC03E263FEB7}"/>
+              </a:ext>
+            </a:extLst>
+          </p:cNvPr>
+          <p:cNvSpPr txBox="1"/>
+          <p:nvPr/>
+        </p:nvSpPr>
+        <p:spPr>
+          <a:xfrm>
+            <a:off x="609601" y="1269942"/>
+            <a:ext cx="2974109" cy="369332"/>
+          </a:xfrm>
+          <a:prstGeom prst="rect">
+            <a:avLst/>
+          </a:prstGeom>
+          <a:noFill/>
+        </p:spPr>
+        <p:txBody>
+          <a:bodyPr wrap="square" rtlCol="0">
+            <a:spAutoFit/>
+          </a:bodyPr>
+          <a:lstStyle/>
+          <a:p>
+            <a:r>
+              <a:rPr lang="fr-CH" b="1" dirty="0">
+                <a:latin typeface="+mj-lt"/>
+              </a:rPr>
+              <a:t>Les débits :</a:t>
+            </a:r>
+          </a:p>
+        </p:txBody>
+      </p:sp>
+      <p:sp>
+        <p:nvSpPr>
+          <p:cNvPr id="15" name="ZoneTexte 14">
+            <a:extLst>
+              <a:ext uri="{FF2B5EF4-FFF2-40B4-BE49-F238E27FC236}">
+                <a16:creationId xmlns:a16="http://schemas.microsoft.com/office/drawing/2014/main" id="{6335B29D-0CD6-4CAA-B965-93BCC03492D8}"/>
+              </a:ext>
+            </a:extLst>
+          </p:cNvPr>
+          <p:cNvSpPr txBox="1"/>
+          <p:nvPr/>
+        </p:nvSpPr>
+        <p:spPr>
+          <a:xfrm>
+            <a:off x="942109" y="1764046"/>
+            <a:ext cx="5643418" cy="369332"/>
+          </a:xfrm>
+          <a:prstGeom prst="rect">
+            <a:avLst/>
+          </a:prstGeom>
+          <a:noFill/>
+        </p:spPr>
+        <p:txBody>
+          <a:bodyPr wrap="square" rtlCol="0">
+            <a:spAutoFit/>
+          </a:bodyPr>
+          <a:lstStyle/>
+          <a:p>
+            <a:r>
+              <a:rPr lang="fr-CH" dirty="0"/>
+              <a:t>Il existe 4 débits différents à ce jour.</a:t>
+            </a:r>
+          </a:p>
+        </p:txBody>
+      </p:sp>
+      <p:sp>
+        <p:nvSpPr>
+          <p:cNvPr id="16" name="Rectangle 15">
+            <a:extLst>
+              <a:ext uri="{FF2B5EF4-FFF2-40B4-BE49-F238E27FC236}">
+                <a16:creationId xmlns:a16="http://schemas.microsoft.com/office/drawing/2014/main" id="{598DB639-CD18-4A74-9FFE-C44EB01149A7}"/>
+              </a:ext>
+            </a:extLst>
+          </p:cNvPr>
+          <p:cNvSpPr/>
+          <p:nvPr/>
+        </p:nvSpPr>
+        <p:spPr>
+          <a:xfrm>
+            <a:off x="1320451" y="2258150"/>
+            <a:ext cx="5703806" cy="1701684"/>
+          </a:xfrm>
+          <a:prstGeom prst="rect">
+            <a:avLst/>
+          </a:prstGeom>
+        </p:spPr>
+        <p:txBody>
+          <a:bodyPr wrap="none">
+            <a:spAutoFit/>
+          </a:bodyPr>
+          <a:lstStyle/>
+          <a:p>
+            <a:pPr marL="285750" indent="-285750">
+              <a:lnSpc>
+                <a:spcPct val="150000"/>
+              </a:lnSpc>
+              <a:buFont typeface="Arial" panose="020B0604020202020204" pitchFamily="34" charset="0"/>
+              <a:buChar char="•"/>
+            </a:pPr>
+            <a:r>
+              <a:rPr lang="fr-CH" dirty="0">
+                <a:ea typeface="Calibri" panose="020F0502020204030204" pitchFamily="34" charset="0"/>
+                <a:cs typeface="Arial" panose="020B0604020202020204" pitchFamily="34" charset="0"/>
+              </a:rPr>
+              <a:t>Ethernet qui a un débit de 10 Mb/s,</a:t>
+            </a:r>
+          </a:p>
+          <a:p>
+            <a:pPr marL="285750" indent="-285750">
+              <a:lnSpc>
+                <a:spcPct val="150000"/>
+              </a:lnSpc>
+              <a:buFont typeface="Arial" panose="020B0604020202020204" pitchFamily="34" charset="0"/>
+              <a:buChar char="•"/>
+            </a:pPr>
+            <a:r>
+              <a:rPr lang="fr-CH" dirty="0"/>
+              <a:t>Fast Ethernet qui a un débit de 100 Mb/s,</a:t>
+            </a:r>
+          </a:p>
+          <a:p>
+            <a:pPr marL="285750" indent="-285750">
+              <a:lnSpc>
+                <a:spcPct val="150000"/>
+              </a:lnSpc>
+              <a:buFont typeface="Arial" panose="020B0604020202020204" pitchFamily="34" charset="0"/>
+              <a:buChar char="•"/>
+            </a:pPr>
+            <a:r>
+              <a:rPr lang="fr-CH" dirty="0"/>
+              <a:t>GigaEthernet qui a un débit de 1’000Mb/s et</a:t>
+            </a:r>
+          </a:p>
+          <a:p>
+            <a:pPr marL="285750" indent="-285750">
+              <a:lnSpc>
+                <a:spcPct val="150000"/>
+              </a:lnSpc>
+              <a:buFont typeface="Arial" panose="020B0604020202020204" pitchFamily="34" charset="0"/>
+              <a:buChar char="•"/>
+            </a:pPr>
+            <a:r>
+              <a:rPr lang="fr-CH" dirty="0"/>
+              <a:t>10 GigaEthernet qui a un débit de 10’000Mb/s.</a:t>
+            </a:r>
+          </a:p>
+        </p:txBody>
+      </p:sp>
+    </p:spTree>
+    <p:extLst>
+      <p:ext uri="{BB962C8B-B14F-4D97-AF65-F5344CB8AC3E}">
+        <p14:creationId xmlns:p14="http://schemas.microsoft.com/office/powerpoint/2010/main" val="743191427"/>
+      </p:ext>
+    </p:extLst>
+  </p:cSld>
+  <p:clrMapOvr>
+    <a:masterClrMapping/>
+  </p:clrMapOvr>
+</p:sld>
+</file>
+
+<file path=ppt/slides/slide34.xml><?xml version="1.0" encoding="utf-8"?>
+<p:sld xmlns:a="http://schemas.openxmlformats.org/drawingml/2006/main" xmlns:r="http://schemas.openxmlformats.org/officeDocument/2006/relationships" xmlns:p="http://schemas.openxmlformats.org/presentationml/2006/main">
+  <p:cSld>
+    <p:spTree>
+      <p:nvGrpSpPr>
+        <p:cNvPr id="1" name=""/>
+        <p:cNvGrpSpPr/>
+        <p:nvPr/>
+      </p:nvGrpSpPr>
+      <p:grpSpPr>
+        <a:xfrm>
+          <a:off x="0" y="0"/>
+          <a:ext cx="0" cy="0"/>
+          <a:chOff x="0" y="0"/>
+          <a:chExt cx="0" cy="0"/>
+        </a:xfrm>
+      </p:grpSpPr>
+      <p:sp>
+        <p:nvSpPr>
+          <p:cNvPr id="2" name="Titre 1">
+            <a:extLst>
+              <a:ext uri="{FF2B5EF4-FFF2-40B4-BE49-F238E27FC236}">
+                <a16:creationId xmlns:a16="http://schemas.microsoft.com/office/drawing/2014/main" id="{42B1C103-5438-4ED4-9DC3-64DAD3FD626E}"/>
+              </a:ext>
+            </a:extLst>
+          </p:cNvPr>
+          <p:cNvSpPr>
+            <a:spLocks noGrp="1"/>
+          </p:cNvSpPr>
+          <p:nvPr>
+            <p:ph type="title"/>
+          </p:nvPr>
+        </p:nvSpPr>
+        <p:spPr/>
+        <p:txBody>
+          <a:bodyPr/>
+          <a:lstStyle/>
+          <a:p>
+            <a:endParaRPr lang="fr-CH"/>
+          </a:p>
+        </p:txBody>
+      </p:sp>
+      <p:sp>
+        <p:nvSpPr>
+          <p:cNvPr id="3" name="Espace réservé du contenu 2">
+            <a:extLst>
+              <a:ext uri="{FF2B5EF4-FFF2-40B4-BE49-F238E27FC236}">
+                <a16:creationId xmlns:a16="http://schemas.microsoft.com/office/drawing/2014/main" id="{3BB66C46-EE36-4F98-8862-5AD66F47ABF5}"/>
+              </a:ext>
+            </a:extLst>
+          </p:cNvPr>
+          <p:cNvSpPr>
+            <a:spLocks noGrp="1"/>
+          </p:cNvSpPr>
+          <p:nvPr>
+            <p:ph idx="1"/>
+          </p:nvPr>
+        </p:nvSpPr>
+        <p:spPr/>
+        <p:txBody>
+          <a:bodyPr/>
+          <a:lstStyle/>
+          <a:p>
+            <a:endParaRPr lang="fr-CH"/>
+          </a:p>
+        </p:txBody>
+      </p:sp>
+    </p:spTree>
+    <p:extLst>
+      <p:ext uri="{BB962C8B-B14F-4D97-AF65-F5344CB8AC3E}">
+        <p14:creationId xmlns:p14="http://schemas.microsoft.com/office/powerpoint/2010/main" val="3797207043"/>
+      </p:ext>
+    </p:extLst>
+  </p:cSld>
+  <p:clrMapOvr>
+    <a:masterClrMapping/>
+  </p:clrMapOvr>
+</p:sld>
+</file>
+
+<file path=ppt/slides/slide35.xml><?xml version="1.0" encoding="utf-8"?>
+<p:sld xmlns:a="http://schemas.openxmlformats.org/drawingml/2006/main" xmlns:r="http://schemas.openxmlformats.org/officeDocument/2006/relationships" xmlns:p="http://schemas.openxmlformats.org/presentationml/2006/main">
+  <p:cSld>
+    <p:spTree>
+      <p:nvGrpSpPr>
+        <p:cNvPr id="1" name=""/>
+        <p:cNvGrpSpPr/>
+        <p:nvPr/>
+      </p:nvGrpSpPr>
+      <p:grpSpPr>
+        <a:xfrm>
+          <a:off x="0" y="0"/>
+          <a:ext cx="0" cy="0"/>
+          <a:chOff x="0" y="0"/>
+          <a:chExt cx="0" cy="0"/>
+        </a:xfrm>
+      </p:grpSpPr>
+      <p:sp>
+        <p:nvSpPr>
+          <p:cNvPr id="5" name="Content Placeholder 2"/>
+          <p:cNvSpPr>
+            <a:spLocks noGrp="1"/>
+          </p:cNvSpPr>
+          <p:nvPr>
+            <p:ph idx="1"/>
+          </p:nvPr>
+        </p:nvSpPr>
+        <p:spPr>
+          <a:xfrm>
             <a:off x="277793" y="902826"/>
             <a:ext cx="11539959" cy="5660020"/>
           </a:xfrm>
@@ -13808,7 +14588,7 @@
 </p:sld>
 </file>
 
-<file path=ppt/slides/slide34.xml><?xml version="1.0" encoding="utf-8"?>
+<file path=ppt/slides/slide36.xml><?xml version="1.0" encoding="utf-8"?>
 <p:sld xmlns:a="http://schemas.openxmlformats.org/drawingml/2006/main" xmlns:r="http://schemas.openxmlformats.org/officeDocument/2006/relationships" xmlns:p="http://schemas.openxmlformats.org/presentationml/2006/main">
   <p:cSld>
     <p:spTree>

--- a/Module 214 - Fabrication_Ethernet.pptx
+++ b/Module 214 - Fabrication_Ethernet.pptx
@@ -40,7 +40,9 @@
     <p:sldId id="309" r:id="rId34"/>
     <p:sldId id="308" r:id="rId35"/>
     <p:sldId id="264" r:id="rId36"/>
-    <p:sldId id="265" r:id="rId37"/>
+    <p:sldId id="310" r:id="rId37"/>
+    <p:sldId id="311" r:id="rId38"/>
+    <p:sldId id="265" r:id="rId39"/>
   </p:sldIdLst>
   <p:sldSz cx="12192000" cy="6858000"/>
   <p:notesSz cx="6858000" cy="9144000"/>
@@ -179,6 +181,8 @@
             <p14:sldId id="309"/>
             <p14:sldId id="308"/>
             <p14:sldId id="264"/>
+            <p14:sldId id="310"/>
+            <p14:sldId id="311"/>
             <p14:sldId id="265"/>
           </p14:sldIdLst>
         </p14:section>
@@ -382,7 +386,7 @@
           <a:p>
             <a:fld id="{D406E69D-613E-4019-8533-7F772451DAA2}" type="datetimeFigureOut">
               <a:rPr lang="fr-CH" smtClean="0"/>
-              <a:t>28.04.2019</a:t>
+              <a:t>29.04.2019</a:t>
             </a:fld>
             <a:endParaRPr lang="fr-CH"/>
           </a:p>
@@ -818,7 +822,7 @@
           <a:p>
             <a:fld id="{D406E69D-613E-4019-8533-7F772451DAA2}" type="datetimeFigureOut">
               <a:rPr lang="fr-CH" smtClean="0"/>
-              <a:t>28.04.2019</a:t>
+              <a:t>29.04.2019</a:t>
             </a:fld>
             <a:endParaRPr lang="fr-CH"/>
           </a:p>
@@ -1068,7 +1072,7 @@
           <a:p>
             <a:fld id="{D406E69D-613E-4019-8533-7F772451DAA2}" type="datetimeFigureOut">
               <a:rPr lang="fr-CH" smtClean="0"/>
-              <a:t>28.04.2019</a:t>
+              <a:t>29.04.2019</a:t>
             </a:fld>
             <a:endParaRPr lang="fr-CH"/>
           </a:p>
@@ -1376,7 +1380,7 @@
           <a:p>
             <a:fld id="{D406E69D-613E-4019-8533-7F772451DAA2}" type="datetimeFigureOut">
               <a:rPr lang="fr-CH" smtClean="0"/>
-              <a:t>28.04.2019</a:t>
+              <a:t>29.04.2019</a:t>
             </a:fld>
             <a:endParaRPr lang="fr-CH"/>
           </a:p>
@@ -1694,7 +1698,7 @@
           <a:p>
             <a:fld id="{D406E69D-613E-4019-8533-7F772451DAA2}" type="datetimeFigureOut">
               <a:rPr lang="fr-CH" smtClean="0"/>
-              <a:t>28.04.2019</a:t>
+              <a:t>29.04.2019</a:t>
             </a:fld>
             <a:endParaRPr lang="fr-CH"/>
           </a:p>
@@ -1996,7 +2000,7 @@
           <a:p>
             <a:fld id="{D406E69D-613E-4019-8533-7F772451DAA2}" type="datetimeFigureOut">
               <a:rPr lang="fr-CH" smtClean="0"/>
-              <a:t>28.04.2019</a:t>
+              <a:t>29.04.2019</a:t>
             </a:fld>
             <a:endParaRPr lang="fr-CH"/>
           </a:p>
@@ -2363,7 +2367,7 @@
           <a:p>
             <a:fld id="{D406E69D-613E-4019-8533-7F772451DAA2}" type="datetimeFigureOut">
               <a:rPr lang="fr-CH" smtClean="0"/>
-              <a:t>28.04.2019</a:t>
+              <a:t>29.04.2019</a:t>
             </a:fld>
             <a:endParaRPr lang="fr-CH"/>
           </a:p>
@@ -2537,7 +2541,7 @@
           <a:p>
             <a:fld id="{D406E69D-613E-4019-8533-7F772451DAA2}" type="datetimeFigureOut">
               <a:rPr lang="fr-CH" smtClean="0"/>
-              <a:t>28.04.2019</a:t>
+              <a:t>29.04.2019</a:t>
             </a:fld>
             <a:endParaRPr lang="fr-CH"/>
           </a:p>
@@ -2717,7 +2721,7 @@
           <a:p>
             <a:fld id="{D406E69D-613E-4019-8533-7F772451DAA2}" type="datetimeFigureOut">
               <a:rPr lang="fr-CH" smtClean="0"/>
-              <a:t>28.04.2019</a:t>
+              <a:t>29.04.2019</a:t>
             </a:fld>
             <a:endParaRPr lang="fr-CH"/>
           </a:p>
@@ -2887,7 +2891,7 @@
           <a:p>
             <a:fld id="{D406E69D-613E-4019-8533-7F772451DAA2}" type="datetimeFigureOut">
               <a:rPr lang="fr-CH" smtClean="0"/>
-              <a:t>28.04.2019</a:t>
+              <a:t>29.04.2019</a:t>
             </a:fld>
             <a:endParaRPr lang="fr-CH"/>
           </a:p>
@@ -3137,7 +3141,7 @@
           <a:p>
             <a:fld id="{D406E69D-613E-4019-8533-7F772451DAA2}" type="datetimeFigureOut">
               <a:rPr lang="fr-CH" smtClean="0"/>
-              <a:t>28.04.2019</a:t>
+              <a:t>29.04.2019</a:t>
             </a:fld>
             <a:endParaRPr lang="fr-CH"/>
           </a:p>
@@ -3373,7 +3377,7 @@
           <a:p>
             <a:fld id="{D406E69D-613E-4019-8533-7F772451DAA2}" type="datetimeFigureOut">
               <a:rPr lang="fr-CH" smtClean="0"/>
-              <a:t>28.04.2019</a:t>
+              <a:t>29.04.2019</a:t>
             </a:fld>
             <a:endParaRPr lang="fr-CH"/>
           </a:p>
@@ -3755,7 +3759,7 @@
           <a:p>
             <a:fld id="{D406E69D-613E-4019-8533-7F772451DAA2}" type="datetimeFigureOut">
               <a:rPr lang="fr-CH" smtClean="0"/>
-              <a:t>28.04.2019</a:t>
+              <a:t>29.04.2019</a:t>
             </a:fld>
             <a:endParaRPr lang="fr-CH"/>
           </a:p>
@@ -3873,7 +3877,7 @@
           <a:p>
             <a:fld id="{D406E69D-613E-4019-8533-7F772451DAA2}" type="datetimeFigureOut">
               <a:rPr lang="fr-CH" smtClean="0"/>
-              <a:t>28.04.2019</a:t>
+              <a:t>29.04.2019</a:t>
             </a:fld>
             <a:endParaRPr lang="fr-CH"/>
           </a:p>
@@ -3968,7 +3972,7 @@
           <a:p>
             <a:fld id="{D406E69D-613E-4019-8533-7F772451DAA2}" type="datetimeFigureOut">
               <a:rPr lang="fr-CH" smtClean="0"/>
-              <a:t>28.04.2019</a:t>
+              <a:t>29.04.2019</a:t>
             </a:fld>
             <a:endParaRPr lang="fr-CH"/>
           </a:p>
@@ -4223,7 +4227,7 @@
           <a:p>
             <a:fld id="{D406E69D-613E-4019-8533-7F772451DAA2}" type="datetimeFigureOut">
               <a:rPr lang="fr-CH" smtClean="0"/>
-              <a:t>28.04.2019</a:t>
+              <a:t>29.04.2019</a:t>
             </a:fld>
             <a:endParaRPr lang="fr-CH"/>
           </a:p>
@@ -4506,7 +4510,7 @@
           <a:p>
             <a:fld id="{D406E69D-613E-4019-8533-7F772451DAA2}" type="datetimeFigureOut">
               <a:rPr lang="fr-CH" smtClean="0"/>
-              <a:t>28.04.2019</a:t>
+              <a:t>29.04.2019</a:t>
             </a:fld>
             <a:endParaRPr lang="fr-CH"/>
           </a:p>
@@ -4912,7 +4916,7 @@
           <a:p>
             <a:fld id="{D406E69D-613E-4019-8533-7F772451DAA2}" type="datetimeFigureOut">
               <a:rPr lang="fr-CH" smtClean="0"/>
-              <a:t>28.04.2019</a:t>
+              <a:t>29.04.2019</a:t>
             </a:fld>
             <a:endParaRPr lang="fr-CH"/>
           </a:p>
@@ -14523,30 +14527,6 @@
       </p:grpSpPr>
       <p:sp>
         <p:nvSpPr>
-          <p:cNvPr id="5" name="Content Placeholder 2"/>
-          <p:cNvSpPr>
-            <a:spLocks noGrp="1"/>
-          </p:cNvSpPr>
-          <p:nvPr>
-            <p:ph idx="1"/>
-          </p:nvPr>
-        </p:nvSpPr>
-        <p:spPr>
-          <a:xfrm>
-            <a:off x="277793" y="902826"/>
-            <a:ext cx="11539959" cy="5660020"/>
-          </a:xfrm>
-        </p:spPr>
-        <p:txBody>
-          <a:bodyPr/>
-          <a:lstStyle/>
-          <a:p>
-            <a:endParaRPr lang="fr-CH" dirty="0"/>
-          </a:p>
-        </p:txBody>
-      </p:sp>
-      <p:sp>
-        <p:nvSpPr>
           <p:cNvPr id="6" name="Title 1"/>
           <p:cNvSpPr>
             <a:spLocks noGrp="1"/>
@@ -14571,6 +14551,149 @@
             <a:r>
               <a:rPr lang="fr-CH" sz="2800" dirty="0"/>
               <a:t>FABRICATION</a:t>
+            </a:r>
+          </a:p>
+        </p:txBody>
+      </p:sp>
+      <p:sp>
+        <p:nvSpPr>
+          <p:cNvPr id="2" name="ZoneTexte 1">
+            <a:extLst>
+              <a:ext uri="{FF2B5EF4-FFF2-40B4-BE49-F238E27FC236}">
+                <a16:creationId xmlns:a16="http://schemas.microsoft.com/office/drawing/2014/main" id="{95A71DAD-C760-4FB1-9A97-CB83FC9A6215}"/>
+              </a:ext>
+            </a:extLst>
+          </p:cNvPr>
+          <p:cNvSpPr txBox="1"/>
+          <p:nvPr/>
+        </p:nvSpPr>
+        <p:spPr>
+          <a:xfrm>
+            <a:off x="374248" y="902826"/>
+            <a:ext cx="3940233" cy="461665"/>
+          </a:xfrm>
+          <a:prstGeom prst="rect">
+            <a:avLst/>
+          </a:prstGeom>
+          <a:noFill/>
+        </p:spPr>
+        <p:txBody>
+          <a:bodyPr wrap="square" rtlCol="0">
+            <a:spAutoFit/>
+          </a:bodyPr>
+          <a:lstStyle/>
+          <a:p>
+            <a:r>
+              <a:rPr lang="fr-CH" sz="2400" b="1" dirty="0"/>
+              <a:t>Préparation du matériel</a:t>
+            </a:r>
+          </a:p>
+        </p:txBody>
+      </p:sp>
+      <p:sp>
+        <p:nvSpPr>
+          <p:cNvPr id="4" name="ZoneTexte 3">
+            <a:extLst>
+              <a:ext uri="{FF2B5EF4-FFF2-40B4-BE49-F238E27FC236}">
+                <a16:creationId xmlns:a16="http://schemas.microsoft.com/office/drawing/2014/main" id="{FBE88C88-B8F1-497D-99A0-7069148CCDE5}"/>
+              </a:ext>
+            </a:extLst>
+          </p:cNvPr>
+          <p:cNvSpPr txBox="1"/>
+          <p:nvPr/>
+        </p:nvSpPr>
+        <p:spPr>
+          <a:xfrm>
+            <a:off x="374248" y="1514120"/>
+            <a:ext cx="6059803" cy="2862322"/>
+          </a:xfrm>
+          <a:prstGeom prst="rect">
+            <a:avLst/>
+          </a:prstGeom>
+          <a:noFill/>
+        </p:spPr>
+        <p:txBody>
+          <a:bodyPr wrap="square" rtlCol="0">
+            <a:spAutoFit/>
+          </a:bodyPr>
+          <a:lstStyle/>
+          <a:p>
+            <a:pPr marL="285750" indent="-285750">
+              <a:buFont typeface="Arial" panose="020B0604020202020204" pitchFamily="34" charset="0"/>
+              <a:buChar char="•"/>
+            </a:pPr>
+            <a:r>
+              <a:rPr lang="fr-CH" sz="2000" dirty="0"/>
+              <a:t>Du câble</a:t>
+            </a:r>
+          </a:p>
+          <a:p>
+            <a:pPr marL="285750" indent="-285750">
+              <a:buFont typeface="Arial" panose="020B0604020202020204" pitchFamily="34" charset="0"/>
+              <a:buChar char="•"/>
+            </a:pPr>
+            <a:r>
+              <a:rPr lang="fr-CH" sz="2000" dirty="0"/>
+              <a:t>Des connecteurs</a:t>
+            </a:r>
+          </a:p>
+          <a:p>
+            <a:endParaRPr lang="fr-CH" sz="2000" dirty="0"/>
+          </a:p>
+          <a:p>
+            <a:r>
+              <a:rPr lang="fr-CH" sz="2000" dirty="0"/>
+              <a:t>Les outils </a:t>
+            </a:r>
+          </a:p>
+          <a:p>
+            <a:pPr marL="285750" indent="-285750">
+              <a:buFont typeface="Arial" panose="020B0604020202020204" pitchFamily="34" charset="0"/>
+              <a:buChar char="•"/>
+            </a:pPr>
+            <a:r>
+              <a:rPr lang="fr-CH" sz="2000" dirty="0"/>
+              <a:t>Un cutter </a:t>
+            </a:r>
+          </a:p>
+          <a:p>
+            <a:pPr marL="285750" indent="-285750">
+              <a:buFont typeface="Arial" panose="020B0604020202020204" pitchFamily="34" charset="0"/>
+              <a:buChar char="•"/>
+            </a:pPr>
+            <a:r>
+              <a:rPr lang="fr-CH" sz="2000" dirty="0"/>
+              <a:t>Une pince à sertir</a:t>
+            </a:r>
+          </a:p>
+          <a:p>
+            <a:pPr marL="285750" indent="-285750">
+              <a:buFont typeface="Arial" panose="020B0604020202020204" pitchFamily="34" charset="0"/>
+              <a:buChar char="•"/>
+            </a:pPr>
+            <a:r>
+              <a:rPr lang="fr-CH" sz="2000" dirty="0"/>
+              <a:t>Une pince coupante</a:t>
+            </a:r>
+          </a:p>
+          <a:p>
+            <a:pPr marL="285750" indent="-285750">
+              <a:buFont typeface="Arial" panose="020B0604020202020204" pitchFamily="34" charset="0"/>
+              <a:buChar char="•"/>
+            </a:pPr>
+            <a:r>
+              <a:rPr lang="fr-CH" sz="2000" dirty="0"/>
+              <a:t>Une règle</a:t>
+            </a:r>
+          </a:p>
+          <a:p>
+            <a:pPr marL="285750" indent="-285750">
+              <a:buFont typeface="Arial" panose="020B0604020202020204" pitchFamily="34" charset="0"/>
+              <a:buChar char="•"/>
+            </a:pPr>
+            <a:r>
+              <a:rPr lang="fr-CH" sz="2000" dirty="0"/>
+              <a:t>Une pince à dénuder</a:t>
             </a:r>
           </a:p>
         </p:txBody>
@@ -14589,6 +14712,311 @@
 </file>
 
 <file path=ppt/slides/slide36.xml><?xml version="1.0" encoding="utf-8"?>
+<p:sld xmlns:a="http://schemas.openxmlformats.org/drawingml/2006/main" xmlns:r="http://schemas.openxmlformats.org/officeDocument/2006/relationships" xmlns:p="http://schemas.openxmlformats.org/presentationml/2006/main">
+  <p:cSld>
+    <p:spTree>
+      <p:nvGrpSpPr>
+        <p:cNvPr id="1" name=""/>
+        <p:cNvGrpSpPr/>
+        <p:nvPr/>
+      </p:nvGrpSpPr>
+      <p:grpSpPr>
+        <a:xfrm>
+          <a:off x="0" y="0"/>
+          <a:ext cx="0" cy="0"/>
+          <a:chOff x="0" y="0"/>
+          <a:chExt cx="0" cy="0"/>
+        </a:xfrm>
+      </p:grpSpPr>
+      <p:sp>
+        <p:nvSpPr>
+          <p:cNvPr id="6" name="Title 1"/>
+          <p:cNvSpPr>
+            <a:spLocks noGrp="1"/>
+          </p:cNvSpPr>
+          <p:nvPr>
+            <p:ph type="title"/>
+          </p:nvPr>
+        </p:nvSpPr>
+        <p:spPr>
+          <a:xfrm>
+            <a:off x="0" y="0"/>
+            <a:ext cx="2488557" cy="510199"/>
+          </a:xfrm>
+        </p:spPr>
+        <p:txBody>
+          <a:bodyPr numCol="1">
+            <a:noAutofit/>
+          </a:bodyPr>
+          <a:lstStyle/>
+          <a:p>
+            <a:pPr algn="ctr"/>
+            <a:r>
+              <a:rPr lang="fr-CH" sz="2800" dirty="0"/>
+              <a:t>FABRICATION</a:t>
+            </a:r>
+          </a:p>
+        </p:txBody>
+      </p:sp>
+      <p:sp>
+        <p:nvSpPr>
+          <p:cNvPr id="2" name="ZoneTexte 1">
+            <a:extLst>
+              <a:ext uri="{FF2B5EF4-FFF2-40B4-BE49-F238E27FC236}">
+                <a16:creationId xmlns:a16="http://schemas.microsoft.com/office/drawing/2014/main" id="{95A71DAD-C760-4FB1-9A97-CB83FC9A6215}"/>
+              </a:ext>
+            </a:extLst>
+          </p:cNvPr>
+          <p:cNvSpPr txBox="1"/>
+          <p:nvPr/>
+        </p:nvSpPr>
+        <p:spPr>
+          <a:xfrm>
+            <a:off x="374248" y="902826"/>
+            <a:ext cx="3940233" cy="461665"/>
+          </a:xfrm>
+          <a:prstGeom prst="rect">
+            <a:avLst/>
+          </a:prstGeom>
+          <a:noFill/>
+        </p:spPr>
+        <p:txBody>
+          <a:bodyPr wrap="square" rtlCol="0">
+            <a:spAutoFit/>
+          </a:bodyPr>
+          <a:lstStyle/>
+          <a:p>
+            <a:r>
+              <a:rPr lang="fr-CH" sz="2400" b="1" dirty="0"/>
+              <a:t>Préparation du câble</a:t>
+            </a:r>
+          </a:p>
+        </p:txBody>
+      </p:sp>
+      <p:sp>
+        <p:nvSpPr>
+          <p:cNvPr id="4" name="ZoneTexte 3">
+            <a:extLst>
+              <a:ext uri="{FF2B5EF4-FFF2-40B4-BE49-F238E27FC236}">
+                <a16:creationId xmlns:a16="http://schemas.microsoft.com/office/drawing/2014/main" id="{FBE88C88-B8F1-497D-99A0-7069148CCDE5}"/>
+              </a:ext>
+            </a:extLst>
+          </p:cNvPr>
+          <p:cNvSpPr txBox="1"/>
+          <p:nvPr/>
+        </p:nvSpPr>
+        <p:spPr>
+          <a:xfrm>
+            <a:off x="374248" y="1514120"/>
+            <a:ext cx="6059803" cy="1631216"/>
+          </a:xfrm>
+          <a:prstGeom prst="rect">
+            <a:avLst/>
+          </a:prstGeom>
+          <a:noFill/>
+        </p:spPr>
+        <p:txBody>
+          <a:bodyPr wrap="square" rtlCol="0">
+            <a:spAutoFit/>
+          </a:bodyPr>
+          <a:lstStyle/>
+          <a:p>
+            <a:r>
+              <a:rPr lang="fr-CH" sz="2000" dirty="0"/>
+              <a:t>Mesurez la longueur nécessaire de câble et y ajouter 20 centimètres pour les connecteurs.</a:t>
+            </a:r>
+          </a:p>
+          <a:p>
+            <a:endParaRPr lang="fr-CH" sz="2000" dirty="0"/>
+          </a:p>
+          <a:p>
+            <a:r>
+              <a:rPr lang="fr-CH" sz="2000" dirty="0"/>
+              <a:t>Coupez cette longueur à l’aide de la pince coupante.</a:t>
+            </a:r>
+          </a:p>
+        </p:txBody>
+      </p:sp>
+    </p:spTree>
+    <p:extLst>
+      <p:ext uri="{BB962C8B-B14F-4D97-AF65-F5344CB8AC3E}">
+        <p14:creationId xmlns:p14="http://schemas.microsoft.com/office/powerpoint/2010/main" val="4164296157"/>
+      </p:ext>
+    </p:extLst>
+  </p:cSld>
+  <p:clrMapOvr>
+    <a:masterClrMapping/>
+  </p:clrMapOvr>
+</p:sld>
+</file>
+
+<file path=ppt/slides/slide37.xml><?xml version="1.0" encoding="utf-8"?>
+<p:sld xmlns:a="http://schemas.openxmlformats.org/drawingml/2006/main" xmlns:r="http://schemas.openxmlformats.org/officeDocument/2006/relationships" xmlns:p="http://schemas.openxmlformats.org/presentationml/2006/main">
+  <p:cSld>
+    <p:spTree>
+      <p:nvGrpSpPr>
+        <p:cNvPr id="1" name=""/>
+        <p:cNvGrpSpPr/>
+        <p:nvPr/>
+      </p:nvGrpSpPr>
+      <p:grpSpPr>
+        <a:xfrm>
+          <a:off x="0" y="0"/>
+          <a:ext cx="0" cy="0"/>
+          <a:chOff x="0" y="0"/>
+          <a:chExt cx="0" cy="0"/>
+        </a:xfrm>
+      </p:grpSpPr>
+      <p:sp>
+        <p:nvSpPr>
+          <p:cNvPr id="6" name="Title 1"/>
+          <p:cNvSpPr>
+            <a:spLocks noGrp="1"/>
+          </p:cNvSpPr>
+          <p:nvPr>
+            <p:ph type="title"/>
+          </p:nvPr>
+        </p:nvSpPr>
+        <p:spPr>
+          <a:xfrm>
+            <a:off x="0" y="0"/>
+            <a:ext cx="2488557" cy="510199"/>
+          </a:xfrm>
+        </p:spPr>
+        <p:txBody>
+          <a:bodyPr numCol="1">
+            <a:noAutofit/>
+          </a:bodyPr>
+          <a:lstStyle/>
+          <a:p>
+            <a:pPr algn="ctr"/>
+            <a:r>
+              <a:rPr lang="fr-CH" sz="2800" dirty="0"/>
+              <a:t>FABRICATION</a:t>
+            </a:r>
+          </a:p>
+        </p:txBody>
+      </p:sp>
+      <p:sp>
+        <p:nvSpPr>
+          <p:cNvPr id="2" name="ZoneTexte 1">
+            <a:extLst>
+              <a:ext uri="{FF2B5EF4-FFF2-40B4-BE49-F238E27FC236}">
+                <a16:creationId xmlns:a16="http://schemas.microsoft.com/office/drawing/2014/main" id="{95A71DAD-C760-4FB1-9A97-CB83FC9A6215}"/>
+              </a:ext>
+            </a:extLst>
+          </p:cNvPr>
+          <p:cNvSpPr txBox="1"/>
+          <p:nvPr/>
+        </p:nvSpPr>
+        <p:spPr>
+          <a:xfrm>
+            <a:off x="374248" y="902826"/>
+            <a:ext cx="3940233" cy="461665"/>
+          </a:xfrm>
+          <a:prstGeom prst="rect">
+            <a:avLst/>
+          </a:prstGeom>
+          <a:noFill/>
+        </p:spPr>
+        <p:txBody>
+          <a:bodyPr wrap="square" rtlCol="0">
+            <a:spAutoFit/>
+          </a:bodyPr>
+          <a:lstStyle/>
+          <a:p>
+            <a:r>
+              <a:rPr lang="fr-CH" sz="2400" b="1" dirty="0"/>
+              <a:t>Dénudage</a:t>
+            </a:r>
+          </a:p>
+        </p:txBody>
+      </p:sp>
+      <p:sp>
+        <p:nvSpPr>
+          <p:cNvPr id="4" name="ZoneTexte 3">
+            <a:extLst>
+              <a:ext uri="{FF2B5EF4-FFF2-40B4-BE49-F238E27FC236}">
+                <a16:creationId xmlns:a16="http://schemas.microsoft.com/office/drawing/2014/main" id="{FBE88C88-B8F1-497D-99A0-7069148CCDE5}"/>
+              </a:ext>
+            </a:extLst>
+          </p:cNvPr>
+          <p:cNvSpPr txBox="1"/>
+          <p:nvPr/>
+        </p:nvSpPr>
+        <p:spPr>
+          <a:xfrm>
+            <a:off x="374248" y="1514120"/>
+            <a:ext cx="6059803" cy="707886"/>
+          </a:xfrm>
+          <a:prstGeom prst="rect">
+            <a:avLst/>
+          </a:prstGeom>
+          <a:noFill/>
+        </p:spPr>
+        <p:txBody>
+          <a:bodyPr wrap="square" rtlCol="0">
+            <a:spAutoFit/>
+          </a:bodyPr>
+          <a:lstStyle/>
+          <a:p>
+            <a:r>
+              <a:rPr lang="fr-CH" sz="2000" dirty="0"/>
+              <a:t>Dénudez environ 5cm de gaines de chaque côtés à l’aide de la pince à dénuder.</a:t>
+            </a:r>
+          </a:p>
+        </p:txBody>
+      </p:sp>
+      <p:pic>
+        <p:nvPicPr>
+          <p:cNvPr id="5" name="Image 4">
+            <a:extLst>
+              <a:ext uri="{FF2B5EF4-FFF2-40B4-BE49-F238E27FC236}">
+                <a16:creationId xmlns:a16="http://schemas.microsoft.com/office/drawing/2014/main" id="{439157CB-1F45-4CE6-A9AB-E46CA4B45337}"/>
+              </a:ext>
+            </a:extLst>
+          </p:cNvPr>
+          <p:cNvPicPr>
+            <a:picLocks noChangeAspect="1"/>
+          </p:cNvPicPr>
+          <p:nvPr/>
+        </p:nvPicPr>
+        <p:blipFill>
+          <a:blip r:embed="rId2">
+            <a:extLst>
+              <a:ext uri="{28A0092B-C50C-407E-A947-70E740481C1C}">
+                <a14:useLocalDpi xmlns:a14="http://schemas.microsoft.com/office/drawing/2010/main" val="0"/>
+              </a:ext>
+            </a:extLst>
+          </a:blip>
+          <a:stretch>
+            <a:fillRect/>
+          </a:stretch>
+        </p:blipFill>
+        <p:spPr>
+          <a:xfrm>
+            <a:off x="3404149" y="2670879"/>
+            <a:ext cx="5358384" cy="3145536"/>
+          </a:xfrm>
+          <a:prstGeom prst="rect">
+            <a:avLst/>
+          </a:prstGeom>
+        </p:spPr>
+      </p:pic>
+    </p:spTree>
+    <p:extLst>
+      <p:ext uri="{BB962C8B-B14F-4D97-AF65-F5344CB8AC3E}">
+        <p14:creationId xmlns:p14="http://schemas.microsoft.com/office/powerpoint/2010/main" val="7217237"/>
+      </p:ext>
+    </p:extLst>
+  </p:cSld>
+  <p:clrMapOvr>
+    <a:masterClrMapping/>
+  </p:clrMapOvr>
+</p:sld>
+</file>
+
+<file path=ppt/slides/slide38.xml><?xml version="1.0" encoding="utf-8"?>
 <p:sld xmlns:a="http://schemas.openxmlformats.org/drawingml/2006/main" xmlns:r="http://schemas.openxmlformats.org/officeDocument/2006/relationships" xmlns:p="http://schemas.openxmlformats.org/presentationml/2006/main">
   <p:cSld>
     <p:spTree>

--- a/Module 214 - Fabrication_Ethernet.pptx
+++ b/Module 214 - Fabrication_Ethernet.pptx
@@ -17,32 +17,33 @@
     <p:sldId id="303" r:id="rId11"/>
     <p:sldId id="304" r:id="rId12"/>
     <p:sldId id="261" r:id="rId13"/>
-    <p:sldId id="273" r:id="rId14"/>
-    <p:sldId id="272" r:id="rId15"/>
-    <p:sldId id="305" r:id="rId16"/>
-    <p:sldId id="306" r:id="rId17"/>
-    <p:sldId id="307" r:id="rId18"/>
-    <p:sldId id="274" r:id="rId19"/>
-    <p:sldId id="260" r:id="rId20"/>
-    <p:sldId id="288" r:id="rId21"/>
-    <p:sldId id="289" r:id="rId22"/>
-    <p:sldId id="290" r:id="rId23"/>
-    <p:sldId id="291" r:id="rId24"/>
-    <p:sldId id="292" r:id="rId25"/>
-    <p:sldId id="293" r:id="rId26"/>
-    <p:sldId id="294" r:id="rId27"/>
-    <p:sldId id="262" r:id="rId28"/>
-    <p:sldId id="295" r:id="rId29"/>
-    <p:sldId id="297" r:id="rId30"/>
-    <p:sldId id="296" r:id="rId31"/>
-    <p:sldId id="298" r:id="rId32"/>
-    <p:sldId id="263" r:id="rId33"/>
-    <p:sldId id="309" r:id="rId34"/>
-    <p:sldId id="308" r:id="rId35"/>
-    <p:sldId id="264" r:id="rId36"/>
-    <p:sldId id="310" r:id="rId37"/>
-    <p:sldId id="311" r:id="rId38"/>
-    <p:sldId id="265" r:id="rId39"/>
+    <p:sldId id="313" r:id="rId14"/>
+    <p:sldId id="273" r:id="rId15"/>
+    <p:sldId id="272" r:id="rId16"/>
+    <p:sldId id="305" r:id="rId17"/>
+    <p:sldId id="306" r:id="rId18"/>
+    <p:sldId id="307" r:id="rId19"/>
+    <p:sldId id="274" r:id="rId20"/>
+    <p:sldId id="260" r:id="rId21"/>
+    <p:sldId id="288" r:id="rId22"/>
+    <p:sldId id="289" r:id="rId23"/>
+    <p:sldId id="290" r:id="rId24"/>
+    <p:sldId id="291" r:id="rId25"/>
+    <p:sldId id="292" r:id="rId26"/>
+    <p:sldId id="293" r:id="rId27"/>
+    <p:sldId id="294" r:id="rId28"/>
+    <p:sldId id="262" r:id="rId29"/>
+    <p:sldId id="295" r:id="rId30"/>
+    <p:sldId id="297" r:id="rId31"/>
+    <p:sldId id="296" r:id="rId32"/>
+    <p:sldId id="298" r:id="rId33"/>
+    <p:sldId id="263" r:id="rId34"/>
+    <p:sldId id="309" r:id="rId35"/>
+    <p:sldId id="308" r:id="rId36"/>
+    <p:sldId id="264" r:id="rId37"/>
+    <p:sldId id="310" r:id="rId38"/>
+    <p:sldId id="311" r:id="rId39"/>
+    <p:sldId id="265" r:id="rId40"/>
   </p:sldIdLst>
   <p:sldSz cx="12192000" cy="6858000"/>
   <p:notesSz cx="6858000" cy="9144000"/>
@@ -158,6 +159,7 @@
             <p14:sldId id="303"/>
             <p14:sldId id="304"/>
             <p14:sldId id="261"/>
+            <p14:sldId id="313"/>
             <p14:sldId id="273"/>
             <p14:sldId id="272"/>
             <p14:sldId id="305"/>
@@ -428,7 +430,7 @@
           <a:p>
             <a:fld id="{CE6FAF98-85C3-4CED-96AD-EC23129ABD35}" type="slidenum">
               <a:rPr lang="fr-CH" smtClean="0"/>
-              <a:t>‹N°›</a:t>
+              <a:t>‹#›</a:t>
             </a:fld>
             <a:endParaRPr lang="fr-CH"/>
           </a:p>
@@ -864,7 +866,7 @@
           <a:p>
             <a:fld id="{CE6FAF98-85C3-4CED-96AD-EC23129ABD35}" type="slidenum">
               <a:rPr lang="fr-CH" smtClean="0"/>
-              <a:t>‹N°›</a:t>
+              <a:t>‹#›</a:t>
             </a:fld>
             <a:endParaRPr lang="fr-CH"/>
           </a:p>
@@ -1114,7 +1116,7 @@
           <a:p>
             <a:fld id="{CE6FAF98-85C3-4CED-96AD-EC23129ABD35}" type="slidenum">
               <a:rPr lang="fr-CH" smtClean="0"/>
-              <a:t>‹N°›</a:t>
+              <a:t>‹#›</a:t>
             </a:fld>
             <a:endParaRPr lang="fr-CH"/>
           </a:p>
@@ -1422,7 +1424,7 @@
           <a:p>
             <a:fld id="{CE6FAF98-85C3-4CED-96AD-EC23129ABD35}" type="slidenum">
               <a:rPr lang="fr-CH" smtClean="0"/>
-              <a:t>‹N°›</a:t>
+              <a:t>‹#›</a:t>
             </a:fld>
             <a:endParaRPr lang="fr-CH"/>
           </a:p>
@@ -1740,7 +1742,7 @@
           <a:p>
             <a:fld id="{CE6FAF98-85C3-4CED-96AD-EC23129ABD35}" type="slidenum">
               <a:rPr lang="fr-CH" smtClean="0"/>
-              <a:t>‹N°›</a:t>
+              <a:t>‹#›</a:t>
             </a:fld>
             <a:endParaRPr lang="fr-CH"/>
           </a:p>
@@ -2042,7 +2044,7 @@
           <a:p>
             <a:fld id="{CE6FAF98-85C3-4CED-96AD-EC23129ABD35}" type="slidenum">
               <a:rPr lang="fr-CH" smtClean="0"/>
-              <a:t>‹N°›</a:t>
+              <a:t>‹#›</a:t>
             </a:fld>
             <a:endParaRPr lang="fr-CH"/>
           </a:p>
@@ -2409,7 +2411,7 @@
           <a:p>
             <a:fld id="{CE6FAF98-85C3-4CED-96AD-EC23129ABD35}" type="slidenum">
               <a:rPr lang="fr-CH" smtClean="0"/>
-              <a:t>‹N°›</a:t>
+              <a:t>‹#›</a:t>
             </a:fld>
             <a:endParaRPr lang="fr-CH"/>
           </a:p>
@@ -2583,7 +2585,7 @@
           <a:p>
             <a:fld id="{CE6FAF98-85C3-4CED-96AD-EC23129ABD35}" type="slidenum">
               <a:rPr lang="fr-CH" smtClean="0"/>
-              <a:t>‹N°›</a:t>
+              <a:t>‹#›</a:t>
             </a:fld>
             <a:endParaRPr lang="fr-CH"/>
           </a:p>
@@ -2763,7 +2765,7 @@
           <a:p>
             <a:fld id="{CE6FAF98-85C3-4CED-96AD-EC23129ABD35}" type="slidenum">
               <a:rPr lang="fr-CH" smtClean="0"/>
-              <a:t>‹N°›</a:t>
+              <a:t>‹#›</a:t>
             </a:fld>
             <a:endParaRPr lang="fr-CH"/>
           </a:p>
@@ -2933,7 +2935,7 @@
           <a:p>
             <a:fld id="{CE6FAF98-85C3-4CED-96AD-EC23129ABD35}" type="slidenum">
               <a:rPr lang="fr-CH" smtClean="0"/>
-              <a:t>‹N°›</a:t>
+              <a:t>‹#›</a:t>
             </a:fld>
             <a:endParaRPr lang="fr-CH"/>
           </a:p>
@@ -3183,7 +3185,7 @@
           <a:p>
             <a:fld id="{CE6FAF98-85C3-4CED-96AD-EC23129ABD35}" type="slidenum">
               <a:rPr lang="fr-CH" smtClean="0"/>
-              <a:t>‹N°›</a:t>
+              <a:t>‹#›</a:t>
             </a:fld>
             <a:endParaRPr lang="fr-CH"/>
           </a:p>
@@ -3419,7 +3421,7 @@
           <a:p>
             <a:fld id="{CE6FAF98-85C3-4CED-96AD-EC23129ABD35}" type="slidenum">
               <a:rPr lang="fr-CH" smtClean="0"/>
-              <a:t>‹N°›</a:t>
+              <a:t>‹#›</a:t>
             </a:fld>
             <a:endParaRPr lang="fr-CH"/>
           </a:p>
@@ -3801,7 +3803,7 @@
           <a:p>
             <a:fld id="{CE6FAF98-85C3-4CED-96AD-EC23129ABD35}" type="slidenum">
               <a:rPr lang="fr-CH" smtClean="0"/>
-              <a:t>‹N°›</a:t>
+              <a:t>‹#›</a:t>
             </a:fld>
             <a:endParaRPr lang="fr-CH"/>
           </a:p>
@@ -3919,7 +3921,7 @@
           <a:p>
             <a:fld id="{CE6FAF98-85C3-4CED-96AD-EC23129ABD35}" type="slidenum">
               <a:rPr lang="fr-CH" smtClean="0"/>
-              <a:t>‹N°›</a:t>
+              <a:t>‹#›</a:t>
             </a:fld>
             <a:endParaRPr lang="fr-CH"/>
           </a:p>
@@ -4014,7 +4016,7 @@
           <a:p>
             <a:fld id="{CE6FAF98-85C3-4CED-96AD-EC23129ABD35}" type="slidenum">
               <a:rPr lang="fr-CH" smtClean="0"/>
-              <a:t>‹N°›</a:t>
+              <a:t>‹#›</a:t>
             </a:fld>
             <a:endParaRPr lang="fr-CH"/>
           </a:p>
@@ -4269,7 +4271,7 @@
           <a:p>
             <a:fld id="{CE6FAF98-85C3-4CED-96AD-EC23129ABD35}" type="slidenum">
               <a:rPr lang="fr-CH" smtClean="0"/>
-              <a:t>‹N°›</a:t>
+              <a:t>‹#›</a:t>
             </a:fld>
             <a:endParaRPr lang="fr-CH"/>
           </a:p>
@@ -4552,7 +4554,7 @@
           <a:p>
             <a:fld id="{CE6FAF98-85C3-4CED-96AD-EC23129ABD35}" type="slidenum">
               <a:rPr lang="fr-CH" smtClean="0"/>
-              <a:t>‹N°›</a:t>
+              <a:t>‹#›</a:t>
             </a:fld>
             <a:endParaRPr lang="fr-CH"/>
           </a:p>
@@ -4998,7 +5000,7 @@
           <a:p>
             <a:fld id="{CE6FAF98-85C3-4CED-96AD-EC23129ABD35}" type="slidenum">
               <a:rPr lang="fr-CH" smtClean="0"/>
-              <a:t>‹N°›</a:t>
+              <a:t>‹#›</a:t>
             </a:fld>
             <a:endParaRPr lang="fr-CH"/>
           </a:p>
@@ -6796,15 +6798,20 @@
             <a:pPr algn="ctr"/>
             <a:r>
               <a:rPr lang="fr-CH" sz="2800" dirty="0"/>
-              <a:t>CATEGORIE 5</a:t>
-            </a:r>
+              <a:t>CATEGORIE </a:t>
+            </a:r>
+            <a:r>
+              <a:rPr lang="fr-CH" sz="2800" dirty="0"/>
+              <a:t>3</a:t>
+            </a:r>
+            <a:endParaRPr lang="fr-CH" sz="2800" dirty="0"/>
           </a:p>
         </p:txBody>
       </p:sp>
     </p:spTree>
     <p:extLst>
       <p:ext uri="{BB962C8B-B14F-4D97-AF65-F5344CB8AC3E}">
-        <p14:creationId xmlns:p14="http://schemas.microsoft.com/office/powerpoint/2010/main" val="3479421088"/>
+        <p14:creationId xmlns:p14="http://schemas.microsoft.com/office/powerpoint/2010/main" val="188863873"/>
       </p:ext>
     </p:extLst>
   </p:cSld>
@@ -6868,6 +6875,90 @@
         <p:spPr>
           <a:xfrm>
             <a:off x="0" y="0"/>
+            <a:ext cx="2511706" cy="510199"/>
+          </a:xfrm>
+        </p:spPr>
+        <p:txBody>
+          <a:bodyPr numCol="1">
+            <a:noAutofit/>
+          </a:bodyPr>
+          <a:lstStyle/>
+          <a:p>
+            <a:pPr algn="ctr"/>
+            <a:r>
+              <a:rPr lang="fr-CH" sz="2800" dirty="0"/>
+              <a:t>CATEGORIE 5</a:t>
+            </a:r>
+          </a:p>
+        </p:txBody>
+      </p:sp>
+    </p:spTree>
+    <p:extLst>
+      <p:ext uri="{BB962C8B-B14F-4D97-AF65-F5344CB8AC3E}">
+        <p14:creationId xmlns:p14="http://schemas.microsoft.com/office/powerpoint/2010/main" val="3479421088"/>
+      </p:ext>
+    </p:extLst>
+  </p:cSld>
+  <p:clrMapOvr>
+    <a:masterClrMapping/>
+  </p:clrMapOvr>
+</p:sld>
+</file>
+
+<file path=ppt/slides/slide15.xml><?xml version="1.0" encoding="utf-8"?>
+<p:sld xmlns:a="http://schemas.openxmlformats.org/drawingml/2006/main" xmlns:r="http://schemas.openxmlformats.org/officeDocument/2006/relationships" xmlns:p="http://schemas.openxmlformats.org/presentationml/2006/main">
+  <p:cSld>
+    <p:spTree>
+      <p:nvGrpSpPr>
+        <p:cNvPr id="1" name=""/>
+        <p:cNvGrpSpPr/>
+        <p:nvPr/>
+      </p:nvGrpSpPr>
+      <p:grpSpPr>
+        <a:xfrm>
+          <a:off x="0" y="0"/>
+          <a:ext cx="0" cy="0"/>
+          <a:chOff x="0" y="0"/>
+          <a:chExt cx="0" cy="0"/>
+        </a:xfrm>
+      </p:grpSpPr>
+      <p:sp>
+        <p:nvSpPr>
+          <p:cNvPr id="5" name="Content Placeholder 2"/>
+          <p:cNvSpPr>
+            <a:spLocks noGrp="1"/>
+          </p:cNvSpPr>
+          <p:nvPr>
+            <p:ph idx="1"/>
+          </p:nvPr>
+        </p:nvSpPr>
+        <p:spPr>
+          <a:xfrm>
+            <a:off x="277793" y="902826"/>
+            <a:ext cx="11539959" cy="5660020"/>
+          </a:xfrm>
+        </p:spPr>
+        <p:txBody>
+          <a:bodyPr/>
+          <a:lstStyle/>
+          <a:p>
+            <a:endParaRPr lang="fr-CH" dirty="0"/>
+          </a:p>
+        </p:txBody>
+      </p:sp>
+      <p:sp>
+        <p:nvSpPr>
+          <p:cNvPr id="6" name="Title 1"/>
+          <p:cNvSpPr>
+            <a:spLocks noGrp="1"/>
+          </p:cNvSpPr>
+          <p:nvPr>
+            <p:ph type="title"/>
+          </p:nvPr>
+        </p:nvSpPr>
+        <p:spPr>
+          <a:xfrm>
+            <a:off x="0" y="0"/>
             <a:ext cx="2720051" cy="510199"/>
           </a:xfrm>
         </p:spPr>
@@ -6898,7 +6989,7 @@
 </p:sld>
 </file>
 
-<file path=ppt/slides/slide15.xml><?xml version="1.0" encoding="utf-8"?>
+<file path=ppt/slides/slide16.xml><?xml version="1.0" encoding="utf-8"?>
 <p:sld xmlns:a="http://schemas.openxmlformats.org/drawingml/2006/main" xmlns:r="http://schemas.openxmlformats.org/officeDocument/2006/relationships" xmlns:p="http://schemas.openxmlformats.org/presentationml/2006/main">
   <p:cSld>
     <p:spTree>
@@ -7821,7 +7912,7 @@
 </p:sld>
 </file>
 
-<file path=ppt/slides/slide16.xml><?xml version="1.0" encoding="utf-8"?>
+<file path=ppt/slides/slide17.xml><?xml version="1.0" encoding="utf-8"?>
 <p:sld xmlns:a="http://schemas.openxmlformats.org/drawingml/2006/main" xmlns:r="http://schemas.openxmlformats.org/officeDocument/2006/relationships" xmlns:p="http://schemas.openxmlformats.org/presentationml/2006/main">
   <p:cSld>
     <p:spTree>
@@ -8474,7 +8565,7 @@
 </p:sld>
 </file>
 
-<file path=ppt/slides/slide17.xml><?xml version="1.0" encoding="utf-8"?>
+<file path=ppt/slides/slide18.xml><?xml version="1.0" encoding="utf-8"?>
 <p:sld xmlns:a="http://schemas.openxmlformats.org/drawingml/2006/main" xmlns:r="http://schemas.openxmlformats.org/officeDocument/2006/relationships" xmlns:p="http://schemas.openxmlformats.org/presentationml/2006/main">
   <p:cSld>
     <p:spTree>
@@ -9436,90 +9527,6 @@
 </p:sld>
 </file>
 
-<file path=ppt/slides/slide18.xml><?xml version="1.0" encoding="utf-8"?>
-<p:sld xmlns:a="http://schemas.openxmlformats.org/drawingml/2006/main" xmlns:r="http://schemas.openxmlformats.org/officeDocument/2006/relationships" xmlns:p="http://schemas.openxmlformats.org/presentationml/2006/main">
-  <p:cSld>
-    <p:spTree>
-      <p:nvGrpSpPr>
-        <p:cNvPr id="1" name=""/>
-        <p:cNvGrpSpPr/>
-        <p:nvPr/>
-      </p:nvGrpSpPr>
-      <p:grpSpPr>
-        <a:xfrm>
-          <a:off x="0" y="0"/>
-          <a:ext cx="0" cy="0"/>
-          <a:chOff x="0" y="0"/>
-          <a:chExt cx="0" cy="0"/>
-        </a:xfrm>
-      </p:grpSpPr>
-      <p:sp>
-        <p:nvSpPr>
-          <p:cNvPr id="5" name="Title 1"/>
-          <p:cNvSpPr>
-            <a:spLocks noGrp="1"/>
-          </p:cNvSpPr>
-          <p:nvPr>
-            <p:ph type="title"/>
-          </p:nvPr>
-        </p:nvSpPr>
-        <p:spPr>
-          <a:xfrm>
-            <a:off x="1" y="0"/>
-            <a:ext cx="2500131" cy="510199"/>
-          </a:xfrm>
-        </p:spPr>
-        <p:txBody>
-          <a:bodyPr numCol="1">
-            <a:noAutofit/>
-          </a:bodyPr>
-          <a:lstStyle/>
-          <a:p>
-            <a:pPr algn="ctr"/>
-            <a:r>
-              <a:rPr lang="fr-CH" sz="2800" dirty="0"/>
-              <a:t>CATEGORIE 8</a:t>
-            </a:r>
-          </a:p>
-        </p:txBody>
-      </p:sp>
-      <p:sp>
-        <p:nvSpPr>
-          <p:cNvPr id="6" name="Content Placeholder 2"/>
-          <p:cNvSpPr>
-            <a:spLocks noGrp="1"/>
-          </p:cNvSpPr>
-          <p:nvPr>
-            <p:ph idx="1"/>
-          </p:nvPr>
-        </p:nvSpPr>
-        <p:spPr>
-          <a:xfrm>
-            <a:off x="277793" y="902826"/>
-            <a:ext cx="11539959" cy="5660020"/>
-          </a:xfrm>
-        </p:spPr>
-        <p:txBody>
-          <a:bodyPr/>
-          <a:lstStyle/>
-          <a:p>
-            <a:endParaRPr lang="fr-CH" dirty="0"/>
-          </a:p>
-        </p:txBody>
-      </p:sp>
-    </p:spTree>
-    <p:extLst>
-      <p:ext uri="{BB962C8B-B14F-4D97-AF65-F5344CB8AC3E}">
-        <p14:creationId xmlns:p14="http://schemas.microsoft.com/office/powerpoint/2010/main" val="214735131"/>
-      </p:ext>
-    </p:extLst>
-  </p:cSld>
-  <p:clrMapOvr>
-    <a:masterClrMapping/>
-  </p:clrMapOvr>
-</p:sld>
-</file>
-
 <file path=ppt/slides/slide19.xml><?xml version="1.0" encoding="utf-8"?>
 <p:sld xmlns:a="http://schemas.openxmlformats.org/drawingml/2006/main" xmlns:r="http://schemas.openxmlformats.org/officeDocument/2006/relationships" xmlns:p="http://schemas.openxmlformats.org/presentationml/2006/main">
   <p:cSld>
@@ -9539,6 +9546,308 @@
       </p:grpSpPr>
       <p:sp>
         <p:nvSpPr>
+          <p:cNvPr id="5" name="Title 1"/>
+          <p:cNvSpPr>
+            <a:spLocks noGrp="1"/>
+          </p:cNvSpPr>
+          <p:nvPr>
+            <p:ph type="title"/>
+          </p:nvPr>
+        </p:nvSpPr>
+        <p:spPr>
+          <a:xfrm>
+            <a:off x="1" y="0"/>
+            <a:ext cx="2500131" cy="510199"/>
+          </a:xfrm>
+        </p:spPr>
+        <p:txBody>
+          <a:bodyPr numCol="1">
+            <a:noAutofit/>
+          </a:bodyPr>
+          <a:lstStyle/>
+          <a:p>
+            <a:pPr algn="ctr"/>
+            <a:r>
+              <a:rPr lang="fr-CH" sz="2800" dirty="0"/>
+              <a:t>CATEGORIE 8</a:t>
+            </a:r>
+          </a:p>
+        </p:txBody>
+      </p:sp>
+      <p:sp>
+        <p:nvSpPr>
+          <p:cNvPr id="6" name="Content Placeholder 2"/>
+          <p:cNvSpPr>
+            <a:spLocks noGrp="1"/>
+          </p:cNvSpPr>
+          <p:nvPr>
+            <p:ph idx="1"/>
+          </p:nvPr>
+        </p:nvSpPr>
+        <p:spPr>
+          <a:xfrm>
+            <a:off x="277793" y="902826"/>
+            <a:ext cx="11539959" cy="5660020"/>
+          </a:xfrm>
+        </p:spPr>
+        <p:txBody>
+          <a:bodyPr/>
+          <a:lstStyle/>
+          <a:p>
+            <a:endParaRPr lang="fr-CH" dirty="0"/>
+          </a:p>
+        </p:txBody>
+      </p:sp>
+    </p:spTree>
+    <p:extLst>
+      <p:ext uri="{BB962C8B-B14F-4D97-AF65-F5344CB8AC3E}">
+        <p14:creationId xmlns:p14="http://schemas.microsoft.com/office/powerpoint/2010/main" val="214735131"/>
+      </p:ext>
+    </p:extLst>
+  </p:cSld>
+  <p:clrMapOvr>
+    <a:masterClrMapping/>
+  </p:clrMapOvr>
+</p:sld>
+</file>
+
+<file path=ppt/slides/slide2.xml><?xml version="1.0" encoding="utf-8"?>
+<p:sld xmlns:a="http://schemas.openxmlformats.org/drawingml/2006/main" xmlns:r="http://schemas.openxmlformats.org/officeDocument/2006/relationships" xmlns:p="http://schemas.openxmlformats.org/presentationml/2006/main">
+  <p:cSld>
+    <p:spTree>
+      <p:nvGrpSpPr>
+        <p:cNvPr id="1" name=""/>
+        <p:cNvGrpSpPr/>
+        <p:nvPr/>
+      </p:nvGrpSpPr>
+      <p:grpSpPr>
+        <a:xfrm>
+          <a:off x="0" y="0"/>
+          <a:ext cx="0" cy="0"/>
+          <a:chOff x="0" y="0"/>
+          <a:chExt cx="0" cy="0"/>
+        </a:xfrm>
+      </p:grpSpPr>
+      <p:sp>
+        <p:nvSpPr>
+          <p:cNvPr id="2" name="Title 1"/>
+          <p:cNvSpPr>
+            <a:spLocks noGrp="1"/>
+          </p:cNvSpPr>
+          <p:nvPr>
+            <p:ph type="title"/>
+          </p:nvPr>
+        </p:nvSpPr>
+        <p:spPr>
+          <a:xfrm>
+            <a:off x="646112" y="452718"/>
+            <a:ext cx="4273130" cy="716325"/>
+          </a:xfrm>
+        </p:spPr>
+        <p:txBody>
+          <a:bodyPr/>
+          <a:lstStyle/>
+          <a:p>
+            <a:r>
+              <a:rPr lang="fr-CH" dirty="0"/>
+              <a:t>SOMMAIRE</a:t>
+            </a:r>
+          </a:p>
+        </p:txBody>
+      </p:sp>
+      <p:sp>
+        <p:nvSpPr>
+          <p:cNvPr id="3" name="Content Placeholder 2"/>
+          <p:cNvSpPr>
+            <a:spLocks noGrp="1"/>
+          </p:cNvSpPr>
+          <p:nvPr>
+            <p:ph idx="1"/>
+          </p:nvPr>
+        </p:nvSpPr>
+        <p:spPr>
+          <a:xfrm>
+            <a:off x="999140" y="1520483"/>
+            <a:ext cx="10216729" cy="5042363"/>
+          </a:xfrm>
+        </p:spPr>
+        <p:txBody>
+          <a:bodyPr>
+            <a:normAutofit fontScale="77500" lnSpcReduction="20000"/>
+          </a:bodyPr>
+          <a:lstStyle/>
+          <a:p>
+            <a:pPr>
+              <a:lnSpc>
+                <a:spcPct val="150000"/>
+              </a:lnSpc>
+            </a:pPr>
+            <a:r>
+              <a:rPr lang="fr-CH" sz="2600" dirty="0">
+                <a:solidFill>
+                  <a:schemeClr val="tx1"/>
+                </a:solidFill>
+              </a:rPr>
+              <a:t>Introduction</a:t>
+            </a:r>
+          </a:p>
+          <a:p>
+            <a:pPr>
+              <a:lnSpc>
+                <a:spcPct val="150000"/>
+              </a:lnSpc>
+            </a:pPr>
+            <a:r>
+              <a:rPr lang="fr-CH" sz="2600" dirty="0">
+                <a:solidFill>
+                  <a:schemeClr val="tx1"/>
+                </a:solidFill>
+              </a:rPr>
+              <a:t>Historique</a:t>
+            </a:r>
+          </a:p>
+          <a:p>
+            <a:pPr>
+              <a:lnSpc>
+                <a:spcPct val="150000"/>
+              </a:lnSpc>
+            </a:pPr>
+            <a:r>
+              <a:rPr lang="fr-CH" sz="2600" dirty="0">
+                <a:solidFill>
+                  <a:schemeClr val="tx1"/>
+                </a:solidFill>
+              </a:rPr>
+              <a:t>Usage</a:t>
+            </a:r>
+          </a:p>
+          <a:p>
+            <a:pPr>
+              <a:lnSpc>
+                <a:spcPct val="150000"/>
+              </a:lnSpc>
+            </a:pPr>
+            <a:r>
+              <a:rPr lang="fr-CH" sz="2600" dirty="0">
+                <a:solidFill>
+                  <a:schemeClr val="tx1"/>
+                </a:solidFill>
+              </a:rPr>
+              <a:t>La Technologie PoE</a:t>
+            </a:r>
+          </a:p>
+          <a:p>
+            <a:pPr>
+              <a:lnSpc>
+                <a:spcPct val="150000"/>
+              </a:lnSpc>
+            </a:pPr>
+            <a:r>
+              <a:rPr lang="fr-CH" sz="2600" dirty="0">
+                <a:solidFill>
+                  <a:schemeClr val="tx1"/>
+                </a:solidFill>
+              </a:rPr>
+              <a:t>Catégories des câbles Ethernet</a:t>
+            </a:r>
+          </a:p>
+          <a:p>
+            <a:pPr>
+              <a:lnSpc>
+                <a:spcPct val="150000"/>
+              </a:lnSpc>
+            </a:pPr>
+            <a:r>
+              <a:rPr lang="fr-CH" sz="2600" dirty="0">
+                <a:solidFill>
+                  <a:schemeClr val="tx1"/>
+                </a:solidFill>
+              </a:rPr>
+              <a:t>Blindages</a:t>
+            </a:r>
+          </a:p>
+          <a:p>
+            <a:pPr>
+              <a:lnSpc>
+                <a:spcPct val="150000"/>
+              </a:lnSpc>
+            </a:pPr>
+            <a:r>
+              <a:rPr lang="fr-CH" sz="2600" dirty="0">
+                <a:solidFill>
+                  <a:schemeClr val="tx1"/>
+                </a:solidFill>
+              </a:rPr>
+              <a:t>Connectiques</a:t>
+            </a:r>
+          </a:p>
+          <a:p>
+            <a:pPr>
+              <a:lnSpc>
+                <a:spcPct val="150000"/>
+              </a:lnSpc>
+            </a:pPr>
+            <a:r>
+              <a:rPr lang="fr-CH" sz="2600" dirty="0">
+                <a:solidFill>
+                  <a:schemeClr val="tx1"/>
+                </a:solidFill>
+              </a:rPr>
+              <a:t>Normes</a:t>
+            </a:r>
+          </a:p>
+          <a:p>
+            <a:pPr>
+              <a:lnSpc>
+                <a:spcPct val="150000"/>
+              </a:lnSpc>
+            </a:pPr>
+            <a:r>
+              <a:rPr lang="fr-CH" sz="2600" dirty="0">
+                <a:solidFill>
+                  <a:schemeClr val="tx1"/>
+                </a:solidFill>
+              </a:rPr>
+              <a:t>Fabrication</a:t>
+            </a:r>
+          </a:p>
+          <a:p>
+            <a:endParaRPr lang="fr-CH" dirty="0"/>
+          </a:p>
+        </p:txBody>
+      </p:sp>
+    </p:spTree>
+    <p:extLst>
+      <p:ext uri="{BB962C8B-B14F-4D97-AF65-F5344CB8AC3E}">
+        <p14:creationId xmlns:p14="http://schemas.microsoft.com/office/powerpoint/2010/main" val="829066155"/>
+      </p:ext>
+    </p:extLst>
+  </p:cSld>
+  <p:clrMapOvr>
+    <a:masterClrMapping/>
+  </p:clrMapOvr>
+</p:sld>
+</file>
+
+<file path=ppt/slides/slide20.xml><?xml version="1.0" encoding="utf-8"?>
+<p:sld xmlns:a="http://schemas.openxmlformats.org/drawingml/2006/main" xmlns:r="http://schemas.openxmlformats.org/officeDocument/2006/relationships" xmlns:p="http://schemas.openxmlformats.org/presentationml/2006/main">
+  <p:cSld>
+    <p:spTree>
+      <p:nvGrpSpPr>
+        <p:cNvPr id="1" name=""/>
+        <p:cNvGrpSpPr/>
+        <p:nvPr/>
+      </p:nvGrpSpPr>
+      <p:grpSpPr>
+        <a:xfrm>
+          <a:off x="0" y="0"/>
+          <a:ext cx="0" cy="0"/>
+          <a:chOff x="0" y="0"/>
+          <a:chExt cx="0" cy="0"/>
+        </a:xfrm>
+      </p:grpSpPr>
+      <p:sp>
+        <p:nvSpPr>
           <p:cNvPr id="8" name="Title 1"/>
           <p:cNvSpPr>
             <a:spLocks noGrp="1"/>
@@ -9572,7 +9881,7 @@
           <p:cNvPr id="5" name="Content Placeholder 2">
             <a:extLst>
               <a:ext uri="{FF2B5EF4-FFF2-40B4-BE49-F238E27FC236}">
-                <a16:creationId xmlns:a16="http://schemas.microsoft.com/office/drawing/2014/main" id="{F8CDF8D4-22A3-4F52-B3A1-BDF90524C006}"/>
+                <a16:creationId xmlns:a16="http://schemas.microsoft.com/office/drawing/2014/main" xmlns="" id="{F8CDF8D4-22A3-4F52-B3A1-BDF90524C006}"/>
               </a:ext>
             </a:extLst>
           </p:cNvPr>
@@ -9839,7 +10148,7 @@
           <p:cNvPr id="6" name="Content Placeholder 2">
             <a:extLst>
               <a:ext uri="{FF2B5EF4-FFF2-40B4-BE49-F238E27FC236}">
-                <a16:creationId xmlns:a16="http://schemas.microsoft.com/office/drawing/2014/main" id="{8D58F6CE-D1F4-48B3-95BD-E6A6BBA27883}"/>
+                <a16:creationId xmlns:a16="http://schemas.microsoft.com/office/drawing/2014/main" xmlns="" id="{8D58F6CE-D1F4-48B3-95BD-E6A6BBA27883}"/>
               </a:ext>
             </a:extLst>
           </p:cNvPr>
@@ -10297,7 +10606,7 @@
 </p:sld>
 </file>
 
-<file path=ppt/slides/slide2.xml><?xml version="1.0" encoding="utf-8"?>
+<file path=ppt/slides/slide21.xml><?xml version="1.0" encoding="utf-8"?>
 <p:sld xmlns:a="http://schemas.openxmlformats.org/drawingml/2006/main" xmlns:r="http://schemas.openxmlformats.org/officeDocument/2006/relationships" xmlns:p="http://schemas.openxmlformats.org/presentationml/2006/main">
   <p:cSld>
     <p:spTree>
@@ -10316,228 +10625,10 @@
       </p:grpSpPr>
       <p:sp>
         <p:nvSpPr>
-          <p:cNvPr id="2" name="Title 1"/>
-          <p:cNvSpPr>
-            <a:spLocks noGrp="1"/>
-          </p:cNvSpPr>
-          <p:nvPr>
-            <p:ph type="title"/>
-          </p:nvPr>
-        </p:nvSpPr>
-        <p:spPr>
-          <a:xfrm>
-            <a:off x="646112" y="452718"/>
-            <a:ext cx="4273130" cy="716325"/>
-          </a:xfrm>
-        </p:spPr>
-        <p:txBody>
-          <a:bodyPr/>
-          <a:lstStyle/>
-          <a:p>
-            <a:r>
-              <a:rPr lang="fr-CH" dirty="0"/>
-              <a:t>SOMMAIRE</a:t>
-            </a:r>
-          </a:p>
-        </p:txBody>
-      </p:sp>
-      <p:sp>
-        <p:nvSpPr>
-          <p:cNvPr id="3" name="Content Placeholder 2"/>
-          <p:cNvSpPr>
-            <a:spLocks noGrp="1"/>
-          </p:cNvSpPr>
-          <p:nvPr>
-            <p:ph idx="1"/>
-          </p:nvPr>
-        </p:nvSpPr>
-        <p:spPr>
-          <a:xfrm>
-            <a:off x="999140" y="1520483"/>
-            <a:ext cx="10216729" cy="5042363"/>
-          </a:xfrm>
-        </p:spPr>
-        <p:txBody>
-          <a:bodyPr>
-            <a:normAutofit fontScale="77500" lnSpcReduction="20000"/>
-          </a:bodyPr>
-          <a:lstStyle/>
-          <a:p>
-            <a:pPr>
-              <a:lnSpc>
-                <a:spcPct val="150000"/>
-              </a:lnSpc>
-            </a:pPr>
-            <a:r>
-              <a:rPr lang="fr-CH" sz="2600" dirty="0">
-                <a:solidFill>
-                  <a:schemeClr val="tx1"/>
-                </a:solidFill>
-              </a:rPr>
-              <a:t>Introduction</a:t>
-            </a:r>
-          </a:p>
-          <a:p>
-            <a:pPr>
-              <a:lnSpc>
-                <a:spcPct val="150000"/>
-              </a:lnSpc>
-            </a:pPr>
-            <a:r>
-              <a:rPr lang="fr-CH" sz="2600" dirty="0">
-                <a:solidFill>
-                  <a:schemeClr val="tx1"/>
-                </a:solidFill>
-              </a:rPr>
-              <a:t>Historique</a:t>
-            </a:r>
-          </a:p>
-          <a:p>
-            <a:pPr>
-              <a:lnSpc>
-                <a:spcPct val="150000"/>
-              </a:lnSpc>
-            </a:pPr>
-            <a:r>
-              <a:rPr lang="fr-CH" sz="2600" dirty="0">
-                <a:solidFill>
-                  <a:schemeClr val="tx1"/>
-                </a:solidFill>
-              </a:rPr>
-              <a:t>Usage</a:t>
-            </a:r>
-          </a:p>
-          <a:p>
-            <a:pPr>
-              <a:lnSpc>
-                <a:spcPct val="150000"/>
-              </a:lnSpc>
-            </a:pPr>
-            <a:r>
-              <a:rPr lang="fr-CH" sz="2600" dirty="0">
-                <a:solidFill>
-                  <a:schemeClr val="tx1"/>
-                </a:solidFill>
-              </a:rPr>
-              <a:t>La Technologie PoE</a:t>
-            </a:r>
-          </a:p>
-          <a:p>
-            <a:pPr>
-              <a:lnSpc>
-                <a:spcPct val="150000"/>
-              </a:lnSpc>
-            </a:pPr>
-            <a:r>
-              <a:rPr lang="fr-CH" sz="2600" dirty="0">
-                <a:solidFill>
-                  <a:schemeClr val="tx1"/>
-                </a:solidFill>
-              </a:rPr>
-              <a:t>Catégories des câbles Ethernet</a:t>
-            </a:r>
-          </a:p>
-          <a:p>
-            <a:pPr>
-              <a:lnSpc>
-                <a:spcPct val="150000"/>
-              </a:lnSpc>
-            </a:pPr>
-            <a:r>
-              <a:rPr lang="fr-CH" sz="2600" dirty="0">
-                <a:solidFill>
-                  <a:schemeClr val="tx1"/>
-                </a:solidFill>
-              </a:rPr>
-              <a:t>Blindages</a:t>
-            </a:r>
-          </a:p>
-          <a:p>
-            <a:pPr>
-              <a:lnSpc>
-                <a:spcPct val="150000"/>
-              </a:lnSpc>
-            </a:pPr>
-            <a:r>
-              <a:rPr lang="fr-CH" sz="2600" dirty="0">
-                <a:solidFill>
-                  <a:schemeClr val="tx1"/>
-                </a:solidFill>
-              </a:rPr>
-              <a:t>Connectiques</a:t>
-            </a:r>
-          </a:p>
-          <a:p>
-            <a:pPr>
-              <a:lnSpc>
-                <a:spcPct val="150000"/>
-              </a:lnSpc>
-            </a:pPr>
-            <a:r>
-              <a:rPr lang="fr-CH" sz="2600" dirty="0">
-                <a:solidFill>
-                  <a:schemeClr val="tx1"/>
-                </a:solidFill>
-              </a:rPr>
-              <a:t>Normes</a:t>
-            </a:r>
-          </a:p>
-          <a:p>
-            <a:pPr>
-              <a:lnSpc>
-                <a:spcPct val="150000"/>
-              </a:lnSpc>
-            </a:pPr>
-            <a:r>
-              <a:rPr lang="fr-CH" sz="2600" dirty="0">
-                <a:solidFill>
-                  <a:schemeClr val="tx1"/>
-                </a:solidFill>
-              </a:rPr>
-              <a:t>Fabrication</a:t>
-            </a:r>
-          </a:p>
-          <a:p>
-            <a:endParaRPr lang="fr-CH" dirty="0"/>
-          </a:p>
-        </p:txBody>
-      </p:sp>
-    </p:spTree>
-    <p:extLst>
-      <p:ext uri="{BB962C8B-B14F-4D97-AF65-F5344CB8AC3E}">
-        <p14:creationId xmlns:p14="http://schemas.microsoft.com/office/powerpoint/2010/main" val="829066155"/>
-      </p:ext>
-    </p:extLst>
-  </p:cSld>
-  <p:clrMapOvr>
-    <a:masterClrMapping/>
-  </p:clrMapOvr>
-</p:sld>
-</file>
-
-<file path=ppt/slides/slide20.xml><?xml version="1.0" encoding="utf-8"?>
-<p:sld xmlns:a="http://schemas.openxmlformats.org/drawingml/2006/main" xmlns:r="http://schemas.openxmlformats.org/officeDocument/2006/relationships" xmlns:p="http://schemas.openxmlformats.org/presentationml/2006/main">
-  <p:cSld>
-    <p:spTree>
-      <p:nvGrpSpPr>
-        <p:cNvPr id="1" name=""/>
-        <p:cNvGrpSpPr/>
-        <p:nvPr/>
-      </p:nvGrpSpPr>
-      <p:grpSpPr>
-        <a:xfrm>
-          <a:off x="0" y="0"/>
-          <a:ext cx="0" cy="0"/>
-          <a:chOff x="0" y="0"/>
-          <a:chExt cx="0" cy="0"/>
-        </a:xfrm>
-      </p:grpSpPr>
-      <p:sp>
-        <p:nvSpPr>
           <p:cNvPr id="4" name="Title 1">
             <a:extLst>
               <a:ext uri="{FF2B5EF4-FFF2-40B4-BE49-F238E27FC236}">
-                <a16:creationId xmlns:a16="http://schemas.microsoft.com/office/drawing/2014/main" id="{02619F9C-EB8C-47C2-8D51-281BE6C9E803}"/>
+                <a16:creationId xmlns:a16="http://schemas.microsoft.com/office/drawing/2014/main" xmlns="" id="{02619F9C-EB8C-47C2-8D51-281BE6C9E803}"/>
               </a:ext>
             </a:extLst>
           </p:cNvPr>
@@ -10650,7 +10741,7 @@
           <p:cNvPr id="9" name="Image 8">
             <a:extLst>
               <a:ext uri="{FF2B5EF4-FFF2-40B4-BE49-F238E27FC236}">
-                <a16:creationId xmlns:a16="http://schemas.microsoft.com/office/drawing/2014/main" id="{581026FC-1090-4023-909F-15FCFF27EEA7}"/>
+                <a16:creationId xmlns:a16="http://schemas.microsoft.com/office/drawing/2014/main" xmlns="" id="{581026FC-1090-4023-909F-15FCFF27EEA7}"/>
               </a:ext>
             </a:extLst>
           </p:cNvPr>
@@ -10688,7 +10779,7 @@
 </p:sld>
 </file>
 
-<file path=ppt/slides/slide21.xml><?xml version="1.0" encoding="utf-8"?>
+<file path=ppt/slides/slide22.xml><?xml version="1.0" encoding="utf-8"?>
 <p:sld xmlns:a="http://schemas.openxmlformats.org/drawingml/2006/main" xmlns:r="http://schemas.openxmlformats.org/officeDocument/2006/relationships" xmlns:p="http://schemas.openxmlformats.org/presentationml/2006/main">
   <p:cSld>
     <p:spTree>
@@ -10710,7 +10801,7 @@
           <p:cNvPr id="4" name="Title 1">
             <a:extLst>
               <a:ext uri="{FF2B5EF4-FFF2-40B4-BE49-F238E27FC236}">
-                <a16:creationId xmlns:a16="http://schemas.microsoft.com/office/drawing/2014/main" id="{02619F9C-EB8C-47C2-8D51-281BE6C9E803}"/>
+                <a16:creationId xmlns:a16="http://schemas.microsoft.com/office/drawing/2014/main" xmlns="" id="{02619F9C-EB8C-47C2-8D51-281BE6C9E803}"/>
               </a:ext>
             </a:extLst>
           </p:cNvPr>
@@ -10823,7 +10914,7 @@
           <p:cNvPr id="2" name="ZoneTexte 1">
             <a:extLst>
               <a:ext uri="{FF2B5EF4-FFF2-40B4-BE49-F238E27FC236}">
-                <a16:creationId xmlns:a16="http://schemas.microsoft.com/office/drawing/2014/main" id="{08E408DC-C551-47B5-8C33-FA0FF463FB0C}"/>
+                <a16:creationId xmlns:a16="http://schemas.microsoft.com/office/drawing/2014/main" xmlns="" id="{08E408DC-C551-47B5-8C33-FA0FF463FB0C}"/>
               </a:ext>
             </a:extLst>
           </p:cNvPr>
@@ -10863,7 +10954,7 @@
           <p:cNvPr id="5" name="Picture 14" descr="C:\Users\wmeisen\AppData\Local\Microsoft\Windows\INetCache\Content.MSO\A42E0746.tmp">
             <a:extLst>
               <a:ext uri="{FF2B5EF4-FFF2-40B4-BE49-F238E27FC236}">
-                <a16:creationId xmlns:a16="http://schemas.microsoft.com/office/drawing/2014/main" id="{DB87F8D8-06EF-4D76-BC3D-CB6B00B6B72E}"/>
+                <a16:creationId xmlns:a16="http://schemas.microsoft.com/office/drawing/2014/main" xmlns="" id="{DB87F8D8-06EF-4D76-BC3D-CB6B00B6B72E}"/>
               </a:ext>
             </a:extLst>
           </p:cNvPr>
@@ -10910,7 +11001,7 @@
 </p:sld>
 </file>
 
-<file path=ppt/slides/slide22.xml><?xml version="1.0" encoding="utf-8"?>
+<file path=ppt/slides/slide23.xml><?xml version="1.0" encoding="utf-8"?>
 <p:sld xmlns:a="http://schemas.openxmlformats.org/drawingml/2006/main" xmlns:r="http://schemas.openxmlformats.org/officeDocument/2006/relationships" xmlns:p="http://schemas.openxmlformats.org/presentationml/2006/main">
   <p:cSld>
     <p:spTree>
@@ -10932,7 +11023,7 @@
           <p:cNvPr id="4" name="Title 1">
             <a:extLst>
               <a:ext uri="{FF2B5EF4-FFF2-40B4-BE49-F238E27FC236}">
-                <a16:creationId xmlns:a16="http://schemas.microsoft.com/office/drawing/2014/main" id="{02619F9C-EB8C-47C2-8D51-281BE6C9E803}"/>
+                <a16:creationId xmlns:a16="http://schemas.microsoft.com/office/drawing/2014/main" xmlns="" id="{02619F9C-EB8C-47C2-8D51-281BE6C9E803}"/>
               </a:ext>
             </a:extLst>
           </p:cNvPr>
@@ -11045,7 +11136,7 @@
           <p:cNvPr id="2" name="ZoneTexte 1">
             <a:extLst>
               <a:ext uri="{FF2B5EF4-FFF2-40B4-BE49-F238E27FC236}">
-                <a16:creationId xmlns:a16="http://schemas.microsoft.com/office/drawing/2014/main" id="{08E408DC-C551-47B5-8C33-FA0FF463FB0C}"/>
+                <a16:creationId xmlns:a16="http://schemas.microsoft.com/office/drawing/2014/main" xmlns="" id="{08E408DC-C551-47B5-8C33-FA0FF463FB0C}"/>
               </a:ext>
             </a:extLst>
           </p:cNvPr>
@@ -11085,7 +11176,7 @@
           <p:cNvPr id="6" name="Picture 16" descr="RÃ©sultat de recherche d'images pour &quot;paire torsadÃ©e F/UTP&quot;">
             <a:extLst>
               <a:ext uri="{FF2B5EF4-FFF2-40B4-BE49-F238E27FC236}">
-                <a16:creationId xmlns:a16="http://schemas.microsoft.com/office/drawing/2014/main" id="{2BCB4FA7-7321-47D4-A2CA-C79743355770}"/>
+                <a16:creationId xmlns:a16="http://schemas.microsoft.com/office/drawing/2014/main" xmlns="" id="{2BCB4FA7-7321-47D4-A2CA-C79743355770}"/>
               </a:ext>
             </a:extLst>
           </p:cNvPr>
@@ -11132,7 +11223,7 @@
 </p:sld>
 </file>
 
-<file path=ppt/slides/slide23.xml><?xml version="1.0" encoding="utf-8"?>
+<file path=ppt/slides/slide24.xml><?xml version="1.0" encoding="utf-8"?>
 <p:sld xmlns:a="http://schemas.openxmlformats.org/drawingml/2006/main" xmlns:r="http://schemas.openxmlformats.org/officeDocument/2006/relationships" xmlns:p="http://schemas.openxmlformats.org/presentationml/2006/main">
   <p:cSld>
     <p:spTree>
@@ -11154,7 +11245,7 @@
           <p:cNvPr id="4" name="Title 1">
             <a:extLst>
               <a:ext uri="{FF2B5EF4-FFF2-40B4-BE49-F238E27FC236}">
-                <a16:creationId xmlns:a16="http://schemas.microsoft.com/office/drawing/2014/main" id="{02619F9C-EB8C-47C2-8D51-281BE6C9E803}"/>
+                <a16:creationId xmlns:a16="http://schemas.microsoft.com/office/drawing/2014/main" xmlns="" id="{02619F9C-EB8C-47C2-8D51-281BE6C9E803}"/>
               </a:ext>
             </a:extLst>
           </p:cNvPr>
@@ -11267,7 +11358,7 @@
           <p:cNvPr id="2" name="ZoneTexte 1">
             <a:extLst>
               <a:ext uri="{FF2B5EF4-FFF2-40B4-BE49-F238E27FC236}">
-                <a16:creationId xmlns:a16="http://schemas.microsoft.com/office/drawing/2014/main" id="{08E408DC-C551-47B5-8C33-FA0FF463FB0C}"/>
+                <a16:creationId xmlns:a16="http://schemas.microsoft.com/office/drawing/2014/main" xmlns="" id="{08E408DC-C551-47B5-8C33-FA0FF463FB0C}"/>
               </a:ext>
             </a:extLst>
           </p:cNvPr>
@@ -11316,7 +11407,7 @@
           <p:cNvPr id="5" name="Picture 17" descr="RÃ©sultat de recherche d'images pour &quot;paire torsadÃ©e U/FTP&quot;">
             <a:extLst>
               <a:ext uri="{FF2B5EF4-FFF2-40B4-BE49-F238E27FC236}">
-                <a16:creationId xmlns:a16="http://schemas.microsoft.com/office/drawing/2014/main" id="{C285CD3B-FCE6-4B9F-ADED-4D7689EB7309}"/>
+                <a16:creationId xmlns:a16="http://schemas.microsoft.com/office/drawing/2014/main" xmlns="" id="{C285CD3B-FCE6-4B9F-ADED-4D7689EB7309}"/>
               </a:ext>
             </a:extLst>
           </p:cNvPr>
@@ -11363,7 +11454,7 @@
 </p:sld>
 </file>
 
-<file path=ppt/slides/slide24.xml><?xml version="1.0" encoding="utf-8"?>
+<file path=ppt/slides/slide25.xml><?xml version="1.0" encoding="utf-8"?>
 <p:sld xmlns:a="http://schemas.openxmlformats.org/drawingml/2006/main" xmlns:r="http://schemas.openxmlformats.org/officeDocument/2006/relationships" xmlns:p="http://schemas.openxmlformats.org/presentationml/2006/main">
   <p:cSld>
     <p:spTree>
@@ -11385,7 +11476,7 @@
           <p:cNvPr id="4" name="Title 1">
             <a:extLst>
               <a:ext uri="{FF2B5EF4-FFF2-40B4-BE49-F238E27FC236}">
-                <a16:creationId xmlns:a16="http://schemas.microsoft.com/office/drawing/2014/main" id="{02619F9C-EB8C-47C2-8D51-281BE6C9E803}"/>
+                <a16:creationId xmlns:a16="http://schemas.microsoft.com/office/drawing/2014/main" xmlns="" id="{02619F9C-EB8C-47C2-8D51-281BE6C9E803}"/>
               </a:ext>
             </a:extLst>
           </p:cNvPr>
@@ -11498,7 +11589,7 @@
           <p:cNvPr id="2" name="ZoneTexte 1">
             <a:extLst>
               <a:ext uri="{FF2B5EF4-FFF2-40B4-BE49-F238E27FC236}">
-                <a16:creationId xmlns:a16="http://schemas.microsoft.com/office/drawing/2014/main" id="{08E408DC-C551-47B5-8C33-FA0FF463FB0C}"/>
+                <a16:creationId xmlns:a16="http://schemas.microsoft.com/office/drawing/2014/main" xmlns="" id="{08E408DC-C551-47B5-8C33-FA0FF463FB0C}"/>
               </a:ext>
             </a:extLst>
           </p:cNvPr>
@@ -11547,7 +11638,7 @@
           <p:cNvPr id="6" name="Picture 18" descr="RÃ©sultat de recherche d'images pour &quot;paire torsadÃ©e U/FTP&quot;">
             <a:extLst>
               <a:ext uri="{FF2B5EF4-FFF2-40B4-BE49-F238E27FC236}">
-                <a16:creationId xmlns:a16="http://schemas.microsoft.com/office/drawing/2014/main" id="{9D8E18DB-E786-4429-9285-47D633DE094F}"/>
+                <a16:creationId xmlns:a16="http://schemas.microsoft.com/office/drawing/2014/main" xmlns="" id="{9D8E18DB-E786-4429-9285-47D633DE094F}"/>
               </a:ext>
             </a:extLst>
           </p:cNvPr>
@@ -11594,7 +11685,7 @@
 </p:sld>
 </file>
 
-<file path=ppt/slides/slide25.xml><?xml version="1.0" encoding="utf-8"?>
+<file path=ppt/slides/slide26.xml><?xml version="1.0" encoding="utf-8"?>
 <p:sld xmlns:a="http://schemas.openxmlformats.org/drawingml/2006/main" xmlns:r="http://schemas.openxmlformats.org/officeDocument/2006/relationships" xmlns:p="http://schemas.openxmlformats.org/presentationml/2006/main">
   <p:cSld>
     <p:spTree>
@@ -11616,7 +11707,7 @@
           <p:cNvPr id="4" name="Title 1">
             <a:extLst>
               <a:ext uri="{FF2B5EF4-FFF2-40B4-BE49-F238E27FC236}">
-                <a16:creationId xmlns:a16="http://schemas.microsoft.com/office/drawing/2014/main" id="{02619F9C-EB8C-47C2-8D51-281BE6C9E803}"/>
+                <a16:creationId xmlns:a16="http://schemas.microsoft.com/office/drawing/2014/main" xmlns="" id="{02619F9C-EB8C-47C2-8D51-281BE6C9E803}"/>
               </a:ext>
             </a:extLst>
           </p:cNvPr>
@@ -11729,7 +11820,7 @@
           <p:cNvPr id="2" name="ZoneTexte 1">
             <a:extLst>
               <a:ext uri="{FF2B5EF4-FFF2-40B4-BE49-F238E27FC236}">
-                <a16:creationId xmlns:a16="http://schemas.microsoft.com/office/drawing/2014/main" id="{08E408DC-C551-47B5-8C33-FA0FF463FB0C}"/>
+                <a16:creationId xmlns:a16="http://schemas.microsoft.com/office/drawing/2014/main" xmlns="" id="{08E408DC-C551-47B5-8C33-FA0FF463FB0C}"/>
               </a:ext>
             </a:extLst>
           </p:cNvPr>
@@ -11778,7 +11869,7 @@
           <p:cNvPr id="5" name="Picture 19">
             <a:extLst>
               <a:ext uri="{FF2B5EF4-FFF2-40B4-BE49-F238E27FC236}">
-                <a16:creationId xmlns:a16="http://schemas.microsoft.com/office/drawing/2014/main" id="{13636A98-632D-420B-8319-4B91165B5181}"/>
+                <a16:creationId xmlns:a16="http://schemas.microsoft.com/office/drawing/2014/main" xmlns="" id="{13636A98-632D-420B-8319-4B91165B5181}"/>
               </a:ext>
             </a:extLst>
           </p:cNvPr>
@@ -11827,7 +11918,7 @@
 </p:sld>
 </file>
 
-<file path=ppt/slides/slide26.xml><?xml version="1.0" encoding="utf-8"?>
+<file path=ppt/slides/slide27.xml><?xml version="1.0" encoding="utf-8"?>
 <p:sld xmlns:a="http://schemas.openxmlformats.org/drawingml/2006/main" xmlns:r="http://schemas.openxmlformats.org/officeDocument/2006/relationships" xmlns:p="http://schemas.openxmlformats.org/presentationml/2006/main">
   <p:cSld>
     <p:spTree>
@@ -11849,7 +11940,7 @@
           <p:cNvPr id="4" name="Title 1">
             <a:extLst>
               <a:ext uri="{FF2B5EF4-FFF2-40B4-BE49-F238E27FC236}">
-                <a16:creationId xmlns:a16="http://schemas.microsoft.com/office/drawing/2014/main" id="{02619F9C-EB8C-47C2-8D51-281BE6C9E803}"/>
+                <a16:creationId xmlns:a16="http://schemas.microsoft.com/office/drawing/2014/main" xmlns="" id="{02619F9C-EB8C-47C2-8D51-281BE6C9E803}"/>
               </a:ext>
             </a:extLst>
           </p:cNvPr>
@@ -11962,7 +12053,7 @@
           <p:cNvPr id="2" name="ZoneTexte 1">
             <a:extLst>
               <a:ext uri="{FF2B5EF4-FFF2-40B4-BE49-F238E27FC236}">
-                <a16:creationId xmlns:a16="http://schemas.microsoft.com/office/drawing/2014/main" id="{08E408DC-C551-47B5-8C33-FA0FF463FB0C}"/>
+                <a16:creationId xmlns:a16="http://schemas.microsoft.com/office/drawing/2014/main" xmlns="" id="{08E408DC-C551-47B5-8C33-FA0FF463FB0C}"/>
               </a:ext>
             </a:extLst>
           </p:cNvPr>
@@ -12011,7 +12102,7 @@
           <p:cNvPr id="6" name="Picture 20">
             <a:extLst>
               <a:ext uri="{FF2B5EF4-FFF2-40B4-BE49-F238E27FC236}">
-                <a16:creationId xmlns:a16="http://schemas.microsoft.com/office/drawing/2014/main" id="{C7598FC5-56B3-45F2-AD6E-4CFF22FFEDAE}"/>
+                <a16:creationId xmlns:a16="http://schemas.microsoft.com/office/drawing/2014/main" xmlns="" id="{C7598FC5-56B3-45F2-AD6E-4CFF22FFEDAE}"/>
               </a:ext>
             </a:extLst>
           </p:cNvPr>
@@ -12060,7 +12151,7 @@
 </p:sld>
 </file>
 
-<file path=ppt/slides/slide27.xml><?xml version="1.0" encoding="utf-8"?>
+<file path=ppt/slides/slide28.xml><?xml version="1.0" encoding="utf-8"?>
 <p:sld xmlns:a="http://schemas.openxmlformats.org/drawingml/2006/main" xmlns:r="http://schemas.openxmlformats.org/officeDocument/2006/relationships" xmlns:p="http://schemas.openxmlformats.org/presentationml/2006/main">
   <p:cSld>
     <p:spTree>
@@ -12338,7 +12429,7 @@
 </p:sld>
 </file>
 
-<file path=ppt/slides/slide28.xml><?xml version="1.0" encoding="utf-8"?>
+<file path=ppt/slides/slide29.xml><?xml version="1.0" encoding="utf-8"?>
 <p:sld xmlns:a="http://schemas.openxmlformats.org/drawingml/2006/main" xmlns:r="http://schemas.openxmlformats.org/officeDocument/2006/relationships" xmlns:p="http://schemas.openxmlformats.org/presentationml/2006/main">
   <p:cSld>
     <p:spTree>
@@ -12535,7 +12626,401 @@
 </p:sld>
 </file>
 
-<file path=ppt/slides/slide29.xml><?xml version="1.0" encoding="utf-8"?>
+<file path=ppt/slides/slide3.xml><?xml version="1.0" encoding="utf-8"?>
+<p:sld xmlns:a="http://schemas.openxmlformats.org/drawingml/2006/main" xmlns:r="http://schemas.openxmlformats.org/officeDocument/2006/relationships" xmlns:p="http://schemas.openxmlformats.org/presentationml/2006/main">
+  <p:cSld>
+    <p:spTree>
+      <p:nvGrpSpPr>
+        <p:cNvPr id="1" name=""/>
+        <p:cNvGrpSpPr/>
+        <p:nvPr/>
+      </p:nvGrpSpPr>
+      <p:grpSpPr>
+        <a:xfrm>
+          <a:off x="0" y="0"/>
+          <a:ext cx="0" cy="0"/>
+          <a:chOff x="0" y="0"/>
+          <a:chExt cx="0" cy="0"/>
+        </a:xfrm>
+      </p:grpSpPr>
+      <p:sp>
+        <p:nvSpPr>
+          <p:cNvPr id="4" name="Title 1"/>
+          <p:cNvSpPr>
+            <a:spLocks noGrp="1"/>
+          </p:cNvSpPr>
+          <p:nvPr>
+            <p:ph type="title"/>
+          </p:nvPr>
+        </p:nvSpPr>
+        <p:spPr>
+          <a:xfrm>
+            <a:off x="0" y="0"/>
+            <a:ext cx="2916820" cy="510199"/>
+          </a:xfrm>
+        </p:spPr>
+        <p:txBody>
+          <a:bodyPr numCol="1">
+            <a:noAutofit/>
+          </a:bodyPr>
+          <a:lstStyle/>
+          <a:p>
+            <a:pPr algn="ctr"/>
+            <a:r>
+              <a:rPr lang="fr-CH" sz="2800" dirty="0"/>
+              <a:t>Introduction</a:t>
+            </a:r>
+          </a:p>
+        </p:txBody>
+      </p:sp>
+      <p:sp>
+        <p:nvSpPr>
+          <p:cNvPr id="5" name="Content Placeholder 2"/>
+          <p:cNvSpPr txBox="1">
+            <a:spLocks/>
+          </p:cNvSpPr>
+          <p:nvPr/>
+        </p:nvSpPr>
+        <p:spPr>
+          <a:xfrm>
+            <a:off x="615821" y="1698172"/>
+            <a:ext cx="10216729" cy="3546074"/>
+          </a:xfrm>
+          <a:prstGeom prst="rect">
+            <a:avLst/>
+          </a:prstGeom>
+        </p:spPr>
+        <p:txBody>
+          <a:bodyPr vert="horz" lIns="91440" tIns="45720" rIns="91440" bIns="45720" rtlCol="0" anchor="ctr">
+            <a:normAutofit/>
+          </a:bodyPr>
+          <a:lstStyle>
+            <a:lvl1pPr marL="285750" indent="-285750" algn="l" defTabSz="457200" rtl="0" eaLnBrk="1" latinLnBrk="0" hangingPunct="1">
+              <a:spcBef>
+                <a:spcPct val="20000"/>
+              </a:spcBef>
+              <a:spcAft>
+                <a:spcPts val="600"/>
+              </a:spcAft>
+              <a:buClr>
+                <a:schemeClr val="tx1"/>
+              </a:buClr>
+              <a:buSzPct val="80000"/>
+              <a:buFont typeface="Wingdings 3" panose="05040102010807070707" pitchFamily="18" charset="2"/>
+              <a:buChar char=""/>
+              <a:defRPr sz="2000" kern="1200" cap="none">
+                <a:solidFill>
+                  <a:schemeClr val="bg2">
+                    <a:lumMod val="75000"/>
+                  </a:schemeClr>
+                </a:solidFill>
+                <a:effectLst/>
+                <a:latin typeface="+mn-lt"/>
+                <a:ea typeface="+mn-ea"/>
+                <a:cs typeface="+mn-cs"/>
+              </a:defRPr>
+            </a:lvl1pPr>
+            <a:lvl2pPr marL="742950" indent="-285750" algn="l" defTabSz="457200" rtl="0" eaLnBrk="1" latinLnBrk="0" hangingPunct="1">
+              <a:spcBef>
+                <a:spcPct val="20000"/>
+              </a:spcBef>
+              <a:spcAft>
+                <a:spcPts val="600"/>
+              </a:spcAft>
+              <a:buClr>
+                <a:schemeClr val="tx1"/>
+              </a:buClr>
+              <a:buSzPct val="80000"/>
+              <a:buFont typeface="Wingdings 3" panose="05040102010807070707" pitchFamily="18" charset="2"/>
+              <a:buChar char=""/>
+              <a:defRPr sz="1800" kern="1200" cap="none">
+                <a:solidFill>
+                  <a:schemeClr val="bg2">
+                    <a:lumMod val="75000"/>
+                  </a:schemeClr>
+                </a:solidFill>
+                <a:effectLst/>
+                <a:latin typeface="+mn-lt"/>
+                <a:ea typeface="+mn-ea"/>
+                <a:cs typeface="+mn-cs"/>
+              </a:defRPr>
+            </a:lvl2pPr>
+            <a:lvl3pPr marL="1200150" indent="-285750" algn="l" defTabSz="457200" rtl="0" eaLnBrk="1" latinLnBrk="0" hangingPunct="1">
+              <a:spcBef>
+                <a:spcPct val="20000"/>
+              </a:spcBef>
+              <a:spcAft>
+                <a:spcPts val="600"/>
+              </a:spcAft>
+              <a:buClr>
+                <a:schemeClr val="tx1"/>
+              </a:buClr>
+              <a:buSzPct val="80000"/>
+              <a:buFont typeface="Wingdings 3" panose="05040102010807070707" pitchFamily="18" charset="2"/>
+              <a:buChar char=""/>
+              <a:defRPr sz="1600" kern="1200" cap="none">
+                <a:solidFill>
+                  <a:schemeClr val="bg2">
+                    <a:lumMod val="75000"/>
+                  </a:schemeClr>
+                </a:solidFill>
+                <a:effectLst/>
+                <a:latin typeface="+mn-lt"/>
+                <a:ea typeface="+mn-ea"/>
+                <a:cs typeface="+mn-cs"/>
+              </a:defRPr>
+            </a:lvl3pPr>
+            <a:lvl4pPr marL="1543050" indent="-171450" algn="l" defTabSz="457200" rtl="0" eaLnBrk="1" latinLnBrk="0" hangingPunct="1">
+              <a:spcBef>
+                <a:spcPct val="20000"/>
+              </a:spcBef>
+              <a:spcAft>
+                <a:spcPts val="600"/>
+              </a:spcAft>
+              <a:buClr>
+                <a:schemeClr val="tx1"/>
+              </a:buClr>
+              <a:buSzPct val="80000"/>
+              <a:buFont typeface="Wingdings 3" panose="05040102010807070707" pitchFamily="18" charset="2"/>
+              <a:buChar char=""/>
+              <a:defRPr sz="1400" kern="1200" cap="none">
+                <a:solidFill>
+                  <a:schemeClr val="bg2">
+                    <a:lumMod val="75000"/>
+                  </a:schemeClr>
+                </a:solidFill>
+                <a:effectLst/>
+                <a:latin typeface="+mn-lt"/>
+                <a:ea typeface="+mn-ea"/>
+                <a:cs typeface="+mn-cs"/>
+              </a:defRPr>
+            </a:lvl4pPr>
+            <a:lvl5pPr marL="2000250" indent="-171450" algn="l" defTabSz="457200" rtl="0" eaLnBrk="1" latinLnBrk="0" hangingPunct="1">
+              <a:spcBef>
+                <a:spcPct val="20000"/>
+              </a:spcBef>
+              <a:spcAft>
+                <a:spcPts val="600"/>
+              </a:spcAft>
+              <a:buClr>
+                <a:schemeClr val="tx1"/>
+              </a:buClr>
+              <a:buSzPct val="80000"/>
+              <a:buFont typeface="Wingdings 3" panose="05040102010807070707" pitchFamily="18" charset="2"/>
+              <a:buChar char=""/>
+              <a:defRPr sz="1400" kern="1200" cap="none">
+                <a:solidFill>
+                  <a:schemeClr val="bg2">
+                    <a:lumMod val="75000"/>
+                  </a:schemeClr>
+                </a:solidFill>
+                <a:effectLst/>
+                <a:latin typeface="+mn-lt"/>
+                <a:ea typeface="+mn-ea"/>
+                <a:cs typeface="+mn-cs"/>
+              </a:defRPr>
+            </a:lvl5pPr>
+            <a:lvl6pPr marL="2514600" indent="-228600" algn="l" defTabSz="457200" rtl="0" eaLnBrk="1" latinLnBrk="0" hangingPunct="1">
+              <a:spcBef>
+                <a:spcPct val="20000"/>
+              </a:spcBef>
+              <a:spcAft>
+                <a:spcPts val="600"/>
+              </a:spcAft>
+              <a:buClr>
+                <a:schemeClr val="tx1"/>
+              </a:buClr>
+              <a:buSzPct val="80000"/>
+              <a:buFont typeface="Wingdings 3" panose="05040102010807070707" pitchFamily="18" charset="2"/>
+              <a:buChar char=""/>
+              <a:defRPr sz="1400" kern="1200" cap="none">
+                <a:solidFill>
+                  <a:schemeClr val="bg2">
+                    <a:lumMod val="75000"/>
+                  </a:schemeClr>
+                </a:solidFill>
+                <a:effectLst/>
+                <a:latin typeface="+mn-lt"/>
+                <a:ea typeface="+mn-ea"/>
+                <a:cs typeface="+mn-cs"/>
+              </a:defRPr>
+            </a:lvl6pPr>
+            <a:lvl7pPr marL="2971800" indent="-228600" algn="l" defTabSz="457200" rtl="0" eaLnBrk="1" latinLnBrk="0" hangingPunct="1">
+              <a:spcBef>
+                <a:spcPct val="20000"/>
+              </a:spcBef>
+              <a:spcAft>
+                <a:spcPts val="600"/>
+              </a:spcAft>
+              <a:buClr>
+                <a:schemeClr val="tx1"/>
+              </a:buClr>
+              <a:buSzPct val="80000"/>
+              <a:buFont typeface="Wingdings 3" panose="05040102010807070707" pitchFamily="18" charset="2"/>
+              <a:buChar char=""/>
+              <a:defRPr sz="1400" kern="1200" cap="none">
+                <a:solidFill>
+                  <a:schemeClr val="bg2">
+                    <a:lumMod val="75000"/>
+                  </a:schemeClr>
+                </a:solidFill>
+                <a:effectLst/>
+                <a:latin typeface="+mn-lt"/>
+                <a:ea typeface="+mn-ea"/>
+                <a:cs typeface="+mn-cs"/>
+              </a:defRPr>
+            </a:lvl7pPr>
+            <a:lvl8pPr marL="3429000" indent="-228600" algn="l" defTabSz="457200" rtl="0" eaLnBrk="1" latinLnBrk="0" hangingPunct="1">
+              <a:spcBef>
+                <a:spcPct val="20000"/>
+              </a:spcBef>
+              <a:spcAft>
+                <a:spcPts val="600"/>
+              </a:spcAft>
+              <a:buClr>
+                <a:schemeClr val="tx1"/>
+              </a:buClr>
+              <a:buSzPct val="80000"/>
+              <a:buFont typeface="Wingdings 3" panose="05040102010807070707" pitchFamily="18" charset="2"/>
+              <a:buChar char=""/>
+              <a:defRPr sz="1400" kern="1200" cap="none">
+                <a:solidFill>
+                  <a:schemeClr val="bg2">
+                    <a:lumMod val="75000"/>
+                  </a:schemeClr>
+                </a:solidFill>
+                <a:effectLst/>
+                <a:latin typeface="+mn-lt"/>
+                <a:ea typeface="+mn-ea"/>
+                <a:cs typeface="+mn-cs"/>
+              </a:defRPr>
+            </a:lvl8pPr>
+            <a:lvl9pPr marL="3886200" indent="-228600" algn="l" defTabSz="457200" rtl="0" eaLnBrk="1" latinLnBrk="0" hangingPunct="1">
+              <a:spcBef>
+                <a:spcPct val="20000"/>
+              </a:spcBef>
+              <a:spcAft>
+                <a:spcPts val="600"/>
+              </a:spcAft>
+              <a:buClr>
+                <a:schemeClr val="tx1"/>
+              </a:buClr>
+              <a:buSzPct val="80000"/>
+              <a:buFont typeface="Wingdings 3" panose="05040102010807070707" pitchFamily="18" charset="2"/>
+              <a:buChar char=""/>
+              <a:defRPr sz="1400" kern="1200" cap="none">
+                <a:solidFill>
+                  <a:schemeClr val="bg2">
+                    <a:lumMod val="75000"/>
+                  </a:schemeClr>
+                </a:solidFill>
+                <a:effectLst/>
+                <a:latin typeface="+mn-lt"/>
+                <a:ea typeface="+mn-ea"/>
+                <a:cs typeface="+mn-cs"/>
+              </a:defRPr>
+            </a:lvl9pPr>
+          </a:lstStyle>
+          <a:p>
+            <a:pPr lvl="1">
+              <a:lnSpc>
+                <a:spcPct val="150000"/>
+              </a:lnSpc>
+            </a:pPr>
+            <a:r>
+              <a:rPr lang="fr-CH" sz="2000" dirty="0">
+                <a:solidFill>
+                  <a:schemeClr val="tx1"/>
+                </a:solidFill>
+              </a:rPr>
+              <a:t>Sujet : La fabrication d’un câble Ethernet</a:t>
+            </a:r>
+          </a:p>
+          <a:p>
+            <a:pPr lvl="1">
+              <a:lnSpc>
+                <a:spcPct val="150000"/>
+              </a:lnSpc>
+            </a:pPr>
+            <a:r>
+              <a:rPr lang="fr-CH" sz="2000" dirty="0">
+                <a:solidFill>
+                  <a:schemeClr val="tx1"/>
+                </a:solidFill>
+              </a:rPr>
+              <a:t>Cette présentation à comme objectifs :</a:t>
+            </a:r>
+          </a:p>
+          <a:p>
+            <a:pPr lvl="2">
+              <a:lnSpc>
+                <a:spcPct val="150000"/>
+              </a:lnSpc>
+            </a:pPr>
+            <a:r>
+              <a:rPr lang="fr-CH" sz="1800" dirty="0">
+                <a:solidFill>
+                  <a:schemeClr val="tx1"/>
+                </a:solidFill>
+              </a:rPr>
+              <a:t>Décrire et présenter les différentes normes, catégories et technologies d’un câble Ethernet</a:t>
+            </a:r>
+          </a:p>
+          <a:p>
+            <a:pPr lvl="2">
+              <a:lnSpc>
+                <a:spcPct val="150000"/>
+              </a:lnSpc>
+            </a:pPr>
+            <a:r>
+              <a:rPr lang="fr-CH" sz="1800" dirty="0">
+                <a:solidFill>
+                  <a:schemeClr val="tx1"/>
+                </a:solidFill>
+              </a:rPr>
+              <a:t>Démontrer la fabrication d’un câble RJ-45</a:t>
+            </a:r>
+          </a:p>
+          <a:p>
+            <a:pPr lvl="2">
+              <a:lnSpc>
+                <a:spcPct val="150000"/>
+              </a:lnSpc>
+            </a:pPr>
+            <a:endParaRPr lang="fr-CH" sz="2200" dirty="0">
+              <a:solidFill>
+                <a:schemeClr val="tx1"/>
+              </a:solidFill>
+            </a:endParaRPr>
+          </a:p>
+          <a:p>
+            <a:pPr lvl="2">
+              <a:lnSpc>
+                <a:spcPct val="150000"/>
+              </a:lnSpc>
+            </a:pPr>
+            <a:endParaRPr lang="fr-CH" sz="2200" dirty="0">
+              <a:solidFill>
+                <a:schemeClr val="tx1"/>
+              </a:solidFill>
+            </a:endParaRPr>
+          </a:p>
+        </p:txBody>
+      </p:sp>
+    </p:spTree>
+    <p:extLst>
+      <p:ext uri="{BB962C8B-B14F-4D97-AF65-F5344CB8AC3E}">
+        <p14:creationId xmlns:p14="http://schemas.microsoft.com/office/powerpoint/2010/main" val="3456633582"/>
+      </p:ext>
+    </p:extLst>
+  </p:cSld>
+  <p:clrMapOvr>
+    <a:masterClrMapping/>
+  </p:clrMapOvr>
+</p:sld>
+</file>
+
+<file path=ppt/slides/slide30.xml><?xml version="1.0" encoding="utf-8"?>
 <p:sld xmlns:a="http://schemas.openxmlformats.org/drawingml/2006/main" xmlns:r="http://schemas.openxmlformats.org/officeDocument/2006/relationships" xmlns:p="http://schemas.openxmlformats.org/presentationml/2006/main">
   <p:cSld>
     <p:spTree>
@@ -12811,401 +13296,7 @@
 </p:sld>
 </file>
 
-<file path=ppt/slides/slide3.xml><?xml version="1.0" encoding="utf-8"?>
-<p:sld xmlns:a="http://schemas.openxmlformats.org/drawingml/2006/main" xmlns:r="http://schemas.openxmlformats.org/officeDocument/2006/relationships" xmlns:p="http://schemas.openxmlformats.org/presentationml/2006/main">
-  <p:cSld>
-    <p:spTree>
-      <p:nvGrpSpPr>
-        <p:cNvPr id="1" name=""/>
-        <p:cNvGrpSpPr/>
-        <p:nvPr/>
-      </p:nvGrpSpPr>
-      <p:grpSpPr>
-        <a:xfrm>
-          <a:off x="0" y="0"/>
-          <a:ext cx="0" cy="0"/>
-          <a:chOff x="0" y="0"/>
-          <a:chExt cx="0" cy="0"/>
-        </a:xfrm>
-      </p:grpSpPr>
-      <p:sp>
-        <p:nvSpPr>
-          <p:cNvPr id="4" name="Title 1"/>
-          <p:cNvSpPr>
-            <a:spLocks noGrp="1"/>
-          </p:cNvSpPr>
-          <p:nvPr>
-            <p:ph type="title"/>
-          </p:nvPr>
-        </p:nvSpPr>
-        <p:spPr>
-          <a:xfrm>
-            <a:off x="0" y="0"/>
-            <a:ext cx="2916820" cy="510199"/>
-          </a:xfrm>
-        </p:spPr>
-        <p:txBody>
-          <a:bodyPr numCol="1">
-            <a:noAutofit/>
-          </a:bodyPr>
-          <a:lstStyle/>
-          <a:p>
-            <a:pPr algn="ctr"/>
-            <a:r>
-              <a:rPr lang="fr-CH" sz="2800" dirty="0"/>
-              <a:t>Introduction</a:t>
-            </a:r>
-          </a:p>
-        </p:txBody>
-      </p:sp>
-      <p:sp>
-        <p:nvSpPr>
-          <p:cNvPr id="5" name="Content Placeholder 2"/>
-          <p:cNvSpPr txBox="1">
-            <a:spLocks/>
-          </p:cNvSpPr>
-          <p:nvPr/>
-        </p:nvSpPr>
-        <p:spPr>
-          <a:xfrm>
-            <a:off x="615821" y="1698172"/>
-            <a:ext cx="10216729" cy="3546074"/>
-          </a:xfrm>
-          <a:prstGeom prst="rect">
-            <a:avLst/>
-          </a:prstGeom>
-        </p:spPr>
-        <p:txBody>
-          <a:bodyPr vert="horz" lIns="91440" tIns="45720" rIns="91440" bIns="45720" rtlCol="0" anchor="ctr">
-            <a:normAutofit/>
-          </a:bodyPr>
-          <a:lstStyle>
-            <a:lvl1pPr marL="285750" indent="-285750" algn="l" defTabSz="457200" rtl="0" eaLnBrk="1" latinLnBrk="0" hangingPunct="1">
-              <a:spcBef>
-                <a:spcPct val="20000"/>
-              </a:spcBef>
-              <a:spcAft>
-                <a:spcPts val="600"/>
-              </a:spcAft>
-              <a:buClr>
-                <a:schemeClr val="tx1"/>
-              </a:buClr>
-              <a:buSzPct val="80000"/>
-              <a:buFont typeface="Wingdings 3" panose="05040102010807070707" pitchFamily="18" charset="2"/>
-              <a:buChar char=""/>
-              <a:defRPr sz="2000" kern="1200" cap="none">
-                <a:solidFill>
-                  <a:schemeClr val="bg2">
-                    <a:lumMod val="75000"/>
-                  </a:schemeClr>
-                </a:solidFill>
-                <a:effectLst/>
-                <a:latin typeface="+mn-lt"/>
-                <a:ea typeface="+mn-ea"/>
-                <a:cs typeface="+mn-cs"/>
-              </a:defRPr>
-            </a:lvl1pPr>
-            <a:lvl2pPr marL="742950" indent="-285750" algn="l" defTabSz="457200" rtl="0" eaLnBrk="1" latinLnBrk="0" hangingPunct="1">
-              <a:spcBef>
-                <a:spcPct val="20000"/>
-              </a:spcBef>
-              <a:spcAft>
-                <a:spcPts val="600"/>
-              </a:spcAft>
-              <a:buClr>
-                <a:schemeClr val="tx1"/>
-              </a:buClr>
-              <a:buSzPct val="80000"/>
-              <a:buFont typeface="Wingdings 3" panose="05040102010807070707" pitchFamily="18" charset="2"/>
-              <a:buChar char=""/>
-              <a:defRPr sz="1800" kern="1200" cap="none">
-                <a:solidFill>
-                  <a:schemeClr val="bg2">
-                    <a:lumMod val="75000"/>
-                  </a:schemeClr>
-                </a:solidFill>
-                <a:effectLst/>
-                <a:latin typeface="+mn-lt"/>
-                <a:ea typeface="+mn-ea"/>
-                <a:cs typeface="+mn-cs"/>
-              </a:defRPr>
-            </a:lvl2pPr>
-            <a:lvl3pPr marL="1200150" indent="-285750" algn="l" defTabSz="457200" rtl="0" eaLnBrk="1" latinLnBrk="0" hangingPunct="1">
-              <a:spcBef>
-                <a:spcPct val="20000"/>
-              </a:spcBef>
-              <a:spcAft>
-                <a:spcPts val="600"/>
-              </a:spcAft>
-              <a:buClr>
-                <a:schemeClr val="tx1"/>
-              </a:buClr>
-              <a:buSzPct val="80000"/>
-              <a:buFont typeface="Wingdings 3" panose="05040102010807070707" pitchFamily="18" charset="2"/>
-              <a:buChar char=""/>
-              <a:defRPr sz="1600" kern="1200" cap="none">
-                <a:solidFill>
-                  <a:schemeClr val="bg2">
-                    <a:lumMod val="75000"/>
-                  </a:schemeClr>
-                </a:solidFill>
-                <a:effectLst/>
-                <a:latin typeface="+mn-lt"/>
-                <a:ea typeface="+mn-ea"/>
-                <a:cs typeface="+mn-cs"/>
-              </a:defRPr>
-            </a:lvl3pPr>
-            <a:lvl4pPr marL="1543050" indent="-171450" algn="l" defTabSz="457200" rtl="0" eaLnBrk="1" latinLnBrk="0" hangingPunct="1">
-              <a:spcBef>
-                <a:spcPct val="20000"/>
-              </a:spcBef>
-              <a:spcAft>
-                <a:spcPts val="600"/>
-              </a:spcAft>
-              <a:buClr>
-                <a:schemeClr val="tx1"/>
-              </a:buClr>
-              <a:buSzPct val="80000"/>
-              <a:buFont typeface="Wingdings 3" panose="05040102010807070707" pitchFamily="18" charset="2"/>
-              <a:buChar char=""/>
-              <a:defRPr sz="1400" kern="1200" cap="none">
-                <a:solidFill>
-                  <a:schemeClr val="bg2">
-                    <a:lumMod val="75000"/>
-                  </a:schemeClr>
-                </a:solidFill>
-                <a:effectLst/>
-                <a:latin typeface="+mn-lt"/>
-                <a:ea typeface="+mn-ea"/>
-                <a:cs typeface="+mn-cs"/>
-              </a:defRPr>
-            </a:lvl4pPr>
-            <a:lvl5pPr marL="2000250" indent="-171450" algn="l" defTabSz="457200" rtl="0" eaLnBrk="1" latinLnBrk="0" hangingPunct="1">
-              <a:spcBef>
-                <a:spcPct val="20000"/>
-              </a:spcBef>
-              <a:spcAft>
-                <a:spcPts val="600"/>
-              </a:spcAft>
-              <a:buClr>
-                <a:schemeClr val="tx1"/>
-              </a:buClr>
-              <a:buSzPct val="80000"/>
-              <a:buFont typeface="Wingdings 3" panose="05040102010807070707" pitchFamily="18" charset="2"/>
-              <a:buChar char=""/>
-              <a:defRPr sz="1400" kern="1200" cap="none">
-                <a:solidFill>
-                  <a:schemeClr val="bg2">
-                    <a:lumMod val="75000"/>
-                  </a:schemeClr>
-                </a:solidFill>
-                <a:effectLst/>
-                <a:latin typeface="+mn-lt"/>
-                <a:ea typeface="+mn-ea"/>
-                <a:cs typeface="+mn-cs"/>
-              </a:defRPr>
-            </a:lvl5pPr>
-            <a:lvl6pPr marL="2514600" indent="-228600" algn="l" defTabSz="457200" rtl="0" eaLnBrk="1" latinLnBrk="0" hangingPunct="1">
-              <a:spcBef>
-                <a:spcPct val="20000"/>
-              </a:spcBef>
-              <a:spcAft>
-                <a:spcPts val="600"/>
-              </a:spcAft>
-              <a:buClr>
-                <a:schemeClr val="tx1"/>
-              </a:buClr>
-              <a:buSzPct val="80000"/>
-              <a:buFont typeface="Wingdings 3" panose="05040102010807070707" pitchFamily="18" charset="2"/>
-              <a:buChar char=""/>
-              <a:defRPr sz="1400" kern="1200" cap="none">
-                <a:solidFill>
-                  <a:schemeClr val="bg2">
-                    <a:lumMod val="75000"/>
-                  </a:schemeClr>
-                </a:solidFill>
-                <a:effectLst/>
-                <a:latin typeface="+mn-lt"/>
-                <a:ea typeface="+mn-ea"/>
-                <a:cs typeface="+mn-cs"/>
-              </a:defRPr>
-            </a:lvl6pPr>
-            <a:lvl7pPr marL="2971800" indent="-228600" algn="l" defTabSz="457200" rtl="0" eaLnBrk="1" latinLnBrk="0" hangingPunct="1">
-              <a:spcBef>
-                <a:spcPct val="20000"/>
-              </a:spcBef>
-              <a:spcAft>
-                <a:spcPts val="600"/>
-              </a:spcAft>
-              <a:buClr>
-                <a:schemeClr val="tx1"/>
-              </a:buClr>
-              <a:buSzPct val="80000"/>
-              <a:buFont typeface="Wingdings 3" panose="05040102010807070707" pitchFamily="18" charset="2"/>
-              <a:buChar char=""/>
-              <a:defRPr sz="1400" kern="1200" cap="none">
-                <a:solidFill>
-                  <a:schemeClr val="bg2">
-                    <a:lumMod val="75000"/>
-                  </a:schemeClr>
-                </a:solidFill>
-                <a:effectLst/>
-                <a:latin typeface="+mn-lt"/>
-                <a:ea typeface="+mn-ea"/>
-                <a:cs typeface="+mn-cs"/>
-              </a:defRPr>
-            </a:lvl7pPr>
-            <a:lvl8pPr marL="3429000" indent="-228600" algn="l" defTabSz="457200" rtl="0" eaLnBrk="1" latinLnBrk="0" hangingPunct="1">
-              <a:spcBef>
-                <a:spcPct val="20000"/>
-              </a:spcBef>
-              <a:spcAft>
-                <a:spcPts val="600"/>
-              </a:spcAft>
-              <a:buClr>
-                <a:schemeClr val="tx1"/>
-              </a:buClr>
-              <a:buSzPct val="80000"/>
-              <a:buFont typeface="Wingdings 3" panose="05040102010807070707" pitchFamily="18" charset="2"/>
-              <a:buChar char=""/>
-              <a:defRPr sz="1400" kern="1200" cap="none">
-                <a:solidFill>
-                  <a:schemeClr val="bg2">
-                    <a:lumMod val="75000"/>
-                  </a:schemeClr>
-                </a:solidFill>
-                <a:effectLst/>
-                <a:latin typeface="+mn-lt"/>
-                <a:ea typeface="+mn-ea"/>
-                <a:cs typeface="+mn-cs"/>
-              </a:defRPr>
-            </a:lvl8pPr>
-            <a:lvl9pPr marL="3886200" indent="-228600" algn="l" defTabSz="457200" rtl="0" eaLnBrk="1" latinLnBrk="0" hangingPunct="1">
-              <a:spcBef>
-                <a:spcPct val="20000"/>
-              </a:spcBef>
-              <a:spcAft>
-                <a:spcPts val="600"/>
-              </a:spcAft>
-              <a:buClr>
-                <a:schemeClr val="tx1"/>
-              </a:buClr>
-              <a:buSzPct val="80000"/>
-              <a:buFont typeface="Wingdings 3" panose="05040102010807070707" pitchFamily="18" charset="2"/>
-              <a:buChar char=""/>
-              <a:defRPr sz="1400" kern="1200" cap="none">
-                <a:solidFill>
-                  <a:schemeClr val="bg2">
-                    <a:lumMod val="75000"/>
-                  </a:schemeClr>
-                </a:solidFill>
-                <a:effectLst/>
-                <a:latin typeface="+mn-lt"/>
-                <a:ea typeface="+mn-ea"/>
-                <a:cs typeface="+mn-cs"/>
-              </a:defRPr>
-            </a:lvl9pPr>
-          </a:lstStyle>
-          <a:p>
-            <a:pPr lvl="1">
-              <a:lnSpc>
-                <a:spcPct val="150000"/>
-              </a:lnSpc>
-            </a:pPr>
-            <a:r>
-              <a:rPr lang="fr-CH" sz="2000" dirty="0">
-                <a:solidFill>
-                  <a:schemeClr val="tx1"/>
-                </a:solidFill>
-              </a:rPr>
-              <a:t>Sujet : La fabrication d’un câble Ethernet</a:t>
-            </a:r>
-          </a:p>
-          <a:p>
-            <a:pPr lvl="1">
-              <a:lnSpc>
-                <a:spcPct val="150000"/>
-              </a:lnSpc>
-            </a:pPr>
-            <a:r>
-              <a:rPr lang="fr-CH" sz="2000" dirty="0">
-                <a:solidFill>
-                  <a:schemeClr val="tx1"/>
-                </a:solidFill>
-              </a:rPr>
-              <a:t>Cette présentation à comme objectifs :</a:t>
-            </a:r>
-          </a:p>
-          <a:p>
-            <a:pPr lvl="2">
-              <a:lnSpc>
-                <a:spcPct val="150000"/>
-              </a:lnSpc>
-            </a:pPr>
-            <a:r>
-              <a:rPr lang="fr-CH" sz="1800" dirty="0">
-                <a:solidFill>
-                  <a:schemeClr val="tx1"/>
-                </a:solidFill>
-              </a:rPr>
-              <a:t>Décrire et présenter les différentes normes, catégories et technologies d’un câble Ethernet</a:t>
-            </a:r>
-          </a:p>
-          <a:p>
-            <a:pPr lvl="2">
-              <a:lnSpc>
-                <a:spcPct val="150000"/>
-              </a:lnSpc>
-            </a:pPr>
-            <a:r>
-              <a:rPr lang="fr-CH" sz="1800" dirty="0">
-                <a:solidFill>
-                  <a:schemeClr val="tx1"/>
-                </a:solidFill>
-              </a:rPr>
-              <a:t>Démontrer la fabrication d’un câble RJ-45</a:t>
-            </a:r>
-          </a:p>
-          <a:p>
-            <a:pPr lvl="2">
-              <a:lnSpc>
-                <a:spcPct val="150000"/>
-              </a:lnSpc>
-            </a:pPr>
-            <a:endParaRPr lang="fr-CH" sz="2200" dirty="0">
-              <a:solidFill>
-                <a:schemeClr val="tx1"/>
-              </a:solidFill>
-            </a:endParaRPr>
-          </a:p>
-          <a:p>
-            <a:pPr lvl="2">
-              <a:lnSpc>
-                <a:spcPct val="150000"/>
-              </a:lnSpc>
-            </a:pPr>
-            <a:endParaRPr lang="fr-CH" sz="2200" dirty="0">
-              <a:solidFill>
-                <a:schemeClr val="tx1"/>
-              </a:solidFill>
-            </a:endParaRPr>
-          </a:p>
-        </p:txBody>
-      </p:sp>
-    </p:spTree>
-    <p:extLst>
-      <p:ext uri="{BB962C8B-B14F-4D97-AF65-F5344CB8AC3E}">
-        <p14:creationId xmlns:p14="http://schemas.microsoft.com/office/powerpoint/2010/main" val="3456633582"/>
-      </p:ext>
-    </p:extLst>
-  </p:cSld>
-  <p:clrMapOvr>
-    <a:masterClrMapping/>
-  </p:clrMapOvr>
-</p:sld>
-</file>
-
-<file path=ppt/slides/slide30.xml><?xml version="1.0" encoding="utf-8"?>
+<file path=ppt/slides/slide31.xml><?xml version="1.0" encoding="utf-8"?>
 <p:sld xmlns:a="http://schemas.openxmlformats.org/drawingml/2006/main" xmlns:r="http://schemas.openxmlformats.org/officeDocument/2006/relationships" xmlns:p="http://schemas.openxmlformats.org/presentationml/2006/main">
   <p:cSld>
     <p:spTree>
@@ -13480,216 +13571,6 @@
 </p:sld>
 </file>
 
-<file path=ppt/slides/slide31.xml><?xml version="1.0" encoding="utf-8"?>
-<p:sld xmlns:a="http://schemas.openxmlformats.org/drawingml/2006/main" xmlns:r="http://schemas.openxmlformats.org/officeDocument/2006/relationships" xmlns:p="http://schemas.openxmlformats.org/presentationml/2006/main">
-  <p:cSld>
-    <p:spTree>
-      <p:nvGrpSpPr>
-        <p:cNvPr id="1" name=""/>
-        <p:cNvGrpSpPr/>
-        <p:nvPr/>
-      </p:nvGrpSpPr>
-      <p:grpSpPr>
-        <a:xfrm>
-          <a:off x="0" y="0"/>
-          <a:ext cx="0" cy="0"/>
-          <a:chOff x="0" y="0"/>
-          <a:chExt cx="0" cy="0"/>
-        </a:xfrm>
-      </p:grpSpPr>
-      <p:sp>
-        <p:nvSpPr>
-          <p:cNvPr id="6" name="Title 1"/>
-          <p:cNvSpPr>
-            <a:spLocks noGrp="1"/>
-          </p:cNvSpPr>
-          <p:nvPr>
-            <p:ph type="title"/>
-          </p:nvPr>
-        </p:nvSpPr>
-        <p:spPr>
-          <a:xfrm>
-            <a:off x="0" y="0"/>
-            <a:ext cx="3032567" cy="510199"/>
-          </a:xfrm>
-        </p:spPr>
-        <p:txBody>
-          <a:bodyPr numCol="1">
-            <a:noAutofit/>
-          </a:bodyPr>
-          <a:lstStyle/>
-          <a:p>
-            <a:pPr algn="ctr"/>
-            <a:r>
-              <a:rPr lang="fr-CH" sz="2800" dirty="0"/>
-              <a:t>CONNECTIQUES</a:t>
-            </a:r>
-          </a:p>
-        </p:txBody>
-      </p:sp>
-      <p:sp>
-        <p:nvSpPr>
-          <p:cNvPr id="2" name="ZoneTexte 1"/>
-          <p:cNvSpPr txBox="1"/>
-          <p:nvPr/>
-        </p:nvSpPr>
-        <p:spPr>
-          <a:xfrm>
-            <a:off x="951721" y="802434"/>
-            <a:ext cx="5747657" cy="1077218"/>
-          </a:xfrm>
-          <a:prstGeom prst="rect">
-            <a:avLst/>
-          </a:prstGeom>
-          <a:noFill/>
-        </p:spPr>
-        <p:txBody>
-          <a:bodyPr wrap="square" rtlCol="0">
-            <a:spAutoFit/>
-          </a:bodyPr>
-          <a:lstStyle/>
-          <a:p>
-            <a:r>
-              <a:rPr lang="fr-CH" sz="3200" b="1" dirty="0"/>
-              <a:t>RJ-11 Femelle - </a:t>
-            </a:r>
-            <a:r>
-              <a:rPr lang="fr-CH" sz="3200" i="1" dirty="0"/>
-              <a:t>Registered Jack 11</a:t>
-            </a:r>
-          </a:p>
-        </p:txBody>
-      </p:sp>
-      <p:sp>
-        <p:nvSpPr>
-          <p:cNvPr id="4" name="ZoneTexte 3"/>
-          <p:cNvSpPr txBox="1"/>
-          <p:nvPr/>
-        </p:nvSpPr>
-        <p:spPr>
-          <a:xfrm>
-            <a:off x="1240971" y="1754155"/>
-            <a:ext cx="7940351" cy="5078313"/>
-          </a:xfrm>
-          <a:prstGeom prst="rect">
-            <a:avLst/>
-          </a:prstGeom>
-          <a:noFill/>
-        </p:spPr>
-        <p:txBody>
-          <a:bodyPr wrap="square" rtlCol="0">
-            <a:spAutoFit/>
-          </a:bodyPr>
-          <a:lstStyle/>
-          <a:p>
-            <a:pPr>
-              <a:lnSpc>
-                <a:spcPct val="150000"/>
-              </a:lnSpc>
-            </a:pPr>
-            <a:r>
-              <a:rPr lang="fr-CH" b="1" u="sng" dirty="0"/>
-              <a:t>Usage du RJ-11 femelle</a:t>
-            </a:r>
-          </a:p>
-          <a:p>
-            <a:pPr>
-              <a:lnSpc>
-                <a:spcPct val="150000"/>
-              </a:lnSpc>
-            </a:pPr>
-            <a:r>
-              <a:rPr lang="fr-CH" dirty="0"/>
-              <a:t>Téléphonie</a:t>
-            </a:r>
-          </a:p>
-          <a:p>
-            <a:pPr>
-              <a:lnSpc>
-                <a:spcPct val="150000"/>
-              </a:lnSpc>
-            </a:pPr>
-            <a:r>
-              <a:rPr lang="fr-CH" dirty="0"/>
-              <a:t>Réseau local</a:t>
-            </a:r>
-          </a:p>
-          <a:p>
-            <a:pPr>
-              <a:lnSpc>
-                <a:spcPct val="150000"/>
-              </a:lnSpc>
-            </a:pPr>
-            <a:r>
-              <a:rPr lang="fr-CH" dirty="0" err="1"/>
-              <a:t>PoE</a:t>
-            </a:r>
-            <a:endParaRPr lang="fr-CH" dirty="0"/>
-          </a:p>
-          <a:p>
-            <a:pPr>
-              <a:lnSpc>
-                <a:spcPct val="150000"/>
-              </a:lnSpc>
-            </a:pPr>
-            <a:r>
-              <a:rPr lang="fr-CH" b="1" u="sng" dirty="0"/>
-              <a:t>Fonctionnement</a:t>
-            </a:r>
-          </a:p>
-          <a:p>
-            <a:pPr>
-              <a:lnSpc>
-                <a:spcPct val="150000"/>
-              </a:lnSpc>
-            </a:pPr>
-            <a:r>
-              <a:rPr lang="fr-CH" dirty="0"/>
-              <a:t>Un RJ-11 possède 4 broches où les paires torsadées passent.</a:t>
-            </a:r>
-          </a:p>
-          <a:p>
-            <a:endParaRPr lang="fr-CH" dirty="0"/>
-          </a:p>
-          <a:p>
-            <a:endParaRPr lang="fr-CH" dirty="0"/>
-          </a:p>
-          <a:p>
-            <a:endParaRPr lang="fr-CH" dirty="0"/>
-          </a:p>
-          <a:p>
-            <a:endParaRPr lang="fr-CH" dirty="0"/>
-          </a:p>
-          <a:p>
-            <a:endParaRPr lang="fr-CH" dirty="0"/>
-          </a:p>
-          <a:p>
-            <a:endParaRPr lang="fr-CH" dirty="0"/>
-          </a:p>
-          <a:p>
-            <a:endParaRPr lang="fr-CH" dirty="0"/>
-          </a:p>
-          <a:p>
-            <a:endParaRPr lang="fr-CH" dirty="0"/>
-          </a:p>
-          <a:p>
-            <a:endParaRPr lang="fr-CH" dirty="0"/>
-          </a:p>
-        </p:txBody>
-      </p:sp>
-    </p:spTree>
-    <p:extLst>
-      <p:ext uri="{BB962C8B-B14F-4D97-AF65-F5344CB8AC3E}">
-        <p14:creationId xmlns:p14="http://schemas.microsoft.com/office/powerpoint/2010/main" val="3659849013"/>
-      </p:ext>
-    </p:extLst>
-  </p:cSld>
-  <p:clrMapOvr>
-    <a:masterClrMapping/>
-  </p:clrMapOvr>
-</p:sld>
-</file>
-
 <file path=ppt/slides/slide32.xml><?xml version="1.0" encoding="utf-8"?>
 <p:sld xmlns:a="http://schemas.openxmlformats.org/drawingml/2006/main" xmlns:r="http://schemas.openxmlformats.org/officeDocument/2006/relationships" xmlns:p="http://schemas.openxmlformats.org/presentationml/2006/main">
   <p:cSld>
@@ -13709,6 +13590,216 @@
       </p:grpSpPr>
       <p:sp>
         <p:nvSpPr>
+          <p:cNvPr id="6" name="Title 1"/>
+          <p:cNvSpPr>
+            <a:spLocks noGrp="1"/>
+          </p:cNvSpPr>
+          <p:nvPr>
+            <p:ph type="title"/>
+          </p:nvPr>
+        </p:nvSpPr>
+        <p:spPr>
+          <a:xfrm>
+            <a:off x="0" y="0"/>
+            <a:ext cx="3032567" cy="510199"/>
+          </a:xfrm>
+        </p:spPr>
+        <p:txBody>
+          <a:bodyPr numCol="1">
+            <a:noAutofit/>
+          </a:bodyPr>
+          <a:lstStyle/>
+          <a:p>
+            <a:pPr algn="ctr"/>
+            <a:r>
+              <a:rPr lang="fr-CH" sz="2800" dirty="0"/>
+              <a:t>CONNECTIQUES</a:t>
+            </a:r>
+          </a:p>
+        </p:txBody>
+      </p:sp>
+      <p:sp>
+        <p:nvSpPr>
+          <p:cNvPr id="2" name="ZoneTexte 1"/>
+          <p:cNvSpPr txBox="1"/>
+          <p:nvPr/>
+        </p:nvSpPr>
+        <p:spPr>
+          <a:xfrm>
+            <a:off x="951721" y="802434"/>
+            <a:ext cx="5747657" cy="1077218"/>
+          </a:xfrm>
+          <a:prstGeom prst="rect">
+            <a:avLst/>
+          </a:prstGeom>
+          <a:noFill/>
+        </p:spPr>
+        <p:txBody>
+          <a:bodyPr wrap="square" rtlCol="0">
+            <a:spAutoFit/>
+          </a:bodyPr>
+          <a:lstStyle/>
+          <a:p>
+            <a:r>
+              <a:rPr lang="fr-CH" sz="3200" b="1" dirty="0"/>
+              <a:t>RJ-11 Femelle - </a:t>
+            </a:r>
+            <a:r>
+              <a:rPr lang="fr-CH" sz="3200" i="1" dirty="0"/>
+              <a:t>Registered Jack 11</a:t>
+            </a:r>
+          </a:p>
+        </p:txBody>
+      </p:sp>
+      <p:sp>
+        <p:nvSpPr>
+          <p:cNvPr id="4" name="ZoneTexte 3"/>
+          <p:cNvSpPr txBox="1"/>
+          <p:nvPr/>
+        </p:nvSpPr>
+        <p:spPr>
+          <a:xfrm>
+            <a:off x="1240971" y="1754155"/>
+            <a:ext cx="7940351" cy="5078313"/>
+          </a:xfrm>
+          <a:prstGeom prst="rect">
+            <a:avLst/>
+          </a:prstGeom>
+          <a:noFill/>
+        </p:spPr>
+        <p:txBody>
+          <a:bodyPr wrap="square" rtlCol="0">
+            <a:spAutoFit/>
+          </a:bodyPr>
+          <a:lstStyle/>
+          <a:p>
+            <a:pPr>
+              <a:lnSpc>
+                <a:spcPct val="150000"/>
+              </a:lnSpc>
+            </a:pPr>
+            <a:r>
+              <a:rPr lang="fr-CH" b="1" u="sng" dirty="0"/>
+              <a:t>Usage du RJ-11 femelle</a:t>
+            </a:r>
+          </a:p>
+          <a:p>
+            <a:pPr>
+              <a:lnSpc>
+                <a:spcPct val="150000"/>
+              </a:lnSpc>
+            </a:pPr>
+            <a:r>
+              <a:rPr lang="fr-CH" dirty="0"/>
+              <a:t>Téléphonie</a:t>
+            </a:r>
+          </a:p>
+          <a:p>
+            <a:pPr>
+              <a:lnSpc>
+                <a:spcPct val="150000"/>
+              </a:lnSpc>
+            </a:pPr>
+            <a:r>
+              <a:rPr lang="fr-CH" dirty="0"/>
+              <a:t>Réseau local</a:t>
+            </a:r>
+          </a:p>
+          <a:p>
+            <a:pPr>
+              <a:lnSpc>
+                <a:spcPct val="150000"/>
+              </a:lnSpc>
+            </a:pPr>
+            <a:r>
+              <a:rPr lang="fr-CH" dirty="0" err="1"/>
+              <a:t>PoE</a:t>
+            </a:r>
+            <a:endParaRPr lang="fr-CH" dirty="0"/>
+          </a:p>
+          <a:p>
+            <a:pPr>
+              <a:lnSpc>
+                <a:spcPct val="150000"/>
+              </a:lnSpc>
+            </a:pPr>
+            <a:r>
+              <a:rPr lang="fr-CH" b="1" u="sng" dirty="0"/>
+              <a:t>Fonctionnement</a:t>
+            </a:r>
+          </a:p>
+          <a:p>
+            <a:pPr>
+              <a:lnSpc>
+                <a:spcPct val="150000"/>
+              </a:lnSpc>
+            </a:pPr>
+            <a:r>
+              <a:rPr lang="fr-CH" dirty="0"/>
+              <a:t>Un RJ-11 possède 4 broches où les paires torsadées passent.</a:t>
+            </a:r>
+          </a:p>
+          <a:p>
+            <a:endParaRPr lang="fr-CH" dirty="0"/>
+          </a:p>
+          <a:p>
+            <a:endParaRPr lang="fr-CH" dirty="0"/>
+          </a:p>
+          <a:p>
+            <a:endParaRPr lang="fr-CH" dirty="0"/>
+          </a:p>
+          <a:p>
+            <a:endParaRPr lang="fr-CH" dirty="0"/>
+          </a:p>
+          <a:p>
+            <a:endParaRPr lang="fr-CH" dirty="0"/>
+          </a:p>
+          <a:p>
+            <a:endParaRPr lang="fr-CH" dirty="0"/>
+          </a:p>
+          <a:p>
+            <a:endParaRPr lang="fr-CH" dirty="0"/>
+          </a:p>
+          <a:p>
+            <a:endParaRPr lang="fr-CH" dirty="0"/>
+          </a:p>
+          <a:p>
+            <a:endParaRPr lang="fr-CH" dirty="0"/>
+          </a:p>
+        </p:txBody>
+      </p:sp>
+    </p:spTree>
+    <p:extLst>
+      <p:ext uri="{BB962C8B-B14F-4D97-AF65-F5344CB8AC3E}">
+        <p14:creationId xmlns:p14="http://schemas.microsoft.com/office/powerpoint/2010/main" val="3659849013"/>
+      </p:ext>
+    </p:extLst>
+  </p:cSld>
+  <p:clrMapOvr>
+    <a:masterClrMapping/>
+  </p:clrMapOvr>
+</p:sld>
+</file>
+
+<file path=ppt/slides/slide33.xml><?xml version="1.0" encoding="utf-8"?>
+<p:sld xmlns:a="http://schemas.openxmlformats.org/drawingml/2006/main" xmlns:r="http://schemas.openxmlformats.org/officeDocument/2006/relationships" xmlns:p="http://schemas.openxmlformats.org/presentationml/2006/main">
+  <p:cSld>
+    <p:spTree>
+      <p:nvGrpSpPr>
+        <p:cNvPr id="1" name=""/>
+        <p:cNvGrpSpPr/>
+        <p:nvPr/>
+      </p:nvGrpSpPr>
+      <p:grpSpPr>
+        <a:xfrm>
+          <a:off x="0" y="0"/>
+          <a:ext cx="0" cy="0"/>
+          <a:chOff x="0" y="0"/>
+          <a:chExt cx="0" cy="0"/>
+        </a:xfrm>
+      </p:grpSpPr>
+      <p:sp>
+        <p:nvSpPr>
           <p:cNvPr id="5" name="Content Placeholder 2"/>
           <p:cNvSpPr>
             <a:spLocks noGrp="1"/>
@@ -13793,7 +13884,7 @@
           <p:cNvPr id="2" name="ZoneTexte 1">
             <a:extLst>
               <a:ext uri="{FF2B5EF4-FFF2-40B4-BE49-F238E27FC236}">
-                <a16:creationId xmlns:a16="http://schemas.microsoft.com/office/drawing/2014/main" id="{A35CA12C-1266-4CF7-B4FA-9BCC04FF0A7A}"/>
+                <a16:creationId xmlns:a16="http://schemas.microsoft.com/office/drawing/2014/main" xmlns="" id="{A35CA12C-1266-4CF7-B4FA-9BCC04FF0A7A}"/>
               </a:ext>
             </a:extLst>
           </p:cNvPr>
@@ -13844,7 +13935,7 @@
           <p:cNvPr id="3" name="ZoneTexte 2">
             <a:extLst>
               <a:ext uri="{FF2B5EF4-FFF2-40B4-BE49-F238E27FC236}">
-                <a16:creationId xmlns:a16="http://schemas.microsoft.com/office/drawing/2014/main" id="{A87DECA1-1134-4B40-9A37-999B0F16999A}"/>
+                <a16:creationId xmlns:a16="http://schemas.microsoft.com/office/drawing/2014/main" xmlns="" id="{A87DECA1-1134-4B40-9A37-999B0F16999A}"/>
               </a:ext>
             </a:extLst>
           </p:cNvPr>
@@ -13879,7 +13970,7 @@
           <p:cNvPr id="4" name="ZoneTexte 3">
             <a:extLst>
               <a:ext uri="{FF2B5EF4-FFF2-40B4-BE49-F238E27FC236}">
-                <a16:creationId xmlns:a16="http://schemas.microsoft.com/office/drawing/2014/main" id="{4484CECE-1614-4AEE-A3E5-0B7519852559}"/>
+                <a16:creationId xmlns:a16="http://schemas.microsoft.com/office/drawing/2014/main" xmlns="" id="{4484CECE-1614-4AEE-A3E5-0B7519852559}"/>
               </a:ext>
             </a:extLst>
           </p:cNvPr>
@@ -13916,7 +14007,7 @@
           <p:cNvPr id="9" name="Groupe 8">
             <a:extLst>
               <a:ext uri="{FF2B5EF4-FFF2-40B4-BE49-F238E27FC236}">
-                <a16:creationId xmlns:a16="http://schemas.microsoft.com/office/drawing/2014/main" id="{23D82E5C-A968-44F6-8506-2728DD4691EC}"/>
+                <a16:creationId xmlns:a16="http://schemas.microsoft.com/office/drawing/2014/main" xmlns="" id="{23D82E5C-A968-44F6-8506-2728DD4691EC}"/>
               </a:ext>
             </a:extLst>
           </p:cNvPr>
@@ -13936,7 +14027,7 @@
             <p:cNvPr id="7" name="Rectangle 6">
               <a:extLst>
                 <a:ext uri="{FF2B5EF4-FFF2-40B4-BE49-F238E27FC236}">
-                  <a16:creationId xmlns:a16="http://schemas.microsoft.com/office/drawing/2014/main" id="{9916E7EC-0F54-4B06-88D6-BC6EA432DDDE}"/>
+                  <a16:creationId xmlns:a16="http://schemas.microsoft.com/office/drawing/2014/main" xmlns="" id="{9916E7EC-0F54-4B06-88D6-BC6EA432DDDE}"/>
                 </a:ext>
               </a:extLst>
             </p:cNvPr>
@@ -13991,7 +14082,7 @@
             <p:cNvPr id="8" name="ZoneTexte 7">
               <a:extLst>
                 <a:ext uri="{FF2B5EF4-FFF2-40B4-BE49-F238E27FC236}">
-                  <a16:creationId xmlns:a16="http://schemas.microsoft.com/office/drawing/2014/main" id="{D91180B7-05B4-4F84-BBE4-1ABBF07A8C2A}"/>
+                  <a16:creationId xmlns:a16="http://schemas.microsoft.com/office/drawing/2014/main" xmlns="" id="{D91180B7-05B4-4F84-BBE4-1ABBF07A8C2A}"/>
                 </a:ext>
               </a:extLst>
             </p:cNvPr>
@@ -14043,7 +14134,7 @@
           <p:cNvPr id="10" name="Groupe 9">
             <a:extLst>
               <a:ext uri="{FF2B5EF4-FFF2-40B4-BE49-F238E27FC236}">
-                <a16:creationId xmlns:a16="http://schemas.microsoft.com/office/drawing/2014/main" id="{465546DD-A06A-4710-95C0-C71CCAD0287A}"/>
+                <a16:creationId xmlns:a16="http://schemas.microsoft.com/office/drawing/2014/main" xmlns="" id="{465546DD-A06A-4710-95C0-C71CCAD0287A}"/>
               </a:ext>
             </a:extLst>
           </p:cNvPr>
@@ -14063,7 +14154,7 @@
             <p:cNvPr id="11" name="Rectangle 10">
               <a:extLst>
                 <a:ext uri="{FF2B5EF4-FFF2-40B4-BE49-F238E27FC236}">
-                  <a16:creationId xmlns:a16="http://schemas.microsoft.com/office/drawing/2014/main" id="{91B49790-0484-4C5B-A768-A3CEE69E7730}"/>
+                  <a16:creationId xmlns:a16="http://schemas.microsoft.com/office/drawing/2014/main" xmlns="" id="{91B49790-0484-4C5B-A768-A3CEE69E7730}"/>
                 </a:ext>
               </a:extLst>
             </p:cNvPr>
@@ -14102,7 +14193,7 @@
             <p:cNvPr id="12" name="ZoneTexte 11">
               <a:extLst>
                 <a:ext uri="{FF2B5EF4-FFF2-40B4-BE49-F238E27FC236}">
-                  <a16:creationId xmlns:a16="http://schemas.microsoft.com/office/drawing/2014/main" id="{CE58D107-D557-4FAB-855F-DF42D305D917}"/>
+                  <a16:creationId xmlns:a16="http://schemas.microsoft.com/office/drawing/2014/main" xmlns="" id="{CE58D107-D557-4FAB-855F-DF42D305D917}"/>
                 </a:ext>
               </a:extLst>
             </p:cNvPr>
@@ -14162,272 +14253,6 @@
 </p:sld>
 </file>
 
-<file path=ppt/slides/slide33.xml><?xml version="1.0" encoding="utf-8"?>
-<p:sld xmlns:a="http://schemas.openxmlformats.org/drawingml/2006/main" xmlns:r="http://schemas.openxmlformats.org/officeDocument/2006/relationships" xmlns:p="http://schemas.openxmlformats.org/presentationml/2006/main">
-  <p:cSld>
-    <p:spTree>
-      <p:nvGrpSpPr>
-        <p:cNvPr id="1" name=""/>
-        <p:cNvGrpSpPr/>
-        <p:nvPr/>
-      </p:nvGrpSpPr>
-      <p:grpSpPr>
-        <a:xfrm>
-          <a:off x="0" y="0"/>
-          <a:ext cx="0" cy="0"/>
-          <a:chOff x="0" y="0"/>
-          <a:chExt cx="0" cy="0"/>
-        </a:xfrm>
-      </p:grpSpPr>
-      <p:sp>
-        <p:nvSpPr>
-          <p:cNvPr id="5" name="Content Placeholder 2"/>
-          <p:cNvSpPr>
-            <a:spLocks noGrp="1"/>
-          </p:cNvSpPr>
-          <p:nvPr>
-            <p:ph idx="1"/>
-          </p:nvPr>
-        </p:nvSpPr>
-        <p:spPr>
-          <a:xfrm>
-            <a:off x="326020" y="634971"/>
-            <a:ext cx="11539959" cy="510199"/>
-          </a:xfrm>
-        </p:spPr>
-        <p:txBody>
-          <a:bodyPr>
-            <a:normAutofit/>
-          </a:bodyPr>
-          <a:lstStyle/>
-          <a:p>
-            <a:pPr marL="0" indent="0">
-              <a:buNone/>
-            </a:pPr>
-            <a:r>
-              <a:rPr lang="it-IT" sz="2400" dirty="0">
-                <a:solidFill>
-                  <a:schemeClr val="tx1"/>
-                </a:solidFill>
-              </a:rPr>
-              <a:t>IEEE </a:t>
-            </a:r>
-            <a:r>
-              <a:rPr lang="it-IT" sz="2400" dirty="0">
-                <a:solidFill>
-                  <a:schemeClr val="tx1"/>
-                </a:solidFill>
-                <a:latin typeface="+mj-lt"/>
-              </a:rPr>
-              <a:t>802.3</a:t>
-            </a:r>
-            <a:endParaRPr lang="fr-CH" sz="2400" dirty="0">
-              <a:solidFill>
-                <a:schemeClr val="tx1"/>
-              </a:solidFill>
-              <a:latin typeface="+mj-lt"/>
-            </a:endParaRPr>
-          </a:p>
-        </p:txBody>
-      </p:sp>
-      <p:sp>
-        <p:nvSpPr>
-          <p:cNvPr id="6" name="Title 1"/>
-          <p:cNvSpPr>
-            <a:spLocks noGrp="1"/>
-          </p:cNvSpPr>
-          <p:nvPr>
-            <p:ph type="title"/>
-          </p:nvPr>
-        </p:nvSpPr>
-        <p:spPr>
-          <a:xfrm>
-            <a:off x="1" y="0"/>
-            <a:ext cx="1689904" cy="510199"/>
-          </a:xfrm>
-        </p:spPr>
-        <p:txBody>
-          <a:bodyPr numCol="1">
-            <a:noAutofit/>
-          </a:bodyPr>
-          <a:lstStyle/>
-          <a:p>
-            <a:pPr algn="ctr"/>
-            <a:r>
-              <a:rPr lang="fr-CH" sz="2800" dirty="0"/>
-              <a:t>NORMES</a:t>
-            </a:r>
-          </a:p>
-        </p:txBody>
-      </p:sp>
-      <p:sp>
-        <p:nvSpPr>
-          <p:cNvPr id="14" name="ZoneTexte 13">
-            <a:extLst>
-              <a:ext uri="{FF2B5EF4-FFF2-40B4-BE49-F238E27FC236}">
-                <a16:creationId xmlns:a16="http://schemas.microsoft.com/office/drawing/2014/main" id="{DCFCBA6D-32BF-45B9-913E-FC03E263FEB7}"/>
-              </a:ext>
-            </a:extLst>
-          </p:cNvPr>
-          <p:cNvSpPr txBox="1"/>
-          <p:nvPr/>
-        </p:nvSpPr>
-        <p:spPr>
-          <a:xfrm>
-            <a:off x="609601" y="1269942"/>
-            <a:ext cx="2974109" cy="369332"/>
-          </a:xfrm>
-          <a:prstGeom prst="rect">
-            <a:avLst/>
-          </a:prstGeom>
-          <a:noFill/>
-        </p:spPr>
-        <p:txBody>
-          <a:bodyPr wrap="square" rtlCol="0">
-            <a:spAutoFit/>
-          </a:bodyPr>
-          <a:lstStyle/>
-          <a:p>
-            <a:r>
-              <a:rPr lang="fr-CH" b="1" dirty="0">
-                <a:latin typeface="+mj-lt"/>
-              </a:rPr>
-              <a:t>Les débits :</a:t>
-            </a:r>
-          </a:p>
-        </p:txBody>
-      </p:sp>
-      <p:sp>
-        <p:nvSpPr>
-          <p:cNvPr id="15" name="ZoneTexte 14">
-            <a:extLst>
-              <a:ext uri="{FF2B5EF4-FFF2-40B4-BE49-F238E27FC236}">
-                <a16:creationId xmlns:a16="http://schemas.microsoft.com/office/drawing/2014/main" id="{6335B29D-0CD6-4CAA-B965-93BCC03492D8}"/>
-              </a:ext>
-            </a:extLst>
-          </p:cNvPr>
-          <p:cNvSpPr txBox="1"/>
-          <p:nvPr/>
-        </p:nvSpPr>
-        <p:spPr>
-          <a:xfrm>
-            <a:off x="942109" y="1764046"/>
-            <a:ext cx="5643418" cy="369332"/>
-          </a:xfrm>
-          <a:prstGeom prst="rect">
-            <a:avLst/>
-          </a:prstGeom>
-          <a:noFill/>
-        </p:spPr>
-        <p:txBody>
-          <a:bodyPr wrap="square" rtlCol="0">
-            <a:spAutoFit/>
-          </a:bodyPr>
-          <a:lstStyle/>
-          <a:p>
-            <a:r>
-              <a:rPr lang="fr-CH" dirty="0"/>
-              <a:t>Il existe 4 débits différents à ce jour.</a:t>
-            </a:r>
-          </a:p>
-        </p:txBody>
-      </p:sp>
-      <p:sp>
-        <p:nvSpPr>
-          <p:cNvPr id="16" name="Rectangle 15">
-            <a:extLst>
-              <a:ext uri="{FF2B5EF4-FFF2-40B4-BE49-F238E27FC236}">
-                <a16:creationId xmlns:a16="http://schemas.microsoft.com/office/drawing/2014/main" id="{598DB639-CD18-4A74-9FFE-C44EB01149A7}"/>
-              </a:ext>
-            </a:extLst>
-          </p:cNvPr>
-          <p:cNvSpPr/>
-          <p:nvPr/>
-        </p:nvSpPr>
-        <p:spPr>
-          <a:xfrm>
-            <a:off x="1320451" y="2258150"/>
-            <a:ext cx="5703806" cy="1701684"/>
-          </a:xfrm>
-          <a:prstGeom prst="rect">
-            <a:avLst/>
-          </a:prstGeom>
-        </p:spPr>
-        <p:txBody>
-          <a:bodyPr wrap="none">
-            <a:spAutoFit/>
-          </a:bodyPr>
-          <a:lstStyle/>
-          <a:p>
-            <a:pPr marL="285750" indent="-285750">
-              <a:lnSpc>
-                <a:spcPct val="150000"/>
-              </a:lnSpc>
-              <a:buFont typeface="Arial" panose="020B0604020202020204" pitchFamily="34" charset="0"/>
-              <a:buChar char="•"/>
-            </a:pPr>
-            <a:r>
-              <a:rPr lang="fr-CH" dirty="0">
-                <a:ea typeface="Calibri" panose="020F0502020204030204" pitchFamily="34" charset="0"/>
-                <a:cs typeface="Arial" panose="020B0604020202020204" pitchFamily="34" charset="0"/>
-              </a:rPr>
-              <a:t>Ethernet qui a un débit de 10 Mb/s,</a:t>
-            </a:r>
-          </a:p>
-          <a:p>
-            <a:pPr marL="285750" indent="-285750">
-              <a:lnSpc>
-                <a:spcPct val="150000"/>
-              </a:lnSpc>
-              <a:buFont typeface="Arial" panose="020B0604020202020204" pitchFamily="34" charset="0"/>
-              <a:buChar char="•"/>
-            </a:pPr>
-            <a:r>
-              <a:rPr lang="fr-CH" dirty="0"/>
-              <a:t>Fast Ethernet qui a un débit de 100 Mb/s,</a:t>
-            </a:r>
-          </a:p>
-          <a:p>
-            <a:pPr marL="285750" indent="-285750">
-              <a:lnSpc>
-                <a:spcPct val="150000"/>
-              </a:lnSpc>
-              <a:buFont typeface="Arial" panose="020B0604020202020204" pitchFamily="34" charset="0"/>
-              <a:buChar char="•"/>
-            </a:pPr>
-            <a:r>
-              <a:rPr lang="fr-CH" dirty="0"/>
-              <a:t>GigaEthernet qui a un débit de 1’000Mb/s et</a:t>
-            </a:r>
-          </a:p>
-          <a:p>
-            <a:pPr marL="285750" indent="-285750">
-              <a:lnSpc>
-                <a:spcPct val="150000"/>
-              </a:lnSpc>
-              <a:buFont typeface="Arial" panose="020B0604020202020204" pitchFamily="34" charset="0"/>
-              <a:buChar char="•"/>
-            </a:pPr>
-            <a:r>
-              <a:rPr lang="fr-CH" dirty="0"/>
-              <a:t>10 GigaEthernet qui a un débit de 10’000Mb/s.</a:t>
-            </a:r>
-          </a:p>
-        </p:txBody>
-      </p:sp>
-    </p:spTree>
-    <p:extLst>
-      <p:ext uri="{BB962C8B-B14F-4D97-AF65-F5344CB8AC3E}">
-        <p14:creationId xmlns:p14="http://schemas.microsoft.com/office/powerpoint/2010/main" val="743191427"/>
-      </p:ext>
-    </p:extLst>
-  </p:cSld>
-  <p:clrMapOvr>
-    <a:masterClrMapping/>
-  </p:clrMapOvr>
-</p:sld>
-</file>
-
 <file path=ppt/slides/slide34.xml><?xml version="1.0" encoding="utf-8"?>
 <p:sld xmlns:a="http://schemas.openxmlformats.org/drawingml/2006/main" xmlns:r="http://schemas.openxmlformats.org/officeDocument/2006/relationships" xmlns:p="http://schemas.openxmlformats.org/presentationml/2006/main">
   <p:cSld>
@@ -14447,13 +14272,58 @@
       </p:grpSpPr>
       <p:sp>
         <p:nvSpPr>
-          <p:cNvPr id="2" name="Titre 1">
-            <a:extLst>
-              <a:ext uri="{FF2B5EF4-FFF2-40B4-BE49-F238E27FC236}">
-                <a16:creationId xmlns:a16="http://schemas.microsoft.com/office/drawing/2014/main" id="{42B1C103-5438-4ED4-9DC3-64DAD3FD626E}"/>
-              </a:ext>
-            </a:extLst>
-          </p:cNvPr>
+          <p:cNvPr id="5" name="Content Placeholder 2"/>
+          <p:cNvSpPr>
+            <a:spLocks noGrp="1"/>
+          </p:cNvSpPr>
+          <p:nvPr>
+            <p:ph idx="1"/>
+          </p:nvPr>
+        </p:nvSpPr>
+        <p:spPr>
+          <a:xfrm>
+            <a:off x="326020" y="634971"/>
+            <a:ext cx="11539959" cy="510199"/>
+          </a:xfrm>
+        </p:spPr>
+        <p:txBody>
+          <a:bodyPr>
+            <a:normAutofit/>
+          </a:bodyPr>
+          <a:lstStyle/>
+          <a:p>
+            <a:pPr marL="0" indent="0">
+              <a:buNone/>
+            </a:pPr>
+            <a:r>
+              <a:rPr lang="it-IT" sz="2400" dirty="0">
+                <a:solidFill>
+                  <a:schemeClr val="tx1"/>
+                </a:solidFill>
+              </a:rPr>
+              <a:t>IEEE </a:t>
+            </a:r>
+            <a:r>
+              <a:rPr lang="it-IT" sz="2400" dirty="0">
+                <a:solidFill>
+                  <a:schemeClr val="tx1"/>
+                </a:solidFill>
+                <a:latin typeface="+mj-lt"/>
+              </a:rPr>
+              <a:t>802.3</a:t>
+            </a:r>
+            <a:endParaRPr lang="fr-CH" sz="2400" dirty="0">
+              <a:solidFill>
+                <a:schemeClr val="tx1"/>
+              </a:solidFill>
+              <a:latin typeface="+mj-lt"/>
+            </a:endParaRPr>
+          </a:p>
+        </p:txBody>
+      </p:sp>
+      <p:sp>
+        <p:nvSpPr>
+          <p:cNvPr id="6" name="Title 1"/>
           <p:cNvSpPr>
             <a:spLocks noGrp="1"/>
           </p:cNvSpPr>
@@ -14461,44 +14331,185 @@
             <p:ph type="title"/>
           </p:nvPr>
         </p:nvSpPr>
-        <p:spPr/>
-        <p:txBody>
-          <a:bodyPr/>
+        <p:spPr>
+          <a:xfrm>
+            <a:off x="1" y="0"/>
+            <a:ext cx="1689904" cy="510199"/>
+          </a:xfrm>
+        </p:spPr>
+        <p:txBody>
+          <a:bodyPr numCol="1">
+            <a:noAutofit/>
+          </a:bodyPr>
           <a:lstStyle/>
           <a:p>
-            <a:endParaRPr lang="fr-CH"/>
-          </a:p>
-        </p:txBody>
-      </p:sp>
-      <p:sp>
-        <p:nvSpPr>
-          <p:cNvPr id="3" name="Espace réservé du contenu 2">
+            <a:pPr algn="ctr"/>
+            <a:r>
+              <a:rPr lang="fr-CH" sz="2800" dirty="0"/>
+              <a:t>NORMES</a:t>
+            </a:r>
+          </a:p>
+        </p:txBody>
+      </p:sp>
+      <p:sp>
+        <p:nvSpPr>
+          <p:cNvPr id="14" name="ZoneTexte 13">
             <a:extLst>
               <a:ext uri="{FF2B5EF4-FFF2-40B4-BE49-F238E27FC236}">
-                <a16:creationId xmlns:a16="http://schemas.microsoft.com/office/drawing/2014/main" id="{3BB66C46-EE36-4F98-8862-5AD66F47ABF5}"/>
+                <a16:creationId xmlns:a16="http://schemas.microsoft.com/office/drawing/2014/main" xmlns="" id="{DCFCBA6D-32BF-45B9-913E-FC03E263FEB7}"/>
               </a:ext>
             </a:extLst>
           </p:cNvPr>
-          <p:cNvSpPr>
-            <a:spLocks noGrp="1"/>
-          </p:cNvSpPr>
-          <p:nvPr>
-            <p:ph idx="1"/>
-          </p:nvPr>
-        </p:nvSpPr>
-        <p:spPr/>
-        <p:txBody>
-          <a:bodyPr/>
+          <p:cNvSpPr txBox="1"/>
+          <p:nvPr/>
+        </p:nvSpPr>
+        <p:spPr>
+          <a:xfrm>
+            <a:off x="609601" y="1269942"/>
+            <a:ext cx="2974109" cy="369332"/>
+          </a:xfrm>
+          <a:prstGeom prst="rect">
+            <a:avLst/>
+          </a:prstGeom>
+          <a:noFill/>
+        </p:spPr>
+        <p:txBody>
+          <a:bodyPr wrap="square" rtlCol="0">
+            <a:spAutoFit/>
+          </a:bodyPr>
           <a:lstStyle/>
           <a:p>
-            <a:endParaRPr lang="fr-CH"/>
+            <a:r>
+              <a:rPr lang="fr-CH" b="1" dirty="0">
+                <a:latin typeface="+mj-lt"/>
+              </a:rPr>
+              <a:t>Les débits :</a:t>
+            </a:r>
+          </a:p>
+        </p:txBody>
+      </p:sp>
+      <p:sp>
+        <p:nvSpPr>
+          <p:cNvPr id="15" name="ZoneTexte 14">
+            <a:extLst>
+              <a:ext uri="{FF2B5EF4-FFF2-40B4-BE49-F238E27FC236}">
+                <a16:creationId xmlns:a16="http://schemas.microsoft.com/office/drawing/2014/main" xmlns="" id="{6335B29D-0CD6-4CAA-B965-93BCC03492D8}"/>
+              </a:ext>
+            </a:extLst>
+          </p:cNvPr>
+          <p:cNvSpPr txBox="1"/>
+          <p:nvPr/>
+        </p:nvSpPr>
+        <p:spPr>
+          <a:xfrm>
+            <a:off x="942109" y="1764046"/>
+            <a:ext cx="5643418" cy="369332"/>
+          </a:xfrm>
+          <a:prstGeom prst="rect">
+            <a:avLst/>
+          </a:prstGeom>
+          <a:noFill/>
+        </p:spPr>
+        <p:txBody>
+          <a:bodyPr wrap="square" rtlCol="0">
+            <a:spAutoFit/>
+          </a:bodyPr>
+          <a:lstStyle/>
+          <a:p>
+            <a:r>
+              <a:rPr lang="fr-CH" dirty="0"/>
+              <a:t>Il existe 4 débits différents à ce jour.</a:t>
+            </a:r>
+          </a:p>
+        </p:txBody>
+      </p:sp>
+      <p:sp>
+        <p:nvSpPr>
+          <p:cNvPr id="16" name="Rectangle 15">
+            <a:extLst>
+              <a:ext uri="{FF2B5EF4-FFF2-40B4-BE49-F238E27FC236}">
+                <a16:creationId xmlns:a16="http://schemas.microsoft.com/office/drawing/2014/main" xmlns="" id="{598DB639-CD18-4A74-9FFE-C44EB01149A7}"/>
+              </a:ext>
+            </a:extLst>
+          </p:cNvPr>
+          <p:cNvSpPr/>
+          <p:nvPr/>
+        </p:nvSpPr>
+        <p:spPr>
+          <a:xfrm>
+            <a:off x="1320451" y="2258150"/>
+            <a:ext cx="5703806" cy="1701684"/>
+          </a:xfrm>
+          <a:prstGeom prst="rect">
+            <a:avLst/>
+          </a:prstGeom>
+        </p:spPr>
+        <p:txBody>
+          <a:bodyPr wrap="none">
+            <a:spAutoFit/>
+          </a:bodyPr>
+          <a:lstStyle/>
+          <a:p>
+            <a:pPr marL="285750" indent="-285750">
+              <a:lnSpc>
+                <a:spcPct val="150000"/>
+              </a:lnSpc>
+              <a:buFont typeface="Arial" panose="020B0604020202020204" pitchFamily="34" charset="0"/>
+              <a:buChar char="•"/>
+            </a:pPr>
+            <a:r>
+              <a:rPr lang="fr-CH" dirty="0">
+                <a:ea typeface="Calibri" panose="020F0502020204030204" pitchFamily="34" charset="0"/>
+                <a:cs typeface="Arial" panose="020B0604020202020204" pitchFamily="34" charset="0"/>
+              </a:rPr>
+              <a:t>Ethernet qui a un débit de 10 Mb/s,</a:t>
+            </a:r>
+          </a:p>
+          <a:p>
+            <a:pPr marL="285750" indent="-285750">
+              <a:lnSpc>
+                <a:spcPct val="150000"/>
+              </a:lnSpc>
+              <a:buFont typeface="Arial" panose="020B0604020202020204" pitchFamily="34" charset="0"/>
+              <a:buChar char="•"/>
+            </a:pPr>
+            <a:r>
+              <a:rPr lang="fr-CH" dirty="0"/>
+              <a:t>Fast Ethernet qui a un débit de 100 Mb/s,</a:t>
+            </a:r>
+          </a:p>
+          <a:p>
+            <a:pPr marL="285750" indent="-285750">
+              <a:lnSpc>
+                <a:spcPct val="150000"/>
+              </a:lnSpc>
+              <a:buFont typeface="Arial" panose="020B0604020202020204" pitchFamily="34" charset="0"/>
+              <a:buChar char="•"/>
+            </a:pPr>
+            <a:r>
+              <a:rPr lang="fr-CH" dirty="0"/>
+              <a:t>GigaEthernet qui a un débit de 1’000Mb/s et</a:t>
+            </a:r>
+          </a:p>
+          <a:p>
+            <a:pPr marL="285750" indent="-285750">
+              <a:lnSpc>
+                <a:spcPct val="150000"/>
+              </a:lnSpc>
+              <a:buFont typeface="Arial" panose="020B0604020202020204" pitchFamily="34" charset="0"/>
+              <a:buChar char="•"/>
+            </a:pPr>
+            <a:r>
+              <a:rPr lang="fr-CH" dirty="0"/>
+              <a:t>10 GigaEthernet qui a un débit de 10’000Mb/s.</a:t>
+            </a:r>
           </a:p>
         </p:txBody>
       </p:sp>
     </p:spTree>
     <p:extLst>
       <p:ext uri="{BB962C8B-B14F-4D97-AF65-F5344CB8AC3E}">
-        <p14:creationId xmlns:p14="http://schemas.microsoft.com/office/powerpoint/2010/main" val="3797207043"/>
+        <p14:creationId xmlns:p14="http://schemas.microsoft.com/office/powerpoint/2010/main" val="743191427"/>
       </p:ext>
     </p:extLst>
   </p:cSld>
@@ -14527,7 +14538,13 @@
       </p:grpSpPr>
       <p:sp>
         <p:nvSpPr>
-          <p:cNvPr id="6" name="Title 1"/>
+          <p:cNvPr id="2" name="Titre 1">
+            <a:extLst>
+              <a:ext uri="{FF2B5EF4-FFF2-40B4-BE49-F238E27FC236}">
+                <a16:creationId xmlns:a16="http://schemas.microsoft.com/office/drawing/2014/main" xmlns="" id="{42B1C103-5438-4ED4-9DC3-64DAD3FD626E}"/>
+              </a:ext>
+            </a:extLst>
+          </p:cNvPr>
           <p:cNvSpPr>
             <a:spLocks noGrp="1"/>
           </p:cNvSpPr>
@@ -14535,173 +14552,44 @@
             <p:ph type="title"/>
           </p:nvPr>
         </p:nvSpPr>
-        <p:spPr>
-          <a:xfrm>
-            <a:off x="0" y="0"/>
-            <a:ext cx="2488557" cy="510199"/>
-          </a:xfrm>
-        </p:spPr>
-        <p:txBody>
-          <a:bodyPr numCol="1">
-            <a:noAutofit/>
-          </a:bodyPr>
+        <p:spPr/>
+        <p:txBody>
+          <a:bodyPr/>
           <a:lstStyle/>
           <a:p>
-            <a:pPr algn="ctr"/>
-            <a:r>
-              <a:rPr lang="fr-CH" sz="2800" dirty="0"/>
-              <a:t>FABRICATION</a:t>
-            </a:r>
-          </a:p>
-        </p:txBody>
-      </p:sp>
-      <p:sp>
-        <p:nvSpPr>
-          <p:cNvPr id="2" name="ZoneTexte 1">
+            <a:endParaRPr lang="fr-CH"/>
+          </a:p>
+        </p:txBody>
+      </p:sp>
+      <p:sp>
+        <p:nvSpPr>
+          <p:cNvPr id="3" name="Espace réservé du contenu 2">
             <a:extLst>
               <a:ext uri="{FF2B5EF4-FFF2-40B4-BE49-F238E27FC236}">
-                <a16:creationId xmlns:a16="http://schemas.microsoft.com/office/drawing/2014/main" id="{95A71DAD-C760-4FB1-9A97-CB83FC9A6215}"/>
+                <a16:creationId xmlns:a16="http://schemas.microsoft.com/office/drawing/2014/main" xmlns="" id="{3BB66C46-EE36-4F98-8862-5AD66F47ABF5}"/>
               </a:ext>
             </a:extLst>
           </p:cNvPr>
-          <p:cNvSpPr txBox="1"/>
-          <p:nvPr/>
-        </p:nvSpPr>
-        <p:spPr>
-          <a:xfrm>
-            <a:off x="374248" y="902826"/>
-            <a:ext cx="3940233" cy="461665"/>
-          </a:xfrm>
-          <a:prstGeom prst="rect">
-            <a:avLst/>
-          </a:prstGeom>
-          <a:noFill/>
-        </p:spPr>
-        <p:txBody>
-          <a:bodyPr wrap="square" rtlCol="0">
-            <a:spAutoFit/>
-          </a:bodyPr>
+          <p:cNvSpPr>
+            <a:spLocks noGrp="1"/>
+          </p:cNvSpPr>
+          <p:nvPr>
+            <p:ph idx="1"/>
+          </p:nvPr>
+        </p:nvSpPr>
+        <p:spPr/>
+        <p:txBody>
+          <a:bodyPr/>
           <a:lstStyle/>
           <a:p>
-            <a:r>
-              <a:rPr lang="fr-CH" sz="2400" b="1" dirty="0"/>
-              <a:t>Préparation du matériel</a:t>
-            </a:r>
-          </a:p>
-        </p:txBody>
-      </p:sp>
-      <p:sp>
-        <p:nvSpPr>
-          <p:cNvPr id="4" name="ZoneTexte 3">
-            <a:extLst>
-              <a:ext uri="{FF2B5EF4-FFF2-40B4-BE49-F238E27FC236}">
-                <a16:creationId xmlns:a16="http://schemas.microsoft.com/office/drawing/2014/main" id="{FBE88C88-B8F1-497D-99A0-7069148CCDE5}"/>
-              </a:ext>
-            </a:extLst>
-          </p:cNvPr>
-          <p:cNvSpPr txBox="1"/>
-          <p:nvPr/>
-        </p:nvSpPr>
-        <p:spPr>
-          <a:xfrm>
-            <a:off x="374248" y="1514120"/>
-            <a:ext cx="6059803" cy="2862322"/>
-          </a:xfrm>
-          <a:prstGeom prst="rect">
-            <a:avLst/>
-          </a:prstGeom>
-          <a:noFill/>
-        </p:spPr>
-        <p:txBody>
-          <a:bodyPr wrap="square" rtlCol="0">
-            <a:spAutoFit/>
-          </a:bodyPr>
-          <a:lstStyle/>
-          <a:p>
-            <a:pPr marL="285750" indent="-285750">
-              <a:buFont typeface="Arial" panose="020B0604020202020204" pitchFamily="34" charset="0"/>
-              <a:buChar char="•"/>
-            </a:pPr>
-            <a:r>
-              <a:rPr lang="fr-CH" sz="2000" dirty="0"/>
-              <a:t>Du câble</a:t>
-            </a:r>
-          </a:p>
-          <a:p>
-            <a:pPr marL="285750" indent="-285750">
-              <a:buFont typeface="Arial" panose="020B0604020202020204" pitchFamily="34" charset="0"/>
-              <a:buChar char="•"/>
-            </a:pPr>
-            <a:r>
-              <a:rPr lang="fr-CH" sz="2000" dirty="0"/>
-              <a:t>Des connecteurs</a:t>
-            </a:r>
-          </a:p>
-          <a:p>
-            <a:endParaRPr lang="fr-CH" sz="2000" dirty="0"/>
-          </a:p>
-          <a:p>
-            <a:r>
-              <a:rPr lang="fr-CH" sz="2000" dirty="0"/>
-              <a:t>Les outils </a:t>
-            </a:r>
-          </a:p>
-          <a:p>
-            <a:pPr marL="285750" indent="-285750">
-              <a:buFont typeface="Arial" panose="020B0604020202020204" pitchFamily="34" charset="0"/>
-              <a:buChar char="•"/>
-            </a:pPr>
-            <a:r>
-              <a:rPr lang="fr-CH" sz="2000" dirty="0"/>
-              <a:t>Un cutter </a:t>
-            </a:r>
-          </a:p>
-          <a:p>
-            <a:pPr marL="285750" indent="-285750">
-              <a:buFont typeface="Arial" panose="020B0604020202020204" pitchFamily="34" charset="0"/>
-              <a:buChar char="•"/>
-            </a:pPr>
-            <a:r>
-              <a:rPr lang="fr-CH" sz="2000" dirty="0"/>
-              <a:t>Une pince à sertir</a:t>
-            </a:r>
-          </a:p>
-          <a:p>
-            <a:pPr marL="285750" indent="-285750">
-              <a:buFont typeface="Arial" panose="020B0604020202020204" pitchFamily="34" charset="0"/>
-              <a:buChar char="•"/>
-            </a:pPr>
-            <a:r>
-              <a:rPr lang="fr-CH" sz="2000" dirty="0"/>
-              <a:t>Une pince coupante</a:t>
-            </a:r>
-          </a:p>
-          <a:p>
-            <a:pPr marL="285750" indent="-285750">
-              <a:buFont typeface="Arial" panose="020B0604020202020204" pitchFamily="34" charset="0"/>
-              <a:buChar char="•"/>
-            </a:pPr>
-            <a:r>
-              <a:rPr lang="fr-CH" sz="2000" dirty="0"/>
-              <a:t>Une règle</a:t>
-            </a:r>
-          </a:p>
-          <a:p>
-            <a:pPr marL="285750" indent="-285750">
-              <a:buFont typeface="Arial" panose="020B0604020202020204" pitchFamily="34" charset="0"/>
-              <a:buChar char="•"/>
-            </a:pPr>
-            <a:r>
-              <a:rPr lang="fr-CH" sz="2000" dirty="0"/>
-              <a:t>Une pince à dénuder</a:t>
-            </a:r>
+            <a:endParaRPr lang="fr-CH"/>
           </a:p>
         </p:txBody>
       </p:sp>
     </p:spTree>
     <p:extLst>
       <p:ext uri="{BB962C8B-B14F-4D97-AF65-F5344CB8AC3E}">
-        <p14:creationId xmlns:p14="http://schemas.microsoft.com/office/powerpoint/2010/main" val="1207272401"/>
+        <p14:creationId xmlns:p14="http://schemas.microsoft.com/office/powerpoint/2010/main" val="3797207043"/>
       </p:ext>
     </p:extLst>
   </p:cSld>
@@ -14763,7 +14651,7 @@
           <p:cNvPr id="2" name="ZoneTexte 1">
             <a:extLst>
               <a:ext uri="{FF2B5EF4-FFF2-40B4-BE49-F238E27FC236}">
-                <a16:creationId xmlns:a16="http://schemas.microsoft.com/office/drawing/2014/main" id="{95A71DAD-C760-4FB1-9A97-CB83FC9A6215}"/>
+                <a16:creationId xmlns:a16="http://schemas.microsoft.com/office/drawing/2014/main" xmlns="" id="{95A71DAD-C760-4FB1-9A97-CB83FC9A6215}"/>
               </a:ext>
             </a:extLst>
           </p:cNvPr>
@@ -14788,7 +14676,7 @@
           <a:p>
             <a:r>
               <a:rPr lang="fr-CH" sz="2400" b="1" dirty="0"/>
-              <a:t>Préparation du câble</a:t>
+              <a:t>Préparation du matériel</a:t>
             </a:r>
           </a:p>
         </p:txBody>
@@ -14798,7 +14686,7 @@
           <p:cNvPr id="4" name="ZoneTexte 3">
             <a:extLst>
               <a:ext uri="{FF2B5EF4-FFF2-40B4-BE49-F238E27FC236}">
-                <a16:creationId xmlns:a16="http://schemas.microsoft.com/office/drawing/2014/main" id="{FBE88C88-B8F1-497D-99A0-7069148CCDE5}"/>
+                <a16:creationId xmlns:a16="http://schemas.microsoft.com/office/drawing/2014/main" xmlns="" id="{FBE88C88-B8F1-497D-99A0-7069148CCDE5}"/>
               </a:ext>
             </a:extLst>
           </p:cNvPr>
@@ -14808,7 +14696,7 @@
         <p:spPr>
           <a:xfrm>
             <a:off x="374248" y="1514120"/>
-            <a:ext cx="6059803" cy="1631216"/>
+            <a:ext cx="6059803" cy="2862322"/>
           </a:xfrm>
           <a:prstGeom prst="rect">
             <a:avLst/>
@@ -14821,9 +14709,23 @@
           </a:bodyPr>
           <a:lstStyle/>
           <a:p>
+            <a:pPr marL="285750" indent="-285750">
+              <a:buFont typeface="Arial" panose="020B0604020202020204" pitchFamily="34" charset="0"/>
+              <a:buChar char="•"/>
+            </a:pPr>
             <a:r>
               <a:rPr lang="fr-CH" sz="2000" dirty="0"/>
-              <a:t>Mesurez la longueur nécessaire de câble et y ajouter 20 centimètres pour les connecteurs.</a:t>
+              <a:t>Du câble</a:t>
+            </a:r>
+          </a:p>
+          <a:p>
+            <a:pPr marL="285750" indent="-285750">
+              <a:buFont typeface="Arial" panose="020B0604020202020204" pitchFamily="34" charset="0"/>
+              <a:buChar char="•"/>
+            </a:pPr>
+            <a:r>
+              <a:rPr lang="fr-CH" sz="2000" dirty="0"/>
+              <a:t>Des connecteurs</a:t>
             </a:r>
           </a:p>
           <a:p>
@@ -14832,7 +14734,57 @@
           <a:p>
             <a:r>
               <a:rPr lang="fr-CH" sz="2000" dirty="0"/>
-              <a:t>Coupez cette longueur à l’aide de la pince coupante.</a:t>
+              <a:t>Les outils </a:t>
+            </a:r>
+          </a:p>
+          <a:p>
+            <a:pPr marL="285750" indent="-285750">
+              <a:buFont typeface="Arial" panose="020B0604020202020204" pitchFamily="34" charset="0"/>
+              <a:buChar char="•"/>
+            </a:pPr>
+            <a:r>
+              <a:rPr lang="fr-CH" sz="2000" dirty="0"/>
+              <a:t>Un cutter </a:t>
+            </a:r>
+          </a:p>
+          <a:p>
+            <a:pPr marL="285750" indent="-285750">
+              <a:buFont typeface="Arial" panose="020B0604020202020204" pitchFamily="34" charset="0"/>
+              <a:buChar char="•"/>
+            </a:pPr>
+            <a:r>
+              <a:rPr lang="fr-CH" sz="2000" dirty="0"/>
+              <a:t>Une pince à sertir</a:t>
+            </a:r>
+          </a:p>
+          <a:p>
+            <a:pPr marL="285750" indent="-285750">
+              <a:buFont typeface="Arial" panose="020B0604020202020204" pitchFamily="34" charset="0"/>
+              <a:buChar char="•"/>
+            </a:pPr>
+            <a:r>
+              <a:rPr lang="fr-CH" sz="2000" dirty="0"/>
+              <a:t>Une pince coupante</a:t>
+            </a:r>
+          </a:p>
+          <a:p>
+            <a:pPr marL="285750" indent="-285750">
+              <a:buFont typeface="Arial" panose="020B0604020202020204" pitchFamily="34" charset="0"/>
+              <a:buChar char="•"/>
+            </a:pPr>
+            <a:r>
+              <a:rPr lang="fr-CH" sz="2000" dirty="0"/>
+              <a:t>Une règle</a:t>
+            </a:r>
+          </a:p>
+          <a:p>
+            <a:pPr marL="285750" indent="-285750">
+              <a:buFont typeface="Arial" panose="020B0604020202020204" pitchFamily="34" charset="0"/>
+              <a:buChar char="•"/>
+            </a:pPr>
+            <a:r>
+              <a:rPr lang="fr-CH" sz="2000" dirty="0"/>
+              <a:t>Une pince à dénuder</a:t>
             </a:r>
           </a:p>
         </p:txBody>
@@ -14840,7 +14792,7 @@
     </p:spTree>
     <p:extLst>
       <p:ext uri="{BB962C8B-B14F-4D97-AF65-F5344CB8AC3E}">
-        <p14:creationId xmlns:p14="http://schemas.microsoft.com/office/powerpoint/2010/main" val="4164296157"/>
+        <p14:creationId xmlns:p14="http://schemas.microsoft.com/office/powerpoint/2010/main" val="1207272401"/>
       </p:ext>
     </p:extLst>
   </p:cSld>
@@ -14902,7 +14854,7 @@
           <p:cNvPr id="2" name="ZoneTexte 1">
             <a:extLst>
               <a:ext uri="{FF2B5EF4-FFF2-40B4-BE49-F238E27FC236}">
-                <a16:creationId xmlns:a16="http://schemas.microsoft.com/office/drawing/2014/main" id="{95A71DAD-C760-4FB1-9A97-CB83FC9A6215}"/>
+                <a16:creationId xmlns:a16="http://schemas.microsoft.com/office/drawing/2014/main" xmlns="" id="{95A71DAD-C760-4FB1-9A97-CB83FC9A6215}"/>
               </a:ext>
             </a:extLst>
           </p:cNvPr>
@@ -14927,7 +14879,7 @@
           <a:p>
             <a:r>
               <a:rPr lang="fr-CH" sz="2400" b="1" dirty="0"/>
-              <a:t>Dénudage</a:t>
+              <a:t>Préparation du câble</a:t>
             </a:r>
           </a:p>
         </p:txBody>
@@ -14937,7 +14889,146 @@
           <p:cNvPr id="4" name="ZoneTexte 3">
             <a:extLst>
               <a:ext uri="{FF2B5EF4-FFF2-40B4-BE49-F238E27FC236}">
-                <a16:creationId xmlns:a16="http://schemas.microsoft.com/office/drawing/2014/main" id="{FBE88C88-B8F1-497D-99A0-7069148CCDE5}"/>
+                <a16:creationId xmlns:a16="http://schemas.microsoft.com/office/drawing/2014/main" xmlns="" id="{FBE88C88-B8F1-497D-99A0-7069148CCDE5}"/>
+              </a:ext>
+            </a:extLst>
+          </p:cNvPr>
+          <p:cNvSpPr txBox="1"/>
+          <p:nvPr/>
+        </p:nvSpPr>
+        <p:spPr>
+          <a:xfrm>
+            <a:off x="374248" y="1514120"/>
+            <a:ext cx="6059803" cy="1631216"/>
+          </a:xfrm>
+          <a:prstGeom prst="rect">
+            <a:avLst/>
+          </a:prstGeom>
+          <a:noFill/>
+        </p:spPr>
+        <p:txBody>
+          <a:bodyPr wrap="square" rtlCol="0">
+            <a:spAutoFit/>
+          </a:bodyPr>
+          <a:lstStyle/>
+          <a:p>
+            <a:r>
+              <a:rPr lang="fr-CH" sz="2000" dirty="0"/>
+              <a:t>Mesurez la longueur nécessaire de câble et y ajouter 20 centimètres pour les connecteurs.</a:t>
+            </a:r>
+          </a:p>
+          <a:p>
+            <a:endParaRPr lang="fr-CH" sz="2000" dirty="0"/>
+          </a:p>
+          <a:p>
+            <a:r>
+              <a:rPr lang="fr-CH" sz="2000" dirty="0"/>
+              <a:t>Coupez cette longueur à l’aide de la pince coupante.</a:t>
+            </a:r>
+          </a:p>
+        </p:txBody>
+      </p:sp>
+    </p:spTree>
+    <p:extLst>
+      <p:ext uri="{BB962C8B-B14F-4D97-AF65-F5344CB8AC3E}">
+        <p14:creationId xmlns:p14="http://schemas.microsoft.com/office/powerpoint/2010/main" val="4164296157"/>
+      </p:ext>
+    </p:extLst>
+  </p:cSld>
+  <p:clrMapOvr>
+    <a:masterClrMapping/>
+  </p:clrMapOvr>
+</p:sld>
+</file>
+
+<file path=ppt/slides/slide38.xml><?xml version="1.0" encoding="utf-8"?>
+<p:sld xmlns:a="http://schemas.openxmlformats.org/drawingml/2006/main" xmlns:r="http://schemas.openxmlformats.org/officeDocument/2006/relationships" xmlns:p="http://schemas.openxmlformats.org/presentationml/2006/main">
+  <p:cSld>
+    <p:spTree>
+      <p:nvGrpSpPr>
+        <p:cNvPr id="1" name=""/>
+        <p:cNvGrpSpPr/>
+        <p:nvPr/>
+      </p:nvGrpSpPr>
+      <p:grpSpPr>
+        <a:xfrm>
+          <a:off x="0" y="0"/>
+          <a:ext cx="0" cy="0"/>
+          <a:chOff x="0" y="0"/>
+          <a:chExt cx="0" cy="0"/>
+        </a:xfrm>
+      </p:grpSpPr>
+      <p:sp>
+        <p:nvSpPr>
+          <p:cNvPr id="6" name="Title 1"/>
+          <p:cNvSpPr>
+            <a:spLocks noGrp="1"/>
+          </p:cNvSpPr>
+          <p:nvPr>
+            <p:ph type="title"/>
+          </p:nvPr>
+        </p:nvSpPr>
+        <p:spPr>
+          <a:xfrm>
+            <a:off x="0" y="0"/>
+            <a:ext cx="2488557" cy="510199"/>
+          </a:xfrm>
+        </p:spPr>
+        <p:txBody>
+          <a:bodyPr numCol="1">
+            <a:noAutofit/>
+          </a:bodyPr>
+          <a:lstStyle/>
+          <a:p>
+            <a:pPr algn="ctr"/>
+            <a:r>
+              <a:rPr lang="fr-CH" sz="2800" dirty="0"/>
+              <a:t>FABRICATION</a:t>
+            </a:r>
+          </a:p>
+        </p:txBody>
+      </p:sp>
+      <p:sp>
+        <p:nvSpPr>
+          <p:cNvPr id="2" name="ZoneTexte 1">
+            <a:extLst>
+              <a:ext uri="{FF2B5EF4-FFF2-40B4-BE49-F238E27FC236}">
+                <a16:creationId xmlns:a16="http://schemas.microsoft.com/office/drawing/2014/main" xmlns="" id="{95A71DAD-C760-4FB1-9A97-CB83FC9A6215}"/>
+              </a:ext>
+            </a:extLst>
+          </p:cNvPr>
+          <p:cNvSpPr txBox="1"/>
+          <p:nvPr/>
+        </p:nvSpPr>
+        <p:spPr>
+          <a:xfrm>
+            <a:off x="374248" y="902826"/>
+            <a:ext cx="3940233" cy="461665"/>
+          </a:xfrm>
+          <a:prstGeom prst="rect">
+            <a:avLst/>
+          </a:prstGeom>
+          <a:noFill/>
+        </p:spPr>
+        <p:txBody>
+          <a:bodyPr wrap="square" rtlCol="0">
+            <a:spAutoFit/>
+          </a:bodyPr>
+          <a:lstStyle/>
+          <a:p>
+            <a:r>
+              <a:rPr lang="fr-CH" sz="2400" b="1" dirty="0"/>
+              <a:t>Dénudage</a:t>
+            </a:r>
+          </a:p>
+        </p:txBody>
+      </p:sp>
+      <p:sp>
+        <p:nvSpPr>
+          <p:cNvPr id="4" name="ZoneTexte 3">
+            <a:extLst>
+              <a:ext uri="{FF2B5EF4-FFF2-40B4-BE49-F238E27FC236}">
+                <a16:creationId xmlns:a16="http://schemas.microsoft.com/office/drawing/2014/main" xmlns="" id="{FBE88C88-B8F1-497D-99A0-7069148CCDE5}"/>
               </a:ext>
             </a:extLst>
           </p:cNvPr>
@@ -14972,7 +15063,7 @@
           <p:cNvPr id="5" name="Image 4">
             <a:extLst>
               <a:ext uri="{FF2B5EF4-FFF2-40B4-BE49-F238E27FC236}">
-                <a16:creationId xmlns:a16="http://schemas.microsoft.com/office/drawing/2014/main" id="{439157CB-1F45-4CE6-A9AB-E46CA4B45337}"/>
+                <a16:creationId xmlns:a16="http://schemas.microsoft.com/office/drawing/2014/main" xmlns="" id="{439157CB-1F45-4CE6-A9AB-E46CA4B45337}"/>
               </a:ext>
             </a:extLst>
           </p:cNvPr>
@@ -15016,7 +15107,7 @@
 </p:sld>
 </file>
 
-<file path=ppt/slides/slide38.xml><?xml version="1.0" encoding="utf-8"?>
+<file path=ppt/slides/slide39.xml><?xml version="1.0" encoding="utf-8"?>
 <p:sld xmlns:a="http://schemas.openxmlformats.org/drawingml/2006/main" xmlns:r="http://schemas.openxmlformats.org/officeDocument/2006/relationships" xmlns:p="http://schemas.openxmlformats.org/presentationml/2006/main">
   <p:cSld>
     <p:spTree>
@@ -15206,7 +15297,7 @@
           <p:cNvPr id="8" name="Groupe 7">
             <a:extLst>
               <a:ext uri="{FF2B5EF4-FFF2-40B4-BE49-F238E27FC236}">
-                <a16:creationId xmlns:a16="http://schemas.microsoft.com/office/drawing/2014/main" id="{45CE9A5B-2BF5-4887-83F2-4BE1643502B9}"/>
+                <a16:creationId xmlns:a16="http://schemas.microsoft.com/office/drawing/2014/main" xmlns="" id="{45CE9A5B-2BF5-4887-83F2-4BE1643502B9}"/>
               </a:ext>
             </a:extLst>
           </p:cNvPr>
@@ -15226,7 +15317,7 @@
             <p:cNvPr id="2" name="Image 1">
               <a:extLst>
                 <a:ext uri="{FF2B5EF4-FFF2-40B4-BE49-F238E27FC236}">
-                  <a16:creationId xmlns:a16="http://schemas.microsoft.com/office/drawing/2014/main" id="{650A4185-1561-4B95-A05D-FEDD73B2D58C}"/>
+                  <a16:creationId xmlns:a16="http://schemas.microsoft.com/office/drawing/2014/main" xmlns="" id="{650A4185-1561-4B95-A05D-FEDD73B2D58C}"/>
                 </a:ext>
               </a:extLst>
             </p:cNvPr>
@@ -15255,7 +15346,7 @@
             <p:cNvPr id="6" name="ZoneTexte 5">
               <a:extLst>
                 <a:ext uri="{FF2B5EF4-FFF2-40B4-BE49-F238E27FC236}">
-                  <a16:creationId xmlns:a16="http://schemas.microsoft.com/office/drawing/2014/main" id="{3CCBC606-F3FD-4F1A-ACB0-51D37C16A945}"/>
+                  <a16:creationId xmlns:a16="http://schemas.microsoft.com/office/drawing/2014/main" xmlns="" id="{3CCBC606-F3FD-4F1A-ACB0-51D37C16A945}"/>
                 </a:ext>
               </a:extLst>
             </p:cNvPr>
@@ -15297,7 +15388,7 @@
           <p:cNvPr id="9" name="Groupe 8">
             <a:extLst>
               <a:ext uri="{FF2B5EF4-FFF2-40B4-BE49-F238E27FC236}">
-                <a16:creationId xmlns:a16="http://schemas.microsoft.com/office/drawing/2014/main" id="{35BF348F-7788-4FD2-B7A6-7B1F65FFCFDA}"/>
+                <a16:creationId xmlns:a16="http://schemas.microsoft.com/office/drawing/2014/main" xmlns="" id="{35BF348F-7788-4FD2-B7A6-7B1F65FFCFDA}"/>
               </a:ext>
             </a:extLst>
           </p:cNvPr>
@@ -15317,7 +15408,7 @@
             <p:cNvPr id="1028" name="Picture 4" descr="https://ieeecs-media.computer.org/wp-media/2018/04/11182850/davidboggs-e1523471453351.jpg">
               <a:extLst>
                 <a:ext uri="{FF2B5EF4-FFF2-40B4-BE49-F238E27FC236}">
-                  <a16:creationId xmlns:a16="http://schemas.microsoft.com/office/drawing/2014/main" id="{26ACF9C1-B83F-407C-9C49-41DED14C035C}"/>
+                  <a16:creationId xmlns:a16="http://schemas.microsoft.com/office/drawing/2014/main" xmlns="" id="{26ACF9C1-B83F-407C-9C49-41DED14C035C}"/>
                 </a:ext>
               </a:extLst>
             </p:cNvPr>
@@ -15362,7 +15453,7 @@
             <p:cNvPr id="10" name="ZoneTexte 9">
               <a:extLst>
                 <a:ext uri="{FF2B5EF4-FFF2-40B4-BE49-F238E27FC236}">
-                  <a16:creationId xmlns:a16="http://schemas.microsoft.com/office/drawing/2014/main" id="{6DBF9C99-3A06-4889-B38A-43FE2DD859D8}"/>
+                  <a16:creationId xmlns:a16="http://schemas.microsoft.com/office/drawing/2014/main" xmlns="" id="{6DBF9C99-3A06-4889-B38A-43FE2DD859D8}"/>
                 </a:ext>
               </a:extLst>
             </p:cNvPr>
@@ -15399,7 +15490,7 @@
           <p:cNvPr id="7" name="ZoneTexte 6">
             <a:extLst>
               <a:ext uri="{FF2B5EF4-FFF2-40B4-BE49-F238E27FC236}">
-                <a16:creationId xmlns:a16="http://schemas.microsoft.com/office/drawing/2014/main" id="{1A93F582-9049-457B-9589-571AD11F982B}"/>
+                <a16:creationId xmlns:a16="http://schemas.microsoft.com/office/drawing/2014/main" xmlns="" id="{1A93F582-9049-457B-9589-571AD11F982B}"/>
               </a:ext>
             </a:extLst>
           </p:cNvPr>
@@ -15434,7 +15525,7 @@
           <p:cNvPr id="11" name="ZoneTexte 10">
             <a:extLst>
               <a:ext uri="{FF2B5EF4-FFF2-40B4-BE49-F238E27FC236}">
-                <a16:creationId xmlns:a16="http://schemas.microsoft.com/office/drawing/2014/main" id="{7785E246-28F5-4FEA-A6C4-269F51F6041C}"/>
+                <a16:creationId xmlns:a16="http://schemas.microsoft.com/office/drawing/2014/main" xmlns="" id="{7785E246-28F5-4FEA-A6C4-269F51F6041C}"/>
               </a:ext>
             </a:extLst>
           </p:cNvPr>
@@ -15964,7 +16055,7 @@
           <p:cNvPr id="11" name="ZoneTexte 10">
             <a:extLst>
               <a:ext uri="{FF2B5EF4-FFF2-40B4-BE49-F238E27FC236}">
-                <a16:creationId xmlns:a16="http://schemas.microsoft.com/office/drawing/2014/main" id="{7785E246-28F5-4FEA-A6C4-269F51F6041C}"/>
+                <a16:creationId xmlns:a16="http://schemas.microsoft.com/office/drawing/2014/main" xmlns="" id="{7785E246-28F5-4FEA-A6C4-269F51F6041C}"/>
               </a:ext>
             </a:extLst>
           </p:cNvPr>
@@ -16046,7 +16137,7 @@
           <p:cNvPr id="14" name="ZoneTexte 13">
             <a:extLst>
               <a:ext uri="{FF2B5EF4-FFF2-40B4-BE49-F238E27FC236}">
-                <a16:creationId xmlns:a16="http://schemas.microsoft.com/office/drawing/2014/main" id="{62641573-ED7D-433D-81BF-0492492F1156}"/>
+                <a16:creationId xmlns:a16="http://schemas.microsoft.com/office/drawing/2014/main" xmlns="" id="{62641573-ED7D-433D-81BF-0492492F1156}"/>
               </a:ext>
             </a:extLst>
           </p:cNvPr>
@@ -16145,7 +16236,7 @@
           <p:cNvPr id="15" name="Content Placeholder 2">
             <a:extLst>
               <a:ext uri="{FF2B5EF4-FFF2-40B4-BE49-F238E27FC236}">
-                <a16:creationId xmlns:a16="http://schemas.microsoft.com/office/drawing/2014/main" id="{714B2A4D-02FA-44D2-923C-DD9509380C18}"/>
+                <a16:creationId xmlns:a16="http://schemas.microsoft.com/office/drawing/2014/main" xmlns="" id="{714B2A4D-02FA-44D2-923C-DD9509380C18}"/>
               </a:ext>
             </a:extLst>
           </p:cNvPr>

--- a/Module 214 - Fabrication_Ethernet.pptx
+++ b/Module 214 - Fabrication_Ethernet.pptx
@@ -13,37 +13,34 @@
     <p:sldId id="286" r:id="rId7"/>
     <p:sldId id="275" r:id="rId8"/>
     <p:sldId id="301" r:id="rId9"/>
-    <p:sldId id="302" r:id="rId10"/>
-    <p:sldId id="303" r:id="rId11"/>
-    <p:sldId id="304" r:id="rId12"/>
-    <p:sldId id="261" r:id="rId13"/>
-    <p:sldId id="313" r:id="rId14"/>
-    <p:sldId id="273" r:id="rId15"/>
-    <p:sldId id="272" r:id="rId16"/>
-    <p:sldId id="305" r:id="rId17"/>
-    <p:sldId id="306" r:id="rId18"/>
-    <p:sldId id="307" r:id="rId19"/>
-    <p:sldId id="274" r:id="rId20"/>
-    <p:sldId id="260" r:id="rId21"/>
-    <p:sldId id="288" r:id="rId22"/>
-    <p:sldId id="289" r:id="rId23"/>
-    <p:sldId id="290" r:id="rId24"/>
-    <p:sldId id="291" r:id="rId25"/>
-    <p:sldId id="292" r:id="rId26"/>
-    <p:sldId id="293" r:id="rId27"/>
-    <p:sldId id="294" r:id="rId28"/>
-    <p:sldId id="262" r:id="rId29"/>
-    <p:sldId id="295" r:id="rId30"/>
-    <p:sldId id="297" r:id="rId31"/>
-    <p:sldId id="296" r:id="rId32"/>
-    <p:sldId id="298" r:id="rId33"/>
-    <p:sldId id="263" r:id="rId34"/>
-    <p:sldId id="309" r:id="rId35"/>
-    <p:sldId id="308" r:id="rId36"/>
-    <p:sldId id="264" r:id="rId37"/>
-    <p:sldId id="310" r:id="rId38"/>
-    <p:sldId id="311" r:id="rId39"/>
-    <p:sldId id="265" r:id="rId40"/>
+    <p:sldId id="303" r:id="rId10"/>
+    <p:sldId id="304" r:id="rId11"/>
+    <p:sldId id="261" r:id="rId12"/>
+    <p:sldId id="313" r:id="rId13"/>
+    <p:sldId id="273" r:id="rId14"/>
+    <p:sldId id="314" r:id="rId15"/>
+    <p:sldId id="305" r:id="rId16"/>
+    <p:sldId id="306" r:id="rId17"/>
+    <p:sldId id="307" r:id="rId18"/>
+    <p:sldId id="274" r:id="rId19"/>
+    <p:sldId id="260" r:id="rId20"/>
+    <p:sldId id="288" r:id="rId21"/>
+    <p:sldId id="289" r:id="rId22"/>
+    <p:sldId id="290" r:id="rId23"/>
+    <p:sldId id="291" r:id="rId24"/>
+    <p:sldId id="292" r:id="rId25"/>
+    <p:sldId id="293" r:id="rId26"/>
+    <p:sldId id="294" r:id="rId27"/>
+    <p:sldId id="262" r:id="rId28"/>
+    <p:sldId id="295" r:id="rId29"/>
+    <p:sldId id="297" r:id="rId30"/>
+    <p:sldId id="263" r:id="rId31"/>
+    <p:sldId id="309" r:id="rId32"/>
+    <p:sldId id="308" r:id="rId33"/>
+    <p:sldId id="264" r:id="rId34"/>
+    <p:sldId id="310" r:id="rId35"/>
+    <p:sldId id="311" r:id="rId36"/>
+    <p:sldId id="265" r:id="rId37"/>
   </p:sldIdLst>
   <p:sldSz cx="12192000" cy="6858000"/>
   <p:notesSz cx="6858000" cy="9144000"/>
@@ -155,13 +152,12 @@
             <p14:sldId id="286"/>
             <p14:sldId id="275"/>
             <p14:sldId id="301"/>
-            <p14:sldId id="302"/>
             <p14:sldId id="303"/>
             <p14:sldId id="304"/>
             <p14:sldId id="261"/>
             <p14:sldId id="313"/>
             <p14:sldId id="273"/>
-            <p14:sldId id="272"/>
+            <p14:sldId id="314"/>
             <p14:sldId id="305"/>
             <p14:sldId id="306"/>
             <p14:sldId id="307"/>
@@ -177,8 +173,6 @@
             <p14:sldId id="262"/>
             <p14:sldId id="295"/>
             <p14:sldId id="297"/>
-            <p14:sldId id="296"/>
-            <p14:sldId id="298"/>
             <p14:sldId id="263"/>
             <p14:sldId id="309"/>
             <p14:sldId id="308"/>
@@ -5661,351 +5655,6 @@
       </p:grpSpPr>
       <p:sp>
         <p:nvSpPr>
-          <p:cNvPr id="6" name="Rectangle 1"/>
-          <p:cNvSpPr>
-            <a:spLocks noChangeArrowheads="1"/>
-          </p:cNvSpPr>
-          <p:nvPr/>
-        </p:nvSpPr>
-        <p:spPr bwMode="auto">
-          <a:xfrm>
-            <a:off x="574431" y="1399530"/>
-            <a:ext cx="3575018" cy="610415"/>
-          </a:xfrm>
-          <a:prstGeom prst="rect">
-            <a:avLst/>
-          </a:prstGeom>
-          <a:noFill/>
-          <a:ln>
-            <a:noFill/>
-          </a:ln>
-          <a:effectLst/>
-          <a:extLst>
-            <a:ext uri="{909E8E84-426E-40DD-AFC4-6F175D3DCCD1}">
-              <a14:hiddenFill xmlns:a14="http://schemas.microsoft.com/office/drawing/2010/main">
-                <a:solidFill>
-                  <a:schemeClr val="accent1"/>
-                </a:solidFill>
-              </a14:hiddenFill>
-            </a:ext>
-            <a:ext uri="{91240B29-F687-4F45-9708-019B960494DF}">
-              <a14:hiddenLine xmlns:a14="http://schemas.microsoft.com/office/drawing/2010/main" w="9525">
-                <a:solidFill>
-                  <a:schemeClr val="tx1"/>
-                </a:solidFill>
-                <a:miter lim="800000"/>
-                <a:headEnd/>
-                <a:tailEnd/>
-              </a14:hiddenLine>
-            </a:ext>
-            <a:ext uri="{AF507438-7753-43E0-B8FC-AC1667EBCBE1}">
-              <a14:hiddenEffects xmlns:a14="http://schemas.microsoft.com/office/drawing/2010/main">
-                <a:effectLst>
-                  <a:outerShdw dist="35921" dir="2700000" algn="ctr" rotWithShape="0">
-                    <a:schemeClr val="bg2"/>
-                  </a:outerShdw>
-                </a:effectLst>
-              </a14:hiddenEffects>
-            </a:ext>
-          </a:extLst>
-        </p:spPr>
-        <p:txBody>
-          <a:bodyPr vert="horz" wrap="none" lIns="91440" tIns="25392" rIns="91440" bIns="0" numCol="1" anchor="ctr" anchorCtr="0" compatLnSpc="1">
-            <a:prstTxWarp prst="textNoShape">
-              <a:avLst/>
-            </a:prstTxWarp>
-            <a:spAutoFit/>
-          </a:bodyPr>
-          <a:lstStyle/>
-          <a:p>
-            <a:pPr marL="0" marR="0" lvl="0" indent="0" algn="l" defTabSz="914400" rtl="0" eaLnBrk="0" fontAlgn="base" latinLnBrk="0" hangingPunct="0">
-              <a:lnSpc>
-                <a:spcPct val="100000"/>
-              </a:lnSpc>
-              <a:spcBef>
-                <a:spcPct val="0"/>
-              </a:spcBef>
-              <a:spcAft>
-                <a:spcPct val="0"/>
-              </a:spcAft>
-              <a:buClrTx/>
-              <a:buSzTx/>
-              <a:buFontTx/>
-              <a:buNone/>
-              <a:tabLst/>
-            </a:pPr>
-            <a:r>
-              <a:rPr kumimoji="0" lang="fr-CH" altLang="fr-FR" sz="2000" b="1" i="0" u="sng" strike="noStrike" cap="none" normalizeH="0" baseline="0" dirty="0">
-                <a:ln>
-                  <a:noFill/>
-                </a:ln>
-                <a:effectLst/>
-                <a:latin typeface="Century Gothic (Headings)"/>
-                <a:ea typeface="Times New Roman" panose="02020603050405020304" pitchFamily="18" charset="0"/>
-                <a:cs typeface="Times New Roman" panose="02020603050405020304" pitchFamily="18" charset="0"/>
-              </a:rPr>
-              <a:t>Les différentes classes PoE</a:t>
-            </a:r>
-          </a:p>
-          <a:p>
-            <a:pPr marL="0" marR="0" lvl="0" indent="0" algn="l" defTabSz="914400" rtl="0" eaLnBrk="0" fontAlgn="base" latinLnBrk="0" hangingPunct="0">
-              <a:lnSpc>
-                <a:spcPct val="100000"/>
-              </a:lnSpc>
-              <a:spcBef>
-                <a:spcPct val="0"/>
-              </a:spcBef>
-              <a:spcAft>
-                <a:spcPct val="0"/>
-              </a:spcAft>
-              <a:buClrTx/>
-              <a:buSzTx/>
-              <a:buFontTx/>
-              <a:buNone/>
-              <a:tabLst/>
-            </a:pPr>
-            <a:endParaRPr kumimoji="0" lang="fr-CH" altLang="fr-FR" sz="1800" b="0" i="0" u="sng" strike="noStrike" cap="none" normalizeH="0" baseline="0" dirty="0">
-              <a:ln>
-                <a:noFill/>
-              </a:ln>
-              <a:solidFill>
-                <a:schemeClr val="tx1"/>
-              </a:solidFill>
-              <a:effectLst/>
-              <a:latin typeface="Arial" panose="020B0604020202020204" pitchFamily="34" charset="0"/>
-            </a:endParaRPr>
-          </a:p>
-        </p:txBody>
-      </p:sp>
-      <p:pic>
-        <p:nvPicPr>
-          <p:cNvPr id="11" name="Content Placeholder 10"/>
-          <p:cNvPicPr>
-            <a:picLocks noGrp="1" noChangeAspect="1"/>
-          </p:cNvPicPr>
-          <p:nvPr>
-            <p:ph idx="1"/>
-          </p:nvPr>
-        </p:nvPicPr>
-        <p:blipFill rotWithShape="1">
-          <a:blip r:embed="rId2">
-            <a:extLst>
-              <a:ext uri="{28A0092B-C50C-407E-A947-70E740481C1C}">
-                <a14:useLocalDpi xmlns:a14="http://schemas.microsoft.com/office/drawing/2010/main" val="0"/>
-              </a:ext>
-            </a:extLst>
-          </a:blip>
-          <a:srcRect l="1295" t="4786" r="1353" b="4831"/>
-          <a:stretch/>
-        </p:blipFill>
-        <p:spPr>
-          <a:xfrm>
-            <a:off x="890955" y="2237167"/>
-            <a:ext cx="10305568" cy="3202342"/>
-          </a:xfrm>
-        </p:spPr>
-      </p:pic>
-      <p:sp>
-        <p:nvSpPr>
-          <p:cNvPr id="12" name="Title 1"/>
-          <p:cNvSpPr>
-            <a:spLocks noGrp="1"/>
-          </p:cNvSpPr>
-          <p:nvPr>
-            <p:ph type="title"/>
-          </p:nvPr>
-        </p:nvSpPr>
-        <p:spPr>
-          <a:xfrm>
-            <a:off x="0" y="0"/>
-            <a:ext cx="4039565" cy="510199"/>
-          </a:xfrm>
-        </p:spPr>
-        <p:txBody>
-          <a:bodyPr numCol="1">
-            <a:noAutofit/>
-          </a:bodyPr>
-          <a:lstStyle/>
-          <a:p>
-            <a:pPr algn="ctr"/>
-            <a:r>
-              <a:rPr lang="fr-CH" sz="2800" dirty="0"/>
-              <a:t>La technologie PoE</a:t>
-            </a:r>
-          </a:p>
-        </p:txBody>
-      </p:sp>
-    </p:spTree>
-    <p:extLst>
-      <p:ext uri="{BB962C8B-B14F-4D97-AF65-F5344CB8AC3E}">
-        <p14:creationId xmlns:p14="http://schemas.microsoft.com/office/powerpoint/2010/main" val="1308374156"/>
-      </p:ext>
-    </p:extLst>
-  </p:cSld>
-  <p:clrMapOvr>
-    <a:masterClrMapping/>
-  </p:clrMapOvr>
-  <p:timing>
-    <p:tnLst>
-      <p:par>
-        <p:cTn id="1" dur="indefinite" restart="never" nodeType="tmRoot">
-          <p:childTnLst>
-            <p:seq concurrent="1" nextAc="seek">
-              <p:cTn id="2" dur="indefinite" nodeType="mainSeq">
-                <p:childTnLst>
-                  <p:par>
-                    <p:cTn id="3" fill="hold">
-                      <p:stCondLst>
-                        <p:cond delay="indefinite"/>
-                      </p:stCondLst>
-                      <p:childTnLst>
-                        <p:par>
-                          <p:cTn id="4" fill="hold">
-                            <p:stCondLst>
-                              <p:cond delay="0"/>
-                            </p:stCondLst>
-                            <p:childTnLst>
-                              <p:par>
-                                <p:cTn id="5" presetID="10" presetClass="entr" presetSubtype="0" fill="hold" grpId="0" nodeType="clickEffect">
-                                  <p:stCondLst>
-                                    <p:cond delay="0"/>
-                                  </p:stCondLst>
-                                  <p:childTnLst>
-                                    <p:set>
-                                      <p:cBhvr>
-                                        <p:cTn id="6" dur="1" fill="hold">
-                                          <p:stCondLst>
-                                            <p:cond delay="0"/>
-                                          </p:stCondLst>
-                                        </p:cTn>
-                                        <p:tgtEl>
-                                          <p:spTgt spid="6"/>
-                                        </p:tgtEl>
-                                        <p:attrNameLst>
-                                          <p:attrName>style.visibility</p:attrName>
-                                        </p:attrNameLst>
-                                      </p:cBhvr>
-                                      <p:to>
-                                        <p:strVal val="visible"/>
-                                      </p:to>
-                                    </p:set>
-                                    <p:animEffect transition="in" filter="fade">
-                                      <p:cBhvr>
-                                        <p:cTn id="7" dur="500"/>
-                                        <p:tgtEl>
-                                          <p:spTgt spid="6"/>
-                                        </p:tgtEl>
-                                      </p:cBhvr>
-                                    </p:animEffect>
-                                  </p:childTnLst>
-                                </p:cTn>
-                              </p:par>
-                            </p:childTnLst>
-                          </p:cTn>
-                        </p:par>
-                      </p:childTnLst>
-                    </p:cTn>
-                  </p:par>
-                  <p:par>
-                    <p:cTn id="8" fill="hold">
-                      <p:stCondLst>
-                        <p:cond delay="indefinite"/>
-                      </p:stCondLst>
-                      <p:childTnLst>
-                        <p:par>
-                          <p:cTn id="9" fill="hold">
-                            <p:stCondLst>
-                              <p:cond delay="0"/>
-                            </p:stCondLst>
-                            <p:childTnLst>
-                              <p:par>
-                                <p:cTn id="10" presetID="10" presetClass="entr" presetSubtype="0" fill="hold" nodeType="clickEffect">
-                                  <p:stCondLst>
-                                    <p:cond delay="0"/>
-                                  </p:stCondLst>
-                                  <p:childTnLst>
-                                    <p:set>
-                                      <p:cBhvr>
-                                        <p:cTn id="11" dur="1" fill="hold">
-                                          <p:stCondLst>
-                                            <p:cond delay="0"/>
-                                          </p:stCondLst>
-                                        </p:cTn>
-                                        <p:tgtEl>
-                                          <p:spTgt spid="11"/>
-                                        </p:tgtEl>
-                                        <p:attrNameLst>
-                                          <p:attrName>style.visibility</p:attrName>
-                                        </p:attrNameLst>
-                                      </p:cBhvr>
-                                      <p:to>
-                                        <p:strVal val="visible"/>
-                                      </p:to>
-                                    </p:set>
-                                    <p:animEffect transition="in" filter="fade">
-                                      <p:cBhvr>
-                                        <p:cTn id="12" dur="500"/>
-                                        <p:tgtEl>
-                                          <p:spTgt spid="11"/>
-                                        </p:tgtEl>
-                                      </p:cBhvr>
-                                    </p:animEffect>
-                                  </p:childTnLst>
-                                </p:cTn>
-                              </p:par>
-                            </p:childTnLst>
-                          </p:cTn>
-                        </p:par>
-                      </p:childTnLst>
-                    </p:cTn>
-                  </p:par>
-                </p:childTnLst>
-              </p:cTn>
-              <p:prevCondLst>
-                <p:cond evt="onPrev" delay="0">
-                  <p:tgtEl>
-                    <p:sldTgt/>
-                  </p:tgtEl>
-                </p:cond>
-              </p:prevCondLst>
-              <p:nextCondLst>
-                <p:cond evt="onNext" delay="0">
-                  <p:tgtEl>
-                    <p:sldTgt/>
-                  </p:tgtEl>
-                </p:cond>
-              </p:nextCondLst>
-            </p:seq>
-          </p:childTnLst>
-        </p:cTn>
-      </p:par>
-    </p:tnLst>
-    <p:bldLst>
-      <p:bldP spid="6" grpId="0"/>
-    </p:bldLst>
-  </p:timing>
-</p:sld>
-</file>
-
-<file path=ppt/slides/slide11.xml><?xml version="1.0" encoding="utf-8"?>
-<p:sld xmlns:a="http://schemas.openxmlformats.org/drawingml/2006/main" xmlns:r="http://schemas.openxmlformats.org/officeDocument/2006/relationships" xmlns:p="http://schemas.openxmlformats.org/presentationml/2006/main">
-  <p:cSld>
-    <p:spTree>
-      <p:nvGrpSpPr>
-        <p:cNvPr id="1" name=""/>
-        <p:cNvGrpSpPr/>
-        <p:nvPr/>
-      </p:nvGrpSpPr>
-      <p:grpSpPr>
-        <a:xfrm>
-          <a:off x="0" y="0"/>
-          <a:ext cx="0" cy="0"/>
-          <a:chOff x="0" y="0"/>
-          <a:chExt cx="0" cy="0"/>
-        </a:xfrm>
-      </p:grpSpPr>
-      <p:sp>
-        <p:nvSpPr>
           <p:cNvPr id="3" name="Content Placeholder 2"/>
           <p:cNvSpPr>
             <a:spLocks noGrp="1"/>
@@ -6589,6 +6238,179 @@
 </p:sld>
 </file>
 
+<file path=ppt/slides/slide11.xml><?xml version="1.0" encoding="utf-8"?>
+<p:sld xmlns:a="http://schemas.openxmlformats.org/drawingml/2006/main" xmlns:r="http://schemas.openxmlformats.org/officeDocument/2006/relationships" xmlns:p="http://schemas.openxmlformats.org/presentationml/2006/main">
+  <p:cSld>
+    <p:spTree>
+      <p:nvGrpSpPr>
+        <p:cNvPr id="1" name=""/>
+        <p:cNvGrpSpPr/>
+        <p:nvPr/>
+      </p:nvGrpSpPr>
+      <p:grpSpPr>
+        <a:xfrm>
+          <a:off x="0" y="0"/>
+          <a:ext cx="0" cy="0"/>
+          <a:chOff x="0" y="0"/>
+          <a:chExt cx="0" cy="0"/>
+        </a:xfrm>
+      </p:grpSpPr>
+      <p:sp>
+        <p:nvSpPr>
+          <p:cNvPr id="3" name="Content Placeholder 2"/>
+          <p:cNvSpPr>
+            <a:spLocks noGrp="1"/>
+          </p:cNvSpPr>
+          <p:nvPr>
+            <p:ph idx="1"/>
+          </p:nvPr>
+        </p:nvSpPr>
+        <p:spPr>
+          <a:xfrm>
+            <a:off x="478280" y="1033010"/>
+            <a:ext cx="11385771" cy="5529836"/>
+          </a:xfrm>
+        </p:spPr>
+        <p:txBody>
+          <a:bodyPr>
+            <a:normAutofit fontScale="92500" lnSpcReduction="10000"/>
+          </a:bodyPr>
+          <a:lstStyle/>
+          <a:p>
+            <a:pPr>
+              <a:lnSpc>
+                <a:spcPct val="150000"/>
+              </a:lnSpc>
+            </a:pPr>
+            <a:r>
+              <a:rPr lang="fr-CH" sz="4400" dirty="0" smtClean="0">
+                <a:solidFill>
+                  <a:schemeClr val="tx1"/>
+                </a:solidFill>
+              </a:rPr>
+              <a:t>CAT3</a:t>
+            </a:r>
+          </a:p>
+          <a:p>
+            <a:pPr>
+              <a:lnSpc>
+                <a:spcPct val="150000"/>
+              </a:lnSpc>
+            </a:pPr>
+            <a:r>
+              <a:rPr lang="fr-CH" sz="4400" dirty="0" smtClean="0">
+                <a:solidFill>
+                  <a:schemeClr val="tx1"/>
+                </a:solidFill>
+              </a:rPr>
+              <a:t>CAT5 </a:t>
+            </a:r>
+            <a:r>
+              <a:rPr lang="fr-CH" sz="4400" dirty="0">
+                <a:solidFill>
+                  <a:schemeClr val="tx1"/>
+                </a:solidFill>
+              </a:rPr>
+              <a:t>/ 5E</a:t>
+            </a:r>
+          </a:p>
+          <a:p>
+            <a:pPr>
+              <a:lnSpc>
+                <a:spcPct val="150000"/>
+              </a:lnSpc>
+            </a:pPr>
+            <a:r>
+              <a:rPr lang="fr-CH" sz="4400" dirty="0">
+                <a:solidFill>
+                  <a:schemeClr val="tx1"/>
+                </a:solidFill>
+              </a:rPr>
+              <a:t>CAT6 / 6A</a:t>
+            </a:r>
+          </a:p>
+          <a:p>
+            <a:pPr>
+              <a:lnSpc>
+                <a:spcPct val="150000"/>
+              </a:lnSpc>
+            </a:pPr>
+            <a:r>
+              <a:rPr lang="fr-CH" sz="4400" dirty="0">
+                <a:solidFill>
+                  <a:schemeClr val="tx1"/>
+                </a:solidFill>
+              </a:rPr>
+              <a:t>CAT7</a:t>
+            </a:r>
+          </a:p>
+          <a:p>
+            <a:pPr>
+              <a:lnSpc>
+                <a:spcPct val="150000"/>
+              </a:lnSpc>
+            </a:pPr>
+            <a:r>
+              <a:rPr lang="fr-CH" sz="4400" dirty="0">
+                <a:solidFill>
+                  <a:schemeClr val="tx1"/>
+                </a:solidFill>
+              </a:rPr>
+              <a:t>CAT8</a:t>
+            </a:r>
+          </a:p>
+        </p:txBody>
+      </p:sp>
+      <p:sp>
+        <p:nvSpPr>
+          <p:cNvPr id="6" name="Title 1"/>
+          <p:cNvSpPr>
+            <a:spLocks noGrp="1"/>
+          </p:cNvSpPr>
+          <p:nvPr>
+            <p:ph type="title"/>
+          </p:nvPr>
+        </p:nvSpPr>
+        <p:spPr>
+          <a:xfrm>
+            <a:off x="0" y="0"/>
+            <a:ext cx="6840638" cy="510199"/>
+          </a:xfrm>
+        </p:spPr>
+        <p:txBody>
+          <a:bodyPr numCol="1">
+            <a:noAutofit/>
+          </a:bodyPr>
+          <a:lstStyle/>
+          <a:p>
+            <a:pPr algn="ctr"/>
+            <a:r>
+              <a:rPr lang="fr-CH" sz="2800" dirty="0"/>
+              <a:t>Les catégories des câbles Ethernet</a:t>
+            </a:r>
+          </a:p>
+        </p:txBody>
+      </p:sp>
+    </p:spTree>
+    <p:extLst>
+      <p:ext uri="{BB962C8B-B14F-4D97-AF65-F5344CB8AC3E}">
+        <p14:creationId xmlns:p14="http://schemas.microsoft.com/office/powerpoint/2010/main" val="3551929532"/>
+      </p:ext>
+    </p:extLst>
+  </p:cSld>
+  <p:clrMapOvr>
+    <a:masterClrMapping/>
+  </p:clrMapOvr>
+  <p:timing>
+    <p:tnLst>
+      <p:par>
+        <p:cTn id="1" dur="indefinite" restart="never" nodeType="tmRoot"/>
+      </p:par>
+    </p:tnLst>
+  </p:timing>
+</p:sld>
+</file>
+
 <file path=ppt/slides/slide12.xml><?xml version="1.0" encoding="utf-8"?>
 <p:sld xmlns:a="http://schemas.openxmlformats.org/drawingml/2006/main" xmlns:r="http://schemas.openxmlformats.org/officeDocument/2006/relationships" xmlns:p="http://schemas.openxmlformats.org/presentationml/2006/main">
   <p:cSld>
@@ -6608,7 +6430,7 @@
       </p:grpSpPr>
       <p:sp>
         <p:nvSpPr>
-          <p:cNvPr id="3" name="Content Placeholder 2"/>
+          <p:cNvPr id="5" name="Content Placeholder 2"/>
           <p:cNvSpPr>
             <a:spLocks noGrp="1"/>
           </p:cNvSpPr>
@@ -6618,74 +6440,15 @@
         </p:nvSpPr>
         <p:spPr>
           <a:xfrm>
-            <a:off x="478280" y="1033010"/>
-            <a:ext cx="11385771" cy="5529836"/>
+            <a:off x="277793" y="902826"/>
+            <a:ext cx="11539959" cy="5660020"/>
           </a:xfrm>
         </p:spPr>
         <p:txBody>
-          <a:bodyPr>
-            <a:normAutofit/>
-          </a:bodyPr>
+          <a:bodyPr/>
           <a:lstStyle/>
           <a:p>
-            <a:pPr>
-              <a:lnSpc>
-                <a:spcPct val="150000"/>
-              </a:lnSpc>
-            </a:pPr>
-            <a:r>
-              <a:rPr lang="fr-CH" sz="2800" dirty="0">
-                <a:solidFill>
-                  <a:schemeClr val="tx1"/>
-                </a:solidFill>
-              </a:rPr>
-              <a:t>CAT5 / 5E</a:t>
-            </a:r>
-          </a:p>
-          <a:p>
-            <a:pPr>
-              <a:lnSpc>
-                <a:spcPct val="150000"/>
-              </a:lnSpc>
-            </a:pPr>
-            <a:r>
-              <a:rPr lang="fr-CH" sz="2800" dirty="0">
-                <a:solidFill>
-                  <a:schemeClr val="tx1"/>
-                </a:solidFill>
-              </a:rPr>
-              <a:t>CAT6 / 6A</a:t>
-            </a:r>
-          </a:p>
-          <a:p>
-            <a:pPr>
-              <a:lnSpc>
-                <a:spcPct val="150000"/>
-              </a:lnSpc>
-            </a:pPr>
-            <a:r>
-              <a:rPr lang="fr-CH" sz="2800" dirty="0">
-                <a:solidFill>
-                  <a:schemeClr val="tx1"/>
-                </a:solidFill>
-              </a:rPr>
-              <a:t>CAT7</a:t>
-            </a:r>
-          </a:p>
-          <a:p>
-            <a:pPr>
-              <a:lnSpc>
-                <a:spcPct val="150000"/>
-              </a:lnSpc>
-            </a:pPr>
-            <a:r>
-              <a:rPr lang="fr-CH" sz="2800" dirty="0">
-                <a:solidFill>
-                  <a:schemeClr val="tx1"/>
-                </a:solidFill>
-              </a:rPr>
-              <a:t>CAT8</a:t>
-            </a:r>
+            <a:endParaRPr lang="fr-CH" dirty="0"/>
           </a:p>
         </p:txBody>
       </p:sp>
@@ -6702,7 +6465,7 @@
         <p:spPr>
           <a:xfrm>
             <a:off x="0" y="0"/>
-            <a:ext cx="6840638" cy="510199"/>
+            <a:ext cx="2511706" cy="510199"/>
           </a:xfrm>
         </p:spPr>
         <p:txBody>
@@ -6714,7 +6477,7 @@
             <a:pPr algn="ctr"/>
             <a:r>
               <a:rPr lang="fr-CH" sz="2800" dirty="0"/>
-              <a:t>Les catégories des câbles Ethernet</a:t>
+              <a:t>CATEGORIE 3</a:t>
             </a:r>
           </a:p>
         </p:txBody>
@@ -6722,13 +6485,20 @@
     </p:spTree>
     <p:extLst>
       <p:ext uri="{BB962C8B-B14F-4D97-AF65-F5344CB8AC3E}">
-        <p14:creationId xmlns:p14="http://schemas.microsoft.com/office/powerpoint/2010/main" val="3551929532"/>
+        <p14:creationId xmlns:p14="http://schemas.microsoft.com/office/powerpoint/2010/main" val="188863873"/>
       </p:ext>
     </p:extLst>
   </p:cSld>
   <p:clrMapOvr>
     <a:masterClrMapping/>
   </p:clrMapOvr>
+  <p:timing>
+    <p:tnLst>
+      <p:par>
+        <p:cTn id="1" dur="indefinite" restart="never" nodeType="tmRoot"/>
+      </p:par>
+    </p:tnLst>
+  </p:timing>
 </p:sld>
 </file>
 
@@ -6785,8 +6555,8 @@
         </p:nvSpPr>
         <p:spPr>
           <a:xfrm>
-            <a:off x="0" y="0"/>
-            <a:ext cx="2511706" cy="510199"/>
+            <a:off x="-1" y="0"/>
+            <a:ext cx="3262965" cy="510199"/>
           </a:xfrm>
         </p:spPr>
         <p:txBody>
@@ -6801,8 +6571,8 @@
               <a:t>CATEGORIE </a:t>
             </a:r>
             <a:r>
-              <a:rPr lang="fr-CH" sz="2800" dirty="0"/>
-              <a:t>3</a:t>
+              <a:rPr lang="fr-CH" sz="2800" dirty="0" smtClean="0"/>
+              <a:t>5 / 5E</a:t>
             </a:r>
             <a:endParaRPr lang="fr-CH" sz="2800" dirty="0"/>
           </a:p>
@@ -6811,13 +6581,20 @@
     </p:spTree>
     <p:extLst>
       <p:ext uri="{BB962C8B-B14F-4D97-AF65-F5344CB8AC3E}">
-        <p14:creationId xmlns:p14="http://schemas.microsoft.com/office/powerpoint/2010/main" val="188863873"/>
+        <p14:creationId xmlns:p14="http://schemas.microsoft.com/office/powerpoint/2010/main" val="3479421088"/>
       </p:ext>
     </p:extLst>
   </p:cSld>
   <p:clrMapOvr>
     <a:masterClrMapping/>
   </p:clrMapOvr>
+  <p:timing>
+    <p:tnLst>
+      <p:par>
+        <p:cTn id="1" dur="indefinite" restart="never" nodeType="tmRoot"/>
+      </p:par>
+    </p:tnLst>
+  </p:timing>
 </p:sld>
 </file>
 
@@ -6874,8 +6651,8 @@
         </p:nvSpPr>
         <p:spPr>
           <a:xfrm>
-            <a:off x="0" y="0"/>
-            <a:ext cx="2511706" cy="510199"/>
+            <a:off x="-1" y="0"/>
+            <a:ext cx="3262965" cy="510199"/>
           </a:xfrm>
         </p:spPr>
         <p:txBody>
@@ -6887,21 +6664,33 @@
             <a:pPr algn="ctr"/>
             <a:r>
               <a:rPr lang="fr-CH" sz="2800" dirty="0"/>
-              <a:t>CATEGORIE 5</a:t>
-            </a:r>
+              <a:t>CATEGORIE </a:t>
+            </a:r>
+            <a:r>
+              <a:rPr lang="fr-CH" sz="2800" dirty="0" smtClean="0"/>
+              <a:t>5 / 5E</a:t>
+            </a:r>
+            <a:endParaRPr lang="fr-CH" sz="2800" dirty="0"/>
           </a:p>
         </p:txBody>
       </p:sp>
     </p:spTree>
     <p:extLst>
       <p:ext uri="{BB962C8B-B14F-4D97-AF65-F5344CB8AC3E}">
-        <p14:creationId xmlns:p14="http://schemas.microsoft.com/office/powerpoint/2010/main" val="3479421088"/>
+        <p14:creationId xmlns:p14="http://schemas.microsoft.com/office/powerpoint/2010/main" val="3071545954"/>
       </p:ext>
     </p:extLst>
   </p:cSld>
   <p:clrMapOvr>
     <a:masterClrMapping/>
   </p:clrMapOvr>
+  <p:timing>
+    <p:tnLst>
+      <p:par>
+        <p:cTn id="1" dur="indefinite" restart="never" nodeType="tmRoot"/>
+      </p:par>
+    </p:tnLst>
+  </p:timing>
 </p:sld>
 </file>
 
@@ -6924,90 +6713,6 @@
       </p:grpSpPr>
       <p:sp>
         <p:nvSpPr>
-          <p:cNvPr id="5" name="Content Placeholder 2"/>
-          <p:cNvSpPr>
-            <a:spLocks noGrp="1"/>
-          </p:cNvSpPr>
-          <p:nvPr>
-            <p:ph idx="1"/>
-          </p:nvPr>
-        </p:nvSpPr>
-        <p:spPr>
-          <a:xfrm>
-            <a:off x="277793" y="902826"/>
-            <a:ext cx="11539959" cy="5660020"/>
-          </a:xfrm>
-        </p:spPr>
-        <p:txBody>
-          <a:bodyPr/>
-          <a:lstStyle/>
-          <a:p>
-            <a:endParaRPr lang="fr-CH" dirty="0"/>
-          </a:p>
-        </p:txBody>
-      </p:sp>
-      <p:sp>
-        <p:nvSpPr>
-          <p:cNvPr id="6" name="Title 1"/>
-          <p:cNvSpPr>
-            <a:spLocks noGrp="1"/>
-          </p:cNvSpPr>
-          <p:nvPr>
-            <p:ph type="title"/>
-          </p:nvPr>
-        </p:nvSpPr>
-        <p:spPr>
-          <a:xfrm>
-            <a:off x="0" y="0"/>
-            <a:ext cx="2720051" cy="510199"/>
-          </a:xfrm>
-        </p:spPr>
-        <p:txBody>
-          <a:bodyPr numCol="1">
-            <a:noAutofit/>
-          </a:bodyPr>
-          <a:lstStyle/>
-          <a:p>
-            <a:pPr algn="ctr"/>
-            <a:r>
-              <a:rPr lang="fr-CH" sz="2800" dirty="0"/>
-              <a:t>CATEGORIE 5E</a:t>
-            </a:r>
-          </a:p>
-        </p:txBody>
-      </p:sp>
-    </p:spTree>
-    <p:extLst>
-      <p:ext uri="{BB962C8B-B14F-4D97-AF65-F5344CB8AC3E}">
-        <p14:creationId xmlns:p14="http://schemas.microsoft.com/office/powerpoint/2010/main" val="3813941676"/>
-      </p:ext>
-    </p:extLst>
-  </p:cSld>
-  <p:clrMapOvr>
-    <a:masterClrMapping/>
-  </p:clrMapOvr>
-</p:sld>
-</file>
-
-<file path=ppt/slides/slide16.xml><?xml version="1.0" encoding="utf-8"?>
-<p:sld xmlns:a="http://schemas.openxmlformats.org/drawingml/2006/main" xmlns:r="http://schemas.openxmlformats.org/officeDocument/2006/relationships" xmlns:p="http://schemas.openxmlformats.org/presentationml/2006/main">
-  <p:cSld>
-    <p:spTree>
-      <p:nvGrpSpPr>
-        <p:cNvPr id="1" name=""/>
-        <p:cNvGrpSpPr/>
-        <p:nvPr/>
-      </p:nvGrpSpPr>
-      <p:grpSpPr>
-        <a:xfrm>
-          <a:off x="0" y="0"/>
-          <a:ext cx="0" cy="0"/>
-          <a:chOff x="0" y="0"/>
-          <a:chExt cx="0" cy="0"/>
-        </a:xfrm>
-      </p:grpSpPr>
-      <p:sp>
-        <p:nvSpPr>
           <p:cNvPr id="3" name="Content Placeholder 2"/>
           <p:cNvSpPr>
             <a:spLocks noGrp="1"/>
@@ -7018,8 +6723,8 @@
         </p:nvSpPr>
         <p:spPr>
           <a:xfrm>
-            <a:off x="496642" y="1402954"/>
-            <a:ext cx="6244127" cy="4376521"/>
+            <a:off x="325831" y="1105069"/>
+            <a:ext cx="11221400" cy="5319670"/>
           </a:xfrm>
         </p:spPr>
         <p:txBody>
@@ -7032,116 +6737,214 @@
               <a:buNone/>
             </a:pPr>
             <a:r>
-              <a:rPr lang="fr-CH" b="1" u="sng" dirty="0">
+              <a:rPr lang="fr-CH" sz="2400" b="1" u="sng" dirty="0" smtClean="0">
                 <a:solidFill>
                   <a:schemeClr val="tx1"/>
                 </a:solidFill>
               </a:rPr>
-              <a:t>Caractéristiques technique:</a:t>
-            </a:r>
-          </a:p>
-          <a:p>
-            <a:pPr lvl="1"/>
-            <a:r>
-              <a:rPr lang="fr-CH" dirty="0">
-                <a:solidFill>
-                  <a:schemeClr val="tx1"/>
-                </a:solidFill>
-              </a:rPr>
-              <a:t>Vitesse atteignant </a:t>
-            </a:r>
-            <a:r>
-              <a:rPr lang="fr-CH" b="1" dirty="0">
-                <a:solidFill>
-                  <a:schemeClr val="tx1"/>
-                </a:solidFill>
-              </a:rPr>
-              <a:t>1Gb &gt; 10Gb/Seconde </a:t>
-            </a:r>
-            <a:r>
-              <a:rPr lang="fr-CH" dirty="0">
-                <a:solidFill>
-                  <a:schemeClr val="tx1"/>
-                </a:solidFill>
-              </a:rPr>
-              <a:t>pour une distance de </a:t>
-            </a:r>
-            <a:r>
-              <a:rPr lang="fr-CH" b="1" dirty="0">
-                <a:solidFill>
-                  <a:schemeClr val="tx1"/>
-                </a:solidFill>
-              </a:rPr>
-              <a:t>55M</a:t>
-            </a:r>
-          </a:p>
-          <a:p>
-            <a:pPr lvl="1"/>
-            <a:r>
-              <a:rPr lang="fr-CH" dirty="0">
-                <a:solidFill>
-                  <a:schemeClr val="tx1"/>
-                </a:solidFill>
-              </a:rPr>
-              <a:t>Une </a:t>
-            </a:r>
-            <a:r>
-              <a:rPr lang="fr-CH" b="1" dirty="0">
-                <a:solidFill>
-                  <a:schemeClr val="tx1"/>
-                </a:solidFill>
-              </a:rPr>
-              <a:t>fréquence</a:t>
-            </a:r>
-            <a:r>
-              <a:rPr lang="fr-CH" dirty="0">
-                <a:solidFill>
-                  <a:schemeClr val="tx1"/>
-                </a:solidFill>
-              </a:rPr>
-              <a:t> qui peut atteindre les </a:t>
-            </a:r>
-            <a:r>
-              <a:rPr lang="fr-CH" b="1" dirty="0">
-                <a:solidFill>
-                  <a:schemeClr val="tx1"/>
-                </a:solidFill>
-              </a:rPr>
-              <a:t>250 Mhz</a:t>
-            </a:r>
-          </a:p>
-          <a:p>
-            <a:pPr marL="457200" lvl="1" indent="0">
-              <a:buNone/>
-            </a:pPr>
-            <a:endParaRPr lang="fr-CH" dirty="0">
+              <a:t>Caractéristiques technique CAT6:</a:t>
+            </a:r>
+            <a:endParaRPr lang="fr-CH" sz="2400" b="1" u="sng" dirty="0">
               <a:solidFill>
                 <a:schemeClr val="tx1"/>
               </a:solidFill>
             </a:endParaRPr>
           </a:p>
           <a:p>
-            <a:pPr marL="0" indent="0">
-              <a:buNone/>
-            </a:pPr>
-            <a:r>
-              <a:rPr lang="fr-CH" b="1" u="sng" dirty="0">
+            <a:pPr lvl="1"/>
+            <a:r>
+              <a:rPr lang="fr-CH" dirty="0">
                 <a:solidFill>
                   <a:schemeClr val="tx1"/>
                 </a:solidFill>
               </a:rPr>
-              <a:t>Caractéristiques Physique: </a:t>
+              <a:t>Vitesse atteignant </a:t>
+            </a:r>
+            <a:r>
+              <a:rPr lang="fr-CH" b="1" dirty="0">
+                <a:solidFill>
+                  <a:schemeClr val="tx1"/>
+                </a:solidFill>
+              </a:rPr>
+              <a:t>1Gb &gt; 10Gb/Seconde </a:t>
+            </a:r>
+            <a:r>
+              <a:rPr lang="fr-CH" dirty="0">
+                <a:solidFill>
+                  <a:schemeClr val="tx1"/>
+                </a:solidFill>
+              </a:rPr>
+              <a:t>pour une distance de </a:t>
+            </a:r>
+            <a:r>
+              <a:rPr lang="fr-CH" b="1" dirty="0">
+                <a:solidFill>
+                  <a:schemeClr val="tx1"/>
+                </a:solidFill>
+              </a:rPr>
+              <a:t>55M</a:t>
+            </a:r>
+          </a:p>
+          <a:p>
+            <a:pPr lvl="1"/>
+            <a:r>
+              <a:rPr lang="fr-CH" dirty="0">
+                <a:solidFill>
+                  <a:schemeClr val="tx1"/>
+                </a:solidFill>
+              </a:rPr>
+              <a:t>Une </a:t>
+            </a:r>
+            <a:r>
+              <a:rPr lang="fr-CH" b="1" dirty="0">
+                <a:solidFill>
+                  <a:schemeClr val="tx1"/>
+                </a:solidFill>
+              </a:rPr>
+              <a:t>fréquence</a:t>
+            </a:r>
+            <a:r>
+              <a:rPr lang="fr-CH" dirty="0">
+                <a:solidFill>
+                  <a:schemeClr val="tx1"/>
+                </a:solidFill>
+              </a:rPr>
+              <a:t> qui peut atteindre les </a:t>
+            </a:r>
+            <a:r>
+              <a:rPr lang="fr-CH" b="1" dirty="0">
+                <a:solidFill>
+                  <a:schemeClr val="tx1"/>
+                </a:solidFill>
+              </a:rPr>
+              <a:t>250 </a:t>
+            </a:r>
+            <a:r>
+              <a:rPr lang="fr-CH" b="1" dirty="0" smtClean="0">
+                <a:solidFill>
+                  <a:schemeClr val="tx1"/>
+                </a:solidFill>
+              </a:rPr>
+              <a:t>Mhz</a:t>
             </a:r>
           </a:p>
           <a:p>
             <a:pPr marL="457200" lvl="1" indent="0">
               <a:buNone/>
             </a:pPr>
-            <a:endParaRPr lang="fr-CH" dirty="0">
+            <a:endParaRPr lang="fr-CH" b="1" dirty="0" smtClean="0">
               <a:solidFill>
                 <a:schemeClr val="tx1"/>
               </a:solidFill>
             </a:endParaRPr>
+          </a:p>
+          <a:p>
+            <a:pPr marL="457200" lvl="1" indent="0">
+              <a:buNone/>
+            </a:pPr>
+            <a:endParaRPr lang="fr-CH" b="1" dirty="0" smtClean="0">
+              <a:solidFill>
+                <a:schemeClr val="tx1"/>
+              </a:solidFill>
+            </a:endParaRPr>
+          </a:p>
+          <a:p>
+            <a:pPr marL="457200" lvl="1" indent="0">
+              <a:buNone/>
+            </a:pPr>
+            <a:endParaRPr lang="fr-CH" b="1" dirty="0">
+              <a:solidFill>
+                <a:schemeClr val="tx1"/>
+              </a:solidFill>
+            </a:endParaRPr>
+          </a:p>
+          <a:p>
+            <a:pPr marL="0" indent="0">
+              <a:buNone/>
+            </a:pPr>
+            <a:r>
+              <a:rPr lang="fr-CH" sz="2400" b="1" u="sng" dirty="0">
+                <a:solidFill>
+                  <a:schemeClr val="tx1"/>
+                </a:solidFill>
+              </a:rPr>
+              <a:t>Caractéristiques techniques CAT 6A:</a:t>
+            </a:r>
+            <a:endParaRPr lang="fr-CH" sz="2400" dirty="0">
+              <a:solidFill>
+                <a:schemeClr val="tx1"/>
+              </a:solidFill>
+            </a:endParaRPr>
+          </a:p>
+          <a:p>
+            <a:pPr lvl="1"/>
+            <a:r>
+              <a:rPr lang="fr-CH" dirty="0">
+                <a:solidFill>
+                  <a:schemeClr val="tx1"/>
+                </a:solidFill>
+              </a:rPr>
+              <a:t>Vitesse atteignant </a:t>
+            </a:r>
+            <a:r>
+              <a:rPr lang="fr-CH" b="1" dirty="0">
+                <a:solidFill>
+                  <a:schemeClr val="tx1"/>
+                </a:solidFill>
+              </a:rPr>
+              <a:t>1Gb &gt; 10Gb par sec </a:t>
+            </a:r>
+            <a:r>
+              <a:rPr lang="fr-CH" dirty="0">
+                <a:solidFill>
+                  <a:schemeClr val="tx1"/>
+                </a:solidFill>
+              </a:rPr>
+              <a:t>pour une distance de </a:t>
+            </a:r>
+            <a:r>
+              <a:rPr lang="fr-CH" b="1" dirty="0">
+                <a:solidFill>
+                  <a:schemeClr val="tx1"/>
+                </a:solidFill>
+              </a:rPr>
+              <a:t>100Mètres</a:t>
+            </a:r>
+          </a:p>
+          <a:p>
+            <a:pPr lvl="1"/>
+            <a:r>
+              <a:rPr lang="fr-CH" dirty="0">
+                <a:solidFill>
+                  <a:schemeClr val="tx1"/>
+                </a:solidFill>
+              </a:rPr>
+              <a:t>Une </a:t>
+            </a:r>
+            <a:r>
+              <a:rPr lang="fr-CH" b="1" dirty="0">
+                <a:solidFill>
+                  <a:schemeClr val="tx1"/>
+                </a:solidFill>
+              </a:rPr>
+              <a:t>fréquence</a:t>
+            </a:r>
+            <a:r>
+              <a:rPr lang="fr-CH" dirty="0">
+                <a:solidFill>
+                  <a:schemeClr val="tx1"/>
+                </a:solidFill>
+              </a:rPr>
+              <a:t> qui peut atteindre </a:t>
+            </a:r>
+            <a:r>
+              <a:rPr lang="fr-CH" b="1" dirty="0">
+                <a:solidFill>
+                  <a:schemeClr val="tx1"/>
+                </a:solidFill>
+              </a:rPr>
+              <a:t>les 500 Mhz</a:t>
+            </a:r>
           </a:p>
           <a:p>
             <a:pPr marL="0" indent="0">
@@ -7162,187 +6965,6 @@
           </a:p>
         </p:txBody>
       </p:sp>
-      <p:pic>
-        <p:nvPicPr>
-          <p:cNvPr id="4" name="Picture 3"/>
-          <p:cNvPicPr>
-            <a:picLocks noChangeAspect="1"/>
-          </p:cNvPicPr>
-          <p:nvPr/>
-        </p:nvPicPr>
-        <p:blipFill rotWithShape="1">
-          <a:blip r:embed="rId2">
-            <a:extLst>
-              <a:ext uri="{28A0092B-C50C-407E-A947-70E740481C1C}">
-                <a14:useLocalDpi xmlns:a14="http://schemas.microsoft.com/office/drawing/2010/main" val="0"/>
-              </a:ext>
-            </a:extLst>
-          </a:blip>
-          <a:srcRect l="1109" t="22717" r="36913" b="21241"/>
-          <a:stretch/>
-        </p:blipFill>
-        <p:spPr>
-          <a:xfrm>
-            <a:off x="9429734" y="4492544"/>
-            <a:ext cx="2074984" cy="2074985"/>
-          </a:xfrm>
-          <a:prstGeom prst="ellipse">
-            <a:avLst/>
-          </a:prstGeom>
-        </p:spPr>
-      </p:pic>
-      <p:sp>
-        <p:nvSpPr>
-          <p:cNvPr id="8" name="Right Arrow 7"/>
-          <p:cNvSpPr/>
-          <p:nvPr/>
-        </p:nvSpPr>
-        <p:spPr>
-          <a:xfrm>
-            <a:off x="7866184" y="3130061"/>
-            <a:ext cx="2180492" cy="644770"/>
-          </a:xfrm>
-          <a:prstGeom prst="rightArrow">
-            <a:avLst/>
-          </a:prstGeom>
-        </p:spPr>
-        <p:style>
-          <a:lnRef idx="2">
-            <a:schemeClr val="dk1"/>
-          </a:lnRef>
-          <a:fillRef idx="1">
-            <a:schemeClr val="lt1"/>
-          </a:fillRef>
-          <a:effectRef idx="0">
-            <a:schemeClr val="dk1"/>
-          </a:effectRef>
-          <a:fontRef idx="minor">
-            <a:schemeClr val="dk1"/>
-          </a:fontRef>
-        </p:style>
-        <p:txBody>
-          <a:bodyPr rtlCol="0" anchor="ctr"/>
-          <a:lstStyle/>
-          <a:p>
-            <a:pPr algn="ctr"/>
-            <a:r>
-              <a:rPr lang="fr-CH" dirty="0"/>
-              <a:t>PVC</a:t>
-            </a:r>
-          </a:p>
-        </p:txBody>
-      </p:sp>
-      <p:pic>
-        <p:nvPicPr>
-          <p:cNvPr id="10" name="Picture 9"/>
-          <p:cNvPicPr>
-            <a:picLocks noChangeAspect="1"/>
-          </p:cNvPicPr>
-          <p:nvPr/>
-        </p:nvPicPr>
-        <p:blipFill rotWithShape="1">
-          <a:blip r:embed="rId3" cstate="print">
-            <a:extLst>
-              <a:ext uri="{28A0092B-C50C-407E-A947-70E740481C1C}">
-                <a14:useLocalDpi xmlns:a14="http://schemas.microsoft.com/office/drawing/2010/main" val="0"/>
-              </a:ext>
-            </a:extLst>
-          </a:blip>
-          <a:srcRect r="27696"/>
-          <a:stretch/>
-        </p:blipFill>
-        <p:spPr>
-          <a:xfrm rot="16200000">
-            <a:off x="8563503" y="1203594"/>
-            <a:ext cx="3857301" cy="2124839"/>
-          </a:xfrm>
-          <a:prstGeom prst="rect">
-            <a:avLst/>
-          </a:prstGeom>
-        </p:spPr>
-      </p:pic>
-      <p:sp>
-        <p:nvSpPr>
-          <p:cNvPr id="16" name="Right Arrow 15"/>
-          <p:cNvSpPr/>
-          <p:nvPr/>
-        </p:nvSpPr>
-        <p:spPr>
-          <a:xfrm>
-            <a:off x="7666892" y="545123"/>
-            <a:ext cx="2180492" cy="644770"/>
-          </a:xfrm>
-          <a:prstGeom prst="rightArrow">
-            <a:avLst/>
-          </a:prstGeom>
-        </p:spPr>
-        <p:style>
-          <a:lnRef idx="2">
-            <a:schemeClr val="dk1"/>
-          </a:lnRef>
-          <a:fillRef idx="1">
-            <a:schemeClr val="lt1"/>
-          </a:fillRef>
-          <a:effectRef idx="0">
-            <a:schemeClr val="dk1"/>
-          </a:effectRef>
-          <a:fontRef idx="minor">
-            <a:schemeClr val="dk1"/>
-          </a:fontRef>
-        </p:style>
-        <p:txBody>
-          <a:bodyPr rtlCol="0" anchor="ctr"/>
-          <a:lstStyle/>
-          <a:p>
-            <a:pPr algn="ctr"/>
-            <a:r>
-              <a:rPr lang="fr-CH" sz="1200" dirty="0"/>
-              <a:t>Paire torsadés souples</a:t>
-            </a:r>
-          </a:p>
-        </p:txBody>
-      </p:sp>
-      <p:sp>
-        <p:nvSpPr>
-          <p:cNvPr id="17" name="Right Arrow 16"/>
-          <p:cNvSpPr/>
-          <p:nvPr/>
-        </p:nvSpPr>
-        <p:spPr>
-          <a:xfrm>
-            <a:off x="7381158" y="5148142"/>
-            <a:ext cx="2466226" cy="783736"/>
-          </a:xfrm>
-          <a:prstGeom prst="rightArrow">
-            <a:avLst/>
-          </a:prstGeom>
-        </p:spPr>
-        <p:style>
-          <a:lnRef idx="2">
-            <a:schemeClr val="dk1"/>
-          </a:lnRef>
-          <a:fillRef idx="1">
-            <a:schemeClr val="lt1"/>
-          </a:fillRef>
-          <a:effectRef idx="0">
-            <a:schemeClr val="dk1"/>
-          </a:effectRef>
-          <a:fontRef idx="minor">
-            <a:schemeClr val="dk1"/>
-          </a:fontRef>
-        </p:style>
-        <p:txBody>
-          <a:bodyPr rtlCol="0" anchor="ctr"/>
-          <a:lstStyle/>
-          <a:p>
-            <a:pPr algn="ctr"/>
-            <a:r>
-              <a:rPr lang="fr-CH" sz="1200" dirty="0"/>
-              <a:t>Séparateur longitudinal</a:t>
-            </a:r>
-          </a:p>
-        </p:txBody>
-      </p:sp>
       <p:sp>
         <p:nvSpPr>
           <p:cNvPr id="21" name="Title 1"/>
@@ -7355,8 +6977,8 @@
         </p:nvSpPr>
         <p:spPr>
           <a:xfrm>
-            <a:off x="1" y="0"/>
-            <a:ext cx="2500131" cy="510199"/>
+            <a:off x="2" y="0"/>
+            <a:ext cx="3317630" cy="545123"/>
           </a:xfrm>
         </p:spPr>
         <p:txBody>
@@ -7368,8 +6990,13 @@
             <a:pPr algn="ctr"/>
             <a:r>
               <a:rPr lang="fr-CH" sz="2800" dirty="0"/>
-              <a:t>CATEGORIE 6</a:t>
-            </a:r>
+              <a:t>CATEGORIE </a:t>
+            </a:r>
+            <a:r>
+              <a:rPr lang="fr-CH" sz="2800" dirty="0" smtClean="0"/>
+              <a:t>6 / 6A</a:t>
+            </a:r>
+            <a:endParaRPr lang="fr-CH" sz="2800" dirty="0"/>
           </a:p>
         </p:txBody>
       </p:sp>
@@ -7602,7 +7229,7 @@
                                         <p:tgtEl>
                                           <p:spTgt spid="3">
                                             <p:txEl>
-                                              <p:pRg st="4" end="4"/>
+                                              <p:pRg st="6" end="6"/>
                                             </p:txEl>
                                           </p:spTgt>
                                         </p:tgtEl>
@@ -7620,7 +7247,7 @@
                                         <p:tgtEl>
                                           <p:spTgt spid="3">
                                             <p:txEl>
-                                              <p:pRg st="4" end="4"/>
+                                              <p:pRg st="6" end="6"/>
                                             </p:txEl>
                                           </p:spTgt>
                                         </p:tgtEl>
@@ -7661,7 +7288,11 @@
                                           </p:stCondLst>
                                         </p:cTn>
                                         <p:tgtEl>
-                                          <p:spTgt spid="10"/>
+                                          <p:spTgt spid="3">
+                                            <p:txEl>
+                                              <p:pRg st="7" end="7"/>
+                                            </p:txEl>
+                                          </p:spTgt>
                                         </p:tgtEl>
                                         <p:attrNameLst>
                                           <p:attrName>style.visibility</p:attrName>
@@ -7675,42 +7306,11 @@
                                       <p:cBhvr>
                                         <p:cTn id="27" dur="500"/>
                                         <p:tgtEl>
-                                          <p:spTgt spid="10"/>
-                                        </p:tgtEl>
-                                      </p:cBhvr>
-                                    </p:animEffect>
-                                  </p:childTnLst>
-                                </p:cTn>
-                              </p:par>
-                              <p:par>
-                                <p:cTn id="28" presetID="10" presetClass="entr" presetSubtype="0" fill="hold" nodeType="withEffect">
-                                  <p:stCondLst>
-                                    <p:cond delay="0"/>
-                                  </p:stCondLst>
-                                  <p:childTnLst>
-                                    <p:set>
-                                      <p:cBhvr>
-                                        <p:cTn id="29" dur="1" fill="hold">
-                                          <p:stCondLst>
-                                            <p:cond delay="0"/>
-                                          </p:stCondLst>
-                                        </p:cTn>
-                                        <p:tgtEl>
-                                          <p:spTgt spid="4"/>
-                                        </p:tgtEl>
-                                        <p:attrNameLst>
-                                          <p:attrName>style.visibility</p:attrName>
-                                        </p:attrNameLst>
-                                      </p:cBhvr>
-                                      <p:to>
-                                        <p:strVal val="visible"/>
-                                      </p:to>
-                                    </p:set>
-                                    <p:animEffect transition="in" filter="fade">
-                                      <p:cBhvr>
-                                        <p:cTn id="30" dur="500"/>
-                                        <p:tgtEl>
-                                          <p:spTgt spid="4"/>
+                                          <p:spTgt spid="3">
+                                            <p:txEl>
+                                              <p:pRg st="7" end="7"/>
+                                            </p:txEl>
+                                          </p:spTgt>
                                         </p:tgtEl>
                                       </p:cBhvr>
                                     </p:animEffect>
@@ -7724,32 +7324,36 @@
                     </p:cTn>
                   </p:par>
                   <p:par>
-                    <p:cTn id="31" fill="hold">
+                    <p:cTn id="28" fill="hold">
                       <p:stCondLst>
                         <p:cond delay="indefinite"/>
                       </p:stCondLst>
                       <p:childTnLst>
                         <p:par>
-                          <p:cTn id="32" fill="hold">
+                          <p:cTn id="29" fill="hold">
                             <p:stCondLst>
                               <p:cond delay="0"/>
                             </p:stCondLst>
                             <p:childTnLst>
                               <p:par>
-                                <p:cTn id="33" presetID="10" presetClass="entr" presetSubtype="0" fill="hold" grpId="0" nodeType="clickEffect">
+                                <p:cTn id="30" presetID="10" presetClass="entr" presetSubtype="0" fill="hold" nodeType="clickEffect">
                                   <p:stCondLst>
                                     <p:cond delay="0"/>
                                   </p:stCondLst>
                                   <p:childTnLst>
                                     <p:set>
                                       <p:cBhvr>
-                                        <p:cTn id="34" dur="1" fill="hold">
+                                        <p:cTn id="31" dur="1" fill="hold">
                                           <p:stCondLst>
                                             <p:cond delay="0"/>
                                           </p:stCondLst>
                                         </p:cTn>
                                         <p:tgtEl>
-                                          <p:spTgt spid="8"/>
+                                          <p:spTgt spid="3">
+                                            <p:txEl>
+                                              <p:pRg st="8" end="8"/>
+                                            </p:txEl>
+                                          </p:spTgt>
                                         </p:tgtEl>
                                         <p:attrNameLst>
                                           <p:attrName>style.visibility</p:attrName>
@@ -7761,115 +7365,13 @@
                                     </p:set>
                                     <p:animEffect transition="in" filter="fade">
                                       <p:cBhvr>
-                                        <p:cTn id="35" dur="500"/>
+                                        <p:cTn id="32" dur="500"/>
                                         <p:tgtEl>
-                                          <p:spTgt spid="8"/>
-                                        </p:tgtEl>
-                                      </p:cBhvr>
-                                    </p:animEffect>
-                                  </p:childTnLst>
-                                </p:cTn>
-                              </p:par>
-                            </p:childTnLst>
-                          </p:cTn>
-                        </p:par>
-                      </p:childTnLst>
-                    </p:cTn>
-                  </p:par>
-                  <p:par>
-                    <p:cTn id="36" fill="hold">
-                      <p:stCondLst>
-                        <p:cond delay="indefinite"/>
-                      </p:stCondLst>
-                      <p:childTnLst>
-                        <p:par>
-                          <p:cTn id="37" fill="hold">
-                            <p:stCondLst>
-                              <p:cond delay="0"/>
-                            </p:stCondLst>
-                            <p:childTnLst>
-                              <p:par>
-                                <p:cTn id="38" presetID="10" presetClass="entr" presetSubtype="0" fill="hold" grpId="0" nodeType="clickEffect">
-                                  <p:stCondLst>
-                                    <p:cond delay="0"/>
-                                  </p:stCondLst>
-                                  <p:childTnLst>
-                                    <p:set>
-                                      <p:cBhvr>
-                                        <p:cTn id="39" dur="1" fill="hold">
-                                          <p:stCondLst>
-                                            <p:cond delay="0"/>
-                                          </p:stCondLst>
-                                        </p:cTn>
-                                        <p:tgtEl>
-                                          <p:spTgt spid="16"/>
-                                        </p:tgtEl>
-                                        <p:attrNameLst>
-                                          <p:attrName>style.visibility</p:attrName>
-                                        </p:attrNameLst>
-                                      </p:cBhvr>
-                                      <p:to>
-                                        <p:strVal val="visible"/>
-                                      </p:to>
-                                    </p:set>
-                                    <p:animEffect transition="in" filter="fade">
-                                      <p:cBhvr>
-                                        <p:cTn id="40" dur="500"/>
-                                        <p:tgtEl>
-                                          <p:spTgt spid="16"/>
-                                        </p:tgtEl>
-                                      </p:cBhvr>
-                                    </p:animEffect>
-                                  </p:childTnLst>
-                                </p:cTn>
-                              </p:par>
-                            </p:childTnLst>
-                          </p:cTn>
-                        </p:par>
-                      </p:childTnLst>
-                    </p:cTn>
-                  </p:par>
-                  <p:par>
-                    <p:cTn id="41" fill="hold">
-                      <p:stCondLst>
-                        <p:cond delay="indefinite"/>
-                      </p:stCondLst>
-                      <p:childTnLst>
-                        <p:par>
-                          <p:cTn id="42" fill="hold">
-                            <p:stCondLst>
-                              <p:cond delay="0"/>
-                            </p:stCondLst>
-                            <p:childTnLst>
-                              <p:par>
-                                <p:cTn id="43" presetID="10" presetClass="entr" presetSubtype="0" fill="hold" grpId="0" nodeType="clickEffect">
-                                  <p:stCondLst>
-                                    <p:cond delay="0"/>
-                                  </p:stCondLst>
-                                  <p:childTnLst>
-                                    <p:set>
-                                      <p:cBhvr>
-                                        <p:cTn id="44" dur="1" fill="hold">
-                                          <p:stCondLst>
-                                            <p:cond delay="0"/>
-                                          </p:stCondLst>
-                                        </p:cTn>
-                                        <p:tgtEl>
-                                          <p:spTgt spid="17"/>
-                                        </p:tgtEl>
-                                        <p:attrNameLst>
-                                          <p:attrName>style.visibility</p:attrName>
-                                        </p:attrNameLst>
-                                      </p:cBhvr>
-                                      <p:to>
-                                        <p:strVal val="visible"/>
-                                      </p:to>
-                                    </p:set>
-                                    <p:animEffect transition="in" filter="fade">
-                                      <p:cBhvr>
-                                        <p:cTn id="45" dur="500"/>
-                                        <p:tgtEl>
-                                          <p:spTgt spid="17"/>
+                                          <p:spTgt spid="3">
+                                            <p:txEl>
+                                              <p:pRg st="8" end="8"/>
+                                            </p:txEl>
+                                          </p:spTgt>
                                         </p:tgtEl>
                                       </p:cBhvr>
                                     </p:animEffect>
@@ -7903,16 +7405,11 @@
         </p:cTn>
       </p:par>
     </p:tnLst>
-    <p:bldLst>
-      <p:bldP spid="8" grpId="0" animBg="1"/>
-      <p:bldP spid="16" grpId="0" animBg="1"/>
-      <p:bldP spid="17" grpId="0" animBg="1"/>
-    </p:bldLst>
   </p:timing>
 </p:sld>
 </file>
 
-<file path=ppt/slides/slide17.xml><?xml version="1.0" encoding="utf-8"?>
+<file path=ppt/slides/slide16.xml><?xml version="1.0" encoding="utf-8"?>
 <p:sld xmlns:a="http://schemas.openxmlformats.org/drawingml/2006/main" xmlns:r="http://schemas.openxmlformats.org/officeDocument/2006/relationships" xmlns:p="http://schemas.openxmlformats.org/presentationml/2006/main">
   <p:cSld>
     <p:spTree>
@@ -7931,47 +7428,6 @@
       </p:grpSpPr>
       <p:sp>
         <p:nvSpPr>
-          <p:cNvPr id="9" name="Title 8"/>
-          <p:cNvSpPr>
-            <a:spLocks noGrp="1"/>
-          </p:cNvSpPr>
-          <p:nvPr>
-            <p:ph type="title"/>
-          </p:nvPr>
-        </p:nvSpPr>
-        <p:spPr>
-          <a:xfrm>
-            <a:off x="426304" y="1366873"/>
-            <a:ext cx="11449173" cy="450204"/>
-          </a:xfrm>
-        </p:spPr>
-        <p:txBody>
-          <a:bodyPr>
-            <a:normAutofit fontScale="90000"/>
-          </a:bodyPr>
-          <a:lstStyle/>
-          <a:p>
-            <a:r>
-              <a:rPr lang="fr-CH" sz="2000" dirty="0"/>
-              <a:t>La catégorie 6A est une </a:t>
-            </a:r>
-            <a:r>
-              <a:rPr lang="fr-CH" sz="2000" b="1" dirty="0"/>
-              <a:t>amélioration technique</a:t>
-            </a:r>
-            <a:r>
-              <a:rPr lang="fr-CH" sz="2000" dirty="0"/>
-              <a:t> de la catégorie 6</a:t>
-            </a:r>
-            <a:br>
-              <a:rPr lang="fr-CH" sz="2000" dirty="0"/>
-            </a:br>
-            <a:endParaRPr lang="fr-CH" sz="2000" dirty="0"/>
-          </a:p>
-        </p:txBody>
-      </p:sp>
-      <p:sp>
-        <p:nvSpPr>
           <p:cNvPr id="3" name="Content Placeholder 2"/>
           <p:cNvSpPr>
             <a:spLocks noGrp="1"/>
@@ -7982,8 +7438,8 @@
         </p:nvSpPr>
         <p:spPr>
           <a:xfrm>
-            <a:off x="426304" y="1699751"/>
-            <a:ext cx="10861675" cy="4279900"/>
+            <a:off x="292417" y="885104"/>
+            <a:ext cx="6339188" cy="890227"/>
           </a:xfrm>
         </p:spPr>
         <p:txBody>
@@ -7995,230 +7451,238 @@
             <a:pPr marL="0" indent="0">
               <a:buNone/>
             </a:pPr>
-            <a:endParaRPr lang="fr-CH" dirty="0">
-              <a:solidFill>
-                <a:schemeClr val="tx1"/>
-              </a:solidFill>
-            </a:endParaRPr>
-          </a:p>
-          <a:p>
-            <a:pPr marL="0" indent="0">
-              <a:buNone/>
-            </a:pPr>
             <a:r>
               <a:rPr lang="fr-CH" b="1" u="sng" dirty="0">
                 <a:solidFill>
                   <a:schemeClr val="tx1"/>
                 </a:solidFill>
               </a:rPr>
-              <a:t>Caractéristiques techniques:</a:t>
-            </a:r>
-            <a:endParaRPr lang="fr-CH" dirty="0">
-              <a:solidFill>
-                <a:schemeClr val="tx1"/>
-              </a:solidFill>
-            </a:endParaRPr>
-          </a:p>
-          <a:p>
-            <a:pPr lvl="1"/>
-            <a:r>
-              <a:rPr lang="fr-CH" dirty="0">
+              <a:t>Caractéristiques </a:t>
+            </a:r>
+            <a:r>
+              <a:rPr lang="fr-CH" b="1" u="sng" dirty="0" smtClean="0">
                 <a:solidFill>
                   <a:schemeClr val="tx1"/>
                 </a:solidFill>
               </a:rPr>
-              <a:t>Vitesse atteignant </a:t>
-            </a:r>
-            <a:r>
-              <a:rPr lang="fr-CH" b="1" dirty="0">
-                <a:solidFill>
-                  <a:schemeClr val="tx1"/>
-                </a:solidFill>
-              </a:rPr>
-              <a:t>1Gb &gt; 10Gb par sec </a:t>
-            </a:r>
-            <a:r>
-              <a:rPr lang="fr-CH" dirty="0">
-                <a:solidFill>
-                  <a:schemeClr val="tx1"/>
-                </a:solidFill>
-              </a:rPr>
-              <a:t>pour une distance de </a:t>
-            </a:r>
-            <a:r>
-              <a:rPr lang="fr-CH" b="1" dirty="0">
-                <a:solidFill>
-                  <a:schemeClr val="tx1"/>
-                </a:solidFill>
-              </a:rPr>
-              <a:t>100Mètres</a:t>
-            </a:r>
-          </a:p>
-          <a:p>
-            <a:pPr lvl="1"/>
-            <a:r>
-              <a:rPr lang="fr-CH" dirty="0">
-                <a:solidFill>
-                  <a:schemeClr val="tx1"/>
-                </a:solidFill>
-              </a:rPr>
-              <a:t>Une </a:t>
-            </a:r>
-            <a:r>
-              <a:rPr lang="fr-CH" b="1" dirty="0">
-                <a:solidFill>
-                  <a:schemeClr val="tx1"/>
-                </a:solidFill>
-              </a:rPr>
-              <a:t>fréquence</a:t>
-            </a:r>
-            <a:r>
-              <a:rPr lang="fr-CH" dirty="0">
-                <a:solidFill>
-                  <a:schemeClr val="tx1"/>
-                </a:solidFill>
-              </a:rPr>
-              <a:t> qui peut atteindre </a:t>
-            </a:r>
-            <a:r>
-              <a:rPr lang="fr-CH" b="1" dirty="0">
-                <a:solidFill>
-                  <a:schemeClr val="tx1"/>
-                </a:solidFill>
-              </a:rPr>
-              <a:t>les 500 Mhz</a:t>
-            </a:r>
-          </a:p>
-          <a:p>
-            <a:pPr marL="0" indent="0">
-              <a:buNone/>
-            </a:pPr>
-            <a:endParaRPr lang="fr-CH" dirty="0">
-              <a:solidFill>
-                <a:schemeClr val="tx1"/>
-              </a:solidFill>
-            </a:endParaRPr>
-          </a:p>
-          <a:p>
-            <a:pPr marL="0" indent="0">
-              <a:buNone/>
-            </a:pPr>
-            <a:r>
-              <a:rPr lang="fr-CH" dirty="0">
-                <a:solidFill>
-                  <a:schemeClr val="tx1"/>
-                </a:solidFill>
-              </a:rPr>
-              <a:t>Caractéristiques Physiques identiques à la CAT6</a:t>
-            </a:r>
-            <a:endParaRPr lang="fr-CH" dirty="0"/>
-          </a:p>
-        </p:txBody>
-      </p:sp>
-      <p:sp>
-        <p:nvSpPr>
-          <p:cNvPr id="10" name="Title 1"/>
-          <p:cNvSpPr txBox="1">
-            <a:spLocks/>
-          </p:cNvSpPr>
+              <a:t>physique CAT6 / CAT 6A:</a:t>
+            </a:r>
+          </a:p>
+        </p:txBody>
+      </p:sp>
+      <p:pic>
+        <p:nvPicPr>
+          <p:cNvPr id="6" name="Picture 5"/>
+          <p:cNvPicPr>
+            <a:picLocks noChangeAspect="1"/>
+          </p:cNvPicPr>
           <p:nvPr/>
-        </p:nvSpPr>
+        </p:nvPicPr>
+        <p:blipFill rotWithShape="1">
+          <a:blip r:embed="rId2">
+            <a:extLst>
+              <a:ext uri="{28A0092B-C50C-407E-A947-70E740481C1C}">
+                <a14:useLocalDpi xmlns:a14="http://schemas.microsoft.com/office/drawing/2010/main" val="0"/>
+              </a:ext>
+            </a:extLst>
+          </a:blip>
+          <a:srcRect l="1109" t="22717" r="36913" b="21241"/>
+          <a:stretch/>
+        </p:blipFill>
         <p:spPr>
           <a:xfrm>
-            <a:off x="1" y="0"/>
-            <a:ext cx="2766348" cy="510199"/>
+            <a:off x="8008289" y="3043481"/>
+            <a:ext cx="2074984" cy="2074985"/>
+          </a:xfrm>
+          <a:prstGeom prst="ellipse">
+            <a:avLst/>
+          </a:prstGeom>
+        </p:spPr>
+      </p:pic>
+      <p:sp>
+        <p:nvSpPr>
+          <p:cNvPr id="7" name="Right Arrow 6"/>
+          <p:cNvSpPr/>
+          <p:nvPr/>
+        </p:nvSpPr>
+        <p:spPr>
+          <a:xfrm>
+            <a:off x="1577553" y="5030542"/>
+            <a:ext cx="2180492" cy="644770"/>
+          </a:xfrm>
+          <a:prstGeom prst="rightArrow">
+            <a:avLst/>
+          </a:prstGeom>
+        </p:spPr>
+        <p:style>
+          <a:lnRef idx="2">
+            <a:schemeClr val="dk1"/>
+          </a:lnRef>
+          <a:fillRef idx="1">
+            <a:schemeClr val="lt1"/>
+          </a:fillRef>
+          <a:effectRef idx="0">
+            <a:schemeClr val="dk1"/>
+          </a:effectRef>
+          <a:fontRef idx="minor">
+            <a:schemeClr val="dk1"/>
+          </a:fontRef>
+        </p:style>
+        <p:txBody>
+          <a:bodyPr rtlCol="0" anchor="ctr"/>
+          <a:lstStyle/>
+          <a:p>
+            <a:pPr algn="ctr"/>
+            <a:r>
+              <a:rPr lang="fr-CH" dirty="0"/>
+              <a:t>PVC</a:t>
+            </a:r>
+          </a:p>
+        </p:txBody>
+      </p:sp>
+      <p:pic>
+        <p:nvPicPr>
+          <p:cNvPr id="8" name="Picture 7"/>
+          <p:cNvPicPr>
+            <a:picLocks noChangeAspect="1"/>
+          </p:cNvPicPr>
+          <p:nvPr/>
+        </p:nvPicPr>
+        <p:blipFill rotWithShape="1">
+          <a:blip r:embed="rId3" cstate="print">
+            <a:extLst>
+              <a:ext uri="{28A0092B-C50C-407E-A947-70E740481C1C}">
+                <a14:useLocalDpi xmlns:a14="http://schemas.microsoft.com/office/drawing/2010/main" val="0"/>
+              </a:ext>
+            </a:extLst>
+          </a:blip>
+          <a:srcRect r="21127"/>
+          <a:stretch/>
+        </p:blipFill>
+        <p:spPr>
+          <a:xfrm rot="16200000">
+            <a:off x="2099658" y="2928860"/>
+            <a:ext cx="4207729" cy="2124839"/>
           </a:xfrm>
           <a:prstGeom prst="rect">
             <a:avLst/>
           </a:prstGeom>
-          <a:effectLst/>
         </p:spPr>
-        <p:txBody>
-          <a:bodyPr vert="horz" lIns="91440" tIns="45720" rIns="91440" bIns="45720" numCol="1" rtlCol="0" anchor="ctr">
+      </p:pic>
+      <p:sp>
+        <p:nvSpPr>
+          <p:cNvPr id="11" name="Right Arrow 10"/>
+          <p:cNvSpPr/>
+          <p:nvPr/>
+        </p:nvSpPr>
+        <p:spPr>
+          <a:xfrm>
+            <a:off x="1378261" y="2445604"/>
+            <a:ext cx="2180492" cy="644770"/>
+          </a:xfrm>
+          <a:prstGeom prst="rightArrow">
+            <a:avLst/>
+          </a:prstGeom>
+        </p:spPr>
+        <p:style>
+          <a:lnRef idx="2">
+            <a:schemeClr val="dk1"/>
+          </a:lnRef>
+          <a:fillRef idx="1">
+            <a:schemeClr val="lt1"/>
+          </a:fillRef>
+          <a:effectRef idx="0">
+            <a:schemeClr val="dk1"/>
+          </a:effectRef>
+          <a:fontRef idx="minor">
+            <a:schemeClr val="dk1"/>
+          </a:fontRef>
+        </p:style>
+        <p:txBody>
+          <a:bodyPr rtlCol="0" anchor="ctr"/>
+          <a:lstStyle/>
+          <a:p>
+            <a:pPr algn="ctr"/>
+            <a:r>
+              <a:rPr lang="fr-CH" sz="1200" dirty="0"/>
+              <a:t>Paire torsadés souples</a:t>
+            </a:r>
+          </a:p>
+        </p:txBody>
+      </p:sp>
+      <p:sp>
+        <p:nvSpPr>
+          <p:cNvPr id="12" name="Right Arrow 11"/>
+          <p:cNvSpPr/>
+          <p:nvPr/>
+        </p:nvSpPr>
+        <p:spPr>
+          <a:xfrm>
+            <a:off x="6206947" y="3822687"/>
+            <a:ext cx="2180492" cy="666506"/>
+          </a:xfrm>
+          <a:prstGeom prst="rightArrow">
+            <a:avLst/>
+          </a:prstGeom>
+        </p:spPr>
+        <p:style>
+          <a:lnRef idx="2">
+            <a:schemeClr val="dk1"/>
+          </a:lnRef>
+          <a:fillRef idx="1">
+            <a:schemeClr val="lt1"/>
+          </a:fillRef>
+          <a:effectRef idx="0">
+            <a:schemeClr val="dk1"/>
+          </a:effectRef>
+          <a:fontRef idx="minor">
+            <a:schemeClr val="dk1"/>
+          </a:fontRef>
+        </p:style>
+        <p:txBody>
+          <a:bodyPr rtlCol="0" anchor="ctr"/>
+          <a:lstStyle/>
+          <a:p>
+            <a:pPr algn="ctr"/>
+            <a:r>
+              <a:rPr lang="fr-CH" sz="1200" dirty="0"/>
+              <a:t>Séparateur longitudinal</a:t>
+            </a:r>
+          </a:p>
+        </p:txBody>
+      </p:sp>
+      <p:sp>
+        <p:nvSpPr>
+          <p:cNvPr id="13" name="Title 1"/>
+          <p:cNvSpPr>
+            <a:spLocks noGrp="1"/>
+          </p:cNvSpPr>
+          <p:nvPr>
+            <p:ph type="title"/>
+          </p:nvPr>
+        </p:nvSpPr>
+        <p:spPr>
+          <a:xfrm>
+            <a:off x="2" y="0"/>
+            <a:ext cx="3317630" cy="545123"/>
+          </a:xfrm>
+        </p:spPr>
+        <p:txBody>
+          <a:bodyPr numCol="1">
             <a:noAutofit/>
           </a:bodyPr>
-          <a:lstStyle>
-            <a:lvl1pPr algn="l" defTabSz="457200" rtl="0" eaLnBrk="1" latinLnBrk="0" hangingPunct="1">
-              <a:spcBef>
-                <a:spcPct val="0"/>
-              </a:spcBef>
-              <a:buNone/>
-              <a:defRPr sz="3600" kern="1200" cap="all">
-                <a:ln w="3175" cmpd="sng">
-                  <a:noFill/>
-                </a:ln>
-                <a:solidFill>
-                  <a:schemeClr val="tx1"/>
-                </a:solidFill>
-                <a:effectLst/>
-                <a:latin typeface="+mj-lt"/>
-                <a:ea typeface="+mj-ea"/>
-                <a:cs typeface="+mj-cs"/>
-              </a:defRPr>
-            </a:lvl1pPr>
-            <a:lvl2pPr eaLnBrk="1" hangingPunct="1">
-              <a:defRPr>
-                <a:solidFill>
-                  <a:schemeClr val="tx2"/>
-                </a:solidFill>
-              </a:defRPr>
-            </a:lvl2pPr>
-            <a:lvl3pPr eaLnBrk="1" hangingPunct="1">
-              <a:defRPr>
-                <a:solidFill>
-                  <a:schemeClr val="tx2"/>
-                </a:solidFill>
-              </a:defRPr>
-            </a:lvl3pPr>
-            <a:lvl4pPr eaLnBrk="1" hangingPunct="1">
-              <a:defRPr>
-                <a:solidFill>
-                  <a:schemeClr val="tx2"/>
-                </a:solidFill>
-              </a:defRPr>
-            </a:lvl4pPr>
-            <a:lvl5pPr eaLnBrk="1" hangingPunct="1">
-              <a:defRPr>
-                <a:solidFill>
-                  <a:schemeClr val="tx2"/>
-                </a:solidFill>
-              </a:defRPr>
-            </a:lvl5pPr>
-            <a:lvl6pPr eaLnBrk="1" hangingPunct="1">
-              <a:defRPr>
-                <a:solidFill>
-                  <a:schemeClr val="tx2"/>
-                </a:solidFill>
-              </a:defRPr>
-            </a:lvl6pPr>
-            <a:lvl7pPr eaLnBrk="1" hangingPunct="1">
-              <a:defRPr>
-                <a:solidFill>
-                  <a:schemeClr val="tx2"/>
-                </a:solidFill>
-              </a:defRPr>
-            </a:lvl7pPr>
-            <a:lvl8pPr eaLnBrk="1" hangingPunct="1">
-              <a:defRPr>
-                <a:solidFill>
-                  <a:schemeClr val="tx2"/>
-                </a:solidFill>
-              </a:defRPr>
-            </a:lvl8pPr>
-            <a:lvl9pPr eaLnBrk="1" hangingPunct="1">
-              <a:defRPr>
-                <a:solidFill>
-                  <a:schemeClr val="tx2"/>
-                </a:solidFill>
-              </a:defRPr>
-            </a:lvl9pPr>
-          </a:lstStyle>
+          <a:lstStyle/>
           <a:p>
             <a:pPr algn="ctr"/>
             <a:r>
               <a:rPr lang="fr-CH" sz="2800" dirty="0"/>
-              <a:t>CATEGORIE 6A</a:t>
-            </a:r>
+              <a:t>CATEGORIE </a:t>
+            </a:r>
+            <a:r>
+              <a:rPr lang="fr-CH" sz="2800" dirty="0" smtClean="0"/>
+              <a:t>6 / 6A</a:t>
+            </a:r>
+            <a:endParaRPr lang="fr-CH" sz="2800" dirty="0"/>
           </a:p>
         </p:txBody>
       </p:sp>
@@ -8266,7 +7730,11 @@
                                           </p:stCondLst>
                                         </p:cTn>
                                         <p:tgtEl>
-                                          <p:spTgt spid="9"/>
+                                          <p:spTgt spid="3">
+                                            <p:txEl>
+                                              <p:pRg st="0" end="0"/>
+                                            </p:txEl>
+                                          </p:spTgt>
                                         </p:tgtEl>
                                         <p:attrNameLst>
                                           <p:attrName>style.visibility</p:attrName>
@@ -8280,7 +7748,81 @@
                                       <p:cBhvr>
                                         <p:cTn id="7" dur="500"/>
                                         <p:tgtEl>
-                                          <p:spTgt spid="9"/>
+                                          <p:spTgt spid="3">
+                                            <p:txEl>
+                                              <p:pRg st="0" end="0"/>
+                                            </p:txEl>
+                                          </p:spTgt>
+                                        </p:tgtEl>
+                                      </p:cBhvr>
+                                    </p:animEffect>
+                                  </p:childTnLst>
+                                </p:cTn>
+                              </p:par>
+                              <p:par>
+                                <p:cTn id="8" presetID="10" presetClass="entr" presetSubtype="0" fill="hold" nodeType="withEffect">
+                                  <p:stCondLst>
+                                    <p:cond delay="0"/>
+                                  </p:stCondLst>
+                                  <p:childTnLst>
+                                    <p:set>
+                                      <p:cBhvr>
+                                        <p:cTn id="9" dur="1" fill="hold">
+                                          <p:stCondLst>
+                                            <p:cond delay="0"/>
+                                          </p:stCondLst>
+                                        </p:cTn>
+                                        <p:tgtEl>
+                                          <p:spTgt spid="8"/>
+                                        </p:tgtEl>
+                                        <p:attrNameLst>
+                                          <p:attrName>style.visibility</p:attrName>
+                                        </p:attrNameLst>
+                                      </p:cBhvr>
+                                      <p:to>
+                                        <p:strVal val="visible"/>
+                                      </p:to>
+                                    </p:set>
+                                    <p:animEffect transition="in" filter="fade">
+                                      <p:cBhvr>
+                                        <p:cTn id="10" dur="500"/>
+                                        <p:tgtEl>
+                                          <p:spTgt spid="8"/>
+                                        </p:tgtEl>
+                                      </p:cBhvr>
+                                    </p:animEffect>
+                                  </p:childTnLst>
+                                </p:cTn>
+                              </p:par>
+                              <p:par>
+                                <p:cTn id="11" presetID="10" presetClass="entr" presetSubtype="0" fill="hold" nodeType="withEffect">
+                                  <p:stCondLst>
+                                    <p:cond delay="0"/>
+                                  </p:stCondLst>
+                                  <p:childTnLst>
+                                    <p:set>
+                                      <p:cBhvr>
+                                        <p:cTn id="12" dur="1" fill="hold">
+                                          <p:stCondLst>
+                                            <p:cond delay="0"/>
+                                          </p:stCondLst>
+                                        </p:cTn>
+                                        <p:tgtEl>
+                                          <p:spTgt spid="6"/>
+                                        </p:tgtEl>
+                                        <p:attrNameLst>
+                                          <p:attrName>style.visibility</p:attrName>
+                                        </p:attrNameLst>
+                                      </p:cBhvr>
+                                      <p:to>
+                                        <p:strVal val="visible"/>
+                                      </p:to>
+                                    </p:set>
+                                    <p:animEffect transition="in" filter="fade">
+                                      <p:cBhvr>
+                                        <p:cTn id="13" dur="500"/>
+                                        <p:tgtEl>
+                                          <p:spTgt spid="6"/>
                                         </p:tgtEl>
                                       </p:cBhvr>
                                     </p:animEffect>
@@ -8294,36 +7836,32 @@
                     </p:cTn>
                   </p:par>
                   <p:par>
-                    <p:cTn id="8" fill="hold">
+                    <p:cTn id="14" fill="hold">
                       <p:stCondLst>
                         <p:cond delay="indefinite"/>
                       </p:stCondLst>
                       <p:childTnLst>
                         <p:par>
-                          <p:cTn id="9" fill="hold">
+                          <p:cTn id="15" fill="hold">
                             <p:stCondLst>
                               <p:cond delay="0"/>
                             </p:stCondLst>
                             <p:childTnLst>
                               <p:par>
-                                <p:cTn id="10" presetID="10" presetClass="entr" presetSubtype="0" fill="hold" nodeType="clickEffect">
+                                <p:cTn id="16" presetID="10" presetClass="entr" presetSubtype="0" fill="hold" grpId="0" nodeType="clickEffect">
                                   <p:stCondLst>
                                     <p:cond delay="0"/>
                                   </p:stCondLst>
                                   <p:childTnLst>
                                     <p:set>
                                       <p:cBhvr>
-                                        <p:cTn id="11" dur="1" fill="hold">
+                                        <p:cTn id="17" dur="1" fill="hold">
                                           <p:stCondLst>
                                             <p:cond delay="0"/>
                                           </p:stCondLst>
                                         </p:cTn>
                                         <p:tgtEl>
-                                          <p:spTgt spid="3">
-                                            <p:txEl>
-                                              <p:pRg st="1" end="1"/>
-                                            </p:txEl>
-                                          </p:spTgt>
+                                          <p:spTgt spid="11"/>
                                         </p:tgtEl>
                                         <p:attrNameLst>
                                           <p:attrName>style.visibility</p:attrName>
@@ -8335,13 +7873,9 @@
                                     </p:set>
                                     <p:animEffect transition="in" filter="fade">
                                       <p:cBhvr>
-                                        <p:cTn id="12" dur="500"/>
+                                        <p:cTn id="18" dur="500"/>
                                         <p:tgtEl>
-                                          <p:spTgt spid="3">
-                                            <p:txEl>
-                                              <p:pRg st="1" end="1"/>
-                                            </p:txEl>
-                                          </p:spTgt>
+                                          <p:spTgt spid="11"/>
                                         </p:tgtEl>
                                       </p:cBhvr>
                                     </p:animEffect>
@@ -8355,36 +7889,32 @@
                     </p:cTn>
                   </p:par>
                   <p:par>
-                    <p:cTn id="13" fill="hold">
+                    <p:cTn id="19" fill="hold">
                       <p:stCondLst>
                         <p:cond delay="indefinite"/>
                       </p:stCondLst>
                       <p:childTnLst>
                         <p:par>
-                          <p:cTn id="14" fill="hold">
+                          <p:cTn id="20" fill="hold">
                             <p:stCondLst>
                               <p:cond delay="0"/>
                             </p:stCondLst>
                             <p:childTnLst>
                               <p:par>
-                                <p:cTn id="15" presetID="10" presetClass="entr" presetSubtype="0" fill="hold" nodeType="clickEffect">
+                                <p:cTn id="21" presetID="10" presetClass="entr" presetSubtype="0" fill="hold" grpId="0" nodeType="clickEffect">
                                   <p:stCondLst>
                                     <p:cond delay="0"/>
                                   </p:stCondLst>
                                   <p:childTnLst>
                                     <p:set>
                                       <p:cBhvr>
-                                        <p:cTn id="16" dur="1" fill="hold">
+                                        <p:cTn id="22" dur="1" fill="hold">
                                           <p:stCondLst>
                                             <p:cond delay="0"/>
                                           </p:stCondLst>
                                         </p:cTn>
                                         <p:tgtEl>
-                                          <p:spTgt spid="3">
-                                            <p:txEl>
-                                              <p:pRg st="2" end="2"/>
-                                            </p:txEl>
-                                          </p:spTgt>
+                                          <p:spTgt spid="7"/>
                                         </p:tgtEl>
                                         <p:attrNameLst>
                                           <p:attrName>style.visibility</p:attrName>
@@ -8396,13 +7926,9 @@
                                     </p:set>
                                     <p:animEffect transition="in" filter="fade">
                                       <p:cBhvr>
-                                        <p:cTn id="17" dur="500"/>
+                                        <p:cTn id="23" dur="500"/>
                                         <p:tgtEl>
-                                          <p:spTgt spid="3">
-                                            <p:txEl>
-                                              <p:pRg st="2" end="2"/>
-                                            </p:txEl>
-                                          </p:spTgt>
+                                          <p:spTgt spid="7"/>
                                         </p:tgtEl>
                                       </p:cBhvr>
                                     </p:animEffect>
@@ -8416,36 +7942,32 @@
                     </p:cTn>
                   </p:par>
                   <p:par>
-                    <p:cTn id="18" fill="hold">
+                    <p:cTn id="24" fill="hold">
                       <p:stCondLst>
                         <p:cond delay="indefinite"/>
                       </p:stCondLst>
                       <p:childTnLst>
                         <p:par>
-                          <p:cTn id="19" fill="hold">
+                          <p:cTn id="25" fill="hold">
                             <p:stCondLst>
                               <p:cond delay="0"/>
                             </p:stCondLst>
                             <p:childTnLst>
                               <p:par>
-                                <p:cTn id="20" presetID="10" presetClass="entr" presetSubtype="0" fill="hold" nodeType="clickEffect">
+                                <p:cTn id="26" presetID="10" presetClass="entr" presetSubtype="0" fill="hold" grpId="0" nodeType="clickEffect">
                                   <p:stCondLst>
                                     <p:cond delay="0"/>
                                   </p:stCondLst>
                                   <p:childTnLst>
                                     <p:set>
                                       <p:cBhvr>
-                                        <p:cTn id="21" dur="1" fill="hold">
+                                        <p:cTn id="27" dur="1" fill="hold">
                                           <p:stCondLst>
                                             <p:cond delay="0"/>
                                           </p:stCondLst>
                                         </p:cTn>
                                         <p:tgtEl>
-                                          <p:spTgt spid="3">
-                                            <p:txEl>
-                                              <p:pRg st="3" end="3"/>
-                                            </p:txEl>
-                                          </p:spTgt>
+                                          <p:spTgt spid="12"/>
                                         </p:tgtEl>
                                         <p:attrNameLst>
                                           <p:attrName>style.visibility</p:attrName>
@@ -8457,74 +7979,9 @@
                                     </p:set>
                                     <p:animEffect transition="in" filter="fade">
                                       <p:cBhvr>
-                                        <p:cTn id="22" dur="500"/>
+                                        <p:cTn id="28" dur="500"/>
                                         <p:tgtEl>
-                                          <p:spTgt spid="3">
-                                            <p:txEl>
-                                              <p:pRg st="3" end="3"/>
-                                            </p:txEl>
-                                          </p:spTgt>
-                                        </p:tgtEl>
-                                      </p:cBhvr>
-                                    </p:animEffect>
-                                  </p:childTnLst>
-                                </p:cTn>
-                              </p:par>
-                            </p:childTnLst>
-                          </p:cTn>
-                        </p:par>
-                      </p:childTnLst>
-                    </p:cTn>
-                  </p:par>
-                  <p:par>
-                    <p:cTn id="23" fill="hold">
-                      <p:stCondLst>
-                        <p:cond delay="indefinite"/>
-                      </p:stCondLst>
-                      <p:childTnLst>
-                        <p:par>
-                          <p:cTn id="24" fill="hold">
-                            <p:stCondLst>
-                              <p:cond delay="0"/>
-                            </p:stCondLst>
-                            <p:childTnLst>
-                              <p:par>
-                                <p:cTn id="25" presetID="10" presetClass="entr" presetSubtype="0" fill="hold" nodeType="clickEffect">
-                                  <p:stCondLst>
-                                    <p:cond delay="0"/>
-                                  </p:stCondLst>
-                                  <p:childTnLst>
-                                    <p:set>
-                                      <p:cBhvr>
-                                        <p:cTn id="26" dur="1" fill="hold">
-                                          <p:stCondLst>
-                                            <p:cond delay="0"/>
-                                          </p:stCondLst>
-                                        </p:cTn>
-                                        <p:tgtEl>
-                                          <p:spTgt spid="3">
-                                            <p:txEl>
-                                              <p:pRg st="5" end="5"/>
-                                            </p:txEl>
-                                          </p:spTgt>
-                                        </p:tgtEl>
-                                        <p:attrNameLst>
-                                          <p:attrName>style.visibility</p:attrName>
-                                        </p:attrNameLst>
-                                      </p:cBhvr>
-                                      <p:to>
-                                        <p:strVal val="visible"/>
-                                      </p:to>
-                                    </p:set>
-                                    <p:animEffect transition="in" filter="fade">
-                                      <p:cBhvr>
-                                        <p:cTn id="27" dur="500"/>
-                                        <p:tgtEl>
-                                          <p:spTgt spid="3">
-                                            <p:txEl>
-                                              <p:pRg st="5" end="5"/>
-                                            </p:txEl>
-                                          </p:spTgt>
+                                          <p:spTgt spid="12"/>
                                         </p:tgtEl>
                                       </p:cBhvr>
                                     </p:animEffect>
@@ -8559,13 +8016,16 @@
       </p:par>
     </p:tnLst>
     <p:bldLst>
-      <p:bldP spid="9" grpId="0"/>
+      <p:bldP spid="3" grpId="0" build="p"/>
+      <p:bldP spid="7" grpId="0" animBg="1"/>
+      <p:bldP spid="11" grpId="0" animBg="1"/>
+      <p:bldP spid="12" grpId="0" animBg="1"/>
     </p:bldLst>
   </p:timing>
 </p:sld>
 </file>
 
-<file path=ppt/slides/slide18.xml><?xml version="1.0" encoding="utf-8"?>
+<file path=ppt/slides/slide17.xml><?xml version="1.0" encoding="utf-8"?>
 <p:sld xmlns:a="http://schemas.openxmlformats.org/drawingml/2006/main" xmlns:r="http://schemas.openxmlformats.org/officeDocument/2006/relationships" xmlns:p="http://schemas.openxmlformats.org/presentationml/2006/main">
   <p:cSld>
     <p:spTree>
@@ -8685,6 +8145,16 @@
               </a:rPr>
               <a:t>600 Mhz</a:t>
             </a:r>
+          </a:p>
+          <a:p>
+            <a:pPr marL="457200" lvl="1" indent="0">
+              <a:buNone/>
+            </a:pPr>
+            <a:endParaRPr lang="fr-CH" dirty="0" smtClean="0">
+              <a:solidFill>
+                <a:schemeClr val="tx1"/>
+              </a:solidFill>
+            </a:endParaRPr>
           </a:p>
           <a:p>
             <a:pPr marL="457200" lvl="1" indent="0">
@@ -9182,7 +8652,7 @@
                                         <p:tgtEl>
                                           <p:spTgt spid="3">
                                             <p:txEl>
-                                              <p:pRg st="4" end="4"/>
+                                              <p:pRg st="5" end="5"/>
                                             </p:txEl>
                                           </p:spTgt>
                                         </p:tgtEl>
@@ -9200,7 +8670,7 @@
                                         <p:tgtEl>
                                           <p:spTgt spid="3">
                                             <p:txEl>
-                                              <p:pRg st="4" end="4"/>
+                                              <p:pRg st="5" end="5"/>
                                             </p:txEl>
                                           </p:spTgt>
                                         </p:tgtEl>
@@ -9527,7 +8997,7 @@
 </p:sld>
 </file>
 
-<file path=ppt/slides/slide19.xml><?xml version="1.0" encoding="utf-8"?>
+<file path=ppt/slides/slide18.xml><?xml version="1.0" encoding="utf-8"?>
 <p:sld xmlns:a="http://schemas.openxmlformats.org/drawingml/2006/main" xmlns:r="http://schemas.openxmlformats.org/officeDocument/2006/relationships" xmlns:p="http://schemas.openxmlformats.org/presentationml/2006/main">
   <p:cSld>
     <p:spTree>
@@ -9608,228 +9078,17 @@
   <p:clrMapOvr>
     <a:masterClrMapping/>
   </p:clrMapOvr>
+  <p:timing>
+    <p:tnLst>
+      <p:par>
+        <p:cTn id="1" dur="indefinite" restart="never" nodeType="tmRoot"/>
+      </p:par>
+    </p:tnLst>
+  </p:timing>
 </p:sld>
 </file>
 
-<file path=ppt/slides/slide2.xml><?xml version="1.0" encoding="utf-8"?>
-<p:sld xmlns:a="http://schemas.openxmlformats.org/drawingml/2006/main" xmlns:r="http://schemas.openxmlformats.org/officeDocument/2006/relationships" xmlns:p="http://schemas.openxmlformats.org/presentationml/2006/main">
-  <p:cSld>
-    <p:spTree>
-      <p:nvGrpSpPr>
-        <p:cNvPr id="1" name=""/>
-        <p:cNvGrpSpPr/>
-        <p:nvPr/>
-      </p:nvGrpSpPr>
-      <p:grpSpPr>
-        <a:xfrm>
-          <a:off x="0" y="0"/>
-          <a:ext cx="0" cy="0"/>
-          <a:chOff x="0" y="0"/>
-          <a:chExt cx="0" cy="0"/>
-        </a:xfrm>
-      </p:grpSpPr>
-      <p:sp>
-        <p:nvSpPr>
-          <p:cNvPr id="2" name="Title 1"/>
-          <p:cNvSpPr>
-            <a:spLocks noGrp="1"/>
-          </p:cNvSpPr>
-          <p:nvPr>
-            <p:ph type="title"/>
-          </p:nvPr>
-        </p:nvSpPr>
-        <p:spPr>
-          <a:xfrm>
-            <a:off x="646112" y="452718"/>
-            <a:ext cx="4273130" cy="716325"/>
-          </a:xfrm>
-        </p:spPr>
-        <p:txBody>
-          <a:bodyPr/>
-          <a:lstStyle/>
-          <a:p>
-            <a:r>
-              <a:rPr lang="fr-CH" dirty="0"/>
-              <a:t>SOMMAIRE</a:t>
-            </a:r>
-          </a:p>
-        </p:txBody>
-      </p:sp>
-      <p:sp>
-        <p:nvSpPr>
-          <p:cNvPr id="3" name="Content Placeholder 2"/>
-          <p:cNvSpPr>
-            <a:spLocks noGrp="1"/>
-          </p:cNvSpPr>
-          <p:nvPr>
-            <p:ph idx="1"/>
-          </p:nvPr>
-        </p:nvSpPr>
-        <p:spPr>
-          <a:xfrm>
-            <a:off x="999140" y="1520483"/>
-            <a:ext cx="10216729" cy="5042363"/>
-          </a:xfrm>
-        </p:spPr>
-        <p:txBody>
-          <a:bodyPr>
-            <a:normAutofit fontScale="77500" lnSpcReduction="20000"/>
-          </a:bodyPr>
-          <a:lstStyle/>
-          <a:p>
-            <a:pPr>
-              <a:lnSpc>
-                <a:spcPct val="150000"/>
-              </a:lnSpc>
-            </a:pPr>
-            <a:r>
-              <a:rPr lang="fr-CH" sz="2600" dirty="0">
-                <a:solidFill>
-                  <a:schemeClr val="tx1"/>
-                </a:solidFill>
-              </a:rPr>
-              <a:t>Introduction</a:t>
-            </a:r>
-          </a:p>
-          <a:p>
-            <a:pPr>
-              <a:lnSpc>
-                <a:spcPct val="150000"/>
-              </a:lnSpc>
-            </a:pPr>
-            <a:r>
-              <a:rPr lang="fr-CH" sz="2600" dirty="0">
-                <a:solidFill>
-                  <a:schemeClr val="tx1"/>
-                </a:solidFill>
-              </a:rPr>
-              <a:t>Historique</a:t>
-            </a:r>
-          </a:p>
-          <a:p>
-            <a:pPr>
-              <a:lnSpc>
-                <a:spcPct val="150000"/>
-              </a:lnSpc>
-            </a:pPr>
-            <a:r>
-              <a:rPr lang="fr-CH" sz="2600" dirty="0">
-                <a:solidFill>
-                  <a:schemeClr val="tx1"/>
-                </a:solidFill>
-              </a:rPr>
-              <a:t>Usage</a:t>
-            </a:r>
-          </a:p>
-          <a:p>
-            <a:pPr>
-              <a:lnSpc>
-                <a:spcPct val="150000"/>
-              </a:lnSpc>
-            </a:pPr>
-            <a:r>
-              <a:rPr lang="fr-CH" sz="2600" dirty="0">
-                <a:solidFill>
-                  <a:schemeClr val="tx1"/>
-                </a:solidFill>
-              </a:rPr>
-              <a:t>La Technologie PoE</a:t>
-            </a:r>
-          </a:p>
-          <a:p>
-            <a:pPr>
-              <a:lnSpc>
-                <a:spcPct val="150000"/>
-              </a:lnSpc>
-            </a:pPr>
-            <a:r>
-              <a:rPr lang="fr-CH" sz="2600" dirty="0">
-                <a:solidFill>
-                  <a:schemeClr val="tx1"/>
-                </a:solidFill>
-              </a:rPr>
-              <a:t>Catégories des câbles Ethernet</a:t>
-            </a:r>
-          </a:p>
-          <a:p>
-            <a:pPr>
-              <a:lnSpc>
-                <a:spcPct val="150000"/>
-              </a:lnSpc>
-            </a:pPr>
-            <a:r>
-              <a:rPr lang="fr-CH" sz="2600" dirty="0">
-                <a:solidFill>
-                  <a:schemeClr val="tx1"/>
-                </a:solidFill>
-              </a:rPr>
-              <a:t>Blindages</a:t>
-            </a:r>
-          </a:p>
-          <a:p>
-            <a:pPr>
-              <a:lnSpc>
-                <a:spcPct val="150000"/>
-              </a:lnSpc>
-            </a:pPr>
-            <a:r>
-              <a:rPr lang="fr-CH" sz="2600" dirty="0">
-                <a:solidFill>
-                  <a:schemeClr val="tx1"/>
-                </a:solidFill>
-              </a:rPr>
-              <a:t>Connectiques</a:t>
-            </a:r>
-          </a:p>
-          <a:p>
-            <a:pPr>
-              <a:lnSpc>
-                <a:spcPct val="150000"/>
-              </a:lnSpc>
-            </a:pPr>
-            <a:r>
-              <a:rPr lang="fr-CH" sz="2600" dirty="0">
-                <a:solidFill>
-                  <a:schemeClr val="tx1"/>
-                </a:solidFill>
-              </a:rPr>
-              <a:t>Normes</a:t>
-            </a:r>
-          </a:p>
-          <a:p>
-            <a:pPr>
-              <a:lnSpc>
-                <a:spcPct val="150000"/>
-              </a:lnSpc>
-            </a:pPr>
-            <a:r>
-              <a:rPr lang="fr-CH" sz="2600" dirty="0">
-                <a:solidFill>
-                  <a:schemeClr val="tx1"/>
-                </a:solidFill>
-              </a:rPr>
-              <a:t>Fabrication</a:t>
-            </a:r>
-          </a:p>
-          <a:p>
-            <a:endParaRPr lang="fr-CH" dirty="0"/>
-          </a:p>
-        </p:txBody>
-      </p:sp>
-    </p:spTree>
-    <p:extLst>
-      <p:ext uri="{BB962C8B-B14F-4D97-AF65-F5344CB8AC3E}">
-        <p14:creationId xmlns:p14="http://schemas.microsoft.com/office/powerpoint/2010/main" val="829066155"/>
-      </p:ext>
-    </p:extLst>
-  </p:cSld>
-  <p:clrMapOvr>
-    <a:masterClrMapping/>
-  </p:clrMapOvr>
-</p:sld>
-</file>
-
-<file path=ppt/slides/slide20.xml><?xml version="1.0" encoding="utf-8"?>
+<file path=ppt/slides/slide19.xml><?xml version="1.0" encoding="utf-8"?>
 <p:sld xmlns:a="http://schemas.openxmlformats.org/drawingml/2006/main" xmlns:r="http://schemas.openxmlformats.org/officeDocument/2006/relationships" xmlns:p="http://schemas.openxmlformats.org/presentationml/2006/main">
   <p:cSld>
     <p:spTree>
@@ -10606,7 +9865,225 @@
 </p:sld>
 </file>
 
-<file path=ppt/slides/slide21.xml><?xml version="1.0" encoding="utf-8"?>
+<file path=ppt/slides/slide2.xml><?xml version="1.0" encoding="utf-8"?>
+<p:sld xmlns:a="http://schemas.openxmlformats.org/drawingml/2006/main" xmlns:r="http://schemas.openxmlformats.org/officeDocument/2006/relationships" xmlns:p="http://schemas.openxmlformats.org/presentationml/2006/main">
+  <p:cSld>
+    <p:spTree>
+      <p:nvGrpSpPr>
+        <p:cNvPr id="1" name=""/>
+        <p:cNvGrpSpPr/>
+        <p:nvPr/>
+      </p:nvGrpSpPr>
+      <p:grpSpPr>
+        <a:xfrm>
+          <a:off x="0" y="0"/>
+          <a:ext cx="0" cy="0"/>
+          <a:chOff x="0" y="0"/>
+          <a:chExt cx="0" cy="0"/>
+        </a:xfrm>
+      </p:grpSpPr>
+      <p:sp>
+        <p:nvSpPr>
+          <p:cNvPr id="2" name="Title 1"/>
+          <p:cNvSpPr>
+            <a:spLocks noGrp="1"/>
+          </p:cNvSpPr>
+          <p:nvPr>
+            <p:ph type="title"/>
+          </p:nvPr>
+        </p:nvSpPr>
+        <p:spPr>
+          <a:xfrm>
+            <a:off x="646112" y="452718"/>
+            <a:ext cx="4273130" cy="716325"/>
+          </a:xfrm>
+        </p:spPr>
+        <p:txBody>
+          <a:bodyPr/>
+          <a:lstStyle/>
+          <a:p>
+            <a:r>
+              <a:rPr lang="fr-CH" dirty="0"/>
+              <a:t>SOMMAIRE</a:t>
+            </a:r>
+          </a:p>
+        </p:txBody>
+      </p:sp>
+      <p:sp>
+        <p:nvSpPr>
+          <p:cNvPr id="3" name="Content Placeholder 2"/>
+          <p:cNvSpPr>
+            <a:spLocks noGrp="1"/>
+          </p:cNvSpPr>
+          <p:nvPr>
+            <p:ph idx="1"/>
+          </p:nvPr>
+        </p:nvSpPr>
+        <p:spPr>
+          <a:xfrm>
+            <a:off x="999140" y="1520483"/>
+            <a:ext cx="10216729" cy="5042363"/>
+          </a:xfrm>
+        </p:spPr>
+        <p:txBody>
+          <a:bodyPr>
+            <a:normAutofit fontScale="77500" lnSpcReduction="20000"/>
+          </a:bodyPr>
+          <a:lstStyle/>
+          <a:p>
+            <a:pPr>
+              <a:lnSpc>
+                <a:spcPct val="150000"/>
+              </a:lnSpc>
+            </a:pPr>
+            <a:r>
+              <a:rPr lang="fr-CH" sz="2600" dirty="0">
+                <a:solidFill>
+                  <a:schemeClr val="tx1"/>
+                </a:solidFill>
+              </a:rPr>
+              <a:t>Introduction</a:t>
+            </a:r>
+          </a:p>
+          <a:p>
+            <a:pPr>
+              <a:lnSpc>
+                <a:spcPct val="150000"/>
+              </a:lnSpc>
+            </a:pPr>
+            <a:r>
+              <a:rPr lang="fr-CH" sz="2600" dirty="0">
+                <a:solidFill>
+                  <a:schemeClr val="tx1"/>
+                </a:solidFill>
+              </a:rPr>
+              <a:t>Historique</a:t>
+            </a:r>
+          </a:p>
+          <a:p>
+            <a:pPr>
+              <a:lnSpc>
+                <a:spcPct val="150000"/>
+              </a:lnSpc>
+            </a:pPr>
+            <a:r>
+              <a:rPr lang="fr-CH" sz="2600" dirty="0">
+                <a:solidFill>
+                  <a:schemeClr val="tx1"/>
+                </a:solidFill>
+              </a:rPr>
+              <a:t>Usage</a:t>
+            </a:r>
+          </a:p>
+          <a:p>
+            <a:pPr>
+              <a:lnSpc>
+                <a:spcPct val="150000"/>
+              </a:lnSpc>
+            </a:pPr>
+            <a:r>
+              <a:rPr lang="fr-CH" sz="2600" dirty="0">
+                <a:solidFill>
+                  <a:schemeClr val="tx1"/>
+                </a:solidFill>
+              </a:rPr>
+              <a:t>La Technologie PoE</a:t>
+            </a:r>
+          </a:p>
+          <a:p>
+            <a:pPr>
+              <a:lnSpc>
+                <a:spcPct val="150000"/>
+              </a:lnSpc>
+            </a:pPr>
+            <a:r>
+              <a:rPr lang="fr-CH" sz="2600" dirty="0">
+                <a:solidFill>
+                  <a:schemeClr val="tx1"/>
+                </a:solidFill>
+              </a:rPr>
+              <a:t>Catégories des câbles Ethernet</a:t>
+            </a:r>
+          </a:p>
+          <a:p>
+            <a:pPr>
+              <a:lnSpc>
+                <a:spcPct val="150000"/>
+              </a:lnSpc>
+            </a:pPr>
+            <a:r>
+              <a:rPr lang="fr-CH" sz="2600" dirty="0">
+                <a:solidFill>
+                  <a:schemeClr val="tx1"/>
+                </a:solidFill>
+              </a:rPr>
+              <a:t>Blindages</a:t>
+            </a:r>
+          </a:p>
+          <a:p>
+            <a:pPr>
+              <a:lnSpc>
+                <a:spcPct val="150000"/>
+              </a:lnSpc>
+            </a:pPr>
+            <a:r>
+              <a:rPr lang="fr-CH" sz="2600" dirty="0">
+                <a:solidFill>
+                  <a:schemeClr val="tx1"/>
+                </a:solidFill>
+              </a:rPr>
+              <a:t>Connectiques</a:t>
+            </a:r>
+          </a:p>
+          <a:p>
+            <a:pPr>
+              <a:lnSpc>
+                <a:spcPct val="150000"/>
+              </a:lnSpc>
+            </a:pPr>
+            <a:r>
+              <a:rPr lang="fr-CH" sz="2600" dirty="0">
+                <a:solidFill>
+                  <a:schemeClr val="tx1"/>
+                </a:solidFill>
+              </a:rPr>
+              <a:t>Normes</a:t>
+            </a:r>
+          </a:p>
+          <a:p>
+            <a:pPr>
+              <a:lnSpc>
+                <a:spcPct val="150000"/>
+              </a:lnSpc>
+            </a:pPr>
+            <a:r>
+              <a:rPr lang="fr-CH" sz="2600" dirty="0">
+                <a:solidFill>
+                  <a:schemeClr val="tx1"/>
+                </a:solidFill>
+              </a:rPr>
+              <a:t>Fabrication</a:t>
+            </a:r>
+          </a:p>
+          <a:p>
+            <a:endParaRPr lang="fr-CH" dirty="0"/>
+          </a:p>
+        </p:txBody>
+      </p:sp>
+    </p:spTree>
+    <p:extLst>
+      <p:ext uri="{BB962C8B-B14F-4D97-AF65-F5344CB8AC3E}">
+        <p14:creationId xmlns:p14="http://schemas.microsoft.com/office/powerpoint/2010/main" val="829066155"/>
+      </p:ext>
+    </p:extLst>
+  </p:cSld>
+  <p:clrMapOvr>
+    <a:masterClrMapping/>
+  </p:clrMapOvr>
+</p:sld>
+</file>
+
+<file path=ppt/slides/slide20.xml><?xml version="1.0" encoding="utf-8"?>
 <p:sld xmlns:a="http://schemas.openxmlformats.org/drawingml/2006/main" xmlns:r="http://schemas.openxmlformats.org/officeDocument/2006/relationships" xmlns:p="http://schemas.openxmlformats.org/presentationml/2006/main">
   <p:cSld>
     <p:spTree>
@@ -10779,7 +10256,7 @@
 </p:sld>
 </file>
 
-<file path=ppt/slides/slide22.xml><?xml version="1.0" encoding="utf-8"?>
+<file path=ppt/slides/slide21.xml><?xml version="1.0" encoding="utf-8"?>
 <p:sld xmlns:a="http://schemas.openxmlformats.org/drawingml/2006/main" xmlns:r="http://schemas.openxmlformats.org/officeDocument/2006/relationships" xmlns:p="http://schemas.openxmlformats.org/presentationml/2006/main">
   <p:cSld>
     <p:spTree>
@@ -11001,7 +10478,7 @@
 </p:sld>
 </file>
 
-<file path=ppt/slides/slide23.xml><?xml version="1.0" encoding="utf-8"?>
+<file path=ppt/slides/slide22.xml><?xml version="1.0" encoding="utf-8"?>
 <p:sld xmlns:a="http://schemas.openxmlformats.org/drawingml/2006/main" xmlns:r="http://schemas.openxmlformats.org/officeDocument/2006/relationships" xmlns:p="http://schemas.openxmlformats.org/presentationml/2006/main">
   <p:cSld>
     <p:spTree>
@@ -11223,7 +10700,7 @@
 </p:sld>
 </file>
 
-<file path=ppt/slides/slide24.xml><?xml version="1.0" encoding="utf-8"?>
+<file path=ppt/slides/slide23.xml><?xml version="1.0" encoding="utf-8"?>
 <p:sld xmlns:a="http://schemas.openxmlformats.org/drawingml/2006/main" xmlns:r="http://schemas.openxmlformats.org/officeDocument/2006/relationships" xmlns:p="http://schemas.openxmlformats.org/presentationml/2006/main">
   <p:cSld>
     <p:spTree>
@@ -11454,7 +10931,7 @@
 </p:sld>
 </file>
 
-<file path=ppt/slides/slide25.xml><?xml version="1.0" encoding="utf-8"?>
+<file path=ppt/slides/slide24.xml><?xml version="1.0" encoding="utf-8"?>
 <p:sld xmlns:a="http://schemas.openxmlformats.org/drawingml/2006/main" xmlns:r="http://schemas.openxmlformats.org/officeDocument/2006/relationships" xmlns:p="http://schemas.openxmlformats.org/presentationml/2006/main">
   <p:cSld>
     <p:spTree>
@@ -11685,7 +11162,7 @@
 </p:sld>
 </file>
 
-<file path=ppt/slides/slide26.xml><?xml version="1.0" encoding="utf-8"?>
+<file path=ppt/slides/slide25.xml><?xml version="1.0" encoding="utf-8"?>
 <p:sld xmlns:a="http://schemas.openxmlformats.org/drawingml/2006/main" xmlns:r="http://schemas.openxmlformats.org/officeDocument/2006/relationships" xmlns:p="http://schemas.openxmlformats.org/presentationml/2006/main">
   <p:cSld>
     <p:spTree>
@@ -11918,7 +11395,7 @@
 </p:sld>
 </file>
 
-<file path=ppt/slides/slide27.xml><?xml version="1.0" encoding="utf-8"?>
+<file path=ppt/slides/slide26.xml><?xml version="1.0" encoding="utf-8"?>
 <p:sld xmlns:a="http://schemas.openxmlformats.org/drawingml/2006/main" xmlns:r="http://schemas.openxmlformats.org/officeDocument/2006/relationships" xmlns:p="http://schemas.openxmlformats.org/presentationml/2006/main">
   <p:cSld>
     <p:spTree>
@@ -12148,10 +11625,17 @@
   <p:clrMapOvr>
     <a:masterClrMapping/>
   </p:clrMapOvr>
+  <p:timing>
+    <p:tnLst>
+      <p:par>
+        <p:cTn id="1" dur="indefinite" restart="never" nodeType="tmRoot"/>
+      </p:par>
+    </p:tnLst>
+  </p:timing>
 </p:sld>
 </file>
 
-<file path=ppt/slides/slide28.xml><?xml version="1.0" encoding="utf-8"?>
+<file path=ppt/slides/slide27.xml><?xml version="1.0" encoding="utf-8"?>
 <p:sld xmlns:a="http://schemas.openxmlformats.org/drawingml/2006/main" xmlns:r="http://schemas.openxmlformats.org/officeDocument/2006/relationships" xmlns:p="http://schemas.openxmlformats.org/presentationml/2006/main">
   <p:cSld>
     <p:spTree>
@@ -12426,10 +11910,17 @@
   <p:clrMapOvr>
     <a:masterClrMapping/>
   </p:clrMapOvr>
+  <p:timing>
+    <p:tnLst>
+      <p:par>
+        <p:cTn id="1" dur="indefinite" restart="never" nodeType="tmRoot"/>
+      </p:par>
+    </p:tnLst>
+  </p:timing>
 </p:sld>
 </file>
 
-<file path=ppt/slides/slide29.xml><?xml version="1.0" encoding="utf-8"?>
+<file path=ppt/slides/slide28.xml><?xml version="1.0" encoding="utf-8"?>
 <p:sld xmlns:a="http://schemas.openxmlformats.org/drawingml/2006/main" xmlns:r="http://schemas.openxmlformats.org/officeDocument/2006/relationships" xmlns:p="http://schemas.openxmlformats.org/presentationml/2006/main">
   <p:cSld>
     <p:spTree>
@@ -12623,404 +12114,17 @@
   <p:clrMapOvr>
     <a:masterClrMapping/>
   </p:clrMapOvr>
+  <p:timing>
+    <p:tnLst>
+      <p:par>
+        <p:cTn id="1" dur="indefinite" restart="never" nodeType="tmRoot"/>
+      </p:par>
+    </p:tnLst>
+  </p:timing>
 </p:sld>
 </file>
 
-<file path=ppt/slides/slide3.xml><?xml version="1.0" encoding="utf-8"?>
-<p:sld xmlns:a="http://schemas.openxmlformats.org/drawingml/2006/main" xmlns:r="http://schemas.openxmlformats.org/officeDocument/2006/relationships" xmlns:p="http://schemas.openxmlformats.org/presentationml/2006/main">
-  <p:cSld>
-    <p:spTree>
-      <p:nvGrpSpPr>
-        <p:cNvPr id="1" name=""/>
-        <p:cNvGrpSpPr/>
-        <p:nvPr/>
-      </p:nvGrpSpPr>
-      <p:grpSpPr>
-        <a:xfrm>
-          <a:off x="0" y="0"/>
-          <a:ext cx="0" cy="0"/>
-          <a:chOff x="0" y="0"/>
-          <a:chExt cx="0" cy="0"/>
-        </a:xfrm>
-      </p:grpSpPr>
-      <p:sp>
-        <p:nvSpPr>
-          <p:cNvPr id="4" name="Title 1"/>
-          <p:cNvSpPr>
-            <a:spLocks noGrp="1"/>
-          </p:cNvSpPr>
-          <p:nvPr>
-            <p:ph type="title"/>
-          </p:nvPr>
-        </p:nvSpPr>
-        <p:spPr>
-          <a:xfrm>
-            <a:off x="0" y="0"/>
-            <a:ext cx="2916820" cy="510199"/>
-          </a:xfrm>
-        </p:spPr>
-        <p:txBody>
-          <a:bodyPr numCol="1">
-            <a:noAutofit/>
-          </a:bodyPr>
-          <a:lstStyle/>
-          <a:p>
-            <a:pPr algn="ctr"/>
-            <a:r>
-              <a:rPr lang="fr-CH" sz="2800" dirty="0"/>
-              <a:t>Introduction</a:t>
-            </a:r>
-          </a:p>
-        </p:txBody>
-      </p:sp>
-      <p:sp>
-        <p:nvSpPr>
-          <p:cNvPr id="5" name="Content Placeholder 2"/>
-          <p:cNvSpPr txBox="1">
-            <a:spLocks/>
-          </p:cNvSpPr>
-          <p:nvPr/>
-        </p:nvSpPr>
-        <p:spPr>
-          <a:xfrm>
-            <a:off x="615821" y="1698172"/>
-            <a:ext cx="10216729" cy="3546074"/>
-          </a:xfrm>
-          <a:prstGeom prst="rect">
-            <a:avLst/>
-          </a:prstGeom>
-        </p:spPr>
-        <p:txBody>
-          <a:bodyPr vert="horz" lIns="91440" tIns="45720" rIns="91440" bIns="45720" rtlCol="0" anchor="ctr">
-            <a:normAutofit/>
-          </a:bodyPr>
-          <a:lstStyle>
-            <a:lvl1pPr marL="285750" indent="-285750" algn="l" defTabSz="457200" rtl="0" eaLnBrk="1" latinLnBrk="0" hangingPunct="1">
-              <a:spcBef>
-                <a:spcPct val="20000"/>
-              </a:spcBef>
-              <a:spcAft>
-                <a:spcPts val="600"/>
-              </a:spcAft>
-              <a:buClr>
-                <a:schemeClr val="tx1"/>
-              </a:buClr>
-              <a:buSzPct val="80000"/>
-              <a:buFont typeface="Wingdings 3" panose="05040102010807070707" pitchFamily="18" charset="2"/>
-              <a:buChar char=""/>
-              <a:defRPr sz="2000" kern="1200" cap="none">
-                <a:solidFill>
-                  <a:schemeClr val="bg2">
-                    <a:lumMod val="75000"/>
-                  </a:schemeClr>
-                </a:solidFill>
-                <a:effectLst/>
-                <a:latin typeface="+mn-lt"/>
-                <a:ea typeface="+mn-ea"/>
-                <a:cs typeface="+mn-cs"/>
-              </a:defRPr>
-            </a:lvl1pPr>
-            <a:lvl2pPr marL="742950" indent="-285750" algn="l" defTabSz="457200" rtl="0" eaLnBrk="1" latinLnBrk="0" hangingPunct="1">
-              <a:spcBef>
-                <a:spcPct val="20000"/>
-              </a:spcBef>
-              <a:spcAft>
-                <a:spcPts val="600"/>
-              </a:spcAft>
-              <a:buClr>
-                <a:schemeClr val="tx1"/>
-              </a:buClr>
-              <a:buSzPct val="80000"/>
-              <a:buFont typeface="Wingdings 3" panose="05040102010807070707" pitchFamily="18" charset="2"/>
-              <a:buChar char=""/>
-              <a:defRPr sz="1800" kern="1200" cap="none">
-                <a:solidFill>
-                  <a:schemeClr val="bg2">
-                    <a:lumMod val="75000"/>
-                  </a:schemeClr>
-                </a:solidFill>
-                <a:effectLst/>
-                <a:latin typeface="+mn-lt"/>
-                <a:ea typeface="+mn-ea"/>
-                <a:cs typeface="+mn-cs"/>
-              </a:defRPr>
-            </a:lvl2pPr>
-            <a:lvl3pPr marL="1200150" indent="-285750" algn="l" defTabSz="457200" rtl="0" eaLnBrk="1" latinLnBrk="0" hangingPunct="1">
-              <a:spcBef>
-                <a:spcPct val="20000"/>
-              </a:spcBef>
-              <a:spcAft>
-                <a:spcPts val="600"/>
-              </a:spcAft>
-              <a:buClr>
-                <a:schemeClr val="tx1"/>
-              </a:buClr>
-              <a:buSzPct val="80000"/>
-              <a:buFont typeface="Wingdings 3" panose="05040102010807070707" pitchFamily="18" charset="2"/>
-              <a:buChar char=""/>
-              <a:defRPr sz="1600" kern="1200" cap="none">
-                <a:solidFill>
-                  <a:schemeClr val="bg2">
-                    <a:lumMod val="75000"/>
-                  </a:schemeClr>
-                </a:solidFill>
-                <a:effectLst/>
-                <a:latin typeface="+mn-lt"/>
-                <a:ea typeface="+mn-ea"/>
-                <a:cs typeface="+mn-cs"/>
-              </a:defRPr>
-            </a:lvl3pPr>
-            <a:lvl4pPr marL="1543050" indent="-171450" algn="l" defTabSz="457200" rtl="0" eaLnBrk="1" latinLnBrk="0" hangingPunct="1">
-              <a:spcBef>
-                <a:spcPct val="20000"/>
-              </a:spcBef>
-              <a:spcAft>
-                <a:spcPts val="600"/>
-              </a:spcAft>
-              <a:buClr>
-                <a:schemeClr val="tx1"/>
-              </a:buClr>
-              <a:buSzPct val="80000"/>
-              <a:buFont typeface="Wingdings 3" panose="05040102010807070707" pitchFamily="18" charset="2"/>
-              <a:buChar char=""/>
-              <a:defRPr sz="1400" kern="1200" cap="none">
-                <a:solidFill>
-                  <a:schemeClr val="bg2">
-                    <a:lumMod val="75000"/>
-                  </a:schemeClr>
-                </a:solidFill>
-                <a:effectLst/>
-                <a:latin typeface="+mn-lt"/>
-                <a:ea typeface="+mn-ea"/>
-                <a:cs typeface="+mn-cs"/>
-              </a:defRPr>
-            </a:lvl4pPr>
-            <a:lvl5pPr marL="2000250" indent="-171450" algn="l" defTabSz="457200" rtl="0" eaLnBrk="1" latinLnBrk="0" hangingPunct="1">
-              <a:spcBef>
-                <a:spcPct val="20000"/>
-              </a:spcBef>
-              <a:spcAft>
-                <a:spcPts val="600"/>
-              </a:spcAft>
-              <a:buClr>
-                <a:schemeClr val="tx1"/>
-              </a:buClr>
-              <a:buSzPct val="80000"/>
-              <a:buFont typeface="Wingdings 3" panose="05040102010807070707" pitchFamily="18" charset="2"/>
-              <a:buChar char=""/>
-              <a:defRPr sz="1400" kern="1200" cap="none">
-                <a:solidFill>
-                  <a:schemeClr val="bg2">
-                    <a:lumMod val="75000"/>
-                  </a:schemeClr>
-                </a:solidFill>
-                <a:effectLst/>
-                <a:latin typeface="+mn-lt"/>
-                <a:ea typeface="+mn-ea"/>
-                <a:cs typeface="+mn-cs"/>
-              </a:defRPr>
-            </a:lvl5pPr>
-            <a:lvl6pPr marL="2514600" indent="-228600" algn="l" defTabSz="457200" rtl="0" eaLnBrk="1" latinLnBrk="0" hangingPunct="1">
-              <a:spcBef>
-                <a:spcPct val="20000"/>
-              </a:spcBef>
-              <a:spcAft>
-                <a:spcPts val="600"/>
-              </a:spcAft>
-              <a:buClr>
-                <a:schemeClr val="tx1"/>
-              </a:buClr>
-              <a:buSzPct val="80000"/>
-              <a:buFont typeface="Wingdings 3" panose="05040102010807070707" pitchFamily="18" charset="2"/>
-              <a:buChar char=""/>
-              <a:defRPr sz="1400" kern="1200" cap="none">
-                <a:solidFill>
-                  <a:schemeClr val="bg2">
-                    <a:lumMod val="75000"/>
-                  </a:schemeClr>
-                </a:solidFill>
-                <a:effectLst/>
-                <a:latin typeface="+mn-lt"/>
-                <a:ea typeface="+mn-ea"/>
-                <a:cs typeface="+mn-cs"/>
-              </a:defRPr>
-            </a:lvl6pPr>
-            <a:lvl7pPr marL="2971800" indent="-228600" algn="l" defTabSz="457200" rtl="0" eaLnBrk="1" latinLnBrk="0" hangingPunct="1">
-              <a:spcBef>
-                <a:spcPct val="20000"/>
-              </a:spcBef>
-              <a:spcAft>
-                <a:spcPts val="600"/>
-              </a:spcAft>
-              <a:buClr>
-                <a:schemeClr val="tx1"/>
-              </a:buClr>
-              <a:buSzPct val="80000"/>
-              <a:buFont typeface="Wingdings 3" panose="05040102010807070707" pitchFamily="18" charset="2"/>
-              <a:buChar char=""/>
-              <a:defRPr sz="1400" kern="1200" cap="none">
-                <a:solidFill>
-                  <a:schemeClr val="bg2">
-                    <a:lumMod val="75000"/>
-                  </a:schemeClr>
-                </a:solidFill>
-                <a:effectLst/>
-                <a:latin typeface="+mn-lt"/>
-                <a:ea typeface="+mn-ea"/>
-                <a:cs typeface="+mn-cs"/>
-              </a:defRPr>
-            </a:lvl7pPr>
-            <a:lvl8pPr marL="3429000" indent="-228600" algn="l" defTabSz="457200" rtl="0" eaLnBrk="1" latinLnBrk="0" hangingPunct="1">
-              <a:spcBef>
-                <a:spcPct val="20000"/>
-              </a:spcBef>
-              <a:spcAft>
-                <a:spcPts val="600"/>
-              </a:spcAft>
-              <a:buClr>
-                <a:schemeClr val="tx1"/>
-              </a:buClr>
-              <a:buSzPct val="80000"/>
-              <a:buFont typeface="Wingdings 3" panose="05040102010807070707" pitchFamily="18" charset="2"/>
-              <a:buChar char=""/>
-              <a:defRPr sz="1400" kern="1200" cap="none">
-                <a:solidFill>
-                  <a:schemeClr val="bg2">
-                    <a:lumMod val="75000"/>
-                  </a:schemeClr>
-                </a:solidFill>
-                <a:effectLst/>
-                <a:latin typeface="+mn-lt"/>
-                <a:ea typeface="+mn-ea"/>
-                <a:cs typeface="+mn-cs"/>
-              </a:defRPr>
-            </a:lvl8pPr>
-            <a:lvl9pPr marL="3886200" indent="-228600" algn="l" defTabSz="457200" rtl="0" eaLnBrk="1" latinLnBrk="0" hangingPunct="1">
-              <a:spcBef>
-                <a:spcPct val="20000"/>
-              </a:spcBef>
-              <a:spcAft>
-                <a:spcPts val="600"/>
-              </a:spcAft>
-              <a:buClr>
-                <a:schemeClr val="tx1"/>
-              </a:buClr>
-              <a:buSzPct val="80000"/>
-              <a:buFont typeface="Wingdings 3" panose="05040102010807070707" pitchFamily="18" charset="2"/>
-              <a:buChar char=""/>
-              <a:defRPr sz="1400" kern="1200" cap="none">
-                <a:solidFill>
-                  <a:schemeClr val="bg2">
-                    <a:lumMod val="75000"/>
-                  </a:schemeClr>
-                </a:solidFill>
-                <a:effectLst/>
-                <a:latin typeface="+mn-lt"/>
-                <a:ea typeface="+mn-ea"/>
-                <a:cs typeface="+mn-cs"/>
-              </a:defRPr>
-            </a:lvl9pPr>
-          </a:lstStyle>
-          <a:p>
-            <a:pPr lvl="1">
-              <a:lnSpc>
-                <a:spcPct val="150000"/>
-              </a:lnSpc>
-            </a:pPr>
-            <a:r>
-              <a:rPr lang="fr-CH" sz="2000" dirty="0">
-                <a:solidFill>
-                  <a:schemeClr val="tx1"/>
-                </a:solidFill>
-              </a:rPr>
-              <a:t>Sujet : La fabrication d’un câble Ethernet</a:t>
-            </a:r>
-          </a:p>
-          <a:p>
-            <a:pPr lvl="1">
-              <a:lnSpc>
-                <a:spcPct val="150000"/>
-              </a:lnSpc>
-            </a:pPr>
-            <a:r>
-              <a:rPr lang="fr-CH" sz="2000" dirty="0">
-                <a:solidFill>
-                  <a:schemeClr val="tx1"/>
-                </a:solidFill>
-              </a:rPr>
-              <a:t>Cette présentation à comme objectifs :</a:t>
-            </a:r>
-          </a:p>
-          <a:p>
-            <a:pPr lvl="2">
-              <a:lnSpc>
-                <a:spcPct val="150000"/>
-              </a:lnSpc>
-            </a:pPr>
-            <a:r>
-              <a:rPr lang="fr-CH" sz="1800" dirty="0">
-                <a:solidFill>
-                  <a:schemeClr val="tx1"/>
-                </a:solidFill>
-              </a:rPr>
-              <a:t>Décrire et présenter les différentes normes, catégories et technologies d’un câble Ethernet</a:t>
-            </a:r>
-          </a:p>
-          <a:p>
-            <a:pPr lvl="2">
-              <a:lnSpc>
-                <a:spcPct val="150000"/>
-              </a:lnSpc>
-            </a:pPr>
-            <a:r>
-              <a:rPr lang="fr-CH" sz="1800" dirty="0">
-                <a:solidFill>
-                  <a:schemeClr val="tx1"/>
-                </a:solidFill>
-              </a:rPr>
-              <a:t>Démontrer la fabrication d’un câble RJ-45</a:t>
-            </a:r>
-          </a:p>
-          <a:p>
-            <a:pPr lvl="2">
-              <a:lnSpc>
-                <a:spcPct val="150000"/>
-              </a:lnSpc>
-            </a:pPr>
-            <a:endParaRPr lang="fr-CH" sz="2200" dirty="0">
-              <a:solidFill>
-                <a:schemeClr val="tx1"/>
-              </a:solidFill>
-            </a:endParaRPr>
-          </a:p>
-          <a:p>
-            <a:pPr lvl="2">
-              <a:lnSpc>
-                <a:spcPct val="150000"/>
-              </a:lnSpc>
-            </a:pPr>
-            <a:endParaRPr lang="fr-CH" sz="2200" dirty="0">
-              <a:solidFill>
-                <a:schemeClr val="tx1"/>
-              </a:solidFill>
-            </a:endParaRPr>
-          </a:p>
-        </p:txBody>
-      </p:sp>
-    </p:spTree>
-    <p:extLst>
-      <p:ext uri="{BB962C8B-B14F-4D97-AF65-F5344CB8AC3E}">
-        <p14:creationId xmlns:p14="http://schemas.microsoft.com/office/powerpoint/2010/main" val="3456633582"/>
-      </p:ext>
-    </p:extLst>
-  </p:cSld>
-  <p:clrMapOvr>
-    <a:masterClrMapping/>
-  </p:clrMapOvr>
-</p:sld>
-</file>
-
-<file path=ppt/slides/slide30.xml><?xml version="1.0" encoding="utf-8"?>
+<file path=ppt/slides/slide29.xml><?xml version="1.0" encoding="utf-8"?>
 <p:sld xmlns:a="http://schemas.openxmlformats.org/drawingml/2006/main" xmlns:r="http://schemas.openxmlformats.org/officeDocument/2006/relationships" xmlns:p="http://schemas.openxmlformats.org/presentationml/2006/main">
   <p:cSld>
     <p:spTree>
@@ -13293,10 +12397,17 @@
   <p:clrMapOvr>
     <a:masterClrMapping/>
   </p:clrMapOvr>
+  <p:timing>
+    <p:tnLst>
+      <p:par>
+        <p:cTn id="1" dur="indefinite" restart="never" nodeType="tmRoot"/>
+      </p:par>
+    </p:tnLst>
+  </p:timing>
 </p:sld>
 </file>
 
-<file path=ppt/slides/slide31.xml><?xml version="1.0" encoding="utf-8"?>
+<file path=ppt/slides/slide3.xml><?xml version="1.0" encoding="utf-8"?>
 <p:sld xmlns:a="http://schemas.openxmlformats.org/drawingml/2006/main" xmlns:r="http://schemas.openxmlformats.org/officeDocument/2006/relationships" xmlns:p="http://schemas.openxmlformats.org/presentationml/2006/main">
   <p:cSld>
     <p:spTree>
@@ -13315,7 +12426,7 @@
       </p:grpSpPr>
       <p:sp>
         <p:nvSpPr>
-          <p:cNvPr id="6" name="Title 1"/>
+          <p:cNvPr id="4" name="Title 1"/>
           <p:cNvSpPr>
             <a:spLocks noGrp="1"/>
           </p:cNvSpPr>
@@ -13326,7 +12437,7 @@
         <p:spPr>
           <a:xfrm>
             <a:off x="0" y="0"/>
-            <a:ext cx="3032567" cy="510199"/>
+            <a:ext cx="2916820" cy="510199"/>
           </a:xfrm>
         </p:spPr>
         <p:txBody>
@@ -13338,230 +12449,349 @@
             <a:pPr algn="ctr"/>
             <a:r>
               <a:rPr lang="fr-CH" sz="2800" dirty="0"/>
-              <a:t>CONNECTIQUES</a:t>
-            </a:r>
-          </a:p>
-        </p:txBody>
-      </p:sp>
-      <p:sp>
-        <p:nvSpPr>
-          <p:cNvPr id="2" name="ZoneTexte 1"/>
-          <p:cNvSpPr txBox="1"/>
+              <a:t>Introduction</a:t>
+            </a:r>
+          </a:p>
+        </p:txBody>
+      </p:sp>
+      <p:sp>
+        <p:nvSpPr>
+          <p:cNvPr id="5" name="Content Placeholder 2"/>
+          <p:cNvSpPr txBox="1">
+            <a:spLocks/>
+          </p:cNvSpPr>
           <p:nvPr/>
         </p:nvSpPr>
         <p:spPr>
           <a:xfrm>
-            <a:off x="951721" y="802434"/>
-            <a:ext cx="5747657" cy="584775"/>
-          </a:xfrm>
-          <a:prstGeom prst="rect">
-            <a:avLst/>
-          </a:prstGeom>
-          <a:noFill/>
-        </p:spPr>
-        <p:txBody>
-          <a:bodyPr wrap="square" rtlCol="0">
-            <a:spAutoFit/>
-          </a:bodyPr>
-          <a:lstStyle/>
-          <a:p>
-            <a:r>
-              <a:rPr lang="fr-CH" sz="3200" b="1" dirty="0"/>
-              <a:t>RJ-11 - </a:t>
-            </a:r>
-            <a:r>
-              <a:rPr lang="fr-CH" sz="3200" i="1" dirty="0"/>
-              <a:t>Registered Jack 11</a:t>
-            </a:r>
-          </a:p>
-        </p:txBody>
-      </p:sp>
-      <p:sp>
-        <p:nvSpPr>
-          <p:cNvPr id="4" name="ZoneTexte 3"/>
-          <p:cNvSpPr txBox="1"/>
-          <p:nvPr/>
-        </p:nvSpPr>
-        <p:spPr>
-          <a:xfrm>
-            <a:off x="1240971" y="1754155"/>
-            <a:ext cx="7940351" cy="5078313"/>
-          </a:xfrm>
-          <a:prstGeom prst="rect">
-            <a:avLst/>
-          </a:prstGeom>
-          <a:noFill/>
-        </p:spPr>
-        <p:txBody>
-          <a:bodyPr wrap="square" rtlCol="0">
-            <a:spAutoFit/>
-          </a:bodyPr>
-          <a:lstStyle/>
-          <a:p>
-            <a:pPr>
-              <a:lnSpc>
-                <a:spcPct val="150000"/>
-              </a:lnSpc>
-            </a:pPr>
-            <a:r>
-              <a:rPr lang="fr-CH" b="1" u="sng" dirty="0"/>
-              <a:t>Usage du RJ-11</a:t>
-            </a:r>
-          </a:p>
-          <a:p>
-            <a:pPr>
-              <a:lnSpc>
-                <a:spcPct val="150000"/>
-              </a:lnSpc>
-            </a:pPr>
-            <a:r>
-              <a:rPr lang="fr-CH" dirty="0"/>
-              <a:t>Téléphonie</a:t>
-            </a:r>
-          </a:p>
-          <a:p>
-            <a:pPr>
-              <a:lnSpc>
-                <a:spcPct val="150000"/>
-              </a:lnSpc>
-            </a:pPr>
-            <a:r>
-              <a:rPr lang="fr-CH" dirty="0"/>
-              <a:t>Réseau local</a:t>
-            </a:r>
-          </a:p>
-          <a:p>
-            <a:pPr>
-              <a:lnSpc>
-                <a:spcPct val="150000"/>
-              </a:lnSpc>
-            </a:pPr>
-            <a:r>
-              <a:rPr lang="fr-CH" dirty="0" err="1"/>
-              <a:t>PoE</a:t>
-            </a:r>
-            <a:endParaRPr lang="fr-CH" dirty="0"/>
-          </a:p>
-          <a:p>
-            <a:pPr>
-              <a:lnSpc>
-                <a:spcPct val="150000"/>
-              </a:lnSpc>
-            </a:pPr>
-            <a:r>
-              <a:rPr lang="fr-CH" b="1" u="sng" dirty="0"/>
-              <a:t>Fonctionnement</a:t>
-            </a:r>
-          </a:p>
-          <a:p>
-            <a:pPr>
-              <a:lnSpc>
-                <a:spcPct val="150000"/>
-              </a:lnSpc>
-            </a:pPr>
-            <a:r>
-              <a:rPr lang="fr-CH" dirty="0"/>
-              <a:t>Un RJ-11 possède 4 broches où les paires torsadées passent.</a:t>
-            </a:r>
-          </a:p>
-          <a:p>
-            <a:endParaRPr lang="fr-CH" dirty="0"/>
-          </a:p>
-          <a:p>
-            <a:endParaRPr lang="fr-CH" dirty="0"/>
-          </a:p>
-          <a:p>
-            <a:endParaRPr lang="fr-CH" dirty="0"/>
-          </a:p>
-          <a:p>
-            <a:endParaRPr lang="fr-CH" dirty="0"/>
-          </a:p>
-          <a:p>
-            <a:endParaRPr lang="fr-CH" dirty="0"/>
-          </a:p>
-          <a:p>
-            <a:endParaRPr lang="fr-CH" dirty="0"/>
-          </a:p>
-          <a:p>
-            <a:endParaRPr lang="fr-CH" dirty="0"/>
-          </a:p>
-          <a:p>
-            <a:endParaRPr lang="fr-CH" dirty="0"/>
-          </a:p>
-          <a:p>
-            <a:endParaRPr lang="fr-CH" dirty="0"/>
-          </a:p>
-        </p:txBody>
-      </p:sp>
-      <p:pic>
-        <p:nvPicPr>
-          <p:cNvPr id="5" name="Image 4"/>
-          <p:cNvPicPr>
-            <a:picLocks noChangeAspect="1"/>
-          </p:cNvPicPr>
-          <p:nvPr/>
-        </p:nvPicPr>
-        <p:blipFill>
-          <a:blip r:embed="rId2">
-            <a:extLst>
-              <a:ext uri="{28A0092B-C50C-407E-A947-70E740481C1C}">
-                <a14:useLocalDpi xmlns:a14="http://schemas.microsoft.com/office/drawing/2010/main" val="0"/>
-              </a:ext>
-            </a:extLst>
-          </a:blip>
-          <a:stretch>
-            <a:fillRect/>
-          </a:stretch>
-        </p:blipFill>
-        <p:spPr>
-          <a:xfrm>
-            <a:off x="7613829" y="1754155"/>
-            <a:ext cx="2171765" cy="2018464"/>
+            <a:off x="615821" y="1698172"/>
+            <a:ext cx="10216729" cy="3546074"/>
           </a:xfrm>
           <a:prstGeom prst="rect">
             <a:avLst/>
           </a:prstGeom>
         </p:spPr>
-      </p:pic>
-      <p:pic>
-        <p:nvPicPr>
-          <p:cNvPr id="7" name="Image 6"/>
-          <p:cNvPicPr/>
-          <p:nvPr/>
-        </p:nvPicPr>
-        <p:blipFill rotWithShape="1">
-          <a:blip r:embed="rId3">
-            <a:extLst>
-              <a:ext uri="{28A0092B-C50C-407E-A947-70E740481C1C}">
-                <a14:useLocalDpi xmlns:a14="http://schemas.microsoft.com/office/drawing/2010/main" val="0"/>
-              </a:ext>
-            </a:extLst>
-          </a:blip>
-          <a:srcRect t="1981" r="41723" b="1"/>
-          <a:stretch/>
-        </p:blipFill>
-        <p:spPr bwMode="auto">
-          <a:xfrm>
-            <a:off x="3923580" y="4413379"/>
-            <a:ext cx="2575131" cy="1978090"/>
-          </a:xfrm>
-          <a:prstGeom prst="rect">
-            <a:avLst/>
-          </a:prstGeom>
-          <a:ln>
-            <a:noFill/>
-          </a:ln>
-          <a:extLst>
-            <a:ext uri="{53640926-AAD7-44D8-BBD7-CCE9431645EC}">
-              <a14:shadowObscured xmlns:a14="http://schemas.microsoft.com/office/drawing/2010/main"/>
-            </a:ext>
-          </a:extLst>
-        </p:spPr>
-      </p:pic>
+        <p:txBody>
+          <a:bodyPr vert="horz" lIns="91440" tIns="45720" rIns="91440" bIns="45720" rtlCol="0" anchor="ctr">
+            <a:normAutofit/>
+          </a:bodyPr>
+          <a:lstStyle>
+            <a:lvl1pPr marL="285750" indent="-285750" algn="l" defTabSz="457200" rtl="0" eaLnBrk="1" latinLnBrk="0" hangingPunct="1">
+              <a:spcBef>
+                <a:spcPct val="20000"/>
+              </a:spcBef>
+              <a:spcAft>
+                <a:spcPts val="600"/>
+              </a:spcAft>
+              <a:buClr>
+                <a:schemeClr val="tx1"/>
+              </a:buClr>
+              <a:buSzPct val="80000"/>
+              <a:buFont typeface="Wingdings 3" panose="05040102010807070707" pitchFamily="18" charset="2"/>
+              <a:buChar char=""/>
+              <a:defRPr sz="2000" kern="1200" cap="none">
+                <a:solidFill>
+                  <a:schemeClr val="bg2">
+                    <a:lumMod val="75000"/>
+                  </a:schemeClr>
+                </a:solidFill>
+                <a:effectLst/>
+                <a:latin typeface="+mn-lt"/>
+                <a:ea typeface="+mn-ea"/>
+                <a:cs typeface="+mn-cs"/>
+              </a:defRPr>
+            </a:lvl1pPr>
+            <a:lvl2pPr marL="742950" indent="-285750" algn="l" defTabSz="457200" rtl="0" eaLnBrk="1" latinLnBrk="0" hangingPunct="1">
+              <a:spcBef>
+                <a:spcPct val="20000"/>
+              </a:spcBef>
+              <a:spcAft>
+                <a:spcPts val="600"/>
+              </a:spcAft>
+              <a:buClr>
+                <a:schemeClr val="tx1"/>
+              </a:buClr>
+              <a:buSzPct val="80000"/>
+              <a:buFont typeface="Wingdings 3" panose="05040102010807070707" pitchFamily="18" charset="2"/>
+              <a:buChar char=""/>
+              <a:defRPr sz="1800" kern="1200" cap="none">
+                <a:solidFill>
+                  <a:schemeClr val="bg2">
+                    <a:lumMod val="75000"/>
+                  </a:schemeClr>
+                </a:solidFill>
+                <a:effectLst/>
+                <a:latin typeface="+mn-lt"/>
+                <a:ea typeface="+mn-ea"/>
+                <a:cs typeface="+mn-cs"/>
+              </a:defRPr>
+            </a:lvl2pPr>
+            <a:lvl3pPr marL="1200150" indent="-285750" algn="l" defTabSz="457200" rtl="0" eaLnBrk="1" latinLnBrk="0" hangingPunct="1">
+              <a:spcBef>
+                <a:spcPct val="20000"/>
+              </a:spcBef>
+              <a:spcAft>
+                <a:spcPts val="600"/>
+              </a:spcAft>
+              <a:buClr>
+                <a:schemeClr val="tx1"/>
+              </a:buClr>
+              <a:buSzPct val="80000"/>
+              <a:buFont typeface="Wingdings 3" panose="05040102010807070707" pitchFamily="18" charset="2"/>
+              <a:buChar char=""/>
+              <a:defRPr sz="1600" kern="1200" cap="none">
+                <a:solidFill>
+                  <a:schemeClr val="bg2">
+                    <a:lumMod val="75000"/>
+                  </a:schemeClr>
+                </a:solidFill>
+                <a:effectLst/>
+                <a:latin typeface="+mn-lt"/>
+                <a:ea typeface="+mn-ea"/>
+                <a:cs typeface="+mn-cs"/>
+              </a:defRPr>
+            </a:lvl3pPr>
+            <a:lvl4pPr marL="1543050" indent="-171450" algn="l" defTabSz="457200" rtl="0" eaLnBrk="1" latinLnBrk="0" hangingPunct="1">
+              <a:spcBef>
+                <a:spcPct val="20000"/>
+              </a:spcBef>
+              <a:spcAft>
+                <a:spcPts val="600"/>
+              </a:spcAft>
+              <a:buClr>
+                <a:schemeClr val="tx1"/>
+              </a:buClr>
+              <a:buSzPct val="80000"/>
+              <a:buFont typeface="Wingdings 3" panose="05040102010807070707" pitchFamily="18" charset="2"/>
+              <a:buChar char=""/>
+              <a:defRPr sz="1400" kern="1200" cap="none">
+                <a:solidFill>
+                  <a:schemeClr val="bg2">
+                    <a:lumMod val="75000"/>
+                  </a:schemeClr>
+                </a:solidFill>
+                <a:effectLst/>
+                <a:latin typeface="+mn-lt"/>
+                <a:ea typeface="+mn-ea"/>
+                <a:cs typeface="+mn-cs"/>
+              </a:defRPr>
+            </a:lvl4pPr>
+            <a:lvl5pPr marL="2000250" indent="-171450" algn="l" defTabSz="457200" rtl="0" eaLnBrk="1" latinLnBrk="0" hangingPunct="1">
+              <a:spcBef>
+                <a:spcPct val="20000"/>
+              </a:spcBef>
+              <a:spcAft>
+                <a:spcPts val="600"/>
+              </a:spcAft>
+              <a:buClr>
+                <a:schemeClr val="tx1"/>
+              </a:buClr>
+              <a:buSzPct val="80000"/>
+              <a:buFont typeface="Wingdings 3" panose="05040102010807070707" pitchFamily="18" charset="2"/>
+              <a:buChar char=""/>
+              <a:defRPr sz="1400" kern="1200" cap="none">
+                <a:solidFill>
+                  <a:schemeClr val="bg2">
+                    <a:lumMod val="75000"/>
+                  </a:schemeClr>
+                </a:solidFill>
+                <a:effectLst/>
+                <a:latin typeface="+mn-lt"/>
+                <a:ea typeface="+mn-ea"/>
+                <a:cs typeface="+mn-cs"/>
+              </a:defRPr>
+            </a:lvl5pPr>
+            <a:lvl6pPr marL="2514600" indent="-228600" algn="l" defTabSz="457200" rtl="0" eaLnBrk="1" latinLnBrk="0" hangingPunct="1">
+              <a:spcBef>
+                <a:spcPct val="20000"/>
+              </a:spcBef>
+              <a:spcAft>
+                <a:spcPts val="600"/>
+              </a:spcAft>
+              <a:buClr>
+                <a:schemeClr val="tx1"/>
+              </a:buClr>
+              <a:buSzPct val="80000"/>
+              <a:buFont typeface="Wingdings 3" panose="05040102010807070707" pitchFamily="18" charset="2"/>
+              <a:buChar char=""/>
+              <a:defRPr sz="1400" kern="1200" cap="none">
+                <a:solidFill>
+                  <a:schemeClr val="bg2">
+                    <a:lumMod val="75000"/>
+                  </a:schemeClr>
+                </a:solidFill>
+                <a:effectLst/>
+                <a:latin typeface="+mn-lt"/>
+                <a:ea typeface="+mn-ea"/>
+                <a:cs typeface="+mn-cs"/>
+              </a:defRPr>
+            </a:lvl6pPr>
+            <a:lvl7pPr marL="2971800" indent="-228600" algn="l" defTabSz="457200" rtl="0" eaLnBrk="1" latinLnBrk="0" hangingPunct="1">
+              <a:spcBef>
+                <a:spcPct val="20000"/>
+              </a:spcBef>
+              <a:spcAft>
+                <a:spcPts val="600"/>
+              </a:spcAft>
+              <a:buClr>
+                <a:schemeClr val="tx1"/>
+              </a:buClr>
+              <a:buSzPct val="80000"/>
+              <a:buFont typeface="Wingdings 3" panose="05040102010807070707" pitchFamily="18" charset="2"/>
+              <a:buChar char=""/>
+              <a:defRPr sz="1400" kern="1200" cap="none">
+                <a:solidFill>
+                  <a:schemeClr val="bg2">
+                    <a:lumMod val="75000"/>
+                  </a:schemeClr>
+                </a:solidFill>
+                <a:effectLst/>
+                <a:latin typeface="+mn-lt"/>
+                <a:ea typeface="+mn-ea"/>
+                <a:cs typeface="+mn-cs"/>
+              </a:defRPr>
+            </a:lvl7pPr>
+            <a:lvl8pPr marL="3429000" indent="-228600" algn="l" defTabSz="457200" rtl="0" eaLnBrk="1" latinLnBrk="0" hangingPunct="1">
+              <a:spcBef>
+                <a:spcPct val="20000"/>
+              </a:spcBef>
+              <a:spcAft>
+                <a:spcPts val="600"/>
+              </a:spcAft>
+              <a:buClr>
+                <a:schemeClr val="tx1"/>
+              </a:buClr>
+              <a:buSzPct val="80000"/>
+              <a:buFont typeface="Wingdings 3" panose="05040102010807070707" pitchFamily="18" charset="2"/>
+              <a:buChar char=""/>
+              <a:defRPr sz="1400" kern="1200" cap="none">
+                <a:solidFill>
+                  <a:schemeClr val="bg2">
+                    <a:lumMod val="75000"/>
+                  </a:schemeClr>
+                </a:solidFill>
+                <a:effectLst/>
+                <a:latin typeface="+mn-lt"/>
+                <a:ea typeface="+mn-ea"/>
+                <a:cs typeface="+mn-cs"/>
+              </a:defRPr>
+            </a:lvl8pPr>
+            <a:lvl9pPr marL="3886200" indent="-228600" algn="l" defTabSz="457200" rtl="0" eaLnBrk="1" latinLnBrk="0" hangingPunct="1">
+              <a:spcBef>
+                <a:spcPct val="20000"/>
+              </a:spcBef>
+              <a:spcAft>
+                <a:spcPts val="600"/>
+              </a:spcAft>
+              <a:buClr>
+                <a:schemeClr val="tx1"/>
+              </a:buClr>
+              <a:buSzPct val="80000"/>
+              <a:buFont typeface="Wingdings 3" panose="05040102010807070707" pitchFamily="18" charset="2"/>
+              <a:buChar char=""/>
+              <a:defRPr sz="1400" kern="1200" cap="none">
+                <a:solidFill>
+                  <a:schemeClr val="bg2">
+                    <a:lumMod val="75000"/>
+                  </a:schemeClr>
+                </a:solidFill>
+                <a:effectLst/>
+                <a:latin typeface="+mn-lt"/>
+                <a:ea typeface="+mn-ea"/>
+                <a:cs typeface="+mn-cs"/>
+              </a:defRPr>
+            </a:lvl9pPr>
+          </a:lstStyle>
+          <a:p>
+            <a:pPr lvl="1">
+              <a:lnSpc>
+                <a:spcPct val="150000"/>
+              </a:lnSpc>
+            </a:pPr>
+            <a:r>
+              <a:rPr lang="fr-CH" sz="2000" dirty="0">
+                <a:solidFill>
+                  <a:schemeClr val="tx1"/>
+                </a:solidFill>
+              </a:rPr>
+              <a:t>Sujet : La fabrication d’un câble Ethernet</a:t>
+            </a:r>
+          </a:p>
+          <a:p>
+            <a:pPr lvl="1">
+              <a:lnSpc>
+                <a:spcPct val="150000"/>
+              </a:lnSpc>
+            </a:pPr>
+            <a:r>
+              <a:rPr lang="fr-CH" sz="2000" dirty="0">
+                <a:solidFill>
+                  <a:schemeClr val="tx1"/>
+                </a:solidFill>
+              </a:rPr>
+              <a:t>Cette présentation à comme objectifs :</a:t>
+            </a:r>
+          </a:p>
+          <a:p>
+            <a:pPr lvl="2">
+              <a:lnSpc>
+                <a:spcPct val="150000"/>
+              </a:lnSpc>
+            </a:pPr>
+            <a:r>
+              <a:rPr lang="fr-CH" sz="1800" dirty="0">
+                <a:solidFill>
+                  <a:schemeClr val="tx1"/>
+                </a:solidFill>
+              </a:rPr>
+              <a:t>Décrire et présenter les différentes normes, catégories et technologies d’un câble Ethernet</a:t>
+            </a:r>
+          </a:p>
+          <a:p>
+            <a:pPr lvl="2">
+              <a:lnSpc>
+                <a:spcPct val="150000"/>
+              </a:lnSpc>
+            </a:pPr>
+            <a:r>
+              <a:rPr lang="fr-CH" sz="1800" dirty="0">
+                <a:solidFill>
+                  <a:schemeClr val="tx1"/>
+                </a:solidFill>
+              </a:rPr>
+              <a:t>Démontrer la fabrication d’un câble RJ-45</a:t>
+            </a:r>
+          </a:p>
+          <a:p>
+            <a:pPr lvl="2">
+              <a:lnSpc>
+                <a:spcPct val="150000"/>
+              </a:lnSpc>
+            </a:pPr>
+            <a:endParaRPr lang="fr-CH" sz="2200" dirty="0">
+              <a:solidFill>
+                <a:schemeClr val="tx1"/>
+              </a:solidFill>
+            </a:endParaRPr>
+          </a:p>
+          <a:p>
+            <a:pPr lvl="2">
+              <a:lnSpc>
+                <a:spcPct val="150000"/>
+              </a:lnSpc>
+            </a:pPr>
+            <a:endParaRPr lang="fr-CH" sz="2200" dirty="0">
+              <a:solidFill>
+                <a:schemeClr val="tx1"/>
+              </a:solidFill>
+            </a:endParaRPr>
+          </a:p>
+        </p:txBody>
+      </p:sp>
     </p:spTree>
     <p:extLst>
       <p:ext uri="{BB962C8B-B14F-4D97-AF65-F5344CB8AC3E}">
-        <p14:creationId xmlns:p14="http://schemas.microsoft.com/office/powerpoint/2010/main" val="2972093120"/>
+        <p14:creationId xmlns:p14="http://schemas.microsoft.com/office/powerpoint/2010/main" val="3456633582"/>
       </p:ext>
     </p:extLst>
   </p:cSld>
@@ -13571,217 +12801,7 @@
 </p:sld>
 </file>
 
-<file path=ppt/slides/slide32.xml><?xml version="1.0" encoding="utf-8"?>
-<p:sld xmlns:a="http://schemas.openxmlformats.org/drawingml/2006/main" xmlns:r="http://schemas.openxmlformats.org/officeDocument/2006/relationships" xmlns:p="http://schemas.openxmlformats.org/presentationml/2006/main">
-  <p:cSld>
-    <p:spTree>
-      <p:nvGrpSpPr>
-        <p:cNvPr id="1" name=""/>
-        <p:cNvGrpSpPr/>
-        <p:nvPr/>
-      </p:nvGrpSpPr>
-      <p:grpSpPr>
-        <a:xfrm>
-          <a:off x="0" y="0"/>
-          <a:ext cx="0" cy="0"/>
-          <a:chOff x="0" y="0"/>
-          <a:chExt cx="0" cy="0"/>
-        </a:xfrm>
-      </p:grpSpPr>
-      <p:sp>
-        <p:nvSpPr>
-          <p:cNvPr id="6" name="Title 1"/>
-          <p:cNvSpPr>
-            <a:spLocks noGrp="1"/>
-          </p:cNvSpPr>
-          <p:nvPr>
-            <p:ph type="title"/>
-          </p:nvPr>
-        </p:nvSpPr>
-        <p:spPr>
-          <a:xfrm>
-            <a:off x="0" y="0"/>
-            <a:ext cx="3032567" cy="510199"/>
-          </a:xfrm>
-        </p:spPr>
-        <p:txBody>
-          <a:bodyPr numCol="1">
-            <a:noAutofit/>
-          </a:bodyPr>
-          <a:lstStyle/>
-          <a:p>
-            <a:pPr algn="ctr"/>
-            <a:r>
-              <a:rPr lang="fr-CH" sz="2800" dirty="0"/>
-              <a:t>CONNECTIQUES</a:t>
-            </a:r>
-          </a:p>
-        </p:txBody>
-      </p:sp>
-      <p:sp>
-        <p:nvSpPr>
-          <p:cNvPr id="2" name="ZoneTexte 1"/>
-          <p:cNvSpPr txBox="1"/>
-          <p:nvPr/>
-        </p:nvSpPr>
-        <p:spPr>
-          <a:xfrm>
-            <a:off x="951721" y="802434"/>
-            <a:ext cx="5747657" cy="1077218"/>
-          </a:xfrm>
-          <a:prstGeom prst="rect">
-            <a:avLst/>
-          </a:prstGeom>
-          <a:noFill/>
-        </p:spPr>
-        <p:txBody>
-          <a:bodyPr wrap="square" rtlCol="0">
-            <a:spAutoFit/>
-          </a:bodyPr>
-          <a:lstStyle/>
-          <a:p>
-            <a:r>
-              <a:rPr lang="fr-CH" sz="3200" b="1" dirty="0"/>
-              <a:t>RJ-11 Femelle - </a:t>
-            </a:r>
-            <a:r>
-              <a:rPr lang="fr-CH" sz="3200" i="1" dirty="0"/>
-              <a:t>Registered Jack 11</a:t>
-            </a:r>
-          </a:p>
-        </p:txBody>
-      </p:sp>
-      <p:sp>
-        <p:nvSpPr>
-          <p:cNvPr id="4" name="ZoneTexte 3"/>
-          <p:cNvSpPr txBox="1"/>
-          <p:nvPr/>
-        </p:nvSpPr>
-        <p:spPr>
-          <a:xfrm>
-            <a:off x="1240971" y="1754155"/>
-            <a:ext cx="7940351" cy="5078313"/>
-          </a:xfrm>
-          <a:prstGeom prst="rect">
-            <a:avLst/>
-          </a:prstGeom>
-          <a:noFill/>
-        </p:spPr>
-        <p:txBody>
-          <a:bodyPr wrap="square" rtlCol="0">
-            <a:spAutoFit/>
-          </a:bodyPr>
-          <a:lstStyle/>
-          <a:p>
-            <a:pPr>
-              <a:lnSpc>
-                <a:spcPct val="150000"/>
-              </a:lnSpc>
-            </a:pPr>
-            <a:r>
-              <a:rPr lang="fr-CH" b="1" u="sng" dirty="0"/>
-              <a:t>Usage du RJ-11 femelle</a:t>
-            </a:r>
-          </a:p>
-          <a:p>
-            <a:pPr>
-              <a:lnSpc>
-                <a:spcPct val="150000"/>
-              </a:lnSpc>
-            </a:pPr>
-            <a:r>
-              <a:rPr lang="fr-CH" dirty="0"/>
-              <a:t>Téléphonie</a:t>
-            </a:r>
-          </a:p>
-          <a:p>
-            <a:pPr>
-              <a:lnSpc>
-                <a:spcPct val="150000"/>
-              </a:lnSpc>
-            </a:pPr>
-            <a:r>
-              <a:rPr lang="fr-CH" dirty="0"/>
-              <a:t>Réseau local</a:t>
-            </a:r>
-          </a:p>
-          <a:p>
-            <a:pPr>
-              <a:lnSpc>
-                <a:spcPct val="150000"/>
-              </a:lnSpc>
-            </a:pPr>
-            <a:r>
-              <a:rPr lang="fr-CH" dirty="0" err="1"/>
-              <a:t>PoE</a:t>
-            </a:r>
-            <a:endParaRPr lang="fr-CH" dirty="0"/>
-          </a:p>
-          <a:p>
-            <a:pPr>
-              <a:lnSpc>
-                <a:spcPct val="150000"/>
-              </a:lnSpc>
-            </a:pPr>
-            <a:r>
-              <a:rPr lang="fr-CH" b="1" u="sng" dirty="0"/>
-              <a:t>Fonctionnement</a:t>
-            </a:r>
-          </a:p>
-          <a:p>
-            <a:pPr>
-              <a:lnSpc>
-                <a:spcPct val="150000"/>
-              </a:lnSpc>
-            </a:pPr>
-            <a:r>
-              <a:rPr lang="fr-CH" dirty="0"/>
-              <a:t>Un RJ-11 possède 4 broches où les paires torsadées passent.</a:t>
-            </a:r>
-          </a:p>
-          <a:p>
-            <a:endParaRPr lang="fr-CH" dirty="0"/>
-          </a:p>
-          <a:p>
-            <a:endParaRPr lang="fr-CH" dirty="0"/>
-          </a:p>
-          <a:p>
-            <a:endParaRPr lang="fr-CH" dirty="0"/>
-          </a:p>
-          <a:p>
-            <a:endParaRPr lang="fr-CH" dirty="0"/>
-          </a:p>
-          <a:p>
-            <a:endParaRPr lang="fr-CH" dirty="0"/>
-          </a:p>
-          <a:p>
-            <a:endParaRPr lang="fr-CH" dirty="0"/>
-          </a:p>
-          <a:p>
-            <a:endParaRPr lang="fr-CH" dirty="0"/>
-          </a:p>
-          <a:p>
-            <a:endParaRPr lang="fr-CH" dirty="0"/>
-          </a:p>
-          <a:p>
-            <a:endParaRPr lang="fr-CH" dirty="0"/>
-          </a:p>
-        </p:txBody>
-      </p:sp>
-    </p:spTree>
-    <p:extLst>
-      <p:ext uri="{BB962C8B-B14F-4D97-AF65-F5344CB8AC3E}">
-        <p14:creationId xmlns:p14="http://schemas.microsoft.com/office/powerpoint/2010/main" val="3659849013"/>
-      </p:ext>
-    </p:extLst>
-  </p:cSld>
-  <p:clrMapOvr>
-    <a:masterClrMapping/>
-  </p:clrMapOvr>
-</p:sld>
-</file>
-
-<file path=ppt/slides/slide33.xml><?xml version="1.0" encoding="utf-8"?>
+<file path=ppt/slides/slide30.xml><?xml version="1.0" encoding="utf-8"?>
 <p:sld xmlns:a="http://schemas.openxmlformats.org/drawingml/2006/main" xmlns:r="http://schemas.openxmlformats.org/officeDocument/2006/relationships" xmlns:p="http://schemas.openxmlformats.org/presentationml/2006/main">
   <p:cSld>
     <p:spTree>
@@ -14250,6 +13270,583 @@
   <p:clrMapOvr>
     <a:masterClrMapping/>
   </p:clrMapOvr>
+  <p:timing>
+    <p:tnLst>
+      <p:par>
+        <p:cTn id="1" dur="indefinite" restart="never" nodeType="tmRoot"/>
+      </p:par>
+    </p:tnLst>
+  </p:timing>
+</p:sld>
+</file>
+
+<file path=ppt/slides/slide31.xml><?xml version="1.0" encoding="utf-8"?>
+<p:sld xmlns:a="http://schemas.openxmlformats.org/drawingml/2006/main" xmlns:r="http://schemas.openxmlformats.org/officeDocument/2006/relationships" xmlns:p="http://schemas.openxmlformats.org/presentationml/2006/main">
+  <p:cSld>
+    <p:spTree>
+      <p:nvGrpSpPr>
+        <p:cNvPr id="1" name=""/>
+        <p:cNvGrpSpPr/>
+        <p:nvPr/>
+      </p:nvGrpSpPr>
+      <p:grpSpPr>
+        <a:xfrm>
+          <a:off x="0" y="0"/>
+          <a:ext cx="0" cy="0"/>
+          <a:chOff x="0" y="0"/>
+          <a:chExt cx="0" cy="0"/>
+        </a:xfrm>
+      </p:grpSpPr>
+      <p:sp>
+        <p:nvSpPr>
+          <p:cNvPr id="5" name="Content Placeholder 2"/>
+          <p:cNvSpPr>
+            <a:spLocks noGrp="1"/>
+          </p:cNvSpPr>
+          <p:nvPr>
+            <p:ph idx="1"/>
+          </p:nvPr>
+        </p:nvSpPr>
+        <p:spPr>
+          <a:xfrm>
+            <a:off x="326020" y="634971"/>
+            <a:ext cx="11539959" cy="510199"/>
+          </a:xfrm>
+        </p:spPr>
+        <p:txBody>
+          <a:bodyPr>
+            <a:normAutofit/>
+          </a:bodyPr>
+          <a:lstStyle/>
+          <a:p>
+            <a:pPr marL="0" indent="0">
+              <a:buNone/>
+            </a:pPr>
+            <a:r>
+              <a:rPr lang="it-IT" sz="2400" dirty="0">
+                <a:solidFill>
+                  <a:schemeClr val="tx1"/>
+                </a:solidFill>
+              </a:rPr>
+              <a:t>IEEE </a:t>
+            </a:r>
+            <a:r>
+              <a:rPr lang="it-IT" sz="2400" dirty="0">
+                <a:solidFill>
+                  <a:schemeClr val="tx1"/>
+                </a:solidFill>
+                <a:latin typeface="+mj-lt"/>
+              </a:rPr>
+              <a:t>802.3</a:t>
+            </a:r>
+            <a:endParaRPr lang="fr-CH" sz="2400" dirty="0">
+              <a:solidFill>
+                <a:schemeClr val="tx1"/>
+              </a:solidFill>
+              <a:latin typeface="+mj-lt"/>
+            </a:endParaRPr>
+          </a:p>
+        </p:txBody>
+      </p:sp>
+      <p:sp>
+        <p:nvSpPr>
+          <p:cNvPr id="6" name="Title 1"/>
+          <p:cNvSpPr>
+            <a:spLocks noGrp="1"/>
+          </p:cNvSpPr>
+          <p:nvPr>
+            <p:ph type="title"/>
+          </p:nvPr>
+        </p:nvSpPr>
+        <p:spPr>
+          <a:xfrm>
+            <a:off x="1" y="0"/>
+            <a:ext cx="1689904" cy="510199"/>
+          </a:xfrm>
+        </p:spPr>
+        <p:txBody>
+          <a:bodyPr numCol="1">
+            <a:noAutofit/>
+          </a:bodyPr>
+          <a:lstStyle/>
+          <a:p>
+            <a:pPr algn="ctr"/>
+            <a:r>
+              <a:rPr lang="fr-CH" sz="2800" dirty="0"/>
+              <a:t>NORMES</a:t>
+            </a:r>
+          </a:p>
+        </p:txBody>
+      </p:sp>
+      <p:sp>
+        <p:nvSpPr>
+          <p:cNvPr id="14" name="ZoneTexte 13">
+            <a:extLst>
+              <a:ext uri="{FF2B5EF4-FFF2-40B4-BE49-F238E27FC236}">
+                <a16:creationId xmlns:a16="http://schemas.microsoft.com/office/drawing/2014/main" xmlns="" id="{DCFCBA6D-32BF-45B9-913E-FC03E263FEB7}"/>
+              </a:ext>
+            </a:extLst>
+          </p:cNvPr>
+          <p:cNvSpPr txBox="1"/>
+          <p:nvPr/>
+        </p:nvSpPr>
+        <p:spPr>
+          <a:xfrm>
+            <a:off x="609601" y="1269942"/>
+            <a:ext cx="2974109" cy="369332"/>
+          </a:xfrm>
+          <a:prstGeom prst="rect">
+            <a:avLst/>
+          </a:prstGeom>
+          <a:noFill/>
+        </p:spPr>
+        <p:txBody>
+          <a:bodyPr wrap="square" rtlCol="0">
+            <a:spAutoFit/>
+          </a:bodyPr>
+          <a:lstStyle/>
+          <a:p>
+            <a:r>
+              <a:rPr lang="fr-CH" b="1" dirty="0">
+                <a:latin typeface="+mj-lt"/>
+              </a:rPr>
+              <a:t>Les débits :</a:t>
+            </a:r>
+          </a:p>
+        </p:txBody>
+      </p:sp>
+      <p:sp>
+        <p:nvSpPr>
+          <p:cNvPr id="15" name="ZoneTexte 14">
+            <a:extLst>
+              <a:ext uri="{FF2B5EF4-FFF2-40B4-BE49-F238E27FC236}">
+                <a16:creationId xmlns:a16="http://schemas.microsoft.com/office/drawing/2014/main" xmlns="" id="{6335B29D-0CD6-4CAA-B965-93BCC03492D8}"/>
+              </a:ext>
+            </a:extLst>
+          </p:cNvPr>
+          <p:cNvSpPr txBox="1"/>
+          <p:nvPr/>
+        </p:nvSpPr>
+        <p:spPr>
+          <a:xfrm>
+            <a:off x="942109" y="1764046"/>
+            <a:ext cx="5643418" cy="369332"/>
+          </a:xfrm>
+          <a:prstGeom prst="rect">
+            <a:avLst/>
+          </a:prstGeom>
+          <a:noFill/>
+        </p:spPr>
+        <p:txBody>
+          <a:bodyPr wrap="square" rtlCol="0">
+            <a:spAutoFit/>
+          </a:bodyPr>
+          <a:lstStyle/>
+          <a:p>
+            <a:r>
+              <a:rPr lang="fr-CH" dirty="0"/>
+              <a:t>Il existe 4 débits différents à ce jour.</a:t>
+            </a:r>
+          </a:p>
+        </p:txBody>
+      </p:sp>
+      <p:sp>
+        <p:nvSpPr>
+          <p:cNvPr id="16" name="Rectangle 15">
+            <a:extLst>
+              <a:ext uri="{FF2B5EF4-FFF2-40B4-BE49-F238E27FC236}">
+                <a16:creationId xmlns:a16="http://schemas.microsoft.com/office/drawing/2014/main" xmlns="" id="{598DB639-CD18-4A74-9FFE-C44EB01149A7}"/>
+              </a:ext>
+            </a:extLst>
+          </p:cNvPr>
+          <p:cNvSpPr/>
+          <p:nvPr/>
+        </p:nvSpPr>
+        <p:spPr>
+          <a:xfrm>
+            <a:off x="1320451" y="2258150"/>
+            <a:ext cx="5703806" cy="1701684"/>
+          </a:xfrm>
+          <a:prstGeom prst="rect">
+            <a:avLst/>
+          </a:prstGeom>
+        </p:spPr>
+        <p:txBody>
+          <a:bodyPr wrap="none">
+            <a:spAutoFit/>
+          </a:bodyPr>
+          <a:lstStyle/>
+          <a:p>
+            <a:pPr marL="285750" indent="-285750">
+              <a:lnSpc>
+                <a:spcPct val="150000"/>
+              </a:lnSpc>
+              <a:buFont typeface="Arial" panose="020B0604020202020204" pitchFamily="34" charset="0"/>
+              <a:buChar char="•"/>
+            </a:pPr>
+            <a:r>
+              <a:rPr lang="fr-CH" dirty="0">
+                <a:ea typeface="Calibri" panose="020F0502020204030204" pitchFamily="34" charset="0"/>
+                <a:cs typeface="Arial" panose="020B0604020202020204" pitchFamily="34" charset="0"/>
+              </a:rPr>
+              <a:t>Ethernet qui a un débit de 10 Mb/s,</a:t>
+            </a:r>
+          </a:p>
+          <a:p>
+            <a:pPr marL="285750" indent="-285750">
+              <a:lnSpc>
+                <a:spcPct val="150000"/>
+              </a:lnSpc>
+              <a:buFont typeface="Arial" panose="020B0604020202020204" pitchFamily="34" charset="0"/>
+              <a:buChar char="•"/>
+            </a:pPr>
+            <a:r>
+              <a:rPr lang="fr-CH" dirty="0"/>
+              <a:t>Fast Ethernet qui a un débit de 100 Mb/s,</a:t>
+            </a:r>
+          </a:p>
+          <a:p>
+            <a:pPr marL="285750" indent="-285750">
+              <a:lnSpc>
+                <a:spcPct val="150000"/>
+              </a:lnSpc>
+              <a:buFont typeface="Arial" panose="020B0604020202020204" pitchFamily="34" charset="0"/>
+              <a:buChar char="•"/>
+            </a:pPr>
+            <a:r>
+              <a:rPr lang="fr-CH" dirty="0"/>
+              <a:t>GigaEthernet qui a un débit de 1’000Mb/s et</a:t>
+            </a:r>
+          </a:p>
+          <a:p>
+            <a:pPr marL="285750" indent="-285750">
+              <a:lnSpc>
+                <a:spcPct val="150000"/>
+              </a:lnSpc>
+              <a:buFont typeface="Arial" panose="020B0604020202020204" pitchFamily="34" charset="0"/>
+              <a:buChar char="•"/>
+            </a:pPr>
+            <a:r>
+              <a:rPr lang="fr-CH" dirty="0"/>
+              <a:t>10 GigaEthernet qui a un débit de 10’000Mb/s.</a:t>
+            </a:r>
+          </a:p>
+        </p:txBody>
+      </p:sp>
+    </p:spTree>
+    <p:extLst>
+      <p:ext uri="{BB962C8B-B14F-4D97-AF65-F5344CB8AC3E}">
+        <p14:creationId xmlns:p14="http://schemas.microsoft.com/office/powerpoint/2010/main" val="743191427"/>
+      </p:ext>
+    </p:extLst>
+  </p:cSld>
+  <p:clrMapOvr>
+    <a:masterClrMapping/>
+  </p:clrMapOvr>
+  <p:timing>
+    <p:tnLst>
+      <p:par>
+        <p:cTn id="1" dur="indefinite" restart="never" nodeType="tmRoot"/>
+      </p:par>
+    </p:tnLst>
+  </p:timing>
+</p:sld>
+</file>
+
+<file path=ppt/slides/slide32.xml><?xml version="1.0" encoding="utf-8"?>
+<p:sld xmlns:a="http://schemas.openxmlformats.org/drawingml/2006/main" xmlns:r="http://schemas.openxmlformats.org/officeDocument/2006/relationships" xmlns:p="http://schemas.openxmlformats.org/presentationml/2006/main">
+  <p:cSld>
+    <p:spTree>
+      <p:nvGrpSpPr>
+        <p:cNvPr id="1" name=""/>
+        <p:cNvGrpSpPr/>
+        <p:nvPr/>
+      </p:nvGrpSpPr>
+      <p:grpSpPr>
+        <a:xfrm>
+          <a:off x="0" y="0"/>
+          <a:ext cx="0" cy="0"/>
+          <a:chOff x="0" y="0"/>
+          <a:chExt cx="0" cy="0"/>
+        </a:xfrm>
+      </p:grpSpPr>
+      <p:sp>
+        <p:nvSpPr>
+          <p:cNvPr id="2" name="Titre 1">
+            <a:extLst>
+              <a:ext uri="{FF2B5EF4-FFF2-40B4-BE49-F238E27FC236}">
+                <a16:creationId xmlns:a16="http://schemas.microsoft.com/office/drawing/2014/main" xmlns="" id="{42B1C103-5438-4ED4-9DC3-64DAD3FD626E}"/>
+              </a:ext>
+            </a:extLst>
+          </p:cNvPr>
+          <p:cNvSpPr>
+            <a:spLocks noGrp="1"/>
+          </p:cNvSpPr>
+          <p:nvPr>
+            <p:ph type="title"/>
+          </p:nvPr>
+        </p:nvSpPr>
+        <p:spPr/>
+        <p:txBody>
+          <a:bodyPr/>
+          <a:lstStyle/>
+          <a:p>
+            <a:endParaRPr lang="fr-CH"/>
+          </a:p>
+        </p:txBody>
+      </p:sp>
+      <p:sp>
+        <p:nvSpPr>
+          <p:cNvPr id="3" name="Espace réservé du contenu 2">
+            <a:extLst>
+              <a:ext uri="{FF2B5EF4-FFF2-40B4-BE49-F238E27FC236}">
+                <a16:creationId xmlns:a16="http://schemas.microsoft.com/office/drawing/2014/main" xmlns="" id="{3BB66C46-EE36-4F98-8862-5AD66F47ABF5}"/>
+              </a:ext>
+            </a:extLst>
+          </p:cNvPr>
+          <p:cNvSpPr>
+            <a:spLocks noGrp="1"/>
+          </p:cNvSpPr>
+          <p:nvPr>
+            <p:ph idx="1"/>
+          </p:nvPr>
+        </p:nvSpPr>
+        <p:spPr/>
+        <p:txBody>
+          <a:bodyPr/>
+          <a:lstStyle/>
+          <a:p>
+            <a:endParaRPr lang="fr-CH"/>
+          </a:p>
+        </p:txBody>
+      </p:sp>
+    </p:spTree>
+    <p:extLst>
+      <p:ext uri="{BB962C8B-B14F-4D97-AF65-F5344CB8AC3E}">
+        <p14:creationId xmlns:p14="http://schemas.microsoft.com/office/powerpoint/2010/main" val="3797207043"/>
+      </p:ext>
+    </p:extLst>
+  </p:cSld>
+  <p:clrMapOvr>
+    <a:masterClrMapping/>
+  </p:clrMapOvr>
+  <p:timing>
+    <p:tnLst>
+      <p:par>
+        <p:cTn id="1" dur="indefinite" restart="never" nodeType="tmRoot"/>
+      </p:par>
+    </p:tnLst>
+  </p:timing>
+</p:sld>
+</file>
+
+<file path=ppt/slides/slide33.xml><?xml version="1.0" encoding="utf-8"?>
+<p:sld xmlns:a="http://schemas.openxmlformats.org/drawingml/2006/main" xmlns:r="http://schemas.openxmlformats.org/officeDocument/2006/relationships" xmlns:p="http://schemas.openxmlformats.org/presentationml/2006/main">
+  <p:cSld>
+    <p:spTree>
+      <p:nvGrpSpPr>
+        <p:cNvPr id="1" name=""/>
+        <p:cNvGrpSpPr/>
+        <p:nvPr/>
+      </p:nvGrpSpPr>
+      <p:grpSpPr>
+        <a:xfrm>
+          <a:off x="0" y="0"/>
+          <a:ext cx="0" cy="0"/>
+          <a:chOff x="0" y="0"/>
+          <a:chExt cx="0" cy="0"/>
+        </a:xfrm>
+      </p:grpSpPr>
+      <p:sp>
+        <p:nvSpPr>
+          <p:cNvPr id="6" name="Title 1"/>
+          <p:cNvSpPr>
+            <a:spLocks noGrp="1"/>
+          </p:cNvSpPr>
+          <p:nvPr>
+            <p:ph type="title"/>
+          </p:nvPr>
+        </p:nvSpPr>
+        <p:spPr>
+          <a:xfrm>
+            <a:off x="0" y="0"/>
+            <a:ext cx="2488557" cy="510199"/>
+          </a:xfrm>
+        </p:spPr>
+        <p:txBody>
+          <a:bodyPr numCol="1">
+            <a:noAutofit/>
+          </a:bodyPr>
+          <a:lstStyle/>
+          <a:p>
+            <a:pPr algn="ctr"/>
+            <a:r>
+              <a:rPr lang="fr-CH" sz="2800" dirty="0"/>
+              <a:t>FABRICATION</a:t>
+            </a:r>
+          </a:p>
+        </p:txBody>
+      </p:sp>
+      <p:sp>
+        <p:nvSpPr>
+          <p:cNvPr id="2" name="ZoneTexte 1">
+            <a:extLst>
+              <a:ext uri="{FF2B5EF4-FFF2-40B4-BE49-F238E27FC236}">
+                <a16:creationId xmlns:a16="http://schemas.microsoft.com/office/drawing/2014/main" xmlns="" id="{95A71DAD-C760-4FB1-9A97-CB83FC9A6215}"/>
+              </a:ext>
+            </a:extLst>
+          </p:cNvPr>
+          <p:cNvSpPr txBox="1"/>
+          <p:nvPr/>
+        </p:nvSpPr>
+        <p:spPr>
+          <a:xfrm>
+            <a:off x="374248" y="902826"/>
+            <a:ext cx="3940233" cy="461665"/>
+          </a:xfrm>
+          <a:prstGeom prst="rect">
+            <a:avLst/>
+          </a:prstGeom>
+          <a:noFill/>
+        </p:spPr>
+        <p:txBody>
+          <a:bodyPr wrap="square" rtlCol="0">
+            <a:spAutoFit/>
+          </a:bodyPr>
+          <a:lstStyle/>
+          <a:p>
+            <a:r>
+              <a:rPr lang="fr-CH" sz="2400" b="1" dirty="0"/>
+              <a:t>Préparation du matériel</a:t>
+            </a:r>
+          </a:p>
+        </p:txBody>
+      </p:sp>
+      <p:sp>
+        <p:nvSpPr>
+          <p:cNvPr id="4" name="ZoneTexte 3">
+            <a:extLst>
+              <a:ext uri="{FF2B5EF4-FFF2-40B4-BE49-F238E27FC236}">
+                <a16:creationId xmlns:a16="http://schemas.microsoft.com/office/drawing/2014/main" xmlns="" id="{FBE88C88-B8F1-497D-99A0-7069148CCDE5}"/>
+              </a:ext>
+            </a:extLst>
+          </p:cNvPr>
+          <p:cNvSpPr txBox="1"/>
+          <p:nvPr/>
+        </p:nvSpPr>
+        <p:spPr>
+          <a:xfrm>
+            <a:off x="374248" y="1514120"/>
+            <a:ext cx="6059803" cy="2862322"/>
+          </a:xfrm>
+          <a:prstGeom prst="rect">
+            <a:avLst/>
+          </a:prstGeom>
+          <a:noFill/>
+        </p:spPr>
+        <p:txBody>
+          <a:bodyPr wrap="square" rtlCol="0">
+            <a:spAutoFit/>
+          </a:bodyPr>
+          <a:lstStyle/>
+          <a:p>
+            <a:pPr marL="285750" indent="-285750">
+              <a:buFont typeface="Arial" panose="020B0604020202020204" pitchFamily="34" charset="0"/>
+              <a:buChar char="•"/>
+            </a:pPr>
+            <a:r>
+              <a:rPr lang="fr-CH" sz="2000" dirty="0"/>
+              <a:t>Du câble</a:t>
+            </a:r>
+          </a:p>
+          <a:p>
+            <a:pPr marL="285750" indent="-285750">
+              <a:buFont typeface="Arial" panose="020B0604020202020204" pitchFamily="34" charset="0"/>
+              <a:buChar char="•"/>
+            </a:pPr>
+            <a:r>
+              <a:rPr lang="fr-CH" sz="2000" dirty="0"/>
+              <a:t>Des connecteurs</a:t>
+            </a:r>
+          </a:p>
+          <a:p>
+            <a:endParaRPr lang="fr-CH" sz="2000" dirty="0"/>
+          </a:p>
+          <a:p>
+            <a:r>
+              <a:rPr lang="fr-CH" sz="2000" dirty="0"/>
+              <a:t>Les outils </a:t>
+            </a:r>
+          </a:p>
+          <a:p>
+            <a:pPr marL="285750" indent="-285750">
+              <a:buFont typeface="Arial" panose="020B0604020202020204" pitchFamily="34" charset="0"/>
+              <a:buChar char="•"/>
+            </a:pPr>
+            <a:r>
+              <a:rPr lang="fr-CH" sz="2000" dirty="0"/>
+              <a:t>Un cutter </a:t>
+            </a:r>
+          </a:p>
+          <a:p>
+            <a:pPr marL="285750" indent="-285750">
+              <a:buFont typeface="Arial" panose="020B0604020202020204" pitchFamily="34" charset="0"/>
+              <a:buChar char="•"/>
+            </a:pPr>
+            <a:r>
+              <a:rPr lang="fr-CH" sz="2000" dirty="0"/>
+              <a:t>Une pince à sertir</a:t>
+            </a:r>
+          </a:p>
+          <a:p>
+            <a:pPr marL="285750" indent="-285750">
+              <a:buFont typeface="Arial" panose="020B0604020202020204" pitchFamily="34" charset="0"/>
+              <a:buChar char="•"/>
+            </a:pPr>
+            <a:r>
+              <a:rPr lang="fr-CH" sz="2000" dirty="0"/>
+              <a:t>Une pince coupante</a:t>
+            </a:r>
+          </a:p>
+          <a:p>
+            <a:pPr marL="285750" indent="-285750">
+              <a:buFont typeface="Arial" panose="020B0604020202020204" pitchFamily="34" charset="0"/>
+              <a:buChar char="•"/>
+            </a:pPr>
+            <a:r>
+              <a:rPr lang="fr-CH" sz="2000" dirty="0"/>
+              <a:t>Une règle</a:t>
+            </a:r>
+          </a:p>
+          <a:p>
+            <a:pPr marL="285750" indent="-285750">
+              <a:buFont typeface="Arial" panose="020B0604020202020204" pitchFamily="34" charset="0"/>
+              <a:buChar char="•"/>
+            </a:pPr>
+            <a:r>
+              <a:rPr lang="fr-CH" sz="2000" dirty="0"/>
+              <a:t>Une pince à dénuder</a:t>
+            </a:r>
+          </a:p>
+        </p:txBody>
+      </p:sp>
+    </p:spTree>
+    <p:extLst>
+      <p:ext uri="{BB962C8B-B14F-4D97-AF65-F5344CB8AC3E}">
+        <p14:creationId xmlns:p14="http://schemas.microsoft.com/office/powerpoint/2010/main" val="1207272401"/>
+      </p:ext>
+    </p:extLst>
+  </p:cSld>
+  <p:clrMapOvr>
+    <a:masterClrMapping/>
+  </p:clrMapOvr>
+  <p:timing>
+    <p:tnLst>
+      <p:par>
+        <p:cTn id="1" dur="indefinite" restart="never" nodeType="tmRoot"/>
+      </p:par>
+    </p:tnLst>
+  </p:timing>
 </p:sld>
 </file>
 
@@ -14272,352 +13869,6 @@
       </p:grpSpPr>
       <p:sp>
         <p:nvSpPr>
-          <p:cNvPr id="5" name="Content Placeholder 2"/>
-          <p:cNvSpPr>
-            <a:spLocks noGrp="1"/>
-          </p:cNvSpPr>
-          <p:nvPr>
-            <p:ph idx="1"/>
-          </p:nvPr>
-        </p:nvSpPr>
-        <p:spPr>
-          <a:xfrm>
-            <a:off x="326020" y="634971"/>
-            <a:ext cx="11539959" cy="510199"/>
-          </a:xfrm>
-        </p:spPr>
-        <p:txBody>
-          <a:bodyPr>
-            <a:normAutofit/>
-          </a:bodyPr>
-          <a:lstStyle/>
-          <a:p>
-            <a:pPr marL="0" indent="0">
-              <a:buNone/>
-            </a:pPr>
-            <a:r>
-              <a:rPr lang="it-IT" sz="2400" dirty="0">
-                <a:solidFill>
-                  <a:schemeClr val="tx1"/>
-                </a:solidFill>
-              </a:rPr>
-              <a:t>IEEE </a:t>
-            </a:r>
-            <a:r>
-              <a:rPr lang="it-IT" sz="2400" dirty="0">
-                <a:solidFill>
-                  <a:schemeClr val="tx1"/>
-                </a:solidFill>
-                <a:latin typeface="+mj-lt"/>
-              </a:rPr>
-              <a:t>802.3</a:t>
-            </a:r>
-            <a:endParaRPr lang="fr-CH" sz="2400" dirty="0">
-              <a:solidFill>
-                <a:schemeClr val="tx1"/>
-              </a:solidFill>
-              <a:latin typeface="+mj-lt"/>
-            </a:endParaRPr>
-          </a:p>
-        </p:txBody>
-      </p:sp>
-      <p:sp>
-        <p:nvSpPr>
-          <p:cNvPr id="6" name="Title 1"/>
-          <p:cNvSpPr>
-            <a:spLocks noGrp="1"/>
-          </p:cNvSpPr>
-          <p:nvPr>
-            <p:ph type="title"/>
-          </p:nvPr>
-        </p:nvSpPr>
-        <p:spPr>
-          <a:xfrm>
-            <a:off x="1" y="0"/>
-            <a:ext cx="1689904" cy="510199"/>
-          </a:xfrm>
-        </p:spPr>
-        <p:txBody>
-          <a:bodyPr numCol="1">
-            <a:noAutofit/>
-          </a:bodyPr>
-          <a:lstStyle/>
-          <a:p>
-            <a:pPr algn="ctr"/>
-            <a:r>
-              <a:rPr lang="fr-CH" sz="2800" dirty="0"/>
-              <a:t>NORMES</a:t>
-            </a:r>
-          </a:p>
-        </p:txBody>
-      </p:sp>
-      <p:sp>
-        <p:nvSpPr>
-          <p:cNvPr id="14" name="ZoneTexte 13">
-            <a:extLst>
-              <a:ext uri="{FF2B5EF4-FFF2-40B4-BE49-F238E27FC236}">
-                <a16:creationId xmlns:a16="http://schemas.microsoft.com/office/drawing/2014/main" xmlns="" id="{DCFCBA6D-32BF-45B9-913E-FC03E263FEB7}"/>
-              </a:ext>
-            </a:extLst>
-          </p:cNvPr>
-          <p:cNvSpPr txBox="1"/>
-          <p:nvPr/>
-        </p:nvSpPr>
-        <p:spPr>
-          <a:xfrm>
-            <a:off x="609601" y="1269942"/>
-            <a:ext cx="2974109" cy="369332"/>
-          </a:xfrm>
-          <a:prstGeom prst="rect">
-            <a:avLst/>
-          </a:prstGeom>
-          <a:noFill/>
-        </p:spPr>
-        <p:txBody>
-          <a:bodyPr wrap="square" rtlCol="0">
-            <a:spAutoFit/>
-          </a:bodyPr>
-          <a:lstStyle/>
-          <a:p>
-            <a:r>
-              <a:rPr lang="fr-CH" b="1" dirty="0">
-                <a:latin typeface="+mj-lt"/>
-              </a:rPr>
-              <a:t>Les débits :</a:t>
-            </a:r>
-          </a:p>
-        </p:txBody>
-      </p:sp>
-      <p:sp>
-        <p:nvSpPr>
-          <p:cNvPr id="15" name="ZoneTexte 14">
-            <a:extLst>
-              <a:ext uri="{FF2B5EF4-FFF2-40B4-BE49-F238E27FC236}">
-                <a16:creationId xmlns:a16="http://schemas.microsoft.com/office/drawing/2014/main" xmlns="" id="{6335B29D-0CD6-4CAA-B965-93BCC03492D8}"/>
-              </a:ext>
-            </a:extLst>
-          </p:cNvPr>
-          <p:cNvSpPr txBox="1"/>
-          <p:nvPr/>
-        </p:nvSpPr>
-        <p:spPr>
-          <a:xfrm>
-            <a:off x="942109" y="1764046"/>
-            <a:ext cx="5643418" cy="369332"/>
-          </a:xfrm>
-          <a:prstGeom prst="rect">
-            <a:avLst/>
-          </a:prstGeom>
-          <a:noFill/>
-        </p:spPr>
-        <p:txBody>
-          <a:bodyPr wrap="square" rtlCol="0">
-            <a:spAutoFit/>
-          </a:bodyPr>
-          <a:lstStyle/>
-          <a:p>
-            <a:r>
-              <a:rPr lang="fr-CH" dirty="0"/>
-              <a:t>Il existe 4 débits différents à ce jour.</a:t>
-            </a:r>
-          </a:p>
-        </p:txBody>
-      </p:sp>
-      <p:sp>
-        <p:nvSpPr>
-          <p:cNvPr id="16" name="Rectangle 15">
-            <a:extLst>
-              <a:ext uri="{FF2B5EF4-FFF2-40B4-BE49-F238E27FC236}">
-                <a16:creationId xmlns:a16="http://schemas.microsoft.com/office/drawing/2014/main" xmlns="" id="{598DB639-CD18-4A74-9FFE-C44EB01149A7}"/>
-              </a:ext>
-            </a:extLst>
-          </p:cNvPr>
-          <p:cNvSpPr/>
-          <p:nvPr/>
-        </p:nvSpPr>
-        <p:spPr>
-          <a:xfrm>
-            <a:off x="1320451" y="2258150"/>
-            <a:ext cx="5703806" cy="1701684"/>
-          </a:xfrm>
-          <a:prstGeom prst="rect">
-            <a:avLst/>
-          </a:prstGeom>
-        </p:spPr>
-        <p:txBody>
-          <a:bodyPr wrap="none">
-            <a:spAutoFit/>
-          </a:bodyPr>
-          <a:lstStyle/>
-          <a:p>
-            <a:pPr marL="285750" indent="-285750">
-              <a:lnSpc>
-                <a:spcPct val="150000"/>
-              </a:lnSpc>
-              <a:buFont typeface="Arial" panose="020B0604020202020204" pitchFamily="34" charset="0"/>
-              <a:buChar char="•"/>
-            </a:pPr>
-            <a:r>
-              <a:rPr lang="fr-CH" dirty="0">
-                <a:ea typeface="Calibri" panose="020F0502020204030204" pitchFamily="34" charset="0"/>
-                <a:cs typeface="Arial" panose="020B0604020202020204" pitchFamily="34" charset="0"/>
-              </a:rPr>
-              <a:t>Ethernet qui a un débit de 10 Mb/s,</a:t>
-            </a:r>
-          </a:p>
-          <a:p>
-            <a:pPr marL="285750" indent="-285750">
-              <a:lnSpc>
-                <a:spcPct val="150000"/>
-              </a:lnSpc>
-              <a:buFont typeface="Arial" panose="020B0604020202020204" pitchFamily="34" charset="0"/>
-              <a:buChar char="•"/>
-            </a:pPr>
-            <a:r>
-              <a:rPr lang="fr-CH" dirty="0"/>
-              <a:t>Fast Ethernet qui a un débit de 100 Mb/s,</a:t>
-            </a:r>
-          </a:p>
-          <a:p>
-            <a:pPr marL="285750" indent="-285750">
-              <a:lnSpc>
-                <a:spcPct val="150000"/>
-              </a:lnSpc>
-              <a:buFont typeface="Arial" panose="020B0604020202020204" pitchFamily="34" charset="0"/>
-              <a:buChar char="•"/>
-            </a:pPr>
-            <a:r>
-              <a:rPr lang="fr-CH" dirty="0"/>
-              <a:t>GigaEthernet qui a un débit de 1’000Mb/s et</a:t>
-            </a:r>
-          </a:p>
-          <a:p>
-            <a:pPr marL="285750" indent="-285750">
-              <a:lnSpc>
-                <a:spcPct val="150000"/>
-              </a:lnSpc>
-              <a:buFont typeface="Arial" panose="020B0604020202020204" pitchFamily="34" charset="0"/>
-              <a:buChar char="•"/>
-            </a:pPr>
-            <a:r>
-              <a:rPr lang="fr-CH" dirty="0"/>
-              <a:t>10 GigaEthernet qui a un débit de 10’000Mb/s.</a:t>
-            </a:r>
-          </a:p>
-        </p:txBody>
-      </p:sp>
-    </p:spTree>
-    <p:extLst>
-      <p:ext uri="{BB962C8B-B14F-4D97-AF65-F5344CB8AC3E}">
-        <p14:creationId xmlns:p14="http://schemas.microsoft.com/office/powerpoint/2010/main" val="743191427"/>
-      </p:ext>
-    </p:extLst>
-  </p:cSld>
-  <p:clrMapOvr>
-    <a:masterClrMapping/>
-  </p:clrMapOvr>
-</p:sld>
-</file>
-
-<file path=ppt/slides/slide35.xml><?xml version="1.0" encoding="utf-8"?>
-<p:sld xmlns:a="http://schemas.openxmlformats.org/drawingml/2006/main" xmlns:r="http://schemas.openxmlformats.org/officeDocument/2006/relationships" xmlns:p="http://schemas.openxmlformats.org/presentationml/2006/main">
-  <p:cSld>
-    <p:spTree>
-      <p:nvGrpSpPr>
-        <p:cNvPr id="1" name=""/>
-        <p:cNvGrpSpPr/>
-        <p:nvPr/>
-      </p:nvGrpSpPr>
-      <p:grpSpPr>
-        <a:xfrm>
-          <a:off x="0" y="0"/>
-          <a:ext cx="0" cy="0"/>
-          <a:chOff x="0" y="0"/>
-          <a:chExt cx="0" cy="0"/>
-        </a:xfrm>
-      </p:grpSpPr>
-      <p:sp>
-        <p:nvSpPr>
-          <p:cNvPr id="2" name="Titre 1">
-            <a:extLst>
-              <a:ext uri="{FF2B5EF4-FFF2-40B4-BE49-F238E27FC236}">
-                <a16:creationId xmlns:a16="http://schemas.microsoft.com/office/drawing/2014/main" xmlns="" id="{42B1C103-5438-4ED4-9DC3-64DAD3FD626E}"/>
-              </a:ext>
-            </a:extLst>
-          </p:cNvPr>
-          <p:cNvSpPr>
-            <a:spLocks noGrp="1"/>
-          </p:cNvSpPr>
-          <p:nvPr>
-            <p:ph type="title"/>
-          </p:nvPr>
-        </p:nvSpPr>
-        <p:spPr/>
-        <p:txBody>
-          <a:bodyPr/>
-          <a:lstStyle/>
-          <a:p>
-            <a:endParaRPr lang="fr-CH"/>
-          </a:p>
-        </p:txBody>
-      </p:sp>
-      <p:sp>
-        <p:nvSpPr>
-          <p:cNvPr id="3" name="Espace réservé du contenu 2">
-            <a:extLst>
-              <a:ext uri="{FF2B5EF4-FFF2-40B4-BE49-F238E27FC236}">
-                <a16:creationId xmlns:a16="http://schemas.microsoft.com/office/drawing/2014/main" xmlns="" id="{3BB66C46-EE36-4F98-8862-5AD66F47ABF5}"/>
-              </a:ext>
-            </a:extLst>
-          </p:cNvPr>
-          <p:cNvSpPr>
-            <a:spLocks noGrp="1"/>
-          </p:cNvSpPr>
-          <p:nvPr>
-            <p:ph idx="1"/>
-          </p:nvPr>
-        </p:nvSpPr>
-        <p:spPr/>
-        <p:txBody>
-          <a:bodyPr/>
-          <a:lstStyle/>
-          <a:p>
-            <a:endParaRPr lang="fr-CH"/>
-          </a:p>
-        </p:txBody>
-      </p:sp>
-    </p:spTree>
-    <p:extLst>
-      <p:ext uri="{BB962C8B-B14F-4D97-AF65-F5344CB8AC3E}">
-        <p14:creationId xmlns:p14="http://schemas.microsoft.com/office/powerpoint/2010/main" val="3797207043"/>
-      </p:ext>
-    </p:extLst>
-  </p:cSld>
-  <p:clrMapOvr>
-    <a:masterClrMapping/>
-  </p:clrMapOvr>
-</p:sld>
-</file>
-
-<file path=ppt/slides/slide36.xml><?xml version="1.0" encoding="utf-8"?>
-<p:sld xmlns:a="http://schemas.openxmlformats.org/drawingml/2006/main" xmlns:r="http://schemas.openxmlformats.org/officeDocument/2006/relationships" xmlns:p="http://schemas.openxmlformats.org/presentationml/2006/main">
-  <p:cSld>
-    <p:spTree>
-      <p:nvGrpSpPr>
-        <p:cNvPr id="1" name=""/>
-        <p:cNvGrpSpPr/>
-        <p:nvPr/>
-      </p:nvGrpSpPr>
-      <p:grpSpPr>
-        <a:xfrm>
-          <a:off x="0" y="0"/>
-          <a:ext cx="0" cy="0"/>
-          <a:chOff x="0" y="0"/>
-          <a:chExt cx="0" cy="0"/>
-        </a:xfrm>
-      </p:grpSpPr>
-      <p:sp>
-        <p:nvSpPr>
           <p:cNvPr id="6" name="Title 1"/>
           <p:cNvSpPr>
             <a:spLocks noGrp="1"/>
@@ -14676,209 +13927,6 @@
           <a:p>
             <a:r>
               <a:rPr lang="fr-CH" sz="2400" b="1" dirty="0"/>
-              <a:t>Préparation du matériel</a:t>
-            </a:r>
-          </a:p>
-        </p:txBody>
-      </p:sp>
-      <p:sp>
-        <p:nvSpPr>
-          <p:cNvPr id="4" name="ZoneTexte 3">
-            <a:extLst>
-              <a:ext uri="{FF2B5EF4-FFF2-40B4-BE49-F238E27FC236}">
-                <a16:creationId xmlns:a16="http://schemas.microsoft.com/office/drawing/2014/main" xmlns="" id="{FBE88C88-B8F1-497D-99A0-7069148CCDE5}"/>
-              </a:ext>
-            </a:extLst>
-          </p:cNvPr>
-          <p:cNvSpPr txBox="1"/>
-          <p:nvPr/>
-        </p:nvSpPr>
-        <p:spPr>
-          <a:xfrm>
-            <a:off x="374248" y="1514120"/>
-            <a:ext cx="6059803" cy="2862322"/>
-          </a:xfrm>
-          <a:prstGeom prst="rect">
-            <a:avLst/>
-          </a:prstGeom>
-          <a:noFill/>
-        </p:spPr>
-        <p:txBody>
-          <a:bodyPr wrap="square" rtlCol="0">
-            <a:spAutoFit/>
-          </a:bodyPr>
-          <a:lstStyle/>
-          <a:p>
-            <a:pPr marL="285750" indent="-285750">
-              <a:buFont typeface="Arial" panose="020B0604020202020204" pitchFamily="34" charset="0"/>
-              <a:buChar char="•"/>
-            </a:pPr>
-            <a:r>
-              <a:rPr lang="fr-CH" sz="2000" dirty="0"/>
-              <a:t>Du câble</a:t>
-            </a:r>
-          </a:p>
-          <a:p>
-            <a:pPr marL="285750" indent="-285750">
-              <a:buFont typeface="Arial" panose="020B0604020202020204" pitchFamily="34" charset="0"/>
-              <a:buChar char="•"/>
-            </a:pPr>
-            <a:r>
-              <a:rPr lang="fr-CH" sz="2000" dirty="0"/>
-              <a:t>Des connecteurs</a:t>
-            </a:r>
-          </a:p>
-          <a:p>
-            <a:endParaRPr lang="fr-CH" sz="2000" dirty="0"/>
-          </a:p>
-          <a:p>
-            <a:r>
-              <a:rPr lang="fr-CH" sz="2000" dirty="0"/>
-              <a:t>Les outils </a:t>
-            </a:r>
-          </a:p>
-          <a:p>
-            <a:pPr marL="285750" indent="-285750">
-              <a:buFont typeface="Arial" panose="020B0604020202020204" pitchFamily="34" charset="0"/>
-              <a:buChar char="•"/>
-            </a:pPr>
-            <a:r>
-              <a:rPr lang="fr-CH" sz="2000" dirty="0"/>
-              <a:t>Un cutter </a:t>
-            </a:r>
-          </a:p>
-          <a:p>
-            <a:pPr marL="285750" indent="-285750">
-              <a:buFont typeface="Arial" panose="020B0604020202020204" pitchFamily="34" charset="0"/>
-              <a:buChar char="•"/>
-            </a:pPr>
-            <a:r>
-              <a:rPr lang="fr-CH" sz="2000" dirty="0"/>
-              <a:t>Une pince à sertir</a:t>
-            </a:r>
-          </a:p>
-          <a:p>
-            <a:pPr marL="285750" indent="-285750">
-              <a:buFont typeface="Arial" panose="020B0604020202020204" pitchFamily="34" charset="0"/>
-              <a:buChar char="•"/>
-            </a:pPr>
-            <a:r>
-              <a:rPr lang="fr-CH" sz="2000" dirty="0"/>
-              <a:t>Une pince coupante</a:t>
-            </a:r>
-          </a:p>
-          <a:p>
-            <a:pPr marL="285750" indent="-285750">
-              <a:buFont typeface="Arial" panose="020B0604020202020204" pitchFamily="34" charset="0"/>
-              <a:buChar char="•"/>
-            </a:pPr>
-            <a:r>
-              <a:rPr lang="fr-CH" sz="2000" dirty="0"/>
-              <a:t>Une règle</a:t>
-            </a:r>
-          </a:p>
-          <a:p>
-            <a:pPr marL="285750" indent="-285750">
-              <a:buFont typeface="Arial" panose="020B0604020202020204" pitchFamily="34" charset="0"/>
-              <a:buChar char="•"/>
-            </a:pPr>
-            <a:r>
-              <a:rPr lang="fr-CH" sz="2000" dirty="0"/>
-              <a:t>Une pince à dénuder</a:t>
-            </a:r>
-          </a:p>
-        </p:txBody>
-      </p:sp>
-    </p:spTree>
-    <p:extLst>
-      <p:ext uri="{BB962C8B-B14F-4D97-AF65-F5344CB8AC3E}">
-        <p14:creationId xmlns:p14="http://schemas.microsoft.com/office/powerpoint/2010/main" val="1207272401"/>
-      </p:ext>
-    </p:extLst>
-  </p:cSld>
-  <p:clrMapOvr>
-    <a:masterClrMapping/>
-  </p:clrMapOvr>
-</p:sld>
-</file>
-
-<file path=ppt/slides/slide37.xml><?xml version="1.0" encoding="utf-8"?>
-<p:sld xmlns:a="http://schemas.openxmlformats.org/drawingml/2006/main" xmlns:r="http://schemas.openxmlformats.org/officeDocument/2006/relationships" xmlns:p="http://schemas.openxmlformats.org/presentationml/2006/main">
-  <p:cSld>
-    <p:spTree>
-      <p:nvGrpSpPr>
-        <p:cNvPr id="1" name=""/>
-        <p:cNvGrpSpPr/>
-        <p:nvPr/>
-      </p:nvGrpSpPr>
-      <p:grpSpPr>
-        <a:xfrm>
-          <a:off x="0" y="0"/>
-          <a:ext cx="0" cy="0"/>
-          <a:chOff x="0" y="0"/>
-          <a:chExt cx="0" cy="0"/>
-        </a:xfrm>
-      </p:grpSpPr>
-      <p:sp>
-        <p:nvSpPr>
-          <p:cNvPr id="6" name="Title 1"/>
-          <p:cNvSpPr>
-            <a:spLocks noGrp="1"/>
-          </p:cNvSpPr>
-          <p:nvPr>
-            <p:ph type="title"/>
-          </p:nvPr>
-        </p:nvSpPr>
-        <p:spPr>
-          <a:xfrm>
-            <a:off x="0" y="0"/>
-            <a:ext cx="2488557" cy="510199"/>
-          </a:xfrm>
-        </p:spPr>
-        <p:txBody>
-          <a:bodyPr numCol="1">
-            <a:noAutofit/>
-          </a:bodyPr>
-          <a:lstStyle/>
-          <a:p>
-            <a:pPr algn="ctr"/>
-            <a:r>
-              <a:rPr lang="fr-CH" sz="2800" dirty="0"/>
-              <a:t>FABRICATION</a:t>
-            </a:r>
-          </a:p>
-        </p:txBody>
-      </p:sp>
-      <p:sp>
-        <p:nvSpPr>
-          <p:cNvPr id="2" name="ZoneTexte 1">
-            <a:extLst>
-              <a:ext uri="{FF2B5EF4-FFF2-40B4-BE49-F238E27FC236}">
-                <a16:creationId xmlns:a16="http://schemas.microsoft.com/office/drawing/2014/main" xmlns="" id="{95A71DAD-C760-4FB1-9A97-CB83FC9A6215}"/>
-              </a:ext>
-            </a:extLst>
-          </p:cNvPr>
-          <p:cNvSpPr txBox="1"/>
-          <p:nvPr/>
-        </p:nvSpPr>
-        <p:spPr>
-          <a:xfrm>
-            <a:off x="374248" y="902826"/>
-            <a:ext cx="3940233" cy="461665"/>
-          </a:xfrm>
-          <a:prstGeom prst="rect">
-            <a:avLst/>
-          </a:prstGeom>
-          <a:noFill/>
-        </p:spPr>
-        <p:txBody>
-          <a:bodyPr wrap="square" rtlCol="0">
-            <a:spAutoFit/>
-          </a:bodyPr>
-          <a:lstStyle/>
-          <a:p>
-            <a:r>
-              <a:rPr lang="fr-CH" sz="2400" b="1" dirty="0"/>
               <a:t>Préparation du câble</a:t>
             </a:r>
           </a:p>
@@ -14938,10 +13986,17 @@
   <p:clrMapOvr>
     <a:masterClrMapping/>
   </p:clrMapOvr>
+  <p:timing>
+    <p:tnLst>
+      <p:par>
+        <p:cTn id="1" dur="indefinite" restart="never" nodeType="tmRoot"/>
+      </p:par>
+    </p:tnLst>
+  </p:timing>
 </p:sld>
 </file>
 
-<file path=ppt/slides/slide38.xml><?xml version="1.0" encoding="utf-8"?>
+<file path=ppt/slides/slide35.xml><?xml version="1.0" encoding="utf-8"?>
 <p:sld xmlns:a="http://schemas.openxmlformats.org/drawingml/2006/main" xmlns:r="http://schemas.openxmlformats.org/officeDocument/2006/relationships" xmlns:p="http://schemas.openxmlformats.org/presentationml/2006/main">
   <p:cSld>
     <p:spTree>
@@ -15104,10 +14159,17 @@
   <p:clrMapOvr>
     <a:masterClrMapping/>
   </p:clrMapOvr>
+  <p:timing>
+    <p:tnLst>
+      <p:par>
+        <p:cTn id="1" dur="indefinite" restart="never" nodeType="tmRoot"/>
+      </p:par>
+    </p:tnLst>
+  </p:timing>
 </p:sld>
 </file>
 
-<file path=ppt/slides/slide39.xml><?xml version="1.0" encoding="utf-8"?>
+<file path=ppt/slides/slide36.xml><?xml version="1.0" encoding="utf-8"?>
 <p:sld xmlns:a="http://schemas.openxmlformats.org/drawingml/2006/main" xmlns:r="http://schemas.openxmlformats.org/officeDocument/2006/relationships" xmlns:p="http://schemas.openxmlformats.org/presentationml/2006/main">
   <p:cSld>
     <p:spTree>
@@ -15203,6 +14265,13 @@
   <p:clrMapOvr>
     <a:masterClrMapping/>
   </p:clrMapOvr>
+  <p:timing>
+    <p:tnLst>
+      <p:par>
+        <p:cTn id="1" dur="indefinite" restart="never" nodeType="tmRoot"/>
+      </p:par>
+    </p:tnLst>
+  </p:timing>
 </p:sld>
 </file>
 
@@ -16917,6 +15986,13 @@
   <p:clrMapOvr>
     <a:masterClrMapping/>
   </p:clrMapOvr>
+  <p:timing>
+    <p:tnLst>
+      <p:par>
+        <p:cTn id="1" dur="indefinite" restart="never" nodeType="tmRoot"/>
+      </p:par>
+    </p:tnLst>
+  </p:timing>
 </p:sld>
 </file>
 
@@ -18453,76 +17529,131 @@
       </p:grpSpPr>
       <p:sp>
         <p:nvSpPr>
-          <p:cNvPr id="5" name="Rectangle 4"/>
-          <p:cNvSpPr/>
+          <p:cNvPr id="6" name="Rectangle 1"/>
+          <p:cNvSpPr>
+            <a:spLocks noChangeArrowheads="1"/>
+          </p:cNvSpPr>
           <p:nvPr/>
         </p:nvSpPr>
-        <p:spPr>
+        <p:spPr bwMode="auto">
           <a:xfrm>
-            <a:off x="745232" y="1082496"/>
-            <a:ext cx="5528841" cy="646331"/>
+            <a:off x="574431" y="1399530"/>
+            <a:ext cx="3575018" cy="610415"/>
           </a:xfrm>
           <a:prstGeom prst="rect">
             <a:avLst/>
           </a:prstGeom>
+          <a:noFill/>
+          <a:ln>
+            <a:noFill/>
+          </a:ln>
+          <a:effectLst/>
+          <a:extLst>
+            <a:ext uri="{909E8E84-426E-40DD-AFC4-6F175D3DCCD1}">
+              <a14:hiddenFill xmlns:a14="http://schemas.microsoft.com/office/drawing/2010/main">
+                <a:solidFill>
+                  <a:schemeClr val="accent1"/>
+                </a:solidFill>
+              </a14:hiddenFill>
+            </a:ext>
+            <a:ext uri="{91240B29-F687-4F45-9708-019B960494DF}">
+              <a14:hiddenLine xmlns:a14="http://schemas.microsoft.com/office/drawing/2010/main" w="9525">
+                <a:solidFill>
+                  <a:schemeClr val="tx1"/>
+                </a:solidFill>
+                <a:miter lim="800000"/>
+                <a:headEnd/>
+                <a:tailEnd/>
+              </a14:hiddenLine>
+            </a:ext>
+            <a:ext uri="{AF507438-7753-43E0-B8FC-AC1667EBCBE1}">
+              <a14:hiddenEffects xmlns:a14="http://schemas.microsoft.com/office/drawing/2010/main">
+                <a:effectLst>
+                  <a:outerShdw dist="35921" dir="2700000" algn="ctr" rotWithShape="0">
+                    <a:schemeClr val="bg2"/>
+                  </a:outerShdw>
+                </a:effectLst>
+              </a14:hiddenEffects>
+            </a:ext>
+          </a:extLst>
         </p:spPr>
         <p:txBody>
-          <a:bodyPr wrap="square">
+          <a:bodyPr vert="horz" wrap="none" lIns="91440" tIns="25392" rIns="91440" bIns="0" numCol="1" anchor="ctr" anchorCtr="0" compatLnSpc="1">
+            <a:prstTxWarp prst="textNoShape">
+              <a:avLst/>
+            </a:prstTxWarp>
             <a:spAutoFit/>
           </a:bodyPr>
           <a:lstStyle/>
           <a:p>
-            <a:r>
-              <a:rPr lang="fr-CH" b="1" u="sng" dirty="0"/>
-              <a:t>Comment fonctionne </a:t>
-            </a:r>
-            <a:r>
-              <a:rPr lang="fr-CH" b="1" dirty="0"/>
-              <a:t>?</a:t>
-            </a:r>
-          </a:p>
-          <a:p>
-            <a:endParaRPr lang="fr-CH" b="1" u="sng" dirty="0"/>
-          </a:p>
-        </p:txBody>
-      </p:sp>
-      <p:sp>
-        <p:nvSpPr>
-          <p:cNvPr id="8" name="Title 1"/>
-          <p:cNvSpPr>
-            <a:spLocks noGrp="1"/>
-          </p:cNvSpPr>
-          <p:nvPr>
-            <p:ph type="title"/>
-          </p:nvPr>
-        </p:nvSpPr>
-        <p:spPr>
-          <a:xfrm>
-            <a:off x="0" y="0"/>
-            <a:ext cx="4039565" cy="510199"/>
-          </a:xfrm>
-        </p:spPr>
-        <p:txBody>
-          <a:bodyPr numCol="1">
-            <a:noAutofit/>
-          </a:bodyPr>
-          <a:lstStyle/>
-          <a:p>
-            <a:pPr algn="ctr"/>
-            <a:r>
-              <a:rPr lang="fr-CH" sz="2800" dirty="0"/>
-              <a:t>La technologie PoE</a:t>
-            </a:r>
+            <a:pPr marL="0" marR="0" lvl="0" indent="0" algn="l" defTabSz="914400" rtl="0" eaLnBrk="0" fontAlgn="base" latinLnBrk="0" hangingPunct="0">
+              <a:lnSpc>
+                <a:spcPct val="100000"/>
+              </a:lnSpc>
+              <a:spcBef>
+                <a:spcPct val="0"/>
+              </a:spcBef>
+              <a:spcAft>
+                <a:spcPct val="0"/>
+              </a:spcAft>
+              <a:buClrTx/>
+              <a:buSzTx/>
+              <a:buFontTx/>
+              <a:buNone/>
+              <a:tabLst/>
+            </a:pPr>
+            <a:r>
+              <a:rPr kumimoji="0" lang="fr-CH" altLang="fr-FR" sz="2000" b="1" i="0" u="sng" strike="noStrike" cap="none" normalizeH="0" baseline="0" dirty="0">
+                <a:ln>
+                  <a:noFill/>
+                </a:ln>
+                <a:effectLst/>
+                <a:latin typeface="Century Gothic (Headings)"/>
+                <a:ea typeface="Times New Roman" panose="02020603050405020304" pitchFamily="18" charset="0"/>
+                <a:cs typeface="Times New Roman" panose="02020603050405020304" pitchFamily="18" charset="0"/>
+              </a:rPr>
+              <a:t>Les différentes classes PoE</a:t>
+            </a:r>
+          </a:p>
+          <a:p>
+            <a:pPr marL="0" marR="0" lvl="0" indent="0" algn="l" defTabSz="914400" rtl="0" eaLnBrk="0" fontAlgn="base" latinLnBrk="0" hangingPunct="0">
+              <a:lnSpc>
+                <a:spcPct val="100000"/>
+              </a:lnSpc>
+              <a:spcBef>
+                <a:spcPct val="0"/>
+              </a:spcBef>
+              <a:spcAft>
+                <a:spcPct val="0"/>
+              </a:spcAft>
+              <a:buClrTx/>
+              <a:buSzTx/>
+              <a:buFontTx/>
+              <a:buNone/>
+              <a:tabLst/>
+            </a:pPr>
+            <a:endParaRPr kumimoji="0" lang="fr-CH" altLang="fr-FR" sz="1800" b="0" i="0" u="sng" strike="noStrike" cap="none" normalizeH="0" baseline="0" dirty="0">
+              <a:ln>
+                <a:noFill/>
+              </a:ln>
+              <a:solidFill>
+                <a:schemeClr val="tx1"/>
+              </a:solidFill>
+              <a:effectLst/>
+              <a:latin typeface="Arial" panose="020B0604020202020204" pitchFamily="34" charset="0"/>
+            </a:endParaRPr>
           </a:p>
         </p:txBody>
       </p:sp>
       <p:pic>
         <p:nvPicPr>
-          <p:cNvPr id="2" name="Picture 1"/>
+          <p:cNvPr id="11" name="Content Placeholder 10"/>
           <p:cNvPicPr>
-            <a:picLocks noChangeAspect="1"/>
+            <a:picLocks noGrp="1" noChangeAspect="1"/>
           </p:cNvPicPr>
-          <p:nvPr/>
+          <p:nvPr>
+            <p:ph idx="1"/>
+          </p:nvPr>
         </p:nvPicPr>
         <p:blipFill rotWithShape="1">
           <a:blip r:embed="rId2">
@@ -18532,52 +17663,50 @@
               </a:ext>
             </a:extLst>
           </a:blip>
-          <a:srcRect l="4053" r="2726"/>
+          <a:srcRect l="1295" t="4786" r="1353" b="4831"/>
           <a:stretch/>
         </p:blipFill>
         <p:spPr>
           <a:xfrm>
-            <a:off x="818384" y="1865988"/>
-            <a:ext cx="5662246" cy="4178838"/>
+            <a:off x="890955" y="2237167"/>
+            <a:ext cx="10305568" cy="3202342"/>
           </a:xfrm>
-          <a:prstGeom prst="rect">
-            <a:avLst/>
-          </a:prstGeom>
         </p:spPr>
       </p:pic>
-      <p:pic>
-        <p:nvPicPr>
-          <p:cNvPr id="4" name="Picture 3"/>
-          <p:cNvPicPr>
-            <a:picLocks noChangeAspect="1"/>
-          </p:cNvPicPr>
-          <p:nvPr/>
-        </p:nvPicPr>
-        <p:blipFill rotWithShape="1">
-          <a:blip r:embed="rId3">
-            <a:extLst>
-              <a:ext uri="{28A0092B-C50C-407E-A947-70E740481C1C}">
-                <a14:useLocalDpi xmlns:a14="http://schemas.microsoft.com/office/drawing/2010/main" val="0"/>
-              </a:ext>
-            </a:extLst>
-          </a:blip>
-          <a:srcRect l="7842" r="10044"/>
-          <a:stretch/>
-        </p:blipFill>
+      <p:sp>
+        <p:nvSpPr>
+          <p:cNvPr id="12" name="Title 1"/>
+          <p:cNvSpPr>
+            <a:spLocks noGrp="1"/>
+          </p:cNvSpPr>
+          <p:nvPr>
+            <p:ph type="title"/>
+          </p:nvPr>
+        </p:nvSpPr>
         <p:spPr>
           <a:xfrm>
-            <a:off x="7323875" y="1865988"/>
-            <a:ext cx="4173416" cy="4178839"/>
+            <a:off x="0" y="0"/>
+            <a:ext cx="4039565" cy="510199"/>
           </a:xfrm>
-          <a:prstGeom prst="rect">
-            <a:avLst/>
-          </a:prstGeom>
         </p:spPr>
-      </p:pic>
+        <p:txBody>
+          <a:bodyPr numCol="1">
+            <a:noAutofit/>
+          </a:bodyPr>
+          <a:lstStyle/>
+          <a:p>
+            <a:pPr algn="ctr"/>
+            <a:r>
+              <a:rPr lang="fr-CH" sz="2800" dirty="0"/>
+              <a:t>La technologie PoE</a:t>
+            </a:r>
+          </a:p>
+        </p:txBody>
+      </p:sp>
     </p:spTree>
     <p:extLst>
       <p:ext uri="{BB962C8B-B14F-4D97-AF65-F5344CB8AC3E}">
-        <p14:creationId xmlns:p14="http://schemas.microsoft.com/office/powerpoint/2010/main" val="3163419319"/>
+        <p14:creationId xmlns:p14="http://schemas.microsoft.com/office/powerpoint/2010/main" val="1308374156"/>
       </p:ext>
     </p:extLst>
   </p:cSld>
@@ -18618,7 +17747,7 @@
                                           </p:stCondLst>
                                         </p:cTn>
                                         <p:tgtEl>
-                                          <p:spTgt spid="5"/>
+                                          <p:spTgt spid="6"/>
                                         </p:tgtEl>
                                         <p:attrNameLst>
                                           <p:attrName>style.visibility</p:attrName>
@@ -18632,7 +17761,7 @@
                                       <p:cBhvr>
                                         <p:cTn id="7" dur="500"/>
                                         <p:tgtEl>
-                                          <p:spTgt spid="5"/>
+                                          <p:spTgt spid="6"/>
                                         </p:tgtEl>
                                       </p:cBhvr>
                                     </p:animEffect>
@@ -18671,7 +17800,7 @@
                                           </p:stCondLst>
                                         </p:cTn>
                                         <p:tgtEl>
-                                          <p:spTgt spid="2"/>
+                                          <p:spTgt spid="11"/>
                                         </p:tgtEl>
                                         <p:attrNameLst>
                                           <p:attrName>style.visibility</p:attrName>
@@ -18685,60 +17814,7 @@
                                       <p:cBhvr>
                                         <p:cTn id="12" dur="500"/>
                                         <p:tgtEl>
-                                          <p:spTgt spid="2"/>
-                                        </p:tgtEl>
-                                      </p:cBhvr>
-                                    </p:animEffect>
-                                  </p:childTnLst>
-                                </p:cTn>
-                              </p:par>
-                            </p:childTnLst>
-                          </p:cTn>
-                        </p:par>
-                      </p:childTnLst>
-                    </p:cTn>
-                  </p:par>
-                  <p:par>
-                    <p:cTn id="13" fill="hold">
-                      <p:stCondLst>
-                        <p:cond delay="indefinite"/>
-                      </p:stCondLst>
-                      <p:childTnLst>
-                        <p:par>
-                          <p:cTn id="14" fill="hold">
-                            <p:stCondLst>
-                              <p:cond delay="0"/>
-                            </p:stCondLst>
-                            <p:childTnLst>
-                              <p:par>
-                                <p:cTn id="15" presetID="10" presetClass="entr" presetSubtype="0" fill="hold" nodeType="clickEffect">
-                                  <p:stCondLst>
-                                    <p:cond delay="0"/>
-                                  </p:stCondLst>
-                                  <p:childTnLst>
-                                    <p:set>
-                                      <p:cBhvr>
-                                        <p:cTn id="16" dur="1" fill="hold">
-                                          <p:stCondLst>
-                                            <p:cond delay="0"/>
-                                          </p:stCondLst>
-                                        </p:cTn>
-                                        <p:tgtEl>
-                                          <p:spTgt spid="4"/>
-                                        </p:tgtEl>
-                                        <p:attrNameLst>
-                                          <p:attrName>style.visibility</p:attrName>
-                                        </p:attrNameLst>
-                                      </p:cBhvr>
-                                      <p:to>
-                                        <p:strVal val="visible"/>
-                                      </p:to>
-                                    </p:set>
-                                    <p:animEffect transition="in" filter="fade">
-                                      <p:cBhvr>
-                                        <p:cTn id="17" dur="500"/>
-                                        <p:tgtEl>
-                                          <p:spTgt spid="4"/>
+                                          <p:spTgt spid="11"/>
                                         </p:tgtEl>
                                       </p:cBhvr>
                                     </p:animEffect>
@@ -18773,7 +17849,7 @@
       </p:par>
     </p:tnLst>
     <p:bldLst>
-      <p:bldP spid="5" grpId="0"/>
+      <p:bldP spid="6" grpId="0"/>
     </p:bldLst>
   </p:timing>
 </p:sld>

--- a/Module 214 - Fabrication_Ethernet.pptx
+++ b/Module 214 - Fabrication_Ethernet.pptx
@@ -40,7 +40,10 @@
     <p:sldId id="264" r:id="rId34"/>
     <p:sldId id="310" r:id="rId35"/>
     <p:sldId id="311" r:id="rId36"/>
-    <p:sldId id="265" r:id="rId37"/>
+    <p:sldId id="315" r:id="rId37"/>
+    <p:sldId id="316" r:id="rId38"/>
+    <p:sldId id="317" r:id="rId39"/>
+    <p:sldId id="265" r:id="rId40"/>
   </p:sldIdLst>
   <p:sldSz cx="12192000" cy="6858000"/>
   <p:notesSz cx="6858000" cy="9144000"/>
@@ -179,6 +182,9 @@
             <p14:sldId id="264"/>
             <p14:sldId id="310"/>
             <p14:sldId id="311"/>
+            <p14:sldId id="315"/>
+            <p14:sldId id="316"/>
+            <p14:sldId id="317"/>
             <p14:sldId id="265"/>
           </p14:sldIdLst>
         </p14:section>
@@ -382,7 +388,7 @@
           <a:p>
             <a:fld id="{D406E69D-613E-4019-8533-7F772451DAA2}" type="datetimeFigureOut">
               <a:rPr lang="fr-CH" smtClean="0"/>
-              <a:t>29.04.2019</a:t>
+              <a:t>02.05.2019</a:t>
             </a:fld>
             <a:endParaRPr lang="fr-CH"/>
           </a:p>
@@ -424,7 +430,7 @@
           <a:p>
             <a:fld id="{CE6FAF98-85C3-4CED-96AD-EC23129ABD35}" type="slidenum">
               <a:rPr lang="fr-CH" smtClean="0"/>
-              <a:t>‹#›</a:t>
+              <a:t>‹N°›</a:t>
             </a:fld>
             <a:endParaRPr lang="fr-CH"/>
           </a:p>
@@ -818,7 +824,7 @@
           <a:p>
             <a:fld id="{D406E69D-613E-4019-8533-7F772451DAA2}" type="datetimeFigureOut">
               <a:rPr lang="fr-CH" smtClean="0"/>
-              <a:t>29.04.2019</a:t>
+              <a:t>02.05.2019</a:t>
             </a:fld>
             <a:endParaRPr lang="fr-CH"/>
           </a:p>
@@ -860,7 +866,7 @@
           <a:p>
             <a:fld id="{CE6FAF98-85C3-4CED-96AD-EC23129ABD35}" type="slidenum">
               <a:rPr lang="fr-CH" smtClean="0"/>
-              <a:t>‹#›</a:t>
+              <a:t>‹N°›</a:t>
             </a:fld>
             <a:endParaRPr lang="fr-CH"/>
           </a:p>
@@ -1068,7 +1074,7 @@
           <a:p>
             <a:fld id="{D406E69D-613E-4019-8533-7F772451DAA2}" type="datetimeFigureOut">
               <a:rPr lang="fr-CH" smtClean="0"/>
-              <a:t>29.04.2019</a:t>
+              <a:t>02.05.2019</a:t>
             </a:fld>
             <a:endParaRPr lang="fr-CH"/>
           </a:p>
@@ -1110,7 +1116,7 @@
           <a:p>
             <a:fld id="{CE6FAF98-85C3-4CED-96AD-EC23129ABD35}" type="slidenum">
               <a:rPr lang="fr-CH" smtClean="0"/>
-              <a:t>‹#›</a:t>
+              <a:t>‹N°›</a:t>
             </a:fld>
             <a:endParaRPr lang="fr-CH"/>
           </a:p>
@@ -1376,7 +1382,7 @@
           <a:p>
             <a:fld id="{D406E69D-613E-4019-8533-7F772451DAA2}" type="datetimeFigureOut">
               <a:rPr lang="fr-CH" smtClean="0"/>
-              <a:t>29.04.2019</a:t>
+              <a:t>02.05.2019</a:t>
             </a:fld>
             <a:endParaRPr lang="fr-CH"/>
           </a:p>
@@ -1418,7 +1424,7 @@
           <a:p>
             <a:fld id="{CE6FAF98-85C3-4CED-96AD-EC23129ABD35}" type="slidenum">
               <a:rPr lang="fr-CH" smtClean="0"/>
-              <a:t>‹#›</a:t>
+              <a:t>‹N°›</a:t>
             </a:fld>
             <a:endParaRPr lang="fr-CH"/>
           </a:p>
@@ -1694,7 +1700,7 @@
           <a:p>
             <a:fld id="{D406E69D-613E-4019-8533-7F772451DAA2}" type="datetimeFigureOut">
               <a:rPr lang="fr-CH" smtClean="0"/>
-              <a:t>29.04.2019</a:t>
+              <a:t>02.05.2019</a:t>
             </a:fld>
             <a:endParaRPr lang="fr-CH"/>
           </a:p>
@@ -1736,7 +1742,7 @@
           <a:p>
             <a:fld id="{CE6FAF98-85C3-4CED-96AD-EC23129ABD35}" type="slidenum">
               <a:rPr lang="fr-CH" smtClean="0"/>
-              <a:t>‹#›</a:t>
+              <a:t>‹N°›</a:t>
             </a:fld>
             <a:endParaRPr lang="fr-CH"/>
           </a:p>
@@ -1996,7 +2002,7 @@
           <a:p>
             <a:fld id="{D406E69D-613E-4019-8533-7F772451DAA2}" type="datetimeFigureOut">
               <a:rPr lang="fr-CH" smtClean="0"/>
-              <a:t>29.04.2019</a:t>
+              <a:t>02.05.2019</a:t>
             </a:fld>
             <a:endParaRPr lang="fr-CH"/>
           </a:p>
@@ -2038,7 +2044,7 @@
           <a:p>
             <a:fld id="{CE6FAF98-85C3-4CED-96AD-EC23129ABD35}" type="slidenum">
               <a:rPr lang="fr-CH" smtClean="0"/>
-              <a:t>‹#›</a:t>
+              <a:t>‹N°›</a:t>
             </a:fld>
             <a:endParaRPr lang="fr-CH"/>
           </a:p>
@@ -2363,7 +2369,7 @@
           <a:p>
             <a:fld id="{D406E69D-613E-4019-8533-7F772451DAA2}" type="datetimeFigureOut">
               <a:rPr lang="fr-CH" smtClean="0"/>
-              <a:t>29.04.2019</a:t>
+              <a:t>02.05.2019</a:t>
             </a:fld>
             <a:endParaRPr lang="fr-CH"/>
           </a:p>
@@ -2405,7 +2411,7 @@
           <a:p>
             <a:fld id="{CE6FAF98-85C3-4CED-96AD-EC23129ABD35}" type="slidenum">
               <a:rPr lang="fr-CH" smtClean="0"/>
-              <a:t>‹#›</a:t>
+              <a:t>‹N°›</a:t>
             </a:fld>
             <a:endParaRPr lang="fr-CH"/>
           </a:p>
@@ -2537,7 +2543,7 @@
           <a:p>
             <a:fld id="{D406E69D-613E-4019-8533-7F772451DAA2}" type="datetimeFigureOut">
               <a:rPr lang="fr-CH" smtClean="0"/>
-              <a:t>29.04.2019</a:t>
+              <a:t>02.05.2019</a:t>
             </a:fld>
             <a:endParaRPr lang="fr-CH"/>
           </a:p>
@@ -2579,7 +2585,7 @@
           <a:p>
             <a:fld id="{CE6FAF98-85C3-4CED-96AD-EC23129ABD35}" type="slidenum">
               <a:rPr lang="fr-CH" smtClean="0"/>
-              <a:t>‹#›</a:t>
+              <a:t>‹N°›</a:t>
             </a:fld>
             <a:endParaRPr lang="fr-CH"/>
           </a:p>
@@ -2717,7 +2723,7 @@
           <a:p>
             <a:fld id="{D406E69D-613E-4019-8533-7F772451DAA2}" type="datetimeFigureOut">
               <a:rPr lang="fr-CH" smtClean="0"/>
-              <a:t>29.04.2019</a:t>
+              <a:t>02.05.2019</a:t>
             </a:fld>
             <a:endParaRPr lang="fr-CH"/>
           </a:p>
@@ -2759,7 +2765,7 @@
           <a:p>
             <a:fld id="{CE6FAF98-85C3-4CED-96AD-EC23129ABD35}" type="slidenum">
               <a:rPr lang="fr-CH" smtClean="0"/>
-              <a:t>‹#›</a:t>
+              <a:t>‹N°›</a:t>
             </a:fld>
             <a:endParaRPr lang="fr-CH"/>
           </a:p>
@@ -2887,7 +2893,7 @@
           <a:p>
             <a:fld id="{D406E69D-613E-4019-8533-7F772451DAA2}" type="datetimeFigureOut">
               <a:rPr lang="fr-CH" smtClean="0"/>
-              <a:t>29.04.2019</a:t>
+              <a:t>02.05.2019</a:t>
             </a:fld>
             <a:endParaRPr lang="fr-CH"/>
           </a:p>
@@ -2929,7 +2935,7 @@
           <a:p>
             <a:fld id="{CE6FAF98-85C3-4CED-96AD-EC23129ABD35}" type="slidenum">
               <a:rPr lang="fr-CH" smtClean="0"/>
-              <a:t>‹#›</a:t>
+              <a:t>‹N°›</a:t>
             </a:fld>
             <a:endParaRPr lang="fr-CH"/>
           </a:p>
@@ -3137,7 +3143,7 @@
           <a:p>
             <a:fld id="{D406E69D-613E-4019-8533-7F772451DAA2}" type="datetimeFigureOut">
               <a:rPr lang="fr-CH" smtClean="0"/>
-              <a:t>29.04.2019</a:t>
+              <a:t>02.05.2019</a:t>
             </a:fld>
             <a:endParaRPr lang="fr-CH"/>
           </a:p>
@@ -3179,7 +3185,7 @@
           <a:p>
             <a:fld id="{CE6FAF98-85C3-4CED-96AD-EC23129ABD35}" type="slidenum">
               <a:rPr lang="fr-CH" smtClean="0"/>
-              <a:t>‹#›</a:t>
+              <a:t>‹N°›</a:t>
             </a:fld>
             <a:endParaRPr lang="fr-CH"/>
           </a:p>
@@ -3373,7 +3379,7 @@
           <a:p>
             <a:fld id="{D406E69D-613E-4019-8533-7F772451DAA2}" type="datetimeFigureOut">
               <a:rPr lang="fr-CH" smtClean="0"/>
-              <a:t>29.04.2019</a:t>
+              <a:t>02.05.2019</a:t>
             </a:fld>
             <a:endParaRPr lang="fr-CH"/>
           </a:p>
@@ -3415,7 +3421,7 @@
           <a:p>
             <a:fld id="{CE6FAF98-85C3-4CED-96AD-EC23129ABD35}" type="slidenum">
               <a:rPr lang="fr-CH" smtClean="0"/>
-              <a:t>‹#›</a:t>
+              <a:t>‹N°›</a:t>
             </a:fld>
             <a:endParaRPr lang="fr-CH"/>
           </a:p>
@@ -3755,7 +3761,7 @@
           <a:p>
             <a:fld id="{D406E69D-613E-4019-8533-7F772451DAA2}" type="datetimeFigureOut">
               <a:rPr lang="fr-CH" smtClean="0"/>
-              <a:t>29.04.2019</a:t>
+              <a:t>02.05.2019</a:t>
             </a:fld>
             <a:endParaRPr lang="fr-CH"/>
           </a:p>
@@ -3797,7 +3803,7 @@
           <a:p>
             <a:fld id="{CE6FAF98-85C3-4CED-96AD-EC23129ABD35}" type="slidenum">
               <a:rPr lang="fr-CH" smtClean="0"/>
-              <a:t>‹#›</a:t>
+              <a:t>‹N°›</a:t>
             </a:fld>
             <a:endParaRPr lang="fr-CH"/>
           </a:p>
@@ -3873,7 +3879,7 @@
           <a:p>
             <a:fld id="{D406E69D-613E-4019-8533-7F772451DAA2}" type="datetimeFigureOut">
               <a:rPr lang="fr-CH" smtClean="0"/>
-              <a:t>29.04.2019</a:t>
+              <a:t>02.05.2019</a:t>
             </a:fld>
             <a:endParaRPr lang="fr-CH"/>
           </a:p>
@@ -3915,7 +3921,7 @@
           <a:p>
             <a:fld id="{CE6FAF98-85C3-4CED-96AD-EC23129ABD35}" type="slidenum">
               <a:rPr lang="fr-CH" smtClean="0"/>
-              <a:t>‹#›</a:t>
+              <a:t>‹N°›</a:t>
             </a:fld>
             <a:endParaRPr lang="fr-CH"/>
           </a:p>
@@ -3968,7 +3974,7 @@
           <a:p>
             <a:fld id="{D406E69D-613E-4019-8533-7F772451DAA2}" type="datetimeFigureOut">
               <a:rPr lang="fr-CH" smtClean="0"/>
-              <a:t>29.04.2019</a:t>
+              <a:t>02.05.2019</a:t>
             </a:fld>
             <a:endParaRPr lang="fr-CH"/>
           </a:p>
@@ -4010,7 +4016,7 @@
           <a:p>
             <a:fld id="{CE6FAF98-85C3-4CED-96AD-EC23129ABD35}" type="slidenum">
               <a:rPr lang="fr-CH" smtClean="0"/>
-              <a:t>‹#›</a:t>
+              <a:t>‹N°›</a:t>
             </a:fld>
             <a:endParaRPr lang="fr-CH"/>
           </a:p>
@@ -4223,7 +4229,7 @@
           <a:p>
             <a:fld id="{D406E69D-613E-4019-8533-7F772451DAA2}" type="datetimeFigureOut">
               <a:rPr lang="fr-CH" smtClean="0"/>
-              <a:t>29.04.2019</a:t>
+              <a:t>02.05.2019</a:t>
             </a:fld>
             <a:endParaRPr lang="fr-CH"/>
           </a:p>
@@ -4265,7 +4271,7 @@
           <a:p>
             <a:fld id="{CE6FAF98-85C3-4CED-96AD-EC23129ABD35}" type="slidenum">
               <a:rPr lang="fr-CH" smtClean="0"/>
-              <a:t>‹#›</a:t>
+              <a:t>‹N°›</a:t>
             </a:fld>
             <a:endParaRPr lang="fr-CH"/>
           </a:p>
@@ -4506,7 +4512,7 @@
           <a:p>
             <a:fld id="{D406E69D-613E-4019-8533-7F772451DAA2}" type="datetimeFigureOut">
               <a:rPr lang="fr-CH" smtClean="0"/>
-              <a:t>29.04.2019</a:t>
+              <a:t>02.05.2019</a:t>
             </a:fld>
             <a:endParaRPr lang="fr-CH"/>
           </a:p>
@@ -4548,7 +4554,7 @@
           <a:p>
             <a:fld id="{CE6FAF98-85C3-4CED-96AD-EC23129ABD35}" type="slidenum">
               <a:rPr lang="fr-CH" smtClean="0"/>
-              <a:t>‹#›</a:t>
+              <a:t>‹N°›</a:t>
             </a:fld>
             <a:endParaRPr lang="fr-CH"/>
           </a:p>
@@ -4912,7 +4918,7 @@
           <a:p>
             <a:fld id="{D406E69D-613E-4019-8533-7F772451DAA2}" type="datetimeFigureOut">
               <a:rPr lang="fr-CH" smtClean="0"/>
-              <a:t>29.04.2019</a:t>
+              <a:t>02.05.2019</a:t>
             </a:fld>
             <a:endParaRPr lang="fr-CH"/>
           </a:p>
@@ -4994,7 +5000,7 @@
           <a:p>
             <a:fld id="{CE6FAF98-85C3-4CED-96AD-EC23129ABD35}" type="slidenum">
               <a:rPr lang="fr-CH" smtClean="0"/>
-              <a:t>‹#›</a:t>
+              <a:t>‹N°›</a:t>
             </a:fld>
             <a:endParaRPr lang="fr-CH"/>
           </a:p>
@@ -9140,7 +9146,7 @@
           <p:cNvPr id="5" name="Content Placeholder 2">
             <a:extLst>
               <a:ext uri="{FF2B5EF4-FFF2-40B4-BE49-F238E27FC236}">
-                <a16:creationId xmlns:a16="http://schemas.microsoft.com/office/drawing/2014/main" xmlns="" id="{F8CDF8D4-22A3-4F52-B3A1-BDF90524C006}"/>
+                <a16:creationId xmlns:a16="http://schemas.microsoft.com/office/drawing/2014/main" id="{F8CDF8D4-22A3-4F52-B3A1-BDF90524C006}"/>
               </a:ext>
             </a:extLst>
           </p:cNvPr>
@@ -9407,7 +9413,7 @@
           <p:cNvPr id="6" name="Content Placeholder 2">
             <a:extLst>
               <a:ext uri="{FF2B5EF4-FFF2-40B4-BE49-F238E27FC236}">
-                <a16:creationId xmlns:a16="http://schemas.microsoft.com/office/drawing/2014/main" xmlns="" id="{8D58F6CE-D1F4-48B3-95BD-E6A6BBA27883}"/>
+                <a16:creationId xmlns:a16="http://schemas.microsoft.com/office/drawing/2014/main" id="{8D58F6CE-D1F4-48B3-95BD-E6A6BBA27883}"/>
               </a:ext>
             </a:extLst>
           </p:cNvPr>
@@ -10105,7 +10111,7 @@
           <p:cNvPr id="4" name="Title 1">
             <a:extLst>
               <a:ext uri="{FF2B5EF4-FFF2-40B4-BE49-F238E27FC236}">
-                <a16:creationId xmlns:a16="http://schemas.microsoft.com/office/drawing/2014/main" xmlns="" id="{02619F9C-EB8C-47C2-8D51-281BE6C9E803}"/>
+                <a16:creationId xmlns:a16="http://schemas.microsoft.com/office/drawing/2014/main" id="{02619F9C-EB8C-47C2-8D51-281BE6C9E803}"/>
               </a:ext>
             </a:extLst>
           </p:cNvPr>
@@ -10218,7 +10224,7 @@
           <p:cNvPr id="9" name="Image 8">
             <a:extLst>
               <a:ext uri="{FF2B5EF4-FFF2-40B4-BE49-F238E27FC236}">
-                <a16:creationId xmlns:a16="http://schemas.microsoft.com/office/drawing/2014/main" xmlns="" id="{581026FC-1090-4023-909F-15FCFF27EEA7}"/>
+                <a16:creationId xmlns:a16="http://schemas.microsoft.com/office/drawing/2014/main" id="{581026FC-1090-4023-909F-15FCFF27EEA7}"/>
               </a:ext>
             </a:extLst>
           </p:cNvPr>
@@ -10278,7 +10284,7 @@
           <p:cNvPr id="4" name="Title 1">
             <a:extLst>
               <a:ext uri="{FF2B5EF4-FFF2-40B4-BE49-F238E27FC236}">
-                <a16:creationId xmlns:a16="http://schemas.microsoft.com/office/drawing/2014/main" xmlns="" id="{02619F9C-EB8C-47C2-8D51-281BE6C9E803}"/>
+                <a16:creationId xmlns:a16="http://schemas.microsoft.com/office/drawing/2014/main" id="{02619F9C-EB8C-47C2-8D51-281BE6C9E803}"/>
               </a:ext>
             </a:extLst>
           </p:cNvPr>
@@ -10391,7 +10397,7 @@
           <p:cNvPr id="2" name="ZoneTexte 1">
             <a:extLst>
               <a:ext uri="{FF2B5EF4-FFF2-40B4-BE49-F238E27FC236}">
-                <a16:creationId xmlns:a16="http://schemas.microsoft.com/office/drawing/2014/main" xmlns="" id="{08E408DC-C551-47B5-8C33-FA0FF463FB0C}"/>
+                <a16:creationId xmlns:a16="http://schemas.microsoft.com/office/drawing/2014/main" id="{08E408DC-C551-47B5-8C33-FA0FF463FB0C}"/>
               </a:ext>
             </a:extLst>
           </p:cNvPr>
@@ -10431,7 +10437,7 @@
           <p:cNvPr id="5" name="Picture 14" descr="C:\Users\wmeisen\AppData\Local\Microsoft\Windows\INetCache\Content.MSO\A42E0746.tmp">
             <a:extLst>
               <a:ext uri="{FF2B5EF4-FFF2-40B4-BE49-F238E27FC236}">
-                <a16:creationId xmlns:a16="http://schemas.microsoft.com/office/drawing/2014/main" xmlns="" id="{DB87F8D8-06EF-4D76-BC3D-CB6B00B6B72E}"/>
+                <a16:creationId xmlns:a16="http://schemas.microsoft.com/office/drawing/2014/main" id="{DB87F8D8-06EF-4D76-BC3D-CB6B00B6B72E}"/>
               </a:ext>
             </a:extLst>
           </p:cNvPr>
@@ -10500,7 +10506,7 @@
           <p:cNvPr id="4" name="Title 1">
             <a:extLst>
               <a:ext uri="{FF2B5EF4-FFF2-40B4-BE49-F238E27FC236}">
-                <a16:creationId xmlns:a16="http://schemas.microsoft.com/office/drawing/2014/main" xmlns="" id="{02619F9C-EB8C-47C2-8D51-281BE6C9E803}"/>
+                <a16:creationId xmlns:a16="http://schemas.microsoft.com/office/drawing/2014/main" id="{02619F9C-EB8C-47C2-8D51-281BE6C9E803}"/>
               </a:ext>
             </a:extLst>
           </p:cNvPr>
@@ -10613,7 +10619,7 @@
           <p:cNvPr id="2" name="ZoneTexte 1">
             <a:extLst>
               <a:ext uri="{FF2B5EF4-FFF2-40B4-BE49-F238E27FC236}">
-                <a16:creationId xmlns:a16="http://schemas.microsoft.com/office/drawing/2014/main" xmlns="" id="{08E408DC-C551-47B5-8C33-FA0FF463FB0C}"/>
+                <a16:creationId xmlns:a16="http://schemas.microsoft.com/office/drawing/2014/main" id="{08E408DC-C551-47B5-8C33-FA0FF463FB0C}"/>
               </a:ext>
             </a:extLst>
           </p:cNvPr>
@@ -10653,7 +10659,7 @@
           <p:cNvPr id="6" name="Picture 16" descr="RÃ©sultat de recherche d'images pour &quot;paire torsadÃ©e F/UTP&quot;">
             <a:extLst>
               <a:ext uri="{FF2B5EF4-FFF2-40B4-BE49-F238E27FC236}">
-                <a16:creationId xmlns:a16="http://schemas.microsoft.com/office/drawing/2014/main" xmlns="" id="{2BCB4FA7-7321-47D4-A2CA-C79743355770}"/>
+                <a16:creationId xmlns:a16="http://schemas.microsoft.com/office/drawing/2014/main" id="{2BCB4FA7-7321-47D4-A2CA-C79743355770}"/>
               </a:ext>
             </a:extLst>
           </p:cNvPr>
@@ -10722,7 +10728,7 @@
           <p:cNvPr id="4" name="Title 1">
             <a:extLst>
               <a:ext uri="{FF2B5EF4-FFF2-40B4-BE49-F238E27FC236}">
-                <a16:creationId xmlns:a16="http://schemas.microsoft.com/office/drawing/2014/main" xmlns="" id="{02619F9C-EB8C-47C2-8D51-281BE6C9E803}"/>
+                <a16:creationId xmlns:a16="http://schemas.microsoft.com/office/drawing/2014/main" id="{02619F9C-EB8C-47C2-8D51-281BE6C9E803}"/>
               </a:ext>
             </a:extLst>
           </p:cNvPr>
@@ -10835,7 +10841,7 @@
           <p:cNvPr id="2" name="ZoneTexte 1">
             <a:extLst>
               <a:ext uri="{FF2B5EF4-FFF2-40B4-BE49-F238E27FC236}">
-                <a16:creationId xmlns:a16="http://schemas.microsoft.com/office/drawing/2014/main" xmlns="" id="{08E408DC-C551-47B5-8C33-FA0FF463FB0C}"/>
+                <a16:creationId xmlns:a16="http://schemas.microsoft.com/office/drawing/2014/main" id="{08E408DC-C551-47B5-8C33-FA0FF463FB0C}"/>
               </a:ext>
             </a:extLst>
           </p:cNvPr>
@@ -10884,7 +10890,7 @@
           <p:cNvPr id="5" name="Picture 17" descr="RÃ©sultat de recherche d'images pour &quot;paire torsadÃ©e U/FTP&quot;">
             <a:extLst>
               <a:ext uri="{FF2B5EF4-FFF2-40B4-BE49-F238E27FC236}">
-                <a16:creationId xmlns:a16="http://schemas.microsoft.com/office/drawing/2014/main" xmlns="" id="{C285CD3B-FCE6-4B9F-ADED-4D7689EB7309}"/>
+                <a16:creationId xmlns:a16="http://schemas.microsoft.com/office/drawing/2014/main" id="{C285CD3B-FCE6-4B9F-ADED-4D7689EB7309}"/>
               </a:ext>
             </a:extLst>
           </p:cNvPr>
@@ -10953,7 +10959,7 @@
           <p:cNvPr id="4" name="Title 1">
             <a:extLst>
               <a:ext uri="{FF2B5EF4-FFF2-40B4-BE49-F238E27FC236}">
-                <a16:creationId xmlns:a16="http://schemas.microsoft.com/office/drawing/2014/main" xmlns="" id="{02619F9C-EB8C-47C2-8D51-281BE6C9E803}"/>
+                <a16:creationId xmlns:a16="http://schemas.microsoft.com/office/drawing/2014/main" id="{02619F9C-EB8C-47C2-8D51-281BE6C9E803}"/>
               </a:ext>
             </a:extLst>
           </p:cNvPr>
@@ -11066,7 +11072,7 @@
           <p:cNvPr id="2" name="ZoneTexte 1">
             <a:extLst>
               <a:ext uri="{FF2B5EF4-FFF2-40B4-BE49-F238E27FC236}">
-                <a16:creationId xmlns:a16="http://schemas.microsoft.com/office/drawing/2014/main" xmlns="" id="{08E408DC-C551-47B5-8C33-FA0FF463FB0C}"/>
+                <a16:creationId xmlns:a16="http://schemas.microsoft.com/office/drawing/2014/main" id="{08E408DC-C551-47B5-8C33-FA0FF463FB0C}"/>
               </a:ext>
             </a:extLst>
           </p:cNvPr>
@@ -11115,7 +11121,7 @@
           <p:cNvPr id="6" name="Picture 18" descr="RÃ©sultat de recherche d'images pour &quot;paire torsadÃ©e U/FTP&quot;">
             <a:extLst>
               <a:ext uri="{FF2B5EF4-FFF2-40B4-BE49-F238E27FC236}">
-                <a16:creationId xmlns:a16="http://schemas.microsoft.com/office/drawing/2014/main" xmlns="" id="{9D8E18DB-E786-4429-9285-47D633DE094F}"/>
+                <a16:creationId xmlns:a16="http://schemas.microsoft.com/office/drawing/2014/main" id="{9D8E18DB-E786-4429-9285-47D633DE094F}"/>
               </a:ext>
             </a:extLst>
           </p:cNvPr>
@@ -11184,7 +11190,7 @@
           <p:cNvPr id="4" name="Title 1">
             <a:extLst>
               <a:ext uri="{FF2B5EF4-FFF2-40B4-BE49-F238E27FC236}">
-                <a16:creationId xmlns:a16="http://schemas.microsoft.com/office/drawing/2014/main" xmlns="" id="{02619F9C-EB8C-47C2-8D51-281BE6C9E803}"/>
+                <a16:creationId xmlns:a16="http://schemas.microsoft.com/office/drawing/2014/main" id="{02619F9C-EB8C-47C2-8D51-281BE6C9E803}"/>
               </a:ext>
             </a:extLst>
           </p:cNvPr>
@@ -11297,7 +11303,7 @@
           <p:cNvPr id="2" name="ZoneTexte 1">
             <a:extLst>
               <a:ext uri="{FF2B5EF4-FFF2-40B4-BE49-F238E27FC236}">
-                <a16:creationId xmlns:a16="http://schemas.microsoft.com/office/drawing/2014/main" xmlns="" id="{08E408DC-C551-47B5-8C33-FA0FF463FB0C}"/>
+                <a16:creationId xmlns:a16="http://schemas.microsoft.com/office/drawing/2014/main" id="{08E408DC-C551-47B5-8C33-FA0FF463FB0C}"/>
               </a:ext>
             </a:extLst>
           </p:cNvPr>
@@ -11346,7 +11352,7 @@
           <p:cNvPr id="5" name="Picture 19">
             <a:extLst>
               <a:ext uri="{FF2B5EF4-FFF2-40B4-BE49-F238E27FC236}">
-                <a16:creationId xmlns:a16="http://schemas.microsoft.com/office/drawing/2014/main" xmlns="" id="{13636A98-632D-420B-8319-4B91165B5181}"/>
+                <a16:creationId xmlns:a16="http://schemas.microsoft.com/office/drawing/2014/main" id="{13636A98-632D-420B-8319-4B91165B5181}"/>
               </a:ext>
             </a:extLst>
           </p:cNvPr>
@@ -11417,7 +11423,7 @@
           <p:cNvPr id="4" name="Title 1">
             <a:extLst>
               <a:ext uri="{FF2B5EF4-FFF2-40B4-BE49-F238E27FC236}">
-                <a16:creationId xmlns:a16="http://schemas.microsoft.com/office/drawing/2014/main" xmlns="" id="{02619F9C-EB8C-47C2-8D51-281BE6C9E803}"/>
+                <a16:creationId xmlns:a16="http://schemas.microsoft.com/office/drawing/2014/main" id="{02619F9C-EB8C-47C2-8D51-281BE6C9E803}"/>
               </a:ext>
             </a:extLst>
           </p:cNvPr>
@@ -11530,7 +11536,7 @@
           <p:cNvPr id="2" name="ZoneTexte 1">
             <a:extLst>
               <a:ext uri="{FF2B5EF4-FFF2-40B4-BE49-F238E27FC236}">
-                <a16:creationId xmlns:a16="http://schemas.microsoft.com/office/drawing/2014/main" xmlns="" id="{08E408DC-C551-47B5-8C33-FA0FF463FB0C}"/>
+                <a16:creationId xmlns:a16="http://schemas.microsoft.com/office/drawing/2014/main" id="{08E408DC-C551-47B5-8C33-FA0FF463FB0C}"/>
               </a:ext>
             </a:extLst>
           </p:cNvPr>
@@ -11579,7 +11585,7 @@
           <p:cNvPr id="6" name="Picture 20">
             <a:extLst>
               <a:ext uri="{FF2B5EF4-FFF2-40B4-BE49-F238E27FC236}">
-                <a16:creationId xmlns:a16="http://schemas.microsoft.com/office/drawing/2014/main" xmlns="" id="{C7598FC5-56B3-45F2-AD6E-4CFF22FFEDAE}"/>
+                <a16:creationId xmlns:a16="http://schemas.microsoft.com/office/drawing/2014/main" id="{C7598FC5-56B3-45F2-AD6E-4CFF22FFEDAE}"/>
               </a:ext>
             </a:extLst>
           </p:cNvPr>
@@ -12904,7 +12910,7 @@
           <p:cNvPr id="2" name="ZoneTexte 1">
             <a:extLst>
               <a:ext uri="{FF2B5EF4-FFF2-40B4-BE49-F238E27FC236}">
-                <a16:creationId xmlns:a16="http://schemas.microsoft.com/office/drawing/2014/main" xmlns="" id="{A35CA12C-1266-4CF7-B4FA-9BCC04FF0A7A}"/>
+                <a16:creationId xmlns:a16="http://schemas.microsoft.com/office/drawing/2014/main" id="{A35CA12C-1266-4CF7-B4FA-9BCC04FF0A7A}"/>
               </a:ext>
             </a:extLst>
           </p:cNvPr>
@@ -12955,7 +12961,7 @@
           <p:cNvPr id="3" name="ZoneTexte 2">
             <a:extLst>
               <a:ext uri="{FF2B5EF4-FFF2-40B4-BE49-F238E27FC236}">
-                <a16:creationId xmlns:a16="http://schemas.microsoft.com/office/drawing/2014/main" xmlns="" id="{A87DECA1-1134-4B40-9A37-999B0F16999A}"/>
+                <a16:creationId xmlns:a16="http://schemas.microsoft.com/office/drawing/2014/main" id="{A87DECA1-1134-4B40-9A37-999B0F16999A}"/>
               </a:ext>
             </a:extLst>
           </p:cNvPr>
@@ -12990,7 +12996,7 @@
           <p:cNvPr id="4" name="ZoneTexte 3">
             <a:extLst>
               <a:ext uri="{FF2B5EF4-FFF2-40B4-BE49-F238E27FC236}">
-                <a16:creationId xmlns:a16="http://schemas.microsoft.com/office/drawing/2014/main" xmlns="" id="{4484CECE-1614-4AEE-A3E5-0B7519852559}"/>
+                <a16:creationId xmlns:a16="http://schemas.microsoft.com/office/drawing/2014/main" id="{4484CECE-1614-4AEE-A3E5-0B7519852559}"/>
               </a:ext>
             </a:extLst>
           </p:cNvPr>
@@ -13027,7 +13033,7 @@
           <p:cNvPr id="9" name="Groupe 8">
             <a:extLst>
               <a:ext uri="{FF2B5EF4-FFF2-40B4-BE49-F238E27FC236}">
-                <a16:creationId xmlns:a16="http://schemas.microsoft.com/office/drawing/2014/main" xmlns="" id="{23D82E5C-A968-44F6-8506-2728DD4691EC}"/>
+                <a16:creationId xmlns:a16="http://schemas.microsoft.com/office/drawing/2014/main" id="{23D82E5C-A968-44F6-8506-2728DD4691EC}"/>
               </a:ext>
             </a:extLst>
           </p:cNvPr>
@@ -13047,7 +13053,7 @@
             <p:cNvPr id="7" name="Rectangle 6">
               <a:extLst>
                 <a:ext uri="{FF2B5EF4-FFF2-40B4-BE49-F238E27FC236}">
-                  <a16:creationId xmlns:a16="http://schemas.microsoft.com/office/drawing/2014/main" xmlns="" id="{9916E7EC-0F54-4B06-88D6-BC6EA432DDDE}"/>
+                  <a16:creationId xmlns:a16="http://schemas.microsoft.com/office/drawing/2014/main" id="{9916E7EC-0F54-4B06-88D6-BC6EA432DDDE}"/>
                 </a:ext>
               </a:extLst>
             </p:cNvPr>
@@ -13102,7 +13108,7 @@
             <p:cNvPr id="8" name="ZoneTexte 7">
               <a:extLst>
                 <a:ext uri="{FF2B5EF4-FFF2-40B4-BE49-F238E27FC236}">
-                  <a16:creationId xmlns:a16="http://schemas.microsoft.com/office/drawing/2014/main" xmlns="" id="{D91180B7-05B4-4F84-BBE4-1ABBF07A8C2A}"/>
+                  <a16:creationId xmlns:a16="http://schemas.microsoft.com/office/drawing/2014/main" id="{D91180B7-05B4-4F84-BBE4-1ABBF07A8C2A}"/>
                 </a:ext>
               </a:extLst>
             </p:cNvPr>
@@ -13154,7 +13160,7 @@
           <p:cNvPr id="10" name="Groupe 9">
             <a:extLst>
               <a:ext uri="{FF2B5EF4-FFF2-40B4-BE49-F238E27FC236}">
-                <a16:creationId xmlns:a16="http://schemas.microsoft.com/office/drawing/2014/main" xmlns="" id="{465546DD-A06A-4710-95C0-C71CCAD0287A}"/>
+                <a16:creationId xmlns:a16="http://schemas.microsoft.com/office/drawing/2014/main" id="{465546DD-A06A-4710-95C0-C71CCAD0287A}"/>
               </a:ext>
             </a:extLst>
           </p:cNvPr>
@@ -13174,7 +13180,7 @@
             <p:cNvPr id="11" name="Rectangle 10">
               <a:extLst>
                 <a:ext uri="{FF2B5EF4-FFF2-40B4-BE49-F238E27FC236}">
-                  <a16:creationId xmlns:a16="http://schemas.microsoft.com/office/drawing/2014/main" xmlns="" id="{91B49790-0484-4C5B-A768-A3CEE69E7730}"/>
+                  <a16:creationId xmlns:a16="http://schemas.microsoft.com/office/drawing/2014/main" id="{91B49790-0484-4C5B-A768-A3CEE69E7730}"/>
                 </a:ext>
               </a:extLst>
             </p:cNvPr>
@@ -13213,7 +13219,7 @@
             <p:cNvPr id="12" name="ZoneTexte 11">
               <a:extLst>
                 <a:ext uri="{FF2B5EF4-FFF2-40B4-BE49-F238E27FC236}">
-                  <a16:creationId xmlns:a16="http://schemas.microsoft.com/office/drawing/2014/main" xmlns="" id="{CE58D107-D557-4FAB-855F-DF42D305D917}"/>
+                  <a16:creationId xmlns:a16="http://schemas.microsoft.com/office/drawing/2014/main" id="{CE58D107-D557-4FAB-855F-DF42D305D917}"/>
                 </a:ext>
               </a:extLst>
             </p:cNvPr>
@@ -13383,7 +13389,7 @@
           <p:cNvPr id="14" name="ZoneTexte 13">
             <a:extLst>
               <a:ext uri="{FF2B5EF4-FFF2-40B4-BE49-F238E27FC236}">
-                <a16:creationId xmlns:a16="http://schemas.microsoft.com/office/drawing/2014/main" xmlns="" id="{DCFCBA6D-32BF-45B9-913E-FC03E263FEB7}"/>
+                <a16:creationId xmlns:a16="http://schemas.microsoft.com/office/drawing/2014/main" id="{DCFCBA6D-32BF-45B9-913E-FC03E263FEB7}"/>
               </a:ext>
             </a:extLst>
           </p:cNvPr>
@@ -13420,7 +13426,7 @@
           <p:cNvPr id="15" name="ZoneTexte 14">
             <a:extLst>
               <a:ext uri="{FF2B5EF4-FFF2-40B4-BE49-F238E27FC236}">
-                <a16:creationId xmlns:a16="http://schemas.microsoft.com/office/drawing/2014/main" xmlns="" id="{6335B29D-0CD6-4CAA-B965-93BCC03492D8}"/>
+                <a16:creationId xmlns:a16="http://schemas.microsoft.com/office/drawing/2014/main" id="{6335B29D-0CD6-4CAA-B965-93BCC03492D8}"/>
               </a:ext>
             </a:extLst>
           </p:cNvPr>
@@ -13455,7 +13461,7 @@
           <p:cNvPr id="16" name="Rectangle 15">
             <a:extLst>
               <a:ext uri="{FF2B5EF4-FFF2-40B4-BE49-F238E27FC236}">
-                <a16:creationId xmlns:a16="http://schemas.microsoft.com/office/drawing/2014/main" xmlns="" id="{598DB639-CD18-4A74-9FFE-C44EB01149A7}"/>
+                <a16:creationId xmlns:a16="http://schemas.microsoft.com/office/drawing/2014/main" id="{598DB639-CD18-4A74-9FFE-C44EB01149A7}"/>
               </a:ext>
             </a:extLst>
           </p:cNvPr>
@@ -13575,7 +13581,7 @@
           <p:cNvPr id="2" name="Titre 1">
             <a:extLst>
               <a:ext uri="{FF2B5EF4-FFF2-40B4-BE49-F238E27FC236}">
-                <a16:creationId xmlns:a16="http://schemas.microsoft.com/office/drawing/2014/main" xmlns="" id="{42B1C103-5438-4ED4-9DC3-64DAD3FD626E}"/>
+                <a16:creationId xmlns:a16="http://schemas.microsoft.com/office/drawing/2014/main" id="{42B1C103-5438-4ED4-9DC3-64DAD3FD626E}"/>
               </a:ext>
             </a:extLst>
           </p:cNvPr>
@@ -13600,7 +13606,7 @@
           <p:cNvPr id="3" name="Espace réservé du contenu 2">
             <a:extLst>
               <a:ext uri="{FF2B5EF4-FFF2-40B4-BE49-F238E27FC236}">
-                <a16:creationId xmlns:a16="http://schemas.microsoft.com/office/drawing/2014/main" xmlns="" id="{3BB66C46-EE36-4F98-8862-5AD66F47ABF5}"/>
+                <a16:creationId xmlns:a16="http://schemas.microsoft.com/office/drawing/2014/main" id="{3BB66C46-EE36-4F98-8862-5AD66F47ABF5}"/>
               </a:ext>
             </a:extLst>
           </p:cNvPr>
@@ -13692,7 +13698,7 @@
           <p:cNvPr id="2" name="ZoneTexte 1">
             <a:extLst>
               <a:ext uri="{FF2B5EF4-FFF2-40B4-BE49-F238E27FC236}">
-                <a16:creationId xmlns:a16="http://schemas.microsoft.com/office/drawing/2014/main" xmlns="" id="{95A71DAD-C760-4FB1-9A97-CB83FC9A6215}"/>
+                <a16:creationId xmlns:a16="http://schemas.microsoft.com/office/drawing/2014/main" id="{95A71DAD-C760-4FB1-9A97-CB83FC9A6215}"/>
               </a:ext>
             </a:extLst>
           </p:cNvPr>
@@ -13727,7 +13733,7 @@
           <p:cNvPr id="4" name="ZoneTexte 3">
             <a:extLst>
               <a:ext uri="{FF2B5EF4-FFF2-40B4-BE49-F238E27FC236}">
-                <a16:creationId xmlns:a16="http://schemas.microsoft.com/office/drawing/2014/main" xmlns="" id="{FBE88C88-B8F1-497D-99A0-7069148CCDE5}"/>
+                <a16:creationId xmlns:a16="http://schemas.microsoft.com/office/drawing/2014/main" id="{FBE88C88-B8F1-497D-99A0-7069148CCDE5}"/>
               </a:ext>
             </a:extLst>
           </p:cNvPr>
@@ -13902,7 +13908,7 @@
           <p:cNvPr id="2" name="ZoneTexte 1">
             <a:extLst>
               <a:ext uri="{FF2B5EF4-FFF2-40B4-BE49-F238E27FC236}">
-                <a16:creationId xmlns:a16="http://schemas.microsoft.com/office/drawing/2014/main" xmlns="" id="{95A71DAD-C760-4FB1-9A97-CB83FC9A6215}"/>
+                <a16:creationId xmlns:a16="http://schemas.microsoft.com/office/drawing/2014/main" id="{95A71DAD-C760-4FB1-9A97-CB83FC9A6215}"/>
               </a:ext>
             </a:extLst>
           </p:cNvPr>
@@ -13937,7 +13943,7 @@
           <p:cNvPr id="4" name="ZoneTexte 3">
             <a:extLst>
               <a:ext uri="{FF2B5EF4-FFF2-40B4-BE49-F238E27FC236}">
-                <a16:creationId xmlns:a16="http://schemas.microsoft.com/office/drawing/2014/main" xmlns="" id="{FBE88C88-B8F1-497D-99A0-7069148CCDE5}"/>
+                <a16:creationId xmlns:a16="http://schemas.microsoft.com/office/drawing/2014/main" id="{FBE88C88-B8F1-497D-99A0-7069148CCDE5}"/>
               </a:ext>
             </a:extLst>
           </p:cNvPr>
@@ -14048,7 +14054,7 @@
           <p:cNvPr id="2" name="ZoneTexte 1">
             <a:extLst>
               <a:ext uri="{FF2B5EF4-FFF2-40B4-BE49-F238E27FC236}">
-                <a16:creationId xmlns:a16="http://schemas.microsoft.com/office/drawing/2014/main" xmlns="" id="{95A71DAD-C760-4FB1-9A97-CB83FC9A6215}"/>
+                <a16:creationId xmlns:a16="http://schemas.microsoft.com/office/drawing/2014/main" id="{95A71DAD-C760-4FB1-9A97-CB83FC9A6215}"/>
               </a:ext>
             </a:extLst>
           </p:cNvPr>
@@ -14083,7 +14089,7 @@
           <p:cNvPr id="4" name="ZoneTexte 3">
             <a:extLst>
               <a:ext uri="{FF2B5EF4-FFF2-40B4-BE49-F238E27FC236}">
-                <a16:creationId xmlns:a16="http://schemas.microsoft.com/office/drawing/2014/main" xmlns="" id="{FBE88C88-B8F1-497D-99A0-7069148CCDE5}"/>
+                <a16:creationId xmlns:a16="http://schemas.microsoft.com/office/drawing/2014/main" id="{FBE88C88-B8F1-497D-99A0-7069148CCDE5}"/>
               </a:ext>
             </a:extLst>
           </p:cNvPr>
@@ -14118,7 +14124,7 @@
           <p:cNvPr id="5" name="Image 4">
             <a:extLst>
               <a:ext uri="{FF2B5EF4-FFF2-40B4-BE49-F238E27FC236}">
-                <a16:creationId xmlns:a16="http://schemas.microsoft.com/office/drawing/2014/main" xmlns="" id="{439157CB-1F45-4CE6-A9AB-E46CA4B45337}"/>
+                <a16:creationId xmlns:a16="http://schemas.microsoft.com/office/drawing/2014/main" id="{439157CB-1F45-4CE6-A9AB-E46CA4B45337}"/>
               </a:ext>
             </a:extLst>
           </p:cNvPr>
@@ -14188,6 +14194,684 @@
       </p:grpSpPr>
       <p:sp>
         <p:nvSpPr>
+          <p:cNvPr id="6" name="Title 1"/>
+          <p:cNvSpPr>
+            <a:spLocks noGrp="1"/>
+          </p:cNvSpPr>
+          <p:nvPr>
+            <p:ph type="title"/>
+          </p:nvPr>
+        </p:nvSpPr>
+        <p:spPr>
+          <a:xfrm>
+            <a:off x="0" y="0"/>
+            <a:ext cx="2488557" cy="510199"/>
+          </a:xfrm>
+        </p:spPr>
+        <p:txBody>
+          <a:bodyPr numCol="1">
+            <a:noAutofit/>
+          </a:bodyPr>
+          <a:lstStyle/>
+          <a:p>
+            <a:pPr algn="ctr"/>
+            <a:r>
+              <a:rPr lang="fr-CH" sz="2800" dirty="0"/>
+              <a:t>FABRICATION</a:t>
+            </a:r>
+          </a:p>
+        </p:txBody>
+      </p:sp>
+      <p:sp>
+        <p:nvSpPr>
+          <p:cNvPr id="2" name="ZoneTexte 1">
+            <a:extLst>
+              <a:ext uri="{FF2B5EF4-FFF2-40B4-BE49-F238E27FC236}">
+                <a16:creationId xmlns:a16="http://schemas.microsoft.com/office/drawing/2014/main" id="{95A71DAD-C760-4FB1-9A97-CB83FC9A6215}"/>
+              </a:ext>
+            </a:extLst>
+          </p:cNvPr>
+          <p:cNvSpPr txBox="1"/>
+          <p:nvPr/>
+        </p:nvSpPr>
+        <p:spPr>
+          <a:xfrm>
+            <a:off x="374248" y="902826"/>
+            <a:ext cx="3940233" cy="461665"/>
+          </a:xfrm>
+          <a:prstGeom prst="rect">
+            <a:avLst/>
+          </a:prstGeom>
+          <a:noFill/>
+        </p:spPr>
+        <p:txBody>
+          <a:bodyPr wrap="square" rtlCol="0">
+            <a:spAutoFit/>
+          </a:bodyPr>
+          <a:lstStyle/>
+          <a:p>
+            <a:r>
+              <a:rPr lang="fr-CH" sz="2400" b="1" dirty="0" smtClean="0"/>
+              <a:t>Décroiser les câbles</a:t>
+            </a:r>
+            <a:endParaRPr lang="fr-CH" sz="2400" b="1" dirty="0"/>
+          </a:p>
+        </p:txBody>
+      </p:sp>
+      <p:sp>
+        <p:nvSpPr>
+          <p:cNvPr id="4" name="ZoneTexte 3">
+            <a:extLst>
+              <a:ext uri="{FF2B5EF4-FFF2-40B4-BE49-F238E27FC236}">
+                <a16:creationId xmlns:a16="http://schemas.microsoft.com/office/drawing/2014/main" id="{FBE88C88-B8F1-497D-99A0-7069148CCDE5}"/>
+              </a:ext>
+            </a:extLst>
+          </p:cNvPr>
+          <p:cNvSpPr txBox="1"/>
+          <p:nvPr/>
+        </p:nvSpPr>
+        <p:spPr>
+          <a:xfrm>
+            <a:off x="374248" y="1514120"/>
+            <a:ext cx="6059803" cy="923330"/>
+          </a:xfrm>
+          <a:prstGeom prst="rect">
+            <a:avLst/>
+          </a:prstGeom>
+          <a:noFill/>
+        </p:spPr>
+        <p:txBody>
+          <a:bodyPr wrap="square" rtlCol="0">
+            <a:spAutoFit/>
+          </a:bodyPr>
+          <a:lstStyle/>
+          <a:p>
+            <a:r>
+              <a:rPr lang="fr-CH" dirty="0"/>
+              <a:t>Une fois la gaine enlevée, il vous faut </a:t>
+            </a:r>
+            <a:r>
+              <a:rPr lang="fr-CH" b="1" dirty="0"/>
+              <a:t>décroiser les câbles</a:t>
+            </a:r>
+            <a:r>
+              <a:rPr lang="fr-CH" dirty="0"/>
+              <a:t>. Si le câble est blindé vous devez aussi détresser le </a:t>
+            </a:r>
+            <a:r>
+              <a:rPr lang="fr-CH" dirty="0" smtClean="0"/>
+              <a:t>blindage.</a:t>
+            </a:r>
+            <a:endParaRPr lang="fr-CH" sz="2000" dirty="0"/>
+          </a:p>
+        </p:txBody>
+      </p:sp>
+      <p:pic>
+        <p:nvPicPr>
+          <p:cNvPr id="1026" name="Picture 2" descr="cable-denudé"/>
+          <p:cNvPicPr>
+            <a:picLocks noChangeAspect="1" noChangeArrowheads="1"/>
+          </p:cNvPicPr>
+          <p:nvPr/>
+        </p:nvPicPr>
+        <p:blipFill>
+          <a:blip r:embed="rId2">
+            <a:extLst>
+              <a:ext uri="{28A0092B-C50C-407E-A947-70E740481C1C}">
+                <a14:useLocalDpi xmlns:a14="http://schemas.microsoft.com/office/drawing/2010/main" val="0"/>
+              </a:ext>
+            </a:extLst>
+          </a:blip>
+          <a:srcRect/>
+          <a:stretch>
+            <a:fillRect/>
+          </a:stretch>
+        </p:blipFill>
+        <p:spPr bwMode="auto">
+          <a:xfrm>
+            <a:off x="3532164" y="2811970"/>
+            <a:ext cx="4605996" cy="2698825"/>
+          </a:xfrm>
+          <a:prstGeom prst="rect">
+            <a:avLst/>
+          </a:prstGeom>
+          <a:noFill/>
+          <a:extLst>
+            <a:ext uri="{909E8E84-426E-40DD-AFC4-6F175D3DCCD1}">
+              <a14:hiddenFill xmlns:a14="http://schemas.microsoft.com/office/drawing/2010/main">
+                <a:solidFill>
+                  <a:srgbClr val="FFFFFF"/>
+                </a:solidFill>
+              </a14:hiddenFill>
+            </a:ext>
+          </a:extLst>
+        </p:spPr>
+      </p:pic>
+    </p:spTree>
+    <p:extLst>
+      <p:ext uri="{BB962C8B-B14F-4D97-AF65-F5344CB8AC3E}">
+        <p14:creationId xmlns:p14="http://schemas.microsoft.com/office/powerpoint/2010/main" val="769150630"/>
+      </p:ext>
+    </p:extLst>
+  </p:cSld>
+  <p:clrMapOvr>
+    <a:masterClrMapping/>
+  </p:clrMapOvr>
+  <p:timing>
+    <p:tnLst>
+      <p:par>
+        <p:cTn id="1" dur="indefinite" restart="never" nodeType="tmRoot"/>
+      </p:par>
+    </p:tnLst>
+  </p:timing>
+</p:sld>
+</file>
+
+<file path=ppt/slides/slide37.xml><?xml version="1.0" encoding="utf-8"?>
+<p:sld xmlns:a="http://schemas.openxmlformats.org/drawingml/2006/main" xmlns:r="http://schemas.openxmlformats.org/officeDocument/2006/relationships" xmlns:p="http://schemas.openxmlformats.org/presentationml/2006/main">
+  <p:cSld>
+    <p:spTree>
+      <p:nvGrpSpPr>
+        <p:cNvPr id="1" name=""/>
+        <p:cNvGrpSpPr/>
+        <p:nvPr/>
+      </p:nvGrpSpPr>
+      <p:grpSpPr>
+        <a:xfrm>
+          <a:off x="0" y="0"/>
+          <a:ext cx="0" cy="0"/>
+          <a:chOff x="0" y="0"/>
+          <a:chExt cx="0" cy="0"/>
+        </a:xfrm>
+      </p:grpSpPr>
+      <p:sp>
+        <p:nvSpPr>
+          <p:cNvPr id="6" name="Title 1"/>
+          <p:cNvSpPr>
+            <a:spLocks noGrp="1"/>
+          </p:cNvSpPr>
+          <p:nvPr>
+            <p:ph type="title"/>
+          </p:nvPr>
+        </p:nvSpPr>
+        <p:spPr>
+          <a:xfrm>
+            <a:off x="0" y="0"/>
+            <a:ext cx="2488557" cy="510199"/>
+          </a:xfrm>
+        </p:spPr>
+        <p:txBody>
+          <a:bodyPr numCol="1">
+            <a:noAutofit/>
+          </a:bodyPr>
+          <a:lstStyle/>
+          <a:p>
+            <a:pPr algn="ctr"/>
+            <a:r>
+              <a:rPr lang="fr-CH" sz="2800" dirty="0"/>
+              <a:t>FABRICATION</a:t>
+            </a:r>
+          </a:p>
+        </p:txBody>
+      </p:sp>
+      <p:sp>
+        <p:nvSpPr>
+          <p:cNvPr id="2" name="ZoneTexte 1">
+            <a:extLst>
+              <a:ext uri="{FF2B5EF4-FFF2-40B4-BE49-F238E27FC236}">
+                <a16:creationId xmlns:a16="http://schemas.microsoft.com/office/drawing/2014/main" id="{95A71DAD-C760-4FB1-9A97-CB83FC9A6215}"/>
+              </a:ext>
+            </a:extLst>
+          </p:cNvPr>
+          <p:cNvSpPr txBox="1"/>
+          <p:nvPr/>
+        </p:nvSpPr>
+        <p:spPr>
+          <a:xfrm>
+            <a:off x="374248" y="902826"/>
+            <a:ext cx="3940233" cy="461665"/>
+          </a:xfrm>
+          <a:prstGeom prst="rect">
+            <a:avLst/>
+          </a:prstGeom>
+          <a:noFill/>
+        </p:spPr>
+        <p:txBody>
+          <a:bodyPr wrap="square" rtlCol="0">
+            <a:spAutoFit/>
+          </a:bodyPr>
+          <a:lstStyle/>
+          <a:p>
+            <a:r>
+              <a:rPr lang="fr-CH" sz="2400" b="1" dirty="0" smtClean="0"/>
+              <a:t>Aligner les paires</a:t>
+            </a:r>
+            <a:endParaRPr lang="fr-CH" sz="2400" b="1" dirty="0"/>
+          </a:p>
+        </p:txBody>
+      </p:sp>
+      <p:sp>
+        <p:nvSpPr>
+          <p:cNvPr id="4" name="ZoneTexte 3">
+            <a:extLst>
+              <a:ext uri="{FF2B5EF4-FFF2-40B4-BE49-F238E27FC236}">
+                <a16:creationId xmlns:a16="http://schemas.microsoft.com/office/drawing/2014/main" id="{FBE88C88-B8F1-497D-99A0-7069148CCDE5}"/>
+              </a:ext>
+            </a:extLst>
+          </p:cNvPr>
+          <p:cNvSpPr txBox="1"/>
+          <p:nvPr/>
+        </p:nvSpPr>
+        <p:spPr>
+          <a:xfrm>
+            <a:off x="374248" y="1514120"/>
+            <a:ext cx="6059803" cy="646331"/>
+          </a:xfrm>
+          <a:prstGeom prst="rect">
+            <a:avLst/>
+          </a:prstGeom>
+          <a:noFill/>
+        </p:spPr>
+        <p:txBody>
+          <a:bodyPr wrap="square" rtlCol="0">
+            <a:spAutoFit/>
+          </a:bodyPr>
+          <a:lstStyle/>
+          <a:p>
+            <a:r>
+              <a:rPr lang="fr-CH" dirty="0" smtClean="0"/>
+              <a:t>Aligner les paires selon le type de câble que vous voulez créer.</a:t>
+            </a:r>
+            <a:endParaRPr lang="fr-CH" sz="2000" dirty="0"/>
+          </a:p>
+        </p:txBody>
+      </p:sp>
+      <p:pic>
+        <p:nvPicPr>
+          <p:cNvPr id="2050" name="Picture 2" descr="patch-rj45-droit-1024x512"/>
+          <p:cNvPicPr>
+            <a:picLocks noChangeAspect="1" noChangeArrowheads="1"/>
+          </p:cNvPicPr>
+          <p:nvPr/>
+        </p:nvPicPr>
+        <p:blipFill>
+          <a:blip r:embed="rId2">
+            <a:extLst>
+              <a:ext uri="{28A0092B-C50C-407E-A947-70E740481C1C}">
+                <a14:useLocalDpi xmlns:a14="http://schemas.microsoft.com/office/drawing/2010/main" val="0"/>
+              </a:ext>
+            </a:extLst>
+          </a:blip>
+          <a:srcRect/>
+          <a:stretch>
+            <a:fillRect/>
+          </a:stretch>
+        </p:blipFill>
+        <p:spPr bwMode="auto">
+          <a:xfrm>
+            <a:off x="374248" y="2610057"/>
+            <a:ext cx="4677881" cy="2338941"/>
+          </a:xfrm>
+          <a:prstGeom prst="rect">
+            <a:avLst/>
+          </a:prstGeom>
+          <a:noFill/>
+          <a:extLst>
+            <a:ext uri="{909E8E84-426E-40DD-AFC4-6F175D3DCCD1}">
+              <a14:hiddenFill xmlns:a14="http://schemas.microsoft.com/office/drawing/2010/main">
+                <a:solidFill>
+                  <a:srgbClr val="FFFFFF"/>
+                </a:solidFill>
+              </a14:hiddenFill>
+            </a:ext>
+          </a:extLst>
+        </p:spPr>
+      </p:pic>
+      <p:pic>
+        <p:nvPicPr>
+          <p:cNvPr id="2051" name="Picture 3" descr="patch-rj45-croise-1024x512"/>
+          <p:cNvPicPr>
+            <a:picLocks noChangeAspect="1" noChangeArrowheads="1"/>
+          </p:cNvPicPr>
+          <p:nvPr/>
+        </p:nvPicPr>
+        <p:blipFill>
+          <a:blip r:embed="rId3">
+            <a:extLst>
+              <a:ext uri="{28A0092B-C50C-407E-A947-70E740481C1C}">
+                <a14:useLocalDpi xmlns:a14="http://schemas.microsoft.com/office/drawing/2010/main" val="0"/>
+              </a:ext>
+            </a:extLst>
+          </a:blip>
+          <a:srcRect/>
+          <a:stretch>
+            <a:fillRect/>
+          </a:stretch>
+        </p:blipFill>
+        <p:spPr bwMode="auto">
+          <a:xfrm>
+            <a:off x="5536882" y="2610058"/>
+            <a:ext cx="4719949" cy="2338941"/>
+          </a:xfrm>
+          <a:prstGeom prst="rect">
+            <a:avLst/>
+          </a:prstGeom>
+          <a:noFill/>
+          <a:ln>
+            <a:noFill/>
+          </a:ln>
+          <a:extLst>
+            <a:ext uri="{909E8E84-426E-40DD-AFC4-6F175D3DCCD1}">
+              <a14:hiddenFill xmlns:a14="http://schemas.microsoft.com/office/drawing/2010/main">
+                <a:solidFill>
+                  <a:srgbClr val="FFFFFF"/>
+                </a:solidFill>
+              </a14:hiddenFill>
+            </a:ext>
+            <a:ext uri="{91240B29-F687-4F45-9708-019B960494DF}">
+              <a14:hiddenLine xmlns:a14="http://schemas.microsoft.com/office/drawing/2010/main" w="9525">
+                <a:solidFill>
+                  <a:srgbClr val="000000"/>
+                </a:solidFill>
+                <a:miter lim="800000"/>
+                <a:headEnd/>
+                <a:tailEnd/>
+              </a14:hiddenLine>
+            </a:ext>
+          </a:extLst>
+        </p:spPr>
+      </p:pic>
+      <p:sp>
+        <p:nvSpPr>
+          <p:cNvPr id="8" name="ZoneTexte 7">
+            <a:extLst>
+              <a:ext uri="{FF2B5EF4-FFF2-40B4-BE49-F238E27FC236}">
+                <a16:creationId xmlns:a16="http://schemas.microsoft.com/office/drawing/2014/main" id="{FBE88C88-B8F1-497D-99A0-7069148CCDE5}"/>
+              </a:ext>
+            </a:extLst>
+          </p:cNvPr>
+          <p:cNvSpPr txBox="1"/>
+          <p:nvPr/>
+        </p:nvSpPr>
+        <p:spPr>
+          <a:xfrm>
+            <a:off x="283604" y="4948998"/>
+            <a:ext cx="4859167" cy="369332"/>
+          </a:xfrm>
+          <a:prstGeom prst="rect">
+            <a:avLst/>
+          </a:prstGeom>
+          <a:noFill/>
+        </p:spPr>
+        <p:txBody>
+          <a:bodyPr wrap="square" rtlCol="0">
+            <a:spAutoFit/>
+          </a:bodyPr>
+          <a:lstStyle/>
+          <a:p>
+            <a:r>
+              <a:rPr lang="fr-CH" dirty="0" smtClean="0"/>
+              <a:t>Pour connecter à un switch ou un routeur</a:t>
+            </a:r>
+            <a:endParaRPr lang="fr-CH" sz="2000" dirty="0"/>
+          </a:p>
+        </p:txBody>
+      </p:sp>
+      <p:sp>
+        <p:nvSpPr>
+          <p:cNvPr id="9" name="ZoneTexte 8">
+            <a:extLst>
+              <a:ext uri="{FF2B5EF4-FFF2-40B4-BE49-F238E27FC236}">
+                <a16:creationId xmlns:a16="http://schemas.microsoft.com/office/drawing/2014/main" id="{FBE88C88-B8F1-497D-99A0-7069148CCDE5}"/>
+              </a:ext>
+            </a:extLst>
+          </p:cNvPr>
+          <p:cNvSpPr txBox="1"/>
+          <p:nvPr/>
+        </p:nvSpPr>
+        <p:spPr>
+          <a:xfrm>
+            <a:off x="5467272" y="4970932"/>
+            <a:ext cx="4859167" cy="369332"/>
+          </a:xfrm>
+          <a:prstGeom prst="rect">
+            <a:avLst/>
+          </a:prstGeom>
+          <a:noFill/>
+        </p:spPr>
+        <p:txBody>
+          <a:bodyPr wrap="square" rtlCol="0">
+            <a:spAutoFit/>
+          </a:bodyPr>
+          <a:lstStyle/>
+          <a:p>
+            <a:r>
+              <a:rPr lang="fr-CH" dirty="0" smtClean="0"/>
+              <a:t>Pour connecter 2 ordinateurs</a:t>
+            </a:r>
+            <a:endParaRPr lang="fr-CH" sz="2000" dirty="0"/>
+          </a:p>
+        </p:txBody>
+      </p:sp>
+    </p:spTree>
+    <p:extLst>
+      <p:ext uri="{BB962C8B-B14F-4D97-AF65-F5344CB8AC3E}">
+        <p14:creationId xmlns:p14="http://schemas.microsoft.com/office/powerpoint/2010/main" val="1572432645"/>
+      </p:ext>
+    </p:extLst>
+  </p:cSld>
+  <p:clrMapOvr>
+    <a:masterClrMapping/>
+  </p:clrMapOvr>
+  <p:timing>
+    <p:tnLst>
+      <p:par>
+        <p:cTn id="1" dur="indefinite" restart="never" nodeType="tmRoot"/>
+      </p:par>
+    </p:tnLst>
+  </p:timing>
+</p:sld>
+</file>
+
+<file path=ppt/slides/slide38.xml><?xml version="1.0" encoding="utf-8"?>
+<p:sld xmlns:a="http://schemas.openxmlformats.org/drawingml/2006/main" xmlns:r="http://schemas.openxmlformats.org/officeDocument/2006/relationships" xmlns:p="http://schemas.openxmlformats.org/presentationml/2006/main">
+  <p:cSld>
+    <p:spTree>
+      <p:nvGrpSpPr>
+        <p:cNvPr id="1" name=""/>
+        <p:cNvGrpSpPr/>
+        <p:nvPr/>
+      </p:nvGrpSpPr>
+      <p:grpSpPr>
+        <a:xfrm>
+          <a:off x="0" y="0"/>
+          <a:ext cx="0" cy="0"/>
+          <a:chOff x="0" y="0"/>
+          <a:chExt cx="0" cy="0"/>
+        </a:xfrm>
+      </p:grpSpPr>
+      <p:sp>
+        <p:nvSpPr>
+          <p:cNvPr id="6" name="Title 1"/>
+          <p:cNvSpPr>
+            <a:spLocks noGrp="1"/>
+          </p:cNvSpPr>
+          <p:nvPr>
+            <p:ph type="title"/>
+          </p:nvPr>
+        </p:nvSpPr>
+        <p:spPr>
+          <a:xfrm>
+            <a:off x="0" y="0"/>
+            <a:ext cx="2488557" cy="510199"/>
+          </a:xfrm>
+        </p:spPr>
+        <p:txBody>
+          <a:bodyPr numCol="1">
+            <a:noAutofit/>
+          </a:bodyPr>
+          <a:lstStyle/>
+          <a:p>
+            <a:pPr algn="ctr"/>
+            <a:r>
+              <a:rPr lang="fr-CH" sz="2800" dirty="0"/>
+              <a:t>FABRICATION</a:t>
+            </a:r>
+          </a:p>
+        </p:txBody>
+      </p:sp>
+      <p:sp>
+        <p:nvSpPr>
+          <p:cNvPr id="2" name="ZoneTexte 1">
+            <a:extLst>
+              <a:ext uri="{FF2B5EF4-FFF2-40B4-BE49-F238E27FC236}">
+                <a16:creationId xmlns:a16="http://schemas.microsoft.com/office/drawing/2014/main" id="{95A71DAD-C760-4FB1-9A97-CB83FC9A6215}"/>
+              </a:ext>
+            </a:extLst>
+          </p:cNvPr>
+          <p:cNvSpPr txBox="1"/>
+          <p:nvPr/>
+        </p:nvSpPr>
+        <p:spPr>
+          <a:xfrm>
+            <a:off x="374248" y="902826"/>
+            <a:ext cx="3940233" cy="461665"/>
+          </a:xfrm>
+          <a:prstGeom prst="rect">
+            <a:avLst/>
+          </a:prstGeom>
+          <a:noFill/>
+        </p:spPr>
+        <p:txBody>
+          <a:bodyPr wrap="square" rtlCol="0">
+            <a:spAutoFit/>
+          </a:bodyPr>
+          <a:lstStyle/>
+          <a:p>
+            <a:r>
+              <a:rPr lang="fr-CH" sz="2400" b="1" dirty="0" smtClean="0"/>
+              <a:t>Couper les paires</a:t>
+            </a:r>
+            <a:endParaRPr lang="fr-CH" sz="2400" b="1" dirty="0"/>
+          </a:p>
+        </p:txBody>
+      </p:sp>
+      <p:sp>
+        <p:nvSpPr>
+          <p:cNvPr id="4" name="ZoneTexte 3">
+            <a:extLst>
+              <a:ext uri="{FF2B5EF4-FFF2-40B4-BE49-F238E27FC236}">
+                <a16:creationId xmlns:a16="http://schemas.microsoft.com/office/drawing/2014/main" id="{FBE88C88-B8F1-497D-99A0-7069148CCDE5}"/>
+              </a:ext>
+            </a:extLst>
+          </p:cNvPr>
+          <p:cNvSpPr txBox="1"/>
+          <p:nvPr/>
+        </p:nvSpPr>
+        <p:spPr>
+          <a:xfrm>
+            <a:off x="374248" y="1514120"/>
+            <a:ext cx="6059803" cy="646331"/>
+          </a:xfrm>
+          <a:prstGeom prst="rect">
+            <a:avLst/>
+          </a:prstGeom>
+          <a:noFill/>
+        </p:spPr>
+        <p:txBody>
+          <a:bodyPr wrap="square" rtlCol="0">
+            <a:spAutoFit/>
+          </a:bodyPr>
+          <a:lstStyle/>
+          <a:p>
+            <a:r>
+              <a:rPr lang="fr-CH" dirty="0" smtClean="0"/>
+              <a:t>Il faut bien aligner et couper droit les paires pour qu’elles touchent toutes les contacts du connecteur</a:t>
+            </a:r>
+            <a:endParaRPr lang="fr-CH" sz="2000" dirty="0"/>
+          </a:p>
+        </p:txBody>
+      </p:sp>
+      <p:pic>
+        <p:nvPicPr>
+          <p:cNvPr id="3074" name="Picture 2" descr="decoupe"/>
+          <p:cNvPicPr>
+            <a:picLocks noChangeAspect="1" noChangeArrowheads="1"/>
+          </p:cNvPicPr>
+          <p:nvPr/>
+        </p:nvPicPr>
+        <p:blipFill>
+          <a:blip r:embed="rId2">
+            <a:extLst>
+              <a:ext uri="{28A0092B-C50C-407E-A947-70E740481C1C}">
+                <a14:useLocalDpi xmlns:a14="http://schemas.microsoft.com/office/drawing/2010/main" val="0"/>
+              </a:ext>
+            </a:extLst>
+          </a:blip>
+          <a:srcRect/>
+          <a:stretch>
+            <a:fillRect/>
+          </a:stretch>
+        </p:blipFill>
+        <p:spPr bwMode="auto">
+          <a:xfrm>
+            <a:off x="3574694" y="2829588"/>
+            <a:ext cx="4606504" cy="2698825"/>
+          </a:xfrm>
+          <a:prstGeom prst="rect">
+            <a:avLst/>
+          </a:prstGeom>
+          <a:noFill/>
+          <a:extLst>
+            <a:ext uri="{909E8E84-426E-40DD-AFC4-6F175D3DCCD1}">
+              <a14:hiddenFill xmlns:a14="http://schemas.microsoft.com/office/drawing/2010/main">
+                <a:solidFill>
+                  <a:srgbClr val="FFFFFF"/>
+                </a:solidFill>
+              </a14:hiddenFill>
+            </a:ext>
+          </a:extLst>
+        </p:spPr>
+      </p:pic>
+    </p:spTree>
+    <p:extLst>
+      <p:ext uri="{BB962C8B-B14F-4D97-AF65-F5344CB8AC3E}">
+        <p14:creationId xmlns:p14="http://schemas.microsoft.com/office/powerpoint/2010/main" val="2286041639"/>
+      </p:ext>
+    </p:extLst>
+  </p:cSld>
+  <p:clrMapOvr>
+    <a:masterClrMapping/>
+  </p:clrMapOvr>
+  <p:timing>
+    <p:tnLst>
+      <p:par>
+        <p:cTn id="1" dur="indefinite" restart="never" nodeType="tmRoot"/>
+      </p:par>
+    </p:tnLst>
+  </p:timing>
+</p:sld>
+</file>
+
+<file path=ppt/slides/slide39.xml><?xml version="1.0" encoding="utf-8"?>
+<p:sld xmlns:a="http://schemas.openxmlformats.org/drawingml/2006/main" xmlns:r="http://schemas.openxmlformats.org/officeDocument/2006/relationships" xmlns:p="http://schemas.openxmlformats.org/presentationml/2006/main">
+  <p:cSld>
+    <p:spTree>
+      <p:nvGrpSpPr>
+        <p:cNvPr id="1" name=""/>
+        <p:cNvGrpSpPr/>
+        <p:nvPr/>
+      </p:nvGrpSpPr>
+      <p:grpSpPr>
+        <a:xfrm>
+          <a:off x="0" y="0"/>
+          <a:ext cx="0" cy="0"/>
+          <a:chOff x="0" y="0"/>
+          <a:chExt cx="0" cy="0"/>
+        </a:xfrm>
+      </p:grpSpPr>
+      <p:sp>
+        <p:nvSpPr>
           <p:cNvPr id="2" name="Title 1"/>
           <p:cNvSpPr>
             <a:spLocks noGrp="1"/>
@@ -14366,7 +15050,7 @@
           <p:cNvPr id="8" name="Groupe 7">
             <a:extLst>
               <a:ext uri="{FF2B5EF4-FFF2-40B4-BE49-F238E27FC236}">
-                <a16:creationId xmlns:a16="http://schemas.microsoft.com/office/drawing/2014/main" xmlns="" id="{45CE9A5B-2BF5-4887-83F2-4BE1643502B9}"/>
+                <a16:creationId xmlns:a16="http://schemas.microsoft.com/office/drawing/2014/main" id="{45CE9A5B-2BF5-4887-83F2-4BE1643502B9}"/>
               </a:ext>
             </a:extLst>
           </p:cNvPr>
@@ -14386,7 +15070,7 @@
             <p:cNvPr id="2" name="Image 1">
               <a:extLst>
                 <a:ext uri="{FF2B5EF4-FFF2-40B4-BE49-F238E27FC236}">
-                  <a16:creationId xmlns:a16="http://schemas.microsoft.com/office/drawing/2014/main" xmlns="" id="{650A4185-1561-4B95-A05D-FEDD73B2D58C}"/>
+                  <a16:creationId xmlns:a16="http://schemas.microsoft.com/office/drawing/2014/main" id="{650A4185-1561-4B95-A05D-FEDD73B2D58C}"/>
                 </a:ext>
               </a:extLst>
             </p:cNvPr>
@@ -14415,7 +15099,7 @@
             <p:cNvPr id="6" name="ZoneTexte 5">
               <a:extLst>
                 <a:ext uri="{FF2B5EF4-FFF2-40B4-BE49-F238E27FC236}">
-                  <a16:creationId xmlns:a16="http://schemas.microsoft.com/office/drawing/2014/main" xmlns="" id="{3CCBC606-F3FD-4F1A-ACB0-51D37C16A945}"/>
+                  <a16:creationId xmlns:a16="http://schemas.microsoft.com/office/drawing/2014/main" id="{3CCBC606-F3FD-4F1A-ACB0-51D37C16A945}"/>
                 </a:ext>
               </a:extLst>
             </p:cNvPr>
@@ -14457,7 +15141,7 @@
           <p:cNvPr id="9" name="Groupe 8">
             <a:extLst>
               <a:ext uri="{FF2B5EF4-FFF2-40B4-BE49-F238E27FC236}">
-                <a16:creationId xmlns:a16="http://schemas.microsoft.com/office/drawing/2014/main" xmlns="" id="{35BF348F-7788-4FD2-B7A6-7B1F65FFCFDA}"/>
+                <a16:creationId xmlns:a16="http://schemas.microsoft.com/office/drawing/2014/main" id="{35BF348F-7788-4FD2-B7A6-7B1F65FFCFDA}"/>
               </a:ext>
             </a:extLst>
           </p:cNvPr>
@@ -14477,7 +15161,7 @@
             <p:cNvPr id="1028" name="Picture 4" descr="https://ieeecs-media.computer.org/wp-media/2018/04/11182850/davidboggs-e1523471453351.jpg">
               <a:extLst>
                 <a:ext uri="{FF2B5EF4-FFF2-40B4-BE49-F238E27FC236}">
-                  <a16:creationId xmlns:a16="http://schemas.microsoft.com/office/drawing/2014/main" xmlns="" id="{26ACF9C1-B83F-407C-9C49-41DED14C035C}"/>
+                  <a16:creationId xmlns:a16="http://schemas.microsoft.com/office/drawing/2014/main" id="{26ACF9C1-B83F-407C-9C49-41DED14C035C}"/>
                 </a:ext>
               </a:extLst>
             </p:cNvPr>
@@ -14522,7 +15206,7 @@
             <p:cNvPr id="10" name="ZoneTexte 9">
               <a:extLst>
                 <a:ext uri="{FF2B5EF4-FFF2-40B4-BE49-F238E27FC236}">
-                  <a16:creationId xmlns:a16="http://schemas.microsoft.com/office/drawing/2014/main" xmlns="" id="{6DBF9C99-3A06-4889-B38A-43FE2DD859D8}"/>
+                  <a16:creationId xmlns:a16="http://schemas.microsoft.com/office/drawing/2014/main" id="{6DBF9C99-3A06-4889-B38A-43FE2DD859D8}"/>
                 </a:ext>
               </a:extLst>
             </p:cNvPr>
@@ -14559,7 +15243,7 @@
           <p:cNvPr id="7" name="ZoneTexte 6">
             <a:extLst>
               <a:ext uri="{FF2B5EF4-FFF2-40B4-BE49-F238E27FC236}">
-                <a16:creationId xmlns:a16="http://schemas.microsoft.com/office/drawing/2014/main" xmlns="" id="{1A93F582-9049-457B-9589-571AD11F982B}"/>
+                <a16:creationId xmlns:a16="http://schemas.microsoft.com/office/drawing/2014/main" id="{1A93F582-9049-457B-9589-571AD11F982B}"/>
               </a:ext>
             </a:extLst>
           </p:cNvPr>
@@ -14594,7 +15278,7 @@
           <p:cNvPr id="11" name="ZoneTexte 10">
             <a:extLst>
               <a:ext uri="{FF2B5EF4-FFF2-40B4-BE49-F238E27FC236}">
-                <a16:creationId xmlns:a16="http://schemas.microsoft.com/office/drawing/2014/main" xmlns="" id="{7785E246-28F5-4FEA-A6C4-269F51F6041C}"/>
+                <a16:creationId xmlns:a16="http://schemas.microsoft.com/office/drawing/2014/main" id="{7785E246-28F5-4FEA-A6C4-269F51F6041C}"/>
               </a:ext>
             </a:extLst>
           </p:cNvPr>
@@ -15124,7 +15808,7 @@
           <p:cNvPr id="11" name="ZoneTexte 10">
             <a:extLst>
               <a:ext uri="{FF2B5EF4-FFF2-40B4-BE49-F238E27FC236}">
-                <a16:creationId xmlns:a16="http://schemas.microsoft.com/office/drawing/2014/main" xmlns="" id="{7785E246-28F5-4FEA-A6C4-269F51F6041C}"/>
+                <a16:creationId xmlns:a16="http://schemas.microsoft.com/office/drawing/2014/main" id="{7785E246-28F5-4FEA-A6C4-269F51F6041C}"/>
               </a:ext>
             </a:extLst>
           </p:cNvPr>
@@ -15206,7 +15890,7 @@
           <p:cNvPr id="14" name="ZoneTexte 13">
             <a:extLst>
               <a:ext uri="{FF2B5EF4-FFF2-40B4-BE49-F238E27FC236}">
-                <a16:creationId xmlns:a16="http://schemas.microsoft.com/office/drawing/2014/main" xmlns="" id="{62641573-ED7D-433D-81BF-0492492F1156}"/>
+                <a16:creationId xmlns:a16="http://schemas.microsoft.com/office/drawing/2014/main" id="{62641573-ED7D-433D-81BF-0492492F1156}"/>
               </a:ext>
             </a:extLst>
           </p:cNvPr>
@@ -15305,7 +15989,7 @@
           <p:cNvPr id="15" name="Content Placeholder 2">
             <a:extLst>
               <a:ext uri="{FF2B5EF4-FFF2-40B4-BE49-F238E27FC236}">
-                <a16:creationId xmlns:a16="http://schemas.microsoft.com/office/drawing/2014/main" xmlns="" id="{714B2A4D-02FA-44D2-923C-DD9509380C18}"/>
+                <a16:creationId xmlns:a16="http://schemas.microsoft.com/office/drawing/2014/main" id="{714B2A4D-02FA-44D2-923C-DD9509380C18}"/>
               </a:ext>
             </a:extLst>
           </p:cNvPr>

--- a/Module 214 - Fabrication_Ethernet.pptx
+++ b/Module 214 - Fabrication_Ethernet.pptx
@@ -43,7 +43,10 @@
     <p:sldId id="315" r:id="rId37"/>
     <p:sldId id="316" r:id="rId38"/>
     <p:sldId id="317" r:id="rId39"/>
-    <p:sldId id="265" r:id="rId40"/>
+    <p:sldId id="318" r:id="rId40"/>
+    <p:sldId id="319" r:id="rId41"/>
+    <p:sldId id="320" r:id="rId42"/>
+    <p:sldId id="265" r:id="rId43"/>
   </p:sldIdLst>
   <p:sldSz cx="12192000" cy="6858000"/>
   <p:notesSz cx="6858000" cy="9144000"/>
@@ -185,6 +188,9 @@
             <p14:sldId id="315"/>
             <p14:sldId id="316"/>
             <p14:sldId id="317"/>
+            <p14:sldId id="318"/>
+            <p14:sldId id="319"/>
+            <p14:sldId id="320"/>
             <p14:sldId id="265"/>
           </p14:sldIdLst>
         </p14:section>
@@ -14872,77 +14878,143 @@
       </p:grpSpPr>
       <p:sp>
         <p:nvSpPr>
-          <p:cNvPr id="2" name="Title 1"/>
+          <p:cNvPr id="6" name="Title 1"/>
           <p:cNvSpPr>
             <a:spLocks noGrp="1"/>
           </p:cNvSpPr>
           <p:nvPr>
-            <p:ph type="ctrTitle"/>
+            <p:ph type="title"/>
           </p:nvPr>
         </p:nvSpPr>
         <p:spPr>
-          <a:xfrm rot="10800000" flipV="1">
-            <a:off x="1312243" y="1"/>
-            <a:ext cx="9567515" cy="2476981"/>
+          <a:xfrm>
+            <a:off x="0" y="0"/>
+            <a:ext cx="2488557" cy="510199"/>
           </a:xfrm>
         </p:spPr>
         <p:txBody>
-          <a:bodyPr anchor="ctr">
+          <a:bodyPr numCol="1">
             <a:noAutofit/>
           </a:bodyPr>
           <a:lstStyle/>
           <a:p>
-            <a:r>
-              <a:rPr lang="fr-CH" sz="5400" dirty="0">
-                <a:cs typeface="Arial" panose="020B0604020202020204" pitchFamily="34" charset="0"/>
-              </a:rPr>
-              <a:t>Merci de votre écoute </a:t>
-            </a:r>
-          </a:p>
-        </p:txBody>
-      </p:sp>
-      <p:sp>
-        <p:nvSpPr>
-          <p:cNvPr id="3" name="Rectangle 2"/>
-          <p:cNvSpPr/>
+            <a:pPr algn="ctr"/>
+            <a:r>
+              <a:rPr lang="fr-CH" sz="2800" dirty="0"/>
+              <a:t>FABRICATION</a:t>
+            </a:r>
+          </a:p>
+        </p:txBody>
+      </p:sp>
+      <p:sp>
+        <p:nvSpPr>
+          <p:cNvPr id="2" name="ZoneTexte 1">
+            <a:extLst>
+              <a:ext uri="{FF2B5EF4-FFF2-40B4-BE49-F238E27FC236}">
+                <a16:creationId xmlns:a16="http://schemas.microsoft.com/office/drawing/2014/main" id="{95A71DAD-C760-4FB1-9A97-CB83FC9A6215}"/>
+              </a:ext>
+            </a:extLst>
+          </p:cNvPr>
+          <p:cNvSpPr txBox="1"/>
           <p:nvPr/>
         </p:nvSpPr>
         <p:spPr>
           <a:xfrm>
-            <a:off x="1312243" y="2476983"/>
-            <a:ext cx="5512585" cy="1862048"/>
+            <a:off x="374248" y="902826"/>
+            <a:ext cx="6465464" cy="461665"/>
           </a:xfrm>
           <a:prstGeom prst="rect">
             <a:avLst/>
           </a:prstGeom>
+          <a:noFill/>
         </p:spPr>
         <p:txBody>
-          <a:bodyPr wrap="square">
+          <a:bodyPr wrap="square" rtlCol="0">
             <a:spAutoFit/>
           </a:bodyPr>
           <a:lstStyle/>
           <a:p>
             <a:r>
-              <a:rPr lang="fr-CH" sz="4800" dirty="0">
-                <a:cs typeface="Arial" panose="020B0604020202020204" pitchFamily="34" charset="0"/>
-              </a:rPr>
-              <a:t>Des questions </a:t>
-            </a:r>
-            <a:r>
-              <a:rPr lang="fr-CH" sz="11500" dirty="0">
-                <a:latin typeface="Andalus" panose="02020603050405020304" pitchFamily="18" charset="-78"/>
-                <a:cs typeface="Andalus" panose="02020603050405020304" pitchFamily="18" charset="-78"/>
-              </a:rPr>
-              <a:t>?</a:t>
+              <a:rPr lang="fr-CH" sz="2400" b="1" dirty="0" smtClean="0"/>
+              <a:t>Insérer les paires dans le connecteur</a:t>
+            </a:r>
+            <a:endParaRPr lang="fr-CH" sz="2400" b="1" dirty="0"/>
+          </a:p>
+        </p:txBody>
+      </p:sp>
+      <p:sp>
+        <p:nvSpPr>
+          <p:cNvPr id="4" name="ZoneTexte 3">
+            <a:extLst>
+              <a:ext uri="{FF2B5EF4-FFF2-40B4-BE49-F238E27FC236}">
+                <a16:creationId xmlns:a16="http://schemas.microsoft.com/office/drawing/2014/main" id="{FBE88C88-B8F1-497D-99A0-7069148CCDE5}"/>
+              </a:ext>
+            </a:extLst>
+          </p:cNvPr>
+          <p:cNvSpPr txBox="1"/>
+          <p:nvPr/>
+        </p:nvSpPr>
+        <p:spPr>
+          <a:xfrm>
+            <a:off x="374248" y="1514120"/>
+            <a:ext cx="6059803" cy="369332"/>
+          </a:xfrm>
+          <a:prstGeom prst="rect">
+            <a:avLst/>
+          </a:prstGeom>
+          <a:noFill/>
+        </p:spPr>
+        <p:txBody>
+          <a:bodyPr wrap="square" rtlCol="0">
+            <a:spAutoFit/>
+          </a:bodyPr>
+          <a:lstStyle/>
+          <a:p>
+            <a:r>
+              <a:rPr lang="fr-CH" dirty="0" smtClean="0"/>
+              <a:t>Faites attention à garder l’ordre des paires correct !</a:t>
             </a:r>
             <a:endParaRPr lang="fr-CH" sz="2000" dirty="0"/>
           </a:p>
         </p:txBody>
       </p:sp>
+      <p:pic>
+        <p:nvPicPr>
+          <p:cNvPr id="7" name="Image 6" descr="C:\Users\ac\Desktop\disposer-le-cable-dans-le-connecteur.jpg"/>
+          <p:cNvPicPr/>
+          <p:nvPr/>
+        </p:nvPicPr>
+        <p:blipFill>
+          <a:blip r:embed="rId2">
+            <a:extLst>
+              <a:ext uri="{28A0092B-C50C-407E-A947-70E740481C1C}">
+                <a14:useLocalDpi xmlns:a14="http://schemas.microsoft.com/office/drawing/2010/main" val="0"/>
+              </a:ext>
+            </a:extLst>
+          </a:blip>
+          <a:srcRect/>
+          <a:stretch>
+            <a:fillRect/>
+          </a:stretch>
+        </p:blipFill>
+        <p:spPr bwMode="auto">
+          <a:xfrm>
+            <a:off x="3486445" y="2436178"/>
+            <a:ext cx="4577270" cy="2794190"/>
+          </a:xfrm>
+          <a:prstGeom prst="rect">
+            <a:avLst/>
+          </a:prstGeom>
+          <a:noFill/>
+          <a:ln>
+            <a:noFill/>
+          </a:ln>
+        </p:spPr>
+      </p:pic>
     </p:spTree>
     <p:extLst>
       <p:ext uri="{BB962C8B-B14F-4D97-AF65-F5344CB8AC3E}">
-        <p14:creationId xmlns:p14="http://schemas.microsoft.com/office/powerpoint/2010/main" val="3904854099"/>
+        <p14:creationId xmlns:p14="http://schemas.microsoft.com/office/powerpoint/2010/main" val="1798901592"/>
       </p:ext>
     </p:extLst>
   </p:cSld>
@@ -15663,6 +15735,474 @@
       <p:bldP spid="4" grpId="0" build="p"/>
       <p:bldP spid="7" grpId="0"/>
     </p:bldLst>
+  </p:timing>
+</p:sld>
+</file>
+
+<file path=ppt/slides/slide40.xml><?xml version="1.0" encoding="utf-8"?>
+<p:sld xmlns:a="http://schemas.openxmlformats.org/drawingml/2006/main" xmlns:r="http://schemas.openxmlformats.org/officeDocument/2006/relationships" xmlns:p="http://schemas.openxmlformats.org/presentationml/2006/main">
+  <p:cSld>
+    <p:spTree>
+      <p:nvGrpSpPr>
+        <p:cNvPr id="1" name=""/>
+        <p:cNvGrpSpPr/>
+        <p:nvPr/>
+      </p:nvGrpSpPr>
+      <p:grpSpPr>
+        <a:xfrm>
+          <a:off x="0" y="0"/>
+          <a:ext cx="0" cy="0"/>
+          <a:chOff x="0" y="0"/>
+          <a:chExt cx="0" cy="0"/>
+        </a:xfrm>
+      </p:grpSpPr>
+      <p:sp>
+        <p:nvSpPr>
+          <p:cNvPr id="6" name="Title 1"/>
+          <p:cNvSpPr>
+            <a:spLocks noGrp="1"/>
+          </p:cNvSpPr>
+          <p:nvPr>
+            <p:ph type="title"/>
+          </p:nvPr>
+        </p:nvSpPr>
+        <p:spPr>
+          <a:xfrm>
+            <a:off x="0" y="0"/>
+            <a:ext cx="2488557" cy="510199"/>
+          </a:xfrm>
+        </p:spPr>
+        <p:txBody>
+          <a:bodyPr numCol="1">
+            <a:noAutofit/>
+          </a:bodyPr>
+          <a:lstStyle/>
+          <a:p>
+            <a:pPr algn="ctr"/>
+            <a:r>
+              <a:rPr lang="fr-CH" sz="2800" dirty="0"/>
+              <a:t>FABRICATION</a:t>
+            </a:r>
+          </a:p>
+        </p:txBody>
+      </p:sp>
+      <p:sp>
+        <p:nvSpPr>
+          <p:cNvPr id="2" name="ZoneTexte 1">
+            <a:extLst>
+              <a:ext uri="{FF2B5EF4-FFF2-40B4-BE49-F238E27FC236}">
+                <a16:creationId xmlns:a16="http://schemas.microsoft.com/office/drawing/2014/main" id="{95A71DAD-C760-4FB1-9A97-CB83FC9A6215}"/>
+              </a:ext>
+            </a:extLst>
+          </p:cNvPr>
+          <p:cNvSpPr txBox="1"/>
+          <p:nvPr/>
+        </p:nvSpPr>
+        <p:spPr>
+          <a:xfrm>
+            <a:off x="374248" y="902826"/>
+            <a:ext cx="6465464" cy="461665"/>
+          </a:xfrm>
+          <a:prstGeom prst="rect">
+            <a:avLst/>
+          </a:prstGeom>
+          <a:noFill/>
+        </p:spPr>
+        <p:txBody>
+          <a:bodyPr wrap="square" rtlCol="0">
+            <a:spAutoFit/>
+          </a:bodyPr>
+          <a:lstStyle/>
+          <a:p>
+            <a:r>
+              <a:rPr lang="fr-CH" sz="2400" b="1" dirty="0" smtClean="0"/>
+              <a:t>Sertir</a:t>
+            </a:r>
+            <a:endParaRPr lang="fr-CH" sz="2400" b="1" dirty="0"/>
+          </a:p>
+        </p:txBody>
+      </p:sp>
+      <p:sp>
+        <p:nvSpPr>
+          <p:cNvPr id="4" name="ZoneTexte 3">
+            <a:extLst>
+              <a:ext uri="{FF2B5EF4-FFF2-40B4-BE49-F238E27FC236}">
+                <a16:creationId xmlns:a16="http://schemas.microsoft.com/office/drawing/2014/main" id="{FBE88C88-B8F1-497D-99A0-7069148CCDE5}"/>
+              </a:ext>
+            </a:extLst>
+          </p:cNvPr>
+          <p:cNvSpPr txBox="1"/>
+          <p:nvPr/>
+        </p:nvSpPr>
+        <p:spPr>
+          <a:xfrm>
+            <a:off x="374248" y="1514120"/>
+            <a:ext cx="6059803" cy="646331"/>
+          </a:xfrm>
+          <a:prstGeom prst="rect">
+            <a:avLst/>
+          </a:prstGeom>
+          <a:noFill/>
+        </p:spPr>
+        <p:txBody>
+          <a:bodyPr wrap="square" rtlCol="0">
+            <a:spAutoFit/>
+          </a:bodyPr>
+          <a:lstStyle/>
+          <a:p>
+            <a:r>
+              <a:rPr lang="fr-CH" dirty="0" smtClean="0"/>
+              <a:t>Placez le connecteur dans la pince et appliquez une pression pour sertir le câble.</a:t>
+            </a:r>
+            <a:endParaRPr lang="fr-CH" sz="2000" dirty="0"/>
+          </a:p>
+        </p:txBody>
+      </p:sp>
+      <p:pic>
+        <p:nvPicPr>
+          <p:cNvPr id="1026" name="Picture 2" descr="sertir"/>
+          <p:cNvPicPr>
+            <a:picLocks noChangeAspect="1" noChangeArrowheads="1"/>
+          </p:cNvPicPr>
+          <p:nvPr/>
+        </p:nvPicPr>
+        <p:blipFill>
+          <a:blip r:embed="rId2">
+            <a:extLst>
+              <a:ext uri="{28A0092B-C50C-407E-A947-70E740481C1C}">
+                <a14:useLocalDpi xmlns:a14="http://schemas.microsoft.com/office/drawing/2010/main" val="0"/>
+              </a:ext>
+            </a:extLst>
+          </a:blip>
+          <a:srcRect/>
+          <a:stretch>
+            <a:fillRect/>
+          </a:stretch>
+        </p:blipFill>
+        <p:spPr bwMode="auto">
+          <a:xfrm>
+            <a:off x="3008377" y="2497900"/>
+            <a:ext cx="5513832" cy="3238565"/>
+          </a:xfrm>
+          <a:prstGeom prst="rect">
+            <a:avLst/>
+          </a:prstGeom>
+          <a:noFill/>
+          <a:ln>
+            <a:noFill/>
+          </a:ln>
+          <a:extLst>
+            <a:ext uri="{909E8E84-426E-40DD-AFC4-6F175D3DCCD1}">
+              <a14:hiddenFill xmlns:a14="http://schemas.microsoft.com/office/drawing/2010/main">
+                <a:solidFill>
+                  <a:srgbClr val="FFFFFF"/>
+                </a:solidFill>
+              </a14:hiddenFill>
+            </a:ext>
+            <a:ext uri="{91240B29-F687-4F45-9708-019B960494DF}">
+              <a14:hiddenLine xmlns:a14="http://schemas.microsoft.com/office/drawing/2010/main" w="9525">
+                <a:solidFill>
+                  <a:srgbClr val="000000"/>
+                </a:solidFill>
+                <a:miter lim="800000"/>
+                <a:headEnd/>
+                <a:tailEnd/>
+              </a14:hiddenLine>
+            </a:ext>
+          </a:extLst>
+        </p:spPr>
+      </p:pic>
+    </p:spTree>
+    <p:extLst>
+      <p:ext uri="{BB962C8B-B14F-4D97-AF65-F5344CB8AC3E}">
+        <p14:creationId xmlns:p14="http://schemas.microsoft.com/office/powerpoint/2010/main" val="3464589275"/>
+      </p:ext>
+    </p:extLst>
+  </p:cSld>
+  <p:clrMapOvr>
+    <a:masterClrMapping/>
+  </p:clrMapOvr>
+  <p:timing>
+    <p:tnLst>
+      <p:par>
+        <p:cTn id="1" dur="indefinite" restart="never" nodeType="tmRoot"/>
+      </p:par>
+    </p:tnLst>
+  </p:timing>
+</p:sld>
+</file>
+
+<file path=ppt/slides/slide41.xml><?xml version="1.0" encoding="utf-8"?>
+<p:sld xmlns:a="http://schemas.openxmlformats.org/drawingml/2006/main" xmlns:r="http://schemas.openxmlformats.org/officeDocument/2006/relationships" xmlns:p="http://schemas.openxmlformats.org/presentationml/2006/main">
+  <p:cSld>
+    <p:spTree>
+      <p:nvGrpSpPr>
+        <p:cNvPr id="1" name=""/>
+        <p:cNvGrpSpPr/>
+        <p:nvPr/>
+      </p:nvGrpSpPr>
+      <p:grpSpPr>
+        <a:xfrm>
+          <a:off x="0" y="0"/>
+          <a:ext cx="0" cy="0"/>
+          <a:chOff x="0" y="0"/>
+          <a:chExt cx="0" cy="0"/>
+        </a:xfrm>
+      </p:grpSpPr>
+      <p:sp>
+        <p:nvSpPr>
+          <p:cNvPr id="6" name="Title 1"/>
+          <p:cNvSpPr>
+            <a:spLocks noGrp="1"/>
+          </p:cNvSpPr>
+          <p:nvPr>
+            <p:ph type="title"/>
+          </p:nvPr>
+        </p:nvSpPr>
+        <p:spPr>
+          <a:xfrm>
+            <a:off x="0" y="0"/>
+            <a:ext cx="2488557" cy="510199"/>
+          </a:xfrm>
+        </p:spPr>
+        <p:txBody>
+          <a:bodyPr numCol="1">
+            <a:noAutofit/>
+          </a:bodyPr>
+          <a:lstStyle/>
+          <a:p>
+            <a:pPr algn="ctr"/>
+            <a:r>
+              <a:rPr lang="fr-CH" sz="2800" dirty="0"/>
+              <a:t>FABRICATION</a:t>
+            </a:r>
+          </a:p>
+        </p:txBody>
+      </p:sp>
+      <p:sp>
+        <p:nvSpPr>
+          <p:cNvPr id="2" name="ZoneTexte 1">
+            <a:extLst>
+              <a:ext uri="{FF2B5EF4-FFF2-40B4-BE49-F238E27FC236}">
+                <a16:creationId xmlns:a16="http://schemas.microsoft.com/office/drawing/2014/main" id="{95A71DAD-C760-4FB1-9A97-CB83FC9A6215}"/>
+              </a:ext>
+            </a:extLst>
+          </p:cNvPr>
+          <p:cNvSpPr txBox="1"/>
+          <p:nvPr/>
+        </p:nvSpPr>
+        <p:spPr>
+          <a:xfrm>
+            <a:off x="374248" y="902826"/>
+            <a:ext cx="6465464" cy="461665"/>
+          </a:xfrm>
+          <a:prstGeom prst="rect">
+            <a:avLst/>
+          </a:prstGeom>
+          <a:noFill/>
+        </p:spPr>
+        <p:txBody>
+          <a:bodyPr wrap="square" rtlCol="0">
+            <a:spAutoFit/>
+          </a:bodyPr>
+          <a:lstStyle/>
+          <a:p>
+            <a:r>
+              <a:rPr lang="fr-CH" sz="2400" b="1" dirty="0" smtClean="0"/>
+              <a:t>Couvre câble</a:t>
+            </a:r>
+            <a:endParaRPr lang="fr-CH" sz="2400" b="1" dirty="0"/>
+          </a:p>
+        </p:txBody>
+      </p:sp>
+      <p:sp>
+        <p:nvSpPr>
+          <p:cNvPr id="4" name="ZoneTexte 3">
+            <a:extLst>
+              <a:ext uri="{FF2B5EF4-FFF2-40B4-BE49-F238E27FC236}">
+                <a16:creationId xmlns:a16="http://schemas.microsoft.com/office/drawing/2014/main" id="{FBE88C88-B8F1-497D-99A0-7069148CCDE5}"/>
+              </a:ext>
+            </a:extLst>
+          </p:cNvPr>
+          <p:cNvSpPr txBox="1"/>
+          <p:nvPr/>
+        </p:nvSpPr>
+        <p:spPr>
+          <a:xfrm>
+            <a:off x="374248" y="1514120"/>
+            <a:ext cx="6059803" cy="923330"/>
+          </a:xfrm>
+          <a:prstGeom prst="rect">
+            <a:avLst/>
+          </a:prstGeom>
+          <a:noFill/>
+        </p:spPr>
+        <p:txBody>
+          <a:bodyPr wrap="square" rtlCol="0">
+            <a:spAutoFit/>
+          </a:bodyPr>
+          <a:lstStyle/>
+          <a:p>
+            <a:r>
+              <a:rPr lang="fr-CH" dirty="0" smtClean="0"/>
+              <a:t>Vous pouvez, si vous en disposez, appliquer un couvre câble qui sert à protéger et rend le câble plus joli</a:t>
+            </a:r>
+            <a:endParaRPr lang="fr-CH" sz="2000" dirty="0"/>
+          </a:p>
+        </p:txBody>
+      </p:sp>
+      <p:pic>
+        <p:nvPicPr>
+          <p:cNvPr id="3" name="Image 2"/>
+          <p:cNvPicPr>
+            <a:picLocks noChangeAspect="1"/>
+          </p:cNvPicPr>
+          <p:nvPr/>
+        </p:nvPicPr>
+        <p:blipFill>
+          <a:blip r:embed="rId2">
+            <a:extLst>
+              <a:ext uri="{28A0092B-C50C-407E-A947-70E740481C1C}">
+                <a14:useLocalDpi xmlns:a14="http://schemas.microsoft.com/office/drawing/2010/main" val="0"/>
+              </a:ext>
+            </a:extLst>
+          </a:blip>
+          <a:stretch>
+            <a:fillRect/>
+          </a:stretch>
+        </p:blipFill>
+        <p:spPr>
+          <a:xfrm>
+            <a:off x="2847299" y="2587079"/>
+            <a:ext cx="5489808" cy="3222686"/>
+          </a:xfrm>
+          <a:prstGeom prst="rect">
+            <a:avLst/>
+          </a:prstGeom>
+        </p:spPr>
+      </p:pic>
+    </p:spTree>
+    <p:extLst>
+      <p:ext uri="{BB962C8B-B14F-4D97-AF65-F5344CB8AC3E}">
+        <p14:creationId xmlns:p14="http://schemas.microsoft.com/office/powerpoint/2010/main" val="1379813282"/>
+      </p:ext>
+    </p:extLst>
+  </p:cSld>
+  <p:clrMapOvr>
+    <a:masterClrMapping/>
+  </p:clrMapOvr>
+  <p:timing>
+    <p:tnLst>
+      <p:par>
+        <p:cTn id="1" dur="indefinite" restart="never" nodeType="tmRoot"/>
+      </p:par>
+    </p:tnLst>
+  </p:timing>
+</p:sld>
+</file>
+
+<file path=ppt/slides/slide42.xml><?xml version="1.0" encoding="utf-8"?>
+<p:sld xmlns:a="http://schemas.openxmlformats.org/drawingml/2006/main" xmlns:r="http://schemas.openxmlformats.org/officeDocument/2006/relationships" xmlns:p="http://schemas.openxmlformats.org/presentationml/2006/main">
+  <p:cSld>
+    <p:spTree>
+      <p:nvGrpSpPr>
+        <p:cNvPr id="1" name=""/>
+        <p:cNvGrpSpPr/>
+        <p:nvPr/>
+      </p:nvGrpSpPr>
+      <p:grpSpPr>
+        <a:xfrm>
+          <a:off x="0" y="0"/>
+          <a:ext cx="0" cy="0"/>
+          <a:chOff x="0" y="0"/>
+          <a:chExt cx="0" cy="0"/>
+        </a:xfrm>
+      </p:grpSpPr>
+      <p:sp>
+        <p:nvSpPr>
+          <p:cNvPr id="2" name="Title 1"/>
+          <p:cNvSpPr>
+            <a:spLocks noGrp="1"/>
+          </p:cNvSpPr>
+          <p:nvPr>
+            <p:ph type="ctrTitle"/>
+          </p:nvPr>
+        </p:nvSpPr>
+        <p:spPr>
+          <a:xfrm rot="10800000" flipV="1">
+            <a:off x="1312243" y="1"/>
+            <a:ext cx="9567515" cy="2476981"/>
+          </a:xfrm>
+        </p:spPr>
+        <p:txBody>
+          <a:bodyPr anchor="ctr">
+            <a:noAutofit/>
+          </a:bodyPr>
+          <a:lstStyle/>
+          <a:p>
+            <a:r>
+              <a:rPr lang="fr-CH" sz="5400" dirty="0">
+                <a:cs typeface="Arial" panose="020B0604020202020204" pitchFamily="34" charset="0"/>
+              </a:rPr>
+              <a:t>Merci de votre écoute </a:t>
+            </a:r>
+          </a:p>
+        </p:txBody>
+      </p:sp>
+      <p:sp>
+        <p:nvSpPr>
+          <p:cNvPr id="3" name="Rectangle 2"/>
+          <p:cNvSpPr/>
+          <p:nvPr/>
+        </p:nvSpPr>
+        <p:spPr>
+          <a:xfrm>
+            <a:off x="1312243" y="2476983"/>
+            <a:ext cx="5512585" cy="1862048"/>
+          </a:xfrm>
+          <a:prstGeom prst="rect">
+            <a:avLst/>
+          </a:prstGeom>
+        </p:spPr>
+        <p:txBody>
+          <a:bodyPr wrap="square">
+            <a:spAutoFit/>
+          </a:bodyPr>
+          <a:lstStyle/>
+          <a:p>
+            <a:r>
+              <a:rPr lang="fr-CH" sz="4800" dirty="0">
+                <a:cs typeface="Arial" panose="020B0604020202020204" pitchFamily="34" charset="0"/>
+              </a:rPr>
+              <a:t>Des questions </a:t>
+            </a:r>
+            <a:r>
+              <a:rPr lang="fr-CH" sz="11500" dirty="0">
+                <a:latin typeface="Andalus" panose="02020603050405020304" pitchFamily="18" charset="-78"/>
+                <a:cs typeface="Andalus" panose="02020603050405020304" pitchFamily="18" charset="-78"/>
+              </a:rPr>
+              <a:t>?</a:t>
+            </a:r>
+            <a:endParaRPr lang="fr-CH" sz="2000" dirty="0"/>
+          </a:p>
+        </p:txBody>
+      </p:sp>
+    </p:spTree>
+    <p:extLst>
+      <p:ext uri="{BB962C8B-B14F-4D97-AF65-F5344CB8AC3E}">
+        <p14:creationId xmlns:p14="http://schemas.microsoft.com/office/powerpoint/2010/main" val="3904854099"/>
+      </p:ext>
+    </p:extLst>
+  </p:cSld>
+  <p:clrMapOvr>
+    <a:masterClrMapping/>
+  </p:clrMapOvr>
+  <p:timing>
+    <p:tnLst>
+      <p:par>
+        <p:cTn id="1" dur="indefinite" restart="never" nodeType="tmRoot"/>
+      </p:par>
+    </p:tnLst>
   </p:timing>
 </p:sld>
 </file>

--- a/Module 214 - Fabrication_Ethernet.pptx
+++ b/Module 214 - Fabrication_Ethernet.pptx
@@ -394,7 +394,7 @@
           <a:p>
             <a:fld id="{D406E69D-613E-4019-8533-7F772451DAA2}" type="datetimeFigureOut">
               <a:rPr lang="fr-CH" smtClean="0"/>
-              <a:t>02.05.2019</a:t>
+              <a:t>03.05.2019</a:t>
             </a:fld>
             <a:endParaRPr lang="fr-CH"/>
           </a:p>
@@ -830,7 +830,7 @@
           <a:p>
             <a:fld id="{D406E69D-613E-4019-8533-7F772451DAA2}" type="datetimeFigureOut">
               <a:rPr lang="fr-CH" smtClean="0"/>
-              <a:t>02.05.2019</a:t>
+              <a:t>03.05.2019</a:t>
             </a:fld>
             <a:endParaRPr lang="fr-CH"/>
           </a:p>
@@ -1080,7 +1080,7 @@
           <a:p>
             <a:fld id="{D406E69D-613E-4019-8533-7F772451DAA2}" type="datetimeFigureOut">
               <a:rPr lang="fr-CH" smtClean="0"/>
-              <a:t>02.05.2019</a:t>
+              <a:t>03.05.2019</a:t>
             </a:fld>
             <a:endParaRPr lang="fr-CH"/>
           </a:p>
@@ -1388,7 +1388,7 @@
           <a:p>
             <a:fld id="{D406E69D-613E-4019-8533-7F772451DAA2}" type="datetimeFigureOut">
               <a:rPr lang="fr-CH" smtClean="0"/>
-              <a:t>02.05.2019</a:t>
+              <a:t>03.05.2019</a:t>
             </a:fld>
             <a:endParaRPr lang="fr-CH"/>
           </a:p>
@@ -1706,7 +1706,7 @@
           <a:p>
             <a:fld id="{D406E69D-613E-4019-8533-7F772451DAA2}" type="datetimeFigureOut">
               <a:rPr lang="fr-CH" smtClean="0"/>
-              <a:t>02.05.2019</a:t>
+              <a:t>03.05.2019</a:t>
             </a:fld>
             <a:endParaRPr lang="fr-CH"/>
           </a:p>
@@ -2008,7 +2008,7 @@
           <a:p>
             <a:fld id="{D406E69D-613E-4019-8533-7F772451DAA2}" type="datetimeFigureOut">
               <a:rPr lang="fr-CH" smtClean="0"/>
-              <a:t>02.05.2019</a:t>
+              <a:t>03.05.2019</a:t>
             </a:fld>
             <a:endParaRPr lang="fr-CH"/>
           </a:p>
@@ -2375,7 +2375,7 @@
           <a:p>
             <a:fld id="{D406E69D-613E-4019-8533-7F772451DAA2}" type="datetimeFigureOut">
               <a:rPr lang="fr-CH" smtClean="0"/>
-              <a:t>02.05.2019</a:t>
+              <a:t>03.05.2019</a:t>
             </a:fld>
             <a:endParaRPr lang="fr-CH"/>
           </a:p>
@@ -2549,7 +2549,7 @@
           <a:p>
             <a:fld id="{D406E69D-613E-4019-8533-7F772451DAA2}" type="datetimeFigureOut">
               <a:rPr lang="fr-CH" smtClean="0"/>
-              <a:t>02.05.2019</a:t>
+              <a:t>03.05.2019</a:t>
             </a:fld>
             <a:endParaRPr lang="fr-CH"/>
           </a:p>
@@ -2729,7 +2729,7 @@
           <a:p>
             <a:fld id="{D406E69D-613E-4019-8533-7F772451DAA2}" type="datetimeFigureOut">
               <a:rPr lang="fr-CH" smtClean="0"/>
-              <a:t>02.05.2019</a:t>
+              <a:t>03.05.2019</a:t>
             </a:fld>
             <a:endParaRPr lang="fr-CH"/>
           </a:p>
@@ -2899,7 +2899,7 @@
           <a:p>
             <a:fld id="{D406E69D-613E-4019-8533-7F772451DAA2}" type="datetimeFigureOut">
               <a:rPr lang="fr-CH" smtClean="0"/>
-              <a:t>02.05.2019</a:t>
+              <a:t>03.05.2019</a:t>
             </a:fld>
             <a:endParaRPr lang="fr-CH"/>
           </a:p>
@@ -3149,7 +3149,7 @@
           <a:p>
             <a:fld id="{D406E69D-613E-4019-8533-7F772451DAA2}" type="datetimeFigureOut">
               <a:rPr lang="fr-CH" smtClean="0"/>
-              <a:t>02.05.2019</a:t>
+              <a:t>03.05.2019</a:t>
             </a:fld>
             <a:endParaRPr lang="fr-CH"/>
           </a:p>
@@ -3385,7 +3385,7 @@
           <a:p>
             <a:fld id="{D406E69D-613E-4019-8533-7F772451DAA2}" type="datetimeFigureOut">
               <a:rPr lang="fr-CH" smtClean="0"/>
-              <a:t>02.05.2019</a:t>
+              <a:t>03.05.2019</a:t>
             </a:fld>
             <a:endParaRPr lang="fr-CH"/>
           </a:p>
@@ -3767,7 +3767,7 @@
           <a:p>
             <a:fld id="{D406E69D-613E-4019-8533-7F772451DAA2}" type="datetimeFigureOut">
               <a:rPr lang="fr-CH" smtClean="0"/>
-              <a:t>02.05.2019</a:t>
+              <a:t>03.05.2019</a:t>
             </a:fld>
             <a:endParaRPr lang="fr-CH"/>
           </a:p>
@@ -3885,7 +3885,7 @@
           <a:p>
             <a:fld id="{D406E69D-613E-4019-8533-7F772451DAA2}" type="datetimeFigureOut">
               <a:rPr lang="fr-CH" smtClean="0"/>
-              <a:t>02.05.2019</a:t>
+              <a:t>03.05.2019</a:t>
             </a:fld>
             <a:endParaRPr lang="fr-CH"/>
           </a:p>
@@ -3980,7 +3980,7 @@
           <a:p>
             <a:fld id="{D406E69D-613E-4019-8533-7F772451DAA2}" type="datetimeFigureOut">
               <a:rPr lang="fr-CH" smtClean="0"/>
-              <a:t>02.05.2019</a:t>
+              <a:t>03.05.2019</a:t>
             </a:fld>
             <a:endParaRPr lang="fr-CH"/>
           </a:p>
@@ -4235,7 +4235,7 @@
           <a:p>
             <a:fld id="{D406E69D-613E-4019-8533-7F772451DAA2}" type="datetimeFigureOut">
               <a:rPr lang="fr-CH" smtClean="0"/>
-              <a:t>02.05.2019</a:t>
+              <a:t>03.05.2019</a:t>
             </a:fld>
             <a:endParaRPr lang="fr-CH"/>
           </a:p>
@@ -4518,7 +4518,7 @@
           <a:p>
             <a:fld id="{D406E69D-613E-4019-8533-7F772451DAA2}" type="datetimeFigureOut">
               <a:rPr lang="fr-CH" smtClean="0"/>
-              <a:t>02.05.2019</a:t>
+              <a:t>03.05.2019</a:t>
             </a:fld>
             <a:endParaRPr lang="fr-CH"/>
           </a:p>
@@ -4924,7 +4924,7 @@
           <a:p>
             <a:fld id="{D406E69D-613E-4019-8533-7F772451DAA2}" type="datetimeFigureOut">
               <a:rPr lang="fr-CH" smtClean="0"/>
-              <a:t>02.05.2019</a:t>
+              <a:t>03.05.2019</a:t>
             </a:fld>
             <a:endParaRPr lang="fr-CH"/>
           </a:p>
@@ -6285,7 +6285,7 @@
         </p:spPr>
         <p:txBody>
           <a:bodyPr>
-            <a:normAutofit fontScale="92500" lnSpcReduction="10000"/>
+            <a:normAutofit lnSpcReduction="10000"/>
           </a:bodyPr>
           <a:lstStyle/>
           <a:p>
@@ -6295,7 +6295,7 @@
               </a:lnSpc>
             </a:pPr>
             <a:r>
-              <a:rPr lang="fr-CH" sz="4400" dirty="0" smtClean="0">
+              <a:rPr lang="fr-CH" sz="4400" dirty="0">
                 <a:solidFill>
                   <a:schemeClr val="tx1"/>
                 </a:solidFill>
@@ -6310,20 +6310,12 @@
               </a:lnSpc>
             </a:pPr>
             <a:r>
-              <a:rPr lang="fr-CH" sz="4400" dirty="0" smtClean="0">
+              <a:rPr lang="fr-CH" sz="4400" dirty="0">
                 <a:solidFill>
                   <a:schemeClr val="tx1"/>
                 </a:solidFill>
               </a:rPr>
-              <a:t>CAT5 </a:t>
-            </a:r>
-            <a:r>
-              <a:rPr lang="fr-CH" sz="4400" dirty="0">
-                <a:solidFill>
-                  <a:schemeClr val="tx1"/>
-                </a:solidFill>
-              </a:rPr>
-              <a:t>/ 5E</a:t>
+              <a:t>CAT5 / 5E</a:t>
             </a:r>
           </a:p>
           <a:p>
@@ -6413,13 +6405,6 @@
   <p:clrMapOvr>
     <a:masterClrMapping/>
   </p:clrMapOvr>
-  <p:timing>
-    <p:tnLst>
-      <p:par>
-        <p:cTn id="1" dur="indefinite" restart="never" nodeType="tmRoot"/>
-      </p:par>
-    </p:tnLst>
-  </p:timing>
 </p:sld>
 </file>
 
@@ -6504,13 +6489,6 @@
   <p:clrMapOvr>
     <a:masterClrMapping/>
   </p:clrMapOvr>
-  <p:timing>
-    <p:tnLst>
-      <p:par>
-        <p:cTn id="1" dur="indefinite" restart="never" nodeType="tmRoot"/>
-      </p:par>
-    </p:tnLst>
-  </p:timing>
 </p:sld>
 </file>
 
@@ -6580,13 +6558,8 @@
             <a:pPr algn="ctr"/>
             <a:r>
               <a:rPr lang="fr-CH" sz="2800" dirty="0"/>
-              <a:t>CATEGORIE </a:t>
-            </a:r>
-            <a:r>
-              <a:rPr lang="fr-CH" sz="2800" dirty="0" smtClean="0"/>
-              <a:t>5 / 5E</a:t>
-            </a:r>
-            <a:endParaRPr lang="fr-CH" sz="2800" dirty="0"/>
+              <a:t>CATEGORIE 5 / 5E</a:t>
+            </a:r>
           </a:p>
         </p:txBody>
       </p:sp>
@@ -6600,13 +6573,6 @@
   <p:clrMapOvr>
     <a:masterClrMapping/>
   </p:clrMapOvr>
-  <p:timing>
-    <p:tnLst>
-      <p:par>
-        <p:cTn id="1" dur="indefinite" restart="never" nodeType="tmRoot"/>
-      </p:par>
-    </p:tnLst>
-  </p:timing>
 </p:sld>
 </file>
 
@@ -6676,13 +6642,8 @@
             <a:pPr algn="ctr"/>
             <a:r>
               <a:rPr lang="fr-CH" sz="2800" dirty="0"/>
-              <a:t>CATEGORIE </a:t>
-            </a:r>
-            <a:r>
-              <a:rPr lang="fr-CH" sz="2800" dirty="0" smtClean="0"/>
-              <a:t>5 / 5E</a:t>
-            </a:r>
-            <a:endParaRPr lang="fr-CH" sz="2800" dirty="0"/>
+              <a:t>CATEGORIE 5 / 5E</a:t>
+            </a:r>
           </a:p>
         </p:txBody>
       </p:sp>
@@ -6696,13 +6657,6 @@
   <p:clrMapOvr>
     <a:masterClrMapping/>
   </p:clrMapOvr>
-  <p:timing>
-    <p:tnLst>
-      <p:par>
-        <p:cTn id="1" dur="indefinite" restart="never" nodeType="tmRoot"/>
-      </p:par>
-    </p:tnLst>
-  </p:timing>
 </p:sld>
 </file>
 
@@ -6749,18 +6703,13 @@
               <a:buNone/>
             </a:pPr>
             <a:r>
-              <a:rPr lang="fr-CH" sz="2400" b="1" u="sng" dirty="0" smtClean="0">
+              <a:rPr lang="fr-CH" sz="2400" b="1" u="sng" dirty="0">
                 <a:solidFill>
                   <a:schemeClr val="tx1"/>
                 </a:solidFill>
               </a:rPr>
               <a:t>Caractéristiques technique CAT6:</a:t>
             </a:r>
-            <a:endParaRPr lang="fr-CH" sz="2400" b="1" u="sng" dirty="0">
-              <a:solidFill>
-                <a:schemeClr val="tx1"/>
-              </a:solidFill>
-            </a:endParaRPr>
           </a:p>
           <a:p>
             <a:pPr lvl="1"/>
@@ -6829,36 +6778,8 @@
                   <a:schemeClr val="tx1"/>
                 </a:solidFill>
               </a:rPr>
-              <a:t>250 </a:t>
-            </a:r>
-            <a:r>
-              <a:rPr lang="fr-CH" b="1" dirty="0" smtClean="0">
-                <a:solidFill>
-                  <a:schemeClr val="tx1"/>
-                </a:solidFill>
-              </a:rPr>
-              <a:t>Mhz</a:t>
-            </a:r>
-          </a:p>
-          <a:p>
-            <a:pPr marL="457200" lvl="1" indent="0">
-              <a:buNone/>
-            </a:pPr>
-            <a:endParaRPr lang="fr-CH" b="1" dirty="0" smtClean="0">
-              <a:solidFill>
-                <a:schemeClr val="tx1"/>
-              </a:solidFill>
-            </a:endParaRPr>
-          </a:p>
-          <a:p>
-            <a:pPr marL="457200" lvl="1" indent="0">
-              <a:buNone/>
-            </a:pPr>
-            <a:endParaRPr lang="fr-CH" b="1" dirty="0" smtClean="0">
-              <a:solidFill>
-                <a:schemeClr val="tx1"/>
-              </a:solidFill>
-            </a:endParaRPr>
+              <a:t>250 Mhz</a:t>
+            </a:r>
           </a:p>
           <a:p>
             <a:pPr marL="457200" lvl="1" indent="0">
@@ -6871,6 +6792,26 @@
             </a:endParaRPr>
           </a:p>
           <a:p>
+            <a:pPr marL="457200" lvl="1" indent="0">
+              <a:buNone/>
+            </a:pPr>
+            <a:endParaRPr lang="fr-CH" b="1" dirty="0">
+              <a:solidFill>
+                <a:schemeClr val="tx1"/>
+              </a:solidFill>
+            </a:endParaRPr>
+          </a:p>
+          <a:p>
+            <a:pPr marL="457200" lvl="1" indent="0">
+              <a:buNone/>
+            </a:pPr>
+            <a:endParaRPr lang="fr-CH" b="1" dirty="0">
+              <a:solidFill>
+                <a:schemeClr val="tx1"/>
+              </a:solidFill>
+            </a:endParaRPr>
+          </a:p>
+          <a:p>
             <a:pPr marL="0" indent="0">
               <a:buNone/>
             </a:pPr>
@@ -7002,13 +6943,8 @@
             <a:pPr algn="ctr"/>
             <a:r>
               <a:rPr lang="fr-CH" sz="2800" dirty="0"/>
-              <a:t>CATEGORIE </a:t>
-            </a:r>
-            <a:r>
-              <a:rPr lang="fr-CH" sz="2800" dirty="0" smtClean="0"/>
-              <a:t>6 / 6A</a:t>
-            </a:r>
-            <a:endParaRPr lang="fr-CH" sz="2800" dirty="0"/>
+              <a:t>CATEGORIE 6 / 6A</a:t>
+            </a:r>
           </a:p>
         </p:txBody>
       </p:sp>
@@ -7469,15 +7405,7 @@
                   <a:schemeClr val="tx1"/>
                 </a:solidFill>
               </a:rPr>
-              <a:t>Caractéristiques </a:t>
-            </a:r>
-            <a:r>
-              <a:rPr lang="fr-CH" b="1" u="sng" dirty="0" smtClean="0">
-                <a:solidFill>
-                  <a:schemeClr val="tx1"/>
-                </a:solidFill>
-              </a:rPr>
-              <a:t>physique CAT6 / CAT 6A:</a:t>
+              <a:t>Caractéristiques physique CAT6 / CAT 6A:</a:t>
             </a:r>
           </a:p>
         </p:txBody>
@@ -7688,13 +7616,8 @@
             <a:pPr algn="ctr"/>
             <a:r>
               <a:rPr lang="fr-CH" sz="2800" dirty="0"/>
-              <a:t>CATEGORIE </a:t>
-            </a:r>
-            <a:r>
-              <a:rPr lang="fr-CH" sz="2800" dirty="0" smtClean="0"/>
-              <a:t>6 / 6A</a:t>
-            </a:r>
-            <a:endParaRPr lang="fr-CH" sz="2800" dirty="0"/>
+              <a:t>CATEGORIE 6 / 6A</a:t>
+            </a:r>
           </a:p>
         </p:txBody>
       </p:sp>
@@ -8162,7 +8085,7 @@
             <a:pPr marL="457200" lvl="1" indent="0">
               <a:buNone/>
             </a:pPr>
-            <a:endParaRPr lang="fr-CH" dirty="0" smtClean="0">
+            <a:endParaRPr lang="fr-CH" dirty="0">
               <a:solidFill>
                 <a:schemeClr val="tx1"/>
               </a:solidFill>
@@ -9090,13 +9013,6 @@
   <p:clrMapOvr>
     <a:masterClrMapping/>
   </p:clrMapOvr>
-  <p:timing>
-    <p:tnLst>
-      <p:par>
-        <p:cTn id="1" dur="indefinite" restart="never" nodeType="tmRoot"/>
-      </p:par>
-    </p:tnLst>
-  </p:timing>
 </p:sld>
 </file>
 
@@ -11637,13 +11553,6 @@
   <p:clrMapOvr>
     <a:masterClrMapping/>
   </p:clrMapOvr>
-  <p:timing>
-    <p:tnLst>
-      <p:par>
-        <p:cTn id="1" dur="indefinite" restart="never" nodeType="tmRoot"/>
-      </p:par>
-    </p:tnLst>
-  </p:timing>
 </p:sld>
 </file>
 
@@ -11922,13 +11831,6 @@
   <p:clrMapOvr>
     <a:masterClrMapping/>
   </p:clrMapOvr>
-  <p:timing>
-    <p:tnLst>
-      <p:par>
-        <p:cTn id="1" dur="indefinite" restart="never" nodeType="tmRoot"/>
-      </p:par>
-    </p:tnLst>
-  </p:timing>
 </p:sld>
 </file>
 
@@ -12126,13 +12028,6 @@
   <p:clrMapOvr>
     <a:masterClrMapping/>
   </p:clrMapOvr>
-  <p:timing>
-    <p:tnLst>
-      <p:par>
-        <p:cTn id="1" dur="indefinite" restart="never" nodeType="tmRoot"/>
-      </p:par>
-    </p:tnLst>
-  </p:timing>
 </p:sld>
 </file>
 
@@ -12409,13 +12304,6 @@
   <p:clrMapOvr>
     <a:masterClrMapping/>
   </p:clrMapOvr>
-  <p:timing>
-    <p:tnLst>
-      <p:par>
-        <p:cTn id="1" dur="indefinite" restart="never" nodeType="tmRoot"/>
-      </p:par>
-    </p:tnLst>
-  </p:timing>
 </p:sld>
 </file>
 
@@ -12743,6 +12631,34 @@
               </a:rPr>
               <a:t>Cette présentation à comme objectifs :</a:t>
             </a:r>
+          </a:p>
+          <a:p>
+            <a:pPr lvl="2">
+              <a:lnSpc>
+                <a:spcPct val="150000"/>
+              </a:lnSpc>
+            </a:pPr>
+            <a:r>
+              <a:rPr lang="fr-CH" sz="1800" dirty="0">
+                <a:solidFill>
+                  <a:schemeClr val="tx1"/>
+                </a:solidFill>
+              </a:rPr>
+              <a:t>Expliquer l’histoire et les usages du </a:t>
+            </a:r>
+            <a:r>
+              <a:rPr lang="fr-CH" sz="1800">
+                <a:solidFill>
+                  <a:schemeClr val="tx1"/>
+                </a:solidFill>
+              </a:rPr>
+              <a:t>câble Ethernet</a:t>
+            </a:r>
+            <a:endParaRPr lang="fr-CH" sz="1800" dirty="0">
+              <a:solidFill>
+                <a:schemeClr val="tx1"/>
+              </a:solidFill>
+            </a:endParaRPr>
           </a:p>
           <a:p>
             <a:pPr lvl="2">
@@ -13282,13 +13198,6 @@
   <p:clrMapOvr>
     <a:masterClrMapping/>
   </p:clrMapOvr>
-  <p:timing>
-    <p:tnLst>
-      <p:par>
-        <p:cTn id="1" dur="indefinite" restart="never" nodeType="tmRoot"/>
-      </p:par>
-    </p:tnLst>
-  </p:timing>
 </p:sld>
 </file>
 
@@ -13555,13 +13464,6 @@
   <p:clrMapOvr>
     <a:masterClrMapping/>
   </p:clrMapOvr>
-  <p:timing>
-    <p:tnLst>
-      <p:par>
-        <p:cTn id="1" dur="indefinite" restart="never" nodeType="tmRoot"/>
-      </p:par>
-    </p:tnLst>
-  </p:timing>
 </p:sld>
 </file>
 
@@ -13642,13 +13544,6 @@
   <p:clrMapOvr>
     <a:masterClrMapping/>
   </p:clrMapOvr>
-  <p:timing>
-    <p:tnLst>
-      <p:par>
-        <p:cTn id="1" dur="indefinite" restart="never" nodeType="tmRoot"/>
-      </p:par>
-    </p:tnLst>
-  </p:timing>
 </p:sld>
 </file>
 
@@ -13852,13 +13747,6 @@
   <p:clrMapOvr>
     <a:masterClrMapping/>
   </p:clrMapOvr>
-  <p:timing>
-    <p:tnLst>
-      <p:par>
-        <p:cTn id="1" dur="indefinite" restart="never" nodeType="tmRoot"/>
-      </p:par>
-    </p:tnLst>
-  </p:timing>
 </p:sld>
 </file>
 
@@ -13998,13 +13886,6 @@
   <p:clrMapOvr>
     <a:masterClrMapping/>
   </p:clrMapOvr>
-  <p:timing>
-    <p:tnLst>
-      <p:par>
-        <p:cTn id="1" dur="indefinite" restart="never" nodeType="tmRoot"/>
-      </p:par>
-    </p:tnLst>
-  </p:timing>
 </p:sld>
 </file>
 
@@ -14171,13 +14052,6 @@
   <p:clrMapOvr>
     <a:masterClrMapping/>
   </p:clrMapOvr>
-  <p:timing>
-    <p:tnLst>
-      <p:par>
-        <p:cTn id="1" dur="indefinite" restart="never" nodeType="tmRoot"/>
-      </p:par>
-    </p:tnLst>
-  </p:timing>
 </p:sld>
 </file>
 
@@ -14257,10 +14131,9 @@
           <a:lstStyle/>
           <a:p>
             <a:r>
-              <a:rPr lang="fr-CH" sz="2400" b="1" dirty="0" smtClean="0"/>
+              <a:rPr lang="fr-CH" sz="2400" b="1" dirty="0"/>
               <a:t>Décroiser les câbles</a:t>
             </a:r>
-            <a:endParaRPr lang="fr-CH" sz="2400" b="1" dirty="0"/>
           </a:p>
         </p:txBody>
       </p:sp>
@@ -14302,11 +14175,7 @@
             </a:r>
             <a:r>
               <a:rPr lang="fr-CH" dirty="0"/>
-              <a:t>. Si le câble est blindé vous devez aussi détresser le </a:t>
-            </a:r>
-            <a:r>
-              <a:rPr lang="fr-CH" dirty="0" smtClean="0"/>
-              <a:t>blindage.</a:t>
+              <a:t>. Si le câble est blindé vous devez aussi détresser le blindage.</a:t>
             </a:r>
             <a:endParaRPr lang="fr-CH" sz="2000" dirty="0"/>
           </a:p>
@@ -14363,13 +14232,6 @@
   <p:clrMapOvr>
     <a:masterClrMapping/>
   </p:clrMapOvr>
-  <p:timing>
-    <p:tnLst>
-      <p:par>
-        <p:cTn id="1" dur="indefinite" restart="never" nodeType="tmRoot"/>
-      </p:par>
-    </p:tnLst>
-  </p:timing>
 </p:sld>
 </file>
 
@@ -14449,10 +14311,9 @@
           <a:lstStyle/>
           <a:p>
             <a:r>
-              <a:rPr lang="fr-CH" sz="2400" b="1" dirty="0" smtClean="0"/>
+              <a:rPr lang="fr-CH" sz="2400" b="1" dirty="0"/>
               <a:t>Aligner les paires</a:t>
             </a:r>
-            <a:endParaRPr lang="fr-CH" sz="2400" b="1" dirty="0"/>
           </a:p>
         </p:txBody>
       </p:sp>
@@ -14485,7 +14346,7 @@
           <a:lstStyle/>
           <a:p>
             <a:r>
-              <a:rPr lang="fr-CH" dirty="0" smtClean="0"/>
+              <a:rPr lang="fr-CH" dirty="0"/>
               <a:t>Aligner les paires selon le type de câble que vous voulez créer.</a:t>
             </a:r>
             <a:endParaRPr lang="fr-CH" sz="2000" dirty="0"/>
@@ -14616,7 +14477,7 @@
           <a:lstStyle/>
           <a:p>
             <a:r>
-              <a:rPr lang="fr-CH" dirty="0" smtClean="0"/>
+              <a:rPr lang="fr-CH" dirty="0"/>
               <a:t>Pour connecter à un switch ou un routeur</a:t>
             </a:r>
             <a:endParaRPr lang="fr-CH" sz="2000" dirty="0"/>
@@ -14652,7 +14513,7 @@
           <a:lstStyle/>
           <a:p>
             <a:r>
-              <a:rPr lang="fr-CH" dirty="0" smtClean="0"/>
+              <a:rPr lang="fr-CH" dirty="0"/>
               <a:t>Pour connecter 2 ordinateurs</a:t>
             </a:r>
             <a:endParaRPr lang="fr-CH" sz="2000" dirty="0"/>
@@ -14669,13 +14530,6 @@
   <p:clrMapOvr>
     <a:masterClrMapping/>
   </p:clrMapOvr>
-  <p:timing>
-    <p:tnLst>
-      <p:par>
-        <p:cTn id="1" dur="indefinite" restart="never" nodeType="tmRoot"/>
-      </p:par>
-    </p:tnLst>
-  </p:timing>
 </p:sld>
 </file>
 
@@ -14755,10 +14609,9 @@
           <a:lstStyle/>
           <a:p>
             <a:r>
-              <a:rPr lang="fr-CH" sz="2400" b="1" dirty="0" smtClean="0"/>
+              <a:rPr lang="fr-CH" sz="2400" b="1" dirty="0"/>
               <a:t>Couper les paires</a:t>
             </a:r>
-            <a:endParaRPr lang="fr-CH" sz="2400" b="1" dirty="0"/>
           </a:p>
         </p:txBody>
       </p:sp>
@@ -14791,7 +14644,7 @@
           <a:lstStyle/>
           <a:p>
             <a:r>
-              <a:rPr lang="fr-CH" dirty="0" smtClean="0"/>
+              <a:rPr lang="fr-CH" dirty="0"/>
               <a:t>Il faut bien aligner et couper droit les paires pour qu’elles touchent toutes les contacts du connecteur</a:t>
             </a:r>
             <a:endParaRPr lang="fr-CH" sz="2000" dirty="0"/>
@@ -14849,13 +14702,6 @@
   <p:clrMapOvr>
     <a:masterClrMapping/>
   </p:clrMapOvr>
-  <p:timing>
-    <p:tnLst>
-      <p:par>
-        <p:cTn id="1" dur="indefinite" restart="never" nodeType="tmRoot"/>
-      </p:par>
-    </p:tnLst>
-  </p:timing>
 </p:sld>
 </file>
 
@@ -14935,10 +14781,9 @@
           <a:lstStyle/>
           <a:p>
             <a:r>
-              <a:rPr lang="fr-CH" sz="2400" b="1" dirty="0" smtClean="0"/>
+              <a:rPr lang="fr-CH" sz="2400" b="1" dirty="0"/>
               <a:t>Insérer les paires dans le connecteur</a:t>
             </a:r>
-            <a:endParaRPr lang="fr-CH" sz="2400" b="1" dirty="0"/>
           </a:p>
         </p:txBody>
       </p:sp>
@@ -14971,7 +14816,7 @@
           <a:lstStyle/>
           <a:p>
             <a:r>
-              <a:rPr lang="fr-CH" dirty="0" smtClean="0"/>
+              <a:rPr lang="fr-CH" dirty="0"/>
               <a:t>Faites attention à garder l’ordre des paires correct !</a:t>
             </a:r>
             <a:endParaRPr lang="fr-CH" sz="2000" dirty="0"/>
@@ -15021,13 +14866,6 @@
   <p:clrMapOvr>
     <a:masterClrMapping/>
   </p:clrMapOvr>
-  <p:timing>
-    <p:tnLst>
-      <p:par>
-        <p:cTn id="1" dur="indefinite" restart="never" nodeType="tmRoot"/>
-      </p:par>
-    </p:tnLst>
-  </p:timing>
 </p:sld>
 </file>
 
@@ -15131,7 +14969,7 @@
         </p:nvGrpSpPr>
         <p:grpSpPr>
           <a:xfrm>
-            <a:off x="1474498" y="2218908"/>
+            <a:off x="3481387" y="2236719"/>
             <a:ext cx="1743075" cy="2081624"/>
             <a:chOff x="1467663" y="1689372"/>
             <a:chExt cx="1743075" cy="2081624"/>
@@ -15222,7 +15060,7 @@
         </p:nvGrpSpPr>
         <p:grpSpPr>
           <a:xfrm>
-            <a:off x="4557882" y="2218908"/>
+            <a:off x="6967538" y="2218908"/>
             <a:ext cx="1743076" cy="2099435"/>
             <a:chOff x="4443527" y="1689372"/>
             <a:chExt cx="1743076" cy="2099435"/>
@@ -15815,10 +15653,9 @@
           <a:lstStyle/>
           <a:p>
             <a:r>
-              <a:rPr lang="fr-CH" sz="2400" b="1" dirty="0" smtClean="0"/>
+              <a:rPr lang="fr-CH" sz="2400" b="1" dirty="0"/>
               <a:t>Sertir</a:t>
             </a:r>
-            <a:endParaRPr lang="fr-CH" sz="2400" b="1" dirty="0"/>
           </a:p>
         </p:txBody>
       </p:sp>
@@ -15851,7 +15688,7 @@
           <a:lstStyle/>
           <a:p>
             <a:r>
-              <a:rPr lang="fr-CH" dirty="0" smtClean="0"/>
+              <a:rPr lang="fr-CH" dirty="0"/>
               <a:t>Placez le connecteur dans la pince et appliquez une pression pour sertir le câble.</a:t>
             </a:r>
             <a:endParaRPr lang="fr-CH" sz="2000" dirty="0"/>
@@ -15922,13 +15759,6 @@
   <p:clrMapOvr>
     <a:masterClrMapping/>
   </p:clrMapOvr>
-  <p:timing>
-    <p:tnLst>
-      <p:par>
-        <p:cTn id="1" dur="indefinite" restart="never" nodeType="tmRoot"/>
-      </p:par>
-    </p:tnLst>
-  </p:timing>
 </p:sld>
 </file>
 
@@ -16008,10 +15838,9 @@
           <a:lstStyle/>
           <a:p>
             <a:r>
-              <a:rPr lang="fr-CH" sz="2400" b="1" dirty="0" smtClean="0"/>
+              <a:rPr lang="fr-CH" sz="2400" b="1" dirty="0"/>
               <a:t>Couvre câble</a:t>
             </a:r>
-            <a:endParaRPr lang="fr-CH" sz="2400" b="1" dirty="0"/>
           </a:p>
         </p:txBody>
       </p:sp>
@@ -16044,7 +15873,7 @@
           <a:lstStyle/>
           <a:p>
             <a:r>
-              <a:rPr lang="fr-CH" dirty="0" smtClean="0"/>
+              <a:rPr lang="fr-CH" dirty="0"/>
               <a:t>Vous pouvez, si vous en disposez, appliquer un couvre câble qui sert à protéger et rend le câble plus joli</a:t>
             </a:r>
             <a:endParaRPr lang="fr-CH" sz="2000" dirty="0"/>
@@ -16091,13 +15920,6 @@
   <p:clrMapOvr>
     <a:masterClrMapping/>
   </p:clrMapOvr>
-  <p:timing>
-    <p:tnLst>
-      <p:par>
-        <p:cTn id="1" dur="indefinite" restart="never" nodeType="tmRoot"/>
-      </p:par>
-    </p:tnLst>
-  </p:timing>
 </p:sld>
 </file>
 
@@ -16197,13 +16019,6 @@
   <p:clrMapOvr>
     <a:masterClrMapping/>
   </p:clrMapOvr>
-  <p:timing>
-    <p:tnLst>
-      <p:par>
-        <p:cTn id="1" dur="indefinite" restart="never" nodeType="tmRoot"/>
-      </p:par>
-    </p:tnLst>
-  </p:timing>
 </p:sld>
 </file>
 
@@ -17210,13 +17025,6 @@
   <p:clrMapOvr>
     <a:masterClrMapping/>
   </p:clrMapOvr>
-  <p:timing>
-    <p:tnLst>
-      <p:par>
-        <p:cTn id="1" dur="indefinite" restart="never" nodeType="tmRoot"/>
-      </p:par>
-    </p:tnLst>
-  </p:timing>
 </p:sld>
 </file>
 

--- a/Module 214 - Fabrication_Ethernet.pptx
+++ b/Module 214 - Fabrication_Ethernet.pptx
@@ -18,35 +18,33 @@
     <p:sldId id="261" r:id="rId12"/>
     <p:sldId id="313" r:id="rId13"/>
     <p:sldId id="273" r:id="rId14"/>
-    <p:sldId id="314" r:id="rId15"/>
-    <p:sldId id="305" r:id="rId16"/>
-    <p:sldId id="306" r:id="rId17"/>
-    <p:sldId id="307" r:id="rId18"/>
-    <p:sldId id="274" r:id="rId19"/>
-    <p:sldId id="260" r:id="rId20"/>
-    <p:sldId id="288" r:id="rId21"/>
-    <p:sldId id="289" r:id="rId22"/>
-    <p:sldId id="290" r:id="rId23"/>
-    <p:sldId id="291" r:id="rId24"/>
-    <p:sldId id="292" r:id="rId25"/>
-    <p:sldId id="293" r:id="rId26"/>
-    <p:sldId id="294" r:id="rId27"/>
-    <p:sldId id="262" r:id="rId28"/>
-    <p:sldId id="295" r:id="rId29"/>
-    <p:sldId id="297" r:id="rId30"/>
-    <p:sldId id="263" r:id="rId31"/>
-    <p:sldId id="309" r:id="rId32"/>
-    <p:sldId id="308" r:id="rId33"/>
-    <p:sldId id="264" r:id="rId34"/>
-    <p:sldId id="310" r:id="rId35"/>
-    <p:sldId id="311" r:id="rId36"/>
-    <p:sldId id="315" r:id="rId37"/>
-    <p:sldId id="316" r:id="rId38"/>
-    <p:sldId id="317" r:id="rId39"/>
-    <p:sldId id="318" r:id="rId40"/>
-    <p:sldId id="319" r:id="rId41"/>
-    <p:sldId id="320" r:id="rId42"/>
-    <p:sldId id="265" r:id="rId43"/>
+    <p:sldId id="305" r:id="rId15"/>
+    <p:sldId id="306" r:id="rId16"/>
+    <p:sldId id="307" r:id="rId17"/>
+    <p:sldId id="274" r:id="rId18"/>
+    <p:sldId id="260" r:id="rId19"/>
+    <p:sldId id="288" r:id="rId20"/>
+    <p:sldId id="289" r:id="rId21"/>
+    <p:sldId id="290" r:id="rId22"/>
+    <p:sldId id="291" r:id="rId23"/>
+    <p:sldId id="292" r:id="rId24"/>
+    <p:sldId id="293" r:id="rId25"/>
+    <p:sldId id="294" r:id="rId26"/>
+    <p:sldId id="262" r:id="rId27"/>
+    <p:sldId id="295" r:id="rId28"/>
+    <p:sldId id="297" r:id="rId29"/>
+    <p:sldId id="263" r:id="rId30"/>
+    <p:sldId id="309" r:id="rId31"/>
+    <p:sldId id="264" r:id="rId32"/>
+    <p:sldId id="310" r:id="rId33"/>
+    <p:sldId id="311" r:id="rId34"/>
+    <p:sldId id="315" r:id="rId35"/>
+    <p:sldId id="316" r:id="rId36"/>
+    <p:sldId id="317" r:id="rId37"/>
+    <p:sldId id="318" r:id="rId38"/>
+    <p:sldId id="319" r:id="rId39"/>
+    <p:sldId id="320" r:id="rId40"/>
+    <p:sldId id="265" r:id="rId41"/>
   </p:sldIdLst>
   <p:sldSz cx="12192000" cy="6858000"/>
   <p:notesSz cx="6858000" cy="9144000"/>
@@ -163,7 +161,6 @@
             <p14:sldId id="261"/>
             <p14:sldId id="313"/>
             <p14:sldId id="273"/>
-            <p14:sldId id="314"/>
             <p14:sldId id="305"/>
             <p14:sldId id="306"/>
             <p14:sldId id="307"/>
@@ -181,7 +178,6 @@
             <p14:sldId id="297"/>
             <p14:sldId id="263"/>
             <p14:sldId id="309"/>
-            <p14:sldId id="308"/>
             <p14:sldId id="264"/>
             <p14:sldId id="310"/>
             <p14:sldId id="311"/>
@@ -6595,90 +6591,6 @@
       </p:grpSpPr>
       <p:sp>
         <p:nvSpPr>
-          <p:cNvPr id="5" name="Content Placeholder 2"/>
-          <p:cNvSpPr>
-            <a:spLocks noGrp="1"/>
-          </p:cNvSpPr>
-          <p:nvPr>
-            <p:ph idx="1"/>
-          </p:nvPr>
-        </p:nvSpPr>
-        <p:spPr>
-          <a:xfrm>
-            <a:off x="277793" y="902826"/>
-            <a:ext cx="11539959" cy="5660020"/>
-          </a:xfrm>
-        </p:spPr>
-        <p:txBody>
-          <a:bodyPr/>
-          <a:lstStyle/>
-          <a:p>
-            <a:endParaRPr lang="fr-CH" dirty="0"/>
-          </a:p>
-        </p:txBody>
-      </p:sp>
-      <p:sp>
-        <p:nvSpPr>
-          <p:cNvPr id="6" name="Title 1"/>
-          <p:cNvSpPr>
-            <a:spLocks noGrp="1"/>
-          </p:cNvSpPr>
-          <p:nvPr>
-            <p:ph type="title"/>
-          </p:nvPr>
-        </p:nvSpPr>
-        <p:spPr>
-          <a:xfrm>
-            <a:off x="-1" y="0"/>
-            <a:ext cx="3262965" cy="510199"/>
-          </a:xfrm>
-        </p:spPr>
-        <p:txBody>
-          <a:bodyPr numCol="1">
-            <a:noAutofit/>
-          </a:bodyPr>
-          <a:lstStyle/>
-          <a:p>
-            <a:pPr algn="ctr"/>
-            <a:r>
-              <a:rPr lang="fr-CH" sz="2800" dirty="0"/>
-              <a:t>CATEGORIE 5 / 5E</a:t>
-            </a:r>
-          </a:p>
-        </p:txBody>
-      </p:sp>
-    </p:spTree>
-    <p:extLst>
-      <p:ext uri="{BB962C8B-B14F-4D97-AF65-F5344CB8AC3E}">
-        <p14:creationId xmlns:p14="http://schemas.microsoft.com/office/powerpoint/2010/main" val="3071545954"/>
-      </p:ext>
-    </p:extLst>
-  </p:cSld>
-  <p:clrMapOvr>
-    <a:masterClrMapping/>
-  </p:clrMapOvr>
-</p:sld>
-</file>
-
-<file path=ppt/slides/slide15.xml><?xml version="1.0" encoding="utf-8"?>
-<p:sld xmlns:a="http://schemas.openxmlformats.org/drawingml/2006/main" xmlns:r="http://schemas.openxmlformats.org/officeDocument/2006/relationships" xmlns:p="http://schemas.openxmlformats.org/presentationml/2006/main">
-  <p:cSld>
-    <p:spTree>
-      <p:nvGrpSpPr>
-        <p:cNvPr id="1" name=""/>
-        <p:cNvGrpSpPr/>
-        <p:nvPr/>
-      </p:nvGrpSpPr>
-      <p:grpSpPr>
-        <a:xfrm>
-          <a:off x="0" y="0"/>
-          <a:ext cx="0" cy="0"/>
-          <a:chOff x="0" y="0"/>
-          <a:chExt cx="0" cy="0"/>
-        </a:xfrm>
-      </p:grpSpPr>
-      <p:sp>
-        <p:nvSpPr>
           <p:cNvPr id="3" name="Content Placeholder 2"/>
           <p:cNvSpPr>
             <a:spLocks noGrp="1"/>
@@ -7357,7 +7269,7 @@
 </p:sld>
 </file>
 
-<file path=ppt/slides/slide16.xml><?xml version="1.0" encoding="utf-8"?>
+<file path=ppt/slides/slide15.xml><?xml version="1.0" encoding="utf-8"?>
 <p:sld xmlns:a="http://schemas.openxmlformats.org/drawingml/2006/main" xmlns:r="http://schemas.openxmlformats.org/officeDocument/2006/relationships" xmlns:p="http://schemas.openxmlformats.org/presentationml/2006/main">
   <p:cSld>
     <p:spTree>
@@ -7960,7 +7872,7 @@
 </p:sld>
 </file>
 
-<file path=ppt/slides/slide17.xml><?xml version="1.0" encoding="utf-8"?>
+<file path=ppt/slides/slide16.xml><?xml version="1.0" encoding="utf-8"?>
 <p:sld xmlns:a="http://schemas.openxmlformats.org/drawingml/2006/main" xmlns:r="http://schemas.openxmlformats.org/officeDocument/2006/relationships" xmlns:p="http://schemas.openxmlformats.org/presentationml/2006/main">
   <p:cSld>
     <p:spTree>
@@ -8932,7 +8844,7 @@
 </p:sld>
 </file>
 
-<file path=ppt/slides/slide18.xml><?xml version="1.0" encoding="utf-8"?>
+<file path=ppt/slides/slide17.xml><?xml version="1.0" encoding="utf-8"?>
 <p:sld xmlns:a="http://schemas.openxmlformats.org/drawingml/2006/main" xmlns:r="http://schemas.openxmlformats.org/officeDocument/2006/relationships" xmlns:p="http://schemas.openxmlformats.org/presentationml/2006/main">
   <p:cSld>
     <p:spTree>
@@ -9016,7 +8928,7 @@
 </p:sld>
 </file>
 
-<file path=ppt/slides/slide19.xml><?xml version="1.0" encoding="utf-8"?>
+<file path=ppt/slides/slide18.xml><?xml version="1.0" encoding="utf-8"?>
 <p:sld xmlns:a="http://schemas.openxmlformats.org/drawingml/2006/main" xmlns:r="http://schemas.openxmlformats.org/officeDocument/2006/relationships" xmlns:p="http://schemas.openxmlformats.org/presentationml/2006/main">
   <p:cSld>
     <p:spTree>
@@ -9793,6 +9705,179 @@
 </p:sld>
 </file>
 
+<file path=ppt/slides/slide19.xml><?xml version="1.0" encoding="utf-8"?>
+<p:sld xmlns:a="http://schemas.openxmlformats.org/drawingml/2006/main" xmlns:r="http://schemas.openxmlformats.org/officeDocument/2006/relationships" xmlns:p="http://schemas.openxmlformats.org/presentationml/2006/main">
+  <p:cSld>
+    <p:spTree>
+      <p:nvGrpSpPr>
+        <p:cNvPr id="1" name=""/>
+        <p:cNvGrpSpPr/>
+        <p:nvPr/>
+      </p:nvGrpSpPr>
+      <p:grpSpPr>
+        <a:xfrm>
+          <a:off x="0" y="0"/>
+          <a:ext cx="0" cy="0"/>
+          <a:chOff x="0" y="0"/>
+          <a:chExt cx="0" cy="0"/>
+        </a:xfrm>
+      </p:grpSpPr>
+      <p:sp>
+        <p:nvSpPr>
+          <p:cNvPr id="4" name="Title 1">
+            <a:extLst>
+              <a:ext uri="{FF2B5EF4-FFF2-40B4-BE49-F238E27FC236}">
+                <a16:creationId xmlns:a16="http://schemas.microsoft.com/office/drawing/2014/main" id="{02619F9C-EB8C-47C2-8D51-281BE6C9E803}"/>
+              </a:ext>
+            </a:extLst>
+          </p:cNvPr>
+          <p:cNvSpPr txBox="1">
+            <a:spLocks/>
+          </p:cNvSpPr>
+          <p:nvPr/>
+        </p:nvSpPr>
+        <p:spPr>
+          <a:xfrm>
+            <a:off x="1" y="0"/>
+            <a:ext cx="2002420" cy="510199"/>
+          </a:xfrm>
+          <a:prstGeom prst="rect">
+            <a:avLst/>
+          </a:prstGeom>
+        </p:spPr>
+        <p:txBody>
+          <a:bodyPr numCol="1">
+            <a:noAutofit/>
+          </a:bodyPr>
+          <a:lstStyle>
+            <a:lvl1pPr algn="l" defTabSz="457200" rtl="0" eaLnBrk="1" latinLnBrk="0" hangingPunct="1">
+              <a:spcBef>
+                <a:spcPct val="0"/>
+              </a:spcBef>
+              <a:buNone/>
+              <a:defRPr sz="3600" kern="1200" cap="all">
+                <a:ln w="3175" cmpd="sng">
+                  <a:noFill/>
+                </a:ln>
+                <a:solidFill>
+                  <a:schemeClr val="tx1"/>
+                </a:solidFill>
+                <a:effectLst/>
+                <a:latin typeface="+mj-lt"/>
+                <a:ea typeface="+mj-ea"/>
+                <a:cs typeface="+mj-cs"/>
+              </a:defRPr>
+            </a:lvl1pPr>
+            <a:lvl2pPr eaLnBrk="1" hangingPunct="1">
+              <a:defRPr>
+                <a:solidFill>
+                  <a:schemeClr val="tx2"/>
+                </a:solidFill>
+              </a:defRPr>
+            </a:lvl2pPr>
+            <a:lvl3pPr eaLnBrk="1" hangingPunct="1">
+              <a:defRPr>
+                <a:solidFill>
+                  <a:schemeClr val="tx2"/>
+                </a:solidFill>
+              </a:defRPr>
+            </a:lvl3pPr>
+            <a:lvl4pPr eaLnBrk="1" hangingPunct="1">
+              <a:defRPr>
+                <a:solidFill>
+                  <a:schemeClr val="tx2"/>
+                </a:solidFill>
+              </a:defRPr>
+            </a:lvl4pPr>
+            <a:lvl5pPr eaLnBrk="1" hangingPunct="1">
+              <a:defRPr>
+                <a:solidFill>
+                  <a:schemeClr val="tx2"/>
+                </a:solidFill>
+              </a:defRPr>
+            </a:lvl5pPr>
+            <a:lvl6pPr eaLnBrk="1" hangingPunct="1">
+              <a:defRPr>
+                <a:solidFill>
+                  <a:schemeClr val="tx2"/>
+                </a:solidFill>
+              </a:defRPr>
+            </a:lvl6pPr>
+            <a:lvl7pPr eaLnBrk="1" hangingPunct="1">
+              <a:defRPr>
+                <a:solidFill>
+                  <a:schemeClr val="tx2"/>
+                </a:solidFill>
+              </a:defRPr>
+            </a:lvl7pPr>
+            <a:lvl8pPr eaLnBrk="1" hangingPunct="1">
+              <a:defRPr>
+                <a:solidFill>
+                  <a:schemeClr val="tx2"/>
+                </a:solidFill>
+              </a:defRPr>
+            </a:lvl8pPr>
+            <a:lvl9pPr eaLnBrk="1" hangingPunct="1">
+              <a:defRPr>
+                <a:solidFill>
+                  <a:schemeClr val="tx2"/>
+                </a:solidFill>
+              </a:defRPr>
+            </a:lvl9pPr>
+          </a:lstStyle>
+          <a:p>
+            <a:pPr algn="ctr"/>
+            <a:r>
+              <a:rPr lang="fr-CH" sz="2800"/>
+              <a:t>BLINDAGE</a:t>
+            </a:r>
+            <a:endParaRPr lang="fr-CH" sz="2800" dirty="0"/>
+          </a:p>
+        </p:txBody>
+      </p:sp>
+      <p:pic>
+        <p:nvPicPr>
+          <p:cNvPr id="9" name="Image 8">
+            <a:extLst>
+              <a:ext uri="{FF2B5EF4-FFF2-40B4-BE49-F238E27FC236}">
+                <a16:creationId xmlns:a16="http://schemas.microsoft.com/office/drawing/2014/main" id="{581026FC-1090-4023-909F-15FCFF27EEA7}"/>
+              </a:ext>
+            </a:extLst>
+          </p:cNvPr>
+          <p:cNvPicPr>
+            <a:picLocks noChangeAspect="1"/>
+          </p:cNvPicPr>
+          <p:nvPr/>
+        </p:nvPicPr>
+        <p:blipFill>
+          <a:blip r:embed="rId2"/>
+          <a:stretch>
+            <a:fillRect/>
+          </a:stretch>
+        </p:blipFill>
+        <p:spPr>
+          <a:xfrm>
+            <a:off x="1446129" y="741984"/>
+            <a:ext cx="9011526" cy="4134816"/>
+          </a:xfrm>
+          <a:prstGeom prst="rect">
+            <a:avLst/>
+          </a:prstGeom>
+        </p:spPr>
+      </p:pic>
+    </p:spTree>
+    <p:extLst>
+      <p:ext uri="{BB962C8B-B14F-4D97-AF65-F5344CB8AC3E}">
+        <p14:creationId xmlns:p14="http://schemas.microsoft.com/office/powerpoint/2010/main" val="1837768049"/>
+      </p:ext>
+    </p:extLst>
+  </p:cSld>
+  <p:clrMapOvr>
+    <a:masterClrMapping/>
+  </p:clrMapOvr>
+</p:sld>
+</file>
+
 <file path=ppt/slides/slide2.xml><?xml version="1.0" encoding="utf-8"?>
 <p:sld xmlns:a="http://schemas.openxmlformats.org/drawingml/2006/main" xmlns:r="http://schemas.openxmlformats.org/officeDocument/2006/relationships" xmlns:p="http://schemas.openxmlformats.org/presentationml/2006/main">
   <p:cSld>
@@ -10141,179 +10226,6 @@
           </a:p>
         </p:txBody>
       </p:sp>
-      <p:pic>
-        <p:nvPicPr>
-          <p:cNvPr id="9" name="Image 8">
-            <a:extLst>
-              <a:ext uri="{FF2B5EF4-FFF2-40B4-BE49-F238E27FC236}">
-                <a16:creationId xmlns:a16="http://schemas.microsoft.com/office/drawing/2014/main" id="{581026FC-1090-4023-909F-15FCFF27EEA7}"/>
-              </a:ext>
-            </a:extLst>
-          </p:cNvPr>
-          <p:cNvPicPr>
-            <a:picLocks noChangeAspect="1"/>
-          </p:cNvPicPr>
-          <p:nvPr/>
-        </p:nvPicPr>
-        <p:blipFill>
-          <a:blip r:embed="rId2"/>
-          <a:stretch>
-            <a:fillRect/>
-          </a:stretch>
-        </p:blipFill>
-        <p:spPr>
-          <a:xfrm>
-            <a:off x="1446129" y="741984"/>
-            <a:ext cx="9011526" cy="4134816"/>
-          </a:xfrm>
-          <a:prstGeom prst="rect">
-            <a:avLst/>
-          </a:prstGeom>
-        </p:spPr>
-      </p:pic>
-    </p:spTree>
-    <p:extLst>
-      <p:ext uri="{BB962C8B-B14F-4D97-AF65-F5344CB8AC3E}">
-        <p14:creationId xmlns:p14="http://schemas.microsoft.com/office/powerpoint/2010/main" val="1837768049"/>
-      </p:ext>
-    </p:extLst>
-  </p:cSld>
-  <p:clrMapOvr>
-    <a:masterClrMapping/>
-  </p:clrMapOvr>
-</p:sld>
-</file>
-
-<file path=ppt/slides/slide21.xml><?xml version="1.0" encoding="utf-8"?>
-<p:sld xmlns:a="http://schemas.openxmlformats.org/drawingml/2006/main" xmlns:r="http://schemas.openxmlformats.org/officeDocument/2006/relationships" xmlns:p="http://schemas.openxmlformats.org/presentationml/2006/main">
-  <p:cSld>
-    <p:spTree>
-      <p:nvGrpSpPr>
-        <p:cNvPr id="1" name=""/>
-        <p:cNvGrpSpPr/>
-        <p:nvPr/>
-      </p:nvGrpSpPr>
-      <p:grpSpPr>
-        <a:xfrm>
-          <a:off x="0" y="0"/>
-          <a:ext cx="0" cy="0"/>
-          <a:chOff x="0" y="0"/>
-          <a:chExt cx="0" cy="0"/>
-        </a:xfrm>
-      </p:grpSpPr>
-      <p:sp>
-        <p:nvSpPr>
-          <p:cNvPr id="4" name="Title 1">
-            <a:extLst>
-              <a:ext uri="{FF2B5EF4-FFF2-40B4-BE49-F238E27FC236}">
-                <a16:creationId xmlns:a16="http://schemas.microsoft.com/office/drawing/2014/main" id="{02619F9C-EB8C-47C2-8D51-281BE6C9E803}"/>
-              </a:ext>
-            </a:extLst>
-          </p:cNvPr>
-          <p:cNvSpPr txBox="1">
-            <a:spLocks/>
-          </p:cNvSpPr>
-          <p:nvPr/>
-        </p:nvSpPr>
-        <p:spPr>
-          <a:xfrm>
-            <a:off x="1" y="0"/>
-            <a:ext cx="2002420" cy="510199"/>
-          </a:xfrm>
-          <a:prstGeom prst="rect">
-            <a:avLst/>
-          </a:prstGeom>
-        </p:spPr>
-        <p:txBody>
-          <a:bodyPr numCol="1">
-            <a:noAutofit/>
-          </a:bodyPr>
-          <a:lstStyle>
-            <a:lvl1pPr algn="l" defTabSz="457200" rtl="0" eaLnBrk="1" latinLnBrk="0" hangingPunct="1">
-              <a:spcBef>
-                <a:spcPct val="0"/>
-              </a:spcBef>
-              <a:buNone/>
-              <a:defRPr sz="3600" kern="1200" cap="all">
-                <a:ln w="3175" cmpd="sng">
-                  <a:noFill/>
-                </a:ln>
-                <a:solidFill>
-                  <a:schemeClr val="tx1"/>
-                </a:solidFill>
-                <a:effectLst/>
-                <a:latin typeface="+mj-lt"/>
-                <a:ea typeface="+mj-ea"/>
-                <a:cs typeface="+mj-cs"/>
-              </a:defRPr>
-            </a:lvl1pPr>
-            <a:lvl2pPr eaLnBrk="1" hangingPunct="1">
-              <a:defRPr>
-                <a:solidFill>
-                  <a:schemeClr val="tx2"/>
-                </a:solidFill>
-              </a:defRPr>
-            </a:lvl2pPr>
-            <a:lvl3pPr eaLnBrk="1" hangingPunct="1">
-              <a:defRPr>
-                <a:solidFill>
-                  <a:schemeClr val="tx2"/>
-                </a:solidFill>
-              </a:defRPr>
-            </a:lvl3pPr>
-            <a:lvl4pPr eaLnBrk="1" hangingPunct="1">
-              <a:defRPr>
-                <a:solidFill>
-                  <a:schemeClr val="tx2"/>
-                </a:solidFill>
-              </a:defRPr>
-            </a:lvl4pPr>
-            <a:lvl5pPr eaLnBrk="1" hangingPunct="1">
-              <a:defRPr>
-                <a:solidFill>
-                  <a:schemeClr val="tx2"/>
-                </a:solidFill>
-              </a:defRPr>
-            </a:lvl5pPr>
-            <a:lvl6pPr eaLnBrk="1" hangingPunct="1">
-              <a:defRPr>
-                <a:solidFill>
-                  <a:schemeClr val="tx2"/>
-                </a:solidFill>
-              </a:defRPr>
-            </a:lvl6pPr>
-            <a:lvl7pPr eaLnBrk="1" hangingPunct="1">
-              <a:defRPr>
-                <a:solidFill>
-                  <a:schemeClr val="tx2"/>
-                </a:solidFill>
-              </a:defRPr>
-            </a:lvl7pPr>
-            <a:lvl8pPr eaLnBrk="1" hangingPunct="1">
-              <a:defRPr>
-                <a:solidFill>
-                  <a:schemeClr val="tx2"/>
-                </a:solidFill>
-              </a:defRPr>
-            </a:lvl8pPr>
-            <a:lvl9pPr eaLnBrk="1" hangingPunct="1">
-              <a:defRPr>
-                <a:solidFill>
-                  <a:schemeClr val="tx2"/>
-                </a:solidFill>
-              </a:defRPr>
-            </a:lvl9pPr>
-          </a:lstStyle>
-          <a:p>
-            <a:pPr algn="ctr"/>
-            <a:r>
-              <a:rPr lang="fr-CH" sz="2800"/>
-              <a:t>BLINDAGE</a:t>
-            </a:r>
-            <a:endParaRPr lang="fr-CH" sz="2800" dirty="0"/>
-          </a:p>
-        </p:txBody>
-      </p:sp>
       <p:sp>
         <p:nvSpPr>
           <p:cNvPr id="2" name="ZoneTexte 1">
@@ -10406,7 +10318,7 @@
 </p:sld>
 </file>
 
-<file path=ppt/slides/slide22.xml><?xml version="1.0" encoding="utf-8"?>
+<file path=ppt/slides/slide21.xml><?xml version="1.0" encoding="utf-8"?>
 <p:sld xmlns:a="http://schemas.openxmlformats.org/drawingml/2006/main" xmlns:r="http://schemas.openxmlformats.org/officeDocument/2006/relationships" xmlns:p="http://schemas.openxmlformats.org/presentationml/2006/main">
   <p:cSld>
     <p:spTree>
@@ -10628,7 +10540,7 @@
 </p:sld>
 </file>
 
-<file path=ppt/slides/slide23.xml><?xml version="1.0" encoding="utf-8"?>
+<file path=ppt/slides/slide22.xml><?xml version="1.0" encoding="utf-8"?>
 <p:sld xmlns:a="http://schemas.openxmlformats.org/drawingml/2006/main" xmlns:r="http://schemas.openxmlformats.org/officeDocument/2006/relationships" xmlns:p="http://schemas.openxmlformats.org/presentationml/2006/main">
   <p:cSld>
     <p:spTree>
@@ -10859,7 +10771,7 @@
 </p:sld>
 </file>
 
-<file path=ppt/slides/slide24.xml><?xml version="1.0" encoding="utf-8"?>
+<file path=ppt/slides/slide23.xml><?xml version="1.0" encoding="utf-8"?>
 <p:sld xmlns:a="http://schemas.openxmlformats.org/drawingml/2006/main" xmlns:r="http://schemas.openxmlformats.org/officeDocument/2006/relationships" xmlns:p="http://schemas.openxmlformats.org/presentationml/2006/main">
   <p:cSld>
     <p:spTree>
@@ -11090,7 +11002,7 @@
 </p:sld>
 </file>
 
-<file path=ppt/slides/slide25.xml><?xml version="1.0" encoding="utf-8"?>
+<file path=ppt/slides/slide24.xml><?xml version="1.0" encoding="utf-8"?>
 <p:sld xmlns:a="http://schemas.openxmlformats.org/drawingml/2006/main" xmlns:r="http://schemas.openxmlformats.org/officeDocument/2006/relationships" xmlns:p="http://schemas.openxmlformats.org/presentationml/2006/main">
   <p:cSld>
     <p:spTree>
@@ -11323,7 +11235,7 @@
 </p:sld>
 </file>
 
-<file path=ppt/slides/slide26.xml><?xml version="1.0" encoding="utf-8"?>
+<file path=ppt/slides/slide25.xml><?xml version="1.0" encoding="utf-8"?>
 <p:sld xmlns:a="http://schemas.openxmlformats.org/drawingml/2006/main" xmlns:r="http://schemas.openxmlformats.org/officeDocument/2006/relationships" xmlns:p="http://schemas.openxmlformats.org/presentationml/2006/main">
   <p:cSld>
     <p:spTree>
@@ -11556,7 +11468,7 @@
 </p:sld>
 </file>
 
-<file path=ppt/slides/slide27.xml><?xml version="1.0" encoding="utf-8"?>
+<file path=ppt/slides/slide26.xml><?xml version="1.0" encoding="utf-8"?>
 <p:sld xmlns:a="http://schemas.openxmlformats.org/drawingml/2006/main" xmlns:r="http://schemas.openxmlformats.org/officeDocument/2006/relationships" xmlns:p="http://schemas.openxmlformats.org/presentationml/2006/main">
   <p:cSld>
     <p:spTree>
@@ -11825,6 +11737,203 @@
     <p:extLst>
       <p:ext uri="{BB962C8B-B14F-4D97-AF65-F5344CB8AC3E}">
         <p14:creationId xmlns:p14="http://schemas.microsoft.com/office/powerpoint/2010/main" val="4028687980"/>
+      </p:ext>
+    </p:extLst>
+  </p:cSld>
+  <p:clrMapOvr>
+    <a:masterClrMapping/>
+  </p:clrMapOvr>
+</p:sld>
+</file>
+
+<file path=ppt/slides/slide27.xml><?xml version="1.0" encoding="utf-8"?>
+<p:sld xmlns:a="http://schemas.openxmlformats.org/drawingml/2006/main" xmlns:r="http://schemas.openxmlformats.org/officeDocument/2006/relationships" xmlns:p="http://schemas.openxmlformats.org/presentationml/2006/main">
+  <p:cSld>
+    <p:spTree>
+      <p:nvGrpSpPr>
+        <p:cNvPr id="1" name=""/>
+        <p:cNvGrpSpPr/>
+        <p:nvPr/>
+      </p:nvGrpSpPr>
+      <p:grpSpPr>
+        <a:xfrm>
+          <a:off x="0" y="0"/>
+          <a:ext cx="0" cy="0"/>
+          <a:chOff x="0" y="0"/>
+          <a:chExt cx="0" cy="0"/>
+        </a:xfrm>
+      </p:grpSpPr>
+      <p:sp>
+        <p:nvSpPr>
+          <p:cNvPr id="6" name="Title 1"/>
+          <p:cNvSpPr>
+            <a:spLocks noGrp="1"/>
+          </p:cNvSpPr>
+          <p:nvPr>
+            <p:ph type="title"/>
+          </p:nvPr>
+        </p:nvSpPr>
+        <p:spPr>
+          <a:xfrm>
+            <a:off x="0" y="0"/>
+            <a:ext cx="3032567" cy="510199"/>
+          </a:xfrm>
+        </p:spPr>
+        <p:txBody>
+          <a:bodyPr numCol="1">
+            <a:noAutofit/>
+          </a:bodyPr>
+          <a:lstStyle/>
+          <a:p>
+            <a:pPr algn="ctr"/>
+            <a:r>
+              <a:rPr lang="fr-CH" sz="2800" dirty="0"/>
+              <a:t>CONNECTIQUES</a:t>
+            </a:r>
+          </a:p>
+        </p:txBody>
+      </p:sp>
+      <p:sp>
+        <p:nvSpPr>
+          <p:cNvPr id="2" name="ZoneTexte 1"/>
+          <p:cNvSpPr txBox="1"/>
+          <p:nvPr/>
+        </p:nvSpPr>
+        <p:spPr>
+          <a:xfrm>
+            <a:off x="951721" y="802434"/>
+            <a:ext cx="5747657" cy="584775"/>
+          </a:xfrm>
+          <a:prstGeom prst="rect">
+            <a:avLst/>
+          </a:prstGeom>
+          <a:noFill/>
+        </p:spPr>
+        <p:txBody>
+          <a:bodyPr wrap="square" rtlCol="0">
+            <a:spAutoFit/>
+          </a:bodyPr>
+          <a:lstStyle/>
+          <a:p>
+            <a:r>
+              <a:rPr lang="fr-CH" sz="3200" b="1" dirty="0"/>
+              <a:t>RJ-45 - </a:t>
+            </a:r>
+            <a:r>
+              <a:rPr lang="fr-CH" sz="3200" i="1" dirty="0"/>
+              <a:t>Registered Jack 45</a:t>
+            </a:r>
+          </a:p>
+        </p:txBody>
+      </p:sp>
+      <p:sp>
+        <p:nvSpPr>
+          <p:cNvPr id="4" name="ZoneTexte 3"/>
+          <p:cNvSpPr txBox="1"/>
+          <p:nvPr/>
+        </p:nvSpPr>
+        <p:spPr>
+          <a:xfrm>
+            <a:off x="1259633" y="1439991"/>
+            <a:ext cx="9060024" cy="3554819"/>
+          </a:xfrm>
+          <a:prstGeom prst="rect">
+            <a:avLst/>
+          </a:prstGeom>
+          <a:noFill/>
+        </p:spPr>
+        <p:txBody>
+          <a:bodyPr wrap="square" rtlCol="0">
+            <a:spAutoFit/>
+          </a:bodyPr>
+          <a:lstStyle/>
+          <a:p>
+            <a:pPr>
+              <a:lnSpc>
+                <a:spcPct val="150000"/>
+              </a:lnSpc>
+            </a:pPr>
+            <a:r>
+              <a:rPr lang="fr-CH" b="1" u="sng" dirty="0"/>
+              <a:t>Différentes applications</a:t>
+            </a:r>
+          </a:p>
+          <a:p>
+            <a:pPr>
+              <a:lnSpc>
+                <a:spcPct val="150000"/>
+              </a:lnSpc>
+            </a:pPr>
+            <a:r>
+              <a:rPr lang="fr-CH" dirty="0"/>
+              <a:t>Suivant la paire torsadée utilisée sur une broche,</a:t>
+            </a:r>
+          </a:p>
+          <a:p>
+            <a:pPr>
+              <a:lnSpc>
+                <a:spcPct val="150000"/>
+              </a:lnSpc>
+            </a:pPr>
+            <a:r>
+              <a:rPr lang="fr-CH" dirty="0"/>
+              <a:t>l’application sera différente.</a:t>
+            </a:r>
+          </a:p>
+          <a:p>
+            <a:endParaRPr lang="fr-CH" dirty="0"/>
+          </a:p>
+          <a:p>
+            <a:endParaRPr lang="fr-CH" dirty="0"/>
+          </a:p>
+          <a:p>
+            <a:endParaRPr lang="fr-CH" dirty="0"/>
+          </a:p>
+          <a:p>
+            <a:endParaRPr lang="fr-CH" dirty="0"/>
+          </a:p>
+          <a:p>
+            <a:endParaRPr lang="fr-CH" dirty="0"/>
+          </a:p>
+          <a:p>
+            <a:endParaRPr lang="fr-CH" dirty="0"/>
+          </a:p>
+          <a:p>
+            <a:endParaRPr lang="fr-CH" dirty="0"/>
+          </a:p>
+          <a:p>
+            <a:endParaRPr lang="fr-CH" dirty="0"/>
+          </a:p>
+        </p:txBody>
+      </p:sp>
+      <p:pic>
+        <p:nvPicPr>
+          <p:cNvPr id="5" name="Image 4"/>
+          <p:cNvPicPr>
+            <a:picLocks noChangeAspect="1"/>
+          </p:cNvPicPr>
+          <p:nvPr/>
+        </p:nvPicPr>
+        <p:blipFill>
+          <a:blip r:embed="rId2"/>
+          <a:stretch>
+            <a:fillRect/>
+          </a:stretch>
+        </p:blipFill>
+        <p:spPr>
+          <a:xfrm>
+            <a:off x="7299264" y="1387209"/>
+            <a:ext cx="4351946" cy="2458519"/>
+          </a:xfrm>
+          <a:prstGeom prst="rect">
+            <a:avLst/>
+          </a:prstGeom>
+        </p:spPr>
+      </p:pic>
+    </p:spTree>
+    <p:extLst>
+      <p:ext uri="{BB962C8B-B14F-4D97-AF65-F5344CB8AC3E}">
+        <p14:creationId xmlns:p14="http://schemas.microsoft.com/office/powerpoint/2010/main" val="1775298629"/>
       </p:ext>
     </p:extLst>
   </p:cSld>
@@ -11890,203 +11999,6 @@
         <p:spPr>
           <a:xfrm>
             <a:off x="951721" y="802434"/>
-            <a:ext cx="5747657" cy="584775"/>
-          </a:xfrm>
-          <a:prstGeom prst="rect">
-            <a:avLst/>
-          </a:prstGeom>
-          <a:noFill/>
-        </p:spPr>
-        <p:txBody>
-          <a:bodyPr wrap="square" rtlCol="0">
-            <a:spAutoFit/>
-          </a:bodyPr>
-          <a:lstStyle/>
-          <a:p>
-            <a:r>
-              <a:rPr lang="fr-CH" sz="3200" b="1" dirty="0"/>
-              <a:t>RJ-45 - </a:t>
-            </a:r>
-            <a:r>
-              <a:rPr lang="fr-CH" sz="3200" i="1" dirty="0"/>
-              <a:t>Registered Jack 45</a:t>
-            </a:r>
-          </a:p>
-        </p:txBody>
-      </p:sp>
-      <p:sp>
-        <p:nvSpPr>
-          <p:cNvPr id="4" name="ZoneTexte 3"/>
-          <p:cNvSpPr txBox="1"/>
-          <p:nvPr/>
-        </p:nvSpPr>
-        <p:spPr>
-          <a:xfrm>
-            <a:off x="1259633" y="1439991"/>
-            <a:ext cx="9060024" cy="3554819"/>
-          </a:xfrm>
-          <a:prstGeom prst="rect">
-            <a:avLst/>
-          </a:prstGeom>
-          <a:noFill/>
-        </p:spPr>
-        <p:txBody>
-          <a:bodyPr wrap="square" rtlCol="0">
-            <a:spAutoFit/>
-          </a:bodyPr>
-          <a:lstStyle/>
-          <a:p>
-            <a:pPr>
-              <a:lnSpc>
-                <a:spcPct val="150000"/>
-              </a:lnSpc>
-            </a:pPr>
-            <a:r>
-              <a:rPr lang="fr-CH" b="1" u="sng" dirty="0"/>
-              <a:t>Différentes applications</a:t>
-            </a:r>
-          </a:p>
-          <a:p>
-            <a:pPr>
-              <a:lnSpc>
-                <a:spcPct val="150000"/>
-              </a:lnSpc>
-            </a:pPr>
-            <a:r>
-              <a:rPr lang="fr-CH" dirty="0"/>
-              <a:t>Suivant la paire torsadée utilisée sur une broche,</a:t>
-            </a:r>
-          </a:p>
-          <a:p>
-            <a:pPr>
-              <a:lnSpc>
-                <a:spcPct val="150000"/>
-              </a:lnSpc>
-            </a:pPr>
-            <a:r>
-              <a:rPr lang="fr-CH" dirty="0"/>
-              <a:t>l’application sera différente.</a:t>
-            </a:r>
-          </a:p>
-          <a:p>
-            <a:endParaRPr lang="fr-CH" dirty="0"/>
-          </a:p>
-          <a:p>
-            <a:endParaRPr lang="fr-CH" dirty="0"/>
-          </a:p>
-          <a:p>
-            <a:endParaRPr lang="fr-CH" dirty="0"/>
-          </a:p>
-          <a:p>
-            <a:endParaRPr lang="fr-CH" dirty="0"/>
-          </a:p>
-          <a:p>
-            <a:endParaRPr lang="fr-CH" dirty="0"/>
-          </a:p>
-          <a:p>
-            <a:endParaRPr lang="fr-CH" dirty="0"/>
-          </a:p>
-          <a:p>
-            <a:endParaRPr lang="fr-CH" dirty="0"/>
-          </a:p>
-          <a:p>
-            <a:endParaRPr lang="fr-CH" dirty="0"/>
-          </a:p>
-        </p:txBody>
-      </p:sp>
-      <p:pic>
-        <p:nvPicPr>
-          <p:cNvPr id="5" name="Image 4"/>
-          <p:cNvPicPr>
-            <a:picLocks noChangeAspect="1"/>
-          </p:cNvPicPr>
-          <p:nvPr/>
-        </p:nvPicPr>
-        <p:blipFill>
-          <a:blip r:embed="rId2"/>
-          <a:stretch>
-            <a:fillRect/>
-          </a:stretch>
-        </p:blipFill>
-        <p:spPr>
-          <a:xfrm>
-            <a:off x="7299264" y="1387209"/>
-            <a:ext cx="4351946" cy="2458519"/>
-          </a:xfrm>
-          <a:prstGeom prst="rect">
-            <a:avLst/>
-          </a:prstGeom>
-        </p:spPr>
-      </p:pic>
-    </p:spTree>
-    <p:extLst>
-      <p:ext uri="{BB962C8B-B14F-4D97-AF65-F5344CB8AC3E}">
-        <p14:creationId xmlns:p14="http://schemas.microsoft.com/office/powerpoint/2010/main" val="1775298629"/>
-      </p:ext>
-    </p:extLst>
-  </p:cSld>
-  <p:clrMapOvr>
-    <a:masterClrMapping/>
-  </p:clrMapOvr>
-</p:sld>
-</file>
-
-<file path=ppt/slides/slide29.xml><?xml version="1.0" encoding="utf-8"?>
-<p:sld xmlns:a="http://schemas.openxmlformats.org/drawingml/2006/main" xmlns:r="http://schemas.openxmlformats.org/officeDocument/2006/relationships" xmlns:p="http://schemas.openxmlformats.org/presentationml/2006/main">
-  <p:cSld>
-    <p:spTree>
-      <p:nvGrpSpPr>
-        <p:cNvPr id="1" name=""/>
-        <p:cNvGrpSpPr/>
-        <p:nvPr/>
-      </p:nvGrpSpPr>
-      <p:grpSpPr>
-        <a:xfrm>
-          <a:off x="0" y="0"/>
-          <a:ext cx="0" cy="0"/>
-          <a:chOff x="0" y="0"/>
-          <a:chExt cx="0" cy="0"/>
-        </a:xfrm>
-      </p:grpSpPr>
-      <p:sp>
-        <p:nvSpPr>
-          <p:cNvPr id="6" name="Title 1"/>
-          <p:cNvSpPr>
-            <a:spLocks noGrp="1"/>
-          </p:cNvSpPr>
-          <p:nvPr>
-            <p:ph type="title"/>
-          </p:nvPr>
-        </p:nvSpPr>
-        <p:spPr>
-          <a:xfrm>
-            <a:off x="0" y="0"/>
-            <a:ext cx="3032567" cy="510199"/>
-          </a:xfrm>
-        </p:spPr>
-        <p:txBody>
-          <a:bodyPr numCol="1">
-            <a:noAutofit/>
-          </a:bodyPr>
-          <a:lstStyle/>
-          <a:p>
-            <a:pPr algn="ctr"/>
-            <a:r>
-              <a:rPr lang="fr-CH" sz="2800" dirty="0"/>
-              <a:t>CONNECTIQUES</a:t>
-            </a:r>
-          </a:p>
-        </p:txBody>
-      </p:sp>
-      <p:sp>
-        <p:nvSpPr>
-          <p:cNvPr id="2" name="ZoneTexte 1"/>
-          <p:cNvSpPr txBox="1"/>
-          <p:nvPr/>
-        </p:nvSpPr>
-        <p:spPr>
-          <a:xfrm>
-            <a:off x="951721" y="802434"/>
             <a:ext cx="8780108" cy="584775"/>
           </a:xfrm>
           <a:prstGeom prst="rect">
@@ -12307,429 +12219,7 @@
 </p:sld>
 </file>
 
-<file path=ppt/slides/slide3.xml><?xml version="1.0" encoding="utf-8"?>
-<p:sld xmlns:a="http://schemas.openxmlformats.org/drawingml/2006/main" xmlns:r="http://schemas.openxmlformats.org/officeDocument/2006/relationships" xmlns:p="http://schemas.openxmlformats.org/presentationml/2006/main">
-  <p:cSld>
-    <p:spTree>
-      <p:nvGrpSpPr>
-        <p:cNvPr id="1" name=""/>
-        <p:cNvGrpSpPr/>
-        <p:nvPr/>
-      </p:nvGrpSpPr>
-      <p:grpSpPr>
-        <a:xfrm>
-          <a:off x="0" y="0"/>
-          <a:ext cx="0" cy="0"/>
-          <a:chOff x="0" y="0"/>
-          <a:chExt cx="0" cy="0"/>
-        </a:xfrm>
-      </p:grpSpPr>
-      <p:sp>
-        <p:nvSpPr>
-          <p:cNvPr id="4" name="Title 1"/>
-          <p:cNvSpPr>
-            <a:spLocks noGrp="1"/>
-          </p:cNvSpPr>
-          <p:nvPr>
-            <p:ph type="title"/>
-          </p:nvPr>
-        </p:nvSpPr>
-        <p:spPr>
-          <a:xfrm>
-            <a:off x="0" y="0"/>
-            <a:ext cx="2916820" cy="510199"/>
-          </a:xfrm>
-        </p:spPr>
-        <p:txBody>
-          <a:bodyPr numCol="1">
-            <a:noAutofit/>
-          </a:bodyPr>
-          <a:lstStyle/>
-          <a:p>
-            <a:pPr algn="ctr"/>
-            <a:r>
-              <a:rPr lang="fr-CH" sz="2800" dirty="0"/>
-              <a:t>Introduction</a:t>
-            </a:r>
-          </a:p>
-        </p:txBody>
-      </p:sp>
-      <p:sp>
-        <p:nvSpPr>
-          <p:cNvPr id="5" name="Content Placeholder 2"/>
-          <p:cNvSpPr txBox="1">
-            <a:spLocks/>
-          </p:cNvSpPr>
-          <p:nvPr/>
-        </p:nvSpPr>
-        <p:spPr>
-          <a:xfrm>
-            <a:off x="615821" y="1698172"/>
-            <a:ext cx="10216729" cy="3546074"/>
-          </a:xfrm>
-          <a:prstGeom prst="rect">
-            <a:avLst/>
-          </a:prstGeom>
-        </p:spPr>
-        <p:txBody>
-          <a:bodyPr vert="horz" lIns="91440" tIns="45720" rIns="91440" bIns="45720" rtlCol="0" anchor="ctr">
-            <a:normAutofit/>
-          </a:bodyPr>
-          <a:lstStyle>
-            <a:lvl1pPr marL="285750" indent="-285750" algn="l" defTabSz="457200" rtl="0" eaLnBrk="1" latinLnBrk="0" hangingPunct="1">
-              <a:spcBef>
-                <a:spcPct val="20000"/>
-              </a:spcBef>
-              <a:spcAft>
-                <a:spcPts val="600"/>
-              </a:spcAft>
-              <a:buClr>
-                <a:schemeClr val="tx1"/>
-              </a:buClr>
-              <a:buSzPct val="80000"/>
-              <a:buFont typeface="Wingdings 3" panose="05040102010807070707" pitchFamily="18" charset="2"/>
-              <a:buChar char=""/>
-              <a:defRPr sz="2000" kern="1200" cap="none">
-                <a:solidFill>
-                  <a:schemeClr val="bg2">
-                    <a:lumMod val="75000"/>
-                  </a:schemeClr>
-                </a:solidFill>
-                <a:effectLst/>
-                <a:latin typeface="+mn-lt"/>
-                <a:ea typeface="+mn-ea"/>
-                <a:cs typeface="+mn-cs"/>
-              </a:defRPr>
-            </a:lvl1pPr>
-            <a:lvl2pPr marL="742950" indent="-285750" algn="l" defTabSz="457200" rtl="0" eaLnBrk="1" latinLnBrk="0" hangingPunct="1">
-              <a:spcBef>
-                <a:spcPct val="20000"/>
-              </a:spcBef>
-              <a:spcAft>
-                <a:spcPts val="600"/>
-              </a:spcAft>
-              <a:buClr>
-                <a:schemeClr val="tx1"/>
-              </a:buClr>
-              <a:buSzPct val="80000"/>
-              <a:buFont typeface="Wingdings 3" panose="05040102010807070707" pitchFamily="18" charset="2"/>
-              <a:buChar char=""/>
-              <a:defRPr sz="1800" kern="1200" cap="none">
-                <a:solidFill>
-                  <a:schemeClr val="bg2">
-                    <a:lumMod val="75000"/>
-                  </a:schemeClr>
-                </a:solidFill>
-                <a:effectLst/>
-                <a:latin typeface="+mn-lt"/>
-                <a:ea typeface="+mn-ea"/>
-                <a:cs typeface="+mn-cs"/>
-              </a:defRPr>
-            </a:lvl2pPr>
-            <a:lvl3pPr marL="1200150" indent="-285750" algn="l" defTabSz="457200" rtl="0" eaLnBrk="1" latinLnBrk="0" hangingPunct="1">
-              <a:spcBef>
-                <a:spcPct val="20000"/>
-              </a:spcBef>
-              <a:spcAft>
-                <a:spcPts val="600"/>
-              </a:spcAft>
-              <a:buClr>
-                <a:schemeClr val="tx1"/>
-              </a:buClr>
-              <a:buSzPct val="80000"/>
-              <a:buFont typeface="Wingdings 3" panose="05040102010807070707" pitchFamily="18" charset="2"/>
-              <a:buChar char=""/>
-              <a:defRPr sz="1600" kern="1200" cap="none">
-                <a:solidFill>
-                  <a:schemeClr val="bg2">
-                    <a:lumMod val="75000"/>
-                  </a:schemeClr>
-                </a:solidFill>
-                <a:effectLst/>
-                <a:latin typeface="+mn-lt"/>
-                <a:ea typeface="+mn-ea"/>
-                <a:cs typeface="+mn-cs"/>
-              </a:defRPr>
-            </a:lvl3pPr>
-            <a:lvl4pPr marL="1543050" indent="-171450" algn="l" defTabSz="457200" rtl="0" eaLnBrk="1" latinLnBrk="0" hangingPunct="1">
-              <a:spcBef>
-                <a:spcPct val="20000"/>
-              </a:spcBef>
-              <a:spcAft>
-                <a:spcPts val="600"/>
-              </a:spcAft>
-              <a:buClr>
-                <a:schemeClr val="tx1"/>
-              </a:buClr>
-              <a:buSzPct val="80000"/>
-              <a:buFont typeface="Wingdings 3" panose="05040102010807070707" pitchFamily="18" charset="2"/>
-              <a:buChar char=""/>
-              <a:defRPr sz="1400" kern="1200" cap="none">
-                <a:solidFill>
-                  <a:schemeClr val="bg2">
-                    <a:lumMod val="75000"/>
-                  </a:schemeClr>
-                </a:solidFill>
-                <a:effectLst/>
-                <a:latin typeface="+mn-lt"/>
-                <a:ea typeface="+mn-ea"/>
-                <a:cs typeface="+mn-cs"/>
-              </a:defRPr>
-            </a:lvl4pPr>
-            <a:lvl5pPr marL="2000250" indent="-171450" algn="l" defTabSz="457200" rtl="0" eaLnBrk="1" latinLnBrk="0" hangingPunct="1">
-              <a:spcBef>
-                <a:spcPct val="20000"/>
-              </a:spcBef>
-              <a:spcAft>
-                <a:spcPts val="600"/>
-              </a:spcAft>
-              <a:buClr>
-                <a:schemeClr val="tx1"/>
-              </a:buClr>
-              <a:buSzPct val="80000"/>
-              <a:buFont typeface="Wingdings 3" panose="05040102010807070707" pitchFamily="18" charset="2"/>
-              <a:buChar char=""/>
-              <a:defRPr sz="1400" kern="1200" cap="none">
-                <a:solidFill>
-                  <a:schemeClr val="bg2">
-                    <a:lumMod val="75000"/>
-                  </a:schemeClr>
-                </a:solidFill>
-                <a:effectLst/>
-                <a:latin typeface="+mn-lt"/>
-                <a:ea typeface="+mn-ea"/>
-                <a:cs typeface="+mn-cs"/>
-              </a:defRPr>
-            </a:lvl5pPr>
-            <a:lvl6pPr marL="2514600" indent="-228600" algn="l" defTabSz="457200" rtl="0" eaLnBrk="1" latinLnBrk="0" hangingPunct="1">
-              <a:spcBef>
-                <a:spcPct val="20000"/>
-              </a:spcBef>
-              <a:spcAft>
-                <a:spcPts val="600"/>
-              </a:spcAft>
-              <a:buClr>
-                <a:schemeClr val="tx1"/>
-              </a:buClr>
-              <a:buSzPct val="80000"/>
-              <a:buFont typeface="Wingdings 3" panose="05040102010807070707" pitchFamily="18" charset="2"/>
-              <a:buChar char=""/>
-              <a:defRPr sz="1400" kern="1200" cap="none">
-                <a:solidFill>
-                  <a:schemeClr val="bg2">
-                    <a:lumMod val="75000"/>
-                  </a:schemeClr>
-                </a:solidFill>
-                <a:effectLst/>
-                <a:latin typeface="+mn-lt"/>
-                <a:ea typeface="+mn-ea"/>
-                <a:cs typeface="+mn-cs"/>
-              </a:defRPr>
-            </a:lvl6pPr>
-            <a:lvl7pPr marL="2971800" indent="-228600" algn="l" defTabSz="457200" rtl="0" eaLnBrk="1" latinLnBrk="0" hangingPunct="1">
-              <a:spcBef>
-                <a:spcPct val="20000"/>
-              </a:spcBef>
-              <a:spcAft>
-                <a:spcPts val="600"/>
-              </a:spcAft>
-              <a:buClr>
-                <a:schemeClr val="tx1"/>
-              </a:buClr>
-              <a:buSzPct val="80000"/>
-              <a:buFont typeface="Wingdings 3" panose="05040102010807070707" pitchFamily="18" charset="2"/>
-              <a:buChar char=""/>
-              <a:defRPr sz="1400" kern="1200" cap="none">
-                <a:solidFill>
-                  <a:schemeClr val="bg2">
-                    <a:lumMod val="75000"/>
-                  </a:schemeClr>
-                </a:solidFill>
-                <a:effectLst/>
-                <a:latin typeface="+mn-lt"/>
-                <a:ea typeface="+mn-ea"/>
-                <a:cs typeface="+mn-cs"/>
-              </a:defRPr>
-            </a:lvl7pPr>
-            <a:lvl8pPr marL="3429000" indent="-228600" algn="l" defTabSz="457200" rtl="0" eaLnBrk="1" latinLnBrk="0" hangingPunct="1">
-              <a:spcBef>
-                <a:spcPct val="20000"/>
-              </a:spcBef>
-              <a:spcAft>
-                <a:spcPts val="600"/>
-              </a:spcAft>
-              <a:buClr>
-                <a:schemeClr val="tx1"/>
-              </a:buClr>
-              <a:buSzPct val="80000"/>
-              <a:buFont typeface="Wingdings 3" panose="05040102010807070707" pitchFamily="18" charset="2"/>
-              <a:buChar char=""/>
-              <a:defRPr sz="1400" kern="1200" cap="none">
-                <a:solidFill>
-                  <a:schemeClr val="bg2">
-                    <a:lumMod val="75000"/>
-                  </a:schemeClr>
-                </a:solidFill>
-                <a:effectLst/>
-                <a:latin typeface="+mn-lt"/>
-                <a:ea typeface="+mn-ea"/>
-                <a:cs typeface="+mn-cs"/>
-              </a:defRPr>
-            </a:lvl8pPr>
-            <a:lvl9pPr marL="3886200" indent="-228600" algn="l" defTabSz="457200" rtl="0" eaLnBrk="1" latinLnBrk="0" hangingPunct="1">
-              <a:spcBef>
-                <a:spcPct val="20000"/>
-              </a:spcBef>
-              <a:spcAft>
-                <a:spcPts val="600"/>
-              </a:spcAft>
-              <a:buClr>
-                <a:schemeClr val="tx1"/>
-              </a:buClr>
-              <a:buSzPct val="80000"/>
-              <a:buFont typeface="Wingdings 3" panose="05040102010807070707" pitchFamily="18" charset="2"/>
-              <a:buChar char=""/>
-              <a:defRPr sz="1400" kern="1200" cap="none">
-                <a:solidFill>
-                  <a:schemeClr val="bg2">
-                    <a:lumMod val="75000"/>
-                  </a:schemeClr>
-                </a:solidFill>
-                <a:effectLst/>
-                <a:latin typeface="+mn-lt"/>
-                <a:ea typeface="+mn-ea"/>
-                <a:cs typeface="+mn-cs"/>
-              </a:defRPr>
-            </a:lvl9pPr>
-          </a:lstStyle>
-          <a:p>
-            <a:pPr lvl="1">
-              <a:lnSpc>
-                <a:spcPct val="150000"/>
-              </a:lnSpc>
-            </a:pPr>
-            <a:r>
-              <a:rPr lang="fr-CH" sz="2000" dirty="0">
-                <a:solidFill>
-                  <a:schemeClr val="tx1"/>
-                </a:solidFill>
-              </a:rPr>
-              <a:t>Sujet : La fabrication d’un câble Ethernet</a:t>
-            </a:r>
-          </a:p>
-          <a:p>
-            <a:pPr lvl="1">
-              <a:lnSpc>
-                <a:spcPct val="150000"/>
-              </a:lnSpc>
-            </a:pPr>
-            <a:r>
-              <a:rPr lang="fr-CH" sz="2000" dirty="0">
-                <a:solidFill>
-                  <a:schemeClr val="tx1"/>
-                </a:solidFill>
-              </a:rPr>
-              <a:t>Cette présentation à comme objectifs :</a:t>
-            </a:r>
-          </a:p>
-          <a:p>
-            <a:pPr lvl="2">
-              <a:lnSpc>
-                <a:spcPct val="150000"/>
-              </a:lnSpc>
-            </a:pPr>
-            <a:r>
-              <a:rPr lang="fr-CH" sz="1800" dirty="0">
-                <a:solidFill>
-                  <a:schemeClr val="tx1"/>
-                </a:solidFill>
-              </a:rPr>
-              <a:t>Expliquer l’histoire et les usages du </a:t>
-            </a:r>
-            <a:r>
-              <a:rPr lang="fr-CH" sz="1800">
-                <a:solidFill>
-                  <a:schemeClr val="tx1"/>
-                </a:solidFill>
-              </a:rPr>
-              <a:t>câble Ethernet</a:t>
-            </a:r>
-            <a:endParaRPr lang="fr-CH" sz="1800" dirty="0">
-              <a:solidFill>
-                <a:schemeClr val="tx1"/>
-              </a:solidFill>
-            </a:endParaRPr>
-          </a:p>
-          <a:p>
-            <a:pPr lvl="2">
-              <a:lnSpc>
-                <a:spcPct val="150000"/>
-              </a:lnSpc>
-            </a:pPr>
-            <a:r>
-              <a:rPr lang="fr-CH" sz="1800" dirty="0">
-                <a:solidFill>
-                  <a:schemeClr val="tx1"/>
-                </a:solidFill>
-              </a:rPr>
-              <a:t>Décrire et présenter les différentes normes, catégories et technologies d’un câble Ethernet</a:t>
-            </a:r>
-          </a:p>
-          <a:p>
-            <a:pPr lvl="2">
-              <a:lnSpc>
-                <a:spcPct val="150000"/>
-              </a:lnSpc>
-            </a:pPr>
-            <a:r>
-              <a:rPr lang="fr-CH" sz="1800" dirty="0">
-                <a:solidFill>
-                  <a:schemeClr val="tx1"/>
-                </a:solidFill>
-              </a:rPr>
-              <a:t>Démontrer la fabrication d’un câble RJ-45</a:t>
-            </a:r>
-          </a:p>
-          <a:p>
-            <a:pPr lvl="2">
-              <a:lnSpc>
-                <a:spcPct val="150000"/>
-              </a:lnSpc>
-            </a:pPr>
-            <a:endParaRPr lang="fr-CH" sz="2200" dirty="0">
-              <a:solidFill>
-                <a:schemeClr val="tx1"/>
-              </a:solidFill>
-            </a:endParaRPr>
-          </a:p>
-          <a:p>
-            <a:pPr lvl="2">
-              <a:lnSpc>
-                <a:spcPct val="150000"/>
-              </a:lnSpc>
-            </a:pPr>
-            <a:endParaRPr lang="fr-CH" sz="2200" dirty="0">
-              <a:solidFill>
-                <a:schemeClr val="tx1"/>
-              </a:solidFill>
-            </a:endParaRPr>
-          </a:p>
-        </p:txBody>
-      </p:sp>
-    </p:spTree>
-    <p:extLst>
-      <p:ext uri="{BB962C8B-B14F-4D97-AF65-F5344CB8AC3E}">
-        <p14:creationId xmlns:p14="http://schemas.microsoft.com/office/powerpoint/2010/main" val="3456633582"/>
-      </p:ext>
-    </p:extLst>
-  </p:cSld>
-  <p:clrMapOvr>
-    <a:masterClrMapping/>
-  </p:clrMapOvr>
-</p:sld>
-</file>
-
-<file path=ppt/slides/slide30.xml><?xml version="1.0" encoding="utf-8"?>
+<file path=ppt/slides/slide29.xml><?xml version="1.0" encoding="utf-8"?>
 <p:sld xmlns:a="http://schemas.openxmlformats.org/drawingml/2006/main" xmlns:r="http://schemas.openxmlformats.org/officeDocument/2006/relationships" xmlns:p="http://schemas.openxmlformats.org/presentationml/2006/main">
   <p:cSld>
     <p:spTree>
@@ -13201,6 +12691,694 @@
 </p:sld>
 </file>
 
+<file path=ppt/slides/slide3.xml><?xml version="1.0" encoding="utf-8"?>
+<p:sld xmlns:a="http://schemas.openxmlformats.org/drawingml/2006/main" xmlns:r="http://schemas.openxmlformats.org/officeDocument/2006/relationships" xmlns:p="http://schemas.openxmlformats.org/presentationml/2006/main">
+  <p:cSld>
+    <p:spTree>
+      <p:nvGrpSpPr>
+        <p:cNvPr id="1" name=""/>
+        <p:cNvGrpSpPr/>
+        <p:nvPr/>
+      </p:nvGrpSpPr>
+      <p:grpSpPr>
+        <a:xfrm>
+          <a:off x="0" y="0"/>
+          <a:ext cx="0" cy="0"/>
+          <a:chOff x="0" y="0"/>
+          <a:chExt cx="0" cy="0"/>
+        </a:xfrm>
+      </p:grpSpPr>
+      <p:sp>
+        <p:nvSpPr>
+          <p:cNvPr id="4" name="Title 1"/>
+          <p:cNvSpPr>
+            <a:spLocks noGrp="1"/>
+          </p:cNvSpPr>
+          <p:nvPr>
+            <p:ph type="title"/>
+          </p:nvPr>
+        </p:nvSpPr>
+        <p:spPr>
+          <a:xfrm>
+            <a:off x="0" y="0"/>
+            <a:ext cx="2916820" cy="510199"/>
+          </a:xfrm>
+        </p:spPr>
+        <p:txBody>
+          <a:bodyPr numCol="1">
+            <a:noAutofit/>
+          </a:bodyPr>
+          <a:lstStyle/>
+          <a:p>
+            <a:pPr algn="ctr"/>
+            <a:r>
+              <a:rPr lang="fr-CH" sz="2800" dirty="0"/>
+              <a:t>Introduction</a:t>
+            </a:r>
+          </a:p>
+        </p:txBody>
+      </p:sp>
+      <p:sp>
+        <p:nvSpPr>
+          <p:cNvPr id="5" name="Content Placeholder 2"/>
+          <p:cNvSpPr txBox="1">
+            <a:spLocks/>
+          </p:cNvSpPr>
+          <p:nvPr/>
+        </p:nvSpPr>
+        <p:spPr>
+          <a:xfrm>
+            <a:off x="615821" y="1698172"/>
+            <a:ext cx="10216729" cy="3546074"/>
+          </a:xfrm>
+          <a:prstGeom prst="rect">
+            <a:avLst/>
+          </a:prstGeom>
+        </p:spPr>
+        <p:txBody>
+          <a:bodyPr vert="horz" lIns="91440" tIns="45720" rIns="91440" bIns="45720" rtlCol="0" anchor="ctr">
+            <a:normAutofit/>
+          </a:bodyPr>
+          <a:lstStyle>
+            <a:lvl1pPr marL="285750" indent="-285750" algn="l" defTabSz="457200" rtl="0" eaLnBrk="1" latinLnBrk="0" hangingPunct="1">
+              <a:spcBef>
+                <a:spcPct val="20000"/>
+              </a:spcBef>
+              <a:spcAft>
+                <a:spcPts val="600"/>
+              </a:spcAft>
+              <a:buClr>
+                <a:schemeClr val="tx1"/>
+              </a:buClr>
+              <a:buSzPct val="80000"/>
+              <a:buFont typeface="Wingdings 3" panose="05040102010807070707" pitchFamily="18" charset="2"/>
+              <a:buChar char=""/>
+              <a:defRPr sz="2000" kern="1200" cap="none">
+                <a:solidFill>
+                  <a:schemeClr val="bg2">
+                    <a:lumMod val="75000"/>
+                  </a:schemeClr>
+                </a:solidFill>
+                <a:effectLst/>
+                <a:latin typeface="+mn-lt"/>
+                <a:ea typeface="+mn-ea"/>
+                <a:cs typeface="+mn-cs"/>
+              </a:defRPr>
+            </a:lvl1pPr>
+            <a:lvl2pPr marL="742950" indent="-285750" algn="l" defTabSz="457200" rtl="0" eaLnBrk="1" latinLnBrk="0" hangingPunct="1">
+              <a:spcBef>
+                <a:spcPct val="20000"/>
+              </a:spcBef>
+              <a:spcAft>
+                <a:spcPts val="600"/>
+              </a:spcAft>
+              <a:buClr>
+                <a:schemeClr val="tx1"/>
+              </a:buClr>
+              <a:buSzPct val="80000"/>
+              <a:buFont typeface="Wingdings 3" panose="05040102010807070707" pitchFamily="18" charset="2"/>
+              <a:buChar char=""/>
+              <a:defRPr sz="1800" kern="1200" cap="none">
+                <a:solidFill>
+                  <a:schemeClr val="bg2">
+                    <a:lumMod val="75000"/>
+                  </a:schemeClr>
+                </a:solidFill>
+                <a:effectLst/>
+                <a:latin typeface="+mn-lt"/>
+                <a:ea typeface="+mn-ea"/>
+                <a:cs typeface="+mn-cs"/>
+              </a:defRPr>
+            </a:lvl2pPr>
+            <a:lvl3pPr marL="1200150" indent="-285750" algn="l" defTabSz="457200" rtl="0" eaLnBrk="1" latinLnBrk="0" hangingPunct="1">
+              <a:spcBef>
+                <a:spcPct val="20000"/>
+              </a:spcBef>
+              <a:spcAft>
+                <a:spcPts val="600"/>
+              </a:spcAft>
+              <a:buClr>
+                <a:schemeClr val="tx1"/>
+              </a:buClr>
+              <a:buSzPct val="80000"/>
+              <a:buFont typeface="Wingdings 3" panose="05040102010807070707" pitchFamily="18" charset="2"/>
+              <a:buChar char=""/>
+              <a:defRPr sz="1600" kern="1200" cap="none">
+                <a:solidFill>
+                  <a:schemeClr val="bg2">
+                    <a:lumMod val="75000"/>
+                  </a:schemeClr>
+                </a:solidFill>
+                <a:effectLst/>
+                <a:latin typeface="+mn-lt"/>
+                <a:ea typeface="+mn-ea"/>
+                <a:cs typeface="+mn-cs"/>
+              </a:defRPr>
+            </a:lvl3pPr>
+            <a:lvl4pPr marL="1543050" indent="-171450" algn="l" defTabSz="457200" rtl="0" eaLnBrk="1" latinLnBrk="0" hangingPunct="1">
+              <a:spcBef>
+                <a:spcPct val="20000"/>
+              </a:spcBef>
+              <a:spcAft>
+                <a:spcPts val="600"/>
+              </a:spcAft>
+              <a:buClr>
+                <a:schemeClr val="tx1"/>
+              </a:buClr>
+              <a:buSzPct val="80000"/>
+              <a:buFont typeface="Wingdings 3" panose="05040102010807070707" pitchFamily="18" charset="2"/>
+              <a:buChar char=""/>
+              <a:defRPr sz="1400" kern="1200" cap="none">
+                <a:solidFill>
+                  <a:schemeClr val="bg2">
+                    <a:lumMod val="75000"/>
+                  </a:schemeClr>
+                </a:solidFill>
+                <a:effectLst/>
+                <a:latin typeface="+mn-lt"/>
+                <a:ea typeface="+mn-ea"/>
+                <a:cs typeface="+mn-cs"/>
+              </a:defRPr>
+            </a:lvl4pPr>
+            <a:lvl5pPr marL="2000250" indent="-171450" algn="l" defTabSz="457200" rtl="0" eaLnBrk="1" latinLnBrk="0" hangingPunct="1">
+              <a:spcBef>
+                <a:spcPct val="20000"/>
+              </a:spcBef>
+              <a:spcAft>
+                <a:spcPts val="600"/>
+              </a:spcAft>
+              <a:buClr>
+                <a:schemeClr val="tx1"/>
+              </a:buClr>
+              <a:buSzPct val="80000"/>
+              <a:buFont typeface="Wingdings 3" panose="05040102010807070707" pitchFamily="18" charset="2"/>
+              <a:buChar char=""/>
+              <a:defRPr sz="1400" kern="1200" cap="none">
+                <a:solidFill>
+                  <a:schemeClr val="bg2">
+                    <a:lumMod val="75000"/>
+                  </a:schemeClr>
+                </a:solidFill>
+                <a:effectLst/>
+                <a:latin typeface="+mn-lt"/>
+                <a:ea typeface="+mn-ea"/>
+                <a:cs typeface="+mn-cs"/>
+              </a:defRPr>
+            </a:lvl5pPr>
+            <a:lvl6pPr marL="2514600" indent="-228600" algn="l" defTabSz="457200" rtl="0" eaLnBrk="1" latinLnBrk="0" hangingPunct="1">
+              <a:spcBef>
+                <a:spcPct val="20000"/>
+              </a:spcBef>
+              <a:spcAft>
+                <a:spcPts val="600"/>
+              </a:spcAft>
+              <a:buClr>
+                <a:schemeClr val="tx1"/>
+              </a:buClr>
+              <a:buSzPct val="80000"/>
+              <a:buFont typeface="Wingdings 3" panose="05040102010807070707" pitchFamily="18" charset="2"/>
+              <a:buChar char=""/>
+              <a:defRPr sz="1400" kern="1200" cap="none">
+                <a:solidFill>
+                  <a:schemeClr val="bg2">
+                    <a:lumMod val="75000"/>
+                  </a:schemeClr>
+                </a:solidFill>
+                <a:effectLst/>
+                <a:latin typeface="+mn-lt"/>
+                <a:ea typeface="+mn-ea"/>
+                <a:cs typeface="+mn-cs"/>
+              </a:defRPr>
+            </a:lvl6pPr>
+            <a:lvl7pPr marL="2971800" indent="-228600" algn="l" defTabSz="457200" rtl="0" eaLnBrk="1" latinLnBrk="0" hangingPunct="1">
+              <a:spcBef>
+                <a:spcPct val="20000"/>
+              </a:spcBef>
+              <a:spcAft>
+                <a:spcPts val="600"/>
+              </a:spcAft>
+              <a:buClr>
+                <a:schemeClr val="tx1"/>
+              </a:buClr>
+              <a:buSzPct val="80000"/>
+              <a:buFont typeface="Wingdings 3" panose="05040102010807070707" pitchFamily="18" charset="2"/>
+              <a:buChar char=""/>
+              <a:defRPr sz="1400" kern="1200" cap="none">
+                <a:solidFill>
+                  <a:schemeClr val="bg2">
+                    <a:lumMod val="75000"/>
+                  </a:schemeClr>
+                </a:solidFill>
+                <a:effectLst/>
+                <a:latin typeface="+mn-lt"/>
+                <a:ea typeface="+mn-ea"/>
+                <a:cs typeface="+mn-cs"/>
+              </a:defRPr>
+            </a:lvl7pPr>
+            <a:lvl8pPr marL="3429000" indent="-228600" algn="l" defTabSz="457200" rtl="0" eaLnBrk="1" latinLnBrk="0" hangingPunct="1">
+              <a:spcBef>
+                <a:spcPct val="20000"/>
+              </a:spcBef>
+              <a:spcAft>
+                <a:spcPts val="600"/>
+              </a:spcAft>
+              <a:buClr>
+                <a:schemeClr val="tx1"/>
+              </a:buClr>
+              <a:buSzPct val="80000"/>
+              <a:buFont typeface="Wingdings 3" panose="05040102010807070707" pitchFamily="18" charset="2"/>
+              <a:buChar char=""/>
+              <a:defRPr sz="1400" kern="1200" cap="none">
+                <a:solidFill>
+                  <a:schemeClr val="bg2">
+                    <a:lumMod val="75000"/>
+                  </a:schemeClr>
+                </a:solidFill>
+                <a:effectLst/>
+                <a:latin typeface="+mn-lt"/>
+                <a:ea typeface="+mn-ea"/>
+                <a:cs typeface="+mn-cs"/>
+              </a:defRPr>
+            </a:lvl8pPr>
+            <a:lvl9pPr marL="3886200" indent="-228600" algn="l" defTabSz="457200" rtl="0" eaLnBrk="1" latinLnBrk="0" hangingPunct="1">
+              <a:spcBef>
+                <a:spcPct val="20000"/>
+              </a:spcBef>
+              <a:spcAft>
+                <a:spcPts val="600"/>
+              </a:spcAft>
+              <a:buClr>
+                <a:schemeClr val="tx1"/>
+              </a:buClr>
+              <a:buSzPct val="80000"/>
+              <a:buFont typeface="Wingdings 3" panose="05040102010807070707" pitchFamily="18" charset="2"/>
+              <a:buChar char=""/>
+              <a:defRPr sz="1400" kern="1200" cap="none">
+                <a:solidFill>
+                  <a:schemeClr val="bg2">
+                    <a:lumMod val="75000"/>
+                  </a:schemeClr>
+                </a:solidFill>
+                <a:effectLst/>
+                <a:latin typeface="+mn-lt"/>
+                <a:ea typeface="+mn-ea"/>
+                <a:cs typeface="+mn-cs"/>
+              </a:defRPr>
+            </a:lvl9pPr>
+          </a:lstStyle>
+          <a:p>
+            <a:pPr lvl="1">
+              <a:lnSpc>
+                <a:spcPct val="150000"/>
+              </a:lnSpc>
+            </a:pPr>
+            <a:r>
+              <a:rPr lang="fr-CH" sz="2000" dirty="0">
+                <a:solidFill>
+                  <a:schemeClr val="tx1"/>
+                </a:solidFill>
+              </a:rPr>
+              <a:t>Sujet : La fabrication d’un câble Ethernet</a:t>
+            </a:r>
+          </a:p>
+          <a:p>
+            <a:pPr lvl="1">
+              <a:lnSpc>
+                <a:spcPct val="150000"/>
+              </a:lnSpc>
+            </a:pPr>
+            <a:r>
+              <a:rPr lang="fr-CH" sz="2000" dirty="0">
+                <a:solidFill>
+                  <a:schemeClr val="tx1"/>
+                </a:solidFill>
+              </a:rPr>
+              <a:t>Cette présentation à comme objectifs :</a:t>
+            </a:r>
+          </a:p>
+          <a:p>
+            <a:pPr lvl="2">
+              <a:lnSpc>
+                <a:spcPct val="150000"/>
+              </a:lnSpc>
+            </a:pPr>
+            <a:r>
+              <a:rPr lang="fr-CH" sz="1800" dirty="0">
+                <a:solidFill>
+                  <a:schemeClr val="tx1"/>
+                </a:solidFill>
+              </a:rPr>
+              <a:t>Expliquer l’histoire et les usages du </a:t>
+            </a:r>
+            <a:r>
+              <a:rPr lang="fr-CH" sz="1800">
+                <a:solidFill>
+                  <a:schemeClr val="tx1"/>
+                </a:solidFill>
+              </a:rPr>
+              <a:t>câble Ethernet</a:t>
+            </a:r>
+            <a:endParaRPr lang="fr-CH" sz="1800" dirty="0">
+              <a:solidFill>
+                <a:schemeClr val="tx1"/>
+              </a:solidFill>
+            </a:endParaRPr>
+          </a:p>
+          <a:p>
+            <a:pPr lvl="2">
+              <a:lnSpc>
+                <a:spcPct val="150000"/>
+              </a:lnSpc>
+            </a:pPr>
+            <a:r>
+              <a:rPr lang="fr-CH" sz="1800" dirty="0">
+                <a:solidFill>
+                  <a:schemeClr val="tx1"/>
+                </a:solidFill>
+              </a:rPr>
+              <a:t>Décrire et présenter les différentes normes, catégories et technologies d’un câble Ethernet</a:t>
+            </a:r>
+          </a:p>
+          <a:p>
+            <a:pPr lvl="2">
+              <a:lnSpc>
+                <a:spcPct val="150000"/>
+              </a:lnSpc>
+            </a:pPr>
+            <a:r>
+              <a:rPr lang="fr-CH" sz="1800" dirty="0">
+                <a:solidFill>
+                  <a:schemeClr val="tx1"/>
+                </a:solidFill>
+              </a:rPr>
+              <a:t>Démontrer la fabrication d’un câble RJ-45</a:t>
+            </a:r>
+          </a:p>
+          <a:p>
+            <a:pPr lvl="2">
+              <a:lnSpc>
+                <a:spcPct val="150000"/>
+              </a:lnSpc>
+            </a:pPr>
+            <a:endParaRPr lang="fr-CH" sz="2200" dirty="0">
+              <a:solidFill>
+                <a:schemeClr val="tx1"/>
+              </a:solidFill>
+            </a:endParaRPr>
+          </a:p>
+          <a:p>
+            <a:pPr lvl="2">
+              <a:lnSpc>
+                <a:spcPct val="150000"/>
+              </a:lnSpc>
+            </a:pPr>
+            <a:endParaRPr lang="fr-CH" sz="2200" dirty="0">
+              <a:solidFill>
+                <a:schemeClr val="tx1"/>
+              </a:solidFill>
+            </a:endParaRPr>
+          </a:p>
+        </p:txBody>
+      </p:sp>
+    </p:spTree>
+    <p:extLst>
+      <p:ext uri="{BB962C8B-B14F-4D97-AF65-F5344CB8AC3E}">
+        <p14:creationId xmlns:p14="http://schemas.microsoft.com/office/powerpoint/2010/main" val="3456633582"/>
+      </p:ext>
+    </p:extLst>
+  </p:cSld>
+  <p:clrMapOvr>
+    <a:masterClrMapping/>
+  </p:clrMapOvr>
+</p:sld>
+</file>
+
+<file path=ppt/slides/slide30.xml><?xml version="1.0" encoding="utf-8"?>
+<p:sld xmlns:a="http://schemas.openxmlformats.org/drawingml/2006/main" xmlns:r="http://schemas.openxmlformats.org/officeDocument/2006/relationships" xmlns:p="http://schemas.openxmlformats.org/presentationml/2006/main">
+  <p:cSld>
+    <p:spTree>
+      <p:nvGrpSpPr>
+        <p:cNvPr id="1" name=""/>
+        <p:cNvGrpSpPr/>
+        <p:nvPr/>
+      </p:nvGrpSpPr>
+      <p:grpSpPr>
+        <a:xfrm>
+          <a:off x="0" y="0"/>
+          <a:ext cx="0" cy="0"/>
+          <a:chOff x="0" y="0"/>
+          <a:chExt cx="0" cy="0"/>
+        </a:xfrm>
+      </p:grpSpPr>
+      <p:sp>
+        <p:nvSpPr>
+          <p:cNvPr id="5" name="Content Placeholder 2"/>
+          <p:cNvSpPr>
+            <a:spLocks noGrp="1"/>
+          </p:cNvSpPr>
+          <p:nvPr>
+            <p:ph idx="1"/>
+          </p:nvPr>
+        </p:nvSpPr>
+        <p:spPr>
+          <a:xfrm>
+            <a:off x="326020" y="634971"/>
+            <a:ext cx="11539959" cy="510199"/>
+          </a:xfrm>
+        </p:spPr>
+        <p:txBody>
+          <a:bodyPr>
+            <a:normAutofit/>
+          </a:bodyPr>
+          <a:lstStyle/>
+          <a:p>
+            <a:pPr marL="0" indent="0">
+              <a:buNone/>
+            </a:pPr>
+            <a:r>
+              <a:rPr lang="it-IT" sz="2400" dirty="0">
+                <a:solidFill>
+                  <a:schemeClr val="tx1"/>
+                </a:solidFill>
+              </a:rPr>
+              <a:t>IEEE </a:t>
+            </a:r>
+            <a:r>
+              <a:rPr lang="it-IT" sz="2400" dirty="0">
+                <a:solidFill>
+                  <a:schemeClr val="tx1"/>
+                </a:solidFill>
+                <a:latin typeface="+mj-lt"/>
+              </a:rPr>
+              <a:t>802.3</a:t>
+            </a:r>
+            <a:endParaRPr lang="fr-CH" sz="2400" dirty="0">
+              <a:solidFill>
+                <a:schemeClr val="tx1"/>
+              </a:solidFill>
+              <a:latin typeface="+mj-lt"/>
+            </a:endParaRPr>
+          </a:p>
+        </p:txBody>
+      </p:sp>
+      <p:sp>
+        <p:nvSpPr>
+          <p:cNvPr id="6" name="Title 1"/>
+          <p:cNvSpPr>
+            <a:spLocks noGrp="1"/>
+          </p:cNvSpPr>
+          <p:nvPr>
+            <p:ph type="title"/>
+          </p:nvPr>
+        </p:nvSpPr>
+        <p:spPr>
+          <a:xfrm>
+            <a:off x="1" y="0"/>
+            <a:ext cx="1689904" cy="510199"/>
+          </a:xfrm>
+        </p:spPr>
+        <p:txBody>
+          <a:bodyPr numCol="1">
+            <a:noAutofit/>
+          </a:bodyPr>
+          <a:lstStyle/>
+          <a:p>
+            <a:pPr algn="ctr"/>
+            <a:r>
+              <a:rPr lang="fr-CH" sz="2800" dirty="0"/>
+              <a:t>NORMES</a:t>
+            </a:r>
+          </a:p>
+        </p:txBody>
+      </p:sp>
+      <p:sp>
+        <p:nvSpPr>
+          <p:cNvPr id="14" name="ZoneTexte 13">
+            <a:extLst>
+              <a:ext uri="{FF2B5EF4-FFF2-40B4-BE49-F238E27FC236}">
+                <a16:creationId xmlns:a16="http://schemas.microsoft.com/office/drawing/2014/main" id="{DCFCBA6D-32BF-45B9-913E-FC03E263FEB7}"/>
+              </a:ext>
+            </a:extLst>
+          </p:cNvPr>
+          <p:cNvSpPr txBox="1"/>
+          <p:nvPr/>
+        </p:nvSpPr>
+        <p:spPr>
+          <a:xfrm>
+            <a:off x="609601" y="1269942"/>
+            <a:ext cx="2974109" cy="369332"/>
+          </a:xfrm>
+          <a:prstGeom prst="rect">
+            <a:avLst/>
+          </a:prstGeom>
+          <a:noFill/>
+        </p:spPr>
+        <p:txBody>
+          <a:bodyPr wrap="square" rtlCol="0">
+            <a:spAutoFit/>
+          </a:bodyPr>
+          <a:lstStyle/>
+          <a:p>
+            <a:r>
+              <a:rPr lang="fr-CH" b="1" dirty="0">
+                <a:latin typeface="+mj-lt"/>
+              </a:rPr>
+              <a:t>Les débits :</a:t>
+            </a:r>
+          </a:p>
+        </p:txBody>
+      </p:sp>
+      <p:sp>
+        <p:nvSpPr>
+          <p:cNvPr id="15" name="ZoneTexte 14">
+            <a:extLst>
+              <a:ext uri="{FF2B5EF4-FFF2-40B4-BE49-F238E27FC236}">
+                <a16:creationId xmlns:a16="http://schemas.microsoft.com/office/drawing/2014/main" id="{6335B29D-0CD6-4CAA-B965-93BCC03492D8}"/>
+              </a:ext>
+            </a:extLst>
+          </p:cNvPr>
+          <p:cNvSpPr txBox="1"/>
+          <p:nvPr/>
+        </p:nvSpPr>
+        <p:spPr>
+          <a:xfrm>
+            <a:off x="942109" y="1764046"/>
+            <a:ext cx="5643418" cy="369332"/>
+          </a:xfrm>
+          <a:prstGeom prst="rect">
+            <a:avLst/>
+          </a:prstGeom>
+          <a:noFill/>
+        </p:spPr>
+        <p:txBody>
+          <a:bodyPr wrap="square" rtlCol="0">
+            <a:spAutoFit/>
+          </a:bodyPr>
+          <a:lstStyle/>
+          <a:p>
+            <a:r>
+              <a:rPr lang="fr-CH" dirty="0"/>
+              <a:t>Il existe 4 débits différents à ce jour.</a:t>
+            </a:r>
+          </a:p>
+        </p:txBody>
+      </p:sp>
+      <p:sp>
+        <p:nvSpPr>
+          <p:cNvPr id="16" name="Rectangle 15">
+            <a:extLst>
+              <a:ext uri="{FF2B5EF4-FFF2-40B4-BE49-F238E27FC236}">
+                <a16:creationId xmlns:a16="http://schemas.microsoft.com/office/drawing/2014/main" id="{598DB639-CD18-4A74-9FFE-C44EB01149A7}"/>
+              </a:ext>
+            </a:extLst>
+          </p:cNvPr>
+          <p:cNvSpPr/>
+          <p:nvPr/>
+        </p:nvSpPr>
+        <p:spPr>
+          <a:xfrm>
+            <a:off x="1320451" y="2258150"/>
+            <a:ext cx="5703806" cy="1701684"/>
+          </a:xfrm>
+          <a:prstGeom prst="rect">
+            <a:avLst/>
+          </a:prstGeom>
+        </p:spPr>
+        <p:txBody>
+          <a:bodyPr wrap="none">
+            <a:spAutoFit/>
+          </a:bodyPr>
+          <a:lstStyle/>
+          <a:p>
+            <a:pPr marL="285750" indent="-285750">
+              <a:lnSpc>
+                <a:spcPct val="150000"/>
+              </a:lnSpc>
+              <a:buFont typeface="Arial" panose="020B0604020202020204" pitchFamily="34" charset="0"/>
+              <a:buChar char="•"/>
+            </a:pPr>
+            <a:r>
+              <a:rPr lang="fr-CH" dirty="0">
+                <a:ea typeface="Calibri" panose="020F0502020204030204" pitchFamily="34" charset="0"/>
+                <a:cs typeface="Arial" panose="020B0604020202020204" pitchFamily="34" charset="0"/>
+              </a:rPr>
+              <a:t>Ethernet qui a un débit de 10 Mb/s,</a:t>
+            </a:r>
+          </a:p>
+          <a:p>
+            <a:pPr marL="285750" indent="-285750">
+              <a:lnSpc>
+                <a:spcPct val="150000"/>
+              </a:lnSpc>
+              <a:buFont typeface="Arial" panose="020B0604020202020204" pitchFamily="34" charset="0"/>
+              <a:buChar char="•"/>
+            </a:pPr>
+            <a:r>
+              <a:rPr lang="fr-CH" dirty="0"/>
+              <a:t>Fast Ethernet qui a un débit de 100 Mb/s,</a:t>
+            </a:r>
+          </a:p>
+          <a:p>
+            <a:pPr marL="285750" indent="-285750">
+              <a:lnSpc>
+                <a:spcPct val="150000"/>
+              </a:lnSpc>
+              <a:buFont typeface="Arial" panose="020B0604020202020204" pitchFamily="34" charset="0"/>
+              <a:buChar char="•"/>
+            </a:pPr>
+            <a:r>
+              <a:rPr lang="fr-CH" dirty="0"/>
+              <a:t>GigaEthernet qui a un débit de 1’000Mb/s et</a:t>
+            </a:r>
+          </a:p>
+          <a:p>
+            <a:pPr marL="285750" indent="-285750">
+              <a:lnSpc>
+                <a:spcPct val="150000"/>
+              </a:lnSpc>
+              <a:buFont typeface="Arial" panose="020B0604020202020204" pitchFamily="34" charset="0"/>
+              <a:buChar char="•"/>
+            </a:pPr>
+            <a:r>
+              <a:rPr lang="fr-CH" dirty="0"/>
+              <a:t>10 GigaEthernet qui a un débit de 10’000Mb/s.</a:t>
+            </a:r>
+          </a:p>
+        </p:txBody>
+      </p:sp>
+    </p:spTree>
+    <p:extLst>
+      <p:ext uri="{BB962C8B-B14F-4D97-AF65-F5344CB8AC3E}">
+        <p14:creationId xmlns:p14="http://schemas.microsoft.com/office/powerpoint/2010/main" val="743191427"/>
+      </p:ext>
+    </p:extLst>
+  </p:cSld>
+  <p:clrMapOvr>
+    <a:masterClrMapping/>
+  </p:clrMapOvr>
+</p:sld>
+</file>
+
 <file path=ppt/slides/slide31.xml><?xml version="1.0" encoding="utf-8"?>
 <p:sld xmlns:a="http://schemas.openxmlformats.org/drawingml/2006/main" xmlns:r="http://schemas.openxmlformats.org/officeDocument/2006/relationships" xmlns:p="http://schemas.openxmlformats.org/presentationml/2006/main">
   <p:cSld>
@@ -13220,57 +13398,6 @@
       </p:grpSpPr>
       <p:sp>
         <p:nvSpPr>
-          <p:cNvPr id="5" name="Content Placeholder 2"/>
-          <p:cNvSpPr>
-            <a:spLocks noGrp="1"/>
-          </p:cNvSpPr>
-          <p:nvPr>
-            <p:ph idx="1"/>
-          </p:nvPr>
-        </p:nvSpPr>
-        <p:spPr>
-          <a:xfrm>
-            <a:off x="326020" y="634971"/>
-            <a:ext cx="11539959" cy="510199"/>
-          </a:xfrm>
-        </p:spPr>
-        <p:txBody>
-          <a:bodyPr>
-            <a:normAutofit/>
-          </a:bodyPr>
-          <a:lstStyle/>
-          <a:p>
-            <a:pPr marL="0" indent="0">
-              <a:buNone/>
-            </a:pPr>
-            <a:r>
-              <a:rPr lang="it-IT" sz="2400" dirty="0">
-                <a:solidFill>
-                  <a:schemeClr val="tx1"/>
-                </a:solidFill>
-              </a:rPr>
-              <a:t>IEEE </a:t>
-            </a:r>
-            <a:r>
-              <a:rPr lang="it-IT" sz="2400" dirty="0">
-                <a:solidFill>
-                  <a:schemeClr val="tx1"/>
-                </a:solidFill>
-                <a:latin typeface="+mj-lt"/>
-              </a:rPr>
-              <a:t>802.3</a:t>
-            </a:r>
-            <a:endParaRPr lang="fr-CH" sz="2400" dirty="0">
-              <a:solidFill>
-                <a:schemeClr val="tx1"/>
-              </a:solidFill>
-              <a:latin typeface="+mj-lt"/>
-            </a:endParaRPr>
-          </a:p>
-        </p:txBody>
-      </p:sp>
-      <p:sp>
-        <p:nvSpPr>
           <p:cNvPr id="6" name="Title 1"/>
           <p:cNvSpPr>
             <a:spLocks noGrp="1"/>
@@ -13281,8 +13408,8 @@
         </p:nvSpPr>
         <p:spPr>
           <a:xfrm>
-            <a:off x="1" y="0"/>
-            <a:ext cx="1689904" cy="510199"/>
+            <a:off x="0" y="0"/>
+            <a:ext cx="2488557" cy="510199"/>
           </a:xfrm>
         </p:spPr>
         <p:txBody>
@@ -13294,17 +13421,17 @@
             <a:pPr algn="ctr"/>
             <a:r>
               <a:rPr lang="fr-CH" sz="2800" dirty="0"/>
-              <a:t>NORMES</a:t>
-            </a:r>
-          </a:p>
-        </p:txBody>
-      </p:sp>
-      <p:sp>
-        <p:nvSpPr>
-          <p:cNvPr id="14" name="ZoneTexte 13">
+              <a:t>FABRICATION</a:t>
+            </a:r>
+          </a:p>
+        </p:txBody>
+      </p:sp>
+      <p:sp>
+        <p:nvSpPr>
+          <p:cNvPr id="2" name="ZoneTexte 1">
             <a:extLst>
               <a:ext uri="{FF2B5EF4-FFF2-40B4-BE49-F238E27FC236}">
-                <a16:creationId xmlns:a16="http://schemas.microsoft.com/office/drawing/2014/main" id="{DCFCBA6D-32BF-45B9-913E-FC03E263FEB7}"/>
+                <a16:creationId xmlns:a16="http://schemas.microsoft.com/office/drawing/2014/main" id="{95A71DAD-C760-4FB1-9A97-CB83FC9A6215}"/>
               </a:ext>
             </a:extLst>
           </p:cNvPr>
@@ -13313,8 +13440,8 @@
         </p:nvSpPr>
         <p:spPr>
           <a:xfrm>
-            <a:off x="609601" y="1269942"/>
-            <a:ext cx="2974109" cy="369332"/>
+            <a:off x="374248" y="902826"/>
+            <a:ext cx="3940233" cy="461665"/>
           </a:xfrm>
           <a:prstGeom prst="rect">
             <a:avLst/>
@@ -13328,20 +13455,18 @@
           <a:lstStyle/>
           <a:p>
             <a:r>
-              <a:rPr lang="fr-CH" b="1" dirty="0">
-                <a:latin typeface="+mj-lt"/>
-              </a:rPr>
-              <a:t>Les débits :</a:t>
-            </a:r>
-          </a:p>
-        </p:txBody>
-      </p:sp>
-      <p:sp>
-        <p:nvSpPr>
-          <p:cNvPr id="15" name="ZoneTexte 14">
+              <a:rPr lang="fr-CH" sz="2400" b="1" dirty="0"/>
+              <a:t>Préparation du matériel</a:t>
+            </a:r>
+          </a:p>
+        </p:txBody>
+      </p:sp>
+      <p:sp>
+        <p:nvSpPr>
+          <p:cNvPr id="4" name="ZoneTexte 3">
             <a:extLst>
               <a:ext uri="{FF2B5EF4-FFF2-40B4-BE49-F238E27FC236}">
-                <a16:creationId xmlns:a16="http://schemas.microsoft.com/office/drawing/2014/main" id="{6335B29D-0CD6-4CAA-B965-93BCC03492D8}"/>
+                <a16:creationId xmlns:a16="http://schemas.microsoft.com/office/drawing/2014/main" id="{FBE88C88-B8F1-497D-99A0-7069148CCDE5}"/>
               </a:ext>
             </a:extLst>
           </p:cNvPr>
@@ -13350,8 +13475,8 @@
         </p:nvSpPr>
         <p:spPr>
           <a:xfrm>
-            <a:off x="942109" y="1764046"/>
-            <a:ext cx="5643418" cy="369332"/>
+            <a:off x="374248" y="1514120"/>
+            <a:ext cx="6059803" cy="2862322"/>
           </a:xfrm>
           <a:prstGeom prst="rect">
             <a:avLst/>
@@ -13364,92 +13489,82 @@
           </a:bodyPr>
           <a:lstStyle/>
           <a:p>
-            <a:r>
-              <a:rPr lang="fr-CH" dirty="0"/>
-              <a:t>Il existe 4 débits différents à ce jour.</a:t>
-            </a:r>
-          </a:p>
-        </p:txBody>
-      </p:sp>
-      <p:sp>
-        <p:nvSpPr>
-          <p:cNvPr id="16" name="Rectangle 15">
-            <a:extLst>
-              <a:ext uri="{FF2B5EF4-FFF2-40B4-BE49-F238E27FC236}">
-                <a16:creationId xmlns:a16="http://schemas.microsoft.com/office/drawing/2014/main" id="{598DB639-CD18-4A74-9FFE-C44EB01149A7}"/>
-              </a:ext>
-            </a:extLst>
-          </p:cNvPr>
-          <p:cNvSpPr/>
-          <p:nvPr/>
-        </p:nvSpPr>
-        <p:spPr>
-          <a:xfrm>
-            <a:off x="1320451" y="2258150"/>
-            <a:ext cx="5703806" cy="1701684"/>
-          </a:xfrm>
-          <a:prstGeom prst="rect">
-            <a:avLst/>
-          </a:prstGeom>
-        </p:spPr>
-        <p:txBody>
-          <a:bodyPr wrap="none">
-            <a:spAutoFit/>
-          </a:bodyPr>
-          <a:lstStyle/>
-          <a:p>
             <a:pPr marL="285750" indent="-285750">
-              <a:lnSpc>
-                <a:spcPct val="150000"/>
-              </a:lnSpc>
               <a:buFont typeface="Arial" panose="020B0604020202020204" pitchFamily="34" charset="0"/>
               <a:buChar char="•"/>
             </a:pPr>
             <a:r>
-              <a:rPr lang="fr-CH" dirty="0">
-                <a:ea typeface="Calibri" panose="020F0502020204030204" pitchFamily="34" charset="0"/>
-                <a:cs typeface="Arial" panose="020B0604020202020204" pitchFamily="34" charset="0"/>
-              </a:rPr>
-              <a:t>Ethernet qui a un débit de 10 Mb/s,</a:t>
+              <a:rPr lang="fr-CH" sz="2000" dirty="0"/>
+              <a:t>Du câble</a:t>
             </a:r>
           </a:p>
           <a:p>
             <a:pPr marL="285750" indent="-285750">
-              <a:lnSpc>
-                <a:spcPct val="150000"/>
-              </a:lnSpc>
               <a:buFont typeface="Arial" panose="020B0604020202020204" pitchFamily="34" charset="0"/>
               <a:buChar char="•"/>
             </a:pPr>
             <a:r>
-              <a:rPr lang="fr-CH" dirty="0"/>
-              <a:t>Fast Ethernet qui a un débit de 100 Mb/s,</a:t>
+              <a:rPr lang="fr-CH" sz="2000" dirty="0"/>
+              <a:t>Des connecteurs</a:t>
+            </a:r>
+          </a:p>
+          <a:p>
+            <a:endParaRPr lang="fr-CH" sz="2000" dirty="0"/>
+          </a:p>
+          <a:p>
+            <a:r>
+              <a:rPr lang="fr-CH" sz="2000" dirty="0"/>
+              <a:t>Les outils </a:t>
             </a:r>
           </a:p>
           <a:p>
             <a:pPr marL="285750" indent="-285750">
-              <a:lnSpc>
-                <a:spcPct val="150000"/>
-              </a:lnSpc>
               <a:buFont typeface="Arial" panose="020B0604020202020204" pitchFamily="34" charset="0"/>
               <a:buChar char="•"/>
             </a:pPr>
             <a:r>
-              <a:rPr lang="fr-CH" dirty="0"/>
-              <a:t>GigaEthernet qui a un débit de 1’000Mb/s et</a:t>
+              <a:rPr lang="fr-CH" sz="2000" dirty="0"/>
+              <a:t>Un cutter </a:t>
             </a:r>
           </a:p>
           <a:p>
             <a:pPr marL="285750" indent="-285750">
-              <a:lnSpc>
-                <a:spcPct val="150000"/>
-              </a:lnSpc>
               <a:buFont typeface="Arial" panose="020B0604020202020204" pitchFamily="34" charset="0"/>
               <a:buChar char="•"/>
             </a:pPr>
             <a:r>
-              <a:rPr lang="fr-CH" dirty="0"/>
-              <a:t>10 GigaEthernet qui a un débit de 10’000Mb/s.</a:t>
+              <a:rPr lang="fr-CH" sz="2000" dirty="0"/>
+              <a:t>Une pince à sertir</a:t>
+            </a:r>
+          </a:p>
+          <a:p>
+            <a:pPr marL="285750" indent="-285750">
+              <a:buFont typeface="Arial" panose="020B0604020202020204" pitchFamily="34" charset="0"/>
+              <a:buChar char="•"/>
+            </a:pPr>
+            <a:r>
+              <a:rPr lang="fr-CH" sz="2000" dirty="0"/>
+              <a:t>Une pince coupante</a:t>
+            </a:r>
+          </a:p>
+          <a:p>
+            <a:pPr marL="285750" indent="-285750">
+              <a:buFont typeface="Arial" panose="020B0604020202020204" pitchFamily="34" charset="0"/>
+              <a:buChar char="•"/>
+            </a:pPr>
+            <a:r>
+              <a:rPr lang="fr-CH" sz="2000" dirty="0"/>
+              <a:t>Une règle</a:t>
+            </a:r>
+          </a:p>
+          <a:p>
+            <a:pPr marL="285750" indent="-285750">
+              <a:buFont typeface="Arial" panose="020B0604020202020204" pitchFamily="34" charset="0"/>
+              <a:buChar char="•"/>
+            </a:pPr>
+            <a:r>
+              <a:rPr lang="fr-CH" sz="2000" dirty="0"/>
+              <a:t>Une pince à dénuder</a:t>
             </a:r>
           </a:p>
         </p:txBody>
@@ -13457,7 +13572,7 @@
     </p:spTree>
     <p:extLst>
       <p:ext uri="{BB962C8B-B14F-4D97-AF65-F5344CB8AC3E}">
-        <p14:creationId xmlns:p14="http://schemas.microsoft.com/office/powerpoint/2010/main" val="743191427"/>
+        <p14:creationId xmlns:p14="http://schemas.microsoft.com/office/powerpoint/2010/main" val="1207272401"/>
       </p:ext>
     </p:extLst>
   </p:cSld>
@@ -13486,289 +13601,6 @@
       </p:grpSpPr>
       <p:sp>
         <p:nvSpPr>
-          <p:cNvPr id="2" name="Titre 1">
-            <a:extLst>
-              <a:ext uri="{FF2B5EF4-FFF2-40B4-BE49-F238E27FC236}">
-                <a16:creationId xmlns:a16="http://schemas.microsoft.com/office/drawing/2014/main" id="{42B1C103-5438-4ED4-9DC3-64DAD3FD626E}"/>
-              </a:ext>
-            </a:extLst>
-          </p:cNvPr>
-          <p:cNvSpPr>
-            <a:spLocks noGrp="1"/>
-          </p:cNvSpPr>
-          <p:nvPr>
-            <p:ph type="title"/>
-          </p:nvPr>
-        </p:nvSpPr>
-        <p:spPr/>
-        <p:txBody>
-          <a:bodyPr/>
-          <a:lstStyle/>
-          <a:p>
-            <a:endParaRPr lang="fr-CH"/>
-          </a:p>
-        </p:txBody>
-      </p:sp>
-      <p:sp>
-        <p:nvSpPr>
-          <p:cNvPr id="3" name="Espace réservé du contenu 2">
-            <a:extLst>
-              <a:ext uri="{FF2B5EF4-FFF2-40B4-BE49-F238E27FC236}">
-                <a16:creationId xmlns:a16="http://schemas.microsoft.com/office/drawing/2014/main" id="{3BB66C46-EE36-4F98-8862-5AD66F47ABF5}"/>
-              </a:ext>
-            </a:extLst>
-          </p:cNvPr>
-          <p:cNvSpPr>
-            <a:spLocks noGrp="1"/>
-          </p:cNvSpPr>
-          <p:nvPr>
-            <p:ph idx="1"/>
-          </p:nvPr>
-        </p:nvSpPr>
-        <p:spPr/>
-        <p:txBody>
-          <a:bodyPr/>
-          <a:lstStyle/>
-          <a:p>
-            <a:endParaRPr lang="fr-CH"/>
-          </a:p>
-        </p:txBody>
-      </p:sp>
-    </p:spTree>
-    <p:extLst>
-      <p:ext uri="{BB962C8B-B14F-4D97-AF65-F5344CB8AC3E}">
-        <p14:creationId xmlns:p14="http://schemas.microsoft.com/office/powerpoint/2010/main" val="3797207043"/>
-      </p:ext>
-    </p:extLst>
-  </p:cSld>
-  <p:clrMapOvr>
-    <a:masterClrMapping/>
-  </p:clrMapOvr>
-</p:sld>
-</file>
-
-<file path=ppt/slides/slide33.xml><?xml version="1.0" encoding="utf-8"?>
-<p:sld xmlns:a="http://schemas.openxmlformats.org/drawingml/2006/main" xmlns:r="http://schemas.openxmlformats.org/officeDocument/2006/relationships" xmlns:p="http://schemas.openxmlformats.org/presentationml/2006/main">
-  <p:cSld>
-    <p:spTree>
-      <p:nvGrpSpPr>
-        <p:cNvPr id="1" name=""/>
-        <p:cNvGrpSpPr/>
-        <p:nvPr/>
-      </p:nvGrpSpPr>
-      <p:grpSpPr>
-        <a:xfrm>
-          <a:off x="0" y="0"/>
-          <a:ext cx="0" cy="0"/>
-          <a:chOff x="0" y="0"/>
-          <a:chExt cx="0" cy="0"/>
-        </a:xfrm>
-      </p:grpSpPr>
-      <p:sp>
-        <p:nvSpPr>
-          <p:cNvPr id="6" name="Title 1"/>
-          <p:cNvSpPr>
-            <a:spLocks noGrp="1"/>
-          </p:cNvSpPr>
-          <p:nvPr>
-            <p:ph type="title"/>
-          </p:nvPr>
-        </p:nvSpPr>
-        <p:spPr>
-          <a:xfrm>
-            <a:off x="0" y="0"/>
-            <a:ext cx="2488557" cy="510199"/>
-          </a:xfrm>
-        </p:spPr>
-        <p:txBody>
-          <a:bodyPr numCol="1">
-            <a:noAutofit/>
-          </a:bodyPr>
-          <a:lstStyle/>
-          <a:p>
-            <a:pPr algn="ctr"/>
-            <a:r>
-              <a:rPr lang="fr-CH" sz="2800" dirty="0"/>
-              <a:t>FABRICATION</a:t>
-            </a:r>
-          </a:p>
-        </p:txBody>
-      </p:sp>
-      <p:sp>
-        <p:nvSpPr>
-          <p:cNvPr id="2" name="ZoneTexte 1">
-            <a:extLst>
-              <a:ext uri="{FF2B5EF4-FFF2-40B4-BE49-F238E27FC236}">
-                <a16:creationId xmlns:a16="http://schemas.microsoft.com/office/drawing/2014/main" id="{95A71DAD-C760-4FB1-9A97-CB83FC9A6215}"/>
-              </a:ext>
-            </a:extLst>
-          </p:cNvPr>
-          <p:cNvSpPr txBox="1"/>
-          <p:nvPr/>
-        </p:nvSpPr>
-        <p:spPr>
-          <a:xfrm>
-            <a:off x="374248" y="902826"/>
-            <a:ext cx="3940233" cy="461665"/>
-          </a:xfrm>
-          <a:prstGeom prst="rect">
-            <a:avLst/>
-          </a:prstGeom>
-          <a:noFill/>
-        </p:spPr>
-        <p:txBody>
-          <a:bodyPr wrap="square" rtlCol="0">
-            <a:spAutoFit/>
-          </a:bodyPr>
-          <a:lstStyle/>
-          <a:p>
-            <a:r>
-              <a:rPr lang="fr-CH" sz="2400" b="1" dirty="0"/>
-              <a:t>Préparation du matériel</a:t>
-            </a:r>
-          </a:p>
-        </p:txBody>
-      </p:sp>
-      <p:sp>
-        <p:nvSpPr>
-          <p:cNvPr id="4" name="ZoneTexte 3">
-            <a:extLst>
-              <a:ext uri="{FF2B5EF4-FFF2-40B4-BE49-F238E27FC236}">
-                <a16:creationId xmlns:a16="http://schemas.microsoft.com/office/drawing/2014/main" id="{FBE88C88-B8F1-497D-99A0-7069148CCDE5}"/>
-              </a:ext>
-            </a:extLst>
-          </p:cNvPr>
-          <p:cNvSpPr txBox="1"/>
-          <p:nvPr/>
-        </p:nvSpPr>
-        <p:spPr>
-          <a:xfrm>
-            <a:off x="374248" y="1514120"/>
-            <a:ext cx="6059803" cy="2862322"/>
-          </a:xfrm>
-          <a:prstGeom prst="rect">
-            <a:avLst/>
-          </a:prstGeom>
-          <a:noFill/>
-        </p:spPr>
-        <p:txBody>
-          <a:bodyPr wrap="square" rtlCol="0">
-            <a:spAutoFit/>
-          </a:bodyPr>
-          <a:lstStyle/>
-          <a:p>
-            <a:pPr marL="285750" indent="-285750">
-              <a:buFont typeface="Arial" panose="020B0604020202020204" pitchFamily="34" charset="0"/>
-              <a:buChar char="•"/>
-            </a:pPr>
-            <a:r>
-              <a:rPr lang="fr-CH" sz="2000" dirty="0"/>
-              <a:t>Du câble</a:t>
-            </a:r>
-          </a:p>
-          <a:p>
-            <a:pPr marL="285750" indent="-285750">
-              <a:buFont typeface="Arial" panose="020B0604020202020204" pitchFamily="34" charset="0"/>
-              <a:buChar char="•"/>
-            </a:pPr>
-            <a:r>
-              <a:rPr lang="fr-CH" sz="2000" dirty="0"/>
-              <a:t>Des connecteurs</a:t>
-            </a:r>
-          </a:p>
-          <a:p>
-            <a:endParaRPr lang="fr-CH" sz="2000" dirty="0"/>
-          </a:p>
-          <a:p>
-            <a:r>
-              <a:rPr lang="fr-CH" sz="2000" dirty="0"/>
-              <a:t>Les outils </a:t>
-            </a:r>
-          </a:p>
-          <a:p>
-            <a:pPr marL="285750" indent="-285750">
-              <a:buFont typeface="Arial" panose="020B0604020202020204" pitchFamily="34" charset="0"/>
-              <a:buChar char="•"/>
-            </a:pPr>
-            <a:r>
-              <a:rPr lang="fr-CH" sz="2000" dirty="0"/>
-              <a:t>Un cutter </a:t>
-            </a:r>
-          </a:p>
-          <a:p>
-            <a:pPr marL="285750" indent="-285750">
-              <a:buFont typeface="Arial" panose="020B0604020202020204" pitchFamily="34" charset="0"/>
-              <a:buChar char="•"/>
-            </a:pPr>
-            <a:r>
-              <a:rPr lang="fr-CH" sz="2000" dirty="0"/>
-              <a:t>Une pince à sertir</a:t>
-            </a:r>
-          </a:p>
-          <a:p>
-            <a:pPr marL="285750" indent="-285750">
-              <a:buFont typeface="Arial" panose="020B0604020202020204" pitchFamily="34" charset="0"/>
-              <a:buChar char="•"/>
-            </a:pPr>
-            <a:r>
-              <a:rPr lang="fr-CH" sz="2000" dirty="0"/>
-              <a:t>Une pince coupante</a:t>
-            </a:r>
-          </a:p>
-          <a:p>
-            <a:pPr marL="285750" indent="-285750">
-              <a:buFont typeface="Arial" panose="020B0604020202020204" pitchFamily="34" charset="0"/>
-              <a:buChar char="•"/>
-            </a:pPr>
-            <a:r>
-              <a:rPr lang="fr-CH" sz="2000" dirty="0"/>
-              <a:t>Une règle</a:t>
-            </a:r>
-          </a:p>
-          <a:p>
-            <a:pPr marL="285750" indent="-285750">
-              <a:buFont typeface="Arial" panose="020B0604020202020204" pitchFamily="34" charset="0"/>
-              <a:buChar char="•"/>
-            </a:pPr>
-            <a:r>
-              <a:rPr lang="fr-CH" sz="2000" dirty="0"/>
-              <a:t>Une pince à dénuder</a:t>
-            </a:r>
-          </a:p>
-        </p:txBody>
-      </p:sp>
-    </p:spTree>
-    <p:extLst>
-      <p:ext uri="{BB962C8B-B14F-4D97-AF65-F5344CB8AC3E}">
-        <p14:creationId xmlns:p14="http://schemas.microsoft.com/office/powerpoint/2010/main" val="1207272401"/>
-      </p:ext>
-    </p:extLst>
-  </p:cSld>
-  <p:clrMapOvr>
-    <a:masterClrMapping/>
-  </p:clrMapOvr>
-</p:sld>
-</file>
-
-<file path=ppt/slides/slide34.xml><?xml version="1.0" encoding="utf-8"?>
-<p:sld xmlns:a="http://schemas.openxmlformats.org/drawingml/2006/main" xmlns:r="http://schemas.openxmlformats.org/officeDocument/2006/relationships" xmlns:p="http://schemas.openxmlformats.org/presentationml/2006/main">
-  <p:cSld>
-    <p:spTree>
-      <p:nvGrpSpPr>
-        <p:cNvPr id="1" name=""/>
-        <p:cNvGrpSpPr/>
-        <p:nvPr/>
-      </p:nvGrpSpPr>
-      <p:grpSpPr>
-        <a:xfrm>
-          <a:off x="0" y="0"/>
-          <a:ext cx="0" cy="0"/>
-          <a:chOff x="0" y="0"/>
-          <a:chExt cx="0" cy="0"/>
-        </a:xfrm>
-      </p:grpSpPr>
-      <p:sp>
-        <p:nvSpPr>
           <p:cNvPr id="6" name="Title 1"/>
           <p:cNvSpPr>
             <a:spLocks noGrp="1"/>
@@ -13889,7 +13721,7 @@
 </p:sld>
 </file>
 
-<file path=ppt/slides/slide35.xml><?xml version="1.0" encoding="utf-8"?>
+<file path=ppt/slides/slide33.xml><?xml version="1.0" encoding="utf-8"?>
 <p:sld xmlns:a="http://schemas.openxmlformats.org/drawingml/2006/main" xmlns:r="http://schemas.openxmlformats.org/officeDocument/2006/relationships" xmlns:p="http://schemas.openxmlformats.org/presentationml/2006/main">
   <p:cSld>
     <p:spTree>
@@ -14055,7 +13887,7 @@
 </p:sld>
 </file>
 
-<file path=ppt/slides/slide36.xml><?xml version="1.0" encoding="utf-8"?>
+<file path=ppt/slides/slide34.xml><?xml version="1.0" encoding="utf-8"?>
 <p:sld xmlns:a="http://schemas.openxmlformats.org/drawingml/2006/main" xmlns:r="http://schemas.openxmlformats.org/officeDocument/2006/relationships" xmlns:p="http://schemas.openxmlformats.org/presentationml/2006/main">
   <p:cSld>
     <p:spTree>
@@ -14235,7 +14067,7 @@
 </p:sld>
 </file>
 
-<file path=ppt/slides/slide37.xml><?xml version="1.0" encoding="utf-8"?>
+<file path=ppt/slides/slide35.xml><?xml version="1.0" encoding="utf-8"?>
 <p:sld xmlns:a="http://schemas.openxmlformats.org/drawingml/2006/main" xmlns:r="http://schemas.openxmlformats.org/officeDocument/2006/relationships" xmlns:p="http://schemas.openxmlformats.org/presentationml/2006/main">
   <p:cSld>
     <p:spTree>
@@ -14533,7 +14365,7 @@
 </p:sld>
 </file>
 
-<file path=ppt/slides/slide38.xml><?xml version="1.0" encoding="utf-8"?>
+<file path=ppt/slides/slide36.xml><?xml version="1.0" encoding="utf-8"?>
 <p:sld xmlns:a="http://schemas.openxmlformats.org/drawingml/2006/main" xmlns:r="http://schemas.openxmlformats.org/officeDocument/2006/relationships" xmlns:p="http://schemas.openxmlformats.org/presentationml/2006/main">
   <p:cSld>
     <p:spTree>
@@ -14696,6 +14528,355 @@
     <p:extLst>
       <p:ext uri="{BB962C8B-B14F-4D97-AF65-F5344CB8AC3E}">
         <p14:creationId xmlns:p14="http://schemas.microsoft.com/office/powerpoint/2010/main" val="2286041639"/>
+      </p:ext>
+    </p:extLst>
+  </p:cSld>
+  <p:clrMapOvr>
+    <a:masterClrMapping/>
+  </p:clrMapOvr>
+</p:sld>
+</file>
+
+<file path=ppt/slides/slide37.xml><?xml version="1.0" encoding="utf-8"?>
+<p:sld xmlns:a="http://schemas.openxmlformats.org/drawingml/2006/main" xmlns:r="http://schemas.openxmlformats.org/officeDocument/2006/relationships" xmlns:p="http://schemas.openxmlformats.org/presentationml/2006/main">
+  <p:cSld>
+    <p:spTree>
+      <p:nvGrpSpPr>
+        <p:cNvPr id="1" name=""/>
+        <p:cNvGrpSpPr/>
+        <p:nvPr/>
+      </p:nvGrpSpPr>
+      <p:grpSpPr>
+        <a:xfrm>
+          <a:off x="0" y="0"/>
+          <a:ext cx="0" cy="0"/>
+          <a:chOff x="0" y="0"/>
+          <a:chExt cx="0" cy="0"/>
+        </a:xfrm>
+      </p:grpSpPr>
+      <p:sp>
+        <p:nvSpPr>
+          <p:cNvPr id="6" name="Title 1"/>
+          <p:cNvSpPr>
+            <a:spLocks noGrp="1"/>
+          </p:cNvSpPr>
+          <p:nvPr>
+            <p:ph type="title"/>
+          </p:nvPr>
+        </p:nvSpPr>
+        <p:spPr>
+          <a:xfrm>
+            <a:off x="0" y="0"/>
+            <a:ext cx="2488557" cy="510199"/>
+          </a:xfrm>
+        </p:spPr>
+        <p:txBody>
+          <a:bodyPr numCol="1">
+            <a:noAutofit/>
+          </a:bodyPr>
+          <a:lstStyle/>
+          <a:p>
+            <a:pPr algn="ctr"/>
+            <a:r>
+              <a:rPr lang="fr-CH" sz="2800" dirty="0"/>
+              <a:t>FABRICATION</a:t>
+            </a:r>
+          </a:p>
+        </p:txBody>
+      </p:sp>
+      <p:sp>
+        <p:nvSpPr>
+          <p:cNvPr id="2" name="ZoneTexte 1">
+            <a:extLst>
+              <a:ext uri="{FF2B5EF4-FFF2-40B4-BE49-F238E27FC236}">
+                <a16:creationId xmlns:a16="http://schemas.microsoft.com/office/drawing/2014/main" id="{95A71DAD-C760-4FB1-9A97-CB83FC9A6215}"/>
+              </a:ext>
+            </a:extLst>
+          </p:cNvPr>
+          <p:cNvSpPr txBox="1"/>
+          <p:nvPr/>
+        </p:nvSpPr>
+        <p:spPr>
+          <a:xfrm>
+            <a:off x="374248" y="902826"/>
+            <a:ext cx="6465464" cy="461665"/>
+          </a:xfrm>
+          <a:prstGeom prst="rect">
+            <a:avLst/>
+          </a:prstGeom>
+          <a:noFill/>
+        </p:spPr>
+        <p:txBody>
+          <a:bodyPr wrap="square" rtlCol="0">
+            <a:spAutoFit/>
+          </a:bodyPr>
+          <a:lstStyle/>
+          <a:p>
+            <a:r>
+              <a:rPr lang="fr-CH" sz="2400" b="1" dirty="0"/>
+              <a:t>Insérer les paires dans le connecteur</a:t>
+            </a:r>
+          </a:p>
+        </p:txBody>
+      </p:sp>
+      <p:sp>
+        <p:nvSpPr>
+          <p:cNvPr id="4" name="ZoneTexte 3">
+            <a:extLst>
+              <a:ext uri="{FF2B5EF4-FFF2-40B4-BE49-F238E27FC236}">
+                <a16:creationId xmlns:a16="http://schemas.microsoft.com/office/drawing/2014/main" id="{FBE88C88-B8F1-497D-99A0-7069148CCDE5}"/>
+              </a:ext>
+            </a:extLst>
+          </p:cNvPr>
+          <p:cNvSpPr txBox="1"/>
+          <p:nvPr/>
+        </p:nvSpPr>
+        <p:spPr>
+          <a:xfrm>
+            <a:off x="374248" y="1514120"/>
+            <a:ext cx="6059803" cy="369332"/>
+          </a:xfrm>
+          <a:prstGeom prst="rect">
+            <a:avLst/>
+          </a:prstGeom>
+          <a:noFill/>
+        </p:spPr>
+        <p:txBody>
+          <a:bodyPr wrap="square" rtlCol="0">
+            <a:spAutoFit/>
+          </a:bodyPr>
+          <a:lstStyle/>
+          <a:p>
+            <a:r>
+              <a:rPr lang="fr-CH" dirty="0"/>
+              <a:t>Faites attention à garder l’ordre des paires correct !</a:t>
+            </a:r>
+            <a:endParaRPr lang="fr-CH" sz="2000" dirty="0"/>
+          </a:p>
+        </p:txBody>
+      </p:sp>
+      <p:pic>
+        <p:nvPicPr>
+          <p:cNvPr id="7" name="Image 6" descr="C:\Users\ac\Desktop\disposer-le-cable-dans-le-connecteur.jpg"/>
+          <p:cNvPicPr/>
+          <p:nvPr/>
+        </p:nvPicPr>
+        <p:blipFill>
+          <a:blip r:embed="rId2">
+            <a:extLst>
+              <a:ext uri="{28A0092B-C50C-407E-A947-70E740481C1C}">
+                <a14:useLocalDpi xmlns:a14="http://schemas.microsoft.com/office/drawing/2010/main" val="0"/>
+              </a:ext>
+            </a:extLst>
+          </a:blip>
+          <a:srcRect/>
+          <a:stretch>
+            <a:fillRect/>
+          </a:stretch>
+        </p:blipFill>
+        <p:spPr bwMode="auto">
+          <a:xfrm>
+            <a:off x="3486445" y="2436178"/>
+            <a:ext cx="4577270" cy="2794190"/>
+          </a:xfrm>
+          <a:prstGeom prst="rect">
+            <a:avLst/>
+          </a:prstGeom>
+          <a:noFill/>
+          <a:ln>
+            <a:noFill/>
+          </a:ln>
+        </p:spPr>
+      </p:pic>
+    </p:spTree>
+    <p:extLst>
+      <p:ext uri="{BB962C8B-B14F-4D97-AF65-F5344CB8AC3E}">
+        <p14:creationId xmlns:p14="http://schemas.microsoft.com/office/powerpoint/2010/main" val="1798901592"/>
+      </p:ext>
+    </p:extLst>
+  </p:cSld>
+  <p:clrMapOvr>
+    <a:masterClrMapping/>
+  </p:clrMapOvr>
+</p:sld>
+</file>
+
+<file path=ppt/slides/slide38.xml><?xml version="1.0" encoding="utf-8"?>
+<p:sld xmlns:a="http://schemas.openxmlformats.org/drawingml/2006/main" xmlns:r="http://schemas.openxmlformats.org/officeDocument/2006/relationships" xmlns:p="http://schemas.openxmlformats.org/presentationml/2006/main">
+  <p:cSld>
+    <p:spTree>
+      <p:nvGrpSpPr>
+        <p:cNvPr id="1" name=""/>
+        <p:cNvGrpSpPr/>
+        <p:nvPr/>
+      </p:nvGrpSpPr>
+      <p:grpSpPr>
+        <a:xfrm>
+          <a:off x="0" y="0"/>
+          <a:ext cx="0" cy="0"/>
+          <a:chOff x="0" y="0"/>
+          <a:chExt cx="0" cy="0"/>
+        </a:xfrm>
+      </p:grpSpPr>
+      <p:sp>
+        <p:nvSpPr>
+          <p:cNvPr id="6" name="Title 1"/>
+          <p:cNvSpPr>
+            <a:spLocks noGrp="1"/>
+          </p:cNvSpPr>
+          <p:nvPr>
+            <p:ph type="title"/>
+          </p:nvPr>
+        </p:nvSpPr>
+        <p:spPr>
+          <a:xfrm>
+            <a:off x="0" y="0"/>
+            <a:ext cx="2488557" cy="510199"/>
+          </a:xfrm>
+        </p:spPr>
+        <p:txBody>
+          <a:bodyPr numCol="1">
+            <a:noAutofit/>
+          </a:bodyPr>
+          <a:lstStyle/>
+          <a:p>
+            <a:pPr algn="ctr"/>
+            <a:r>
+              <a:rPr lang="fr-CH" sz="2800" dirty="0"/>
+              <a:t>FABRICATION</a:t>
+            </a:r>
+          </a:p>
+        </p:txBody>
+      </p:sp>
+      <p:sp>
+        <p:nvSpPr>
+          <p:cNvPr id="2" name="ZoneTexte 1">
+            <a:extLst>
+              <a:ext uri="{FF2B5EF4-FFF2-40B4-BE49-F238E27FC236}">
+                <a16:creationId xmlns:a16="http://schemas.microsoft.com/office/drawing/2014/main" id="{95A71DAD-C760-4FB1-9A97-CB83FC9A6215}"/>
+              </a:ext>
+            </a:extLst>
+          </p:cNvPr>
+          <p:cNvSpPr txBox="1"/>
+          <p:nvPr/>
+        </p:nvSpPr>
+        <p:spPr>
+          <a:xfrm>
+            <a:off x="374248" y="902826"/>
+            <a:ext cx="6465464" cy="461665"/>
+          </a:xfrm>
+          <a:prstGeom prst="rect">
+            <a:avLst/>
+          </a:prstGeom>
+          <a:noFill/>
+        </p:spPr>
+        <p:txBody>
+          <a:bodyPr wrap="square" rtlCol="0">
+            <a:spAutoFit/>
+          </a:bodyPr>
+          <a:lstStyle/>
+          <a:p>
+            <a:r>
+              <a:rPr lang="fr-CH" sz="2400" b="1" dirty="0"/>
+              <a:t>Sertir</a:t>
+            </a:r>
+          </a:p>
+        </p:txBody>
+      </p:sp>
+      <p:sp>
+        <p:nvSpPr>
+          <p:cNvPr id="4" name="ZoneTexte 3">
+            <a:extLst>
+              <a:ext uri="{FF2B5EF4-FFF2-40B4-BE49-F238E27FC236}">
+                <a16:creationId xmlns:a16="http://schemas.microsoft.com/office/drawing/2014/main" id="{FBE88C88-B8F1-497D-99A0-7069148CCDE5}"/>
+              </a:ext>
+            </a:extLst>
+          </p:cNvPr>
+          <p:cNvSpPr txBox="1"/>
+          <p:nvPr/>
+        </p:nvSpPr>
+        <p:spPr>
+          <a:xfrm>
+            <a:off x="374248" y="1514120"/>
+            <a:ext cx="6059803" cy="646331"/>
+          </a:xfrm>
+          <a:prstGeom prst="rect">
+            <a:avLst/>
+          </a:prstGeom>
+          <a:noFill/>
+        </p:spPr>
+        <p:txBody>
+          <a:bodyPr wrap="square" rtlCol="0">
+            <a:spAutoFit/>
+          </a:bodyPr>
+          <a:lstStyle/>
+          <a:p>
+            <a:r>
+              <a:rPr lang="fr-CH" dirty="0"/>
+              <a:t>Placez le connecteur dans la pince et appliquez une pression pour sertir le câble.</a:t>
+            </a:r>
+            <a:endParaRPr lang="fr-CH" sz="2000" dirty="0"/>
+          </a:p>
+        </p:txBody>
+      </p:sp>
+      <p:pic>
+        <p:nvPicPr>
+          <p:cNvPr id="1026" name="Picture 2" descr="sertir"/>
+          <p:cNvPicPr>
+            <a:picLocks noChangeAspect="1" noChangeArrowheads="1"/>
+          </p:cNvPicPr>
+          <p:nvPr/>
+        </p:nvPicPr>
+        <p:blipFill>
+          <a:blip r:embed="rId2">
+            <a:extLst>
+              <a:ext uri="{28A0092B-C50C-407E-A947-70E740481C1C}">
+                <a14:useLocalDpi xmlns:a14="http://schemas.microsoft.com/office/drawing/2010/main" val="0"/>
+              </a:ext>
+            </a:extLst>
+          </a:blip>
+          <a:srcRect/>
+          <a:stretch>
+            <a:fillRect/>
+          </a:stretch>
+        </p:blipFill>
+        <p:spPr bwMode="auto">
+          <a:xfrm>
+            <a:off x="3008377" y="2497900"/>
+            <a:ext cx="5513832" cy="3238565"/>
+          </a:xfrm>
+          <a:prstGeom prst="rect">
+            <a:avLst/>
+          </a:prstGeom>
+          <a:noFill/>
+          <a:ln>
+            <a:noFill/>
+          </a:ln>
+          <a:extLst>
+            <a:ext uri="{909E8E84-426E-40DD-AFC4-6F175D3DCCD1}">
+              <a14:hiddenFill xmlns:a14="http://schemas.microsoft.com/office/drawing/2010/main">
+                <a:solidFill>
+                  <a:srgbClr val="FFFFFF"/>
+                </a:solidFill>
+              </a14:hiddenFill>
+            </a:ext>
+            <a:ext uri="{91240B29-F687-4F45-9708-019B960494DF}">
+              <a14:hiddenLine xmlns:a14="http://schemas.microsoft.com/office/drawing/2010/main" w="9525">
+                <a:solidFill>
+                  <a:srgbClr val="000000"/>
+                </a:solidFill>
+                <a:miter lim="800000"/>
+                <a:headEnd/>
+                <a:tailEnd/>
+              </a14:hiddenLine>
+            </a:ext>
+          </a:extLst>
+        </p:spPr>
+      </p:pic>
+    </p:spTree>
+    <p:extLst>
+      <p:ext uri="{BB962C8B-B14F-4D97-AF65-F5344CB8AC3E}">
+        <p14:creationId xmlns:p14="http://schemas.microsoft.com/office/powerpoint/2010/main" val="3464589275"/>
       </p:ext>
     </p:extLst>
   </p:cSld>
@@ -14782,7 +14963,7 @@
           <a:p>
             <a:r>
               <a:rPr lang="fr-CH" sz="2400" b="1" dirty="0"/>
-              <a:t>Insérer les paires dans le connecteur</a:t>
+              <a:t>Couvre câble</a:t>
             </a:r>
           </a:p>
         </p:txBody>
@@ -14802,7 +14983,7 @@
         <p:spPr>
           <a:xfrm>
             <a:off x="374248" y="1514120"/>
-            <a:ext cx="6059803" cy="369332"/>
+            <a:ext cx="6059803" cy="923330"/>
           </a:xfrm>
           <a:prstGeom prst="rect">
             <a:avLst/>
@@ -14817,7 +14998,7 @@
           <a:p>
             <a:r>
               <a:rPr lang="fr-CH" dirty="0"/>
-              <a:t>Faites attention à garder l’ordre des paires correct !</a:t>
+              <a:t>Vous pouvez, si vous en disposez, appliquer un couvre câble qui sert à protéger et rend le câble plus joli</a:t>
             </a:r>
             <a:endParaRPr lang="fr-CH" sz="2000" dirty="0"/>
           </a:p>
@@ -14825,8 +15006,10 @@
       </p:sp>
       <p:pic>
         <p:nvPicPr>
-          <p:cNvPr id="7" name="Image 6" descr="C:\Users\ac\Desktop\disposer-le-cable-dans-le-connecteur.jpg"/>
-          <p:cNvPicPr/>
+          <p:cNvPr id="3" name="Image 2"/>
+          <p:cNvPicPr>
+            <a:picLocks noChangeAspect="1"/>
+          </p:cNvPicPr>
           <p:nvPr/>
         </p:nvPicPr>
         <p:blipFill>
@@ -14837,29 +15020,24 @@
               </a:ext>
             </a:extLst>
           </a:blip>
-          <a:srcRect/>
           <a:stretch>
             <a:fillRect/>
           </a:stretch>
         </p:blipFill>
-        <p:spPr bwMode="auto">
+        <p:spPr>
           <a:xfrm>
-            <a:off x="3486445" y="2436178"/>
-            <a:ext cx="4577270" cy="2794190"/>
+            <a:off x="2847299" y="2587079"/>
+            <a:ext cx="5489808" cy="3222686"/>
           </a:xfrm>
           <a:prstGeom prst="rect">
             <a:avLst/>
           </a:prstGeom>
-          <a:noFill/>
-          <a:ln>
-            <a:noFill/>
-          </a:ln>
         </p:spPr>
       </p:pic>
     </p:spTree>
     <p:extLst>
       <p:ext uri="{BB962C8B-B14F-4D97-AF65-F5344CB8AC3E}">
-        <p14:creationId xmlns:p14="http://schemas.microsoft.com/office/powerpoint/2010/main" val="1798901592"/>
+        <p14:creationId xmlns:p14="http://schemas.microsoft.com/office/powerpoint/2010/main" val="1379813282"/>
       </p:ext>
     </p:extLst>
   </p:cSld>
@@ -15578,352 +15756,6 @@
 </file>
 
 <file path=ppt/slides/slide40.xml><?xml version="1.0" encoding="utf-8"?>
-<p:sld xmlns:a="http://schemas.openxmlformats.org/drawingml/2006/main" xmlns:r="http://schemas.openxmlformats.org/officeDocument/2006/relationships" xmlns:p="http://schemas.openxmlformats.org/presentationml/2006/main">
-  <p:cSld>
-    <p:spTree>
-      <p:nvGrpSpPr>
-        <p:cNvPr id="1" name=""/>
-        <p:cNvGrpSpPr/>
-        <p:nvPr/>
-      </p:nvGrpSpPr>
-      <p:grpSpPr>
-        <a:xfrm>
-          <a:off x="0" y="0"/>
-          <a:ext cx="0" cy="0"/>
-          <a:chOff x="0" y="0"/>
-          <a:chExt cx="0" cy="0"/>
-        </a:xfrm>
-      </p:grpSpPr>
-      <p:sp>
-        <p:nvSpPr>
-          <p:cNvPr id="6" name="Title 1"/>
-          <p:cNvSpPr>
-            <a:spLocks noGrp="1"/>
-          </p:cNvSpPr>
-          <p:nvPr>
-            <p:ph type="title"/>
-          </p:nvPr>
-        </p:nvSpPr>
-        <p:spPr>
-          <a:xfrm>
-            <a:off x="0" y="0"/>
-            <a:ext cx="2488557" cy="510199"/>
-          </a:xfrm>
-        </p:spPr>
-        <p:txBody>
-          <a:bodyPr numCol="1">
-            <a:noAutofit/>
-          </a:bodyPr>
-          <a:lstStyle/>
-          <a:p>
-            <a:pPr algn="ctr"/>
-            <a:r>
-              <a:rPr lang="fr-CH" sz="2800" dirty="0"/>
-              <a:t>FABRICATION</a:t>
-            </a:r>
-          </a:p>
-        </p:txBody>
-      </p:sp>
-      <p:sp>
-        <p:nvSpPr>
-          <p:cNvPr id="2" name="ZoneTexte 1">
-            <a:extLst>
-              <a:ext uri="{FF2B5EF4-FFF2-40B4-BE49-F238E27FC236}">
-                <a16:creationId xmlns:a16="http://schemas.microsoft.com/office/drawing/2014/main" id="{95A71DAD-C760-4FB1-9A97-CB83FC9A6215}"/>
-              </a:ext>
-            </a:extLst>
-          </p:cNvPr>
-          <p:cNvSpPr txBox="1"/>
-          <p:nvPr/>
-        </p:nvSpPr>
-        <p:spPr>
-          <a:xfrm>
-            <a:off x="374248" y="902826"/>
-            <a:ext cx="6465464" cy="461665"/>
-          </a:xfrm>
-          <a:prstGeom prst="rect">
-            <a:avLst/>
-          </a:prstGeom>
-          <a:noFill/>
-        </p:spPr>
-        <p:txBody>
-          <a:bodyPr wrap="square" rtlCol="0">
-            <a:spAutoFit/>
-          </a:bodyPr>
-          <a:lstStyle/>
-          <a:p>
-            <a:r>
-              <a:rPr lang="fr-CH" sz="2400" b="1" dirty="0"/>
-              <a:t>Sertir</a:t>
-            </a:r>
-          </a:p>
-        </p:txBody>
-      </p:sp>
-      <p:sp>
-        <p:nvSpPr>
-          <p:cNvPr id="4" name="ZoneTexte 3">
-            <a:extLst>
-              <a:ext uri="{FF2B5EF4-FFF2-40B4-BE49-F238E27FC236}">
-                <a16:creationId xmlns:a16="http://schemas.microsoft.com/office/drawing/2014/main" id="{FBE88C88-B8F1-497D-99A0-7069148CCDE5}"/>
-              </a:ext>
-            </a:extLst>
-          </p:cNvPr>
-          <p:cNvSpPr txBox="1"/>
-          <p:nvPr/>
-        </p:nvSpPr>
-        <p:spPr>
-          <a:xfrm>
-            <a:off x="374248" y="1514120"/>
-            <a:ext cx="6059803" cy="646331"/>
-          </a:xfrm>
-          <a:prstGeom prst="rect">
-            <a:avLst/>
-          </a:prstGeom>
-          <a:noFill/>
-        </p:spPr>
-        <p:txBody>
-          <a:bodyPr wrap="square" rtlCol="0">
-            <a:spAutoFit/>
-          </a:bodyPr>
-          <a:lstStyle/>
-          <a:p>
-            <a:r>
-              <a:rPr lang="fr-CH" dirty="0"/>
-              <a:t>Placez le connecteur dans la pince et appliquez une pression pour sertir le câble.</a:t>
-            </a:r>
-            <a:endParaRPr lang="fr-CH" sz="2000" dirty="0"/>
-          </a:p>
-        </p:txBody>
-      </p:sp>
-      <p:pic>
-        <p:nvPicPr>
-          <p:cNvPr id="1026" name="Picture 2" descr="sertir"/>
-          <p:cNvPicPr>
-            <a:picLocks noChangeAspect="1" noChangeArrowheads="1"/>
-          </p:cNvPicPr>
-          <p:nvPr/>
-        </p:nvPicPr>
-        <p:blipFill>
-          <a:blip r:embed="rId2">
-            <a:extLst>
-              <a:ext uri="{28A0092B-C50C-407E-A947-70E740481C1C}">
-                <a14:useLocalDpi xmlns:a14="http://schemas.microsoft.com/office/drawing/2010/main" val="0"/>
-              </a:ext>
-            </a:extLst>
-          </a:blip>
-          <a:srcRect/>
-          <a:stretch>
-            <a:fillRect/>
-          </a:stretch>
-        </p:blipFill>
-        <p:spPr bwMode="auto">
-          <a:xfrm>
-            <a:off x="3008377" y="2497900"/>
-            <a:ext cx="5513832" cy="3238565"/>
-          </a:xfrm>
-          <a:prstGeom prst="rect">
-            <a:avLst/>
-          </a:prstGeom>
-          <a:noFill/>
-          <a:ln>
-            <a:noFill/>
-          </a:ln>
-          <a:extLst>
-            <a:ext uri="{909E8E84-426E-40DD-AFC4-6F175D3DCCD1}">
-              <a14:hiddenFill xmlns:a14="http://schemas.microsoft.com/office/drawing/2010/main">
-                <a:solidFill>
-                  <a:srgbClr val="FFFFFF"/>
-                </a:solidFill>
-              </a14:hiddenFill>
-            </a:ext>
-            <a:ext uri="{91240B29-F687-4F45-9708-019B960494DF}">
-              <a14:hiddenLine xmlns:a14="http://schemas.microsoft.com/office/drawing/2010/main" w="9525">
-                <a:solidFill>
-                  <a:srgbClr val="000000"/>
-                </a:solidFill>
-                <a:miter lim="800000"/>
-                <a:headEnd/>
-                <a:tailEnd/>
-              </a14:hiddenLine>
-            </a:ext>
-          </a:extLst>
-        </p:spPr>
-      </p:pic>
-    </p:spTree>
-    <p:extLst>
-      <p:ext uri="{BB962C8B-B14F-4D97-AF65-F5344CB8AC3E}">
-        <p14:creationId xmlns:p14="http://schemas.microsoft.com/office/powerpoint/2010/main" val="3464589275"/>
-      </p:ext>
-    </p:extLst>
-  </p:cSld>
-  <p:clrMapOvr>
-    <a:masterClrMapping/>
-  </p:clrMapOvr>
-</p:sld>
-</file>
-
-<file path=ppt/slides/slide41.xml><?xml version="1.0" encoding="utf-8"?>
-<p:sld xmlns:a="http://schemas.openxmlformats.org/drawingml/2006/main" xmlns:r="http://schemas.openxmlformats.org/officeDocument/2006/relationships" xmlns:p="http://schemas.openxmlformats.org/presentationml/2006/main">
-  <p:cSld>
-    <p:spTree>
-      <p:nvGrpSpPr>
-        <p:cNvPr id="1" name=""/>
-        <p:cNvGrpSpPr/>
-        <p:nvPr/>
-      </p:nvGrpSpPr>
-      <p:grpSpPr>
-        <a:xfrm>
-          <a:off x="0" y="0"/>
-          <a:ext cx="0" cy="0"/>
-          <a:chOff x="0" y="0"/>
-          <a:chExt cx="0" cy="0"/>
-        </a:xfrm>
-      </p:grpSpPr>
-      <p:sp>
-        <p:nvSpPr>
-          <p:cNvPr id="6" name="Title 1"/>
-          <p:cNvSpPr>
-            <a:spLocks noGrp="1"/>
-          </p:cNvSpPr>
-          <p:nvPr>
-            <p:ph type="title"/>
-          </p:nvPr>
-        </p:nvSpPr>
-        <p:spPr>
-          <a:xfrm>
-            <a:off x="0" y="0"/>
-            <a:ext cx="2488557" cy="510199"/>
-          </a:xfrm>
-        </p:spPr>
-        <p:txBody>
-          <a:bodyPr numCol="1">
-            <a:noAutofit/>
-          </a:bodyPr>
-          <a:lstStyle/>
-          <a:p>
-            <a:pPr algn="ctr"/>
-            <a:r>
-              <a:rPr lang="fr-CH" sz="2800" dirty="0"/>
-              <a:t>FABRICATION</a:t>
-            </a:r>
-          </a:p>
-        </p:txBody>
-      </p:sp>
-      <p:sp>
-        <p:nvSpPr>
-          <p:cNvPr id="2" name="ZoneTexte 1">
-            <a:extLst>
-              <a:ext uri="{FF2B5EF4-FFF2-40B4-BE49-F238E27FC236}">
-                <a16:creationId xmlns:a16="http://schemas.microsoft.com/office/drawing/2014/main" id="{95A71DAD-C760-4FB1-9A97-CB83FC9A6215}"/>
-              </a:ext>
-            </a:extLst>
-          </p:cNvPr>
-          <p:cNvSpPr txBox="1"/>
-          <p:nvPr/>
-        </p:nvSpPr>
-        <p:spPr>
-          <a:xfrm>
-            <a:off x="374248" y="902826"/>
-            <a:ext cx="6465464" cy="461665"/>
-          </a:xfrm>
-          <a:prstGeom prst="rect">
-            <a:avLst/>
-          </a:prstGeom>
-          <a:noFill/>
-        </p:spPr>
-        <p:txBody>
-          <a:bodyPr wrap="square" rtlCol="0">
-            <a:spAutoFit/>
-          </a:bodyPr>
-          <a:lstStyle/>
-          <a:p>
-            <a:r>
-              <a:rPr lang="fr-CH" sz="2400" b="1" dirty="0"/>
-              <a:t>Couvre câble</a:t>
-            </a:r>
-          </a:p>
-        </p:txBody>
-      </p:sp>
-      <p:sp>
-        <p:nvSpPr>
-          <p:cNvPr id="4" name="ZoneTexte 3">
-            <a:extLst>
-              <a:ext uri="{FF2B5EF4-FFF2-40B4-BE49-F238E27FC236}">
-                <a16:creationId xmlns:a16="http://schemas.microsoft.com/office/drawing/2014/main" id="{FBE88C88-B8F1-497D-99A0-7069148CCDE5}"/>
-              </a:ext>
-            </a:extLst>
-          </p:cNvPr>
-          <p:cNvSpPr txBox="1"/>
-          <p:nvPr/>
-        </p:nvSpPr>
-        <p:spPr>
-          <a:xfrm>
-            <a:off x="374248" y="1514120"/>
-            <a:ext cx="6059803" cy="923330"/>
-          </a:xfrm>
-          <a:prstGeom prst="rect">
-            <a:avLst/>
-          </a:prstGeom>
-          <a:noFill/>
-        </p:spPr>
-        <p:txBody>
-          <a:bodyPr wrap="square" rtlCol="0">
-            <a:spAutoFit/>
-          </a:bodyPr>
-          <a:lstStyle/>
-          <a:p>
-            <a:r>
-              <a:rPr lang="fr-CH" dirty="0"/>
-              <a:t>Vous pouvez, si vous en disposez, appliquer un couvre câble qui sert à protéger et rend le câble plus joli</a:t>
-            </a:r>
-            <a:endParaRPr lang="fr-CH" sz="2000" dirty="0"/>
-          </a:p>
-        </p:txBody>
-      </p:sp>
-      <p:pic>
-        <p:nvPicPr>
-          <p:cNvPr id="3" name="Image 2"/>
-          <p:cNvPicPr>
-            <a:picLocks noChangeAspect="1"/>
-          </p:cNvPicPr>
-          <p:nvPr/>
-        </p:nvPicPr>
-        <p:blipFill>
-          <a:blip r:embed="rId2">
-            <a:extLst>
-              <a:ext uri="{28A0092B-C50C-407E-A947-70E740481C1C}">
-                <a14:useLocalDpi xmlns:a14="http://schemas.microsoft.com/office/drawing/2010/main" val="0"/>
-              </a:ext>
-            </a:extLst>
-          </a:blip>
-          <a:stretch>
-            <a:fillRect/>
-          </a:stretch>
-        </p:blipFill>
-        <p:spPr>
-          <a:xfrm>
-            <a:off x="2847299" y="2587079"/>
-            <a:ext cx="5489808" cy="3222686"/>
-          </a:xfrm>
-          <a:prstGeom prst="rect">
-            <a:avLst/>
-          </a:prstGeom>
-        </p:spPr>
-      </p:pic>
-    </p:spTree>
-    <p:extLst>
-      <p:ext uri="{BB962C8B-B14F-4D97-AF65-F5344CB8AC3E}">
-        <p14:creationId xmlns:p14="http://schemas.microsoft.com/office/powerpoint/2010/main" val="1379813282"/>
-      </p:ext>
-    </p:extLst>
-  </p:cSld>
-  <p:clrMapOvr>
-    <a:masterClrMapping/>
-  </p:clrMapOvr>
-</p:sld>
-</file>
-
-<file path=ppt/slides/slide42.xml><?xml version="1.0" encoding="utf-8"?>
 <p:sld xmlns:a="http://schemas.openxmlformats.org/drawingml/2006/main" xmlns:r="http://schemas.openxmlformats.org/officeDocument/2006/relationships" xmlns:p="http://schemas.openxmlformats.org/presentationml/2006/main">
   <p:cSld>
     <p:spTree>

--- a/Module 214 - Fabrication_Ethernet.pptx
+++ b/Module 214 - Fabrication_Ethernet.pptx
@@ -36,15 +36,14 @@
     <p:sldId id="263" r:id="rId30"/>
     <p:sldId id="309" r:id="rId31"/>
     <p:sldId id="264" r:id="rId32"/>
-    <p:sldId id="310" r:id="rId33"/>
-    <p:sldId id="311" r:id="rId34"/>
-    <p:sldId id="315" r:id="rId35"/>
-    <p:sldId id="316" r:id="rId36"/>
-    <p:sldId id="317" r:id="rId37"/>
-    <p:sldId id="318" r:id="rId38"/>
-    <p:sldId id="319" r:id="rId39"/>
-    <p:sldId id="320" r:id="rId40"/>
-    <p:sldId id="265" r:id="rId41"/>
+    <p:sldId id="311" r:id="rId33"/>
+    <p:sldId id="315" r:id="rId34"/>
+    <p:sldId id="316" r:id="rId35"/>
+    <p:sldId id="317" r:id="rId36"/>
+    <p:sldId id="318" r:id="rId37"/>
+    <p:sldId id="319" r:id="rId38"/>
+    <p:sldId id="320" r:id="rId39"/>
+    <p:sldId id="265" r:id="rId40"/>
   </p:sldIdLst>
   <p:sldSz cx="12192000" cy="6858000"/>
   <p:notesSz cx="6858000" cy="9144000"/>
@@ -179,7 +178,6 @@
             <p14:sldId id="263"/>
             <p14:sldId id="309"/>
             <p14:sldId id="264"/>
-            <p14:sldId id="310"/>
             <p14:sldId id="311"/>
             <p14:sldId id="315"/>
             <p14:sldId id="316"/>
@@ -6281,7 +6279,7 @@
         </p:spPr>
         <p:txBody>
           <a:bodyPr>
-            <a:normAutofit lnSpcReduction="10000"/>
+            <a:normAutofit fontScale="92500" lnSpcReduction="10000"/>
           </a:bodyPr>
           <a:lstStyle/>
           <a:p>
@@ -6423,30 +6421,6 @@
       </p:grpSpPr>
       <p:sp>
         <p:nvSpPr>
-          <p:cNvPr id="5" name="Content Placeholder 2"/>
-          <p:cNvSpPr>
-            <a:spLocks noGrp="1"/>
-          </p:cNvSpPr>
-          <p:nvPr>
-            <p:ph idx="1"/>
-          </p:nvPr>
-        </p:nvSpPr>
-        <p:spPr>
-          <a:xfrm>
-            <a:off x="277793" y="902826"/>
-            <a:ext cx="11539959" cy="5660020"/>
-          </a:xfrm>
-        </p:spPr>
-        <p:txBody>
-          <a:bodyPr/>
-          <a:lstStyle/>
-          <a:p>
-            <a:endParaRPr lang="fr-CH" dirty="0"/>
-          </a:p>
-        </p:txBody>
-      </p:sp>
-      <p:sp>
-        <p:nvSpPr>
           <p:cNvPr id="6" name="Title 1"/>
           <p:cNvSpPr>
             <a:spLocks noGrp="1"/>
@@ -6472,6 +6446,126 @@
               <a:rPr lang="fr-CH" sz="2800" dirty="0"/>
               <a:t>CATEGORIE 3</a:t>
             </a:r>
+          </a:p>
+        </p:txBody>
+      </p:sp>
+      <p:sp>
+        <p:nvSpPr>
+          <p:cNvPr id="4" name="Content Placeholder 2"/>
+          <p:cNvSpPr>
+            <a:spLocks noGrp="1"/>
+          </p:cNvSpPr>
+          <p:nvPr>
+            <p:ph idx="1"/>
+          </p:nvPr>
+        </p:nvSpPr>
+        <p:spPr>
+          <a:xfrm>
+            <a:off x="277813" y="903288"/>
+            <a:ext cx="11539537" cy="5659437"/>
+          </a:xfrm>
+        </p:spPr>
+        <p:txBody>
+          <a:bodyPr>
+            <a:normAutofit/>
+          </a:bodyPr>
+          <a:lstStyle/>
+          <a:p>
+            <a:pPr marL="0" indent="0">
+              <a:buNone/>
+            </a:pPr>
+            <a:r>
+              <a:rPr lang="fr-CH" sz="2400" b="1" u="sng" dirty="0">
+                <a:solidFill>
+                  <a:schemeClr val="tx1"/>
+                </a:solidFill>
+              </a:rPr>
+              <a:t>Caractéristiques technique </a:t>
+            </a:r>
+            <a:r>
+              <a:rPr lang="fr-CH" sz="2400" b="1" u="sng" dirty="0" smtClean="0">
+                <a:solidFill>
+                  <a:schemeClr val="tx1"/>
+                </a:solidFill>
+              </a:rPr>
+              <a:t>CAT3:</a:t>
+            </a:r>
+            <a:endParaRPr lang="fr-CH" sz="2400" b="1" u="sng" dirty="0">
+              <a:solidFill>
+                <a:schemeClr val="tx1"/>
+              </a:solidFill>
+            </a:endParaRPr>
+          </a:p>
+          <a:p>
+            <a:pPr lvl="1"/>
+            <a:r>
+              <a:rPr lang="fr-CH" dirty="0">
+                <a:solidFill>
+                  <a:schemeClr val="tx1"/>
+                </a:solidFill>
+              </a:rPr>
+              <a:t>Vitesse </a:t>
+            </a:r>
+            <a:r>
+              <a:rPr lang="fr-CH" dirty="0" smtClean="0">
+                <a:solidFill>
+                  <a:schemeClr val="tx1"/>
+                </a:solidFill>
+              </a:rPr>
+              <a:t>de </a:t>
+            </a:r>
+            <a:r>
+              <a:rPr lang="fr-CH" b="1" dirty="0" smtClean="0">
+                <a:solidFill>
+                  <a:schemeClr val="tx1"/>
+                </a:solidFill>
+              </a:rPr>
+              <a:t>10Mb/s</a:t>
+            </a:r>
+            <a:endParaRPr lang="fr-CH" b="1" dirty="0">
+              <a:solidFill>
+                <a:schemeClr val="tx1"/>
+              </a:solidFill>
+            </a:endParaRPr>
+          </a:p>
+          <a:p>
+            <a:pPr lvl="1"/>
+            <a:r>
+              <a:rPr lang="fr-CH" b="1" dirty="0" smtClean="0">
+                <a:solidFill>
+                  <a:schemeClr val="tx1"/>
+                </a:solidFill>
+              </a:rPr>
+              <a:t>Fréquence de 16 MHz</a:t>
+            </a:r>
+            <a:endParaRPr lang="fr-CH" b="1" dirty="0">
+              <a:solidFill>
+                <a:schemeClr val="tx1"/>
+              </a:solidFill>
+            </a:endParaRPr>
+          </a:p>
+          <a:p>
+            <a:pPr lvl="1"/>
+            <a:r>
+              <a:rPr lang="fr-CH" b="1" dirty="0" smtClean="0">
+                <a:solidFill>
+                  <a:schemeClr val="tx1"/>
+                </a:solidFill>
+              </a:rPr>
+              <a:t>L’un des premiers câble Ethernet</a:t>
+            </a:r>
+            <a:endParaRPr lang="fr-CH" b="1" dirty="0">
+              <a:solidFill>
+                <a:schemeClr val="tx1"/>
+              </a:solidFill>
+            </a:endParaRPr>
+          </a:p>
+          <a:p>
+            <a:endParaRPr lang="fr-CH" dirty="0">
+              <a:solidFill>
+                <a:schemeClr val="tx1"/>
+              </a:solidFill>
+            </a:endParaRPr>
           </a:p>
         </p:txBody>
       </p:sp>
@@ -6485,6 +6579,280 @@
   <p:clrMapOvr>
     <a:masterClrMapping/>
   </p:clrMapOvr>
+  <p:timing>
+    <p:tnLst>
+      <p:par>
+        <p:cTn id="1" dur="indefinite" restart="never" nodeType="tmRoot">
+          <p:childTnLst>
+            <p:seq concurrent="1" nextAc="seek">
+              <p:cTn id="2" dur="indefinite" nodeType="mainSeq">
+                <p:childTnLst>
+                  <p:par>
+                    <p:cTn id="3" fill="hold">
+                      <p:stCondLst>
+                        <p:cond delay="indefinite"/>
+                      </p:stCondLst>
+                      <p:childTnLst>
+                        <p:par>
+                          <p:cTn id="4" fill="hold">
+                            <p:stCondLst>
+                              <p:cond delay="0"/>
+                            </p:stCondLst>
+                            <p:childTnLst>
+                              <p:par>
+                                <p:cTn id="5" presetID="10" presetClass="entr" presetSubtype="0" fill="hold" nodeType="clickEffect">
+                                  <p:stCondLst>
+                                    <p:cond delay="0"/>
+                                  </p:stCondLst>
+                                  <p:childTnLst>
+                                    <p:set>
+                                      <p:cBhvr>
+                                        <p:cTn id="6" dur="1" fill="hold">
+                                          <p:stCondLst>
+                                            <p:cond delay="0"/>
+                                          </p:stCondLst>
+                                        </p:cTn>
+                                        <p:tgtEl>
+                                          <p:spTgt spid="4">
+                                            <p:txEl>
+                                              <p:pRg st="0" end="0"/>
+                                            </p:txEl>
+                                          </p:spTgt>
+                                        </p:tgtEl>
+                                        <p:attrNameLst>
+                                          <p:attrName>style.visibility</p:attrName>
+                                        </p:attrNameLst>
+                                      </p:cBhvr>
+                                      <p:to>
+                                        <p:strVal val="visible"/>
+                                      </p:to>
+                                    </p:set>
+                                    <p:animEffect transition="in" filter="fade">
+                                      <p:cBhvr>
+                                        <p:cTn id="7" dur="500"/>
+                                        <p:tgtEl>
+                                          <p:spTgt spid="4">
+                                            <p:txEl>
+                                              <p:pRg st="0" end="0"/>
+                                            </p:txEl>
+                                          </p:spTgt>
+                                        </p:tgtEl>
+                                      </p:cBhvr>
+                                    </p:animEffect>
+                                  </p:childTnLst>
+                                </p:cTn>
+                              </p:par>
+                            </p:childTnLst>
+                          </p:cTn>
+                        </p:par>
+                      </p:childTnLst>
+                    </p:cTn>
+                  </p:par>
+                  <p:par>
+                    <p:cTn id="8" fill="hold">
+                      <p:stCondLst>
+                        <p:cond delay="indefinite"/>
+                      </p:stCondLst>
+                      <p:childTnLst>
+                        <p:par>
+                          <p:cTn id="9" fill="hold">
+                            <p:stCondLst>
+                              <p:cond delay="0"/>
+                            </p:stCondLst>
+                            <p:childTnLst>
+                              <p:par>
+                                <p:cTn id="10" presetID="10" presetClass="entr" presetSubtype="0" fill="hold" nodeType="clickEffect">
+                                  <p:stCondLst>
+                                    <p:cond delay="0"/>
+                                  </p:stCondLst>
+                                  <p:childTnLst>
+                                    <p:set>
+                                      <p:cBhvr>
+                                        <p:cTn id="11" dur="1" fill="hold">
+                                          <p:stCondLst>
+                                            <p:cond delay="0"/>
+                                          </p:stCondLst>
+                                        </p:cTn>
+                                        <p:tgtEl>
+                                          <p:spTgt spid="4">
+                                            <p:txEl>
+                                              <p:pRg st="1" end="1"/>
+                                            </p:txEl>
+                                          </p:spTgt>
+                                        </p:tgtEl>
+                                        <p:attrNameLst>
+                                          <p:attrName>style.visibility</p:attrName>
+                                        </p:attrNameLst>
+                                      </p:cBhvr>
+                                      <p:to>
+                                        <p:strVal val="visible"/>
+                                      </p:to>
+                                    </p:set>
+                                    <p:animEffect transition="in" filter="fade">
+                                      <p:cBhvr>
+                                        <p:cTn id="12" dur="500"/>
+                                        <p:tgtEl>
+                                          <p:spTgt spid="4">
+                                            <p:txEl>
+                                              <p:pRg st="1" end="1"/>
+                                            </p:txEl>
+                                          </p:spTgt>
+                                        </p:tgtEl>
+                                      </p:cBhvr>
+                                    </p:animEffect>
+                                  </p:childTnLst>
+                                </p:cTn>
+                              </p:par>
+                            </p:childTnLst>
+                          </p:cTn>
+                        </p:par>
+                      </p:childTnLst>
+                    </p:cTn>
+                  </p:par>
+                  <p:par>
+                    <p:cTn id="13" fill="hold">
+                      <p:stCondLst>
+                        <p:cond delay="indefinite"/>
+                      </p:stCondLst>
+                      <p:childTnLst>
+                        <p:par>
+                          <p:cTn id="14" fill="hold">
+                            <p:stCondLst>
+                              <p:cond delay="0"/>
+                            </p:stCondLst>
+                            <p:childTnLst>
+                              <p:par>
+                                <p:cTn id="15" presetID="10" presetClass="entr" presetSubtype="0" fill="hold" nodeType="clickEffect">
+                                  <p:stCondLst>
+                                    <p:cond delay="0"/>
+                                  </p:stCondLst>
+                                  <p:childTnLst>
+                                    <p:set>
+                                      <p:cBhvr>
+                                        <p:cTn id="16" dur="1" fill="hold">
+                                          <p:stCondLst>
+                                            <p:cond delay="0"/>
+                                          </p:stCondLst>
+                                        </p:cTn>
+                                        <p:tgtEl>
+                                          <p:spTgt spid="4">
+                                            <p:txEl>
+                                              <p:pRg st="2" end="2"/>
+                                            </p:txEl>
+                                          </p:spTgt>
+                                        </p:tgtEl>
+                                        <p:attrNameLst>
+                                          <p:attrName>style.visibility</p:attrName>
+                                        </p:attrNameLst>
+                                      </p:cBhvr>
+                                      <p:to>
+                                        <p:strVal val="visible"/>
+                                      </p:to>
+                                    </p:set>
+                                    <p:animEffect transition="in" filter="fade">
+                                      <p:cBhvr>
+                                        <p:cTn id="17" dur="500"/>
+                                        <p:tgtEl>
+                                          <p:spTgt spid="4">
+                                            <p:txEl>
+                                              <p:pRg st="2" end="2"/>
+                                            </p:txEl>
+                                          </p:spTgt>
+                                        </p:tgtEl>
+                                      </p:cBhvr>
+                                    </p:animEffect>
+                                  </p:childTnLst>
+                                </p:cTn>
+                              </p:par>
+                            </p:childTnLst>
+                          </p:cTn>
+                        </p:par>
+                      </p:childTnLst>
+                    </p:cTn>
+                  </p:par>
+                  <p:par>
+                    <p:cTn id="18" fill="hold">
+                      <p:stCondLst>
+                        <p:cond delay="indefinite"/>
+                      </p:stCondLst>
+                      <p:childTnLst>
+                        <p:par>
+                          <p:cTn id="19" fill="hold">
+                            <p:stCondLst>
+                              <p:cond delay="0"/>
+                            </p:stCondLst>
+                            <p:childTnLst>
+                              <p:par>
+                                <p:cTn id="20" presetID="10" presetClass="entr" presetSubtype="0" fill="hold" nodeType="clickEffect">
+                                  <p:stCondLst>
+                                    <p:cond delay="0"/>
+                                  </p:stCondLst>
+                                  <p:childTnLst>
+                                    <p:set>
+                                      <p:cBhvr>
+                                        <p:cTn id="21" dur="1" fill="hold">
+                                          <p:stCondLst>
+                                            <p:cond delay="0"/>
+                                          </p:stCondLst>
+                                        </p:cTn>
+                                        <p:tgtEl>
+                                          <p:spTgt spid="4">
+                                            <p:txEl>
+                                              <p:pRg st="3" end="3"/>
+                                            </p:txEl>
+                                          </p:spTgt>
+                                        </p:tgtEl>
+                                        <p:attrNameLst>
+                                          <p:attrName>style.visibility</p:attrName>
+                                        </p:attrNameLst>
+                                      </p:cBhvr>
+                                      <p:to>
+                                        <p:strVal val="visible"/>
+                                      </p:to>
+                                    </p:set>
+                                    <p:animEffect transition="in" filter="fade">
+                                      <p:cBhvr>
+                                        <p:cTn id="22" dur="500"/>
+                                        <p:tgtEl>
+                                          <p:spTgt spid="4">
+                                            <p:txEl>
+                                              <p:pRg st="3" end="3"/>
+                                            </p:txEl>
+                                          </p:spTgt>
+                                        </p:tgtEl>
+                                      </p:cBhvr>
+                                    </p:animEffect>
+                                  </p:childTnLst>
+                                </p:cTn>
+                              </p:par>
+                            </p:childTnLst>
+                          </p:cTn>
+                        </p:par>
+                      </p:childTnLst>
+                    </p:cTn>
+                  </p:par>
+                </p:childTnLst>
+              </p:cTn>
+              <p:prevCondLst>
+                <p:cond evt="onPrev" delay="0">
+                  <p:tgtEl>
+                    <p:sldTgt/>
+                  </p:tgtEl>
+                </p:cond>
+              </p:prevCondLst>
+              <p:nextCondLst>
+                <p:cond evt="onNext" delay="0">
+                  <p:tgtEl>
+                    <p:sldTgt/>
+                  </p:tgtEl>
+                </p:cond>
+              </p:nextCondLst>
+            </p:seq>
+          </p:childTnLst>
+        </p:cTn>
+      </p:par>
+    </p:tnLst>
+  </p:timing>
 </p:sld>
 </file>
 
@@ -6507,30 +6875,6 @@
       </p:grpSpPr>
       <p:sp>
         <p:nvSpPr>
-          <p:cNvPr id="5" name="Content Placeholder 2"/>
-          <p:cNvSpPr>
-            <a:spLocks noGrp="1"/>
-          </p:cNvSpPr>
-          <p:nvPr>
-            <p:ph idx="1"/>
-          </p:nvPr>
-        </p:nvSpPr>
-        <p:spPr>
-          <a:xfrm>
-            <a:off x="277793" y="902826"/>
-            <a:ext cx="11539959" cy="5660020"/>
-          </a:xfrm>
-        </p:spPr>
-        <p:txBody>
-          <a:bodyPr/>
-          <a:lstStyle/>
-          <a:p>
-            <a:endParaRPr lang="fr-CH" dirty="0"/>
-          </a:p>
-        </p:txBody>
-      </p:sp>
-      <p:sp>
-        <p:nvSpPr>
           <p:cNvPr id="6" name="Title 1"/>
           <p:cNvSpPr>
             <a:spLocks noGrp="1"/>
@@ -6556,6 +6900,222 @@
               <a:rPr lang="fr-CH" sz="2800" dirty="0"/>
               <a:t>CATEGORIE 5 / 5E</a:t>
             </a:r>
+          </a:p>
+        </p:txBody>
+      </p:sp>
+      <p:sp>
+        <p:nvSpPr>
+          <p:cNvPr id="4" name="Content Placeholder 2"/>
+          <p:cNvSpPr>
+            <a:spLocks noGrp="1"/>
+          </p:cNvSpPr>
+          <p:nvPr>
+            <p:ph idx="1"/>
+          </p:nvPr>
+        </p:nvSpPr>
+        <p:spPr>
+          <a:xfrm>
+            <a:off x="277813" y="903288"/>
+            <a:ext cx="11539537" cy="5659437"/>
+          </a:xfrm>
+        </p:spPr>
+        <p:txBody>
+          <a:bodyPr>
+            <a:normAutofit/>
+          </a:bodyPr>
+          <a:lstStyle/>
+          <a:p>
+            <a:pPr marL="0" indent="0">
+              <a:buNone/>
+            </a:pPr>
+            <a:r>
+              <a:rPr lang="fr-CH" sz="2400" b="1" u="sng" dirty="0">
+                <a:solidFill>
+                  <a:schemeClr val="tx1"/>
+                </a:solidFill>
+              </a:rPr>
+              <a:t>Caractéristiques technique </a:t>
+            </a:r>
+            <a:r>
+              <a:rPr lang="fr-CH" sz="2400" b="1" u="sng" dirty="0" smtClean="0">
+                <a:solidFill>
+                  <a:schemeClr val="tx1"/>
+                </a:solidFill>
+              </a:rPr>
+              <a:t>CAT5:</a:t>
+            </a:r>
+            <a:endParaRPr lang="fr-CH" sz="2400" b="1" u="sng" dirty="0">
+              <a:solidFill>
+                <a:schemeClr val="tx1"/>
+              </a:solidFill>
+            </a:endParaRPr>
+          </a:p>
+          <a:p>
+            <a:pPr lvl="1"/>
+            <a:r>
+              <a:rPr lang="fr-CH" dirty="0">
+                <a:solidFill>
+                  <a:schemeClr val="tx1"/>
+                </a:solidFill>
+              </a:rPr>
+              <a:t>Vitesse </a:t>
+            </a:r>
+            <a:r>
+              <a:rPr lang="fr-CH" dirty="0" smtClean="0">
+                <a:solidFill>
+                  <a:schemeClr val="tx1"/>
+                </a:solidFill>
+              </a:rPr>
+              <a:t>maximum de </a:t>
+            </a:r>
+            <a:r>
+              <a:rPr lang="fr-CH" b="1" dirty="0" smtClean="0">
+                <a:solidFill>
+                  <a:schemeClr val="tx1"/>
+                </a:solidFill>
+              </a:rPr>
+              <a:t>100 Mbit/s</a:t>
+            </a:r>
+            <a:endParaRPr lang="fr-CH" b="1" dirty="0">
+              <a:solidFill>
+                <a:schemeClr val="tx1"/>
+              </a:solidFill>
+            </a:endParaRPr>
+          </a:p>
+          <a:p>
+            <a:pPr lvl="1"/>
+            <a:r>
+              <a:rPr lang="fr-CH" b="1" dirty="0" smtClean="0">
+                <a:solidFill>
+                  <a:schemeClr val="tx1"/>
+                </a:solidFill>
+              </a:rPr>
+              <a:t>Fréquence de 100 MHz</a:t>
+            </a:r>
+            <a:endParaRPr lang="fr-CH" b="1" dirty="0">
+              <a:solidFill>
+                <a:schemeClr val="tx1"/>
+              </a:solidFill>
+            </a:endParaRPr>
+          </a:p>
+          <a:p>
+            <a:pPr marL="457200" lvl="1" indent="0">
+              <a:buNone/>
+            </a:pPr>
+            <a:endParaRPr lang="fr-CH" b="1" dirty="0">
+              <a:solidFill>
+                <a:schemeClr val="tx1"/>
+              </a:solidFill>
+            </a:endParaRPr>
+          </a:p>
+          <a:p>
+            <a:pPr marL="457200" lvl="1" indent="0">
+              <a:buNone/>
+            </a:pPr>
+            <a:endParaRPr lang="fr-CH" b="1" dirty="0">
+              <a:solidFill>
+                <a:schemeClr val="tx1"/>
+              </a:solidFill>
+            </a:endParaRPr>
+          </a:p>
+          <a:p>
+            <a:pPr marL="457200" lvl="1" indent="0">
+              <a:buNone/>
+            </a:pPr>
+            <a:endParaRPr lang="fr-CH" b="1" dirty="0">
+              <a:solidFill>
+                <a:schemeClr val="tx1"/>
+              </a:solidFill>
+            </a:endParaRPr>
+          </a:p>
+          <a:p>
+            <a:pPr marL="0" indent="0">
+              <a:buNone/>
+            </a:pPr>
+            <a:r>
+              <a:rPr lang="fr-CH" sz="2400" b="1" u="sng" dirty="0">
+                <a:solidFill>
+                  <a:schemeClr val="tx1"/>
+                </a:solidFill>
+              </a:rPr>
+              <a:t>Caractéristiques techniques CAT </a:t>
+            </a:r>
+            <a:r>
+              <a:rPr lang="fr-CH" sz="2400" b="1" u="sng" dirty="0" smtClean="0">
+                <a:solidFill>
+                  <a:schemeClr val="tx1"/>
+                </a:solidFill>
+              </a:rPr>
+              <a:t>5e</a:t>
+            </a:r>
+            <a:r>
+              <a:rPr lang="fr-CH" sz="2400" b="1" u="sng" dirty="0" smtClean="0">
+                <a:solidFill>
+                  <a:schemeClr val="tx1"/>
+                </a:solidFill>
+              </a:rPr>
+              <a:t>:</a:t>
+            </a:r>
+            <a:endParaRPr lang="fr-CH" sz="2400" dirty="0">
+              <a:solidFill>
+                <a:schemeClr val="tx1"/>
+              </a:solidFill>
+            </a:endParaRPr>
+          </a:p>
+          <a:p>
+            <a:pPr lvl="1"/>
+            <a:r>
+              <a:rPr lang="fr-CH" dirty="0" smtClean="0">
+                <a:solidFill>
+                  <a:schemeClr val="tx1"/>
+                </a:solidFill>
+              </a:rPr>
+              <a:t>Amélioration de la CAT5</a:t>
+            </a:r>
+          </a:p>
+          <a:p>
+            <a:pPr lvl="1"/>
+            <a:r>
+              <a:rPr lang="fr-CH" dirty="0" smtClean="0">
+                <a:solidFill>
+                  <a:schemeClr val="tx1"/>
+                </a:solidFill>
+              </a:rPr>
+              <a:t>Débit de 1 Gbit/s</a:t>
+            </a:r>
+          </a:p>
+          <a:p>
+            <a:pPr lvl="1"/>
+            <a:r>
+              <a:rPr lang="fr-CH" b="1" dirty="0" smtClean="0">
+                <a:solidFill>
+                  <a:schemeClr val="tx1"/>
+                </a:solidFill>
+              </a:rPr>
+              <a:t>Fréquence de 100 MHz</a:t>
+            </a:r>
+            <a:endParaRPr lang="fr-CH" b="1" dirty="0">
+              <a:solidFill>
+                <a:schemeClr val="tx1"/>
+              </a:solidFill>
+            </a:endParaRPr>
+          </a:p>
+          <a:p>
+            <a:pPr marL="0" indent="0">
+              <a:buNone/>
+            </a:pPr>
+            <a:endParaRPr lang="fr-CH" b="1" dirty="0">
+              <a:solidFill>
+                <a:schemeClr val="tx1"/>
+              </a:solidFill>
+            </a:endParaRPr>
+          </a:p>
+          <a:p>
+            <a:endParaRPr lang="fr-CH" dirty="0">
+              <a:solidFill>
+                <a:schemeClr val="tx1"/>
+              </a:solidFill>
+            </a:endParaRPr>
           </a:p>
         </p:txBody>
       </p:sp>
@@ -6569,6 +7129,463 @@
   <p:clrMapOvr>
     <a:masterClrMapping/>
   </p:clrMapOvr>
+  <p:timing>
+    <p:tnLst>
+      <p:par>
+        <p:cTn id="1" dur="indefinite" restart="never" nodeType="tmRoot">
+          <p:childTnLst>
+            <p:seq concurrent="1" nextAc="seek">
+              <p:cTn id="2" dur="indefinite" nodeType="mainSeq">
+                <p:childTnLst>
+                  <p:par>
+                    <p:cTn id="3" fill="hold">
+                      <p:stCondLst>
+                        <p:cond delay="indefinite"/>
+                      </p:stCondLst>
+                      <p:childTnLst>
+                        <p:par>
+                          <p:cTn id="4" fill="hold">
+                            <p:stCondLst>
+                              <p:cond delay="0"/>
+                            </p:stCondLst>
+                            <p:childTnLst>
+                              <p:par>
+                                <p:cTn id="5" presetID="10" presetClass="entr" presetSubtype="0" fill="hold" nodeType="clickEffect">
+                                  <p:stCondLst>
+                                    <p:cond delay="0"/>
+                                  </p:stCondLst>
+                                  <p:childTnLst>
+                                    <p:set>
+                                      <p:cBhvr>
+                                        <p:cTn id="6" dur="1" fill="hold">
+                                          <p:stCondLst>
+                                            <p:cond delay="0"/>
+                                          </p:stCondLst>
+                                        </p:cTn>
+                                        <p:tgtEl>
+                                          <p:spTgt spid="4">
+                                            <p:txEl>
+                                              <p:pRg st="0" end="0"/>
+                                            </p:txEl>
+                                          </p:spTgt>
+                                        </p:tgtEl>
+                                        <p:attrNameLst>
+                                          <p:attrName>style.visibility</p:attrName>
+                                        </p:attrNameLst>
+                                      </p:cBhvr>
+                                      <p:to>
+                                        <p:strVal val="visible"/>
+                                      </p:to>
+                                    </p:set>
+                                    <p:animEffect transition="in" filter="fade">
+                                      <p:cBhvr>
+                                        <p:cTn id="7" dur="500"/>
+                                        <p:tgtEl>
+                                          <p:spTgt spid="4">
+                                            <p:txEl>
+                                              <p:pRg st="0" end="0"/>
+                                            </p:txEl>
+                                          </p:spTgt>
+                                        </p:tgtEl>
+                                      </p:cBhvr>
+                                    </p:animEffect>
+                                  </p:childTnLst>
+                                </p:cTn>
+                              </p:par>
+                            </p:childTnLst>
+                          </p:cTn>
+                        </p:par>
+                      </p:childTnLst>
+                    </p:cTn>
+                  </p:par>
+                  <p:par>
+                    <p:cTn id="8" fill="hold">
+                      <p:stCondLst>
+                        <p:cond delay="indefinite"/>
+                      </p:stCondLst>
+                      <p:childTnLst>
+                        <p:par>
+                          <p:cTn id="9" fill="hold">
+                            <p:stCondLst>
+                              <p:cond delay="0"/>
+                            </p:stCondLst>
+                            <p:childTnLst>
+                              <p:par>
+                                <p:cTn id="10" presetID="10" presetClass="entr" presetSubtype="0" fill="hold" nodeType="clickEffect">
+                                  <p:stCondLst>
+                                    <p:cond delay="0"/>
+                                  </p:stCondLst>
+                                  <p:childTnLst>
+                                    <p:set>
+                                      <p:cBhvr>
+                                        <p:cTn id="11" dur="1" fill="hold">
+                                          <p:stCondLst>
+                                            <p:cond delay="0"/>
+                                          </p:stCondLst>
+                                        </p:cTn>
+                                        <p:tgtEl>
+                                          <p:spTgt spid="4">
+                                            <p:txEl>
+                                              <p:pRg st="1" end="1"/>
+                                            </p:txEl>
+                                          </p:spTgt>
+                                        </p:tgtEl>
+                                        <p:attrNameLst>
+                                          <p:attrName>style.visibility</p:attrName>
+                                        </p:attrNameLst>
+                                      </p:cBhvr>
+                                      <p:to>
+                                        <p:strVal val="visible"/>
+                                      </p:to>
+                                    </p:set>
+                                    <p:animEffect transition="in" filter="fade">
+                                      <p:cBhvr>
+                                        <p:cTn id="12" dur="500"/>
+                                        <p:tgtEl>
+                                          <p:spTgt spid="4">
+                                            <p:txEl>
+                                              <p:pRg st="1" end="1"/>
+                                            </p:txEl>
+                                          </p:spTgt>
+                                        </p:tgtEl>
+                                      </p:cBhvr>
+                                    </p:animEffect>
+                                  </p:childTnLst>
+                                </p:cTn>
+                              </p:par>
+                            </p:childTnLst>
+                          </p:cTn>
+                        </p:par>
+                      </p:childTnLst>
+                    </p:cTn>
+                  </p:par>
+                  <p:par>
+                    <p:cTn id="13" fill="hold">
+                      <p:stCondLst>
+                        <p:cond delay="indefinite"/>
+                      </p:stCondLst>
+                      <p:childTnLst>
+                        <p:par>
+                          <p:cTn id="14" fill="hold">
+                            <p:stCondLst>
+                              <p:cond delay="0"/>
+                            </p:stCondLst>
+                            <p:childTnLst>
+                              <p:par>
+                                <p:cTn id="15" presetID="10" presetClass="entr" presetSubtype="0" fill="hold" nodeType="clickEffect">
+                                  <p:stCondLst>
+                                    <p:cond delay="0"/>
+                                  </p:stCondLst>
+                                  <p:childTnLst>
+                                    <p:set>
+                                      <p:cBhvr>
+                                        <p:cTn id="16" dur="1" fill="hold">
+                                          <p:stCondLst>
+                                            <p:cond delay="0"/>
+                                          </p:stCondLst>
+                                        </p:cTn>
+                                        <p:tgtEl>
+                                          <p:spTgt spid="4">
+                                            <p:txEl>
+                                              <p:pRg st="2" end="2"/>
+                                            </p:txEl>
+                                          </p:spTgt>
+                                        </p:tgtEl>
+                                        <p:attrNameLst>
+                                          <p:attrName>style.visibility</p:attrName>
+                                        </p:attrNameLst>
+                                      </p:cBhvr>
+                                      <p:to>
+                                        <p:strVal val="visible"/>
+                                      </p:to>
+                                    </p:set>
+                                    <p:animEffect transition="in" filter="fade">
+                                      <p:cBhvr>
+                                        <p:cTn id="17" dur="500"/>
+                                        <p:tgtEl>
+                                          <p:spTgt spid="4">
+                                            <p:txEl>
+                                              <p:pRg st="2" end="2"/>
+                                            </p:txEl>
+                                          </p:spTgt>
+                                        </p:tgtEl>
+                                      </p:cBhvr>
+                                    </p:animEffect>
+                                  </p:childTnLst>
+                                </p:cTn>
+                              </p:par>
+                            </p:childTnLst>
+                          </p:cTn>
+                        </p:par>
+                      </p:childTnLst>
+                    </p:cTn>
+                  </p:par>
+                  <p:par>
+                    <p:cTn id="18" fill="hold">
+                      <p:stCondLst>
+                        <p:cond delay="indefinite"/>
+                      </p:stCondLst>
+                      <p:childTnLst>
+                        <p:par>
+                          <p:cTn id="19" fill="hold">
+                            <p:stCondLst>
+                              <p:cond delay="0"/>
+                            </p:stCondLst>
+                            <p:childTnLst>
+                              <p:par>
+                                <p:cTn id="20" presetID="10" presetClass="entr" presetSubtype="0" fill="hold" nodeType="clickEffect">
+                                  <p:stCondLst>
+                                    <p:cond delay="0"/>
+                                  </p:stCondLst>
+                                  <p:childTnLst>
+                                    <p:set>
+                                      <p:cBhvr>
+                                        <p:cTn id="21" dur="1" fill="hold">
+                                          <p:stCondLst>
+                                            <p:cond delay="0"/>
+                                          </p:stCondLst>
+                                        </p:cTn>
+                                        <p:tgtEl>
+                                          <p:spTgt spid="4">
+                                            <p:txEl>
+                                              <p:pRg st="6" end="6"/>
+                                            </p:txEl>
+                                          </p:spTgt>
+                                        </p:tgtEl>
+                                        <p:attrNameLst>
+                                          <p:attrName>style.visibility</p:attrName>
+                                        </p:attrNameLst>
+                                      </p:cBhvr>
+                                      <p:to>
+                                        <p:strVal val="visible"/>
+                                      </p:to>
+                                    </p:set>
+                                    <p:animEffect transition="in" filter="fade">
+                                      <p:cBhvr>
+                                        <p:cTn id="22" dur="500"/>
+                                        <p:tgtEl>
+                                          <p:spTgt spid="4">
+                                            <p:txEl>
+                                              <p:pRg st="6" end="6"/>
+                                            </p:txEl>
+                                          </p:spTgt>
+                                        </p:tgtEl>
+                                      </p:cBhvr>
+                                    </p:animEffect>
+                                  </p:childTnLst>
+                                </p:cTn>
+                              </p:par>
+                            </p:childTnLst>
+                          </p:cTn>
+                        </p:par>
+                      </p:childTnLst>
+                    </p:cTn>
+                  </p:par>
+                  <p:par>
+                    <p:cTn id="23" fill="hold">
+                      <p:stCondLst>
+                        <p:cond delay="indefinite"/>
+                      </p:stCondLst>
+                      <p:childTnLst>
+                        <p:par>
+                          <p:cTn id="24" fill="hold">
+                            <p:stCondLst>
+                              <p:cond delay="0"/>
+                            </p:stCondLst>
+                            <p:childTnLst>
+                              <p:par>
+                                <p:cTn id="25" presetID="10" presetClass="entr" presetSubtype="0" fill="hold" nodeType="clickEffect">
+                                  <p:stCondLst>
+                                    <p:cond delay="0"/>
+                                  </p:stCondLst>
+                                  <p:childTnLst>
+                                    <p:set>
+                                      <p:cBhvr>
+                                        <p:cTn id="26" dur="1" fill="hold">
+                                          <p:stCondLst>
+                                            <p:cond delay="0"/>
+                                          </p:stCondLst>
+                                        </p:cTn>
+                                        <p:tgtEl>
+                                          <p:spTgt spid="4">
+                                            <p:txEl>
+                                              <p:pRg st="7" end="7"/>
+                                            </p:txEl>
+                                          </p:spTgt>
+                                        </p:tgtEl>
+                                        <p:attrNameLst>
+                                          <p:attrName>style.visibility</p:attrName>
+                                        </p:attrNameLst>
+                                      </p:cBhvr>
+                                      <p:to>
+                                        <p:strVal val="visible"/>
+                                      </p:to>
+                                    </p:set>
+                                    <p:animEffect transition="in" filter="fade">
+                                      <p:cBhvr>
+                                        <p:cTn id="27" dur="500"/>
+                                        <p:tgtEl>
+                                          <p:spTgt spid="4">
+                                            <p:txEl>
+                                              <p:pRg st="7" end="7"/>
+                                            </p:txEl>
+                                          </p:spTgt>
+                                        </p:tgtEl>
+                                      </p:cBhvr>
+                                    </p:animEffect>
+                                  </p:childTnLst>
+                                </p:cTn>
+                              </p:par>
+                            </p:childTnLst>
+                          </p:cTn>
+                        </p:par>
+                      </p:childTnLst>
+                    </p:cTn>
+                  </p:par>
+                  <p:par>
+                    <p:cTn id="28" fill="hold">
+                      <p:stCondLst>
+                        <p:cond delay="indefinite"/>
+                      </p:stCondLst>
+                      <p:childTnLst>
+                        <p:par>
+                          <p:cTn id="29" fill="hold">
+                            <p:stCondLst>
+                              <p:cond delay="0"/>
+                            </p:stCondLst>
+                            <p:childTnLst>
+                              <p:par>
+                                <p:cTn id="30" presetID="10" presetClass="entr" presetSubtype="0" fill="hold" nodeType="clickEffect">
+                                  <p:stCondLst>
+                                    <p:cond delay="0"/>
+                                  </p:stCondLst>
+                                  <p:childTnLst>
+                                    <p:set>
+                                      <p:cBhvr>
+                                        <p:cTn id="31" dur="1" fill="hold">
+                                          <p:stCondLst>
+                                            <p:cond delay="0"/>
+                                          </p:stCondLst>
+                                        </p:cTn>
+                                        <p:tgtEl>
+                                          <p:spTgt spid="4">
+                                            <p:txEl>
+                                              <p:pRg st="8" end="8"/>
+                                            </p:txEl>
+                                          </p:spTgt>
+                                        </p:tgtEl>
+                                        <p:attrNameLst>
+                                          <p:attrName>style.visibility</p:attrName>
+                                        </p:attrNameLst>
+                                      </p:cBhvr>
+                                      <p:to>
+                                        <p:strVal val="visible"/>
+                                      </p:to>
+                                    </p:set>
+                                    <p:animEffect transition="in" filter="fade">
+                                      <p:cBhvr>
+                                        <p:cTn id="32" dur="500"/>
+                                        <p:tgtEl>
+                                          <p:spTgt spid="4">
+                                            <p:txEl>
+                                              <p:pRg st="8" end="8"/>
+                                            </p:txEl>
+                                          </p:spTgt>
+                                        </p:tgtEl>
+                                      </p:cBhvr>
+                                    </p:animEffect>
+                                  </p:childTnLst>
+                                </p:cTn>
+                              </p:par>
+                            </p:childTnLst>
+                          </p:cTn>
+                        </p:par>
+                      </p:childTnLst>
+                    </p:cTn>
+                  </p:par>
+                  <p:par>
+                    <p:cTn id="33" fill="hold">
+                      <p:stCondLst>
+                        <p:cond delay="indefinite"/>
+                      </p:stCondLst>
+                      <p:childTnLst>
+                        <p:par>
+                          <p:cTn id="34" fill="hold">
+                            <p:stCondLst>
+                              <p:cond delay="0"/>
+                            </p:stCondLst>
+                            <p:childTnLst>
+                              <p:par>
+                                <p:cTn id="35" presetID="10" presetClass="entr" presetSubtype="0" fill="hold" nodeType="clickEffect">
+                                  <p:stCondLst>
+                                    <p:cond delay="0"/>
+                                  </p:stCondLst>
+                                  <p:childTnLst>
+                                    <p:set>
+                                      <p:cBhvr>
+                                        <p:cTn id="36" dur="1" fill="hold">
+                                          <p:stCondLst>
+                                            <p:cond delay="0"/>
+                                          </p:stCondLst>
+                                        </p:cTn>
+                                        <p:tgtEl>
+                                          <p:spTgt spid="4">
+                                            <p:txEl>
+                                              <p:pRg st="9" end="9"/>
+                                            </p:txEl>
+                                          </p:spTgt>
+                                        </p:tgtEl>
+                                        <p:attrNameLst>
+                                          <p:attrName>style.visibility</p:attrName>
+                                        </p:attrNameLst>
+                                      </p:cBhvr>
+                                      <p:to>
+                                        <p:strVal val="visible"/>
+                                      </p:to>
+                                    </p:set>
+                                    <p:animEffect transition="in" filter="fade">
+                                      <p:cBhvr>
+                                        <p:cTn id="37" dur="500"/>
+                                        <p:tgtEl>
+                                          <p:spTgt spid="4">
+                                            <p:txEl>
+                                              <p:pRg st="9" end="9"/>
+                                            </p:txEl>
+                                          </p:spTgt>
+                                        </p:tgtEl>
+                                      </p:cBhvr>
+                                    </p:animEffect>
+                                  </p:childTnLst>
+                                </p:cTn>
+                              </p:par>
+                            </p:childTnLst>
+                          </p:cTn>
+                        </p:par>
+                      </p:childTnLst>
+                    </p:cTn>
+                  </p:par>
+                </p:childTnLst>
+              </p:cTn>
+              <p:prevCondLst>
+                <p:cond evt="onPrev" delay="0">
+                  <p:tgtEl>
+                    <p:sldTgt/>
+                  </p:tgtEl>
+                </p:cond>
+              </p:prevCondLst>
+              <p:nextCondLst>
+                <p:cond evt="onNext" delay="0">
+                  <p:tgtEl>
+                    <p:sldTgt/>
+                  </p:tgtEl>
+                </p:cond>
+              </p:nextCondLst>
+            </p:seq>
+          </p:childTnLst>
+        </p:cTn>
+      </p:par>
+    </p:tnLst>
+  </p:timing>
 </p:sld>
 </file>
 
@@ -8893,7 +9910,7 @@
       </p:sp>
       <p:sp>
         <p:nvSpPr>
-          <p:cNvPr id="6" name="Content Placeholder 2"/>
+          <p:cNvPr id="4" name="Content Placeholder 2"/>
           <p:cNvSpPr>
             <a:spLocks noGrp="1"/>
           </p:cNvSpPr>
@@ -8903,15 +9920,184 @@
         </p:nvSpPr>
         <p:spPr>
           <a:xfrm>
-            <a:off x="277793" y="902826"/>
-            <a:ext cx="11539959" cy="5660020"/>
+            <a:off x="277813" y="903288"/>
+            <a:ext cx="11539537" cy="5659437"/>
           </a:xfrm>
         </p:spPr>
         <p:txBody>
-          <a:bodyPr/>
+          <a:bodyPr>
+            <a:normAutofit/>
+          </a:bodyPr>
           <a:lstStyle/>
           <a:p>
-            <a:endParaRPr lang="fr-CH" dirty="0"/>
+            <a:pPr marL="0" indent="0">
+              <a:buNone/>
+            </a:pPr>
+            <a:r>
+              <a:rPr lang="fr-CH" sz="2400" b="1" u="sng" dirty="0">
+                <a:solidFill>
+                  <a:schemeClr val="tx1"/>
+                </a:solidFill>
+              </a:rPr>
+              <a:t>Caractéristiques technique </a:t>
+            </a:r>
+            <a:r>
+              <a:rPr lang="fr-CH" sz="2400" b="1" u="sng" dirty="0" smtClean="0">
+                <a:solidFill>
+                  <a:schemeClr val="tx1"/>
+                </a:solidFill>
+              </a:rPr>
+              <a:t>CAT8:</a:t>
+            </a:r>
+            <a:endParaRPr lang="fr-CH" sz="2400" b="1" u="sng" dirty="0">
+              <a:solidFill>
+                <a:schemeClr val="tx1"/>
+              </a:solidFill>
+            </a:endParaRPr>
+          </a:p>
+          <a:p>
+            <a:pPr lvl="1"/>
+            <a:r>
+              <a:rPr lang="fr-CH" dirty="0" smtClean="0">
+                <a:solidFill>
+                  <a:schemeClr val="tx1"/>
+                </a:solidFill>
+              </a:rPr>
+              <a:t>Nouvelle catégorie </a:t>
+            </a:r>
+            <a:endParaRPr lang="fr-CH" b="1" dirty="0">
+              <a:solidFill>
+                <a:schemeClr val="tx1"/>
+              </a:solidFill>
+            </a:endParaRPr>
+          </a:p>
+          <a:p>
+            <a:pPr lvl="1"/>
+            <a:r>
+              <a:rPr lang="fr-CH" dirty="0" smtClean="0">
+                <a:solidFill>
+                  <a:schemeClr val="tx1"/>
+                </a:solidFill>
+              </a:rPr>
+              <a:t>Débit de </a:t>
+            </a:r>
+            <a:r>
+              <a:rPr lang="fr-CH" b="1" dirty="0" smtClean="0">
+                <a:solidFill>
+                  <a:schemeClr val="tx1"/>
+                </a:solidFill>
+              </a:rPr>
+              <a:t>40 Gbit/s</a:t>
+            </a:r>
+          </a:p>
+          <a:p>
+            <a:pPr lvl="1"/>
+            <a:r>
+              <a:rPr lang="fr-CH" dirty="0" err="1" smtClean="0">
+                <a:solidFill>
+                  <a:schemeClr val="tx1"/>
+                </a:solidFill>
+              </a:rPr>
+              <a:t>Féquence</a:t>
+            </a:r>
+            <a:r>
+              <a:rPr lang="fr-CH" dirty="0" smtClean="0">
+                <a:solidFill>
+                  <a:schemeClr val="tx1"/>
+                </a:solidFill>
+              </a:rPr>
+              <a:t> de </a:t>
+            </a:r>
+            <a:r>
+              <a:rPr lang="fr-CH" b="1" dirty="0" smtClean="0">
+                <a:solidFill>
+                  <a:schemeClr val="tx1"/>
+                </a:solidFill>
+              </a:rPr>
+              <a:t>2000 MHz</a:t>
+            </a:r>
+          </a:p>
+          <a:p>
+            <a:pPr lvl="1"/>
+            <a:r>
+              <a:rPr lang="fr-CH" dirty="0" smtClean="0">
+                <a:solidFill>
+                  <a:schemeClr val="tx1"/>
+                </a:solidFill>
+              </a:rPr>
+              <a:t>Taille maximale de </a:t>
+            </a:r>
+            <a:r>
+              <a:rPr lang="fr-CH" b="1" dirty="0" smtClean="0">
+                <a:solidFill>
+                  <a:schemeClr val="tx1"/>
+                </a:solidFill>
+              </a:rPr>
+              <a:t>30 mètres</a:t>
+            </a:r>
+          </a:p>
+          <a:p>
+            <a:pPr lvl="1"/>
+            <a:r>
+              <a:rPr lang="fr-CH" smtClean="0">
+                <a:solidFill>
+                  <a:schemeClr val="tx1"/>
+                </a:solidFill>
+              </a:rPr>
+              <a:t>Principalement pour Data Center</a:t>
+            </a:r>
+            <a:endParaRPr lang="fr-CH" dirty="0">
+              <a:solidFill>
+                <a:schemeClr val="tx1"/>
+              </a:solidFill>
+            </a:endParaRPr>
+          </a:p>
+          <a:p>
+            <a:pPr marL="457200" lvl="1" indent="0">
+              <a:buNone/>
+            </a:pPr>
+            <a:endParaRPr lang="fr-CH" b="1" dirty="0">
+              <a:solidFill>
+                <a:schemeClr val="tx1"/>
+              </a:solidFill>
+            </a:endParaRPr>
+          </a:p>
+          <a:p>
+            <a:pPr marL="457200" lvl="1" indent="0">
+              <a:buNone/>
+            </a:pPr>
+            <a:endParaRPr lang="fr-CH" b="1" dirty="0">
+              <a:solidFill>
+                <a:schemeClr val="tx1"/>
+              </a:solidFill>
+            </a:endParaRPr>
+          </a:p>
+          <a:p>
+            <a:pPr marL="457200" lvl="1" indent="0">
+              <a:buNone/>
+            </a:pPr>
+            <a:endParaRPr lang="fr-CH" b="1" dirty="0">
+              <a:solidFill>
+                <a:schemeClr val="tx1"/>
+              </a:solidFill>
+            </a:endParaRPr>
+          </a:p>
+          <a:p>
+            <a:pPr marL="0" indent="0">
+              <a:buNone/>
+            </a:pPr>
+            <a:endParaRPr lang="fr-CH" b="1" dirty="0">
+              <a:solidFill>
+                <a:schemeClr val="tx1"/>
+              </a:solidFill>
+            </a:endParaRPr>
+          </a:p>
+          <a:p>
+            <a:endParaRPr lang="fr-CH" dirty="0">
+              <a:solidFill>
+                <a:schemeClr val="tx1"/>
+              </a:solidFill>
+            </a:endParaRPr>
           </a:p>
         </p:txBody>
       </p:sp>
@@ -8925,6 +10111,402 @@
   <p:clrMapOvr>
     <a:masterClrMapping/>
   </p:clrMapOvr>
+  <p:timing>
+    <p:tnLst>
+      <p:par>
+        <p:cTn id="1" dur="indefinite" restart="never" nodeType="tmRoot">
+          <p:childTnLst>
+            <p:seq concurrent="1" nextAc="seek">
+              <p:cTn id="2" dur="indefinite" nodeType="mainSeq">
+                <p:childTnLst>
+                  <p:par>
+                    <p:cTn id="3" fill="hold">
+                      <p:stCondLst>
+                        <p:cond delay="indefinite"/>
+                      </p:stCondLst>
+                      <p:childTnLst>
+                        <p:par>
+                          <p:cTn id="4" fill="hold">
+                            <p:stCondLst>
+                              <p:cond delay="0"/>
+                            </p:stCondLst>
+                            <p:childTnLst>
+                              <p:par>
+                                <p:cTn id="5" presetID="10" presetClass="entr" presetSubtype="0" fill="hold" nodeType="clickEffect">
+                                  <p:stCondLst>
+                                    <p:cond delay="0"/>
+                                  </p:stCondLst>
+                                  <p:childTnLst>
+                                    <p:set>
+                                      <p:cBhvr>
+                                        <p:cTn id="6" dur="1" fill="hold">
+                                          <p:stCondLst>
+                                            <p:cond delay="0"/>
+                                          </p:stCondLst>
+                                        </p:cTn>
+                                        <p:tgtEl>
+                                          <p:spTgt spid="4">
+                                            <p:txEl>
+                                              <p:pRg st="0" end="0"/>
+                                            </p:txEl>
+                                          </p:spTgt>
+                                        </p:tgtEl>
+                                        <p:attrNameLst>
+                                          <p:attrName>style.visibility</p:attrName>
+                                        </p:attrNameLst>
+                                      </p:cBhvr>
+                                      <p:to>
+                                        <p:strVal val="visible"/>
+                                      </p:to>
+                                    </p:set>
+                                    <p:animEffect transition="in" filter="fade">
+                                      <p:cBhvr>
+                                        <p:cTn id="7" dur="500"/>
+                                        <p:tgtEl>
+                                          <p:spTgt spid="4">
+                                            <p:txEl>
+                                              <p:pRg st="0" end="0"/>
+                                            </p:txEl>
+                                          </p:spTgt>
+                                        </p:tgtEl>
+                                      </p:cBhvr>
+                                    </p:animEffect>
+                                  </p:childTnLst>
+                                </p:cTn>
+                              </p:par>
+                            </p:childTnLst>
+                          </p:cTn>
+                        </p:par>
+                      </p:childTnLst>
+                    </p:cTn>
+                  </p:par>
+                  <p:par>
+                    <p:cTn id="8" fill="hold">
+                      <p:stCondLst>
+                        <p:cond delay="indefinite"/>
+                      </p:stCondLst>
+                      <p:childTnLst>
+                        <p:par>
+                          <p:cTn id="9" fill="hold">
+                            <p:stCondLst>
+                              <p:cond delay="0"/>
+                            </p:stCondLst>
+                            <p:childTnLst>
+                              <p:par>
+                                <p:cTn id="10" presetID="10" presetClass="entr" presetSubtype="0" fill="hold" nodeType="clickEffect">
+                                  <p:stCondLst>
+                                    <p:cond delay="0"/>
+                                  </p:stCondLst>
+                                  <p:childTnLst>
+                                    <p:set>
+                                      <p:cBhvr>
+                                        <p:cTn id="11" dur="1" fill="hold">
+                                          <p:stCondLst>
+                                            <p:cond delay="0"/>
+                                          </p:stCondLst>
+                                        </p:cTn>
+                                        <p:tgtEl>
+                                          <p:spTgt spid="4">
+                                            <p:txEl>
+                                              <p:pRg st="1" end="1"/>
+                                            </p:txEl>
+                                          </p:spTgt>
+                                        </p:tgtEl>
+                                        <p:attrNameLst>
+                                          <p:attrName>style.visibility</p:attrName>
+                                        </p:attrNameLst>
+                                      </p:cBhvr>
+                                      <p:to>
+                                        <p:strVal val="visible"/>
+                                      </p:to>
+                                    </p:set>
+                                    <p:animEffect transition="in" filter="fade">
+                                      <p:cBhvr>
+                                        <p:cTn id="12" dur="500"/>
+                                        <p:tgtEl>
+                                          <p:spTgt spid="4">
+                                            <p:txEl>
+                                              <p:pRg st="1" end="1"/>
+                                            </p:txEl>
+                                          </p:spTgt>
+                                        </p:tgtEl>
+                                      </p:cBhvr>
+                                    </p:animEffect>
+                                  </p:childTnLst>
+                                </p:cTn>
+                              </p:par>
+                            </p:childTnLst>
+                          </p:cTn>
+                        </p:par>
+                      </p:childTnLst>
+                    </p:cTn>
+                  </p:par>
+                  <p:par>
+                    <p:cTn id="13" fill="hold">
+                      <p:stCondLst>
+                        <p:cond delay="indefinite"/>
+                      </p:stCondLst>
+                      <p:childTnLst>
+                        <p:par>
+                          <p:cTn id="14" fill="hold">
+                            <p:stCondLst>
+                              <p:cond delay="0"/>
+                            </p:stCondLst>
+                            <p:childTnLst>
+                              <p:par>
+                                <p:cTn id="15" presetID="10" presetClass="entr" presetSubtype="0" fill="hold" nodeType="clickEffect">
+                                  <p:stCondLst>
+                                    <p:cond delay="0"/>
+                                  </p:stCondLst>
+                                  <p:childTnLst>
+                                    <p:set>
+                                      <p:cBhvr>
+                                        <p:cTn id="16" dur="1" fill="hold">
+                                          <p:stCondLst>
+                                            <p:cond delay="0"/>
+                                          </p:stCondLst>
+                                        </p:cTn>
+                                        <p:tgtEl>
+                                          <p:spTgt spid="4">
+                                            <p:txEl>
+                                              <p:pRg st="2" end="2"/>
+                                            </p:txEl>
+                                          </p:spTgt>
+                                        </p:tgtEl>
+                                        <p:attrNameLst>
+                                          <p:attrName>style.visibility</p:attrName>
+                                        </p:attrNameLst>
+                                      </p:cBhvr>
+                                      <p:to>
+                                        <p:strVal val="visible"/>
+                                      </p:to>
+                                    </p:set>
+                                    <p:animEffect transition="in" filter="fade">
+                                      <p:cBhvr>
+                                        <p:cTn id="17" dur="500"/>
+                                        <p:tgtEl>
+                                          <p:spTgt spid="4">
+                                            <p:txEl>
+                                              <p:pRg st="2" end="2"/>
+                                            </p:txEl>
+                                          </p:spTgt>
+                                        </p:tgtEl>
+                                      </p:cBhvr>
+                                    </p:animEffect>
+                                  </p:childTnLst>
+                                </p:cTn>
+                              </p:par>
+                            </p:childTnLst>
+                          </p:cTn>
+                        </p:par>
+                      </p:childTnLst>
+                    </p:cTn>
+                  </p:par>
+                  <p:par>
+                    <p:cTn id="18" fill="hold">
+                      <p:stCondLst>
+                        <p:cond delay="indefinite"/>
+                      </p:stCondLst>
+                      <p:childTnLst>
+                        <p:par>
+                          <p:cTn id="19" fill="hold">
+                            <p:stCondLst>
+                              <p:cond delay="0"/>
+                            </p:stCondLst>
+                            <p:childTnLst>
+                              <p:par>
+                                <p:cTn id="20" presetID="10" presetClass="entr" presetSubtype="0" fill="hold" nodeType="clickEffect">
+                                  <p:stCondLst>
+                                    <p:cond delay="0"/>
+                                  </p:stCondLst>
+                                  <p:childTnLst>
+                                    <p:set>
+                                      <p:cBhvr>
+                                        <p:cTn id="21" dur="1" fill="hold">
+                                          <p:stCondLst>
+                                            <p:cond delay="0"/>
+                                          </p:stCondLst>
+                                        </p:cTn>
+                                        <p:tgtEl>
+                                          <p:spTgt spid="4">
+                                            <p:txEl>
+                                              <p:pRg st="3" end="3"/>
+                                            </p:txEl>
+                                          </p:spTgt>
+                                        </p:tgtEl>
+                                        <p:attrNameLst>
+                                          <p:attrName>style.visibility</p:attrName>
+                                        </p:attrNameLst>
+                                      </p:cBhvr>
+                                      <p:to>
+                                        <p:strVal val="visible"/>
+                                      </p:to>
+                                    </p:set>
+                                    <p:animEffect transition="in" filter="fade">
+                                      <p:cBhvr>
+                                        <p:cTn id="22" dur="500"/>
+                                        <p:tgtEl>
+                                          <p:spTgt spid="4">
+                                            <p:txEl>
+                                              <p:pRg st="3" end="3"/>
+                                            </p:txEl>
+                                          </p:spTgt>
+                                        </p:tgtEl>
+                                      </p:cBhvr>
+                                    </p:animEffect>
+                                  </p:childTnLst>
+                                </p:cTn>
+                              </p:par>
+                            </p:childTnLst>
+                          </p:cTn>
+                        </p:par>
+                      </p:childTnLst>
+                    </p:cTn>
+                  </p:par>
+                  <p:par>
+                    <p:cTn id="23" fill="hold">
+                      <p:stCondLst>
+                        <p:cond delay="indefinite"/>
+                      </p:stCondLst>
+                      <p:childTnLst>
+                        <p:par>
+                          <p:cTn id="24" fill="hold">
+                            <p:stCondLst>
+                              <p:cond delay="0"/>
+                            </p:stCondLst>
+                            <p:childTnLst>
+                              <p:par>
+                                <p:cTn id="25" presetID="10" presetClass="entr" presetSubtype="0" fill="hold" nodeType="clickEffect">
+                                  <p:stCondLst>
+                                    <p:cond delay="0"/>
+                                  </p:stCondLst>
+                                  <p:childTnLst>
+                                    <p:set>
+                                      <p:cBhvr>
+                                        <p:cTn id="26" dur="1" fill="hold">
+                                          <p:stCondLst>
+                                            <p:cond delay="0"/>
+                                          </p:stCondLst>
+                                        </p:cTn>
+                                        <p:tgtEl>
+                                          <p:spTgt spid="4">
+                                            <p:txEl>
+                                              <p:pRg st="4" end="4"/>
+                                            </p:txEl>
+                                          </p:spTgt>
+                                        </p:tgtEl>
+                                        <p:attrNameLst>
+                                          <p:attrName>style.visibility</p:attrName>
+                                        </p:attrNameLst>
+                                      </p:cBhvr>
+                                      <p:to>
+                                        <p:strVal val="visible"/>
+                                      </p:to>
+                                    </p:set>
+                                    <p:animEffect transition="in" filter="fade">
+                                      <p:cBhvr>
+                                        <p:cTn id="27" dur="500"/>
+                                        <p:tgtEl>
+                                          <p:spTgt spid="4">
+                                            <p:txEl>
+                                              <p:pRg st="4" end="4"/>
+                                            </p:txEl>
+                                          </p:spTgt>
+                                        </p:tgtEl>
+                                      </p:cBhvr>
+                                    </p:animEffect>
+                                  </p:childTnLst>
+                                </p:cTn>
+                              </p:par>
+                            </p:childTnLst>
+                          </p:cTn>
+                        </p:par>
+                      </p:childTnLst>
+                    </p:cTn>
+                  </p:par>
+                  <p:par>
+                    <p:cTn id="28" fill="hold">
+                      <p:stCondLst>
+                        <p:cond delay="indefinite"/>
+                      </p:stCondLst>
+                      <p:childTnLst>
+                        <p:par>
+                          <p:cTn id="29" fill="hold">
+                            <p:stCondLst>
+                              <p:cond delay="0"/>
+                            </p:stCondLst>
+                            <p:childTnLst>
+                              <p:par>
+                                <p:cTn id="30" presetID="10" presetClass="entr" presetSubtype="0" fill="hold" nodeType="clickEffect">
+                                  <p:stCondLst>
+                                    <p:cond delay="0"/>
+                                  </p:stCondLst>
+                                  <p:childTnLst>
+                                    <p:set>
+                                      <p:cBhvr>
+                                        <p:cTn id="31" dur="1" fill="hold">
+                                          <p:stCondLst>
+                                            <p:cond delay="0"/>
+                                          </p:stCondLst>
+                                        </p:cTn>
+                                        <p:tgtEl>
+                                          <p:spTgt spid="4">
+                                            <p:txEl>
+                                              <p:pRg st="5" end="5"/>
+                                            </p:txEl>
+                                          </p:spTgt>
+                                        </p:tgtEl>
+                                        <p:attrNameLst>
+                                          <p:attrName>style.visibility</p:attrName>
+                                        </p:attrNameLst>
+                                      </p:cBhvr>
+                                      <p:to>
+                                        <p:strVal val="visible"/>
+                                      </p:to>
+                                    </p:set>
+                                    <p:animEffect transition="in" filter="fade">
+                                      <p:cBhvr>
+                                        <p:cTn id="32" dur="500"/>
+                                        <p:tgtEl>
+                                          <p:spTgt spid="4">
+                                            <p:txEl>
+                                              <p:pRg st="5" end="5"/>
+                                            </p:txEl>
+                                          </p:spTgt>
+                                        </p:tgtEl>
+                                      </p:cBhvr>
+                                    </p:animEffect>
+                                  </p:childTnLst>
+                                </p:cTn>
+                              </p:par>
+                            </p:childTnLst>
+                          </p:cTn>
+                        </p:par>
+                      </p:childTnLst>
+                    </p:cTn>
+                  </p:par>
+                </p:childTnLst>
+              </p:cTn>
+              <p:prevCondLst>
+                <p:cond evt="onPrev" delay="0">
+                  <p:tgtEl>
+                    <p:sldTgt/>
+                  </p:tgtEl>
+                </p:cond>
+              </p:prevCondLst>
+              <p:nextCondLst>
+                <p:cond evt="onNext" delay="0">
+                  <p:tgtEl>
+                    <p:sldTgt/>
+                  </p:tgtEl>
+                </p:cond>
+              </p:nextCondLst>
+            </p:seq>
+          </p:childTnLst>
+        </p:cTn>
+      </p:par>
+    </p:tnLst>
+  </p:timing>
 </p:sld>
 </file>
 
@@ -13476,7 +15058,7 @@
         <p:spPr>
           <a:xfrm>
             <a:off x="374248" y="1514120"/>
-            <a:ext cx="6059803" cy="2862322"/>
+            <a:ext cx="10708280" cy="2862322"/>
           </a:xfrm>
           <a:prstGeom prst="rect">
             <a:avLst/>
@@ -13495,8 +15077,17 @@
             </a:pPr>
             <a:r>
               <a:rPr lang="fr-CH" sz="2000" dirty="0"/>
-              <a:t>Du câble</a:t>
-            </a:r>
+              <a:t>Du </a:t>
+            </a:r>
+            <a:r>
+              <a:rPr lang="fr-CH" sz="2000" dirty="0" smtClean="0"/>
+              <a:t>câble  </a:t>
+            </a:r>
+            <a:r>
+              <a:rPr lang="fr-CH" sz="1600" dirty="0" smtClean="0"/>
+              <a:t>(couper la longueur nécessaire et y ajouter 20cm pour les connecteurs)</a:t>
+            </a:r>
+            <a:endParaRPr lang="fr-CH" sz="2000" dirty="0"/>
           </a:p>
           <a:p>
             <a:pPr marL="285750" indent="-285750">
@@ -13583,145 +15174,6 @@
 </file>
 
 <file path=ppt/slides/slide32.xml><?xml version="1.0" encoding="utf-8"?>
-<p:sld xmlns:a="http://schemas.openxmlformats.org/drawingml/2006/main" xmlns:r="http://schemas.openxmlformats.org/officeDocument/2006/relationships" xmlns:p="http://schemas.openxmlformats.org/presentationml/2006/main">
-  <p:cSld>
-    <p:spTree>
-      <p:nvGrpSpPr>
-        <p:cNvPr id="1" name=""/>
-        <p:cNvGrpSpPr/>
-        <p:nvPr/>
-      </p:nvGrpSpPr>
-      <p:grpSpPr>
-        <a:xfrm>
-          <a:off x="0" y="0"/>
-          <a:ext cx="0" cy="0"/>
-          <a:chOff x="0" y="0"/>
-          <a:chExt cx="0" cy="0"/>
-        </a:xfrm>
-      </p:grpSpPr>
-      <p:sp>
-        <p:nvSpPr>
-          <p:cNvPr id="6" name="Title 1"/>
-          <p:cNvSpPr>
-            <a:spLocks noGrp="1"/>
-          </p:cNvSpPr>
-          <p:nvPr>
-            <p:ph type="title"/>
-          </p:nvPr>
-        </p:nvSpPr>
-        <p:spPr>
-          <a:xfrm>
-            <a:off x="0" y="0"/>
-            <a:ext cx="2488557" cy="510199"/>
-          </a:xfrm>
-        </p:spPr>
-        <p:txBody>
-          <a:bodyPr numCol="1">
-            <a:noAutofit/>
-          </a:bodyPr>
-          <a:lstStyle/>
-          <a:p>
-            <a:pPr algn="ctr"/>
-            <a:r>
-              <a:rPr lang="fr-CH" sz="2800" dirty="0"/>
-              <a:t>FABRICATION</a:t>
-            </a:r>
-          </a:p>
-        </p:txBody>
-      </p:sp>
-      <p:sp>
-        <p:nvSpPr>
-          <p:cNvPr id="2" name="ZoneTexte 1">
-            <a:extLst>
-              <a:ext uri="{FF2B5EF4-FFF2-40B4-BE49-F238E27FC236}">
-                <a16:creationId xmlns:a16="http://schemas.microsoft.com/office/drawing/2014/main" id="{95A71DAD-C760-4FB1-9A97-CB83FC9A6215}"/>
-              </a:ext>
-            </a:extLst>
-          </p:cNvPr>
-          <p:cNvSpPr txBox="1"/>
-          <p:nvPr/>
-        </p:nvSpPr>
-        <p:spPr>
-          <a:xfrm>
-            <a:off x="374248" y="902826"/>
-            <a:ext cx="3940233" cy="461665"/>
-          </a:xfrm>
-          <a:prstGeom prst="rect">
-            <a:avLst/>
-          </a:prstGeom>
-          <a:noFill/>
-        </p:spPr>
-        <p:txBody>
-          <a:bodyPr wrap="square" rtlCol="0">
-            <a:spAutoFit/>
-          </a:bodyPr>
-          <a:lstStyle/>
-          <a:p>
-            <a:r>
-              <a:rPr lang="fr-CH" sz="2400" b="1" dirty="0"/>
-              <a:t>Préparation du câble</a:t>
-            </a:r>
-          </a:p>
-        </p:txBody>
-      </p:sp>
-      <p:sp>
-        <p:nvSpPr>
-          <p:cNvPr id="4" name="ZoneTexte 3">
-            <a:extLst>
-              <a:ext uri="{FF2B5EF4-FFF2-40B4-BE49-F238E27FC236}">
-                <a16:creationId xmlns:a16="http://schemas.microsoft.com/office/drawing/2014/main" id="{FBE88C88-B8F1-497D-99A0-7069148CCDE5}"/>
-              </a:ext>
-            </a:extLst>
-          </p:cNvPr>
-          <p:cNvSpPr txBox="1"/>
-          <p:nvPr/>
-        </p:nvSpPr>
-        <p:spPr>
-          <a:xfrm>
-            <a:off x="374248" y="1514120"/>
-            <a:ext cx="6059803" cy="1631216"/>
-          </a:xfrm>
-          <a:prstGeom prst="rect">
-            <a:avLst/>
-          </a:prstGeom>
-          <a:noFill/>
-        </p:spPr>
-        <p:txBody>
-          <a:bodyPr wrap="square" rtlCol="0">
-            <a:spAutoFit/>
-          </a:bodyPr>
-          <a:lstStyle/>
-          <a:p>
-            <a:r>
-              <a:rPr lang="fr-CH" sz="2000" dirty="0"/>
-              <a:t>Mesurez la longueur nécessaire de câble et y ajouter 20 centimètres pour les connecteurs.</a:t>
-            </a:r>
-          </a:p>
-          <a:p>
-            <a:endParaRPr lang="fr-CH" sz="2000" dirty="0"/>
-          </a:p>
-          <a:p>
-            <a:r>
-              <a:rPr lang="fr-CH" sz="2000" dirty="0"/>
-              <a:t>Coupez cette longueur à l’aide de la pince coupante.</a:t>
-            </a:r>
-          </a:p>
-        </p:txBody>
-      </p:sp>
-    </p:spTree>
-    <p:extLst>
-      <p:ext uri="{BB962C8B-B14F-4D97-AF65-F5344CB8AC3E}">
-        <p14:creationId xmlns:p14="http://schemas.microsoft.com/office/powerpoint/2010/main" val="4164296157"/>
-      </p:ext>
-    </p:extLst>
-  </p:cSld>
-  <p:clrMapOvr>
-    <a:masterClrMapping/>
-  </p:clrMapOvr>
-</p:sld>
-</file>
-
-<file path=ppt/slides/slide33.xml><?xml version="1.0" encoding="utf-8"?>
 <p:sld xmlns:a="http://schemas.openxmlformats.org/drawingml/2006/main" xmlns:r="http://schemas.openxmlformats.org/officeDocument/2006/relationships" xmlns:p="http://schemas.openxmlformats.org/presentationml/2006/main">
   <p:cSld>
     <p:spTree>
@@ -13887,7 +15339,7 @@
 </p:sld>
 </file>
 
-<file path=ppt/slides/slide34.xml><?xml version="1.0" encoding="utf-8"?>
+<file path=ppt/slides/slide33.xml><?xml version="1.0" encoding="utf-8"?>
 <p:sld xmlns:a="http://schemas.openxmlformats.org/drawingml/2006/main" xmlns:r="http://schemas.openxmlformats.org/officeDocument/2006/relationships" xmlns:p="http://schemas.openxmlformats.org/presentationml/2006/main">
   <p:cSld>
     <p:spTree>
@@ -14067,7 +15519,7 @@
 </p:sld>
 </file>
 
-<file path=ppt/slides/slide35.xml><?xml version="1.0" encoding="utf-8"?>
+<file path=ppt/slides/slide34.xml><?xml version="1.0" encoding="utf-8"?>
 <p:sld xmlns:a="http://schemas.openxmlformats.org/drawingml/2006/main" xmlns:r="http://schemas.openxmlformats.org/officeDocument/2006/relationships" xmlns:p="http://schemas.openxmlformats.org/presentationml/2006/main">
   <p:cSld>
     <p:spTree>
@@ -14365,7 +15817,7 @@
 </p:sld>
 </file>
 
-<file path=ppt/slides/slide36.xml><?xml version="1.0" encoding="utf-8"?>
+<file path=ppt/slides/slide35.xml><?xml version="1.0" encoding="utf-8"?>
 <p:sld xmlns:a="http://schemas.openxmlformats.org/drawingml/2006/main" xmlns:r="http://schemas.openxmlformats.org/officeDocument/2006/relationships" xmlns:p="http://schemas.openxmlformats.org/presentationml/2006/main">
   <p:cSld>
     <p:spTree>
@@ -14537,7 +15989,7 @@
 </p:sld>
 </file>
 
-<file path=ppt/slides/slide37.xml><?xml version="1.0" encoding="utf-8"?>
+<file path=ppt/slides/slide36.xml><?xml version="1.0" encoding="utf-8"?>
 <p:sld xmlns:a="http://schemas.openxmlformats.org/drawingml/2006/main" xmlns:r="http://schemas.openxmlformats.org/officeDocument/2006/relationships" xmlns:p="http://schemas.openxmlformats.org/presentationml/2006/main">
   <p:cSld>
     <p:spTree>
@@ -14701,7 +16153,7 @@
 </p:sld>
 </file>
 
-<file path=ppt/slides/slide38.xml><?xml version="1.0" encoding="utf-8"?>
+<file path=ppt/slides/slide37.xml><?xml version="1.0" encoding="utf-8"?>
 <p:sld xmlns:a="http://schemas.openxmlformats.org/drawingml/2006/main" xmlns:r="http://schemas.openxmlformats.org/officeDocument/2006/relationships" xmlns:p="http://schemas.openxmlformats.org/presentationml/2006/main">
   <p:cSld>
     <p:spTree>
@@ -14886,7 +16338,7 @@
 </p:sld>
 </file>
 
-<file path=ppt/slides/slide39.xml><?xml version="1.0" encoding="utf-8"?>
+<file path=ppt/slides/slide38.xml><?xml version="1.0" encoding="utf-8"?>
 <p:sld xmlns:a="http://schemas.openxmlformats.org/drawingml/2006/main" xmlns:r="http://schemas.openxmlformats.org/officeDocument/2006/relationships" xmlns:p="http://schemas.openxmlformats.org/presentationml/2006/main">
   <p:cSld>
     <p:spTree>
@@ -15038,6 +16490,105 @@
     <p:extLst>
       <p:ext uri="{BB962C8B-B14F-4D97-AF65-F5344CB8AC3E}">
         <p14:creationId xmlns:p14="http://schemas.microsoft.com/office/powerpoint/2010/main" val="1379813282"/>
+      </p:ext>
+    </p:extLst>
+  </p:cSld>
+  <p:clrMapOvr>
+    <a:masterClrMapping/>
+  </p:clrMapOvr>
+</p:sld>
+</file>
+
+<file path=ppt/slides/slide39.xml><?xml version="1.0" encoding="utf-8"?>
+<p:sld xmlns:a="http://schemas.openxmlformats.org/drawingml/2006/main" xmlns:r="http://schemas.openxmlformats.org/officeDocument/2006/relationships" xmlns:p="http://schemas.openxmlformats.org/presentationml/2006/main">
+  <p:cSld>
+    <p:spTree>
+      <p:nvGrpSpPr>
+        <p:cNvPr id="1" name=""/>
+        <p:cNvGrpSpPr/>
+        <p:nvPr/>
+      </p:nvGrpSpPr>
+      <p:grpSpPr>
+        <a:xfrm>
+          <a:off x="0" y="0"/>
+          <a:ext cx="0" cy="0"/>
+          <a:chOff x="0" y="0"/>
+          <a:chExt cx="0" cy="0"/>
+        </a:xfrm>
+      </p:grpSpPr>
+      <p:sp>
+        <p:nvSpPr>
+          <p:cNvPr id="2" name="Title 1"/>
+          <p:cNvSpPr>
+            <a:spLocks noGrp="1"/>
+          </p:cNvSpPr>
+          <p:nvPr>
+            <p:ph type="ctrTitle"/>
+          </p:nvPr>
+        </p:nvSpPr>
+        <p:spPr>
+          <a:xfrm rot="10800000" flipV="1">
+            <a:off x="1312243" y="1"/>
+            <a:ext cx="9567515" cy="2476981"/>
+          </a:xfrm>
+        </p:spPr>
+        <p:txBody>
+          <a:bodyPr anchor="ctr">
+            <a:noAutofit/>
+          </a:bodyPr>
+          <a:lstStyle/>
+          <a:p>
+            <a:r>
+              <a:rPr lang="fr-CH" sz="5400" dirty="0">
+                <a:cs typeface="Arial" panose="020B0604020202020204" pitchFamily="34" charset="0"/>
+              </a:rPr>
+              <a:t>Merci de votre écoute </a:t>
+            </a:r>
+          </a:p>
+        </p:txBody>
+      </p:sp>
+      <p:sp>
+        <p:nvSpPr>
+          <p:cNvPr id="3" name="Rectangle 2"/>
+          <p:cNvSpPr/>
+          <p:nvPr/>
+        </p:nvSpPr>
+        <p:spPr>
+          <a:xfrm>
+            <a:off x="1312243" y="2476983"/>
+            <a:ext cx="5512585" cy="1862048"/>
+          </a:xfrm>
+          <a:prstGeom prst="rect">
+            <a:avLst/>
+          </a:prstGeom>
+        </p:spPr>
+        <p:txBody>
+          <a:bodyPr wrap="square">
+            <a:spAutoFit/>
+          </a:bodyPr>
+          <a:lstStyle/>
+          <a:p>
+            <a:r>
+              <a:rPr lang="fr-CH" sz="4800" dirty="0">
+                <a:cs typeface="Arial" panose="020B0604020202020204" pitchFamily="34" charset="0"/>
+              </a:rPr>
+              <a:t>Des questions </a:t>
+            </a:r>
+            <a:r>
+              <a:rPr lang="fr-CH" sz="11500" dirty="0">
+                <a:latin typeface="Andalus" panose="02020603050405020304" pitchFamily="18" charset="-78"/>
+                <a:cs typeface="Andalus" panose="02020603050405020304" pitchFamily="18" charset="-78"/>
+              </a:rPr>
+              <a:t>?</a:t>
+            </a:r>
+            <a:endParaRPr lang="fr-CH" sz="2000" dirty="0"/>
+          </a:p>
+        </p:txBody>
+      </p:sp>
+    </p:spTree>
+    <p:extLst>
+      <p:ext uri="{BB962C8B-B14F-4D97-AF65-F5344CB8AC3E}">
+        <p14:creationId xmlns:p14="http://schemas.microsoft.com/office/powerpoint/2010/main" val="3904854099"/>
       </p:ext>
     </p:extLst>
   </p:cSld>
@@ -15752,105 +17303,6 @@
       <p:bldP spid="7" grpId="0"/>
     </p:bldLst>
   </p:timing>
-</p:sld>
-</file>
-
-<file path=ppt/slides/slide40.xml><?xml version="1.0" encoding="utf-8"?>
-<p:sld xmlns:a="http://schemas.openxmlformats.org/drawingml/2006/main" xmlns:r="http://schemas.openxmlformats.org/officeDocument/2006/relationships" xmlns:p="http://schemas.openxmlformats.org/presentationml/2006/main">
-  <p:cSld>
-    <p:spTree>
-      <p:nvGrpSpPr>
-        <p:cNvPr id="1" name=""/>
-        <p:cNvGrpSpPr/>
-        <p:nvPr/>
-      </p:nvGrpSpPr>
-      <p:grpSpPr>
-        <a:xfrm>
-          <a:off x="0" y="0"/>
-          <a:ext cx="0" cy="0"/>
-          <a:chOff x="0" y="0"/>
-          <a:chExt cx="0" cy="0"/>
-        </a:xfrm>
-      </p:grpSpPr>
-      <p:sp>
-        <p:nvSpPr>
-          <p:cNvPr id="2" name="Title 1"/>
-          <p:cNvSpPr>
-            <a:spLocks noGrp="1"/>
-          </p:cNvSpPr>
-          <p:nvPr>
-            <p:ph type="ctrTitle"/>
-          </p:nvPr>
-        </p:nvSpPr>
-        <p:spPr>
-          <a:xfrm rot="10800000" flipV="1">
-            <a:off x="1312243" y="1"/>
-            <a:ext cx="9567515" cy="2476981"/>
-          </a:xfrm>
-        </p:spPr>
-        <p:txBody>
-          <a:bodyPr anchor="ctr">
-            <a:noAutofit/>
-          </a:bodyPr>
-          <a:lstStyle/>
-          <a:p>
-            <a:r>
-              <a:rPr lang="fr-CH" sz="5400" dirty="0">
-                <a:cs typeface="Arial" panose="020B0604020202020204" pitchFamily="34" charset="0"/>
-              </a:rPr>
-              <a:t>Merci de votre écoute </a:t>
-            </a:r>
-          </a:p>
-        </p:txBody>
-      </p:sp>
-      <p:sp>
-        <p:nvSpPr>
-          <p:cNvPr id="3" name="Rectangle 2"/>
-          <p:cNvSpPr/>
-          <p:nvPr/>
-        </p:nvSpPr>
-        <p:spPr>
-          <a:xfrm>
-            <a:off x="1312243" y="2476983"/>
-            <a:ext cx="5512585" cy="1862048"/>
-          </a:xfrm>
-          <a:prstGeom prst="rect">
-            <a:avLst/>
-          </a:prstGeom>
-        </p:spPr>
-        <p:txBody>
-          <a:bodyPr wrap="square">
-            <a:spAutoFit/>
-          </a:bodyPr>
-          <a:lstStyle/>
-          <a:p>
-            <a:r>
-              <a:rPr lang="fr-CH" sz="4800" dirty="0">
-                <a:cs typeface="Arial" panose="020B0604020202020204" pitchFamily="34" charset="0"/>
-              </a:rPr>
-              <a:t>Des questions </a:t>
-            </a:r>
-            <a:r>
-              <a:rPr lang="fr-CH" sz="11500" dirty="0">
-                <a:latin typeface="Andalus" panose="02020603050405020304" pitchFamily="18" charset="-78"/>
-                <a:cs typeface="Andalus" panose="02020603050405020304" pitchFamily="18" charset="-78"/>
-              </a:rPr>
-              <a:t>?</a:t>
-            </a:r>
-            <a:endParaRPr lang="fr-CH" sz="2000" dirty="0"/>
-          </a:p>
-        </p:txBody>
-      </p:sp>
-    </p:spTree>
-    <p:extLst>
-      <p:ext uri="{BB962C8B-B14F-4D97-AF65-F5344CB8AC3E}">
-        <p14:creationId xmlns:p14="http://schemas.microsoft.com/office/powerpoint/2010/main" val="3904854099"/>
-      </p:ext>
-    </p:extLst>
-  </p:cSld>
-  <p:clrMapOvr>
-    <a:masterClrMapping/>
-  </p:clrMapOvr>
 </p:sld>
 </file>
 
